--- a/PRESENTAZIONE_TESI/presentazione_agostini_stefano.pptx
+++ b/PRESENTAZIONE_TESI/presentazione_agostini_stefano.pptx
@@ -10,6 +10,7 @@
     <p:sldId id="257" r:id="rId4"/>
     <p:sldId id="259" r:id="rId5"/>
     <p:sldId id="260" r:id="rId6"/>
+    <p:sldId id="261" r:id="rId7"/>
   </p:sldIdLst>
   <p:sldSz cx="9144000" cy="6858000" type="screen4x3"/>
   <p:notesSz cx="6858000" cy="9144000"/>
@@ -117,9 +118,24 @@
             <p14:sldId id="257"/>
             <p14:sldId id="259"/>
             <p14:sldId id="260"/>
+            <p14:sldId id="261"/>
           </p14:sldIdLst>
         </p14:section>
       </p14:sectionLst>
+    </p:ext>
+    <p:ext uri="{EFAFB233-063F-42B5-8137-9DF3F51BA10A}">
+      <p15:sldGuideLst xmlns:p15="http://schemas.microsoft.com/office/powerpoint/2012/main">
+        <p15:guide id="1" orient="horz" pos="2160">
+          <p15:clr>
+            <a:srgbClr val="A4A3A4"/>
+          </p15:clr>
+        </p15:guide>
+        <p15:guide id="2" pos="2880">
+          <p15:clr>
+            <a:srgbClr val="A4A3A4"/>
+          </p15:clr>
+        </p15:guide>
+      </p15:sldGuideLst>
     </p:ext>
   </p:extLst>
 </p:presentation>
@@ -306,10 +322,9 @@
           </a:lstStyle>
           <a:p>
             <a:r>
-              <a:rPr lang="en-US" smtClean="0"/>
+              <a:rPr lang="en-US"/>
               <a:t>Click to edit Master title style</a:t>
             </a:r>
-            <a:endParaRPr lang="en-US"/>
           </a:p>
         </p:txBody>
       </p:sp>
@@ -363,38 +378,37 @@
           <a:p>
             <a:pPr lvl="0"/>
             <a:r>
-              <a:rPr lang="en-US" smtClean="0"/>
+              <a:rPr lang="en-US"/>
               <a:t>Click to edit Master text styles</a:t>
             </a:r>
           </a:p>
           <a:p>
             <a:pPr lvl="1"/>
             <a:r>
-              <a:rPr lang="en-US" smtClean="0"/>
+              <a:rPr lang="en-US"/>
               <a:t>Second level</a:t>
             </a:r>
           </a:p>
           <a:p>
             <a:pPr lvl="2"/>
             <a:r>
-              <a:rPr lang="en-US" smtClean="0"/>
+              <a:rPr lang="en-US"/>
               <a:t>Third level</a:t>
             </a:r>
           </a:p>
           <a:p>
             <a:pPr lvl="3"/>
             <a:r>
-              <a:rPr lang="en-US" smtClean="0"/>
+              <a:rPr lang="en-US"/>
               <a:t>Fourth level</a:t>
             </a:r>
           </a:p>
           <a:p>
             <a:pPr lvl="4"/>
             <a:r>
-              <a:rPr lang="en-US" smtClean="0"/>
+              <a:rPr lang="en-US"/>
               <a:t>Fifth level</a:t>
             </a:r>
-            <a:endParaRPr lang="en-US"/>
           </a:p>
         </p:txBody>
       </p:sp>
@@ -457,7 +471,7 @@
           <a:p>
             <a:pPr lvl="0"/>
             <a:r>
-              <a:rPr lang="en-US" smtClean="0"/>
+              <a:rPr lang="en-US"/>
               <a:t>Click to edit Master text styles</a:t>
             </a:r>
           </a:p>
@@ -583,10 +597,9 @@
           </a:lstStyle>
           <a:p>
             <a:r>
-              <a:rPr lang="en-US" smtClean="0"/>
+              <a:rPr lang="en-US"/>
               <a:t>Click to edit Master title style</a:t>
             </a:r>
-            <a:endParaRPr lang="en-US"/>
           </a:p>
         </p:txBody>
       </p:sp>
@@ -710,7 +723,7 @@
           <a:p>
             <a:pPr lvl="0"/>
             <a:r>
-              <a:rPr lang="en-US" smtClean="0"/>
+              <a:rPr lang="en-US"/>
               <a:t>Click to edit Master text styles</a:t>
             </a:r>
           </a:p>
@@ -827,10 +840,9 @@
           <a:lstStyle/>
           <a:p>
             <a:r>
-              <a:rPr lang="en-US" smtClean="0"/>
+              <a:rPr lang="en-US"/>
               <a:t>Click to edit Master title style</a:t>
             </a:r>
-            <a:endParaRPr lang="en-US"/>
           </a:p>
         </p:txBody>
       </p:sp>
@@ -851,38 +863,37 @@
           <a:p>
             <a:pPr lvl="0"/>
             <a:r>
-              <a:rPr lang="en-US" smtClean="0"/>
+              <a:rPr lang="en-US"/>
               <a:t>Click to edit Master text styles</a:t>
             </a:r>
           </a:p>
           <a:p>
             <a:pPr lvl="1"/>
             <a:r>
-              <a:rPr lang="en-US" smtClean="0"/>
+              <a:rPr lang="en-US"/>
               <a:t>Second level</a:t>
             </a:r>
           </a:p>
           <a:p>
             <a:pPr lvl="2"/>
             <a:r>
-              <a:rPr lang="en-US" smtClean="0"/>
+              <a:rPr lang="en-US"/>
               <a:t>Third level</a:t>
             </a:r>
           </a:p>
           <a:p>
             <a:pPr lvl="3"/>
             <a:r>
-              <a:rPr lang="en-US" smtClean="0"/>
+              <a:rPr lang="en-US"/>
               <a:t>Fourth level</a:t>
             </a:r>
           </a:p>
           <a:p>
             <a:pPr lvl="4"/>
             <a:r>
-              <a:rPr lang="en-US" smtClean="0"/>
+              <a:rPr lang="en-US"/>
               <a:t>Fifth level</a:t>
             </a:r>
-            <a:endParaRPr lang="en-US"/>
           </a:p>
         </p:txBody>
       </p:sp>
@@ -1002,10 +1013,9 @@
           <a:lstStyle/>
           <a:p>
             <a:r>
-              <a:rPr lang="en-US" smtClean="0"/>
+              <a:rPr lang="en-US"/>
               <a:t>Click to edit Master title style</a:t>
             </a:r>
-            <a:endParaRPr lang="en-US"/>
           </a:p>
         </p:txBody>
       </p:sp>
@@ -1031,38 +1041,37 @@
           <a:p>
             <a:pPr lvl="0"/>
             <a:r>
-              <a:rPr lang="en-US" smtClean="0"/>
+              <a:rPr lang="en-US"/>
               <a:t>Click to edit Master text styles</a:t>
             </a:r>
           </a:p>
           <a:p>
             <a:pPr lvl="1"/>
             <a:r>
-              <a:rPr lang="en-US" smtClean="0"/>
+              <a:rPr lang="en-US"/>
               <a:t>Second level</a:t>
             </a:r>
           </a:p>
           <a:p>
             <a:pPr lvl="2"/>
             <a:r>
-              <a:rPr lang="en-US" smtClean="0"/>
+              <a:rPr lang="en-US"/>
               <a:t>Third level</a:t>
             </a:r>
           </a:p>
           <a:p>
             <a:pPr lvl="3"/>
             <a:r>
-              <a:rPr lang="en-US" smtClean="0"/>
+              <a:rPr lang="en-US"/>
               <a:t>Fourth level</a:t>
             </a:r>
           </a:p>
           <a:p>
             <a:pPr lvl="4"/>
             <a:r>
-              <a:rPr lang="en-US" smtClean="0"/>
+              <a:rPr lang="en-US"/>
               <a:t>Fifth level</a:t>
             </a:r>
-            <a:endParaRPr lang="en-US"/>
           </a:p>
         </p:txBody>
       </p:sp>
@@ -1212,7 +1221,7 @@
           </a:lstStyle>
           <a:p>
             <a:r>
-              <a:rPr lang="en-US" altLang="ko-KR" dirty="0" smtClean="0"/>
+              <a:rPr lang="en-US" altLang="ko-KR" dirty="0"/>
               <a:t> Click to add title</a:t>
             </a:r>
             <a:endParaRPr lang="ko-KR" altLang="en-US" dirty="0"/>
@@ -1256,7 +1265,7 @@
           <a:p>
             <a:pPr lvl="0"/>
             <a:r>
-              <a:rPr lang="en-US" altLang="ko-KR" dirty="0" smtClean="0"/>
+              <a:rPr lang="en-US" altLang="ko-KR" dirty="0"/>
               <a:t>Click to edit Master text styles</a:t>
             </a:r>
           </a:p>
@@ -1299,7 +1308,7 @@
           <a:p>
             <a:pPr lvl="0"/>
             <a:r>
-              <a:rPr lang="en-US" altLang="ko-KR" dirty="0" smtClean="0"/>
+              <a:rPr lang="en-US" altLang="ko-KR" dirty="0"/>
               <a:t>Click to edit Master text styles</a:t>
             </a:r>
           </a:p>
@@ -1386,7 +1395,7 @@
           </a:lstStyle>
           <a:p>
             <a:r>
-              <a:rPr lang="en-US" altLang="ko-KR" dirty="0" smtClean="0"/>
+              <a:rPr lang="en-US" altLang="ko-KR" dirty="0"/>
               <a:t> Click to add title</a:t>
             </a:r>
             <a:endParaRPr lang="ko-KR" altLang="en-US" dirty="0"/>
@@ -1430,7 +1439,7 @@
           <a:p>
             <a:pPr lvl="0"/>
             <a:r>
-              <a:rPr lang="en-US" altLang="ko-KR" dirty="0" smtClean="0"/>
+              <a:rPr lang="en-US" altLang="ko-KR" dirty="0"/>
               <a:t>Click to edit Master text styles</a:t>
             </a:r>
           </a:p>
@@ -1473,7 +1482,7 @@
           <a:p>
             <a:pPr lvl="0"/>
             <a:r>
-              <a:rPr lang="en-US" altLang="ko-KR" dirty="0" smtClean="0"/>
+              <a:rPr lang="en-US" altLang="ko-KR" dirty="0"/>
               <a:t>Click to edit Master text styles</a:t>
             </a:r>
           </a:p>
@@ -1530,10 +1539,9 @@
           <a:lstStyle/>
           <a:p>
             <a:r>
-              <a:rPr lang="en-US" smtClean="0"/>
+              <a:rPr lang="en-US"/>
               <a:t>Click to edit Master title style</a:t>
             </a:r>
-            <a:endParaRPr lang="en-US"/>
           </a:p>
         </p:txBody>
       </p:sp>
@@ -1649,10 +1657,9 @@
           </a:lstStyle>
           <a:p>
             <a:r>
-              <a:rPr lang="en-US" smtClean="0"/>
+              <a:rPr lang="en-US"/>
               <a:t>Click to edit Master subtitle style</a:t>
             </a:r>
-            <a:endParaRPr lang="en-US"/>
           </a:p>
         </p:txBody>
       </p:sp>
@@ -1767,10 +1774,9 @@
           <a:lstStyle/>
           <a:p>
             <a:r>
-              <a:rPr lang="en-US" smtClean="0"/>
+              <a:rPr lang="en-US"/>
               <a:t>Click to edit Master title style</a:t>
             </a:r>
-            <a:endParaRPr lang="en-US"/>
           </a:p>
         </p:txBody>
       </p:sp>
@@ -1791,38 +1797,37 @@
           <a:p>
             <a:pPr lvl="0"/>
             <a:r>
-              <a:rPr lang="en-US" smtClean="0"/>
+              <a:rPr lang="en-US"/>
               <a:t>Click to edit Master text styles</a:t>
             </a:r>
           </a:p>
           <a:p>
             <a:pPr lvl="1"/>
             <a:r>
-              <a:rPr lang="en-US" smtClean="0"/>
+              <a:rPr lang="en-US"/>
               <a:t>Second level</a:t>
             </a:r>
           </a:p>
           <a:p>
             <a:pPr lvl="2"/>
             <a:r>
-              <a:rPr lang="en-US" smtClean="0"/>
+              <a:rPr lang="en-US"/>
               <a:t>Third level</a:t>
             </a:r>
           </a:p>
           <a:p>
             <a:pPr lvl="3"/>
             <a:r>
-              <a:rPr lang="en-US" smtClean="0"/>
+              <a:rPr lang="en-US"/>
               <a:t>Fourth level</a:t>
             </a:r>
           </a:p>
           <a:p>
             <a:pPr lvl="4"/>
             <a:r>
-              <a:rPr lang="en-US" smtClean="0"/>
+              <a:rPr lang="en-US"/>
               <a:t>Fifth level</a:t>
             </a:r>
-            <a:endParaRPr lang="en-US"/>
           </a:p>
         </p:txBody>
       </p:sp>
@@ -1946,10 +1951,9 @@
           </a:lstStyle>
           <a:p>
             <a:r>
-              <a:rPr lang="en-US" smtClean="0"/>
+              <a:rPr lang="en-US"/>
               <a:t>Click to edit Master title style</a:t>
             </a:r>
-            <a:endParaRPr lang="en-US"/>
           </a:p>
         </p:txBody>
       </p:sp>
@@ -2066,7 +2070,7 @@
           <a:p>
             <a:pPr lvl="0"/>
             <a:r>
-              <a:rPr lang="en-US" smtClean="0"/>
+              <a:rPr lang="en-US"/>
               <a:t>Click to edit Master text styles</a:t>
             </a:r>
           </a:p>
@@ -2183,10 +2187,9 @@
           <a:lstStyle/>
           <a:p>
             <a:r>
-              <a:rPr lang="en-US" smtClean="0"/>
+              <a:rPr lang="en-US"/>
               <a:t>Click to edit Master title style</a:t>
             </a:r>
-            <a:endParaRPr lang="en-US"/>
           </a:p>
         </p:txBody>
       </p:sp>
@@ -2240,38 +2243,37 @@
           <a:p>
             <a:pPr lvl="0"/>
             <a:r>
-              <a:rPr lang="en-US" smtClean="0"/>
+              <a:rPr lang="en-US"/>
               <a:t>Click to edit Master text styles</a:t>
             </a:r>
           </a:p>
           <a:p>
             <a:pPr lvl="1"/>
             <a:r>
-              <a:rPr lang="en-US" smtClean="0"/>
+              <a:rPr lang="en-US"/>
               <a:t>Second level</a:t>
             </a:r>
           </a:p>
           <a:p>
             <a:pPr lvl="2"/>
             <a:r>
-              <a:rPr lang="en-US" smtClean="0"/>
+              <a:rPr lang="en-US"/>
               <a:t>Third level</a:t>
             </a:r>
           </a:p>
           <a:p>
             <a:pPr lvl="3"/>
             <a:r>
-              <a:rPr lang="en-US" smtClean="0"/>
+              <a:rPr lang="en-US"/>
               <a:t>Fourth level</a:t>
             </a:r>
           </a:p>
           <a:p>
             <a:pPr lvl="4"/>
             <a:r>
-              <a:rPr lang="en-US" smtClean="0"/>
+              <a:rPr lang="en-US"/>
               <a:t>Fifth level</a:t>
             </a:r>
-            <a:endParaRPr lang="en-US"/>
           </a:p>
         </p:txBody>
       </p:sp>
@@ -2325,38 +2327,37 @@
           <a:p>
             <a:pPr lvl="0"/>
             <a:r>
-              <a:rPr lang="en-US" smtClean="0"/>
+              <a:rPr lang="en-US"/>
               <a:t>Click to edit Master text styles</a:t>
             </a:r>
           </a:p>
           <a:p>
             <a:pPr lvl="1"/>
             <a:r>
-              <a:rPr lang="en-US" smtClean="0"/>
+              <a:rPr lang="en-US"/>
               <a:t>Second level</a:t>
             </a:r>
           </a:p>
           <a:p>
             <a:pPr lvl="2"/>
             <a:r>
-              <a:rPr lang="en-US" smtClean="0"/>
+              <a:rPr lang="en-US"/>
               <a:t>Third level</a:t>
             </a:r>
           </a:p>
           <a:p>
             <a:pPr lvl="3"/>
             <a:r>
-              <a:rPr lang="en-US" smtClean="0"/>
+              <a:rPr lang="en-US"/>
               <a:t>Fourth level</a:t>
             </a:r>
           </a:p>
           <a:p>
             <a:pPr lvl="4"/>
             <a:r>
-              <a:rPr lang="en-US" smtClean="0"/>
+              <a:rPr lang="en-US"/>
               <a:t>Fifth level</a:t>
             </a:r>
-            <a:endParaRPr lang="en-US"/>
           </a:p>
         </p:txBody>
       </p:sp>
@@ -2475,10 +2476,9 @@
           </a:lstStyle>
           <a:p>
             <a:r>
-              <a:rPr lang="en-US" smtClean="0"/>
+              <a:rPr lang="en-US"/>
               <a:t>Click to edit Master title style</a:t>
             </a:r>
-            <a:endParaRPr lang="en-US"/>
           </a:p>
         </p:txBody>
       </p:sp>
@@ -2541,7 +2541,7 @@
           <a:p>
             <a:pPr lvl="0"/>
             <a:r>
-              <a:rPr lang="en-US" smtClean="0"/>
+              <a:rPr lang="en-US"/>
               <a:t>Click to edit Master text styles</a:t>
             </a:r>
           </a:p>
@@ -2597,38 +2597,37 @@
           <a:p>
             <a:pPr lvl="0"/>
             <a:r>
-              <a:rPr lang="en-US" smtClean="0"/>
+              <a:rPr lang="en-US"/>
               <a:t>Click to edit Master text styles</a:t>
             </a:r>
           </a:p>
           <a:p>
             <a:pPr lvl="1"/>
             <a:r>
-              <a:rPr lang="en-US" smtClean="0"/>
+              <a:rPr lang="en-US"/>
               <a:t>Second level</a:t>
             </a:r>
           </a:p>
           <a:p>
             <a:pPr lvl="2"/>
             <a:r>
-              <a:rPr lang="en-US" smtClean="0"/>
+              <a:rPr lang="en-US"/>
               <a:t>Third level</a:t>
             </a:r>
           </a:p>
           <a:p>
             <a:pPr lvl="3"/>
             <a:r>
-              <a:rPr lang="en-US" smtClean="0"/>
+              <a:rPr lang="en-US"/>
               <a:t>Fourth level</a:t>
             </a:r>
           </a:p>
           <a:p>
             <a:pPr lvl="4"/>
             <a:r>
-              <a:rPr lang="en-US" smtClean="0"/>
+              <a:rPr lang="en-US"/>
               <a:t>Fifth level</a:t>
             </a:r>
-            <a:endParaRPr lang="en-US"/>
           </a:p>
         </p:txBody>
       </p:sp>
@@ -2691,7 +2690,7 @@
           <a:p>
             <a:pPr lvl="0"/>
             <a:r>
-              <a:rPr lang="en-US" smtClean="0"/>
+              <a:rPr lang="en-US"/>
               <a:t>Click to edit Master text styles</a:t>
             </a:r>
           </a:p>
@@ -2747,38 +2746,37 @@
           <a:p>
             <a:pPr lvl="0"/>
             <a:r>
-              <a:rPr lang="en-US" smtClean="0"/>
+              <a:rPr lang="en-US"/>
               <a:t>Click to edit Master text styles</a:t>
             </a:r>
           </a:p>
           <a:p>
             <a:pPr lvl="1"/>
             <a:r>
-              <a:rPr lang="en-US" smtClean="0"/>
+              <a:rPr lang="en-US"/>
               <a:t>Second level</a:t>
             </a:r>
           </a:p>
           <a:p>
             <a:pPr lvl="2"/>
             <a:r>
-              <a:rPr lang="en-US" smtClean="0"/>
+              <a:rPr lang="en-US"/>
               <a:t>Third level</a:t>
             </a:r>
           </a:p>
           <a:p>
             <a:pPr lvl="3"/>
             <a:r>
-              <a:rPr lang="en-US" smtClean="0"/>
+              <a:rPr lang="en-US"/>
               <a:t>Fourth level</a:t>
             </a:r>
           </a:p>
           <a:p>
             <a:pPr lvl="4"/>
             <a:r>
-              <a:rPr lang="en-US" smtClean="0"/>
+              <a:rPr lang="en-US"/>
               <a:t>Fifth level</a:t>
             </a:r>
-            <a:endParaRPr lang="en-US"/>
           </a:p>
         </p:txBody>
       </p:sp>
@@ -2893,10 +2891,9 @@
           <a:lstStyle/>
           <a:p>
             <a:r>
-              <a:rPr lang="en-US" smtClean="0"/>
+              <a:rPr lang="en-US"/>
               <a:t>Click to edit Master title style</a:t>
             </a:r>
-            <a:endParaRPr lang="en-US"/>
           </a:p>
         </p:txBody>
       </p:sp>
@@ -3317,10 +3314,9 @@
           <a:lstStyle/>
           <a:p>
             <a:r>
-              <a:rPr lang="en-US" smtClean="0"/>
+              <a:rPr lang="en-US"/>
               <a:t>Click to edit Master title style</a:t>
             </a:r>
-            <a:endParaRPr lang="en-US"/>
           </a:p>
         </p:txBody>
       </p:sp>
@@ -3351,38 +3347,37 @@
           <a:p>
             <a:pPr lvl="0"/>
             <a:r>
-              <a:rPr lang="en-US" smtClean="0"/>
+              <a:rPr lang="en-US"/>
               <a:t>Click to edit Master text styles</a:t>
             </a:r>
           </a:p>
           <a:p>
             <a:pPr lvl="1"/>
             <a:r>
-              <a:rPr lang="en-US" smtClean="0"/>
+              <a:rPr lang="en-US"/>
               <a:t>Second level</a:t>
             </a:r>
           </a:p>
           <a:p>
             <a:pPr lvl="2"/>
             <a:r>
-              <a:rPr lang="en-US" smtClean="0"/>
+              <a:rPr lang="en-US"/>
               <a:t>Third level</a:t>
             </a:r>
           </a:p>
           <a:p>
             <a:pPr lvl="3"/>
             <a:r>
-              <a:rPr lang="en-US" smtClean="0"/>
+              <a:rPr lang="en-US"/>
               <a:t>Fourth level</a:t>
             </a:r>
           </a:p>
           <a:p>
             <a:pPr lvl="4"/>
             <a:r>
-              <a:rPr lang="en-US" smtClean="0"/>
+              <a:rPr lang="en-US"/>
               <a:t>Fifth level</a:t>
             </a:r>
-            <a:endParaRPr lang="en-US"/>
           </a:p>
         </p:txBody>
       </p:sp>
@@ -3801,7 +3796,7 @@
           <p:cNvPr id="8" name="Immagine 7">
             <a:extLst>
               <a:ext uri="{FF2B5EF4-FFF2-40B4-BE49-F238E27FC236}">
-                <a16:creationId xmlns:lc="http://schemas.openxmlformats.org/drawingml/2006/lockedCanvas" xmlns:a16="http://schemas.microsoft.com/office/drawing/2014/main" xmlns="" id="{A1106E1C-ABC5-4AA2-A6C2-B115CAA9597B}"/>
+                <a16:creationId xmlns:a16="http://schemas.microsoft.com/office/drawing/2014/main" id="{A1106E1C-ABC5-4AA2-A6C2-B115CAA9597B}"/>
               </a:ext>
             </a:extLst>
           </p:cNvPr>
@@ -3856,7 +3851,7 @@
           <a:p>
             <a:pPr algn="ctr"/>
             <a:r>
-              <a:rPr lang="it-IT" sz="1400" b="1" dirty="0" smtClean="0">
+              <a:rPr lang="it-IT" sz="1400" b="1" dirty="0">
                 <a:solidFill>
                   <a:schemeClr val="accent5">
                     <a:lumMod val="75000"/>
@@ -3869,7 +3864,7 @@
           <a:p>
             <a:pPr algn="ctr"/>
             <a:r>
-              <a:rPr lang="it-IT" sz="1400" b="1" dirty="0" smtClean="0">
+              <a:rPr lang="it-IT" sz="1400" b="1" dirty="0">
                 <a:solidFill>
                   <a:schemeClr val="accent5">
                     <a:lumMod val="75000"/>
@@ -3878,13 +3873,6 @@
               </a:rPr>
               <a:t>A.A. 2017/2018</a:t>
             </a:r>
-            <a:endParaRPr lang="it-IT" sz="1400" b="1" dirty="0">
-              <a:solidFill>
-                <a:schemeClr val="accent5">
-                  <a:lumMod val="75000"/>
-                </a:schemeClr>
-              </a:solidFill>
-            </a:endParaRPr>
           </a:p>
         </p:txBody>
       </p:sp>
@@ -3903,6 +3891,13 @@
             <a:avLst/>
           </a:prstGeom>
           <a:noFill/>
+          <a:effectLst>
+            <a:outerShdw blurRad="152400" dist="317500" dir="5400000" sx="90000" sy="-19000" rotWithShape="0">
+              <a:prstClr val="black">
+                <a:alpha val="15000"/>
+              </a:prstClr>
+            </a:outerShdw>
+          </a:effectLst>
         </p:spPr>
         <p:txBody>
           <a:bodyPr wrap="square" rtlCol="0">
@@ -3912,11 +3907,14 @@
           <a:p>
             <a:pPr algn="ctr"/>
             <a:r>
-              <a:rPr lang="it-IT" sz="2200" b="1" dirty="0" smtClean="0">
+              <a:rPr lang="it-IT" sz="2200" b="1" dirty="0">
+                <a:ln>
+                  <a:solidFill>
+                    <a:srgbClr val="002060"/>
+                  </a:solidFill>
+                </a:ln>
                 <a:solidFill>
-                  <a:schemeClr val="accent5">
-                    <a:lumMod val="75000"/>
-                  </a:schemeClr>
+                  <a:schemeClr val="accent1"/>
                 </a:solidFill>
               </a:rPr>
               <a:t>Studio e sviluppo di strategie per </a:t>
@@ -3925,11 +3923,14 @@
           <a:p>
             <a:pPr algn="ctr"/>
             <a:r>
-              <a:rPr lang="it-IT" sz="2200" b="1" dirty="0" smtClean="0">
+              <a:rPr lang="it-IT" sz="2200" b="1" dirty="0">
+                <a:ln>
+                  <a:solidFill>
+                    <a:srgbClr val="002060"/>
+                  </a:solidFill>
+                </a:ln>
                 <a:solidFill>
-                  <a:schemeClr val="accent5">
-                    <a:lumMod val="75000"/>
-                  </a:schemeClr>
+                  <a:schemeClr val="accent1"/>
                 </a:solidFill>
               </a:rPr>
               <a:t>la riduzione del random-walk </a:t>
@@ -3939,54 +3940,33 @@
             <a:pPr algn="ctr"/>
             <a:r>
               <a:rPr lang="it-IT" sz="2200" b="1" dirty="0">
+                <a:ln>
+                  <a:solidFill>
+                    <a:srgbClr val="002060"/>
+                  </a:solidFill>
+                </a:ln>
                 <a:solidFill>
-                  <a:schemeClr val="accent5">
-                    <a:lumMod val="75000"/>
-                  </a:schemeClr>
+                  <a:schemeClr val="accent1"/>
                 </a:solidFill>
               </a:rPr>
-              <a:t>c</a:t>
-            </a:r>
-            <a:r>
-              <a:rPr lang="it-IT" sz="2200" b="1" dirty="0" smtClean="0">
-                <a:solidFill>
-                  <a:schemeClr val="accent5">
-                    <a:lumMod val="75000"/>
-                  </a:schemeClr>
-                </a:solidFill>
-              </a:rPr>
-              <a:t>ontroversy score </a:t>
-            </a:r>
-            <a:r>
-              <a:rPr lang="it-IT" sz="2200" b="1" dirty="0" smtClean="0">
-                <a:solidFill>
-                  <a:schemeClr val="accent5">
-                    <a:lumMod val="75000"/>
-                  </a:schemeClr>
-                </a:solidFill>
-              </a:rPr>
-              <a:t>tra echo-chambers </a:t>
+              <a:t>controversy score tra echo-chambers </a:t>
             </a:r>
           </a:p>
           <a:p>
             <a:pPr algn="ctr"/>
             <a:r>
-              <a:rPr lang="it-IT" sz="2200" b="1" dirty="0" smtClean="0">
+              <a:rPr lang="it-IT" sz="2200" b="1" dirty="0">
+                <a:ln>
+                  <a:solidFill>
+                    <a:srgbClr val="002060"/>
+                  </a:solidFill>
+                </a:ln>
                 <a:solidFill>
-                  <a:schemeClr val="accent5">
-                    <a:lumMod val="75000"/>
-                  </a:schemeClr>
+                  <a:schemeClr val="accent1"/>
                 </a:solidFill>
               </a:rPr>
               <a:t>dei social networks</a:t>
             </a:r>
-            <a:endParaRPr lang="it-IT" sz="2200" b="1" dirty="0">
-              <a:solidFill>
-                <a:schemeClr val="accent5">
-                  <a:lumMod val="75000"/>
-                </a:schemeClr>
-              </a:solidFill>
-            </a:endParaRPr>
           </a:p>
         </p:txBody>
       </p:sp>
@@ -4014,11 +3994,9 @@
           <a:p>
             <a:pPr algn="ctr"/>
             <a:r>
-              <a:rPr lang="it-IT" b="1" dirty="0" smtClean="0">
+              <a:rPr lang="it-IT" b="1" dirty="0">
                 <a:solidFill>
-                  <a:schemeClr val="accent5">
-                    <a:lumMod val="75000"/>
-                  </a:schemeClr>
+                  <a:schemeClr val="accent1"/>
                 </a:solidFill>
               </a:rPr>
               <a:t>Relatore: </a:t>
@@ -4027,11 +4005,9 @@
           <a:p>
             <a:pPr algn="ctr"/>
             <a:r>
-              <a:rPr lang="it-IT" b="1" dirty="0" smtClean="0">
+              <a:rPr lang="it-IT" b="1" dirty="0">
                 <a:solidFill>
-                  <a:schemeClr val="accent5">
-                    <a:lumMod val="75000"/>
-                  </a:schemeClr>
+                  <a:schemeClr val="accent1"/>
                 </a:solidFill>
               </a:rPr>
               <a:t>Giuseppe F. Italiano</a:t>
@@ -4041,20 +4017,16 @@
             <a:pPr algn="ctr"/>
             <a:endParaRPr lang="it-IT" b="1" dirty="0">
               <a:solidFill>
-                <a:schemeClr val="accent5">
-                  <a:lumMod val="75000"/>
-                </a:schemeClr>
+                <a:schemeClr val="accent1"/>
               </a:solidFill>
             </a:endParaRPr>
           </a:p>
           <a:p>
             <a:pPr algn="ctr"/>
             <a:r>
-              <a:rPr lang="it-IT" b="1" dirty="0" smtClean="0">
+              <a:rPr lang="it-IT" b="1" dirty="0">
                 <a:solidFill>
-                  <a:schemeClr val="accent5">
-                    <a:lumMod val="75000"/>
-                  </a:schemeClr>
+                  <a:schemeClr val="accent1"/>
                 </a:solidFill>
               </a:rPr>
               <a:t>Correlatore: </a:t>
@@ -4063,22 +4035,13 @@
           <a:p>
             <a:pPr algn="ctr"/>
             <a:r>
-              <a:rPr lang="it-IT" b="1" dirty="0" smtClean="0">
+              <a:rPr lang="it-IT" b="1" dirty="0">
                 <a:solidFill>
-                  <a:schemeClr val="accent5">
-                    <a:lumMod val="75000"/>
-                  </a:schemeClr>
+                  <a:schemeClr val="accent1"/>
                 </a:solidFill>
               </a:rPr>
               <a:t>Nikos Parotsidis</a:t>
             </a:r>
-            <a:endParaRPr lang="it-IT" b="1" dirty="0">
-              <a:solidFill>
-                <a:schemeClr val="accent5">
-                  <a:lumMod val="75000"/>
-                </a:schemeClr>
-              </a:solidFill>
-            </a:endParaRPr>
           </a:p>
         </p:txBody>
       </p:sp>
@@ -4106,11 +4069,9 @@
           <a:p>
             <a:pPr algn="ctr"/>
             <a:r>
-              <a:rPr lang="it-IT" b="1" dirty="0" smtClean="0">
+              <a:rPr lang="it-IT" b="1" dirty="0">
                 <a:solidFill>
-                  <a:schemeClr val="accent5">
-                    <a:lumMod val="75000"/>
-                  </a:schemeClr>
+                  <a:schemeClr val="accent1"/>
                 </a:solidFill>
               </a:rPr>
               <a:t>Candidato: </a:t>
@@ -4119,22 +4080,13 @@
           <a:p>
             <a:pPr algn="ctr"/>
             <a:r>
-              <a:rPr lang="it-IT" b="1" dirty="0" smtClean="0">
+              <a:rPr lang="it-IT" b="1" dirty="0">
                 <a:solidFill>
-                  <a:schemeClr val="accent5">
-                    <a:lumMod val="75000"/>
-                  </a:schemeClr>
+                  <a:schemeClr val="accent1"/>
                 </a:solidFill>
               </a:rPr>
               <a:t>Stefano Agostini</a:t>
             </a:r>
-            <a:endParaRPr lang="it-IT" b="1" dirty="0">
-              <a:solidFill>
-                <a:schemeClr val="accent5">
-                  <a:lumMod val="75000"/>
-                </a:schemeClr>
-              </a:solidFill>
-            </a:endParaRPr>
           </a:p>
         </p:txBody>
       </p:sp>
@@ -4148,13 +4100,6 @@
   <p:clrMapOvr>
     <a:masterClrMapping/>
   </p:clrMapOvr>
-  <p:timing>
-    <p:tnLst>
-      <p:par>
-        <p:cTn id="1" dur="indefinite" restart="never" nodeType="tmRoot"/>
-      </p:par>
-    </p:tnLst>
-  </p:timing>
 </p:sld>
 </file>
 
@@ -4199,7 +4144,7 @@
           <a:lstStyle/>
           <a:p>
             <a:r>
-              <a:rPr lang="en-US" altLang="ko-KR" dirty="0" smtClean="0">
+              <a:rPr lang="en-US" altLang="ko-KR" dirty="0">
                 <a:solidFill>
                   <a:schemeClr val="accent5">
                     <a:lumMod val="75000"/>
@@ -16695,7 +16640,7 @@
           <a:p>
             <a:pPr algn="ctr"/>
             <a:r>
-              <a:rPr lang="it-IT" sz="1600" b="1" dirty="0" smtClean="0">
+              <a:rPr lang="it-IT" sz="1600" b="1" dirty="0">
                 <a:solidFill>
                   <a:schemeClr val="accent5">
                     <a:lumMod val="75000"/>
@@ -16704,13 +16649,6 @@
               </a:rPr>
               <a:t>Introduzione</a:t>
             </a:r>
-            <a:endParaRPr lang="it-IT" sz="1600" b="1" dirty="0">
-              <a:solidFill>
-                <a:schemeClr val="accent5">
-                  <a:lumMod val="75000"/>
-                </a:schemeClr>
-              </a:solidFill>
-            </a:endParaRPr>
           </a:p>
         </p:txBody>
       </p:sp>
@@ -16738,32 +16676,15 @@
           <a:p>
             <a:pPr algn="ctr"/>
             <a:r>
-              <a:rPr lang="it-IT" sz="1600" b="1" dirty="0" smtClean="0">
+              <a:rPr lang="it-IT" sz="1600" b="1" dirty="0">
                 <a:solidFill>
                   <a:schemeClr val="accent5">
                     <a:lumMod val="75000"/>
                   </a:schemeClr>
                 </a:solidFill>
               </a:rPr>
-              <a:t>Definizione del </a:t>
+              <a:t>Definizione del problema</a:t>
             </a:r>
-            <a:r>
-              <a:rPr lang="it-IT" sz="1600" b="1" dirty="0" smtClean="0">
-                <a:solidFill>
-                  <a:schemeClr val="accent5">
-                    <a:lumMod val="75000"/>
-                  </a:schemeClr>
-                </a:solidFill>
-              </a:rPr>
-              <a:t>problema</a:t>
-            </a:r>
-            <a:endParaRPr lang="it-IT" sz="1600" b="1" dirty="0">
-              <a:solidFill>
-                <a:schemeClr val="accent5">
-                  <a:lumMod val="75000"/>
-                </a:schemeClr>
-              </a:solidFill>
-            </a:endParaRPr>
           </a:p>
         </p:txBody>
       </p:sp>
@@ -16791,7 +16712,7 @@
           <a:p>
             <a:pPr algn="ctr"/>
             <a:r>
-              <a:rPr lang="it-IT" sz="1600" b="1" dirty="0" smtClean="0">
+              <a:rPr lang="it-IT" sz="1600" b="1" dirty="0">
                 <a:solidFill>
                   <a:schemeClr val="accent5">
                     <a:lumMod val="75000"/>
@@ -16800,13 +16721,6 @@
               </a:rPr>
               <a:t>Implementazione</a:t>
             </a:r>
-            <a:endParaRPr lang="it-IT" sz="1600" b="1" dirty="0">
-              <a:solidFill>
-                <a:schemeClr val="accent5">
-                  <a:lumMod val="75000"/>
-                </a:schemeClr>
-              </a:solidFill>
-            </a:endParaRPr>
           </a:p>
         </p:txBody>
       </p:sp>
@@ -16834,7 +16748,7 @@
           <a:p>
             <a:pPr algn="ctr"/>
             <a:r>
-              <a:rPr lang="it-IT" sz="1600" b="1" dirty="0" smtClean="0">
+              <a:rPr lang="it-IT" sz="1600" b="1" dirty="0">
                 <a:solidFill>
                   <a:schemeClr val="accent5">
                     <a:lumMod val="75000"/>
@@ -16843,13 +16757,6 @@
               </a:rPr>
               <a:t>Test</a:t>
             </a:r>
-            <a:endParaRPr lang="it-IT" sz="1600" b="1" dirty="0">
-              <a:solidFill>
-                <a:schemeClr val="accent5">
-                  <a:lumMod val="75000"/>
-                </a:schemeClr>
-              </a:solidFill>
-            </a:endParaRPr>
           </a:p>
         </p:txBody>
       </p:sp>
@@ -16877,7 +16784,7 @@
           <a:p>
             <a:pPr algn="ctr"/>
             <a:r>
-              <a:rPr lang="it-IT" sz="1600" b="1" dirty="0" smtClean="0">
+              <a:rPr lang="it-IT" sz="1600" b="1" dirty="0">
                 <a:solidFill>
                   <a:schemeClr val="accent5">
                     <a:lumMod val="75000"/>
@@ -16886,13 +16793,6 @@
               </a:rPr>
               <a:t>Conclusioni</a:t>
             </a:r>
-            <a:endParaRPr lang="it-IT" sz="1600" b="1" dirty="0">
-              <a:solidFill>
-                <a:schemeClr val="accent5">
-                  <a:lumMod val="75000"/>
-                </a:schemeClr>
-              </a:solidFill>
-            </a:endParaRPr>
           </a:p>
         </p:txBody>
       </p:sp>
@@ -16920,7 +16820,7 @@
           <a:p>
             <a:pPr algn="ctr"/>
             <a:r>
-              <a:rPr lang="it-IT" sz="1600" b="1" dirty="0" smtClean="0">
+              <a:rPr lang="it-IT" sz="1600" b="1" dirty="0">
                 <a:solidFill>
                   <a:schemeClr val="accent5">
                     <a:lumMod val="75000"/>
@@ -16929,13 +16829,6 @@
               </a:rPr>
               <a:t>Sviluppi futuri</a:t>
             </a:r>
-            <a:endParaRPr lang="it-IT" sz="1600" b="1" dirty="0">
-              <a:solidFill>
-                <a:schemeClr val="accent5">
-                  <a:lumMod val="75000"/>
-                </a:schemeClr>
-              </a:solidFill>
-            </a:endParaRPr>
           </a:p>
         </p:txBody>
       </p:sp>
@@ -17195,13 +17088,6 @@
   <p:clrMapOvr>
     <a:masterClrMapping/>
   </p:clrMapOvr>
-  <p:timing>
-    <p:tnLst>
-      <p:par>
-        <p:cTn id="1" dur="indefinite" restart="never" nodeType="tmRoot"/>
-      </p:par>
-    </p:tnLst>
-  </p:timing>
 </p:sld>
 </file>
 
@@ -17252,7 +17138,7 @@
           <a:p>
             <a:pPr algn="ctr"/>
             <a:r>
-              <a:rPr lang="en-US" altLang="ko-KR" dirty="0" smtClean="0">
+              <a:rPr lang="en-US" altLang="ko-KR" dirty="0">
                 <a:solidFill>
                   <a:schemeClr val="accent5">
                     <a:lumMod val="75000"/>
@@ -17279,8 +17165,8 @@
         </p:nvSpPr>
         <p:spPr>
           <a:xfrm>
-            <a:off x="1562281" y="1772816"/>
-            <a:ext cx="7556236" cy="3693319"/>
+            <a:off x="1580654" y="1772816"/>
+            <a:ext cx="7519494" cy="3693319"/>
           </a:xfrm>
           <a:prstGeom prst="rect">
             <a:avLst/>
@@ -17298,7 +17184,7 @@
               <a:buChar char="•"/>
             </a:pPr>
             <a:r>
-              <a:rPr lang="it-IT" dirty="0" smtClean="0">
+              <a:rPr lang="it-IT" dirty="0">
                 <a:latin typeface="Calibri" pitchFamily="34" charset="0"/>
                 <a:cs typeface="Calibri" pitchFamily="34" charset="0"/>
               </a:rPr>
@@ -17312,14 +17198,21 @@
                 <a:latin typeface="Calibri" pitchFamily="34" charset="0"/>
                 <a:cs typeface="Calibri" pitchFamily="34" charset="0"/>
               </a:rPr>
-              <a:t>  </a:t>
+              <a:t>     </a:t>
             </a:r>
             <a:r>
-              <a:rPr lang="it-IT" dirty="0" smtClean="0">
+              <a:rPr lang="it-IT" b="1" dirty="0">
                 <a:latin typeface="Calibri" pitchFamily="34" charset="0"/>
                 <a:cs typeface="Calibri" pitchFamily="34" charset="0"/>
               </a:rPr>
-              <a:t>   scambio di opinioni riguardo ad argomenti di natura politica e sociale.</a:t>
+              <a:t>scambio di opinioni </a:t>
+            </a:r>
+            <a:r>
+              <a:rPr lang="it-IT" dirty="0">
+                <a:latin typeface="Calibri" pitchFamily="34" charset="0"/>
+                <a:cs typeface="Calibri" pitchFamily="34" charset="0"/>
+              </a:rPr>
+              <a:t>riguardo ad argomenti di natura politica e sociale;</a:t>
             </a:r>
           </a:p>
           <a:p>
@@ -17327,7 +17220,7 @@
               <a:buFont typeface="Arial" pitchFamily="34" charset="0"/>
               <a:buChar char="•"/>
             </a:pPr>
-            <a:endParaRPr lang="it-IT" dirty="0" smtClean="0">
+            <a:endParaRPr lang="it-IT" dirty="0">
               <a:latin typeface="Calibri" pitchFamily="34" charset="0"/>
               <a:cs typeface="Calibri" pitchFamily="34" charset="0"/>
             </a:endParaRPr>
@@ -17345,21 +17238,28 @@
               <a:buChar char="•"/>
             </a:pPr>
             <a:r>
-              <a:rPr lang="it-IT" dirty="0" smtClean="0">
+              <a:rPr lang="it-IT" dirty="0">
                 <a:latin typeface="Calibri" pitchFamily="34" charset="0"/>
                 <a:cs typeface="Calibri" pitchFamily="34" charset="0"/>
               </a:rPr>
-              <a:t>Particolari argomenti, detti </a:t>
+              <a:t>particolari argomenti, detti </a:t>
             </a:r>
             <a:r>
-              <a:rPr lang="it-IT" i="1" dirty="0" smtClean="0">
+              <a:rPr lang="it-IT" b="1" i="1" dirty="0">
                 <a:latin typeface="Calibri" pitchFamily="34" charset="0"/>
                 <a:cs typeface="Calibri" pitchFamily="34" charset="0"/>
               </a:rPr>
-              <a:t>controversi,</a:t>
+              <a:t>controversi</a:t>
             </a:r>
             <a:r>
-              <a:rPr lang="it-IT" dirty="0" smtClean="0">
+              <a:rPr lang="it-IT" i="1" dirty="0">
+                <a:latin typeface="Calibri" pitchFamily="34" charset="0"/>
+                <a:cs typeface="Calibri" pitchFamily="34" charset="0"/>
+              </a:rPr>
+              <a:t>,</a:t>
+            </a:r>
+            <a:r>
+              <a:rPr lang="it-IT" dirty="0">
                 <a:latin typeface="Calibri" pitchFamily="34" charset="0"/>
                 <a:cs typeface="Calibri" pitchFamily="34" charset="0"/>
               </a:rPr>
@@ -17373,19 +17273,26 @@
                 <a:latin typeface="Calibri" pitchFamily="34" charset="0"/>
                 <a:cs typeface="Calibri" pitchFamily="34" charset="0"/>
               </a:rPr>
-              <a:t> </a:t>
+              <a:t>     si divida in gruppi con </a:t>
             </a:r>
             <a:r>
-              <a:rPr lang="it-IT" dirty="0" smtClean="0">
+              <a:rPr lang="it-IT" b="1" dirty="0">
                 <a:latin typeface="Calibri" pitchFamily="34" charset="0"/>
                 <a:cs typeface="Calibri" pitchFamily="34" charset="0"/>
               </a:rPr>
-              <a:t>    si divida in gruppi con punti di vista opposti a riguardo.</a:t>
+              <a:t>punti di vista opposti </a:t>
+            </a:r>
+            <a:r>
+              <a:rPr lang="it-IT" dirty="0">
+                <a:latin typeface="Calibri" pitchFamily="34" charset="0"/>
+                <a:cs typeface="Calibri" pitchFamily="34" charset="0"/>
+              </a:rPr>
+              <a:t>a riguardo;</a:t>
             </a:r>
           </a:p>
           <a:p>
             <a:pPr algn="just"/>
-            <a:endParaRPr lang="it-IT" dirty="0" smtClean="0">
+            <a:endParaRPr lang="it-IT" dirty="0">
               <a:latin typeface="Calibri" pitchFamily="34" charset="0"/>
               <a:cs typeface="Calibri" pitchFamily="34" charset="0"/>
             </a:endParaRPr>
@@ -17403,21 +17310,28 @@
               <a:buChar char="•"/>
             </a:pPr>
             <a:r>
-              <a:rPr lang="it-IT" dirty="0" smtClean="0">
+              <a:rPr lang="it-IT" dirty="0">
                 <a:latin typeface="Calibri" pitchFamily="34" charset="0"/>
                 <a:cs typeface="Calibri" pitchFamily="34" charset="0"/>
               </a:rPr>
-              <a:t>Nel caso di argomenti particolarmente </a:t>
+              <a:t>nel caso di argomenti particolarmente </a:t>
             </a:r>
             <a:r>
-              <a:rPr lang="it-IT" i="1" dirty="0" smtClean="0">
+              <a:rPr lang="it-IT" b="1" i="1" dirty="0">
                 <a:latin typeface="Calibri" pitchFamily="34" charset="0"/>
                 <a:cs typeface="Calibri" pitchFamily="34" charset="0"/>
               </a:rPr>
-              <a:t>controversi, </a:t>
+              <a:t>controversi</a:t>
             </a:r>
             <a:r>
-              <a:rPr lang="it-IT" dirty="0" smtClean="0">
+              <a:rPr lang="it-IT" i="1" dirty="0">
+                <a:latin typeface="Calibri" pitchFamily="34" charset="0"/>
+                <a:cs typeface="Calibri" pitchFamily="34" charset="0"/>
+              </a:rPr>
+              <a:t>, </a:t>
+            </a:r>
+            <a:r>
+              <a:rPr lang="it-IT" dirty="0">
                 <a:latin typeface="Calibri" pitchFamily="34" charset="0"/>
                 <a:cs typeface="Calibri" pitchFamily="34" charset="0"/>
               </a:rPr>
@@ -17427,69 +17341,55 @@
           <a:p>
             <a:pPr algn="just"/>
             <a:r>
-              <a:rPr lang="it-IT" dirty="0" smtClean="0">
+              <a:rPr lang="it-IT" dirty="0">
                 <a:latin typeface="Calibri" pitchFamily="34" charset="0"/>
                 <a:cs typeface="Calibri" pitchFamily="34" charset="0"/>
               </a:rPr>
               <a:t>     formazione di </a:t>
             </a:r>
             <a:r>
-              <a:rPr lang="it-IT" i="1" dirty="0" smtClean="0">
+              <a:rPr lang="it-IT" b="1" i="1" dirty="0">
                 <a:latin typeface="Calibri" pitchFamily="34" charset="0"/>
                 <a:cs typeface="Calibri" pitchFamily="34" charset="0"/>
               </a:rPr>
               <a:t>echo-chambers</a:t>
             </a:r>
             <a:r>
-              <a:rPr lang="it-IT" dirty="0" smtClean="0">
+              <a:rPr lang="it-IT" dirty="0">
                 <a:latin typeface="Calibri" pitchFamily="34" charset="0"/>
                 <a:cs typeface="Calibri" pitchFamily="34" charset="0"/>
               </a:rPr>
               <a:t>, ossia </a:t>
             </a:r>
             <a:r>
-              <a:rPr lang="it-IT" i="1" dirty="0" smtClean="0">
+              <a:rPr lang="it-IT" i="1" u="sng" dirty="0">
                 <a:latin typeface="Calibri" pitchFamily="34" charset="0"/>
                 <a:cs typeface="Calibri" pitchFamily="34" charset="0"/>
               </a:rPr>
-              <a:t>gruppi di individui con lo stesso parere</a:t>
+              <a:t>gruppi di individui che condividono </a:t>
             </a:r>
           </a:p>
           <a:p>
             <a:pPr algn="just"/>
             <a:r>
-              <a:rPr lang="it-IT" i="1" dirty="0">
+              <a:rPr lang="it-IT" i="1" u="sng" dirty="0">
                 <a:latin typeface="Calibri" pitchFamily="34" charset="0"/>
                 <a:cs typeface="Calibri" pitchFamily="34" charset="0"/>
               </a:rPr>
-              <a:t> </a:t>
-            </a:r>
-            <a:r>
-              <a:rPr lang="it-IT" i="1" dirty="0" smtClean="0">
-                <a:latin typeface="Calibri" pitchFamily="34" charset="0"/>
-                <a:cs typeface="Calibri" pitchFamily="34" charset="0"/>
-              </a:rPr>
-              <a:t>    e che rafforzano l’opinione reciprocamente ma non sono esposti ad opinioni </a:t>
+              <a:t>     lo stesso parere e che rafforzano la propria opinione in modo reciproco, </a:t>
             </a:r>
           </a:p>
           <a:p>
             <a:pPr algn="just"/>
             <a:r>
-              <a:rPr lang="it-IT" i="1" dirty="0">
+              <a:rPr lang="it-IT" i="1" u="sng" dirty="0">
                 <a:latin typeface="Calibri" pitchFamily="34" charset="0"/>
                 <a:cs typeface="Calibri" pitchFamily="34" charset="0"/>
               </a:rPr>
-              <a:t> </a:t>
+              <a:t>     non essendo però esposti a punti di vista diversi dal proprio</a:t>
             </a:r>
             <a:r>
-              <a:rPr lang="it-IT" i="1" dirty="0" smtClean="0">
-                <a:latin typeface="Calibri" pitchFamily="34" charset="0"/>
-                <a:cs typeface="Calibri" pitchFamily="34" charset="0"/>
-              </a:rPr>
-              <a:t>    opposte alla propria</a:t>
-            </a:r>
-            <a:r>
-              <a:rPr lang="it-IT" dirty="0" smtClean="0">
+              <a:rPr lang="it-IT" dirty="0">
                 <a:latin typeface="Calibri" pitchFamily="34" charset="0"/>
                 <a:cs typeface="Calibri" pitchFamily="34" charset="0"/>
               </a:rPr>
@@ -17501,7 +17401,7 @@
               <a:buFont typeface="Arial" pitchFamily="34" charset="0"/>
               <a:buChar char="•"/>
             </a:pPr>
-            <a:endParaRPr lang="it-IT" dirty="0" smtClean="0">
+            <a:endParaRPr lang="it-IT" dirty="0">
               <a:latin typeface="Calibri" pitchFamily="34" charset="0"/>
               <a:cs typeface="Calibri" pitchFamily="34" charset="0"/>
             </a:endParaRPr>
@@ -17518,13 +17418,6 @@
   <p:clrMapOvr>
     <a:masterClrMapping/>
   </p:clrMapOvr>
-  <p:timing>
-    <p:tnLst>
-      <p:par>
-        <p:cTn id="1" dur="indefinite" restart="never" nodeType="tmRoot"/>
-      </p:par>
-    </p:tnLst>
-  </p:timing>
 </p:sld>
 </file>
 
@@ -17575,7 +17468,7 @@
           <a:p>
             <a:pPr algn="ctr"/>
             <a:r>
-              <a:rPr lang="en-US" altLang="ko-KR" dirty="0" smtClean="0">
+              <a:rPr lang="en-US" altLang="ko-KR" dirty="0">
                 <a:solidFill>
                   <a:schemeClr val="accent5">
                     <a:lumMod val="75000"/>
@@ -17602,8 +17495,586 @@
         </p:nvSpPr>
         <p:spPr>
           <a:xfrm>
-            <a:off x="1545404" y="1628800"/>
-            <a:ext cx="6296532" cy="369332"/>
+            <a:off x="1619672" y="1628800"/>
+            <a:ext cx="7268004" cy="2862322"/>
+          </a:xfrm>
+          <a:prstGeom prst="rect">
+            <a:avLst/>
+          </a:prstGeom>
+          <a:noFill/>
+        </p:spPr>
+        <p:txBody>
+          <a:bodyPr wrap="square" rtlCol="0">
+            <a:spAutoFit/>
+          </a:bodyPr>
+          <a:lstStyle/>
+          <a:p>
+            <a:pPr algn="just"/>
+            <a:r>
+              <a:rPr lang="it-IT" dirty="0">
+                <a:latin typeface="Calibri" panose="020F0502020204030204" pitchFamily="34" charset="0"/>
+                <a:cs typeface="Calibri" panose="020F0502020204030204" pitchFamily="34" charset="0"/>
+              </a:rPr>
+              <a:t>L’ambiente in cui opera il sistema implementato è il </a:t>
+            </a:r>
+            <a:r>
+              <a:rPr lang="it-IT" i="1" dirty="0">
+                <a:latin typeface="Calibri" panose="020F0502020204030204" pitchFamily="34" charset="0"/>
+                <a:cs typeface="Calibri" panose="020F0502020204030204" pitchFamily="34" charset="0"/>
+              </a:rPr>
+              <a:t>social network </a:t>
+            </a:r>
+            <a:r>
+              <a:rPr lang="it-IT" dirty="0">
+                <a:latin typeface="Calibri" panose="020F0502020204030204" pitchFamily="34" charset="0"/>
+                <a:cs typeface="Calibri" panose="020F0502020204030204" pitchFamily="34" charset="0"/>
+              </a:rPr>
+              <a:t>di </a:t>
+            </a:r>
+          </a:p>
+          <a:p>
+            <a:pPr algn="just"/>
+            <a:r>
+              <a:rPr lang="it-IT" b="1" i="1" dirty="0">
+                <a:solidFill>
+                  <a:schemeClr val="accent1"/>
+                </a:solidFill>
+                <a:latin typeface="Calibri" panose="020F0502020204030204" pitchFamily="34" charset="0"/>
+                <a:cs typeface="Calibri" panose="020F0502020204030204" pitchFamily="34" charset="0"/>
+              </a:rPr>
+              <a:t>TWITTER</a:t>
+            </a:r>
+            <a:r>
+              <a:rPr lang="it-IT" dirty="0">
+                <a:latin typeface="Calibri" panose="020F0502020204030204" pitchFamily="34" charset="0"/>
+                <a:cs typeface="Calibri" panose="020F0502020204030204" pitchFamily="34" charset="0"/>
+              </a:rPr>
+              <a:t>, in cui:</a:t>
+            </a:r>
+          </a:p>
+          <a:p>
+            <a:pPr algn="just"/>
+            <a:endParaRPr lang="it-IT" i="1" dirty="0">
+              <a:latin typeface="Calibri" panose="020F0502020204030204" pitchFamily="34" charset="0"/>
+              <a:cs typeface="Calibri" panose="020F0502020204030204" pitchFamily="34" charset="0"/>
+            </a:endParaRPr>
+          </a:p>
+          <a:p>
+            <a:pPr marL="285750" indent="-285750" algn="just">
+              <a:buFont typeface="Arial" panose="020B0604020202020204" pitchFamily="34" charset="0"/>
+              <a:buChar char="•"/>
+            </a:pPr>
+            <a:r>
+              <a:rPr lang="it-IT" dirty="0">
+                <a:latin typeface="Calibri" panose="020F0502020204030204" pitchFamily="34" charset="0"/>
+                <a:cs typeface="Calibri" panose="020F0502020204030204" pitchFamily="34" charset="0"/>
+              </a:rPr>
+              <a:t>gli argomenti delle discussioni sono identificati tramite gli </a:t>
+            </a:r>
+            <a:r>
+              <a:rPr lang="it-IT" b="1" i="1" dirty="0" err="1">
+                <a:latin typeface="Calibri" panose="020F0502020204030204" pitchFamily="34" charset="0"/>
+                <a:cs typeface="Calibri" panose="020F0502020204030204" pitchFamily="34" charset="0"/>
+              </a:rPr>
+              <a:t>hashtags</a:t>
+            </a:r>
+            <a:r>
+              <a:rPr lang="it-IT" i="1" dirty="0">
+                <a:latin typeface="Calibri" panose="020F0502020204030204" pitchFamily="34" charset="0"/>
+                <a:cs typeface="Calibri" panose="020F0502020204030204" pitchFamily="34" charset="0"/>
+              </a:rPr>
+              <a:t> </a:t>
+            </a:r>
+            <a:r>
+              <a:rPr lang="it-IT" b="1" i="1" dirty="0">
+                <a:latin typeface="Calibri" panose="020F0502020204030204" pitchFamily="34" charset="0"/>
+                <a:cs typeface="Calibri" panose="020F0502020204030204" pitchFamily="34" charset="0"/>
+              </a:rPr>
+              <a:t>(#)</a:t>
+            </a:r>
+            <a:r>
+              <a:rPr lang="it-IT" i="1" dirty="0">
+                <a:latin typeface="Calibri" panose="020F0502020204030204" pitchFamily="34" charset="0"/>
+                <a:cs typeface="Calibri" panose="020F0502020204030204" pitchFamily="34" charset="0"/>
+              </a:rPr>
+              <a:t>;</a:t>
+            </a:r>
+          </a:p>
+          <a:p>
+            <a:pPr marL="285750" indent="-285750" algn="just">
+              <a:buFont typeface="Arial" panose="020B0604020202020204" pitchFamily="34" charset="0"/>
+              <a:buChar char="•"/>
+            </a:pPr>
+            <a:endParaRPr lang="it-IT" i="1" dirty="0">
+              <a:latin typeface="Calibri" panose="020F0502020204030204" pitchFamily="34" charset="0"/>
+              <a:cs typeface="Calibri" panose="020F0502020204030204" pitchFamily="34" charset="0"/>
+            </a:endParaRPr>
+          </a:p>
+          <a:p>
+            <a:pPr marL="285750" indent="-285750" algn="just">
+              <a:buFont typeface="Arial" panose="020B0604020202020204" pitchFamily="34" charset="0"/>
+              <a:buChar char="•"/>
+            </a:pPr>
+            <a:r>
+              <a:rPr lang="it-IT" dirty="0">
+                <a:latin typeface="Calibri" panose="020F0502020204030204" pitchFamily="34" charset="0"/>
+                <a:cs typeface="Calibri" panose="020F0502020204030204" pitchFamily="34" charset="0"/>
+              </a:rPr>
+              <a:t>gli utenti possono esprimere le proprie opinioni a riguardo con brevi </a:t>
+            </a:r>
+          </a:p>
+          <a:p>
+            <a:pPr algn="just"/>
+            <a:r>
+              <a:rPr lang="it-IT" dirty="0">
+                <a:latin typeface="Calibri" panose="020F0502020204030204" pitchFamily="34" charset="0"/>
+                <a:cs typeface="Calibri" panose="020F0502020204030204" pitchFamily="34" charset="0"/>
+              </a:rPr>
+              <a:t>     enunciati di al massimo 140 caratteri, ovvero i </a:t>
+            </a:r>
+            <a:r>
+              <a:rPr lang="it-IT" b="1" i="1" dirty="0" err="1">
+                <a:latin typeface="Calibri" panose="020F0502020204030204" pitchFamily="34" charset="0"/>
+                <a:cs typeface="Calibri" panose="020F0502020204030204" pitchFamily="34" charset="0"/>
+              </a:rPr>
+              <a:t>tweets</a:t>
+            </a:r>
+            <a:r>
+              <a:rPr lang="it-IT" i="1" dirty="0">
+                <a:latin typeface="Calibri" panose="020F0502020204030204" pitchFamily="34" charset="0"/>
+                <a:cs typeface="Calibri" panose="020F0502020204030204" pitchFamily="34" charset="0"/>
+              </a:rPr>
+              <a:t>;</a:t>
+            </a:r>
+            <a:endParaRPr lang="it-IT" dirty="0">
+              <a:latin typeface="Calibri" panose="020F0502020204030204" pitchFamily="34" charset="0"/>
+              <a:cs typeface="Calibri" panose="020F0502020204030204" pitchFamily="34" charset="0"/>
+            </a:endParaRPr>
+          </a:p>
+          <a:p>
+            <a:pPr marL="285750" indent="-285750" algn="just">
+              <a:buFont typeface="Arial" panose="020B0604020202020204" pitchFamily="34" charset="0"/>
+              <a:buChar char="•"/>
+            </a:pPr>
+            <a:endParaRPr lang="it-IT" i="1" dirty="0">
+              <a:latin typeface="Calibri" panose="020F0502020204030204" pitchFamily="34" charset="0"/>
+              <a:cs typeface="Calibri" panose="020F0502020204030204" pitchFamily="34" charset="0"/>
+            </a:endParaRPr>
+          </a:p>
+          <a:p>
+            <a:pPr marL="285750" indent="-285750" algn="just">
+              <a:buFont typeface="Arial" panose="020B0604020202020204" pitchFamily="34" charset="0"/>
+              <a:buChar char="•"/>
+            </a:pPr>
+            <a:r>
+              <a:rPr lang="it-IT" dirty="0">
+                <a:latin typeface="Calibri" panose="020F0502020204030204" pitchFamily="34" charset="0"/>
+                <a:cs typeface="Calibri" panose="020F0502020204030204" pitchFamily="34" charset="0"/>
+              </a:rPr>
+              <a:t>se un utente desidera condividere quanto asserito da un altro può </a:t>
+            </a:r>
+          </a:p>
+          <a:p>
+            <a:pPr algn="just"/>
+            <a:r>
+              <a:rPr lang="it-IT" dirty="0">
+                <a:latin typeface="Calibri" panose="020F0502020204030204" pitchFamily="34" charset="0"/>
+                <a:cs typeface="Calibri" panose="020F0502020204030204" pitchFamily="34" charset="0"/>
+              </a:rPr>
+              <a:t>     avvalersi dello strumento del </a:t>
+            </a:r>
+            <a:r>
+              <a:rPr lang="it-IT" b="1" i="1" dirty="0" err="1">
+                <a:latin typeface="Calibri" panose="020F0502020204030204" pitchFamily="34" charset="0"/>
+                <a:cs typeface="Calibri" panose="020F0502020204030204" pitchFamily="34" charset="0"/>
+              </a:rPr>
+              <a:t>retweet</a:t>
+            </a:r>
+            <a:r>
+              <a:rPr lang="it-IT" i="1" dirty="0">
+                <a:latin typeface="Calibri" panose="020F0502020204030204" pitchFamily="34" charset="0"/>
+                <a:cs typeface="Calibri" panose="020F0502020204030204" pitchFamily="34" charset="0"/>
+              </a:rPr>
+              <a:t>.</a:t>
+            </a:r>
+            <a:endParaRPr lang="it-IT" dirty="0">
+              <a:latin typeface="Calibri" panose="020F0502020204030204" pitchFamily="34" charset="0"/>
+              <a:cs typeface="Calibri" panose="020F0502020204030204" pitchFamily="34" charset="0"/>
+            </a:endParaRPr>
+          </a:p>
+        </p:txBody>
+      </p:sp>
+      <p:pic>
+        <p:nvPicPr>
+          <p:cNvPr id="1026" name="Picture 2" descr="Risultati immagini per twitter vector logo">
+            <a:extLst>
+              <a:ext uri="{FF2B5EF4-FFF2-40B4-BE49-F238E27FC236}">
+                <a16:creationId xmlns:a16="http://schemas.microsoft.com/office/drawing/2014/main" id="{D889CC7C-9C8B-4FC7-BEA6-94A9A901435D}"/>
+              </a:ext>
+            </a:extLst>
+          </p:cNvPr>
+          <p:cNvPicPr>
+            <a:picLocks noChangeAspect="1" noChangeArrowheads="1"/>
+          </p:cNvPicPr>
+          <p:nvPr/>
+        </p:nvPicPr>
+        <p:blipFill>
+          <a:blip r:embed="rId2" cstate="print">
+            <a:extLst>
+              <a:ext uri="{28A0092B-C50C-407E-A947-70E740481C1C}">
+                <a14:useLocalDpi xmlns:a14="http://schemas.microsoft.com/office/drawing/2010/main" val="0"/>
+              </a:ext>
+            </a:extLst>
+          </a:blip>
+          <a:srcRect/>
+          <a:stretch>
+            <a:fillRect/>
+          </a:stretch>
+        </p:blipFill>
+        <p:spPr bwMode="auto">
+          <a:xfrm>
+            <a:off x="179512" y="188640"/>
+            <a:ext cx="1152128" cy="1152128"/>
+          </a:xfrm>
+          <a:prstGeom prst="rect">
+            <a:avLst/>
+          </a:prstGeom>
+          <a:noFill/>
+          <a:extLst>
+            <a:ext uri="{909E8E84-426E-40DD-AFC4-6F175D3DCCD1}">
+              <a14:hiddenFill xmlns:a14="http://schemas.microsoft.com/office/drawing/2010/main">
+                <a:solidFill>
+                  <a:srgbClr val="FFFFFF"/>
+                </a:solidFill>
+              </a14:hiddenFill>
+            </a:ext>
+          </a:extLst>
+        </p:spPr>
+      </p:pic>
+    </p:spTree>
+    <p:extLst>
+      <p:ext uri="{BB962C8B-B14F-4D97-AF65-F5344CB8AC3E}">
+        <p14:creationId xmlns:p14="http://schemas.microsoft.com/office/powerpoint/2010/main" val="2699606810"/>
+      </p:ext>
+    </p:extLst>
+  </p:cSld>
+  <p:clrMapOvr>
+    <a:masterClrMapping/>
+  </p:clrMapOvr>
+</p:sld>
+</file>
+
+<file path=ppt/slides/slide5.xml><?xml version="1.0" encoding="utf-8"?>
+<p:sld xmlns:a="http://schemas.openxmlformats.org/drawingml/2006/main" xmlns:r="http://schemas.openxmlformats.org/officeDocument/2006/relationships" xmlns:p="http://schemas.openxmlformats.org/presentationml/2006/main">
+  <p:cSld>
+    <p:spTree>
+      <p:nvGrpSpPr>
+        <p:cNvPr id="1" name=""/>
+        <p:cNvGrpSpPr/>
+        <p:nvPr/>
+      </p:nvGrpSpPr>
+      <p:grpSpPr>
+        <a:xfrm>
+          <a:off x="0" y="0"/>
+          <a:ext cx="0" cy="0"/>
+          <a:chOff x="0" y="0"/>
+          <a:chExt cx="0" cy="0"/>
+        </a:xfrm>
+      </p:grpSpPr>
+      <p:sp>
+        <p:nvSpPr>
+          <p:cNvPr id="5" name="Title 3">
+            <a:extLst>
+              <a:ext uri="{FF2B5EF4-FFF2-40B4-BE49-F238E27FC236}">
+                <a16:creationId xmlns:a16="http://schemas.microsoft.com/office/drawing/2014/main" id="{4B902CC3-75DB-41C6-B4AA-1F2B71CA058B}"/>
+              </a:ext>
+            </a:extLst>
+          </p:cNvPr>
+          <p:cNvSpPr>
+            <a:spLocks noGrp="1"/>
+          </p:cNvSpPr>
+          <p:nvPr>
+            <p:ph type="title"/>
+          </p:nvPr>
+        </p:nvSpPr>
+        <p:spPr>
+          <a:xfrm>
+            <a:off x="0" y="16778"/>
+            <a:ext cx="9144000" cy="1069514"/>
+          </a:xfrm>
+        </p:spPr>
+        <p:txBody>
+          <a:bodyPr>
+            <a:scene3d>
+              <a:camera prst="orthographicFront"/>
+              <a:lightRig rig="threePt" dir="t"/>
+            </a:scene3d>
+            <a:sp3d extrusionH="57150">
+              <a:bevelT w="82550" h="38100" prst="coolSlant"/>
+            </a:sp3d>
+          </a:bodyPr>
+          <a:lstStyle/>
+          <a:p>
+            <a:pPr algn="ctr"/>
+            <a:r>
+              <a:rPr lang="en-US" altLang="ko-KR" dirty="0">
+                <a:solidFill>
+                  <a:schemeClr val="accent5">
+                    <a:lumMod val="75000"/>
+                  </a:schemeClr>
+                </a:solidFill>
+              </a:rPr>
+              <a:t>Introduzione</a:t>
+            </a:r>
+            <a:endParaRPr lang="ko-KR" altLang="en-US" dirty="0">
+              <a:solidFill>
+                <a:schemeClr val="accent5">
+                  <a:lumMod val="75000"/>
+                </a:schemeClr>
+              </a:solidFill>
+            </a:endParaRPr>
+          </a:p>
+        </p:txBody>
+      </p:sp>
+      <p:sp>
+        <p:nvSpPr>
+          <p:cNvPr id="6" name="Rettangolo 5">
+            <a:extLst>
+              <a:ext uri="{FF2B5EF4-FFF2-40B4-BE49-F238E27FC236}">
+                <a16:creationId xmlns:a16="http://schemas.microsoft.com/office/drawing/2014/main" id="{34D4963A-74A1-4455-8FDA-78E85A45FA8B}"/>
+              </a:ext>
+            </a:extLst>
+          </p:cNvPr>
+          <p:cNvSpPr/>
+          <p:nvPr/>
+        </p:nvSpPr>
+        <p:spPr>
+          <a:xfrm>
+            <a:off x="1763688" y="1484784"/>
+            <a:ext cx="7416824" cy="1200329"/>
+          </a:xfrm>
+          <a:prstGeom prst="rect">
+            <a:avLst/>
+          </a:prstGeom>
+        </p:spPr>
+        <p:txBody>
+          <a:bodyPr wrap="square">
+            <a:spAutoFit/>
+          </a:bodyPr>
+          <a:lstStyle/>
+          <a:p>
+            <a:pPr algn="just"/>
+            <a:r>
+              <a:rPr lang="it-IT" dirty="0">
+                <a:latin typeface="Calibri" panose="020F0502020204030204" pitchFamily="34" charset="0"/>
+                <a:cs typeface="Calibri" panose="020F0502020204030204" pitchFamily="34" charset="0"/>
+              </a:rPr>
+              <a:t>Una discussione riguardo ad un particolare argomento nell’ambiente di </a:t>
+            </a:r>
+          </a:p>
+          <a:p>
+            <a:pPr algn="just"/>
+            <a:r>
+              <a:rPr lang="it-IT" b="1" i="1" dirty="0">
+                <a:solidFill>
+                  <a:schemeClr val="accent1"/>
+                </a:solidFill>
+                <a:latin typeface="Calibri" panose="020F0502020204030204" pitchFamily="34" charset="0"/>
+                <a:cs typeface="Calibri" panose="020F0502020204030204" pitchFamily="34" charset="0"/>
+              </a:rPr>
+              <a:t>TWITTER</a:t>
+            </a:r>
+            <a:r>
+              <a:rPr lang="it-IT" i="1" dirty="0">
+                <a:latin typeface="Calibri" panose="020F0502020204030204" pitchFamily="34" charset="0"/>
+                <a:cs typeface="Calibri" panose="020F0502020204030204" pitchFamily="34" charset="0"/>
+              </a:rPr>
+              <a:t> </a:t>
+            </a:r>
+            <a:r>
+              <a:rPr lang="it-IT" dirty="0">
+                <a:latin typeface="Calibri" panose="020F0502020204030204" pitchFamily="34" charset="0"/>
+                <a:cs typeface="Calibri" panose="020F0502020204030204" pitchFamily="34" charset="0"/>
+              </a:rPr>
+              <a:t>può essere descritta mediante un </a:t>
+            </a:r>
+            <a:r>
+              <a:rPr lang="it-IT" b="1" i="1" dirty="0">
+                <a:solidFill>
+                  <a:schemeClr val="accent2"/>
+                </a:solidFill>
+                <a:latin typeface="Calibri" panose="020F0502020204030204" pitchFamily="34" charset="0"/>
+                <a:cs typeface="Calibri" panose="020F0502020204030204" pitchFamily="34" charset="0"/>
+              </a:rPr>
+              <a:t>endorsement </a:t>
+            </a:r>
+            <a:r>
+              <a:rPr lang="it-IT" b="1" i="1" dirty="0" err="1">
+                <a:solidFill>
+                  <a:schemeClr val="accent2"/>
+                </a:solidFill>
+                <a:latin typeface="Calibri" panose="020F0502020204030204" pitchFamily="34" charset="0"/>
+                <a:cs typeface="Calibri" panose="020F0502020204030204" pitchFamily="34" charset="0"/>
+              </a:rPr>
+              <a:t>graph</a:t>
+            </a:r>
+            <a:r>
+              <a:rPr lang="it-IT" dirty="0">
+                <a:latin typeface="Calibri" panose="020F0502020204030204" pitchFamily="34" charset="0"/>
+                <a:cs typeface="Calibri" panose="020F0502020204030204" pitchFamily="34" charset="0"/>
+              </a:rPr>
+              <a:t>, ossia un </a:t>
+            </a:r>
+          </a:p>
+          <a:p>
+            <a:pPr algn="just"/>
+            <a:r>
+              <a:rPr lang="it-IT" dirty="0">
+                <a:latin typeface="Calibri" panose="020F0502020204030204" pitchFamily="34" charset="0"/>
+                <a:cs typeface="Calibri" panose="020F0502020204030204" pitchFamily="34" charset="0"/>
+              </a:rPr>
+              <a:t>grafo diretto i cui nodi sono gli utenti che hanno espresso almeno </a:t>
+            </a:r>
+          </a:p>
+          <a:p>
+            <a:pPr algn="just"/>
+            <a:r>
+              <a:rPr lang="it-IT" dirty="0">
+                <a:latin typeface="Calibri" panose="020F0502020204030204" pitchFamily="34" charset="0"/>
+                <a:cs typeface="Calibri" panose="020F0502020204030204" pitchFamily="34" charset="0"/>
+              </a:rPr>
+              <a:t>un’opinione mediante un </a:t>
+            </a:r>
+            <a:r>
+              <a:rPr lang="it-IT" b="1" i="1" dirty="0" err="1">
+                <a:latin typeface="Calibri" panose="020F0502020204030204" pitchFamily="34" charset="0"/>
+                <a:cs typeface="Calibri" panose="020F0502020204030204" pitchFamily="34" charset="0"/>
+              </a:rPr>
+              <a:t>tweet</a:t>
+            </a:r>
+            <a:r>
+              <a:rPr lang="it-IT" i="1" dirty="0">
+                <a:latin typeface="Calibri" panose="020F0502020204030204" pitchFamily="34" charset="0"/>
+                <a:cs typeface="Calibri" panose="020F0502020204030204" pitchFamily="34" charset="0"/>
+              </a:rPr>
+              <a:t> </a:t>
+            </a:r>
+            <a:r>
+              <a:rPr lang="it-IT" dirty="0">
+                <a:latin typeface="Calibri" panose="020F0502020204030204" pitchFamily="34" charset="0"/>
+                <a:cs typeface="Calibri" panose="020F0502020204030204" pitchFamily="34" charset="0"/>
+              </a:rPr>
+              <a:t>ed i cui archi rappresentano i </a:t>
+            </a:r>
+            <a:r>
+              <a:rPr lang="it-IT" b="1" i="1" dirty="0" err="1">
+                <a:latin typeface="Calibri" panose="020F0502020204030204" pitchFamily="34" charset="0"/>
+                <a:cs typeface="Calibri" panose="020F0502020204030204" pitchFamily="34" charset="0"/>
+              </a:rPr>
+              <a:t>retweets</a:t>
+            </a:r>
+            <a:r>
+              <a:rPr lang="it-IT" i="1" dirty="0">
+                <a:latin typeface="Calibri" panose="020F0502020204030204" pitchFamily="34" charset="0"/>
+                <a:cs typeface="Calibri" panose="020F0502020204030204" pitchFamily="34" charset="0"/>
+              </a:rPr>
+              <a:t>.</a:t>
+            </a:r>
+            <a:endParaRPr lang="it-IT" dirty="0">
+              <a:latin typeface="Calibri" panose="020F0502020204030204" pitchFamily="34" charset="0"/>
+              <a:cs typeface="Calibri" panose="020F0502020204030204" pitchFamily="34" charset="0"/>
+            </a:endParaRPr>
+          </a:p>
+        </p:txBody>
+      </p:sp>
+      <p:pic>
+        <p:nvPicPr>
+          <p:cNvPr id="7" name="Immagine 6">
+            <a:extLst>
+              <a:ext uri="{FF2B5EF4-FFF2-40B4-BE49-F238E27FC236}">
+                <a16:creationId xmlns:a16="http://schemas.microsoft.com/office/drawing/2014/main" id="{AF3703D5-DAD7-460C-ADBE-3A301D9A2FE4}"/>
+              </a:ext>
+            </a:extLst>
+          </p:cNvPr>
+          <p:cNvPicPr>
+            <a:picLocks noChangeAspect="1"/>
+          </p:cNvPicPr>
+          <p:nvPr/>
+        </p:nvPicPr>
+        <p:blipFill>
+          <a:blip r:embed="rId2">
+            <a:extLst>
+              <a:ext uri="{28A0092B-C50C-407E-A947-70E740481C1C}">
+                <a14:useLocalDpi xmlns:a14="http://schemas.microsoft.com/office/drawing/2010/main" val="0"/>
+              </a:ext>
+            </a:extLst>
+          </a:blip>
+          <a:stretch>
+            <a:fillRect/>
+          </a:stretch>
+        </p:blipFill>
+        <p:spPr>
+          <a:xfrm>
+            <a:off x="1835696" y="4185355"/>
+            <a:ext cx="1228725" cy="1228725"/>
+          </a:xfrm>
+          <a:prstGeom prst="rect">
+            <a:avLst/>
+          </a:prstGeom>
+        </p:spPr>
+      </p:pic>
+      <p:pic>
+        <p:nvPicPr>
+          <p:cNvPr id="8" name="Immagine 7" descr="Immagine che contiene clipart&#10;&#10;Descrizione generata con affidabilità elevata">
+            <a:extLst>
+              <a:ext uri="{FF2B5EF4-FFF2-40B4-BE49-F238E27FC236}">
+                <a16:creationId xmlns:a16="http://schemas.microsoft.com/office/drawing/2014/main" id="{8B09EFF9-4415-439B-9132-80DBE3EA395C}"/>
+              </a:ext>
+            </a:extLst>
+          </p:cNvPr>
+          <p:cNvPicPr>
+            <a:picLocks noChangeAspect="1"/>
+          </p:cNvPicPr>
+          <p:nvPr/>
+        </p:nvPicPr>
+        <p:blipFill>
+          <a:blip r:embed="rId3">
+            <a:extLst>
+              <a:ext uri="{28A0092B-C50C-407E-A947-70E740481C1C}">
+                <a14:useLocalDpi xmlns:a14="http://schemas.microsoft.com/office/drawing/2010/main" val="0"/>
+              </a:ext>
+            </a:extLst>
+          </a:blip>
+          <a:stretch>
+            <a:fillRect/>
+          </a:stretch>
+        </p:blipFill>
+        <p:spPr>
+          <a:xfrm>
+            <a:off x="6876256" y="3212976"/>
+            <a:ext cx="1228725" cy="1228725"/>
+          </a:xfrm>
+          <a:prstGeom prst="rect">
+            <a:avLst/>
+          </a:prstGeom>
+        </p:spPr>
+      </p:pic>
+      <p:sp>
+        <p:nvSpPr>
+          <p:cNvPr id="9" name="CasellaDiTesto 8">
+            <a:extLst>
+              <a:ext uri="{FF2B5EF4-FFF2-40B4-BE49-F238E27FC236}">
+                <a16:creationId xmlns:a16="http://schemas.microsoft.com/office/drawing/2014/main" id="{C240CA17-907D-48B7-9B44-F721E8F121F1}"/>
+              </a:ext>
+            </a:extLst>
+          </p:cNvPr>
+          <p:cNvSpPr txBox="1"/>
+          <p:nvPr/>
+        </p:nvSpPr>
+        <p:spPr>
+          <a:xfrm>
+            <a:off x="2051720" y="5445224"/>
+            <a:ext cx="800219" cy="307777"/>
           </a:xfrm>
           <a:prstGeom prst="rect">
             <a:avLst/>
@@ -17616,59 +18087,197 @@
           </a:bodyPr>
           <a:lstStyle/>
           <a:p>
+            <a:r>
+              <a:rPr lang="it-IT" sz="1400" b="1" dirty="0">
+                <a:solidFill>
+                  <a:srgbClr val="FF0000"/>
+                </a:solidFill>
+                <a:latin typeface="Calibri" panose="020F0502020204030204" pitchFamily="34" charset="0"/>
+                <a:cs typeface="Calibri" panose="020F0502020204030204" pitchFamily="34" charset="0"/>
+              </a:rPr>
+              <a:t>NODO X</a:t>
+            </a:r>
+          </a:p>
+        </p:txBody>
+      </p:sp>
+      <p:sp>
+        <p:nvSpPr>
+          <p:cNvPr id="10" name="CasellaDiTesto 9">
+            <a:extLst>
+              <a:ext uri="{FF2B5EF4-FFF2-40B4-BE49-F238E27FC236}">
+                <a16:creationId xmlns:a16="http://schemas.microsoft.com/office/drawing/2014/main" id="{122FF84E-387F-42FF-8447-215229458BC0}"/>
+              </a:ext>
+            </a:extLst>
+          </p:cNvPr>
+          <p:cNvSpPr txBox="1"/>
+          <p:nvPr/>
+        </p:nvSpPr>
+        <p:spPr>
+          <a:xfrm>
+            <a:off x="7090508" y="4437112"/>
+            <a:ext cx="793807" cy="307777"/>
+          </a:xfrm>
+          <a:prstGeom prst="rect">
+            <a:avLst/>
+          </a:prstGeom>
+          <a:noFill/>
+        </p:spPr>
+        <p:txBody>
+          <a:bodyPr wrap="none" rtlCol="0">
+            <a:spAutoFit/>
+          </a:bodyPr>
+          <a:lstStyle/>
+          <a:p>
+            <a:r>
+              <a:rPr lang="it-IT" sz="1400" b="1" dirty="0">
+                <a:solidFill>
+                  <a:srgbClr val="FF0000"/>
+                </a:solidFill>
+                <a:latin typeface="Calibri" panose="020F0502020204030204" pitchFamily="34" charset="0"/>
+                <a:cs typeface="Calibri" panose="020F0502020204030204" pitchFamily="34" charset="0"/>
+              </a:rPr>
+              <a:t>NODO Y</a:t>
+            </a:r>
+          </a:p>
+        </p:txBody>
+      </p:sp>
+      <p:cxnSp>
+        <p:nvCxnSpPr>
+          <p:cNvPr id="14" name="Connettore 2 13">
+            <a:extLst>
+              <a:ext uri="{FF2B5EF4-FFF2-40B4-BE49-F238E27FC236}">
+                <a16:creationId xmlns:a16="http://schemas.microsoft.com/office/drawing/2014/main" id="{240377C1-CB13-43A4-8F95-EB652CADEE65}"/>
+              </a:ext>
+            </a:extLst>
+          </p:cNvPr>
+          <p:cNvCxnSpPr>
+            <a:stCxn id="7" idx="3"/>
+            <a:endCxn id="8" idx="1"/>
+          </p:cNvCxnSpPr>
+          <p:nvPr/>
+        </p:nvCxnSpPr>
+        <p:spPr>
+          <a:xfrm flipV="1">
+            <a:off x="3064421" y="3827339"/>
+            <a:ext cx="3811835" cy="972379"/>
+          </a:xfrm>
+          <a:prstGeom prst="straightConnector1">
+            <a:avLst/>
+          </a:prstGeom>
+          <a:ln w="38100" cap="flat" cmpd="sng" algn="ctr">
+            <a:solidFill>
+              <a:schemeClr val="accent2"/>
+            </a:solidFill>
+            <a:prstDash val="solid"/>
+            <a:round/>
+            <a:headEnd type="none" w="med" len="med"/>
+            <a:tailEnd type="arrow" w="med" len="med"/>
+          </a:ln>
+          <a:effectLst>
+            <a:outerShdw blurRad="50800" dist="38100" dir="16200000" rotWithShape="0">
+              <a:prstClr val="black">
+                <a:alpha val="40000"/>
+              </a:prstClr>
+            </a:outerShdw>
+          </a:effectLst>
+        </p:spPr>
+        <p:style>
+          <a:lnRef idx="0">
+            <a:scrgbClr r="0" g="0" b="0"/>
+          </a:lnRef>
+          <a:fillRef idx="0">
+            <a:scrgbClr r="0" g="0" b="0"/>
+          </a:fillRef>
+          <a:effectRef idx="0">
+            <a:scrgbClr r="0" g="0" b="0"/>
+          </a:effectRef>
+          <a:fontRef idx="minor">
+            <a:schemeClr val="tx1"/>
+          </a:fontRef>
+        </p:style>
+      </p:cxnSp>
+      <p:sp>
+        <p:nvSpPr>
+          <p:cNvPr id="15" name="CasellaDiTesto 14">
+            <a:extLst>
+              <a:ext uri="{FF2B5EF4-FFF2-40B4-BE49-F238E27FC236}">
+                <a16:creationId xmlns:a16="http://schemas.microsoft.com/office/drawing/2014/main" id="{0FA5EFC3-169A-4B11-BF0C-7BD04846D93B}"/>
+              </a:ext>
+            </a:extLst>
+          </p:cNvPr>
+          <p:cNvSpPr txBox="1"/>
+          <p:nvPr/>
+        </p:nvSpPr>
+        <p:spPr>
+          <a:xfrm rot="20646097">
+            <a:off x="3905191" y="3553935"/>
+            <a:ext cx="1633076" cy="1231106"/>
+          </a:xfrm>
+          <a:prstGeom prst="rect">
+            <a:avLst/>
+          </a:prstGeom>
+          <a:noFill/>
+          <a:effectLst>
+            <a:outerShdw blurRad="50800" dist="38100" dir="2700000" algn="tl" rotWithShape="0">
+              <a:prstClr val="black">
+                <a:alpha val="40000"/>
+              </a:prstClr>
+            </a:outerShdw>
+          </a:effectLst>
+        </p:spPr>
+        <p:txBody>
+          <a:bodyPr wrap="none" rtlCol="0">
+            <a:spAutoFit/>
+          </a:bodyPr>
+          <a:lstStyle/>
+          <a:p>
+            <a:r>
+              <a:rPr lang="it-IT" sz="1600" b="1" dirty="0">
+                <a:solidFill>
+                  <a:schemeClr val="accent1"/>
+                </a:solidFill>
+                <a:latin typeface="Calibri" panose="020F0502020204030204" pitchFamily="34" charset="0"/>
+                <a:cs typeface="Calibri" panose="020F0502020204030204" pitchFamily="34" charset="0"/>
+              </a:rPr>
+              <a:t>X RETWEETTED Y</a:t>
+            </a:r>
+          </a:p>
+          <a:p>
             <a:pPr algn="ctr"/>
             <a:r>
-              <a:rPr lang="it-IT" dirty="0" smtClean="0">
-                <a:latin typeface="Calibri" pitchFamily="34" charset="0"/>
-                <a:cs typeface="Calibri" pitchFamily="34" charset="0"/>
+              <a:rPr lang="it-IT" sz="2800" b="1" dirty="0"/>
+              <a:t>=</a:t>
+            </a:r>
+          </a:p>
+          <a:p>
+            <a:pPr algn="ctr"/>
+            <a:endParaRPr lang="it-IT" sz="1400" dirty="0"/>
+          </a:p>
+          <a:p>
+            <a:pPr algn="ctr"/>
+            <a:r>
+              <a:rPr lang="it-IT" sz="1600" b="1" dirty="0">
+                <a:solidFill>
+                  <a:schemeClr val="accent1"/>
+                </a:solidFill>
+                <a:latin typeface="Calibri" panose="020F0502020204030204" pitchFamily="34" charset="0"/>
+                <a:cs typeface="Calibri" panose="020F0502020204030204" pitchFamily="34" charset="0"/>
               </a:rPr>
-              <a:t>Nel caso di </a:t>
+              <a:t>X ENDORSES Y</a:t>
             </a:r>
-            <a:r>
-              <a:rPr lang="it-IT" i="1" dirty="0" smtClean="0">
-                <a:latin typeface="Calibri" pitchFamily="34" charset="0"/>
-                <a:cs typeface="Calibri" pitchFamily="34" charset="0"/>
-              </a:rPr>
-              <a:t>Twitter </a:t>
-            </a:r>
-            <a:r>
-              <a:rPr lang="it-IT" dirty="0" smtClean="0">
-                <a:latin typeface="Calibri" pitchFamily="34" charset="0"/>
-                <a:cs typeface="Calibri" pitchFamily="34" charset="0"/>
-              </a:rPr>
-              <a:t>gli argomenti vengono identificati da </a:t>
-            </a:r>
-            <a:r>
-              <a:rPr lang="it-IT" i="1" dirty="0" err="1" smtClean="0">
-                <a:latin typeface="Calibri" pitchFamily="34" charset="0"/>
-                <a:cs typeface="Calibri" pitchFamily="34" charset="0"/>
-              </a:rPr>
-              <a:t>hashtags</a:t>
-            </a:r>
-            <a:endParaRPr lang="it-IT" dirty="0">
-              <a:latin typeface="Calibri" pitchFamily="34" charset="0"/>
-              <a:cs typeface="Calibri" pitchFamily="34" charset="0"/>
-            </a:endParaRPr>
           </a:p>
         </p:txBody>
       </p:sp>
     </p:spTree>
     <p:extLst>
       <p:ext uri="{BB962C8B-B14F-4D97-AF65-F5344CB8AC3E}">
-        <p14:creationId xmlns:p14="http://schemas.microsoft.com/office/powerpoint/2010/main" val="2699606810"/>
+        <p14:creationId xmlns:p14="http://schemas.microsoft.com/office/powerpoint/2010/main" val="3349117211"/>
       </p:ext>
     </p:extLst>
   </p:cSld>
   <p:clrMapOvr>
     <a:masterClrMapping/>
   </p:clrMapOvr>
-  <p:timing>
-    <p:tnLst>
-      <p:par>
-        <p:cTn id="1" dur="indefinite" restart="never" nodeType="tmRoot"/>
-      </p:par>
-    </p:tnLst>
-  </p:timing>
 </p:sld>
 </file>
 

--- a/PRESENTAZIONE_TESI/presentazione_agostini_stefano.pptx
+++ b/PRESENTAZIONE_TESI/presentazione_agostini_stefano.pptx
@@ -5,12 +5,21 @@
     <p:sldMasterId id="2147483648" r:id="rId1"/>
     <p:sldMasterId id="2147483661" r:id="rId2"/>
   </p:sldMasterIdLst>
+  <p:notesMasterIdLst>
+    <p:notesMasterId r:id="rId14"/>
+  </p:notesMasterIdLst>
   <p:sldIdLst>
     <p:sldId id="256" r:id="rId3"/>
     <p:sldId id="257" r:id="rId4"/>
     <p:sldId id="259" r:id="rId5"/>
     <p:sldId id="260" r:id="rId6"/>
     <p:sldId id="261" r:id="rId7"/>
+    <p:sldId id="262" r:id="rId8"/>
+    <p:sldId id="263" r:id="rId9"/>
+    <p:sldId id="264" r:id="rId10"/>
+    <p:sldId id="265" r:id="rId11"/>
+    <p:sldId id="266" r:id="rId12"/>
+    <p:sldId id="267" r:id="rId13"/>
   </p:sldIdLst>
   <p:sldSz cx="9144000" cy="6858000" type="screen4x3"/>
   <p:notesSz cx="6858000" cy="9144000"/>
@@ -119,12 +128,18 @@
             <p14:sldId id="259"/>
             <p14:sldId id="260"/>
             <p14:sldId id="261"/>
+            <p14:sldId id="262"/>
+            <p14:sldId id="263"/>
+            <p14:sldId id="264"/>
+            <p14:sldId id="265"/>
+            <p14:sldId id="266"/>
+            <p14:sldId id="267"/>
           </p14:sldIdLst>
         </p14:section>
       </p14:sectionLst>
     </p:ext>
     <p:ext uri="{EFAFB233-063F-42B5-8137-9DF3F51BA10A}">
-      <p15:sldGuideLst xmlns:p15="http://schemas.microsoft.com/office/powerpoint/2012/main">
+      <p15:sldGuideLst xmlns:p15="http://schemas.microsoft.com/office/powerpoint/2012/main" xmlns="">
         <p15:guide id="1" orient="horz" pos="2160">
           <p15:clr>
             <a:srgbClr val="A4A3A4"/>
@@ -139,6 +154,355 @@
     </p:ext>
   </p:extLst>
 </p:presentation>
+</file>
+
+<file path=ppt/notesMasters/notesMaster1.xml><?xml version="1.0" encoding="utf-8"?>
+<p:notesMaster xmlns:a="http://schemas.openxmlformats.org/drawingml/2006/main" xmlns:r="http://schemas.openxmlformats.org/officeDocument/2006/relationships" xmlns:p="http://schemas.openxmlformats.org/presentationml/2006/main">
+  <p:cSld>
+    <p:bg>
+      <p:bgRef idx="1001">
+        <a:schemeClr val="bg1"/>
+      </p:bgRef>
+    </p:bg>
+    <p:spTree>
+      <p:nvGrpSpPr>
+        <p:cNvPr id="1" name=""/>
+        <p:cNvGrpSpPr/>
+        <p:nvPr/>
+      </p:nvGrpSpPr>
+      <p:grpSpPr>
+        <a:xfrm>
+          <a:off x="0" y="0"/>
+          <a:ext cx="0" cy="0"/>
+          <a:chOff x="0" y="0"/>
+          <a:chExt cx="0" cy="0"/>
+        </a:xfrm>
+      </p:grpSpPr>
+      <p:sp>
+        <p:nvSpPr>
+          <p:cNvPr id="2" name="Segnaposto intestazione 1"/>
+          <p:cNvSpPr>
+            <a:spLocks noGrp="1"/>
+          </p:cNvSpPr>
+          <p:nvPr>
+            <p:ph type="hdr" sz="quarter"/>
+          </p:nvPr>
+        </p:nvSpPr>
+        <p:spPr>
+          <a:xfrm>
+            <a:off x="0" y="0"/>
+            <a:ext cx="2971800" cy="458788"/>
+          </a:xfrm>
+          <a:prstGeom prst="rect">
+            <a:avLst/>
+          </a:prstGeom>
+        </p:spPr>
+        <p:txBody>
+          <a:bodyPr vert="horz" lIns="91440" tIns="45720" rIns="91440" bIns="45720" rtlCol="0"/>
+          <a:lstStyle>
+            <a:lvl1pPr algn="l">
+              <a:defRPr sz="1200"/>
+            </a:lvl1pPr>
+          </a:lstStyle>
+          <a:p>
+            <a:endParaRPr lang="it-IT"/>
+          </a:p>
+        </p:txBody>
+      </p:sp>
+      <p:sp>
+        <p:nvSpPr>
+          <p:cNvPr id="3" name="Segnaposto data 2"/>
+          <p:cNvSpPr>
+            <a:spLocks noGrp="1"/>
+          </p:cNvSpPr>
+          <p:nvPr>
+            <p:ph type="dt" idx="1"/>
+          </p:nvPr>
+        </p:nvSpPr>
+        <p:spPr>
+          <a:xfrm>
+            <a:off x="3884613" y="0"/>
+            <a:ext cx="2971800" cy="458788"/>
+          </a:xfrm>
+          <a:prstGeom prst="rect">
+            <a:avLst/>
+          </a:prstGeom>
+        </p:spPr>
+        <p:txBody>
+          <a:bodyPr vert="horz" lIns="91440" tIns="45720" rIns="91440" bIns="45720" rtlCol="0"/>
+          <a:lstStyle>
+            <a:lvl1pPr algn="r">
+              <a:defRPr sz="1200"/>
+            </a:lvl1pPr>
+          </a:lstStyle>
+          <a:p>
+            <a:fld id="{D9998136-BDF3-4CD5-9A25-953B69557AFC}" type="datetimeFigureOut">
+              <a:rPr lang="it-IT" smtClean="0"/>
+              <a:t>12/07/2018</a:t>
+            </a:fld>
+            <a:endParaRPr lang="it-IT"/>
+          </a:p>
+        </p:txBody>
+      </p:sp>
+      <p:sp>
+        <p:nvSpPr>
+          <p:cNvPr id="4" name="Segnaposto immagine diapositiva 3"/>
+          <p:cNvSpPr>
+            <a:spLocks noGrp="1" noRot="1" noChangeAspect="1"/>
+          </p:cNvSpPr>
+          <p:nvPr>
+            <p:ph type="sldImg" idx="2"/>
+          </p:nvPr>
+        </p:nvSpPr>
+        <p:spPr>
+          <a:xfrm>
+            <a:off x="1371600" y="1143000"/>
+            <a:ext cx="4114800" cy="3086100"/>
+          </a:xfrm>
+          <a:prstGeom prst="rect">
+            <a:avLst/>
+          </a:prstGeom>
+          <a:noFill/>
+          <a:ln w="12700">
+            <a:solidFill>
+              <a:prstClr val="black"/>
+            </a:solidFill>
+          </a:ln>
+        </p:spPr>
+        <p:txBody>
+          <a:bodyPr vert="horz" lIns="91440" tIns="45720" rIns="91440" bIns="45720" rtlCol="0" anchor="ctr"/>
+          <a:lstStyle/>
+          <a:p>
+            <a:endParaRPr lang="it-IT"/>
+          </a:p>
+        </p:txBody>
+      </p:sp>
+      <p:sp>
+        <p:nvSpPr>
+          <p:cNvPr id="5" name="Segnaposto note 4"/>
+          <p:cNvSpPr>
+            <a:spLocks noGrp="1"/>
+          </p:cNvSpPr>
+          <p:nvPr>
+            <p:ph type="body" sz="quarter" idx="3"/>
+          </p:nvPr>
+        </p:nvSpPr>
+        <p:spPr>
+          <a:xfrm>
+            <a:off x="685800" y="4400550"/>
+            <a:ext cx="5486400" cy="3600450"/>
+          </a:xfrm>
+          <a:prstGeom prst="rect">
+            <a:avLst/>
+          </a:prstGeom>
+        </p:spPr>
+        <p:txBody>
+          <a:bodyPr vert="horz" lIns="91440" tIns="45720" rIns="91440" bIns="45720" rtlCol="0"/>
+          <a:lstStyle/>
+          <a:p>
+            <a:pPr lvl="0"/>
+            <a:r>
+              <a:rPr lang="it-IT"/>
+              <a:t>Modifica gli stili del testo dello schema</a:t>
+            </a:r>
+          </a:p>
+          <a:p>
+            <a:pPr lvl="1"/>
+            <a:r>
+              <a:rPr lang="it-IT"/>
+              <a:t>Secondo livello</a:t>
+            </a:r>
+          </a:p>
+          <a:p>
+            <a:pPr lvl="2"/>
+            <a:r>
+              <a:rPr lang="it-IT"/>
+              <a:t>Terzo livello</a:t>
+            </a:r>
+          </a:p>
+          <a:p>
+            <a:pPr lvl="3"/>
+            <a:r>
+              <a:rPr lang="it-IT"/>
+              <a:t>Quarto livello</a:t>
+            </a:r>
+          </a:p>
+          <a:p>
+            <a:pPr lvl="4"/>
+            <a:r>
+              <a:rPr lang="it-IT"/>
+              <a:t>Quinto livello</a:t>
+            </a:r>
+          </a:p>
+        </p:txBody>
+      </p:sp>
+      <p:sp>
+        <p:nvSpPr>
+          <p:cNvPr id="6" name="Segnaposto piè di pagina 5"/>
+          <p:cNvSpPr>
+            <a:spLocks noGrp="1"/>
+          </p:cNvSpPr>
+          <p:nvPr>
+            <p:ph type="ftr" sz="quarter" idx="4"/>
+          </p:nvPr>
+        </p:nvSpPr>
+        <p:spPr>
+          <a:xfrm>
+            <a:off x="0" y="8685213"/>
+            <a:ext cx="2971800" cy="458787"/>
+          </a:xfrm>
+          <a:prstGeom prst="rect">
+            <a:avLst/>
+          </a:prstGeom>
+        </p:spPr>
+        <p:txBody>
+          <a:bodyPr vert="horz" lIns="91440" tIns="45720" rIns="91440" bIns="45720" rtlCol="0" anchor="b"/>
+          <a:lstStyle>
+            <a:lvl1pPr algn="l">
+              <a:defRPr sz="1200"/>
+            </a:lvl1pPr>
+          </a:lstStyle>
+          <a:p>
+            <a:endParaRPr lang="it-IT"/>
+          </a:p>
+        </p:txBody>
+      </p:sp>
+      <p:sp>
+        <p:nvSpPr>
+          <p:cNvPr id="7" name="Segnaposto numero diapositiva 6"/>
+          <p:cNvSpPr>
+            <a:spLocks noGrp="1"/>
+          </p:cNvSpPr>
+          <p:nvPr>
+            <p:ph type="sldNum" sz="quarter" idx="5"/>
+          </p:nvPr>
+        </p:nvSpPr>
+        <p:spPr>
+          <a:xfrm>
+            <a:off x="3884613" y="8685213"/>
+            <a:ext cx="2971800" cy="458787"/>
+          </a:xfrm>
+          <a:prstGeom prst="rect">
+            <a:avLst/>
+          </a:prstGeom>
+        </p:spPr>
+        <p:txBody>
+          <a:bodyPr vert="horz" lIns="91440" tIns="45720" rIns="91440" bIns="45720" rtlCol="0" anchor="b"/>
+          <a:lstStyle>
+            <a:lvl1pPr algn="r">
+              <a:defRPr sz="1200"/>
+            </a:lvl1pPr>
+          </a:lstStyle>
+          <a:p>
+            <a:fld id="{04A53BF3-1CD2-4734-8816-53642893CFF4}" type="slidenum">
+              <a:rPr lang="it-IT" smtClean="0"/>
+              <a:t>‹N›</a:t>
+            </a:fld>
+            <a:endParaRPr lang="it-IT"/>
+          </a:p>
+        </p:txBody>
+      </p:sp>
+    </p:spTree>
+    <p:extLst>
+      <p:ext uri="{BB962C8B-B14F-4D97-AF65-F5344CB8AC3E}">
+        <p14:creationId xmlns:p14="http://schemas.microsoft.com/office/powerpoint/2010/main" val="3738601917"/>
+      </p:ext>
+    </p:extLst>
+  </p:cSld>
+  <p:clrMap bg1="lt1" tx1="dk1" bg2="lt2" tx2="dk2" accent1="accent1" accent2="accent2" accent3="accent3" accent4="accent4" accent5="accent5" accent6="accent6" hlink="hlink" folHlink="folHlink"/>
+  <p:notesStyle>
+    <a:lvl1pPr marL="0" algn="l" defTabSz="914400" rtl="0" eaLnBrk="1" latinLnBrk="0" hangingPunct="1">
+      <a:defRPr sz="1200" kern="1200">
+        <a:solidFill>
+          <a:schemeClr val="tx1"/>
+        </a:solidFill>
+        <a:latin typeface="+mn-lt"/>
+        <a:ea typeface="+mn-ea"/>
+        <a:cs typeface="+mn-cs"/>
+      </a:defRPr>
+    </a:lvl1pPr>
+    <a:lvl2pPr marL="457200" algn="l" defTabSz="914400" rtl="0" eaLnBrk="1" latinLnBrk="0" hangingPunct="1">
+      <a:defRPr sz="1200" kern="1200">
+        <a:solidFill>
+          <a:schemeClr val="tx1"/>
+        </a:solidFill>
+        <a:latin typeface="+mn-lt"/>
+        <a:ea typeface="+mn-ea"/>
+        <a:cs typeface="+mn-cs"/>
+      </a:defRPr>
+    </a:lvl2pPr>
+    <a:lvl3pPr marL="914400" algn="l" defTabSz="914400" rtl="0" eaLnBrk="1" latinLnBrk="0" hangingPunct="1">
+      <a:defRPr sz="1200" kern="1200">
+        <a:solidFill>
+          <a:schemeClr val="tx1"/>
+        </a:solidFill>
+        <a:latin typeface="+mn-lt"/>
+        <a:ea typeface="+mn-ea"/>
+        <a:cs typeface="+mn-cs"/>
+      </a:defRPr>
+    </a:lvl3pPr>
+    <a:lvl4pPr marL="1371600" algn="l" defTabSz="914400" rtl="0" eaLnBrk="1" latinLnBrk="0" hangingPunct="1">
+      <a:defRPr sz="1200" kern="1200">
+        <a:solidFill>
+          <a:schemeClr val="tx1"/>
+        </a:solidFill>
+        <a:latin typeface="+mn-lt"/>
+        <a:ea typeface="+mn-ea"/>
+        <a:cs typeface="+mn-cs"/>
+      </a:defRPr>
+    </a:lvl4pPr>
+    <a:lvl5pPr marL="1828800" algn="l" defTabSz="914400" rtl="0" eaLnBrk="1" latinLnBrk="0" hangingPunct="1">
+      <a:defRPr sz="1200" kern="1200">
+        <a:solidFill>
+          <a:schemeClr val="tx1"/>
+        </a:solidFill>
+        <a:latin typeface="+mn-lt"/>
+        <a:ea typeface="+mn-ea"/>
+        <a:cs typeface="+mn-cs"/>
+      </a:defRPr>
+    </a:lvl5pPr>
+    <a:lvl6pPr marL="2286000" algn="l" defTabSz="914400" rtl="0" eaLnBrk="1" latinLnBrk="0" hangingPunct="1">
+      <a:defRPr sz="1200" kern="1200">
+        <a:solidFill>
+          <a:schemeClr val="tx1"/>
+        </a:solidFill>
+        <a:latin typeface="+mn-lt"/>
+        <a:ea typeface="+mn-ea"/>
+        <a:cs typeface="+mn-cs"/>
+      </a:defRPr>
+    </a:lvl6pPr>
+    <a:lvl7pPr marL="2743200" algn="l" defTabSz="914400" rtl="0" eaLnBrk="1" latinLnBrk="0" hangingPunct="1">
+      <a:defRPr sz="1200" kern="1200">
+        <a:solidFill>
+          <a:schemeClr val="tx1"/>
+        </a:solidFill>
+        <a:latin typeface="+mn-lt"/>
+        <a:ea typeface="+mn-ea"/>
+        <a:cs typeface="+mn-cs"/>
+      </a:defRPr>
+    </a:lvl7pPr>
+    <a:lvl8pPr marL="3200400" algn="l" defTabSz="914400" rtl="0" eaLnBrk="1" latinLnBrk="0" hangingPunct="1">
+      <a:defRPr sz="1200" kern="1200">
+        <a:solidFill>
+          <a:schemeClr val="tx1"/>
+        </a:solidFill>
+        <a:latin typeface="+mn-lt"/>
+        <a:ea typeface="+mn-ea"/>
+        <a:cs typeface="+mn-cs"/>
+      </a:defRPr>
+    </a:lvl8pPr>
+    <a:lvl9pPr marL="3657600" algn="l" defTabSz="914400" rtl="0" eaLnBrk="1" latinLnBrk="0" hangingPunct="1">
+      <a:defRPr sz="1200" kern="1200">
+        <a:solidFill>
+          <a:schemeClr val="tx1"/>
+        </a:solidFill>
+        <a:latin typeface="+mn-lt"/>
+        <a:ea typeface="+mn-ea"/>
+        <a:cs typeface="+mn-cs"/>
+      </a:defRPr>
+    </a:lvl9pPr>
+  </p:notesStyle>
+</p:notesMaster>
 </file>
 
 <file path=ppt/slideLayouts/slideLayout1.xml><?xml version="1.0" encoding="utf-8"?>
@@ -219,7 +583,7 @@
           <a:p>
             <a:fld id="{18DCCD61-643D-44A5-A450-3A42A50CBC1E}" type="datetimeFigureOut">
               <a:rPr lang="en-US" smtClean="0"/>
-              <a:t>7/10/2018</a:t>
+              <a:t>7/12/2018</a:t>
             </a:fld>
             <a:endParaRPr lang="en-US" dirty="0"/>
           </a:p>
@@ -494,7 +858,7 @@
           <a:p>
             <a:fld id="{18DCCD61-643D-44A5-A450-3A42A50CBC1E}" type="datetimeFigureOut">
               <a:rPr lang="en-US" smtClean="0"/>
-              <a:t>7/10/2018</a:t>
+              <a:t>7/12/2018</a:t>
             </a:fld>
             <a:endParaRPr lang="en-US" dirty="0"/>
           </a:p>
@@ -746,7 +1110,7 @@
           <a:p>
             <a:fld id="{18DCCD61-643D-44A5-A450-3A42A50CBC1E}" type="datetimeFigureOut">
               <a:rPr lang="en-US" smtClean="0"/>
-              <a:t>7/10/2018</a:t>
+              <a:t>7/12/2018</a:t>
             </a:fld>
             <a:endParaRPr lang="en-US" dirty="0"/>
           </a:p>
@@ -914,7 +1278,7 @@
           <a:p>
             <a:fld id="{18DCCD61-643D-44A5-A450-3A42A50CBC1E}" type="datetimeFigureOut">
               <a:rPr lang="en-US" smtClean="0"/>
-              <a:t>7/10/2018</a:t>
+              <a:t>7/12/2018</a:t>
             </a:fld>
             <a:endParaRPr lang="en-US" dirty="0"/>
           </a:p>
@@ -1092,7 +1456,7 @@
           <a:p>
             <a:fld id="{18DCCD61-643D-44A5-A450-3A42A50CBC1E}" type="datetimeFigureOut">
               <a:rPr lang="en-US" smtClean="0"/>
-              <a:t>7/10/2018</a:t>
+              <a:t>7/12/2018</a:t>
             </a:fld>
             <a:endParaRPr lang="en-US" dirty="0"/>
           </a:p>
@@ -1680,7 +2044,7 @@
           <a:p>
             <a:fld id="{18DCCD61-643D-44A5-A450-3A42A50CBC1E}" type="datetimeFigureOut">
               <a:rPr lang="en-US" smtClean="0"/>
-              <a:t>7/10/2018</a:t>
+              <a:t>7/12/2018</a:t>
             </a:fld>
             <a:endParaRPr lang="en-US" dirty="0"/>
           </a:p>
@@ -1848,7 +2212,7 @@
           <a:p>
             <a:fld id="{18DCCD61-643D-44A5-A450-3A42A50CBC1E}" type="datetimeFigureOut">
               <a:rPr lang="en-US" smtClean="0"/>
-              <a:t>7/10/2018</a:t>
+              <a:t>7/12/2018</a:t>
             </a:fld>
             <a:endParaRPr lang="en-US" dirty="0"/>
           </a:p>
@@ -2093,7 +2457,7 @@
           <a:p>
             <a:fld id="{18DCCD61-643D-44A5-A450-3A42A50CBC1E}" type="datetimeFigureOut">
               <a:rPr lang="en-US" smtClean="0"/>
-              <a:t>7/10/2018</a:t>
+              <a:t>7/12/2018</a:t>
             </a:fld>
             <a:endParaRPr lang="en-US" dirty="0"/>
           </a:p>
@@ -2378,7 +2742,7 @@
           <a:p>
             <a:fld id="{18DCCD61-643D-44A5-A450-3A42A50CBC1E}" type="datetimeFigureOut">
               <a:rPr lang="en-US" smtClean="0"/>
-              <a:t>7/10/2018</a:t>
+              <a:t>7/12/2018</a:t>
             </a:fld>
             <a:endParaRPr lang="en-US" dirty="0"/>
           </a:p>
@@ -2797,7 +3161,7 @@
           <a:p>
             <a:fld id="{18DCCD61-643D-44A5-A450-3A42A50CBC1E}" type="datetimeFigureOut">
               <a:rPr lang="en-US" smtClean="0"/>
-              <a:t>7/10/2018</a:t>
+              <a:t>7/12/2018</a:t>
             </a:fld>
             <a:endParaRPr lang="en-US" dirty="0"/>
           </a:p>
@@ -2914,7 +3278,7 @@
           <a:p>
             <a:fld id="{18DCCD61-643D-44A5-A450-3A42A50CBC1E}" type="datetimeFigureOut">
               <a:rPr lang="en-US" smtClean="0"/>
-              <a:t>7/10/2018</a:t>
+              <a:t>7/12/2018</a:t>
             </a:fld>
             <a:endParaRPr lang="en-US" dirty="0"/>
           </a:p>
@@ -3416,7 +3780,7 @@
           <a:p>
             <a:fld id="{18DCCD61-643D-44A5-A450-3A42A50CBC1E}" type="datetimeFigureOut">
               <a:rPr lang="en-US" smtClean="0"/>
-              <a:t>7/10/2018</a:t>
+              <a:t>7/12/2018</a:t>
             </a:fld>
             <a:endParaRPr lang="en-US" dirty="0"/>
           </a:p>
@@ -3796,7 +4160,7 @@
           <p:cNvPr id="8" name="Immagine 7">
             <a:extLst>
               <a:ext uri="{FF2B5EF4-FFF2-40B4-BE49-F238E27FC236}">
-                <a16:creationId xmlns:a16="http://schemas.microsoft.com/office/drawing/2014/main" id="{A1106E1C-ABC5-4AA2-A6C2-B115CAA9597B}"/>
+                <a16:creationId xmlns:a16="http://schemas.microsoft.com/office/drawing/2014/main" xmlns="" id="{A1106E1C-ABC5-4AA2-A6C2-B115CAA9597B}"/>
               </a:ext>
             </a:extLst>
           </p:cNvPr>
@@ -4100,6 +4464,1700 @@
   <p:clrMapOvr>
     <a:masterClrMapping/>
   </p:clrMapOvr>
+  <p:timing>
+    <p:tnLst>
+      <p:par>
+        <p:cTn id="1" dur="indefinite" restart="never" nodeType="tmRoot"/>
+      </p:par>
+    </p:tnLst>
+  </p:timing>
+</p:sld>
+</file>
+
+<file path=ppt/slides/slide10.xml><?xml version="1.0" encoding="utf-8"?>
+<p:sld xmlns:a="http://schemas.openxmlformats.org/drawingml/2006/main" xmlns:r="http://schemas.openxmlformats.org/officeDocument/2006/relationships" xmlns:p="http://schemas.openxmlformats.org/presentationml/2006/main">
+  <p:cSld>
+    <p:spTree>
+      <p:nvGrpSpPr>
+        <p:cNvPr id="1" name=""/>
+        <p:cNvGrpSpPr/>
+        <p:nvPr/>
+      </p:nvGrpSpPr>
+      <p:grpSpPr>
+        <a:xfrm>
+          <a:off x="0" y="0"/>
+          <a:ext cx="0" cy="0"/>
+          <a:chOff x="0" y="0"/>
+          <a:chExt cx="0" cy="0"/>
+        </a:xfrm>
+      </p:grpSpPr>
+      <p:sp>
+        <p:nvSpPr>
+          <p:cNvPr id="5" name="Title 3">
+            <a:extLst>
+              <a:ext uri="{FF2B5EF4-FFF2-40B4-BE49-F238E27FC236}">
+                <a16:creationId xmlns:a16="http://schemas.microsoft.com/office/drawing/2014/main" xmlns="" id="{189ECF77-714F-4D2C-9D4B-CC43534EF427}"/>
+              </a:ext>
+            </a:extLst>
+          </p:cNvPr>
+          <p:cNvSpPr>
+            <a:spLocks noGrp="1"/>
+          </p:cNvSpPr>
+          <p:nvPr>
+            <p:ph type="title"/>
+          </p:nvPr>
+        </p:nvSpPr>
+        <p:spPr>
+          <a:xfrm>
+            <a:off x="0" y="21787"/>
+            <a:ext cx="9144000" cy="1069514"/>
+          </a:xfrm>
+        </p:spPr>
+        <p:txBody>
+          <a:bodyPr>
+            <a:scene3d>
+              <a:camera prst="orthographicFront"/>
+              <a:lightRig rig="threePt" dir="t"/>
+            </a:scene3d>
+            <a:sp3d extrusionH="57150">
+              <a:bevelT w="82550" h="38100" prst="coolSlant"/>
+            </a:sp3d>
+          </a:bodyPr>
+          <a:lstStyle/>
+          <a:p>
+            <a:pPr algn="ctr"/>
+            <a:r>
+              <a:rPr lang="en-US" altLang="ko-KR" dirty="0" err="1">
+                <a:solidFill>
+                  <a:schemeClr val="accent5">
+                    <a:lumMod val="75000"/>
+                  </a:schemeClr>
+                </a:solidFill>
+              </a:rPr>
+              <a:t>Definizione</a:t>
+            </a:r>
+            <a:r>
+              <a:rPr lang="en-US" altLang="ko-KR" dirty="0">
+                <a:solidFill>
+                  <a:schemeClr val="accent5">
+                    <a:lumMod val="75000"/>
+                  </a:schemeClr>
+                </a:solidFill>
+              </a:rPr>
+              <a:t> del </a:t>
+            </a:r>
+            <a:r>
+              <a:rPr lang="en-US" altLang="ko-KR" dirty="0" err="1">
+                <a:solidFill>
+                  <a:schemeClr val="accent5">
+                    <a:lumMod val="75000"/>
+                  </a:schemeClr>
+                </a:solidFill>
+              </a:rPr>
+              <a:t>problema</a:t>
+            </a:r>
+            <a:endParaRPr lang="ko-KR" altLang="en-US" dirty="0">
+              <a:solidFill>
+                <a:schemeClr val="accent5">
+                  <a:lumMod val="75000"/>
+                </a:schemeClr>
+              </a:solidFill>
+            </a:endParaRPr>
+          </a:p>
+        </p:txBody>
+      </p:sp>
+      <p:sp>
+        <p:nvSpPr>
+          <p:cNvPr id="6" name="Rettangolo 5"/>
+          <p:cNvSpPr/>
+          <p:nvPr/>
+        </p:nvSpPr>
+        <p:spPr>
+          <a:xfrm>
+            <a:off x="1619672" y="1352957"/>
+            <a:ext cx="7524328" cy="2862322"/>
+          </a:xfrm>
+          <a:prstGeom prst="rect">
+            <a:avLst/>
+          </a:prstGeom>
+        </p:spPr>
+        <p:txBody>
+          <a:bodyPr wrap="square">
+            <a:spAutoFit/>
+          </a:bodyPr>
+          <a:lstStyle/>
+          <a:p>
+            <a:pPr algn="just"/>
+            <a:r>
+              <a:rPr lang="it-IT" dirty="0" smtClean="0">
+                <a:latin typeface="Calibri" panose="020F0502020204030204" pitchFamily="34" charset="0"/>
+                <a:cs typeface="Calibri" panose="020F0502020204030204" pitchFamily="34" charset="0"/>
+                <a:sym typeface="Wingdings" panose="05000000000000000000" pitchFamily="2" charset="2"/>
+              </a:rPr>
+              <a:t>…l’</a:t>
+            </a:r>
+            <a:r>
+              <a:rPr lang="it-IT" b="1" i="1" dirty="0" smtClean="0">
+                <a:solidFill>
+                  <a:srgbClr val="C00000"/>
+                </a:solidFill>
+                <a:latin typeface="Calibri" panose="020F0502020204030204" pitchFamily="34" charset="0"/>
+                <a:cs typeface="Calibri" panose="020F0502020204030204" pitchFamily="34" charset="0"/>
+                <a:sym typeface="Wingdings" panose="05000000000000000000" pitchFamily="2" charset="2"/>
+              </a:rPr>
+              <a:t>euristica </a:t>
+            </a:r>
+            <a:r>
+              <a:rPr lang="it-IT" dirty="0" smtClean="0">
+                <a:latin typeface="Calibri" panose="020F0502020204030204" pitchFamily="34" charset="0"/>
+                <a:cs typeface="Calibri" panose="020F0502020204030204" pitchFamily="34" charset="0"/>
+                <a:sym typeface="Wingdings" panose="05000000000000000000" pitchFamily="2" charset="2"/>
+              </a:rPr>
+              <a:t>utilizzata opera in questo modo:</a:t>
+            </a:r>
+          </a:p>
+          <a:p>
+            <a:pPr algn="just"/>
+            <a:endParaRPr lang="it-IT" dirty="0">
+              <a:latin typeface="Calibri" panose="020F0502020204030204" pitchFamily="34" charset="0"/>
+              <a:cs typeface="Calibri" panose="020F0502020204030204" pitchFamily="34" charset="0"/>
+              <a:sym typeface="Wingdings" panose="05000000000000000000" pitchFamily="2" charset="2"/>
+            </a:endParaRPr>
+          </a:p>
+          <a:p>
+            <a:pPr marL="342900" indent="-342900" algn="just">
+              <a:buFont typeface="+mj-lt"/>
+              <a:buAutoNum type="arabicPeriod"/>
+            </a:pPr>
+            <a:r>
+              <a:rPr lang="it-IT" dirty="0" smtClean="0">
+                <a:latin typeface="Calibri" panose="020F0502020204030204" pitchFamily="34" charset="0"/>
+                <a:cs typeface="Calibri" panose="020F0502020204030204" pitchFamily="34" charset="0"/>
+                <a:sym typeface="Wingdings" panose="05000000000000000000" pitchFamily="2" charset="2"/>
+              </a:rPr>
+              <a:t>considera i </a:t>
+            </a:r>
+            <a:r>
+              <a:rPr lang="it-IT" b="1" i="1" dirty="0" smtClean="0">
+                <a:solidFill>
+                  <a:schemeClr val="accent1"/>
+                </a:solidFill>
+                <a:latin typeface="Calibri" panose="020F0502020204030204" pitchFamily="34" charset="0"/>
+                <a:cs typeface="Calibri" panose="020F0502020204030204" pitchFamily="34" charset="0"/>
+                <a:sym typeface="Wingdings" panose="05000000000000000000" pitchFamily="2" charset="2"/>
+              </a:rPr>
+              <a:t>k</a:t>
+            </a:r>
+            <a:r>
+              <a:rPr lang="it-IT" b="1" i="1" baseline="-25000" dirty="0" smtClean="0">
+                <a:solidFill>
+                  <a:schemeClr val="accent1"/>
+                </a:solidFill>
+                <a:latin typeface="Calibri" panose="020F0502020204030204" pitchFamily="34" charset="0"/>
+                <a:cs typeface="Calibri" panose="020F0502020204030204" pitchFamily="34" charset="0"/>
+                <a:sym typeface="Wingdings" panose="05000000000000000000" pitchFamily="2" charset="2"/>
+              </a:rPr>
+              <a:t>1</a:t>
+            </a:r>
+            <a:r>
+              <a:rPr lang="it-IT" baseline="-25000" dirty="0" smtClean="0">
+                <a:solidFill>
+                  <a:schemeClr val="accent1"/>
+                </a:solidFill>
+                <a:latin typeface="Calibri" panose="020F0502020204030204" pitchFamily="34" charset="0"/>
+                <a:cs typeface="Calibri" panose="020F0502020204030204" pitchFamily="34" charset="0"/>
+                <a:sym typeface="Wingdings" panose="05000000000000000000" pitchFamily="2" charset="2"/>
+              </a:rPr>
+              <a:t> </a:t>
+            </a:r>
+            <a:r>
+              <a:rPr lang="it-IT" dirty="0" smtClean="0">
+                <a:latin typeface="Calibri" panose="020F0502020204030204" pitchFamily="34" charset="0"/>
+                <a:cs typeface="Calibri" panose="020F0502020204030204" pitchFamily="34" charset="0"/>
+                <a:sym typeface="Wingdings" panose="05000000000000000000" pitchFamily="2" charset="2"/>
+              </a:rPr>
+              <a:t>vertici con </a:t>
+            </a:r>
+            <a:r>
+              <a:rPr lang="it-IT" b="1" i="1" dirty="0" smtClean="0">
+                <a:latin typeface="Calibri" panose="020F0502020204030204" pitchFamily="34" charset="0"/>
+                <a:cs typeface="Calibri" panose="020F0502020204030204" pitchFamily="34" charset="0"/>
+                <a:sym typeface="Wingdings" panose="05000000000000000000" pitchFamily="2" charset="2"/>
+              </a:rPr>
+              <a:t>in-</a:t>
+            </a:r>
+            <a:r>
+              <a:rPr lang="it-IT" b="1" i="1" dirty="0" err="1" smtClean="0">
+                <a:latin typeface="Calibri" panose="020F0502020204030204" pitchFamily="34" charset="0"/>
+                <a:cs typeface="Calibri" panose="020F0502020204030204" pitchFamily="34" charset="0"/>
+                <a:sym typeface="Wingdings" panose="05000000000000000000" pitchFamily="2" charset="2"/>
+              </a:rPr>
+              <a:t>degree</a:t>
+            </a:r>
+            <a:r>
+              <a:rPr lang="it-IT" b="1" i="1" dirty="0" smtClean="0">
+                <a:latin typeface="Calibri" panose="020F0502020204030204" pitchFamily="34" charset="0"/>
+                <a:cs typeface="Calibri" panose="020F0502020204030204" pitchFamily="34" charset="0"/>
+                <a:sym typeface="Wingdings" panose="05000000000000000000" pitchFamily="2" charset="2"/>
+              </a:rPr>
+              <a:t> </a:t>
+            </a:r>
+            <a:r>
+              <a:rPr lang="it-IT" b="1" dirty="0" smtClean="0">
+                <a:latin typeface="Calibri" panose="020F0502020204030204" pitchFamily="34" charset="0"/>
+                <a:cs typeface="Calibri" panose="020F0502020204030204" pitchFamily="34" charset="0"/>
+                <a:sym typeface="Wingdings" panose="05000000000000000000" pitchFamily="2" charset="2"/>
+              </a:rPr>
+              <a:t>più alto </a:t>
+            </a:r>
+            <a:r>
+              <a:rPr lang="it-IT" dirty="0" smtClean="0">
+                <a:latin typeface="Calibri" panose="020F0502020204030204" pitchFamily="34" charset="0"/>
+                <a:cs typeface="Calibri" panose="020F0502020204030204" pitchFamily="34" charset="0"/>
+                <a:sym typeface="Wingdings" panose="05000000000000000000" pitchFamily="2" charset="2"/>
+              </a:rPr>
+              <a:t>dell’</a:t>
+            </a:r>
+            <a:r>
+              <a:rPr lang="it-IT" b="1" i="1" dirty="0" err="1" smtClean="0">
+                <a:solidFill>
+                  <a:schemeClr val="accent1"/>
+                </a:solidFill>
+                <a:latin typeface="Calibri" panose="020F0502020204030204" pitchFamily="34" charset="0"/>
+                <a:cs typeface="Calibri" panose="020F0502020204030204" pitchFamily="34" charset="0"/>
+                <a:sym typeface="Wingdings" panose="05000000000000000000" pitchFamily="2" charset="2"/>
+              </a:rPr>
+              <a:t>echo-chamber</a:t>
+            </a:r>
+            <a:r>
+              <a:rPr lang="it-IT" b="1" i="1" dirty="0" smtClean="0">
+                <a:solidFill>
+                  <a:schemeClr val="accent1"/>
+                </a:solidFill>
+                <a:latin typeface="Calibri" panose="020F0502020204030204" pitchFamily="34" charset="0"/>
+                <a:cs typeface="Calibri" panose="020F0502020204030204" pitchFamily="34" charset="0"/>
+                <a:sym typeface="Wingdings" panose="05000000000000000000" pitchFamily="2" charset="2"/>
+              </a:rPr>
+              <a:t> X </a:t>
+            </a:r>
+            <a:r>
+              <a:rPr lang="it-IT" dirty="0" smtClean="0">
+                <a:latin typeface="Calibri" panose="020F0502020204030204" pitchFamily="34" charset="0"/>
+                <a:cs typeface="Calibri" panose="020F0502020204030204" pitchFamily="34" charset="0"/>
+                <a:sym typeface="Wingdings" panose="05000000000000000000" pitchFamily="2" charset="2"/>
+              </a:rPr>
+              <a:t>ed </a:t>
+            </a:r>
+          </a:p>
+          <a:p>
+            <a:pPr algn="just"/>
+            <a:r>
+              <a:rPr lang="it-IT" dirty="0">
+                <a:latin typeface="Calibri" panose="020F0502020204030204" pitchFamily="34" charset="0"/>
+                <a:cs typeface="Calibri" panose="020F0502020204030204" pitchFamily="34" charset="0"/>
+                <a:sym typeface="Wingdings" panose="05000000000000000000" pitchFamily="2" charset="2"/>
+              </a:rPr>
+              <a:t> </a:t>
+            </a:r>
+            <a:r>
+              <a:rPr lang="it-IT" dirty="0" smtClean="0">
+                <a:latin typeface="Calibri" panose="020F0502020204030204" pitchFamily="34" charset="0"/>
+                <a:cs typeface="Calibri" panose="020F0502020204030204" pitchFamily="34" charset="0"/>
+                <a:sym typeface="Wingdings" panose="05000000000000000000" pitchFamily="2" charset="2"/>
+              </a:rPr>
+              <a:t>      i </a:t>
+            </a:r>
+            <a:r>
+              <a:rPr lang="it-IT" b="1" i="1" dirty="0" smtClean="0">
+                <a:solidFill>
+                  <a:schemeClr val="accent2"/>
+                </a:solidFill>
+                <a:latin typeface="Calibri" panose="020F0502020204030204" pitchFamily="34" charset="0"/>
+                <a:cs typeface="Calibri" panose="020F0502020204030204" pitchFamily="34" charset="0"/>
+                <a:sym typeface="Wingdings" panose="05000000000000000000" pitchFamily="2" charset="2"/>
+              </a:rPr>
+              <a:t>k</a:t>
+            </a:r>
+            <a:r>
+              <a:rPr lang="it-IT" b="1" i="1" baseline="-25000" dirty="0" smtClean="0">
+                <a:solidFill>
+                  <a:schemeClr val="accent2"/>
+                </a:solidFill>
+                <a:latin typeface="Calibri" panose="020F0502020204030204" pitchFamily="34" charset="0"/>
+                <a:cs typeface="Calibri" panose="020F0502020204030204" pitchFamily="34" charset="0"/>
+                <a:sym typeface="Wingdings" panose="05000000000000000000" pitchFamily="2" charset="2"/>
+              </a:rPr>
+              <a:t>2</a:t>
+            </a:r>
+            <a:r>
+              <a:rPr lang="it-IT" baseline="-25000" dirty="0" smtClean="0">
+                <a:solidFill>
+                  <a:schemeClr val="accent2"/>
+                </a:solidFill>
+                <a:latin typeface="Calibri" panose="020F0502020204030204" pitchFamily="34" charset="0"/>
+                <a:cs typeface="Calibri" panose="020F0502020204030204" pitchFamily="34" charset="0"/>
+                <a:sym typeface="Wingdings" panose="05000000000000000000" pitchFamily="2" charset="2"/>
+              </a:rPr>
+              <a:t> </a:t>
+            </a:r>
+            <a:r>
+              <a:rPr lang="it-IT" dirty="0">
+                <a:latin typeface="Calibri" panose="020F0502020204030204" pitchFamily="34" charset="0"/>
+                <a:cs typeface="Calibri" panose="020F0502020204030204" pitchFamily="34" charset="0"/>
+                <a:sym typeface="Wingdings" panose="05000000000000000000" pitchFamily="2" charset="2"/>
+              </a:rPr>
+              <a:t>vertici con </a:t>
+            </a:r>
+            <a:r>
+              <a:rPr lang="it-IT" b="1" i="1" dirty="0">
+                <a:latin typeface="Calibri" panose="020F0502020204030204" pitchFamily="34" charset="0"/>
+                <a:cs typeface="Calibri" panose="020F0502020204030204" pitchFamily="34" charset="0"/>
+                <a:sym typeface="Wingdings" panose="05000000000000000000" pitchFamily="2" charset="2"/>
+              </a:rPr>
+              <a:t>in-</a:t>
+            </a:r>
+            <a:r>
+              <a:rPr lang="it-IT" b="1" i="1" dirty="0" err="1">
+                <a:latin typeface="Calibri" panose="020F0502020204030204" pitchFamily="34" charset="0"/>
+                <a:cs typeface="Calibri" panose="020F0502020204030204" pitchFamily="34" charset="0"/>
+                <a:sym typeface="Wingdings" panose="05000000000000000000" pitchFamily="2" charset="2"/>
+              </a:rPr>
+              <a:t>degree</a:t>
+            </a:r>
+            <a:r>
+              <a:rPr lang="it-IT" b="1" i="1" dirty="0">
+                <a:latin typeface="Calibri" panose="020F0502020204030204" pitchFamily="34" charset="0"/>
+                <a:cs typeface="Calibri" panose="020F0502020204030204" pitchFamily="34" charset="0"/>
+                <a:sym typeface="Wingdings" panose="05000000000000000000" pitchFamily="2" charset="2"/>
+              </a:rPr>
+              <a:t> </a:t>
+            </a:r>
+            <a:r>
+              <a:rPr lang="it-IT" b="1" dirty="0">
+                <a:latin typeface="Calibri" panose="020F0502020204030204" pitchFamily="34" charset="0"/>
+                <a:cs typeface="Calibri" panose="020F0502020204030204" pitchFamily="34" charset="0"/>
+                <a:sym typeface="Wingdings" panose="05000000000000000000" pitchFamily="2" charset="2"/>
+              </a:rPr>
+              <a:t>più alto </a:t>
+            </a:r>
+            <a:r>
+              <a:rPr lang="it-IT" dirty="0">
+                <a:latin typeface="Calibri" panose="020F0502020204030204" pitchFamily="34" charset="0"/>
+                <a:cs typeface="Calibri" panose="020F0502020204030204" pitchFamily="34" charset="0"/>
+                <a:sym typeface="Wingdings" panose="05000000000000000000" pitchFamily="2" charset="2"/>
+              </a:rPr>
+              <a:t>dell’</a:t>
+            </a:r>
+            <a:r>
+              <a:rPr lang="it-IT" b="1" i="1" dirty="0" err="1">
+                <a:solidFill>
+                  <a:schemeClr val="accent2"/>
+                </a:solidFill>
+                <a:latin typeface="Calibri" panose="020F0502020204030204" pitchFamily="34" charset="0"/>
+                <a:cs typeface="Calibri" panose="020F0502020204030204" pitchFamily="34" charset="0"/>
+                <a:sym typeface="Wingdings" panose="05000000000000000000" pitchFamily="2" charset="2"/>
+              </a:rPr>
+              <a:t>echo-chamber</a:t>
+            </a:r>
+            <a:r>
+              <a:rPr lang="it-IT" b="1" i="1" dirty="0">
+                <a:solidFill>
+                  <a:schemeClr val="accent2"/>
+                </a:solidFill>
+                <a:latin typeface="Calibri" panose="020F0502020204030204" pitchFamily="34" charset="0"/>
+                <a:cs typeface="Calibri" panose="020F0502020204030204" pitchFamily="34" charset="0"/>
+                <a:sym typeface="Wingdings" panose="05000000000000000000" pitchFamily="2" charset="2"/>
+              </a:rPr>
+              <a:t> </a:t>
+            </a:r>
+            <a:r>
+              <a:rPr lang="it-IT" b="1" i="1" dirty="0" smtClean="0">
+                <a:solidFill>
+                  <a:schemeClr val="accent2"/>
+                </a:solidFill>
+                <a:latin typeface="Calibri" panose="020F0502020204030204" pitchFamily="34" charset="0"/>
+                <a:cs typeface="Calibri" panose="020F0502020204030204" pitchFamily="34" charset="0"/>
+                <a:sym typeface="Wingdings" panose="05000000000000000000" pitchFamily="2" charset="2"/>
+              </a:rPr>
+              <a:t>Y</a:t>
+            </a:r>
+            <a:r>
+              <a:rPr lang="it-IT" i="1" dirty="0" smtClean="0">
+                <a:latin typeface="Calibri" panose="020F0502020204030204" pitchFamily="34" charset="0"/>
+                <a:cs typeface="Calibri" panose="020F0502020204030204" pitchFamily="34" charset="0"/>
+                <a:sym typeface="Wingdings" panose="05000000000000000000" pitchFamily="2" charset="2"/>
+              </a:rPr>
+              <a:t>, </a:t>
+            </a:r>
+            <a:r>
+              <a:rPr lang="it-IT" dirty="0" smtClean="0">
+                <a:latin typeface="Calibri" panose="020F0502020204030204" pitchFamily="34" charset="0"/>
+                <a:cs typeface="Calibri" panose="020F0502020204030204" pitchFamily="34" charset="0"/>
+                <a:sym typeface="Wingdings" panose="05000000000000000000" pitchFamily="2" charset="2"/>
+              </a:rPr>
+              <a:t>ossia considera</a:t>
+            </a:r>
+          </a:p>
+          <a:p>
+            <a:pPr algn="just"/>
+            <a:r>
+              <a:rPr lang="it-IT" dirty="0" smtClean="0">
+                <a:latin typeface="Calibri" panose="020F0502020204030204" pitchFamily="34" charset="0"/>
+                <a:cs typeface="Calibri" panose="020F0502020204030204" pitchFamily="34" charset="0"/>
+                <a:sym typeface="Wingdings" panose="05000000000000000000" pitchFamily="2" charset="2"/>
+              </a:rPr>
+              <a:t>       solo in nodi </a:t>
+            </a:r>
+            <a:r>
+              <a:rPr lang="it-IT" b="1" i="1" dirty="0" smtClean="0">
+                <a:latin typeface="Calibri" panose="020F0502020204030204" pitchFamily="34" charset="0"/>
+                <a:cs typeface="Calibri" panose="020F0502020204030204" pitchFamily="34" charset="0"/>
+                <a:sym typeface="Wingdings" panose="05000000000000000000" pitchFamily="2" charset="2"/>
+              </a:rPr>
+              <a:t>leader </a:t>
+            </a:r>
+            <a:r>
+              <a:rPr lang="it-IT" dirty="0" smtClean="0">
+                <a:latin typeface="Calibri" panose="020F0502020204030204" pitchFamily="34" charset="0"/>
+                <a:cs typeface="Calibri" panose="020F0502020204030204" pitchFamily="34" charset="0"/>
+                <a:sym typeface="Wingdings" panose="05000000000000000000" pitchFamily="2" charset="2"/>
+              </a:rPr>
+              <a:t>di ciascuna </a:t>
+            </a:r>
+            <a:r>
+              <a:rPr lang="it-IT" i="1" dirty="0" err="1" smtClean="0">
+                <a:latin typeface="Calibri" panose="020F0502020204030204" pitchFamily="34" charset="0"/>
+                <a:cs typeface="Calibri" panose="020F0502020204030204" pitchFamily="34" charset="0"/>
+                <a:sym typeface="Wingdings" panose="05000000000000000000" pitchFamily="2" charset="2"/>
+              </a:rPr>
+              <a:t>echo-chamber</a:t>
+            </a:r>
+            <a:r>
+              <a:rPr lang="it-IT" dirty="0">
+                <a:latin typeface="Calibri" panose="020F0502020204030204" pitchFamily="34" charset="0"/>
+                <a:cs typeface="Calibri" panose="020F0502020204030204" pitchFamily="34" charset="0"/>
+                <a:sym typeface="Wingdings" panose="05000000000000000000" pitchFamily="2" charset="2"/>
+              </a:rPr>
+              <a:t>;</a:t>
+            </a:r>
+            <a:endParaRPr lang="it-IT" dirty="0" smtClean="0">
+              <a:latin typeface="Calibri" panose="020F0502020204030204" pitchFamily="34" charset="0"/>
+              <a:cs typeface="Calibri" panose="020F0502020204030204" pitchFamily="34" charset="0"/>
+              <a:sym typeface="Wingdings" panose="05000000000000000000" pitchFamily="2" charset="2"/>
+            </a:endParaRPr>
+          </a:p>
+          <a:p>
+            <a:pPr algn="just"/>
+            <a:endParaRPr lang="it-IT" dirty="0" smtClean="0">
+              <a:latin typeface="Calibri" panose="020F0502020204030204" pitchFamily="34" charset="0"/>
+              <a:cs typeface="Calibri" panose="020F0502020204030204" pitchFamily="34" charset="0"/>
+              <a:sym typeface="Wingdings" panose="05000000000000000000" pitchFamily="2" charset="2"/>
+            </a:endParaRPr>
+          </a:p>
+          <a:p>
+            <a:pPr marL="342900" indent="-342900" algn="just">
+              <a:buAutoNum type="arabicPeriod" startAt="2"/>
+            </a:pPr>
+            <a:r>
+              <a:rPr lang="it-IT" dirty="0" smtClean="0">
+                <a:latin typeface="Calibri" pitchFamily="34" charset="0"/>
+                <a:cs typeface="Calibri" pitchFamily="34" charset="0"/>
+              </a:rPr>
+              <a:t>costruisce </a:t>
+            </a:r>
+            <a:r>
+              <a:rPr lang="it-IT" dirty="0">
+                <a:latin typeface="Calibri" pitchFamily="34" charset="0"/>
+                <a:cs typeface="Calibri" pitchFamily="34" charset="0"/>
+              </a:rPr>
+              <a:t>il </a:t>
+            </a:r>
+            <a:r>
+              <a:rPr lang="it-IT" b="1" i="1" dirty="0">
+                <a:latin typeface="Calibri" pitchFamily="34" charset="0"/>
+                <a:cs typeface="Calibri" pitchFamily="34" charset="0"/>
+              </a:rPr>
+              <a:t>dominio degli archi </a:t>
+            </a:r>
+            <a:r>
+              <a:rPr lang="it-IT" dirty="0">
+                <a:latin typeface="Calibri" pitchFamily="34" charset="0"/>
+                <a:cs typeface="Calibri" pitchFamily="34" charset="0"/>
+              </a:rPr>
+              <a:t>considerati come </a:t>
+            </a:r>
+            <a:r>
+              <a:rPr lang="it-IT" i="1" u="sng" dirty="0">
+                <a:latin typeface="Calibri" pitchFamily="34" charset="0"/>
+                <a:cs typeface="Calibri" pitchFamily="34" charset="0"/>
+              </a:rPr>
+              <a:t>l’insieme di tutti </a:t>
+            </a:r>
+            <a:r>
+              <a:rPr lang="it-IT" i="1" u="sng" dirty="0" smtClean="0">
+                <a:latin typeface="Calibri" pitchFamily="34" charset="0"/>
+                <a:cs typeface="Calibri" pitchFamily="34" charset="0"/>
+              </a:rPr>
+              <a:t>i</a:t>
+            </a:r>
+          </a:p>
+          <a:p>
+            <a:pPr algn="just"/>
+            <a:r>
+              <a:rPr lang="it-IT" i="1" u="sng" dirty="0">
+                <a:latin typeface="Calibri" pitchFamily="34" charset="0"/>
+                <a:cs typeface="Calibri" pitchFamily="34" charset="0"/>
+              </a:rPr>
+              <a:t> </a:t>
+            </a:r>
+            <a:r>
+              <a:rPr lang="it-IT" i="1" u="sng" dirty="0" smtClean="0">
+                <a:latin typeface="Calibri" pitchFamily="34" charset="0"/>
+                <a:cs typeface="Calibri" pitchFamily="34" charset="0"/>
+              </a:rPr>
+              <a:t>      possibili archi </a:t>
+            </a:r>
+            <a:r>
+              <a:rPr lang="it-IT" i="1" u="sng" dirty="0">
+                <a:latin typeface="Calibri" pitchFamily="34" charset="0"/>
+                <a:cs typeface="Calibri" pitchFamily="34" charset="0"/>
+              </a:rPr>
+              <a:t>diretti, non presenti ancora nel grafo, che abbiano </a:t>
+            </a:r>
+            <a:r>
+              <a:rPr lang="it-IT" i="1" u="sng" dirty="0" smtClean="0">
+                <a:latin typeface="Calibri" pitchFamily="34" charset="0"/>
+                <a:cs typeface="Calibri" pitchFamily="34" charset="0"/>
+              </a:rPr>
+              <a:t>come   </a:t>
+            </a:r>
+          </a:p>
+          <a:p>
+            <a:pPr algn="just"/>
+            <a:r>
+              <a:rPr lang="it-IT" i="1" u="sng" dirty="0">
+                <a:latin typeface="Calibri" pitchFamily="34" charset="0"/>
+                <a:cs typeface="Calibri" pitchFamily="34" charset="0"/>
+              </a:rPr>
+              <a:t> </a:t>
+            </a:r>
+            <a:r>
+              <a:rPr lang="it-IT" i="1" u="sng" dirty="0" smtClean="0">
+                <a:latin typeface="Calibri" pitchFamily="34" charset="0"/>
+                <a:cs typeface="Calibri" pitchFamily="34" charset="0"/>
+              </a:rPr>
+              <a:t>      estremi </a:t>
+            </a:r>
+            <a:r>
+              <a:rPr lang="it-IT" i="1" u="sng" dirty="0">
+                <a:latin typeface="Calibri" pitchFamily="34" charset="0"/>
+                <a:cs typeface="Calibri" pitchFamily="34" charset="0"/>
+              </a:rPr>
+              <a:t>un </a:t>
+            </a:r>
+            <a:r>
+              <a:rPr lang="it-IT" i="1" u="sng" dirty="0" smtClean="0">
+                <a:latin typeface="Calibri" pitchFamily="34" charset="0"/>
+                <a:cs typeface="Calibri" pitchFamily="34" charset="0"/>
+              </a:rPr>
+              <a:t>vertice dell’insieme </a:t>
+            </a:r>
+            <a:r>
+              <a:rPr lang="it-IT" b="1" i="1" u="sng" dirty="0" smtClean="0">
+                <a:solidFill>
+                  <a:schemeClr val="accent1"/>
+                </a:solidFill>
+                <a:latin typeface="Calibri" pitchFamily="34" charset="0"/>
+                <a:cs typeface="Calibri" pitchFamily="34" charset="0"/>
+              </a:rPr>
+              <a:t>K</a:t>
+            </a:r>
+            <a:r>
+              <a:rPr lang="it-IT" b="1" i="1" u="sng" baseline="-25000" dirty="0" smtClean="0">
+                <a:solidFill>
+                  <a:schemeClr val="accent1"/>
+                </a:solidFill>
+                <a:latin typeface="Calibri" pitchFamily="34" charset="0"/>
+                <a:cs typeface="Calibri" pitchFamily="34" charset="0"/>
+              </a:rPr>
+              <a:t>1</a:t>
+            </a:r>
+            <a:r>
+              <a:rPr lang="it-IT" i="1" u="sng" dirty="0" smtClean="0">
+                <a:latin typeface="Calibri" pitchFamily="34" charset="0"/>
+                <a:cs typeface="Calibri" pitchFamily="34" charset="0"/>
+              </a:rPr>
+              <a:t> </a:t>
+            </a:r>
+            <a:r>
+              <a:rPr lang="it-IT" i="1" u="sng" dirty="0">
+                <a:latin typeface="Calibri" pitchFamily="34" charset="0"/>
+                <a:cs typeface="Calibri" pitchFamily="34" charset="0"/>
+              </a:rPr>
+              <a:t>e uno dell’insieme </a:t>
+            </a:r>
+            <a:r>
+              <a:rPr lang="it-IT" b="1" i="1" u="sng" dirty="0" smtClean="0">
+                <a:solidFill>
+                  <a:schemeClr val="accent2"/>
+                </a:solidFill>
+                <a:latin typeface="Calibri" pitchFamily="34" charset="0"/>
+                <a:cs typeface="Calibri" pitchFamily="34" charset="0"/>
+              </a:rPr>
+              <a:t>K</a:t>
+            </a:r>
+            <a:r>
+              <a:rPr lang="it-IT" b="1" i="1" u="sng" baseline="-25000" dirty="0" smtClean="0">
+                <a:solidFill>
+                  <a:schemeClr val="accent2"/>
+                </a:solidFill>
+                <a:latin typeface="Calibri" pitchFamily="34" charset="0"/>
+                <a:cs typeface="Calibri" pitchFamily="34" charset="0"/>
+              </a:rPr>
+              <a:t>2</a:t>
+            </a:r>
+            <a:r>
+              <a:rPr lang="it-IT" dirty="0" smtClean="0">
+                <a:latin typeface="Calibri" pitchFamily="34" charset="0"/>
+                <a:cs typeface="Calibri" pitchFamily="34" charset="0"/>
+              </a:rPr>
+              <a:t>;</a:t>
+            </a:r>
+            <a:endParaRPr lang="it-IT" dirty="0">
+              <a:latin typeface="Calibri" panose="020F0502020204030204" pitchFamily="34" charset="0"/>
+              <a:cs typeface="Calibri" panose="020F0502020204030204" pitchFamily="34" charset="0"/>
+              <a:sym typeface="Wingdings" panose="05000000000000000000" pitchFamily="2" charset="2"/>
+            </a:endParaRPr>
+          </a:p>
+          <a:p>
+            <a:pPr algn="just"/>
+            <a:endParaRPr lang="it-IT" dirty="0" smtClean="0">
+              <a:latin typeface="Calibri" panose="020F0502020204030204" pitchFamily="34" charset="0"/>
+              <a:cs typeface="Calibri" panose="020F0502020204030204" pitchFamily="34" charset="0"/>
+              <a:sym typeface="Wingdings" panose="05000000000000000000" pitchFamily="2" charset="2"/>
+            </a:endParaRPr>
+          </a:p>
+        </p:txBody>
+      </p:sp>
+      <p:sp>
+        <p:nvSpPr>
+          <p:cNvPr id="11" name="Nuvola 10"/>
+          <p:cNvSpPr/>
+          <p:nvPr/>
+        </p:nvSpPr>
+        <p:spPr>
+          <a:xfrm>
+            <a:off x="2555776" y="4143271"/>
+            <a:ext cx="1512168" cy="1806009"/>
+          </a:xfrm>
+          <a:prstGeom prst="cloud">
+            <a:avLst/>
+          </a:prstGeom>
+        </p:spPr>
+        <p:style>
+          <a:lnRef idx="2">
+            <a:schemeClr val="accent1">
+              <a:shade val="50000"/>
+            </a:schemeClr>
+          </a:lnRef>
+          <a:fillRef idx="1">
+            <a:schemeClr val="accent1"/>
+          </a:fillRef>
+          <a:effectRef idx="0">
+            <a:schemeClr val="accent1"/>
+          </a:effectRef>
+          <a:fontRef idx="minor">
+            <a:schemeClr val="lt1"/>
+          </a:fontRef>
+        </p:style>
+        <p:txBody>
+          <a:bodyPr rtlCol="0" anchor="ctr"/>
+          <a:lstStyle/>
+          <a:p>
+            <a:pPr algn="ctr"/>
+            <a:r>
+              <a:rPr lang="it-IT" dirty="0" smtClean="0"/>
+              <a:t>K</a:t>
+            </a:r>
+            <a:r>
+              <a:rPr lang="it-IT" baseline="-25000" dirty="0" smtClean="0"/>
+              <a:t>1</a:t>
+            </a:r>
+            <a:r>
+              <a:rPr lang="it-IT" dirty="0" smtClean="0"/>
+              <a:t>⊆ X</a:t>
+            </a:r>
+            <a:endParaRPr lang="it-IT" dirty="0"/>
+          </a:p>
+        </p:txBody>
+      </p:sp>
+      <p:sp>
+        <p:nvSpPr>
+          <p:cNvPr id="12" name="Nuvola 11"/>
+          <p:cNvSpPr/>
+          <p:nvPr/>
+        </p:nvSpPr>
+        <p:spPr>
+          <a:xfrm>
+            <a:off x="6156176" y="4143270"/>
+            <a:ext cx="1512168" cy="1806009"/>
+          </a:xfrm>
+          <a:prstGeom prst="cloud">
+            <a:avLst/>
+          </a:prstGeom>
+          <a:solidFill>
+            <a:schemeClr val="accent2"/>
+          </a:solidFill>
+          <a:ln>
+            <a:solidFill>
+              <a:srgbClr val="C00000"/>
+            </a:solidFill>
+          </a:ln>
+        </p:spPr>
+        <p:style>
+          <a:lnRef idx="2">
+            <a:schemeClr val="accent1">
+              <a:shade val="50000"/>
+            </a:schemeClr>
+          </a:lnRef>
+          <a:fillRef idx="1">
+            <a:schemeClr val="accent1"/>
+          </a:fillRef>
+          <a:effectRef idx="0">
+            <a:schemeClr val="accent1"/>
+          </a:effectRef>
+          <a:fontRef idx="minor">
+            <a:schemeClr val="lt1"/>
+          </a:fontRef>
+        </p:style>
+        <p:txBody>
+          <a:bodyPr rtlCol="0" anchor="ctr"/>
+          <a:lstStyle/>
+          <a:p>
+            <a:pPr algn="ctr"/>
+            <a:r>
+              <a:rPr lang="it-IT" dirty="0" smtClean="0"/>
+              <a:t>K</a:t>
+            </a:r>
+            <a:r>
+              <a:rPr lang="it-IT" baseline="-25000" dirty="0" smtClean="0"/>
+              <a:t>2</a:t>
+            </a:r>
+            <a:r>
+              <a:rPr lang="it-IT" dirty="0" smtClean="0"/>
+              <a:t>⊆ Y</a:t>
+            </a:r>
+            <a:endParaRPr lang="it-IT" dirty="0"/>
+          </a:p>
+        </p:txBody>
+      </p:sp>
+      <p:cxnSp>
+        <p:nvCxnSpPr>
+          <p:cNvPr id="38" name="Connettore 2 37"/>
+          <p:cNvCxnSpPr>
+            <a:stCxn id="11" idx="0"/>
+            <a:endCxn id="12" idx="2"/>
+          </p:cNvCxnSpPr>
+          <p:nvPr/>
+        </p:nvCxnSpPr>
+        <p:spPr>
+          <a:xfrm flipV="1">
+            <a:off x="4066684" y="5046275"/>
+            <a:ext cx="2094183" cy="1"/>
+          </a:xfrm>
+          <a:prstGeom prst="straightConnector1">
+            <a:avLst/>
+          </a:prstGeom>
+          <a:ln>
+            <a:solidFill>
+              <a:schemeClr val="tx2">
+                <a:lumMod val="75000"/>
+              </a:schemeClr>
+            </a:solidFill>
+            <a:headEnd type="arrow"/>
+            <a:tailEnd type="arrow"/>
+          </a:ln>
+        </p:spPr>
+        <p:style>
+          <a:lnRef idx="3">
+            <a:schemeClr val="accent3"/>
+          </a:lnRef>
+          <a:fillRef idx="0">
+            <a:schemeClr val="accent3"/>
+          </a:fillRef>
+          <a:effectRef idx="2">
+            <a:schemeClr val="accent3"/>
+          </a:effectRef>
+          <a:fontRef idx="minor">
+            <a:schemeClr val="tx1"/>
+          </a:fontRef>
+        </p:style>
+      </p:cxnSp>
+      <p:sp>
+        <p:nvSpPr>
+          <p:cNvPr id="39" name="CasellaDiTesto 38"/>
+          <p:cNvSpPr txBox="1"/>
+          <p:nvPr/>
+        </p:nvSpPr>
+        <p:spPr>
+          <a:xfrm>
+            <a:off x="4705650" y="4705399"/>
+            <a:ext cx="816249" cy="307777"/>
+          </a:xfrm>
+          <a:prstGeom prst="rect">
+            <a:avLst/>
+          </a:prstGeom>
+          <a:noFill/>
+        </p:spPr>
+        <p:txBody>
+          <a:bodyPr wrap="none" rtlCol="0">
+            <a:spAutoFit/>
+          </a:bodyPr>
+          <a:lstStyle/>
+          <a:p>
+            <a:pPr algn="ctr"/>
+            <a:r>
+              <a:rPr lang="it-IT" sz="1400" b="1" i="1" dirty="0" err="1" smtClean="0">
+                <a:solidFill>
+                  <a:schemeClr val="tx2">
+                    <a:lumMod val="75000"/>
+                  </a:schemeClr>
+                </a:solidFill>
+                <a:latin typeface="Calibri" pitchFamily="34" charset="0"/>
+                <a:cs typeface="Calibri" pitchFamily="34" charset="0"/>
+              </a:rPr>
+              <a:t>Bridging</a:t>
+            </a:r>
+            <a:endParaRPr lang="it-IT" sz="1400" dirty="0">
+              <a:solidFill>
+                <a:schemeClr val="tx2">
+                  <a:lumMod val="75000"/>
+                </a:schemeClr>
+              </a:solidFill>
+              <a:latin typeface="Calibri" pitchFamily="34" charset="0"/>
+              <a:cs typeface="Calibri" pitchFamily="34" charset="0"/>
+            </a:endParaRPr>
+          </a:p>
+        </p:txBody>
+      </p:sp>
+    </p:spTree>
+    <p:extLst>
+      <p:ext uri="{BB962C8B-B14F-4D97-AF65-F5344CB8AC3E}">
+        <p14:creationId xmlns:p14="http://schemas.microsoft.com/office/powerpoint/2010/main" val="79227406"/>
+      </p:ext>
+    </p:extLst>
+  </p:cSld>
+  <p:clrMapOvr>
+    <a:masterClrMapping/>
+  </p:clrMapOvr>
+  <p:timing>
+    <p:tnLst>
+      <p:par>
+        <p:cTn id="1" dur="indefinite" restart="never" nodeType="tmRoot"/>
+      </p:par>
+    </p:tnLst>
+  </p:timing>
+</p:sld>
+</file>
+
+<file path=ppt/slides/slide11.xml><?xml version="1.0" encoding="utf-8"?>
+<p:sld xmlns:a="http://schemas.openxmlformats.org/drawingml/2006/main" xmlns:r="http://schemas.openxmlformats.org/officeDocument/2006/relationships" xmlns:p="http://schemas.openxmlformats.org/presentationml/2006/main">
+  <p:cSld>
+    <p:spTree>
+      <p:nvGrpSpPr>
+        <p:cNvPr id="1" name=""/>
+        <p:cNvGrpSpPr/>
+        <p:nvPr/>
+      </p:nvGrpSpPr>
+      <p:grpSpPr>
+        <a:xfrm>
+          <a:off x="0" y="0"/>
+          <a:ext cx="0" cy="0"/>
+          <a:chOff x="0" y="0"/>
+          <a:chExt cx="0" cy="0"/>
+        </a:xfrm>
+      </p:grpSpPr>
+      <p:sp>
+        <p:nvSpPr>
+          <p:cNvPr id="5" name="Title 3">
+            <a:extLst>
+              <a:ext uri="{FF2B5EF4-FFF2-40B4-BE49-F238E27FC236}">
+                <a16:creationId xmlns:a16="http://schemas.microsoft.com/office/drawing/2014/main" xmlns="" id="{189ECF77-714F-4D2C-9D4B-CC43534EF427}"/>
+              </a:ext>
+            </a:extLst>
+          </p:cNvPr>
+          <p:cNvSpPr>
+            <a:spLocks noGrp="1"/>
+          </p:cNvSpPr>
+          <p:nvPr>
+            <p:ph type="title"/>
+          </p:nvPr>
+        </p:nvSpPr>
+        <p:spPr>
+          <a:xfrm>
+            <a:off x="0" y="21787"/>
+            <a:ext cx="9144000" cy="1069514"/>
+          </a:xfrm>
+        </p:spPr>
+        <p:txBody>
+          <a:bodyPr>
+            <a:scene3d>
+              <a:camera prst="orthographicFront"/>
+              <a:lightRig rig="threePt" dir="t"/>
+            </a:scene3d>
+            <a:sp3d extrusionH="57150">
+              <a:bevelT w="82550" h="38100" prst="coolSlant"/>
+            </a:sp3d>
+          </a:bodyPr>
+          <a:lstStyle/>
+          <a:p>
+            <a:pPr algn="ctr"/>
+            <a:r>
+              <a:rPr lang="en-US" altLang="ko-KR" dirty="0" err="1">
+                <a:solidFill>
+                  <a:schemeClr val="accent5">
+                    <a:lumMod val="75000"/>
+                  </a:schemeClr>
+                </a:solidFill>
+              </a:rPr>
+              <a:t>Definizione</a:t>
+            </a:r>
+            <a:r>
+              <a:rPr lang="en-US" altLang="ko-KR" dirty="0">
+                <a:solidFill>
+                  <a:schemeClr val="accent5">
+                    <a:lumMod val="75000"/>
+                  </a:schemeClr>
+                </a:solidFill>
+              </a:rPr>
+              <a:t> del </a:t>
+            </a:r>
+            <a:r>
+              <a:rPr lang="en-US" altLang="ko-KR" dirty="0" err="1">
+                <a:solidFill>
+                  <a:schemeClr val="accent5">
+                    <a:lumMod val="75000"/>
+                  </a:schemeClr>
+                </a:solidFill>
+              </a:rPr>
+              <a:t>problema</a:t>
+            </a:r>
+            <a:endParaRPr lang="ko-KR" altLang="en-US" dirty="0">
+              <a:solidFill>
+                <a:schemeClr val="accent5">
+                  <a:lumMod val="75000"/>
+                </a:schemeClr>
+              </a:solidFill>
+            </a:endParaRPr>
+          </a:p>
+        </p:txBody>
+      </p:sp>
+      <p:sp>
+        <p:nvSpPr>
+          <p:cNvPr id="6" name="Rettangolo 5"/>
+          <p:cNvSpPr/>
+          <p:nvPr/>
+        </p:nvSpPr>
+        <p:spPr>
+          <a:xfrm>
+            <a:off x="1619672" y="1352957"/>
+            <a:ext cx="7524328" cy="4524315"/>
+          </a:xfrm>
+          <a:prstGeom prst="rect">
+            <a:avLst/>
+          </a:prstGeom>
+        </p:spPr>
+        <p:txBody>
+          <a:bodyPr wrap="square">
+            <a:spAutoFit/>
+          </a:bodyPr>
+          <a:lstStyle/>
+          <a:p>
+            <a:pPr algn="just"/>
+            <a:r>
+              <a:rPr lang="it-IT" u="sng" dirty="0" smtClean="0">
+                <a:latin typeface="Calibri" panose="020F0502020204030204" pitchFamily="34" charset="0"/>
+                <a:cs typeface="Calibri" panose="020F0502020204030204" pitchFamily="34" charset="0"/>
+                <a:sym typeface="Wingdings" panose="05000000000000000000" pitchFamily="2" charset="2"/>
+              </a:rPr>
+              <a:t>Bisogna scegliere i </a:t>
+            </a:r>
+            <a:r>
+              <a:rPr lang="it-IT" b="1" i="1" u="sng" dirty="0" smtClean="0">
+                <a:latin typeface="Calibri" panose="020F0502020204030204" pitchFamily="34" charset="0"/>
+                <a:cs typeface="Calibri" panose="020F0502020204030204" pitchFamily="34" charset="0"/>
+                <a:sym typeface="Wingdings" panose="05000000000000000000" pitchFamily="2" charset="2"/>
+              </a:rPr>
+              <a:t>k</a:t>
+            </a:r>
+            <a:r>
+              <a:rPr lang="it-IT" i="1" u="sng" dirty="0" smtClean="0">
+                <a:latin typeface="Calibri" panose="020F0502020204030204" pitchFamily="34" charset="0"/>
+                <a:cs typeface="Calibri" panose="020F0502020204030204" pitchFamily="34" charset="0"/>
+                <a:sym typeface="Wingdings" panose="05000000000000000000" pitchFamily="2" charset="2"/>
+              </a:rPr>
+              <a:t> </a:t>
+            </a:r>
+            <a:r>
+              <a:rPr lang="it-IT" u="sng" dirty="0" smtClean="0">
+                <a:latin typeface="Calibri" panose="020F0502020204030204" pitchFamily="34" charset="0"/>
+                <a:cs typeface="Calibri" panose="020F0502020204030204" pitchFamily="34" charset="0"/>
+                <a:sym typeface="Wingdings" panose="05000000000000000000" pitchFamily="2" charset="2"/>
+              </a:rPr>
+              <a:t>archi del dominio più promettenti in termini del </a:t>
+            </a:r>
+          </a:p>
+          <a:p>
+            <a:pPr algn="just"/>
+            <a:r>
+              <a:rPr lang="it-IT" u="sng" dirty="0">
+                <a:latin typeface="Calibri" panose="020F0502020204030204" pitchFamily="34" charset="0"/>
+                <a:cs typeface="Calibri" panose="020F0502020204030204" pitchFamily="34" charset="0"/>
+                <a:sym typeface="Wingdings" panose="05000000000000000000" pitchFamily="2" charset="2"/>
+              </a:rPr>
+              <a:t>d</a:t>
+            </a:r>
+            <a:r>
+              <a:rPr lang="it-IT" u="sng" dirty="0" smtClean="0">
+                <a:latin typeface="Calibri" panose="020F0502020204030204" pitchFamily="34" charset="0"/>
+                <a:cs typeface="Calibri" panose="020F0502020204030204" pitchFamily="34" charset="0"/>
+                <a:sym typeface="Wingdings" panose="05000000000000000000" pitchFamily="2" charset="2"/>
+              </a:rPr>
+              <a:t>ecremento dell’</a:t>
+            </a:r>
+            <a:r>
+              <a:rPr lang="it-IT" b="1" i="1" u="sng" dirty="0" smtClean="0">
+                <a:solidFill>
+                  <a:srgbClr val="00B050"/>
+                </a:solidFill>
+                <a:latin typeface="Calibri" panose="020F0502020204030204" pitchFamily="34" charset="0"/>
+                <a:cs typeface="Calibri" panose="020F0502020204030204" pitchFamily="34" charset="0"/>
+                <a:sym typeface="Wingdings" panose="05000000000000000000" pitchFamily="2" charset="2"/>
+              </a:rPr>
+              <a:t>RWC </a:t>
+            </a:r>
+            <a:r>
+              <a:rPr lang="it-IT" u="sng" dirty="0" smtClean="0">
+                <a:latin typeface="Calibri" panose="020F0502020204030204" pitchFamily="34" charset="0"/>
+                <a:cs typeface="Calibri" panose="020F0502020204030204" pitchFamily="34" charset="0"/>
+                <a:sym typeface="Wingdings" panose="05000000000000000000" pitchFamily="2" charset="2"/>
+              </a:rPr>
+              <a:t>che consentirebbero se si materializzassero.</a:t>
+            </a:r>
+          </a:p>
+          <a:p>
+            <a:pPr algn="just"/>
+            <a:endParaRPr lang="it-IT" dirty="0" smtClean="0">
+              <a:latin typeface="Calibri" panose="020F0502020204030204" pitchFamily="34" charset="0"/>
+              <a:cs typeface="Calibri" panose="020F0502020204030204" pitchFamily="34" charset="0"/>
+              <a:sym typeface="Wingdings" panose="05000000000000000000" pitchFamily="2" charset="2"/>
+            </a:endParaRPr>
+          </a:p>
+          <a:p>
+            <a:pPr algn="just"/>
+            <a:r>
+              <a:rPr lang="it-IT" dirty="0" smtClean="0">
+                <a:latin typeface="Calibri" panose="020F0502020204030204" pitchFamily="34" charset="0"/>
+                <a:cs typeface="Calibri" panose="020F0502020204030204" pitchFamily="34" charset="0"/>
+                <a:sym typeface="Wingdings" panose="05000000000000000000" pitchFamily="2" charset="2"/>
+              </a:rPr>
+              <a:t>Ogni </a:t>
+            </a:r>
+            <a:r>
+              <a:rPr lang="it-IT" b="1" dirty="0" smtClean="0">
+                <a:solidFill>
+                  <a:srgbClr val="00B050"/>
+                </a:solidFill>
+                <a:latin typeface="Calibri" panose="020F0502020204030204" pitchFamily="34" charset="0"/>
+                <a:cs typeface="Calibri" panose="020F0502020204030204" pitchFamily="34" charset="0"/>
+                <a:sym typeface="Wingdings" panose="05000000000000000000" pitchFamily="2" charset="2"/>
+              </a:rPr>
+              <a:t>arco </a:t>
+            </a:r>
+            <a:r>
+              <a:rPr lang="it-IT" b="1" i="1" dirty="0" smtClean="0">
+                <a:solidFill>
+                  <a:srgbClr val="00B050"/>
+                </a:solidFill>
+                <a:latin typeface="Calibri" panose="020F0502020204030204" pitchFamily="34" charset="0"/>
+                <a:cs typeface="Calibri" panose="020F0502020204030204" pitchFamily="34" charset="0"/>
+                <a:sym typeface="Wingdings" panose="05000000000000000000" pitchFamily="2" charset="2"/>
+              </a:rPr>
+              <a:t>e</a:t>
+            </a:r>
+            <a:r>
+              <a:rPr lang="it-IT" b="1" i="1" dirty="0" smtClean="0">
+                <a:solidFill>
+                  <a:srgbClr val="92D050"/>
+                </a:solidFill>
+                <a:latin typeface="Calibri" panose="020F0502020204030204" pitchFamily="34" charset="0"/>
+                <a:cs typeface="Calibri" panose="020F0502020204030204" pitchFamily="34" charset="0"/>
+                <a:sym typeface="Wingdings" panose="05000000000000000000" pitchFamily="2" charset="2"/>
+              </a:rPr>
+              <a:t> </a:t>
+            </a:r>
+            <a:r>
+              <a:rPr lang="it-IT" dirty="0" smtClean="0">
+                <a:latin typeface="Calibri" panose="020F0502020204030204" pitchFamily="34" charset="0"/>
+                <a:cs typeface="Calibri" panose="020F0502020204030204" pitchFamily="34" charset="0"/>
+                <a:sym typeface="Wingdings" panose="05000000000000000000" pitchFamily="2" charset="2"/>
+              </a:rPr>
+              <a:t>del dominio è associato al corrispondente </a:t>
+            </a:r>
+            <a:r>
+              <a:rPr lang="it-IT" b="1" i="1" dirty="0" smtClean="0">
+                <a:solidFill>
+                  <a:srgbClr val="00B050"/>
+                </a:solidFill>
+                <a:latin typeface="Calibri" panose="020F0502020204030204" pitchFamily="34" charset="0"/>
+                <a:cs typeface="Calibri" panose="020F0502020204030204" pitchFamily="34" charset="0"/>
+                <a:sym typeface="Symbol"/>
+              </a:rPr>
+              <a:t></a:t>
+            </a:r>
+            <a:r>
+              <a:rPr lang="it-IT" b="1" i="1" dirty="0" err="1" smtClean="0">
+                <a:solidFill>
+                  <a:srgbClr val="00B050"/>
+                </a:solidFill>
+                <a:latin typeface="Calibri" panose="020F0502020204030204" pitchFamily="34" charset="0"/>
+                <a:cs typeface="Calibri" panose="020F0502020204030204" pitchFamily="34" charset="0"/>
+                <a:sym typeface="Symbol"/>
+              </a:rPr>
+              <a:t>RWC</a:t>
+            </a:r>
+            <a:r>
+              <a:rPr lang="it-IT" b="1" i="1" baseline="-25000" dirty="0" err="1" smtClean="0">
+                <a:solidFill>
+                  <a:srgbClr val="00B050"/>
+                </a:solidFill>
+                <a:latin typeface="Calibri" panose="020F0502020204030204" pitchFamily="34" charset="0"/>
+                <a:cs typeface="Calibri" panose="020F0502020204030204" pitchFamily="34" charset="0"/>
+                <a:sym typeface="Symbol"/>
+              </a:rPr>
+              <a:t>e</a:t>
+            </a:r>
+            <a:r>
+              <a:rPr lang="it-IT" dirty="0" smtClean="0">
+                <a:latin typeface="Calibri" panose="020F0502020204030204" pitchFamily="34" charset="0"/>
+                <a:cs typeface="Calibri" panose="020F0502020204030204" pitchFamily="34" charset="0"/>
+                <a:sym typeface="Symbol"/>
+              </a:rPr>
+              <a:t>.</a:t>
+            </a:r>
+            <a:endParaRPr lang="it-IT" dirty="0">
+              <a:latin typeface="Calibri" panose="020F0502020204030204" pitchFamily="34" charset="0"/>
+              <a:cs typeface="Calibri" panose="020F0502020204030204" pitchFamily="34" charset="0"/>
+              <a:sym typeface="Wingdings" panose="05000000000000000000" pitchFamily="2" charset="2"/>
+            </a:endParaRPr>
+          </a:p>
+          <a:p>
+            <a:pPr algn="just"/>
+            <a:endParaRPr lang="it-IT" dirty="0">
+              <a:latin typeface="Calibri" panose="020F0502020204030204" pitchFamily="34" charset="0"/>
+              <a:cs typeface="Calibri" panose="020F0502020204030204" pitchFamily="34" charset="0"/>
+              <a:sym typeface="Wingdings" panose="05000000000000000000" pitchFamily="2" charset="2"/>
+            </a:endParaRPr>
+          </a:p>
+          <a:p>
+            <a:pPr algn="just"/>
+            <a:r>
+              <a:rPr lang="it-IT" dirty="0" smtClean="0">
+                <a:latin typeface="Calibri" panose="020F0502020204030204" pitchFamily="34" charset="0"/>
+                <a:cs typeface="Calibri" panose="020F0502020204030204" pitchFamily="34" charset="0"/>
+                <a:sym typeface="Wingdings" panose="05000000000000000000" pitchFamily="2" charset="2"/>
+              </a:rPr>
+              <a:t>Sono stati implementati due algoritmi </a:t>
+            </a:r>
+            <a:r>
+              <a:rPr lang="it-IT" b="1" dirty="0" smtClean="0">
+                <a:latin typeface="Calibri" panose="020F0502020204030204" pitchFamily="34" charset="0"/>
+                <a:cs typeface="Calibri" panose="020F0502020204030204" pitchFamily="34" charset="0"/>
+                <a:sym typeface="Wingdings" panose="05000000000000000000" pitchFamily="2" charset="2"/>
+              </a:rPr>
+              <a:t>alternativi</a:t>
+            </a:r>
+            <a:r>
+              <a:rPr lang="it-IT" dirty="0" smtClean="0">
+                <a:latin typeface="Calibri" panose="020F0502020204030204" pitchFamily="34" charset="0"/>
+                <a:cs typeface="Calibri" panose="020F0502020204030204" pitchFamily="34" charset="0"/>
+                <a:sym typeface="Wingdings" panose="05000000000000000000" pitchFamily="2" charset="2"/>
+              </a:rPr>
+              <a:t>:</a:t>
+            </a:r>
+          </a:p>
+          <a:p>
+            <a:pPr algn="just"/>
+            <a:endParaRPr lang="it-IT" dirty="0">
+              <a:latin typeface="Calibri" panose="020F0502020204030204" pitchFamily="34" charset="0"/>
+              <a:cs typeface="Calibri" panose="020F0502020204030204" pitchFamily="34" charset="0"/>
+              <a:sym typeface="Wingdings" panose="05000000000000000000" pitchFamily="2" charset="2"/>
+            </a:endParaRPr>
+          </a:p>
+          <a:p>
+            <a:pPr marL="285750" indent="-285750" algn="just">
+              <a:buFont typeface="Arial" pitchFamily="34" charset="0"/>
+              <a:buChar char="•"/>
+            </a:pPr>
+            <a:r>
+              <a:rPr lang="it-IT" dirty="0" smtClean="0">
+                <a:latin typeface="Calibri" panose="020F0502020204030204" pitchFamily="34" charset="0"/>
+                <a:cs typeface="Calibri" panose="020F0502020204030204" pitchFamily="34" charset="0"/>
+                <a:sym typeface="Wingdings" panose="05000000000000000000" pitchFamily="2" charset="2"/>
+              </a:rPr>
+              <a:t>Versione</a:t>
+            </a:r>
+            <a:r>
+              <a:rPr lang="it-IT" b="1" dirty="0" smtClean="0">
+                <a:latin typeface="Calibri" panose="020F0502020204030204" pitchFamily="34" charset="0"/>
+                <a:cs typeface="Calibri" panose="020F0502020204030204" pitchFamily="34" charset="0"/>
+                <a:sym typeface="Wingdings" panose="05000000000000000000" pitchFamily="2" charset="2"/>
+              </a:rPr>
+              <a:t> </a:t>
+            </a:r>
+            <a:r>
+              <a:rPr lang="it-IT" b="1" dirty="0" smtClean="0">
+                <a:solidFill>
+                  <a:schemeClr val="accent2"/>
+                </a:solidFill>
+                <a:latin typeface="Calibri" panose="020F0502020204030204" pitchFamily="34" charset="0"/>
+                <a:cs typeface="Calibri" panose="020F0502020204030204" pitchFamily="34" charset="0"/>
+                <a:sym typeface="Wingdings" panose="05000000000000000000" pitchFamily="2" charset="2"/>
+              </a:rPr>
+              <a:t>non-</a:t>
+            </a:r>
+            <a:r>
+              <a:rPr lang="it-IT" b="1" dirty="0" err="1" smtClean="0">
+                <a:solidFill>
+                  <a:schemeClr val="accent2"/>
+                </a:solidFill>
+                <a:latin typeface="Calibri" panose="020F0502020204030204" pitchFamily="34" charset="0"/>
+                <a:cs typeface="Calibri" panose="020F0502020204030204" pitchFamily="34" charset="0"/>
+                <a:sym typeface="Wingdings" panose="05000000000000000000" pitchFamily="2" charset="2"/>
+              </a:rPr>
+              <a:t>greedy</a:t>
+            </a:r>
+            <a:r>
+              <a:rPr lang="it-IT" dirty="0" smtClean="0">
+                <a:latin typeface="Calibri" panose="020F0502020204030204" pitchFamily="34" charset="0"/>
+                <a:cs typeface="Calibri" panose="020F0502020204030204" pitchFamily="34" charset="0"/>
+                <a:sym typeface="Wingdings" panose="05000000000000000000" pitchFamily="2" charset="2"/>
+              </a:rPr>
+              <a:t>: </a:t>
+            </a:r>
+          </a:p>
+          <a:p>
+            <a:pPr algn="just"/>
+            <a:r>
+              <a:rPr lang="it-IT" dirty="0" smtClean="0">
+                <a:latin typeface="Calibri" panose="020F0502020204030204" pitchFamily="34" charset="0"/>
+                <a:cs typeface="Calibri" panose="020F0502020204030204" pitchFamily="34" charset="0"/>
+                <a:sym typeface="Wingdings" panose="05000000000000000000" pitchFamily="2" charset="2"/>
+              </a:rPr>
+              <a:t>      ordina gli archi del dominio in base al loro </a:t>
+            </a:r>
+            <a:r>
+              <a:rPr lang="it-IT" b="1" i="1" dirty="0">
+                <a:solidFill>
+                  <a:srgbClr val="00B050"/>
+                </a:solidFill>
+                <a:latin typeface="Calibri" panose="020F0502020204030204" pitchFamily="34" charset="0"/>
+                <a:cs typeface="Calibri" panose="020F0502020204030204" pitchFamily="34" charset="0"/>
+                <a:sym typeface="Symbol"/>
+              </a:rPr>
+              <a:t></a:t>
+            </a:r>
+            <a:r>
+              <a:rPr lang="it-IT" b="1" i="1" dirty="0" smtClean="0">
+                <a:solidFill>
+                  <a:srgbClr val="00B050"/>
+                </a:solidFill>
+                <a:latin typeface="Calibri" panose="020F0502020204030204" pitchFamily="34" charset="0"/>
+                <a:cs typeface="Calibri" panose="020F0502020204030204" pitchFamily="34" charset="0"/>
+                <a:sym typeface="Symbol"/>
+              </a:rPr>
+              <a:t>RWC</a:t>
+            </a:r>
+            <a:r>
+              <a:rPr lang="it-IT" b="1" i="1" baseline="-25000" dirty="0" smtClean="0">
+                <a:solidFill>
+                  <a:srgbClr val="00B050"/>
+                </a:solidFill>
+                <a:latin typeface="Calibri" panose="020F0502020204030204" pitchFamily="34" charset="0"/>
+                <a:cs typeface="Calibri" panose="020F0502020204030204" pitchFamily="34" charset="0"/>
+                <a:sym typeface="Symbol"/>
+              </a:rPr>
+              <a:t> </a:t>
+            </a:r>
+            <a:r>
+              <a:rPr lang="it-IT" dirty="0" smtClean="0">
+                <a:latin typeface="Calibri" panose="020F0502020204030204" pitchFamily="34" charset="0"/>
+                <a:cs typeface="Calibri" panose="020F0502020204030204" pitchFamily="34" charset="0"/>
+                <a:sym typeface="Symbol"/>
+              </a:rPr>
+              <a:t>e </a:t>
+            </a:r>
+            <a:r>
+              <a:rPr lang="it-IT" dirty="0" smtClean="0">
+                <a:latin typeface="Calibri" panose="020F0502020204030204" pitchFamily="34" charset="0"/>
+                <a:cs typeface="Calibri" panose="020F0502020204030204" pitchFamily="34" charset="0"/>
+                <a:sym typeface="Wingdings" panose="05000000000000000000" pitchFamily="2" charset="2"/>
+              </a:rPr>
+              <a:t>restituisce i </a:t>
+            </a:r>
+            <a:r>
+              <a:rPr lang="it-IT" b="1" i="1" dirty="0" smtClean="0">
+                <a:latin typeface="Calibri" panose="020F0502020204030204" pitchFamily="34" charset="0"/>
+                <a:cs typeface="Calibri" panose="020F0502020204030204" pitchFamily="34" charset="0"/>
+                <a:sym typeface="Wingdings" panose="05000000000000000000" pitchFamily="2" charset="2"/>
+              </a:rPr>
+              <a:t>top k</a:t>
+            </a:r>
+            <a:r>
+              <a:rPr lang="it-IT" dirty="0" smtClean="0">
+                <a:latin typeface="Calibri" panose="020F0502020204030204" pitchFamily="34" charset="0"/>
+                <a:cs typeface="Calibri" panose="020F0502020204030204" pitchFamily="34" charset="0"/>
+                <a:sym typeface="Wingdings" panose="05000000000000000000" pitchFamily="2" charset="2"/>
+              </a:rPr>
+              <a:t> </a:t>
+            </a:r>
+          </a:p>
+          <a:p>
+            <a:pPr algn="just"/>
+            <a:r>
+              <a:rPr lang="it-IT" dirty="0">
+                <a:latin typeface="Calibri" panose="020F0502020204030204" pitchFamily="34" charset="0"/>
+                <a:cs typeface="Calibri" panose="020F0502020204030204" pitchFamily="34" charset="0"/>
+                <a:sym typeface="Wingdings" panose="05000000000000000000" pitchFamily="2" charset="2"/>
+              </a:rPr>
+              <a:t> </a:t>
+            </a:r>
+            <a:r>
+              <a:rPr lang="it-IT" dirty="0" smtClean="0">
+                <a:latin typeface="Calibri" panose="020F0502020204030204" pitchFamily="34" charset="0"/>
+                <a:cs typeface="Calibri" panose="020F0502020204030204" pitchFamily="34" charset="0"/>
+                <a:sym typeface="Wingdings" panose="05000000000000000000" pitchFamily="2" charset="2"/>
+              </a:rPr>
+              <a:t>     (ossia i migliori </a:t>
+            </a:r>
+            <a:r>
+              <a:rPr lang="it-IT" i="1" dirty="0" smtClean="0">
+                <a:latin typeface="Calibri" panose="020F0502020204030204" pitchFamily="34" charset="0"/>
+                <a:cs typeface="Calibri" panose="020F0502020204030204" pitchFamily="34" charset="0"/>
+                <a:sym typeface="Wingdings" panose="05000000000000000000" pitchFamily="2" charset="2"/>
+              </a:rPr>
+              <a:t>k </a:t>
+            </a:r>
+            <a:r>
+              <a:rPr lang="it-IT" dirty="0" smtClean="0">
+                <a:latin typeface="Calibri" panose="020F0502020204030204" pitchFamily="34" charset="0"/>
+                <a:cs typeface="Calibri" panose="020F0502020204030204" pitchFamily="34" charset="0"/>
+                <a:sym typeface="Wingdings" panose="05000000000000000000" pitchFamily="2" charset="2"/>
+              </a:rPr>
+              <a:t>in termini del proprio </a:t>
+            </a:r>
+            <a:r>
+              <a:rPr lang="it-IT" b="1" i="1" dirty="0">
+                <a:solidFill>
+                  <a:srgbClr val="00B050"/>
+                </a:solidFill>
+                <a:latin typeface="Calibri" panose="020F0502020204030204" pitchFamily="34" charset="0"/>
+                <a:cs typeface="Calibri" panose="020F0502020204030204" pitchFamily="34" charset="0"/>
+                <a:sym typeface="Symbol"/>
+              </a:rPr>
+              <a:t></a:t>
+            </a:r>
+            <a:r>
+              <a:rPr lang="it-IT" b="1" i="1" dirty="0" smtClean="0">
+                <a:solidFill>
+                  <a:srgbClr val="00B050"/>
+                </a:solidFill>
+                <a:latin typeface="Calibri" panose="020F0502020204030204" pitchFamily="34" charset="0"/>
+                <a:cs typeface="Calibri" panose="020F0502020204030204" pitchFamily="34" charset="0"/>
+                <a:sym typeface="Symbol"/>
+              </a:rPr>
+              <a:t>RWC</a:t>
+            </a:r>
+            <a:r>
+              <a:rPr lang="it-IT" b="1" i="1" baseline="-25000" dirty="0" smtClean="0">
+                <a:solidFill>
+                  <a:srgbClr val="00B050"/>
+                </a:solidFill>
+                <a:latin typeface="Calibri" panose="020F0502020204030204" pitchFamily="34" charset="0"/>
+                <a:cs typeface="Calibri" panose="020F0502020204030204" pitchFamily="34" charset="0"/>
+                <a:sym typeface="Symbol"/>
+              </a:rPr>
+              <a:t> </a:t>
+            </a:r>
+            <a:r>
+              <a:rPr lang="it-IT" dirty="0" smtClean="0">
+                <a:latin typeface="Calibri" panose="020F0502020204030204" pitchFamily="34" charset="0"/>
+                <a:cs typeface="Calibri" panose="020F0502020204030204" pitchFamily="34" charset="0"/>
+                <a:sym typeface="Wingdings" panose="05000000000000000000" pitchFamily="2" charset="2"/>
+              </a:rPr>
+              <a:t>);</a:t>
+            </a:r>
+          </a:p>
+          <a:p>
+            <a:pPr marL="285750" indent="-285750" algn="just">
+              <a:buFont typeface="Arial" pitchFamily="34" charset="0"/>
+              <a:buChar char="•"/>
+            </a:pPr>
+            <a:endParaRPr lang="it-IT" dirty="0">
+              <a:latin typeface="Calibri" panose="020F0502020204030204" pitchFamily="34" charset="0"/>
+              <a:cs typeface="Calibri" panose="020F0502020204030204" pitchFamily="34" charset="0"/>
+              <a:sym typeface="Wingdings" panose="05000000000000000000" pitchFamily="2" charset="2"/>
+            </a:endParaRPr>
+          </a:p>
+          <a:p>
+            <a:pPr marL="285750" indent="-285750" algn="just">
+              <a:buFont typeface="Arial" pitchFamily="34" charset="0"/>
+              <a:buChar char="•"/>
+            </a:pPr>
+            <a:r>
+              <a:rPr lang="it-IT" dirty="0" smtClean="0">
+                <a:latin typeface="Calibri" panose="020F0502020204030204" pitchFamily="34" charset="0"/>
+                <a:cs typeface="Calibri" panose="020F0502020204030204" pitchFamily="34" charset="0"/>
+                <a:sym typeface="Wingdings" panose="05000000000000000000" pitchFamily="2" charset="2"/>
+              </a:rPr>
+              <a:t>Versione</a:t>
+            </a:r>
+            <a:r>
+              <a:rPr lang="it-IT" b="1" dirty="0" smtClean="0">
+                <a:latin typeface="Calibri" panose="020F0502020204030204" pitchFamily="34" charset="0"/>
+                <a:cs typeface="Calibri" panose="020F0502020204030204" pitchFamily="34" charset="0"/>
+                <a:sym typeface="Wingdings" panose="05000000000000000000" pitchFamily="2" charset="2"/>
+              </a:rPr>
+              <a:t> </a:t>
+            </a:r>
+            <a:r>
+              <a:rPr lang="it-IT" b="1" dirty="0" err="1" smtClean="0">
+                <a:solidFill>
+                  <a:schemeClr val="accent2"/>
+                </a:solidFill>
+                <a:latin typeface="Calibri" panose="020F0502020204030204" pitchFamily="34" charset="0"/>
+                <a:cs typeface="Calibri" panose="020F0502020204030204" pitchFamily="34" charset="0"/>
+                <a:sym typeface="Wingdings" panose="05000000000000000000" pitchFamily="2" charset="2"/>
+              </a:rPr>
+              <a:t>greedy</a:t>
+            </a:r>
+            <a:r>
+              <a:rPr lang="it-IT" dirty="0" smtClean="0">
+                <a:latin typeface="Calibri" panose="020F0502020204030204" pitchFamily="34" charset="0"/>
+                <a:cs typeface="Calibri" panose="020F0502020204030204" pitchFamily="34" charset="0"/>
+                <a:sym typeface="Wingdings" panose="05000000000000000000" pitchFamily="2" charset="2"/>
+              </a:rPr>
+              <a:t>:</a:t>
+            </a:r>
+          </a:p>
+          <a:p>
+            <a:pPr algn="just"/>
+            <a:r>
+              <a:rPr lang="it-IT" dirty="0">
+                <a:latin typeface="Calibri" panose="020F0502020204030204" pitchFamily="34" charset="0"/>
+                <a:cs typeface="Calibri" panose="020F0502020204030204" pitchFamily="34" charset="0"/>
+                <a:sym typeface="Wingdings" panose="05000000000000000000" pitchFamily="2" charset="2"/>
+              </a:rPr>
+              <a:t> </a:t>
+            </a:r>
+            <a:r>
+              <a:rPr lang="it-IT" dirty="0" smtClean="0">
+                <a:latin typeface="Calibri" panose="020F0502020204030204" pitchFamily="34" charset="0"/>
+                <a:cs typeface="Calibri" panose="020F0502020204030204" pitchFamily="34" charset="0"/>
+                <a:sym typeface="Wingdings" panose="05000000000000000000" pitchFamily="2" charset="2"/>
+              </a:rPr>
+              <a:t>     </a:t>
+            </a:r>
+            <a:r>
+              <a:rPr lang="it-IT" u="sng" dirty="0" smtClean="0">
+                <a:latin typeface="Calibri" panose="020F0502020204030204" pitchFamily="34" charset="0"/>
+                <a:cs typeface="Calibri" panose="020F0502020204030204" pitchFamily="34" charset="0"/>
+                <a:sym typeface="Wingdings" panose="05000000000000000000" pitchFamily="2" charset="2"/>
+              </a:rPr>
+              <a:t>impiega </a:t>
+            </a:r>
+            <a:r>
+              <a:rPr lang="it-IT" i="1" u="sng" dirty="0" smtClean="0">
+                <a:latin typeface="Calibri" panose="020F0502020204030204" pitchFamily="34" charset="0"/>
+                <a:cs typeface="Calibri" panose="020F0502020204030204" pitchFamily="34" charset="0"/>
+                <a:sym typeface="Wingdings" panose="05000000000000000000" pitchFamily="2" charset="2"/>
+              </a:rPr>
+              <a:t>k </a:t>
+            </a:r>
+            <a:r>
+              <a:rPr lang="it-IT" u="sng" dirty="0" smtClean="0">
+                <a:latin typeface="Calibri" panose="020F0502020204030204" pitchFamily="34" charset="0"/>
+                <a:cs typeface="Calibri" panose="020F0502020204030204" pitchFamily="34" charset="0"/>
+                <a:sym typeface="Wingdings" panose="05000000000000000000" pitchFamily="2" charset="2"/>
+              </a:rPr>
+              <a:t>passi</a:t>
+            </a:r>
+            <a:r>
+              <a:rPr lang="it-IT" dirty="0" smtClean="0">
+                <a:latin typeface="Calibri" panose="020F0502020204030204" pitchFamily="34" charset="0"/>
+                <a:cs typeface="Calibri" panose="020F0502020204030204" pitchFamily="34" charset="0"/>
+                <a:sym typeface="Wingdings" panose="05000000000000000000" pitchFamily="2" charset="2"/>
+              </a:rPr>
+              <a:t>, in ognuno dei quali ordina </a:t>
+            </a:r>
+            <a:r>
+              <a:rPr lang="it-IT" dirty="0">
+                <a:latin typeface="Calibri" panose="020F0502020204030204" pitchFamily="34" charset="0"/>
+                <a:cs typeface="Calibri" panose="020F0502020204030204" pitchFamily="34" charset="0"/>
+                <a:sym typeface="Wingdings" panose="05000000000000000000" pitchFamily="2" charset="2"/>
+              </a:rPr>
+              <a:t>gli archi del dominio in base </a:t>
+            </a:r>
+            <a:endParaRPr lang="it-IT" dirty="0" smtClean="0">
+              <a:latin typeface="Calibri" panose="020F0502020204030204" pitchFamily="34" charset="0"/>
+              <a:cs typeface="Calibri" panose="020F0502020204030204" pitchFamily="34" charset="0"/>
+              <a:sym typeface="Wingdings" panose="05000000000000000000" pitchFamily="2" charset="2"/>
+            </a:endParaRPr>
+          </a:p>
+          <a:p>
+            <a:pPr algn="just"/>
+            <a:r>
+              <a:rPr lang="it-IT" dirty="0">
+                <a:latin typeface="Calibri" panose="020F0502020204030204" pitchFamily="34" charset="0"/>
+                <a:cs typeface="Calibri" panose="020F0502020204030204" pitchFamily="34" charset="0"/>
+                <a:sym typeface="Wingdings" panose="05000000000000000000" pitchFamily="2" charset="2"/>
+              </a:rPr>
+              <a:t> </a:t>
+            </a:r>
+            <a:r>
+              <a:rPr lang="it-IT" dirty="0" smtClean="0">
+                <a:latin typeface="Calibri" panose="020F0502020204030204" pitchFamily="34" charset="0"/>
+                <a:cs typeface="Calibri" panose="020F0502020204030204" pitchFamily="34" charset="0"/>
+                <a:sym typeface="Wingdings" panose="05000000000000000000" pitchFamily="2" charset="2"/>
+              </a:rPr>
+              <a:t>     al </a:t>
+            </a:r>
+            <a:r>
+              <a:rPr lang="it-IT" dirty="0">
+                <a:latin typeface="Calibri" panose="020F0502020204030204" pitchFamily="34" charset="0"/>
+                <a:cs typeface="Calibri" panose="020F0502020204030204" pitchFamily="34" charset="0"/>
+                <a:sym typeface="Wingdings" panose="05000000000000000000" pitchFamily="2" charset="2"/>
+              </a:rPr>
+              <a:t>loro </a:t>
+            </a:r>
+            <a:r>
+              <a:rPr lang="it-IT" b="1" i="1" dirty="0">
+                <a:solidFill>
+                  <a:srgbClr val="00B050"/>
+                </a:solidFill>
+                <a:latin typeface="Calibri" panose="020F0502020204030204" pitchFamily="34" charset="0"/>
+                <a:cs typeface="Calibri" panose="020F0502020204030204" pitchFamily="34" charset="0"/>
+                <a:sym typeface="Symbol"/>
+              </a:rPr>
+              <a:t></a:t>
+            </a:r>
+            <a:r>
+              <a:rPr lang="it-IT" b="1" i="1" dirty="0" smtClean="0">
+                <a:solidFill>
+                  <a:srgbClr val="00B050"/>
+                </a:solidFill>
+                <a:latin typeface="Calibri" panose="020F0502020204030204" pitchFamily="34" charset="0"/>
+                <a:cs typeface="Calibri" panose="020F0502020204030204" pitchFamily="34" charset="0"/>
+                <a:sym typeface="Symbol"/>
+              </a:rPr>
+              <a:t>RWC</a:t>
+            </a:r>
+            <a:r>
+              <a:rPr lang="it-IT" b="1" i="1" baseline="-25000" dirty="0" smtClean="0">
+                <a:solidFill>
+                  <a:srgbClr val="00B050"/>
+                </a:solidFill>
+                <a:latin typeface="Calibri" panose="020F0502020204030204" pitchFamily="34" charset="0"/>
+                <a:cs typeface="Calibri" panose="020F0502020204030204" pitchFamily="34" charset="0"/>
+                <a:sym typeface="Symbol"/>
+              </a:rPr>
+              <a:t> </a:t>
+            </a:r>
+            <a:r>
+              <a:rPr lang="it-IT" b="1" i="1" dirty="0" smtClean="0">
+                <a:solidFill>
+                  <a:srgbClr val="00B050"/>
+                </a:solidFill>
+                <a:latin typeface="Calibri" panose="020F0502020204030204" pitchFamily="34" charset="0"/>
+                <a:cs typeface="Calibri" panose="020F0502020204030204" pitchFamily="34" charset="0"/>
+                <a:sym typeface="Symbol"/>
+              </a:rPr>
+              <a:t> </a:t>
+            </a:r>
+            <a:r>
+              <a:rPr lang="it-IT" dirty="0" smtClean="0">
+                <a:latin typeface="Calibri" panose="020F0502020204030204" pitchFamily="34" charset="0"/>
+                <a:cs typeface="Calibri" panose="020F0502020204030204" pitchFamily="34" charset="0"/>
+                <a:sym typeface="Symbol"/>
+              </a:rPr>
+              <a:t>e </a:t>
+            </a:r>
+            <a:r>
+              <a:rPr lang="it-IT" dirty="0" smtClean="0">
+                <a:latin typeface="Calibri" panose="020F0502020204030204" pitchFamily="34" charset="0"/>
+                <a:cs typeface="Calibri" panose="020F0502020204030204" pitchFamily="34" charset="0"/>
+                <a:sym typeface="Wingdings" panose="05000000000000000000" pitchFamily="2" charset="2"/>
+              </a:rPr>
+              <a:t>aggiunge alla soluzione attuale il migliore tra loro.  </a:t>
+            </a:r>
+          </a:p>
+          <a:p>
+            <a:pPr algn="just"/>
+            <a:r>
+              <a:rPr lang="it-IT" dirty="0">
+                <a:latin typeface="Calibri" panose="020F0502020204030204" pitchFamily="34" charset="0"/>
+                <a:cs typeface="Calibri" panose="020F0502020204030204" pitchFamily="34" charset="0"/>
+                <a:sym typeface="Wingdings" panose="05000000000000000000" pitchFamily="2" charset="2"/>
+              </a:rPr>
+              <a:t> </a:t>
+            </a:r>
+            <a:r>
+              <a:rPr lang="it-IT" dirty="0" smtClean="0">
+                <a:latin typeface="Calibri" panose="020F0502020204030204" pitchFamily="34" charset="0"/>
+                <a:cs typeface="Calibri" panose="020F0502020204030204" pitchFamily="34" charset="0"/>
+                <a:sym typeface="Wingdings" panose="05000000000000000000" pitchFamily="2" charset="2"/>
+              </a:rPr>
+              <a:t>     L’arco scelto ad ogni passo viene aggiunto al grafo per consentire una </a:t>
+            </a:r>
+          </a:p>
+          <a:p>
+            <a:pPr algn="just"/>
+            <a:r>
+              <a:rPr lang="it-IT" dirty="0">
+                <a:latin typeface="Calibri" panose="020F0502020204030204" pitchFamily="34" charset="0"/>
+                <a:cs typeface="Calibri" panose="020F0502020204030204" pitchFamily="34" charset="0"/>
+                <a:sym typeface="Wingdings" panose="05000000000000000000" pitchFamily="2" charset="2"/>
+              </a:rPr>
+              <a:t> </a:t>
+            </a:r>
+            <a:r>
+              <a:rPr lang="it-IT" dirty="0" smtClean="0">
+                <a:latin typeface="Calibri" panose="020F0502020204030204" pitchFamily="34" charset="0"/>
+                <a:cs typeface="Calibri" panose="020F0502020204030204" pitchFamily="34" charset="0"/>
+                <a:sym typeface="Wingdings" panose="05000000000000000000" pitchFamily="2" charset="2"/>
+              </a:rPr>
+              <a:t>     scelta più precisa dei restanti.</a:t>
+            </a:r>
+          </a:p>
+        </p:txBody>
+      </p:sp>
+    </p:spTree>
+    <p:extLst>
+      <p:ext uri="{BB962C8B-B14F-4D97-AF65-F5344CB8AC3E}">
+        <p14:creationId xmlns:p14="http://schemas.microsoft.com/office/powerpoint/2010/main" val="2455031912"/>
+      </p:ext>
+    </p:extLst>
+  </p:cSld>
+  <p:clrMapOvr>
+    <a:masterClrMapping/>
+  </p:clrMapOvr>
+  <p:timing>
+    <p:tnLst>
+      <p:par>
+        <p:cTn id="1" dur="indefinite" restart="never" nodeType="tmRoot"/>
+      </p:par>
+    </p:tnLst>
+  </p:timing>
 </p:sld>
 </file>
 
@@ -17088,6 +19146,13 @@
   <p:clrMapOvr>
     <a:masterClrMapping/>
   </p:clrMapOvr>
+  <p:timing>
+    <p:tnLst>
+      <p:par>
+        <p:cTn id="1" dur="indefinite" restart="never" nodeType="tmRoot"/>
+      </p:par>
+    </p:tnLst>
+  </p:timing>
 </p:sld>
 </file>
 
@@ -17418,6 +19483,13 @@
   <p:clrMapOvr>
     <a:masterClrMapping/>
   </p:clrMapOvr>
+  <p:timing>
+    <p:tnLst>
+      <p:par>
+        <p:cTn id="1" dur="indefinite" restart="never" nodeType="tmRoot"/>
+      </p:par>
+    </p:tnLst>
+  </p:timing>
 </p:sld>
 </file>
 
@@ -17671,7 +19743,7 @@
                 <a:latin typeface="Calibri" panose="020F0502020204030204" pitchFamily="34" charset="0"/>
                 <a:cs typeface="Calibri" panose="020F0502020204030204" pitchFamily="34" charset="0"/>
               </a:rPr>
-              <a:t>se un utente desidera condividere quanto asserito da un altro può </a:t>
+              <a:t>se un utente desidera approvare quanto asserito da un altro può </a:t>
             </a:r>
           </a:p>
           <a:p>
@@ -17709,7 +19781,7 @@
           <p:cNvPr id="1026" name="Picture 2" descr="Risultati immagini per twitter vector logo">
             <a:extLst>
               <a:ext uri="{FF2B5EF4-FFF2-40B4-BE49-F238E27FC236}">
-                <a16:creationId xmlns:a16="http://schemas.microsoft.com/office/drawing/2014/main" id="{D889CC7C-9C8B-4FC7-BEA6-94A9A901435D}"/>
+                <a16:creationId xmlns:a16="http://schemas.microsoft.com/office/drawing/2014/main" xmlns="" id="{D889CC7C-9C8B-4FC7-BEA6-94A9A901435D}"/>
               </a:ext>
             </a:extLst>
           </p:cNvPr>
@@ -17761,6 +19833,13 @@
   <p:clrMapOvr>
     <a:masterClrMapping/>
   </p:clrMapOvr>
+  <p:timing>
+    <p:tnLst>
+      <p:par>
+        <p:cTn id="1" dur="indefinite" restart="never" nodeType="tmRoot"/>
+      </p:par>
+    </p:tnLst>
+  </p:timing>
 </p:sld>
 </file>
 
@@ -17786,7 +19865,7 @@
           <p:cNvPr id="5" name="Title 3">
             <a:extLst>
               <a:ext uri="{FF2B5EF4-FFF2-40B4-BE49-F238E27FC236}">
-                <a16:creationId xmlns:a16="http://schemas.microsoft.com/office/drawing/2014/main" id="{4B902CC3-75DB-41C6-B4AA-1F2B71CA058B}"/>
+                <a16:creationId xmlns:a16="http://schemas.microsoft.com/office/drawing/2014/main" xmlns="" id="{4B902CC3-75DB-41C6-B4AA-1F2B71CA058B}"/>
               </a:ext>
             </a:extLst>
           </p:cNvPr>
@@ -17799,7 +19878,7 @@
         </p:nvSpPr>
         <p:spPr>
           <a:xfrm>
-            <a:off x="0" y="16778"/>
+            <a:off x="0" y="21787"/>
             <a:ext cx="9144000" cy="1069514"/>
           </a:xfrm>
         </p:spPr>
@@ -17841,7 +19920,7 @@
           <p:cNvPr id="6" name="Rettangolo 5">
             <a:extLst>
               <a:ext uri="{FF2B5EF4-FFF2-40B4-BE49-F238E27FC236}">
-                <a16:creationId xmlns:a16="http://schemas.microsoft.com/office/drawing/2014/main" id="{34D4963A-74A1-4455-8FDA-78E85A45FA8B}"/>
+                <a16:creationId xmlns:a16="http://schemas.microsoft.com/office/drawing/2014/main" xmlns="" id="{34D4963A-74A1-4455-8FDA-78E85A45FA8B}"/>
               </a:ext>
             </a:extLst>
           </p:cNvPr>
@@ -17929,11 +20008,21 @@
           <a:p>
             <a:pPr algn="just"/>
             <a:r>
+              <a:rPr lang="it-IT" b="1" dirty="0">
+                <a:solidFill>
+                  <a:schemeClr val="accent2"/>
+                </a:solidFill>
+                <a:latin typeface="Calibri" panose="020F0502020204030204" pitchFamily="34" charset="0"/>
+                <a:cs typeface="Calibri" panose="020F0502020204030204" pitchFamily="34" charset="0"/>
+              </a:rPr>
+              <a:t>grafo diretto </a:t>
+            </a:r>
+            <a:r>
               <a:rPr lang="it-IT" dirty="0">
                 <a:latin typeface="Calibri" panose="020F0502020204030204" pitchFamily="34" charset="0"/>
                 <a:cs typeface="Calibri" panose="020F0502020204030204" pitchFamily="34" charset="0"/>
               </a:rPr>
-              <a:t>grafo diretto i cui nodi sono gli utenti che hanno espresso almeno </a:t>
+              <a:t>i cui nodi sono gli utenti che hanno espresso almeno </a:t>
             </a:r>
           </a:p>
           <a:p>
@@ -17992,7 +20081,7 @@
           <p:cNvPr id="7" name="Immagine 6">
             <a:extLst>
               <a:ext uri="{FF2B5EF4-FFF2-40B4-BE49-F238E27FC236}">
-                <a16:creationId xmlns:a16="http://schemas.microsoft.com/office/drawing/2014/main" id="{AF3703D5-DAD7-460C-ADBE-3A301D9A2FE4}"/>
+                <a16:creationId xmlns:a16="http://schemas.microsoft.com/office/drawing/2014/main" xmlns="" id="{AF3703D5-DAD7-460C-ADBE-3A301D9A2FE4}"/>
               </a:ext>
             </a:extLst>
           </p:cNvPr>
@@ -18028,7 +20117,7 @@
           <p:cNvPr id="8" name="Immagine 7" descr="Immagine che contiene clipart&#10;&#10;Descrizione generata con affidabilità elevata">
             <a:extLst>
               <a:ext uri="{FF2B5EF4-FFF2-40B4-BE49-F238E27FC236}">
-                <a16:creationId xmlns:a16="http://schemas.microsoft.com/office/drawing/2014/main" id="{8B09EFF9-4415-439B-9132-80DBE3EA395C}"/>
+                <a16:creationId xmlns:a16="http://schemas.microsoft.com/office/drawing/2014/main" xmlns="" id="{8B09EFF9-4415-439B-9132-80DBE3EA395C}"/>
               </a:ext>
             </a:extLst>
           </p:cNvPr>
@@ -18064,7 +20153,7 @@
           <p:cNvPr id="9" name="CasellaDiTesto 8">
             <a:extLst>
               <a:ext uri="{FF2B5EF4-FFF2-40B4-BE49-F238E27FC236}">
-                <a16:creationId xmlns:a16="http://schemas.microsoft.com/office/drawing/2014/main" id="{C240CA17-907D-48B7-9B44-F721E8F121F1}"/>
+                <a16:creationId xmlns:a16="http://schemas.microsoft.com/office/drawing/2014/main" xmlns="" id="{C240CA17-907D-48B7-9B44-F721E8F121F1}"/>
               </a:ext>
             </a:extLst>
           </p:cNvPr>
@@ -18105,7 +20194,7 @@
           <p:cNvPr id="10" name="CasellaDiTesto 9">
             <a:extLst>
               <a:ext uri="{FF2B5EF4-FFF2-40B4-BE49-F238E27FC236}">
-                <a16:creationId xmlns:a16="http://schemas.microsoft.com/office/drawing/2014/main" id="{122FF84E-387F-42FF-8447-215229458BC0}"/>
+                <a16:creationId xmlns:a16="http://schemas.microsoft.com/office/drawing/2014/main" xmlns="" id="{122FF84E-387F-42FF-8447-215229458BC0}"/>
               </a:ext>
             </a:extLst>
           </p:cNvPr>
@@ -18146,7 +20235,7 @@
           <p:cNvPr id="14" name="Connettore 2 13">
             <a:extLst>
               <a:ext uri="{FF2B5EF4-FFF2-40B4-BE49-F238E27FC236}">
-                <a16:creationId xmlns:a16="http://schemas.microsoft.com/office/drawing/2014/main" id="{240377C1-CB13-43A4-8F95-EB652CADEE65}"/>
+                <a16:creationId xmlns:a16="http://schemas.microsoft.com/office/drawing/2014/main" xmlns="" id="{240377C1-CB13-43A4-8F95-EB652CADEE65}"/>
               </a:ext>
             </a:extLst>
           </p:cNvPr>
@@ -18201,7 +20290,7 @@
           <p:cNvPr id="15" name="CasellaDiTesto 14">
             <a:extLst>
               <a:ext uri="{FF2B5EF4-FFF2-40B4-BE49-F238E27FC236}">
-                <a16:creationId xmlns:a16="http://schemas.microsoft.com/office/drawing/2014/main" id="{0FA5EFC3-169A-4B11-BF0C-7BD04846D93B}"/>
+                <a16:creationId xmlns:a16="http://schemas.microsoft.com/office/drawing/2014/main" xmlns="" id="{0FA5EFC3-169A-4B11-BF0C-7BD04846D93B}"/>
               </a:ext>
             </a:extLst>
           </p:cNvPr>
@@ -18278,6 +20367,3119 @@
   <p:clrMapOvr>
     <a:masterClrMapping/>
   </p:clrMapOvr>
+  <p:timing>
+    <p:tnLst>
+      <p:par>
+        <p:cTn id="1" dur="indefinite" restart="never" nodeType="tmRoot"/>
+      </p:par>
+    </p:tnLst>
+  </p:timing>
+</p:sld>
+</file>
+
+<file path=ppt/slides/slide6.xml><?xml version="1.0" encoding="utf-8"?>
+<p:sld xmlns:a="http://schemas.openxmlformats.org/drawingml/2006/main" xmlns:r="http://schemas.openxmlformats.org/officeDocument/2006/relationships" xmlns:p="http://schemas.openxmlformats.org/presentationml/2006/main">
+  <p:cSld>
+    <p:spTree>
+      <p:nvGrpSpPr>
+        <p:cNvPr id="1" name=""/>
+        <p:cNvGrpSpPr/>
+        <p:nvPr/>
+      </p:nvGrpSpPr>
+      <p:grpSpPr>
+        <a:xfrm>
+          <a:off x="0" y="0"/>
+          <a:ext cx="0" cy="0"/>
+          <a:chOff x="0" y="0"/>
+          <a:chExt cx="0" cy="0"/>
+        </a:xfrm>
+      </p:grpSpPr>
+      <p:sp>
+        <p:nvSpPr>
+          <p:cNvPr id="5" name="Title 3">
+            <a:extLst>
+              <a:ext uri="{FF2B5EF4-FFF2-40B4-BE49-F238E27FC236}">
+                <a16:creationId xmlns:a16="http://schemas.microsoft.com/office/drawing/2014/main" xmlns="" id="{096E5434-7A74-4C64-89EF-6B1922B7AB16}"/>
+              </a:ext>
+            </a:extLst>
+          </p:cNvPr>
+          <p:cNvSpPr>
+            <a:spLocks noGrp="1"/>
+          </p:cNvSpPr>
+          <p:nvPr>
+            <p:ph type="title"/>
+          </p:nvPr>
+        </p:nvSpPr>
+        <p:spPr>
+          <a:xfrm>
+            <a:off x="0" y="21787"/>
+            <a:ext cx="9144000" cy="1069514"/>
+          </a:xfrm>
+        </p:spPr>
+        <p:txBody>
+          <a:bodyPr>
+            <a:scene3d>
+              <a:camera prst="orthographicFront"/>
+              <a:lightRig rig="threePt" dir="t"/>
+            </a:scene3d>
+            <a:sp3d extrusionH="57150">
+              <a:bevelT w="82550" h="38100" prst="coolSlant"/>
+            </a:sp3d>
+          </a:bodyPr>
+          <a:lstStyle/>
+          <a:p>
+            <a:pPr algn="ctr"/>
+            <a:r>
+              <a:rPr lang="en-US" altLang="ko-KR" dirty="0">
+                <a:solidFill>
+                  <a:schemeClr val="accent5">
+                    <a:lumMod val="75000"/>
+                  </a:schemeClr>
+                </a:solidFill>
+              </a:rPr>
+              <a:t>Introduzione</a:t>
+            </a:r>
+            <a:endParaRPr lang="ko-KR" altLang="en-US" dirty="0">
+              <a:solidFill>
+                <a:schemeClr val="accent5">
+                  <a:lumMod val="75000"/>
+                </a:schemeClr>
+              </a:solidFill>
+            </a:endParaRPr>
+          </a:p>
+        </p:txBody>
+      </p:sp>
+      <p:sp>
+        <p:nvSpPr>
+          <p:cNvPr id="6" name="CasellaDiTesto 5">
+            <a:extLst>
+              <a:ext uri="{FF2B5EF4-FFF2-40B4-BE49-F238E27FC236}">
+                <a16:creationId xmlns:a16="http://schemas.microsoft.com/office/drawing/2014/main" xmlns="" id="{DECCD907-1491-4E0C-9EB6-42C0FED72813}"/>
+              </a:ext>
+            </a:extLst>
+          </p:cNvPr>
+          <p:cNvSpPr txBox="1"/>
+          <p:nvPr/>
+        </p:nvSpPr>
+        <p:spPr>
+          <a:xfrm>
+            <a:off x="1835696" y="1412776"/>
+            <a:ext cx="5714193" cy="400110"/>
+          </a:xfrm>
+          <a:prstGeom prst="rect">
+            <a:avLst/>
+          </a:prstGeom>
+          <a:noFill/>
+        </p:spPr>
+        <p:txBody>
+          <a:bodyPr wrap="none" rtlCol="0">
+            <a:spAutoFit/>
+          </a:bodyPr>
+          <a:lstStyle/>
+          <a:p>
+            <a:r>
+              <a:rPr lang="it-IT" sz="2000" dirty="0">
+                <a:latin typeface="Calibri" panose="020F0502020204030204" pitchFamily="34" charset="0"/>
+                <a:cs typeface="Calibri" panose="020F0502020204030204" pitchFamily="34" charset="0"/>
+              </a:rPr>
+              <a:t>Come appaiono gli </a:t>
+            </a:r>
+            <a:r>
+              <a:rPr lang="it-IT" sz="2000" b="1" i="1" dirty="0">
+                <a:solidFill>
+                  <a:schemeClr val="accent2"/>
+                </a:solidFill>
+                <a:latin typeface="Calibri" panose="020F0502020204030204" pitchFamily="34" charset="0"/>
+                <a:cs typeface="Calibri" panose="020F0502020204030204" pitchFamily="34" charset="0"/>
+              </a:rPr>
+              <a:t>endorsement </a:t>
+            </a:r>
+            <a:r>
+              <a:rPr lang="it-IT" sz="2000" b="1" i="1" dirty="0" err="1">
+                <a:solidFill>
+                  <a:schemeClr val="accent2"/>
+                </a:solidFill>
+                <a:latin typeface="Calibri" panose="020F0502020204030204" pitchFamily="34" charset="0"/>
+                <a:cs typeface="Calibri" panose="020F0502020204030204" pitchFamily="34" charset="0"/>
+              </a:rPr>
+              <a:t>graph</a:t>
+            </a:r>
+            <a:r>
+              <a:rPr lang="it-IT" sz="2000" b="1" i="1" dirty="0">
+                <a:solidFill>
+                  <a:schemeClr val="accent2"/>
+                </a:solidFill>
+                <a:latin typeface="Calibri" panose="020F0502020204030204" pitchFamily="34" charset="0"/>
+                <a:cs typeface="Calibri" panose="020F0502020204030204" pitchFamily="34" charset="0"/>
+              </a:rPr>
+              <a:t> </a:t>
+            </a:r>
+            <a:r>
+              <a:rPr lang="it-IT" sz="2000" dirty="0">
+                <a:latin typeface="Calibri" panose="020F0502020204030204" pitchFamily="34" charset="0"/>
+                <a:cs typeface="Calibri" panose="020F0502020204030204" pitchFamily="34" charset="0"/>
+              </a:rPr>
+              <a:t>di </a:t>
+            </a:r>
+            <a:r>
+              <a:rPr lang="it-IT" sz="2000" b="1" dirty="0">
+                <a:solidFill>
+                  <a:schemeClr val="accent1"/>
+                </a:solidFill>
+                <a:latin typeface="Calibri" panose="020F0502020204030204" pitchFamily="34" charset="0"/>
+                <a:cs typeface="Calibri" panose="020F0502020204030204" pitchFamily="34" charset="0"/>
+              </a:rPr>
+              <a:t>TWITTER…</a:t>
+            </a:r>
+          </a:p>
+        </p:txBody>
+      </p:sp>
+      <p:pic>
+        <p:nvPicPr>
+          <p:cNvPr id="1026" name="Picture 2" descr="Immagine correlata">
+            <a:extLst>
+              <a:ext uri="{FF2B5EF4-FFF2-40B4-BE49-F238E27FC236}">
+                <a16:creationId xmlns:a16="http://schemas.microsoft.com/office/drawing/2014/main" xmlns="" id="{4DEEC977-158D-4FF8-A634-FED5C0A1F149}"/>
+              </a:ext>
+            </a:extLst>
+          </p:cNvPr>
+          <p:cNvPicPr>
+            <a:picLocks noChangeAspect="1" noChangeArrowheads="1"/>
+          </p:cNvPicPr>
+          <p:nvPr/>
+        </p:nvPicPr>
+        <p:blipFill>
+          <a:blip r:embed="rId2">
+            <a:extLst>
+              <a:ext uri="{28A0092B-C50C-407E-A947-70E740481C1C}">
+                <a14:useLocalDpi xmlns:a14="http://schemas.microsoft.com/office/drawing/2010/main" val="0"/>
+              </a:ext>
+            </a:extLst>
+          </a:blip>
+          <a:srcRect/>
+          <a:stretch>
+            <a:fillRect/>
+          </a:stretch>
+        </p:blipFill>
+        <p:spPr bwMode="auto">
+          <a:xfrm>
+            <a:off x="2483768" y="1820098"/>
+            <a:ext cx="5328591" cy="3878335"/>
+          </a:xfrm>
+          <a:prstGeom prst="rect">
+            <a:avLst/>
+          </a:prstGeom>
+          <a:noFill/>
+          <a:extLst>
+            <a:ext uri="{909E8E84-426E-40DD-AFC4-6F175D3DCCD1}">
+              <a14:hiddenFill xmlns:a14="http://schemas.microsoft.com/office/drawing/2010/main">
+                <a:solidFill>
+                  <a:srgbClr val="FFFFFF"/>
+                </a:solidFill>
+              </a14:hiddenFill>
+            </a:ext>
+          </a:extLst>
+        </p:spPr>
+      </p:pic>
+      <p:sp>
+        <p:nvSpPr>
+          <p:cNvPr id="8" name="CasellaDiTesto 7">
+            <a:extLst>
+              <a:ext uri="{FF2B5EF4-FFF2-40B4-BE49-F238E27FC236}">
+                <a16:creationId xmlns:a16="http://schemas.microsoft.com/office/drawing/2014/main" xmlns="" id="{422B22D0-A925-4E81-8629-21C4219E2051}"/>
+              </a:ext>
+            </a:extLst>
+          </p:cNvPr>
+          <p:cNvSpPr txBox="1"/>
+          <p:nvPr/>
+        </p:nvSpPr>
+        <p:spPr>
+          <a:xfrm>
+            <a:off x="1835696" y="5698433"/>
+            <a:ext cx="4118948" cy="400110"/>
+          </a:xfrm>
+          <a:prstGeom prst="rect">
+            <a:avLst/>
+          </a:prstGeom>
+          <a:noFill/>
+        </p:spPr>
+        <p:txBody>
+          <a:bodyPr wrap="none" rtlCol="0">
+            <a:spAutoFit/>
+          </a:bodyPr>
+          <a:lstStyle/>
+          <a:p>
+            <a:r>
+              <a:rPr lang="it-IT" sz="2000" dirty="0">
+                <a:latin typeface="Calibri" panose="020F0502020204030204" pitchFamily="34" charset="0"/>
+                <a:cs typeface="Calibri" panose="020F0502020204030204" pitchFamily="34" charset="0"/>
+              </a:rPr>
+              <a:t>…nel caso di </a:t>
+            </a:r>
+            <a:r>
+              <a:rPr lang="it-IT" sz="2000" b="1" i="1" dirty="0" err="1">
+                <a:latin typeface="Calibri" panose="020F0502020204030204" pitchFamily="34" charset="0"/>
+                <a:cs typeface="Calibri" panose="020F0502020204030204" pitchFamily="34" charset="0"/>
+              </a:rPr>
+              <a:t>hashtags</a:t>
+            </a:r>
+            <a:r>
+              <a:rPr lang="it-IT" sz="2000" dirty="0">
+                <a:latin typeface="Calibri" panose="020F0502020204030204" pitchFamily="34" charset="0"/>
+                <a:cs typeface="Calibri" panose="020F0502020204030204" pitchFamily="34" charset="0"/>
+              </a:rPr>
+              <a:t> </a:t>
+            </a:r>
+            <a:r>
+              <a:rPr lang="it-IT" sz="2000" b="1" dirty="0">
+                <a:solidFill>
+                  <a:schemeClr val="accent2"/>
+                </a:solidFill>
+                <a:latin typeface="Calibri" panose="020F0502020204030204" pitchFamily="34" charset="0"/>
+                <a:cs typeface="Calibri" panose="020F0502020204030204" pitchFamily="34" charset="0"/>
+              </a:rPr>
+              <a:t>CONTROVERSI</a:t>
+            </a:r>
+            <a:r>
+              <a:rPr lang="it-IT" sz="2000" dirty="0">
+                <a:latin typeface="Calibri" panose="020F0502020204030204" pitchFamily="34" charset="0"/>
+                <a:cs typeface="Calibri" panose="020F0502020204030204" pitchFamily="34" charset="0"/>
+              </a:rPr>
+              <a:t>.</a:t>
+            </a:r>
+            <a:endParaRPr lang="it-IT" sz="2000" b="1" dirty="0">
+              <a:solidFill>
+                <a:schemeClr val="accent1"/>
+              </a:solidFill>
+              <a:latin typeface="Calibri" panose="020F0502020204030204" pitchFamily="34" charset="0"/>
+              <a:cs typeface="Calibri" panose="020F0502020204030204" pitchFamily="34" charset="0"/>
+            </a:endParaRPr>
+          </a:p>
+        </p:txBody>
+      </p:sp>
+      <p:cxnSp>
+        <p:nvCxnSpPr>
+          <p:cNvPr id="9" name="Connettore 2 8">
+            <a:extLst>
+              <a:ext uri="{FF2B5EF4-FFF2-40B4-BE49-F238E27FC236}">
+                <a16:creationId xmlns:a16="http://schemas.microsoft.com/office/drawing/2014/main" xmlns="" id="{B3EBC103-C224-4D98-B09E-EF0B1BD22D62}"/>
+              </a:ext>
+            </a:extLst>
+          </p:cNvPr>
+          <p:cNvCxnSpPr>
+            <a:cxnSpLocks/>
+            <a:endCxn id="10" idx="0"/>
+          </p:cNvCxnSpPr>
+          <p:nvPr/>
+        </p:nvCxnSpPr>
+        <p:spPr>
+          <a:xfrm flipH="1">
+            <a:off x="2051720" y="3933056"/>
+            <a:ext cx="1080120" cy="432047"/>
+          </a:xfrm>
+          <a:prstGeom prst="straightConnector1">
+            <a:avLst/>
+          </a:prstGeom>
+          <a:ln>
+            <a:tailEnd type="triangle"/>
+          </a:ln>
+        </p:spPr>
+        <p:style>
+          <a:lnRef idx="1">
+            <a:schemeClr val="accent1"/>
+          </a:lnRef>
+          <a:fillRef idx="0">
+            <a:schemeClr val="accent1"/>
+          </a:fillRef>
+          <a:effectRef idx="0">
+            <a:schemeClr val="accent1"/>
+          </a:effectRef>
+          <a:fontRef idx="minor">
+            <a:schemeClr val="tx1"/>
+          </a:fontRef>
+        </p:style>
+      </p:cxnSp>
+      <p:sp>
+        <p:nvSpPr>
+          <p:cNvPr id="10" name="Rettangolo 9">
+            <a:extLst>
+              <a:ext uri="{FF2B5EF4-FFF2-40B4-BE49-F238E27FC236}">
+                <a16:creationId xmlns:a16="http://schemas.microsoft.com/office/drawing/2014/main" xmlns="" id="{197F89FE-FC4A-44AD-9080-7EB17BA3B63C}"/>
+              </a:ext>
+            </a:extLst>
+          </p:cNvPr>
+          <p:cNvSpPr/>
+          <p:nvPr/>
+        </p:nvSpPr>
+        <p:spPr>
+          <a:xfrm>
+            <a:off x="1187624" y="4365103"/>
+            <a:ext cx="1728192" cy="680011"/>
+          </a:xfrm>
+          <a:prstGeom prst="rect">
+            <a:avLst/>
+          </a:prstGeom>
+          <a:gradFill flip="none" rotWithShape="1">
+            <a:gsLst>
+              <a:gs pos="0">
+                <a:schemeClr val="accent1">
+                  <a:tint val="66000"/>
+                  <a:satMod val="160000"/>
+                </a:schemeClr>
+              </a:gs>
+              <a:gs pos="50000">
+                <a:schemeClr val="accent1">
+                  <a:tint val="44500"/>
+                  <a:satMod val="160000"/>
+                </a:schemeClr>
+              </a:gs>
+              <a:gs pos="100000">
+                <a:schemeClr val="accent1">
+                  <a:tint val="23500"/>
+                  <a:satMod val="160000"/>
+                </a:schemeClr>
+              </a:gs>
+            </a:gsLst>
+            <a:path path="circle">
+              <a:fillToRect t="100000" r="100000"/>
+            </a:path>
+            <a:tileRect l="-100000" b="-100000"/>
+          </a:gradFill>
+        </p:spPr>
+        <p:style>
+          <a:lnRef idx="2">
+            <a:schemeClr val="accent1">
+              <a:shade val="50000"/>
+            </a:schemeClr>
+          </a:lnRef>
+          <a:fillRef idx="1">
+            <a:schemeClr val="accent1"/>
+          </a:fillRef>
+          <a:effectRef idx="0">
+            <a:schemeClr val="accent1"/>
+          </a:effectRef>
+          <a:fontRef idx="minor">
+            <a:schemeClr val="lt1"/>
+          </a:fontRef>
+        </p:style>
+        <p:txBody>
+          <a:bodyPr rtlCol="0" anchor="ctr"/>
+          <a:lstStyle/>
+          <a:p>
+            <a:pPr algn="ctr"/>
+            <a:r>
+              <a:rPr lang="it-IT" b="1" dirty="0" err="1">
+                <a:solidFill>
+                  <a:schemeClr val="tx2"/>
+                </a:solidFill>
+                <a:latin typeface="Calibri" panose="020F0502020204030204" pitchFamily="34" charset="0"/>
+                <a:cs typeface="Calibri" panose="020F0502020204030204" pitchFamily="34" charset="0"/>
+              </a:rPr>
+              <a:t>Echo-chamber</a:t>
+            </a:r>
+            <a:r>
+              <a:rPr lang="it-IT" b="1" dirty="0">
+                <a:solidFill>
+                  <a:schemeClr val="tx2"/>
+                </a:solidFill>
+                <a:latin typeface="Calibri" panose="020F0502020204030204" pitchFamily="34" charset="0"/>
+                <a:cs typeface="Calibri" panose="020F0502020204030204" pitchFamily="34" charset="0"/>
+              </a:rPr>
+              <a:t> A</a:t>
+            </a:r>
+          </a:p>
+        </p:txBody>
+      </p:sp>
+      <p:sp>
+        <p:nvSpPr>
+          <p:cNvPr id="15" name="Rettangolo 14">
+            <a:extLst>
+              <a:ext uri="{FF2B5EF4-FFF2-40B4-BE49-F238E27FC236}">
+                <a16:creationId xmlns:a16="http://schemas.microsoft.com/office/drawing/2014/main" xmlns="" id="{6434515A-0CE7-46E1-9E5D-42505E037869}"/>
+              </a:ext>
+            </a:extLst>
+          </p:cNvPr>
+          <p:cNvSpPr/>
+          <p:nvPr/>
+        </p:nvSpPr>
+        <p:spPr>
+          <a:xfrm>
+            <a:off x="7236296" y="4365103"/>
+            <a:ext cx="1728192" cy="680011"/>
+          </a:xfrm>
+          <a:prstGeom prst="rect">
+            <a:avLst/>
+          </a:prstGeom>
+          <a:gradFill flip="none" rotWithShape="1">
+            <a:gsLst>
+              <a:gs pos="0">
+                <a:schemeClr val="accent2">
+                  <a:tint val="66000"/>
+                  <a:satMod val="160000"/>
+                </a:schemeClr>
+              </a:gs>
+              <a:gs pos="50000">
+                <a:schemeClr val="accent2">
+                  <a:tint val="44500"/>
+                  <a:satMod val="160000"/>
+                </a:schemeClr>
+              </a:gs>
+              <a:gs pos="100000">
+                <a:schemeClr val="accent2">
+                  <a:tint val="23500"/>
+                  <a:satMod val="160000"/>
+                </a:schemeClr>
+              </a:gs>
+            </a:gsLst>
+            <a:path path="circle">
+              <a:fillToRect t="100000" r="100000"/>
+            </a:path>
+            <a:tileRect l="-100000" b="-100000"/>
+          </a:gradFill>
+          <a:ln>
+            <a:solidFill>
+              <a:schemeClr val="accent2"/>
+            </a:solidFill>
+          </a:ln>
+        </p:spPr>
+        <p:style>
+          <a:lnRef idx="2">
+            <a:schemeClr val="accent1">
+              <a:shade val="50000"/>
+            </a:schemeClr>
+          </a:lnRef>
+          <a:fillRef idx="1">
+            <a:schemeClr val="accent1"/>
+          </a:fillRef>
+          <a:effectRef idx="0">
+            <a:schemeClr val="accent1"/>
+          </a:effectRef>
+          <a:fontRef idx="minor">
+            <a:schemeClr val="lt1"/>
+          </a:fontRef>
+        </p:style>
+        <p:txBody>
+          <a:bodyPr rtlCol="0" anchor="ctr"/>
+          <a:lstStyle/>
+          <a:p>
+            <a:pPr algn="ctr"/>
+            <a:r>
+              <a:rPr lang="it-IT" b="1" dirty="0" err="1">
+                <a:solidFill>
+                  <a:schemeClr val="accent2"/>
+                </a:solidFill>
+                <a:latin typeface="Calibri" panose="020F0502020204030204" pitchFamily="34" charset="0"/>
+                <a:cs typeface="Calibri" panose="020F0502020204030204" pitchFamily="34" charset="0"/>
+              </a:rPr>
+              <a:t>Echo-chamber</a:t>
+            </a:r>
+            <a:r>
+              <a:rPr lang="it-IT" b="1" dirty="0">
+                <a:solidFill>
+                  <a:schemeClr val="accent2"/>
+                </a:solidFill>
+                <a:latin typeface="Calibri" panose="020F0502020204030204" pitchFamily="34" charset="0"/>
+                <a:cs typeface="Calibri" panose="020F0502020204030204" pitchFamily="34" charset="0"/>
+              </a:rPr>
+              <a:t> B</a:t>
+            </a:r>
+          </a:p>
+        </p:txBody>
+      </p:sp>
+      <p:cxnSp>
+        <p:nvCxnSpPr>
+          <p:cNvPr id="17" name="Connettore 2 16">
+            <a:extLst>
+              <a:ext uri="{FF2B5EF4-FFF2-40B4-BE49-F238E27FC236}">
+                <a16:creationId xmlns:a16="http://schemas.microsoft.com/office/drawing/2014/main" xmlns="" id="{99BFB39E-1B50-4D9F-B143-7E9CC03FDDCB}"/>
+              </a:ext>
+            </a:extLst>
+          </p:cNvPr>
+          <p:cNvCxnSpPr>
+            <a:endCxn id="15" idx="0"/>
+          </p:cNvCxnSpPr>
+          <p:nvPr/>
+        </p:nvCxnSpPr>
+        <p:spPr>
+          <a:xfrm>
+            <a:off x="7236296" y="3933056"/>
+            <a:ext cx="864096" cy="432047"/>
+          </a:xfrm>
+          <a:prstGeom prst="straightConnector1">
+            <a:avLst/>
+          </a:prstGeom>
+          <a:ln>
+            <a:solidFill>
+              <a:schemeClr val="accent2"/>
+            </a:solidFill>
+            <a:tailEnd type="triangle"/>
+          </a:ln>
+        </p:spPr>
+        <p:style>
+          <a:lnRef idx="1">
+            <a:schemeClr val="accent1"/>
+          </a:lnRef>
+          <a:fillRef idx="0">
+            <a:schemeClr val="accent1"/>
+          </a:fillRef>
+          <a:effectRef idx="0">
+            <a:schemeClr val="accent1"/>
+          </a:effectRef>
+          <a:fontRef idx="minor">
+            <a:schemeClr val="tx1"/>
+          </a:fontRef>
+        </p:style>
+      </p:cxnSp>
+    </p:spTree>
+    <p:extLst>
+      <p:ext uri="{BB962C8B-B14F-4D97-AF65-F5344CB8AC3E}">
+        <p14:creationId xmlns:p14="http://schemas.microsoft.com/office/powerpoint/2010/main" val="1621291613"/>
+      </p:ext>
+    </p:extLst>
+  </p:cSld>
+  <p:clrMapOvr>
+    <a:masterClrMapping/>
+  </p:clrMapOvr>
+  <p:timing>
+    <p:tnLst>
+      <p:par>
+        <p:cTn id="1" dur="indefinite" restart="never" nodeType="tmRoot"/>
+      </p:par>
+    </p:tnLst>
+  </p:timing>
+</p:sld>
+</file>
+
+<file path=ppt/slides/slide7.xml><?xml version="1.0" encoding="utf-8"?>
+<p:sld xmlns:a="http://schemas.openxmlformats.org/drawingml/2006/main" xmlns:r="http://schemas.openxmlformats.org/officeDocument/2006/relationships" xmlns:p="http://schemas.openxmlformats.org/presentationml/2006/main">
+  <p:cSld>
+    <p:spTree>
+      <p:nvGrpSpPr>
+        <p:cNvPr id="1" name=""/>
+        <p:cNvGrpSpPr/>
+        <p:nvPr/>
+      </p:nvGrpSpPr>
+      <p:grpSpPr>
+        <a:xfrm>
+          <a:off x="0" y="0"/>
+          <a:ext cx="0" cy="0"/>
+          <a:chOff x="0" y="0"/>
+          <a:chExt cx="0" cy="0"/>
+        </a:xfrm>
+      </p:grpSpPr>
+      <p:sp>
+        <p:nvSpPr>
+          <p:cNvPr id="5" name="Title 3">
+            <a:extLst>
+              <a:ext uri="{FF2B5EF4-FFF2-40B4-BE49-F238E27FC236}">
+                <a16:creationId xmlns:a16="http://schemas.microsoft.com/office/drawing/2014/main" xmlns="" id="{F4F459AA-9D70-4285-920E-38B993241E77}"/>
+              </a:ext>
+            </a:extLst>
+          </p:cNvPr>
+          <p:cNvSpPr>
+            <a:spLocks noGrp="1"/>
+          </p:cNvSpPr>
+          <p:nvPr>
+            <p:ph type="title"/>
+          </p:nvPr>
+        </p:nvSpPr>
+        <p:spPr>
+          <a:xfrm>
+            <a:off x="0" y="21787"/>
+            <a:ext cx="9144000" cy="1069514"/>
+          </a:xfrm>
+        </p:spPr>
+        <p:txBody>
+          <a:bodyPr>
+            <a:scene3d>
+              <a:camera prst="orthographicFront"/>
+              <a:lightRig rig="threePt" dir="t"/>
+            </a:scene3d>
+            <a:sp3d extrusionH="57150">
+              <a:bevelT w="82550" h="38100" prst="coolSlant"/>
+            </a:sp3d>
+          </a:bodyPr>
+          <a:lstStyle/>
+          <a:p>
+            <a:pPr algn="ctr"/>
+            <a:r>
+              <a:rPr lang="en-US" altLang="ko-KR" dirty="0" err="1">
+                <a:solidFill>
+                  <a:schemeClr val="accent5">
+                    <a:lumMod val="75000"/>
+                  </a:schemeClr>
+                </a:solidFill>
+              </a:rPr>
+              <a:t>Definizione</a:t>
+            </a:r>
+            <a:r>
+              <a:rPr lang="en-US" altLang="ko-KR" dirty="0">
+                <a:solidFill>
+                  <a:schemeClr val="accent5">
+                    <a:lumMod val="75000"/>
+                  </a:schemeClr>
+                </a:solidFill>
+              </a:rPr>
+              <a:t> del </a:t>
+            </a:r>
+            <a:r>
+              <a:rPr lang="en-US" altLang="ko-KR" dirty="0" err="1">
+                <a:solidFill>
+                  <a:schemeClr val="accent5">
+                    <a:lumMod val="75000"/>
+                  </a:schemeClr>
+                </a:solidFill>
+              </a:rPr>
+              <a:t>problema</a:t>
+            </a:r>
+            <a:endParaRPr lang="ko-KR" altLang="en-US" dirty="0">
+              <a:solidFill>
+                <a:schemeClr val="accent5">
+                  <a:lumMod val="75000"/>
+                </a:schemeClr>
+              </a:solidFill>
+            </a:endParaRPr>
+          </a:p>
+        </p:txBody>
+      </p:sp>
+      <p:sp>
+        <p:nvSpPr>
+          <p:cNvPr id="6" name="Rettangolo 5">
+            <a:extLst>
+              <a:ext uri="{FF2B5EF4-FFF2-40B4-BE49-F238E27FC236}">
+                <a16:creationId xmlns:a16="http://schemas.microsoft.com/office/drawing/2014/main" xmlns="" id="{B2DAE42D-6981-4258-A997-350AEC1248D1}"/>
+              </a:ext>
+            </a:extLst>
+          </p:cNvPr>
+          <p:cNvSpPr/>
+          <p:nvPr/>
+        </p:nvSpPr>
+        <p:spPr>
+          <a:xfrm>
+            <a:off x="1763688" y="1484784"/>
+            <a:ext cx="7416824" cy="3046988"/>
+          </a:xfrm>
+          <a:prstGeom prst="rect">
+            <a:avLst/>
+          </a:prstGeom>
+        </p:spPr>
+        <p:txBody>
+          <a:bodyPr wrap="square">
+            <a:spAutoFit/>
+          </a:bodyPr>
+          <a:lstStyle/>
+          <a:p>
+            <a:pPr algn="just"/>
+            <a:r>
+              <a:rPr lang="it-IT" dirty="0">
+                <a:latin typeface="Calibri" panose="020F0502020204030204" pitchFamily="34" charset="0"/>
+                <a:cs typeface="Calibri" panose="020F0502020204030204" pitchFamily="34" charset="0"/>
+              </a:rPr>
+              <a:t>A seconda del </a:t>
+            </a:r>
+            <a:r>
+              <a:rPr lang="it-IT" b="1" dirty="0">
+                <a:latin typeface="Calibri" panose="020F0502020204030204" pitchFamily="34" charset="0"/>
+                <a:cs typeface="Calibri" panose="020F0502020204030204" pitchFamily="34" charset="0"/>
+              </a:rPr>
+              <a:t>numero di archi </a:t>
+            </a:r>
+            <a:r>
+              <a:rPr lang="it-IT" dirty="0">
+                <a:latin typeface="Calibri" panose="020F0502020204030204" pitchFamily="34" charset="0"/>
+                <a:cs typeface="Calibri" panose="020F0502020204030204" pitchFamily="34" charset="0"/>
+              </a:rPr>
+              <a:t>che collegano le due </a:t>
+            </a:r>
+            <a:r>
+              <a:rPr lang="it-IT" b="1" i="1" dirty="0" err="1">
+                <a:solidFill>
+                  <a:schemeClr val="accent2"/>
+                </a:solidFill>
+                <a:latin typeface="Calibri" panose="020F0502020204030204" pitchFamily="34" charset="0"/>
+                <a:cs typeface="Calibri" panose="020F0502020204030204" pitchFamily="34" charset="0"/>
+              </a:rPr>
+              <a:t>echo-chambers</a:t>
+            </a:r>
+            <a:r>
+              <a:rPr lang="it-IT" dirty="0">
+                <a:latin typeface="Calibri" panose="020F0502020204030204" pitchFamily="34" charset="0"/>
+                <a:cs typeface="Calibri" panose="020F0502020204030204" pitchFamily="34" charset="0"/>
+              </a:rPr>
+              <a:t>, </a:t>
+            </a:r>
+          </a:p>
+          <a:p>
+            <a:pPr algn="just"/>
+            <a:r>
+              <a:rPr lang="it-IT" dirty="0">
+                <a:latin typeface="Calibri" panose="020F0502020204030204" pitchFamily="34" charset="0"/>
+                <a:cs typeface="Calibri" panose="020F0502020204030204" pitchFamily="34" charset="0"/>
+              </a:rPr>
+              <a:t>l’argomento della discussione, descritta dall’</a:t>
+            </a:r>
+            <a:r>
+              <a:rPr lang="it-IT" b="1" i="1" dirty="0">
+                <a:solidFill>
+                  <a:schemeClr val="accent2"/>
+                </a:solidFill>
+                <a:latin typeface="Calibri" panose="020F0502020204030204" pitchFamily="34" charset="0"/>
+                <a:cs typeface="Calibri" panose="020F0502020204030204" pitchFamily="34" charset="0"/>
+              </a:rPr>
+              <a:t>endorsement </a:t>
+            </a:r>
+            <a:r>
+              <a:rPr lang="it-IT" b="1" i="1" dirty="0" err="1">
+                <a:solidFill>
+                  <a:schemeClr val="accent2"/>
+                </a:solidFill>
+                <a:latin typeface="Calibri" panose="020F0502020204030204" pitchFamily="34" charset="0"/>
+                <a:cs typeface="Calibri" panose="020F0502020204030204" pitchFamily="34" charset="0"/>
+              </a:rPr>
+              <a:t>graph</a:t>
+            </a:r>
+            <a:r>
+              <a:rPr lang="it-IT" dirty="0">
+                <a:latin typeface="Calibri" panose="020F0502020204030204" pitchFamily="34" charset="0"/>
+                <a:cs typeface="Calibri" panose="020F0502020204030204" pitchFamily="34" charset="0"/>
+              </a:rPr>
+              <a:t>, risulta</a:t>
+            </a:r>
+          </a:p>
+          <a:p>
+            <a:pPr algn="just"/>
+            <a:r>
+              <a:rPr lang="it-IT" dirty="0">
+                <a:latin typeface="Calibri" panose="020F0502020204030204" pitchFamily="34" charset="0"/>
+                <a:cs typeface="Calibri" panose="020F0502020204030204" pitchFamily="34" charset="0"/>
+              </a:rPr>
+              <a:t>essere più o meno </a:t>
+            </a:r>
+            <a:r>
+              <a:rPr lang="it-IT" b="1" dirty="0">
+                <a:latin typeface="Calibri" panose="020F0502020204030204" pitchFamily="34" charset="0"/>
+                <a:cs typeface="Calibri" panose="020F0502020204030204" pitchFamily="34" charset="0"/>
+              </a:rPr>
+              <a:t>controverso</a:t>
+            </a:r>
+            <a:r>
+              <a:rPr lang="it-IT" i="1" dirty="0">
+                <a:latin typeface="Calibri" panose="020F0502020204030204" pitchFamily="34" charset="0"/>
+                <a:cs typeface="Calibri" panose="020F0502020204030204" pitchFamily="34" charset="0"/>
+              </a:rPr>
+              <a:t>.</a:t>
+            </a:r>
+          </a:p>
+          <a:p>
+            <a:pPr algn="just"/>
+            <a:endParaRPr lang="it-IT" i="1" dirty="0">
+              <a:latin typeface="Calibri" panose="020F0502020204030204" pitchFamily="34" charset="0"/>
+              <a:cs typeface="Calibri" panose="020F0502020204030204" pitchFamily="34" charset="0"/>
+            </a:endParaRPr>
+          </a:p>
+          <a:p>
+            <a:r>
+              <a:rPr lang="it-IT" dirty="0">
+                <a:latin typeface="Calibri" panose="020F0502020204030204" pitchFamily="34" charset="0"/>
+                <a:cs typeface="Calibri" panose="020F0502020204030204" pitchFamily="34" charset="0"/>
+              </a:rPr>
+              <a:t>Per misurare il </a:t>
+            </a:r>
+            <a:r>
+              <a:rPr lang="it-IT" b="1" dirty="0">
+                <a:latin typeface="Calibri" panose="020F0502020204030204" pitchFamily="34" charset="0"/>
+                <a:cs typeface="Calibri" panose="020F0502020204030204" pitchFamily="34" charset="0"/>
+              </a:rPr>
+              <a:t>grado di controversia</a:t>
+            </a:r>
+            <a:r>
+              <a:rPr lang="it-IT" i="1" dirty="0">
+                <a:latin typeface="Calibri" panose="020F0502020204030204" pitchFamily="34" charset="0"/>
+                <a:cs typeface="Calibri" panose="020F0502020204030204" pitchFamily="34" charset="0"/>
+              </a:rPr>
+              <a:t> </a:t>
+            </a:r>
+            <a:r>
+              <a:rPr lang="it-IT" dirty="0">
+                <a:latin typeface="Calibri" panose="020F0502020204030204" pitchFamily="34" charset="0"/>
+                <a:cs typeface="Calibri" panose="020F0502020204030204" pitchFamily="34" charset="0"/>
+              </a:rPr>
+              <a:t>della rete, viene utilizzata la funzione </a:t>
+            </a:r>
+          </a:p>
+          <a:p>
+            <a:r>
+              <a:rPr lang="it-IT" sz="2000" b="1" i="1" dirty="0">
+                <a:solidFill>
+                  <a:srgbClr val="00B050"/>
+                </a:solidFill>
+                <a:latin typeface="Calibri" panose="020F0502020204030204" pitchFamily="34" charset="0"/>
+                <a:cs typeface="Calibri" panose="020F0502020204030204" pitchFamily="34" charset="0"/>
+              </a:rPr>
+              <a:t>Random-</a:t>
+            </a:r>
+            <a:r>
+              <a:rPr lang="it-IT" sz="2000" b="1" i="1" dirty="0" err="1">
+                <a:solidFill>
+                  <a:srgbClr val="00B050"/>
+                </a:solidFill>
+                <a:latin typeface="Calibri" panose="020F0502020204030204" pitchFamily="34" charset="0"/>
+                <a:cs typeface="Calibri" panose="020F0502020204030204" pitchFamily="34" charset="0"/>
+              </a:rPr>
+              <a:t>walk</a:t>
+            </a:r>
+            <a:r>
+              <a:rPr lang="it-IT" sz="2000" b="1" i="1" dirty="0">
+                <a:solidFill>
+                  <a:srgbClr val="00B050"/>
+                </a:solidFill>
+                <a:latin typeface="Calibri" panose="020F0502020204030204" pitchFamily="34" charset="0"/>
+                <a:cs typeface="Calibri" panose="020F0502020204030204" pitchFamily="34" charset="0"/>
+              </a:rPr>
+              <a:t> </a:t>
+            </a:r>
+            <a:r>
+              <a:rPr lang="it-IT" sz="2000" b="1" i="1" dirty="0" err="1">
+                <a:solidFill>
+                  <a:srgbClr val="00B050"/>
+                </a:solidFill>
+                <a:latin typeface="Calibri" panose="020F0502020204030204" pitchFamily="34" charset="0"/>
+                <a:cs typeface="Calibri" panose="020F0502020204030204" pitchFamily="34" charset="0"/>
+              </a:rPr>
+              <a:t>controversy</a:t>
+            </a:r>
+            <a:r>
+              <a:rPr lang="it-IT" i="1" dirty="0">
+                <a:latin typeface="Calibri" panose="020F0502020204030204" pitchFamily="34" charset="0"/>
+                <a:cs typeface="Calibri" panose="020F0502020204030204" pitchFamily="34" charset="0"/>
+              </a:rPr>
+              <a:t> </a:t>
+            </a:r>
+            <a:r>
+              <a:rPr lang="it-IT" sz="2000" b="1" i="1" dirty="0">
+                <a:solidFill>
+                  <a:srgbClr val="00B050"/>
+                </a:solidFill>
+                <a:latin typeface="Calibri" panose="020F0502020204030204" pitchFamily="34" charset="0"/>
+                <a:cs typeface="Calibri" panose="020F0502020204030204" pitchFamily="34" charset="0"/>
+              </a:rPr>
+              <a:t>score</a:t>
+            </a:r>
+            <a:r>
+              <a:rPr lang="it-IT" dirty="0">
+                <a:latin typeface="Calibri" panose="020F0502020204030204" pitchFamily="34" charset="0"/>
+                <a:cs typeface="Calibri" panose="020F0502020204030204" pitchFamily="34" charset="0"/>
+              </a:rPr>
+              <a:t>:</a:t>
+            </a:r>
+          </a:p>
+          <a:p>
+            <a:endParaRPr lang="it-IT" dirty="0">
+              <a:latin typeface="Calibri" panose="020F0502020204030204" pitchFamily="34" charset="0"/>
+              <a:cs typeface="Calibri" panose="020F0502020204030204" pitchFamily="34" charset="0"/>
+            </a:endParaRPr>
+          </a:p>
+          <a:p>
+            <a:endParaRPr lang="it-IT" dirty="0">
+              <a:latin typeface="Calibri" panose="020F0502020204030204" pitchFamily="34" charset="0"/>
+              <a:cs typeface="Calibri" panose="020F0502020204030204" pitchFamily="34" charset="0"/>
+            </a:endParaRPr>
+          </a:p>
+          <a:p>
+            <a:endParaRPr lang="it-IT" dirty="0">
+              <a:latin typeface="Calibri" panose="020F0502020204030204" pitchFamily="34" charset="0"/>
+              <a:cs typeface="Calibri" panose="020F0502020204030204" pitchFamily="34" charset="0"/>
+            </a:endParaRPr>
+          </a:p>
+          <a:p>
+            <a:pPr algn="ctr"/>
+            <a:r>
+              <a:rPr lang="fr-FR" sz="2400" dirty="0">
+                <a:latin typeface="Calibri" panose="020F0502020204030204" pitchFamily="34" charset="0"/>
+                <a:cs typeface="Calibri" panose="020F0502020204030204" pitchFamily="34" charset="0"/>
+              </a:rPr>
+              <a:t>RWC(G,X,Y) = (c</a:t>
+            </a:r>
+            <a:r>
+              <a:rPr lang="fr-FR" sz="2400" baseline="-25000" dirty="0">
+                <a:latin typeface="Calibri" panose="020F0502020204030204" pitchFamily="34" charset="0"/>
+                <a:cs typeface="Calibri" panose="020F0502020204030204" pitchFamily="34" charset="0"/>
+              </a:rPr>
+              <a:t>x</a:t>
+            </a:r>
+            <a:r>
+              <a:rPr lang="fr-FR" sz="2400" dirty="0">
+                <a:latin typeface="Calibri" panose="020F0502020204030204" pitchFamily="34" charset="0"/>
+                <a:cs typeface="Calibri" panose="020F0502020204030204" pitchFamily="34" charset="0"/>
+              </a:rPr>
+              <a:t> - </a:t>
+            </a:r>
+            <a:r>
+              <a:rPr lang="fr-FR" sz="2400" dirty="0" err="1">
+                <a:latin typeface="Calibri" panose="020F0502020204030204" pitchFamily="34" charset="0"/>
+                <a:cs typeface="Calibri" panose="020F0502020204030204" pitchFamily="34" charset="0"/>
+              </a:rPr>
+              <a:t>c</a:t>
+            </a:r>
+            <a:r>
+              <a:rPr lang="fr-FR" sz="2400" baseline="-25000" dirty="0" err="1">
+                <a:latin typeface="Calibri" panose="020F0502020204030204" pitchFamily="34" charset="0"/>
+                <a:cs typeface="Calibri" panose="020F0502020204030204" pitchFamily="34" charset="0"/>
+              </a:rPr>
+              <a:t>y</a:t>
+            </a:r>
+            <a:r>
+              <a:rPr lang="fr-FR" sz="2400" dirty="0">
+                <a:latin typeface="Calibri" panose="020F0502020204030204" pitchFamily="34" charset="0"/>
+                <a:cs typeface="Calibri" panose="020F0502020204030204" pitchFamily="34" charset="0"/>
+              </a:rPr>
+              <a:t>)</a:t>
+            </a:r>
+            <a:r>
+              <a:rPr lang="fr-FR" sz="2400" baseline="30000" dirty="0">
+                <a:latin typeface="Calibri" panose="020F0502020204030204" pitchFamily="34" charset="0"/>
+                <a:cs typeface="Calibri" panose="020F0502020204030204" pitchFamily="34" charset="0"/>
+              </a:rPr>
+              <a:t>T</a:t>
+            </a:r>
+            <a:r>
+              <a:rPr lang="fr-FR" sz="2400" dirty="0">
+                <a:latin typeface="Calibri" panose="020F0502020204030204" pitchFamily="34" charset="0"/>
+                <a:cs typeface="Calibri" panose="020F0502020204030204" pitchFamily="34" charset="0"/>
+              </a:rPr>
+              <a:t>(</a:t>
+            </a:r>
+            <a:r>
+              <a:rPr lang="fr-FR" sz="2400" dirty="0" err="1">
+                <a:latin typeface="Calibri" panose="020F0502020204030204" pitchFamily="34" charset="0"/>
+                <a:cs typeface="Calibri" panose="020F0502020204030204" pitchFamily="34" charset="0"/>
+              </a:rPr>
+              <a:t>r</a:t>
+            </a:r>
+            <a:r>
+              <a:rPr lang="fr-FR" sz="2400" baseline="-25000" dirty="0" err="1">
+                <a:latin typeface="Calibri" panose="020F0502020204030204" pitchFamily="34" charset="0"/>
+                <a:cs typeface="Calibri" panose="020F0502020204030204" pitchFamily="34" charset="0"/>
+              </a:rPr>
+              <a:t>x</a:t>
+            </a:r>
+            <a:r>
+              <a:rPr lang="fr-FR" sz="2400" dirty="0">
+                <a:latin typeface="Calibri" panose="020F0502020204030204" pitchFamily="34" charset="0"/>
+                <a:cs typeface="Calibri" panose="020F0502020204030204" pitchFamily="34" charset="0"/>
+              </a:rPr>
+              <a:t> - </a:t>
+            </a:r>
+            <a:r>
+              <a:rPr lang="fr-FR" sz="2400" dirty="0" err="1">
+                <a:latin typeface="Calibri" panose="020F0502020204030204" pitchFamily="34" charset="0"/>
+                <a:cs typeface="Calibri" panose="020F0502020204030204" pitchFamily="34" charset="0"/>
+              </a:rPr>
+              <a:t>r</a:t>
+            </a:r>
+            <a:r>
+              <a:rPr lang="fr-FR" sz="2400" baseline="-25000" dirty="0" err="1">
+                <a:latin typeface="Calibri" panose="020F0502020204030204" pitchFamily="34" charset="0"/>
+                <a:cs typeface="Calibri" panose="020F0502020204030204" pitchFamily="34" charset="0"/>
+              </a:rPr>
+              <a:t>y</a:t>
+            </a:r>
+            <a:r>
+              <a:rPr lang="fr-FR" sz="2400" dirty="0">
+                <a:latin typeface="Calibri" panose="020F0502020204030204" pitchFamily="34" charset="0"/>
+                <a:cs typeface="Calibri" panose="020F0502020204030204" pitchFamily="34" charset="0"/>
+              </a:rPr>
+              <a:t>)</a:t>
+            </a:r>
+            <a:endParaRPr lang="it-IT" sz="2400" dirty="0">
+              <a:latin typeface="Calibri" panose="020F0502020204030204" pitchFamily="34" charset="0"/>
+              <a:cs typeface="Calibri" panose="020F0502020204030204" pitchFamily="34" charset="0"/>
+            </a:endParaRPr>
+          </a:p>
+        </p:txBody>
+      </p:sp>
+      <p:sp>
+        <p:nvSpPr>
+          <p:cNvPr id="8" name="CasellaDiTesto 7">
+            <a:extLst>
+              <a:ext uri="{FF2B5EF4-FFF2-40B4-BE49-F238E27FC236}">
+                <a16:creationId xmlns:a16="http://schemas.microsoft.com/office/drawing/2014/main" xmlns="" id="{8B0801A2-6519-4569-95A9-BB7590321AD9}"/>
+              </a:ext>
+            </a:extLst>
+          </p:cNvPr>
+          <p:cNvSpPr txBox="1"/>
+          <p:nvPr/>
+        </p:nvSpPr>
+        <p:spPr>
+          <a:xfrm>
+            <a:off x="1907704" y="4531772"/>
+            <a:ext cx="7264746" cy="1661993"/>
+          </a:xfrm>
+          <a:prstGeom prst="rect">
+            <a:avLst/>
+          </a:prstGeom>
+          <a:noFill/>
+        </p:spPr>
+        <p:txBody>
+          <a:bodyPr wrap="none" rtlCol="0">
+            <a:spAutoFit/>
+          </a:bodyPr>
+          <a:lstStyle/>
+          <a:p>
+            <a:r>
+              <a:rPr lang="it-IT" dirty="0">
+                <a:latin typeface="Calibri" panose="020F0502020204030204" pitchFamily="34" charset="0"/>
+                <a:cs typeface="Calibri" panose="020F0502020204030204" pitchFamily="34" charset="0"/>
+              </a:rPr>
+              <a:t>Dove:</a:t>
+            </a:r>
+          </a:p>
+          <a:p>
+            <a:r>
+              <a:rPr lang="it-IT" sz="1600" dirty="0">
+                <a:latin typeface="Calibri" panose="020F0502020204030204" pitchFamily="34" charset="0"/>
+                <a:cs typeface="Calibri" panose="020F0502020204030204" pitchFamily="34" charset="0"/>
+              </a:rPr>
+              <a:t>- </a:t>
+            </a:r>
+            <a:r>
+              <a:rPr lang="it-IT" sz="1600" b="1" i="1" dirty="0">
+                <a:latin typeface="Calibri" panose="020F0502020204030204" pitchFamily="34" charset="0"/>
+                <a:cs typeface="Calibri" panose="020F0502020204030204" pitchFamily="34" charset="0"/>
+              </a:rPr>
+              <a:t>c</a:t>
+            </a:r>
+            <a:r>
+              <a:rPr lang="it-IT" sz="1600" b="1" i="1" baseline="-25000" dirty="0">
+                <a:latin typeface="Calibri" panose="020F0502020204030204" pitchFamily="34" charset="0"/>
+                <a:cs typeface="Calibri" panose="020F0502020204030204" pitchFamily="34" charset="0"/>
+              </a:rPr>
+              <a:t>x</a:t>
+            </a:r>
+            <a:r>
+              <a:rPr lang="it-IT" sz="1600" baseline="-25000" dirty="0">
+                <a:latin typeface="Calibri" panose="020F0502020204030204" pitchFamily="34" charset="0"/>
+                <a:cs typeface="Calibri" panose="020F0502020204030204" pitchFamily="34" charset="0"/>
+              </a:rPr>
+              <a:t>  </a:t>
+            </a:r>
+            <a:r>
+              <a:rPr lang="it-IT" sz="1600" dirty="0">
+                <a:latin typeface="Calibri" panose="020F0502020204030204" pitchFamily="34" charset="0"/>
+                <a:cs typeface="Calibri" panose="020F0502020204030204" pitchFamily="34" charset="0"/>
+              </a:rPr>
+              <a:t>è un vettore di dimensione </a:t>
+            </a:r>
+            <a:r>
+              <a:rPr lang="it-IT" sz="1600" i="1" dirty="0">
+                <a:latin typeface="Calibri" panose="020F0502020204030204" pitchFamily="34" charset="0"/>
+                <a:cs typeface="Calibri" panose="020F0502020204030204" pitchFamily="34" charset="0"/>
+              </a:rPr>
+              <a:t>n </a:t>
+            </a:r>
+            <a:r>
+              <a:rPr lang="it-IT" sz="1600" dirty="0">
+                <a:latin typeface="Calibri" panose="020F0502020204030204" pitchFamily="34" charset="0"/>
+                <a:cs typeface="Calibri" panose="020F0502020204030204" pitchFamily="34" charset="0"/>
+              </a:rPr>
+              <a:t>(numero di vertici dell’</a:t>
+            </a:r>
+            <a:r>
+              <a:rPr lang="it-IT" sz="1600" i="1" dirty="0">
+                <a:latin typeface="Calibri" panose="020F0502020204030204" pitchFamily="34" charset="0"/>
+                <a:cs typeface="Calibri" panose="020F0502020204030204" pitchFamily="34" charset="0"/>
+              </a:rPr>
+              <a:t>endorsement </a:t>
+            </a:r>
+            <a:r>
+              <a:rPr lang="it-IT" sz="1600" i="1" dirty="0" err="1">
+                <a:latin typeface="Calibri" panose="020F0502020204030204" pitchFamily="34" charset="0"/>
+                <a:cs typeface="Calibri" panose="020F0502020204030204" pitchFamily="34" charset="0"/>
+              </a:rPr>
+              <a:t>graph</a:t>
+            </a:r>
+            <a:r>
+              <a:rPr lang="it-IT" sz="1600" dirty="0">
+                <a:latin typeface="Calibri" panose="020F0502020204030204" pitchFamily="34" charset="0"/>
+                <a:cs typeface="Calibri" panose="020F0502020204030204" pitchFamily="34" charset="0"/>
+              </a:rPr>
+              <a:t>) che</a:t>
+            </a:r>
+          </a:p>
+          <a:p>
+            <a:r>
+              <a:rPr lang="it-IT" sz="1600" dirty="0">
+                <a:latin typeface="Calibri" panose="020F0502020204030204" pitchFamily="34" charset="0"/>
+                <a:cs typeface="Calibri" panose="020F0502020204030204" pitchFamily="34" charset="0"/>
+              </a:rPr>
+              <a:t>ha valore </a:t>
+            </a:r>
+            <a:r>
+              <a:rPr lang="it-IT" sz="1600" i="1" dirty="0">
+                <a:latin typeface="Calibri" panose="020F0502020204030204" pitchFamily="34" charset="0"/>
+                <a:cs typeface="Calibri" panose="020F0502020204030204" pitchFamily="34" charset="0"/>
+              </a:rPr>
+              <a:t>1 </a:t>
+            </a:r>
+            <a:r>
+              <a:rPr lang="it-IT" sz="1600" dirty="0">
+                <a:latin typeface="Calibri" panose="020F0502020204030204" pitchFamily="34" charset="0"/>
+                <a:cs typeface="Calibri" panose="020F0502020204030204" pitchFamily="34" charset="0"/>
+              </a:rPr>
+              <a:t>nelle coordinate corrispondenti ai vertici di grado alto dell’</a:t>
+            </a:r>
+            <a:r>
+              <a:rPr lang="it-IT" sz="1600" i="1" dirty="0" err="1">
+                <a:latin typeface="Calibri" panose="020F0502020204030204" pitchFamily="34" charset="0"/>
+                <a:cs typeface="Calibri" panose="020F0502020204030204" pitchFamily="34" charset="0"/>
+              </a:rPr>
+              <a:t>echo-chamber</a:t>
+            </a:r>
+            <a:endParaRPr lang="it-IT" sz="1600" i="1" dirty="0">
+              <a:latin typeface="Calibri" panose="020F0502020204030204" pitchFamily="34" charset="0"/>
+              <a:cs typeface="Calibri" panose="020F0502020204030204" pitchFamily="34" charset="0"/>
+            </a:endParaRPr>
+          </a:p>
+          <a:p>
+            <a:r>
+              <a:rPr lang="it-IT" sz="1600" i="1" dirty="0">
+                <a:latin typeface="Calibri" panose="020F0502020204030204" pitchFamily="34" charset="0"/>
+                <a:cs typeface="Calibri" panose="020F0502020204030204" pitchFamily="34" charset="0"/>
+              </a:rPr>
+              <a:t>X </a:t>
+            </a:r>
+            <a:r>
+              <a:rPr lang="it-IT" sz="1600" dirty="0">
+                <a:latin typeface="Calibri" panose="020F0502020204030204" pitchFamily="34" charset="0"/>
+                <a:cs typeface="Calibri" panose="020F0502020204030204" pitchFamily="34" charset="0"/>
+              </a:rPr>
+              <a:t>e </a:t>
+            </a:r>
+            <a:r>
+              <a:rPr lang="it-IT" sz="1600" i="1" dirty="0">
+                <a:latin typeface="Calibri" panose="020F0502020204030204" pitchFamily="34" charset="0"/>
+                <a:cs typeface="Calibri" panose="020F0502020204030204" pitchFamily="34" charset="0"/>
+              </a:rPr>
+              <a:t>0 </a:t>
+            </a:r>
+            <a:r>
+              <a:rPr lang="it-IT" sz="1600" dirty="0">
+                <a:latin typeface="Calibri" panose="020F0502020204030204" pitchFamily="34" charset="0"/>
+                <a:cs typeface="Calibri" panose="020F0502020204030204" pitchFamily="34" charset="0"/>
+              </a:rPr>
+              <a:t>altrove; similmente viene definito </a:t>
+            </a:r>
+            <a:r>
+              <a:rPr lang="it-IT" sz="1600" b="1" i="1" dirty="0" err="1">
+                <a:latin typeface="Calibri" panose="020F0502020204030204" pitchFamily="34" charset="0"/>
+                <a:cs typeface="Calibri" panose="020F0502020204030204" pitchFamily="34" charset="0"/>
+              </a:rPr>
+              <a:t>c</a:t>
+            </a:r>
+            <a:r>
+              <a:rPr lang="it-IT" sz="1600" b="1" i="1" baseline="-25000" dirty="0" err="1">
+                <a:latin typeface="Calibri" panose="020F0502020204030204" pitchFamily="34" charset="0"/>
+                <a:cs typeface="Calibri" panose="020F0502020204030204" pitchFamily="34" charset="0"/>
+              </a:rPr>
+              <a:t>y</a:t>
+            </a:r>
+            <a:r>
+              <a:rPr lang="it-IT" sz="1600" i="1" baseline="-25000" dirty="0">
+                <a:latin typeface="Calibri" panose="020F0502020204030204" pitchFamily="34" charset="0"/>
+                <a:cs typeface="Calibri" panose="020F0502020204030204" pitchFamily="34" charset="0"/>
+              </a:rPr>
+              <a:t> </a:t>
+            </a:r>
+            <a:r>
+              <a:rPr lang="it-IT" sz="1600" i="1" dirty="0">
+                <a:latin typeface="Calibri" panose="020F0502020204030204" pitchFamily="34" charset="0"/>
+                <a:cs typeface="Calibri" panose="020F0502020204030204" pitchFamily="34" charset="0"/>
+              </a:rPr>
+              <a:t>;</a:t>
+            </a:r>
+          </a:p>
+          <a:p>
+            <a:r>
+              <a:rPr lang="it-IT" i="1" dirty="0">
+                <a:latin typeface="Calibri" panose="020F0502020204030204" pitchFamily="34" charset="0"/>
+                <a:cs typeface="Calibri" panose="020F0502020204030204" pitchFamily="34" charset="0"/>
+              </a:rPr>
+              <a:t>-</a:t>
+            </a:r>
+            <a:r>
+              <a:rPr lang="it-IT" dirty="0">
+                <a:latin typeface="Calibri" panose="020F0502020204030204" pitchFamily="34" charset="0"/>
+                <a:cs typeface="Calibri" panose="020F0502020204030204" pitchFamily="34" charset="0"/>
+              </a:rPr>
+              <a:t> </a:t>
+            </a:r>
+            <a:r>
+              <a:rPr lang="it-IT" sz="1600" b="1" i="1" dirty="0" err="1">
+                <a:latin typeface="Calibri" panose="020F0502020204030204" pitchFamily="34" charset="0"/>
+                <a:cs typeface="Calibri" panose="020F0502020204030204" pitchFamily="34" charset="0"/>
+              </a:rPr>
+              <a:t>r</a:t>
+            </a:r>
+            <a:r>
+              <a:rPr lang="it-IT" sz="1600" b="1" i="1" baseline="-25000" dirty="0" err="1">
+                <a:latin typeface="Calibri" panose="020F0502020204030204" pitchFamily="34" charset="0"/>
+                <a:cs typeface="Calibri" panose="020F0502020204030204" pitchFamily="34" charset="0"/>
+              </a:rPr>
+              <a:t>x</a:t>
+            </a:r>
+            <a:r>
+              <a:rPr lang="it-IT" sz="1600" i="1" dirty="0">
+                <a:latin typeface="Calibri" panose="020F0502020204030204" pitchFamily="34" charset="0"/>
+                <a:cs typeface="Calibri" panose="020F0502020204030204" pitchFamily="34" charset="0"/>
+              </a:rPr>
+              <a:t> </a:t>
+            </a:r>
+            <a:r>
+              <a:rPr lang="it-IT" sz="1600" dirty="0">
+                <a:latin typeface="Calibri" panose="020F0502020204030204" pitchFamily="34" charset="0"/>
+                <a:cs typeface="Calibri" panose="020F0502020204030204" pitchFamily="34" charset="0"/>
+              </a:rPr>
+              <a:t>è il vettore di </a:t>
+            </a:r>
+            <a:r>
+              <a:rPr lang="it-IT" sz="1600" i="1" dirty="0" err="1">
+                <a:latin typeface="Calibri" panose="020F0502020204030204" pitchFamily="34" charset="0"/>
+                <a:cs typeface="Calibri" panose="020F0502020204030204" pitchFamily="34" charset="0"/>
+              </a:rPr>
+              <a:t>PageRank</a:t>
+            </a:r>
+            <a:r>
+              <a:rPr lang="it-IT" sz="1600" i="1" dirty="0">
+                <a:latin typeface="Calibri" panose="020F0502020204030204" pitchFamily="34" charset="0"/>
+                <a:cs typeface="Calibri" panose="020F0502020204030204" pitchFamily="34" charset="0"/>
+              </a:rPr>
+              <a:t> </a:t>
+            </a:r>
+            <a:r>
+              <a:rPr lang="it-IT" sz="1600" dirty="0">
+                <a:latin typeface="Calibri" panose="020F0502020204030204" pitchFamily="34" charset="0"/>
+                <a:cs typeface="Calibri" panose="020F0502020204030204" pitchFamily="34" charset="0"/>
+              </a:rPr>
+              <a:t>personalizzato per un </a:t>
+            </a:r>
+            <a:r>
+              <a:rPr lang="it-IT" sz="1600" i="1" dirty="0">
+                <a:latin typeface="Calibri" panose="020F0502020204030204" pitchFamily="34" charset="0"/>
+                <a:cs typeface="Calibri" panose="020F0502020204030204" pitchFamily="34" charset="0"/>
+              </a:rPr>
+              <a:t>random </a:t>
+            </a:r>
+            <a:r>
+              <a:rPr lang="it-IT" sz="1600" i="1" dirty="0" err="1">
+                <a:latin typeface="Calibri" panose="020F0502020204030204" pitchFamily="34" charset="0"/>
+                <a:cs typeface="Calibri" panose="020F0502020204030204" pitchFamily="34" charset="0"/>
+              </a:rPr>
+              <a:t>walk</a:t>
+            </a:r>
+            <a:r>
+              <a:rPr lang="it-IT" sz="1600" i="1" dirty="0">
+                <a:latin typeface="Calibri" panose="020F0502020204030204" pitchFamily="34" charset="0"/>
+                <a:cs typeface="Calibri" panose="020F0502020204030204" pitchFamily="34" charset="0"/>
+              </a:rPr>
+              <a:t> </a:t>
+            </a:r>
+            <a:r>
+              <a:rPr lang="it-IT" sz="1600" dirty="0">
+                <a:latin typeface="Calibri" panose="020F0502020204030204" pitchFamily="34" charset="0"/>
+                <a:cs typeface="Calibri" panose="020F0502020204030204" pitchFamily="34" charset="0"/>
+              </a:rPr>
+              <a:t>che parte </a:t>
+            </a:r>
+          </a:p>
+          <a:p>
+            <a:r>
+              <a:rPr lang="it-IT" sz="1600" dirty="0">
+                <a:latin typeface="Calibri" panose="020F0502020204030204" pitchFamily="34" charset="0"/>
+                <a:cs typeface="Calibri" panose="020F0502020204030204" pitchFamily="34" charset="0"/>
+              </a:rPr>
+              <a:t>dai nodi dell’</a:t>
+            </a:r>
+            <a:r>
+              <a:rPr lang="it-IT" sz="1600" i="1" dirty="0" err="1">
+                <a:latin typeface="Calibri" panose="020F0502020204030204" pitchFamily="34" charset="0"/>
+                <a:cs typeface="Calibri" panose="020F0502020204030204" pitchFamily="34" charset="0"/>
+              </a:rPr>
+              <a:t>echo-chamber</a:t>
+            </a:r>
+            <a:r>
+              <a:rPr lang="it-IT" sz="1600" i="1" dirty="0">
+                <a:latin typeface="Calibri" panose="020F0502020204030204" pitchFamily="34" charset="0"/>
+                <a:cs typeface="Calibri" panose="020F0502020204030204" pitchFamily="34" charset="0"/>
+              </a:rPr>
+              <a:t> X</a:t>
+            </a:r>
+            <a:r>
+              <a:rPr lang="it-IT" sz="1600" dirty="0">
+                <a:latin typeface="Calibri" panose="020F0502020204030204" pitchFamily="34" charset="0"/>
+                <a:cs typeface="Calibri" panose="020F0502020204030204" pitchFamily="34" charset="0"/>
+              </a:rPr>
+              <a:t>; similmente viene definito </a:t>
+            </a:r>
+            <a:r>
+              <a:rPr lang="it-IT" sz="1600" b="1" i="1" dirty="0" err="1">
+                <a:latin typeface="Calibri" panose="020F0502020204030204" pitchFamily="34" charset="0"/>
+                <a:cs typeface="Calibri" panose="020F0502020204030204" pitchFamily="34" charset="0"/>
+              </a:rPr>
+              <a:t>r</a:t>
+            </a:r>
+            <a:r>
+              <a:rPr lang="it-IT" sz="1600" b="1" i="1" baseline="-25000" dirty="0" err="1">
+                <a:latin typeface="Calibri" panose="020F0502020204030204" pitchFamily="34" charset="0"/>
+                <a:cs typeface="Calibri" panose="020F0502020204030204" pitchFamily="34" charset="0"/>
+              </a:rPr>
+              <a:t>y</a:t>
+            </a:r>
+            <a:r>
+              <a:rPr lang="it-IT" sz="1600" dirty="0">
+                <a:latin typeface="Calibri" panose="020F0502020204030204" pitchFamily="34" charset="0"/>
+                <a:cs typeface="Calibri" panose="020F0502020204030204" pitchFamily="34" charset="0"/>
+              </a:rPr>
+              <a:t>.</a:t>
+            </a:r>
+          </a:p>
+        </p:txBody>
+      </p:sp>
+      <p:cxnSp>
+        <p:nvCxnSpPr>
+          <p:cNvPr id="10" name="Connettore 2 9">
+            <a:extLst>
+              <a:ext uri="{FF2B5EF4-FFF2-40B4-BE49-F238E27FC236}">
+                <a16:creationId xmlns:a16="http://schemas.microsoft.com/office/drawing/2014/main" xmlns="" id="{3E71D179-9BB9-40A9-B4D8-958D015E4F75}"/>
+              </a:ext>
+            </a:extLst>
+          </p:cNvPr>
+          <p:cNvCxnSpPr/>
+          <p:nvPr/>
+        </p:nvCxnSpPr>
+        <p:spPr>
+          <a:xfrm flipH="1" flipV="1">
+            <a:off x="4427984" y="3861048"/>
+            <a:ext cx="288032" cy="216024"/>
+          </a:xfrm>
+          <a:prstGeom prst="straightConnector1">
+            <a:avLst/>
+          </a:prstGeom>
+          <a:ln>
+            <a:tailEnd type="triangle"/>
+          </a:ln>
+        </p:spPr>
+        <p:style>
+          <a:lnRef idx="1">
+            <a:schemeClr val="accent1"/>
+          </a:lnRef>
+          <a:fillRef idx="0">
+            <a:schemeClr val="accent1"/>
+          </a:fillRef>
+          <a:effectRef idx="0">
+            <a:schemeClr val="accent1"/>
+          </a:effectRef>
+          <a:fontRef idx="minor">
+            <a:schemeClr val="tx1"/>
+          </a:fontRef>
+        </p:style>
+      </p:cxnSp>
+      <p:cxnSp>
+        <p:nvCxnSpPr>
+          <p:cNvPr id="12" name="Connettore 2 11">
+            <a:extLst>
+              <a:ext uri="{FF2B5EF4-FFF2-40B4-BE49-F238E27FC236}">
+                <a16:creationId xmlns:a16="http://schemas.microsoft.com/office/drawing/2014/main" xmlns="" id="{1BE3D6CD-BA35-49B2-B9E9-3F62FDBF378A}"/>
+              </a:ext>
+            </a:extLst>
+          </p:cNvPr>
+          <p:cNvCxnSpPr/>
+          <p:nvPr/>
+        </p:nvCxnSpPr>
+        <p:spPr>
+          <a:xfrm flipV="1">
+            <a:off x="5004048" y="3861048"/>
+            <a:ext cx="216024" cy="216024"/>
+          </a:xfrm>
+          <a:prstGeom prst="straightConnector1">
+            <a:avLst/>
+          </a:prstGeom>
+          <a:ln>
+            <a:tailEnd type="triangle"/>
+          </a:ln>
+        </p:spPr>
+        <p:style>
+          <a:lnRef idx="1">
+            <a:schemeClr val="accent1"/>
+          </a:lnRef>
+          <a:fillRef idx="0">
+            <a:schemeClr val="accent1"/>
+          </a:fillRef>
+          <a:effectRef idx="0">
+            <a:schemeClr val="accent1"/>
+          </a:effectRef>
+          <a:fontRef idx="minor">
+            <a:schemeClr val="tx1"/>
+          </a:fontRef>
+        </p:style>
+      </p:cxnSp>
+      <p:sp>
+        <p:nvSpPr>
+          <p:cNvPr id="14" name="CasellaDiTesto 13">
+            <a:extLst>
+              <a:ext uri="{FF2B5EF4-FFF2-40B4-BE49-F238E27FC236}">
+                <a16:creationId xmlns:a16="http://schemas.microsoft.com/office/drawing/2014/main" xmlns="" id="{52C41119-C267-4F95-B13B-D175F8FAD467}"/>
+              </a:ext>
+            </a:extLst>
+          </p:cNvPr>
+          <p:cNvSpPr txBox="1"/>
+          <p:nvPr/>
+        </p:nvSpPr>
+        <p:spPr>
+          <a:xfrm>
+            <a:off x="3727864" y="3584049"/>
+            <a:ext cx="1221809" cy="276999"/>
+          </a:xfrm>
+          <a:prstGeom prst="rect">
+            <a:avLst/>
+          </a:prstGeom>
+          <a:noFill/>
+        </p:spPr>
+        <p:txBody>
+          <a:bodyPr wrap="none" rtlCol="0">
+            <a:spAutoFit/>
+          </a:bodyPr>
+          <a:lstStyle/>
+          <a:p>
+            <a:r>
+              <a:rPr lang="it-IT" sz="1200" b="1" dirty="0" err="1">
+                <a:solidFill>
+                  <a:schemeClr val="tx2"/>
+                </a:solidFill>
+                <a:latin typeface="Calibri" panose="020F0502020204030204" pitchFamily="34" charset="0"/>
+                <a:cs typeface="Calibri" panose="020F0502020204030204" pitchFamily="34" charset="0"/>
+              </a:rPr>
+              <a:t>echo-chamber</a:t>
+            </a:r>
+            <a:r>
+              <a:rPr lang="it-IT" sz="1200" b="1" dirty="0">
+                <a:solidFill>
+                  <a:schemeClr val="tx2"/>
+                </a:solidFill>
+                <a:latin typeface="Calibri" panose="020F0502020204030204" pitchFamily="34" charset="0"/>
+                <a:cs typeface="Calibri" panose="020F0502020204030204" pitchFamily="34" charset="0"/>
+              </a:rPr>
+              <a:t> X</a:t>
+            </a:r>
+            <a:endParaRPr lang="it-IT" sz="1600" b="1" dirty="0">
+              <a:solidFill>
+                <a:schemeClr val="tx2"/>
+              </a:solidFill>
+              <a:latin typeface="Calibri" panose="020F0502020204030204" pitchFamily="34" charset="0"/>
+              <a:cs typeface="Calibri" panose="020F0502020204030204" pitchFamily="34" charset="0"/>
+            </a:endParaRPr>
+          </a:p>
+        </p:txBody>
+      </p:sp>
+      <p:sp>
+        <p:nvSpPr>
+          <p:cNvPr id="15" name="CasellaDiTesto 14">
+            <a:extLst>
+              <a:ext uri="{FF2B5EF4-FFF2-40B4-BE49-F238E27FC236}">
+                <a16:creationId xmlns:a16="http://schemas.microsoft.com/office/drawing/2014/main" xmlns="" id="{7739B639-5ED7-46CE-8E1E-A9D9A3526EA0}"/>
+              </a:ext>
+            </a:extLst>
+          </p:cNvPr>
+          <p:cNvSpPr txBox="1"/>
+          <p:nvPr/>
+        </p:nvSpPr>
+        <p:spPr>
+          <a:xfrm>
+            <a:off x="4929172" y="3584048"/>
+            <a:ext cx="1221809" cy="276999"/>
+          </a:xfrm>
+          <a:prstGeom prst="rect">
+            <a:avLst/>
+          </a:prstGeom>
+          <a:noFill/>
+        </p:spPr>
+        <p:txBody>
+          <a:bodyPr wrap="none" rtlCol="0">
+            <a:spAutoFit/>
+          </a:bodyPr>
+          <a:lstStyle/>
+          <a:p>
+            <a:r>
+              <a:rPr lang="it-IT" sz="1200" b="1" dirty="0" err="1">
+                <a:solidFill>
+                  <a:schemeClr val="accent2"/>
+                </a:solidFill>
+                <a:latin typeface="Calibri" panose="020F0502020204030204" pitchFamily="34" charset="0"/>
+                <a:cs typeface="Calibri" panose="020F0502020204030204" pitchFamily="34" charset="0"/>
+              </a:rPr>
+              <a:t>echo-chamber</a:t>
+            </a:r>
+            <a:r>
+              <a:rPr lang="it-IT" sz="1200" b="1" dirty="0">
+                <a:solidFill>
+                  <a:schemeClr val="accent2"/>
+                </a:solidFill>
+                <a:latin typeface="Calibri" panose="020F0502020204030204" pitchFamily="34" charset="0"/>
+                <a:cs typeface="Calibri" panose="020F0502020204030204" pitchFamily="34" charset="0"/>
+              </a:rPr>
+              <a:t> Y</a:t>
+            </a:r>
+            <a:endParaRPr lang="it-IT" sz="1600" b="1" dirty="0">
+              <a:solidFill>
+                <a:schemeClr val="accent2"/>
+              </a:solidFill>
+              <a:latin typeface="Calibri" panose="020F0502020204030204" pitchFamily="34" charset="0"/>
+              <a:cs typeface="Calibri" panose="020F0502020204030204" pitchFamily="34" charset="0"/>
+            </a:endParaRPr>
+          </a:p>
+        </p:txBody>
+      </p:sp>
+    </p:spTree>
+    <p:extLst>
+      <p:ext uri="{BB962C8B-B14F-4D97-AF65-F5344CB8AC3E}">
+        <p14:creationId xmlns:p14="http://schemas.microsoft.com/office/powerpoint/2010/main" val="1207832370"/>
+      </p:ext>
+    </p:extLst>
+  </p:cSld>
+  <p:clrMapOvr>
+    <a:masterClrMapping/>
+  </p:clrMapOvr>
+  <p:timing>
+    <p:tnLst>
+      <p:par>
+        <p:cTn id="1" dur="indefinite" restart="never" nodeType="tmRoot"/>
+      </p:par>
+    </p:tnLst>
+  </p:timing>
+</p:sld>
+</file>
+
+<file path=ppt/slides/slide8.xml><?xml version="1.0" encoding="utf-8"?>
+<p:sld xmlns:a="http://schemas.openxmlformats.org/drawingml/2006/main" xmlns:r="http://schemas.openxmlformats.org/officeDocument/2006/relationships" xmlns:p="http://schemas.openxmlformats.org/presentationml/2006/main">
+  <p:cSld>
+    <p:spTree>
+      <p:nvGrpSpPr>
+        <p:cNvPr id="1" name=""/>
+        <p:cNvGrpSpPr/>
+        <p:nvPr/>
+      </p:nvGrpSpPr>
+      <p:grpSpPr>
+        <a:xfrm>
+          <a:off x="0" y="0"/>
+          <a:ext cx="0" cy="0"/>
+          <a:chOff x="0" y="0"/>
+          <a:chExt cx="0" cy="0"/>
+        </a:xfrm>
+      </p:grpSpPr>
+      <p:sp>
+        <p:nvSpPr>
+          <p:cNvPr id="5" name="Title 3">
+            <a:extLst>
+              <a:ext uri="{FF2B5EF4-FFF2-40B4-BE49-F238E27FC236}">
+                <a16:creationId xmlns:a16="http://schemas.microsoft.com/office/drawing/2014/main" xmlns="" id="{189ECF77-714F-4D2C-9D4B-CC43534EF427}"/>
+              </a:ext>
+            </a:extLst>
+          </p:cNvPr>
+          <p:cNvSpPr>
+            <a:spLocks noGrp="1"/>
+          </p:cNvSpPr>
+          <p:nvPr>
+            <p:ph type="title"/>
+          </p:nvPr>
+        </p:nvSpPr>
+        <p:spPr>
+          <a:xfrm>
+            <a:off x="0" y="21787"/>
+            <a:ext cx="9144000" cy="1069514"/>
+          </a:xfrm>
+        </p:spPr>
+        <p:txBody>
+          <a:bodyPr>
+            <a:scene3d>
+              <a:camera prst="orthographicFront"/>
+              <a:lightRig rig="threePt" dir="t"/>
+            </a:scene3d>
+            <a:sp3d extrusionH="57150">
+              <a:bevelT w="82550" h="38100" prst="coolSlant"/>
+            </a:sp3d>
+          </a:bodyPr>
+          <a:lstStyle/>
+          <a:p>
+            <a:pPr algn="ctr"/>
+            <a:r>
+              <a:rPr lang="en-US" altLang="ko-KR" dirty="0" err="1">
+                <a:solidFill>
+                  <a:schemeClr val="accent5">
+                    <a:lumMod val="75000"/>
+                  </a:schemeClr>
+                </a:solidFill>
+              </a:rPr>
+              <a:t>Definizione</a:t>
+            </a:r>
+            <a:r>
+              <a:rPr lang="en-US" altLang="ko-KR" dirty="0">
+                <a:solidFill>
+                  <a:schemeClr val="accent5">
+                    <a:lumMod val="75000"/>
+                  </a:schemeClr>
+                </a:solidFill>
+              </a:rPr>
+              <a:t> del </a:t>
+            </a:r>
+            <a:r>
+              <a:rPr lang="en-US" altLang="ko-KR" dirty="0" err="1">
+                <a:solidFill>
+                  <a:schemeClr val="accent5">
+                    <a:lumMod val="75000"/>
+                  </a:schemeClr>
+                </a:solidFill>
+              </a:rPr>
+              <a:t>problema</a:t>
+            </a:r>
+            <a:endParaRPr lang="ko-KR" altLang="en-US" dirty="0">
+              <a:solidFill>
+                <a:schemeClr val="accent5">
+                  <a:lumMod val="75000"/>
+                </a:schemeClr>
+              </a:solidFill>
+            </a:endParaRPr>
+          </a:p>
+        </p:txBody>
+      </p:sp>
+      <p:sp>
+        <p:nvSpPr>
+          <p:cNvPr id="6" name="Rettangolo 5">
+            <a:extLst>
+              <a:ext uri="{FF2B5EF4-FFF2-40B4-BE49-F238E27FC236}">
+                <a16:creationId xmlns:a16="http://schemas.microsoft.com/office/drawing/2014/main" xmlns="" id="{A34D05E0-D21E-4851-84DD-833555197E5F}"/>
+              </a:ext>
+            </a:extLst>
+          </p:cNvPr>
+          <p:cNvSpPr/>
+          <p:nvPr/>
+        </p:nvSpPr>
+        <p:spPr>
+          <a:xfrm>
+            <a:off x="1763688" y="1484784"/>
+            <a:ext cx="7416824" cy="5016758"/>
+          </a:xfrm>
+          <a:prstGeom prst="rect">
+            <a:avLst/>
+          </a:prstGeom>
+        </p:spPr>
+        <p:txBody>
+          <a:bodyPr wrap="square">
+            <a:spAutoFit/>
+          </a:bodyPr>
+          <a:lstStyle/>
+          <a:p>
+            <a:r>
+              <a:rPr lang="it-IT" dirty="0">
+                <a:latin typeface="Calibri" panose="020F0502020204030204" pitchFamily="34" charset="0"/>
+                <a:cs typeface="Calibri" panose="020F0502020204030204" pitchFamily="34" charset="0"/>
+              </a:rPr>
+              <a:t>L’</a:t>
+            </a:r>
+            <a:r>
+              <a:rPr lang="it-IT" b="1" i="1" dirty="0">
+                <a:solidFill>
+                  <a:srgbClr val="00B050"/>
+                </a:solidFill>
+                <a:latin typeface="Calibri" panose="020F0502020204030204" pitchFamily="34" charset="0"/>
+                <a:cs typeface="Calibri" panose="020F0502020204030204" pitchFamily="34" charset="0"/>
+              </a:rPr>
+              <a:t>RWC </a:t>
+            </a:r>
+            <a:r>
+              <a:rPr lang="it-IT" dirty="0">
+                <a:latin typeface="Calibri" panose="020F0502020204030204" pitchFamily="34" charset="0"/>
+                <a:cs typeface="Calibri" panose="020F0502020204030204" pitchFamily="34" charset="0"/>
+              </a:rPr>
+              <a:t>è definito come </a:t>
+            </a:r>
+            <a:r>
+              <a:rPr lang="it-IT" i="1" dirty="0">
+                <a:latin typeface="Calibri" panose="020F0502020204030204" pitchFamily="34" charset="0"/>
+                <a:cs typeface="Calibri" panose="020F0502020204030204" pitchFamily="34" charset="0"/>
+              </a:rPr>
+              <a:t>la </a:t>
+            </a:r>
+            <a:r>
+              <a:rPr lang="it-IT" b="1" i="1" dirty="0">
+                <a:latin typeface="Calibri" panose="020F0502020204030204" pitchFamily="34" charset="0"/>
+                <a:cs typeface="Calibri" panose="020F0502020204030204" pitchFamily="34" charset="0"/>
+              </a:rPr>
+              <a:t>differenza</a:t>
+            </a:r>
+            <a:r>
+              <a:rPr lang="it-IT" i="1" dirty="0">
+                <a:latin typeface="Calibri" panose="020F0502020204030204" pitchFamily="34" charset="0"/>
+                <a:cs typeface="Calibri" panose="020F0502020204030204" pitchFamily="34" charset="0"/>
+              </a:rPr>
+              <a:t> della probabilità che un random </a:t>
+            </a:r>
+            <a:r>
+              <a:rPr lang="it-IT" i="1" dirty="0" err="1">
+                <a:latin typeface="Calibri" panose="020F0502020204030204" pitchFamily="34" charset="0"/>
+                <a:cs typeface="Calibri" panose="020F0502020204030204" pitchFamily="34" charset="0"/>
+              </a:rPr>
+              <a:t>walk</a:t>
+            </a:r>
+            <a:r>
+              <a:rPr lang="it-IT" i="1" dirty="0">
+                <a:latin typeface="Calibri" panose="020F0502020204030204" pitchFamily="34" charset="0"/>
+                <a:cs typeface="Calibri" panose="020F0502020204030204" pitchFamily="34" charset="0"/>
+              </a:rPr>
+              <a:t> </a:t>
+            </a:r>
+          </a:p>
+          <a:p>
+            <a:r>
+              <a:rPr lang="it-IT" i="1" dirty="0">
+                <a:latin typeface="Calibri" panose="020F0502020204030204" pitchFamily="34" charset="0"/>
+                <a:cs typeface="Calibri" panose="020F0502020204030204" pitchFamily="34" charset="0"/>
+              </a:rPr>
+              <a:t>che parte da una </a:t>
+            </a:r>
+            <a:r>
+              <a:rPr lang="it-IT" i="1" dirty="0" err="1">
+                <a:latin typeface="Calibri" panose="020F0502020204030204" pitchFamily="34" charset="0"/>
+                <a:cs typeface="Calibri" panose="020F0502020204030204" pitchFamily="34" charset="0"/>
+              </a:rPr>
+              <a:t>echo-chamber</a:t>
+            </a:r>
+            <a:r>
+              <a:rPr lang="it-IT" i="1" dirty="0">
+                <a:latin typeface="Calibri" panose="020F0502020204030204" pitchFamily="34" charset="0"/>
+                <a:cs typeface="Calibri" panose="020F0502020204030204" pitchFamily="34" charset="0"/>
+              </a:rPr>
+              <a:t> all’equilibrio vi permanga e la probabilità </a:t>
+            </a:r>
+          </a:p>
+          <a:p>
+            <a:r>
+              <a:rPr lang="it-IT" i="1" dirty="0">
+                <a:latin typeface="Calibri" panose="020F0502020204030204" pitchFamily="34" charset="0"/>
+                <a:cs typeface="Calibri" panose="020F0502020204030204" pitchFamily="34" charset="0"/>
+              </a:rPr>
+              <a:t>che invece tale random </a:t>
+            </a:r>
+            <a:r>
+              <a:rPr lang="it-IT" i="1" dirty="0" err="1">
+                <a:latin typeface="Calibri" panose="020F0502020204030204" pitchFamily="34" charset="0"/>
+                <a:cs typeface="Calibri" panose="020F0502020204030204" pitchFamily="34" charset="0"/>
+              </a:rPr>
+              <a:t>walk</a:t>
+            </a:r>
+            <a:r>
+              <a:rPr lang="it-IT" i="1" dirty="0">
+                <a:latin typeface="Calibri" panose="020F0502020204030204" pitchFamily="34" charset="0"/>
+                <a:cs typeface="Calibri" panose="020F0502020204030204" pitchFamily="34" charset="0"/>
+              </a:rPr>
+              <a:t> all’equilibrio finisca nell’</a:t>
+            </a:r>
+            <a:r>
+              <a:rPr lang="it-IT" i="1" dirty="0" err="1">
+                <a:latin typeface="Calibri" panose="020F0502020204030204" pitchFamily="34" charset="0"/>
+                <a:cs typeface="Calibri" panose="020F0502020204030204" pitchFamily="34" charset="0"/>
+              </a:rPr>
+              <a:t>echo-chamber</a:t>
+            </a:r>
+            <a:r>
+              <a:rPr lang="it-IT" i="1" dirty="0">
+                <a:latin typeface="Calibri" panose="020F0502020204030204" pitchFamily="34" charset="0"/>
+                <a:cs typeface="Calibri" panose="020F0502020204030204" pitchFamily="34" charset="0"/>
+              </a:rPr>
+              <a:t> opposta</a:t>
+            </a:r>
+            <a:r>
+              <a:rPr lang="it-IT" dirty="0">
+                <a:latin typeface="Calibri" panose="020F0502020204030204" pitchFamily="34" charset="0"/>
+                <a:cs typeface="Calibri" panose="020F0502020204030204" pitchFamily="34" charset="0"/>
+              </a:rPr>
+              <a:t>.</a:t>
+            </a:r>
+          </a:p>
+          <a:p>
+            <a:endParaRPr lang="it-IT" dirty="0" smtClean="0">
+              <a:latin typeface="Calibri" panose="020F0502020204030204" pitchFamily="34" charset="0"/>
+              <a:cs typeface="Calibri" panose="020F0502020204030204" pitchFamily="34" charset="0"/>
+            </a:endParaRPr>
+          </a:p>
+          <a:p>
+            <a:endParaRPr lang="it-IT" dirty="0">
+              <a:latin typeface="Calibri" panose="020F0502020204030204" pitchFamily="34" charset="0"/>
+              <a:cs typeface="Calibri" panose="020F0502020204030204" pitchFamily="34" charset="0"/>
+            </a:endParaRPr>
+          </a:p>
+          <a:p>
+            <a:r>
+              <a:rPr lang="it-IT" b="1" dirty="0">
+                <a:solidFill>
+                  <a:srgbClr val="00B050"/>
+                </a:solidFill>
+                <a:latin typeface="Calibri" panose="020F0502020204030204" pitchFamily="34" charset="0"/>
+                <a:cs typeface="Calibri" panose="020F0502020204030204" pitchFamily="34" charset="0"/>
+              </a:rPr>
+              <a:t>RWC</a:t>
+            </a:r>
+            <a:r>
+              <a:rPr lang="it-IT" dirty="0">
+                <a:solidFill>
+                  <a:srgbClr val="00B050"/>
+                </a:solidFill>
+                <a:latin typeface="Calibri" panose="020F0502020204030204" pitchFamily="34" charset="0"/>
+                <a:cs typeface="Calibri" panose="020F0502020204030204" pitchFamily="34" charset="0"/>
+              </a:rPr>
+              <a:t> </a:t>
+            </a:r>
+            <a:r>
+              <a:rPr lang="it-IT" dirty="0">
+                <a:latin typeface="Calibri" panose="020F0502020204030204" pitchFamily="34" charset="0"/>
+                <a:cs typeface="Calibri" panose="020F0502020204030204" pitchFamily="34" charset="0"/>
+              </a:rPr>
+              <a:t>ALTA </a:t>
+            </a:r>
+            <a:r>
+              <a:rPr lang="it-IT" dirty="0">
+                <a:latin typeface="Calibri" panose="020F0502020204030204" pitchFamily="34" charset="0"/>
+                <a:cs typeface="Calibri" panose="020F0502020204030204" pitchFamily="34" charset="0"/>
+                <a:sym typeface="Wingdings" panose="05000000000000000000" pitchFamily="2" charset="2"/>
+              </a:rPr>
+              <a:t> ARGOMENTO </a:t>
+            </a:r>
+            <a:r>
+              <a:rPr lang="it-IT" b="1" dirty="0" smtClean="0">
+                <a:latin typeface="Calibri" panose="020F0502020204030204" pitchFamily="34" charset="0"/>
+                <a:cs typeface="Calibri" panose="020F0502020204030204" pitchFamily="34" charset="0"/>
+                <a:sym typeface="Wingdings" panose="05000000000000000000" pitchFamily="2" charset="2"/>
+              </a:rPr>
+              <a:t>MOLTO</a:t>
+            </a:r>
+            <a:r>
+              <a:rPr lang="it-IT" dirty="0" smtClean="0">
+                <a:latin typeface="Calibri" panose="020F0502020204030204" pitchFamily="34" charset="0"/>
+                <a:cs typeface="Calibri" panose="020F0502020204030204" pitchFamily="34" charset="0"/>
+                <a:sym typeface="Wingdings" panose="05000000000000000000" pitchFamily="2" charset="2"/>
+              </a:rPr>
+              <a:t> </a:t>
+            </a:r>
+            <a:r>
+              <a:rPr lang="it-IT" b="1" dirty="0" smtClean="0">
+                <a:latin typeface="Calibri" panose="020F0502020204030204" pitchFamily="34" charset="0"/>
+                <a:cs typeface="Calibri" panose="020F0502020204030204" pitchFamily="34" charset="0"/>
+                <a:sym typeface="Wingdings" panose="05000000000000000000" pitchFamily="2" charset="2"/>
+              </a:rPr>
+              <a:t>CONTROVERSO</a:t>
+            </a:r>
+            <a:endParaRPr lang="it-IT" b="1" dirty="0">
+              <a:latin typeface="Calibri" panose="020F0502020204030204" pitchFamily="34" charset="0"/>
+              <a:cs typeface="Calibri" panose="020F0502020204030204" pitchFamily="34" charset="0"/>
+              <a:sym typeface="Wingdings" panose="05000000000000000000" pitchFamily="2" charset="2"/>
+            </a:endParaRPr>
+          </a:p>
+          <a:p>
+            <a:r>
+              <a:rPr lang="it-IT" b="1" dirty="0">
+                <a:solidFill>
+                  <a:srgbClr val="00B050"/>
+                </a:solidFill>
+                <a:latin typeface="Calibri" panose="020F0502020204030204" pitchFamily="34" charset="0"/>
+                <a:cs typeface="Calibri" panose="020F0502020204030204" pitchFamily="34" charset="0"/>
+                <a:sym typeface="Wingdings" panose="05000000000000000000" pitchFamily="2" charset="2"/>
+              </a:rPr>
+              <a:t>RWC</a:t>
+            </a:r>
+            <a:r>
+              <a:rPr lang="it-IT" dirty="0">
+                <a:solidFill>
+                  <a:srgbClr val="00B050"/>
+                </a:solidFill>
+                <a:latin typeface="Calibri" panose="020F0502020204030204" pitchFamily="34" charset="0"/>
+                <a:cs typeface="Calibri" panose="020F0502020204030204" pitchFamily="34" charset="0"/>
+                <a:sym typeface="Wingdings" panose="05000000000000000000" pitchFamily="2" charset="2"/>
+              </a:rPr>
+              <a:t> </a:t>
+            </a:r>
+            <a:r>
+              <a:rPr lang="it-IT" dirty="0">
+                <a:latin typeface="Calibri" panose="020F0502020204030204" pitchFamily="34" charset="0"/>
+                <a:cs typeface="Calibri" panose="020F0502020204030204" pitchFamily="34" charset="0"/>
+                <a:sym typeface="Wingdings" panose="05000000000000000000" pitchFamily="2" charset="2"/>
+              </a:rPr>
+              <a:t>BASSA  ARGOMENTO </a:t>
+            </a:r>
+            <a:r>
+              <a:rPr lang="it-IT" b="1" dirty="0" smtClean="0">
+                <a:latin typeface="Calibri" panose="020F0502020204030204" pitchFamily="34" charset="0"/>
+                <a:cs typeface="Calibri" panose="020F0502020204030204" pitchFamily="34" charset="0"/>
+                <a:sym typeface="Wingdings" panose="05000000000000000000" pitchFamily="2" charset="2"/>
+              </a:rPr>
+              <a:t>POCO</a:t>
+            </a:r>
+            <a:r>
+              <a:rPr lang="it-IT" b="1" dirty="0" smtClean="0">
+                <a:latin typeface="Calibri" panose="020F0502020204030204" pitchFamily="34" charset="0"/>
+                <a:cs typeface="Calibri" panose="020F0502020204030204" pitchFamily="34" charset="0"/>
+                <a:sym typeface="Wingdings" panose="05000000000000000000" pitchFamily="2" charset="2"/>
+              </a:rPr>
+              <a:t> </a:t>
+            </a:r>
+            <a:r>
+              <a:rPr lang="it-IT" b="1" dirty="0">
+                <a:latin typeface="Calibri" panose="020F0502020204030204" pitchFamily="34" charset="0"/>
+                <a:cs typeface="Calibri" panose="020F0502020204030204" pitchFamily="34" charset="0"/>
+                <a:sym typeface="Wingdings" panose="05000000000000000000" pitchFamily="2" charset="2"/>
+              </a:rPr>
+              <a:t>CONTROVERSO</a:t>
+            </a:r>
+          </a:p>
+          <a:p>
+            <a:endParaRPr lang="it-IT" dirty="0">
+              <a:latin typeface="Calibri" panose="020F0502020204030204" pitchFamily="34" charset="0"/>
+              <a:cs typeface="Calibri" panose="020F0502020204030204" pitchFamily="34" charset="0"/>
+              <a:sym typeface="Wingdings" panose="05000000000000000000" pitchFamily="2" charset="2"/>
+            </a:endParaRPr>
+          </a:p>
+          <a:p>
+            <a:r>
+              <a:rPr lang="it-IT" dirty="0">
+                <a:latin typeface="Calibri" pitchFamily="34" charset="0"/>
+                <a:cs typeface="Calibri" pitchFamily="34" charset="0"/>
+              </a:rPr>
+              <a:t>Valori alti di </a:t>
+            </a:r>
+            <a:r>
+              <a:rPr lang="it-IT" b="1" i="1" dirty="0" smtClean="0">
+                <a:solidFill>
+                  <a:srgbClr val="00B050"/>
+                </a:solidFill>
+                <a:latin typeface="Calibri" pitchFamily="34" charset="0"/>
+                <a:cs typeface="Calibri" pitchFamily="34" charset="0"/>
+              </a:rPr>
+              <a:t>RWC</a:t>
+            </a:r>
+            <a:r>
+              <a:rPr lang="it-IT" i="1" dirty="0" smtClean="0">
+                <a:solidFill>
+                  <a:srgbClr val="00B050"/>
+                </a:solidFill>
+                <a:latin typeface="Calibri" pitchFamily="34" charset="0"/>
+                <a:cs typeface="Calibri" pitchFamily="34" charset="0"/>
+              </a:rPr>
+              <a:t> </a:t>
+            </a:r>
+            <a:r>
+              <a:rPr lang="it-IT" dirty="0">
+                <a:latin typeface="Calibri" pitchFamily="34" charset="0"/>
+                <a:cs typeface="Calibri" pitchFamily="34" charset="0"/>
+              </a:rPr>
+              <a:t>indicano che, all’equilibrio del </a:t>
+            </a:r>
+            <a:r>
+              <a:rPr lang="it-IT" i="1" dirty="0" smtClean="0">
+                <a:latin typeface="Calibri" pitchFamily="34" charset="0"/>
+                <a:cs typeface="Calibri" pitchFamily="34" charset="0"/>
+              </a:rPr>
+              <a:t>random </a:t>
+            </a:r>
+            <a:r>
+              <a:rPr lang="it-IT" i="1" dirty="0" err="1" smtClean="0">
+                <a:latin typeface="Calibri" pitchFamily="34" charset="0"/>
+                <a:cs typeface="Calibri" pitchFamily="34" charset="0"/>
+              </a:rPr>
+              <a:t>walk</a:t>
+            </a:r>
+            <a:r>
+              <a:rPr lang="it-IT" dirty="0">
+                <a:latin typeface="Calibri" pitchFamily="34" charset="0"/>
+                <a:cs typeface="Calibri" pitchFamily="34" charset="0"/>
+              </a:rPr>
+              <a:t>, è bassa </a:t>
+            </a:r>
+            <a:endParaRPr lang="it-IT" dirty="0" smtClean="0">
+              <a:latin typeface="Calibri" pitchFamily="34" charset="0"/>
+              <a:cs typeface="Calibri" pitchFamily="34" charset="0"/>
+            </a:endParaRPr>
+          </a:p>
+          <a:p>
+            <a:r>
+              <a:rPr lang="it-IT" dirty="0" smtClean="0">
+                <a:latin typeface="Calibri" pitchFamily="34" charset="0"/>
+                <a:cs typeface="Calibri" pitchFamily="34" charset="0"/>
+              </a:rPr>
+              <a:t>la </a:t>
+            </a:r>
+            <a:r>
+              <a:rPr lang="it-IT" dirty="0">
+                <a:latin typeface="Calibri" pitchFamily="34" charset="0"/>
+                <a:cs typeface="Calibri" pitchFamily="34" charset="0"/>
+              </a:rPr>
+              <a:t>probabilità di essere nell’</a:t>
+            </a:r>
+            <a:r>
+              <a:rPr lang="it-IT" i="1" dirty="0" err="1">
+                <a:latin typeface="Calibri" pitchFamily="34" charset="0"/>
+                <a:cs typeface="Calibri" pitchFamily="34" charset="0"/>
+              </a:rPr>
+              <a:t>echo-chamber</a:t>
+            </a:r>
+            <a:r>
+              <a:rPr lang="it-IT" i="1" dirty="0">
+                <a:latin typeface="Calibri" pitchFamily="34" charset="0"/>
+                <a:cs typeface="Calibri" pitchFamily="34" charset="0"/>
+              </a:rPr>
+              <a:t> </a:t>
+            </a:r>
+            <a:r>
+              <a:rPr lang="it-IT" dirty="0">
+                <a:latin typeface="Calibri" pitchFamily="34" charset="0"/>
+                <a:cs typeface="Calibri" pitchFamily="34" charset="0"/>
+              </a:rPr>
+              <a:t>opposta a quella di </a:t>
+            </a:r>
+            <a:r>
+              <a:rPr lang="it-IT" dirty="0" smtClean="0">
+                <a:latin typeface="Calibri" pitchFamily="34" charset="0"/>
+                <a:cs typeface="Calibri" pitchFamily="34" charset="0"/>
+              </a:rPr>
+              <a:t>partenza.</a:t>
+            </a:r>
+            <a:endParaRPr lang="it-IT" dirty="0">
+              <a:latin typeface="Calibri" pitchFamily="34" charset="0"/>
+              <a:cs typeface="Calibri" pitchFamily="34" charset="0"/>
+            </a:endParaRPr>
+          </a:p>
+          <a:p>
+            <a:endParaRPr lang="it-IT" dirty="0">
+              <a:latin typeface="Calibri" pitchFamily="34" charset="0"/>
+              <a:cs typeface="Calibri" pitchFamily="34" charset="0"/>
+            </a:endParaRPr>
+          </a:p>
+          <a:p>
+            <a:endParaRPr lang="it-IT" dirty="0" smtClean="0">
+              <a:latin typeface="Calibri" pitchFamily="34" charset="0"/>
+              <a:cs typeface="Calibri" pitchFamily="34" charset="0"/>
+            </a:endParaRPr>
+          </a:p>
+          <a:p>
+            <a:endParaRPr lang="it-IT" dirty="0" smtClean="0">
+              <a:latin typeface="Calibri" panose="020F0502020204030204" pitchFamily="34" charset="0"/>
+              <a:cs typeface="Calibri" panose="020F0502020204030204" pitchFamily="34" charset="0"/>
+              <a:sym typeface="Wingdings" panose="05000000000000000000" pitchFamily="2" charset="2"/>
+            </a:endParaRPr>
+          </a:p>
+          <a:p>
+            <a:endParaRPr lang="it-IT" dirty="0" smtClean="0">
+              <a:latin typeface="Calibri" panose="020F0502020204030204" pitchFamily="34" charset="0"/>
+              <a:cs typeface="Calibri" panose="020F0502020204030204" pitchFamily="34" charset="0"/>
+              <a:sym typeface="Wingdings" panose="05000000000000000000" pitchFamily="2" charset="2"/>
+            </a:endParaRPr>
+          </a:p>
+          <a:p>
+            <a:endParaRPr lang="it-IT" dirty="0">
+              <a:latin typeface="Calibri" panose="020F0502020204030204" pitchFamily="34" charset="0"/>
+              <a:cs typeface="Calibri" panose="020F0502020204030204" pitchFamily="34" charset="0"/>
+              <a:sym typeface="Wingdings" panose="05000000000000000000" pitchFamily="2" charset="2"/>
+            </a:endParaRPr>
+          </a:p>
+          <a:p>
+            <a:endParaRPr lang="it-IT" dirty="0">
+              <a:latin typeface="Calibri" panose="020F0502020204030204" pitchFamily="34" charset="0"/>
+              <a:cs typeface="Calibri" panose="020F0502020204030204" pitchFamily="34" charset="0"/>
+              <a:sym typeface="Wingdings" panose="05000000000000000000" pitchFamily="2" charset="2"/>
+            </a:endParaRPr>
+          </a:p>
+          <a:p>
+            <a:endParaRPr lang="it-IT" dirty="0">
+              <a:latin typeface="Calibri" panose="020F0502020204030204" pitchFamily="34" charset="0"/>
+              <a:cs typeface="Calibri" panose="020F0502020204030204" pitchFamily="34" charset="0"/>
+              <a:sym typeface="Wingdings" panose="05000000000000000000" pitchFamily="2" charset="2"/>
+            </a:endParaRPr>
+          </a:p>
+          <a:p>
+            <a:r>
+              <a:rPr lang="it-IT" sz="1200" dirty="0">
+                <a:latin typeface="Calibri" panose="020F0502020204030204" pitchFamily="34" charset="0"/>
+                <a:cs typeface="Calibri" panose="020F0502020204030204" pitchFamily="34" charset="0"/>
+                <a:sym typeface="Wingdings" panose="05000000000000000000" pitchFamily="2" charset="2"/>
+              </a:rPr>
+              <a:t>La definizione dell’RWC è tratta dall’articolo «</a:t>
+            </a:r>
+            <a:r>
+              <a:rPr lang="it-IT" sz="1200" u="sng" dirty="0" err="1">
+                <a:latin typeface="Calibri" panose="020F0502020204030204" pitchFamily="34" charset="0"/>
+                <a:cs typeface="Calibri" panose="020F0502020204030204" pitchFamily="34" charset="0"/>
+                <a:sym typeface="Wingdings" panose="05000000000000000000" pitchFamily="2" charset="2"/>
+              </a:rPr>
+              <a:t>Reducing</a:t>
+            </a:r>
+            <a:r>
+              <a:rPr lang="it-IT" sz="1200" u="sng" dirty="0">
+                <a:latin typeface="Calibri" panose="020F0502020204030204" pitchFamily="34" charset="0"/>
+                <a:cs typeface="Calibri" panose="020F0502020204030204" pitchFamily="34" charset="0"/>
+                <a:sym typeface="Wingdings" panose="05000000000000000000" pitchFamily="2" charset="2"/>
+              </a:rPr>
+              <a:t> </a:t>
+            </a:r>
+            <a:r>
+              <a:rPr lang="it-IT" sz="1200" u="sng" dirty="0" err="1">
+                <a:latin typeface="Calibri" panose="020F0502020204030204" pitchFamily="34" charset="0"/>
+                <a:cs typeface="Calibri" panose="020F0502020204030204" pitchFamily="34" charset="0"/>
+                <a:sym typeface="Wingdings" panose="05000000000000000000" pitchFamily="2" charset="2"/>
+              </a:rPr>
+              <a:t>controversy</a:t>
+            </a:r>
+            <a:r>
+              <a:rPr lang="it-IT" sz="1200" u="sng" dirty="0">
+                <a:latin typeface="Calibri" panose="020F0502020204030204" pitchFamily="34" charset="0"/>
+                <a:cs typeface="Calibri" panose="020F0502020204030204" pitchFamily="34" charset="0"/>
+                <a:sym typeface="Wingdings" panose="05000000000000000000" pitchFamily="2" charset="2"/>
+              </a:rPr>
+              <a:t> by </a:t>
+            </a:r>
+            <a:r>
+              <a:rPr lang="it-IT" sz="1200" u="sng" dirty="0" err="1">
+                <a:latin typeface="Calibri" panose="020F0502020204030204" pitchFamily="34" charset="0"/>
+                <a:cs typeface="Calibri" panose="020F0502020204030204" pitchFamily="34" charset="0"/>
+                <a:sym typeface="Wingdings" panose="05000000000000000000" pitchFamily="2" charset="2"/>
+              </a:rPr>
+              <a:t>connecting</a:t>
+            </a:r>
+            <a:r>
+              <a:rPr lang="it-IT" sz="1200" u="sng" dirty="0">
+                <a:latin typeface="Calibri" panose="020F0502020204030204" pitchFamily="34" charset="0"/>
+                <a:cs typeface="Calibri" panose="020F0502020204030204" pitchFamily="34" charset="0"/>
+                <a:sym typeface="Wingdings" panose="05000000000000000000" pitchFamily="2" charset="2"/>
+              </a:rPr>
+              <a:t> </a:t>
+            </a:r>
+            <a:r>
+              <a:rPr lang="it-IT" sz="1200" u="sng" dirty="0" err="1">
+                <a:latin typeface="Calibri" panose="020F0502020204030204" pitchFamily="34" charset="0"/>
+                <a:cs typeface="Calibri" panose="020F0502020204030204" pitchFamily="34" charset="0"/>
+                <a:sym typeface="Wingdings" panose="05000000000000000000" pitchFamily="2" charset="2"/>
+              </a:rPr>
+              <a:t>opposing</a:t>
+            </a:r>
+            <a:r>
+              <a:rPr lang="it-IT" sz="1200" u="sng" dirty="0">
+                <a:latin typeface="Calibri" panose="020F0502020204030204" pitchFamily="34" charset="0"/>
+                <a:cs typeface="Calibri" panose="020F0502020204030204" pitchFamily="34" charset="0"/>
+                <a:sym typeface="Wingdings" panose="05000000000000000000" pitchFamily="2" charset="2"/>
+              </a:rPr>
+              <a:t> </a:t>
+            </a:r>
+            <a:r>
+              <a:rPr lang="it-IT" sz="1200" u="sng" dirty="0" err="1">
+                <a:latin typeface="Calibri" panose="020F0502020204030204" pitchFamily="34" charset="0"/>
+                <a:cs typeface="Calibri" panose="020F0502020204030204" pitchFamily="34" charset="0"/>
+                <a:sym typeface="Wingdings" panose="05000000000000000000" pitchFamily="2" charset="2"/>
+              </a:rPr>
+              <a:t>views</a:t>
+            </a:r>
+            <a:r>
+              <a:rPr lang="it-IT" sz="1200" dirty="0">
+                <a:latin typeface="Calibri" panose="020F0502020204030204" pitchFamily="34" charset="0"/>
+                <a:cs typeface="Calibri" panose="020F0502020204030204" pitchFamily="34" charset="0"/>
+                <a:sym typeface="Wingdings" panose="05000000000000000000" pitchFamily="2" charset="2"/>
+              </a:rPr>
+              <a:t>»</a:t>
+            </a:r>
+            <a:endParaRPr lang="it-IT" sz="1200" dirty="0">
+              <a:latin typeface="Calibri" panose="020F0502020204030204" pitchFamily="34" charset="0"/>
+              <a:cs typeface="Calibri" panose="020F0502020204030204" pitchFamily="34" charset="0"/>
+            </a:endParaRPr>
+          </a:p>
+        </p:txBody>
+      </p:sp>
+      <p:cxnSp>
+        <p:nvCxnSpPr>
+          <p:cNvPr id="3" name="Connettore 2 2"/>
+          <p:cNvCxnSpPr/>
+          <p:nvPr/>
+        </p:nvCxnSpPr>
+        <p:spPr>
+          <a:xfrm>
+            <a:off x="5040052" y="4293096"/>
+            <a:ext cx="0" cy="576064"/>
+          </a:xfrm>
+          <a:prstGeom prst="straightConnector1">
+            <a:avLst/>
+          </a:prstGeom>
+          <a:ln>
+            <a:tailEnd type="arrow"/>
+          </a:ln>
+        </p:spPr>
+        <p:style>
+          <a:lnRef idx="3">
+            <a:schemeClr val="accent2"/>
+          </a:lnRef>
+          <a:fillRef idx="0">
+            <a:schemeClr val="accent2"/>
+          </a:fillRef>
+          <a:effectRef idx="2">
+            <a:schemeClr val="accent2"/>
+          </a:effectRef>
+          <a:fontRef idx="minor">
+            <a:schemeClr val="tx1"/>
+          </a:fontRef>
+        </p:style>
+      </p:cxnSp>
+      <p:sp>
+        <p:nvSpPr>
+          <p:cNvPr id="4" name="Rettangolo 3"/>
+          <p:cNvSpPr/>
+          <p:nvPr/>
+        </p:nvSpPr>
+        <p:spPr>
+          <a:xfrm>
+            <a:off x="3995936" y="4869160"/>
+            <a:ext cx="2088232" cy="648072"/>
+          </a:xfrm>
+          <a:prstGeom prst="rect">
+            <a:avLst/>
+          </a:prstGeom>
+          <a:gradFill flip="none" rotWithShape="1">
+            <a:gsLst>
+              <a:gs pos="0">
+                <a:schemeClr val="accent2">
+                  <a:tint val="66000"/>
+                  <a:satMod val="160000"/>
+                </a:schemeClr>
+              </a:gs>
+              <a:gs pos="50000">
+                <a:schemeClr val="accent2">
+                  <a:tint val="44500"/>
+                  <a:satMod val="160000"/>
+                </a:schemeClr>
+              </a:gs>
+              <a:gs pos="100000">
+                <a:schemeClr val="accent2">
+                  <a:tint val="23500"/>
+                  <a:satMod val="160000"/>
+                </a:schemeClr>
+              </a:gs>
+            </a:gsLst>
+            <a:path path="circle">
+              <a:fillToRect t="100000" r="100000"/>
+            </a:path>
+            <a:tileRect l="-100000" b="-100000"/>
+          </a:gradFill>
+          <a:ln>
+            <a:solidFill>
+              <a:srgbClr val="C00000"/>
+            </a:solidFill>
+          </a:ln>
+        </p:spPr>
+        <p:style>
+          <a:lnRef idx="2">
+            <a:schemeClr val="accent1">
+              <a:shade val="50000"/>
+            </a:schemeClr>
+          </a:lnRef>
+          <a:fillRef idx="1">
+            <a:schemeClr val="accent1"/>
+          </a:fillRef>
+          <a:effectRef idx="0">
+            <a:schemeClr val="accent1"/>
+          </a:effectRef>
+          <a:fontRef idx="minor">
+            <a:schemeClr val="lt1"/>
+          </a:fontRef>
+        </p:style>
+        <p:txBody>
+          <a:bodyPr rtlCol="0" anchor="ctr"/>
+          <a:lstStyle/>
+          <a:p>
+            <a:pPr algn="ctr"/>
+            <a:endParaRPr lang="it-IT" dirty="0" smtClean="0">
+              <a:latin typeface="Calibri" pitchFamily="34" charset="0"/>
+              <a:cs typeface="Calibri" pitchFamily="34" charset="0"/>
+            </a:endParaRPr>
+          </a:p>
+          <a:p>
+            <a:pPr algn="ctr"/>
+            <a:r>
+              <a:rPr lang="it-IT" dirty="0" smtClean="0">
+                <a:solidFill>
+                  <a:schemeClr val="accent2"/>
+                </a:solidFill>
+                <a:latin typeface="Calibri" pitchFamily="34" charset="0"/>
+                <a:cs typeface="Calibri" pitchFamily="34" charset="0"/>
+              </a:rPr>
+              <a:t>elevata</a:t>
+            </a:r>
+            <a:r>
+              <a:rPr lang="it-IT" dirty="0" smtClean="0">
+                <a:latin typeface="Calibri" pitchFamily="34" charset="0"/>
+                <a:cs typeface="Calibri" pitchFamily="34" charset="0"/>
+              </a:rPr>
+              <a:t> </a:t>
+            </a:r>
+            <a:r>
+              <a:rPr lang="it-IT" i="1" dirty="0" smtClean="0">
+                <a:solidFill>
+                  <a:schemeClr val="accent2"/>
+                </a:solidFill>
+                <a:latin typeface="Calibri" pitchFamily="34" charset="0"/>
+                <a:cs typeface="Calibri" pitchFamily="34" charset="0"/>
+              </a:rPr>
+              <a:t>controversia</a:t>
+            </a:r>
+            <a:endParaRPr lang="it-IT" dirty="0">
+              <a:solidFill>
+                <a:schemeClr val="accent2"/>
+              </a:solidFill>
+              <a:latin typeface="Calibri" panose="020F0502020204030204" pitchFamily="34" charset="0"/>
+              <a:cs typeface="Calibri" panose="020F0502020204030204" pitchFamily="34" charset="0"/>
+              <a:sym typeface="Wingdings" panose="05000000000000000000" pitchFamily="2" charset="2"/>
+            </a:endParaRPr>
+          </a:p>
+          <a:p>
+            <a:pPr algn="ctr"/>
+            <a:endParaRPr lang="it-IT" dirty="0"/>
+          </a:p>
+        </p:txBody>
+      </p:sp>
+    </p:spTree>
+    <p:extLst>
+      <p:ext uri="{BB962C8B-B14F-4D97-AF65-F5344CB8AC3E}">
+        <p14:creationId xmlns:p14="http://schemas.microsoft.com/office/powerpoint/2010/main" val="1023110279"/>
+      </p:ext>
+    </p:extLst>
+  </p:cSld>
+  <p:clrMapOvr>
+    <a:masterClrMapping/>
+  </p:clrMapOvr>
+  <p:timing>
+    <p:tnLst>
+      <p:par>
+        <p:cTn id="1" dur="indefinite" restart="never" nodeType="tmRoot"/>
+      </p:par>
+    </p:tnLst>
+  </p:timing>
+</p:sld>
+</file>
+
+<file path=ppt/slides/slide9.xml><?xml version="1.0" encoding="utf-8"?>
+<p:sld xmlns:a="http://schemas.openxmlformats.org/drawingml/2006/main" xmlns:r="http://schemas.openxmlformats.org/officeDocument/2006/relationships" xmlns:p="http://schemas.openxmlformats.org/presentationml/2006/main">
+  <p:cSld>
+    <p:spTree>
+      <p:nvGrpSpPr>
+        <p:cNvPr id="1" name=""/>
+        <p:cNvGrpSpPr/>
+        <p:nvPr/>
+      </p:nvGrpSpPr>
+      <p:grpSpPr>
+        <a:xfrm>
+          <a:off x="0" y="0"/>
+          <a:ext cx="0" cy="0"/>
+          <a:chOff x="0" y="0"/>
+          <a:chExt cx="0" cy="0"/>
+        </a:xfrm>
+      </p:grpSpPr>
+      <p:sp>
+        <p:nvSpPr>
+          <p:cNvPr id="5" name="Title 3">
+            <a:extLst>
+              <a:ext uri="{FF2B5EF4-FFF2-40B4-BE49-F238E27FC236}">
+                <a16:creationId xmlns:a16="http://schemas.microsoft.com/office/drawing/2014/main" xmlns="" id="{189ECF77-714F-4D2C-9D4B-CC43534EF427}"/>
+              </a:ext>
+            </a:extLst>
+          </p:cNvPr>
+          <p:cNvSpPr>
+            <a:spLocks noGrp="1"/>
+          </p:cNvSpPr>
+          <p:nvPr>
+            <p:ph type="title"/>
+          </p:nvPr>
+        </p:nvSpPr>
+        <p:spPr>
+          <a:xfrm>
+            <a:off x="0" y="21787"/>
+            <a:ext cx="9144000" cy="1069514"/>
+          </a:xfrm>
+        </p:spPr>
+        <p:txBody>
+          <a:bodyPr>
+            <a:scene3d>
+              <a:camera prst="orthographicFront"/>
+              <a:lightRig rig="threePt" dir="t"/>
+            </a:scene3d>
+            <a:sp3d extrusionH="57150">
+              <a:bevelT w="82550" h="38100" prst="coolSlant"/>
+            </a:sp3d>
+          </a:bodyPr>
+          <a:lstStyle/>
+          <a:p>
+            <a:pPr algn="ctr"/>
+            <a:r>
+              <a:rPr lang="en-US" altLang="ko-KR" dirty="0" err="1">
+                <a:solidFill>
+                  <a:schemeClr val="accent5">
+                    <a:lumMod val="75000"/>
+                  </a:schemeClr>
+                </a:solidFill>
+              </a:rPr>
+              <a:t>Definizione</a:t>
+            </a:r>
+            <a:r>
+              <a:rPr lang="en-US" altLang="ko-KR" dirty="0">
+                <a:solidFill>
+                  <a:schemeClr val="accent5">
+                    <a:lumMod val="75000"/>
+                  </a:schemeClr>
+                </a:solidFill>
+              </a:rPr>
+              <a:t> del </a:t>
+            </a:r>
+            <a:r>
+              <a:rPr lang="en-US" altLang="ko-KR" dirty="0" err="1">
+                <a:solidFill>
+                  <a:schemeClr val="accent5">
+                    <a:lumMod val="75000"/>
+                  </a:schemeClr>
+                </a:solidFill>
+              </a:rPr>
+              <a:t>problema</a:t>
+            </a:r>
+            <a:endParaRPr lang="ko-KR" altLang="en-US" dirty="0">
+              <a:solidFill>
+                <a:schemeClr val="accent5">
+                  <a:lumMod val="75000"/>
+                </a:schemeClr>
+              </a:solidFill>
+            </a:endParaRPr>
+          </a:p>
+        </p:txBody>
+      </p:sp>
+      <mc:AlternateContent xmlns:mc="http://schemas.openxmlformats.org/markup-compatibility/2006">
+        <mc:Choice xmlns:a14="http://schemas.microsoft.com/office/drawing/2010/main" Requires="a14">
+          <p:sp>
+            <p:nvSpPr>
+              <p:cNvPr id="6" name="Rettangolo 5"/>
+              <p:cNvSpPr/>
+              <p:nvPr/>
+            </p:nvSpPr>
+            <p:spPr>
+              <a:xfrm>
+                <a:off x="1619672" y="1340768"/>
+                <a:ext cx="7416824" cy="4938853"/>
+              </a:xfrm>
+              <a:prstGeom prst="rect">
+                <a:avLst/>
+              </a:prstGeom>
+            </p:spPr>
+            <p:txBody>
+              <a:bodyPr wrap="square">
+                <a:spAutoFit/>
+              </a:bodyPr>
+              <a:lstStyle/>
+              <a:p>
+                <a:r>
+                  <a:rPr lang="it-IT" b="1" dirty="0" smtClean="0">
+                    <a:solidFill>
+                      <a:schemeClr val="accent5">
+                        <a:lumMod val="75000"/>
+                      </a:schemeClr>
+                    </a:solidFill>
+                    <a:latin typeface="Calibri" panose="020F0502020204030204" pitchFamily="34" charset="0"/>
+                    <a:cs typeface="Calibri" panose="020F0502020204030204" pitchFamily="34" charset="0"/>
+                    <a:sym typeface="Wingdings" panose="05000000000000000000" pitchFamily="2" charset="2"/>
+                  </a:rPr>
+                  <a:t>Problema di ottimizzazione originario</a:t>
+                </a:r>
+                <a:r>
+                  <a:rPr lang="it-IT" dirty="0">
+                    <a:solidFill>
+                      <a:schemeClr val="accent5">
+                        <a:lumMod val="75000"/>
+                      </a:schemeClr>
+                    </a:solidFill>
+                    <a:latin typeface="Calibri" panose="020F0502020204030204" pitchFamily="34" charset="0"/>
+                    <a:cs typeface="Calibri" panose="020F0502020204030204" pitchFamily="34" charset="0"/>
+                    <a:sym typeface="Wingdings" panose="05000000000000000000" pitchFamily="2" charset="2"/>
+                  </a:rPr>
+                  <a:t>: </a:t>
+                </a:r>
+              </a:p>
+              <a:p>
+                <a:r>
+                  <a:rPr lang="it-IT" dirty="0">
+                    <a:latin typeface="Calibri" pitchFamily="34" charset="0"/>
+                    <a:cs typeface="Calibri" pitchFamily="34" charset="0"/>
+                  </a:rPr>
+                  <a:t>trovare l’insieme di </a:t>
+                </a:r>
+                <a:r>
+                  <a:rPr lang="it-IT" b="1" i="1" dirty="0">
+                    <a:latin typeface="Calibri" pitchFamily="34" charset="0"/>
+                    <a:cs typeface="Calibri" pitchFamily="34" charset="0"/>
+                  </a:rPr>
+                  <a:t>k</a:t>
+                </a:r>
+                <a:r>
+                  <a:rPr lang="it-IT" i="1" dirty="0">
+                    <a:latin typeface="Calibri" pitchFamily="34" charset="0"/>
+                    <a:cs typeface="Calibri" pitchFamily="34" charset="0"/>
+                  </a:rPr>
+                  <a:t> </a:t>
+                </a:r>
+                <a:r>
+                  <a:rPr lang="it-IT" b="1" dirty="0">
+                    <a:latin typeface="Calibri" pitchFamily="34" charset="0"/>
+                    <a:cs typeface="Calibri" pitchFamily="34" charset="0"/>
+                  </a:rPr>
+                  <a:t>archi diretti</a:t>
+                </a:r>
+                <a:r>
+                  <a:rPr lang="it-IT" dirty="0">
+                    <a:latin typeface="Calibri" pitchFamily="34" charset="0"/>
+                    <a:cs typeface="Calibri" pitchFamily="34" charset="0"/>
+                  </a:rPr>
+                  <a:t>, considerando </a:t>
+                </a:r>
+                <a:r>
+                  <a:rPr lang="it-IT" b="1" i="1" dirty="0">
+                    <a:latin typeface="Calibri" pitchFamily="34" charset="0"/>
+                    <a:cs typeface="Calibri" pitchFamily="34" charset="0"/>
+                  </a:rPr>
+                  <a:t>tutti</a:t>
+                </a:r>
+                <a:r>
+                  <a:rPr lang="it-IT" i="1" dirty="0">
+                    <a:latin typeface="Calibri" pitchFamily="34" charset="0"/>
+                    <a:cs typeface="Calibri" pitchFamily="34" charset="0"/>
+                  </a:rPr>
+                  <a:t> </a:t>
+                </a:r>
+                <a:r>
+                  <a:rPr lang="it-IT" dirty="0">
+                    <a:latin typeface="Calibri" pitchFamily="34" charset="0"/>
+                    <a:cs typeface="Calibri" pitchFamily="34" charset="0"/>
+                  </a:rPr>
+                  <a:t>gli archi non ancora </a:t>
+                </a:r>
+              </a:p>
+              <a:p>
+                <a:r>
+                  <a:rPr lang="it-IT" dirty="0">
+                    <a:latin typeface="Calibri" pitchFamily="34" charset="0"/>
+                    <a:cs typeface="Calibri" pitchFamily="34" charset="0"/>
+                  </a:rPr>
+                  <a:t>presenti nel grafo, che se si materializzassero </a:t>
+                </a:r>
+                <a:r>
+                  <a:rPr lang="it-IT" b="1" i="1" dirty="0">
+                    <a:latin typeface="Calibri" pitchFamily="34" charset="0"/>
+                    <a:cs typeface="Calibri" pitchFamily="34" charset="0"/>
+                  </a:rPr>
+                  <a:t>minimizzerebbero</a:t>
+                </a:r>
+                <a:r>
+                  <a:rPr lang="it-IT" i="1" dirty="0">
+                    <a:latin typeface="Calibri" pitchFamily="34" charset="0"/>
+                    <a:cs typeface="Calibri" pitchFamily="34" charset="0"/>
+                  </a:rPr>
+                  <a:t> </a:t>
+                </a:r>
+                <a:r>
+                  <a:rPr lang="it-IT" dirty="0">
+                    <a:latin typeface="Calibri" pitchFamily="34" charset="0"/>
+                    <a:cs typeface="Calibri" pitchFamily="34" charset="0"/>
+                  </a:rPr>
+                  <a:t>l’</a:t>
+                </a:r>
+                <a:r>
+                  <a:rPr lang="it-IT" b="1" i="1" dirty="0">
+                    <a:solidFill>
+                      <a:srgbClr val="00B050"/>
+                    </a:solidFill>
+                    <a:latin typeface="Calibri" pitchFamily="34" charset="0"/>
+                    <a:cs typeface="Calibri" pitchFamily="34" charset="0"/>
+                  </a:rPr>
+                  <a:t>RWC</a:t>
+                </a:r>
+                <a:r>
+                  <a:rPr lang="it-IT" i="1" dirty="0">
+                    <a:latin typeface="Calibri" pitchFamily="34" charset="0"/>
+                    <a:cs typeface="Calibri" pitchFamily="34" charset="0"/>
+                  </a:rPr>
+                  <a:t>.</a:t>
+                </a:r>
+                <a:endParaRPr lang="it-IT" dirty="0">
+                  <a:latin typeface="Calibri" panose="020F0502020204030204" pitchFamily="34" charset="0"/>
+                  <a:cs typeface="Calibri" panose="020F0502020204030204" pitchFamily="34" charset="0"/>
+                  <a:sym typeface="Wingdings" panose="05000000000000000000" pitchFamily="2" charset="2"/>
+                </a:endParaRPr>
+              </a:p>
+              <a:p>
+                <a:r>
+                  <a:rPr lang="it-IT" dirty="0">
+                    <a:latin typeface="Calibri" panose="020F0502020204030204" pitchFamily="34" charset="0"/>
+                    <a:cs typeface="Calibri" panose="020F0502020204030204" pitchFamily="34" charset="0"/>
+                    <a:sym typeface="Wingdings" panose="05000000000000000000" pitchFamily="2" charset="2"/>
+                  </a:rPr>
+                  <a:t>Ossia</a:t>
+                </a:r>
+                <a:r>
+                  <a:rPr lang="it-IT" dirty="0" smtClean="0">
+                    <a:latin typeface="Calibri" panose="020F0502020204030204" pitchFamily="34" charset="0"/>
+                    <a:cs typeface="Calibri" panose="020F0502020204030204" pitchFamily="34" charset="0"/>
+                    <a:sym typeface="Wingdings" panose="05000000000000000000" pitchFamily="2" charset="2"/>
+                  </a:rPr>
+                  <a:t>:</a:t>
+                </a:r>
+              </a:p>
+              <a:p>
+                <a:pPr algn="just"/>
+                <a:endParaRPr lang="it-IT" dirty="0">
+                  <a:latin typeface="Calibri" panose="020F0502020204030204" pitchFamily="34" charset="0"/>
+                  <a:cs typeface="Calibri" panose="020F0502020204030204" pitchFamily="34" charset="0"/>
+                  <a:sym typeface="Wingdings" panose="05000000000000000000" pitchFamily="2" charset="2"/>
+                </a:endParaRPr>
+              </a:p>
+              <a:p>
+                <a:pPr algn="just"/>
+                <a:endParaRPr lang="it-IT" dirty="0" smtClean="0">
+                  <a:latin typeface="Calibri" panose="020F0502020204030204" pitchFamily="34" charset="0"/>
+                  <a:cs typeface="Calibri" panose="020F0502020204030204" pitchFamily="34" charset="0"/>
+                  <a:sym typeface="Wingdings" panose="05000000000000000000" pitchFamily="2" charset="2"/>
+                </a:endParaRPr>
+              </a:p>
+              <a:p>
+                <a:pPr algn="just"/>
+                <a:endParaRPr lang="it-IT" dirty="0">
+                  <a:latin typeface="Calibri" panose="020F0502020204030204" pitchFamily="34" charset="0"/>
+                  <a:cs typeface="Calibri" panose="020F0502020204030204" pitchFamily="34" charset="0"/>
+                  <a:sym typeface="Wingdings" panose="05000000000000000000" pitchFamily="2" charset="2"/>
+                </a:endParaRPr>
+              </a:p>
+              <a:p>
+                <a:pPr algn="just"/>
+                <a:endParaRPr lang="it-IT" dirty="0" smtClean="0">
+                  <a:latin typeface="Calibri" panose="020F0502020204030204" pitchFamily="34" charset="0"/>
+                  <a:cs typeface="Calibri" panose="020F0502020204030204" pitchFamily="34" charset="0"/>
+                  <a:sym typeface="Wingdings" panose="05000000000000000000" pitchFamily="2" charset="2"/>
+                </a:endParaRPr>
+              </a:p>
+              <a:p>
+                <a:pPr algn="just"/>
+                <a:endParaRPr lang="it-IT" dirty="0" smtClean="0">
+                  <a:latin typeface="Calibri" panose="020F0502020204030204" pitchFamily="34" charset="0"/>
+                  <a:cs typeface="Calibri" panose="020F0502020204030204" pitchFamily="34" charset="0"/>
+                  <a:sym typeface="Wingdings" panose="05000000000000000000" pitchFamily="2" charset="2"/>
+                </a:endParaRPr>
+              </a:p>
+              <a:p>
+                <a:pPr algn="just"/>
+                <a:endParaRPr lang="it-IT" dirty="0" smtClean="0">
+                  <a:latin typeface="Calibri" panose="020F0502020204030204" pitchFamily="34" charset="0"/>
+                  <a:cs typeface="Calibri" panose="020F0502020204030204" pitchFamily="34" charset="0"/>
+                  <a:sym typeface="Wingdings" panose="05000000000000000000" pitchFamily="2" charset="2"/>
+                </a:endParaRPr>
+              </a:p>
+              <a:p>
+                <a:pPr algn="just"/>
+                <a:r>
+                  <a:rPr lang="it-IT" dirty="0" smtClean="0">
+                    <a:latin typeface="Calibri" panose="020F0502020204030204" pitchFamily="34" charset="0"/>
+                    <a:cs typeface="Calibri" panose="020F0502020204030204" pitchFamily="34" charset="0"/>
+                    <a:sym typeface="Wingdings" panose="05000000000000000000" pitchFamily="2" charset="2"/>
+                  </a:rPr>
+                  <a:t>…è un </a:t>
+                </a:r>
+                <a:r>
+                  <a:rPr lang="it-IT" b="1" i="1" dirty="0" err="1" smtClean="0">
+                    <a:solidFill>
+                      <a:schemeClr val="accent2"/>
+                    </a:solidFill>
+                    <a:latin typeface="Calibri" panose="020F0502020204030204" pitchFamily="34" charset="0"/>
+                    <a:cs typeface="Calibri" panose="020F0502020204030204" pitchFamily="34" charset="0"/>
+                    <a:sym typeface="Wingdings" panose="05000000000000000000" pitchFamily="2" charset="2"/>
+                  </a:rPr>
+                  <a:t>edge-recommendation</a:t>
+                </a:r>
+                <a:r>
+                  <a:rPr lang="it-IT" b="1" i="1" dirty="0" smtClean="0">
+                    <a:solidFill>
+                      <a:schemeClr val="accent2"/>
+                    </a:solidFill>
+                    <a:latin typeface="Calibri" panose="020F0502020204030204" pitchFamily="34" charset="0"/>
+                    <a:cs typeface="Calibri" panose="020F0502020204030204" pitchFamily="34" charset="0"/>
+                    <a:sym typeface="Wingdings" panose="05000000000000000000" pitchFamily="2" charset="2"/>
+                  </a:rPr>
+                  <a:t> </a:t>
+                </a:r>
+                <a:r>
+                  <a:rPr lang="it-IT" b="1" i="1" dirty="0" err="1" smtClean="0">
+                    <a:solidFill>
+                      <a:schemeClr val="accent2"/>
+                    </a:solidFill>
+                    <a:latin typeface="Calibri" panose="020F0502020204030204" pitchFamily="34" charset="0"/>
+                    <a:cs typeface="Calibri" panose="020F0502020204030204" pitchFamily="34" charset="0"/>
+                    <a:sym typeface="Wingdings" panose="05000000000000000000" pitchFamily="2" charset="2"/>
+                  </a:rPr>
+                  <a:t>problem</a:t>
+                </a:r>
+                <a:r>
+                  <a:rPr lang="it-IT" dirty="0" smtClean="0">
+                    <a:solidFill>
+                      <a:schemeClr val="accent2"/>
+                    </a:solidFill>
+                    <a:latin typeface="Calibri" panose="020F0502020204030204" pitchFamily="34" charset="0"/>
+                    <a:cs typeface="Calibri" panose="020F0502020204030204" pitchFamily="34" charset="0"/>
+                    <a:sym typeface="Wingdings" panose="05000000000000000000" pitchFamily="2" charset="2"/>
+                  </a:rPr>
+                  <a:t> </a:t>
+                </a:r>
+                <a:r>
+                  <a:rPr lang="it-IT" dirty="0" smtClean="0">
+                    <a:latin typeface="Calibri" panose="020F0502020204030204" pitchFamily="34" charset="0"/>
+                    <a:cs typeface="Calibri" panose="020F0502020204030204" pitchFamily="34" charset="0"/>
+                    <a:sym typeface="Wingdings" panose="05000000000000000000" pitchFamily="2" charset="2"/>
+                  </a:rPr>
+                  <a:t>caratterizzato da una complessità</a:t>
+                </a:r>
+              </a:p>
+              <a:p>
+                <a:pPr algn="just"/>
+                <a:r>
+                  <a:rPr lang="it-IT" dirty="0" smtClean="0">
+                    <a:latin typeface="Calibri" panose="020F0502020204030204" pitchFamily="34" charset="0"/>
+                    <a:cs typeface="Calibri" panose="020F0502020204030204" pitchFamily="34" charset="0"/>
+                    <a:sym typeface="Wingdings" panose="05000000000000000000" pitchFamily="2" charset="2"/>
+                  </a:rPr>
+                  <a:t>troppo elevata (i.e</a:t>
+                </a:r>
+                <a:r>
+                  <a:rPr lang="it-IT" dirty="0">
+                    <a:latin typeface="Calibri" panose="020F0502020204030204" pitchFamily="34" charset="0"/>
+                    <a:cs typeface="Calibri" panose="020F0502020204030204" pitchFamily="34" charset="0"/>
+                    <a:sym typeface="Wingdings" panose="05000000000000000000" pitchFamily="2" charset="2"/>
+                  </a:rPr>
+                  <a:t>.</a:t>
+                </a:r>
+                <a:r>
+                  <a:rPr lang="it-IT" b="1" i="1" dirty="0" smtClean="0">
+                    <a:latin typeface="Calibri" panose="020F0502020204030204" pitchFamily="34" charset="0"/>
+                    <a:cs typeface="Calibri" panose="020F0502020204030204" pitchFamily="34" charset="0"/>
+                    <a:sym typeface="Wingdings" panose="05000000000000000000" pitchFamily="2" charset="2"/>
+                  </a:rPr>
+                  <a:t> O</a:t>
+                </a:r>
+                <a14:m>
+                  <m:oMath xmlns:m="http://schemas.openxmlformats.org/officeDocument/2006/math">
+                    <m:r>
+                      <a:rPr lang="it-IT" b="0" i="0" smtClean="0">
+                        <a:latin typeface="Cambria Math"/>
+                        <a:cs typeface="Calibri" panose="020F0502020204030204" pitchFamily="34" charset="0"/>
+                        <a:sym typeface="Wingdings" panose="05000000000000000000" pitchFamily="2" charset="2"/>
+                      </a:rPr>
+                      <m:t>(</m:t>
+                    </m:r>
+                    <m:d>
+                      <m:dPr>
+                        <m:ctrlPr>
+                          <a:rPr lang="it-IT" b="1" i="1" smtClean="0">
+                            <a:latin typeface="Cambria Math"/>
+                            <a:cs typeface="Calibri" panose="020F0502020204030204" pitchFamily="34" charset="0"/>
+                            <a:sym typeface="Wingdings" panose="05000000000000000000" pitchFamily="2" charset="2"/>
+                          </a:rPr>
+                        </m:ctrlPr>
+                      </m:dPr>
+                      <m:e>
+                        <m:f>
+                          <m:fPr>
+                            <m:type m:val="noBar"/>
+                            <m:ctrlPr>
+                              <a:rPr lang="it-IT" b="1" i="1" smtClean="0">
+                                <a:latin typeface="Cambria Math"/>
+                                <a:cs typeface="Calibri" panose="020F0502020204030204" pitchFamily="34" charset="0"/>
+                                <a:sym typeface="Wingdings" panose="05000000000000000000" pitchFamily="2" charset="2"/>
+                              </a:rPr>
+                            </m:ctrlPr>
+                          </m:fPr>
+                          <m:num>
+                            <m:sSup>
+                              <m:sSupPr>
+                                <m:ctrlPr>
+                                  <a:rPr lang="it-IT" b="1" i="1" smtClean="0">
+                                    <a:latin typeface="Cambria Math"/>
+                                    <a:cs typeface="Calibri" panose="020F0502020204030204" pitchFamily="34" charset="0"/>
+                                    <a:sym typeface="Wingdings" panose="05000000000000000000" pitchFamily="2" charset="2"/>
+                                  </a:rPr>
+                                </m:ctrlPr>
+                              </m:sSupPr>
+                              <m:e>
+                                <m:r>
+                                  <a:rPr lang="it-IT" b="1" i="1" smtClean="0">
+                                    <a:latin typeface="Cambria Math"/>
+                                    <a:cs typeface="Calibri" panose="020F0502020204030204" pitchFamily="34" charset="0"/>
+                                    <a:sym typeface="Wingdings" panose="05000000000000000000" pitchFamily="2" charset="2"/>
+                                  </a:rPr>
+                                  <m:t>𝒏</m:t>
+                                </m:r>
+                              </m:e>
+                              <m:sup>
+                                <m:r>
+                                  <a:rPr lang="it-IT" b="1" i="1" smtClean="0">
+                                    <a:latin typeface="Cambria Math"/>
+                                    <a:cs typeface="Calibri" panose="020F0502020204030204" pitchFamily="34" charset="0"/>
+                                    <a:sym typeface="Wingdings" panose="05000000000000000000" pitchFamily="2" charset="2"/>
+                                  </a:rPr>
+                                  <m:t>𝟐</m:t>
+                                </m:r>
+                              </m:sup>
+                            </m:sSup>
+                          </m:num>
+                          <m:den>
+                            <m:r>
+                              <a:rPr lang="it-IT" b="1" i="1" smtClean="0">
+                                <a:latin typeface="Cambria Math"/>
+                                <a:cs typeface="Calibri" panose="020F0502020204030204" pitchFamily="34" charset="0"/>
+                                <a:sym typeface="Wingdings" panose="05000000000000000000" pitchFamily="2" charset="2"/>
+                              </a:rPr>
+                              <m:t>𝒌</m:t>
+                            </m:r>
+                          </m:den>
+                        </m:f>
+                      </m:e>
+                    </m:d>
+                    <m:r>
+                      <a:rPr lang="it-IT" b="1" i="0" smtClean="0">
+                        <a:latin typeface="Cambria Math"/>
+                        <a:cs typeface="Calibri" panose="020F0502020204030204" pitchFamily="34" charset="0"/>
+                        <a:sym typeface="Wingdings" panose="05000000000000000000" pitchFamily="2" charset="2"/>
+                      </a:rPr>
+                      <m:t>)</m:t>
+                    </m:r>
+                  </m:oMath>
+                </a14:m>
+                <a:r>
+                  <a:rPr lang="it-IT" dirty="0">
+                    <a:latin typeface="Calibri" panose="020F0502020204030204" pitchFamily="34" charset="0"/>
+                    <a:cs typeface="Calibri" panose="020F0502020204030204" pitchFamily="34" charset="0"/>
+                    <a:sym typeface="Wingdings" panose="05000000000000000000" pitchFamily="2" charset="2"/>
+                  </a:rPr>
+                  <a:t>)</a:t>
+                </a:r>
+                <a:r>
+                  <a:rPr lang="it-IT" dirty="0" smtClean="0">
+                    <a:latin typeface="Calibri" panose="020F0502020204030204" pitchFamily="34" charset="0"/>
+                    <a:cs typeface="Calibri" panose="020F0502020204030204" pitchFamily="34" charset="0"/>
+                    <a:sym typeface="Wingdings" panose="05000000000000000000" pitchFamily="2" charset="2"/>
+                  </a:rPr>
+                  <a:t> per essere risolto in tempi accettabili.</a:t>
+                </a:r>
+              </a:p>
+              <a:p>
+                <a:pPr algn="just"/>
+                <a:endParaRPr lang="it-IT" dirty="0" smtClean="0">
+                  <a:latin typeface="Calibri" panose="020F0502020204030204" pitchFamily="34" charset="0"/>
+                  <a:cs typeface="Calibri" panose="020F0502020204030204" pitchFamily="34" charset="0"/>
+                  <a:sym typeface="Wingdings" panose="05000000000000000000" pitchFamily="2" charset="2"/>
+                </a:endParaRPr>
+              </a:p>
+              <a:p>
+                <a:pPr algn="just"/>
+                <a:endParaRPr lang="it-IT" dirty="0" smtClean="0">
+                  <a:latin typeface="Calibri" panose="020F0502020204030204" pitchFamily="34" charset="0"/>
+                  <a:cs typeface="Calibri" panose="020F0502020204030204" pitchFamily="34" charset="0"/>
+                  <a:sym typeface="Wingdings" panose="05000000000000000000" pitchFamily="2" charset="2"/>
+                </a:endParaRPr>
+              </a:p>
+              <a:p>
+                <a:pPr algn="just"/>
+                <a:r>
+                  <a:rPr lang="it-IT" b="1" dirty="0" smtClean="0">
+                    <a:latin typeface="Calibri" panose="020F0502020204030204" pitchFamily="34" charset="0"/>
+                    <a:cs typeface="Calibri" panose="020F0502020204030204" pitchFamily="34" charset="0"/>
+                    <a:sym typeface="Wingdings" panose="05000000000000000000" pitchFamily="2" charset="2"/>
+                  </a:rPr>
+                  <a:t>Soluzione</a:t>
+                </a:r>
+                <a:r>
+                  <a:rPr lang="it-IT" dirty="0" smtClean="0">
+                    <a:latin typeface="Calibri" panose="020F0502020204030204" pitchFamily="34" charset="0"/>
+                    <a:cs typeface="Calibri" panose="020F0502020204030204" pitchFamily="34" charset="0"/>
+                    <a:sym typeface="Wingdings" panose="05000000000000000000" pitchFamily="2" charset="2"/>
+                  </a:rPr>
+                  <a:t>: </a:t>
+                </a:r>
+                <a:r>
+                  <a:rPr lang="it-IT" i="1" u="sng" dirty="0" smtClean="0">
+                    <a:latin typeface="Calibri" panose="020F0502020204030204" pitchFamily="34" charset="0"/>
+                    <a:cs typeface="Calibri" panose="020F0502020204030204" pitchFamily="34" charset="0"/>
+                    <a:sym typeface="Wingdings" panose="05000000000000000000" pitchFamily="2" charset="2"/>
+                  </a:rPr>
+                  <a:t>utilizzare un’</a:t>
+                </a:r>
+                <a:r>
+                  <a:rPr lang="it-IT" b="1" i="1" u="sng" dirty="0" smtClean="0">
+                    <a:solidFill>
+                      <a:srgbClr val="C00000"/>
+                    </a:solidFill>
+                    <a:latin typeface="Calibri" panose="020F0502020204030204" pitchFamily="34" charset="0"/>
+                    <a:cs typeface="Calibri" panose="020F0502020204030204" pitchFamily="34" charset="0"/>
+                    <a:sym typeface="Wingdings" panose="05000000000000000000" pitchFamily="2" charset="2"/>
+                  </a:rPr>
+                  <a:t>euristica</a:t>
+                </a:r>
+                <a:r>
+                  <a:rPr lang="it-IT" i="1" u="sng" dirty="0" smtClean="0">
+                    <a:latin typeface="Calibri" panose="020F0502020204030204" pitchFamily="34" charset="0"/>
+                    <a:cs typeface="Calibri" panose="020F0502020204030204" pitchFamily="34" charset="0"/>
+                    <a:sym typeface="Wingdings" panose="05000000000000000000" pitchFamily="2" charset="2"/>
+                  </a:rPr>
+                  <a:t> per restringere il dominio degli archi </a:t>
+                </a:r>
+              </a:p>
+              <a:p>
+                <a:pPr algn="just"/>
+                <a:r>
+                  <a:rPr lang="it-IT" i="1" u="sng" dirty="0">
+                    <a:latin typeface="Calibri" panose="020F0502020204030204" pitchFamily="34" charset="0"/>
+                    <a:cs typeface="Calibri" panose="020F0502020204030204" pitchFamily="34" charset="0"/>
+                    <a:sym typeface="Wingdings" panose="05000000000000000000" pitchFamily="2" charset="2"/>
+                  </a:rPr>
+                  <a:t>c</a:t>
+                </a:r>
+                <a:r>
+                  <a:rPr lang="it-IT" i="1" u="sng" dirty="0" smtClean="0">
+                    <a:latin typeface="Calibri" panose="020F0502020204030204" pitchFamily="34" charset="0"/>
+                    <a:cs typeface="Calibri" panose="020F0502020204030204" pitchFamily="34" charset="0"/>
+                    <a:sym typeface="Wingdings" panose="05000000000000000000" pitchFamily="2" charset="2"/>
+                  </a:rPr>
+                  <a:t>onsiderati, consentendo di ottenere risultati che approssimino l’ottimo</a:t>
+                </a:r>
+                <a:r>
+                  <a:rPr lang="it-IT" dirty="0" smtClean="0">
+                    <a:latin typeface="Calibri" panose="020F0502020204030204" pitchFamily="34" charset="0"/>
+                    <a:cs typeface="Calibri" panose="020F0502020204030204" pitchFamily="34" charset="0"/>
+                    <a:sym typeface="Wingdings" panose="05000000000000000000" pitchFamily="2" charset="2"/>
+                  </a:rPr>
+                  <a:t>.</a:t>
+                </a:r>
+                <a:endParaRPr lang="it-IT" dirty="0">
+                  <a:latin typeface="Calibri" panose="020F0502020204030204" pitchFamily="34" charset="0"/>
+                  <a:cs typeface="Calibri" panose="020F0502020204030204" pitchFamily="34" charset="0"/>
+                  <a:sym typeface="Wingdings" panose="05000000000000000000" pitchFamily="2" charset="2"/>
+                </a:endParaRPr>
+              </a:p>
+              <a:p>
+                <a:pPr algn="just"/>
+                <a:endParaRPr lang="it-IT" dirty="0">
+                  <a:latin typeface="Calibri" panose="020F0502020204030204" pitchFamily="34" charset="0"/>
+                  <a:cs typeface="Calibri" panose="020F0502020204030204" pitchFamily="34" charset="0"/>
+                  <a:sym typeface="Wingdings" panose="05000000000000000000" pitchFamily="2" charset="2"/>
+                </a:endParaRPr>
+              </a:p>
+            </p:txBody>
+          </p:sp>
+        </mc:Choice>
+        <mc:Fallback>
+          <p:sp>
+            <p:nvSpPr>
+              <p:cNvPr id="6" name="Rettangolo 5"/>
+              <p:cNvSpPr>
+                <a:spLocks noRot="1" noChangeAspect="1" noMove="1" noResize="1" noEditPoints="1" noAdjustHandles="1" noChangeArrowheads="1" noChangeShapeType="1" noTextEdit="1"/>
+              </p:cNvSpPr>
+              <p:nvPr/>
+            </p:nvSpPr>
+            <p:spPr>
+              <a:xfrm>
+                <a:off x="1619672" y="1340768"/>
+                <a:ext cx="7416824" cy="4938853"/>
+              </a:xfrm>
+              <a:prstGeom prst="rect">
+                <a:avLst/>
+              </a:prstGeom>
+              <a:blipFill rotWithShape="1">
+                <a:blip r:embed="rId2"/>
+                <a:stretch>
+                  <a:fillRect l="-740" t="-617"/>
+                </a:stretch>
+              </a:blipFill>
+            </p:spPr>
+            <p:txBody>
+              <a:bodyPr/>
+              <a:lstStyle/>
+              <a:p>
+                <a:r>
+                  <a:rPr lang="it-IT">
+                    <a:noFill/>
+                  </a:rPr>
+                  <a:t> </a:t>
+                </a:r>
+              </a:p>
+            </p:txBody>
+          </p:sp>
+        </mc:Fallback>
+      </mc:AlternateContent>
+      <p:pic>
+        <p:nvPicPr>
+          <p:cNvPr id="7" name="Picture 2" descr="C:\Users\Hp\Desktop\UNIVERSITA' E CONCORSI\TESI\PRESENTAZIONE_TESI\problema_ottimizzazione_originario.png"/>
+          <p:cNvPicPr>
+            <a:picLocks noChangeAspect="1" noChangeArrowheads="1"/>
+          </p:cNvPicPr>
+          <p:nvPr/>
+        </p:nvPicPr>
+        <p:blipFill>
+          <a:blip r:embed="rId3">
+            <a:extLst>
+              <a:ext uri="{28A0092B-C50C-407E-A947-70E740481C1C}">
+                <a14:useLocalDpi xmlns:a14="http://schemas.microsoft.com/office/drawing/2010/main" val="0"/>
+              </a:ext>
+            </a:extLst>
+          </a:blip>
+          <a:srcRect/>
+          <a:stretch>
+            <a:fillRect/>
+          </a:stretch>
+        </p:blipFill>
+        <p:spPr bwMode="auto">
+          <a:xfrm>
+            <a:off x="3419872" y="2564904"/>
+            <a:ext cx="3240360" cy="962577"/>
+          </a:xfrm>
+          <a:prstGeom prst="rect">
+            <a:avLst/>
+          </a:prstGeom>
+          <a:noFill/>
+          <a:extLst>
+            <a:ext uri="{909E8E84-426E-40DD-AFC4-6F175D3DCCD1}">
+              <a14:hiddenFill xmlns:a14="http://schemas.microsoft.com/office/drawing/2010/main">
+                <a:solidFill>
+                  <a:srgbClr val="FFFFFF"/>
+                </a:solidFill>
+              </a14:hiddenFill>
+            </a:ext>
+          </a:extLst>
+        </p:spPr>
+      </p:pic>
+    </p:spTree>
+    <p:extLst>
+      <p:ext uri="{BB962C8B-B14F-4D97-AF65-F5344CB8AC3E}">
+        <p14:creationId xmlns:p14="http://schemas.microsoft.com/office/powerpoint/2010/main" val="4249558434"/>
+      </p:ext>
+    </p:extLst>
+  </p:cSld>
+  <p:clrMapOvr>
+    <a:masterClrMapping/>
+  </p:clrMapOvr>
+  <p:timing>
+    <p:tnLst>
+      <p:par>
+        <p:cTn id="1" dur="indefinite" restart="never" nodeType="tmRoot"/>
+      </p:par>
+    </p:tnLst>
+  </p:timing>
 </p:sld>
 </file>
 
@@ -18849,4 +24051,299 @@
   <a:objectDefaults/>
   <a:extraClrSchemeLst/>
 </a:theme>
+</file>
+
+<file path=ppt/theme/theme3.xml><?xml version="1.0" encoding="utf-8"?>
+<a:theme xmlns:a="http://schemas.openxmlformats.org/drawingml/2006/main" name="Tema di Office">
+  <a:themeElements>
+    <a:clrScheme name="Office">
+      <a:dk1>
+        <a:sysClr val="windowText" lastClr="000000"/>
+      </a:dk1>
+      <a:lt1>
+        <a:sysClr val="window" lastClr="FFFFFF"/>
+      </a:lt1>
+      <a:dk2>
+        <a:srgbClr val="44546A"/>
+      </a:dk2>
+      <a:lt2>
+        <a:srgbClr val="E7E6E6"/>
+      </a:lt2>
+      <a:accent1>
+        <a:srgbClr val="4472C4"/>
+      </a:accent1>
+      <a:accent2>
+        <a:srgbClr val="ED7D31"/>
+      </a:accent2>
+      <a:accent3>
+        <a:srgbClr val="A5A5A5"/>
+      </a:accent3>
+      <a:accent4>
+        <a:srgbClr val="FFC000"/>
+      </a:accent4>
+      <a:accent5>
+        <a:srgbClr val="5B9BD5"/>
+      </a:accent5>
+      <a:accent6>
+        <a:srgbClr val="70AD47"/>
+      </a:accent6>
+      <a:hlink>
+        <a:srgbClr val="0563C1"/>
+      </a:hlink>
+      <a:folHlink>
+        <a:srgbClr val="954F72"/>
+      </a:folHlink>
+    </a:clrScheme>
+    <a:fontScheme name="Office">
+      <a:majorFont>
+        <a:latin typeface="Calibri Light"/>
+        <a:ea typeface=""/>
+        <a:cs typeface=""/>
+        <a:font script="Jpan" typeface="游ゴシック Light"/>
+        <a:font script="Hang" typeface="맑은 고딕"/>
+        <a:font script="Hans" typeface="等线 Light"/>
+        <a:font script="Hant" typeface="新細明體"/>
+        <a:font script="Arab" typeface="Times New Roman"/>
+        <a:font script="Hebr" typeface="Times New Roman"/>
+        <a:font script="Thai" typeface="Angsana New"/>
+        <a:font script="Ethi" typeface="Nyala"/>
+        <a:font script="Beng" typeface="Vrinda"/>
+        <a:font script="Gujr" typeface="Shruti"/>
+        <a:font script="Khmr" typeface="MoolBoran"/>
+        <a:font script="Knda" typeface="Tunga"/>
+        <a:font script="Guru" typeface="Raavi"/>
+        <a:font script="Cans" typeface="Euphemia"/>
+        <a:font script="Cher" typeface="Plantagenet Cherokee"/>
+        <a:font script="Yiii" typeface="Microsoft Yi Baiti"/>
+        <a:font script="Tibt" typeface="Microsoft Himalaya"/>
+        <a:font script="Thaa" typeface="MV Boli"/>
+        <a:font script="Deva" typeface="Mangal"/>
+        <a:font script="Telu" typeface="Gautami"/>
+        <a:font script="Taml" typeface="Latha"/>
+        <a:font script="Syrc" typeface="Estrangelo Edessa"/>
+        <a:font script="Orya" typeface="Kalinga"/>
+        <a:font script="Mlym" typeface="Kartika"/>
+        <a:font script="Laoo" typeface="DokChampa"/>
+        <a:font script="Sinh" typeface="Iskoola Pota"/>
+        <a:font script="Mong" typeface="Mongolian Baiti"/>
+        <a:font script="Viet" typeface="Times New Roman"/>
+        <a:font script="Uigh" typeface="Microsoft Uighur"/>
+        <a:font script="Geor" typeface="Sylfaen"/>
+        <a:font script="Armn" typeface="Arial"/>
+        <a:font script="Bugi" typeface="Leelawadee UI"/>
+        <a:font script="Bopo" typeface="Microsoft JhengHei"/>
+        <a:font script="Java" typeface="Javanese Text"/>
+        <a:font script="Lisu" typeface="Segoe UI"/>
+        <a:font script="Mymr" typeface="Myanmar Text"/>
+        <a:font script="Nkoo" typeface="Ebrima"/>
+        <a:font script="Olck" typeface="Nirmala UI"/>
+        <a:font script="Osma" typeface="Ebrima"/>
+        <a:font script="Phag" typeface="Phagspa"/>
+        <a:font script="Syrn" typeface="Estrangelo Edessa"/>
+        <a:font script="Syrj" typeface="Estrangelo Edessa"/>
+        <a:font script="Syre" typeface="Estrangelo Edessa"/>
+        <a:font script="Sora" typeface="Nirmala UI"/>
+        <a:font script="Tale" typeface="Microsoft Tai Le"/>
+        <a:font script="Talu" typeface="Microsoft New Tai Lue"/>
+        <a:font script="Tfng" typeface="Ebrima"/>
+      </a:majorFont>
+      <a:minorFont>
+        <a:latin typeface="Calibri"/>
+        <a:ea typeface=""/>
+        <a:cs typeface=""/>
+        <a:font script="Jpan" typeface="游ゴシック"/>
+        <a:font script="Hang" typeface="맑은 고딕"/>
+        <a:font script="Hans" typeface="等线"/>
+        <a:font script="Hant" typeface="新細明體"/>
+        <a:font script="Arab" typeface="Arial"/>
+        <a:font script="Hebr" typeface="Arial"/>
+        <a:font script="Thai" typeface="Cordia New"/>
+        <a:font script="Ethi" typeface="Nyala"/>
+        <a:font script="Beng" typeface="Vrinda"/>
+        <a:font script="Gujr" typeface="Shruti"/>
+        <a:font script="Khmr" typeface="DaunPenh"/>
+        <a:font script="Knda" typeface="Tunga"/>
+        <a:font script="Guru" typeface="Raavi"/>
+        <a:font script="Cans" typeface="Euphemia"/>
+        <a:font script="Cher" typeface="Plantagenet Cherokee"/>
+        <a:font script="Yiii" typeface="Microsoft Yi Baiti"/>
+        <a:font script="Tibt" typeface="Microsoft Himalaya"/>
+        <a:font script="Thaa" typeface="MV Boli"/>
+        <a:font script="Deva" typeface="Mangal"/>
+        <a:font script="Telu" typeface="Gautami"/>
+        <a:font script="Taml" typeface="Latha"/>
+        <a:font script="Syrc" typeface="Estrangelo Edessa"/>
+        <a:font script="Orya" typeface="Kalinga"/>
+        <a:font script="Mlym" typeface="Kartika"/>
+        <a:font script="Laoo" typeface="DokChampa"/>
+        <a:font script="Sinh" typeface="Iskoola Pota"/>
+        <a:font script="Mong" typeface="Mongolian Baiti"/>
+        <a:font script="Viet" typeface="Arial"/>
+        <a:font script="Uigh" typeface="Microsoft Uighur"/>
+        <a:font script="Geor" typeface="Sylfaen"/>
+        <a:font script="Armn" typeface="Arial"/>
+        <a:font script="Bugi" typeface="Leelawadee UI"/>
+        <a:font script="Bopo" typeface="Microsoft JhengHei"/>
+        <a:font script="Java" typeface="Javanese Text"/>
+        <a:font script="Lisu" typeface="Segoe UI"/>
+        <a:font script="Mymr" typeface="Myanmar Text"/>
+        <a:font script="Nkoo" typeface="Ebrima"/>
+        <a:font script="Olck" typeface="Nirmala UI"/>
+        <a:font script="Osma" typeface="Ebrima"/>
+        <a:font script="Phag" typeface="Phagspa"/>
+        <a:font script="Syrn" typeface="Estrangelo Edessa"/>
+        <a:font script="Syrj" typeface="Estrangelo Edessa"/>
+        <a:font script="Syre" typeface="Estrangelo Edessa"/>
+        <a:font script="Sora" typeface="Nirmala UI"/>
+        <a:font script="Tale" typeface="Microsoft Tai Le"/>
+        <a:font script="Talu" typeface="Microsoft New Tai Lue"/>
+        <a:font script="Tfng" typeface="Ebrima"/>
+      </a:minorFont>
+    </a:fontScheme>
+    <a:fmtScheme name="Office">
+      <a:fillStyleLst>
+        <a:solidFill>
+          <a:schemeClr val="phClr"/>
+        </a:solidFill>
+        <a:gradFill rotWithShape="1">
+          <a:gsLst>
+            <a:gs pos="0">
+              <a:schemeClr val="phClr">
+                <a:lumMod val="110000"/>
+                <a:satMod val="105000"/>
+                <a:tint val="67000"/>
+              </a:schemeClr>
+            </a:gs>
+            <a:gs pos="50000">
+              <a:schemeClr val="phClr">
+                <a:lumMod val="105000"/>
+                <a:satMod val="103000"/>
+                <a:tint val="73000"/>
+              </a:schemeClr>
+            </a:gs>
+            <a:gs pos="100000">
+              <a:schemeClr val="phClr">
+                <a:lumMod val="105000"/>
+                <a:satMod val="109000"/>
+                <a:tint val="81000"/>
+              </a:schemeClr>
+            </a:gs>
+          </a:gsLst>
+          <a:lin ang="5400000" scaled="0"/>
+        </a:gradFill>
+        <a:gradFill rotWithShape="1">
+          <a:gsLst>
+            <a:gs pos="0">
+              <a:schemeClr val="phClr">
+                <a:satMod val="103000"/>
+                <a:lumMod val="102000"/>
+                <a:tint val="94000"/>
+              </a:schemeClr>
+            </a:gs>
+            <a:gs pos="50000">
+              <a:schemeClr val="phClr">
+                <a:satMod val="110000"/>
+                <a:lumMod val="100000"/>
+                <a:shade val="100000"/>
+              </a:schemeClr>
+            </a:gs>
+            <a:gs pos="100000">
+              <a:schemeClr val="phClr">
+                <a:lumMod val="99000"/>
+                <a:satMod val="120000"/>
+                <a:shade val="78000"/>
+              </a:schemeClr>
+            </a:gs>
+          </a:gsLst>
+          <a:lin ang="5400000" scaled="0"/>
+        </a:gradFill>
+      </a:fillStyleLst>
+      <a:lnStyleLst>
+        <a:ln w="6350" cap="flat" cmpd="sng" algn="ctr">
+          <a:solidFill>
+            <a:schemeClr val="phClr"/>
+          </a:solidFill>
+          <a:prstDash val="solid"/>
+          <a:miter lim="800000"/>
+        </a:ln>
+        <a:ln w="12700" cap="flat" cmpd="sng" algn="ctr">
+          <a:solidFill>
+            <a:schemeClr val="phClr"/>
+          </a:solidFill>
+          <a:prstDash val="solid"/>
+          <a:miter lim="800000"/>
+        </a:ln>
+        <a:ln w="19050" cap="flat" cmpd="sng" algn="ctr">
+          <a:solidFill>
+            <a:schemeClr val="phClr"/>
+          </a:solidFill>
+          <a:prstDash val="solid"/>
+          <a:miter lim="800000"/>
+        </a:ln>
+      </a:lnStyleLst>
+      <a:effectStyleLst>
+        <a:effectStyle>
+          <a:effectLst/>
+        </a:effectStyle>
+        <a:effectStyle>
+          <a:effectLst/>
+        </a:effectStyle>
+        <a:effectStyle>
+          <a:effectLst>
+            <a:outerShdw blurRad="57150" dist="19050" dir="5400000" algn="ctr" rotWithShape="0">
+              <a:srgbClr val="000000">
+                <a:alpha val="63000"/>
+              </a:srgbClr>
+            </a:outerShdw>
+          </a:effectLst>
+        </a:effectStyle>
+      </a:effectStyleLst>
+      <a:bgFillStyleLst>
+        <a:solidFill>
+          <a:schemeClr val="phClr"/>
+        </a:solidFill>
+        <a:solidFill>
+          <a:schemeClr val="phClr">
+            <a:tint val="95000"/>
+            <a:satMod val="170000"/>
+          </a:schemeClr>
+        </a:solidFill>
+        <a:gradFill rotWithShape="1">
+          <a:gsLst>
+            <a:gs pos="0">
+              <a:schemeClr val="phClr">
+                <a:tint val="93000"/>
+                <a:satMod val="150000"/>
+                <a:shade val="98000"/>
+                <a:lumMod val="102000"/>
+              </a:schemeClr>
+            </a:gs>
+            <a:gs pos="50000">
+              <a:schemeClr val="phClr">
+                <a:tint val="98000"/>
+                <a:satMod val="130000"/>
+                <a:shade val="90000"/>
+                <a:lumMod val="103000"/>
+              </a:schemeClr>
+            </a:gs>
+            <a:gs pos="100000">
+              <a:schemeClr val="phClr">
+                <a:shade val="63000"/>
+                <a:satMod val="120000"/>
+              </a:schemeClr>
+            </a:gs>
+          </a:gsLst>
+          <a:lin ang="5400000" scaled="0"/>
+        </a:gradFill>
+      </a:bgFillStyleLst>
+    </a:fmtScheme>
+  </a:themeElements>
+  <a:objectDefaults/>
+  <a:extraClrSchemeLst/>
+  <a:extLst>
+    <a:ext uri="{05A4C25C-085E-4340-85A3-A5531E510DB2}">
+      <thm15:themeFamily xmlns:thm15="http://schemas.microsoft.com/office/thememl/2012/main" xmlns="" name="Office Theme" id="{62F939B6-93AF-4DB8-9C6B-D6C7DFDC589F}" vid="{4A3C46E8-61CC-4603-A589-7422A47A8E4A}"/>
+    </a:ext>
+  </a:extLst>
+</a:theme>
 </file>
--- a/PRESENTAZIONE_TESI/presentazione_agostini_stefano.pptx
+++ b/PRESENTAZIONE_TESI/presentazione_agostini_stefano.pptx
@@ -6,7 +6,7 @@
     <p:sldMasterId id="2147483661" r:id="rId2"/>
   </p:sldMasterIdLst>
   <p:notesMasterIdLst>
-    <p:notesMasterId r:id="rId14"/>
+    <p:notesMasterId r:id="rId17"/>
   </p:notesMasterIdLst>
   <p:sldIdLst>
     <p:sldId id="256" r:id="rId3"/>
@@ -20,6 +20,9 @@
     <p:sldId id="265" r:id="rId11"/>
     <p:sldId id="266" r:id="rId12"/>
     <p:sldId id="267" r:id="rId13"/>
+    <p:sldId id="268" r:id="rId14"/>
+    <p:sldId id="269" r:id="rId15"/>
+    <p:sldId id="270" r:id="rId16"/>
   </p:sldIdLst>
   <p:sldSz cx="9144000" cy="6858000" type="screen4x3"/>
   <p:notesSz cx="6858000" cy="9144000"/>
@@ -134,6 +137,9 @@
             <p14:sldId id="265"/>
             <p14:sldId id="266"/>
             <p14:sldId id="267"/>
+            <p14:sldId id="268"/>
+            <p14:sldId id="269"/>
+            <p14:sldId id="270"/>
           </p14:sldIdLst>
         </p14:section>
       </p14:sectionLst>
@@ -5461,7 +5467,7 @@
         <p:spPr>
           <a:xfrm>
             <a:off x="1619672" y="1352957"/>
-            <a:ext cx="7524328" cy="4524315"/>
+            <a:ext cx="7524328" cy="4801314"/>
           </a:xfrm>
           <a:prstGeom prst="rect">
             <a:avLst/>
@@ -5475,79 +5481,156 @@
           <a:p>
             <a:pPr algn="just"/>
             <a:r>
-              <a:rPr lang="it-IT" u="sng" dirty="0" smtClean="0">
+              <a:rPr lang="it-IT" dirty="0" smtClean="0">
                 <a:latin typeface="Calibri" panose="020F0502020204030204" pitchFamily="34" charset="0"/>
                 <a:cs typeface="Calibri" panose="020F0502020204030204" pitchFamily="34" charset="0"/>
                 <a:sym typeface="Wingdings" panose="05000000000000000000" pitchFamily="2" charset="2"/>
               </a:rPr>
-              <a:t>Bisogna scegliere i </a:t>
-            </a:r>
-            <a:r>
-              <a:rPr lang="it-IT" b="1" i="1" u="sng" dirty="0" smtClean="0">
+              <a:t>Ad ogni </a:t>
+            </a:r>
+            <a:r>
+              <a:rPr lang="it-IT" b="1" dirty="0" smtClean="0">
+                <a:solidFill>
+                  <a:srgbClr val="00B050"/>
+                </a:solidFill>
                 <a:latin typeface="Calibri" panose="020F0502020204030204" pitchFamily="34" charset="0"/>
                 <a:cs typeface="Calibri" panose="020F0502020204030204" pitchFamily="34" charset="0"/>
                 <a:sym typeface="Wingdings" panose="05000000000000000000" pitchFamily="2" charset="2"/>
               </a:rPr>
-              <a:t>k</a:t>
-            </a:r>
-            <a:r>
-              <a:rPr lang="it-IT" i="1" u="sng" dirty="0" smtClean="0">
+              <a:t>arco </a:t>
+            </a:r>
+            <a:r>
+              <a:rPr lang="it-IT" b="1" i="1" dirty="0" smtClean="0">
+                <a:solidFill>
+                  <a:srgbClr val="00B050"/>
+                </a:solidFill>
                 <a:latin typeface="Calibri" panose="020F0502020204030204" pitchFamily="34" charset="0"/>
                 <a:cs typeface="Calibri" panose="020F0502020204030204" pitchFamily="34" charset="0"/>
                 <a:sym typeface="Wingdings" panose="05000000000000000000" pitchFamily="2" charset="2"/>
               </a:rPr>
+              <a:t>e</a:t>
+            </a:r>
+            <a:r>
+              <a:rPr lang="it-IT" b="1" i="1" dirty="0" smtClean="0">
+                <a:solidFill>
+                  <a:srgbClr val="92D050"/>
+                </a:solidFill>
+                <a:latin typeface="Calibri" panose="020F0502020204030204" pitchFamily="34" charset="0"/>
+                <a:cs typeface="Calibri" panose="020F0502020204030204" pitchFamily="34" charset="0"/>
+                <a:sym typeface="Wingdings" panose="05000000000000000000" pitchFamily="2" charset="2"/>
+              </a:rPr>
               <a:t> </a:t>
             </a:r>
             <a:r>
-              <a:rPr lang="it-IT" u="sng" dirty="0" smtClean="0">
+              <a:rPr lang="it-IT" dirty="0" smtClean="0">
                 <a:latin typeface="Calibri" panose="020F0502020204030204" pitchFamily="34" charset="0"/>
                 <a:cs typeface="Calibri" panose="020F0502020204030204" pitchFamily="34" charset="0"/>
                 <a:sym typeface="Wingdings" panose="05000000000000000000" pitchFamily="2" charset="2"/>
               </a:rPr>
-              <a:t>archi del dominio più promettenti in termini del </a:t>
+              <a:t>del dominio è associato il corrispondente </a:t>
+            </a:r>
+            <a:r>
+              <a:rPr lang="it-IT" b="1" i="1" dirty="0" smtClean="0">
+                <a:solidFill>
+                  <a:srgbClr val="00B050"/>
+                </a:solidFill>
+                <a:latin typeface="Calibri" panose="020F0502020204030204" pitchFamily="34" charset="0"/>
+                <a:cs typeface="Calibri" panose="020F0502020204030204" pitchFamily="34" charset="0"/>
+                <a:sym typeface="Symbol"/>
+              </a:rPr>
+              <a:t></a:t>
+            </a:r>
+            <a:r>
+              <a:rPr lang="it-IT" b="1" i="1" dirty="0" err="1" smtClean="0">
+                <a:solidFill>
+                  <a:srgbClr val="00B050"/>
+                </a:solidFill>
+                <a:latin typeface="Calibri" panose="020F0502020204030204" pitchFamily="34" charset="0"/>
+                <a:cs typeface="Calibri" panose="020F0502020204030204" pitchFamily="34" charset="0"/>
+                <a:sym typeface="Symbol"/>
+              </a:rPr>
+              <a:t>RWC</a:t>
+            </a:r>
+            <a:r>
+              <a:rPr lang="it-IT" b="1" i="1" baseline="-25000" dirty="0" err="1" smtClean="0">
+                <a:solidFill>
+                  <a:srgbClr val="00B050"/>
+                </a:solidFill>
+                <a:latin typeface="Calibri" panose="020F0502020204030204" pitchFamily="34" charset="0"/>
+                <a:cs typeface="Calibri" panose="020F0502020204030204" pitchFamily="34" charset="0"/>
+                <a:sym typeface="Symbol"/>
+              </a:rPr>
+              <a:t>e</a:t>
+            </a:r>
+            <a:r>
+              <a:rPr lang="it-IT" dirty="0" smtClean="0">
+                <a:latin typeface="Calibri" panose="020F0502020204030204" pitchFamily="34" charset="0"/>
+                <a:cs typeface="Calibri" panose="020F0502020204030204" pitchFamily="34" charset="0"/>
+                <a:sym typeface="Symbol"/>
+              </a:rPr>
+              <a:t>, ossia il </a:t>
             </a:r>
           </a:p>
           <a:p>
             <a:pPr algn="just"/>
             <a:r>
-              <a:rPr lang="it-IT" u="sng" dirty="0">
-                <a:latin typeface="Calibri" panose="020F0502020204030204" pitchFamily="34" charset="0"/>
-                <a:cs typeface="Calibri" panose="020F0502020204030204" pitchFamily="34" charset="0"/>
-                <a:sym typeface="Wingdings" panose="05000000000000000000" pitchFamily="2" charset="2"/>
-              </a:rPr>
-              <a:t>d</a:t>
-            </a:r>
-            <a:r>
-              <a:rPr lang="it-IT" u="sng" dirty="0" smtClean="0">
-                <a:latin typeface="Calibri" panose="020F0502020204030204" pitchFamily="34" charset="0"/>
-                <a:cs typeface="Calibri" panose="020F0502020204030204" pitchFamily="34" charset="0"/>
-                <a:sym typeface="Wingdings" panose="05000000000000000000" pitchFamily="2" charset="2"/>
-              </a:rPr>
-              <a:t>ecremento dell’</a:t>
-            </a:r>
-            <a:r>
-              <a:rPr lang="it-IT" b="1" i="1" u="sng" dirty="0" smtClean="0">
+              <a:rPr lang="it-IT" dirty="0" smtClean="0">
+                <a:latin typeface="Calibri" panose="020F0502020204030204" pitchFamily="34" charset="0"/>
+                <a:cs typeface="Calibri" panose="020F0502020204030204" pitchFamily="34" charset="0"/>
+                <a:sym typeface="Symbol"/>
+              </a:rPr>
+              <a:t>decremento dell’</a:t>
+            </a:r>
+            <a:r>
+              <a:rPr lang="it-IT" b="1" i="1" dirty="0" smtClean="0">
                 <a:solidFill>
                   <a:srgbClr val="00B050"/>
                 </a:solidFill>
                 <a:latin typeface="Calibri" panose="020F0502020204030204" pitchFamily="34" charset="0"/>
                 <a:cs typeface="Calibri" panose="020F0502020204030204" pitchFamily="34" charset="0"/>
-                <a:sym typeface="Wingdings" panose="05000000000000000000" pitchFamily="2" charset="2"/>
-              </a:rPr>
-              <a:t>RWC </a:t>
-            </a:r>
-            <a:r>
-              <a:rPr lang="it-IT" u="sng" dirty="0" smtClean="0">
-                <a:latin typeface="Calibri" panose="020F0502020204030204" pitchFamily="34" charset="0"/>
-                <a:cs typeface="Calibri" panose="020F0502020204030204" pitchFamily="34" charset="0"/>
-                <a:sym typeface="Wingdings" panose="05000000000000000000" pitchFamily="2" charset="2"/>
-              </a:rPr>
-              <a:t>che consentirebbero se si materializzassero.</a:t>
-            </a:r>
-          </a:p>
-          <a:p>
-            <a:pPr algn="just"/>
-            <a:endParaRPr lang="it-IT" dirty="0" smtClean="0">
+                <a:sym typeface="Symbol"/>
+              </a:rPr>
+              <a:t>RWC</a:t>
+            </a:r>
+            <a:r>
+              <a:rPr lang="it-IT" dirty="0" smtClean="0">
+                <a:solidFill>
+                  <a:srgbClr val="00B050"/>
+                </a:solidFill>
+                <a:latin typeface="Calibri" panose="020F0502020204030204" pitchFamily="34" charset="0"/>
+                <a:cs typeface="Calibri" panose="020F0502020204030204" pitchFamily="34" charset="0"/>
+                <a:sym typeface="Symbol"/>
+              </a:rPr>
+              <a:t> </a:t>
+            </a:r>
+            <a:r>
+              <a:rPr lang="it-IT" dirty="0" smtClean="0">
+                <a:latin typeface="Calibri" panose="020F0502020204030204" pitchFamily="34" charset="0"/>
+                <a:cs typeface="Calibri" panose="020F0502020204030204" pitchFamily="34" charset="0"/>
+                <a:sym typeface="Symbol"/>
+              </a:rPr>
+              <a:t>che si otterrebbe se </a:t>
+            </a:r>
+            <a:r>
+              <a:rPr lang="it-IT" b="1" i="1" dirty="0" smtClean="0">
+                <a:solidFill>
+                  <a:srgbClr val="00B050"/>
+                </a:solidFill>
+                <a:latin typeface="Calibri" panose="020F0502020204030204" pitchFamily="34" charset="0"/>
+                <a:cs typeface="Calibri" panose="020F0502020204030204" pitchFamily="34" charset="0"/>
+                <a:sym typeface="Symbol"/>
+              </a:rPr>
+              <a:t>e </a:t>
+            </a:r>
+            <a:r>
+              <a:rPr lang="it-IT" dirty="0" smtClean="0">
+                <a:latin typeface="Calibri" panose="020F0502020204030204" pitchFamily="34" charset="0"/>
+                <a:cs typeface="Calibri" panose="020F0502020204030204" pitchFamily="34" charset="0"/>
+                <a:sym typeface="Symbol"/>
+              </a:rPr>
+              <a:t>fosse aggiunto al grafo.</a:t>
+            </a:r>
+            <a:endParaRPr lang="it-IT" dirty="0">
               <a:latin typeface="Calibri" panose="020F0502020204030204" pitchFamily="34" charset="0"/>
               <a:cs typeface="Calibri" panose="020F0502020204030204" pitchFamily="34" charset="0"/>
               <a:sym typeface="Wingdings" panose="05000000000000000000" pitchFamily="2" charset="2"/>
@@ -5555,97 +5638,7 @@
           </a:p>
           <a:p>
             <a:pPr algn="just"/>
-            <a:r>
-              <a:rPr lang="it-IT" dirty="0" smtClean="0">
-                <a:latin typeface="Calibri" panose="020F0502020204030204" pitchFamily="34" charset="0"/>
-                <a:cs typeface="Calibri" panose="020F0502020204030204" pitchFamily="34" charset="0"/>
-                <a:sym typeface="Wingdings" panose="05000000000000000000" pitchFamily="2" charset="2"/>
-              </a:rPr>
-              <a:t>Ogni </a:t>
-            </a:r>
-            <a:r>
-              <a:rPr lang="it-IT" b="1" dirty="0" smtClean="0">
-                <a:solidFill>
-                  <a:srgbClr val="00B050"/>
-                </a:solidFill>
-                <a:latin typeface="Calibri" panose="020F0502020204030204" pitchFamily="34" charset="0"/>
-                <a:cs typeface="Calibri" panose="020F0502020204030204" pitchFamily="34" charset="0"/>
-                <a:sym typeface="Wingdings" panose="05000000000000000000" pitchFamily="2" charset="2"/>
-              </a:rPr>
-              <a:t>arco </a:t>
-            </a:r>
-            <a:r>
-              <a:rPr lang="it-IT" b="1" i="1" dirty="0" smtClean="0">
-                <a:solidFill>
-                  <a:srgbClr val="00B050"/>
-                </a:solidFill>
-                <a:latin typeface="Calibri" panose="020F0502020204030204" pitchFamily="34" charset="0"/>
-                <a:cs typeface="Calibri" panose="020F0502020204030204" pitchFamily="34" charset="0"/>
-                <a:sym typeface="Wingdings" panose="05000000000000000000" pitchFamily="2" charset="2"/>
-              </a:rPr>
-              <a:t>e</a:t>
-            </a:r>
-            <a:r>
-              <a:rPr lang="it-IT" b="1" i="1" dirty="0" smtClean="0">
-                <a:solidFill>
-                  <a:srgbClr val="92D050"/>
-                </a:solidFill>
-                <a:latin typeface="Calibri" panose="020F0502020204030204" pitchFamily="34" charset="0"/>
-                <a:cs typeface="Calibri" panose="020F0502020204030204" pitchFamily="34" charset="0"/>
-                <a:sym typeface="Wingdings" panose="05000000000000000000" pitchFamily="2" charset="2"/>
-              </a:rPr>
-              <a:t> </a:t>
-            </a:r>
-            <a:r>
-              <a:rPr lang="it-IT" dirty="0" smtClean="0">
-                <a:latin typeface="Calibri" panose="020F0502020204030204" pitchFamily="34" charset="0"/>
-                <a:cs typeface="Calibri" panose="020F0502020204030204" pitchFamily="34" charset="0"/>
-                <a:sym typeface="Wingdings" panose="05000000000000000000" pitchFamily="2" charset="2"/>
-              </a:rPr>
-              <a:t>del dominio è associato al corrispondente </a:t>
-            </a:r>
-            <a:r>
-              <a:rPr lang="it-IT" b="1" i="1" dirty="0" smtClean="0">
-                <a:solidFill>
-                  <a:srgbClr val="00B050"/>
-                </a:solidFill>
-                <a:latin typeface="Calibri" panose="020F0502020204030204" pitchFamily="34" charset="0"/>
-                <a:cs typeface="Calibri" panose="020F0502020204030204" pitchFamily="34" charset="0"/>
-                <a:sym typeface="Symbol"/>
-              </a:rPr>
-              <a:t></a:t>
-            </a:r>
-            <a:r>
-              <a:rPr lang="it-IT" b="1" i="1" dirty="0" err="1" smtClean="0">
-                <a:solidFill>
-                  <a:srgbClr val="00B050"/>
-                </a:solidFill>
-                <a:latin typeface="Calibri" panose="020F0502020204030204" pitchFamily="34" charset="0"/>
-                <a:cs typeface="Calibri" panose="020F0502020204030204" pitchFamily="34" charset="0"/>
-                <a:sym typeface="Symbol"/>
-              </a:rPr>
-              <a:t>RWC</a:t>
-            </a:r>
-            <a:r>
-              <a:rPr lang="it-IT" b="1" i="1" baseline="-25000" dirty="0" err="1" smtClean="0">
-                <a:solidFill>
-                  <a:srgbClr val="00B050"/>
-                </a:solidFill>
-                <a:latin typeface="Calibri" panose="020F0502020204030204" pitchFamily="34" charset="0"/>
-                <a:cs typeface="Calibri" panose="020F0502020204030204" pitchFamily="34" charset="0"/>
-                <a:sym typeface="Symbol"/>
-              </a:rPr>
-              <a:t>e</a:t>
-            </a:r>
-            <a:r>
-              <a:rPr lang="it-IT" dirty="0" smtClean="0">
-                <a:latin typeface="Calibri" panose="020F0502020204030204" pitchFamily="34" charset="0"/>
-                <a:cs typeface="Calibri" panose="020F0502020204030204" pitchFamily="34" charset="0"/>
-                <a:sym typeface="Symbol"/>
-              </a:rPr>
-              <a:t>.</a:t>
-            </a:r>
-            <a:endParaRPr lang="it-IT" dirty="0">
+            <a:endParaRPr lang="it-IT" dirty="0" smtClean="0">
               <a:latin typeface="Calibri" panose="020F0502020204030204" pitchFamily="34" charset="0"/>
               <a:cs typeface="Calibri" panose="020F0502020204030204" pitchFamily="34" charset="0"/>
               <a:sym typeface="Wingdings" panose="05000000000000000000" pitchFamily="2" charset="2"/>
@@ -5661,6 +5654,22 @@
           </a:p>
           <a:p>
             <a:pPr algn="just"/>
+            <a:endParaRPr lang="it-IT" dirty="0" smtClean="0">
+              <a:latin typeface="Calibri" panose="020F0502020204030204" pitchFamily="34" charset="0"/>
+              <a:cs typeface="Calibri" panose="020F0502020204030204" pitchFamily="34" charset="0"/>
+              <a:sym typeface="Wingdings" panose="05000000000000000000" pitchFamily="2" charset="2"/>
+            </a:endParaRPr>
+          </a:p>
+          <a:p>
+            <a:pPr algn="just"/>
+            <a:endParaRPr lang="it-IT" dirty="0">
+              <a:latin typeface="Calibri" panose="020F0502020204030204" pitchFamily="34" charset="0"/>
+              <a:cs typeface="Calibri" panose="020F0502020204030204" pitchFamily="34" charset="0"/>
+              <a:sym typeface="Wingdings" panose="05000000000000000000" pitchFamily="2" charset="2"/>
+            </a:endParaRPr>
+          </a:p>
+          <a:p>
+            <a:pPr algn="just"/>
             <a:r>
               <a:rPr lang="it-IT" dirty="0" smtClean="0">
                 <a:latin typeface="Calibri" panose="020F0502020204030204" pitchFamily="34" charset="0"/>
@@ -5683,7 +5692,23 @@
                 <a:cs typeface="Calibri" panose="020F0502020204030204" pitchFamily="34" charset="0"/>
                 <a:sym typeface="Wingdings" panose="05000000000000000000" pitchFamily="2" charset="2"/>
               </a:rPr>
-              <a:t>:</a:t>
+              <a:t> per la scelta dei </a:t>
+            </a:r>
+            <a:r>
+              <a:rPr lang="it-IT" b="1" i="1" dirty="0" smtClean="0">
+                <a:latin typeface="Calibri" panose="020F0502020204030204" pitchFamily="34" charset="0"/>
+                <a:cs typeface="Calibri" panose="020F0502020204030204" pitchFamily="34" charset="0"/>
+                <a:sym typeface="Wingdings" panose="05000000000000000000" pitchFamily="2" charset="2"/>
+              </a:rPr>
+              <a:t>k </a:t>
+            </a:r>
+            <a:r>
+              <a:rPr lang="it-IT" dirty="0" smtClean="0">
+                <a:latin typeface="Calibri" panose="020F0502020204030204" pitchFamily="34" charset="0"/>
+                <a:cs typeface="Calibri" panose="020F0502020204030204" pitchFamily="34" charset="0"/>
+                <a:sym typeface="Wingdings" panose="05000000000000000000" pitchFamily="2" charset="2"/>
+              </a:rPr>
+              <a:t>archi:</a:t>
             </a:r>
           </a:p>
           <a:p>
@@ -5998,7 +6023,7 @@
                 <a:cs typeface="Calibri" panose="020F0502020204030204" pitchFamily="34" charset="0"/>
                 <a:sym typeface="Wingdings" panose="05000000000000000000" pitchFamily="2" charset="2"/>
               </a:rPr>
-              <a:t>, in ognuno dei quali ordina </a:t>
+              <a:t>, in ognuno dei quali ordina i restanti archi </a:t>
             </a:r>
             <a:r>
               <a:rPr lang="it-IT" dirty="0">
@@ -6006,7 +6031,7 @@
                 <a:cs typeface="Calibri" panose="020F0502020204030204" pitchFamily="34" charset="0"/>
                 <a:sym typeface="Wingdings" panose="05000000000000000000" pitchFamily="2" charset="2"/>
               </a:rPr>
-              <a:t>gli archi del dominio in base </a:t>
+              <a:t>del dominio </a:t>
             </a:r>
             <a:endParaRPr lang="it-IT" dirty="0" smtClean="0">
               <a:latin typeface="Calibri" panose="020F0502020204030204" pitchFamily="34" charset="0"/>
@@ -6030,7 +6055,23 @@
                 <a:cs typeface="Calibri" panose="020F0502020204030204" pitchFamily="34" charset="0"/>
                 <a:sym typeface="Wingdings" panose="05000000000000000000" pitchFamily="2" charset="2"/>
               </a:rPr>
-              <a:t>     al </a:t>
+              <a:t>     in </a:t>
+            </a:r>
+            <a:r>
+              <a:rPr lang="it-IT" dirty="0">
+                <a:latin typeface="Calibri" panose="020F0502020204030204" pitchFamily="34" charset="0"/>
+                <a:cs typeface="Calibri" panose="020F0502020204030204" pitchFamily="34" charset="0"/>
+                <a:sym typeface="Wingdings" panose="05000000000000000000" pitchFamily="2" charset="2"/>
+              </a:rPr>
+              <a:t>base </a:t>
+            </a:r>
+            <a:r>
+              <a:rPr lang="it-IT" dirty="0" smtClean="0">
+                <a:latin typeface="Calibri" panose="020F0502020204030204" pitchFamily="34" charset="0"/>
+                <a:cs typeface="Calibri" panose="020F0502020204030204" pitchFamily="34" charset="0"/>
+                <a:sym typeface="Wingdings" panose="05000000000000000000" pitchFamily="2" charset="2"/>
+              </a:rPr>
+              <a:t>al </a:t>
             </a:r>
             <a:r>
               <a:rPr lang="it-IT" dirty="0">
@@ -6138,6 +6179,208 @@
               </a:rPr>
               <a:t>     scelta più precisa dei restanti.</a:t>
             </a:r>
+          </a:p>
+        </p:txBody>
+      </p:sp>
+      <p:cxnSp>
+        <p:nvCxnSpPr>
+          <p:cNvPr id="3" name="Connettore 7 2"/>
+          <p:cNvCxnSpPr/>
+          <p:nvPr/>
+        </p:nvCxnSpPr>
+        <p:spPr>
+          <a:xfrm>
+            <a:off x="4211960" y="2348880"/>
+            <a:ext cx="1584176" cy="504056"/>
+          </a:xfrm>
+          <a:prstGeom prst="curvedConnector3">
+            <a:avLst/>
+          </a:prstGeom>
+          <a:ln>
+            <a:solidFill>
+              <a:srgbClr val="00B050"/>
+            </a:solidFill>
+            <a:tailEnd type="arrow"/>
+          </a:ln>
+        </p:spPr>
+        <p:style>
+          <a:lnRef idx="3">
+            <a:schemeClr val="accent3"/>
+          </a:lnRef>
+          <a:fillRef idx="0">
+            <a:schemeClr val="accent3"/>
+          </a:fillRef>
+          <a:effectRef idx="2">
+            <a:schemeClr val="accent3"/>
+          </a:effectRef>
+          <a:fontRef idx="minor">
+            <a:schemeClr val="tx1"/>
+          </a:fontRef>
+        </p:style>
+      </p:cxnSp>
+      <p:sp>
+        <p:nvSpPr>
+          <p:cNvPr id="4" name="CasellaDiTesto 3"/>
+          <p:cNvSpPr txBox="1"/>
+          <p:nvPr/>
+        </p:nvSpPr>
+        <p:spPr>
+          <a:xfrm>
+            <a:off x="4788024" y="2179603"/>
+            <a:ext cx="756041" cy="338554"/>
+          </a:xfrm>
+          <a:prstGeom prst="rect">
+            <a:avLst/>
+          </a:prstGeom>
+          <a:noFill/>
+        </p:spPr>
+        <p:txBody>
+          <a:bodyPr wrap="none" rtlCol="0">
+            <a:spAutoFit/>
+          </a:bodyPr>
+          <a:lstStyle/>
+          <a:p>
+            <a:r>
+              <a:rPr lang="it-IT" sz="1600" b="1" i="1" dirty="0">
+                <a:solidFill>
+                  <a:srgbClr val="00B050"/>
+                </a:solidFill>
+                <a:latin typeface="Calibri" panose="020F0502020204030204" pitchFamily="34" charset="0"/>
+                <a:cs typeface="Calibri" panose="020F0502020204030204" pitchFamily="34" charset="0"/>
+                <a:sym typeface="Symbol"/>
+              </a:rPr>
+              <a:t></a:t>
+            </a:r>
+            <a:r>
+              <a:rPr lang="it-IT" sz="1600" b="1" i="1" dirty="0" err="1">
+                <a:solidFill>
+                  <a:srgbClr val="00B050"/>
+                </a:solidFill>
+                <a:latin typeface="Calibri" panose="020F0502020204030204" pitchFamily="34" charset="0"/>
+                <a:cs typeface="Calibri" panose="020F0502020204030204" pitchFamily="34" charset="0"/>
+                <a:sym typeface="Symbol"/>
+              </a:rPr>
+              <a:t>RWC</a:t>
+            </a:r>
+            <a:r>
+              <a:rPr lang="it-IT" sz="1600" b="1" i="1" baseline="-25000" dirty="0" err="1">
+                <a:solidFill>
+                  <a:srgbClr val="00B050"/>
+                </a:solidFill>
+                <a:latin typeface="Calibri" panose="020F0502020204030204" pitchFamily="34" charset="0"/>
+                <a:cs typeface="Calibri" panose="020F0502020204030204" pitchFamily="34" charset="0"/>
+                <a:sym typeface="Symbol"/>
+              </a:rPr>
+              <a:t>e</a:t>
+            </a:r>
+            <a:endParaRPr lang="it-IT" sz="1600" dirty="0">
+              <a:latin typeface="Calibri" pitchFamily="34" charset="0"/>
+              <a:cs typeface="Calibri" pitchFamily="34" charset="0"/>
+            </a:endParaRPr>
+          </a:p>
+        </p:txBody>
+      </p:sp>
+      <p:sp>
+        <p:nvSpPr>
+          <p:cNvPr id="7" name="Connettore 6"/>
+          <p:cNvSpPr/>
+          <p:nvPr/>
+        </p:nvSpPr>
+        <p:spPr>
+          <a:xfrm>
+            <a:off x="3923928" y="2222866"/>
+            <a:ext cx="288032" cy="252028"/>
+          </a:xfrm>
+          <a:prstGeom prst="flowChartConnector">
+            <a:avLst/>
+          </a:prstGeom>
+        </p:spPr>
+        <p:style>
+          <a:lnRef idx="2">
+            <a:schemeClr val="accent1">
+              <a:shade val="50000"/>
+            </a:schemeClr>
+          </a:lnRef>
+          <a:fillRef idx="1">
+            <a:schemeClr val="accent1"/>
+          </a:fillRef>
+          <a:effectRef idx="0">
+            <a:schemeClr val="accent1"/>
+          </a:effectRef>
+          <a:fontRef idx="minor">
+            <a:schemeClr val="lt1"/>
+          </a:fontRef>
+        </p:style>
+        <p:txBody>
+          <a:bodyPr rtlCol="0" anchor="ctr"/>
+          <a:lstStyle/>
+          <a:p>
+            <a:pPr algn="ctr"/>
+            <a:r>
+              <a:rPr lang="it-IT" sz="1200" dirty="0">
+                <a:latin typeface="Calibri" pitchFamily="34" charset="0"/>
+                <a:cs typeface="Calibri" pitchFamily="34" charset="0"/>
+              </a:rPr>
+              <a:t>x</a:t>
+            </a:r>
+          </a:p>
+        </p:txBody>
+      </p:sp>
+      <p:sp>
+        <p:nvSpPr>
+          <p:cNvPr id="8" name="Connettore 7"/>
+          <p:cNvSpPr/>
+          <p:nvPr/>
+        </p:nvSpPr>
+        <p:spPr>
+          <a:xfrm>
+            <a:off x="5790709" y="2726922"/>
+            <a:ext cx="288032" cy="252028"/>
+          </a:xfrm>
+          <a:prstGeom prst="flowChartConnector">
+            <a:avLst/>
+          </a:prstGeom>
+          <a:solidFill>
+            <a:schemeClr val="accent2"/>
+          </a:solidFill>
+          <a:ln>
+            <a:solidFill>
+              <a:srgbClr val="C00000"/>
+            </a:solidFill>
+          </a:ln>
+        </p:spPr>
+        <p:style>
+          <a:lnRef idx="2">
+            <a:schemeClr val="accent1">
+              <a:shade val="50000"/>
+            </a:schemeClr>
+          </a:lnRef>
+          <a:fillRef idx="1">
+            <a:schemeClr val="accent1"/>
+          </a:fillRef>
+          <a:effectRef idx="0">
+            <a:schemeClr val="accent1"/>
+          </a:effectRef>
+          <a:fontRef idx="minor">
+            <a:schemeClr val="lt1"/>
+          </a:fontRef>
+        </p:style>
+        <p:txBody>
+          <a:bodyPr rtlCol="0" anchor="ctr"/>
+          <a:lstStyle/>
+          <a:p>
+            <a:pPr algn="ctr"/>
+            <a:r>
+              <a:rPr lang="it-IT" sz="1200" dirty="0" smtClean="0">
+                <a:latin typeface="Calibri" pitchFamily="34" charset="0"/>
+                <a:cs typeface="Calibri" pitchFamily="34" charset="0"/>
+              </a:rPr>
+              <a:t>y</a:t>
+            </a:r>
+            <a:endParaRPr lang="it-IT" sz="1200" dirty="0">
+              <a:latin typeface="Calibri" pitchFamily="34" charset="0"/>
+              <a:cs typeface="Calibri" pitchFamily="34" charset="0"/>
+            </a:endParaRPr>
           </a:p>
         </p:txBody>
       </p:sp>
@@ -6145,6 +6388,4311 @@
     <p:extLst>
       <p:ext uri="{BB962C8B-B14F-4D97-AF65-F5344CB8AC3E}">
         <p14:creationId xmlns:p14="http://schemas.microsoft.com/office/powerpoint/2010/main" val="2455031912"/>
+      </p:ext>
+    </p:extLst>
+  </p:cSld>
+  <p:clrMapOvr>
+    <a:masterClrMapping/>
+  </p:clrMapOvr>
+  <p:timing>
+    <p:tnLst>
+      <p:par>
+        <p:cTn id="1" dur="indefinite" restart="never" nodeType="tmRoot"/>
+      </p:par>
+    </p:tnLst>
+  </p:timing>
+</p:sld>
+</file>
+
+<file path=ppt/slides/slide12.xml><?xml version="1.0" encoding="utf-8"?>
+<p:sld xmlns:a="http://schemas.openxmlformats.org/drawingml/2006/main" xmlns:r="http://schemas.openxmlformats.org/officeDocument/2006/relationships" xmlns:p="http://schemas.openxmlformats.org/presentationml/2006/main">
+  <p:cSld>
+    <p:spTree>
+      <p:nvGrpSpPr>
+        <p:cNvPr id="1" name=""/>
+        <p:cNvGrpSpPr/>
+        <p:nvPr/>
+      </p:nvGrpSpPr>
+      <p:grpSpPr>
+        <a:xfrm>
+          <a:off x="0" y="0"/>
+          <a:ext cx="0" cy="0"/>
+          <a:chOff x="0" y="0"/>
+          <a:chExt cx="0" cy="0"/>
+        </a:xfrm>
+      </p:grpSpPr>
+      <p:sp>
+        <p:nvSpPr>
+          <p:cNvPr id="5" name="Title 3">
+            <a:extLst>
+              <a:ext uri="{FF2B5EF4-FFF2-40B4-BE49-F238E27FC236}">
+                <a16:creationId xmlns:a16="http://schemas.microsoft.com/office/drawing/2014/main" xmlns="" id="{189ECF77-714F-4D2C-9D4B-CC43534EF427}"/>
+              </a:ext>
+            </a:extLst>
+          </p:cNvPr>
+          <p:cNvSpPr>
+            <a:spLocks noGrp="1"/>
+          </p:cNvSpPr>
+          <p:nvPr>
+            <p:ph type="title"/>
+          </p:nvPr>
+        </p:nvSpPr>
+        <p:spPr>
+          <a:xfrm>
+            <a:off x="0" y="21787"/>
+            <a:ext cx="9144000" cy="1069514"/>
+          </a:xfrm>
+        </p:spPr>
+        <p:txBody>
+          <a:bodyPr>
+            <a:scene3d>
+              <a:camera prst="orthographicFront"/>
+              <a:lightRig rig="threePt" dir="t"/>
+            </a:scene3d>
+            <a:sp3d extrusionH="57150">
+              <a:bevelT w="82550" h="38100" prst="coolSlant"/>
+            </a:sp3d>
+          </a:bodyPr>
+          <a:lstStyle/>
+          <a:p>
+            <a:pPr algn="ctr"/>
+            <a:r>
+              <a:rPr lang="en-US" altLang="ko-KR" dirty="0" err="1">
+                <a:solidFill>
+                  <a:schemeClr val="accent5">
+                    <a:lumMod val="75000"/>
+                  </a:schemeClr>
+                </a:solidFill>
+              </a:rPr>
+              <a:t>Definizione</a:t>
+            </a:r>
+            <a:r>
+              <a:rPr lang="en-US" altLang="ko-KR" dirty="0">
+                <a:solidFill>
+                  <a:schemeClr val="accent5">
+                    <a:lumMod val="75000"/>
+                  </a:schemeClr>
+                </a:solidFill>
+              </a:rPr>
+              <a:t> del </a:t>
+            </a:r>
+            <a:r>
+              <a:rPr lang="en-US" altLang="ko-KR" dirty="0" err="1">
+                <a:solidFill>
+                  <a:schemeClr val="accent5">
+                    <a:lumMod val="75000"/>
+                  </a:schemeClr>
+                </a:solidFill>
+              </a:rPr>
+              <a:t>problema</a:t>
+            </a:r>
+            <a:endParaRPr lang="ko-KR" altLang="en-US" dirty="0">
+              <a:solidFill>
+                <a:schemeClr val="accent5">
+                  <a:lumMod val="75000"/>
+                </a:schemeClr>
+              </a:solidFill>
+            </a:endParaRPr>
+          </a:p>
+        </p:txBody>
+      </p:sp>
+      <p:sp>
+        <p:nvSpPr>
+          <p:cNvPr id="6" name="Rettangolo 5"/>
+          <p:cNvSpPr/>
+          <p:nvPr/>
+        </p:nvSpPr>
+        <p:spPr>
+          <a:xfrm>
+            <a:off x="1619672" y="1352957"/>
+            <a:ext cx="7524328" cy="3970318"/>
+          </a:xfrm>
+          <a:prstGeom prst="rect">
+            <a:avLst/>
+          </a:prstGeom>
+        </p:spPr>
+        <p:txBody>
+          <a:bodyPr wrap="square">
+            <a:spAutoFit/>
+          </a:bodyPr>
+          <a:lstStyle/>
+          <a:p>
+            <a:pPr algn="just"/>
+            <a:r>
+              <a:rPr lang="it-IT" dirty="0" smtClean="0">
+                <a:latin typeface="Calibri" panose="020F0502020204030204" pitchFamily="34" charset="0"/>
+                <a:cs typeface="Calibri" panose="020F0502020204030204" pitchFamily="34" charset="0"/>
+                <a:sym typeface="Wingdings" panose="05000000000000000000" pitchFamily="2" charset="2"/>
+              </a:rPr>
+              <a:t>I due algoritmi, a parità di </a:t>
+            </a:r>
+            <a:r>
+              <a:rPr lang="it-IT" b="1" i="1" dirty="0" smtClean="0">
+                <a:latin typeface="Calibri" panose="020F0502020204030204" pitchFamily="34" charset="0"/>
+                <a:cs typeface="Calibri" panose="020F0502020204030204" pitchFamily="34" charset="0"/>
+                <a:sym typeface="Wingdings" panose="05000000000000000000" pitchFamily="2" charset="2"/>
+              </a:rPr>
+              <a:t>k</a:t>
+            </a:r>
+            <a:r>
+              <a:rPr lang="it-IT" dirty="0" smtClean="0">
+                <a:latin typeface="Calibri" panose="020F0502020204030204" pitchFamily="34" charset="0"/>
+                <a:cs typeface="Calibri" panose="020F0502020204030204" pitchFamily="34" charset="0"/>
+                <a:sym typeface="Wingdings" panose="05000000000000000000" pitchFamily="2" charset="2"/>
+              </a:rPr>
+              <a:t>, differiscono tra loro per:</a:t>
+            </a:r>
+          </a:p>
+          <a:p>
+            <a:pPr algn="just"/>
+            <a:endParaRPr lang="it-IT" dirty="0" smtClean="0">
+              <a:latin typeface="Calibri" panose="020F0502020204030204" pitchFamily="34" charset="0"/>
+              <a:cs typeface="Calibri" panose="020F0502020204030204" pitchFamily="34" charset="0"/>
+              <a:sym typeface="Wingdings" panose="05000000000000000000" pitchFamily="2" charset="2"/>
+            </a:endParaRPr>
+          </a:p>
+          <a:p>
+            <a:pPr algn="just"/>
+            <a:endParaRPr lang="it-IT" dirty="0">
+              <a:latin typeface="Calibri" panose="020F0502020204030204" pitchFamily="34" charset="0"/>
+              <a:cs typeface="Calibri" panose="020F0502020204030204" pitchFamily="34" charset="0"/>
+              <a:sym typeface="Wingdings" panose="05000000000000000000" pitchFamily="2" charset="2"/>
+            </a:endParaRPr>
+          </a:p>
+          <a:p>
+            <a:pPr marL="342900" indent="-342900" algn="just">
+              <a:buFont typeface="+mj-lt"/>
+              <a:buAutoNum type="arabicPeriod"/>
+            </a:pPr>
+            <a:r>
+              <a:rPr lang="it-IT" b="1" dirty="0" smtClean="0">
+                <a:latin typeface="Calibri" panose="020F0502020204030204" pitchFamily="34" charset="0"/>
+                <a:cs typeface="Calibri" panose="020F0502020204030204" pitchFamily="34" charset="0"/>
+                <a:sym typeface="Wingdings" panose="05000000000000000000" pitchFamily="2" charset="2"/>
+              </a:rPr>
+              <a:t>Tempi di esecuzione</a:t>
+            </a:r>
+            <a:r>
+              <a:rPr lang="it-IT" dirty="0" smtClean="0">
+                <a:latin typeface="Calibri" panose="020F0502020204030204" pitchFamily="34" charset="0"/>
+                <a:cs typeface="Calibri" panose="020F0502020204030204" pitchFamily="34" charset="0"/>
+                <a:sym typeface="Wingdings" panose="05000000000000000000" pitchFamily="2" charset="2"/>
+              </a:rPr>
+              <a:t>;</a:t>
+            </a:r>
+          </a:p>
+          <a:p>
+            <a:pPr marL="342900" indent="-342900" algn="just">
+              <a:buFont typeface="+mj-lt"/>
+              <a:buAutoNum type="arabicPeriod"/>
+            </a:pPr>
+            <a:endParaRPr lang="it-IT" i="1" dirty="0">
+              <a:latin typeface="Calibri" panose="020F0502020204030204" pitchFamily="34" charset="0"/>
+              <a:cs typeface="Calibri" panose="020F0502020204030204" pitchFamily="34" charset="0"/>
+              <a:sym typeface="Wingdings" panose="05000000000000000000" pitchFamily="2" charset="2"/>
+            </a:endParaRPr>
+          </a:p>
+          <a:p>
+            <a:pPr marL="342900" indent="-342900" algn="just">
+              <a:buFont typeface="+mj-lt"/>
+              <a:buAutoNum type="arabicPeriod"/>
+            </a:pPr>
+            <a:endParaRPr lang="it-IT" i="1" dirty="0" smtClean="0">
+              <a:latin typeface="Calibri" panose="020F0502020204030204" pitchFamily="34" charset="0"/>
+              <a:cs typeface="Calibri" panose="020F0502020204030204" pitchFamily="34" charset="0"/>
+              <a:sym typeface="Wingdings" panose="05000000000000000000" pitchFamily="2" charset="2"/>
+            </a:endParaRPr>
+          </a:p>
+          <a:p>
+            <a:pPr marL="342900" indent="-342900" algn="just">
+              <a:buFont typeface="+mj-lt"/>
+              <a:buAutoNum type="arabicPeriod"/>
+            </a:pPr>
+            <a:r>
+              <a:rPr lang="it-IT" b="1" i="1" dirty="0" smtClean="0">
+                <a:solidFill>
+                  <a:schemeClr val="accent2"/>
+                </a:solidFill>
+                <a:latin typeface="Calibri" panose="020F0502020204030204" pitchFamily="34" charset="0"/>
+                <a:cs typeface="Calibri" panose="020F0502020204030204" pitchFamily="34" charset="0"/>
+                <a:sym typeface="Wingdings" panose="05000000000000000000" pitchFamily="2" charset="2"/>
+              </a:rPr>
+              <a:t>Efficacia</a:t>
+            </a:r>
+            <a:r>
+              <a:rPr lang="it-IT" dirty="0" smtClean="0">
+                <a:latin typeface="Calibri" panose="020F0502020204030204" pitchFamily="34" charset="0"/>
+                <a:cs typeface="Calibri" panose="020F0502020204030204" pitchFamily="34" charset="0"/>
+                <a:sym typeface="Wingdings" panose="05000000000000000000" pitchFamily="2" charset="2"/>
+              </a:rPr>
+              <a:t> della soluzione restituita;</a:t>
+            </a:r>
+          </a:p>
+          <a:p>
+            <a:pPr marL="285750" indent="-285750" algn="just">
+              <a:buFont typeface="Arial" pitchFamily="34" charset="0"/>
+              <a:buChar char="•"/>
+            </a:pPr>
+            <a:endParaRPr lang="it-IT" dirty="0">
+              <a:latin typeface="Calibri" panose="020F0502020204030204" pitchFamily="34" charset="0"/>
+              <a:cs typeface="Calibri" panose="020F0502020204030204" pitchFamily="34" charset="0"/>
+              <a:sym typeface="Wingdings" panose="05000000000000000000" pitchFamily="2" charset="2"/>
+            </a:endParaRPr>
+          </a:p>
+          <a:p>
+            <a:pPr marL="285750" indent="-285750" algn="just">
+              <a:buFont typeface="Arial" pitchFamily="34" charset="0"/>
+              <a:buChar char="•"/>
+            </a:pPr>
+            <a:endParaRPr lang="it-IT" dirty="0" smtClean="0">
+              <a:latin typeface="Calibri" panose="020F0502020204030204" pitchFamily="34" charset="0"/>
+              <a:cs typeface="Calibri" panose="020F0502020204030204" pitchFamily="34" charset="0"/>
+              <a:sym typeface="Wingdings" panose="05000000000000000000" pitchFamily="2" charset="2"/>
+            </a:endParaRPr>
+          </a:p>
+          <a:p>
+            <a:pPr algn="just"/>
+            <a:r>
+              <a:rPr lang="it-IT" dirty="0" smtClean="0">
+                <a:latin typeface="Calibri" panose="020F0502020204030204" pitchFamily="34" charset="0"/>
+                <a:cs typeface="Calibri" panose="020F0502020204030204" pitchFamily="34" charset="0"/>
+                <a:sym typeface="Wingdings" panose="05000000000000000000" pitchFamily="2" charset="2"/>
+              </a:rPr>
+              <a:t>Per </a:t>
+            </a:r>
+            <a:r>
+              <a:rPr lang="it-IT" b="1" i="1" dirty="0" smtClean="0">
+                <a:solidFill>
+                  <a:schemeClr val="accent2"/>
+                </a:solidFill>
+                <a:latin typeface="Calibri" panose="020F0502020204030204" pitchFamily="34" charset="0"/>
+                <a:cs typeface="Calibri" panose="020F0502020204030204" pitchFamily="34" charset="0"/>
+                <a:sym typeface="Wingdings" panose="05000000000000000000" pitchFamily="2" charset="2"/>
+              </a:rPr>
+              <a:t>efficacia</a:t>
+            </a:r>
+            <a:r>
+              <a:rPr lang="it-IT" i="1" dirty="0" smtClean="0">
+                <a:solidFill>
+                  <a:schemeClr val="accent2"/>
+                </a:solidFill>
+                <a:latin typeface="Calibri" panose="020F0502020204030204" pitchFamily="34" charset="0"/>
+                <a:cs typeface="Calibri" panose="020F0502020204030204" pitchFamily="34" charset="0"/>
+                <a:sym typeface="Wingdings" panose="05000000000000000000" pitchFamily="2" charset="2"/>
+              </a:rPr>
+              <a:t> </a:t>
+            </a:r>
+            <a:r>
+              <a:rPr lang="it-IT" dirty="0" smtClean="0">
+                <a:latin typeface="Calibri" panose="020F0502020204030204" pitchFamily="34" charset="0"/>
+                <a:cs typeface="Calibri" panose="020F0502020204030204" pitchFamily="34" charset="0"/>
+                <a:sym typeface="Wingdings" panose="05000000000000000000" pitchFamily="2" charset="2"/>
+              </a:rPr>
+              <a:t>si intende: </a:t>
+            </a:r>
+          </a:p>
+          <a:p>
+            <a:pPr algn="just"/>
+            <a:endParaRPr lang="it-IT" dirty="0">
+              <a:latin typeface="Calibri" panose="020F0502020204030204" pitchFamily="34" charset="0"/>
+              <a:cs typeface="Calibri" panose="020F0502020204030204" pitchFamily="34" charset="0"/>
+              <a:sym typeface="Wingdings" panose="05000000000000000000" pitchFamily="2" charset="2"/>
+            </a:endParaRPr>
+          </a:p>
+          <a:p>
+            <a:pPr algn="just"/>
+            <a:r>
+              <a:rPr lang="it-IT" u="sng" dirty="0" smtClean="0">
+                <a:latin typeface="Calibri" panose="020F0502020204030204" pitchFamily="34" charset="0"/>
+                <a:cs typeface="Calibri" panose="020F0502020204030204" pitchFamily="34" charset="0"/>
+                <a:sym typeface="Wingdings" panose="05000000000000000000" pitchFamily="2" charset="2"/>
+              </a:rPr>
+              <a:t>decremento dell’</a:t>
+            </a:r>
+            <a:r>
+              <a:rPr lang="it-IT" b="1" i="1" u="sng" dirty="0" smtClean="0">
+                <a:solidFill>
+                  <a:srgbClr val="00B050"/>
+                </a:solidFill>
+                <a:latin typeface="Calibri" panose="020F0502020204030204" pitchFamily="34" charset="0"/>
+                <a:cs typeface="Calibri" panose="020F0502020204030204" pitchFamily="34" charset="0"/>
+                <a:sym typeface="Wingdings" panose="05000000000000000000" pitchFamily="2" charset="2"/>
+              </a:rPr>
+              <a:t>RWC</a:t>
+            </a:r>
+            <a:r>
+              <a:rPr lang="it-IT" b="1" i="1" u="sng" dirty="0" smtClean="0">
+                <a:latin typeface="Calibri" panose="020F0502020204030204" pitchFamily="34" charset="0"/>
+                <a:cs typeface="Calibri" panose="020F0502020204030204" pitchFamily="34" charset="0"/>
+                <a:sym typeface="Wingdings" panose="05000000000000000000" pitchFamily="2" charset="2"/>
+              </a:rPr>
+              <a:t> </a:t>
+            </a:r>
+            <a:r>
+              <a:rPr lang="it-IT" u="sng" dirty="0" smtClean="0">
+                <a:latin typeface="Calibri" panose="020F0502020204030204" pitchFamily="34" charset="0"/>
+                <a:cs typeface="Calibri" panose="020F0502020204030204" pitchFamily="34" charset="0"/>
+                <a:sym typeface="Wingdings" panose="05000000000000000000" pitchFamily="2" charset="2"/>
+              </a:rPr>
+              <a:t>che, </a:t>
+            </a:r>
+            <a:r>
+              <a:rPr lang="it-IT" b="1" u="sng" dirty="0" smtClean="0">
+                <a:latin typeface="Calibri" panose="020F0502020204030204" pitchFamily="34" charset="0"/>
+                <a:cs typeface="Calibri" panose="020F0502020204030204" pitchFamily="34" charset="0"/>
+                <a:sym typeface="Wingdings" panose="05000000000000000000" pitchFamily="2" charset="2"/>
+              </a:rPr>
+              <a:t>effettivamente</a:t>
+            </a:r>
+            <a:r>
+              <a:rPr lang="it-IT" u="sng" dirty="0" smtClean="0">
+                <a:latin typeface="Calibri" panose="020F0502020204030204" pitchFamily="34" charset="0"/>
+                <a:cs typeface="Calibri" panose="020F0502020204030204" pitchFamily="34" charset="0"/>
+                <a:sym typeface="Wingdings" panose="05000000000000000000" pitchFamily="2" charset="2"/>
+              </a:rPr>
+              <a:t>, i </a:t>
+            </a:r>
+            <a:r>
+              <a:rPr lang="it-IT" b="1" i="1" u="sng" dirty="0" smtClean="0">
+                <a:latin typeface="Calibri" panose="020F0502020204030204" pitchFamily="34" charset="0"/>
+                <a:cs typeface="Calibri" panose="020F0502020204030204" pitchFamily="34" charset="0"/>
+                <a:sym typeface="Wingdings" panose="05000000000000000000" pitchFamily="2" charset="2"/>
+              </a:rPr>
+              <a:t>k</a:t>
+            </a:r>
+            <a:r>
+              <a:rPr lang="it-IT" i="1" u="sng" dirty="0" smtClean="0">
+                <a:latin typeface="Calibri" panose="020F0502020204030204" pitchFamily="34" charset="0"/>
+                <a:cs typeface="Calibri" panose="020F0502020204030204" pitchFamily="34" charset="0"/>
+                <a:sym typeface="Wingdings" panose="05000000000000000000" pitchFamily="2" charset="2"/>
+              </a:rPr>
+              <a:t> </a:t>
+            </a:r>
+            <a:r>
+              <a:rPr lang="it-IT" u="sng" dirty="0" smtClean="0">
+                <a:latin typeface="Calibri" panose="020F0502020204030204" pitchFamily="34" charset="0"/>
+                <a:cs typeface="Calibri" panose="020F0502020204030204" pitchFamily="34" charset="0"/>
+                <a:sym typeface="Wingdings" panose="05000000000000000000" pitchFamily="2" charset="2"/>
+              </a:rPr>
+              <a:t>archi proposti consentirebbero </a:t>
+            </a:r>
+          </a:p>
+          <a:p>
+            <a:pPr algn="just"/>
+            <a:r>
+              <a:rPr lang="it-IT" u="sng" dirty="0" smtClean="0">
+                <a:latin typeface="Calibri" panose="020F0502020204030204" pitchFamily="34" charset="0"/>
+                <a:cs typeface="Calibri" panose="020F0502020204030204" pitchFamily="34" charset="0"/>
+                <a:sym typeface="Wingdings" panose="05000000000000000000" pitchFamily="2" charset="2"/>
+              </a:rPr>
+              <a:t>qualora si materializzassero nel grafo.</a:t>
+            </a:r>
+            <a:endParaRPr lang="it-IT" u="sng" dirty="0">
+              <a:latin typeface="Calibri" panose="020F0502020204030204" pitchFamily="34" charset="0"/>
+              <a:cs typeface="Calibri" panose="020F0502020204030204" pitchFamily="34" charset="0"/>
+              <a:sym typeface="Wingdings" panose="05000000000000000000" pitchFamily="2" charset="2"/>
+            </a:endParaRPr>
+          </a:p>
+          <a:p>
+            <a:pPr algn="just"/>
+            <a:endParaRPr lang="it-IT" dirty="0" smtClean="0">
+              <a:latin typeface="Calibri" panose="020F0502020204030204" pitchFamily="34" charset="0"/>
+              <a:cs typeface="Calibri" panose="020F0502020204030204" pitchFamily="34" charset="0"/>
+              <a:sym typeface="Wingdings" panose="05000000000000000000" pitchFamily="2" charset="2"/>
+            </a:endParaRPr>
+          </a:p>
+        </p:txBody>
+      </p:sp>
+    </p:spTree>
+    <p:extLst>
+      <p:ext uri="{BB962C8B-B14F-4D97-AF65-F5344CB8AC3E}">
+        <p14:creationId xmlns:p14="http://schemas.microsoft.com/office/powerpoint/2010/main" val="3401977486"/>
+      </p:ext>
+    </p:extLst>
+  </p:cSld>
+  <p:clrMapOvr>
+    <a:masterClrMapping/>
+  </p:clrMapOvr>
+  <p:timing>
+    <p:tnLst>
+      <p:par>
+        <p:cTn id="1" dur="indefinite" restart="never" nodeType="tmRoot"/>
+      </p:par>
+    </p:tnLst>
+  </p:timing>
+</p:sld>
+</file>
+
+<file path=ppt/slides/slide13.xml><?xml version="1.0" encoding="utf-8"?>
+<p:sld xmlns:a="http://schemas.openxmlformats.org/drawingml/2006/main" xmlns:r="http://schemas.openxmlformats.org/officeDocument/2006/relationships" xmlns:p="http://schemas.openxmlformats.org/presentationml/2006/main">
+  <p:cSld>
+    <p:spTree>
+      <p:nvGrpSpPr>
+        <p:cNvPr id="1" name=""/>
+        <p:cNvGrpSpPr/>
+        <p:nvPr/>
+      </p:nvGrpSpPr>
+      <p:grpSpPr>
+        <a:xfrm>
+          <a:off x="0" y="0"/>
+          <a:ext cx="0" cy="0"/>
+          <a:chOff x="0" y="0"/>
+          <a:chExt cx="0" cy="0"/>
+        </a:xfrm>
+      </p:grpSpPr>
+      <p:sp>
+        <p:nvSpPr>
+          <p:cNvPr id="5" name="Title 3">
+            <a:extLst>
+              <a:ext uri="{FF2B5EF4-FFF2-40B4-BE49-F238E27FC236}">
+                <a16:creationId xmlns:a16="http://schemas.microsoft.com/office/drawing/2014/main" xmlns="" id="{189ECF77-714F-4D2C-9D4B-CC43534EF427}"/>
+              </a:ext>
+            </a:extLst>
+          </p:cNvPr>
+          <p:cNvSpPr>
+            <a:spLocks noGrp="1"/>
+          </p:cNvSpPr>
+          <p:nvPr>
+            <p:ph type="title"/>
+          </p:nvPr>
+        </p:nvSpPr>
+        <p:spPr>
+          <a:xfrm>
+            <a:off x="0" y="21787"/>
+            <a:ext cx="9144000" cy="1069514"/>
+          </a:xfrm>
+        </p:spPr>
+        <p:txBody>
+          <a:bodyPr>
+            <a:scene3d>
+              <a:camera prst="orthographicFront"/>
+              <a:lightRig rig="threePt" dir="t"/>
+            </a:scene3d>
+            <a:sp3d extrusionH="57150">
+              <a:bevelT w="82550" h="38100" prst="coolSlant"/>
+            </a:sp3d>
+          </a:bodyPr>
+          <a:lstStyle/>
+          <a:p>
+            <a:pPr algn="ctr"/>
+            <a:r>
+              <a:rPr lang="en-US" altLang="ko-KR" dirty="0" err="1" smtClean="0">
+                <a:solidFill>
+                  <a:schemeClr val="accent5">
+                    <a:lumMod val="75000"/>
+                  </a:schemeClr>
+                </a:solidFill>
+              </a:rPr>
+              <a:t>Tecnologie</a:t>
+            </a:r>
+            <a:endParaRPr lang="ko-KR" altLang="en-US" dirty="0">
+              <a:solidFill>
+                <a:schemeClr val="accent5">
+                  <a:lumMod val="75000"/>
+                </a:schemeClr>
+              </a:solidFill>
+            </a:endParaRPr>
+          </a:p>
+        </p:txBody>
+      </p:sp>
+      <p:pic>
+        <p:nvPicPr>
+          <p:cNvPr id="1027" name="Picture 3" descr="C:\Users\Hp\Desktop\UNIVERSITA' E CONCORSI\TESI\PRESENTAZIONE_TESI\logo_python.png"/>
+          <p:cNvPicPr>
+            <a:picLocks noChangeAspect="1" noChangeArrowheads="1"/>
+          </p:cNvPicPr>
+          <p:nvPr/>
+        </p:nvPicPr>
+        <p:blipFill>
+          <a:blip r:embed="rId2">
+            <a:extLst>
+              <a:ext uri="{28A0092B-C50C-407E-A947-70E740481C1C}">
+                <a14:useLocalDpi xmlns:a14="http://schemas.microsoft.com/office/drawing/2010/main" val="0"/>
+              </a:ext>
+            </a:extLst>
+          </a:blip>
+          <a:srcRect/>
+          <a:stretch>
+            <a:fillRect/>
+          </a:stretch>
+        </p:blipFill>
+        <p:spPr bwMode="auto">
+          <a:xfrm>
+            <a:off x="5436096" y="1124744"/>
+            <a:ext cx="2808312" cy="2808312"/>
+          </a:xfrm>
+          <a:prstGeom prst="rect">
+            <a:avLst/>
+          </a:prstGeom>
+          <a:noFill/>
+          <a:extLst>
+            <a:ext uri="{909E8E84-426E-40DD-AFC4-6F175D3DCCD1}">
+              <a14:hiddenFill xmlns:a14="http://schemas.microsoft.com/office/drawing/2010/main">
+                <a:solidFill>
+                  <a:srgbClr val="FFFFFF"/>
+                </a:solidFill>
+              </a14:hiddenFill>
+            </a:ext>
+          </a:extLst>
+        </p:spPr>
+      </p:pic>
+      <p:pic>
+        <p:nvPicPr>
+          <p:cNvPr id="1028" name="Picture 4" descr="C:\Users\Hp\Desktop\UNIVERSITA' E CONCORSI\TESI\PRESENTAZIONE_TESI\logo_twitter.png"/>
+          <p:cNvPicPr>
+            <a:picLocks noChangeAspect="1" noChangeArrowheads="1"/>
+          </p:cNvPicPr>
+          <p:nvPr/>
+        </p:nvPicPr>
+        <p:blipFill>
+          <a:blip r:embed="rId3">
+            <a:extLst>
+              <a:ext uri="{28A0092B-C50C-407E-A947-70E740481C1C}">
+                <a14:useLocalDpi xmlns:a14="http://schemas.microsoft.com/office/drawing/2010/main" val="0"/>
+              </a:ext>
+            </a:extLst>
+          </a:blip>
+          <a:srcRect/>
+          <a:stretch>
+            <a:fillRect/>
+          </a:stretch>
+        </p:blipFill>
+        <p:spPr bwMode="auto">
+          <a:xfrm>
+            <a:off x="1763688" y="1685048"/>
+            <a:ext cx="2569468" cy="1524551"/>
+          </a:xfrm>
+          <a:prstGeom prst="rect">
+            <a:avLst/>
+          </a:prstGeom>
+          <a:noFill/>
+          <a:extLst>
+            <a:ext uri="{909E8E84-426E-40DD-AFC4-6F175D3DCCD1}">
+              <a14:hiddenFill xmlns:a14="http://schemas.microsoft.com/office/drawing/2010/main">
+                <a:solidFill>
+                  <a:srgbClr val="FFFFFF"/>
+                </a:solidFill>
+              </a14:hiddenFill>
+            </a:ext>
+          </a:extLst>
+        </p:spPr>
+      </p:pic>
+      <p:pic>
+        <p:nvPicPr>
+          <p:cNvPr id="1029" name="Picture 5" descr="C:\Users\Hp\Desktop\UNIVERSITA' E CONCORSI\TESI\PRESENTAZIONE_TESI\networkx_logo.png"/>
+          <p:cNvPicPr>
+            <a:picLocks noChangeAspect="1" noChangeArrowheads="1"/>
+          </p:cNvPicPr>
+          <p:nvPr/>
+        </p:nvPicPr>
+        <p:blipFill>
+          <a:blip r:embed="rId4">
+            <a:extLst>
+              <a:ext uri="{28A0092B-C50C-407E-A947-70E740481C1C}">
+                <a14:useLocalDpi xmlns:a14="http://schemas.microsoft.com/office/drawing/2010/main" val="0"/>
+              </a:ext>
+            </a:extLst>
+          </a:blip>
+          <a:srcRect/>
+          <a:stretch>
+            <a:fillRect/>
+          </a:stretch>
+        </p:blipFill>
+        <p:spPr bwMode="auto">
+          <a:xfrm>
+            <a:off x="3419872" y="3573016"/>
+            <a:ext cx="3205163" cy="2403872"/>
+          </a:xfrm>
+          <a:prstGeom prst="rect">
+            <a:avLst/>
+          </a:prstGeom>
+          <a:noFill/>
+          <a:extLst>
+            <a:ext uri="{909E8E84-426E-40DD-AFC4-6F175D3DCCD1}">
+              <a14:hiddenFill xmlns:a14="http://schemas.microsoft.com/office/drawing/2010/main">
+                <a:solidFill>
+                  <a:srgbClr val="FFFFFF"/>
+                </a:solidFill>
+              </a14:hiddenFill>
+            </a:ext>
+          </a:extLst>
+        </p:spPr>
+      </p:pic>
+    </p:spTree>
+    <p:extLst>
+      <p:ext uri="{BB962C8B-B14F-4D97-AF65-F5344CB8AC3E}">
+        <p14:creationId xmlns:p14="http://schemas.microsoft.com/office/powerpoint/2010/main" val="3018317543"/>
+      </p:ext>
+    </p:extLst>
+  </p:cSld>
+  <p:clrMapOvr>
+    <a:masterClrMapping/>
+  </p:clrMapOvr>
+  <p:timing>
+    <p:tnLst>
+      <p:par>
+        <p:cTn id="1" dur="indefinite" restart="never" nodeType="tmRoot"/>
+      </p:par>
+    </p:tnLst>
+  </p:timing>
+</p:sld>
+</file>
+
+<file path=ppt/slides/slide14.xml><?xml version="1.0" encoding="utf-8"?>
+<p:sld xmlns:a="http://schemas.openxmlformats.org/drawingml/2006/main" xmlns:r="http://schemas.openxmlformats.org/officeDocument/2006/relationships" xmlns:p="http://schemas.openxmlformats.org/presentationml/2006/main">
+  <p:cSld>
+    <p:spTree>
+      <p:nvGrpSpPr>
+        <p:cNvPr id="1" name=""/>
+        <p:cNvGrpSpPr/>
+        <p:nvPr/>
+      </p:nvGrpSpPr>
+      <p:grpSpPr>
+        <a:xfrm>
+          <a:off x="0" y="0"/>
+          <a:ext cx="0" cy="0"/>
+          <a:chOff x="0" y="0"/>
+          <a:chExt cx="0" cy="0"/>
+        </a:xfrm>
+      </p:grpSpPr>
+      <p:sp>
+        <p:nvSpPr>
+          <p:cNvPr id="4" name="Title 3">
+            <a:extLst>
+              <a:ext uri="{FF2B5EF4-FFF2-40B4-BE49-F238E27FC236}">
+                <a16:creationId xmlns:a16="http://schemas.microsoft.com/office/drawing/2014/main" xmlns="" id="{189ECF77-714F-4D2C-9D4B-CC43534EF427}"/>
+              </a:ext>
+            </a:extLst>
+          </p:cNvPr>
+          <p:cNvSpPr>
+            <a:spLocks noGrp="1"/>
+          </p:cNvSpPr>
+          <p:nvPr>
+            <p:ph type="title"/>
+          </p:nvPr>
+        </p:nvSpPr>
+        <p:spPr>
+          <a:xfrm>
+            <a:off x="0" y="21787"/>
+            <a:ext cx="9144000" cy="1069514"/>
+          </a:xfrm>
+        </p:spPr>
+        <p:txBody>
+          <a:bodyPr>
+            <a:scene3d>
+              <a:camera prst="orthographicFront"/>
+              <a:lightRig rig="threePt" dir="t"/>
+            </a:scene3d>
+            <a:sp3d extrusionH="57150">
+              <a:bevelT w="82550" h="38100" prst="coolSlant"/>
+            </a:sp3d>
+          </a:bodyPr>
+          <a:lstStyle/>
+          <a:p>
+            <a:pPr algn="ctr"/>
+            <a:r>
+              <a:rPr lang="en-US" altLang="ko-KR" dirty="0" err="1" smtClean="0">
+                <a:solidFill>
+                  <a:schemeClr val="accent5">
+                    <a:lumMod val="75000"/>
+                  </a:schemeClr>
+                </a:solidFill>
+              </a:rPr>
+              <a:t>Implementazione</a:t>
+            </a:r>
+            <a:endParaRPr lang="ko-KR" altLang="en-US" dirty="0">
+              <a:solidFill>
+                <a:schemeClr val="accent5">
+                  <a:lumMod val="75000"/>
+                </a:schemeClr>
+              </a:solidFill>
+            </a:endParaRPr>
+          </a:p>
+        </p:txBody>
+      </p:sp>
+      <p:grpSp>
+        <p:nvGrpSpPr>
+          <p:cNvPr id="6" name="Group 623">
+            <a:extLst>
+              <a:ext uri="{FF2B5EF4-FFF2-40B4-BE49-F238E27FC236}">
+                <a16:creationId xmlns="" xmlns:a16="http://schemas.microsoft.com/office/drawing/2014/main" xmlns:lc="http://schemas.openxmlformats.org/drawingml/2006/lockedCanvas" id="{AA4FCC27-C7D4-4343-B033-13B6C83DC905}"/>
+              </a:ext>
+            </a:extLst>
+          </p:cNvPr>
+          <p:cNvGrpSpPr/>
+          <p:nvPr/>
+        </p:nvGrpSpPr>
+        <p:grpSpPr>
+          <a:xfrm>
+            <a:off x="1835696" y="2763930"/>
+            <a:ext cx="6984776" cy="1407324"/>
+            <a:chOff x="2408381" y="3473362"/>
+            <a:chExt cx="5748793" cy="1090648"/>
+          </a:xfrm>
+        </p:grpSpPr>
+        <p:sp>
+          <p:nvSpPr>
+            <p:cNvPr id="7" name="Freeform 538">
+              <a:extLst>
+                <a:ext uri="{FF2B5EF4-FFF2-40B4-BE49-F238E27FC236}">
+                  <a16:creationId xmlns="" xmlns:a16="http://schemas.microsoft.com/office/drawing/2014/main" xmlns:lc="http://schemas.openxmlformats.org/drawingml/2006/lockedCanvas" id="{3776C4DA-4E41-4098-AEDB-2C371B14EB8B}"/>
+                </a:ext>
+              </a:extLst>
+            </p:cNvPr>
+            <p:cNvSpPr>
+              <a:spLocks/>
+            </p:cNvSpPr>
+            <p:nvPr/>
+          </p:nvSpPr>
+          <p:spPr bwMode="auto">
+            <a:xfrm>
+              <a:off x="6989906" y="3530068"/>
+              <a:ext cx="1116012" cy="965200"/>
+            </a:xfrm>
+            <a:custGeom>
+              <a:avLst/>
+              <a:gdLst>
+                <a:gd name="T0" fmla="*/ 527 w 703"/>
+                <a:gd name="T1" fmla="*/ 0 h 608"/>
+                <a:gd name="T2" fmla="*/ 176 w 703"/>
+                <a:gd name="T3" fmla="*/ 0 h 608"/>
+                <a:gd name="T4" fmla="*/ 0 w 703"/>
+                <a:gd name="T5" fmla="*/ 304 h 608"/>
+                <a:gd name="T6" fmla="*/ 176 w 703"/>
+                <a:gd name="T7" fmla="*/ 608 h 608"/>
+                <a:gd name="T8" fmla="*/ 527 w 703"/>
+                <a:gd name="T9" fmla="*/ 608 h 608"/>
+                <a:gd name="T10" fmla="*/ 703 w 703"/>
+                <a:gd name="T11" fmla="*/ 304 h 608"/>
+                <a:gd name="T12" fmla="*/ 527 w 703"/>
+                <a:gd name="T13" fmla="*/ 0 h 608"/>
+              </a:gdLst>
+              <a:ahLst/>
+              <a:cxnLst>
+                <a:cxn ang="0">
+                  <a:pos x="T0" y="T1"/>
+                </a:cxn>
+                <a:cxn ang="0">
+                  <a:pos x="T2" y="T3"/>
+                </a:cxn>
+                <a:cxn ang="0">
+                  <a:pos x="T4" y="T5"/>
+                </a:cxn>
+                <a:cxn ang="0">
+                  <a:pos x="T6" y="T7"/>
+                </a:cxn>
+                <a:cxn ang="0">
+                  <a:pos x="T8" y="T9"/>
+                </a:cxn>
+                <a:cxn ang="0">
+                  <a:pos x="T10" y="T11"/>
+                </a:cxn>
+                <a:cxn ang="0">
+                  <a:pos x="T12" y="T13"/>
+                </a:cxn>
+              </a:cxnLst>
+              <a:rect l="0" t="0" r="r" b="b"/>
+              <a:pathLst>
+                <a:path w="703" h="608">
+                  <a:moveTo>
+                    <a:pt x="527" y="0"/>
+                  </a:moveTo>
+                  <a:lnTo>
+                    <a:pt x="176" y="0"/>
+                  </a:lnTo>
+                  <a:lnTo>
+                    <a:pt x="0" y="304"/>
+                  </a:lnTo>
+                  <a:lnTo>
+                    <a:pt x="176" y="608"/>
+                  </a:lnTo>
+                  <a:lnTo>
+                    <a:pt x="527" y="608"/>
+                  </a:lnTo>
+                  <a:lnTo>
+                    <a:pt x="703" y="304"/>
+                  </a:lnTo>
+                  <a:lnTo>
+                    <a:pt x="527" y="0"/>
+                  </a:lnTo>
+                  <a:close/>
+                </a:path>
+              </a:pathLst>
+            </a:custGeom>
+            <a:solidFill>
+              <a:srgbClr val="FFFFFF"/>
+            </a:solidFill>
+            <a:ln>
+              <a:noFill/>
+            </a:ln>
+            <a:extLst>
+              <a:ext uri="{91240B29-F687-4F45-9708-019B960494DF}">
+                <a14:hiddenLine xmlns:a14="http://schemas.microsoft.com/office/drawing/2010/main" w="9525">
+                  <a:solidFill>
+                    <a:srgbClr val="000000"/>
+                  </a:solidFill>
+                  <a:round/>
+                  <a:headEnd/>
+                  <a:tailEnd/>
+                </a14:hiddenLine>
+              </a:ext>
+            </a:extLst>
+          </p:spPr>
+          <p:txBody>
+            <a:bodyPr vert="horz" wrap="square" lIns="68580" tIns="34290" rIns="68580" bIns="34290" numCol="1" anchor="t" anchorCtr="0" compatLnSpc="1">
+              <a:prstTxWarp prst="textNoShape">
+                <a:avLst/>
+              </a:prstTxWarp>
+            </a:bodyPr>
+            <a:lstStyle>
+              <a:defPPr>
+                <a:defRPr lang="en-US"/>
+              </a:defPPr>
+              <a:lvl1pPr marL="0" algn="l" defTabSz="914400" rtl="0" eaLnBrk="1" latinLnBrk="0" hangingPunct="1">
+                <a:defRPr sz="1800" kern="1200">
+                  <a:solidFill>
+                    <a:schemeClr val="tx1"/>
+                  </a:solidFill>
+                  <a:latin typeface="+mn-lt"/>
+                  <a:ea typeface="+mn-ea"/>
+                  <a:cs typeface="+mn-cs"/>
+                </a:defRPr>
+              </a:lvl1pPr>
+              <a:lvl2pPr marL="457200" algn="l" defTabSz="914400" rtl="0" eaLnBrk="1" latinLnBrk="0" hangingPunct="1">
+                <a:defRPr sz="1800" kern="1200">
+                  <a:solidFill>
+                    <a:schemeClr val="tx1"/>
+                  </a:solidFill>
+                  <a:latin typeface="+mn-lt"/>
+                  <a:ea typeface="+mn-ea"/>
+                  <a:cs typeface="+mn-cs"/>
+                </a:defRPr>
+              </a:lvl2pPr>
+              <a:lvl3pPr marL="914400" algn="l" defTabSz="914400" rtl="0" eaLnBrk="1" latinLnBrk="0" hangingPunct="1">
+                <a:defRPr sz="1800" kern="1200">
+                  <a:solidFill>
+                    <a:schemeClr val="tx1"/>
+                  </a:solidFill>
+                  <a:latin typeface="+mn-lt"/>
+                  <a:ea typeface="+mn-ea"/>
+                  <a:cs typeface="+mn-cs"/>
+                </a:defRPr>
+              </a:lvl3pPr>
+              <a:lvl4pPr marL="1371600" algn="l" defTabSz="914400" rtl="0" eaLnBrk="1" latinLnBrk="0" hangingPunct="1">
+                <a:defRPr sz="1800" kern="1200">
+                  <a:solidFill>
+                    <a:schemeClr val="tx1"/>
+                  </a:solidFill>
+                  <a:latin typeface="+mn-lt"/>
+                  <a:ea typeface="+mn-ea"/>
+                  <a:cs typeface="+mn-cs"/>
+                </a:defRPr>
+              </a:lvl4pPr>
+              <a:lvl5pPr marL="1828800" algn="l" defTabSz="914400" rtl="0" eaLnBrk="1" latinLnBrk="0" hangingPunct="1">
+                <a:defRPr sz="1800" kern="1200">
+                  <a:solidFill>
+                    <a:schemeClr val="tx1"/>
+                  </a:solidFill>
+                  <a:latin typeface="+mn-lt"/>
+                  <a:ea typeface="+mn-ea"/>
+                  <a:cs typeface="+mn-cs"/>
+                </a:defRPr>
+              </a:lvl5pPr>
+              <a:lvl6pPr marL="2286000" algn="l" defTabSz="914400" rtl="0" eaLnBrk="1" latinLnBrk="0" hangingPunct="1">
+                <a:defRPr sz="1800" kern="1200">
+                  <a:solidFill>
+                    <a:schemeClr val="tx1"/>
+                  </a:solidFill>
+                  <a:latin typeface="+mn-lt"/>
+                  <a:ea typeface="+mn-ea"/>
+                  <a:cs typeface="+mn-cs"/>
+                </a:defRPr>
+              </a:lvl6pPr>
+              <a:lvl7pPr marL="2743200" algn="l" defTabSz="914400" rtl="0" eaLnBrk="1" latinLnBrk="0" hangingPunct="1">
+                <a:defRPr sz="1800" kern="1200">
+                  <a:solidFill>
+                    <a:schemeClr val="tx1"/>
+                  </a:solidFill>
+                  <a:latin typeface="+mn-lt"/>
+                  <a:ea typeface="+mn-ea"/>
+                  <a:cs typeface="+mn-cs"/>
+                </a:defRPr>
+              </a:lvl7pPr>
+              <a:lvl8pPr marL="3200400" algn="l" defTabSz="914400" rtl="0" eaLnBrk="1" latinLnBrk="0" hangingPunct="1">
+                <a:defRPr sz="1800" kern="1200">
+                  <a:solidFill>
+                    <a:schemeClr val="tx1"/>
+                  </a:solidFill>
+                  <a:latin typeface="+mn-lt"/>
+                  <a:ea typeface="+mn-ea"/>
+                  <a:cs typeface="+mn-cs"/>
+                </a:defRPr>
+              </a:lvl8pPr>
+              <a:lvl9pPr marL="3657600" algn="l" defTabSz="914400" rtl="0" eaLnBrk="1" latinLnBrk="0" hangingPunct="1">
+                <a:defRPr sz="1800" kern="1200">
+                  <a:solidFill>
+                    <a:schemeClr val="tx1"/>
+                  </a:solidFill>
+                  <a:latin typeface="+mn-lt"/>
+                  <a:ea typeface="+mn-ea"/>
+                  <a:cs typeface="+mn-cs"/>
+                </a:defRPr>
+              </a:lvl9pPr>
+            </a:lstStyle>
+            <a:p>
+              <a:endParaRPr lang="en-US" sz="1350"/>
+            </a:p>
+          </p:txBody>
+        </p:sp>
+        <p:sp>
+          <p:nvSpPr>
+            <p:cNvPr id="8" name="Freeform 542">
+              <a:extLst>
+                <a:ext uri="{FF2B5EF4-FFF2-40B4-BE49-F238E27FC236}">
+                  <a16:creationId xmlns="" xmlns:a16="http://schemas.microsoft.com/office/drawing/2014/main" xmlns:lc="http://schemas.openxmlformats.org/drawingml/2006/lockedCanvas" id="{BBD90813-EA96-440A-94D3-CB2D6F892D34}"/>
+                </a:ext>
+              </a:extLst>
+            </p:cNvPr>
+            <p:cNvSpPr>
+              <a:spLocks/>
+            </p:cNvSpPr>
+            <p:nvPr/>
+          </p:nvSpPr>
+          <p:spPr bwMode="auto">
+            <a:xfrm>
+              <a:off x="5838968" y="3530068"/>
+              <a:ext cx="1114425" cy="965200"/>
+            </a:xfrm>
+            <a:custGeom>
+              <a:avLst/>
+              <a:gdLst>
+                <a:gd name="T0" fmla="*/ 526 w 702"/>
+                <a:gd name="T1" fmla="*/ 0 h 608"/>
+                <a:gd name="T2" fmla="*/ 175 w 702"/>
+                <a:gd name="T3" fmla="*/ 0 h 608"/>
+                <a:gd name="T4" fmla="*/ 0 w 702"/>
+                <a:gd name="T5" fmla="*/ 304 h 608"/>
+                <a:gd name="T6" fmla="*/ 175 w 702"/>
+                <a:gd name="T7" fmla="*/ 608 h 608"/>
+                <a:gd name="T8" fmla="*/ 526 w 702"/>
+                <a:gd name="T9" fmla="*/ 608 h 608"/>
+                <a:gd name="T10" fmla="*/ 702 w 702"/>
+                <a:gd name="T11" fmla="*/ 304 h 608"/>
+                <a:gd name="T12" fmla="*/ 526 w 702"/>
+                <a:gd name="T13" fmla="*/ 0 h 608"/>
+              </a:gdLst>
+              <a:ahLst/>
+              <a:cxnLst>
+                <a:cxn ang="0">
+                  <a:pos x="T0" y="T1"/>
+                </a:cxn>
+                <a:cxn ang="0">
+                  <a:pos x="T2" y="T3"/>
+                </a:cxn>
+                <a:cxn ang="0">
+                  <a:pos x="T4" y="T5"/>
+                </a:cxn>
+                <a:cxn ang="0">
+                  <a:pos x="T6" y="T7"/>
+                </a:cxn>
+                <a:cxn ang="0">
+                  <a:pos x="T8" y="T9"/>
+                </a:cxn>
+                <a:cxn ang="0">
+                  <a:pos x="T10" y="T11"/>
+                </a:cxn>
+                <a:cxn ang="0">
+                  <a:pos x="T12" y="T13"/>
+                </a:cxn>
+              </a:cxnLst>
+              <a:rect l="0" t="0" r="r" b="b"/>
+              <a:pathLst>
+                <a:path w="702" h="608">
+                  <a:moveTo>
+                    <a:pt x="526" y="0"/>
+                  </a:moveTo>
+                  <a:lnTo>
+                    <a:pt x="175" y="0"/>
+                  </a:lnTo>
+                  <a:lnTo>
+                    <a:pt x="0" y="304"/>
+                  </a:lnTo>
+                  <a:lnTo>
+                    <a:pt x="175" y="608"/>
+                  </a:lnTo>
+                  <a:lnTo>
+                    <a:pt x="526" y="608"/>
+                  </a:lnTo>
+                  <a:lnTo>
+                    <a:pt x="702" y="304"/>
+                  </a:lnTo>
+                  <a:lnTo>
+                    <a:pt x="526" y="0"/>
+                  </a:lnTo>
+                  <a:close/>
+                </a:path>
+              </a:pathLst>
+            </a:custGeom>
+            <a:solidFill>
+              <a:srgbClr val="FFFFFF"/>
+            </a:solidFill>
+            <a:ln>
+              <a:noFill/>
+            </a:ln>
+            <a:extLst>
+              <a:ext uri="{91240B29-F687-4F45-9708-019B960494DF}">
+                <a14:hiddenLine xmlns:a14="http://schemas.microsoft.com/office/drawing/2010/main" w="9525">
+                  <a:solidFill>
+                    <a:srgbClr val="000000"/>
+                  </a:solidFill>
+                  <a:round/>
+                  <a:headEnd/>
+                  <a:tailEnd/>
+                </a14:hiddenLine>
+              </a:ext>
+            </a:extLst>
+          </p:spPr>
+          <p:txBody>
+            <a:bodyPr vert="horz" wrap="square" lIns="68580" tIns="34290" rIns="68580" bIns="34290" numCol="1" anchor="t" anchorCtr="0" compatLnSpc="1">
+              <a:prstTxWarp prst="textNoShape">
+                <a:avLst/>
+              </a:prstTxWarp>
+            </a:bodyPr>
+            <a:lstStyle>
+              <a:defPPr>
+                <a:defRPr lang="en-US"/>
+              </a:defPPr>
+              <a:lvl1pPr marL="0" algn="l" defTabSz="914400" rtl="0" eaLnBrk="1" latinLnBrk="0" hangingPunct="1">
+                <a:defRPr sz="1800" kern="1200">
+                  <a:solidFill>
+                    <a:schemeClr val="tx1"/>
+                  </a:solidFill>
+                  <a:latin typeface="+mn-lt"/>
+                  <a:ea typeface="+mn-ea"/>
+                  <a:cs typeface="+mn-cs"/>
+                </a:defRPr>
+              </a:lvl1pPr>
+              <a:lvl2pPr marL="457200" algn="l" defTabSz="914400" rtl="0" eaLnBrk="1" latinLnBrk="0" hangingPunct="1">
+                <a:defRPr sz="1800" kern="1200">
+                  <a:solidFill>
+                    <a:schemeClr val="tx1"/>
+                  </a:solidFill>
+                  <a:latin typeface="+mn-lt"/>
+                  <a:ea typeface="+mn-ea"/>
+                  <a:cs typeface="+mn-cs"/>
+                </a:defRPr>
+              </a:lvl2pPr>
+              <a:lvl3pPr marL="914400" algn="l" defTabSz="914400" rtl="0" eaLnBrk="1" latinLnBrk="0" hangingPunct="1">
+                <a:defRPr sz="1800" kern="1200">
+                  <a:solidFill>
+                    <a:schemeClr val="tx1"/>
+                  </a:solidFill>
+                  <a:latin typeface="+mn-lt"/>
+                  <a:ea typeface="+mn-ea"/>
+                  <a:cs typeface="+mn-cs"/>
+                </a:defRPr>
+              </a:lvl3pPr>
+              <a:lvl4pPr marL="1371600" algn="l" defTabSz="914400" rtl="0" eaLnBrk="1" latinLnBrk="0" hangingPunct="1">
+                <a:defRPr sz="1800" kern="1200">
+                  <a:solidFill>
+                    <a:schemeClr val="tx1"/>
+                  </a:solidFill>
+                  <a:latin typeface="+mn-lt"/>
+                  <a:ea typeface="+mn-ea"/>
+                  <a:cs typeface="+mn-cs"/>
+                </a:defRPr>
+              </a:lvl4pPr>
+              <a:lvl5pPr marL="1828800" algn="l" defTabSz="914400" rtl="0" eaLnBrk="1" latinLnBrk="0" hangingPunct="1">
+                <a:defRPr sz="1800" kern="1200">
+                  <a:solidFill>
+                    <a:schemeClr val="tx1"/>
+                  </a:solidFill>
+                  <a:latin typeface="+mn-lt"/>
+                  <a:ea typeface="+mn-ea"/>
+                  <a:cs typeface="+mn-cs"/>
+                </a:defRPr>
+              </a:lvl5pPr>
+              <a:lvl6pPr marL="2286000" algn="l" defTabSz="914400" rtl="0" eaLnBrk="1" latinLnBrk="0" hangingPunct="1">
+                <a:defRPr sz="1800" kern="1200">
+                  <a:solidFill>
+                    <a:schemeClr val="tx1"/>
+                  </a:solidFill>
+                  <a:latin typeface="+mn-lt"/>
+                  <a:ea typeface="+mn-ea"/>
+                  <a:cs typeface="+mn-cs"/>
+                </a:defRPr>
+              </a:lvl6pPr>
+              <a:lvl7pPr marL="2743200" algn="l" defTabSz="914400" rtl="0" eaLnBrk="1" latinLnBrk="0" hangingPunct="1">
+                <a:defRPr sz="1800" kern="1200">
+                  <a:solidFill>
+                    <a:schemeClr val="tx1"/>
+                  </a:solidFill>
+                  <a:latin typeface="+mn-lt"/>
+                  <a:ea typeface="+mn-ea"/>
+                  <a:cs typeface="+mn-cs"/>
+                </a:defRPr>
+              </a:lvl7pPr>
+              <a:lvl8pPr marL="3200400" algn="l" defTabSz="914400" rtl="0" eaLnBrk="1" latinLnBrk="0" hangingPunct="1">
+                <a:defRPr sz="1800" kern="1200">
+                  <a:solidFill>
+                    <a:schemeClr val="tx1"/>
+                  </a:solidFill>
+                  <a:latin typeface="+mn-lt"/>
+                  <a:ea typeface="+mn-ea"/>
+                  <a:cs typeface="+mn-cs"/>
+                </a:defRPr>
+              </a:lvl8pPr>
+              <a:lvl9pPr marL="3657600" algn="l" defTabSz="914400" rtl="0" eaLnBrk="1" latinLnBrk="0" hangingPunct="1">
+                <a:defRPr sz="1800" kern="1200">
+                  <a:solidFill>
+                    <a:schemeClr val="tx1"/>
+                  </a:solidFill>
+                  <a:latin typeface="+mn-lt"/>
+                  <a:ea typeface="+mn-ea"/>
+                  <a:cs typeface="+mn-cs"/>
+                </a:defRPr>
+              </a:lvl9pPr>
+            </a:lstStyle>
+            <a:p>
+              <a:endParaRPr lang="en-US" sz="1350"/>
+            </a:p>
+          </p:txBody>
+        </p:sp>
+        <p:sp>
+          <p:nvSpPr>
+            <p:cNvPr id="9" name="Freeform: Shape 616">
+              <a:extLst>
+                <a:ext uri="{FF2B5EF4-FFF2-40B4-BE49-F238E27FC236}">
+                  <a16:creationId xmlns="" xmlns:a16="http://schemas.microsoft.com/office/drawing/2014/main" xmlns:lc="http://schemas.openxmlformats.org/drawingml/2006/lockedCanvas" id="{284E245F-3566-43D1-B56C-8CC7026A0D22}"/>
+                </a:ext>
+              </a:extLst>
+            </p:cNvPr>
+            <p:cNvSpPr>
+              <a:spLocks/>
+            </p:cNvSpPr>
+            <p:nvPr/>
+          </p:nvSpPr>
+          <p:spPr bwMode="auto">
+            <a:xfrm>
+              <a:off x="5894074" y="3473362"/>
+              <a:ext cx="2263100" cy="1090648"/>
+            </a:xfrm>
+            <a:custGeom>
+              <a:avLst/>
+              <a:gdLst>
+                <a:gd name="connsiteX0" fmla="*/ 1362928 w 2263100"/>
+                <a:gd name="connsiteY0" fmla="*/ 0 h 1090648"/>
+                <a:gd name="connsiteX1" fmla="*/ 1922668 w 2263100"/>
+                <a:gd name="connsiteY1" fmla="*/ 0 h 1090648"/>
+                <a:gd name="connsiteX2" fmla="*/ 1975293 w 2263100"/>
+                <a:gd name="connsiteY2" fmla="*/ 30441 h 1090648"/>
+                <a:gd name="connsiteX3" fmla="*/ 2254946 w 2263100"/>
+                <a:gd name="connsiteY3" fmla="*/ 514884 h 1090648"/>
+                <a:gd name="connsiteX4" fmla="*/ 2254946 w 2263100"/>
+                <a:gd name="connsiteY4" fmla="*/ 575765 h 1090648"/>
+                <a:gd name="connsiteX5" fmla="*/ 1975293 w 2263100"/>
+                <a:gd name="connsiteY5" fmla="*/ 1060207 h 1090648"/>
+                <a:gd name="connsiteX6" fmla="*/ 1922668 w 2263100"/>
+                <a:gd name="connsiteY6" fmla="*/ 1090648 h 1090648"/>
+                <a:gd name="connsiteX7" fmla="*/ 1362928 w 2263100"/>
+                <a:gd name="connsiteY7" fmla="*/ 1090648 h 1090648"/>
+                <a:gd name="connsiteX8" fmla="*/ 1310302 w 2263100"/>
+                <a:gd name="connsiteY8" fmla="*/ 1060207 h 1090648"/>
+                <a:gd name="connsiteX9" fmla="*/ 1127636 w 2263100"/>
+                <a:gd name="connsiteY9" fmla="*/ 744059 h 1090648"/>
+                <a:gd name="connsiteX10" fmla="*/ 1127636 w 2263100"/>
+                <a:gd name="connsiteY10" fmla="*/ 683177 h 1090648"/>
+                <a:gd name="connsiteX11" fmla="*/ 1232887 w 2263100"/>
+                <a:gd name="connsiteY11" fmla="*/ 683177 h 1090648"/>
+                <a:gd name="connsiteX12" fmla="*/ 1380759 w 2263100"/>
+                <a:gd name="connsiteY12" fmla="*/ 938444 h 1090648"/>
+                <a:gd name="connsiteX13" fmla="*/ 1433384 w 2263100"/>
+                <a:gd name="connsiteY13" fmla="*/ 968885 h 1090648"/>
+                <a:gd name="connsiteX14" fmla="*/ 1852211 w 2263100"/>
+                <a:gd name="connsiteY14" fmla="*/ 968885 h 1090648"/>
+                <a:gd name="connsiteX15" fmla="*/ 1904836 w 2263100"/>
+                <a:gd name="connsiteY15" fmla="*/ 938444 h 1090648"/>
+                <a:gd name="connsiteX16" fmla="*/ 2114467 w 2263100"/>
+                <a:gd name="connsiteY16" fmla="*/ 575765 h 1090648"/>
+                <a:gd name="connsiteX17" fmla="*/ 2114467 w 2263100"/>
+                <a:gd name="connsiteY17" fmla="*/ 514884 h 1090648"/>
+                <a:gd name="connsiteX18" fmla="*/ 1904836 w 2263100"/>
+                <a:gd name="connsiteY18" fmla="*/ 152204 h 1090648"/>
+                <a:gd name="connsiteX19" fmla="*/ 1852211 w 2263100"/>
+                <a:gd name="connsiteY19" fmla="*/ 121763 h 1090648"/>
+                <a:gd name="connsiteX20" fmla="*/ 1433384 w 2263100"/>
+                <a:gd name="connsiteY20" fmla="*/ 121763 h 1090648"/>
+                <a:gd name="connsiteX21" fmla="*/ 1380759 w 2263100"/>
+                <a:gd name="connsiteY21" fmla="*/ 152204 h 1090648"/>
+                <a:gd name="connsiteX22" fmla="*/ 856247 w 2263100"/>
+                <a:gd name="connsiteY22" fmla="*/ 1060207 h 1090648"/>
+                <a:gd name="connsiteX23" fmla="*/ 803622 w 2263100"/>
+                <a:gd name="connsiteY23" fmla="*/ 1090648 h 1090648"/>
+                <a:gd name="connsiteX24" fmla="*/ 244316 w 2263100"/>
+                <a:gd name="connsiteY24" fmla="*/ 1090648 h 1090648"/>
+                <a:gd name="connsiteX25" fmla="*/ 191256 w 2263100"/>
+                <a:gd name="connsiteY25" fmla="*/ 1060207 h 1090648"/>
+                <a:gd name="connsiteX26" fmla="*/ 8155 w 2263100"/>
+                <a:gd name="connsiteY26" fmla="*/ 743189 h 1090648"/>
+                <a:gd name="connsiteX27" fmla="*/ 8155 w 2263100"/>
+                <a:gd name="connsiteY27" fmla="*/ 682307 h 1090648"/>
+                <a:gd name="connsiteX28" fmla="*/ 113841 w 2263100"/>
+                <a:gd name="connsiteY28" fmla="*/ 682307 h 1090648"/>
+                <a:gd name="connsiteX29" fmla="*/ 261713 w 2263100"/>
+                <a:gd name="connsiteY29" fmla="*/ 938444 h 1090648"/>
+                <a:gd name="connsiteX30" fmla="*/ 314338 w 2263100"/>
+                <a:gd name="connsiteY30" fmla="*/ 968885 h 1090648"/>
+                <a:gd name="connsiteX31" fmla="*/ 733600 w 2263100"/>
+                <a:gd name="connsiteY31" fmla="*/ 968885 h 1090648"/>
+                <a:gd name="connsiteX32" fmla="*/ 786225 w 2263100"/>
+                <a:gd name="connsiteY32" fmla="*/ 938444 h 1090648"/>
+                <a:gd name="connsiteX33" fmla="*/ 1310302 w 2263100"/>
+                <a:gd name="connsiteY33" fmla="*/ 30441 h 1090648"/>
+                <a:gd name="connsiteX34" fmla="*/ 1362928 w 2263100"/>
+                <a:gd name="connsiteY34" fmla="*/ 0 h 1090648"/>
+              </a:gdLst>
+              <a:ahLst/>
+              <a:cxnLst>
+                <a:cxn ang="0">
+                  <a:pos x="connsiteX0" y="connsiteY0"/>
+                </a:cxn>
+                <a:cxn ang="0">
+                  <a:pos x="connsiteX1" y="connsiteY1"/>
+                </a:cxn>
+                <a:cxn ang="0">
+                  <a:pos x="connsiteX2" y="connsiteY2"/>
+                </a:cxn>
+                <a:cxn ang="0">
+                  <a:pos x="connsiteX3" y="connsiteY3"/>
+                </a:cxn>
+                <a:cxn ang="0">
+                  <a:pos x="connsiteX4" y="connsiteY4"/>
+                </a:cxn>
+                <a:cxn ang="0">
+                  <a:pos x="connsiteX5" y="connsiteY5"/>
+                </a:cxn>
+                <a:cxn ang="0">
+                  <a:pos x="connsiteX6" y="connsiteY6"/>
+                </a:cxn>
+                <a:cxn ang="0">
+                  <a:pos x="connsiteX7" y="connsiteY7"/>
+                </a:cxn>
+                <a:cxn ang="0">
+                  <a:pos x="connsiteX8" y="connsiteY8"/>
+                </a:cxn>
+                <a:cxn ang="0">
+                  <a:pos x="connsiteX9" y="connsiteY9"/>
+                </a:cxn>
+                <a:cxn ang="0">
+                  <a:pos x="connsiteX10" y="connsiteY10"/>
+                </a:cxn>
+                <a:cxn ang="0">
+                  <a:pos x="connsiteX11" y="connsiteY11"/>
+                </a:cxn>
+                <a:cxn ang="0">
+                  <a:pos x="connsiteX12" y="connsiteY12"/>
+                </a:cxn>
+                <a:cxn ang="0">
+                  <a:pos x="connsiteX13" y="connsiteY13"/>
+                </a:cxn>
+                <a:cxn ang="0">
+                  <a:pos x="connsiteX14" y="connsiteY14"/>
+                </a:cxn>
+                <a:cxn ang="0">
+                  <a:pos x="connsiteX15" y="connsiteY15"/>
+                </a:cxn>
+                <a:cxn ang="0">
+                  <a:pos x="connsiteX16" y="connsiteY16"/>
+                </a:cxn>
+                <a:cxn ang="0">
+                  <a:pos x="connsiteX17" y="connsiteY17"/>
+                </a:cxn>
+                <a:cxn ang="0">
+                  <a:pos x="connsiteX18" y="connsiteY18"/>
+                </a:cxn>
+                <a:cxn ang="0">
+                  <a:pos x="connsiteX19" y="connsiteY19"/>
+                </a:cxn>
+                <a:cxn ang="0">
+                  <a:pos x="connsiteX20" y="connsiteY20"/>
+                </a:cxn>
+                <a:cxn ang="0">
+                  <a:pos x="connsiteX21" y="connsiteY21"/>
+                </a:cxn>
+                <a:cxn ang="0">
+                  <a:pos x="connsiteX22" y="connsiteY22"/>
+                </a:cxn>
+                <a:cxn ang="0">
+                  <a:pos x="connsiteX23" y="connsiteY23"/>
+                </a:cxn>
+                <a:cxn ang="0">
+                  <a:pos x="connsiteX24" y="connsiteY24"/>
+                </a:cxn>
+                <a:cxn ang="0">
+                  <a:pos x="connsiteX25" y="connsiteY25"/>
+                </a:cxn>
+                <a:cxn ang="0">
+                  <a:pos x="connsiteX26" y="connsiteY26"/>
+                </a:cxn>
+                <a:cxn ang="0">
+                  <a:pos x="connsiteX27" y="connsiteY27"/>
+                </a:cxn>
+                <a:cxn ang="0">
+                  <a:pos x="connsiteX28" y="connsiteY28"/>
+                </a:cxn>
+                <a:cxn ang="0">
+                  <a:pos x="connsiteX29" y="connsiteY29"/>
+                </a:cxn>
+                <a:cxn ang="0">
+                  <a:pos x="connsiteX30" y="connsiteY30"/>
+                </a:cxn>
+                <a:cxn ang="0">
+                  <a:pos x="connsiteX31" y="connsiteY31"/>
+                </a:cxn>
+                <a:cxn ang="0">
+                  <a:pos x="connsiteX32" y="connsiteY32"/>
+                </a:cxn>
+                <a:cxn ang="0">
+                  <a:pos x="connsiteX33" y="connsiteY33"/>
+                </a:cxn>
+                <a:cxn ang="0">
+                  <a:pos x="connsiteX34" y="connsiteY34"/>
+                </a:cxn>
+              </a:cxnLst>
+              <a:rect l="l" t="t" r="r" b="b"/>
+              <a:pathLst>
+                <a:path w="2263100" h="1090648">
+                  <a:moveTo>
+                    <a:pt x="1362928" y="0"/>
+                  </a:moveTo>
+                  <a:lnTo>
+                    <a:pt x="1922668" y="0"/>
+                  </a:lnTo>
+                  <a:cubicBezTo>
+                    <a:pt x="1944414" y="0"/>
+                    <a:pt x="1964420" y="11742"/>
+                    <a:pt x="1975293" y="30441"/>
+                  </a:cubicBezTo>
+                  <a:lnTo>
+                    <a:pt x="2254946" y="514884"/>
+                  </a:lnTo>
+                  <a:cubicBezTo>
+                    <a:pt x="2265819" y="534018"/>
+                    <a:pt x="2265819" y="557066"/>
+                    <a:pt x="2254946" y="575765"/>
+                  </a:cubicBezTo>
+                  <a:lnTo>
+                    <a:pt x="1975293" y="1060207"/>
+                  </a:lnTo>
+                  <a:cubicBezTo>
+                    <a:pt x="1964420" y="1079341"/>
+                    <a:pt x="1944414" y="1090648"/>
+                    <a:pt x="1922668" y="1090648"/>
+                  </a:cubicBezTo>
+                  <a:lnTo>
+                    <a:pt x="1362928" y="1090648"/>
+                  </a:lnTo>
+                  <a:cubicBezTo>
+                    <a:pt x="1341182" y="1090648"/>
+                    <a:pt x="1321175" y="1079341"/>
+                    <a:pt x="1310302" y="1060207"/>
+                  </a:cubicBezTo>
+                  <a:lnTo>
+                    <a:pt x="1127636" y="744059"/>
+                  </a:lnTo>
+                  <a:cubicBezTo>
+                    <a:pt x="1116763" y="724924"/>
+                    <a:pt x="1116763" y="701877"/>
+                    <a:pt x="1127636" y="683177"/>
+                  </a:cubicBezTo>
+                  <a:cubicBezTo>
+                    <a:pt x="1151122" y="642300"/>
+                    <a:pt x="1209836" y="642300"/>
+                    <a:pt x="1232887" y="683177"/>
+                  </a:cubicBezTo>
+                  <a:lnTo>
+                    <a:pt x="1380759" y="938444"/>
+                  </a:lnTo>
+                  <a:cubicBezTo>
+                    <a:pt x="1391632" y="957579"/>
+                    <a:pt x="1411638" y="968885"/>
+                    <a:pt x="1433384" y="968885"/>
+                  </a:cubicBezTo>
+                  <a:lnTo>
+                    <a:pt x="1852211" y="968885"/>
+                  </a:lnTo>
+                  <a:cubicBezTo>
+                    <a:pt x="1873957" y="968885"/>
+                    <a:pt x="1893964" y="957579"/>
+                    <a:pt x="1904836" y="938444"/>
+                  </a:cubicBezTo>
+                  <a:lnTo>
+                    <a:pt x="2114467" y="575765"/>
+                  </a:lnTo>
+                  <a:cubicBezTo>
+                    <a:pt x="2125340" y="557066"/>
+                    <a:pt x="2125340" y="534018"/>
+                    <a:pt x="2114467" y="514884"/>
+                  </a:cubicBezTo>
+                  <a:lnTo>
+                    <a:pt x="1904836" y="152204"/>
+                  </a:lnTo>
+                  <a:cubicBezTo>
+                    <a:pt x="1893964" y="133505"/>
+                    <a:pt x="1873957" y="121763"/>
+                    <a:pt x="1852211" y="121763"/>
+                  </a:cubicBezTo>
+                  <a:lnTo>
+                    <a:pt x="1433384" y="121763"/>
+                  </a:lnTo>
+                  <a:cubicBezTo>
+                    <a:pt x="1411638" y="121763"/>
+                    <a:pt x="1391632" y="133505"/>
+                    <a:pt x="1380759" y="152204"/>
+                  </a:cubicBezTo>
+                  <a:cubicBezTo>
+                    <a:pt x="1110240" y="620121"/>
+                    <a:pt x="1201138" y="463569"/>
+                    <a:pt x="856247" y="1060207"/>
+                  </a:cubicBezTo>
+                  <a:cubicBezTo>
+                    <a:pt x="845374" y="1079341"/>
+                    <a:pt x="825368" y="1090648"/>
+                    <a:pt x="803622" y="1090648"/>
+                  </a:cubicBezTo>
+                  <a:lnTo>
+                    <a:pt x="244316" y="1090648"/>
+                  </a:lnTo>
+                  <a:cubicBezTo>
+                    <a:pt x="222570" y="1090648"/>
+                    <a:pt x="202129" y="1079341"/>
+                    <a:pt x="191256" y="1060207"/>
+                  </a:cubicBezTo>
+                  <a:lnTo>
+                    <a:pt x="8155" y="743189"/>
+                  </a:lnTo>
+                  <a:cubicBezTo>
+                    <a:pt x="-2718" y="724490"/>
+                    <a:pt x="-2718" y="701442"/>
+                    <a:pt x="8155" y="682307"/>
+                  </a:cubicBezTo>
+                  <a:cubicBezTo>
+                    <a:pt x="31641" y="641865"/>
+                    <a:pt x="90355" y="641430"/>
+                    <a:pt x="113841" y="682307"/>
+                  </a:cubicBezTo>
+                  <a:lnTo>
+                    <a:pt x="261713" y="938444"/>
+                  </a:lnTo>
+                  <a:cubicBezTo>
+                    <a:pt x="272586" y="957579"/>
+                    <a:pt x="292592" y="968885"/>
+                    <a:pt x="314338" y="968885"/>
+                  </a:cubicBezTo>
+                  <a:lnTo>
+                    <a:pt x="733600" y="968885"/>
+                  </a:lnTo>
+                  <a:cubicBezTo>
+                    <a:pt x="754911" y="968885"/>
+                    <a:pt x="775352" y="957579"/>
+                    <a:pt x="786225" y="938444"/>
+                  </a:cubicBezTo>
+                  <a:cubicBezTo>
+                    <a:pt x="1462089" y="-232219"/>
+                    <a:pt x="98183" y="2129981"/>
+                    <a:pt x="1310302" y="30441"/>
+                  </a:cubicBezTo>
+                  <a:cubicBezTo>
+                    <a:pt x="1321175" y="11742"/>
+                    <a:pt x="1341182" y="0"/>
+                    <a:pt x="1362928" y="0"/>
+                  </a:cubicBezTo>
+                  <a:close/>
+                </a:path>
+              </a:pathLst>
+            </a:custGeom>
+            <a:solidFill>
+              <a:schemeClr val="accent5"/>
+            </a:solidFill>
+            <a:ln>
+              <a:noFill/>
+            </a:ln>
+            <a:extLst>
+              <a:ext uri="{91240B29-F687-4F45-9708-019B960494DF}">
+                <a14:hiddenLine xmlns:a14="http://schemas.microsoft.com/office/drawing/2010/main" w="9525">
+                  <a:solidFill>
+                    <a:srgbClr val="000000"/>
+                  </a:solidFill>
+                  <a:round/>
+                  <a:headEnd/>
+                  <a:tailEnd/>
+                </a14:hiddenLine>
+              </a:ext>
+            </a:extLst>
+          </p:spPr>
+          <p:txBody>
+            <a:bodyPr vert="horz" wrap="square" lIns="68580" tIns="34290" rIns="68580" bIns="34290" numCol="1" anchor="t" anchorCtr="0" compatLnSpc="1">
+              <a:prstTxWarp prst="textNoShape">
+                <a:avLst/>
+              </a:prstTxWarp>
+              <a:noAutofit/>
+            </a:bodyPr>
+            <a:lstStyle>
+              <a:defPPr>
+                <a:defRPr lang="en-US"/>
+              </a:defPPr>
+              <a:lvl1pPr marL="0" algn="l" defTabSz="914400" rtl="0" eaLnBrk="1" latinLnBrk="0" hangingPunct="1">
+                <a:defRPr sz="1800" kern="1200">
+                  <a:solidFill>
+                    <a:schemeClr val="tx1"/>
+                  </a:solidFill>
+                  <a:latin typeface="+mn-lt"/>
+                  <a:ea typeface="+mn-ea"/>
+                  <a:cs typeface="+mn-cs"/>
+                </a:defRPr>
+              </a:lvl1pPr>
+              <a:lvl2pPr marL="457200" algn="l" defTabSz="914400" rtl="0" eaLnBrk="1" latinLnBrk="0" hangingPunct="1">
+                <a:defRPr sz="1800" kern="1200">
+                  <a:solidFill>
+                    <a:schemeClr val="tx1"/>
+                  </a:solidFill>
+                  <a:latin typeface="+mn-lt"/>
+                  <a:ea typeface="+mn-ea"/>
+                  <a:cs typeface="+mn-cs"/>
+                </a:defRPr>
+              </a:lvl2pPr>
+              <a:lvl3pPr marL="914400" algn="l" defTabSz="914400" rtl="0" eaLnBrk="1" latinLnBrk="0" hangingPunct="1">
+                <a:defRPr sz="1800" kern="1200">
+                  <a:solidFill>
+                    <a:schemeClr val="tx1"/>
+                  </a:solidFill>
+                  <a:latin typeface="+mn-lt"/>
+                  <a:ea typeface="+mn-ea"/>
+                  <a:cs typeface="+mn-cs"/>
+                </a:defRPr>
+              </a:lvl3pPr>
+              <a:lvl4pPr marL="1371600" algn="l" defTabSz="914400" rtl="0" eaLnBrk="1" latinLnBrk="0" hangingPunct="1">
+                <a:defRPr sz="1800" kern="1200">
+                  <a:solidFill>
+                    <a:schemeClr val="tx1"/>
+                  </a:solidFill>
+                  <a:latin typeface="+mn-lt"/>
+                  <a:ea typeface="+mn-ea"/>
+                  <a:cs typeface="+mn-cs"/>
+                </a:defRPr>
+              </a:lvl4pPr>
+              <a:lvl5pPr marL="1828800" algn="l" defTabSz="914400" rtl="0" eaLnBrk="1" latinLnBrk="0" hangingPunct="1">
+                <a:defRPr sz="1800" kern="1200">
+                  <a:solidFill>
+                    <a:schemeClr val="tx1"/>
+                  </a:solidFill>
+                  <a:latin typeface="+mn-lt"/>
+                  <a:ea typeface="+mn-ea"/>
+                  <a:cs typeface="+mn-cs"/>
+                </a:defRPr>
+              </a:lvl5pPr>
+              <a:lvl6pPr marL="2286000" algn="l" defTabSz="914400" rtl="0" eaLnBrk="1" latinLnBrk="0" hangingPunct="1">
+                <a:defRPr sz="1800" kern="1200">
+                  <a:solidFill>
+                    <a:schemeClr val="tx1"/>
+                  </a:solidFill>
+                  <a:latin typeface="+mn-lt"/>
+                  <a:ea typeface="+mn-ea"/>
+                  <a:cs typeface="+mn-cs"/>
+                </a:defRPr>
+              </a:lvl6pPr>
+              <a:lvl7pPr marL="2743200" algn="l" defTabSz="914400" rtl="0" eaLnBrk="1" latinLnBrk="0" hangingPunct="1">
+                <a:defRPr sz="1800" kern="1200">
+                  <a:solidFill>
+                    <a:schemeClr val="tx1"/>
+                  </a:solidFill>
+                  <a:latin typeface="+mn-lt"/>
+                  <a:ea typeface="+mn-ea"/>
+                  <a:cs typeface="+mn-cs"/>
+                </a:defRPr>
+              </a:lvl7pPr>
+              <a:lvl8pPr marL="3200400" algn="l" defTabSz="914400" rtl="0" eaLnBrk="1" latinLnBrk="0" hangingPunct="1">
+                <a:defRPr sz="1800" kern="1200">
+                  <a:solidFill>
+                    <a:schemeClr val="tx1"/>
+                  </a:solidFill>
+                  <a:latin typeface="+mn-lt"/>
+                  <a:ea typeface="+mn-ea"/>
+                  <a:cs typeface="+mn-cs"/>
+                </a:defRPr>
+              </a:lvl8pPr>
+              <a:lvl9pPr marL="3657600" algn="l" defTabSz="914400" rtl="0" eaLnBrk="1" latinLnBrk="0" hangingPunct="1">
+                <a:defRPr sz="1800" kern="1200">
+                  <a:solidFill>
+                    <a:schemeClr val="tx1"/>
+                  </a:solidFill>
+                  <a:latin typeface="+mn-lt"/>
+                  <a:ea typeface="+mn-ea"/>
+                  <a:cs typeface="+mn-cs"/>
+                </a:defRPr>
+              </a:lvl9pPr>
+            </a:lstStyle>
+            <a:p>
+              <a:endParaRPr lang="en-US" sz="1350"/>
+            </a:p>
+          </p:txBody>
+        </p:sp>
+        <p:sp>
+          <p:nvSpPr>
+            <p:cNvPr id="10" name="Freeform 551">
+              <a:extLst>
+                <a:ext uri="{FF2B5EF4-FFF2-40B4-BE49-F238E27FC236}">
+                  <a16:creationId xmlns="" xmlns:a16="http://schemas.microsoft.com/office/drawing/2014/main" xmlns:lc="http://schemas.openxmlformats.org/drawingml/2006/lockedCanvas" id="{112FAF63-149F-4078-92F8-E980CF799812}"/>
+                </a:ext>
+              </a:extLst>
+            </p:cNvPr>
+            <p:cNvSpPr>
+              <a:spLocks/>
+            </p:cNvSpPr>
+            <p:nvPr/>
+          </p:nvSpPr>
+          <p:spPr bwMode="auto">
+            <a:xfrm>
+              <a:off x="4710256" y="3530068"/>
+              <a:ext cx="1114425" cy="965200"/>
+            </a:xfrm>
+            <a:custGeom>
+              <a:avLst/>
+              <a:gdLst>
+                <a:gd name="T0" fmla="*/ 527 w 702"/>
+                <a:gd name="T1" fmla="*/ 0 h 608"/>
+                <a:gd name="T2" fmla="*/ 176 w 702"/>
+                <a:gd name="T3" fmla="*/ 0 h 608"/>
+                <a:gd name="T4" fmla="*/ 0 w 702"/>
+                <a:gd name="T5" fmla="*/ 304 h 608"/>
+                <a:gd name="T6" fmla="*/ 176 w 702"/>
+                <a:gd name="T7" fmla="*/ 608 h 608"/>
+                <a:gd name="T8" fmla="*/ 527 w 702"/>
+                <a:gd name="T9" fmla="*/ 608 h 608"/>
+                <a:gd name="T10" fmla="*/ 702 w 702"/>
+                <a:gd name="T11" fmla="*/ 304 h 608"/>
+                <a:gd name="T12" fmla="*/ 527 w 702"/>
+                <a:gd name="T13" fmla="*/ 0 h 608"/>
+              </a:gdLst>
+              <a:ahLst/>
+              <a:cxnLst>
+                <a:cxn ang="0">
+                  <a:pos x="T0" y="T1"/>
+                </a:cxn>
+                <a:cxn ang="0">
+                  <a:pos x="T2" y="T3"/>
+                </a:cxn>
+                <a:cxn ang="0">
+                  <a:pos x="T4" y="T5"/>
+                </a:cxn>
+                <a:cxn ang="0">
+                  <a:pos x="T6" y="T7"/>
+                </a:cxn>
+                <a:cxn ang="0">
+                  <a:pos x="T8" y="T9"/>
+                </a:cxn>
+                <a:cxn ang="0">
+                  <a:pos x="T10" y="T11"/>
+                </a:cxn>
+                <a:cxn ang="0">
+                  <a:pos x="T12" y="T13"/>
+                </a:cxn>
+              </a:cxnLst>
+              <a:rect l="0" t="0" r="r" b="b"/>
+              <a:pathLst>
+                <a:path w="702" h="608">
+                  <a:moveTo>
+                    <a:pt x="527" y="0"/>
+                  </a:moveTo>
+                  <a:lnTo>
+                    <a:pt x="176" y="0"/>
+                  </a:lnTo>
+                  <a:lnTo>
+                    <a:pt x="0" y="304"/>
+                  </a:lnTo>
+                  <a:lnTo>
+                    <a:pt x="176" y="608"/>
+                  </a:lnTo>
+                  <a:lnTo>
+                    <a:pt x="527" y="608"/>
+                  </a:lnTo>
+                  <a:lnTo>
+                    <a:pt x="702" y="304"/>
+                  </a:lnTo>
+                  <a:lnTo>
+                    <a:pt x="527" y="0"/>
+                  </a:lnTo>
+                  <a:close/>
+                </a:path>
+              </a:pathLst>
+            </a:custGeom>
+            <a:solidFill>
+              <a:srgbClr val="FFFFFF"/>
+            </a:solidFill>
+            <a:ln>
+              <a:noFill/>
+            </a:ln>
+            <a:extLst>
+              <a:ext uri="{91240B29-F687-4F45-9708-019B960494DF}">
+                <a14:hiddenLine xmlns:a14="http://schemas.microsoft.com/office/drawing/2010/main" w="9525">
+                  <a:solidFill>
+                    <a:srgbClr val="000000"/>
+                  </a:solidFill>
+                  <a:round/>
+                  <a:headEnd/>
+                  <a:tailEnd/>
+                </a14:hiddenLine>
+              </a:ext>
+            </a:extLst>
+          </p:spPr>
+          <p:txBody>
+            <a:bodyPr vert="horz" wrap="square" lIns="68580" tIns="34290" rIns="68580" bIns="34290" numCol="1" anchor="t" anchorCtr="0" compatLnSpc="1">
+              <a:prstTxWarp prst="textNoShape">
+                <a:avLst/>
+              </a:prstTxWarp>
+            </a:bodyPr>
+            <a:lstStyle>
+              <a:defPPr>
+                <a:defRPr lang="en-US"/>
+              </a:defPPr>
+              <a:lvl1pPr marL="0" algn="l" defTabSz="914400" rtl="0" eaLnBrk="1" latinLnBrk="0" hangingPunct="1">
+                <a:defRPr sz="1800" kern="1200">
+                  <a:solidFill>
+                    <a:schemeClr val="tx1"/>
+                  </a:solidFill>
+                  <a:latin typeface="+mn-lt"/>
+                  <a:ea typeface="+mn-ea"/>
+                  <a:cs typeface="+mn-cs"/>
+                </a:defRPr>
+              </a:lvl1pPr>
+              <a:lvl2pPr marL="457200" algn="l" defTabSz="914400" rtl="0" eaLnBrk="1" latinLnBrk="0" hangingPunct="1">
+                <a:defRPr sz="1800" kern="1200">
+                  <a:solidFill>
+                    <a:schemeClr val="tx1"/>
+                  </a:solidFill>
+                  <a:latin typeface="+mn-lt"/>
+                  <a:ea typeface="+mn-ea"/>
+                  <a:cs typeface="+mn-cs"/>
+                </a:defRPr>
+              </a:lvl2pPr>
+              <a:lvl3pPr marL="914400" algn="l" defTabSz="914400" rtl="0" eaLnBrk="1" latinLnBrk="0" hangingPunct="1">
+                <a:defRPr sz="1800" kern="1200">
+                  <a:solidFill>
+                    <a:schemeClr val="tx1"/>
+                  </a:solidFill>
+                  <a:latin typeface="+mn-lt"/>
+                  <a:ea typeface="+mn-ea"/>
+                  <a:cs typeface="+mn-cs"/>
+                </a:defRPr>
+              </a:lvl3pPr>
+              <a:lvl4pPr marL="1371600" algn="l" defTabSz="914400" rtl="0" eaLnBrk="1" latinLnBrk="0" hangingPunct="1">
+                <a:defRPr sz="1800" kern="1200">
+                  <a:solidFill>
+                    <a:schemeClr val="tx1"/>
+                  </a:solidFill>
+                  <a:latin typeface="+mn-lt"/>
+                  <a:ea typeface="+mn-ea"/>
+                  <a:cs typeface="+mn-cs"/>
+                </a:defRPr>
+              </a:lvl4pPr>
+              <a:lvl5pPr marL="1828800" algn="l" defTabSz="914400" rtl="0" eaLnBrk="1" latinLnBrk="0" hangingPunct="1">
+                <a:defRPr sz="1800" kern="1200">
+                  <a:solidFill>
+                    <a:schemeClr val="tx1"/>
+                  </a:solidFill>
+                  <a:latin typeface="+mn-lt"/>
+                  <a:ea typeface="+mn-ea"/>
+                  <a:cs typeface="+mn-cs"/>
+                </a:defRPr>
+              </a:lvl5pPr>
+              <a:lvl6pPr marL="2286000" algn="l" defTabSz="914400" rtl="0" eaLnBrk="1" latinLnBrk="0" hangingPunct="1">
+                <a:defRPr sz="1800" kern="1200">
+                  <a:solidFill>
+                    <a:schemeClr val="tx1"/>
+                  </a:solidFill>
+                  <a:latin typeface="+mn-lt"/>
+                  <a:ea typeface="+mn-ea"/>
+                  <a:cs typeface="+mn-cs"/>
+                </a:defRPr>
+              </a:lvl6pPr>
+              <a:lvl7pPr marL="2743200" algn="l" defTabSz="914400" rtl="0" eaLnBrk="1" latinLnBrk="0" hangingPunct="1">
+                <a:defRPr sz="1800" kern="1200">
+                  <a:solidFill>
+                    <a:schemeClr val="tx1"/>
+                  </a:solidFill>
+                  <a:latin typeface="+mn-lt"/>
+                  <a:ea typeface="+mn-ea"/>
+                  <a:cs typeface="+mn-cs"/>
+                </a:defRPr>
+              </a:lvl7pPr>
+              <a:lvl8pPr marL="3200400" algn="l" defTabSz="914400" rtl="0" eaLnBrk="1" latinLnBrk="0" hangingPunct="1">
+                <a:defRPr sz="1800" kern="1200">
+                  <a:solidFill>
+                    <a:schemeClr val="tx1"/>
+                  </a:solidFill>
+                  <a:latin typeface="+mn-lt"/>
+                  <a:ea typeface="+mn-ea"/>
+                  <a:cs typeface="+mn-cs"/>
+                </a:defRPr>
+              </a:lvl8pPr>
+              <a:lvl9pPr marL="3657600" algn="l" defTabSz="914400" rtl="0" eaLnBrk="1" latinLnBrk="0" hangingPunct="1">
+                <a:defRPr sz="1800" kern="1200">
+                  <a:solidFill>
+                    <a:schemeClr val="tx1"/>
+                  </a:solidFill>
+                  <a:latin typeface="+mn-lt"/>
+                  <a:ea typeface="+mn-ea"/>
+                  <a:cs typeface="+mn-cs"/>
+                </a:defRPr>
+              </a:lvl9pPr>
+            </a:lstStyle>
+            <a:p>
+              <a:endParaRPr lang="en-US" sz="1350"/>
+            </a:p>
+          </p:txBody>
+        </p:sp>
+        <p:sp>
+          <p:nvSpPr>
+            <p:cNvPr id="11" name="Freeform 554">
+              <a:extLst>
+                <a:ext uri="{FF2B5EF4-FFF2-40B4-BE49-F238E27FC236}">
+                  <a16:creationId xmlns="" xmlns:a16="http://schemas.microsoft.com/office/drawing/2014/main" xmlns:lc="http://schemas.openxmlformats.org/drawingml/2006/lockedCanvas" id="{3A764CCA-B3FA-43EA-B2A1-38E0C402312F}"/>
+                </a:ext>
+              </a:extLst>
+            </p:cNvPr>
+            <p:cNvSpPr>
+              <a:spLocks/>
+            </p:cNvSpPr>
+            <p:nvPr/>
+          </p:nvSpPr>
+          <p:spPr bwMode="auto">
+            <a:xfrm>
+              <a:off x="4753118" y="3474505"/>
+              <a:ext cx="2178050" cy="1089025"/>
+            </a:xfrm>
+            <a:custGeom>
+              <a:avLst/>
+              <a:gdLst>
+                <a:gd name="T0" fmla="*/ 1974 w 5010"/>
+                <a:gd name="T1" fmla="*/ 2438 h 2508"/>
+                <a:gd name="T2" fmla="*/ 1853 w 5010"/>
+                <a:gd name="T3" fmla="*/ 2508 h 2508"/>
+                <a:gd name="T4" fmla="*/ 567 w 5010"/>
+                <a:gd name="T5" fmla="*/ 2508 h 2508"/>
+                <a:gd name="T6" fmla="*/ 445 w 5010"/>
+                <a:gd name="T7" fmla="*/ 2438 h 2508"/>
+                <a:gd name="T8" fmla="*/ 25 w 5010"/>
+                <a:gd name="T9" fmla="*/ 1709 h 2508"/>
+                <a:gd name="T10" fmla="*/ 25 w 5010"/>
+                <a:gd name="T11" fmla="*/ 1569 h 2508"/>
+                <a:gd name="T12" fmla="*/ 25 w 5010"/>
+                <a:gd name="T13" fmla="*/ 1569 h 2508"/>
+                <a:gd name="T14" fmla="*/ 267 w 5010"/>
+                <a:gd name="T15" fmla="*/ 1569 h 2508"/>
+                <a:gd name="T16" fmla="*/ 607 w 5010"/>
+                <a:gd name="T17" fmla="*/ 2158 h 2508"/>
+                <a:gd name="T18" fmla="*/ 728 w 5010"/>
+                <a:gd name="T19" fmla="*/ 2228 h 2508"/>
+                <a:gd name="T20" fmla="*/ 1692 w 5010"/>
+                <a:gd name="T21" fmla="*/ 2228 h 2508"/>
+                <a:gd name="T22" fmla="*/ 1813 w 5010"/>
+                <a:gd name="T23" fmla="*/ 2158 h 2508"/>
+                <a:gd name="T24" fmla="*/ 3018 w 5010"/>
+                <a:gd name="T25" fmla="*/ 70 h 2508"/>
+                <a:gd name="T26" fmla="*/ 3139 w 5010"/>
+                <a:gd name="T27" fmla="*/ 0 h 2508"/>
+                <a:gd name="T28" fmla="*/ 4425 w 5010"/>
+                <a:gd name="T29" fmla="*/ 0 h 2508"/>
+                <a:gd name="T30" fmla="*/ 4546 w 5010"/>
+                <a:gd name="T31" fmla="*/ 70 h 2508"/>
+                <a:gd name="T32" fmla="*/ 4971 w 5010"/>
+                <a:gd name="T33" fmla="*/ 805 h 2508"/>
+                <a:gd name="T34" fmla="*/ 4917 w 5010"/>
+                <a:gd name="T35" fmla="*/ 998 h 2508"/>
+                <a:gd name="T36" fmla="*/ 4917 w 5010"/>
+                <a:gd name="T37" fmla="*/ 998 h 2508"/>
+                <a:gd name="T38" fmla="*/ 4728 w 5010"/>
+                <a:gd name="T39" fmla="*/ 945 h 2508"/>
+                <a:gd name="T40" fmla="*/ 4385 w 5010"/>
+                <a:gd name="T41" fmla="*/ 350 h 2508"/>
+                <a:gd name="T42" fmla="*/ 4264 w 5010"/>
+                <a:gd name="T43" fmla="*/ 280 h 2508"/>
+                <a:gd name="T44" fmla="*/ 3300 w 5010"/>
+                <a:gd name="T45" fmla="*/ 280 h 2508"/>
+                <a:gd name="T46" fmla="*/ 3179 w 5010"/>
+                <a:gd name="T47" fmla="*/ 350 h 2508"/>
+                <a:gd name="T48" fmla="*/ 1974 w 5010"/>
+                <a:gd name="T49" fmla="*/ 2438 h 2508"/>
+              </a:gdLst>
+              <a:ahLst/>
+              <a:cxnLst>
+                <a:cxn ang="0">
+                  <a:pos x="T0" y="T1"/>
+                </a:cxn>
+                <a:cxn ang="0">
+                  <a:pos x="T2" y="T3"/>
+                </a:cxn>
+                <a:cxn ang="0">
+                  <a:pos x="T4" y="T5"/>
+                </a:cxn>
+                <a:cxn ang="0">
+                  <a:pos x="T6" y="T7"/>
+                </a:cxn>
+                <a:cxn ang="0">
+                  <a:pos x="T8" y="T9"/>
+                </a:cxn>
+                <a:cxn ang="0">
+                  <a:pos x="T10" y="T11"/>
+                </a:cxn>
+                <a:cxn ang="0">
+                  <a:pos x="T12" y="T13"/>
+                </a:cxn>
+                <a:cxn ang="0">
+                  <a:pos x="T14" y="T15"/>
+                </a:cxn>
+                <a:cxn ang="0">
+                  <a:pos x="T16" y="T17"/>
+                </a:cxn>
+                <a:cxn ang="0">
+                  <a:pos x="T18" y="T19"/>
+                </a:cxn>
+                <a:cxn ang="0">
+                  <a:pos x="T20" y="T21"/>
+                </a:cxn>
+                <a:cxn ang="0">
+                  <a:pos x="T22" y="T23"/>
+                </a:cxn>
+                <a:cxn ang="0">
+                  <a:pos x="T24" y="T25"/>
+                </a:cxn>
+                <a:cxn ang="0">
+                  <a:pos x="T26" y="T27"/>
+                </a:cxn>
+                <a:cxn ang="0">
+                  <a:pos x="T28" y="T29"/>
+                </a:cxn>
+                <a:cxn ang="0">
+                  <a:pos x="T30" y="T31"/>
+                </a:cxn>
+                <a:cxn ang="0">
+                  <a:pos x="T32" y="T33"/>
+                </a:cxn>
+                <a:cxn ang="0">
+                  <a:pos x="T34" y="T35"/>
+                </a:cxn>
+                <a:cxn ang="0">
+                  <a:pos x="T36" y="T37"/>
+                </a:cxn>
+                <a:cxn ang="0">
+                  <a:pos x="T38" y="T39"/>
+                </a:cxn>
+                <a:cxn ang="0">
+                  <a:pos x="T40" y="T41"/>
+                </a:cxn>
+                <a:cxn ang="0">
+                  <a:pos x="T42" y="T43"/>
+                </a:cxn>
+                <a:cxn ang="0">
+                  <a:pos x="T44" y="T45"/>
+                </a:cxn>
+                <a:cxn ang="0">
+                  <a:pos x="T46" y="T47"/>
+                </a:cxn>
+                <a:cxn ang="0">
+                  <a:pos x="T48" y="T49"/>
+                </a:cxn>
+              </a:cxnLst>
+              <a:rect l="0" t="0" r="r" b="b"/>
+              <a:pathLst>
+                <a:path w="5010" h="2508">
+                  <a:moveTo>
+                    <a:pt x="1974" y="2438"/>
+                  </a:moveTo>
+                  <a:cubicBezTo>
+                    <a:pt x="1949" y="2482"/>
+                    <a:pt x="1903" y="2508"/>
+                    <a:pt x="1853" y="2508"/>
+                  </a:cubicBezTo>
+                  <a:lnTo>
+                    <a:pt x="567" y="2508"/>
+                  </a:lnTo>
+                  <a:cubicBezTo>
+                    <a:pt x="517" y="2508"/>
+                    <a:pt x="470" y="2482"/>
+                    <a:pt x="445" y="2438"/>
+                  </a:cubicBezTo>
+                  <a:lnTo>
+                    <a:pt x="25" y="1709"/>
+                  </a:lnTo>
+                  <a:cubicBezTo>
+                    <a:pt x="0" y="1666"/>
+                    <a:pt x="0" y="1613"/>
+                    <a:pt x="25" y="1569"/>
+                  </a:cubicBezTo>
+                  <a:lnTo>
+                    <a:pt x="25" y="1569"/>
+                  </a:lnTo>
+                  <a:cubicBezTo>
+                    <a:pt x="78" y="1476"/>
+                    <a:pt x="213" y="1476"/>
+                    <a:pt x="267" y="1569"/>
+                  </a:cubicBezTo>
+                  <a:lnTo>
+                    <a:pt x="607" y="2158"/>
+                  </a:lnTo>
+                  <a:cubicBezTo>
+                    <a:pt x="632" y="2202"/>
+                    <a:pt x="678" y="2228"/>
+                    <a:pt x="728" y="2228"/>
+                  </a:cubicBezTo>
+                  <a:lnTo>
+                    <a:pt x="1692" y="2228"/>
+                  </a:lnTo>
+                  <a:cubicBezTo>
+                    <a:pt x="1741" y="2228"/>
+                    <a:pt x="1788" y="2202"/>
+                    <a:pt x="1813" y="2158"/>
+                  </a:cubicBezTo>
+                  <a:cubicBezTo>
+                    <a:pt x="1816" y="2152"/>
+                    <a:pt x="3014" y="76"/>
+                    <a:pt x="3018" y="70"/>
+                  </a:cubicBezTo>
+                  <a:cubicBezTo>
+                    <a:pt x="3043" y="27"/>
+                    <a:pt x="3089" y="0"/>
+                    <a:pt x="3139" y="0"/>
+                  </a:cubicBezTo>
+                  <a:lnTo>
+                    <a:pt x="4425" y="0"/>
+                  </a:lnTo>
+                  <a:cubicBezTo>
+                    <a:pt x="4475" y="0"/>
+                    <a:pt x="4521" y="27"/>
+                    <a:pt x="4546" y="70"/>
+                  </a:cubicBezTo>
+                  <a:lnTo>
+                    <a:pt x="4971" y="805"/>
+                  </a:lnTo>
+                  <a:cubicBezTo>
+                    <a:pt x="5010" y="873"/>
+                    <a:pt x="4986" y="960"/>
+                    <a:pt x="4917" y="998"/>
+                  </a:cubicBezTo>
+                  <a:lnTo>
+                    <a:pt x="4917" y="998"/>
+                  </a:lnTo>
+                  <a:cubicBezTo>
+                    <a:pt x="4850" y="1034"/>
+                    <a:pt x="4766" y="1011"/>
+                    <a:pt x="4728" y="945"/>
+                  </a:cubicBezTo>
+                  <a:lnTo>
+                    <a:pt x="4385" y="350"/>
+                  </a:lnTo>
+                  <a:cubicBezTo>
+                    <a:pt x="4360" y="307"/>
+                    <a:pt x="4314" y="280"/>
+                    <a:pt x="4264" y="280"/>
+                  </a:cubicBezTo>
+                  <a:lnTo>
+                    <a:pt x="3300" y="280"/>
+                  </a:lnTo>
+                  <a:cubicBezTo>
+                    <a:pt x="3250" y="280"/>
+                    <a:pt x="3204" y="307"/>
+                    <a:pt x="3179" y="350"/>
+                  </a:cubicBezTo>
+                  <a:cubicBezTo>
+                    <a:pt x="3179" y="350"/>
+                    <a:pt x="2480" y="1563"/>
+                    <a:pt x="1974" y="2438"/>
+                  </a:cubicBezTo>
+                </a:path>
+              </a:pathLst>
+            </a:custGeom>
+            <a:solidFill>
+              <a:schemeClr val="accent3"/>
+            </a:solidFill>
+            <a:ln>
+              <a:noFill/>
+            </a:ln>
+            <a:extLst>
+              <a:ext uri="{91240B29-F687-4F45-9708-019B960494DF}">
+                <a14:hiddenLine xmlns:a14="http://schemas.microsoft.com/office/drawing/2010/main" w="9525">
+                  <a:solidFill>
+                    <a:srgbClr val="000000"/>
+                  </a:solidFill>
+                  <a:round/>
+                  <a:headEnd/>
+                  <a:tailEnd/>
+                </a14:hiddenLine>
+              </a:ext>
+            </a:extLst>
+          </p:spPr>
+          <p:txBody>
+            <a:bodyPr vert="horz" wrap="square" lIns="68580" tIns="34290" rIns="68580" bIns="34290" numCol="1" anchor="t" anchorCtr="0" compatLnSpc="1">
+              <a:prstTxWarp prst="textNoShape">
+                <a:avLst/>
+              </a:prstTxWarp>
+            </a:bodyPr>
+            <a:lstStyle>
+              <a:defPPr>
+                <a:defRPr lang="en-US"/>
+              </a:defPPr>
+              <a:lvl1pPr marL="0" algn="l" defTabSz="914400" rtl="0" eaLnBrk="1" latinLnBrk="0" hangingPunct="1">
+                <a:defRPr sz="1800" kern="1200">
+                  <a:solidFill>
+                    <a:schemeClr val="tx1"/>
+                  </a:solidFill>
+                  <a:latin typeface="+mn-lt"/>
+                  <a:ea typeface="+mn-ea"/>
+                  <a:cs typeface="+mn-cs"/>
+                </a:defRPr>
+              </a:lvl1pPr>
+              <a:lvl2pPr marL="457200" algn="l" defTabSz="914400" rtl="0" eaLnBrk="1" latinLnBrk="0" hangingPunct="1">
+                <a:defRPr sz="1800" kern="1200">
+                  <a:solidFill>
+                    <a:schemeClr val="tx1"/>
+                  </a:solidFill>
+                  <a:latin typeface="+mn-lt"/>
+                  <a:ea typeface="+mn-ea"/>
+                  <a:cs typeface="+mn-cs"/>
+                </a:defRPr>
+              </a:lvl2pPr>
+              <a:lvl3pPr marL="914400" algn="l" defTabSz="914400" rtl="0" eaLnBrk="1" latinLnBrk="0" hangingPunct="1">
+                <a:defRPr sz="1800" kern="1200">
+                  <a:solidFill>
+                    <a:schemeClr val="tx1"/>
+                  </a:solidFill>
+                  <a:latin typeface="+mn-lt"/>
+                  <a:ea typeface="+mn-ea"/>
+                  <a:cs typeface="+mn-cs"/>
+                </a:defRPr>
+              </a:lvl3pPr>
+              <a:lvl4pPr marL="1371600" algn="l" defTabSz="914400" rtl="0" eaLnBrk="1" latinLnBrk="0" hangingPunct="1">
+                <a:defRPr sz="1800" kern="1200">
+                  <a:solidFill>
+                    <a:schemeClr val="tx1"/>
+                  </a:solidFill>
+                  <a:latin typeface="+mn-lt"/>
+                  <a:ea typeface="+mn-ea"/>
+                  <a:cs typeface="+mn-cs"/>
+                </a:defRPr>
+              </a:lvl4pPr>
+              <a:lvl5pPr marL="1828800" algn="l" defTabSz="914400" rtl="0" eaLnBrk="1" latinLnBrk="0" hangingPunct="1">
+                <a:defRPr sz="1800" kern="1200">
+                  <a:solidFill>
+                    <a:schemeClr val="tx1"/>
+                  </a:solidFill>
+                  <a:latin typeface="+mn-lt"/>
+                  <a:ea typeface="+mn-ea"/>
+                  <a:cs typeface="+mn-cs"/>
+                </a:defRPr>
+              </a:lvl5pPr>
+              <a:lvl6pPr marL="2286000" algn="l" defTabSz="914400" rtl="0" eaLnBrk="1" latinLnBrk="0" hangingPunct="1">
+                <a:defRPr sz="1800" kern="1200">
+                  <a:solidFill>
+                    <a:schemeClr val="tx1"/>
+                  </a:solidFill>
+                  <a:latin typeface="+mn-lt"/>
+                  <a:ea typeface="+mn-ea"/>
+                  <a:cs typeface="+mn-cs"/>
+                </a:defRPr>
+              </a:lvl6pPr>
+              <a:lvl7pPr marL="2743200" algn="l" defTabSz="914400" rtl="0" eaLnBrk="1" latinLnBrk="0" hangingPunct="1">
+                <a:defRPr sz="1800" kern="1200">
+                  <a:solidFill>
+                    <a:schemeClr val="tx1"/>
+                  </a:solidFill>
+                  <a:latin typeface="+mn-lt"/>
+                  <a:ea typeface="+mn-ea"/>
+                  <a:cs typeface="+mn-cs"/>
+                </a:defRPr>
+              </a:lvl7pPr>
+              <a:lvl8pPr marL="3200400" algn="l" defTabSz="914400" rtl="0" eaLnBrk="1" latinLnBrk="0" hangingPunct="1">
+                <a:defRPr sz="1800" kern="1200">
+                  <a:solidFill>
+                    <a:schemeClr val="tx1"/>
+                  </a:solidFill>
+                  <a:latin typeface="+mn-lt"/>
+                  <a:ea typeface="+mn-ea"/>
+                  <a:cs typeface="+mn-cs"/>
+                </a:defRPr>
+              </a:lvl8pPr>
+              <a:lvl9pPr marL="3657600" algn="l" defTabSz="914400" rtl="0" eaLnBrk="1" latinLnBrk="0" hangingPunct="1">
+                <a:defRPr sz="1800" kern="1200">
+                  <a:solidFill>
+                    <a:schemeClr val="tx1"/>
+                  </a:solidFill>
+                  <a:latin typeface="+mn-lt"/>
+                  <a:ea typeface="+mn-ea"/>
+                  <a:cs typeface="+mn-cs"/>
+                </a:defRPr>
+              </a:lvl9pPr>
+            </a:lstStyle>
+            <a:p>
+              <a:endParaRPr lang="en-US" sz="1350"/>
+            </a:p>
+          </p:txBody>
+        </p:sp>
+        <p:sp>
+          <p:nvSpPr>
+            <p:cNvPr id="12" name="Freeform 555">
+              <a:extLst>
+                <a:ext uri="{FF2B5EF4-FFF2-40B4-BE49-F238E27FC236}">
+                  <a16:creationId xmlns="" xmlns:a16="http://schemas.microsoft.com/office/drawing/2014/main" xmlns:lc="http://schemas.openxmlformats.org/drawingml/2006/lockedCanvas" id="{50B0CAB1-1A8A-4809-B0FA-4DD1006EC5D4}"/>
+                </a:ext>
+              </a:extLst>
+            </p:cNvPr>
+            <p:cNvSpPr>
+              <a:spLocks/>
+            </p:cNvSpPr>
+            <p:nvPr/>
+          </p:nvSpPr>
+          <p:spPr bwMode="auto">
+            <a:xfrm>
+              <a:off x="3592656" y="3530068"/>
+              <a:ext cx="1114425" cy="965200"/>
+            </a:xfrm>
+            <a:custGeom>
+              <a:avLst/>
+              <a:gdLst>
+                <a:gd name="T0" fmla="*/ 527 w 702"/>
+                <a:gd name="T1" fmla="*/ 0 h 608"/>
+                <a:gd name="T2" fmla="*/ 176 w 702"/>
+                <a:gd name="T3" fmla="*/ 0 h 608"/>
+                <a:gd name="T4" fmla="*/ 0 w 702"/>
+                <a:gd name="T5" fmla="*/ 304 h 608"/>
+                <a:gd name="T6" fmla="*/ 176 w 702"/>
+                <a:gd name="T7" fmla="*/ 608 h 608"/>
+                <a:gd name="T8" fmla="*/ 527 w 702"/>
+                <a:gd name="T9" fmla="*/ 608 h 608"/>
+                <a:gd name="T10" fmla="*/ 702 w 702"/>
+                <a:gd name="T11" fmla="*/ 304 h 608"/>
+                <a:gd name="T12" fmla="*/ 527 w 702"/>
+                <a:gd name="T13" fmla="*/ 0 h 608"/>
+              </a:gdLst>
+              <a:ahLst/>
+              <a:cxnLst>
+                <a:cxn ang="0">
+                  <a:pos x="T0" y="T1"/>
+                </a:cxn>
+                <a:cxn ang="0">
+                  <a:pos x="T2" y="T3"/>
+                </a:cxn>
+                <a:cxn ang="0">
+                  <a:pos x="T4" y="T5"/>
+                </a:cxn>
+                <a:cxn ang="0">
+                  <a:pos x="T6" y="T7"/>
+                </a:cxn>
+                <a:cxn ang="0">
+                  <a:pos x="T8" y="T9"/>
+                </a:cxn>
+                <a:cxn ang="0">
+                  <a:pos x="T10" y="T11"/>
+                </a:cxn>
+                <a:cxn ang="0">
+                  <a:pos x="T12" y="T13"/>
+                </a:cxn>
+              </a:cxnLst>
+              <a:rect l="0" t="0" r="r" b="b"/>
+              <a:pathLst>
+                <a:path w="702" h="608">
+                  <a:moveTo>
+                    <a:pt x="527" y="0"/>
+                  </a:moveTo>
+                  <a:lnTo>
+                    <a:pt x="176" y="0"/>
+                  </a:lnTo>
+                  <a:lnTo>
+                    <a:pt x="0" y="304"/>
+                  </a:lnTo>
+                  <a:lnTo>
+                    <a:pt x="176" y="608"/>
+                  </a:lnTo>
+                  <a:lnTo>
+                    <a:pt x="527" y="608"/>
+                  </a:lnTo>
+                  <a:lnTo>
+                    <a:pt x="702" y="304"/>
+                  </a:lnTo>
+                  <a:lnTo>
+                    <a:pt x="527" y="0"/>
+                  </a:lnTo>
+                  <a:close/>
+                </a:path>
+              </a:pathLst>
+            </a:custGeom>
+            <a:solidFill>
+              <a:srgbClr val="FFFFFF"/>
+            </a:solidFill>
+            <a:ln>
+              <a:noFill/>
+            </a:ln>
+            <a:extLst>
+              <a:ext uri="{91240B29-F687-4F45-9708-019B960494DF}">
+                <a14:hiddenLine xmlns:a14="http://schemas.microsoft.com/office/drawing/2010/main" w="9525">
+                  <a:solidFill>
+                    <a:srgbClr val="000000"/>
+                  </a:solidFill>
+                  <a:round/>
+                  <a:headEnd/>
+                  <a:tailEnd/>
+                </a14:hiddenLine>
+              </a:ext>
+            </a:extLst>
+          </p:spPr>
+          <p:txBody>
+            <a:bodyPr vert="horz" wrap="square" lIns="68580" tIns="34290" rIns="68580" bIns="34290" numCol="1" anchor="t" anchorCtr="0" compatLnSpc="1">
+              <a:prstTxWarp prst="textNoShape">
+                <a:avLst/>
+              </a:prstTxWarp>
+            </a:bodyPr>
+            <a:lstStyle>
+              <a:defPPr>
+                <a:defRPr lang="en-US"/>
+              </a:defPPr>
+              <a:lvl1pPr marL="0" algn="l" defTabSz="914400" rtl="0" eaLnBrk="1" latinLnBrk="0" hangingPunct="1">
+                <a:defRPr sz="1800" kern="1200">
+                  <a:solidFill>
+                    <a:schemeClr val="tx1"/>
+                  </a:solidFill>
+                  <a:latin typeface="+mn-lt"/>
+                  <a:ea typeface="+mn-ea"/>
+                  <a:cs typeface="+mn-cs"/>
+                </a:defRPr>
+              </a:lvl1pPr>
+              <a:lvl2pPr marL="457200" algn="l" defTabSz="914400" rtl="0" eaLnBrk="1" latinLnBrk="0" hangingPunct="1">
+                <a:defRPr sz="1800" kern="1200">
+                  <a:solidFill>
+                    <a:schemeClr val="tx1"/>
+                  </a:solidFill>
+                  <a:latin typeface="+mn-lt"/>
+                  <a:ea typeface="+mn-ea"/>
+                  <a:cs typeface="+mn-cs"/>
+                </a:defRPr>
+              </a:lvl2pPr>
+              <a:lvl3pPr marL="914400" algn="l" defTabSz="914400" rtl="0" eaLnBrk="1" latinLnBrk="0" hangingPunct="1">
+                <a:defRPr sz="1800" kern="1200">
+                  <a:solidFill>
+                    <a:schemeClr val="tx1"/>
+                  </a:solidFill>
+                  <a:latin typeface="+mn-lt"/>
+                  <a:ea typeface="+mn-ea"/>
+                  <a:cs typeface="+mn-cs"/>
+                </a:defRPr>
+              </a:lvl3pPr>
+              <a:lvl4pPr marL="1371600" algn="l" defTabSz="914400" rtl="0" eaLnBrk="1" latinLnBrk="0" hangingPunct="1">
+                <a:defRPr sz="1800" kern="1200">
+                  <a:solidFill>
+                    <a:schemeClr val="tx1"/>
+                  </a:solidFill>
+                  <a:latin typeface="+mn-lt"/>
+                  <a:ea typeface="+mn-ea"/>
+                  <a:cs typeface="+mn-cs"/>
+                </a:defRPr>
+              </a:lvl4pPr>
+              <a:lvl5pPr marL="1828800" algn="l" defTabSz="914400" rtl="0" eaLnBrk="1" latinLnBrk="0" hangingPunct="1">
+                <a:defRPr sz="1800" kern="1200">
+                  <a:solidFill>
+                    <a:schemeClr val="tx1"/>
+                  </a:solidFill>
+                  <a:latin typeface="+mn-lt"/>
+                  <a:ea typeface="+mn-ea"/>
+                  <a:cs typeface="+mn-cs"/>
+                </a:defRPr>
+              </a:lvl5pPr>
+              <a:lvl6pPr marL="2286000" algn="l" defTabSz="914400" rtl="0" eaLnBrk="1" latinLnBrk="0" hangingPunct="1">
+                <a:defRPr sz="1800" kern="1200">
+                  <a:solidFill>
+                    <a:schemeClr val="tx1"/>
+                  </a:solidFill>
+                  <a:latin typeface="+mn-lt"/>
+                  <a:ea typeface="+mn-ea"/>
+                  <a:cs typeface="+mn-cs"/>
+                </a:defRPr>
+              </a:lvl6pPr>
+              <a:lvl7pPr marL="2743200" algn="l" defTabSz="914400" rtl="0" eaLnBrk="1" latinLnBrk="0" hangingPunct="1">
+                <a:defRPr sz="1800" kern="1200">
+                  <a:solidFill>
+                    <a:schemeClr val="tx1"/>
+                  </a:solidFill>
+                  <a:latin typeface="+mn-lt"/>
+                  <a:ea typeface="+mn-ea"/>
+                  <a:cs typeface="+mn-cs"/>
+                </a:defRPr>
+              </a:lvl7pPr>
+              <a:lvl8pPr marL="3200400" algn="l" defTabSz="914400" rtl="0" eaLnBrk="1" latinLnBrk="0" hangingPunct="1">
+                <a:defRPr sz="1800" kern="1200">
+                  <a:solidFill>
+                    <a:schemeClr val="tx1"/>
+                  </a:solidFill>
+                  <a:latin typeface="+mn-lt"/>
+                  <a:ea typeface="+mn-ea"/>
+                  <a:cs typeface="+mn-cs"/>
+                </a:defRPr>
+              </a:lvl8pPr>
+              <a:lvl9pPr marL="3657600" algn="l" defTabSz="914400" rtl="0" eaLnBrk="1" latinLnBrk="0" hangingPunct="1">
+                <a:defRPr sz="1800" kern="1200">
+                  <a:solidFill>
+                    <a:schemeClr val="tx1"/>
+                  </a:solidFill>
+                  <a:latin typeface="+mn-lt"/>
+                  <a:ea typeface="+mn-ea"/>
+                  <a:cs typeface="+mn-cs"/>
+                </a:defRPr>
+              </a:lvl9pPr>
+            </a:lstStyle>
+            <a:p>
+              <a:endParaRPr lang="en-US" sz="1350"/>
+            </a:p>
+          </p:txBody>
+        </p:sp>
+        <p:sp>
+          <p:nvSpPr>
+            <p:cNvPr id="13" name="Freeform 557">
+              <a:extLst>
+                <a:ext uri="{FF2B5EF4-FFF2-40B4-BE49-F238E27FC236}">
+                  <a16:creationId xmlns="" xmlns:a16="http://schemas.microsoft.com/office/drawing/2014/main" xmlns:lc="http://schemas.openxmlformats.org/drawingml/2006/lockedCanvas" id="{7B4680AF-0DA9-4C5B-AB71-A42778FC1863}"/>
+                </a:ext>
+              </a:extLst>
+            </p:cNvPr>
+            <p:cNvSpPr>
+              <a:spLocks/>
+            </p:cNvSpPr>
+            <p:nvPr/>
+          </p:nvSpPr>
+          <p:spPr bwMode="auto">
+            <a:xfrm>
+              <a:off x="3624406" y="3474505"/>
+              <a:ext cx="2178050" cy="1089025"/>
+            </a:xfrm>
+            <a:custGeom>
+              <a:avLst/>
+              <a:gdLst>
+                <a:gd name="T0" fmla="*/ 1974 w 5010"/>
+                <a:gd name="T1" fmla="*/ 2438 h 2508"/>
+                <a:gd name="T2" fmla="*/ 1853 w 5010"/>
+                <a:gd name="T3" fmla="*/ 2508 h 2508"/>
+                <a:gd name="T4" fmla="*/ 566 w 5010"/>
+                <a:gd name="T5" fmla="*/ 2508 h 2508"/>
+                <a:gd name="T6" fmla="*/ 445 w 5010"/>
+                <a:gd name="T7" fmla="*/ 2438 h 2508"/>
+                <a:gd name="T8" fmla="*/ 25 w 5010"/>
+                <a:gd name="T9" fmla="*/ 1709 h 2508"/>
+                <a:gd name="T10" fmla="*/ 25 w 5010"/>
+                <a:gd name="T11" fmla="*/ 1569 h 2508"/>
+                <a:gd name="T12" fmla="*/ 25 w 5010"/>
+                <a:gd name="T13" fmla="*/ 1569 h 2508"/>
+                <a:gd name="T14" fmla="*/ 267 w 5010"/>
+                <a:gd name="T15" fmla="*/ 1569 h 2508"/>
+                <a:gd name="T16" fmla="*/ 607 w 5010"/>
+                <a:gd name="T17" fmla="*/ 2158 h 2508"/>
+                <a:gd name="T18" fmla="*/ 728 w 5010"/>
+                <a:gd name="T19" fmla="*/ 2228 h 2508"/>
+                <a:gd name="T20" fmla="*/ 1691 w 5010"/>
+                <a:gd name="T21" fmla="*/ 2228 h 2508"/>
+                <a:gd name="T22" fmla="*/ 1813 w 5010"/>
+                <a:gd name="T23" fmla="*/ 2158 h 2508"/>
+                <a:gd name="T24" fmla="*/ 3018 w 5010"/>
+                <a:gd name="T25" fmla="*/ 70 h 2508"/>
+                <a:gd name="T26" fmla="*/ 3139 w 5010"/>
+                <a:gd name="T27" fmla="*/ 0 h 2508"/>
+                <a:gd name="T28" fmla="*/ 4425 w 5010"/>
+                <a:gd name="T29" fmla="*/ 0 h 2508"/>
+                <a:gd name="T30" fmla="*/ 4546 w 5010"/>
+                <a:gd name="T31" fmla="*/ 70 h 2508"/>
+                <a:gd name="T32" fmla="*/ 4971 w 5010"/>
+                <a:gd name="T33" fmla="*/ 805 h 2508"/>
+                <a:gd name="T34" fmla="*/ 4917 w 5010"/>
+                <a:gd name="T35" fmla="*/ 998 h 2508"/>
+                <a:gd name="T36" fmla="*/ 4917 w 5010"/>
+                <a:gd name="T37" fmla="*/ 998 h 2508"/>
+                <a:gd name="T38" fmla="*/ 4728 w 5010"/>
+                <a:gd name="T39" fmla="*/ 945 h 2508"/>
+                <a:gd name="T40" fmla="*/ 4385 w 5010"/>
+                <a:gd name="T41" fmla="*/ 350 h 2508"/>
+                <a:gd name="T42" fmla="*/ 4264 w 5010"/>
+                <a:gd name="T43" fmla="*/ 280 h 2508"/>
+                <a:gd name="T44" fmla="*/ 3300 w 5010"/>
+                <a:gd name="T45" fmla="*/ 280 h 2508"/>
+                <a:gd name="T46" fmla="*/ 3179 w 5010"/>
+                <a:gd name="T47" fmla="*/ 350 h 2508"/>
+                <a:gd name="T48" fmla="*/ 1974 w 5010"/>
+                <a:gd name="T49" fmla="*/ 2438 h 2508"/>
+              </a:gdLst>
+              <a:ahLst/>
+              <a:cxnLst>
+                <a:cxn ang="0">
+                  <a:pos x="T0" y="T1"/>
+                </a:cxn>
+                <a:cxn ang="0">
+                  <a:pos x="T2" y="T3"/>
+                </a:cxn>
+                <a:cxn ang="0">
+                  <a:pos x="T4" y="T5"/>
+                </a:cxn>
+                <a:cxn ang="0">
+                  <a:pos x="T6" y="T7"/>
+                </a:cxn>
+                <a:cxn ang="0">
+                  <a:pos x="T8" y="T9"/>
+                </a:cxn>
+                <a:cxn ang="0">
+                  <a:pos x="T10" y="T11"/>
+                </a:cxn>
+                <a:cxn ang="0">
+                  <a:pos x="T12" y="T13"/>
+                </a:cxn>
+                <a:cxn ang="0">
+                  <a:pos x="T14" y="T15"/>
+                </a:cxn>
+                <a:cxn ang="0">
+                  <a:pos x="T16" y="T17"/>
+                </a:cxn>
+                <a:cxn ang="0">
+                  <a:pos x="T18" y="T19"/>
+                </a:cxn>
+                <a:cxn ang="0">
+                  <a:pos x="T20" y="T21"/>
+                </a:cxn>
+                <a:cxn ang="0">
+                  <a:pos x="T22" y="T23"/>
+                </a:cxn>
+                <a:cxn ang="0">
+                  <a:pos x="T24" y="T25"/>
+                </a:cxn>
+                <a:cxn ang="0">
+                  <a:pos x="T26" y="T27"/>
+                </a:cxn>
+                <a:cxn ang="0">
+                  <a:pos x="T28" y="T29"/>
+                </a:cxn>
+                <a:cxn ang="0">
+                  <a:pos x="T30" y="T31"/>
+                </a:cxn>
+                <a:cxn ang="0">
+                  <a:pos x="T32" y="T33"/>
+                </a:cxn>
+                <a:cxn ang="0">
+                  <a:pos x="T34" y="T35"/>
+                </a:cxn>
+                <a:cxn ang="0">
+                  <a:pos x="T36" y="T37"/>
+                </a:cxn>
+                <a:cxn ang="0">
+                  <a:pos x="T38" y="T39"/>
+                </a:cxn>
+                <a:cxn ang="0">
+                  <a:pos x="T40" y="T41"/>
+                </a:cxn>
+                <a:cxn ang="0">
+                  <a:pos x="T42" y="T43"/>
+                </a:cxn>
+                <a:cxn ang="0">
+                  <a:pos x="T44" y="T45"/>
+                </a:cxn>
+                <a:cxn ang="0">
+                  <a:pos x="T46" y="T47"/>
+                </a:cxn>
+                <a:cxn ang="0">
+                  <a:pos x="T48" y="T49"/>
+                </a:cxn>
+              </a:cxnLst>
+              <a:rect l="0" t="0" r="r" b="b"/>
+              <a:pathLst>
+                <a:path w="5010" h="2508">
+                  <a:moveTo>
+                    <a:pt x="1974" y="2438"/>
+                  </a:moveTo>
+                  <a:cubicBezTo>
+                    <a:pt x="1949" y="2482"/>
+                    <a:pt x="1903" y="2508"/>
+                    <a:pt x="1853" y="2508"/>
+                  </a:cubicBezTo>
+                  <a:lnTo>
+                    <a:pt x="566" y="2508"/>
+                  </a:lnTo>
+                  <a:cubicBezTo>
+                    <a:pt x="517" y="2508"/>
+                    <a:pt x="470" y="2482"/>
+                    <a:pt x="445" y="2438"/>
+                  </a:cubicBezTo>
+                  <a:lnTo>
+                    <a:pt x="25" y="1709"/>
+                  </a:lnTo>
+                  <a:cubicBezTo>
+                    <a:pt x="0" y="1666"/>
+                    <a:pt x="0" y="1613"/>
+                    <a:pt x="25" y="1569"/>
+                  </a:cubicBezTo>
+                  <a:lnTo>
+                    <a:pt x="25" y="1569"/>
+                  </a:lnTo>
+                  <a:cubicBezTo>
+                    <a:pt x="78" y="1476"/>
+                    <a:pt x="213" y="1476"/>
+                    <a:pt x="267" y="1569"/>
+                  </a:cubicBezTo>
+                  <a:lnTo>
+                    <a:pt x="607" y="2158"/>
+                  </a:lnTo>
+                  <a:cubicBezTo>
+                    <a:pt x="632" y="2202"/>
+                    <a:pt x="678" y="2228"/>
+                    <a:pt x="728" y="2228"/>
+                  </a:cubicBezTo>
+                  <a:lnTo>
+                    <a:pt x="1691" y="2228"/>
+                  </a:lnTo>
+                  <a:cubicBezTo>
+                    <a:pt x="1741" y="2228"/>
+                    <a:pt x="1788" y="2202"/>
+                    <a:pt x="1813" y="2158"/>
+                  </a:cubicBezTo>
+                  <a:cubicBezTo>
+                    <a:pt x="2302" y="1309"/>
+                    <a:pt x="2490" y="984"/>
+                    <a:pt x="3018" y="70"/>
+                  </a:cubicBezTo>
+                  <a:cubicBezTo>
+                    <a:pt x="3043" y="27"/>
+                    <a:pt x="3089" y="0"/>
+                    <a:pt x="3139" y="0"/>
+                  </a:cubicBezTo>
+                  <a:lnTo>
+                    <a:pt x="4425" y="0"/>
+                  </a:lnTo>
+                  <a:cubicBezTo>
+                    <a:pt x="4475" y="0"/>
+                    <a:pt x="4521" y="27"/>
+                    <a:pt x="4546" y="70"/>
+                  </a:cubicBezTo>
+                  <a:lnTo>
+                    <a:pt x="4971" y="805"/>
+                  </a:lnTo>
+                  <a:cubicBezTo>
+                    <a:pt x="5010" y="873"/>
+                    <a:pt x="4986" y="960"/>
+                    <a:pt x="4917" y="998"/>
+                  </a:cubicBezTo>
+                  <a:lnTo>
+                    <a:pt x="4917" y="998"/>
+                  </a:lnTo>
+                  <a:cubicBezTo>
+                    <a:pt x="4850" y="1034"/>
+                    <a:pt x="4766" y="1011"/>
+                    <a:pt x="4728" y="945"/>
+                  </a:cubicBezTo>
+                  <a:lnTo>
+                    <a:pt x="4385" y="350"/>
+                  </a:lnTo>
+                  <a:cubicBezTo>
+                    <a:pt x="4360" y="307"/>
+                    <a:pt x="4314" y="280"/>
+                    <a:pt x="4264" y="280"/>
+                  </a:cubicBezTo>
+                  <a:lnTo>
+                    <a:pt x="3300" y="280"/>
+                  </a:lnTo>
+                  <a:cubicBezTo>
+                    <a:pt x="3250" y="280"/>
+                    <a:pt x="3204" y="307"/>
+                    <a:pt x="3179" y="350"/>
+                  </a:cubicBezTo>
+                  <a:cubicBezTo>
+                    <a:pt x="3179" y="350"/>
+                    <a:pt x="2452" y="1611"/>
+                    <a:pt x="1974" y="2438"/>
+                  </a:cubicBezTo>
+                </a:path>
+              </a:pathLst>
+            </a:custGeom>
+            <a:solidFill>
+              <a:schemeClr val="accent6"/>
+            </a:solidFill>
+            <a:ln>
+              <a:noFill/>
+            </a:ln>
+            <a:extLst>
+              <a:ext uri="{91240B29-F687-4F45-9708-019B960494DF}">
+                <a14:hiddenLine xmlns:a14="http://schemas.microsoft.com/office/drawing/2010/main" w="9525">
+                  <a:solidFill>
+                    <a:srgbClr val="000000"/>
+                  </a:solidFill>
+                  <a:round/>
+                  <a:headEnd/>
+                  <a:tailEnd/>
+                </a14:hiddenLine>
+              </a:ext>
+            </a:extLst>
+          </p:spPr>
+          <p:txBody>
+            <a:bodyPr vert="horz" wrap="square" lIns="68580" tIns="34290" rIns="68580" bIns="34290" numCol="1" anchor="t" anchorCtr="0" compatLnSpc="1">
+              <a:prstTxWarp prst="textNoShape">
+                <a:avLst/>
+              </a:prstTxWarp>
+            </a:bodyPr>
+            <a:lstStyle>
+              <a:defPPr>
+                <a:defRPr lang="en-US"/>
+              </a:defPPr>
+              <a:lvl1pPr marL="0" algn="l" defTabSz="914400" rtl="0" eaLnBrk="1" latinLnBrk="0" hangingPunct="1">
+                <a:defRPr sz="1800" kern="1200">
+                  <a:solidFill>
+                    <a:schemeClr val="tx1"/>
+                  </a:solidFill>
+                  <a:latin typeface="+mn-lt"/>
+                  <a:ea typeface="+mn-ea"/>
+                  <a:cs typeface="+mn-cs"/>
+                </a:defRPr>
+              </a:lvl1pPr>
+              <a:lvl2pPr marL="457200" algn="l" defTabSz="914400" rtl="0" eaLnBrk="1" latinLnBrk="0" hangingPunct="1">
+                <a:defRPr sz="1800" kern="1200">
+                  <a:solidFill>
+                    <a:schemeClr val="tx1"/>
+                  </a:solidFill>
+                  <a:latin typeface="+mn-lt"/>
+                  <a:ea typeface="+mn-ea"/>
+                  <a:cs typeface="+mn-cs"/>
+                </a:defRPr>
+              </a:lvl2pPr>
+              <a:lvl3pPr marL="914400" algn="l" defTabSz="914400" rtl="0" eaLnBrk="1" latinLnBrk="0" hangingPunct="1">
+                <a:defRPr sz="1800" kern="1200">
+                  <a:solidFill>
+                    <a:schemeClr val="tx1"/>
+                  </a:solidFill>
+                  <a:latin typeface="+mn-lt"/>
+                  <a:ea typeface="+mn-ea"/>
+                  <a:cs typeface="+mn-cs"/>
+                </a:defRPr>
+              </a:lvl3pPr>
+              <a:lvl4pPr marL="1371600" algn="l" defTabSz="914400" rtl="0" eaLnBrk="1" latinLnBrk="0" hangingPunct="1">
+                <a:defRPr sz="1800" kern="1200">
+                  <a:solidFill>
+                    <a:schemeClr val="tx1"/>
+                  </a:solidFill>
+                  <a:latin typeface="+mn-lt"/>
+                  <a:ea typeface="+mn-ea"/>
+                  <a:cs typeface="+mn-cs"/>
+                </a:defRPr>
+              </a:lvl4pPr>
+              <a:lvl5pPr marL="1828800" algn="l" defTabSz="914400" rtl="0" eaLnBrk="1" latinLnBrk="0" hangingPunct="1">
+                <a:defRPr sz="1800" kern="1200">
+                  <a:solidFill>
+                    <a:schemeClr val="tx1"/>
+                  </a:solidFill>
+                  <a:latin typeface="+mn-lt"/>
+                  <a:ea typeface="+mn-ea"/>
+                  <a:cs typeface="+mn-cs"/>
+                </a:defRPr>
+              </a:lvl5pPr>
+              <a:lvl6pPr marL="2286000" algn="l" defTabSz="914400" rtl="0" eaLnBrk="1" latinLnBrk="0" hangingPunct="1">
+                <a:defRPr sz="1800" kern="1200">
+                  <a:solidFill>
+                    <a:schemeClr val="tx1"/>
+                  </a:solidFill>
+                  <a:latin typeface="+mn-lt"/>
+                  <a:ea typeface="+mn-ea"/>
+                  <a:cs typeface="+mn-cs"/>
+                </a:defRPr>
+              </a:lvl6pPr>
+              <a:lvl7pPr marL="2743200" algn="l" defTabSz="914400" rtl="0" eaLnBrk="1" latinLnBrk="0" hangingPunct="1">
+                <a:defRPr sz="1800" kern="1200">
+                  <a:solidFill>
+                    <a:schemeClr val="tx1"/>
+                  </a:solidFill>
+                  <a:latin typeface="+mn-lt"/>
+                  <a:ea typeface="+mn-ea"/>
+                  <a:cs typeface="+mn-cs"/>
+                </a:defRPr>
+              </a:lvl7pPr>
+              <a:lvl8pPr marL="3200400" algn="l" defTabSz="914400" rtl="0" eaLnBrk="1" latinLnBrk="0" hangingPunct="1">
+                <a:defRPr sz="1800" kern="1200">
+                  <a:solidFill>
+                    <a:schemeClr val="tx1"/>
+                  </a:solidFill>
+                  <a:latin typeface="+mn-lt"/>
+                  <a:ea typeface="+mn-ea"/>
+                  <a:cs typeface="+mn-cs"/>
+                </a:defRPr>
+              </a:lvl8pPr>
+              <a:lvl9pPr marL="3657600" algn="l" defTabSz="914400" rtl="0" eaLnBrk="1" latinLnBrk="0" hangingPunct="1">
+                <a:defRPr sz="1800" kern="1200">
+                  <a:solidFill>
+                    <a:schemeClr val="tx1"/>
+                  </a:solidFill>
+                  <a:latin typeface="+mn-lt"/>
+                  <a:ea typeface="+mn-ea"/>
+                  <a:cs typeface="+mn-cs"/>
+                </a:defRPr>
+              </a:lvl9pPr>
+            </a:lstStyle>
+            <a:p>
+              <a:endParaRPr lang="en-US" sz="1350"/>
+            </a:p>
+          </p:txBody>
+        </p:sp>
+        <p:sp>
+          <p:nvSpPr>
+            <p:cNvPr id="14" name="Freeform 558">
+              <a:extLst>
+                <a:ext uri="{FF2B5EF4-FFF2-40B4-BE49-F238E27FC236}">
+                  <a16:creationId xmlns="" xmlns:a16="http://schemas.microsoft.com/office/drawing/2014/main" xmlns:lc="http://schemas.openxmlformats.org/drawingml/2006/lockedCanvas" id="{6974A587-E447-4EC3-9B72-2BFC27A286A2}"/>
+                </a:ext>
+              </a:extLst>
+            </p:cNvPr>
+            <p:cNvSpPr>
+              <a:spLocks/>
+            </p:cNvSpPr>
+            <p:nvPr/>
+          </p:nvSpPr>
+          <p:spPr bwMode="auto">
+            <a:xfrm>
+              <a:off x="2476643" y="3530068"/>
+              <a:ext cx="1116012" cy="965200"/>
+            </a:xfrm>
+            <a:custGeom>
+              <a:avLst/>
+              <a:gdLst>
+                <a:gd name="T0" fmla="*/ 527 w 703"/>
+                <a:gd name="T1" fmla="*/ 0 h 608"/>
+                <a:gd name="T2" fmla="*/ 176 w 703"/>
+                <a:gd name="T3" fmla="*/ 0 h 608"/>
+                <a:gd name="T4" fmla="*/ 0 w 703"/>
+                <a:gd name="T5" fmla="*/ 304 h 608"/>
+                <a:gd name="T6" fmla="*/ 176 w 703"/>
+                <a:gd name="T7" fmla="*/ 608 h 608"/>
+                <a:gd name="T8" fmla="*/ 527 w 703"/>
+                <a:gd name="T9" fmla="*/ 608 h 608"/>
+                <a:gd name="T10" fmla="*/ 703 w 703"/>
+                <a:gd name="T11" fmla="*/ 304 h 608"/>
+                <a:gd name="T12" fmla="*/ 527 w 703"/>
+                <a:gd name="T13" fmla="*/ 0 h 608"/>
+              </a:gdLst>
+              <a:ahLst/>
+              <a:cxnLst>
+                <a:cxn ang="0">
+                  <a:pos x="T0" y="T1"/>
+                </a:cxn>
+                <a:cxn ang="0">
+                  <a:pos x="T2" y="T3"/>
+                </a:cxn>
+                <a:cxn ang="0">
+                  <a:pos x="T4" y="T5"/>
+                </a:cxn>
+                <a:cxn ang="0">
+                  <a:pos x="T6" y="T7"/>
+                </a:cxn>
+                <a:cxn ang="0">
+                  <a:pos x="T8" y="T9"/>
+                </a:cxn>
+                <a:cxn ang="0">
+                  <a:pos x="T10" y="T11"/>
+                </a:cxn>
+                <a:cxn ang="0">
+                  <a:pos x="T12" y="T13"/>
+                </a:cxn>
+              </a:cxnLst>
+              <a:rect l="0" t="0" r="r" b="b"/>
+              <a:pathLst>
+                <a:path w="703" h="608">
+                  <a:moveTo>
+                    <a:pt x="527" y="0"/>
+                  </a:moveTo>
+                  <a:lnTo>
+                    <a:pt x="176" y="0"/>
+                  </a:lnTo>
+                  <a:lnTo>
+                    <a:pt x="0" y="304"/>
+                  </a:lnTo>
+                  <a:lnTo>
+                    <a:pt x="176" y="608"/>
+                  </a:lnTo>
+                  <a:lnTo>
+                    <a:pt x="527" y="608"/>
+                  </a:lnTo>
+                  <a:lnTo>
+                    <a:pt x="703" y="304"/>
+                  </a:lnTo>
+                  <a:lnTo>
+                    <a:pt x="527" y="0"/>
+                  </a:lnTo>
+                  <a:close/>
+                </a:path>
+              </a:pathLst>
+            </a:custGeom>
+            <a:solidFill>
+              <a:srgbClr val="FFFFFF"/>
+            </a:solidFill>
+            <a:ln>
+              <a:noFill/>
+            </a:ln>
+            <a:extLst>
+              <a:ext uri="{91240B29-F687-4F45-9708-019B960494DF}">
+                <a14:hiddenLine xmlns:a14="http://schemas.microsoft.com/office/drawing/2010/main" w="9525">
+                  <a:solidFill>
+                    <a:srgbClr val="000000"/>
+                  </a:solidFill>
+                  <a:round/>
+                  <a:headEnd/>
+                  <a:tailEnd/>
+                </a14:hiddenLine>
+              </a:ext>
+            </a:extLst>
+          </p:spPr>
+          <p:txBody>
+            <a:bodyPr vert="horz" wrap="square" lIns="68580" tIns="34290" rIns="68580" bIns="34290" numCol="1" anchor="t" anchorCtr="0" compatLnSpc="1">
+              <a:prstTxWarp prst="textNoShape">
+                <a:avLst/>
+              </a:prstTxWarp>
+            </a:bodyPr>
+            <a:lstStyle>
+              <a:defPPr>
+                <a:defRPr lang="en-US"/>
+              </a:defPPr>
+              <a:lvl1pPr marL="0" algn="l" defTabSz="914400" rtl="0" eaLnBrk="1" latinLnBrk="0" hangingPunct="1">
+                <a:defRPr sz="1800" kern="1200">
+                  <a:solidFill>
+                    <a:schemeClr val="tx1"/>
+                  </a:solidFill>
+                  <a:latin typeface="+mn-lt"/>
+                  <a:ea typeface="+mn-ea"/>
+                  <a:cs typeface="+mn-cs"/>
+                </a:defRPr>
+              </a:lvl1pPr>
+              <a:lvl2pPr marL="457200" algn="l" defTabSz="914400" rtl="0" eaLnBrk="1" latinLnBrk="0" hangingPunct="1">
+                <a:defRPr sz="1800" kern="1200">
+                  <a:solidFill>
+                    <a:schemeClr val="tx1"/>
+                  </a:solidFill>
+                  <a:latin typeface="+mn-lt"/>
+                  <a:ea typeface="+mn-ea"/>
+                  <a:cs typeface="+mn-cs"/>
+                </a:defRPr>
+              </a:lvl2pPr>
+              <a:lvl3pPr marL="914400" algn="l" defTabSz="914400" rtl="0" eaLnBrk="1" latinLnBrk="0" hangingPunct="1">
+                <a:defRPr sz="1800" kern="1200">
+                  <a:solidFill>
+                    <a:schemeClr val="tx1"/>
+                  </a:solidFill>
+                  <a:latin typeface="+mn-lt"/>
+                  <a:ea typeface="+mn-ea"/>
+                  <a:cs typeface="+mn-cs"/>
+                </a:defRPr>
+              </a:lvl3pPr>
+              <a:lvl4pPr marL="1371600" algn="l" defTabSz="914400" rtl="0" eaLnBrk="1" latinLnBrk="0" hangingPunct="1">
+                <a:defRPr sz="1800" kern="1200">
+                  <a:solidFill>
+                    <a:schemeClr val="tx1"/>
+                  </a:solidFill>
+                  <a:latin typeface="+mn-lt"/>
+                  <a:ea typeface="+mn-ea"/>
+                  <a:cs typeface="+mn-cs"/>
+                </a:defRPr>
+              </a:lvl4pPr>
+              <a:lvl5pPr marL="1828800" algn="l" defTabSz="914400" rtl="0" eaLnBrk="1" latinLnBrk="0" hangingPunct="1">
+                <a:defRPr sz="1800" kern="1200">
+                  <a:solidFill>
+                    <a:schemeClr val="tx1"/>
+                  </a:solidFill>
+                  <a:latin typeface="+mn-lt"/>
+                  <a:ea typeface="+mn-ea"/>
+                  <a:cs typeface="+mn-cs"/>
+                </a:defRPr>
+              </a:lvl5pPr>
+              <a:lvl6pPr marL="2286000" algn="l" defTabSz="914400" rtl="0" eaLnBrk="1" latinLnBrk="0" hangingPunct="1">
+                <a:defRPr sz="1800" kern="1200">
+                  <a:solidFill>
+                    <a:schemeClr val="tx1"/>
+                  </a:solidFill>
+                  <a:latin typeface="+mn-lt"/>
+                  <a:ea typeface="+mn-ea"/>
+                  <a:cs typeface="+mn-cs"/>
+                </a:defRPr>
+              </a:lvl6pPr>
+              <a:lvl7pPr marL="2743200" algn="l" defTabSz="914400" rtl="0" eaLnBrk="1" latinLnBrk="0" hangingPunct="1">
+                <a:defRPr sz="1800" kern="1200">
+                  <a:solidFill>
+                    <a:schemeClr val="tx1"/>
+                  </a:solidFill>
+                  <a:latin typeface="+mn-lt"/>
+                  <a:ea typeface="+mn-ea"/>
+                  <a:cs typeface="+mn-cs"/>
+                </a:defRPr>
+              </a:lvl7pPr>
+              <a:lvl8pPr marL="3200400" algn="l" defTabSz="914400" rtl="0" eaLnBrk="1" latinLnBrk="0" hangingPunct="1">
+                <a:defRPr sz="1800" kern="1200">
+                  <a:solidFill>
+                    <a:schemeClr val="tx1"/>
+                  </a:solidFill>
+                  <a:latin typeface="+mn-lt"/>
+                  <a:ea typeface="+mn-ea"/>
+                  <a:cs typeface="+mn-cs"/>
+                </a:defRPr>
+              </a:lvl8pPr>
+              <a:lvl9pPr marL="3657600" algn="l" defTabSz="914400" rtl="0" eaLnBrk="1" latinLnBrk="0" hangingPunct="1">
+                <a:defRPr sz="1800" kern="1200">
+                  <a:solidFill>
+                    <a:schemeClr val="tx1"/>
+                  </a:solidFill>
+                  <a:latin typeface="+mn-lt"/>
+                  <a:ea typeface="+mn-ea"/>
+                  <a:cs typeface="+mn-cs"/>
+                </a:defRPr>
+              </a:lvl9pPr>
+            </a:lstStyle>
+            <a:p>
+              <a:endParaRPr lang="en-US" sz="1350"/>
+            </a:p>
+          </p:txBody>
+        </p:sp>
+        <p:sp>
+          <p:nvSpPr>
+            <p:cNvPr id="15" name="Freeform 560">
+              <a:extLst>
+                <a:ext uri="{FF2B5EF4-FFF2-40B4-BE49-F238E27FC236}">
+                  <a16:creationId xmlns="" xmlns:a16="http://schemas.microsoft.com/office/drawing/2014/main" xmlns:lc="http://schemas.openxmlformats.org/drawingml/2006/lockedCanvas" id="{A696F24D-3A6B-4107-B6F2-9A3F2F0D138B}"/>
+                </a:ext>
+              </a:extLst>
+            </p:cNvPr>
+            <p:cNvSpPr>
+              <a:spLocks/>
+            </p:cNvSpPr>
+            <p:nvPr/>
+          </p:nvSpPr>
+          <p:spPr bwMode="auto">
+            <a:xfrm>
+              <a:off x="2408381" y="3474505"/>
+              <a:ext cx="2268537" cy="1089025"/>
+            </a:xfrm>
+            <a:custGeom>
+              <a:avLst/>
+              <a:gdLst>
+                <a:gd name="T0" fmla="*/ 3402 w 5215"/>
+                <a:gd name="T1" fmla="*/ 350 h 2508"/>
+                <a:gd name="T2" fmla="*/ 3523 w 5215"/>
+                <a:gd name="T3" fmla="*/ 280 h 2508"/>
+                <a:gd name="T4" fmla="*/ 4486 w 5215"/>
+                <a:gd name="T5" fmla="*/ 280 h 2508"/>
+                <a:gd name="T6" fmla="*/ 4608 w 5215"/>
+                <a:gd name="T7" fmla="*/ 350 h 2508"/>
+                <a:gd name="T8" fmla="*/ 4948 w 5215"/>
+                <a:gd name="T9" fmla="*/ 940 h 2508"/>
+                <a:gd name="T10" fmla="*/ 5190 w 5215"/>
+                <a:gd name="T11" fmla="*/ 939 h 2508"/>
+                <a:gd name="T12" fmla="*/ 5191 w 5215"/>
+                <a:gd name="T13" fmla="*/ 939 h 2508"/>
+                <a:gd name="T14" fmla="*/ 5190 w 5215"/>
+                <a:gd name="T15" fmla="*/ 800 h 2508"/>
+                <a:gd name="T16" fmla="*/ 4769 w 5215"/>
+                <a:gd name="T17" fmla="*/ 70 h 2508"/>
+                <a:gd name="T18" fmla="*/ 4648 w 5215"/>
+                <a:gd name="T19" fmla="*/ 0 h 2508"/>
+                <a:gd name="T20" fmla="*/ 3362 w 5215"/>
+                <a:gd name="T21" fmla="*/ 0 h 2508"/>
+                <a:gd name="T22" fmla="*/ 3240 w 5215"/>
+                <a:gd name="T23" fmla="*/ 70 h 2508"/>
+                <a:gd name="T24" fmla="*/ 2035 w 5215"/>
+                <a:gd name="T25" fmla="*/ 2158 h 2508"/>
+                <a:gd name="T26" fmla="*/ 1914 w 5215"/>
+                <a:gd name="T27" fmla="*/ 2228 h 2508"/>
+                <a:gd name="T28" fmla="*/ 951 w 5215"/>
+                <a:gd name="T29" fmla="*/ 2228 h 2508"/>
+                <a:gd name="T30" fmla="*/ 829 w 5215"/>
+                <a:gd name="T31" fmla="*/ 2158 h 2508"/>
+                <a:gd name="T32" fmla="*/ 348 w 5215"/>
+                <a:gd name="T33" fmla="*/ 1324 h 2508"/>
+                <a:gd name="T34" fmla="*/ 348 w 5215"/>
+                <a:gd name="T35" fmla="*/ 1184 h 2508"/>
+                <a:gd name="T36" fmla="*/ 829 w 5215"/>
+                <a:gd name="T37" fmla="*/ 350 h 2508"/>
+                <a:gd name="T38" fmla="*/ 951 w 5215"/>
+                <a:gd name="T39" fmla="*/ 280 h 2508"/>
+                <a:gd name="T40" fmla="*/ 1914 w 5215"/>
+                <a:gd name="T41" fmla="*/ 280 h 2508"/>
+                <a:gd name="T42" fmla="*/ 2035 w 5215"/>
+                <a:gd name="T43" fmla="*/ 350 h 2508"/>
+                <a:gd name="T44" fmla="*/ 2374 w 5215"/>
+                <a:gd name="T45" fmla="*/ 938 h 2508"/>
+                <a:gd name="T46" fmla="*/ 2617 w 5215"/>
+                <a:gd name="T47" fmla="*/ 938 h 2508"/>
+                <a:gd name="T48" fmla="*/ 2617 w 5215"/>
+                <a:gd name="T49" fmla="*/ 937 h 2508"/>
+                <a:gd name="T50" fmla="*/ 2617 w 5215"/>
+                <a:gd name="T51" fmla="*/ 798 h 2508"/>
+                <a:gd name="T52" fmla="*/ 2197 w 5215"/>
+                <a:gd name="T53" fmla="*/ 70 h 2508"/>
+                <a:gd name="T54" fmla="*/ 2075 w 5215"/>
+                <a:gd name="T55" fmla="*/ 0 h 2508"/>
+                <a:gd name="T56" fmla="*/ 789 w 5215"/>
+                <a:gd name="T57" fmla="*/ 0 h 2508"/>
+                <a:gd name="T58" fmla="*/ 668 w 5215"/>
+                <a:gd name="T59" fmla="*/ 70 h 2508"/>
+                <a:gd name="T60" fmla="*/ 25 w 5215"/>
+                <a:gd name="T61" fmla="*/ 1184 h 2508"/>
+                <a:gd name="T62" fmla="*/ 25 w 5215"/>
+                <a:gd name="T63" fmla="*/ 1324 h 2508"/>
+                <a:gd name="T64" fmla="*/ 668 w 5215"/>
+                <a:gd name="T65" fmla="*/ 2438 h 2508"/>
+                <a:gd name="T66" fmla="*/ 789 w 5215"/>
+                <a:gd name="T67" fmla="*/ 2508 h 2508"/>
+                <a:gd name="T68" fmla="*/ 2075 w 5215"/>
+                <a:gd name="T69" fmla="*/ 2508 h 2508"/>
+                <a:gd name="T70" fmla="*/ 2197 w 5215"/>
+                <a:gd name="T71" fmla="*/ 2438 h 2508"/>
+                <a:gd name="T72" fmla="*/ 3402 w 5215"/>
+                <a:gd name="T73" fmla="*/ 350 h 2508"/>
+              </a:gdLst>
+              <a:ahLst/>
+              <a:cxnLst>
+                <a:cxn ang="0">
+                  <a:pos x="T0" y="T1"/>
+                </a:cxn>
+                <a:cxn ang="0">
+                  <a:pos x="T2" y="T3"/>
+                </a:cxn>
+                <a:cxn ang="0">
+                  <a:pos x="T4" y="T5"/>
+                </a:cxn>
+                <a:cxn ang="0">
+                  <a:pos x="T6" y="T7"/>
+                </a:cxn>
+                <a:cxn ang="0">
+                  <a:pos x="T8" y="T9"/>
+                </a:cxn>
+                <a:cxn ang="0">
+                  <a:pos x="T10" y="T11"/>
+                </a:cxn>
+                <a:cxn ang="0">
+                  <a:pos x="T12" y="T13"/>
+                </a:cxn>
+                <a:cxn ang="0">
+                  <a:pos x="T14" y="T15"/>
+                </a:cxn>
+                <a:cxn ang="0">
+                  <a:pos x="T16" y="T17"/>
+                </a:cxn>
+                <a:cxn ang="0">
+                  <a:pos x="T18" y="T19"/>
+                </a:cxn>
+                <a:cxn ang="0">
+                  <a:pos x="T20" y="T21"/>
+                </a:cxn>
+                <a:cxn ang="0">
+                  <a:pos x="T22" y="T23"/>
+                </a:cxn>
+                <a:cxn ang="0">
+                  <a:pos x="T24" y="T25"/>
+                </a:cxn>
+                <a:cxn ang="0">
+                  <a:pos x="T26" y="T27"/>
+                </a:cxn>
+                <a:cxn ang="0">
+                  <a:pos x="T28" y="T29"/>
+                </a:cxn>
+                <a:cxn ang="0">
+                  <a:pos x="T30" y="T31"/>
+                </a:cxn>
+                <a:cxn ang="0">
+                  <a:pos x="T32" y="T33"/>
+                </a:cxn>
+                <a:cxn ang="0">
+                  <a:pos x="T34" y="T35"/>
+                </a:cxn>
+                <a:cxn ang="0">
+                  <a:pos x="T36" y="T37"/>
+                </a:cxn>
+                <a:cxn ang="0">
+                  <a:pos x="T38" y="T39"/>
+                </a:cxn>
+                <a:cxn ang="0">
+                  <a:pos x="T40" y="T41"/>
+                </a:cxn>
+                <a:cxn ang="0">
+                  <a:pos x="T42" y="T43"/>
+                </a:cxn>
+                <a:cxn ang="0">
+                  <a:pos x="T44" y="T45"/>
+                </a:cxn>
+                <a:cxn ang="0">
+                  <a:pos x="T46" y="T47"/>
+                </a:cxn>
+                <a:cxn ang="0">
+                  <a:pos x="T48" y="T49"/>
+                </a:cxn>
+                <a:cxn ang="0">
+                  <a:pos x="T50" y="T51"/>
+                </a:cxn>
+                <a:cxn ang="0">
+                  <a:pos x="T52" y="T53"/>
+                </a:cxn>
+                <a:cxn ang="0">
+                  <a:pos x="T54" y="T55"/>
+                </a:cxn>
+                <a:cxn ang="0">
+                  <a:pos x="T56" y="T57"/>
+                </a:cxn>
+                <a:cxn ang="0">
+                  <a:pos x="T58" y="T59"/>
+                </a:cxn>
+                <a:cxn ang="0">
+                  <a:pos x="T60" y="T61"/>
+                </a:cxn>
+                <a:cxn ang="0">
+                  <a:pos x="T62" y="T63"/>
+                </a:cxn>
+                <a:cxn ang="0">
+                  <a:pos x="T64" y="T65"/>
+                </a:cxn>
+                <a:cxn ang="0">
+                  <a:pos x="T66" y="T67"/>
+                </a:cxn>
+                <a:cxn ang="0">
+                  <a:pos x="T68" y="T69"/>
+                </a:cxn>
+                <a:cxn ang="0">
+                  <a:pos x="T70" y="T71"/>
+                </a:cxn>
+                <a:cxn ang="0">
+                  <a:pos x="T72" y="T73"/>
+                </a:cxn>
+              </a:cxnLst>
+              <a:rect l="0" t="0" r="r" b="b"/>
+              <a:pathLst>
+                <a:path w="5215" h="2508">
+                  <a:moveTo>
+                    <a:pt x="3402" y="350"/>
+                  </a:moveTo>
+                  <a:cubicBezTo>
+                    <a:pt x="3427" y="307"/>
+                    <a:pt x="3473" y="280"/>
+                    <a:pt x="3523" y="280"/>
+                  </a:cubicBezTo>
+                  <a:lnTo>
+                    <a:pt x="4486" y="280"/>
+                  </a:lnTo>
+                  <a:cubicBezTo>
+                    <a:pt x="4536" y="280"/>
+                    <a:pt x="4583" y="307"/>
+                    <a:pt x="4608" y="350"/>
+                  </a:cubicBezTo>
+                  <a:lnTo>
+                    <a:pt x="4948" y="940"/>
+                  </a:lnTo>
+                  <a:cubicBezTo>
+                    <a:pt x="5002" y="1033"/>
+                    <a:pt x="5137" y="1033"/>
+                    <a:pt x="5190" y="939"/>
+                  </a:cubicBezTo>
+                  <a:lnTo>
+                    <a:pt x="5191" y="939"/>
+                  </a:lnTo>
+                  <a:cubicBezTo>
+                    <a:pt x="5215" y="896"/>
+                    <a:pt x="5215" y="843"/>
+                    <a:pt x="5190" y="800"/>
+                  </a:cubicBezTo>
+                  <a:lnTo>
+                    <a:pt x="4769" y="70"/>
+                  </a:lnTo>
+                  <a:cubicBezTo>
+                    <a:pt x="4744" y="27"/>
+                    <a:pt x="4698" y="0"/>
+                    <a:pt x="4648" y="0"/>
+                  </a:cubicBezTo>
+                  <a:lnTo>
+                    <a:pt x="3362" y="0"/>
+                  </a:lnTo>
+                  <a:cubicBezTo>
+                    <a:pt x="3312" y="0"/>
+                    <a:pt x="3265" y="27"/>
+                    <a:pt x="3240" y="70"/>
+                  </a:cubicBezTo>
+                  <a:cubicBezTo>
+                    <a:pt x="3240" y="70"/>
+                    <a:pt x="2320" y="1664"/>
+                    <a:pt x="2035" y="2158"/>
+                  </a:cubicBezTo>
+                  <a:cubicBezTo>
+                    <a:pt x="2010" y="2202"/>
+                    <a:pt x="1964" y="2228"/>
+                    <a:pt x="1914" y="2228"/>
+                  </a:cubicBezTo>
+                  <a:lnTo>
+                    <a:pt x="951" y="2228"/>
+                  </a:lnTo>
+                  <a:cubicBezTo>
+                    <a:pt x="901" y="2228"/>
+                    <a:pt x="854" y="2202"/>
+                    <a:pt x="829" y="2158"/>
+                  </a:cubicBezTo>
+                  <a:lnTo>
+                    <a:pt x="348" y="1324"/>
+                  </a:lnTo>
+                  <a:cubicBezTo>
+                    <a:pt x="323" y="1281"/>
+                    <a:pt x="323" y="1228"/>
+                    <a:pt x="348" y="1184"/>
+                  </a:cubicBezTo>
+                  <a:lnTo>
+                    <a:pt x="829" y="350"/>
+                  </a:lnTo>
+                  <a:cubicBezTo>
+                    <a:pt x="854" y="307"/>
+                    <a:pt x="901" y="280"/>
+                    <a:pt x="951" y="280"/>
+                  </a:cubicBezTo>
+                  <a:lnTo>
+                    <a:pt x="1914" y="280"/>
+                  </a:lnTo>
+                  <a:cubicBezTo>
+                    <a:pt x="1964" y="280"/>
+                    <a:pt x="2010" y="307"/>
+                    <a:pt x="2035" y="350"/>
+                  </a:cubicBezTo>
+                  <a:lnTo>
+                    <a:pt x="2374" y="938"/>
+                  </a:lnTo>
+                  <a:cubicBezTo>
+                    <a:pt x="2428" y="1031"/>
+                    <a:pt x="2563" y="1031"/>
+                    <a:pt x="2617" y="938"/>
+                  </a:cubicBezTo>
+                  <a:lnTo>
+                    <a:pt x="2617" y="937"/>
+                  </a:lnTo>
+                  <a:cubicBezTo>
+                    <a:pt x="2642" y="894"/>
+                    <a:pt x="2642" y="841"/>
+                    <a:pt x="2617" y="798"/>
+                  </a:cubicBezTo>
+                  <a:lnTo>
+                    <a:pt x="2197" y="70"/>
+                  </a:lnTo>
+                  <a:cubicBezTo>
+                    <a:pt x="2172" y="27"/>
+                    <a:pt x="2125" y="0"/>
+                    <a:pt x="2075" y="0"/>
+                  </a:cubicBezTo>
+                  <a:lnTo>
+                    <a:pt x="789" y="0"/>
+                  </a:lnTo>
+                  <a:cubicBezTo>
+                    <a:pt x="739" y="0"/>
+                    <a:pt x="693" y="27"/>
+                    <a:pt x="668" y="70"/>
+                  </a:cubicBezTo>
+                  <a:lnTo>
+                    <a:pt x="25" y="1184"/>
+                  </a:lnTo>
+                  <a:cubicBezTo>
+                    <a:pt x="0" y="1228"/>
+                    <a:pt x="0" y="1281"/>
+                    <a:pt x="25" y="1324"/>
+                  </a:cubicBezTo>
+                  <a:lnTo>
+                    <a:pt x="668" y="2438"/>
+                  </a:lnTo>
+                  <a:cubicBezTo>
+                    <a:pt x="693" y="2482"/>
+                    <a:pt x="739" y="2508"/>
+                    <a:pt x="789" y="2508"/>
+                  </a:cubicBezTo>
+                  <a:lnTo>
+                    <a:pt x="2075" y="2508"/>
+                  </a:lnTo>
+                  <a:cubicBezTo>
+                    <a:pt x="2125" y="2508"/>
+                    <a:pt x="2172" y="2482"/>
+                    <a:pt x="2197" y="2438"/>
+                  </a:cubicBezTo>
+                  <a:cubicBezTo>
+                    <a:pt x="2328" y="2211"/>
+                    <a:pt x="2438" y="2021"/>
+                    <a:pt x="3402" y="350"/>
+                  </a:cubicBezTo>
+                </a:path>
+              </a:pathLst>
+            </a:custGeom>
+            <a:solidFill>
+              <a:schemeClr val="accent2"/>
+            </a:solidFill>
+            <a:ln>
+              <a:noFill/>
+            </a:ln>
+            <a:extLst>
+              <a:ext uri="{91240B29-F687-4F45-9708-019B960494DF}">
+                <a14:hiddenLine xmlns:a14="http://schemas.microsoft.com/office/drawing/2010/main" w="9525">
+                  <a:solidFill>
+                    <a:srgbClr val="000000"/>
+                  </a:solidFill>
+                  <a:round/>
+                  <a:headEnd/>
+                  <a:tailEnd/>
+                </a14:hiddenLine>
+              </a:ext>
+            </a:extLst>
+          </p:spPr>
+          <p:txBody>
+            <a:bodyPr vert="horz" wrap="square" lIns="68580" tIns="34290" rIns="68580" bIns="34290" numCol="1" anchor="t" anchorCtr="0" compatLnSpc="1">
+              <a:prstTxWarp prst="textNoShape">
+                <a:avLst/>
+              </a:prstTxWarp>
+            </a:bodyPr>
+            <a:lstStyle>
+              <a:defPPr>
+                <a:defRPr lang="en-US"/>
+              </a:defPPr>
+              <a:lvl1pPr marL="0" algn="l" defTabSz="914400" rtl="0" eaLnBrk="1" latinLnBrk="0" hangingPunct="1">
+                <a:defRPr sz="1800" kern="1200">
+                  <a:solidFill>
+                    <a:schemeClr val="tx1"/>
+                  </a:solidFill>
+                  <a:latin typeface="+mn-lt"/>
+                  <a:ea typeface="+mn-ea"/>
+                  <a:cs typeface="+mn-cs"/>
+                </a:defRPr>
+              </a:lvl1pPr>
+              <a:lvl2pPr marL="457200" algn="l" defTabSz="914400" rtl="0" eaLnBrk="1" latinLnBrk="0" hangingPunct="1">
+                <a:defRPr sz="1800" kern="1200">
+                  <a:solidFill>
+                    <a:schemeClr val="tx1"/>
+                  </a:solidFill>
+                  <a:latin typeface="+mn-lt"/>
+                  <a:ea typeface="+mn-ea"/>
+                  <a:cs typeface="+mn-cs"/>
+                </a:defRPr>
+              </a:lvl2pPr>
+              <a:lvl3pPr marL="914400" algn="l" defTabSz="914400" rtl="0" eaLnBrk="1" latinLnBrk="0" hangingPunct="1">
+                <a:defRPr sz="1800" kern="1200">
+                  <a:solidFill>
+                    <a:schemeClr val="tx1"/>
+                  </a:solidFill>
+                  <a:latin typeface="+mn-lt"/>
+                  <a:ea typeface="+mn-ea"/>
+                  <a:cs typeface="+mn-cs"/>
+                </a:defRPr>
+              </a:lvl3pPr>
+              <a:lvl4pPr marL="1371600" algn="l" defTabSz="914400" rtl="0" eaLnBrk="1" latinLnBrk="0" hangingPunct="1">
+                <a:defRPr sz="1800" kern="1200">
+                  <a:solidFill>
+                    <a:schemeClr val="tx1"/>
+                  </a:solidFill>
+                  <a:latin typeface="+mn-lt"/>
+                  <a:ea typeface="+mn-ea"/>
+                  <a:cs typeface="+mn-cs"/>
+                </a:defRPr>
+              </a:lvl4pPr>
+              <a:lvl5pPr marL="1828800" algn="l" defTabSz="914400" rtl="0" eaLnBrk="1" latinLnBrk="0" hangingPunct="1">
+                <a:defRPr sz="1800" kern="1200">
+                  <a:solidFill>
+                    <a:schemeClr val="tx1"/>
+                  </a:solidFill>
+                  <a:latin typeface="+mn-lt"/>
+                  <a:ea typeface="+mn-ea"/>
+                  <a:cs typeface="+mn-cs"/>
+                </a:defRPr>
+              </a:lvl5pPr>
+              <a:lvl6pPr marL="2286000" algn="l" defTabSz="914400" rtl="0" eaLnBrk="1" latinLnBrk="0" hangingPunct="1">
+                <a:defRPr sz="1800" kern="1200">
+                  <a:solidFill>
+                    <a:schemeClr val="tx1"/>
+                  </a:solidFill>
+                  <a:latin typeface="+mn-lt"/>
+                  <a:ea typeface="+mn-ea"/>
+                  <a:cs typeface="+mn-cs"/>
+                </a:defRPr>
+              </a:lvl6pPr>
+              <a:lvl7pPr marL="2743200" algn="l" defTabSz="914400" rtl="0" eaLnBrk="1" latinLnBrk="0" hangingPunct="1">
+                <a:defRPr sz="1800" kern="1200">
+                  <a:solidFill>
+                    <a:schemeClr val="tx1"/>
+                  </a:solidFill>
+                  <a:latin typeface="+mn-lt"/>
+                  <a:ea typeface="+mn-ea"/>
+                  <a:cs typeface="+mn-cs"/>
+                </a:defRPr>
+              </a:lvl7pPr>
+              <a:lvl8pPr marL="3200400" algn="l" defTabSz="914400" rtl="0" eaLnBrk="1" latinLnBrk="0" hangingPunct="1">
+                <a:defRPr sz="1800" kern="1200">
+                  <a:solidFill>
+                    <a:schemeClr val="tx1"/>
+                  </a:solidFill>
+                  <a:latin typeface="+mn-lt"/>
+                  <a:ea typeface="+mn-ea"/>
+                  <a:cs typeface="+mn-cs"/>
+                </a:defRPr>
+              </a:lvl8pPr>
+              <a:lvl9pPr marL="3657600" algn="l" defTabSz="914400" rtl="0" eaLnBrk="1" latinLnBrk="0" hangingPunct="1">
+                <a:defRPr sz="1800" kern="1200">
+                  <a:solidFill>
+                    <a:schemeClr val="tx1"/>
+                  </a:solidFill>
+                  <a:latin typeface="+mn-lt"/>
+                  <a:ea typeface="+mn-ea"/>
+                  <a:cs typeface="+mn-cs"/>
+                </a:defRPr>
+              </a:lvl9pPr>
+            </a:lstStyle>
+            <a:p>
+              <a:endParaRPr lang="en-US" sz="1350"/>
+            </a:p>
+          </p:txBody>
+        </p:sp>
+      </p:grpSp>
+      <p:pic>
+        <p:nvPicPr>
+          <p:cNvPr id="1026" name="Picture 2" descr="C:\Users\Hp\Desktop\UNIVERSITA' E CONCORSI\TESI\PRESENTAZIONE_TESI\raccolta_dati.png"/>
+          <p:cNvPicPr>
+            <a:picLocks noChangeAspect="1" noChangeArrowheads="1"/>
+          </p:cNvPicPr>
+          <p:nvPr/>
+        </p:nvPicPr>
+        <p:blipFill>
+          <a:blip r:embed="rId2">
+            <a:extLst>
+              <a:ext uri="{28A0092B-C50C-407E-A947-70E740481C1C}">
+                <a14:useLocalDpi xmlns:a14="http://schemas.microsoft.com/office/drawing/2010/main" val="0"/>
+              </a:ext>
+            </a:extLst>
+          </a:blip>
+          <a:srcRect/>
+          <a:stretch>
+            <a:fillRect/>
+          </a:stretch>
+        </p:blipFill>
+        <p:spPr bwMode="auto">
+          <a:xfrm>
+            <a:off x="2220372" y="3091782"/>
+            <a:ext cx="752475" cy="752475"/>
+          </a:xfrm>
+          <a:prstGeom prst="rect">
+            <a:avLst/>
+          </a:prstGeom>
+          <a:noFill/>
+          <a:extLst>
+            <a:ext uri="{909E8E84-426E-40DD-AFC4-6F175D3DCCD1}">
+              <a14:hiddenFill xmlns:a14="http://schemas.microsoft.com/office/drawing/2010/main">
+                <a:solidFill>
+                  <a:srgbClr val="FFFFFF"/>
+                </a:solidFill>
+              </a14:hiddenFill>
+            </a:ext>
+          </a:extLst>
+        </p:spPr>
+      </p:pic>
+      <p:pic>
+        <p:nvPicPr>
+          <p:cNvPr id="1027" name="Picture 3" descr="C:\Users\Hp\Desktop\UNIVERSITA' E CONCORSI\TESI\PRESENTAZIONE_TESI\retweet_graph.png"/>
+          <p:cNvPicPr>
+            <a:picLocks noChangeAspect="1" noChangeArrowheads="1"/>
+          </p:cNvPicPr>
+          <p:nvPr/>
+        </p:nvPicPr>
+        <p:blipFill>
+          <a:blip r:embed="rId3">
+            <a:extLst>
+              <a:ext uri="{28A0092B-C50C-407E-A947-70E740481C1C}">
+                <a14:useLocalDpi xmlns:a14="http://schemas.microsoft.com/office/drawing/2010/main" val="0"/>
+              </a:ext>
+            </a:extLst>
+          </a:blip>
+          <a:srcRect/>
+          <a:stretch>
+            <a:fillRect/>
+          </a:stretch>
+        </p:blipFill>
+        <p:spPr bwMode="auto">
+          <a:xfrm>
+            <a:off x="3443288" y="2988338"/>
+            <a:ext cx="942975" cy="942975"/>
+          </a:xfrm>
+          <a:prstGeom prst="rect">
+            <a:avLst/>
+          </a:prstGeom>
+          <a:noFill/>
+          <a:extLst>
+            <a:ext uri="{909E8E84-426E-40DD-AFC4-6F175D3DCCD1}">
+              <a14:hiddenFill xmlns:a14="http://schemas.microsoft.com/office/drawing/2010/main">
+                <a:solidFill>
+                  <a:srgbClr val="FFFFFF"/>
+                </a:solidFill>
+              </a14:hiddenFill>
+            </a:ext>
+          </a:extLst>
+        </p:spPr>
+      </p:pic>
+      <p:pic>
+        <p:nvPicPr>
+          <p:cNvPr id="20" name="Picture 2" descr="Immagine correlata">
+            <a:extLst>
+              <a:ext uri="{FF2B5EF4-FFF2-40B4-BE49-F238E27FC236}">
+                <a16:creationId xmlns:a16="http://schemas.microsoft.com/office/drawing/2014/main" xmlns="" id="{4DEEC977-158D-4FF8-A634-FED5C0A1F149}"/>
+              </a:ext>
+            </a:extLst>
+          </p:cNvPr>
+          <p:cNvPicPr>
+            <a:picLocks noChangeAspect="1" noChangeArrowheads="1"/>
+          </p:cNvPicPr>
+          <p:nvPr/>
+        </p:nvPicPr>
+        <p:blipFill>
+          <a:blip r:embed="rId4" cstate="print">
+            <a:extLst>
+              <a:ext uri="{28A0092B-C50C-407E-A947-70E740481C1C}">
+                <a14:useLocalDpi xmlns:a14="http://schemas.microsoft.com/office/drawing/2010/main" val="0"/>
+              </a:ext>
+            </a:extLst>
+          </a:blip>
+          <a:srcRect/>
+          <a:stretch>
+            <a:fillRect/>
+          </a:stretch>
+        </p:blipFill>
+        <p:spPr bwMode="auto">
+          <a:xfrm>
+            <a:off x="5004048" y="3211077"/>
+            <a:ext cx="720080" cy="577963"/>
+          </a:xfrm>
+          <a:prstGeom prst="rect">
+            <a:avLst/>
+          </a:prstGeom>
+          <a:noFill/>
+          <a:extLst>
+            <a:ext uri="{909E8E84-426E-40DD-AFC4-6F175D3DCCD1}">
+              <a14:hiddenFill xmlns:a14="http://schemas.microsoft.com/office/drawing/2010/main">
+                <a:solidFill>
+                  <a:srgbClr val="FFFFFF"/>
+                </a:solidFill>
+              </a14:hiddenFill>
+            </a:ext>
+          </a:extLst>
+        </p:spPr>
+      </p:pic>
+      <p:pic>
+        <p:nvPicPr>
+          <p:cNvPr id="1028" name="Picture 4" descr="C:\Users\Hp\Desktop\UNIVERSITA' E CONCORSI\TESI\PRESENTAZIONE_TESI\algorithm.png"/>
+          <p:cNvPicPr>
+            <a:picLocks noChangeAspect="1" noChangeArrowheads="1"/>
+          </p:cNvPicPr>
+          <p:nvPr/>
+        </p:nvPicPr>
+        <p:blipFill>
+          <a:blip r:embed="rId5">
+            <a:extLst>
+              <a:ext uri="{28A0092B-C50C-407E-A947-70E740481C1C}">
+                <a14:useLocalDpi xmlns:a14="http://schemas.microsoft.com/office/drawing/2010/main" val="0"/>
+              </a:ext>
+            </a:extLst>
+          </a:blip>
+          <a:srcRect/>
+          <a:stretch>
+            <a:fillRect/>
+          </a:stretch>
+        </p:blipFill>
+        <p:spPr bwMode="auto">
+          <a:xfrm>
+            <a:off x="6253168" y="2973382"/>
+            <a:ext cx="870875" cy="870875"/>
+          </a:xfrm>
+          <a:prstGeom prst="rect">
+            <a:avLst/>
+          </a:prstGeom>
+          <a:noFill/>
+          <a:extLst>
+            <a:ext uri="{909E8E84-426E-40DD-AFC4-6F175D3DCCD1}">
+              <a14:hiddenFill xmlns:a14="http://schemas.microsoft.com/office/drawing/2010/main">
+                <a:solidFill>
+                  <a:srgbClr val="FFFFFF"/>
+                </a:solidFill>
+              </a14:hiddenFill>
+            </a:ext>
+          </a:extLst>
+        </p:spPr>
+      </p:pic>
+      <p:pic>
+        <p:nvPicPr>
+          <p:cNvPr id="1029" name="Picture 5" descr="C:\Users\Hp\Desktop\UNIVERSITA' E CONCORSI\TESI\PRESENTAZIONE_TESI\tool.png"/>
+          <p:cNvPicPr>
+            <a:picLocks noChangeAspect="1" noChangeArrowheads="1"/>
+          </p:cNvPicPr>
+          <p:nvPr/>
+        </p:nvPicPr>
+        <p:blipFill>
+          <a:blip r:embed="rId6">
+            <a:extLst>
+              <a:ext uri="{28A0092B-C50C-407E-A947-70E740481C1C}">
+                <a14:useLocalDpi xmlns:a14="http://schemas.microsoft.com/office/drawing/2010/main" val="0"/>
+              </a:ext>
+            </a:extLst>
+          </a:blip>
+          <a:srcRect/>
+          <a:stretch>
+            <a:fillRect/>
+          </a:stretch>
+        </p:blipFill>
+        <p:spPr bwMode="auto">
+          <a:xfrm>
+            <a:off x="7748493" y="3143446"/>
+            <a:ext cx="663451" cy="663451"/>
+          </a:xfrm>
+          <a:prstGeom prst="rect">
+            <a:avLst/>
+          </a:prstGeom>
+          <a:noFill/>
+          <a:extLst>
+            <a:ext uri="{909E8E84-426E-40DD-AFC4-6F175D3DCCD1}">
+              <a14:hiddenFill xmlns:a14="http://schemas.microsoft.com/office/drawing/2010/main">
+                <a:solidFill>
+                  <a:srgbClr val="FFFFFF"/>
+                </a:solidFill>
+              </a14:hiddenFill>
+            </a:ext>
+          </a:extLst>
+        </p:spPr>
+      </p:pic>
+      <p:cxnSp>
+        <p:nvCxnSpPr>
+          <p:cNvPr id="22" name="Connettore 2 21"/>
+          <p:cNvCxnSpPr/>
+          <p:nvPr/>
+        </p:nvCxnSpPr>
+        <p:spPr>
+          <a:xfrm flipV="1">
+            <a:off x="2596609" y="2115858"/>
+            <a:ext cx="0" cy="648072"/>
+          </a:xfrm>
+          <a:prstGeom prst="straightConnector1">
+            <a:avLst/>
+          </a:prstGeom>
+          <a:ln>
+            <a:tailEnd type="arrow"/>
+          </a:ln>
+        </p:spPr>
+        <p:style>
+          <a:lnRef idx="3">
+            <a:schemeClr val="accent2"/>
+          </a:lnRef>
+          <a:fillRef idx="0">
+            <a:schemeClr val="accent2"/>
+          </a:fillRef>
+          <a:effectRef idx="2">
+            <a:schemeClr val="accent2"/>
+          </a:effectRef>
+          <a:fontRef idx="minor">
+            <a:schemeClr val="tx1"/>
+          </a:fontRef>
+        </p:style>
+      </p:cxnSp>
+      <p:cxnSp>
+        <p:nvCxnSpPr>
+          <p:cNvPr id="29" name="Connettore 2 28"/>
+          <p:cNvCxnSpPr/>
+          <p:nvPr/>
+        </p:nvCxnSpPr>
+        <p:spPr>
+          <a:xfrm>
+            <a:off x="3951601" y="4171254"/>
+            <a:ext cx="0" cy="648072"/>
+          </a:xfrm>
+          <a:prstGeom prst="straightConnector1">
+            <a:avLst/>
+          </a:prstGeom>
+          <a:ln>
+            <a:solidFill>
+              <a:schemeClr val="accent6"/>
+            </a:solidFill>
+            <a:tailEnd type="arrow"/>
+          </a:ln>
+        </p:spPr>
+        <p:style>
+          <a:lnRef idx="3">
+            <a:schemeClr val="accent2"/>
+          </a:lnRef>
+          <a:fillRef idx="0">
+            <a:schemeClr val="accent2"/>
+          </a:fillRef>
+          <a:effectRef idx="2">
+            <a:schemeClr val="accent2"/>
+          </a:effectRef>
+          <a:fontRef idx="minor">
+            <a:schemeClr val="tx1"/>
+          </a:fontRef>
+        </p:style>
+      </p:cxnSp>
+      <p:cxnSp>
+        <p:nvCxnSpPr>
+          <p:cNvPr id="33" name="Connettore 2 32"/>
+          <p:cNvCxnSpPr/>
+          <p:nvPr/>
+        </p:nvCxnSpPr>
+        <p:spPr>
+          <a:xfrm flipV="1">
+            <a:off x="5309483" y="2115858"/>
+            <a:ext cx="0" cy="648072"/>
+          </a:xfrm>
+          <a:prstGeom prst="straightConnector1">
+            <a:avLst/>
+          </a:prstGeom>
+          <a:ln>
+            <a:solidFill>
+              <a:schemeClr val="accent6"/>
+            </a:solidFill>
+            <a:tailEnd type="arrow"/>
+          </a:ln>
+        </p:spPr>
+        <p:style>
+          <a:lnRef idx="3">
+            <a:schemeClr val="accent2"/>
+          </a:lnRef>
+          <a:fillRef idx="0">
+            <a:schemeClr val="accent2"/>
+          </a:fillRef>
+          <a:effectRef idx="2">
+            <a:schemeClr val="accent2"/>
+          </a:effectRef>
+          <a:fontRef idx="minor">
+            <a:schemeClr val="tx1"/>
+          </a:fontRef>
+        </p:style>
+      </p:cxnSp>
+      <p:cxnSp>
+        <p:nvCxnSpPr>
+          <p:cNvPr id="34" name="Connettore 2 33"/>
+          <p:cNvCxnSpPr/>
+          <p:nvPr/>
+        </p:nvCxnSpPr>
+        <p:spPr>
+          <a:xfrm flipV="1">
+            <a:off x="8080218" y="2115858"/>
+            <a:ext cx="0" cy="648072"/>
+          </a:xfrm>
+          <a:prstGeom prst="straightConnector1">
+            <a:avLst/>
+          </a:prstGeom>
+          <a:ln>
+            <a:solidFill>
+              <a:schemeClr val="accent5"/>
+            </a:solidFill>
+            <a:tailEnd type="arrow"/>
+          </a:ln>
+        </p:spPr>
+        <p:style>
+          <a:lnRef idx="3">
+            <a:schemeClr val="accent2"/>
+          </a:lnRef>
+          <a:fillRef idx="0">
+            <a:schemeClr val="accent2"/>
+          </a:fillRef>
+          <a:effectRef idx="2">
+            <a:schemeClr val="accent2"/>
+          </a:effectRef>
+          <a:fontRef idx="minor">
+            <a:schemeClr val="tx1"/>
+          </a:fontRef>
+        </p:style>
+      </p:cxnSp>
+      <p:cxnSp>
+        <p:nvCxnSpPr>
+          <p:cNvPr id="35" name="Connettore 2 34"/>
+          <p:cNvCxnSpPr/>
+          <p:nvPr/>
+        </p:nvCxnSpPr>
+        <p:spPr>
+          <a:xfrm>
+            <a:off x="6700000" y="4184800"/>
+            <a:ext cx="0" cy="648072"/>
+          </a:xfrm>
+          <a:prstGeom prst="straightConnector1">
+            <a:avLst/>
+          </a:prstGeom>
+          <a:ln>
+            <a:solidFill>
+              <a:schemeClr val="accent5"/>
+            </a:solidFill>
+            <a:tailEnd type="arrow"/>
+          </a:ln>
+        </p:spPr>
+        <p:style>
+          <a:lnRef idx="3">
+            <a:schemeClr val="accent2"/>
+          </a:lnRef>
+          <a:fillRef idx="0">
+            <a:schemeClr val="accent2"/>
+          </a:fillRef>
+          <a:effectRef idx="2">
+            <a:schemeClr val="accent2"/>
+          </a:effectRef>
+          <a:fontRef idx="minor">
+            <a:schemeClr val="tx1"/>
+          </a:fontRef>
+        </p:style>
+      </p:cxnSp>
+      <p:sp>
+        <p:nvSpPr>
+          <p:cNvPr id="30" name="Rettangolo 29"/>
+          <p:cNvSpPr/>
+          <p:nvPr/>
+        </p:nvSpPr>
+        <p:spPr>
+          <a:xfrm>
+            <a:off x="2051720" y="1484784"/>
+            <a:ext cx="1080120" cy="631074"/>
+          </a:xfrm>
+          <a:prstGeom prst="rect">
+            <a:avLst/>
+          </a:prstGeom>
+          <a:solidFill>
+            <a:schemeClr val="accent2"/>
+          </a:solidFill>
+          <a:ln>
+            <a:solidFill>
+              <a:srgbClr val="C00000"/>
+            </a:solidFill>
+          </a:ln>
+        </p:spPr>
+        <p:style>
+          <a:lnRef idx="2">
+            <a:schemeClr val="accent1">
+              <a:shade val="50000"/>
+            </a:schemeClr>
+          </a:lnRef>
+          <a:fillRef idx="1">
+            <a:schemeClr val="accent1"/>
+          </a:fillRef>
+          <a:effectRef idx="0">
+            <a:schemeClr val="accent1"/>
+          </a:effectRef>
+          <a:fontRef idx="minor">
+            <a:schemeClr val="lt1"/>
+          </a:fontRef>
+        </p:style>
+        <p:txBody>
+          <a:bodyPr rtlCol="0" anchor="ctr"/>
+          <a:lstStyle/>
+          <a:p>
+            <a:pPr algn="ctr"/>
+            <a:r>
+              <a:rPr lang="it-IT" sz="1400" dirty="0" smtClean="0">
+                <a:latin typeface="Calibri" pitchFamily="34" charset="0"/>
+                <a:cs typeface="Calibri" pitchFamily="34" charset="0"/>
+              </a:rPr>
+              <a:t>Raccolta </a:t>
+            </a:r>
+          </a:p>
+          <a:p>
+            <a:pPr algn="ctr"/>
+            <a:r>
+              <a:rPr lang="it-IT" sz="1400" dirty="0" smtClean="0">
+                <a:latin typeface="Calibri" pitchFamily="34" charset="0"/>
+                <a:cs typeface="Calibri" pitchFamily="34" charset="0"/>
+              </a:rPr>
+              <a:t>dati</a:t>
+            </a:r>
+            <a:endParaRPr lang="it-IT" sz="1400" dirty="0">
+              <a:latin typeface="Calibri" pitchFamily="34" charset="0"/>
+              <a:cs typeface="Calibri" pitchFamily="34" charset="0"/>
+            </a:endParaRPr>
+          </a:p>
+        </p:txBody>
+      </p:sp>
+      <p:sp>
+        <p:nvSpPr>
+          <p:cNvPr id="38" name="Rettangolo 37"/>
+          <p:cNvSpPr/>
+          <p:nvPr/>
+        </p:nvSpPr>
+        <p:spPr>
+          <a:xfrm>
+            <a:off x="3274589" y="4842978"/>
+            <a:ext cx="1357882" cy="631074"/>
+          </a:xfrm>
+          <a:prstGeom prst="rect">
+            <a:avLst/>
+          </a:prstGeom>
+          <a:solidFill>
+            <a:schemeClr val="accent6"/>
+          </a:solidFill>
+          <a:ln>
+            <a:solidFill>
+              <a:srgbClr val="FF0000"/>
+            </a:solidFill>
+          </a:ln>
+        </p:spPr>
+        <p:style>
+          <a:lnRef idx="2">
+            <a:schemeClr val="accent1">
+              <a:shade val="50000"/>
+            </a:schemeClr>
+          </a:lnRef>
+          <a:fillRef idx="1">
+            <a:schemeClr val="accent1"/>
+          </a:fillRef>
+          <a:effectRef idx="0">
+            <a:schemeClr val="accent1"/>
+          </a:effectRef>
+          <a:fontRef idx="minor">
+            <a:schemeClr val="lt1"/>
+          </a:fontRef>
+        </p:style>
+        <p:txBody>
+          <a:bodyPr rtlCol="0" anchor="ctr"/>
+          <a:lstStyle/>
+          <a:p>
+            <a:pPr algn="ctr"/>
+            <a:r>
+              <a:rPr lang="it-IT" sz="1400" dirty="0" smtClean="0">
+                <a:latin typeface="Calibri" pitchFamily="34" charset="0"/>
+                <a:cs typeface="Calibri" pitchFamily="34" charset="0"/>
+              </a:rPr>
+              <a:t>Creazione </a:t>
+            </a:r>
+          </a:p>
+          <a:p>
+            <a:pPr algn="ctr"/>
+            <a:r>
+              <a:rPr lang="it-IT" sz="1400" dirty="0" err="1" smtClean="0">
+                <a:latin typeface="Calibri" pitchFamily="34" charset="0"/>
+                <a:cs typeface="Calibri" pitchFamily="34" charset="0"/>
+              </a:rPr>
+              <a:t>endorsement</a:t>
+            </a:r>
+            <a:r>
+              <a:rPr lang="it-IT" sz="1400" dirty="0" smtClean="0">
+                <a:latin typeface="Calibri" pitchFamily="34" charset="0"/>
+                <a:cs typeface="Calibri" pitchFamily="34" charset="0"/>
+              </a:rPr>
+              <a:t> </a:t>
+            </a:r>
+          </a:p>
+          <a:p>
+            <a:pPr algn="ctr"/>
+            <a:r>
+              <a:rPr lang="it-IT" sz="1400" dirty="0" err="1" smtClean="0">
+                <a:latin typeface="Calibri" pitchFamily="34" charset="0"/>
+                <a:cs typeface="Calibri" pitchFamily="34" charset="0"/>
+              </a:rPr>
+              <a:t>graph</a:t>
+            </a:r>
+            <a:endParaRPr lang="it-IT" sz="1400" dirty="0">
+              <a:latin typeface="Calibri" pitchFamily="34" charset="0"/>
+              <a:cs typeface="Calibri" pitchFamily="34" charset="0"/>
+            </a:endParaRPr>
+          </a:p>
+        </p:txBody>
+      </p:sp>
+      <p:sp>
+        <p:nvSpPr>
+          <p:cNvPr id="39" name="Rettangolo 38"/>
+          <p:cNvSpPr/>
+          <p:nvPr/>
+        </p:nvSpPr>
+        <p:spPr>
+          <a:xfrm>
+            <a:off x="4636328" y="1484784"/>
+            <a:ext cx="1350167" cy="631074"/>
+          </a:xfrm>
+          <a:prstGeom prst="rect">
+            <a:avLst/>
+          </a:prstGeom>
+          <a:solidFill>
+            <a:schemeClr val="accent6"/>
+          </a:solidFill>
+          <a:ln>
+            <a:solidFill>
+              <a:srgbClr val="FF0000"/>
+            </a:solidFill>
+          </a:ln>
+        </p:spPr>
+        <p:style>
+          <a:lnRef idx="2">
+            <a:schemeClr val="accent1">
+              <a:shade val="50000"/>
+            </a:schemeClr>
+          </a:lnRef>
+          <a:fillRef idx="1">
+            <a:schemeClr val="accent1"/>
+          </a:fillRef>
+          <a:effectRef idx="0">
+            <a:schemeClr val="accent1"/>
+          </a:effectRef>
+          <a:fontRef idx="minor">
+            <a:schemeClr val="lt1"/>
+          </a:fontRef>
+        </p:style>
+        <p:txBody>
+          <a:bodyPr rtlCol="0" anchor="ctr"/>
+          <a:lstStyle/>
+          <a:p>
+            <a:pPr algn="ctr"/>
+            <a:r>
+              <a:rPr lang="it-IT" sz="1400" dirty="0" smtClean="0">
+                <a:latin typeface="Calibri" pitchFamily="34" charset="0"/>
+                <a:cs typeface="Calibri" pitchFamily="34" charset="0"/>
+              </a:rPr>
+              <a:t>Individuazione </a:t>
+            </a:r>
+            <a:r>
+              <a:rPr lang="it-IT" sz="1400" dirty="0" err="1" smtClean="0">
+                <a:latin typeface="Calibri" pitchFamily="34" charset="0"/>
+                <a:cs typeface="Calibri" pitchFamily="34" charset="0"/>
+              </a:rPr>
+              <a:t>echo-chambers</a:t>
+            </a:r>
+            <a:endParaRPr lang="it-IT" sz="1400" dirty="0">
+              <a:latin typeface="Calibri" pitchFamily="34" charset="0"/>
+              <a:cs typeface="Calibri" pitchFamily="34" charset="0"/>
+            </a:endParaRPr>
+          </a:p>
+        </p:txBody>
+      </p:sp>
+      <p:sp>
+        <p:nvSpPr>
+          <p:cNvPr id="40" name="Rettangolo 39"/>
+          <p:cNvSpPr/>
+          <p:nvPr/>
+        </p:nvSpPr>
+        <p:spPr>
+          <a:xfrm>
+            <a:off x="5724128" y="4842612"/>
+            <a:ext cx="1944216" cy="631074"/>
+          </a:xfrm>
+          <a:prstGeom prst="rect">
+            <a:avLst/>
+          </a:prstGeom>
+          <a:solidFill>
+            <a:schemeClr val="accent5"/>
+          </a:solidFill>
+        </p:spPr>
+        <p:style>
+          <a:lnRef idx="2">
+            <a:schemeClr val="accent1">
+              <a:shade val="50000"/>
+            </a:schemeClr>
+          </a:lnRef>
+          <a:fillRef idx="1">
+            <a:schemeClr val="accent1"/>
+          </a:fillRef>
+          <a:effectRef idx="0">
+            <a:schemeClr val="accent1"/>
+          </a:effectRef>
+          <a:fontRef idx="minor">
+            <a:schemeClr val="lt1"/>
+          </a:fontRef>
+        </p:style>
+        <p:txBody>
+          <a:bodyPr rtlCol="0" anchor="ctr"/>
+          <a:lstStyle/>
+          <a:p>
+            <a:pPr algn="ctr"/>
+            <a:r>
+              <a:rPr lang="it-IT" sz="1400" dirty="0" smtClean="0">
+                <a:latin typeface="Calibri" pitchFamily="34" charset="0"/>
+                <a:cs typeface="Calibri" pitchFamily="34" charset="0"/>
+              </a:rPr>
+              <a:t>Implementazione</a:t>
+            </a:r>
+          </a:p>
+          <a:p>
+            <a:pPr algn="ctr"/>
+            <a:r>
+              <a:rPr lang="it-IT" sz="1400" dirty="0" smtClean="0">
+                <a:latin typeface="Calibri" pitchFamily="34" charset="0"/>
+                <a:cs typeface="Calibri" pitchFamily="34" charset="0"/>
+              </a:rPr>
+              <a:t> algoritmi di</a:t>
+            </a:r>
+          </a:p>
+          <a:p>
+            <a:pPr algn="ctr"/>
+            <a:r>
+              <a:rPr lang="it-IT" sz="1400" dirty="0" smtClean="0">
+                <a:latin typeface="Calibri" pitchFamily="34" charset="0"/>
+                <a:cs typeface="Calibri" pitchFamily="34" charset="0"/>
+              </a:rPr>
+              <a:t> </a:t>
+            </a:r>
+            <a:r>
+              <a:rPr lang="it-IT" sz="1400" dirty="0" err="1" smtClean="0">
+                <a:latin typeface="Calibri" pitchFamily="34" charset="0"/>
+                <a:cs typeface="Calibri" pitchFamily="34" charset="0"/>
+              </a:rPr>
+              <a:t>recommendation</a:t>
+            </a:r>
+            <a:endParaRPr lang="it-IT" sz="1400" dirty="0">
+              <a:latin typeface="Calibri" pitchFamily="34" charset="0"/>
+              <a:cs typeface="Calibri" pitchFamily="34" charset="0"/>
+            </a:endParaRPr>
+          </a:p>
+        </p:txBody>
+      </p:sp>
+      <p:sp>
+        <p:nvSpPr>
+          <p:cNvPr id="41" name="Rettangolo 40"/>
+          <p:cNvSpPr/>
+          <p:nvPr/>
+        </p:nvSpPr>
+        <p:spPr>
+          <a:xfrm>
+            <a:off x="7236296" y="1484784"/>
+            <a:ext cx="1656184" cy="631074"/>
+          </a:xfrm>
+          <a:prstGeom prst="rect">
+            <a:avLst/>
+          </a:prstGeom>
+          <a:solidFill>
+            <a:schemeClr val="accent5"/>
+          </a:solidFill>
+        </p:spPr>
+        <p:style>
+          <a:lnRef idx="2">
+            <a:schemeClr val="accent1">
+              <a:shade val="50000"/>
+            </a:schemeClr>
+          </a:lnRef>
+          <a:fillRef idx="1">
+            <a:schemeClr val="accent1"/>
+          </a:fillRef>
+          <a:effectRef idx="0">
+            <a:schemeClr val="accent1"/>
+          </a:effectRef>
+          <a:fontRef idx="minor">
+            <a:schemeClr val="lt1"/>
+          </a:fontRef>
+        </p:style>
+        <p:txBody>
+          <a:bodyPr rtlCol="0" anchor="ctr"/>
+          <a:lstStyle/>
+          <a:p>
+            <a:pPr algn="ctr"/>
+            <a:r>
+              <a:rPr lang="it-IT" sz="1400" i="1" dirty="0" err="1" smtClean="0">
+                <a:latin typeface="Calibri" pitchFamily="34" charset="0"/>
+                <a:cs typeface="Calibri" pitchFamily="34" charset="0"/>
+              </a:rPr>
+              <a:t>Tool</a:t>
+            </a:r>
+            <a:r>
+              <a:rPr lang="it-IT" sz="1400" dirty="0" smtClean="0">
+                <a:latin typeface="Calibri" pitchFamily="34" charset="0"/>
+                <a:cs typeface="Calibri" pitchFamily="34" charset="0"/>
+              </a:rPr>
+              <a:t>  visualizzazione</a:t>
+            </a:r>
+            <a:endParaRPr lang="it-IT" sz="1400" dirty="0">
+              <a:latin typeface="Calibri" pitchFamily="34" charset="0"/>
+              <a:cs typeface="Calibri" pitchFamily="34" charset="0"/>
+            </a:endParaRPr>
+          </a:p>
+        </p:txBody>
+      </p:sp>
+    </p:spTree>
+    <p:extLst>
+      <p:ext uri="{BB962C8B-B14F-4D97-AF65-F5344CB8AC3E}">
+        <p14:creationId xmlns:p14="http://schemas.microsoft.com/office/powerpoint/2010/main" val="964333825"/>
       </p:ext>
     </p:extLst>
   </p:cSld>
@@ -20464,7 +25012,7 @@
         <p:spPr>
           <a:xfrm>
             <a:off x="1835696" y="1412776"/>
-            <a:ext cx="5714193" cy="400110"/>
+            <a:ext cx="5815182" cy="400110"/>
           </a:xfrm>
           <a:prstGeom prst="rect">
             <a:avLst/>
@@ -20485,6 +25033,16 @@
               <a:t>Come appaiono gli </a:t>
             </a:r>
             <a:r>
+              <a:rPr lang="it-IT" sz="2000" b="1" i="1" dirty="0" err="1">
+                <a:solidFill>
+                  <a:schemeClr val="accent2"/>
+                </a:solidFill>
+                <a:latin typeface="Calibri" panose="020F0502020204030204" pitchFamily="34" charset="0"/>
+                <a:cs typeface="Calibri" panose="020F0502020204030204" pitchFamily="34" charset="0"/>
+              </a:rPr>
+              <a:t>endorsement</a:t>
+            </a:r>
+            <a:r>
               <a:rPr lang="it-IT" sz="2000" b="1" i="1" dirty="0">
                 <a:solidFill>
                   <a:schemeClr val="accent2"/>
@@ -20492,20 +25050,20 @@
                 <a:latin typeface="Calibri" panose="020F0502020204030204" pitchFamily="34" charset="0"/>
                 <a:cs typeface="Calibri" panose="020F0502020204030204" pitchFamily="34" charset="0"/>
               </a:rPr>
-              <a:t>endorsement </a:t>
-            </a:r>
-            <a:r>
-              <a:rPr lang="it-IT" sz="2000" b="1" i="1" dirty="0" err="1">
+              <a:t> </a:t>
+            </a:r>
+            <a:r>
+              <a:rPr lang="it-IT" sz="2000" b="1" i="1" dirty="0" err="1" smtClean="0">
                 <a:solidFill>
                   <a:schemeClr val="accent2"/>
                 </a:solidFill>
                 <a:latin typeface="Calibri" panose="020F0502020204030204" pitchFamily="34" charset="0"/>
                 <a:cs typeface="Calibri" panose="020F0502020204030204" pitchFamily="34" charset="0"/>
               </a:rPr>
-              <a:t>graph</a:t>
-            </a:r>
-            <a:r>
-              <a:rPr lang="it-IT" sz="2000" b="1" i="1" dirty="0">
+              <a:t>graphs</a:t>
+            </a:r>
+            <a:r>
+              <a:rPr lang="it-IT" sz="2000" b="1" i="1" dirty="0" smtClean="0">
                 <a:solidFill>
                   <a:schemeClr val="accent2"/>
                 </a:solidFill>
@@ -20785,8 +25343,25 @@
                 <a:latin typeface="Calibri" panose="020F0502020204030204" pitchFamily="34" charset="0"/>
                 <a:cs typeface="Calibri" panose="020F0502020204030204" pitchFamily="34" charset="0"/>
               </a:rPr>
-              <a:t> A</a:t>
-            </a:r>
+              <a:t> </a:t>
+            </a:r>
+            <a:r>
+              <a:rPr lang="it-IT" b="1" dirty="0" smtClean="0">
+                <a:solidFill>
+                  <a:schemeClr val="tx2"/>
+                </a:solidFill>
+                <a:latin typeface="Calibri" panose="020F0502020204030204" pitchFamily="34" charset="0"/>
+                <a:cs typeface="Calibri" panose="020F0502020204030204" pitchFamily="34" charset="0"/>
+              </a:rPr>
+              <a:t>X</a:t>
+            </a:r>
+            <a:endParaRPr lang="it-IT" b="1" dirty="0">
+              <a:solidFill>
+                <a:schemeClr val="tx2"/>
+              </a:solidFill>
+              <a:latin typeface="Calibri" panose="020F0502020204030204" pitchFamily="34" charset="0"/>
+              <a:cs typeface="Calibri" panose="020F0502020204030204" pitchFamily="34" charset="0"/>
+            </a:endParaRPr>
           </a:p>
         </p:txBody>
       </p:sp>
@@ -20881,8 +25456,25 @@
                 <a:latin typeface="Calibri" panose="020F0502020204030204" pitchFamily="34" charset="0"/>
                 <a:cs typeface="Calibri" panose="020F0502020204030204" pitchFamily="34" charset="0"/>
               </a:rPr>
-              <a:t> B</a:t>
-            </a:r>
+              <a:t> </a:t>
+            </a:r>
+            <a:r>
+              <a:rPr lang="it-IT" b="1" dirty="0" smtClean="0">
+                <a:solidFill>
+                  <a:schemeClr val="accent2"/>
+                </a:solidFill>
+                <a:latin typeface="Calibri" panose="020F0502020204030204" pitchFamily="34" charset="0"/>
+                <a:cs typeface="Calibri" panose="020F0502020204030204" pitchFamily="34" charset="0"/>
+              </a:rPr>
+              <a:t>Y</a:t>
+            </a:r>
+            <a:endParaRPr lang="it-IT" b="1" dirty="0">
+              <a:solidFill>
+                <a:schemeClr val="accent2"/>
+              </a:solidFill>
+              <a:latin typeface="Calibri" panose="020F0502020204030204" pitchFamily="34" charset="0"/>
+              <a:cs typeface="Calibri" panose="020F0502020204030204" pitchFamily="34" charset="0"/>
+            </a:endParaRPr>
           </a:p>
         </p:txBody>
       </p:sp>
@@ -22319,15 +26911,7 @@
                 <a:cs typeface="Calibri" panose="020F0502020204030204" pitchFamily="34" charset="0"/>
                 <a:sym typeface="Wingdings" panose="05000000000000000000" pitchFamily="2" charset="2"/>
               </a:rPr>
-              <a:t>POCO</a:t>
-            </a:r>
-            <a:r>
-              <a:rPr lang="it-IT" b="1" dirty="0" smtClean="0">
-                <a:latin typeface="Calibri" panose="020F0502020204030204" pitchFamily="34" charset="0"/>
-                <a:cs typeface="Calibri" panose="020F0502020204030204" pitchFamily="34" charset="0"/>
-                <a:sym typeface="Wingdings" panose="05000000000000000000" pitchFamily="2" charset="2"/>
-              </a:rPr>
-              <a:t> </a:t>
+              <a:t>POCO </a:t>
             </a:r>
             <a:r>
               <a:rPr lang="it-IT" b="1" dirty="0">
@@ -22858,8 +27442,8 @@
           </a:p>
         </p:txBody>
       </p:sp>
-      <mc:AlternateContent xmlns:mc="http://schemas.openxmlformats.org/markup-compatibility/2006">
-        <mc:Choice xmlns:a14="http://schemas.microsoft.com/office/drawing/2010/main" Requires="a14">
+      <mc:AlternateContent xmlns:mc="http://schemas.openxmlformats.org/markup-compatibility/2006" xmlns:a14="http://schemas.microsoft.com/office/drawing/2010/main">
+        <mc:Choice Requires="a14">
           <p:sp>
             <p:nvSpPr>
               <p:cNvPr id="6" name="Rettangolo 5"/>
@@ -23383,7 +27967,7 @@
             </p:txBody>
           </p:sp>
         </mc:Choice>
-        <mc:Fallback>
+        <mc:Fallback xmlns="">
           <p:sp>
             <p:nvSpPr>
               <p:cNvPr id="6" name="Rettangolo 5"/>

--- a/PRESENTAZIONE_TESI/presentazione_agostini_stefano.pptx
+++ b/PRESENTAZIONE_TESI/presentazione_agostini_stefano.pptx
@@ -6,7 +6,7 @@
     <p:sldMasterId id="2147483661" r:id="rId2"/>
   </p:sldMasterIdLst>
   <p:notesMasterIdLst>
-    <p:notesMasterId r:id="rId17"/>
+    <p:notesMasterId r:id="rId21"/>
   </p:notesMasterIdLst>
   <p:sldIdLst>
     <p:sldId id="256" r:id="rId3"/>
@@ -23,6 +23,10 @@
     <p:sldId id="268" r:id="rId14"/>
     <p:sldId id="269" r:id="rId15"/>
     <p:sldId id="270" r:id="rId16"/>
+    <p:sldId id="271" r:id="rId17"/>
+    <p:sldId id="272" r:id="rId18"/>
+    <p:sldId id="273" r:id="rId19"/>
+    <p:sldId id="274" r:id="rId20"/>
   </p:sldIdLst>
   <p:sldSz cx="9144000" cy="6858000" type="screen4x3"/>
   <p:notesSz cx="6858000" cy="9144000"/>
@@ -140,12 +144,16 @@
             <p14:sldId id="268"/>
             <p14:sldId id="269"/>
             <p14:sldId id="270"/>
+            <p14:sldId id="271"/>
+            <p14:sldId id="272"/>
+            <p14:sldId id="273"/>
+            <p14:sldId id="274"/>
           </p14:sldIdLst>
         </p14:section>
       </p14:sectionLst>
     </p:ext>
     <p:ext uri="{EFAFB233-063F-42B5-8137-9DF3F51BA10A}">
-      <p15:sldGuideLst xmlns:p15="http://schemas.microsoft.com/office/powerpoint/2012/main" xmlns="">
+      <p15:sldGuideLst xmlns:p15="http://schemas.microsoft.com/office/powerpoint/2012/main">
         <p15:guide id="1" orient="horz" pos="2160">
           <p15:clr>
             <a:srgbClr val="A4A3A4"/>
@@ -4166,7 +4174,7 @@
           <p:cNvPr id="8" name="Immagine 7">
             <a:extLst>
               <a:ext uri="{FF2B5EF4-FFF2-40B4-BE49-F238E27FC236}">
-                <a16:creationId xmlns:a16="http://schemas.microsoft.com/office/drawing/2014/main" xmlns="" id="{A1106E1C-ABC5-4AA2-A6C2-B115CAA9597B}"/>
+                <a16:creationId xmlns:a16="http://schemas.microsoft.com/office/drawing/2014/main" id="{A1106E1C-ABC5-4AA2-A6C2-B115CAA9597B}"/>
               </a:ext>
             </a:extLst>
           </p:cNvPr>
@@ -4470,13 +4478,6 @@
   <p:clrMapOvr>
     <a:masterClrMapping/>
   </p:clrMapOvr>
-  <p:timing>
-    <p:tnLst>
-      <p:par>
-        <p:cTn id="1" dur="indefinite" restart="never" nodeType="tmRoot"/>
-      </p:par>
-    </p:tnLst>
-  </p:timing>
 </p:sld>
 </file>
 
@@ -4502,7 +4503,7 @@
           <p:cNvPr id="5" name="Title 3">
             <a:extLst>
               <a:ext uri="{FF2B5EF4-FFF2-40B4-BE49-F238E27FC236}">
-                <a16:creationId xmlns:a16="http://schemas.microsoft.com/office/drawing/2014/main" xmlns="" id="{189ECF77-714F-4D2C-9D4B-CC43534EF427}"/>
+                <a16:creationId xmlns:a16="http://schemas.microsoft.com/office/drawing/2014/main" id="{189ECF77-714F-4D2C-9D4B-CC43534EF427}"/>
               </a:ext>
             </a:extLst>
           </p:cNvPr>
@@ -4595,7 +4596,7 @@
           <a:p>
             <a:pPr algn="just"/>
             <a:r>
-              <a:rPr lang="it-IT" dirty="0" smtClean="0">
+              <a:rPr lang="it-IT" dirty="0">
                 <a:latin typeface="Calibri" panose="020F0502020204030204" pitchFamily="34" charset="0"/>
                 <a:cs typeface="Calibri" panose="020F0502020204030204" pitchFamily="34" charset="0"/>
                 <a:sym typeface="Wingdings" panose="05000000000000000000" pitchFamily="2" charset="2"/>
@@ -4603,7 +4604,7 @@
               <a:t>…l’</a:t>
             </a:r>
             <a:r>
-              <a:rPr lang="it-IT" b="1" i="1" dirty="0" smtClean="0">
+              <a:rPr lang="it-IT" b="1" i="1" dirty="0">
                 <a:solidFill>
                   <a:srgbClr val="C00000"/>
                 </a:solidFill>
@@ -4614,7 +4615,7 @@
               <a:t>euristica </a:t>
             </a:r>
             <a:r>
-              <a:rPr lang="it-IT" dirty="0" smtClean="0">
+              <a:rPr lang="it-IT" dirty="0">
                 <a:latin typeface="Calibri" panose="020F0502020204030204" pitchFamily="34" charset="0"/>
                 <a:cs typeface="Calibri" panose="020F0502020204030204" pitchFamily="34" charset="0"/>
                 <a:sym typeface="Wingdings" panose="05000000000000000000" pitchFamily="2" charset="2"/>
@@ -4636,7 +4637,7 @@
               <a:buAutoNum type="arabicPeriod"/>
             </a:pPr>
             <a:r>
-              <a:rPr lang="it-IT" dirty="0" smtClean="0">
+              <a:rPr lang="it-IT" dirty="0">
                 <a:latin typeface="Calibri" panose="020F0502020204030204" pitchFamily="34" charset="0"/>
                 <a:cs typeface="Calibri" panose="020F0502020204030204" pitchFamily="34" charset="0"/>
                 <a:sym typeface="Wingdings" panose="05000000000000000000" pitchFamily="2" charset="2"/>
@@ -4644,7 +4645,7 @@
               <a:t>considera i </a:t>
             </a:r>
             <a:r>
-              <a:rPr lang="it-IT" b="1" i="1" dirty="0" smtClean="0">
+              <a:rPr lang="it-IT" b="1" i="1" dirty="0">
                 <a:solidFill>
                   <a:schemeClr val="accent1"/>
                 </a:solidFill>
@@ -4655,7 +4656,7 @@
               <a:t>k</a:t>
             </a:r>
             <a:r>
-              <a:rPr lang="it-IT" b="1" i="1" baseline="-25000" dirty="0" smtClean="0">
+              <a:rPr lang="it-IT" b="1" i="1" baseline="-25000" dirty="0">
                 <a:solidFill>
                   <a:schemeClr val="accent1"/>
                 </a:solidFill>
@@ -4666,7 +4667,7 @@
               <a:t>1</a:t>
             </a:r>
             <a:r>
-              <a:rPr lang="it-IT" baseline="-25000" dirty="0" smtClean="0">
+              <a:rPr lang="it-IT" baseline="-25000" dirty="0">
                 <a:solidFill>
                   <a:schemeClr val="accent1"/>
                 </a:solidFill>
@@ -4677,7 +4678,7 @@
               <a:t> </a:t>
             </a:r>
             <a:r>
-              <a:rPr lang="it-IT" dirty="0" smtClean="0">
+              <a:rPr lang="it-IT" dirty="0">
                 <a:latin typeface="Calibri" panose="020F0502020204030204" pitchFamily="34" charset="0"/>
                 <a:cs typeface="Calibri" panose="020F0502020204030204" pitchFamily="34" charset="0"/>
                 <a:sym typeface="Wingdings" panose="05000000000000000000" pitchFamily="2" charset="2"/>
@@ -4685,7 +4686,7 @@
               <a:t>vertici con </a:t>
             </a:r>
             <a:r>
-              <a:rPr lang="it-IT" b="1" i="1" dirty="0" smtClean="0">
+              <a:rPr lang="it-IT" b="1" i="1" dirty="0">
                 <a:latin typeface="Calibri" panose="020F0502020204030204" pitchFamily="34" charset="0"/>
                 <a:cs typeface="Calibri" panose="020F0502020204030204" pitchFamily="34" charset="0"/>
                 <a:sym typeface="Wingdings" panose="05000000000000000000" pitchFamily="2" charset="2"/>
@@ -4693,7 +4694,7 @@
               <a:t>in-</a:t>
             </a:r>
             <a:r>
-              <a:rPr lang="it-IT" b="1" i="1" dirty="0" err="1" smtClean="0">
+              <a:rPr lang="it-IT" b="1" i="1" dirty="0" err="1">
                 <a:latin typeface="Calibri" panose="020F0502020204030204" pitchFamily="34" charset="0"/>
                 <a:cs typeface="Calibri" panose="020F0502020204030204" pitchFamily="34" charset="0"/>
                 <a:sym typeface="Wingdings" panose="05000000000000000000" pitchFamily="2" charset="2"/>
@@ -4701,7 +4702,7 @@
               <a:t>degree</a:t>
             </a:r>
             <a:r>
-              <a:rPr lang="it-IT" b="1" i="1" dirty="0" smtClean="0">
+              <a:rPr lang="it-IT" b="1" i="1" dirty="0">
                 <a:latin typeface="Calibri" panose="020F0502020204030204" pitchFamily="34" charset="0"/>
                 <a:cs typeface="Calibri" panose="020F0502020204030204" pitchFamily="34" charset="0"/>
                 <a:sym typeface="Wingdings" panose="05000000000000000000" pitchFamily="2" charset="2"/>
@@ -4709,7 +4710,7 @@
               <a:t> </a:t>
             </a:r>
             <a:r>
-              <a:rPr lang="it-IT" b="1" dirty="0" smtClean="0">
+              <a:rPr lang="it-IT" b="1" dirty="0">
                 <a:latin typeface="Calibri" panose="020F0502020204030204" pitchFamily="34" charset="0"/>
                 <a:cs typeface="Calibri" panose="020F0502020204030204" pitchFamily="34" charset="0"/>
                 <a:sym typeface="Wingdings" panose="05000000000000000000" pitchFamily="2" charset="2"/>
@@ -4717,7 +4718,7 @@
               <a:t>più alto </a:t>
             </a:r>
             <a:r>
-              <a:rPr lang="it-IT" dirty="0" smtClean="0">
+              <a:rPr lang="it-IT" dirty="0">
                 <a:latin typeface="Calibri" panose="020F0502020204030204" pitchFamily="34" charset="0"/>
                 <a:cs typeface="Calibri" panose="020F0502020204030204" pitchFamily="34" charset="0"/>
                 <a:sym typeface="Wingdings" panose="05000000000000000000" pitchFamily="2" charset="2"/>
@@ -4725,7 +4726,7 @@
               <a:t>dell’</a:t>
             </a:r>
             <a:r>
-              <a:rPr lang="it-IT" b="1" i="1" dirty="0" err="1" smtClean="0">
+              <a:rPr lang="it-IT" b="1" i="1" dirty="0" err="1">
                 <a:solidFill>
                   <a:schemeClr val="accent1"/>
                 </a:solidFill>
@@ -4736,7 +4737,7 @@
               <a:t>echo-chamber</a:t>
             </a:r>
             <a:r>
-              <a:rPr lang="it-IT" b="1" i="1" dirty="0" smtClean="0">
+              <a:rPr lang="it-IT" b="1" i="1" dirty="0">
                 <a:solidFill>
                   <a:schemeClr val="accent1"/>
                 </a:solidFill>
@@ -4747,7 +4748,7 @@
               <a:t> X </a:t>
             </a:r>
             <a:r>
-              <a:rPr lang="it-IT" dirty="0" smtClean="0">
+              <a:rPr lang="it-IT" dirty="0">
                 <a:latin typeface="Calibri" panose="020F0502020204030204" pitchFamily="34" charset="0"/>
                 <a:cs typeface="Calibri" panose="020F0502020204030204" pitchFamily="34" charset="0"/>
                 <a:sym typeface="Wingdings" panose="05000000000000000000" pitchFamily="2" charset="2"/>
@@ -4763,18 +4764,10 @@
                 <a:cs typeface="Calibri" panose="020F0502020204030204" pitchFamily="34" charset="0"/>
                 <a:sym typeface="Wingdings" panose="05000000000000000000" pitchFamily="2" charset="2"/>
               </a:rPr>
-              <a:t> </a:t>
-            </a:r>
-            <a:r>
-              <a:rPr lang="it-IT" dirty="0" smtClean="0">
-                <a:latin typeface="Calibri" panose="020F0502020204030204" pitchFamily="34" charset="0"/>
-                <a:cs typeface="Calibri" panose="020F0502020204030204" pitchFamily="34" charset="0"/>
-                <a:sym typeface="Wingdings" panose="05000000000000000000" pitchFamily="2" charset="2"/>
-              </a:rPr>
-              <a:t>      i </a:t>
-            </a:r>
-            <a:r>
-              <a:rPr lang="it-IT" b="1" i="1" dirty="0" smtClean="0">
+              <a:t>       i </a:t>
+            </a:r>
+            <a:r>
+              <a:rPr lang="it-IT" b="1" i="1" dirty="0">
                 <a:solidFill>
                   <a:schemeClr val="accent2"/>
                 </a:solidFill>
@@ -4785,7 +4778,7 @@
               <a:t>k</a:t>
             </a:r>
             <a:r>
-              <a:rPr lang="it-IT" b="1" i="1" baseline="-25000" dirty="0" smtClean="0">
+              <a:rPr lang="it-IT" b="1" i="1" baseline="-25000" dirty="0">
                 <a:solidFill>
                   <a:schemeClr val="accent2"/>
                 </a:solidFill>
@@ -4796,7 +4789,7 @@
               <a:t>2</a:t>
             </a:r>
             <a:r>
-              <a:rPr lang="it-IT" baseline="-25000" dirty="0" smtClean="0">
+              <a:rPr lang="it-IT" baseline="-25000" dirty="0">
                 <a:solidFill>
                   <a:schemeClr val="accent2"/>
                 </a:solidFill>
@@ -4874,109 +4867,86 @@
                 <a:cs typeface="Calibri" panose="020F0502020204030204" pitchFamily="34" charset="0"/>
                 <a:sym typeface="Wingdings" panose="05000000000000000000" pitchFamily="2" charset="2"/>
               </a:rPr>
-              <a:t> </a:t>
-            </a:r>
-            <a:r>
-              <a:rPr lang="it-IT" b="1" i="1" dirty="0" smtClean="0">
-                <a:solidFill>
-                  <a:schemeClr val="accent2"/>
-                </a:solidFill>
+              <a:t> Y</a:t>
+            </a:r>
+            <a:r>
+              <a:rPr lang="it-IT" i="1" dirty="0">
                 <a:latin typeface="Calibri" panose="020F0502020204030204" pitchFamily="34" charset="0"/>
                 <a:cs typeface="Calibri" panose="020F0502020204030204" pitchFamily="34" charset="0"/>
                 <a:sym typeface="Wingdings" panose="05000000000000000000" pitchFamily="2" charset="2"/>
               </a:rPr>
-              <a:t>Y</a:t>
-            </a:r>
-            <a:r>
-              <a:rPr lang="it-IT" i="1" dirty="0" smtClean="0">
+              <a:t>, </a:t>
+            </a:r>
+            <a:r>
+              <a:rPr lang="it-IT" dirty="0">
                 <a:latin typeface="Calibri" panose="020F0502020204030204" pitchFamily="34" charset="0"/>
                 <a:cs typeface="Calibri" panose="020F0502020204030204" pitchFamily="34" charset="0"/>
                 <a:sym typeface="Wingdings" panose="05000000000000000000" pitchFamily="2" charset="2"/>
               </a:rPr>
-              <a:t>, </a:t>
-            </a:r>
-            <a:r>
-              <a:rPr lang="it-IT" dirty="0" smtClean="0">
+              <a:t>ossia considera</a:t>
+            </a:r>
+          </a:p>
+          <a:p>
+            <a:pPr algn="just"/>
+            <a:r>
+              <a:rPr lang="it-IT" dirty="0">
                 <a:latin typeface="Calibri" panose="020F0502020204030204" pitchFamily="34" charset="0"/>
                 <a:cs typeface="Calibri" panose="020F0502020204030204" pitchFamily="34" charset="0"/>
                 <a:sym typeface="Wingdings" panose="05000000000000000000" pitchFamily="2" charset="2"/>
               </a:rPr>
-              <a:t>ossia considera</a:t>
+              <a:t>       solo in nodi </a:t>
+            </a:r>
+            <a:r>
+              <a:rPr lang="it-IT" b="1" i="1" dirty="0">
+                <a:latin typeface="Calibri" panose="020F0502020204030204" pitchFamily="34" charset="0"/>
+                <a:cs typeface="Calibri" panose="020F0502020204030204" pitchFamily="34" charset="0"/>
+                <a:sym typeface="Wingdings" panose="05000000000000000000" pitchFamily="2" charset="2"/>
+              </a:rPr>
+              <a:t>leader </a:t>
+            </a:r>
+            <a:r>
+              <a:rPr lang="it-IT" dirty="0">
+                <a:latin typeface="Calibri" panose="020F0502020204030204" pitchFamily="34" charset="0"/>
+                <a:cs typeface="Calibri" panose="020F0502020204030204" pitchFamily="34" charset="0"/>
+                <a:sym typeface="Wingdings" panose="05000000000000000000" pitchFamily="2" charset="2"/>
+              </a:rPr>
+              <a:t>di ciascuna </a:t>
+            </a:r>
+            <a:r>
+              <a:rPr lang="it-IT" i="1" dirty="0" err="1">
+                <a:latin typeface="Calibri" panose="020F0502020204030204" pitchFamily="34" charset="0"/>
+                <a:cs typeface="Calibri" panose="020F0502020204030204" pitchFamily="34" charset="0"/>
+                <a:sym typeface="Wingdings" panose="05000000000000000000" pitchFamily="2" charset="2"/>
+              </a:rPr>
+              <a:t>echo-chamber</a:t>
+            </a:r>
+            <a:r>
+              <a:rPr lang="it-IT" dirty="0">
+                <a:latin typeface="Calibri" panose="020F0502020204030204" pitchFamily="34" charset="0"/>
+                <a:cs typeface="Calibri" panose="020F0502020204030204" pitchFamily="34" charset="0"/>
+                <a:sym typeface="Wingdings" panose="05000000000000000000" pitchFamily="2" charset="2"/>
+              </a:rPr>
+              <a:t>;</a:t>
             </a:r>
           </a:p>
           <a:p>
             <a:pPr algn="just"/>
-            <a:r>
-              <a:rPr lang="it-IT" dirty="0" smtClean="0">
-                <a:latin typeface="Calibri" panose="020F0502020204030204" pitchFamily="34" charset="0"/>
-                <a:cs typeface="Calibri" panose="020F0502020204030204" pitchFamily="34" charset="0"/>
-                <a:sym typeface="Wingdings" panose="05000000000000000000" pitchFamily="2" charset="2"/>
-              </a:rPr>
-              <a:t>       solo in nodi </a:t>
-            </a:r>
-            <a:r>
-              <a:rPr lang="it-IT" b="1" i="1" dirty="0" smtClean="0">
-                <a:latin typeface="Calibri" panose="020F0502020204030204" pitchFamily="34" charset="0"/>
-                <a:cs typeface="Calibri" panose="020F0502020204030204" pitchFamily="34" charset="0"/>
-                <a:sym typeface="Wingdings" panose="05000000000000000000" pitchFamily="2" charset="2"/>
-              </a:rPr>
-              <a:t>leader </a:t>
-            </a:r>
-            <a:r>
-              <a:rPr lang="it-IT" dirty="0" smtClean="0">
-                <a:latin typeface="Calibri" panose="020F0502020204030204" pitchFamily="34" charset="0"/>
-                <a:cs typeface="Calibri" panose="020F0502020204030204" pitchFamily="34" charset="0"/>
-                <a:sym typeface="Wingdings" panose="05000000000000000000" pitchFamily="2" charset="2"/>
-              </a:rPr>
-              <a:t>di ciascuna </a:t>
-            </a:r>
-            <a:r>
-              <a:rPr lang="it-IT" i="1" dirty="0" err="1" smtClean="0">
-                <a:latin typeface="Calibri" panose="020F0502020204030204" pitchFamily="34" charset="0"/>
-                <a:cs typeface="Calibri" panose="020F0502020204030204" pitchFamily="34" charset="0"/>
-                <a:sym typeface="Wingdings" panose="05000000000000000000" pitchFamily="2" charset="2"/>
-              </a:rPr>
-              <a:t>echo-chamber</a:t>
-            </a:r>
-            <a:r>
-              <a:rPr lang="it-IT" dirty="0">
-                <a:latin typeface="Calibri" panose="020F0502020204030204" pitchFamily="34" charset="0"/>
-                <a:cs typeface="Calibri" panose="020F0502020204030204" pitchFamily="34" charset="0"/>
-                <a:sym typeface="Wingdings" panose="05000000000000000000" pitchFamily="2" charset="2"/>
-              </a:rPr>
-              <a:t>;</a:t>
-            </a:r>
-            <a:endParaRPr lang="it-IT" dirty="0" smtClean="0">
+            <a:endParaRPr lang="it-IT" dirty="0">
               <a:latin typeface="Calibri" panose="020F0502020204030204" pitchFamily="34" charset="0"/>
               <a:cs typeface="Calibri" panose="020F0502020204030204" pitchFamily="34" charset="0"/>
               <a:sym typeface="Wingdings" panose="05000000000000000000" pitchFamily="2" charset="2"/>
             </a:endParaRPr>
           </a:p>
           <a:p>
-            <a:pPr algn="just"/>
-            <a:endParaRPr lang="it-IT" dirty="0" smtClean="0">
-              <a:latin typeface="Calibri" panose="020F0502020204030204" pitchFamily="34" charset="0"/>
-              <a:cs typeface="Calibri" panose="020F0502020204030204" pitchFamily="34" charset="0"/>
-              <a:sym typeface="Wingdings" panose="05000000000000000000" pitchFamily="2" charset="2"/>
-            </a:endParaRPr>
-          </a:p>
-          <a:p>
             <a:pPr marL="342900" indent="-342900" algn="just">
               <a:buAutoNum type="arabicPeriod" startAt="2"/>
             </a:pPr>
             <a:r>
-              <a:rPr lang="it-IT" dirty="0" smtClean="0">
-                <a:latin typeface="Calibri" pitchFamily="34" charset="0"/>
-                <a:cs typeface="Calibri" pitchFamily="34" charset="0"/>
-              </a:rPr>
-              <a:t>costruisce </a:t>
-            </a:r>
-            <a:r>
               <a:rPr lang="it-IT" dirty="0">
                 <a:latin typeface="Calibri" pitchFamily="34" charset="0"/>
                 <a:cs typeface="Calibri" pitchFamily="34" charset="0"/>
               </a:rPr>
-              <a:t>il </a:t>
+              <a:t>costruisce il </a:t>
             </a:r>
             <a:r>
               <a:rPr lang="it-IT" b="1" i="1" dirty="0">
@@ -4997,14 +4967,7 @@
                 <a:latin typeface="Calibri" pitchFamily="34" charset="0"/>
                 <a:cs typeface="Calibri" pitchFamily="34" charset="0"/>
               </a:rPr>
-              <a:t>l’insieme di tutti </a:t>
-            </a:r>
-            <a:r>
-              <a:rPr lang="it-IT" i="1" u="sng" dirty="0" smtClean="0">
-                <a:latin typeface="Calibri" pitchFamily="34" charset="0"/>
-                <a:cs typeface="Calibri" pitchFamily="34" charset="0"/>
-              </a:rPr>
-              <a:t>i</a:t>
+              <a:t>l’insieme di tutti i</a:t>
             </a:r>
           </a:p>
           <a:p>
@@ -5014,62 +4977,20 @@
                 <a:latin typeface="Calibri" pitchFamily="34" charset="0"/>
                 <a:cs typeface="Calibri" pitchFamily="34" charset="0"/>
               </a:rPr>
-              <a:t> </a:t>
-            </a:r>
-            <a:r>
-              <a:rPr lang="it-IT" i="1" u="sng" dirty="0" smtClean="0">
-                <a:latin typeface="Calibri" pitchFamily="34" charset="0"/>
-                <a:cs typeface="Calibri" pitchFamily="34" charset="0"/>
-              </a:rPr>
-              <a:t>      possibili archi </a:t>
-            </a:r>
+              <a:t>       possibili archi diretti, non presenti ancora nel grafo, che abbiano come   </a:t>
+            </a:r>
+          </a:p>
+          <a:p>
+            <a:pPr algn="just"/>
             <a:r>
               <a:rPr lang="it-IT" i="1" u="sng" dirty="0">
                 <a:latin typeface="Calibri" pitchFamily="34" charset="0"/>
                 <a:cs typeface="Calibri" pitchFamily="34" charset="0"/>
               </a:rPr>
-              <a:t>diretti, non presenti ancora nel grafo, che abbiano </a:t>
-            </a:r>
-            <a:r>
-              <a:rPr lang="it-IT" i="1" u="sng" dirty="0" smtClean="0">
-                <a:latin typeface="Calibri" pitchFamily="34" charset="0"/>
-                <a:cs typeface="Calibri" pitchFamily="34" charset="0"/>
-              </a:rPr>
-              <a:t>come   </a:t>
-            </a:r>
-          </a:p>
-          <a:p>
-            <a:pPr algn="just"/>
-            <a:r>
-              <a:rPr lang="it-IT" i="1" u="sng" dirty="0">
-                <a:latin typeface="Calibri" pitchFamily="34" charset="0"/>
-                <a:cs typeface="Calibri" pitchFamily="34" charset="0"/>
-              </a:rPr>
-              <a:t> </a:t>
-            </a:r>
-            <a:r>
-              <a:rPr lang="it-IT" i="1" u="sng" dirty="0" smtClean="0">
-                <a:latin typeface="Calibri" pitchFamily="34" charset="0"/>
-                <a:cs typeface="Calibri" pitchFamily="34" charset="0"/>
-              </a:rPr>
-              <a:t>      estremi </a:t>
-            </a:r>
-            <a:r>
-              <a:rPr lang="it-IT" i="1" u="sng" dirty="0">
-                <a:latin typeface="Calibri" pitchFamily="34" charset="0"/>
-                <a:cs typeface="Calibri" pitchFamily="34" charset="0"/>
-              </a:rPr>
-              <a:t>un </a:t>
-            </a:r>
-            <a:r>
-              <a:rPr lang="it-IT" i="1" u="sng" dirty="0" smtClean="0">
-                <a:latin typeface="Calibri" pitchFamily="34" charset="0"/>
-                <a:cs typeface="Calibri" pitchFamily="34" charset="0"/>
-              </a:rPr>
-              <a:t>vertice dell’insieme </a:t>
-            </a:r>
-            <a:r>
-              <a:rPr lang="it-IT" b="1" i="1" u="sng" dirty="0" smtClean="0">
+              <a:t>       estremi un vertice dell’insieme </a:t>
+            </a:r>
+            <a:r>
+              <a:rPr lang="it-IT" b="1" i="1" u="sng" dirty="0">
                 <a:solidFill>
                   <a:schemeClr val="accent1"/>
                 </a:solidFill>
@@ -5079,7 +5000,7 @@
               <a:t>K</a:t>
             </a:r>
             <a:r>
-              <a:rPr lang="it-IT" b="1" i="1" u="sng" baseline="-25000" dirty="0" smtClean="0">
+              <a:rPr lang="it-IT" b="1" i="1" u="sng" baseline="-25000" dirty="0">
                 <a:solidFill>
                   <a:schemeClr val="accent1"/>
                 </a:solidFill>
@@ -5089,21 +5010,14 @@
               <a:t>1</a:t>
             </a:r>
             <a:r>
-              <a:rPr lang="it-IT" i="1" u="sng" dirty="0" smtClean="0">
-                <a:latin typeface="Calibri" pitchFamily="34" charset="0"/>
-                <a:cs typeface="Calibri" pitchFamily="34" charset="0"/>
-              </a:rPr>
-              <a:t> </a:t>
-            </a:r>
-            <a:r>
               <a:rPr lang="it-IT" i="1" u="sng" dirty="0">
                 <a:latin typeface="Calibri" pitchFamily="34" charset="0"/>
                 <a:cs typeface="Calibri" pitchFamily="34" charset="0"/>
               </a:rPr>
-              <a:t>e uno dell’insieme </a:t>
-            </a:r>
-            <a:r>
-              <a:rPr lang="it-IT" b="1" i="1" u="sng" dirty="0" smtClean="0">
+              <a:t> e uno dell’insieme </a:t>
+            </a:r>
+            <a:r>
+              <a:rPr lang="it-IT" b="1" i="1" u="sng" dirty="0">
                 <a:solidFill>
                   <a:schemeClr val="accent2"/>
                 </a:solidFill>
@@ -5113,7 +5027,7 @@
               <a:t>K</a:t>
             </a:r>
             <a:r>
-              <a:rPr lang="it-IT" b="1" i="1" u="sng" baseline="-25000" dirty="0" smtClean="0">
+              <a:rPr lang="it-IT" b="1" i="1" u="sng" baseline="-25000" dirty="0">
                 <a:solidFill>
                   <a:schemeClr val="accent2"/>
                 </a:solidFill>
@@ -5123,7 +5037,7 @@
               <a:t>2</a:t>
             </a:r>
             <a:r>
-              <a:rPr lang="it-IT" dirty="0" smtClean="0">
+              <a:rPr lang="it-IT" dirty="0">
                 <a:latin typeface="Calibri" pitchFamily="34" charset="0"/>
                 <a:cs typeface="Calibri" pitchFamily="34" charset="0"/>
               </a:rPr>
@@ -5137,7 +5051,7 @@
           </a:p>
           <a:p>
             <a:pPr algn="just"/>
-            <a:endParaRPr lang="it-IT" dirty="0" smtClean="0">
+            <a:endParaRPr lang="it-IT" dirty="0">
               <a:latin typeface="Calibri" panose="020F0502020204030204" pitchFamily="34" charset="0"/>
               <a:cs typeface="Calibri" panose="020F0502020204030204" pitchFamily="34" charset="0"/>
               <a:sym typeface="Wingdings" panose="05000000000000000000" pitchFamily="2" charset="2"/>
@@ -5182,18 +5096,17 @@
           <a:p>
             <a:pPr algn="ctr"/>
             <a:r>
-              <a:rPr lang="it-IT" dirty="0" smtClean="0"/>
+              <a:rPr lang="it-IT" dirty="0"/>
               <a:t>K</a:t>
             </a:r>
             <a:r>
-              <a:rPr lang="it-IT" baseline="-25000" dirty="0" smtClean="0"/>
+              <a:rPr lang="it-IT" baseline="-25000" dirty="0"/>
               <a:t>1</a:t>
             </a:r>
             <a:r>
-              <a:rPr lang="it-IT" dirty="0" smtClean="0"/>
+              <a:rPr lang="it-IT" dirty="0"/>
               <a:t>⊆ X</a:t>
             </a:r>
-            <a:endParaRPr lang="it-IT" dirty="0"/>
           </a:p>
         </p:txBody>
       </p:sp>
@@ -5242,18 +5155,17 @@
           <a:p>
             <a:pPr algn="ctr"/>
             <a:r>
-              <a:rPr lang="it-IT" dirty="0" smtClean="0"/>
+              <a:rPr lang="it-IT" dirty="0"/>
               <a:t>K</a:t>
             </a:r>
             <a:r>
-              <a:rPr lang="it-IT" baseline="-25000" dirty="0" smtClean="0"/>
+              <a:rPr lang="it-IT" baseline="-25000" dirty="0"/>
               <a:t>2</a:t>
             </a:r>
             <a:r>
-              <a:rPr lang="it-IT" dirty="0" smtClean="0"/>
+              <a:rPr lang="it-IT" dirty="0"/>
               <a:t>⊆ Y</a:t>
             </a:r>
-            <a:endParaRPr lang="it-IT" dirty="0"/>
           </a:p>
         </p:txBody>
       </p:sp>
@@ -5323,7 +5235,7 @@
           <a:p>
             <a:pPr algn="ctr"/>
             <a:r>
-              <a:rPr lang="it-IT" sz="1400" b="1" i="1" dirty="0" err="1" smtClean="0">
+              <a:rPr lang="it-IT" sz="1400" b="1" i="1" dirty="0" err="1">
                 <a:solidFill>
                   <a:schemeClr val="tx2">
                     <a:lumMod val="75000"/>
@@ -5356,13 +5268,6 @@
   <p:clrMapOvr>
     <a:masterClrMapping/>
   </p:clrMapOvr>
-  <p:timing>
-    <p:tnLst>
-      <p:par>
-        <p:cTn id="1" dur="indefinite" restart="never" nodeType="tmRoot"/>
-      </p:par>
-    </p:tnLst>
-  </p:timing>
 </p:sld>
 </file>
 
@@ -5388,7 +5293,7 @@
           <p:cNvPr id="5" name="Title 3">
             <a:extLst>
               <a:ext uri="{FF2B5EF4-FFF2-40B4-BE49-F238E27FC236}">
-                <a16:creationId xmlns:a16="http://schemas.microsoft.com/office/drawing/2014/main" xmlns="" id="{189ECF77-714F-4D2C-9D4B-CC43534EF427}"/>
+                <a16:creationId xmlns:a16="http://schemas.microsoft.com/office/drawing/2014/main" id="{189ECF77-714F-4D2C-9D4B-CC43534EF427}"/>
               </a:ext>
             </a:extLst>
           </p:cNvPr>
@@ -5481,7 +5386,7 @@
           <a:p>
             <a:pPr algn="just"/>
             <a:r>
-              <a:rPr lang="it-IT" dirty="0" smtClean="0">
+              <a:rPr lang="it-IT" dirty="0">
                 <a:latin typeface="Calibri" panose="020F0502020204030204" pitchFamily="34" charset="0"/>
                 <a:cs typeface="Calibri" panose="020F0502020204030204" pitchFamily="34" charset="0"/>
                 <a:sym typeface="Wingdings" panose="05000000000000000000" pitchFamily="2" charset="2"/>
@@ -5489,7 +5394,7 @@
               <a:t>Ad ogni </a:t>
             </a:r>
             <a:r>
-              <a:rPr lang="it-IT" b="1" dirty="0" smtClean="0">
+              <a:rPr lang="it-IT" b="1" dirty="0">
                 <a:solidFill>
                   <a:srgbClr val="00B050"/>
                 </a:solidFill>
@@ -5500,7 +5405,7 @@
               <a:t>arco </a:t>
             </a:r>
             <a:r>
-              <a:rPr lang="it-IT" b="1" i="1" dirty="0" smtClean="0">
+              <a:rPr lang="it-IT" b="1" i="1" dirty="0">
                 <a:solidFill>
                   <a:srgbClr val="00B050"/>
                 </a:solidFill>
@@ -5511,7 +5416,7 @@
               <a:t>e</a:t>
             </a:r>
             <a:r>
-              <a:rPr lang="it-IT" b="1" i="1" dirty="0" smtClean="0">
+              <a:rPr lang="it-IT" b="1" i="1" dirty="0">
                 <a:solidFill>
                   <a:srgbClr val="92D050"/>
                 </a:solidFill>
@@ -5522,7 +5427,7 @@
               <a:t> </a:t>
             </a:r>
             <a:r>
-              <a:rPr lang="it-IT" dirty="0" smtClean="0">
+              <a:rPr lang="it-IT" dirty="0">
                 <a:latin typeface="Calibri" panose="020F0502020204030204" pitchFamily="34" charset="0"/>
                 <a:cs typeface="Calibri" panose="020F0502020204030204" pitchFamily="34" charset="0"/>
                 <a:sym typeface="Wingdings" panose="05000000000000000000" pitchFamily="2" charset="2"/>
@@ -5530,7 +5435,7 @@
               <a:t>del dominio è associato il corrispondente </a:t>
             </a:r>
             <a:r>
-              <a:rPr lang="it-IT" b="1" i="1" dirty="0" smtClean="0">
+              <a:rPr lang="it-IT" b="1" i="1" dirty="0">
                 <a:solidFill>
                   <a:srgbClr val="00B050"/>
                 </a:solidFill>
@@ -5541,7 +5446,7 @@
               <a:t></a:t>
             </a:r>
             <a:r>
-              <a:rPr lang="it-IT" b="1" i="1" dirty="0" err="1" smtClean="0">
+              <a:rPr lang="it-IT" b="1" i="1" dirty="0" err="1">
                 <a:solidFill>
                   <a:srgbClr val="00B050"/>
                 </a:solidFill>
@@ -5552,7 +5457,7 @@
               <a:t>RWC</a:t>
             </a:r>
             <a:r>
-              <a:rPr lang="it-IT" b="1" i="1" baseline="-25000" dirty="0" err="1" smtClean="0">
+              <a:rPr lang="it-IT" b="1" i="1" baseline="-25000" dirty="0" err="1">
                 <a:solidFill>
                   <a:srgbClr val="00B050"/>
                 </a:solidFill>
@@ -5563,7 +5468,7 @@
               <a:t>e</a:t>
             </a:r>
             <a:r>
-              <a:rPr lang="it-IT" dirty="0" smtClean="0">
+              <a:rPr lang="it-IT" dirty="0">
                 <a:latin typeface="Calibri" panose="020F0502020204030204" pitchFamily="34" charset="0"/>
                 <a:cs typeface="Calibri" panose="020F0502020204030204" pitchFamily="34" charset="0"/>
                 <a:sym typeface="Symbol"/>
@@ -5574,7 +5479,7 @@
           <a:p>
             <a:pPr algn="just"/>
             <a:r>
-              <a:rPr lang="it-IT" dirty="0" smtClean="0">
+              <a:rPr lang="it-IT" dirty="0">
                 <a:latin typeface="Calibri" panose="020F0502020204030204" pitchFamily="34" charset="0"/>
                 <a:cs typeface="Calibri" panose="020F0502020204030204" pitchFamily="34" charset="0"/>
                 <a:sym typeface="Symbol"/>
@@ -5582,7 +5487,7 @@
               <a:t>decremento dell’</a:t>
             </a:r>
             <a:r>
-              <a:rPr lang="it-IT" b="1" i="1" dirty="0" smtClean="0">
+              <a:rPr lang="it-IT" b="1" i="1" dirty="0">
                 <a:solidFill>
                   <a:srgbClr val="00B050"/>
                 </a:solidFill>
@@ -5593,7 +5498,7 @@
               <a:t>RWC</a:t>
             </a:r>
             <a:r>
-              <a:rPr lang="it-IT" dirty="0" smtClean="0">
+              <a:rPr lang="it-IT" dirty="0">
                 <a:solidFill>
                   <a:srgbClr val="00B050"/>
                 </a:solidFill>
@@ -5604,7 +5509,7 @@
               <a:t> </a:t>
             </a:r>
             <a:r>
-              <a:rPr lang="it-IT" dirty="0" smtClean="0">
+              <a:rPr lang="it-IT" dirty="0">
                 <a:latin typeface="Calibri" panose="020F0502020204030204" pitchFamily="34" charset="0"/>
                 <a:cs typeface="Calibri" panose="020F0502020204030204" pitchFamily="34" charset="0"/>
                 <a:sym typeface="Symbol"/>
@@ -5612,7 +5517,7 @@
               <a:t>che si otterrebbe se </a:t>
             </a:r>
             <a:r>
-              <a:rPr lang="it-IT" b="1" i="1" dirty="0" smtClean="0">
+              <a:rPr lang="it-IT" b="1" i="1" dirty="0">
                 <a:solidFill>
                   <a:srgbClr val="00B050"/>
                 </a:solidFill>
@@ -5623,7 +5528,7 @@
               <a:t>e </a:t>
             </a:r>
             <a:r>
-              <a:rPr lang="it-IT" dirty="0" smtClean="0">
+              <a:rPr lang="it-IT" dirty="0">
                 <a:latin typeface="Calibri" panose="020F0502020204030204" pitchFamily="34" charset="0"/>
                 <a:cs typeface="Calibri" panose="020F0502020204030204" pitchFamily="34" charset="0"/>
                 <a:sym typeface="Symbol"/>
@@ -5631,14 +5536,6 @@
               <a:t>fosse aggiunto al grafo.</a:t>
             </a:r>
             <a:endParaRPr lang="it-IT" dirty="0">
-              <a:latin typeface="Calibri" panose="020F0502020204030204" pitchFamily="34" charset="0"/>
-              <a:cs typeface="Calibri" panose="020F0502020204030204" pitchFamily="34" charset="0"/>
-              <a:sym typeface="Wingdings" panose="05000000000000000000" pitchFamily="2" charset="2"/>
-            </a:endParaRPr>
-          </a:p>
-          <a:p>
-            <a:pPr algn="just"/>
-            <a:endParaRPr lang="it-IT" dirty="0" smtClean="0">
               <a:latin typeface="Calibri" panose="020F0502020204030204" pitchFamily="34" charset="0"/>
               <a:cs typeface="Calibri" panose="020F0502020204030204" pitchFamily="34" charset="0"/>
               <a:sym typeface="Wingdings" panose="05000000000000000000" pitchFamily="2" charset="2"/>
@@ -5654,7 +5551,7 @@
           </a:p>
           <a:p>
             <a:pPr algn="just"/>
-            <a:endParaRPr lang="it-IT" dirty="0" smtClean="0">
+            <a:endParaRPr lang="it-IT" dirty="0">
               <a:latin typeface="Calibri" panose="020F0502020204030204" pitchFamily="34" charset="0"/>
               <a:cs typeface="Calibri" panose="020F0502020204030204" pitchFamily="34" charset="0"/>
               <a:sym typeface="Wingdings" panose="05000000000000000000" pitchFamily="2" charset="2"/>
@@ -5670,8 +5567,16 @@
           </a:p>
           <a:p>
             <a:pPr algn="just"/>
-            <a:r>
-              <a:rPr lang="it-IT" dirty="0" smtClean="0">
+            <a:endParaRPr lang="it-IT" dirty="0">
+              <a:latin typeface="Calibri" panose="020F0502020204030204" pitchFamily="34" charset="0"/>
+              <a:cs typeface="Calibri" panose="020F0502020204030204" pitchFamily="34" charset="0"/>
+              <a:sym typeface="Wingdings" panose="05000000000000000000" pitchFamily="2" charset="2"/>
+            </a:endParaRPr>
+          </a:p>
+          <a:p>
+            <a:pPr algn="just"/>
+            <a:r>
+              <a:rPr lang="it-IT" dirty="0">
                 <a:latin typeface="Calibri" panose="020F0502020204030204" pitchFamily="34" charset="0"/>
                 <a:cs typeface="Calibri" panose="020F0502020204030204" pitchFamily="34" charset="0"/>
                 <a:sym typeface="Wingdings" panose="05000000000000000000" pitchFamily="2" charset="2"/>
@@ -5679,7 +5584,7 @@
               <a:t>Sono stati implementati due algoritmi </a:t>
             </a:r>
             <a:r>
-              <a:rPr lang="it-IT" b="1" dirty="0" smtClean="0">
+              <a:rPr lang="it-IT" b="1" dirty="0">
                 <a:latin typeface="Calibri" panose="020F0502020204030204" pitchFamily="34" charset="0"/>
                 <a:cs typeface="Calibri" panose="020F0502020204030204" pitchFamily="34" charset="0"/>
                 <a:sym typeface="Wingdings" panose="05000000000000000000" pitchFamily="2" charset="2"/>
@@ -5687,7 +5592,7 @@
               <a:t>alternativi</a:t>
             </a:r>
             <a:r>
-              <a:rPr lang="it-IT" dirty="0" smtClean="0">
+              <a:rPr lang="it-IT" dirty="0">
                 <a:latin typeface="Calibri" panose="020F0502020204030204" pitchFamily="34" charset="0"/>
                 <a:cs typeface="Calibri" panose="020F0502020204030204" pitchFamily="34" charset="0"/>
                 <a:sym typeface="Wingdings" panose="05000000000000000000" pitchFamily="2" charset="2"/>
@@ -5695,7 +5600,7 @@
               <a:t> per la scelta dei </a:t>
             </a:r>
             <a:r>
-              <a:rPr lang="it-IT" b="1" i="1" dirty="0" smtClean="0">
+              <a:rPr lang="it-IT" b="1" i="1" dirty="0">
                 <a:latin typeface="Calibri" panose="020F0502020204030204" pitchFamily="34" charset="0"/>
                 <a:cs typeface="Calibri" panose="020F0502020204030204" pitchFamily="34" charset="0"/>
                 <a:sym typeface="Wingdings" panose="05000000000000000000" pitchFamily="2" charset="2"/>
@@ -5703,7 +5608,7 @@
               <a:t>k </a:t>
             </a:r>
             <a:r>
-              <a:rPr lang="it-IT" dirty="0" smtClean="0">
+              <a:rPr lang="it-IT" dirty="0">
                 <a:latin typeface="Calibri" panose="020F0502020204030204" pitchFamily="34" charset="0"/>
                 <a:cs typeface="Calibri" panose="020F0502020204030204" pitchFamily="34" charset="0"/>
                 <a:sym typeface="Wingdings" panose="05000000000000000000" pitchFamily="2" charset="2"/>
@@ -5725,7 +5630,7 @@
               <a:buChar char="•"/>
             </a:pPr>
             <a:r>
-              <a:rPr lang="it-IT" dirty="0" smtClean="0">
+              <a:rPr lang="it-IT" dirty="0">
                 <a:latin typeface="Calibri" panose="020F0502020204030204" pitchFamily="34" charset="0"/>
                 <a:cs typeface="Calibri" panose="020F0502020204030204" pitchFamily="34" charset="0"/>
                 <a:sym typeface="Wingdings" panose="05000000000000000000" pitchFamily="2" charset="2"/>
@@ -5733,7 +5638,7 @@
               <a:t>Versione</a:t>
             </a:r>
             <a:r>
-              <a:rPr lang="it-IT" b="1" dirty="0" smtClean="0">
+              <a:rPr lang="it-IT" b="1" dirty="0">
                 <a:latin typeface="Calibri" panose="020F0502020204030204" pitchFamily="34" charset="0"/>
                 <a:cs typeface="Calibri" panose="020F0502020204030204" pitchFamily="34" charset="0"/>
                 <a:sym typeface="Wingdings" panose="05000000000000000000" pitchFamily="2" charset="2"/>
@@ -5741,7 +5646,7 @@
               <a:t> </a:t>
             </a:r>
             <a:r>
-              <a:rPr lang="it-IT" b="1" dirty="0" smtClean="0">
+              <a:rPr lang="it-IT" b="1" dirty="0">
                 <a:solidFill>
                   <a:schemeClr val="accent2"/>
                 </a:solidFill>
@@ -5752,7 +5657,7 @@
               <a:t>non-</a:t>
             </a:r>
             <a:r>
-              <a:rPr lang="it-IT" b="1" dirty="0" err="1" smtClean="0">
+              <a:rPr lang="it-IT" b="1" dirty="0" err="1">
                 <a:solidFill>
                   <a:schemeClr val="accent2"/>
                 </a:solidFill>
@@ -5763,7 +5668,7 @@
               <a:t>greedy</a:t>
             </a:r>
             <a:r>
-              <a:rPr lang="it-IT" dirty="0" smtClean="0">
+              <a:rPr lang="it-IT" dirty="0">
                 <a:latin typeface="Calibri" panose="020F0502020204030204" pitchFamily="34" charset="0"/>
                 <a:cs typeface="Calibri" panose="020F0502020204030204" pitchFamily="34" charset="0"/>
                 <a:sym typeface="Wingdings" panose="05000000000000000000" pitchFamily="2" charset="2"/>
@@ -5774,7 +5679,7 @@
           <a:p>
             <a:pPr algn="just"/>
             <a:r>
-              <a:rPr lang="it-IT" dirty="0" smtClean="0">
+              <a:rPr lang="it-IT" dirty="0">
                 <a:latin typeface="Calibri" panose="020F0502020204030204" pitchFamily="34" charset="0"/>
                 <a:cs typeface="Calibri" panose="020F0502020204030204" pitchFamily="34" charset="0"/>
                 <a:sym typeface="Wingdings" panose="05000000000000000000" pitchFamily="2" charset="2"/>
@@ -5790,10 +5695,10 @@
                 <a:cs typeface="Calibri" panose="020F0502020204030204" pitchFamily="34" charset="0"/>
                 <a:sym typeface="Symbol"/>
               </a:rPr>
-              <a:t></a:t>
-            </a:r>
-            <a:r>
-              <a:rPr lang="it-IT" b="1" i="1" dirty="0" smtClean="0">
+              <a:t>RWC</a:t>
+            </a:r>
+            <a:r>
+              <a:rPr lang="it-IT" b="1" i="1" baseline="-25000" dirty="0">
                 <a:solidFill>
                   <a:srgbClr val="00B050"/>
                 </a:solidFill>
@@ -5801,80 +5706,61 @@
                 <a:cs typeface="Calibri" panose="020F0502020204030204" pitchFamily="34" charset="0"/>
                 <a:sym typeface="Symbol"/>
               </a:rPr>
-              <a:t>RWC</a:t>
-            </a:r>
-            <a:r>
-              <a:rPr lang="it-IT" b="1" i="1" baseline="-25000" dirty="0" smtClean="0">
-                <a:solidFill>
-                  <a:srgbClr val="00B050"/>
-                </a:solidFill>
+              <a:t> </a:t>
+            </a:r>
+            <a:r>
+              <a:rPr lang="it-IT" dirty="0">
                 <a:latin typeface="Calibri" panose="020F0502020204030204" pitchFamily="34" charset="0"/>
                 <a:cs typeface="Calibri" panose="020F0502020204030204" pitchFamily="34" charset="0"/>
                 <a:sym typeface="Symbol"/>
               </a:rPr>
+              <a:t>e </a:t>
+            </a:r>
+            <a:r>
+              <a:rPr lang="it-IT" dirty="0">
+                <a:latin typeface="Calibri" panose="020F0502020204030204" pitchFamily="34" charset="0"/>
+                <a:cs typeface="Calibri" panose="020F0502020204030204" pitchFamily="34" charset="0"/>
+                <a:sym typeface="Wingdings" panose="05000000000000000000" pitchFamily="2" charset="2"/>
+              </a:rPr>
+              <a:t>restituisce i </a:t>
+            </a:r>
+            <a:r>
+              <a:rPr lang="it-IT" b="1" i="1" dirty="0">
+                <a:latin typeface="Calibri" panose="020F0502020204030204" pitchFamily="34" charset="0"/>
+                <a:cs typeface="Calibri" panose="020F0502020204030204" pitchFamily="34" charset="0"/>
+                <a:sym typeface="Wingdings" panose="05000000000000000000" pitchFamily="2" charset="2"/>
+              </a:rPr>
+              <a:t>top k</a:t>
+            </a:r>
+            <a:r>
+              <a:rPr lang="it-IT" dirty="0">
+                <a:latin typeface="Calibri" panose="020F0502020204030204" pitchFamily="34" charset="0"/>
+                <a:cs typeface="Calibri" panose="020F0502020204030204" pitchFamily="34" charset="0"/>
+                <a:sym typeface="Wingdings" panose="05000000000000000000" pitchFamily="2" charset="2"/>
+              </a:rPr>
               <a:t> </a:t>
             </a:r>
-            <a:r>
-              <a:rPr lang="it-IT" dirty="0" smtClean="0">
-                <a:latin typeface="Calibri" panose="020F0502020204030204" pitchFamily="34" charset="0"/>
-                <a:cs typeface="Calibri" panose="020F0502020204030204" pitchFamily="34" charset="0"/>
-                <a:sym typeface="Symbol"/>
-              </a:rPr>
-              <a:t>e </a:t>
-            </a:r>
-            <a:r>
-              <a:rPr lang="it-IT" dirty="0" smtClean="0">
+          </a:p>
+          <a:p>
+            <a:pPr algn="just"/>
+            <a:r>
+              <a:rPr lang="it-IT" dirty="0">
                 <a:latin typeface="Calibri" panose="020F0502020204030204" pitchFamily="34" charset="0"/>
                 <a:cs typeface="Calibri" panose="020F0502020204030204" pitchFamily="34" charset="0"/>
                 <a:sym typeface="Wingdings" panose="05000000000000000000" pitchFamily="2" charset="2"/>
               </a:rPr>
-              <a:t>restituisce i </a:t>
-            </a:r>
-            <a:r>
-              <a:rPr lang="it-IT" b="1" i="1" dirty="0" smtClean="0">
+              <a:t>      (ossia i migliori </a:t>
+            </a:r>
+            <a:r>
+              <a:rPr lang="it-IT" i="1" dirty="0">
                 <a:latin typeface="Calibri" panose="020F0502020204030204" pitchFamily="34" charset="0"/>
                 <a:cs typeface="Calibri" panose="020F0502020204030204" pitchFamily="34" charset="0"/>
                 <a:sym typeface="Wingdings" panose="05000000000000000000" pitchFamily="2" charset="2"/>
               </a:rPr>
-              <a:t>top k</a:t>
-            </a:r>
-            <a:r>
-              <a:rPr lang="it-IT" dirty="0" smtClean="0">
-                <a:latin typeface="Calibri" panose="020F0502020204030204" pitchFamily="34" charset="0"/>
-                <a:cs typeface="Calibri" panose="020F0502020204030204" pitchFamily="34" charset="0"/>
-                <a:sym typeface="Wingdings" panose="05000000000000000000" pitchFamily="2" charset="2"/>
-              </a:rPr>
-              <a:t> </a:t>
-            </a:r>
-          </a:p>
-          <a:p>
-            <a:pPr algn="just"/>
+              <a:t>k </a:t>
+            </a:r>
             <a:r>
               <a:rPr lang="it-IT" dirty="0">
-                <a:latin typeface="Calibri" panose="020F0502020204030204" pitchFamily="34" charset="0"/>
-                <a:cs typeface="Calibri" panose="020F0502020204030204" pitchFamily="34" charset="0"/>
-                <a:sym typeface="Wingdings" panose="05000000000000000000" pitchFamily="2" charset="2"/>
-              </a:rPr>
-              <a:t> </a:t>
-            </a:r>
-            <a:r>
-              <a:rPr lang="it-IT" dirty="0" smtClean="0">
-                <a:latin typeface="Calibri" panose="020F0502020204030204" pitchFamily="34" charset="0"/>
-                <a:cs typeface="Calibri" panose="020F0502020204030204" pitchFamily="34" charset="0"/>
-                <a:sym typeface="Wingdings" panose="05000000000000000000" pitchFamily="2" charset="2"/>
-              </a:rPr>
-              <a:t>     (ossia i migliori </a:t>
-            </a:r>
-            <a:r>
-              <a:rPr lang="it-IT" i="1" dirty="0" smtClean="0">
-                <a:latin typeface="Calibri" panose="020F0502020204030204" pitchFamily="34" charset="0"/>
-                <a:cs typeface="Calibri" panose="020F0502020204030204" pitchFamily="34" charset="0"/>
-                <a:sym typeface="Wingdings" panose="05000000000000000000" pitchFamily="2" charset="2"/>
-              </a:rPr>
-              <a:t>k </a:t>
-            </a:r>
-            <a:r>
-              <a:rPr lang="it-IT" dirty="0" smtClean="0">
                 <a:latin typeface="Calibri" panose="020F0502020204030204" pitchFamily="34" charset="0"/>
                 <a:cs typeface="Calibri" panose="020F0502020204030204" pitchFamily="34" charset="0"/>
                 <a:sym typeface="Wingdings" panose="05000000000000000000" pitchFamily="2" charset="2"/>
@@ -5890,10 +5776,10 @@
                 <a:cs typeface="Calibri" panose="020F0502020204030204" pitchFamily="34" charset="0"/>
                 <a:sym typeface="Symbol"/>
               </a:rPr>
-              <a:t></a:t>
-            </a:r>
-            <a:r>
-              <a:rPr lang="it-IT" b="1" i="1" dirty="0" smtClean="0">
+              <a:t>RWC</a:t>
+            </a:r>
+            <a:r>
+              <a:rPr lang="it-IT" b="1" i="1" baseline="-25000" dirty="0">
                 <a:solidFill>
                   <a:srgbClr val="00B050"/>
                 </a:solidFill>
@@ -5901,21 +5787,10 @@
                 <a:cs typeface="Calibri" panose="020F0502020204030204" pitchFamily="34" charset="0"/>
                 <a:sym typeface="Symbol"/>
               </a:rPr>
-              <a:t>RWC</a:t>
-            </a:r>
-            <a:r>
-              <a:rPr lang="it-IT" b="1" i="1" baseline="-25000" dirty="0" smtClean="0">
-                <a:solidFill>
-                  <a:srgbClr val="00B050"/>
-                </a:solidFill>
-                <a:latin typeface="Calibri" panose="020F0502020204030204" pitchFamily="34" charset="0"/>
-                <a:cs typeface="Calibri" panose="020F0502020204030204" pitchFamily="34" charset="0"/>
-                <a:sym typeface="Symbol"/>
-              </a:rPr>
               <a:t> </a:t>
             </a:r>
             <a:r>
-              <a:rPr lang="it-IT" dirty="0" smtClean="0">
+              <a:rPr lang="it-IT" dirty="0">
                 <a:latin typeface="Calibri" panose="020F0502020204030204" pitchFamily="34" charset="0"/>
                 <a:cs typeface="Calibri" panose="020F0502020204030204" pitchFamily="34" charset="0"/>
                 <a:sym typeface="Wingdings" panose="05000000000000000000" pitchFamily="2" charset="2"/>
@@ -5940,7 +5815,7 @@
               <a:buChar char="•"/>
             </a:pPr>
             <a:r>
-              <a:rPr lang="it-IT" dirty="0" smtClean="0">
+              <a:rPr lang="it-IT" dirty="0">
                 <a:latin typeface="Calibri" panose="020F0502020204030204" pitchFamily="34" charset="0"/>
                 <a:cs typeface="Calibri" panose="020F0502020204030204" pitchFamily="34" charset="0"/>
                 <a:sym typeface="Wingdings" panose="05000000000000000000" pitchFamily="2" charset="2"/>
@@ -5948,7 +5823,7 @@
               <a:t>Versione</a:t>
             </a:r>
             <a:r>
-              <a:rPr lang="it-IT" b="1" dirty="0" smtClean="0">
+              <a:rPr lang="it-IT" b="1" dirty="0">
                 <a:latin typeface="Calibri" panose="020F0502020204030204" pitchFamily="34" charset="0"/>
                 <a:cs typeface="Calibri" panose="020F0502020204030204" pitchFamily="34" charset="0"/>
                 <a:sym typeface="Wingdings" panose="05000000000000000000" pitchFamily="2" charset="2"/>
@@ -5956,7 +5831,7 @@
               <a:t> </a:t>
             </a:r>
             <a:r>
-              <a:rPr lang="it-IT" b="1" dirty="0" err="1" smtClean="0">
+              <a:rPr lang="it-IT" b="1" dirty="0" err="1">
                 <a:solidFill>
                   <a:schemeClr val="accent2"/>
                 </a:solidFill>
@@ -5967,7 +5842,7 @@
               <a:t>greedy</a:t>
             </a:r>
             <a:r>
-              <a:rPr lang="it-IT" dirty="0" smtClean="0">
+              <a:rPr lang="it-IT" dirty="0">
                 <a:latin typeface="Calibri" panose="020F0502020204030204" pitchFamily="34" charset="0"/>
                 <a:cs typeface="Calibri" panose="020F0502020204030204" pitchFamily="34" charset="0"/>
                 <a:sym typeface="Wingdings" panose="05000000000000000000" pitchFamily="2" charset="2"/>
@@ -5983,103 +5858,50 @@
                 <a:cs typeface="Calibri" panose="020F0502020204030204" pitchFamily="34" charset="0"/>
                 <a:sym typeface="Wingdings" panose="05000000000000000000" pitchFamily="2" charset="2"/>
               </a:rPr>
-              <a:t> </a:t>
-            </a:r>
-            <a:r>
-              <a:rPr lang="it-IT" dirty="0" smtClean="0">
+              <a:t>      </a:t>
+            </a:r>
+            <a:r>
+              <a:rPr lang="it-IT" u="sng" dirty="0">
                 <a:latin typeface="Calibri" panose="020F0502020204030204" pitchFamily="34" charset="0"/>
                 <a:cs typeface="Calibri" panose="020F0502020204030204" pitchFamily="34" charset="0"/>
                 <a:sym typeface="Wingdings" panose="05000000000000000000" pitchFamily="2" charset="2"/>
               </a:rPr>
-              <a:t>     </a:t>
-            </a:r>
-            <a:r>
-              <a:rPr lang="it-IT" u="sng" dirty="0" smtClean="0">
+              <a:t>impiega </a:t>
+            </a:r>
+            <a:r>
+              <a:rPr lang="it-IT" i="1" u="sng" dirty="0">
                 <a:latin typeface="Calibri" panose="020F0502020204030204" pitchFamily="34" charset="0"/>
                 <a:cs typeface="Calibri" panose="020F0502020204030204" pitchFamily="34" charset="0"/>
                 <a:sym typeface="Wingdings" panose="05000000000000000000" pitchFamily="2" charset="2"/>
               </a:rPr>
-              <a:t>impiega </a:t>
-            </a:r>
-            <a:r>
-              <a:rPr lang="it-IT" i="1" u="sng" dirty="0" smtClean="0">
+              <a:t>k </a:t>
+            </a:r>
+            <a:r>
+              <a:rPr lang="it-IT" u="sng" dirty="0">
                 <a:latin typeface="Calibri" panose="020F0502020204030204" pitchFamily="34" charset="0"/>
                 <a:cs typeface="Calibri" panose="020F0502020204030204" pitchFamily="34" charset="0"/>
                 <a:sym typeface="Wingdings" panose="05000000000000000000" pitchFamily="2" charset="2"/>
               </a:rPr>
-              <a:t>k </a:t>
-            </a:r>
-            <a:r>
-              <a:rPr lang="it-IT" u="sng" dirty="0" smtClean="0">
+              <a:t>passi</a:t>
+            </a:r>
+            <a:r>
+              <a:rPr lang="it-IT" dirty="0">
                 <a:latin typeface="Calibri" panose="020F0502020204030204" pitchFamily="34" charset="0"/>
                 <a:cs typeface="Calibri" panose="020F0502020204030204" pitchFamily="34" charset="0"/>
                 <a:sym typeface="Wingdings" panose="05000000000000000000" pitchFamily="2" charset="2"/>
               </a:rPr>
-              <a:t>passi</a:t>
-            </a:r>
-            <a:r>
-              <a:rPr lang="it-IT" dirty="0" smtClean="0">
+              <a:t>, in ognuno dei quali ordina i restanti archi del dominio </a:t>
+            </a:r>
+          </a:p>
+          <a:p>
+            <a:pPr algn="just"/>
+            <a:r>
+              <a:rPr lang="it-IT" dirty="0">
                 <a:latin typeface="Calibri" panose="020F0502020204030204" pitchFamily="34" charset="0"/>
                 <a:cs typeface="Calibri" panose="020F0502020204030204" pitchFamily="34" charset="0"/>
                 <a:sym typeface="Wingdings" panose="05000000000000000000" pitchFamily="2" charset="2"/>
               </a:rPr>
-              <a:t>, in ognuno dei quali ordina i restanti archi </a:t>
-            </a:r>
-            <a:r>
-              <a:rPr lang="it-IT" dirty="0">
-                <a:latin typeface="Calibri" panose="020F0502020204030204" pitchFamily="34" charset="0"/>
-                <a:cs typeface="Calibri" panose="020F0502020204030204" pitchFamily="34" charset="0"/>
-                <a:sym typeface="Wingdings" panose="05000000000000000000" pitchFamily="2" charset="2"/>
-              </a:rPr>
-              <a:t>del dominio </a:t>
-            </a:r>
-            <a:endParaRPr lang="it-IT" dirty="0" smtClean="0">
-              <a:latin typeface="Calibri" panose="020F0502020204030204" pitchFamily="34" charset="0"/>
-              <a:cs typeface="Calibri" panose="020F0502020204030204" pitchFamily="34" charset="0"/>
-              <a:sym typeface="Wingdings" panose="05000000000000000000" pitchFamily="2" charset="2"/>
-            </a:endParaRPr>
-          </a:p>
-          <a:p>
-            <a:pPr algn="just"/>
-            <a:r>
-              <a:rPr lang="it-IT" dirty="0">
-                <a:latin typeface="Calibri" panose="020F0502020204030204" pitchFamily="34" charset="0"/>
-                <a:cs typeface="Calibri" panose="020F0502020204030204" pitchFamily="34" charset="0"/>
-                <a:sym typeface="Wingdings" panose="05000000000000000000" pitchFamily="2" charset="2"/>
-              </a:rPr>
-              <a:t> </a:t>
-            </a:r>
-            <a:r>
-              <a:rPr lang="it-IT" dirty="0" smtClean="0">
-                <a:latin typeface="Calibri" panose="020F0502020204030204" pitchFamily="34" charset="0"/>
-                <a:cs typeface="Calibri" panose="020F0502020204030204" pitchFamily="34" charset="0"/>
-                <a:sym typeface="Wingdings" panose="05000000000000000000" pitchFamily="2" charset="2"/>
-              </a:rPr>
-              <a:t>     in </a:t>
-            </a:r>
-            <a:r>
-              <a:rPr lang="it-IT" dirty="0">
-                <a:latin typeface="Calibri" panose="020F0502020204030204" pitchFamily="34" charset="0"/>
-                <a:cs typeface="Calibri" panose="020F0502020204030204" pitchFamily="34" charset="0"/>
-                <a:sym typeface="Wingdings" panose="05000000000000000000" pitchFamily="2" charset="2"/>
-              </a:rPr>
-              <a:t>base </a:t>
-            </a:r>
-            <a:r>
-              <a:rPr lang="it-IT" dirty="0" smtClean="0">
-                <a:latin typeface="Calibri" panose="020F0502020204030204" pitchFamily="34" charset="0"/>
-                <a:cs typeface="Calibri" panose="020F0502020204030204" pitchFamily="34" charset="0"/>
-                <a:sym typeface="Wingdings" panose="05000000000000000000" pitchFamily="2" charset="2"/>
-              </a:rPr>
-              <a:t>al </a:t>
-            </a:r>
-            <a:r>
-              <a:rPr lang="it-IT" dirty="0">
-                <a:latin typeface="Calibri" panose="020F0502020204030204" pitchFamily="34" charset="0"/>
-                <a:cs typeface="Calibri" panose="020F0502020204030204" pitchFamily="34" charset="0"/>
-                <a:sym typeface="Wingdings" panose="05000000000000000000" pitchFamily="2" charset="2"/>
-              </a:rPr>
-              <a:t>loro </a:t>
+              <a:t>      in base al loro </a:t>
             </a:r>
             <a:r>
               <a:rPr lang="it-IT" b="1" i="1" dirty="0">
@@ -6090,10 +5912,10 @@
                 <a:cs typeface="Calibri" panose="020F0502020204030204" pitchFamily="34" charset="0"/>
                 <a:sym typeface="Symbol"/>
               </a:rPr>
-              <a:t></a:t>
-            </a:r>
-            <a:r>
-              <a:rPr lang="it-IT" b="1" i="1" dirty="0" smtClean="0">
+              <a:t>RWC</a:t>
+            </a:r>
+            <a:r>
+              <a:rPr lang="it-IT" b="1" i="1" baseline="-25000" dirty="0">
                 <a:solidFill>
                   <a:srgbClr val="00B050"/>
                 </a:solidFill>
@@ -6101,10 +5923,10 @@
                 <a:cs typeface="Calibri" panose="020F0502020204030204" pitchFamily="34" charset="0"/>
                 <a:sym typeface="Symbol"/>
               </a:rPr>
-              <a:t>RWC</a:t>
-            </a:r>
-            <a:r>
-              <a:rPr lang="it-IT" b="1" i="1" baseline="-25000" dirty="0" smtClean="0">
+              <a:t> </a:t>
+            </a:r>
+            <a:r>
+              <a:rPr lang="it-IT" b="1" i="1" dirty="0">
                 <a:solidFill>
                   <a:srgbClr val="00B050"/>
                 </a:solidFill>
@@ -6115,26 +5937,15 @@
               <a:t> </a:t>
             </a:r>
             <a:r>
-              <a:rPr lang="it-IT" b="1" i="1" dirty="0" smtClean="0">
-                <a:solidFill>
-                  <a:srgbClr val="00B050"/>
-                </a:solidFill>
+              <a:rPr lang="it-IT" dirty="0">
                 <a:latin typeface="Calibri" panose="020F0502020204030204" pitchFamily="34" charset="0"/>
                 <a:cs typeface="Calibri" panose="020F0502020204030204" pitchFamily="34" charset="0"/>
                 <a:sym typeface="Symbol"/>
               </a:rPr>
-              <a:t> </a:t>
-            </a:r>
-            <a:r>
-              <a:rPr lang="it-IT" dirty="0" smtClean="0">
-                <a:latin typeface="Calibri" panose="020F0502020204030204" pitchFamily="34" charset="0"/>
-                <a:cs typeface="Calibri" panose="020F0502020204030204" pitchFamily="34" charset="0"/>
-                <a:sym typeface="Symbol"/>
-              </a:rPr>
               <a:t>e </a:t>
             </a:r>
             <a:r>
-              <a:rPr lang="it-IT" dirty="0" smtClean="0">
+              <a:rPr lang="it-IT" dirty="0">
                 <a:latin typeface="Calibri" panose="020F0502020204030204" pitchFamily="34" charset="0"/>
                 <a:cs typeface="Calibri" panose="020F0502020204030204" pitchFamily="34" charset="0"/>
                 <a:sym typeface="Wingdings" panose="05000000000000000000" pitchFamily="2" charset="2"/>
@@ -6150,34 +5961,18 @@
                 <a:cs typeface="Calibri" panose="020F0502020204030204" pitchFamily="34" charset="0"/>
                 <a:sym typeface="Wingdings" panose="05000000000000000000" pitchFamily="2" charset="2"/>
               </a:rPr>
-              <a:t> </a:t>
-            </a:r>
-            <a:r>
-              <a:rPr lang="it-IT" dirty="0" smtClean="0">
+              <a:t>      L’arco scelto ad ogni passo viene aggiunto al grafo per consentire una </a:t>
+            </a:r>
+          </a:p>
+          <a:p>
+            <a:pPr algn="just"/>
+            <a:r>
+              <a:rPr lang="it-IT" dirty="0">
                 <a:latin typeface="Calibri" panose="020F0502020204030204" pitchFamily="34" charset="0"/>
                 <a:cs typeface="Calibri" panose="020F0502020204030204" pitchFamily="34" charset="0"/>
                 <a:sym typeface="Wingdings" panose="05000000000000000000" pitchFamily="2" charset="2"/>
               </a:rPr>
-              <a:t>     L’arco scelto ad ogni passo viene aggiunto al grafo per consentire una </a:t>
-            </a:r>
-          </a:p>
-          <a:p>
-            <a:pPr algn="just"/>
-            <a:r>
-              <a:rPr lang="it-IT" dirty="0">
-                <a:latin typeface="Calibri" panose="020F0502020204030204" pitchFamily="34" charset="0"/>
-                <a:cs typeface="Calibri" panose="020F0502020204030204" pitchFamily="34" charset="0"/>
-                <a:sym typeface="Wingdings" panose="05000000000000000000" pitchFamily="2" charset="2"/>
-              </a:rPr>
-              <a:t> </a:t>
-            </a:r>
-            <a:r>
-              <a:rPr lang="it-IT" dirty="0" smtClean="0">
-                <a:latin typeface="Calibri" panose="020F0502020204030204" pitchFamily="34" charset="0"/>
-                <a:cs typeface="Calibri" panose="020F0502020204030204" pitchFamily="34" charset="0"/>
-                <a:sym typeface="Wingdings" panose="05000000000000000000" pitchFamily="2" charset="2"/>
-              </a:rPr>
-              <a:t>     scelta più precisa dei restanti.</a:t>
+              <a:t>      scelta più precisa dei restanti.</a:t>
             </a:r>
           </a:p>
         </p:txBody>
@@ -6371,16 +6166,12 @@
           <a:p>
             <a:pPr algn="ctr"/>
             <a:r>
-              <a:rPr lang="it-IT" sz="1200" dirty="0" smtClean="0">
+              <a:rPr lang="it-IT" sz="1200" dirty="0">
                 <a:latin typeface="Calibri" pitchFamily="34" charset="0"/>
                 <a:cs typeface="Calibri" pitchFamily="34" charset="0"/>
               </a:rPr>
               <a:t>y</a:t>
             </a:r>
-            <a:endParaRPr lang="it-IT" sz="1200" dirty="0">
-              <a:latin typeface="Calibri" pitchFamily="34" charset="0"/>
-              <a:cs typeface="Calibri" pitchFamily="34" charset="0"/>
-            </a:endParaRPr>
           </a:p>
         </p:txBody>
       </p:sp>
@@ -6394,13 +6185,6 @@
   <p:clrMapOvr>
     <a:masterClrMapping/>
   </p:clrMapOvr>
-  <p:timing>
-    <p:tnLst>
-      <p:par>
-        <p:cTn id="1" dur="indefinite" restart="never" nodeType="tmRoot"/>
-      </p:par>
-    </p:tnLst>
-  </p:timing>
 </p:sld>
 </file>
 
@@ -6426,7 +6210,7 @@
           <p:cNvPr id="5" name="Title 3">
             <a:extLst>
               <a:ext uri="{FF2B5EF4-FFF2-40B4-BE49-F238E27FC236}">
-                <a16:creationId xmlns:a16="http://schemas.microsoft.com/office/drawing/2014/main" xmlns="" id="{189ECF77-714F-4D2C-9D4B-CC43534EF427}"/>
+                <a16:creationId xmlns:a16="http://schemas.microsoft.com/office/drawing/2014/main" id="{189ECF77-714F-4D2C-9D4B-CC43534EF427}"/>
               </a:ext>
             </a:extLst>
           </p:cNvPr>
@@ -6519,7 +6303,7 @@
           <a:p>
             <a:pPr algn="just"/>
             <a:r>
-              <a:rPr lang="it-IT" dirty="0" smtClean="0">
+              <a:rPr lang="it-IT" dirty="0">
                 <a:latin typeface="Calibri" panose="020F0502020204030204" pitchFamily="34" charset="0"/>
                 <a:cs typeface="Calibri" panose="020F0502020204030204" pitchFamily="34" charset="0"/>
                 <a:sym typeface="Wingdings" panose="05000000000000000000" pitchFamily="2" charset="2"/>
@@ -6527,7 +6311,7 @@
               <a:t>I due algoritmi, a parità di </a:t>
             </a:r>
             <a:r>
-              <a:rPr lang="it-IT" b="1" i="1" dirty="0" smtClean="0">
+              <a:rPr lang="it-IT" b="1" i="1" dirty="0">
                 <a:latin typeface="Calibri" panose="020F0502020204030204" pitchFamily="34" charset="0"/>
                 <a:cs typeface="Calibri" panose="020F0502020204030204" pitchFamily="34" charset="0"/>
                 <a:sym typeface="Wingdings" panose="05000000000000000000" pitchFamily="2" charset="2"/>
@@ -6535,21 +6319,13 @@
               <a:t>k</a:t>
             </a:r>
             <a:r>
-              <a:rPr lang="it-IT" dirty="0" smtClean="0">
+              <a:rPr lang="it-IT" dirty="0">
                 <a:latin typeface="Calibri" panose="020F0502020204030204" pitchFamily="34" charset="0"/>
                 <a:cs typeface="Calibri" panose="020F0502020204030204" pitchFamily="34" charset="0"/>
                 <a:sym typeface="Wingdings" panose="05000000000000000000" pitchFamily="2" charset="2"/>
               </a:rPr>
               <a:t>, differiscono tra loro per:</a:t>
             </a:r>
-          </a:p>
-          <a:p>
-            <a:pPr algn="just"/>
-            <a:endParaRPr lang="it-IT" dirty="0" smtClean="0">
-              <a:latin typeface="Calibri" panose="020F0502020204030204" pitchFamily="34" charset="0"/>
-              <a:cs typeface="Calibri" panose="020F0502020204030204" pitchFamily="34" charset="0"/>
-              <a:sym typeface="Wingdings" panose="05000000000000000000" pitchFamily="2" charset="2"/>
-            </a:endParaRPr>
           </a:p>
           <a:p>
             <a:pPr algn="just"/>
@@ -6560,12 +6336,20 @@
             </a:endParaRPr>
           </a:p>
           <a:p>
+            <a:pPr algn="just"/>
+            <a:endParaRPr lang="it-IT" dirty="0">
+              <a:latin typeface="Calibri" panose="020F0502020204030204" pitchFamily="34" charset="0"/>
+              <a:cs typeface="Calibri" panose="020F0502020204030204" pitchFamily="34" charset="0"/>
+              <a:sym typeface="Wingdings" panose="05000000000000000000" pitchFamily="2" charset="2"/>
+            </a:endParaRPr>
+          </a:p>
+          <a:p>
             <a:pPr marL="342900" indent="-342900" algn="just">
               <a:buFont typeface="+mj-lt"/>
               <a:buAutoNum type="arabicPeriod"/>
             </a:pPr>
             <a:r>
-              <a:rPr lang="it-IT" b="1" dirty="0" smtClean="0">
+              <a:rPr lang="it-IT" b="1" dirty="0">
                 <a:latin typeface="Calibri" panose="020F0502020204030204" pitchFamily="34" charset="0"/>
                 <a:cs typeface="Calibri" panose="020F0502020204030204" pitchFamily="34" charset="0"/>
                 <a:sym typeface="Wingdings" panose="05000000000000000000" pitchFamily="2" charset="2"/>
@@ -6573,7 +6357,7 @@
               <a:t>Tempi di esecuzione</a:t>
             </a:r>
             <a:r>
-              <a:rPr lang="it-IT" dirty="0" smtClean="0">
+              <a:rPr lang="it-IT" dirty="0">
                 <a:latin typeface="Calibri" panose="020F0502020204030204" pitchFamily="34" charset="0"/>
                 <a:cs typeface="Calibri" panose="020F0502020204030204" pitchFamily="34" charset="0"/>
                 <a:sym typeface="Wingdings" panose="05000000000000000000" pitchFamily="2" charset="2"/>
@@ -6597,7 +6381,7 @@
               <a:buFont typeface="+mj-lt"/>
               <a:buAutoNum type="arabicPeriod"/>
             </a:pPr>
-            <a:endParaRPr lang="it-IT" i="1" dirty="0" smtClean="0">
+            <a:endParaRPr lang="it-IT" i="1" dirty="0">
               <a:latin typeface="Calibri" panose="020F0502020204030204" pitchFamily="34" charset="0"/>
               <a:cs typeface="Calibri" panose="020F0502020204030204" pitchFamily="34" charset="0"/>
               <a:sym typeface="Wingdings" panose="05000000000000000000" pitchFamily="2" charset="2"/>
@@ -6609,7 +6393,7 @@
               <a:buAutoNum type="arabicPeriod"/>
             </a:pPr>
             <a:r>
-              <a:rPr lang="it-IT" b="1" i="1" dirty="0" smtClean="0">
+              <a:rPr lang="it-IT" b="1" i="1" dirty="0">
                 <a:solidFill>
                   <a:schemeClr val="accent2"/>
                 </a:solidFill>
@@ -6620,7 +6404,7 @@
               <a:t>Efficacia</a:t>
             </a:r>
             <a:r>
-              <a:rPr lang="it-IT" dirty="0" smtClean="0">
+              <a:rPr lang="it-IT" dirty="0">
                 <a:latin typeface="Calibri" panose="020F0502020204030204" pitchFamily="34" charset="0"/>
                 <a:cs typeface="Calibri" panose="020F0502020204030204" pitchFamily="34" charset="0"/>
                 <a:sym typeface="Wingdings" panose="05000000000000000000" pitchFamily="2" charset="2"/>
@@ -6644,7 +6428,7 @@
               <a:buFont typeface="Arial" pitchFamily="34" charset="0"/>
               <a:buChar char="•"/>
             </a:pPr>
-            <a:endParaRPr lang="it-IT" dirty="0" smtClean="0">
+            <a:endParaRPr lang="it-IT" dirty="0">
               <a:latin typeface="Calibri" panose="020F0502020204030204" pitchFamily="34" charset="0"/>
               <a:cs typeface="Calibri" panose="020F0502020204030204" pitchFamily="34" charset="0"/>
               <a:sym typeface="Wingdings" panose="05000000000000000000" pitchFamily="2" charset="2"/>
@@ -6653,7 +6437,7 @@
           <a:p>
             <a:pPr algn="just"/>
             <a:r>
-              <a:rPr lang="it-IT" dirty="0" smtClean="0">
+              <a:rPr lang="it-IT" dirty="0">
                 <a:latin typeface="Calibri" panose="020F0502020204030204" pitchFamily="34" charset="0"/>
                 <a:cs typeface="Calibri" panose="020F0502020204030204" pitchFamily="34" charset="0"/>
                 <a:sym typeface="Wingdings" panose="05000000000000000000" pitchFamily="2" charset="2"/>
@@ -6661,7 +6445,7 @@
               <a:t>Per </a:t>
             </a:r>
             <a:r>
-              <a:rPr lang="it-IT" b="1" i="1" dirty="0" smtClean="0">
+              <a:rPr lang="it-IT" b="1" i="1" dirty="0">
                 <a:solidFill>
                   <a:schemeClr val="accent2"/>
                 </a:solidFill>
@@ -6672,7 +6456,7 @@
               <a:t>efficacia</a:t>
             </a:r>
             <a:r>
-              <a:rPr lang="it-IT" i="1" dirty="0" smtClean="0">
+              <a:rPr lang="it-IT" i="1" dirty="0">
                 <a:solidFill>
                   <a:schemeClr val="accent2"/>
                 </a:solidFill>
@@ -6683,7 +6467,7 @@
               <a:t> </a:t>
             </a:r>
             <a:r>
-              <a:rPr lang="it-IT" dirty="0" smtClean="0">
+              <a:rPr lang="it-IT" dirty="0">
                 <a:latin typeface="Calibri" panose="020F0502020204030204" pitchFamily="34" charset="0"/>
                 <a:cs typeface="Calibri" panose="020F0502020204030204" pitchFamily="34" charset="0"/>
                 <a:sym typeface="Wingdings" panose="05000000000000000000" pitchFamily="2" charset="2"/>
@@ -6702,7 +6486,7 @@
           <a:p>
             <a:pPr algn="just"/>
             <a:r>
-              <a:rPr lang="it-IT" u="sng" dirty="0" smtClean="0">
+              <a:rPr lang="it-IT" u="sng" dirty="0">
                 <a:latin typeface="Calibri" panose="020F0502020204030204" pitchFamily="34" charset="0"/>
                 <a:cs typeface="Calibri" panose="020F0502020204030204" pitchFamily="34" charset="0"/>
                 <a:sym typeface="Wingdings" panose="05000000000000000000" pitchFamily="2" charset="2"/>
@@ -6710,7 +6494,7 @@
               <a:t>decremento dell’</a:t>
             </a:r>
             <a:r>
-              <a:rPr lang="it-IT" b="1" i="1" u="sng" dirty="0" smtClean="0">
+              <a:rPr lang="it-IT" b="1" i="1" u="sng" dirty="0">
                 <a:solidFill>
                   <a:srgbClr val="00B050"/>
                 </a:solidFill>
@@ -6721,7 +6505,7 @@
               <a:t>RWC</a:t>
             </a:r>
             <a:r>
-              <a:rPr lang="it-IT" b="1" i="1" u="sng" dirty="0" smtClean="0">
+              <a:rPr lang="it-IT" b="1" i="1" u="sng" dirty="0">
                 <a:latin typeface="Calibri" panose="020F0502020204030204" pitchFamily="34" charset="0"/>
                 <a:cs typeface="Calibri" panose="020F0502020204030204" pitchFamily="34" charset="0"/>
                 <a:sym typeface="Wingdings" panose="05000000000000000000" pitchFamily="2" charset="2"/>
@@ -6729,7 +6513,7 @@
               <a:t> </a:t>
             </a:r>
             <a:r>
-              <a:rPr lang="it-IT" u="sng" dirty="0" smtClean="0">
+              <a:rPr lang="it-IT" u="sng" dirty="0">
                 <a:latin typeface="Calibri" panose="020F0502020204030204" pitchFamily="34" charset="0"/>
                 <a:cs typeface="Calibri" panose="020F0502020204030204" pitchFamily="34" charset="0"/>
                 <a:sym typeface="Wingdings" panose="05000000000000000000" pitchFamily="2" charset="2"/>
@@ -6737,7 +6521,7 @@
               <a:t>che, </a:t>
             </a:r>
             <a:r>
-              <a:rPr lang="it-IT" b="1" u="sng" dirty="0" smtClean="0">
+              <a:rPr lang="it-IT" b="1" u="sng" dirty="0">
                 <a:latin typeface="Calibri" panose="020F0502020204030204" pitchFamily="34" charset="0"/>
                 <a:cs typeface="Calibri" panose="020F0502020204030204" pitchFamily="34" charset="0"/>
                 <a:sym typeface="Wingdings" panose="05000000000000000000" pitchFamily="2" charset="2"/>
@@ -6745,7 +6529,7 @@
               <a:t>effettivamente</a:t>
             </a:r>
             <a:r>
-              <a:rPr lang="it-IT" u="sng" dirty="0" smtClean="0">
+              <a:rPr lang="it-IT" u="sng" dirty="0">
                 <a:latin typeface="Calibri" panose="020F0502020204030204" pitchFamily="34" charset="0"/>
                 <a:cs typeface="Calibri" panose="020F0502020204030204" pitchFamily="34" charset="0"/>
                 <a:sym typeface="Wingdings" panose="05000000000000000000" pitchFamily="2" charset="2"/>
@@ -6753,7 +6537,7 @@
               <a:t>, i </a:t>
             </a:r>
             <a:r>
-              <a:rPr lang="it-IT" b="1" i="1" u="sng" dirty="0" smtClean="0">
+              <a:rPr lang="it-IT" b="1" i="1" u="sng" dirty="0">
                 <a:latin typeface="Calibri" panose="020F0502020204030204" pitchFamily="34" charset="0"/>
                 <a:cs typeface="Calibri" panose="020F0502020204030204" pitchFamily="34" charset="0"/>
                 <a:sym typeface="Wingdings" panose="05000000000000000000" pitchFamily="2" charset="2"/>
@@ -6761,7 +6545,7 @@
               <a:t>k</a:t>
             </a:r>
             <a:r>
-              <a:rPr lang="it-IT" i="1" u="sng" dirty="0" smtClean="0">
+              <a:rPr lang="it-IT" i="1" u="sng" dirty="0">
                 <a:latin typeface="Calibri" panose="020F0502020204030204" pitchFamily="34" charset="0"/>
                 <a:cs typeface="Calibri" panose="020F0502020204030204" pitchFamily="34" charset="0"/>
                 <a:sym typeface="Wingdings" panose="05000000000000000000" pitchFamily="2" charset="2"/>
@@ -6769,7 +6553,7 @@
               <a:t> </a:t>
             </a:r>
             <a:r>
-              <a:rPr lang="it-IT" u="sng" dirty="0" smtClean="0">
+              <a:rPr lang="it-IT" u="sng" dirty="0">
                 <a:latin typeface="Calibri" panose="020F0502020204030204" pitchFamily="34" charset="0"/>
                 <a:cs typeface="Calibri" panose="020F0502020204030204" pitchFamily="34" charset="0"/>
                 <a:sym typeface="Wingdings" panose="05000000000000000000" pitchFamily="2" charset="2"/>
@@ -6780,22 +6564,17 @@
           <a:p>
             <a:pPr algn="just"/>
             <a:r>
-              <a:rPr lang="it-IT" u="sng" dirty="0" smtClean="0">
+              <a:rPr lang="it-IT" u="sng" dirty="0">
                 <a:latin typeface="Calibri" panose="020F0502020204030204" pitchFamily="34" charset="0"/>
                 <a:cs typeface="Calibri" panose="020F0502020204030204" pitchFamily="34" charset="0"/>
                 <a:sym typeface="Wingdings" panose="05000000000000000000" pitchFamily="2" charset="2"/>
               </a:rPr>
               <a:t>qualora si materializzassero nel grafo.</a:t>
             </a:r>
-            <a:endParaRPr lang="it-IT" u="sng" dirty="0">
-              <a:latin typeface="Calibri" panose="020F0502020204030204" pitchFamily="34" charset="0"/>
-              <a:cs typeface="Calibri" panose="020F0502020204030204" pitchFamily="34" charset="0"/>
-              <a:sym typeface="Wingdings" panose="05000000000000000000" pitchFamily="2" charset="2"/>
-            </a:endParaRPr>
           </a:p>
           <a:p>
             <a:pPr algn="just"/>
-            <a:endParaRPr lang="it-IT" dirty="0" smtClean="0">
+            <a:endParaRPr lang="it-IT" dirty="0">
               <a:latin typeface="Calibri" panose="020F0502020204030204" pitchFamily="34" charset="0"/>
               <a:cs typeface="Calibri" panose="020F0502020204030204" pitchFamily="34" charset="0"/>
               <a:sym typeface="Wingdings" panose="05000000000000000000" pitchFamily="2" charset="2"/>
@@ -6813,13 +6592,6 @@
   <p:clrMapOvr>
     <a:masterClrMapping/>
   </p:clrMapOvr>
-  <p:timing>
-    <p:tnLst>
-      <p:par>
-        <p:cTn id="1" dur="indefinite" restart="never" nodeType="tmRoot"/>
-      </p:par>
-    </p:tnLst>
-  </p:timing>
 </p:sld>
 </file>
 
@@ -6845,7 +6617,7 @@
           <p:cNvPr id="5" name="Title 3">
             <a:extLst>
               <a:ext uri="{FF2B5EF4-FFF2-40B4-BE49-F238E27FC236}">
-                <a16:creationId xmlns:a16="http://schemas.microsoft.com/office/drawing/2014/main" xmlns="" id="{189ECF77-714F-4D2C-9D4B-CC43534EF427}"/>
+                <a16:creationId xmlns:a16="http://schemas.microsoft.com/office/drawing/2014/main" id="{189ECF77-714F-4D2C-9D4B-CC43534EF427}"/>
               </a:ext>
             </a:extLst>
           </p:cNvPr>
@@ -6876,7 +6648,7 @@
           <a:p>
             <a:pPr algn="ctr"/>
             <a:r>
-              <a:rPr lang="en-US" altLang="ko-KR" dirty="0" err="1" smtClean="0">
+              <a:rPr lang="en-US" altLang="ko-KR" dirty="0" err="1">
                 <a:solidFill>
                   <a:schemeClr val="accent5">
                     <a:lumMod val="75000"/>
@@ -7028,13 +6800,6 @@
   <p:clrMapOvr>
     <a:masterClrMapping/>
   </p:clrMapOvr>
-  <p:timing>
-    <p:tnLst>
-      <p:par>
-        <p:cTn id="1" dur="indefinite" restart="never" nodeType="tmRoot"/>
-      </p:par>
-    </p:tnLst>
-  </p:timing>
 </p:sld>
 </file>
 
@@ -7060,7 +6825,7 @@
           <p:cNvPr id="4" name="Title 3">
             <a:extLst>
               <a:ext uri="{FF2B5EF4-FFF2-40B4-BE49-F238E27FC236}">
-                <a16:creationId xmlns:a16="http://schemas.microsoft.com/office/drawing/2014/main" xmlns="" id="{189ECF77-714F-4D2C-9D4B-CC43534EF427}"/>
+                <a16:creationId xmlns:a16="http://schemas.microsoft.com/office/drawing/2014/main" id="{189ECF77-714F-4D2C-9D4B-CC43534EF427}"/>
               </a:ext>
             </a:extLst>
           </p:cNvPr>
@@ -7091,7 +6856,7 @@
           <a:p>
             <a:pPr algn="ctr"/>
             <a:r>
-              <a:rPr lang="en-US" altLang="ko-KR" dirty="0" err="1" smtClean="0">
+              <a:rPr lang="en-US" altLang="ko-KR" dirty="0" err="1">
                 <a:solidFill>
                   <a:schemeClr val="accent5">
                     <a:lumMod val="75000"/>
@@ -7115,7 +6880,7 @@
           <p:cNvPr id="6" name="Group 623">
             <a:extLst>
               <a:ext uri="{FF2B5EF4-FFF2-40B4-BE49-F238E27FC236}">
-                <a16:creationId xmlns="" xmlns:a16="http://schemas.microsoft.com/office/drawing/2014/main" xmlns:lc="http://schemas.openxmlformats.org/drawingml/2006/lockedCanvas" id="{AA4FCC27-C7D4-4343-B033-13B6C83DC905}"/>
+                <a16:creationId xmlns:a16="http://schemas.microsoft.com/office/drawing/2014/main" id="{AA4FCC27-C7D4-4343-B033-13B6C83DC905}"/>
               </a:ext>
             </a:extLst>
           </p:cNvPr>
@@ -7135,7 +6900,7 @@
             <p:cNvPr id="7" name="Freeform 538">
               <a:extLst>
                 <a:ext uri="{FF2B5EF4-FFF2-40B4-BE49-F238E27FC236}">
-                  <a16:creationId xmlns="" xmlns:a16="http://schemas.microsoft.com/office/drawing/2014/main" xmlns:lc="http://schemas.openxmlformats.org/drawingml/2006/lockedCanvas" id="{3776C4DA-4E41-4098-AEDB-2C371B14EB8B}"/>
+                  <a16:creationId xmlns:a16="http://schemas.microsoft.com/office/drawing/2014/main" id="{3776C4DA-4E41-4098-AEDB-2C371B14EB8B}"/>
                 </a:ext>
               </a:extLst>
             </p:cNvPr>
@@ -7349,7 +7114,7 @@
             <p:cNvPr id="8" name="Freeform 542">
               <a:extLst>
                 <a:ext uri="{FF2B5EF4-FFF2-40B4-BE49-F238E27FC236}">
-                  <a16:creationId xmlns="" xmlns:a16="http://schemas.microsoft.com/office/drawing/2014/main" xmlns:lc="http://schemas.openxmlformats.org/drawingml/2006/lockedCanvas" id="{BBD90813-EA96-440A-94D3-CB2D6F892D34}"/>
+                  <a16:creationId xmlns:a16="http://schemas.microsoft.com/office/drawing/2014/main" id="{BBD90813-EA96-440A-94D3-CB2D6F892D34}"/>
                 </a:ext>
               </a:extLst>
             </p:cNvPr>
@@ -7563,7 +7328,7 @@
             <p:cNvPr id="9" name="Freeform: Shape 616">
               <a:extLst>
                 <a:ext uri="{FF2B5EF4-FFF2-40B4-BE49-F238E27FC236}">
-                  <a16:creationId xmlns="" xmlns:a16="http://schemas.microsoft.com/office/drawing/2014/main" xmlns:lc="http://schemas.openxmlformats.org/drawingml/2006/lockedCanvas" id="{284E245F-3566-43D1-B56C-8CC7026A0D22}"/>
+                  <a16:creationId xmlns:a16="http://schemas.microsoft.com/office/drawing/2014/main" id="{284E245F-3566-43D1-B56C-8CC7026A0D22}"/>
                 </a:ext>
               </a:extLst>
             </p:cNvPr>
@@ -8042,7 +7807,7 @@
             <p:cNvPr id="10" name="Freeform 551">
               <a:extLst>
                 <a:ext uri="{FF2B5EF4-FFF2-40B4-BE49-F238E27FC236}">
-                  <a16:creationId xmlns="" xmlns:a16="http://schemas.microsoft.com/office/drawing/2014/main" xmlns:lc="http://schemas.openxmlformats.org/drawingml/2006/lockedCanvas" id="{112FAF63-149F-4078-92F8-E980CF799812}"/>
+                  <a16:creationId xmlns:a16="http://schemas.microsoft.com/office/drawing/2014/main" id="{112FAF63-149F-4078-92F8-E980CF799812}"/>
                 </a:ext>
               </a:extLst>
             </p:cNvPr>
@@ -8256,7 +8021,7 @@
             <p:cNvPr id="11" name="Freeform 554">
               <a:extLst>
                 <a:ext uri="{FF2B5EF4-FFF2-40B4-BE49-F238E27FC236}">
-                  <a16:creationId xmlns="" xmlns:a16="http://schemas.microsoft.com/office/drawing/2014/main" xmlns:lc="http://schemas.openxmlformats.org/drawingml/2006/lockedCanvas" id="{3A764CCA-B3FA-43EA-B2A1-38E0C402312F}"/>
+                  <a16:creationId xmlns:a16="http://schemas.microsoft.com/office/drawing/2014/main" id="{3A764CCA-B3FA-43EA-B2A1-38E0C402312F}"/>
                 </a:ext>
               </a:extLst>
             </p:cNvPr>
@@ -8641,7 +8406,7 @@
             <p:cNvPr id="12" name="Freeform 555">
               <a:extLst>
                 <a:ext uri="{FF2B5EF4-FFF2-40B4-BE49-F238E27FC236}">
-                  <a16:creationId xmlns="" xmlns:a16="http://schemas.microsoft.com/office/drawing/2014/main" xmlns:lc="http://schemas.openxmlformats.org/drawingml/2006/lockedCanvas" id="{50B0CAB1-1A8A-4809-B0FA-4DD1006EC5D4}"/>
+                  <a16:creationId xmlns:a16="http://schemas.microsoft.com/office/drawing/2014/main" id="{50B0CAB1-1A8A-4809-B0FA-4DD1006EC5D4}"/>
                 </a:ext>
               </a:extLst>
             </p:cNvPr>
@@ -8855,7 +8620,7 @@
             <p:cNvPr id="13" name="Freeform 557">
               <a:extLst>
                 <a:ext uri="{FF2B5EF4-FFF2-40B4-BE49-F238E27FC236}">
-                  <a16:creationId xmlns="" xmlns:a16="http://schemas.microsoft.com/office/drawing/2014/main" xmlns:lc="http://schemas.openxmlformats.org/drawingml/2006/lockedCanvas" id="{7B4680AF-0DA9-4C5B-AB71-A42778FC1863}"/>
+                  <a16:creationId xmlns:a16="http://schemas.microsoft.com/office/drawing/2014/main" id="{7B4680AF-0DA9-4C5B-AB71-A42778FC1863}"/>
                 </a:ext>
               </a:extLst>
             </p:cNvPr>
@@ -9240,7 +9005,7 @@
             <p:cNvPr id="14" name="Freeform 558">
               <a:extLst>
                 <a:ext uri="{FF2B5EF4-FFF2-40B4-BE49-F238E27FC236}">
-                  <a16:creationId xmlns="" xmlns:a16="http://schemas.microsoft.com/office/drawing/2014/main" xmlns:lc="http://schemas.openxmlformats.org/drawingml/2006/lockedCanvas" id="{6974A587-E447-4EC3-9B72-2BFC27A286A2}"/>
+                  <a16:creationId xmlns:a16="http://schemas.microsoft.com/office/drawing/2014/main" id="{6974A587-E447-4EC3-9B72-2BFC27A286A2}"/>
                 </a:ext>
               </a:extLst>
             </p:cNvPr>
@@ -9454,7 +9219,7 @@
             <p:cNvPr id="15" name="Freeform 560">
               <a:extLst>
                 <a:ext uri="{FF2B5EF4-FFF2-40B4-BE49-F238E27FC236}">
-                  <a16:creationId xmlns="" xmlns:a16="http://schemas.microsoft.com/office/drawing/2014/main" xmlns:lc="http://schemas.openxmlformats.org/drawingml/2006/lockedCanvas" id="{A696F24D-3A6B-4107-B6F2-9A3F2F0D138B}"/>
+                  <a16:creationId xmlns:a16="http://schemas.microsoft.com/office/drawing/2014/main" id="{A696F24D-3A6B-4107-B6F2-9A3F2F0D138B}"/>
                 </a:ext>
               </a:extLst>
             </p:cNvPr>
@@ -10030,7 +9795,7 @@
           <p:cNvPr id="20" name="Picture 2" descr="Immagine correlata">
             <a:extLst>
               <a:ext uri="{FF2B5EF4-FFF2-40B4-BE49-F238E27FC236}">
-                <a16:creationId xmlns:a16="http://schemas.microsoft.com/office/drawing/2014/main" xmlns="" id="{4DEEC977-158D-4FF8-A634-FED5C0A1F149}"/>
+                <a16:creationId xmlns:a16="http://schemas.microsoft.com/office/drawing/2014/main" id="{4DEEC977-158D-4FF8-A634-FED5C0A1F149}"/>
               </a:ext>
             </a:extLst>
           </p:cNvPr>
@@ -10376,7 +10141,7 @@
           <a:p>
             <a:pPr algn="ctr"/>
             <a:r>
-              <a:rPr lang="it-IT" sz="1400" dirty="0" smtClean="0">
+              <a:rPr lang="it-IT" sz="1400" dirty="0">
                 <a:latin typeface="Calibri" pitchFamily="34" charset="0"/>
                 <a:cs typeface="Calibri" pitchFamily="34" charset="0"/>
               </a:rPr>
@@ -10386,16 +10151,12 @@
           <a:p>
             <a:pPr algn="ctr"/>
             <a:r>
-              <a:rPr lang="it-IT" sz="1400" dirty="0" smtClean="0">
+              <a:rPr lang="it-IT" sz="1400" dirty="0">
                 <a:latin typeface="Calibri" pitchFamily="34" charset="0"/>
                 <a:cs typeface="Calibri" pitchFamily="34" charset="0"/>
               </a:rPr>
               <a:t>dati</a:t>
             </a:r>
-            <a:endParaRPr lang="it-IT" sz="1400" dirty="0">
-              <a:latin typeface="Calibri" pitchFamily="34" charset="0"/>
-              <a:cs typeface="Calibri" pitchFamily="34" charset="0"/>
-            </a:endParaRPr>
           </a:p>
         </p:txBody>
       </p:sp>
@@ -10444,7 +10205,7 @@
           <a:p>
             <a:pPr algn="ctr"/>
             <a:r>
-              <a:rPr lang="it-IT" sz="1400" dirty="0" smtClean="0">
+              <a:rPr lang="it-IT" sz="1400" dirty="0">
                 <a:latin typeface="Calibri" pitchFamily="34" charset="0"/>
                 <a:cs typeface="Calibri" pitchFamily="34" charset="0"/>
               </a:rPr>
@@ -10454,14 +10215,14 @@
           <a:p>
             <a:pPr algn="ctr"/>
             <a:r>
-              <a:rPr lang="it-IT" sz="1400" dirty="0" err="1" smtClean="0">
+              <a:rPr lang="it-IT" sz="1400" dirty="0" err="1">
                 <a:latin typeface="Calibri" pitchFamily="34" charset="0"/>
                 <a:cs typeface="Calibri" pitchFamily="34" charset="0"/>
               </a:rPr>
               <a:t>endorsement</a:t>
             </a:r>
             <a:r>
-              <a:rPr lang="it-IT" sz="1400" dirty="0" smtClean="0">
+              <a:rPr lang="it-IT" sz="1400" dirty="0">
                 <a:latin typeface="Calibri" pitchFamily="34" charset="0"/>
                 <a:cs typeface="Calibri" pitchFamily="34" charset="0"/>
               </a:rPr>
@@ -10471,7 +10232,7 @@
           <a:p>
             <a:pPr algn="ctr"/>
             <a:r>
-              <a:rPr lang="it-IT" sz="1400" dirty="0" err="1" smtClean="0">
+              <a:rPr lang="it-IT" sz="1400" dirty="0" err="1">
                 <a:latin typeface="Calibri" pitchFamily="34" charset="0"/>
                 <a:cs typeface="Calibri" pitchFamily="34" charset="0"/>
               </a:rPr>
@@ -10529,14 +10290,14 @@
           <a:p>
             <a:pPr algn="ctr"/>
             <a:r>
-              <a:rPr lang="it-IT" sz="1400" dirty="0" smtClean="0">
+              <a:rPr lang="it-IT" sz="1400" dirty="0">
                 <a:latin typeface="Calibri" pitchFamily="34" charset="0"/>
                 <a:cs typeface="Calibri" pitchFamily="34" charset="0"/>
               </a:rPr>
               <a:t>Individuazione </a:t>
             </a:r>
             <a:r>
-              <a:rPr lang="it-IT" sz="1400" dirty="0" err="1" smtClean="0">
+              <a:rPr lang="it-IT" sz="1400" dirty="0" err="1">
                 <a:latin typeface="Calibri" pitchFamily="34" charset="0"/>
                 <a:cs typeface="Calibri" pitchFamily="34" charset="0"/>
               </a:rPr>
@@ -10589,7 +10350,7 @@
           <a:p>
             <a:pPr algn="ctr"/>
             <a:r>
-              <a:rPr lang="it-IT" sz="1400" dirty="0" smtClean="0">
+              <a:rPr lang="it-IT" sz="1400" dirty="0">
                 <a:latin typeface="Calibri" pitchFamily="34" charset="0"/>
                 <a:cs typeface="Calibri" pitchFamily="34" charset="0"/>
               </a:rPr>
@@ -10599,7 +10360,7 @@
           <a:p>
             <a:pPr algn="ctr"/>
             <a:r>
-              <a:rPr lang="it-IT" sz="1400" dirty="0" smtClean="0">
+              <a:rPr lang="it-IT" sz="1400" dirty="0">
                 <a:latin typeface="Calibri" pitchFamily="34" charset="0"/>
                 <a:cs typeface="Calibri" pitchFamily="34" charset="0"/>
               </a:rPr>
@@ -10609,14 +10370,14 @@
           <a:p>
             <a:pPr algn="ctr"/>
             <a:r>
-              <a:rPr lang="it-IT" sz="1400" dirty="0" smtClean="0">
+              <a:rPr lang="it-IT" sz="1400" dirty="0">
                 <a:latin typeface="Calibri" pitchFamily="34" charset="0"/>
                 <a:cs typeface="Calibri" pitchFamily="34" charset="0"/>
               </a:rPr>
               <a:t> </a:t>
             </a:r>
             <a:r>
-              <a:rPr lang="it-IT" sz="1400" dirty="0" err="1" smtClean="0">
+              <a:rPr lang="it-IT" sz="1400" dirty="0" err="1">
                 <a:latin typeface="Calibri" pitchFamily="34" charset="0"/>
                 <a:cs typeface="Calibri" pitchFamily="34" charset="0"/>
               </a:rPr>
@@ -10669,23 +10430,19 @@
           <a:p>
             <a:pPr algn="ctr"/>
             <a:r>
-              <a:rPr lang="it-IT" sz="1400" i="1" dirty="0" err="1" smtClean="0">
+              <a:rPr lang="it-IT" sz="1400" i="1" dirty="0" err="1">
                 <a:latin typeface="Calibri" pitchFamily="34" charset="0"/>
                 <a:cs typeface="Calibri" pitchFamily="34" charset="0"/>
               </a:rPr>
               <a:t>Tool</a:t>
             </a:r>
             <a:r>
-              <a:rPr lang="it-IT" sz="1400" dirty="0" smtClean="0">
+              <a:rPr lang="it-IT" sz="1400" dirty="0">
                 <a:latin typeface="Calibri" pitchFamily="34" charset="0"/>
                 <a:cs typeface="Calibri" pitchFamily="34" charset="0"/>
               </a:rPr>
               <a:t>  visualizzazione</a:t>
             </a:r>
-            <a:endParaRPr lang="it-IT" sz="1400" dirty="0">
-              <a:latin typeface="Calibri" pitchFamily="34" charset="0"/>
-              <a:cs typeface="Calibri" pitchFamily="34" charset="0"/>
-            </a:endParaRPr>
           </a:p>
         </p:txBody>
       </p:sp>
@@ -10699,13 +10456,2247 @@
   <p:clrMapOvr>
     <a:masterClrMapping/>
   </p:clrMapOvr>
-  <p:timing>
-    <p:tnLst>
-      <p:par>
-        <p:cTn id="1" dur="indefinite" restart="never" nodeType="tmRoot"/>
-      </p:par>
-    </p:tnLst>
-  </p:timing>
+</p:sld>
+</file>
+
+<file path=ppt/slides/slide15.xml><?xml version="1.0" encoding="utf-8"?>
+<p:sld xmlns:a="http://schemas.openxmlformats.org/drawingml/2006/main" xmlns:r="http://schemas.openxmlformats.org/officeDocument/2006/relationships" xmlns:p="http://schemas.openxmlformats.org/presentationml/2006/main">
+  <p:cSld>
+    <p:spTree>
+      <p:nvGrpSpPr>
+        <p:cNvPr id="1" name=""/>
+        <p:cNvGrpSpPr/>
+        <p:nvPr/>
+      </p:nvGrpSpPr>
+      <p:grpSpPr>
+        <a:xfrm>
+          <a:off x="0" y="0"/>
+          <a:ext cx="0" cy="0"/>
+          <a:chOff x="0" y="0"/>
+          <a:chExt cx="0" cy="0"/>
+        </a:xfrm>
+      </p:grpSpPr>
+      <p:sp>
+        <p:nvSpPr>
+          <p:cNvPr id="5" name="Title 3">
+            <a:extLst>
+              <a:ext uri="{FF2B5EF4-FFF2-40B4-BE49-F238E27FC236}">
+                <a16:creationId xmlns:a16="http://schemas.microsoft.com/office/drawing/2014/main" id="{AC6A7350-ED1C-43B0-B2CF-A496AF50ADAB}"/>
+              </a:ext>
+            </a:extLst>
+          </p:cNvPr>
+          <p:cNvSpPr>
+            <a:spLocks noGrp="1"/>
+          </p:cNvSpPr>
+          <p:nvPr>
+            <p:ph type="title"/>
+          </p:nvPr>
+        </p:nvSpPr>
+        <p:spPr>
+          <a:xfrm>
+            <a:off x="0" y="21787"/>
+            <a:ext cx="9144000" cy="1069514"/>
+          </a:xfrm>
+        </p:spPr>
+        <p:txBody>
+          <a:bodyPr>
+            <a:scene3d>
+              <a:camera prst="orthographicFront"/>
+              <a:lightRig rig="threePt" dir="t"/>
+            </a:scene3d>
+            <a:sp3d extrusionH="57150">
+              <a:bevelT w="82550" h="38100" prst="coolSlant"/>
+            </a:sp3d>
+          </a:bodyPr>
+          <a:lstStyle/>
+          <a:p>
+            <a:pPr algn="ctr"/>
+            <a:r>
+              <a:rPr lang="en-US" altLang="ko-KR" dirty="0">
+                <a:solidFill>
+                  <a:schemeClr val="accent5">
+                    <a:lumMod val="75000"/>
+                  </a:schemeClr>
+                </a:solidFill>
+              </a:rPr>
+              <a:t>1 - </a:t>
+            </a:r>
+            <a:r>
+              <a:rPr lang="en-US" altLang="ko-KR" dirty="0" err="1">
+                <a:solidFill>
+                  <a:schemeClr val="accent5">
+                    <a:lumMod val="75000"/>
+                  </a:schemeClr>
+                </a:solidFill>
+              </a:rPr>
+              <a:t>Raccolta</a:t>
+            </a:r>
+            <a:r>
+              <a:rPr lang="en-US" altLang="ko-KR" dirty="0">
+                <a:solidFill>
+                  <a:schemeClr val="accent5">
+                    <a:lumMod val="75000"/>
+                  </a:schemeClr>
+                </a:solidFill>
+              </a:rPr>
+              <a:t> </a:t>
+            </a:r>
+            <a:r>
+              <a:rPr lang="en-US" altLang="ko-KR" dirty="0" err="1">
+                <a:solidFill>
+                  <a:schemeClr val="accent5">
+                    <a:lumMod val="75000"/>
+                  </a:schemeClr>
+                </a:solidFill>
+              </a:rPr>
+              <a:t>dati</a:t>
+            </a:r>
+            <a:endParaRPr lang="ko-KR" altLang="en-US" dirty="0">
+              <a:solidFill>
+                <a:schemeClr val="accent5">
+                  <a:lumMod val="75000"/>
+                </a:schemeClr>
+              </a:solidFill>
+            </a:endParaRPr>
+          </a:p>
+        </p:txBody>
+      </p:sp>
+      <p:sp>
+        <p:nvSpPr>
+          <p:cNvPr id="6" name="Rettangolo 5">
+            <a:extLst>
+              <a:ext uri="{FF2B5EF4-FFF2-40B4-BE49-F238E27FC236}">
+                <a16:creationId xmlns:a16="http://schemas.microsoft.com/office/drawing/2014/main" id="{E9D808D5-ED83-4266-B4A6-F11548B6FDF4}"/>
+              </a:ext>
+            </a:extLst>
+          </p:cNvPr>
+          <p:cNvSpPr/>
+          <p:nvPr/>
+        </p:nvSpPr>
+        <p:spPr>
+          <a:xfrm>
+            <a:off x="1619672" y="1352957"/>
+            <a:ext cx="7524328" cy="4801314"/>
+          </a:xfrm>
+          <a:prstGeom prst="rect">
+            <a:avLst/>
+          </a:prstGeom>
+        </p:spPr>
+        <p:txBody>
+          <a:bodyPr wrap="square">
+            <a:spAutoFit/>
+          </a:bodyPr>
+          <a:lstStyle/>
+          <a:p>
+            <a:pPr marL="285750" indent="-285750" algn="just">
+              <a:buFont typeface="Arial" panose="020B0604020202020204" pitchFamily="34" charset="0"/>
+              <a:buChar char="•"/>
+            </a:pPr>
+            <a:r>
+              <a:rPr lang="it-IT" dirty="0">
+                <a:latin typeface="Calibri" panose="020F0502020204030204" pitchFamily="34" charset="0"/>
+                <a:cs typeface="Calibri" panose="020F0502020204030204" pitchFamily="34" charset="0"/>
+                <a:sym typeface="Wingdings" panose="05000000000000000000" pitchFamily="2" charset="2"/>
+              </a:rPr>
+              <a:t>Utilizzo delle </a:t>
+            </a:r>
+            <a:r>
+              <a:rPr lang="it-IT" b="1" i="1" dirty="0">
+                <a:solidFill>
+                  <a:srgbClr val="C00000"/>
+                </a:solidFill>
+                <a:latin typeface="Calibri" panose="020F0502020204030204" pitchFamily="34" charset="0"/>
+                <a:cs typeface="Calibri" panose="020F0502020204030204" pitchFamily="34" charset="0"/>
+                <a:sym typeface="Wingdings" panose="05000000000000000000" pitchFamily="2" charset="2"/>
+              </a:rPr>
+              <a:t>API</a:t>
+            </a:r>
+            <a:r>
+              <a:rPr lang="it-IT" dirty="0">
+                <a:latin typeface="Calibri" panose="020F0502020204030204" pitchFamily="34" charset="0"/>
+                <a:cs typeface="Calibri" panose="020F0502020204030204" pitchFamily="34" charset="0"/>
+                <a:sym typeface="Wingdings" panose="05000000000000000000" pitchFamily="2" charset="2"/>
+              </a:rPr>
+              <a:t> di </a:t>
+            </a:r>
+            <a:r>
+              <a:rPr lang="it-IT" b="1" i="1" dirty="0">
+                <a:solidFill>
+                  <a:schemeClr val="accent1"/>
+                </a:solidFill>
+                <a:latin typeface="Calibri" panose="020F0502020204030204" pitchFamily="34" charset="0"/>
+                <a:cs typeface="Calibri" panose="020F0502020204030204" pitchFamily="34" charset="0"/>
+                <a:sym typeface="Wingdings" panose="05000000000000000000" pitchFamily="2" charset="2"/>
+              </a:rPr>
+              <a:t>Twitter</a:t>
+            </a:r>
+            <a:r>
+              <a:rPr lang="it-IT" dirty="0">
+                <a:latin typeface="Calibri" panose="020F0502020204030204" pitchFamily="34" charset="0"/>
+                <a:cs typeface="Calibri" panose="020F0502020204030204" pitchFamily="34" charset="0"/>
+                <a:sym typeface="Wingdings" panose="05000000000000000000" pitchFamily="2" charset="2"/>
+              </a:rPr>
+              <a:t> per l’acquisizione dei dati pubblicati dagli utenti.</a:t>
+            </a:r>
+          </a:p>
+          <a:p>
+            <a:pPr marL="285750" indent="-285750" algn="just">
+              <a:buFont typeface="Arial" panose="020B0604020202020204" pitchFamily="34" charset="0"/>
+              <a:buChar char="•"/>
+            </a:pPr>
+            <a:endParaRPr lang="it-IT" dirty="0">
+              <a:latin typeface="Calibri" panose="020F0502020204030204" pitchFamily="34" charset="0"/>
+              <a:cs typeface="Calibri" panose="020F0502020204030204" pitchFamily="34" charset="0"/>
+              <a:sym typeface="Wingdings" panose="05000000000000000000" pitchFamily="2" charset="2"/>
+            </a:endParaRPr>
+          </a:p>
+          <a:p>
+            <a:pPr marL="285750" indent="-285750" algn="just">
+              <a:buFont typeface="Arial" panose="020B0604020202020204" pitchFamily="34" charset="0"/>
+              <a:buChar char="•"/>
+            </a:pPr>
+            <a:endParaRPr lang="it-IT" dirty="0">
+              <a:latin typeface="Calibri" panose="020F0502020204030204" pitchFamily="34" charset="0"/>
+              <a:cs typeface="Calibri" panose="020F0502020204030204" pitchFamily="34" charset="0"/>
+              <a:sym typeface="Wingdings" panose="05000000000000000000" pitchFamily="2" charset="2"/>
+            </a:endParaRPr>
+          </a:p>
+          <a:p>
+            <a:pPr marL="285750" indent="-285750" algn="just">
+              <a:buFont typeface="Arial" panose="020B0604020202020204" pitchFamily="34" charset="0"/>
+              <a:buChar char="•"/>
+            </a:pPr>
+            <a:r>
+              <a:rPr lang="it-IT" dirty="0">
+                <a:latin typeface="Calibri" panose="020F0502020204030204" pitchFamily="34" charset="0"/>
+                <a:cs typeface="Calibri" panose="020F0502020204030204" pitchFamily="34" charset="0"/>
+                <a:sym typeface="Wingdings" panose="05000000000000000000" pitchFamily="2" charset="2"/>
+              </a:rPr>
+              <a:t>Dati ottenuti via </a:t>
+            </a:r>
+            <a:r>
+              <a:rPr lang="it-IT" b="1" i="1" dirty="0">
+                <a:latin typeface="Calibri" panose="020F0502020204030204" pitchFamily="34" charset="0"/>
+                <a:cs typeface="Calibri" panose="020F0502020204030204" pitchFamily="34" charset="0"/>
+                <a:sym typeface="Wingdings" panose="05000000000000000000" pitchFamily="2" charset="2"/>
+              </a:rPr>
+              <a:t>streaming</a:t>
+            </a:r>
+            <a:r>
+              <a:rPr lang="it-IT" dirty="0">
+                <a:latin typeface="Calibri" panose="020F0502020204030204" pitchFamily="34" charset="0"/>
+                <a:cs typeface="Calibri" panose="020F0502020204030204" pitchFamily="34" charset="0"/>
+                <a:sym typeface="Wingdings" panose="05000000000000000000" pitchFamily="2" charset="2"/>
+              </a:rPr>
+              <a:t> dopo aver effettuato l’autenticazione con le </a:t>
+            </a:r>
+          </a:p>
+          <a:p>
+            <a:pPr algn="just"/>
+            <a:r>
+              <a:rPr lang="it-IT" dirty="0">
+                <a:latin typeface="Calibri" panose="020F0502020204030204" pitchFamily="34" charset="0"/>
+                <a:cs typeface="Calibri" panose="020F0502020204030204" pitchFamily="34" charset="0"/>
+                <a:sym typeface="Wingdings" panose="05000000000000000000" pitchFamily="2" charset="2"/>
+              </a:rPr>
+              <a:t>     credenziali da sviluppatore corrette.</a:t>
+            </a:r>
+          </a:p>
+          <a:p>
+            <a:pPr algn="just"/>
+            <a:endParaRPr lang="it-IT" dirty="0">
+              <a:latin typeface="Calibri" panose="020F0502020204030204" pitchFamily="34" charset="0"/>
+              <a:cs typeface="Calibri" panose="020F0502020204030204" pitchFamily="34" charset="0"/>
+              <a:sym typeface="Wingdings" panose="05000000000000000000" pitchFamily="2" charset="2"/>
+            </a:endParaRPr>
+          </a:p>
+          <a:p>
+            <a:pPr algn="just"/>
+            <a:endParaRPr lang="it-IT" dirty="0">
+              <a:latin typeface="Calibri" panose="020F0502020204030204" pitchFamily="34" charset="0"/>
+              <a:cs typeface="Calibri" panose="020F0502020204030204" pitchFamily="34" charset="0"/>
+              <a:sym typeface="Wingdings" panose="05000000000000000000" pitchFamily="2" charset="2"/>
+            </a:endParaRPr>
+          </a:p>
+          <a:p>
+            <a:pPr marL="285750" indent="-285750" algn="just">
+              <a:buFont typeface="Arial" panose="020B0604020202020204" pitchFamily="34" charset="0"/>
+              <a:buChar char="•"/>
+            </a:pPr>
+            <a:r>
+              <a:rPr lang="it-IT" b="1" i="1" dirty="0">
+                <a:solidFill>
+                  <a:schemeClr val="accent1"/>
+                </a:solidFill>
+                <a:latin typeface="Calibri" panose="020F0502020204030204" pitchFamily="34" charset="0"/>
+                <a:cs typeface="Calibri" panose="020F0502020204030204" pitchFamily="34" charset="0"/>
+                <a:sym typeface="Wingdings" panose="05000000000000000000" pitchFamily="2" charset="2"/>
+              </a:rPr>
+              <a:t>Twitter</a:t>
+            </a:r>
+            <a:r>
+              <a:rPr lang="it-IT" dirty="0">
+                <a:latin typeface="Calibri" panose="020F0502020204030204" pitchFamily="34" charset="0"/>
+                <a:cs typeface="Calibri" panose="020F0502020204030204" pitchFamily="34" charset="0"/>
+                <a:sym typeface="Wingdings" panose="05000000000000000000" pitchFamily="2" charset="2"/>
+              </a:rPr>
+              <a:t> limita lo streaming dei dati da parte degli sviluppatori: </a:t>
+            </a:r>
+            <a:r>
+              <a:rPr lang="it-IT" u="sng" dirty="0">
+                <a:latin typeface="Calibri" panose="020F0502020204030204" pitchFamily="34" charset="0"/>
+                <a:cs typeface="Calibri" panose="020F0502020204030204" pitchFamily="34" charset="0"/>
+                <a:sym typeface="Wingdings" panose="05000000000000000000" pitchFamily="2" charset="2"/>
+              </a:rPr>
+              <a:t>non più di </a:t>
+            </a:r>
+          </a:p>
+          <a:p>
+            <a:pPr algn="just"/>
+            <a:r>
+              <a:rPr lang="it-IT" u="sng" dirty="0">
+                <a:latin typeface="Calibri" panose="020F0502020204030204" pitchFamily="34" charset="0"/>
+                <a:cs typeface="Calibri" panose="020F0502020204030204" pitchFamily="34" charset="0"/>
+                <a:sym typeface="Wingdings" panose="05000000000000000000" pitchFamily="2" charset="2"/>
+              </a:rPr>
+              <a:t>     100 richieste ogni 15 minuti</a:t>
+            </a:r>
+            <a:r>
+              <a:rPr lang="it-IT" dirty="0">
+                <a:latin typeface="Calibri" panose="020F0502020204030204" pitchFamily="34" charset="0"/>
+                <a:cs typeface="Calibri" panose="020F0502020204030204" pitchFamily="34" charset="0"/>
+                <a:sym typeface="Wingdings" panose="05000000000000000000" pitchFamily="2" charset="2"/>
+              </a:rPr>
+              <a:t>, altrimenti credenziali bloccate per un’ora.</a:t>
+            </a:r>
+          </a:p>
+          <a:p>
+            <a:pPr algn="just"/>
+            <a:endParaRPr lang="it-IT" dirty="0">
+              <a:latin typeface="Calibri" panose="020F0502020204030204" pitchFamily="34" charset="0"/>
+              <a:cs typeface="Calibri" panose="020F0502020204030204" pitchFamily="34" charset="0"/>
+              <a:sym typeface="Wingdings" panose="05000000000000000000" pitchFamily="2" charset="2"/>
+            </a:endParaRPr>
+          </a:p>
+          <a:p>
+            <a:pPr algn="just"/>
+            <a:endParaRPr lang="it-IT" dirty="0">
+              <a:latin typeface="Calibri" panose="020F0502020204030204" pitchFamily="34" charset="0"/>
+              <a:cs typeface="Calibri" panose="020F0502020204030204" pitchFamily="34" charset="0"/>
+              <a:sym typeface="Wingdings" panose="05000000000000000000" pitchFamily="2" charset="2"/>
+            </a:endParaRPr>
+          </a:p>
+          <a:p>
+            <a:pPr marL="285750" indent="-285750" algn="just">
+              <a:buFont typeface="Arial" panose="020B0604020202020204" pitchFamily="34" charset="0"/>
+              <a:buChar char="•"/>
+            </a:pPr>
+            <a:r>
+              <a:rPr lang="it-IT" dirty="0">
+                <a:latin typeface="Calibri" panose="020F0502020204030204" pitchFamily="34" charset="0"/>
+                <a:cs typeface="Calibri" panose="020F0502020204030204" pitchFamily="34" charset="0"/>
+              </a:rPr>
+              <a:t>Un’altra limitazione che impone l’</a:t>
+            </a:r>
+            <a:r>
+              <a:rPr lang="it-IT" b="1" i="1" dirty="0">
+                <a:solidFill>
+                  <a:srgbClr val="C00000"/>
+                </a:solidFill>
+                <a:latin typeface="Calibri" panose="020F0502020204030204" pitchFamily="34" charset="0"/>
+                <a:cs typeface="Calibri" panose="020F0502020204030204" pitchFamily="34" charset="0"/>
+              </a:rPr>
+              <a:t>API </a:t>
+            </a:r>
+            <a:r>
+              <a:rPr lang="it-IT" dirty="0">
+                <a:latin typeface="Calibri" panose="020F0502020204030204" pitchFamily="34" charset="0"/>
+                <a:cs typeface="Calibri" panose="020F0502020204030204" pitchFamily="34" charset="0"/>
+              </a:rPr>
+              <a:t>ufficiale di </a:t>
+            </a:r>
+            <a:r>
+              <a:rPr lang="it-IT" b="1" i="1" dirty="0">
+                <a:solidFill>
+                  <a:schemeClr val="accent1"/>
+                </a:solidFill>
+                <a:latin typeface="Calibri" panose="020F0502020204030204" pitchFamily="34" charset="0"/>
+                <a:cs typeface="Calibri" panose="020F0502020204030204" pitchFamily="34" charset="0"/>
+              </a:rPr>
+              <a:t>Twitter</a:t>
+            </a:r>
+            <a:r>
+              <a:rPr lang="it-IT" i="1" dirty="0">
+                <a:latin typeface="Calibri" panose="020F0502020204030204" pitchFamily="34" charset="0"/>
+                <a:cs typeface="Calibri" panose="020F0502020204030204" pitchFamily="34" charset="0"/>
+              </a:rPr>
+              <a:t> </a:t>
+            </a:r>
+            <a:r>
+              <a:rPr lang="it-IT" dirty="0">
+                <a:latin typeface="Calibri" panose="020F0502020204030204" pitchFamily="34" charset="0"/>
+                <a:cs typeface="Calibri" panose="020F0502020204030204" pitchFamily="34" charset="0"/>
+              </a:rPr>
+              <a:t>riguarda </a:t>
+            </a:r>
+          </a:p>
+          <a:p>
+            <a:pPr algn="just"/>
+            <a:r>
+              <a:rPr lang="it-IT" dirty="0">
+                <a:latin typeface="Calibri" panose="020F0502020204030204" pitchFamily="34" charset="0"/>
+                <a:cs typeface="Calibri" panose="020F0502020204030204" pitchFamily="34" charset="0"/>
+              </a:rPr>
+              <a:t>      l’</a:t>
+            </a:r>
+            <a:r>
+              <a:rPr lang="it-IT" u="sng" dirty="0">
+                <a:latin typeface="Calibri" panose="020F0502020204030204" pitchFamily="34" charset="0"/>
+                <a:cs typeface="Calibri" panose="020F0502020204030204" pitchFamily="34" charset="0"/>
+              </a:rPr>
+              <a:t>impossibilità di ottenere </a:t>
+            </a:r>
+            <a:r>
+              <a:rPr lang="it-IT" i="1" u="sng" dirty="0" err="1">
+                <a:latin typeface="Calibri" panose="020F0502020204030204" pitchFamily="34" charset="0"/>
+                <a:cs typeface="Calibri" panose="020F0502020204030204" pitchFamily="34" charset="0"/>
+              </a:rPr>
+              <a:t>tweets</a:t>
+            </a:r>
+            <a:r>
+              <a:rPr lang="it-IT" i="1" u="sng" dirty="0">
+                <a:latin typeface="Calibri" panose="020F0502020204030204" pitchFamily="34" charset="0"/>
+                <a:cs typeface="Calibri" panose="020F0502020204030204" pitchFamily="34" charset="0"/>
+              </a:rPr>
+              <a:t> </a:t>
+            </a:r>
+            <a:r>
+              <a:rPr lang="it-IT" u="sng" dirty="0">
+                <a:latin typeface="Calibri" panose="020F0502020204030204" pitchFamily="34" charset="0"/>
+                <a:cs typeface="Calibri" panose="020F0502020204030204" pitchFamily="34" charset="0"/>
+              </a:rPr>
+              <a:t>più vecchi di una settimana</a:t>
+            </a:r>
+            <a:r>
+              <a:rPr lang="it-IT" dirty="0">
+                <a:latin typeface="Calibri" panose="020F0502020204030204" pitchFamily="34" charset="0"/>
+                <a:cs typeface="Calibri" panose="020F0502020204030204" pitchFamily="34" charset="0"/>
+              </a:rPr>
+              <a:t>. </a:t>
+            </a:r>
+          </a:p>
+          <a:p>
+            <a:pPr algn="just"/>
+            <a:r>
+              <a:rPr lang="it-IT" dirty="0">
+                <a:latin typeface="Calibri" panose="020F0502020204030204" pitchFamily="34" charset="0"/>
+                <a:cs typeface="Calibri" panose="020F0502020204030204" pitchFamily="34" charset="0"/>
+                <a:sym typeface="Wingdings" panose="05000000000000000000" pitchFamily="2" charset="2"/>
+              </a:rPr>
+              <a:t>      Questa limitazione è stata superata attraverso l’ausilio della libreria</a:t>
+            </a:r>
+          </a:p>
+          <a:p>
+            <a:pPr algn="just"/>
+            <a:r>
+              <a:rPr lang="it-IT" dirty="0">
+                <a:latin typeface="Calibri" panose="020F0502020204030204" pitchFamily="34" charset="0"/>
+                <a:cs typeface="Calibri" panose="020F0502020204030204" pitchFamily="34" charset="0"/>
+                <a:sym typeface="Wingdings" panose="05000000000000000000" pitchFamily="2" charset="2"/>
+              </a:rPr>
+              <a:t>      </a:t>
+            </a:r>
+            <a:r>
+              <a:rPr lang="it-IT" b="1" i="1" dirty="0" err="1">
+                <a:latin typeface="Calibri" panose="020F0502020204030204" pitchFamily="34" charset="0"/>
+                <a:cs typeface="Calibri" panose="020F0502020204030204" pitchFamily="34" charset="0"/>
+                <a:sym typeface="Wingdings" panose="05000000000000000000" pitchFamily="2" charset="2"/>
+              </a:rPr>
+              <a:t>GetOldTweets</a:t>
+            </a:r>
+            <a:r>
+              <a:rPr lang="it-IT" i="1" dirty="0">
+                <a:latin typeface="Calibri" panose="020F0502020204030204" pitchFamily="34" charset="0"/>
+                <a:cs typeface="Calibri" panose="020F0502020204030204" pitchFamily="34" charset="0"/>
+                <a:sym typeface="Wingdings" panose="05000000000000000000" pitchFamily="2" charset="2"/>
+              </a:rPr>
+              <a:t>.</a:t>
+            </a:r>
+            <a:endParaRPr lang="it-IT" dirty="0">
+              <a:latin typeface="Calibri" panose="020F0502020204030204" pitchFamily="34" charset="0"/>
+              <a:cs typeface="Calibri" panose="020F0502020204030204" pitchFamily="34" charset="0"/>
+              <a:sym typeface="Wingdings" panose="05000000000000000000" pitchFamily="2" charset="2"/>
+            </a:endParaRPr>
+          </a:p>
+          <a:p>
+            <a:pPr algn="just"/>
+            <a:endParaRPr lang="it-IT" dirty="0">
+              <a:latin typeface="Calibri" panose="020F0502020204030204" pitchFamily="34" charset="0"/>
+              <a:cs typeface="Calibri" panose="020F0502020204030204" pitchFamily="34" charset="0"/>
+              <a:sym typeface="Wingdings" panose="05000000000000000000" pitchFamily="2" charset="2"/>
+            </a:endParaRPr>
+          </a:p>
+          <a:p>
+            <a:pPr algn="just"/>
+            <a:endParaRPr lang="it-IT" dirty="0">
+              <a:latin typeface="Calibri" panose="020F0502020204030204" pitchFamily="34" charset="0"/>
+              <a:cs typeface="Calibri" panose="020F0502020204030204" pitchFamily="34" charset="0"/>
+              <a:sym typeface="Wingdings" panose="05000000000000000000" pitchFamily="2" charset="2"/>
+            </a:endParaRPr>
+          </a:p>
+        </p:txBody>
+      </p:sp>
+    </p:spTree>
+    <p:extLst>
+      <p:ext uri="{BB962C8B-B14F-4D97-AF65-F5344CB8AC3E}">
+        <p14:creationId xmlns:p14="http://schemas.microsoft.com/office/powerpoint/2010/main" val="3071758642"/>
+      </p:ext>
+    </p:extLst>
+  </p:cSld>
+  <p:clrMapOvr>
+    <a:masterClrMapping/>
+  </p:clrMapOvr>
+</p:sld>
+</file>
+
+<file path=ppt/slides/slide16.xml><?xml version="1.0" encoding="utf-8"?>
+<p:sld xmlns:a="http://schemas.openxmlformats.org/drawingml/2006/main" xmlns:r="http://schemas.openxmlformats.org/officeDocument/2006/relationships" xmlns:p="http://schemas.openxmlformats.org/presentationml/2006/main">
+  <p:cSld>
+    <p:spTree>
+      <p:nvGrpSpPr>
+        <p:cNvPr id="1" name=""/>
+        <p:cNvGrpSpPr/>
+        <p:nvPr/>
+      </p:nvGrpSpPr>
+      <p:grpSpPr>
+        <a:xfrm>
+          <a:off x="0" y="0"/>
+          <a:ext cx="0" cy="0"/>
+          <a:chOff x="0" y="0"/>
+          <a:chExt cx="0" cy="0"/>
+        </a:xfrm>
+      </p:grpSpPr>
+      <p:sp>
+        <p:nvSpPr>
+          <p:cNvPr id="5" name="Title 3">
+            <a:extLst>
+              <a:ext uri="{FF2B5EF4-FFF2-40B4-BE49-F238E27FC236}">
+                <a16:creationId xmlns:a16="http://schemas.microsoft.com/office/drawing/2014/main" id="{3A78A980-0D2B-467E-B644-5D2D7E2C7C76}"/>
+              </a:ext>
+            </a:extLst>
+          </p:cNvPr>
+          <p:cNvSpPr>
+            <a:spLocks noGrp="1"/>
+          </p:cNvSpPr>
+          <p:nvPr>
+            <p:ph type="title"/>
+          </p:nvPr>
+        </p:nvSpPr>
+        <p:spPr>
+          <a:xfrm>
+            <a:off x="0" y="21787"/>
+            <a:ext cx="9144000" cy="1069514"/>
+          </a:xfrm>
+        </p:spPr>
+        <p:txBody>
+          <a:bodyPr>
+            <a:scene3d>
+              <a:camera prst="orthographicFront"/>
+              <a:lightRig rig="threePt" dir="t"/>
+            </a:scene3d>
+            <a:sp3d extrusionH="57150">
+              <a:bevelT w="82550" h="38100" prst="coolSlant"/>
+            </a:sp3d>
+          </a:bodyPr>
+          <a:lstStyle/>
+          <a:p>
+            <a:pPr algn="ctr"/>
+            <a:r>
+              <a:rPr lang="en-US" altLang="ko-KR" dirty="0">
+                <a:solidFill>
+                  <a:schemeClr val="accent5">
+                    <a:lumMod val="75000"/>
+                  </a:schemeClr>
+                </a:solidFill>
+              </a:rPr>
+              <a:t>1 - </a:t>
+            </a:r>
+            <a:r>
+              <a:rPr lang="en-US" altLang="ko-KR" dirty="0" err="1">
+                <a:solidFill>
+                  <a:schemeClr val="accent5">
+                    <a:lumMod val="75000"/>
+                  </a:schemeClr>
+                </a:solidFill>
+              </a:rPr>
+              <a:t>Raccolta</a:t>
+            </a:r>
+            <a:r>
+              <a:rPr lang="en-US" altLang="ko-KR" dirty="0">
+                <a:solidFill>
+                  <a:schemeClr val="accent5">
+                    <a:lumMod val="75000"/>
+                  </a:schemeClr>
+                </a:solidFill>
+              </a:rPr>
+              <a:t> </a:t>
+            </a:r>
+            <a:r>
+              <a:rPr lang="en-US" altLang="ko-KR" dirty="0" err="1">
+                <a:solidFill>
+                  <a:schemeClr val="accent5">
+                    <a:lumMod val="75000"/>
+                  </a:schemeClr>
+                </a:solidFill>
+              </a:rPr>
+              <a:t>dati</a:t>
+            </a:r>
+            <a:endParaRPr lang="ko-KR" altLang="en-US" dirty="0">
+              <a:solidFill>
+                <a:schemeClr val="accent5">
+                  <a:lumMod val="75000"/>
+                </a:schemeClr>
+              </a:solidFill>
+            </a:endParaRPr>
+          </a:p>
+        </p:txBody>
+      </p:sp>
+      <p:sp>
+        <p:nvSpPr>
+          <p:cNvPr id="6" name="Rettangolo 5">
+            <a:extLst>
+              <a:ext uri="{FF2B5EF4-FFF2-40B4-BE49-F238E27FC236}">
+                <a16:creationId xmlns:a16="http://schemas.microsoft.com/office/drawing/2014/main" id="{13544446-166C-4D47-9BAD-7D0BB734E8FC}"/>
+              </a:ext>
+            </a:extLst>
+          </p:cNvPr>
+          <p:cNvSpPr/>
+          <p:nvPr/>
+        </p:nvSpPr>
+        <p:spPr>
+          <a:xfrm>
+            <a:off x="1619672" y="1352957"/>
+            <a:ext cx="7524328" cy="4247317"/>
+          </a:xfrm>
+          <a:prstGeom prst="rect">
+            <a:avLst/>
+          </a:prstGeom>
+        </p:spPr>
+        <p:txBody>
+          <a:bodyPr wrap="square">
+            <a:spAutoFit/>
+          </a:bodyPr>
+          <a:lstStyle/>
+          <a:p>
+            <a:pPr marL="285750" indent="-285750" algn="just">
+              <a:buFont typeface="Arial" panose="020B0604020202020204" pitchFamily="34" charset="0"/>
+              <a:buChar char="•"/>
+            </a:pPr>
+            <a:r>
+              <a:rPr lang="it-IT" dirty="0">
+                <a:latin typeface="Calibri" panose="020F0502020204030204" pitchFamily="34" charset="0"/>
+                <a:cs typeface="Calibri" panose="020F0502020204030204" pitchFamily="34" charset="0"/>
+                <a:sym typeface="Wingdings" panose="05000000000000000000" pitchFamily="2" charset="2"/>
+              </a:rPr>
+              <a:t>Utilizzo della libreria </a:t>
+            </a:r>
+            <a:r>
+              <a:rPr lang="it-IT" b="1" i="1" dirty="0" err="1">
+                <a:solidFill>
+                  <a:schemeClr val="accent1"/>
+                </a:solidFill>
+                <a:latin typeface="Calibri" panose="020F0502020204030204" pitchFamily="34" charset="0"/>
+                <a:cs typeface="Calibri" panose="020F0502020204030204" pitchFamily="34" charset="0"/>
+                <a:sym typeface="Wingdings" panose="05000000000000000000" pitchFamily="2" charset="2"/>
+              </a:rPr>
+              <a:t>Python</a:t>
+            </a:r>
+            <a:r>
+              <a:rPr lang="it-IT" b="1" i="1" dirty="0">
+                <a:solidFill>
+                  <a:schemeClr val="accent1"/>
+                </a:solidFill>
+                <a:latin typeface="Calibri" panose="020F0502020204030204" pitchFamily="34" charset="0"/>
+                <a:cs typeface="Calibri" panose="020F0502020204030204" pitchFamily="34" charset="0"/>
+                <a:sym typeface="Wingdings" panose="05000000000000000000" pitchFamily="2" charset="2"/>
+              </a:rPr>
+              <a:t> </a:t>
+            </a:r>
+            <a:r>
+              <a:rPr lang="it-IT" b="1" i="1" dirty="0" err="1">
+                <a:solidFill>
+                  <a:schemeClr val="accent1"/>
+                </a:solidFill>
+                <a:latin typeface="Calibri" panose="020F0502020204030204" pitchFamily="34" charset="0"/>
+                <a:cs typeface="Calibri" panose="020F0502020204030204" pitchFamily="34" charset="0"/>
+                <a:sym typeface="Wingdings" panose="05000000000000000000" pitchFamily="2" charset="2"/>
+              </a:rPr>
+              <a:t>Tweepy</a:t>
+            </a:r>
+            <a:r>
+              <a:rPr lang="it-IT" b="1" i="1" dirty="0">
+                <a:solidFill>
+                  <a:schemeClr val="accent1"/>
+                </a:solidFill>
+                <a:latin typeface="Calibri" panose="020F0502020204030204" pitchFamily="34" charset="0"/>
+                <a:cs typeface="Calibri" panose="020F0502020204030204" pitchFamily="34" charset="0"/>
+                <a:sym typeface="Wingdings" panose="05000000000000000000" pitchFamily="2" charset="2"/>
+              </a:rPr>
+              <a:t> </a:t>
+            </a:r>
+            <a:r>
+              <a:rPr lang="it-IT" dirty="0">
+                <a:latin typeface="Calibri" panose="020F0502020204030204" pitchFamily="34" charset="0"/>
+                <a:cs typeface="Calibri" panose="020F0502020204030204" pitchFamily="34" charset="0"/>
+                <a:sym typeface="Wingdings" panose="05000000000000000000" pitchFamily="2" charset="2"/>
+              </a:rPr>
+              <a:t>che permette di accedere </a:t>
+            </a:r>
+          </a:p>
+          <a:p>
+            <a:pPr algn="just"/>
+            <a:r>
+              <a:rPr lang="it-IT" dirty="0">
+                <a:latin typeface="Calibri" panose="020F0502020204030204" pitchFamily="34" charset="0"/>
+                <a:cs typeface="Calibri" panose="020F0502020204030204" pitchFamily="34" charset="0"/>
+                <a:sym typeface="Wingdings" panose="05000000000000000000" pitchFamily="2" charset="2"/>
+              </a:rPr>
+              <a:t>     agevolmente da codice alle </a:t>
+            </a:r>
+            <a:r>
+              <a:rPr lang="it-IT" b="1" i="1" dirty="0">
+                <a:solidFill>
+                  <a:srgbClr val="C00000"/>
+                </a:solidFill>
+                <a:latin typeface="Calibri" panose="020F0502020204030204" pitchFamily="34" charset="0"/>
+                <a:cs typeface="Calibri" panose="020F0502020204030204" pitchFamily="34" charset="0"/>
+                <a:sym typeface="Wingdings" panose="05000000000000000000" pitchFamily="2" charset="2"/>
+              </a:rPr>
+              <a:t>API</a:t>
+            </a:r>
+            <a:r>
+              <a:rPr lang="it-IT" i="1" dirty="0">
+                <a:latin typeface="Calibri" panose="020F0502020204030204" pitchFamily="34" charset="0"/>
+                <a:cs typeface="Calibri" panose="020F0502020204030204" pitchFamily="34" charset="0"/>
+                <a:sym typeface="Wingdings" panose="05000000000000000000" pitchFamily="2" charset="2"/>
+              </a:rPr>
+              <a:t> </a:t>
+            </a:r>
+            <a:r>
+              <a:rPr lang="it-IT" dirty="0">
+                <a:latin typeface="Calibri" panose="020F0502020204030204" pitchFamily="34" charset="0"/>
+                <a:cs typeface="Calibri" panose="020F0502020204030204" pitchFamily="34" charset="0"/>
+                <a:sym typeface="Wingdings" panose="05000000000000000000" pitchFamily="2" charset="2"/>
+              </a:rPr>
+              <a:t>di </a:t>
+            </a:r>
+            <a:r>
+              <a:rPr lang="it-IT" b="1" i="1" dirty="0">
+                <a:solidFill>
+                  <a:schemeClr val="accent1"/>
+                </a:solidFill>
+                <a:latin typeface="Calibri" panose="020F0502020204030204" pitchFamily="34" charset="0"/>
+                <a:cs typeface="Calibri" panose="020F0502020204030204" pitchFamily="34" charset="0"/>
+                <a:sym typeface="Wingdings" panose="05000000000000000000" pitchFamily="2" charset="2"/>
+              </a:rPr>
+              <a:t>Twitter</a:t>
+            </a:r>
+            <a:r>
+              <a:rPr lang="it-IT" i="1" dirty="0">
+                <a:latin typeface="Calibri" panose="020F0502020204030204" pitchFamily="34" charset="0"/>
+                <a:cs typeface="Calibri" panose="020F0502020204030204" pitchFamily="34" charset="0"/>
+                <a:sym typeface="Wingdings" panose="05000000000000000000" pitchFamily="2" charset="2"/>
+              </a:rPr>
+              <a:t>.</a:t>
+            </a:r>
+          </a:p>
+          <a:p>
+            <a:pPr algn="just"/>
+            <a:endParaRPr lang="it-IT" i="1" dirty="0">
+              <a:latin typeface="Calibri" panose="020F0502020204030204" pitchFamily="34" charset="0"/>
+              <a:cs typeface="Calibri" panose="020F0502020204030204" pitchFamily="34" charset="0"/>
+              <a:sym typeface="Wingdings" panose="05000000000000000000" pitchFamily="2" charset="2"/>
+            </a:endParaRPr>
+          </a:p>
+          <a:p>
+            <a:pPr algn="just"/>
+            <a:endParaRPr lang="it-IT" i="1" dirty="0">
+              <a:latin typeface="Calibri" panose="020F0502020204030204" pitchFamily="34" charset="0"/>
+              <a:cs typeface="Calibri" panose="020F0502020204030204" pitchFamily="34" charset="0"/>
+              <a:sym typeface="Wingdings" panose="05000000000000000000" pitchFamily="2" charset="2"/>
+            </a:endParaRPr>
+          </a:p>
+          <a:p>
+            <a:pPr algn="just"/>
+            <a:endParaRPr lang="it-IT" i="1" dirty="0">
+              <a:latin typeface="Calibri" panose="020F0502020204030204" pitchFamily="34" charset="0"/>
+              <a:cs typeface="Calibri" panose="020F0502020204030204" pitchFamily="34" charset="0"/>
+              <a:sym typeface="Wingdings" panose="05000000000000000000" pitchFamily="2" charset="2"/>
+            </a:endParaRPr>
+          </a:p>
+          <a:p>
+            <a:pPr marL="285750" indent="-285750" algn="just">
+              <a:buFont typeface="Arial" panose="020B0604020202020204" pitchFamily="34" charset="0"/>
+              <a:buChar char="•"/>
+            </a:pPr>
+            <a:r>
+              <a:rPr lang="it-IT" dirty="0">
+                <a:latin typeface="Calibri" panose="020F0502020204030204" pitchFamily="34" charset="0"/>
+                <a:cs typeface="Calibri" panose="020F0502020204030204" pitchFamily="34" charset="0"/>
+              </a:rPr>
+              <a:t>Gestisce il processo di autenticazione dello sviluppatore presso il server di </a:t>
+            </a:r>
+          </a:p>
+          <a:p>
+            <a:pPr algn="just"/>
+            <a:r>
+              <a:rPr lang="it-IT" i="1" dirty="0">
+                <a:latin typeface="Calibri" panose="020F0502020204030204" pitchFamily="34" charset="0"/>
+                <a:cs typeface="Calibri" panose="020F0502020204030204" pitchFamily="34" charset="0"/>
+              </a:rPr>
+              <a:t>     </a:t>
+            </a:r>
+            <a:r>
+              <a:rPr lang="it-IT" b="1" i="1" dirty="0">
+                <a:latin typeface="Calibri" panose="020F0502020204030204" pitchFamily="34" charset="0"/>
+                <a:cs typeface="Calibri" panose="020F0502020204030204" pitchFamily="34" charset="0"/>
+              </a:rPr>
+              <a:t>streaming</a:t>
+            </a:r>
+            <a:r>
+              <a:rPr lang="it-IT" i="1" dirty="0">
+                <a:latin typeface="Calibri" panose="020F0502020204030204" pitchFamily="34" charset="0"/>
+                <a:cs typeface="Calibri" panose="020F0502020204030204" pitchFamily="34" charset="0"/>
+              </a:rPr>
+              <a:t> </a:t>
+            </a:r>
+            <a:r>
+              <a:rPr lang="it-IT" dirty="0">
+                <a:latin typeface="Calibri" panose="020F0502020204030204" pitchFamily="34" charset="0"/>
+                <a:cs typeface="Calibri" panose="020F0502020204030204" pitchFamily="34" charset="0"/>
+              </a:rPr>
+              <a:t>attraverso degli specifici metodi.</a:t>
+            </a:r>
+          </a:p>
+          <a:p>
+            <a:pPr algn="just"/>
+            <a:endParaRPr lang="it-IT" dirty="0">
+              <a:latin typeface="Calibri" panose="020F0502020204030204" pitchFamily="34" charset="0"/>
+              <a:cs typeface="Calibri" panose="020F0502020204030204" pitchFamily="34" charset="0"/>
+              <a:sym typeface="Wingdings" panose="05000000000000000000" pitchFamily="2" charset="2"/>
+            </a:endParaRPr>
+          </a:p>
+          <a:p>
+            <a:pPr algn="just"/>
+            <a:endParaRPr lang="it-IT" dirty="0">
+              <a:latin typeface="Calibri" panose="020F0502020204030204" pitchFamily="34" charset="0"/>
+              <a:cs typeface="Calibri" panose="020F0502020204030204" pitchFamily="34" charset="0"/>
+              <a:sym typeface="Wingdings" panose="05000000000000000000" pitchFamily="2" charset="2"/>
+            </a:endParaRPr>
+          </a:p>
+          <a:p>
+            <a:pPr algn="just"/>
+            <a:endParaRPr lang="it-IT" dirty="0">
+              <a:latin typeface="Calibri" panose="020F0502020204030204" pitchFamily="34" charset="0"/>
+              <a:cs typeface="Calibri" panose="020F0502020204030204" pitchFamily="34" charset="0"/>
+              <a:sym typeface="Wingdings" panose="05000000000000000000" pitchFamily="2" charset="2"/>
+            </a:endParaRPr>
+          </a:p>
+          <a:p>
+            <a:pPr marL="285750" indent="-285750" algn="just">
+              <a:buFont typeface="Arial" panose="020B0604020202020204" pitchFamily="34" charset="0"/>
+              <a:buChar char="•"/>
+            </a:pPr>
+            <a:r>
+              <a:rPr lang="it-IT" b="1" i="1" dirty="0" err="1">
+                <a:solidFill>
+                  <a:schemeClr val="accent1"/>
+                </a:solidFill>
+                <a:latin typeface="Calibri" panose="020F0502020204030204" pitchFamily="34" charset="0"/>
+                <a:cs typeface="Calibri" panose="020F0502020204030204" pitchFamily="34" charset="0"/>
+              </a:rPr>
+              <a:t>Tweepy</a:t>
+            </a:r>
+            <a:r>
+              <a:rPr lang="it-IT" i="1" dirty="0">
+                <a:latin typeface="Calibri" panose="020F0502020204030204" pitchFamily="34" charset="0"/>
+                <a:cs typeface="Calibri" panose="020F0502020204030204" pitchFamily="34" charset="0"/>
+              </a:rPr>
+              <a:t> </a:t>
+            </a:r>
+            <a:r>
+              <a:rPr lang="it-IT" dirty="0">
+                <a:latin typeface="Calibri" panose="020F0502020204030204" pitchFamily="34" charset="0"/>
+                <a:cs typeface="Calibri" panose="020F0502020204030204" pitchFamily="34" charset="0"/>
+              </a:rPr>
+              <a:t>permette di gestire vari tipi di errore tra cui </a:t>
+            </a:r>
+            <a:r>
+              <a:rPr lang="it-IT" b="1" i="1" dirty="0" err="1">
+                <a:latin typeface="Calibri" panose="020F0502020204030204" pitchFamily="34" charset="0"/>
+                <a:cs typeface="Calibri" panose="020F0502020204030204" pitchFamily="34" charset="0"/>
+              </a:rPr>
+              <a:t>RateLimitError</a:t>
+            </a:r>
+            <a:r>
+              <a:rPr lang="it-IT" dirty="0">
+                <a:latin typeface="Calibri" panose="020F0502020204030204" pitchFamily="34" charset="0"/>
+                <a:cs typeface="Calibri" panose="020F0502020204030204" pitchFamily="34" charset="0"/>
+              </a:rPr>
+              <a:t>, che </a:t>
+            </a:r>
+          </a:p>
+          <a:p>
+            <a:pPr algn="just"/>
+            <a:r>
+              <a:rPr lang="it-IT" dirty="0">
+                <a:latin typeface="Calibri" panose="020F0502020204030204" pitchFamily="34" charset="0"/>
+                <a:cs typeface="Calibri" panose="020F0502020204030204" pitchFamily="34" charset="0"/>
+              </a:rPr>
+              <a:t>      insorge quando viene superata la soglia di traffico di 100 richieste ogni </a:t>
+            </a:r>
+          </a:p>
+          <a:p>
+            <a:pPr algn="just"/>
+            <a:r>
+              <a:rPr lang="it-IT" dirty="0">
+                <a:latin typeface="Calibri" panose="020F0502020204030204" pitchFamily="34" charset="0"/>
+                <a:cs typeface="Calibri" panose="020F0502020204030204" pitchFamily="34" charset="0"/>
+              </a:rPr>
+              <a:t>     15 minuti, gestendo l’eccezione in un blocco </a:t>
+            </a:r>
+            <a:r>
+              <a:rPr lang="it-IT" b="1" i="1" dirty="0" err="1">
+                <a:solidFill>
+                  <a:srgbClr val="C00000"/>
+                </a:solidFill>
+                <a:latin typeface="Calibri" panose="020F0502020204030204" pitchFamily="34" charset="0"/>
+                <a:cs typeface="Calibri" panose="020F0502020204030204" pitchFamily="34" charset="0"/>
+              </a:rPr>
+              <a:t>try</a:t>
+            </a:r>
+            <a:r>
+              <a:rPr lang="it-IT" b="1" i="1" dirty="0">
+                <a:solidFill>
+                  <a:srgbClr val="C00000"/>
+                </a:solidFill>
+                <a:latin typeface="Calibri" panose="020F0502020204030204" pitchFamily="34" charset="0"/>
+                <a:cs typeface="Calibri" panose="020F0502020204030204" pitchFamily="34" charset="0"/>
+              </a:rPr>
+              <a:t>/</a:t>
+            </a:r>
+            <a:r>
+              <a:rPr lang="it-IT" b="1" i="1" dirty="0" err="1">
+                <a:solidFill>
+                  <a:srgbClr val="C00000"/>
+                </a:solidFill>
+                <a:latin typeface="Calibri" panose="020F0502020204030204" pitchFamily="34" charset="0"/>
+                <a:cs typeface="Calibri" panose="020F0502020204030204" pitchFamily="34" charset="0"/>
+              </a:rPr>
+              <a:t>except</a:t>
+            </a:r>
+            <a:r>
+              <a:rPr lang="it-IT" dirty="0">
+                <a:latin typeface="Calibri" panose="020F0502020204030204" pitchFamily="34" charset="0"/>
+                <a:cs typeface="Calibri" panose="020F0502020204030204" pitchFamily="34" charset="0"/>
+              </a:rPr>
+              <a:t>.</a:t>
+            </a:r>
+            <a:endParaRPr lang="it-IT" dirty="0">
+              <a:latin typeface="Calibri" panose="020F0502020204030204" pitchFamily="34" charset="0"/>
+              <a:cs typeface="Calibri" panose="020F0502020204030204" pitchFamily="34" charset="0"/>
+              <a:sym typeface="Wingdings" panose="05000000000000000000" pitchFamily="2" charset="2"/>
+            </a:endParaRPr>
+          </a:p>
+          <a:p>
+            <a:pPr algn="just"/>
+            <a:endParaRPr lang="it-IT" dirty="0">
+              <a:latin typeface="Calibri" panose="020F0502020204030204" pitchFamily="34" charset="0"/>
+              <a:cs typeface="Calibri" panose="020F0502020204030204" pitchFamily="34" charset="0"/>
+              <a:sym typeface="Wingdings" panose="05000000000000000000" pitchFamily="2" charset="2"/>
+            </a:endParaRPr>
+          </a:p>
+          <a:p>
+            <a:pPr algn="just"/>
+            <a:endParaRPr lang="it-IT" dirty="0">
+              <a:latin typeface="Calibri" panose="020F0502020204030204" pitchFamily="34" charset="0"/>
+              <a:cs typeface="Calibri" panose="020F0502020204030204" pitchFamily="34" charset="0"/>
+              <a:sym typeface="Wingdings" panose="05000000000000000000" pitchFamily="2" charset="2"/>
+            </a:endParaRPr>
+          </a:p>
+        </p:txBody>
+      </p:sp>
+      <p:sp>
+        <p:nvSpPr>
+          <p:cNvPr id="7" name="Freccia a destra 6">
+            <a:extLst>
+              <a:ext uri="{FF2B5EF4-FFF2-40B4-BE49-F238E27FC236}">
+                <a16:creationId xmlns:a16="http://schemas.microsoft.com/office/drawing/2014/main" id="{CD2A3987-F483-4038-AA85-8FB867750F2A}"/>
+              </a:ext>
+            </a:extLst>
+          </p:cNvPr>
+          <p:cNvSpPr/>
+          <p:nvPr/>
+        </p:nvSpPr>
+        <p:spPr>
+          <a:xfrm>
+            <a:off x="7884368" y="5805264"/>
+            <a:ext cx="864096" cy="504056"/>
+          </a:xfrm>
+          <a:prstGeom prst="rightArrow">
+            <a:avLst/>
+          </a:prstGeom>
+          <a:noFill/>
+        </p:spPr>
+        <p:style>
+          <a:lnRef idx="2">
+            <a:schemeClr val="accent1">
+              <a:shade val="50000"/>
+            </a:schemeClr>
+          </a:lnRef>
+          <a:fillRef idx="1">
+            <a:schemeClr val="accent1"/>
+          </a:fillRef>
+          <a:effectRef idx="0">
+            <a:schemeClr val="accent1"/>
+          </a:effectRef>
+          <a:fontRef idx="minor">
+            <a:schemeClr val="lt1"/>
+          </a:fontRef>
+        </p:style>
+        <p:txBody>
+          <a:bodyPr rtlCol="0" anchor="ctr"/>
+          <a:lstStyle/>
+          <a:p>
+            <a:pPr algn="ctr"/>
+            <a:endParaRPr lang="it-IT" dirty="0"/>
+          </a:p>
+        </p:txBody>
+      </p:sp>
+    </p:spTree>
+    <p:extLst>
+      <p:ext uri="{BB962C8B-B14F-4D97-AF65-F5344CB8AC3E}">
+        <p14:creationId xmlns:p14="http://schemas.microsoft.com/office/powerpoint/2010/main" val="3985750803"/>
+      </p:ext>
+    </p:extLst>
+  </p:cSld>
+  <p:clrMapOvr>
+    <a:masterClrMapping/>
+  </p:clrMapOvr>
+</p:sld>
+</file>
+
+<file path=ppt/slides/slide17.xml><?xml version="1.0" encoding="utf-8"?>
+<p:sld xmlns:a="http://schemas.openxmlformats.org/drawingml/2006/main" xmlns:r="http://schemas.openxmlformats.org/officeDocument/2006/relationships" xmlns:p="http://schemas.openxmlformats.org/presentationml/2006/main">
+  <p:cSld>
+    <p:spTree>
+      <p:nvGrpSpPr>
+        <p:cNvPr id="1" name=""/>
+        <p:cNvGrpSpPr/>
+        <p:nvPr/>
+      </p:nvGrpSpPr>
+      <p:grpSpPr>
+        <a:xfrm>
+          <a:off x="0" y="0"/>
+          <a:ext cx="0" cy="0"/>
+          <a:chOff x="0" y="0"/>
+          <a:chExt cx="0" cy="0"/>
+        </a:xfrm>
+      </p:grpSpPr>
+      <p:sp>
+        <p:nvSpPr>
+          <p:cNvPr id="5" name="Title 3">
+            <a:extLst>
+              <a:ext uri="{FF2B5EF4-FFF2-40B4-BE49-F238E27FC236}">
+                <a16:creationId xmlns:a16="http://schemas.microsoft.com/office/drawing/2014/main" id="{FA269D4B-3754-4570-94B4-840809F1DD9D}"/>
+              </a:ext>
+            </a:extLst>
+          </p:cNvPr>
+          <p:cNvSpPr>
+            <a:spLocks noGrp="1"/>
+          </p:cNvSpPr>
+          <p:nvPr>
+            <p:ph type="title"/>
+          </p:nvPr>
+        </p:nvSpPr>
+        <p:spPr>
+          <a:xfrm>
+            <a:off x="0" y="21787"/>
+            <a:ext cx="9144000" cy="1069514"/>
+          </a:xfrm>
+        </p:spPr>
+        <p:txBody>
+          <a:bodyPr>
+            <a:scene3d>
+              <a:camera prst="orthographicFront"/>
+              <a:lightRig rig="threePt" dir="t"/>
+            </a:scene3d>
+            <a:sp3d extrusionH="57150">
+              <a:bevelT w="82550" h="38100" prst="coolSlant"/>
+            </a:sp3d>
+          </a:bodyPr>
+          <a:lstStyle/>
+          <a:p>
+            <a:pPr algn="ctr"/>
+            <a:r>
+              <a:rPr lang="en-US" altLang="ko-KR" dirty="0">
+                <a:solidFill>
+                  <a:schemeClr val="accent5">
+                    <a:lumMod val="75000"/>
+                  </a:schemeClr>
+                </a:solidFill>
+              </a:rPr>
+              <a:t>1 - </a:t>
+            </a:r>
+            <a:r>
+              <a:rPr lang="en-US" altLang="ko-KR" dirty="0" err="1">
+                <a:solidFill>
+                  <a:schemeClr val="accent5">
+                    <a:lumMod val="75000"/>
+                  </a:schemeClr>
+                </a:solidFill>
+              </a:rPr>
+              <a:t>Raccolta</a:t>
+            </a:r>
+            <a:r>
+              <a:rPr lang="en-US" altLang="ko-KR" dirty="0">
+                <a:solidFill>
+                  <a:schemeClr val="accent5">
+                    <a:lumMod val="75000"/>
+                  </a:schemeClr>
+                </a:solidFill>
+              </a:rPr>
+              <a:t> </a:t>
+            </a:r>
+            <a:r>
+              <a:rPr lang="en-US" altLang="ko-KR" dirty="0" err="1">
+                <a:solidFill>
+                  <a:schemeClr val="accent5">
+                    <a:lumMod val="75000"/>
+                  </a:schemeClr>
+                </a:solidFill>
+              </a:rPr>
+              <a:t>dati</a:t>
+            </a:r>
+            <a:endParaRPr lang="ko-KR" altLang="en-US" dirty="0">
+              <a:solidFill>
+                <a:schemeClr val="accent5">
+                  <a:lumMod val="75000"/>
+                </a:schemeClr>
+              </a:solidFill>
+            </a:endParaRPr>
+          </a:p>
+        </p:txBody>
+      </p:sp>
+      <p:sp>
+        <p:nvSpPr>
+          <p:cNvPr id="6" name="Rettangolo 5">
+            <a:extLst>
+              <a:ext uri="{FF2B5EF4-FFF2-40B4-BE49-F238E27FC236}">
+                <a16:creationId xmlns:a16="http://schemas.microsoft.com/office/drawing/2014/main" id="{E905DEB8-2BFA-41BE-9967-84ECE44648DF}"/>
+              </a:ext>
+            </a:extLst>
+          </p:cNvPr>
+          <p:cNvSpPr/>
+          <p:nvPr/>
+        </p:nvSpPr>
+        <p:spPr>
+          <a:xfrm>
+            <a:off x="1619672" y="1352957"/>
+            <a:ext cx="7524328" cy="3416320"/>
+          </a:xfrm>
+          <a:prstGeom prst="rect">
+            <a:avLst/>
+          </a:prstGeom>
+        </p:spPr>
+        <p:txBody>
+          <a:bodyPr wrap="square">
+            <a:spAutoFit/>
+          </a:bodyPr>
+          <a:lstStyle/>
+          <a:p>
+            <a:pPr marL="285750" indent="-285750">
+              <a:buFont typeface="Arial" panose="020B0604020202020204" pitchFamily="34" charset="0"/>
+              <a:buChar char="•"/>
+            </a:pPr>
+            <a:r>
+              <a:rPr lang="it-IT" dirty="0">
+                <a:latin typeface="Calibri" panose="020F0502020204030204" pitchFamily="34" charset="0"/>
+                <a:cs typeface="Calibri" panose="020F0502020204030204" pitchFamily="34" charset="0"/>
+              </a:rPr>
+              <a:t>La libreria </a:t>
+            </a:r>
+            <a:r>
+              <a:rPr lang="it-IT" b="1" i="1" dirty="0" err="1">
+                <a:latin typeface="Calibri" panose="020F0502020204030204" pitchFamily="34" charset="0"/>
+                <a:cs typeface="Calibri" panose="020F0502020204030204" pitchFamily="34" charset="0"/>
+              </a:rPr>
+              <a:t>GetOldTweets</a:t>
+            </a:r>
+            <a:r>
+              <a:rPr lang="it-IT" i="1" dirty="0">
+                <a:latin typeface="Calibri" panose="020F0502020204030204" pitchFamily="34" charset="0"/>
+                <a:cs typeface="Calibri" panose="020F0502020204030204" pitchFamily="34" charset="0"/>
+              </a:rPr>
+              <a:t> </a:t>
+            </a:r>
+            <a:r>
+              <a:rPr lang="it-IT" dirty="0">
+                <a:latin typeface="Calibri" panose="020F0502020204030204" pitchFamily="34" charset="0"/>
+                <a:cs typeface="Calibri" panose="020F0502020204030204" pitchFamily="34" charset="0"/>
+              </a:rPr>
+              <a:t>permette di </a:t>
+            </a:r>
+            <a:r>
+              <a:rPr lang="it-IT" i="1" dirty="0">
+                <a:latin typeface="Calibri" panose="020F0502020204030204" pitchFamily="34" charset="0"/>
+                <a:cs typeface="Calibri" panose="020F0502020204030204" pitchFamily="34" charset="0"/>
+              </a:rPr>
+              <a:t>bypassare </a:t>
+            </a:r>
+            <a:r>
+              <a:rPr lang="it-IT" dirty="0">
+                <a:latin typeface="Calibri" panose="020F0502020204030204" pitchFamily="34" charset="0"/>
+                <a:cs typeface="Calibri" panose="020F0502020204030204" pitchFamily="34" charset="0"/>
+              </a:rPr>
+              <a:t>l’</a:t>
+            </a:r>
+            <a:r>
+              <a:rPr lang="it-IT" b="1" i="1" dirty="0">
+                <a:solidFill>
+                  <a:srgbClr val="C00000"/>
+                </a:solidFill>
+                <a:latin typeface="Calibri" panose="020F0502020204030204" pitchFamily="34" charset="0"/>
+                <a:cs typeface="Calibri" panose="020F0502020204030204" pitchFamily="34" charset="0"/>
+              </a:rPr>
+              <a:t>API </a:t>
+            </a:r>
+            <a:r>
+              <a:rPr lang="it-IT" dirty="0">
+                <a:latin typeface="Calibri" panose="020F0502020204030204" pitchFamily="34" charset="0"/>
+                <a:cs typeface="Calibri" panose="020F0502020204030204" pitchFamily="34" charset="0"/>
+              </a:rPr>
+              <a:t>ufficiale e di ottenere </a:t>
+            </a:r>
+          </a:p>
+          <a:p>
+            <a:r>
+              <a:rPr lang="it-IT" i="1" dirty="0">
+                <a:latin typeface="Calibri" panose="020F0502020204030204" pitchFamily="34" charset="0"/>
+                <a:cs typeface="Calibri" panose="020F0502020204030204" pitchFamily="34" charset="0"/>
+              </a:rPr>
+              <a:t>      </a:t>
+            </a:r>
+            <a:r>
+              <a:rPr lang="it-IT" i="1" dirty="0" err="1">
+                <a:latin typeface="Calibri" panose="020F0502020204030204" pitchFamily="34" charset="0"/>
+                <a:cs typeface="Calibri" panose="020F0502020204030204" pitchFamily="34" charset="0"/>
+              </a:rPr>
+              <a:t>tweets</a:t>
+            </a:r>
+            <a:r>
+              <a:rPr lang="it-IT" i="1" dirty="0">
+                <a:latin typeface="Calibri" panose="020F0502020204030204" pitchFamily="34" charset="0"/>
+                <a:cs typeface="Calibri" panose="020F0502020204030204" pitchFamily="34" charset="0"/>
+              </a:rPr>
+              <a:t> </a:t>
+            </a:r>
+            <a:r>
+              <a:rPr lang="it-IT" dirty="0">
+                <a:latin typeface="Calibri" panose="020F0502020204030204" pitchFamily="34" charset="0"/>
+                <a:cs typeface="Calibri" panose="020F0502020204030204" pitchFamily="34" charset="0"/>
+              </a:rPr>
+              <a:t>più vecchi di una settimana.</a:t>
+            </a:r>
+          </a:p>
+          <a:p>
+            <a:endParaRPr lang="it-IT" dirty="0">
+              <a:latin typeface="Calibri" panose="020F0502020204030204" pitchFamily="34" charset="0"/>
+              <a:cs typeface="Calibri" panose="020F0502020204030204" pitchFamily="34" charset="0"/>
+              <a:sym typeface="Wingdings" panose="05000000000000000000" pitchFamily="2" charset="2"/>
+            </a:endParaRPr>
+          </a:p>
+          <a:p>
+            <a:endParaRPr lang="it-IT" dirty="0">
+              <a:latin typeface="Calibri" panose="020F0502020204030204" pitchFamily="34" charset="0"/>
+              <a:cs typeface="Calibri" panose="020F0502020204030204" pitchFamily="34" charset="0"/>
+              <a:sym typeface="Wingdings" panose="05000000000000000000" pitchFamily="2" charset="2"/>
+            </a:endParaRPr>
+          </a:p>
+          <a:p>
+            <a:pPr marL="285750" indent="-285750">
+              <a:buFont typeface="Arial" panose="020B0604020202020204" pitchFamily="34" charset="0"/>
+              <a:buChar char="•"/>
+            </a:pPr>
+            <a:r>
+              <a:rPr lang="it-IT" dirty="0">
+                <a:latin typeface="Calibri" panose="020F0502020204030204" pitchFamily="34" charset="0"/>
+                <a:cs typeface="Calibri" panose="020F0502020204030204" pitchFamily="34" charset="0"/>
+              </a:rPr>
+              <a:t>Sfrutta la funzione </a:t>
+            </a:r>
+            <a:r>
+              <a:rPr lang="it-IT" i="1" dirty="0">
+                <a:latin typeface="Calibri" panose="020F0502020204030204" pitchFamily="34" charset="0"/>
+                <a:cs typeface="Calibri" panose="020F0502020204030204" pitchFamily="34" charset="0"/>
+              </a:rPr>
+              <a:t>scroll </a:t>
+            </a:r>
+            <a:r>
+              <a:rPr lang="it-IT" dirty="0">
+                <a:latin typeface="Calibri" panose="020F0502020204030204" pitchFamily="34" charset="0"/>
+                <a:cs typeface="Calibri" panose="020F0502020204030204" pitchFamily="34" charset="0"/>
+              </a:rPr>
+              <a:t>della pagina di </a:t>
+            </a:r>
+            <a:r>
+              <a:rPr lang="it-IT" b="1" i="1" dirty="0">
+                <a:solidFill>
+                  <a:schemeClr val="accent1"/>
+                </a:solidFill>
+                <a:latin typeface="Calibri" panose="020F0502020204030204" pitchFamily="34" charset="0"/>
+                <a:cs typeface="Calibri" panose="020F0502020204030204" pitchFamily="34" charset="0"/>
+              </a:rPr>
+              <a:t>Twitter</a:t>
+            </a:r>
+            <a:r>
+              <a:rPr lang="it-IT" i="1" dirty="0">
+                <a:latin typeface="Calibri" panose="020F0502020204030204" pitchFamily="34" charset="0"/>
+                <a:cs typeface="Calibri" panose="020F0502020204030204" pitchFamily="34" charset="0"/>
+              </a:rPr>
+              <a:t>.</a:t>
+            </a:r>
+            <a:endParaRPr lang="it-IT" dirty="0">
+              <a:latin typeface="Calibri" panose="020F0502020204030204" pitchFamily="34" charset="0"/>
+              <a:cs typeface="Calibri" panose="020F0502020204030204" pitchFamily="34" charset="0"/>
+              <a:sym typeface="Wingdings" panose="05000000000000000000" pitchFamily="2" charset="2"/>
+            </a:endParaRPr>
+          </a:p>
+          <a:p>
+            <a:pPr algn="just"/>
+            <a:endParaRPr lang="it-IT" dirty="0">
+              <a:latin typeface="Calibri" panose="020F0502020204030204" pitchFamily="34" charset="0"/>
+              <a:cs typeface="Calibri" panose="020F0502020204030204" pitchFamily="34" charset="0"/>
+              <a:sym typeface="Wingdings" panose="05000000000000000000" pitchFamily="2" charset="2"/>
+            </a:endParaRPr>
+          </a:p>
+          <a:p>
+            <a:pPr algn="just"/>
+            <a:endParaRPr lang="it-IT" dirty="0">
+              <a:latin typeface="Calibri" panose="020F0502020204030204" pitchFamily="34" charset="0"/>
+              <a:cs typeface="Calibri" panose="020F0502020204030204" pitchFamily="34" charset="0"/>
+              <a:sym typeface="Wingdings" panose="05000000000000000000" pitchFamily="2" charset="2"/>
+            </a:endParaRPr>
+          </a:p>
+          <a:p>
+            <a:pPr marL="285750" indent="-285750" algn="just">
+              <a:buFont typeface="Arial" panose="020B0604020202020204" pitchFamily="34" charset="0"/>
+              <a:buChar char="•"/>
+            </a:pPr>
+            <a:r>
+              <a:rPr lang="it-IT" dirty="0">
+                <a:latin typeface="Calibri" panose="020F0502020204030204" pitchFamily="34" charset="0"/>
+                <a:cs typeface="Calibri" panose="020F0502020204030204" pitchFamily="34" charset="0"/>
+                <a:sym typeface="Wingdings" panose="05000000000000000000" pitchFamily="2" charset="2"/>
+              </a:rPr>
+              <a:t>Tramite chiamate successive ad un provider </a:t>
+            </a:r>
+            <a:r>
+              <a:rPr lang="it-IT" b="1" i="1" dirty="0">
+                <a:latin typeface="Calibri" panose="020F0502020204030204" pitchFamily="34" charset="0"/>
+                <a:cs typeface="Calibri" panose="020F0502020204030204" pitchFamily="34" charset="0"/>
+                <a:sym typeface="Wingdings" panose="05000000000000000000" pitchFamily="2" charset="2"/>
+              </a:rPr>
+              <a:t>JSON</a:t>
+            </a:r>
+            <a:r>
+              <a:rPr lang="it-IT" dirty="0">
+                <a:latin typeface="Calibri" panose="020F0502020204030204" pitchFamily="34" charset="0"/>
+                <a:cs typeface="Calibri" panose="020F0502020204030204" pitchFamily="34" charset="0"/>
+                <a:sym typeface="Wingdings" panose="05000000000000000000" pitchFamily="2" charset="2"/>
+              </a:rPr>
+              <a:t> ottiene </a:t>
+            </a:r>
+            <a:r>
+              <a:rPr lang="it-IT" dirty="0" err="1">
+                <a:latin typeface="Calibri" panose="020F0502020204030204" pitchFamily="34" charset="0"/>
+                <a:cs typeface="Calibri" panose="020F0502020204030204" pitchFamily="34" charset="0"/>
+                <a:sym typeface="Wingdings" panose="05000000000000000000" pitchFamily="2" charset="2"/>
+              </a:rPr>
+              <a:t>tweets</a:t>
+            </a:r>
+            <a:r>
+              <a:rPr lang="it-IT" dirty="0">
+                <a:latin typeface="Calibri" panose="020F0502020204030204" pitchFamily="34" charset="0"/>
+                <a:cs typeface="Calibri" panose="020F0502020204030204" pitchFamily="34" charset="0"/>
+                <a:sym typeface="Wingdings" panose="05000000000000000000" pitchFamily="2" charset="2"/>
+              </a:rPr>
+              <a:t>, relativi </a:t>
+            </a:r>
+          </a:p>
+          <a:p>
+            <a:pPr algn="just"/>
+            <a:r>
+              <a:rPr lang="it-IT" dirty="0">
+                <a:latin typeface="Calibri" panose="020F0502020204030204" pitchFamily="34" charset="0"/>
+                <a:cs typeface="Calibri" panose="020F0502020204030204" pitchFamily="34" charset="0"/>
+                <a:sym typeface="Wingdings" panose="05000000000000000000" pitchFamily="2" charset="2"/>
+              </a:rPr>
+              <a:t>      all’</a:t>
+            </a:r>
+            <a:r>
+              <a:rPr lang="it-IT" b="1" i="1" dirty="0">
+                <a:latin typeface="Calibri" panose="020F0502020204030204" pitchFamily="34" charset="0"/>
+                <a:cs typeface="Calibri" panose="020F0502020204030204" pitchFamily="34" charset="0"/>
+                <a:sym typeface="Wingdings" panose="05000000000000000000" pitchFamily="2" charset="2"/>
+              </a:rPr>
+              <a:t>hashtag</a:t>
+            </a:r>
+            <a:r>
+              <a:rPr lang="it-IT" dirty="0">
+                <a:latin typeface="Calibri" panose="020F0502020204030204" pitchFamily="34" charset="0"/>
+                <a:cs typeface="Calibri" panose="020F0502020204030204" pitchFamily="34" charset="0"/>
+                <a:sym typeface="Wingdings" panose="05000000000000000000" pitchFamily="2" charset="2"/>
+              </a:rPr>
+              <a:t> che si sta cercando, via via più vecchi.</a:t>
+            </a:r>
+          </a:p>
+          <a:p>
+            <a:pPr algn="just"/>
+            <a:endParaRPr lang="it-IT" dirty="0">
+              <a:latin typeface="Calibri" panose="020F0502020204030204" pitchFamily="34" charset="0"/>
+              <a:cs typeface="Calibri" panose="020F0502020204030204" pitchFamily="34" charset="0"/>
+              <a:sym typeface="Wingdings" panose="05000000000000000000" pitchFamily="2" charset="2"/>
+            </a:endParaRPr>
+          </a:p>
+          <a:p>
+            <a:pPr algn="just"/>
+            <a:endParaRPr lang="it-IT" dirty="0">
+              <a:latin typeface="Calibri" panose="020F0502020204030204" pitchFamily="34" charset="0"/>
+              <a:cs typeface="Calibri" panose="020F0502020204030204" pitchFamily="34" charset="0"/>
+              <a:sym typeface="Wingdings" panose="05000000000000000000" pitchFamily="2" charset="2"/>
+            </a:endParaRPr>
+          </a:p>
+          <a:p>
+            <a:pPr marL="285750" indent="-285750" algn="just">
+              <a:buFont typeface="Arial" panose="020B0604020202020204" pitchFamily="34" charset="0"/>
+              <a:buChar char="•"/>
+            </a:pPr>
+            <a:r>
+              <a:rPr lang="it-IT" dirty="0">
+                <a:latin typeface="Calibri" panose="020F0502020204030204" pitchFamily="34" charset="0"/>
+                <a:cs typeface="Calibri" panose="020F0502020204030204" pitchFamily="34" charset="0"/>
+                <a:sym typeface="Wingdings" panose="05000000000000000000" pitchFamily="2" charset="2"/>
+              </a:rPr>
+              <a:t>Riesce quindi ad evitare le limitazioni temporali delle </a:t>
+            </a:r>
+            <a:r>
+              <a:rPr lang="it-IT" b="1" i="1" dirty="0">
+                <a:solidFill>
+                  <a:srgbClr val="C00000"/>
+                </a:solidFill>
+                <a:latin typeface="Calibri" panose="020F0502020204030204" pitchFamily="34" charset="0"/>
+                <a:cs typeface="Calibri" panose="020F0502020204030204" pitchFamily="34" charset="0"/>
+                <a:sym typeface="Wingdings" panose="05000000000000000000" pitchFamily="2" charset="2"/>
+              </a:rPr>
+              <a:t>API</a:t>
+            </a:r>
+            <a:r>
+              <a:rPr lang="it-IT" i="1" dirty="0">
+                <a:latin typeface="Calibri" panose="020F0502020204030204" pitchFamily="34" charset="0"/>
+                <a:cs typeface="Calibri" panose="020F0502020204030204" pitchFamily="34" charset="0"/>
+                <a:sym typeface="Wingdings" panose="05000000000000000000" pitchFamily="2" charset="2"/>
+              </a:rPr>
+              <a:t> </a:t>
+            </a:r>
+            <a:r>
+              <a:rPr lang="it-IT" dirty="0">
+                <a:latin typeface="Calibri" panose="020F0502020204030204" pitchFamily="34" charset="0"/>
+                <a:cs typeface="Calibri" panose="020F0502020204030204" pitchFamily="34" charset="0"/>
+                <a:sym typeface="Wingdings" panose="05000000000000000000" pitchFamily="2" charset="2"/>
+              </a:rPr>
+              <a:t>di </a:t>
+            </a:r>
+            <a:r>
+              <a:rPr lang="it-IT" b="1" i="1" dirty="0">
+                <a:solidFill>
+                  <a:schemeClr val="accent1"/>
+                </a:solidFill>
+                <a:latin typeface="Calibri" panose="020F0502020204030204" pitchFamily="34" charset="0"/>
+                <a:cs typeface="Calibri" panose="020F0502020204030204" pitchFamily="34" charset="0"/>
+                <a:sym typeface="Wingdings" panose="05000000000000000000" pitchFamily="2" charset="2"/>
+              </a:rPr>
+              <a:t>Twitter</a:t>
+            </a:r>
+            <a:r>
+              <a:rPr lang="it-IT" dirty="0">
+                <a:latin typeface="Calibri" panose="020F0502020204030204" pitchFamily="34" charset="0"/>
+                <a:cs typeface="Calibri" panose="020F0502020204030204" pitchFamily="34" charset="0"/>
+                <a:sym typeface="Wingdings" panose="05000000000000000000" pitchFamily="2" charset="2"/>
+              </a:rPr>
+              <a:t>.</a:t>
+            </a:r>
+          </a:p>
+        </p:txBody>
+      </p:sp>
+    </p:spTree>
+    <p:extLst>
+      <p:ext uri="{BB962C8B-B14F-4D97-AF65-F5344CB8AC3E}">
+        <p14:creationId xmlns:p14="http://schemas.microsoft.com/office/powerpoint/2010/main" val="2758351684"/>
+      </p:ext>
+    </p:extLst>
+  </p:cSld>
+  <p:clrMapOvr>
+    <a:masterClrMapping/>
+  </p:clrMapOvr>
+</p:sld>
+</file>
+
+<file path=ppt/slides/slide18.xml><?xml version="1.0" encoding="utf-8"?>
+<p:sld xmlns:a="http://schemas.openxmlformats.org/drawingml/2006/main" xmlns:r="http://schemas.openxmlformats.org/officeDocument/2006/relationships" xmlns:p="http://schemas.openxmlformats.org/presentationml/2006/main">
+  <p:cSld>
+    <p:spTree>
+      <p:nvGrpSpPr>
+        <p:cNvPr id="1" name=""/>
+        <p:cNvGrpSpPr/>
+        <p:nvPr/>
+      </p:nvGrpSpPr>
+      <p:grpSpPr>
+        <a:xfrm>
+          <a:off x="0" y="0"/>
+          <a:ext cx="0" cy="0"/>
+          <a:chOff x="0" y="0"/>
+          <a:chExt cx="0" cy="0"/>
+        </a:xfrm>
+      </p:grpSpPr>
+      <p:sp>
+        <p:nvSpPr>
+          <p:cNvPr id="5" name="Title 3">
+            <a:extLst>
+              <a:ext uri="{FF2B5EF4-FFF2-40B4-BE49-F238E27FC236}">
+                <a16:creationId xmlns:a16="http://schemas.microsoft.com/office/drawing/2014/main" id="{D5B2E943-4D76-47C0-AFF3-70EEC7B728A0}"/>
+              </a:ext>
+            </a:extLst>
+          </p:cNvPr>
+          <p:cNvSpPr>
+            <a:spLocks noGrp="1"/>
+          </p:cNvSpPr>
+          <p:nvPr>
+            <p:ph type="title"/>
+          </p:nvPr>
+        </p:nvSpPr>
+        <p:spPr>
+          <a:xfrm>
+            <a:off x="0" y="21787"/>
+            <a:ext cx="9144000" cy="1069514"/>
+          </a:xfrm>
+        </p:spPr>
+        <p:txBody>
+          <a:bodyPr>
+            <a:scene3d>
+              <a:camera prst="orthographicFront"/>
+              <a:lightRig rig="threePt" dir="t"/>
+            </a:scene3d>
+            <a:sp3d extrusionH="57150">
+              <a:bevelT w="82550" h="38100" prst="coolSlant"/>
+            </a:sp3d>
+          </a:bodyPr>
+          <a:lstStyle/>
+          <a:p>
+            <a:pPr algn="ctr"/>
+            <a:r>
+              <a:rPr lang="en-US" altLang="ko-KR" dirty="0">
+                <a:solidFill>
+                  <a:schemeClr val="accent5">
+                    <a:lumMod val="75000"/>
+                  </a:schemeClr>
+                </a:solidFill>
+              </a:rPr>
+              <a:t>1 - </a:t>
+            </a:r>
+            <a:r>
+              <a:rPr lang="en-US" altLang="ko-KR" dirty="0" err="1">
+                <a:solidFill>
+                  <a:schemeClr val="accent5">
+                    <a:lumMod val="75000"/>
+                  </a:schemeClr>
+                </a:solidFill>
+              </a:rPr>
+              <a:t>Raccolta</a:t>
+            </a:r>
+            <a:r>
+              <a:rPr lang="en-US" altLang="ko-KR" dirty="0">
+                <a:solidFill>
+                  <a:schemeClr val="accent5">
+                    <a:lumMod val="75000"/>
+                  </a:schemeClr>
+                </a:solidFill>
+              </a:rPr>
+              <a:t> </a:t>
+            </a:r>
+            <a:r>
+              <a:rPr lang="en-US" altLang="ko-KR" dirty="0" err="1">
+                <a:solidFill>
+                  <a:schemeClr val="accent5">
+                    <a:lumMod val="75000"/>
+                  </a:schemeClr>
+                </a:solidFill>
+              </a:rPr>
+              <a:t>dati</a:t>
+            </a:r>
+            <a:endParaRPr lang="ko-KR" altLang="en-US" dirty="0">
+              <a:solidFill>
+                <a:schemeClr val="accent5">
+                  <a:lumMod val="75000"/>
+                </a:schemeClr>
+              </a:solidFill>
+            </a:endParaRPr>
+          </a:p>
+        </p:txBody>
+      </p:sp>
+      <p:sp>
+        <p:nvSpPr>
+          <p:cNvPr id="6" name="Rettangolo 5">
+            <a:extLst>
+              <a:ext uri="{FF2B5EF4-FFF2-40B4-BE49-F238E27FC236}">
+                <a16:creationId xmlns:a16="http://schemas.microsoft.com/office/drawing/2014/main" id="{E8861B7B-8A8E-4E0F-AC25-74535E87BCCE}"/>
+              </a:ext>
+            </a:extLst>
+          </p:cNvPr>
+          <p:cNvSpPr/>
+          <p:nvPr/>
+        </p:nvSpPr>
+        <p:spPr>
+          <a:xfrm>
+            <a:off x="1619672" y="1352957"/>
+            <a:ext cx="7524328" cy="5355312"/>
+          </a:xfrm>
+          <a:prstGeom prst="rect">
+            <a:avLst/>
+          </a:prstGeom>
+        </p:spPr>
+        <p:txBody>
+          <a:bodyPr wrap="square">
+            <a:spAutoFit/>
+          </a:bodyPr>
+          <a:lstStyle/>
+          <a:p>
+            <a:r>
+              <a:rPr lang="it-IT" dirty="0">
+                <a:latin typeface="Calibri" panose="020F0502020204030204" pitchFamily="34" charset="0"/>
+                <a:cs typeface="Calibri" panose="020F0502020204030204" pitchFamily="34" charset="0"/>
+                <a:sym typeface="Wingdings" panose="05000000000000000000" pitchFamily="2" charset="2"/>
+              </a:rPr>
+              <a:t>Articolazione del processo di </a:t>
+            </a:r>
+            <a:r>
+              <a:rPr lang="it-IT" b="1" dirty="0">
+                <a:latin typeface="Calibri" panose="020F0502020204030204" pitchFamily="34" charset="0"/>
+                <a:cs typeface="Calibri" panose="020F0502020204030204" pitchFamily="34" charset="0"/>
+                <a:sym typeface="Wingdings" panose="05000000000000000000" pitchFamily="2" charset="2"/>
+              </a:rPr>
+              <a:t>RACCOLTA DATI</a:t>
+            </a:r>
+            <a:r>
+              <a:rPr lang="it-IT" dirty="0">
+                <a:latin typeface="Calibri" panose="020F0502020204030204" pitchFamily="34" charset="0"/>
+                <a:cs typeface="Calibri" panose="020F0502020204030204" pitchFamily="34" charset="0"/>
+                <a:sym typeface="Wingdings" panose="05000000000000000000" pitchFamily="2" charset="2"/>
+              </a:rPr>
+              <a:t>:</a:t>
+            </a:r>
+          </a:p>
+          <a:p>
+            <a:endParaRPr lang="it-IT" dirty="0">
+              <a:latin typeface="Calibri" panose="020F0502020204030204" pitchFamily="34" charset="0"/>
+              <a:cs typeface="Calibri" panose="020F0502020204030204" pitchFamily="34" charset="0"/>
+              <a:sym typeface="Wingdings" panose="05000000000000000000" pitchFamily="2" charset="2"/>
+            </a:endParaRPr>
+          </a:p>
+          <a:p>
+            <a:endParaRPr lang="it-IT" dirty="0">
+              <a:latin typeface="Calibri" panose="020F0502020204030204" pitchFamily="34" charset="0"/>
+              <a:cs typeface="Calibri" panose="020F0502020204030204" pitchFamily="34" charset="0"/>
+              <a:sym typeface="Wingdings" panose="05000000000000000000" pitchFamily="2" charset="2"/>
+            </a:endParaRPr>
+          </a:p>
+          <a:p>
+            <a:pPr algn="ctr"/>
+            <a:r>
+              <a:rPr lang="it-IT" dirty="0">
+                <a:latin typeface="Calibri" panose="020F0502020204030204" pitchFamily="34" charset="0"/>
+                <a:cs typeface="Calibri" panose="020F0502020204030204" pitchFamily="34" charset="0"/>
+              </a:rPr>
+              <a:t>Specificare i parametri di ricerca (i.e. </a:t>
+            </a:r>
+            <a:r>
+              <a:rPr lang="it-IT" b="1" i="1" dirty="0" err="1">
+                <a:solidFill>
+                  <a:srgbClr val="C00000"/>
+                </a:solidFill>
+                <a:latin typeface="Calibri" panose="020F0502020204030204" pitchFamily="34" charset="0"/>
+                <a:cs typeface="Calibri" panose="020F0502020204030204" pitchFamily="34" charset="0"/>
+              </a:rPr>
+              <a:t>Since,Until,Hashtag</a:t>
+            </a:r>
+            <a:r>
+              <a:rPr lang="it-IT" dirty="0">
+                <a:latin typeface="Calibri" panose="020F0502020204030204" pitchFamily="34" charset="0"/>
+                <a:cs typeface="Calibri" panose="020F0502020204030204" pitchFamily="34" charset="0"/>
+              </a:rPr>
+              <a:t>).</a:t>
+            </a:r>
+          </a:p>
+          <a:p>
+            <a:pPr marL="342900" indent="-342900">
+              <a:buFont typeface="+mj-lt"/>
+              <a:buAutoNum type="arabicPeriod"/>
+            </a:pPr>
+            <a:endParaRPr lang="it-IT" dirty="0">
+              <a:latin typeface="Calibri" panose="020F0502020204030204" pitchFamily="34" charset="0"/>
+              <a:cs typeface="Calibri" panose="020F0502020204030204" pitchFamily="34" charset="0"/>
+              <a:sym typeface="Wingdings" panose="05000000000000000000" pitchFamily="2" charset="2"/>
+            </a:endParaRPr>
+          </a:p>
+          <a:p>
+            <a:pPr marL="342900" indent="-342900">
+              <a:buFont typeface="+mj-lt"/>
+              <a:buAutoNum type="arabicPeriod"/>
+            </a:pPr>
+            <a:endParaRPr lang="it-IT" dirty="0">
+              <a:latin typeface="Calibri" panose="020F0502020204030204" pitchFamily="34" charset="0"/>
+              <a:cs typeface="Calibri" panose="020F0502020204030204" pitchFamily="34" charset="0"/>
+              <a:sym typeface="Wingdings" panose="05000000000000000000" pitchFamily="2" charset="2"/>
+            </a:endParaRPr>
+          </a:p>
+          <a:p>
+            <a:pPr marL="342900" indent="-342900">
+              <a:buFont typeface="+mj-lt"/>
+              <a:buAutoNum type="arabicPeriod"/>
+            </a:pPr>
+            <a:endParaRPr lang="it-IT" dirty="0">
+              <a:latin typeface="Calibri" panose="020F0502020204030204" pitchFamily="34" charset="0"/>
+              <a:cs typeface="Calibri" panose="020F0502020204030204" pitchFamily="34" charset="0"/>
+              <a:sym typeface="Wingdings" panose="05000000000000000000" pitchFamily="2" charset="2"/>
+            </a:endParaRPr>
+          </a:p>
+          <a:p>
+            <a:pPr algn="ctr"/>
+            <a:r>
+              <a:rPr lang="it-IT" dirty="0">
+                <a:latin typeface="Calibri" panose="020F0502020204030204" pitchFamily="34" charset="0"/>
+                <a:cs typeface="Calibri" panose="020F0502020204030204" pitchFamily="34" charset="0"/>
+              </a:rPr>
+              <a:t>Recuperare dal </a:t>
+            </a:r>
+            <a:r>
+              <a:rPr lang="it-IT" i="1" dirty="0">
+                <a:latin typeface="Calibri" panose="020F0502020204030204" pitchFamily="34" charset="0"/>
+                <a:cs typeface="Calibri" panose="020F0502020204030204" pitchFamily="34" charset="0"/>
+              </a:rPr>
+              <a:t>social network di </a:t>
+            </a:r>
+            <a:r>
+              <a:rPr lang="it-IT" b="1" i="1" dirty="0">
+                <a:solidFill>
+                  <a:schemeClr val="accent1"/>
+                </a:solidFill>
+                <a:latin typeface="Calibri" panose="020F0502020204030204" pitchFamily="34" charset="0"/>
+                <a:cs typeface="Calibri" panose="020F0502020204030204" pitchFamily="34" charset="0"/>
+              </a:rPr>
+              <a:t>Twitter</a:t>
+            </a:r>
+            <a:r>
+              <a:rPr lang="it-IT" i="1" dirty="0">
+                <a:latin typeface="Calibri" panose="020F0502020204030204" pitchFamily="34" charset="0"/>
+                <a:cs typeface="Calibri" panose="020F0502020204030204" pitchFamily="34" charset="0"/>
+              </a:rPr>
+              <a:t> </a:t>
+            </a:r>
+            <a:r>
+              <a:rPr lang="it-IT" dirty="0">
+                <a:latin typeface="Calibri" panose="020F0502020204030204" pitchFamily="34" charset="0"/>
+                <a:cs typeface="Calibri" panose="020F0502020204030204" pitchFamily="34" charset="0"/>
+              </a:rPr>
+              <a:t>tutti i </a:t>
+            </a:r>
+            <a:r>
+              <a:rPr lang="it-IT" i="1" dirty="0" err="1">
+                <a:latin typeface="Calibri" panose="020F0502020204030204" pitchFamily="34" charset="0"/>
+                <a:cs typeface="Calibri" panose="020F0502020204030204" pitchFamily="34" charset="0"/>
+              </a:rPr>
+              <a:t>tweets</a:t>
+            </a:r>
+            <a:r>
+              <a:rPr lang="it-IT" i="1" dirty="0">
+                <a:latin typeface="Calibri" panose="020F0502020204030204" pitchFamily="34" charset="0"/>
+                <a:cs typeface="Calibri" panose="020F0502020204030204" pitchFamily="34" charset="0"/>
+              </a:rPr>
+              <a:t> </a:t>
+            </a:r>
+            <a:r>
+              <a:rPr lang="it-IT" dirty="0">
+                <a:latin typeface="Calibri" panose="020F0502020204030204" pitchFamily="34" charset="0"/>
+                <a:cs typeface="Calibri" panose="020F0502020204030204" pitchFamily="34" charset="0"/>
+              </a:rPr>
+              <a:t>che soddisfano i </a:t>
+            </a:r>
+          </a:p>
+          <a:p>
+            <a:pPr algn="ctr"/>
+            <a:r>
+              <a:rPr lang="it-IT" dirty="0">
+                <a:latin typeface="Calibri" panose="020F0502020204030204" pitchFamily="34" charset="0"/>
+                <a:cs typeface="Calibri" panose="020F0502020204030204" pitchFamily="34" charset="0"/>
+              </a:rPr>
+              <a:t>parametri di ricerca specificati, insieme agli utenti che li hanno prodotti.</a:t>
+            </a:r>
+          </a:p>
+          <a:p>
+            <a:pPr algn="ctr"/>
+            <a:endParaRPr lang="it-IT" dirty="0">
+              <a:latin typeface="Calibri" panose="020F0502020204030204" pitchFamily="34" charset="0"/>
+              <a:cs typeface="Calibri" panose="020F0502020204030204" pitchFamily="34" charset="0"/>
+            </a:endParaRPr>
+          </a:p>
+          <a:p>
+            <a:pPr algn="ctr"/>
+            <a:endParaRPr lang="it-IT" dirty="0">
+              <a:latin typeface="Calibri" panose="020F0502020204030204" pitchFamily="34" charset="0"/>
+              <a:cs typeface="Calibri" panose="020F0502020204030204" pitchFamily="34" charset="0"/>
+            </a:endParaRPr>
+          </a:p>
+          <a:p>
+            <a:pPr algn="ctr"/>
+            <a:endParaRPr lang="it-IT" dirty="0">
+              <a:latin typeface="Calibri" panose="020F0502020204030204" pitchFamily="34" charset="0"/>
+              <a:cs typeface="Calibri" panose="020F0502020204030204" pitchFamily="34" charset="0"/>
+            </a:endParaRPr>
+          </a:p>
+          <a:p>
+            <a:pPr algn="ctr"/>
+            <a:r>
+              <a:rPr lang="it-IT" dirty="0">
+                <a:latin typeface="Calibri" panose="020F0502020204030204" pitchFamily="34" charset="0"/>
+                <a:cs typeface="Calibri" panose="020F0502020204030204" pitchFamily="34" charset="0"/>
+              </a:rPr>
+              <a:t>Recuperare tutti i </a:t>
+            </a:r>
+            <a:r>
+              <a:rPr lang="it-IT" i="1" dirty="0" err="1">
+                <a:latin typeface="Calibri" panose="020F0502020204030204" pitchFamily="34" charset="0"/>
+                <a:cs typeface="Calibri" panose="020F0502020204030204" pitchFamily="34" charset="0"/>
+              </a:rPr>
+              <a:t>retweets</a:t>
+            </a:r>
+            <a:r>
+              <a:rPr lang="it-IT" i="1" dirty="0">
+                <a:latin typeface="Calibri" panose="020F0502020204030204" pitchFamily="34" charset="0"/>
+                <a:cs typeface="Calibri" panose="020F0502020204030204" pitchFamily="34" charset="0"/>
+              </a:rPr>
+              <a:t> </a:t>
+            </a:r>
+            <a:r>
+              <a:rPr lang="it-IT" dirty="0">
+                <a:latin typeface="Calibri" panose="020F0502020204030204" pitchFamily="34" charset="0"/>
+                <a:cs typeface="Calibri" panose="020F0502020204030204" pitchFamily="34" charset="0"/>
+              </a:rPr>
+              <a:t>che sono stati prodotti verso i </a:t>
+            </a:r>
+            <a:r>
+              <a:rPr lang="it-IT" i="1" dirty="0" err="1">
+                <a:latin typeface="Calibri" panose="020F0502020204030204" pitchFamily="34" charset="0"/>
+                <a:cs typeface="Calibri" panose="020F0502020204030204" pitchFamily="34" charset="0"/>
+              </a:rPr>
+              <a:t>tweets</a:t>
+            </a:r>
+            <a:r>
+              <a:rPr lang="it-IT" i="1" dirty="0">
+                <a:latin typeface="Calibri" panose="020F0502020204030204" pitchFamily="34" charset="0"/>
+                <a:cs typeface="Calibri" panose="020F0502020204030204" pitchFamily="34" charset="0"/>
+              </a:rPr>
+              <a:t> </a:t>
+            </a:r>
+            <a:r>
+              <a:rPr lang="it-IT" dirty="0">
+                <a:latin typeface="Calibri" panose="020F0502020204030204" pitchFamily="34" charset="0"/>
+                <a:cs typeface="Calibri" panose="020F0502020204030204" pitchFamily="34" charset="0"/>
+              </a:rPr>
+              <a:t>recuperati.</a:t>
+            </a:r>
+          </a:p>
+          <a:p>
+            <a:pPr algn="ctr"/>
+            <a:endParaRPr lang="it-IT" dirty="0">
+              <a:latin typeface="Calibri" panose="020F0502020204030204" pitchFamily="34" charset="0"/>
+              <a:cs typeface="Calibri" panose="020F0502020204030204" pitchFamily="34" charset="0"/>
+            </a:endParaRPr>
+          </a:p>
+          <a:p>
+            <a:pPr algn="ctr"/>
+            <a:endParaRPr lang="it-IT" dirty="0">
+              <a:latin typeface="Calibri" panose="020F0502020204030204" pitchFamily="34" charset="0"/>
+              <a:cs typeface="Calibri" panose="020F0502020204030204" pitchFamily="34" charset="0"/>
+            </a:endParaRPr>
+          </a:p>
+          <a:p>
+            <a:pPr algn="ctr"/>
+            <a:endParaRPr lang="it-IT" dirty="0">
+              <a:latin typeface="Calibri" panose="020F0502020204030204" pitchFamily="34" charset="0"/>
+              <a:cs typeface="Calibri" panose="020F0502020204030204" pitchFamily="34" charset="0"/>
+            </a:endParaRPr>
+          </a:p>
+          <a:p>
+            <a:pPr algn="ctr"/>
+            <a:r>
+              <a:rPr lang="it-IT" dirty="0">
+                <a:latin typeface="Calibri" panose="020F0502020204030204" pitchFamily="34" charset="0"/>
+                <a:cs typeface="Calibri" panose="020F0502020204030204" pitchFamily="34" charset="0"/>
+              </a:rPr>
+              <a:t>Organizzare i dati ottenuti in un </a:t>
+            </a:r>
+            <a:r>
+              <a:rPr lang="it-IT" i="1" dirty="0">
+                <a:latin typeface="Calibri" panose="020F0502020204030204" pitchFamily="34" charset="0"/>
+                <a:cs typeface="Calibri" panose="020F0502020204030204" pitchFamily="34" charset="0"/>
+              </a:rPr>
+              <a:t>file </a:t>
+            </a:r>
+            <a:r>
+              <a:rPr lang="it-IT" dirty="0">
+                <a:latin typeface="Calibri" panose="020F0502020204030204" pitchFamily="34" charset="0"/>
+                <a:cs typeface="Calibri" panose="020F0502020204030204" pitchFamily="34" charset="0"/>
+              </a:rPr>
+              <a:t>e renderli </a:t>
+            </a:r>
+            <a:r>
+              <a:rPr lang="it-IT" b="1" dirty="0">
+                <a:latin typeface="Calibri" panose="020F0502020204030204" pitchFamily="34" charset="0"/>
+                <a:cs typeface="Calibri" panose="020F0502020204030204" pitchFamily="34" charset="0"/>
+              </a:rPr>
+              <a:t>PERSISTENTI</a:t>
+            </a:r>
+            <a:r>
+              <a:rPr lang="it-IT" dirty="0">
+                <a:latin typeface="Calibri" panose="020F0502020204030204" pitchFamily="34" charset="0"/>
+                <a:cs typeface="Calibri" panose="020F0502020204030204" pitchFamily="34" charset="0"/>
+              </a:rPr>
+              <a:t>.</a:t>
+            </a:r>
+          </a:p>
+          <a:p>
+            <a:pPr algn="ctr"/>
+            <a:endParaRPr lang="it-IT" dirty="0">
+              <a:latin typeface="Calibri" panose="020F0502020204030204" pitchFamily="34" charset="0"/>
+              <a:cs typeface="Calibri" panose="020F0502020204030204" pitchFamily="34" charset="0"/>
+              <a:sym typeface="Wingdings" panose="05000000000000000000" pitchFamily="2" charset="2"/>
+            </a:endParaRPr>
+          </a:p>
+          <a:p>
+            <a:pPr algn="ctr"/>
+            <a:endParaRPr lang="it-IT" dirty="0">
+              <a:latin typeface="Calibri" panose="020F0502020204030204" pitchFamily="34" charset="0"/>
+              <a:cs typeface="Calibri" panose="020F0502020204030204" pitchFamily="34" charset="0"/>
+              <a:sym typeface="Wingdings" panose="05000000000000000000" pitchFamily="2" charset="2"/>
+            </a:endParaRPr>
+          </a:p>
+        </p:txBody>
+      </p:sp>
+      <p:cxnSp>
+        <p:nvCxnSpPr>
+          <p:cNvPr id="8" name="Connettore 2 7">
+            <a:extLst>
+              <a:ext uri="{FF2B5EF4-FFF2-40B4-BE49-F238E27FC236}">
+                <a16:creationId xmlns:a16="http://schemas.microsoft.com/office/drawing/2014/main" id="{10DFEC75-8F1A-438D-A7A3-11E66A8AAFF2}"/>
+              </a:ext>
+            </a:extLst>
+          </p:cNvPr>
+          <p:cNvCxnSpPr/>
+          <p:nvPr/>
+        </p:nvCxnSpPr>
+        <p:spPr>
+          <a:xfrm>
+            <a:off x="5076056" y="2564904"/>
+            <a:ext cx="0" cy="720080"/>
+          </a:xfrm>
+          <a:prstGeom prst="straightConnector1">
+            <a:avLst/>
+          </a:prstGeom>
+          <a:ln>
+            <a:tailEnd type="triangle"/>
+          </a:ln>
+        </p:spPr>
+        <p:style>
+          <a:lnRef idx="3">
+            <a:schemeClr val="accent3"/>
+          </a:lnRef>
+          <a:fillRef idx="0">
+            <a:schemeClr val="accent3"/>
+          </a:fillRef>
+          <a:effectRef idx="2">
+            <a:schemeClr val="accent3"/>
+          </a:effectRef>
+          <a:fontRef idx="minor">
+            <a:schemeClr val="tx1"/>
+          </a:fontRef>
+        </p:style>
+      </p:cxnSp>
+      <p:cxnSp>
+        <p:nvCxnSpPr>
+          <p:cNvPr id="9" name="Connettore 2 8">
+            <a:extLst>
+              <a:ext uri="{FF2B5EF4-FFF2-40B4-BE49-F238E27FC236}">
+                <a16:creationId xmlns:a16="http://schemas.microsoft.com/office/drawing/2014/main" id="{5B792FA7-2F70-4FAF-B16E-10DA5390FCCA}"/>
+              </a:ext>
+            </a:extLst>
+          </p:cNvPr>
+          <p:cNvCxnSpPr/>
+          <p:nvPr/>
+        </p:nvCxnSpPr>
+        <p:spPr>
+          <a:xfrm>
+            <a:off x="5076056" y="3933056"/>
+            <a:ext cx="0" cy="720080"/>
+          </a:xfrm>
+          <a:prstGeom prst="straightConnector1">
+            <a:avLst/>
+          </a:prstGeom>
+          <a:ln>
+            <a:tailEnd type="triangle"/>
+          </a:ln>
+        </p:spPr>
+        <p:style>
+          <a:lnRef idx="3">
+            <a:schemeClr val="accent3"/>
+          </a:lnRef>
+          <a:fillRef idx="0">
+            <a:schemeClr val="accent3"/>
+          </a:fillRef>
+          <a:effectRef idx="2">
+            <a:schemeClr val="accent3"/>
+          </a:effectRef>
+          <a:fontRef idx="minor">
+            <a:schemeClr val="tx1"/>
+          </a:fontRef>
+        </p:style>
+      </p:cxnSp>
+      <p:cxnSp>
+        <p:nvCxnSpPr>
+          <p:cNvPr id="10" name="Connettore 2 9">
+            <a:extLst>
+              <a:ext uri="{FF2B5EF4-FFF2-40B4-BE49-F238E27FC236}">
+                <a16:creationId xmlns:a16="http://schemas.microsoft.com/office/drawing/2014/main" id="{BD722D80-B984-47BA-BCEA-1550BF590A27}"/>
+              </a:ext>
+            </a:extLst>
+          </p:cNvPr>
+          <p:cNvCxnSpPr/>
+          <p:nvPr/>
+        </p:nvCxnSpPr>
+        <p:spPr>
+          <a:xfrm>
+            <a:off x="5071330" y="5085184"/>
+            <a:ext cx="0" cy="720080"/>
+          </a:xfrm>
+          <a:prstGeom prst="straightConnector1">
+            <a:avLst/>
+          </a:prstGeom>
+          <a:ln>
+            <a:tailEnd type="triangle"/>
+          </a:ln>
+        </p:spPr>
+        <p:style>
+          <a:lnRef idx="3">
+            <a:schemeClr val="accent3"/>
+          </a:lnRef>
+          <a:fillRef idx="0">
+            <a:schemeClr val="accent3"/>
+          </a:fillRef>
+          <a:effectRef idx="2">
+            <a:schemeClr val="accent3"/>
+          </a:effectRef>
+          <a:fontRef idx="minor">
+            <a:schemeClr val="tx1"/>
+          </a:fontRef>
+        </p:style>
+      </p:cxnSp>
+      <p:sp>
+        <p:nvSpPr>
+          <p:cNvPr id="11" name="Parentesi graffa aperta 10">
+            <a:extLst>
+              <a:ext uri="{FF2B5EF4-FFF2-40B4-BE49-F238E27FC236}">
+                <a16:creationId xmlns:a16="http://schemas.microsoft.com/office/drawing/2014/main" id="{4ED9291E-6287-4A3B-82B7-D09C06EE3A91}"/>
+              </a:ext>
+            </a:extLst>
+          </p:cNvPr>
+          <p:cNvSpPr/>
+          <p:nvPr/>
+        </p:nvSpPr>
+        <p:spPr>
+          <a:xfrm>
+            <a:off x="1619672" y="3140968"/>
+            <a:ext cx="504053" cy="1008112"/>
+          </a:xfrm>
+          <a:prstGeom prst="leftBrace">
+            <a:avLst/>
+          </a:prstGeom>
+        </p:spPr>
+        <p:style>
+          <a:lnRef idx="1">
+            <a:schemeClr val="accent1"/>
+          </a:lnRef>
+          <a:fillRef idx="0">
+            <a:schemeClr val="accent1"/>
+          </a:fillRef>
+          <a:effectRef idx="0">
+            <a:schemeClr val="accent1"/>
+          </a:effectRef>
+          <a:fontRef idx="minor">
+            <a:schemeClr val="tx1"/>
+          </a:fontRef>
+        </p:style>
+        <p:txBody>
+          <a:bodyPr rtlCol="0" anchor="ctr"/>
+          <a:lstStyle/>
+          <a:p>
+            <a:pPr algn="ctr"/>
+            <a:endParaRPr lang="it-IT"/>
+          </a:p>
+        </p:txBody>
+      </p:sp>
+      <p:sp>
+        <p:nvSpPr>
+          <p:cNvPr id="12" name="Parentesi graffa aperta 11">
+            <a:extLst>
+              <a:ext uri="{FF2B5EF4-FFF2-40B4-BE49-F238E27FC236}">
+                <a16:creationId xmlns:a16="http://schemas.microsoft.com/office/drawing/2014/main" id="{9A10EE08-33EC-4F79-BE5F-8C8EC7C3BC50}"/>
+              </a:ext>
+            </a:extLst>
+          </p:cNvPr>
+          <p:cNvSpPr/>
+          <p:nvPr/>
+        </p:nvSpPr>
+        <p:spPr>
+          <a:xfrm>
+            <a:off x="1547681" y="4509120"/>
+            <a:ext cx="288015" cy="864096"/>
+          </a:xfrm>
+          <a:prstGeom prst="leftBrace">
+            <a:avLst/>
+          </a:prstGeom>
+        </p:spPr>
+        <p:style>
+          <a:lnRef idx="1">
+            <a:schemeClr val="accent1"/>
+          </a:lnRef>
+          <a:fillRef idx="0">
+            <a:schemeClr val="accent1"/>
+          </a:fillRef>
+          <a:effectRef idx="0">
+            <a:schemeClr val="accent1"/>
+          </a:effectRef>
+          <a:fontRef idx="minor">
+            <a:schemeClr val="tx1"/>
+          </a:fontRef>
+        </p:style>
+        <p:txBody>
+          <a:bodyPr rtlCol="0" anchor="ctr"/>
+          <a:lstStyle/>
+          <a:p>
+            <a:pPr algn="ctr"/>
+            <a:endParaRPr lang="it-IT"/>
+          </a:p>
+        </p:txBody>
+      </p:sp>
+      <p:sp>
+        <p:nvSpPr>
+          <p:cNvPr id="13" name="CasellaDiTesto 12">
+            <a:extLst>
+              <a:ext uri="{FF2B5EF4-FFF2-40B4-BE49-F238E27FC236}">
+                <a16:creationId xmlns:a16="http://schemas.microsoft.com/office/drawing/2014/main" id="{3F838B8A-4711-4B54-9062-A9BE7F635107}"/>
+              </a:ext>
+            </a:extLst>
+          </p:cNvPr>
+          <p:cNvSpPr txBox="1"/>
+          <p:nvPr/>
+        </p:nvSpPr>
+        <p:spPr>
+          <a:xfrm>
+            <a:off x="230381" y="3429000"/>
+            <a:ext cx="1389291" cy="338554"/>
+          </a:xfrm>
+          <a:prstGeom prst="rect">
+            <a:avLst/>
+          </a:prstGeom>
+          <a:noFill/>
+        </p:spPr>
+        <p:txBody>
+          <a:bodyPr wrap="none" rtlCol="0">
+            <a:spAutoFit/>
+          </a:bodyPr>
+          <a:lstStyle/>
+          <a:p>
+            <a:r>
+              <a:rPr lang="it-IT" sz="1600" b="1" i="1" dirty="0" err="1">
+                <a:latin typeface="Calibri" panose="020F0502020204030204" pitchFamily="34" charset="0"/>
+                <a:cs typeface="Calibri" panose="020F0502020204030204" pitchFamily="34" charset="0"/>
+              </a:rPr>
+              <a:t>GetOldTweets</a:t>
+            </a:r>
+            <a:endParaRPr lang="it-IT" sz="1600" b="1" i="1" dirty="0">
+              <a:latin typeface="Calibri" panose="020F0502020204030204" pitchFamily="34" charset="0"/>
+              <a:cs typeface="Calibri" panose="020F0502020204030204" pitchFamily="34" charset="0"/>
+            </a:endParaRPr>
+          </a:p>
+        </p:txBody>
+      </p:sp>
+      <p:sp>
+        <p:nvSpPr>
+          <p:cNvPr id="14" name="CasellaDiTesto 13">
+            <a:extLst>
+              <a:ext uri="{FF2B5EF4-FFF2-40B4-BE49-F238E27FC236}">
+                <a16:creationId xmlns:a16="http://schemas.microsoft.com/office/drawing/2014/main" id="{6075593A-FB72-4CCB-8CFA-16377A06B598}"/>
+              </a:ext>
+            </a:extLst>
+          </p:cNvPr>
+          <p:cNvSpPr txBox="1"/>
+          <p:nvPr/>
+        </p:nvSpPr>
+        <p:spPr>
+          <a:xfrm>
+            <a:off x="347334" y="4725144"/>
+            <a:ext cx="1128322" cy="338554"/>
+          </a:xfrm>
+          <a:prstGeom prst="rect">
+            <a:avLst/>
+          </a:prstGeom>
+          <a:noFill/>
+        </p:spPr>
+        <p:txBody>
+          <a:bodyPr wrap="none" rtlCol="0">
+            <a:spAutoFit/>
+          </a:bodyPr>
+          <a:lstStyle/>
+          <a:p>
+            <a:r>
+              <a:rPr lang="it-IT" sz="1600" b="1" i="1" dirty="0">
+                <a:latin typeface="Calibri" panose="020F0502020204030204" pitchFamily="34" charset="0"/>
+                <a:cs typeface="Calibri" panose="020F0502020204030204" pitchFamily="34" charset="0"/>
+              </a:rPr>
+              <a:t>API Twitter</a:t>
+            </a:r>
+          </a:p>
+        </p:txBody>
+      </p:sp>
+    </p:spTree>
+    <p:extLst>
+      <p:ext uri="{BB962C8B-B14F-4D97-AF65-F5344CB8AC3E}">
+        <p14:creationId xmlns:p14="http://schemas.microsoft.com/office/powerpoint/2010/main" val="3895853713"/>
+      </p:ext>
+    </p:extLst>
+  </p:cSld>
+  <p:clrMapOvr>
+    <a:masterClrMapping/>
+  </p:clrMapOvr>
 </p:sld>
 </file>
 
@@ -23694,13 +25685,6 @@
   <p:clrMapOvr>
     <a:masterClrMapping/>
   </p:clrMapOvr>
-  <p:timing>
-    <p:tnLst>
-      <p:par>
-        <p:cTn id="1" dur="indefinite" restart="never" nodeType="tmRoot"/>
-      </p:par>
-    </p:tnLst>
-  </p:timing>
 </p:sld>
 </file>
 
@@ -24031,13 +26015,6 @@
   <p:clrMapOvr>
     <a:masterClrMapping/>
   </p:clrMapOvr>
-  <p:timing>
-    <p:tnLst>
-      <p:par>
-        <p:cTn id="1" dur="indefinite" restart="never" nodeType="tmRoot"/>
-      </p:par>
-    </p:tnLst>
-  </p:timing>
 </p:sld>
 </file>
 
@@ -24329,7 +26306,7 @@
           <p:cNvPr id="1026" name="Picture 2" descr="Risultati immagini per twitter vector logo">
             <a:extLst>
               <a:ext uri="{FF2B5EF4-FFF2-40B4-BE49-F238E27FC236}">
-                <a16:creationId xmlns:a16="http://schemas.microsoft.com/office/drawing/2014/main" xmlns="" id="{D889CC7C-9C8B-4FC7-BEA6-94A9A901435D}"/>
+                <a16:creationId xmlns:a16="http://schemas.microsoft.com/office/drawing/2014/main" id="{D889CC7C-9C8B-4FC7-BEA6-94A9A901435D}"/>
               </a:ext>
             </a:extLst>
           </p:cNvPr>
@@ -24381,13 +26358,6 @@
   <p:clrMapOvr>
     <a:masterClrMapping/>
   </p:clrMapOvr>
-  <p:timing>
-    <p:tnLst>
-      <p:par>
-        <p:cTn id="1" dur="indefinite" restart="never" nodeType="tmRoot"/>
-      </p:par>
-    </p:tnLst>
-  </p:timing>
 </p:sld>
 </file>
 
@@ -24413,7 +26383,7 @@
           <p:cNvPr id="5" name="Title 3">
             <a:extLst>
               <a:ext uri="{FF2B5EF4-FFF2-40B4-BE49-F238E27FC236}">
-                <a16:creationId xmlns:a16="http://schemas.microsoft.com/office/drawing/2014/main" xmlns="" id="{4B902CC3-75DB-41C6-B4AA-1F2B71CA058B}"/>
+                <a16:creationId xmlns:a16="http://schemas.microsoft.com/office/drawing/2014/main" id="{4B902CC3-75DB-41C6-B4AA-1F2B71CA058B}"/>
               </a:ext>
             </a:extLst>
           </p:cNvPr>
@@ -24468,7 +26438,7 @@
           <p:cNvPr id="6" name="Rettangolo 5">
             <a:extLst>
               <a:ext uri="{FF2B5EF4-FFF2-40B4-BE49-F238E27FC236}">
-                <a16:creationId xmlns:a16="http://schemas.microsoft.com/office/drawing/2014/main" xmlns="" id="{34D4963A-74A1-4455-8FDA-78E85A45FA8B}"/>
+                <a16:creationId xmlns:a16="http://schemas.microsoft.com/office/drawing/2014/main" id="{34D4963A-74A1-4455-8FDA-78E85A45FA8B}"/>
               </a:ext>
             </a:extLst>
           </p:cNvPr>
@@ -24629,7 +26599,7 @@
           <p:cNvPr id="7" name="Immagine 6">
             <a:extLst>
               <a:ext uri="{FF2B5EF4-FFF2-40B4-BE49-F238E27FC236}">
-                <a16:creationId xmlns:a16="http://schemas.microsoft.com/office/drawing/2014/main" xmlns="" id="{AF3703D5-DAD7-460C-ADBE-3A301D9A2FE4}"/>
+                <a16:creationId xmlns:a16="http://schemas.microsoft.com/office/drawing/2014/main" id="{AF3703D5-DAD7-460C-ADBE-3A301D9A2FE4}"/>
               </a:ext>
             </a:extLst>
           </p:cNvPr>
@@ -24665,7 +26635,7 @@
           <p:cNvPr id="8" name="Immagine 7" descr="Immagine che contiene clipart&#10;&#10;Descrizione generata con affidabilità elevata">
             <a:extLst>
               <a:ext uri="{FF2B5EF4-FFF2-40B4-BE49-F238E27FC236}">
-                <a16:creationId xmlns:a16="http://schemas.microsoft.com/office/drawing/2014/main" xmlns="" id="{8B09EFF9-4415-439B-9132-80DBE3EA395C}"/>
+                <a16:creationId xmlns:a16="http://schemas.microsoft.com/office/drawing/2014/main" id="{8B09EFF9-4415-439B-9132-80DBE3EA395C}"/>
               </a:ext>
             </a:extLst>
           </p:cNvPr>
@@ -24701,7 +26671,7 @@
           <p:cNvPr id="9" name="CasellaDiTesto 8">
             <a:extLst>
               <a:ext uri="{FF2B5EF4-FFF2-40B4-BE49-F238E27FC236}">
-                <a16:creationId xmlns:a16="http://schemas.microsoft.com/office/drawing/2014/main" xmlns="" id="{C240CA17-907D-48B7-9B44-F721E8F121F1}"/>
+                <a16:creationId xmlns:a16="http://schemas.microsoft.com/office/drawing/2014/main" id="{C240CA17-907D-48B7-9B44-F721E8F121F1}"/>
               </a:ext>
             </a:extLst>
           </p:cNvPr>
@@ -24742,7 +26712,7 @@
           <p:cNvPr id="10" name="CasellaDiTesto 9">
             <a:extLst>
               <a:ext uri="{FF2B5EF4-FFF2-40B4-BE49-F238E27FC236}">
-                <a16:creationId xmlns:a16="http://schemas.microsoft.com/office/drawing/2014/main" xmlns="" id="{122FF84E-387F-42FF-8447-215229458BC0}"/>
+                <a16:creationId xmlns:a16="http://schemas.microsoft.com/office/drawing/2014/main" id="{122FF84E-387F-42FF-8447-215229458BC0}"/>
               </a:ext>
             </a:extLst>
           </p:cNvPr>
@@ -24783,7 +26753,7 @@
           <p:cNvPr id="14" name="Connettore 2 13">
             <a:extLst>
               <a:ext uri="{FF2B5EF4-FFF2-40B4-BE49-F238E27FC236}">
-                <a16:creationId xmlns:a16="http://schemas.microsoft.com/office/drawing/2014/main" xmlns="" id="{240377C1-CB13-43A4-8F95-EB652CADEE65}"/>
+                <a16:creationId xmlns:a16="http://schemas.microsoft.com/office/drawing/2014/main" id="{240377C1-CB13-43A4-8F95-EB652CADEE65}"/>
               </a:ext>
             </a:extLst>
           </p:cNvPr>
@@ -24838,7 +26808,7 @@
           <p:cNvPr id="15" name="CasellaDiTesto 14">
             <a:extLst>
               <a:ext uri="{FF2B5EF4-FFF2-40B4-BE49-F238E27FC236}">
-                <a16:creationId xmlns:a16="http://schemas.microsoft.com/office/drawing/2014/main" xmlns="" id="{0FA5EFC3-169A-4B11-BF0C-7BD04846D93B}"/>
+                <a16:creationId xmlns:a16="http://schemas.microsoft.com/office/drawing/2014/main" id="{0FA5EFC3-169A-4B11-BF0C-7BD04846D93B}"/>
               </a:ext>
             </a:extLst>
           </p:cNvPr>
@@ -24915,13 +26885,6 @@
   <p:clrMapOvr>
     <a:masterClrMapping/>
   </p:clrMapOvr>
-  <p:timing>
-    <p:tnLst>
-      <p:par>
-        <p:cTn id="1" dur="indefinite" restart="never" nodeType="tmRoot"/>
-      </p:par>
-    </p:tnLst>
-  </p:timing>
 </p:sld>
 </file>
 
@@ -24947,7 +26910,7 @@
           <p:cNvPr id="5" name="Title 3">
             <a:extLst>
               <a:ext uri="{FF2B5EF4-FFF2-40B4-BE49-F238E27FC236}">
-                <a16:creationId xmlns:a16="http://schemas.microsoft.com/office/drawing/2014/main" xmlns="" id="{096E5434-7A74-4C64-89EF-6B1922B7AB16}"/>
+                <a16:creationId xmlns:a16="http://schemas.microsoft.com/office/drawing/2014/main" id="{096E5434-7A74-4C64-89EF-6B1922B7AB16}"/>
               </a:ext>
             </a:extLst>
           </p:cNvPr>
@@ -25002,7 +26965,7 @@
           <p:cNvPr id="6" name="CasellaDiTesto 5">
             <a:extLst>
               <a:ext uri="{FF2B5EF4-FFF2-40B4-BE49-F238E27FC236}">
-                <a16:creationId xmlns:a16="http://schemas.microsoft.com/office/drawing/2014/main" xmlns="" id="{DECCD907-1491-4E0C-9EB6-42C0FED72813}"/>
+                <a16:creationId xmlns:a16="http://schemas.microsoft.com/office/drawing/2014/main" id="{DECCD907-1491-4E0C-9EB6-42C0FED72813}"/>
               </a:ext>
             </a:extLst>
           </p:cNvPr>
@@ -25053,7 +27016,7 @@
               <a:t> </a:t>
             </a:r>
             <a:r>
-              <a:rPr lang="it-IT" sz="2000" b="1" i="1" dirty="0" err="1" smtClean="0">
+              <a:rPr lang="it-IT" sz="2000" b="1" i="1" dirty="0" err="1">
                 <a:solidFill>
                   <a:schemeClr val="accent2"/>
                 </a:solidFill>
@@ -25063,7 +27026,7 @@
               <a:t>graphs</a:t>
             </a:r>
             <a:r>
-              <a:rPr lang="it-IT" sz="2000" b="1" i="1" dirty="0" smtClean="0">
+              <a:rPr lang="it-IT" sz="2000" b="1" i="1" dirty="0">
                 <a:solidFill>
                   <a:schemeClr val="accent2"/>
                 </a:solidFill>
@@ -25097,7 +27060,7 @@
           <p:cNvPr id="1026" name="Picture 2" descr="Immagine correlata">
             <a:extLst>
               <a:ext uri="{FF2B5EF4-FFF2-40B4-BE49-F238E27FC236}">
-                <a16:creationId xmlns:a16="http://schemas.microsoft.com/office/drawing/2014/main" xmlns="" id="{4DEEC977-158D-4FF8-A634-FED5C0A1F149}"/>
+                <a16:creationId xmlns:a16="http://schemas.microsoft.com/office/drawing/2014/main" id="{4DEEC977-158D-4FF8-A634-FED5C0A1F149}"/>
               </a:ext>
             </a:extLst>
           </p:cNvPr>
@@ -25144,7 +27107,7 @@
           <p:cNvPr id="8" name="CasellaDiTesto 7">
             <a:extLst>
               <a:ext uri="{FF2B5EF4-FFF2-40B4-BE49-F238E27FC236}">
-                <a16:creationId xmlns:a16="http://schemas.microsoft.com/office/drawing/2014/main" xmlns="" id="{422B22D0-A925-4E81-8629-21C4219E2051}"/>
+                <a16:creationId xmlns:a16="http://schemas.microsoft.com/office/drawing/2014/main" id="{422B22D0-A925-4E81-8629-21C4219E2051}"/>
               </a:ext>
             </a:extLst>
           </p:cNvPr>
@@ -25220,7 +27183,7 @@
           <p:cNvPr id="9" name="Connettore 2 8">
             <a:extLst>
               <a:ext uri="{FF2B5EF4-FFF2-40B4-BE49-F238E27FC236}">
-                <a16:creationId xmlns:a16="http://schemas.microsoft.com/office/drawing/2014/main" xmlns="" id="{B3EBC103-C224-4D98-B09E-EF0B1BD22D62}"/>
+                <a16:creationId xmlns:a16="http://schemas.microsoft.com/office/drawing/2014/main" id="{B3EBC103-C224-4D98-B09E-EF0B1BD22D62}"/>
               </a:ext>
             </a:extLst>
           </p:cNvPr>
@@ -25262,7 +27225,7 @@
           <p:cNvPr id="10" name="Rettangolo 9">
             <a:extLst>
               <a:ext uri="{FF2B5EF4-FFF2-40B4-BE49-F238E27FC236}">
-                <a16:creationId xmlns:a16="http://schemas.microsoft.com/office/drawing/2014/main" xmlns="" id="{197F89FE-FC4A-44AD-9080-7EB17BA3B63C}"/>
+                <a16:creationId xmlns:a16="http://schemas.microsoft.com/office/drawing/2014/main" id="{197F89FE-FC4A-44AD-9080-7EB17BA3B63C}"/>
               </a:ext>
             </a:extLst>
           </p:cNvPr>
@@ -25343,25 +27306,8 @@
                 <a:latin typeface="Calibri" panose="020F0502020204030204" pitchFamily="34" charset="0"/>
                 <a:cs typeface="Calibri" panose="020F0502020204030204" pitchFamily="34" charset="0"/>
               </a:rPr>
-              <a:t> </a:t>
-            </a:r>
-            <a:r>
-              <a:rPr lang="it-IT" b="1" dirty="0" smtClean="0">
-                <a:solidFill>
-                  <a:schemeClr val="tx2"/>
-                </a:solidFill>
-                <a:latin typeface="Calibri" panose="020F0502020204030204" pitchFamily="34" charset="0"/>
-                <a:cs typeface="Calibri" panose="020F0502020204030204" pitchFamily="34" charset="0"/>
-              </a:rPr>
-              <a:t>X</a:t>
-            </a:r>
-            <a:endParaRPr lang="it-IT" b="1" dirty="0">
-              <a:solidFill>
-                <a:schemeClr val="tx2"/>
-              </a:solidFill>
-              <a:latin typeface="Calibri" panose="020F0502020204030204" pitchFamily="34" charset="0"/>
-              <a:cs typeface="Calibri" panose="020F0502020204030204" pitchFamily="34" charset="0"/>
-            </a:endParaRPr>
+              <a:t> X</a:t>
+            </a:r>
           </a:p>
         </p:txBody>
       </p:sp>
@@ -25370,7 +27316,7 @@
           <p:cNvPr id="15" name="Rettangolo 14">
             <a:extLst>
               <a:ext uri="{FF2B5EF4-FFF2-40B4-BE49-F238E27FC236}">
-                <a16:creationId xmlns:a16="http://schemas.microsoft.com/office/drawing/2014/main" xmlns="" id="{6434515A-0CE7-46E1-9E5D-42505E037869}"/>
+                <a16:creationId xmlns:a16="http://schemas.microsoft.com/office/drawing/2014/main" id="{6434515A-0CE7-46E1-9E5D-42505E037869}"/>
               </a:ext>
             </a:extLst>
           </p:cNvPr>
@@ -25456,25 +27402,8 @@
                 <a:latin typeface="Calibri" panose="020F0502020204030204" pitchFamily="34" charset="0"/>
                 <a:cs typeface="Calibri" panose="020F0502020204030204" pitchFamily="34" charset="0"/>
               </a:rPr>
-              <a:t> </a:t>
-            </a:r>
-            <a:r>
-              <a:rPr lang="it-IT" b="1" dirty="0" smtClean="0">
-                <a:solidFill>
-                  <a:schemeClr val="accent2"/>
-                </a:solidFill>
-                <a:latin typeface="Calibri" panose="020F0502020204030204" pitchFamily="34" charset="0"/>
-                <a:cs typeface="Calibri" panose="020F0502020204030204" pitchFamily="34" charset="0"/>
-              </a:rPr>
-              <a:t>Y</a:t>
-            </a:r>
-            <a:endParaRPr lang="it-IT" b="1" dirty="0">
-              <a:solidFill>
-                <a:schemeClr val="accent2"/>
-              </a:solidFill>
-              <a:latin typeface="Calibri" panose="020F0502020204030204" pitchFamily="34" charset="0"/>
-              <a:cs typeface="Calibri" panose="020F0502020204030204" pitchFamily="34" charset="0"/>
-            </a:endParaRPr>
+              <a:t> Y</a:t>
+            </a:r>
           </a:p>
         </p:txBody>
       </p:sp>
@@ -25483,7 +27412,7 @@
           <p:cNvPr id="17" name="Connettore 2 16">
             <a:extLst>
               <a:ext uri="{FF2B5EF4-FFF2-40B4-BE49-F238E27FC236}">
-                <a16:creationId xmlns:a16="http://schemas.microsoft.com/office/drawing/2014/main" xmlns="" id="{99BFB39E-1B50-4D9F-B143-7E9CC03FDDCB}"/>
+                <a16:creationId xmlns:a16="http://schemas.microsoft.com/office/drawing/2014/main" id="{99BFB39E-1B50-4D9F-B143-7E9CC03FDDCB}"/>
               </a:ext>
             </a:extLst>
           </p:cNvPr>
@@ -25532,13 +27461,6 @@
   <p:clrMapOvr>
     <a:masterClrMapping/>
   </p:clrMapOvr>
-  <p:timing>
-    <p:tnLst>
-      <p:par>
-        <p:cTn id="1" dur="indefinite" restart="never" nodeType="tmRoot"/>
-      </p:par>
-    </p:tnLst>
-  </p:timing>
 </p:sld>
 </file>
 
@@ -25564,7 +27486,7 @@
           <p:cNvPr id="5" name="Title 3">
             <a:extLst>
               <a:ext uri="{FF2B5EF4-FFF2-40B4-BE49-F238E27FC236}">
-                <a16:creationId xmlns:a16="http://schemas.microsoft.com/office/drawing/2014/main" xmlns="" id="{F4F459AA-9D70-4285-920E-38B993241E77}"/>
+                <a16:creationId xmlns:a16="http://schemas.microsoft.com/office/drawing/2014/main" id="{F4F459AA-9D70-4285-920E-38B993241E77}"/>
               </a:ext>
             </a:extLst>
           </p:cNvPr>
@@ -25639,7 +27561,7 @@
           <p:cNvPr id="6" name="Rettangolo 5">
             <a:extLst>
               <a:ext uri="{FF2B5EF4-FFF2-40B4-BE49-F238E27FC236}">
-                <a16:creationId xmlns:a16="http://schemas.microsoft.com/office/drawing/2014/main" xmlns="" id="{B2DAE42D-6981-4258-A997-350AEC1248D1}"/>
+                <a16:creationId xmlns:a16="http://schemas.microsoft.com/office/drawing/2014/main" id="{B2DAE42D-6981-4258-A997-350AEC1248D1}"/>
               </a:ext>
             </a:extLst>
           </p:cNvPr>
@@ -25995,7 +27917,7 @@
           <p:cNvPr id="8" name="CasellaDiTesto 7">
             <a:extLst>
               <a:ext uri="{FF2B5EF4-FFF2-40B4-BE49-F238E27FC236}">
-                <a16:creationId xmlns:a16="http://schemas.microsoft.com/office/drawing/2014/main" xmlns="" id="{8B0801A2-6519-4569-95A9-BB7590321AD9}"/>
+                <a16:creationId xmlns:a16="http://schemas.microsoft.com/office/drawing/2014/main" id="{8B0801A2-6519-4569-95A9-BB7590321AD9}"/>
               </a:ext>
             </a:extLst>
           </p:cNvPr>
@@ -26341,7 +28263,7 @@
           <p:cNvPr id="10" name="Connettore 2 9">
             <a:extLst>
               <a:ext uri="{FF2B5EF4-FFF2-40B4-BE49-F238E27FC236}">
-                <a16:creationId xmlns:a16="http://schemas.microsoft.com/office/drawing/2014/main" xmlns="" id="{3E71D179-9BB9-40A9-B4D8-958D015E4F75}"/>
+                <a16:creationId xmlns:a16="http://schemas.microsoft.com/office/drawing/2014/main" id="{3E71D179-9BB9-40A9-B4D8-958D015E4F75}"/>
               </a:ext>
             </a:extLst>
           </p:cNvPr>
@@ -26380,7 +28302,7 @@
           <p:cNvPr id="12" name="Connettore 2 11">
             <a:extLst>
               <a:ext uri="{FF2B5EF4-FFF2-40B4-BE49-F238E27FC236}">
-                <a16:creationId xmlns:a16="http://schemas.microsoft.com/office/drawing/2014/main" xmlns="" id="{1BE3D6CD-BA35-49B2-B9E9-3F62FDBF378A}"/>
+                <a16:creationId xmlns:a16="http://schemas.microsoft.com/office/drawing/2014/main" id="{1BE3D6CD-BA35-49B2-B9E9-3F62FDBF378A}"/>
               </a:ext>
             </a:extLst>
           </p:cNvPr>
@@ -26419,7 +28341,7 @@
           <p:cNvPr id="14" name="CasellaDiTesto 13">
             <a:extLst>
               <a:ext uri="{FF2B5EF4-FFF2-40B4-BE49-F238E27FC236}">
-                <a16:creationId xmlns:a16="http://schemas.microsoft.com/office/drawing/2014/main" xmlns="" id="{52C41119-C267-4F95-B13B-D175F8FAD467}"/>
+                <a16:creationId xmlns:a16="http://schemas.microsoft.com/office/drawing/2014/main" id="{52C41119-C267-4F95-B13B-D175F8FAD467}"/>
               </a:ext>
             </a:extLst>
           </p:cNvPr>
@@ -26477,7 +28399,7 @@
           <p:cNvPr id="15" name="CasellaDiTesto 14">
             <a:extLst>
               <a:ext uri="{FF2B5EF4-FFF2-40B4-BE49-F238E27FC236}">
-                <a16:creationId xmlns:a16="http://schemas.microsoft.com/office/drawing/2014/main" xmlns="" id="{7739B639-5ED7-46CE-8E1E-A9D9A3526EA0}"/>
+                <a16:creationId xmlns:a16="http://schemas.microsoft.com/office/drawing/2014/main" id="{7739B639-5ED7-46CE-8E1E-A9D9A3526EA0}"/>
               </a:ext>
             </a:extLst>
           </p:cNvPr>
@@ -26540,13 +28462,6 @@
   <p:clrMapOvr>
     <a:masterClrMapping/>
   </p:clrMapOvr>
-  <p:timing>
-    <p:tnLst>
-      <p:par>
-        <p:cTn id="1" dur="indefinite" restart="never" nodeType="tmRoot"/>
-      </p:par>
-    </p:tnLst>
-  </p:timing>
 </p:sld>
 </file>
 
@@ -26572,7 +28487,7 @@
           <p:cNvPr id="5" name="Title 3">
             <a:extLst>
               <a:ext uri="{FF2B5EF4-FFF2-40B4-BE49-F238E27FC236}">
-                <a16:creationId xmlns:a16="http://schemas.microsoft.com/office/drawing/2014/main" xmlns="" id="{189ECF77-714F-4D2C-9D4B-CC43534EF427}"/>
+                <a16:creationId xmlns:a16="http://schemas.microsoft.com/office/drawing/2014/main" id="{189ECF77-714F-4D2C-9D4B-CC43534EF427}"/>
               </a:ext>
             </a:extLst>
           </p:cNvPr>
@@ -26647,7 +28562,7 @@
           <p:cNvPr id="6" name="Rettangolo 5">
             <a:extLst>
               <a:ext uri="{FF2B5EF4-FFF2-40B4-BE49-F238E27FC236}">
-                <a16:creationId xmlns:a16="http://schemas.microsoft.com/office/drawing/2014/main" xmlns="" id="{A34D05E0-D21E-4851-84DD-833555197E5F}"/>
+                <a16:creationId xmlns:a16="http://schemas.microsoft.com/office/drawing/2014/main" id="{A34D05E0-D21E-4851-84DD-833555197E5F}"/>
               </a:ext>
             </a:extLst>
           </p:cNvPr>
@@ -26797,18 +28712,18 @@
             </a:r>
           </a:p>
           <a:p>
-            <a:endParaRPr lang="it-IT" dirty="0" smtClean="0">
-              <a:latin typeface="Calibri" panose="020F0502020204030204" pitchFamily="34" charset="0"/>
-              <a:cs typeface="Calibri" panose="020F0502020204030204" pitchFamily="34" charset="0"/>
-            </a:endParaRPr>
-          </a:p>
-          <a:p>
             <a:endParaRPr lang="it-IT" dirty="0">
               <a:latin typeface="Calibri" panose="020F0502020204030204" pitchFamily="34" charset="0"/>
               <a:cs typeface="Calibri" panose="020F0502020204030204" pitchFamily="34" charset="0"/>
             </a:endParaRPr>
           </a:p>
           <a:p>
+            <a:endParaRPr lang="it-IT" dirty="0">
+              <a:latin typeface="Calibri" panose="020F0502020204030204" pitchFamily="34" charset="0"/>
+              <a:cs typeface="Calibri" panose="020F0502020204030204" pitchFamily="34" charset="0"/>
+            </a:endParaRPr>
+          </a:p>
+          <a:p>
             <a:r>
               <a:rPr lang="it-IT" b="1" dirty="0">
                 <a:solidFill>
@@ -26845,7 +28760,7 @@
               <a:t> ARGOMENTO </a:t>
             </a:r>
             <a:r>
-              <a:rPr lang="it-IT" b="1" dirty="0" smtClean="0">
+              <a:rPr lang="it-IT" b="1" dirty="0">
                 <a:latin typeface="Calibri" panose="020F0502020204030204" pitchFamily="34" charset="0"/>
                 <a:cs typeface="Calibri" panose="020F0502020204030204" pitchFamily="34" charset="0"/>
                 <a:sym typeface="Wingdings" panose="05000000000000000000" pitchFamily="2" charset="2"/>
@@ -26853,7 +28768,7 @@
               <a:t>MOLTO</a:t>
             </a:r>
             <a:r>
-              <a:rPr lang="it-IT" dirty="0" smtClean="0">
+              <a:rPr lang="it-IT" dirty="0">
                 <a:latin typeface="Calibri" panose="020F0502020204030204" pitchFamily="34" charset="0"/>
                 <a:cs typeface="Calibri" panose="020F0502020204030204" pitchFamily="34" charset="0"/>
                 <a:sym typeface="Wingdings" panose="05000000000000000000" pitchFamily="2" charset="2"/>
@@ -26861,18 +28776,13 @@
               <a:t> </a:t>
             </a:r>
             <a:r>
-              <a:rPr lang="it-IT" b="1" dirty="0" smtClean="0">
+              <a:rPr lang="it-IT" b="1" dirty="0">
                 <a:latin typeface="Calibri" panose="020F0502020204030204" pitchFamily="34" charset="0"/>
                 <a:cs typeface="Calibri" panose="020F0502020204030204" pitchFamily="34" charset="0"/>
                 <a:sym typeface="Wingdings" panose="05000000000000000000" pitchFamily="2" charset="2"/>
               </a:rPr>
               <a:t>CONTROVERSO</a:t>
             </a:r>
-            <a:endParaRPr lang="it-IT" b="1" dirty="0">
-              <a:latin typeface="Calibri" panose="020F0502020204030204" pitchFamily="34" charset="0"/>
-              <a:cs typeface="Calibri" panose="020F0502020204030204" pitchFamily="34" charset="0"/>
-              <a:sym typeface="Wingdings" panose="05000000000000000000" pitchFamily="2" charset="2"/>
-            </a:endParaRPr>
           </a:p>
           <a:p>
             <a:r>
@@ -26906,20 +28816,12 @@
               <a:t>BASSA  ARGOMENTO </a:t>
             </a:r>
             <a:r>
-              <a:rPr lang="it-IT" b="1" dirty="0" smtClean="0">
+              <a:rPr lang="it-IT" b="1" dirty="0">
                 <a:latin typeface="Calibri" panose="020F0502020204030204" pitchFamily="34" charset="0"/>
                 <a:cs typeface="Calibri" panose="020F0502020204030204" pitchFamily="34" charset="0"/>
                 <a:sym typeface="Wingdings" panose="05000000000000000000" pitchFamily="2" charset="2"/>
               </a:rPr>
-              <a:t>POCO </a:t>
-            </a:r>
-            <a:r>
-              <a:rPr lang="it-IT" b="1" dirty="0">
-                <a:latin typeface="Calibri" panose="020F0502020204030204" pitchFamily="34" charset="0"/>
-                <a:cs typeface="Calibri" panose="020F0502020204030204" pitchFamily="34" charset="0"/>
-                <a:sym typeface="Wingdings" panose="05000000000000000000" pitchFamily="2" charset="2"/>
-              </a:rPr>
-              <a:t>CONTROVERSO</a:t>
+              <a:t>POCO CONTROVERSO</a:t>
             </a:r>
           </a:p>
           <a:p>
@@ -26938,7 +28840,7 @@
               <a:t>Valori alti di </a:t>
             </a:r>
             <a:r>
-              <a:rPr lang="it-IT" b="1" i="1" dirty="0" smtClean="0">
+              <a:rPr lang="it-IT" b="1" i="1" dirty="0">
                 <a:solidFill>
                   <a:srgbClr val="00B050"/>
                 </a:solidFill>
@@ -26948,7 +28850,7 @@
               <a:t>RWC</a:t>
             </a:r>
             <a:r>
-              <a:rPr lang="it-IT" i="1" dirty="0" smtClean="0">
+              <a:rPr lang="it-IT" i="1" dirty="0">
                 <a:solidFill>
                   <a:srgbClr val="00B050"/>
                 </a:solidFill>
@@ -26965,14 +28867,14 @@
               <a:t>indicano che, all’equilibrio del </a:t>
             </a:r>
             <a:r>
-              <a:rPr lang="it-IT" i="1" dirty="0" smtClean="0">
+              <a:rPr lang="it-IT" i="1" dirty="0">
                 <a:latin typeface="Calibri" pitchFamily="34" charset="0"/>
                 <a:cs typeface="Calibri" pitchFamily="34" charset="0"/>
               </a:rPr>
               <a:t>random </a:t>
             </a:r>
             <a:r>
-              <a:rPr lang="it-IT" i="1" dirty="0" err="1" smtClean="0">
+              <a:rPr lang="it-IT" i="1" dirty="0" err="1">
                 <a:latin typeface="Calibri" pitchFamily="34" charset="0"/>
                 <a:cs typeface="Calibri" pitchFamily="34" charset="0"/>
               </a:rPr>
@@ -26985,25 +28887,14 @@
               </a:rPr>
               <a:t>, è bassa </a:t>
             </a:r>
-            <a:endParaRPr lang="it-IT" dirty="0" smtClean="0">
-              <a:latin typeface="Calibri" pitchFamily="34" charset="0"/>
-              <a:cs typeface="Calibri" pitchFamily="34" charset="0"/>
-            </a:endParaRPr>
-          </a:p>
-          <a:p>
-            <a:r>
-              <a:rPr lang="it-IT" dirty="0" smtClean="0">
-                <a:latin typeface="Calibri" pitchFamily="34" charset="0"/>
-                <a:cs typeface="Calibri" pitchFamily="34" charset="0"/>
-              </a:rPr>
-              <a:t>la </a:t>
-            </a:r>
+          </a:p>
+          <a:p>
             <a:r>
               <a:rPr lang="it-IT" dirty="0">
                 <a:latin typeface="Calibri" pitchFamily="34" charset="0"/>
                 <a:cs typeface="Calibri" pitchFamily="34" charset="0"/>
               </a:rPr>
-              <a:t>probabilità di essere nell’</a:t>
+              <a:t>la probabilità di essere nell’</a:t>
             </a:r>
             <a:r>
               <a:rPr lang="it-IT" i="1" dirty="0" err="1">
@@ -27024,15 +28915,10 @@
                 <a:latin typeface="Calibri" pitchFamily="34" charset="0"/>
                 <a:cs typeface="Calibri" pitchFamily="34" charset="0"/>
               </a:rPr>
-              <a:t>opposta a quella di </a:t>
-            </a:r>
-            <a:r>
-              <a:rPr lang="it-IT" dirty="0" smtClean="0">
-                <a:latin typeface="Calibri" pitchFamily="34" charset="0"/>
-                <a:cs typeface="Calibri" pitchFamily="34" charset="0"/>
-              </a:rPr>
-              <a:t>partenza.</a:t>
-            </a:r>
+              <a:t>opposta a quella di partenza.</a:t>
+            </a:r>
+          </a:p>
+          <a:p>
             <a:endParaRPr lang="it-IT" dirty="0">
               <a:latin typeface="Calibri" pitchFamily="34" charset="0"/>
               <a:cs typeface="Calibri" pitchFamily="34" charset="0"/>
@@ -27045,20 +28931,14 @@
             </a:endParaRPr>
           </a:p>
           <a:p>
-            <a:endParaRPr lang="it-IT" dirty="0" smtClean="0">
-              <a:latin typeface="Calibri" pitchFamily="34" charset="0"/>
-              <a:cs typeface="Calibri" pitchFamily="34" charset="0"/>
-            </a:endParaRPr>
-          </a:p>
-          <a:p>
-            <a:endParaRPr lang="it-IT" dirty="0" smtClean="0">
+            <a:endParaRPr lang="it-IT" dirty="0">
               <a:latin typeface="Calibri" panose="020F0502020204030204" pitchFamily="34" charset="0"/>
               <a:cs typeface="Calibri" panose="020F0502020204030204" pitchFamily="34" charset="0"/>
               <a:sym typeface="Wingdings" panose="05000000000000000000" pitchFamily="2" charset="2"/>
             </a:endParaRPr>
           </a:p>
           <a:p>
-            <a:endParaRPr lang="it-IT" dirty="0" smtClean="0">
+            <a:endParaRPr lang="it-IT" dirty="0">
               <a:latin typeface="Calibri" panose="020F0502020204030204" pitchFamily="34" charset="0"/>
               <a:cs typeface="Calibri" panose="020F0502020204030204" pitchFamily="34" charset="0"/>
               <a:sym typeface="Wingdings" panose="05000000000000000000" pitchFamily="2" charset="2"/>
@@ -27281,7 +29161,7 @@
           <a:lstStyle/>
           <a:p>
             <a:pPr algn="ctr"/>
-            <a:endParaRPr lang="it-IT" dirty="0" smtClean="0">
+            <a:endParaRPr lang="it-IT" dirty="0">
               <a:latin typeface="Calibri" pitchFamily="34" charset="0"/>
               <a:cs typeface="Calibri" pitchFamily="34" charset="0"/>
             </a:endParaRPr>
@@ -27289,7 +29169,7 @@
           <a:p>
             <a:pPr algn="ctr"/>
             <a:r>
-              <a:rPr lang="it-IT" dirty="0" smtClean="0">
+              <a:rPr lang="it-IT" dirty="0">
                 <a:solidFill>
                   <a:schemeClr val="accent2"/>
                 </a:solidFill>
@@ -27299,14 +29179,14 @@
               <a:t>elevata</a:t>
             </a:r>
             <a:r>
-              <a:rPr lang="it-IT" dirty="0" smtClean="0">
+              <a:rPr lang="it-IT" dirty="0">
                 <a:latin typeface="Calibri" pitchFamily="34" charset="0"/>
                 <a:cs typeface="Calibri" pitchFamily="34" charset="0"/>
               </a:rPr>
               <a:t> </a:t>
             </a:r>
             <a:r>
-              <a:rPr lang="it-IT" i="1" dirty="0" smtClean="0">
+              <a:rPr lang="it-IT" i="1" dirty="0">
                 <a:solidFill>
                   <a:schemeClr val="accent2"/>
                 </a:solidFill>
@@ -27340,13 +29220,6 @@
   <p:clrMapOvr>
     <a:masterClrMapping/>
   </p:clrMapOvr>
-  <p:timing>
-    <p:tnLst>
-      <p:par>
-        <p:cTn id="1" dur="indefinite" restart="never" nodeType="tmRoot"/>
-      </p:par>
-    </p:tnLst>
-  </p:timing>
 </p:sld>
 </file>
 
@@ -27372,7 +29245,7 @@
           <p:cNvPr id="5" name="Title 3">
             <a:extLst>
               <a:ext uri="{FF2B5EF4-FFF2-40B4-BE49-F238E27FC236}">
-                <a16:creationId xmlns:a16="http://schemas.microsoft.com/office/drawing/2014/main" xmlns="" id="{189ECF77-714F-4D2C-9D4B-CC43534EF427}"/>
+                <a16:creationId xmlns:a16="http://schemas.microsoft.com/office/drawing/2014/main" id="{189ECF77-714F-4D2C-9D4B-CC43534EF427}"/>
               </a:ext>
             </a:extLst>
           </p:cNvPr>
@@ -27442,8 +29315,8 @@
           </a:p>
         </p:txBody>
       </p:sp>
-      <mc:AlternateContent xmlns:mc="http://schemas.openxmlformats.org/markup-compatibility/2006" xmlns:a14="http://schemas.microsoft.com/office/drawing/2010/main">
-        <mc:Choice Requires="a14">
+      <mc:AlternateContent xmlns:mc="http://schemas.openxmlformats.org/markup-compatibility/2006">
+        <mc:Choice xmlns:a14="http://schemas.microsoft.com/office/drawing/2010/main" Requires="a14">
           <p:sp>
             <p:nvSpPr>
               <p:cNvPr id="6" name="Rettangolo 5"/>
@@ -27466,11 +29339,16 @@
               <a:lstStyle/>
               <a:p>
                 <a:r>
-                  <a:rPr lang="it-IT" b="1" dirty="0" smtClean="0">
+                  <a:rPr lang="it-IT" b="1" dirty="0">
+                    <a:ln>
+                      <a:solidFill>
+                        <a:schemeClr val="accent2">
+                          <a:lumMod val="50000"/>
+                        </a:schemeClr>
+                      </a:solidFill>
+                    </a:ln>
                     <a:solidFill>
-                      <a:schemeClr val="accent5">
-                        <a:lumMod val="75000"/>
-                      </a:schemeClr>
+                      <a:srgbClr val="C00000"/>
                     </a:solidFill>
                     <a:latin typeface="Calibri" panose="020F0502020204030204" pitchFamily="34" charset="0"/>
                     <a:cs typeface="Calibri" panose="020F0502020204030204" pitchFamily="34" charset="0"/>
@@ -27480,10 +29358,15 @@
                 </a:r>
                 <a:r>
                   <a:rPr lang="it-IT" dirty="0">
+                    <a:ln>
+                      <a:solidFill>
+                        <a:schemeClr val="accent2">
+                          <a:lumMod val="50000"/>
+                        </a:schemeClr>
+                      </a:solidFill>
+                    </a:ln>
                     <a:solidFill>
-                      <a:schemeClr val="accent5">
-                        <a:lumMod val="75000"/>
-                      </a:schemeClr>
+                      <a:srgbClr val="C00000"/>
                     </a:solidFill>
                     <a:latin typeface="Calibri" panose="020F0502020204030204" pitchFamily="34" charset="0"/>
                     <a:cs typeface="Calibri" panose="020F0502020204030204" pitchFamily="34" charset="0"/>
@@ -27609,28 +29492,12 @@
                     <a:cs typeface="Calibri" panose="020F0502020204030204" pitchFamily="34" charset="0"/>
                     <a:sym typeface="Wingdings" panose="05000000000000000000" pitchFamily="2" charset="2"/>
                   </a:rPr>
-                  <a:t>Ossia</a:t>
-                </a:r>
-                <a:r>
-                  <a:rPr lang="it-IT" dirty="0" smtClean="0">
-                    <a:latin typeface="Calibri" panose="020F0502020204030204" pitchFamily="34" charset="0"/>
-                    <a:cs typeface="Calibri" panose="020F0502020204030204" pitchFamily="34" charset="0"/>
-                    <a:sym typeface="Wingdings" panose="05000000000000000000" pitchFamily="2" charset="2"/>
-                  </a:rPr>
-                  <a:t>:</a:t>
+                  <a:t>Ossia:</a:t>
                 </a:r>
               </a:p>
               <a:p>
                 <a:pPr algn="just"/>
                 <a:endParaRPr lang="it-IT" dirty="0">
-                  <a:latin typeface="Calibri" panose="020F0502020204030204" pitchFamily="34" charset="0"/>
-                  <a:cs typeface="Calibri" panose="020F0502020204030204" pitchFamily="34" charset="0"/>
-                  <a:sym typeface="Wingdings" panose="05000000000000000000" pitchFamily="2" charset="2"/>
-                </a:endParaRPr>
-              </a:p>
-              <a:p>
-                <a:pPr algn="just"/>
-                <a:endParaRPr lang="it-IT" dirty="0" smtClean="0">
                   <a:latin typeface="Calibri" panose="020F0502020204030204" pitchFamily="34" charset="0"/>
                   <a:cs typeface="Calibri" panose="020F0502020204030204" pitchFamily="34" charset="0"/>
                   <a:sym typeface="Wingdings" panose="05000000000000000000" pitchFamily="2" charset="2"/>
@@ -27646,7 +29513,7 @@
               </a:p>
               <a:p>
                 <a:pPr algn="just"/>
-                <a:endParaRPr lang="it-IT" dirty="0" smtClean="0">
+                <a:endParaRPr lang="it-IT" dirty="0">
                   <a:latin typeface="Calibri" panose="020F0502020204030204" pitchFamily="34" charset="0"/>
                   <a:cs typeface="Calibri" panose="020F0502020204030204" pitchFamily="34" charset="0"/>
                   <a:sym typeface="Wingdings" panose="05000000000000000000" pitchFamily="2" charset="2"/>
@@ -27654,7 +29521,7 @@
               </a:p>
               <a:p>
                 <a:pPr algn="just"/>
-                <a:endParaRPr lang="it-IT" dirty="0" smtClean="0">
+                <a:endParaRPr lang="it-IT" dirty="0">
                   <a:latin typeface="Calibri" panose="020F0502020204030204" pitchFamily="34" charset="0"/>
                   <a:cs typeface="Calibri" panose="020F0502020204030204" pitchFamily="34" charset="0"/>
                   <a:sym typeface="Wingdings" panose="05000000000000000000" pitchFamily="2" charset="2"/>
@@ -27662,7 +29529,15 @@
               </a:p>
               <a:p>
                 <a:pPr algn="just"/>
-                <a:endParaRPr lang="it-IT" dirty="0" smtClean="0">
+                <a:endParaRPr lang="it-IT" dirty="0">
+                  <a:latin typeface="Calibri" panose="020F0502020204030204" pitchFamily="34" charset="0"/>
+                  <a:cs typeface="Calibri" panose="020F0502020204030204" pitchFamily="34" charset="0"/>
+                  <a:sym typeface="Wingdings" panose="05000000000000000000" pitchFamily="2" charset="2"/>
+                </a:endParaRPr>
+              </a:p>
+              <a:p>
+                <a:pPr algn="just"/>
+                <a:endParaRPr lang="it-IT" dirty="0">
                   <a:latin typeface="Calibri" panose="020F0502020204030204" pitchFamily="34" charset="0"/>
                   <a:cs typeface="Calibri" panose="020F0502020204030204" pitchFamily="34" charset="0"/>
                   <a:sym typeface="Wingdings" panose="05000000000000000000" pitchFamily="2" charset="2"/>
@@ -27671,7 +29546,7 @@
               <a:p>
                 <a:pPr algn="just"/>
                 <a:r>
-                  <a:rPr lang="it-IT" dirty="0" smtClean="0">
+                  <a:rPr lang="it-IT" dirty="0">
                     <a:latin typeface="Calibri" panose="020F0502020204030204" pitchFamily="34" charset="0"/>
                     <a:cs typeface="Calibri" panose="020F0502020204030204" pitchFamily="34" charset="0"/>
                     <a:sym typeface="Wingdings" panose="05000000000000000000" pitchFamily="2" charset="2"/>
@@ -27679,7 +29554,7 @@
                   <a:t>…è un </a:t>
                 </a:r>
                 <a:r>
-                  <a:rPr lang="it-IT" b="1" i="1" dirty="0" err="1" smtClean="0">
+                  <a:rPr lang="it-IT" b="1" i="1" dirty="0" err="1">
                     <a:solidFill>
                       <a:schemeClr val="accent2"/>
                     </a:solidFill>
@@ -27690,7 +29565,7 @@
                   <a:t>edge-recommendation</a:t>
                 </a:r>
                 <a:r>
-                  <a:rPr lang="it-IT" b="1" i="1" dirty="0" smtClean="0">
+                  <a:rPr lang="it-IT" b="1" i="1" dirty="0">
                     <a:solidFill>
                       <a:schemeClr val="accent2"/>
                     </a:solidFill>
@@ -27701,7 +29576,7 @@
                   <a:t> </a:t>
                 </a:r>
                 <a:r>
-                  <a:rPr lang="it-IT" b="1" i="1" dirty="0" err="1" smtClean="0">
+                  <a:rPr lang="it-IT" b="1" i="1" dirty="0" err="1">
                     <a:solidFill>
                       <a:schemeClr val="accent2"/>
                     </a:solidFill>
@@ -27712,7 +29587,7 @@
                   <a:t>problem</a:t>
                 </a:r>
                 <a:r>
-                  <a:rPr lang="it-IT" dirty="0" smtClean="0">
+                  <a:rPr lang="it-IT" dirty="0">
                     <a:solidFill>
                       <a:schemeClr val="accent2"/>
                     </a:solidFill>
@@ -27723,7 +29598,7 @@
                   <a:t> </a:t>
                 </a:r>
                 <a:r>
-                  <a:rPr lang="it-IT" dirty="0" smtClean="0">
+                  <a:rPr lang="it-IT" dirty="0">
                     <a:latin typeface="Calibri" panose="020F0502020204030204" pitchFamily="34" charset="0"/>
                     <a:cs typeface="Calibri" panose="020F0502020204030204" pitchFamily="34" charset="0"/>
                     <a:sym typeface="Wingdings" panose="05000000000000000000" pitchFamily="2" charset="2"/>
@@ -27734,23 +29609,15 @@
               <a:p>
                 <a:pPr algn="just"/>
                 <a:r>
-                  <a:rPr lang="it-IT" dirty="0" smtClean="0">
-                    <a:latin typeface="Calibri" panose="020F0502020204030204" pitchFamily="34" charset="0"/>
-                    <a:cs typeface="Calibri" panose="020F0502020204030204" pitchFamily="34" charset="0"/>
-                    <a:sym typeface="Wingdings" panose="05000000000000000000" pitchFamily="2" charset="2"/>
-                  </a:rPr>
-                  <a:t>troppo elevata (i.e</a:t>
-                </a:r>
-                <a:r>
                   <a:rPr lang="it-IT" dirty="0">
                     <a:latin typeface="Calibri" panose="020F0502020204030204" pitchFamily="34" charset="0"/>
                     <a:cs typeface="Calibri" panose="020F0502020204030204" pitchFamily="34" charset="0"/>
                     <a:sym typeface="Wingdings" panose="05000000000000000000" pitchFamily="2" charset="2"/>
                   </a:rPr>
-                  <a:t>.</a:t>
+                  <a:t>troppo elevata (i.e.</a:t>
                 </a:r>
                 <a:r>
-                  <a:rPr lang="it-IT" b="1" i="1" dirty="0" smtClean="0">
+                  <a:rPr lang="it-IT" b="1" i="1" dirty="0">
                     <a:latin typeface="Calibri" panose="020F0502020204030204" pitchFamily="34" charset="0"/>
                     <a:cs typeface="Calibri" panose="020F0502020204030204" pitchFamily="34" charset="0"/>
                     <a:sym typeface="Wingdings" panose="05000000000000000000" pitchFamily="2" charset="2"/>
@@ -27771,7 +29638,7 @@
                       <m:dPr>
                         <m:ctrlPr>
                           <a:rPr lang="it-IT" b="1" i="1" smtClean="0">
-                            <a:latin typeface="Cambria Math"/>
+                            <a:latin typeface="Cambria Math" panose="02040503050406030204" pitchFamily="18" charset="0"/>
                             <a:cs typeface="Calibri" panose="020F0502020204030204" pitchFamily="34" charset="0"/>
                             <a:sym typeface="Wingdings" panose="05000000000000000000" pitchFamily="2" charset="2"/>
                           </a:rPr>
@@ -27783,7 +29650,7 @@
                             <m:type m:val="noBar"/>
                             <m:ctrlPr>
                               <a:rPr lang="it-IT" b="1" i="1" smtClean="0">
-                                <a:latin typeface="Cambria Math"/>
+                                <a:latin typeface="Cambria Math" panose="02040503050406030204" pitchFamily="18" charset="0"/>
                                 <a:cs typeface="Calibri" panose="020F0502020204030204" pitchFamily="34" charset="0"/>
                                 <a:sym typeface="Wingdings" panose="05000000000000000000" pitchFamily="2" charset="2"/>
                               </a:rPr>
@@ -27794,7 +29661,7 @@
                               <m:sSupPr>
                                 <m:ctrlPr>
                                   <a:rPr lang="it-IT" b="1" i="1" smtClean="0">
-                                    <a:latin typeface="Cambria Math"/>
+                                    <a:latin typeface="Cambria Math" panose="02040503050406030204" pitchFamily="18" charset="0"/>
                                     <a:cs typeface="Calibri" panose="020F0502020204030204" pitchFamily="34" charset="0"/>
                                     <a:sym typeface="Wingdings" panose="05000000000000000000" pitchFamily="2" charset="2"/>
                                   </a:rPr>
@@ -27851,20 +29718,12 @@
                     <a:cs typeface="Calibri" panose="020F0502020204030204" pitchFamily="34" charset="0"/>
                     <a:sym typeface="Wingdings" panose="05000000000000000000" pitchFamily="2" charset="2"/>
                   </a:rPr>
-                  <a:t>)</a:t>
-                </a:r>
-                <a:r>
-                  <a:rPr lang="it-IT" dirty="0" smtClean="0">
-                    <a:latin typeface="Calibri" panose="020F0502020204030204" pitchFamily="34" charset="0"/>
-                    <a:cs typeface="Calibri" panose="020F0502020204030204" pitchFamily="34" charset="0"/>
-                    <a:sym typeface="Wingdings" panose="05000000000000000000" pitchFamily="2" charset="2"/>
-                  </a:rPr>
-                  <a:t> per essere risolto in tempi accettabili.</a:t>
+                  <a:t>) per essere risolto in tempi accettabili.</a:t>
                 </a:r>
               </a:p>
               <a:p>
                 <a:pPr algn="just"/>
-                <a:endParaRPr lang="it-IT" dirty="0" smtClean="0">
+                <a:endParaRPr lang="it-IT" dirty="0">
                   <a:latin typeface="Calibri" panose="020F0502020204030204" pitchFamily="34" charset="0"/>
                   <a:cs typeface="Calibri" panose="020F0502020204030204" pitchFamily="34" charset="0"/>
                   <a:sym typeface="Wingdings" panose="05000000000000000000" pitchFamily="2" charset="2"/>
@@ -27872,7 +29731,7 @@
               </a:p>
               <a:p>
                 <a:pPr algn="just"/>
-                <a:endParaRPr lang="it-IT" dirty="0" smtClean="0">
+                <a:endParaRPr lang="it-IT" dirty="0">
                   <a:latin typeface="Calibri" panose="020F0502020204030204" pitchFamily="34" charset="0"/>
                   <a:cs typeface="Calibri" panose="020F0502020204030204" pitchFamily="34" charset="0"/>
                   <a:sym typeface="Wingdings" panose="05000000000000000000" pitchFamily="2" charset="2"/>
@@ -27881,7 +29740,7 @@
               <a:p>
                 <a:pPr algn="just"/>
                 <a:r>
-                  <a:rPr lang="it-IT" b="1" dirty="0" smtClean="0">
+                  <a:rPr lang="it-IT" b="1" dirty="0">
                     <a:latin typeface="Calibri" panose="020F0502020204030204" pitchFamily="34" charset="0"/>
                     <a:cs typeface="Calibri" panose="020F0502020204030204" pitchFamily="34" charset="0"/>
                     <a:sym typeface="Wingdings" panose="05000000000000000000" pitchFamily="2" charset="2"/>
@@ -27889,7 +29748,7 @@
                   <a:t>Soluzione</a:t>
                 </a:r>
                 <a:r>
-                  <a:rPr lang="it-IT" dirty="0" smtClean="0">
+                  <a:rPr lang="it-IT" dirty="0">
                     <a:latin typeface="Calibri" panose="020F0502020204030204" pitchFamily="34" charset="0"/>
                     <a:cs typeface="Calibri" panose="020F0502020204030204" pitchFamily="34" charset="0"/>
                     <a:sym typeface="Wingdings" panose="05000000000000000000" pitchFamily="2" charset="2"/>
@@ -27897,7 +29756,7 @@
                   <a:t>: </a:t>
                 </a:r>
                 <a:r>
-                  <a:rPr lang="it-IT" i="1" u="sng" dirty="0" smtClean="0">
+                  <a:rPr lang="it-IT" i="1" u="sng" dirty="0">
                     <a:latin typeface="Calibri" panose="020F0502020204030204" pitchFamily="34" charset="0"/>
                     <a:cs typeface="Calibri" panose="020F0502020204030204" pitchFamily="34" charset="0"/>
                     <a:sym typeface="Wingdings" panose="05000000000000000000" pitchFamily="2" charset="2"/>
@@ -27905,7 +29764,7 @@
                   <a:t>utilizzare un’</a:t>
                 </a:r>
                 <a:r>
-                  <a:rPr lang="it-IT" b="1" i="1" u="sng" dirty="0" smtClean="0">
+                  <a:rPr lang="it-IT" b="1" i="1" u="sng" dirty="0">
                     <a:solidFill>
                       <a:srgbClr val="C00000"/>
                     </a:solidFill>
@@ -27916,7 +29775,7 @@
                   <a:t>euristica</a:t>
                 </a:r>
                 <a:r>
-                  <a:rPr lang="it-IT" i="1" u="sng" dirty="0" smtClean="0">
+                  <a:rPr lang="it-IT" i="1" u="sng" dirty="0">
                     <a:latin typeface="Calibri" panose="020F0502020204030204" pitchFamily="34" charset="0"/>
                     <a:cs typeface="Calibri" panose="020F0502020204030204" pitchFamily="34" charset="0"/>
                     <a:sym typeface="Wingdings" panose="05000000000000000000" pitchFamily="2" charset="2"/>
@@ -27932,29 +29791,16 @@
                     <a:cs typeface="Calibri" panose="020F0502020204030204" pitchFamily="34" charset="0"/>
                     <a:sym typeface="Wingdings" panose="05000000000000000000" pitchFamily="2" charset="2"/>
                   </a:rPr>
-                  <a:t>c</a:t>
+                  <a:t>considerati, consentendo di ottenere risultati che approssimino l’ottimo</a:t>
                 </a:r>
                 <a:r>
-                  <a:rPr lang="it-IT" i="1" u="sng" dirty="0" smtClean="0">
-                    <a:latin typeface="Calibri" panose="020F0502020204030204" pitchFamily="34" charset="0"/>
-                    <a:cs typeface="Calibri" panose="020F0502020204030204" pitchFamily="34" charset="0"/>
-                    <a:sym typeface="Wingdings" panose="05000000000000000000" pitchFamily="2" charset="2"/>
-                  </a:rPr>
-                  <a:t>onsiderati, consentendo di ottenere risultati che approssimino l’ottimo</a:t>
-                </a:r>
-                <a:r>
-                  <a:rPr lang="it-IT" dirty="0" smtClean="0">
+                  <a:rPr lang="it-IT" dirty="0">
                     <a:latin typeface="Calibri" panose="020F0502020204030204" pitchFamily="34" charset="0"/>
                     <a:cs typeface="Calibri" panose="020F0502020204030204" pitchFamily="34" charset="0"/>
                     <a:sym typeface="Wingdings" panose="05000000000000000000" pitchFamily="2" charset="2"/>
                   </a:rPr>
                   <a:t>.</a:t>
                 </a:r>
-                <a:endParaRPr lang="it-IT" dirty="0">
-                  <a:latin typeface="Calibri" panose="020F0502020204030204" pitchFamily="34" charset="0"/>
-                  <a:cs typeface="Calibri" panose="020F0502020204030204" pitchFamily="34" charset="0"/>
-                  <a:sym typeface="Wingdings" panose="05000000000000000000" pitchFamily="2" charset="2"/>
-                </a:endParaRPr>
               </a:p>
               <a:p>
                 <a:pPr algn="just"/>
@@ -27967,7 +29813,7 @@
             </p:txBody>
           </p:sp>
         </mc:Choice>
-        <mc:Fallback xmlns="">
+        <mc:Fallback>
           <p:sp>
             <p:nvSpPr>
               <p:cNvPr id="6" name="Rettangolo 5"/>
@@ -27984,10 +29830,10 @@
               <a:prstGeom prst="rect">
                 <a:avLst/>
               </a:prstGeom>
-              <a:blipFill rotWithShape="1">
+              <a:blipFill>
                 <a:blip r:embed="rId2"/>
                 <a:stretch>
-                  <a:fillRect l="-740" t="-617"/>
+                  <a:fillRect l="-740"/>
                 </a:stretch>
               </a:blipFill>
             </p:spPr>
@@ -28057,13 +29903,6 @@
   <p:clrMapOvr>
     <a:masterClrMapping/>
   </p:clrMapOvr>
-  <p:timing>
-    <p:tnLst>
-      <p:par>
-        <p:cTn id="1" dur="indefinite" restart="never" nodeType="tmRoot"/>
-      </p:par>
-    </p:tnLst>
-  </p:timing>
 </p:sld>
 </file>
 
@@ -28926,7 +30765,7 @@
   <a:extraClrSchemeLst/>
   <a:extLst>
     <a:ext uri="{05A4C25C-085E-4340-85A3-A5531E510DB2}">
-      <thm15:themeFamily xmlns:thm15="http://schemas.microsoft.com/office/thememl/2012/main" xmlns="" name="Office Theme" id="{62F939B6-93AF-4DB8-9C6B-D6C7DFDC589F}" vid="{4A3C46E8-61CC-4603-A589-7422A47A8E4A}"/>
+      <thm15:themeFamily xmlns:thm15="http://schemas.microsoft.com/office/thememl/2012/main" name="Office Theme" id="{62F939B6-93AF-4DB8-9C6B-D6C7DFDC589F}" vid="{4A3C46E8-61CC-4603-A589-7422A47A8E4A}"/>
     </a:ext>
   </a:extLst>
 </a:theme>

--- a/PRESENTAZIONE_TESI/presentazione_agostini_stefano.pptx
+++ b/PRESENTAZIONE_TESI/presentazione_agostini_stefano.pptx
@@ -6,7 +6,7 @@
     <p:sldMasterId id="2147483661" r:id="rId2"/>
   </p:sldMasterIdLst>
   <p:notesMasterIdLst>
-    <p:notesMasterId r:id="rId21"/>
+    <p:notesMasterId r:id="rId30"/>
   </p:notesMasterIdLst>
   <p:sldIdLst>
     <p:sldId id="256" r:id="rId3"/>
@@ -27,6 +27,15 @@
     <p:sldId id="272" r:id="rId18"/>
     <p:sldId id="273" r:id="rId19"/>
     <p:sldId id="274" r:id="rId20"/>
+    <p:sldId id="275" r:id="rId21"/>
+    <p:sldId id="276" r:id="rId22"/>
+    <p:sldId id="277" r:id="rId23"/>
+    <p:sldId id="278" r:id="rId24"/>
+    <p:sldId id="279" r:id="rId25"/>
+    <p:sldId id="280" r:id="rId26"/>
+    <p:sldId id="281" r:id="rId27"/>
+    <p:sldId id="282" r:id="rId28"/>
+    <p:sldId id="283" r:id="rId29"/>
   </p:sldIdLst>
   <p:sldSz cx="9144000" cy="6858000" type="screen4x3"/>
   <p:notesSz cx="6858000" cy="9144000"/>
@@ -148,12 +157,21 @@
             <p14:sldId id="272"/>
             <p14:sldId id="273"/>
             <p14:sldId id="274"/>
+            <p14:sldId id="275"/>
+            <p14:sldId id="276"/>
+            <p14:sldId id="277"/>
+            <p14:sldId id="278"/>
+            <p14:sldId id="279"/>
+            <p14:sldId id="280"/>
+            <p14:sldId id="281"/>
+            <p14:sldId id="282"/>
+            <p14:sldId id="283"/>
           </p14:sldIdLst>
         </p14:section>
       </p14:sectionLst>
     </p:ext>
     <p:ext uri="{EFAFB233-063F-42B5-8137-9DF3F51BA10A}">
-      <p15:sldGuideLst xmlns:p15="http://schemas.microsoft.com/office/powerpoint/2012/main">
+      <p15:sldGuideLst xmlns="" xmlns:p15="http://schemas.microsoft.com/office/powerpoint/2012/main">
         <p15:guide id="1" orient="horz" pos="2160">
           <p15:clr>
             <a:srgbClr val="A4A3A4"/>
@@ -252,7 +270,7 @@
           <a:p>
             <a:fld id="{D9998136-BDF3-4CD5-9A25-953B69557AFC}" type="datetimeFigureOut">
               <a:rPr lang="it-IT" smtClean="0"/>
-              <a:t>12/07/2018</a:t>
+              <a:t>14/07/2018</a:t>
             </a:fld>
             <a:endParaRPr lang="it-IT"/>
           </a:p>
@@ -519,6 +537,114 @@
 </p:notesMaster>
 </file>
 
+<file path=ppt/notesSlides/notesSlide1.xml><?xml version="1.0" encoding="utf-8"?>
+<p:notes xmlns:a="http://schemas.openxmlformats.org/drawingml/2006/main" xmlns:r="http://schemas.openxmlformats.org/officeDocument/2006/relationships" xmlns:p="http://schemas.openxmlformats.org/presentationml/2006/main">
+  <p:cSld>
+    <p:spTree>
+      <p:nvGrpSpPr>
+        <p:cNvPr id="1" name=""/>
+        <p:cNvGrpSpPr/>
+        <p:nvPr/>
+      </p:nvGrpSpPr>
+      <p:grpSpPr>
+        <a:xfrm>
+          <a:off x="0" y="0"/>
+          <a:ext cx="0" cy="0"/>
+          <a:chOff x="0" y="0"/>
+          <a:chExt cx="0" cy="0"/>
+        </a:xfrm>
+      </p:grpSpPr>
+      <p:sp>
+        <p:nvSpPr>
+          <p:cNvPr id="2" name="Segnaposto immagine diapositiva 1"/>
+          <p:cNvSpPr>
+            <a:spLocks noGrp="1" noRot="1" noChangeAspect="1"/>
+          </p:cNvSpPr>
+          <p:nvPr>
+            <p:ph type="sldImg"/>
+          </p:nvPr>
+        </p:nvSpPr>
+        <p:spPr/>
+      </p:sp>
+      <p:sp>
+        <p:nvSpPr>
+          <p:cNvPr id="3" name="Segnaposto note 2"/>
+          <p:cNvSpPr>
+            <a:spLocks noGrp="1"/>
+          </p:cNvSpPr>
+          <p:nvPr>
+            <p:ph type="body" idx="1"/>
+          </p:nvPr>
+        </p:nvSpPr>
+        <p:spPr/>
+        <p:txBody>
+          <a:bodyPr/>
+          <a:lstStyle/>
+          <a:p>
+            <a:r>
+              <a:rPr lang="it-IT" b="1" dirty="0" smtClean="0"/>
+              <a:t>È</a:t>
+            </a:r>
+            <a:r>
+              <a:rPr lang="it-IT" b="1" baseline="0" dirty="0" smtClean="0"/>
+              <a:t> </a:t>
+            </a:r>
+            <a:r>
+              <a:rPr lang="it-IT" b="1" dirty="0" smtClean="0"/>
+              <a:t>opportuno parlare di </a:t>
+            </a:r>
+            <a:r>
+              <a:rPr lang="it-IT" b="1" dirty="0" err="1" smtClean="0"/>
+              <a:t>GetOldTweets</a:t>
+            </a:r>
+            <a:r>
+              <a:rPr lang="it-IT" b="1" dirty="0" smtClean="0"/>
+              <a:t>???? Valutarlo</a:t>
+            </a:r>
+            <a:r>
+              <a:rPr lang="it-IT" b="1" baseline="0" dirty="0" smtClean="0"/>
+              <a:t> alla fine…</a:t>
+            </a:r>
+            <a:endParaRPr lang="it-IT" b="1" dirty="0"/>
+          </a:p>
+        </p:txBody>
+      </p:sp>
+      <p:sp>
+        <p:nvSpPr>
+          <p:cNvPr id="4" name="Segnaposto numero diapositiva 3"/>
+          <p:cNvSpPr>
+            <a:spLocks noGrp="1"/>
+          </p:cNvSpPr>
+          <p:nvPr>
+            <p:ph type="sldNum" sz="quarter" idx="10"/>
+          </p:nvPr>
+        </p:nvSpPr>
+        <p:spPr/>
+        <p:txBody>
+          <a:bodyPr/>
+          <a:lstStyle/>
+          <a:p>
+            <a:fld id="{04A53BF3-1CD2-4734-8816-53642893CFF4}" type="slidenum">
+              <a:rPr lang="it-IT" smtClean="0"/>
+              <a:t>17</a:t>
+            </a:fld>
+            <a:endParaRPr lang="it-IT"/>
+          </a:p>
+        </p:txBody>
+      </p:sp>
+    </p:spTree>
+    <p:extLst>
+      <p:ext uri="{BB962C8B-B14F-4D97-AF65-F5344CB8AC3E}">
+        <p14:creationId xmlns:p14="http://schemas.microsoft.com/office/powerpoint/2010/main" val="860372086"/>
+      </p:ext>
+    </p:extLst>
+  </p:cSld>
+  <p:clrMapOvr>
+    <a:masterClrMapping/>
+  </p:clrMapOvr>
+</p:notes>
+</file>
+
 <file path=ppt/slideLayouts/slideLayout1.xml><?xml version="1.0" encoding="utf-8"?>
 <p:sldLayout xmlns:a="http://schemas.openxmlformats.org/drawingml/2006/main" xmlns:r="http://schemas.openxmlformats.org/officeDocument/2006/relationships" xmlns:p="http://schemas.openxmlformats.org/presentationml/2006/main" preserve="1" userDrawn="1">
   <p:cSld name="Title Slide">
@@ -597,7 +723,7 @@
           <a:p>
             <a:fld id="{18DCCD61-643D-44A5-A450-3A42A50CBC1E}" type="datetimeFigureOut">
               <a:rPr lang="en-US" smtClean="0"/>
-              <a:t>7/12/2018</a:t>
+              <a:t>7/14/2018</a:t>
             </a:fld>
             <a:endParaRPr lang="en-US" dirty="0"/>
           </a:p>
@@ -872,7 +998,7 @@
           <a:p>
             <a:fld id="{18DCCD61-643D-44A5-A450-3A42A50CBC1E}" type="datetimeFigureOut">
               <a:rPr lang="en-US" smtClean="0"/>
-              <a:t>7/12/2018</a:t>
+              <a:t>7/14/2018</a:t>
             </a:fld>
             <a:endParaRPr lang="en-US" dirty="0"/>
           </a:p>
@@ -1124,7 +1250,7 @@
           <a:p>
             <a:fld id="{18DCCD61-643D-44A5-A450-3A42A50CBC1E}" type="datetimeFigureOut">
               <a:rPr lang="en-US" smtClean="0"/>
-              <a:t>7/12/2018</a:t>
+              <a:t>7/14/2018</a:t>
             </a:fld>
             <a:endParaRPr lang="en-US" dirty="0"/>
           </a:p>
@@ -1292,7 +1418,7 @@
           <a:p>
             <a:fld id="{18DCCD61-643D-44A5-A450-3A42A50CBC1E}" type="datetimeFigureOut">
               <a:rPr lang="en-US" smtClean="0"/>
-              <a:t>7/12/2018</a:t>
+              <a:t>7/14/2018</a:t>
             </a:fld>
             <a:endParaRPr lang="en-US" dirty="0"/>
           </a:p>
@@ -1470,7 +1596,7 @@
           <a:p>
             <a:fld id="{18DCCD61-643D-44A5-A450-3A42A50CBC1E}" type="datetimeFigureOut">
               <a:rPr lang="en-US" smtClean="0"/>
-              <a:t>7/12/2018</a:t>
+              <a:t>7/14/2018</a:t>
             </a:fld>
             <a:endParaRPr lang="en-US" dirty="0"/>
           </a:p>
@@ -2058,7 +2184,7 @@
           <a:p>
             <a:fld id="{18DCCD61-643D-44A5-A450-3A42A50CBC1E}" type="datetimeFigureOut">
               <a:rPr lang="en-US" smtClean="0"/>
-              <a:t>7/12/2018</a:t>
+              <a:t>7/14/2018</a:t>
             </a:fld>
             <a:endParaRPr lang="en-US" dirty="0"/>
           </a:p>
@@ -2226,7 +2352,7 @@
           <a:p>
             <a:fld id="{18DCCD61-643D-44A5-A450-3A42A50CBC1E}" type="datetimeFigureOut">
               <a:rPr lang="en-US" smtClean="0"/>
-              <a:t>7/12/2018</a:t>
+              <a:t>7/14/2018</a:t>
             </a:fld>
             <a:endParaRPr lang="en-US" dirty="0"/>
           </a:p>
@@ -2471,7 +2597,7 @@
           <a:p>
             <a:fld id="{18DCCD61-643D-44A5-A450-3A42A50CBC1E}" type="datetimeFigureOut">
               <a:rPr lang="en-US" smtClean="0"/>
-              <a:t>7/12/2018</a:t>
+              <a:t>7/14/2018</a:t>
             </a:fld>
             <a:endParaRPr lang="en-US" dirty="0"/>
           </a:p>
@@ -2756,7 +2882,7 @@
           <a:p>
             <a:fld id="{18DCCD61-643D-44A5-A450-3A42A50CBC1E}" type="datetimeFigureOut">
               <a:rPr lang="en-US" smtClean="0"/>
-              <a:t>7/12/2018</a:t>
+              <a:t>7/14/2018</a:t>
             </a:fld>
             <a:endParaRPr lang="en-US" dirty="0"/>
           </a:p>
@@ -3175,7 +3301,7 @@
           <a:p>
             <a:fld id="{18DCCD61-643D-44A5-A450-3A42A50CBC1E}" type="datetimeFigureOut">
               <a:rPr lang="en-US" smtClean="0"/>
-              <a:t>7/12/2018</a:t>
+              <a:t>7/14/2018</a:t>
             </a:fld>
             <a:endParaRPr lang="en-US" dirty="0"/>
           </a:p>
@@ -3292,7 +3418,7 @@
           <a:p>
             <a:fld id="{18DCCD61-643D-44A5-A450-3A42A50CBC1E}" type="datetimeFigureOut">
               <a:rPr lang="en-US" smtClean="0"/>
-              <a:t>7/12/2018</a:t>
+              <a:t>7/14/2018</a:t>
             </a:fld>
             <a:endParaRPr lang="en-US" dirty="0"/>
           </a:p>
@@ -3794,7 +3920,7 @@
           <a:p>
             <a:fld id="{18DCCD61-643D-44A5-A450-3A42A50CBC1E}" type="datetimeFigureOut">
               <a:rPr lang="en-US" smtClean="0"/>
-              <a:t>7/12/2018</a:t>
+              <a:t>7/14/2018</a:t>
             </a:fld>
             <a:endParaRPr lang="en-US" dirty="0"/>
           </a:p>
@@ -4174,7 +4300,7 @@
           <p:cNvPr id="8" name="Immagine 7">
             <a:extLst>
               <a:ext uri="{FF2B5EF4-FFF2-40B4-BE49-F238E27FC236}">
-                <a16:creationId xmlns:a16="http://schemas.microsoft.com/office/drawing/2014/main" id="{A1106E1C-ABC5-4AA2-A6C2-B115CAA9597B}"/>
+                <a16:creationId xmlns="" xmlns:a16="http://schemas.microsoft.com/office/drawing/2014/main" id="{A1106E1C-ABC5-4AA2-A6C2-B115CAA9597B}"/>
               </a:ext>
             </a:extLst>
           </p:cNvPr>
@@ -4292,7 +4418,7 @@
                   </a:solidFill>
                 </a:ln>
                 <a:solidFill>
-                  <a:schemeClr val="accent1"/>
+                  <a:srgbClr val="C00000"/>
                 </a:solidFill>
               </a:rPr>
               <a:t>Studio e sviluppo di strategie per </a:t>
@@ -4308,7 +4434,7 @@
                   </a:solidFill>
                 </a:ln>
                 <a:solidFill>
-                  <a:schemeClr val="accent1"/>
+                  <a:srgbClr val="C00000"/>
                 </a:solidFill>
               </a:rPr>
               <a:t>la riduzione del random-walk </a:t>
@@ -4324,7 +4450,7 @@
                   </a:solidFill>
                 </a:ln>
                 <a:solidFill>
-                  <a:schemeClr val="accent1"/>
+                  <a:srgbClr val="C00000"/>
                 </a:solidFill>
               </a:rPr>
               <a:t>controversy score tra echo-chambers </a:t>
@@ -4340,7 +4466,7 @@
                   </a:solidFill>
                 </a:ln>
                 <a:solidFill>
-                  <a:schemeClr val="accent1"/>
+                  <a:srgbClr val="C00000"/>
                 </a:solidFill>
               </a:rPr>
               <a:t>dei social networks</a:t>
@@ -4478,6 +4604,13 @@
   <p:clrMapOvr>
     <a:masterClrMapping/>
   </p:clrMapOvr>
+  <p:timing>
+    <p:tnLst>
+      <p:par>
+        <p:cTn id="1" dur="indefinite" restart="never" nodeType="tmRoot"/>
+      </p:par>
+    </p:tnLst>
+  </p:timing>
 </p:sld>
 </file>
 
@@ -4503,7 +4636,7 @@
           <p:cNvPr id="5" name="Title 3">
             <a:extLst>
               <a:ext uri="{FF2B5EF4-FFF2-40B4-BE49-F238E27FC236}">
-                <a16:creationId xmlns:a16="http://schemas.microsoft.com/office/drawing/2014/main" id="{189ECF77-714F-4D2C-9D4B-CC43534EF427}"/>
+                <a16:creationId xmlns="" xmlns:a16="http://schemas.microsoft.com/office/drawing/2014/main" id="{189ECF77-714F-4D2C-9D4B-CC43534EF427}"/>
               </a:ext>
             </a:extLst>
           </p:cNvPr>
@@ -5268,6 +5401,13 @@
   <p:clrMapOvr>
     <a:masterClrMapping/>
   </p:clrMapOvr>
+  <p:timing>
+    <p:tnLst>
+      <p:par>
+        <p:cTn id="1" dur="indefinite" restart="never" nodeType="tmRoot"/>
+      </p:par>
+    </p:tnLst>
+  </p:timing>
 </p:sld>
 </file>
 
@@ -5293,7 +5433,7 @@
           <p:cNvPr id="5" name="Title 3">
             <a:extLst>
               <a:ext uri="{FF2B5EF4-FFF2-40B4-BE49-F238E27FC236}">
-                <a16:creationId xmlns:a16="http://schemas.microsoft.com/office/drawing/2014/main" id="{189ECF77-714F-4D2C-9D4B-CC43534EF427}"/>
+                <a16:creationId xmlns="" xmlns:a16="http://schemas.microsoft.com/office/drawing/2014/main" id="{189ECF77-714F-4D2C-9D4B-CC43534EF427}"/>
               </a:ext>
             </a:extLst>
           </p:cNvPr>
@@ -5646,7 +5786,7 @@
               <a:t> </a:t>
             </a:r>
             <a:r>
-              <a:rPr lang="it-IT" b="1" dirty="0">
+              <a:rPr lang="it-IT" b="1" i="1" dirty="0">
                 <a:solidFill>
                   <a:schemeClr val="accent2"/>
                 </a:solidFill>
@@ -5657,7 +5797,7 @@
               <a:t>non-</a:t>
             </a:r>
             <a:r>
-              <a:rPr lang="it-IT" b="1" dirty="0" err="1">
+              <a:rPr lang="it-IT" b="1" i="1" dirty="0" err="1">
                 <a:solidFill>
                   <a:schemeClr val="accent2"/>
                 </a:solidFill>
@@ -5831,7 +5971,7 @@
               <a:t> </a:t>
             </a:r>
             <a:r>
-              <a:rPr lang="it-IT" b="1" dirty="0" err="1">
+              <a:rPr lang="it-IT" b="1" i="1" dirty="0" err="1">
                 <a:solidFill>
                   <a:schemeClr val="accent2"/>
                 </a:solidFill>
@@ -6185,6 +6325,13 @@
   <p:clrMapOvr>
     <a:masterClrMapping/>
   </p:clrMapOvr>
+  <p:timing>
+    <p:tnLst>
+      <p:par>
+        <p:cTn id="1" dur="indefinite" restart="never" nodeType="tmRoot"/>
+      </p:par>
+    </p:tnLst>
+  </p:timing>
 </p:sld>
 </file>
 
@@ -6210,7 +6357,7 @@
           <p:cNvPr id="5" name="Title 3">
             <a:extLst>
               <a:ext uri="{FF2B5EF4-FFF2-40B4-BE49-F238E27FC236}">
-                <a16:creationId xmlns:a16="http://schemas.microsoft.com/office/drawing/2014/main" id="{189ECF77-714F-4D2C-9D4B-CC43534EF427}"/>
+                <a16:creationId xmlns="" xmlns:a16="http://schemas.microsoft.com/office/drawing/2014/main" id="{189ECF77-714F-4D2C-9D4B-CC43534EF427}"/>
               </a:ext>
             </a:extLst>
           </p:cNvPr>
@@ -6592,6 +6739,13 @@
   <p:clrMapOvr>
     <a:masterClrMapping/>
   </p:clrMapOvr>
+  <p:timing>
+    <p:tnLst>
+      <p:par>
+        <p:cTn id="1" dur="indefinite" restart="never" nodeType="tmRoot"/>
+      </p:par>
+    </p:tnLst>
+  </p:timing>
 </p:sld>
 </file>
 
@@ -6617,7 +6771,7 @@
           <p:cNvPr id="5" name="Title 3">
             <a:extLst>
               <a:ext uri="{FF2B5EF4-FFF2-40B4-BE49-F238E27FC236}">
-                <a16:creationId xmlns:a16="http://schemas.microsoft.com/office/drawing/2014/main" id="{189ECF77-714F-4D2C-9D4B-CC43534EF427}"/>
+                <a16:creationId xmlns="" xmlns:a16="http://schemas.microsoft.com/office/drawing/2014/main" id="{189ECF77-714F-4D2C-9D4B-CC43534EF427}"/>
               </a:ext>
             </a:extLst>
           </p:cNvPr>
@@ -6800,6 +6954,13 @@
   <p:clrMapOvr>
     <a:masterClrMapping/>
   </p:clrMapOvr>
+  <p:timing>
+    <p:tnLst>
+      <p:par>
+        <p:cTn id="1" dur="indefinite" restart="never" nodeType="tmRoot"/>
+      </p:par>
+    </p:tnLst>
+  </p:timing>
 </p:sld>
 </file>
 
@@ -6825,7 +6986,7 @@
           <p:cNvPr id="4" name="Title 3">
             <a:extLst>
               <a:ext uri="{FF2B5EF4-FFF2-40B4-BE49-F238E27FC236}">
-                <a16:creationId xmlns:a16="http://schemas.microsoft.com/office/drawing/2014/main" id="{189ECF77-714F-4D2C-9D4B-CC43534EF427}"/>
+                <a16:creationId xmlns="" xmlns:a16="http://schemas.microsoft.com/office/drawing/2014/main" id="{189ECF77-714F-4D2C-9D4B-CC43534EF427}"/>
               </a:ext>
             </a:extLst>
           </p:cNvPr>
@@ -6880,7 +7041,7 @@
           <p:cNvPr id="6" name="Group 623">
             <a:extLst>
               <a:ext uri="{FF2B5EF4-FFF2-40B4-BE49-F238E27FC236}">
-                <a16:creationId xmlns:a16="http://schemas.microsoft.com/office/drawing/2014/main" id="{AA4FCC27-C7D4-4343-B033-13B6C83DC905}"/>
+                <a16:creationId xmlns="" xmlns:a16="http://schemas.microsoft.com/office/drawing/2014/main" id="{AA4FCC27-C7D4-4343-B033-13B6C83DC905}"/>
               </a:ext>
             </a:extLst>
           </p:cNvPr>
@@ -6900,7 +7061,7 @@
             <p:cNvPr id="7" name="Freeform 538">
               <a:extLst>
                 <a:ext uri="{FF2B5EF4-FFF2-40B4-BE49-F238E27FC236}">
-                  <a16:creationId xmlns:a16="http://schemas.microsoft.com/office/drawing/2014/main" id="{3776C4DA-4E41-4098-AEDB-2C371B14EB8B}"/>
+                  <a16:creationId xmlns="" xmlns:a16="http://schemas.microsoft.com/office/drawing/2014/main" id="{3776C4DA-4E41-4098-AEDB-2C371B14EB8B}"/>
                 </a:ext>
               </a:extLst>
             </p:cNvPr>
@@ -7114,7 +7275,7 @@
             <p:cNvPr id="8" name="Freeform 542">
               <a:extLst>
                 <a:ext uri="{FF2B5EF4-FFF2-40B4-BE49-F238E27FC236}">
-                  <a16:creationId xmlns:a16="http://schemas.microsoft.com/office/drawing/2014/main" id="{BBD90813-EA96-440A-94D3-CB2D6F892D34}"/>
+                  <a16:creationId xmlns="" xmlns:a16="http://schemas.microsoft.com/office/drawing/2014/main" id="{BBD90813-EA96-440A-94D3-CB2D6F892D34}"/>
                 </a:ext>
               </a:extLst>
             </p:cNvPr>
@@ -7328,7 +7489,7 @@
             <p:cNvPr id="9" name="Freeform: Shape 616">
               <a:extLst>
                 <a:ext uri="{FF2B5EF4-FFF2-40B4-BE49-F238E27FC236}">
-                  <a16:creationId xmlns:a16="http://schemas.microsoft.com/office/drawing/2014/main" id="{284E245F-3566-43D1-B56C-8CC7026A0D22}"/>
+                  <a16:creationId xmlns="" xmlns:a16="http://schemas.microsoft.com/office/drawing/2014/main" id="{284E245F-3566-43D1-B56C-8CC7026A0D22}"/>
                 </a:ext>
               </a:extLst>
             </p:cNvPr>
@@ -7807,7 +7968,7 @@
             <p:cNvPr id="10" name="Freeform 551">
               <a:extLst>
                 <a:ext uri="{FF2B5EF4-FFF2-40B4-BE49-F238E27FC236}">
-                  <a16:creationId xmlns:a16="http://schemas.microsoft.com/office/drawing/2014/main" id="{112FAF63-149F-4078-92F8-E980CF799812}"/>
+                  <a16:creationId xmlns="" xmlns:a16="http://schemas.microsoft.com/office/drawing/2014/main" id="{112FAF63-149F-4078-92F8-E980CF799812}"/>
                 </a:ext>
               </a:extLst>
             </p:cNvPr>
@@ -8021,7 +8182,7 @@
             <p:cNvPr id="11" name="Freeform 554">
               <a:extLst>
                 <a:ext uri="{FF2B5EF4-FFF2-40B4-BE49-F238E27FC236}">
-                  <a16:creationId xmlns:a16="http://schemas.microsoft.com/office/drawing/2014/main" id="{3A764CCA-B3FA-43EA-B2A1-38E0C402312F}"/>
+                  <a16:creationId xmlns="" xmlns:a16="http://schemas.microsoft.com/office/drawing/2014/main" id="{3A764CCA-B3FA-43EA-B2A1-38E0C402312F}"/>
                 </a:ext>
               </a:extLst>
             </p:cNvPr>
@@ -8406,7 +8567,7 @@
             <p:cNvPr id="12" name="Freeform 555">
               <a:extLst>
                 <a:ext uri="{FF2B5EF4-FFF2-40B4-BE49-F238E27FC236}">
-                  <a16:creationId xmlns:a16="http://schemas.microsoft.com/office/drawing/2014/main" id="{50B0CAB1-1A8A-4809-B0FA-4DD1006EC5D4}"/>
+                  <a16:creationId xmlns="" xmlns:a16="http://schemas.microsoft.com/office/drawing/2014/main" id="{50B0CAB1-1A8A-4809-B0FA-4DD1006EC5D4}"/>
                 </a:ext>
               </a:extLst>
             </p:cNvPr>
@@ -8620,7 +8781,7 @@
             <p:cNvPr id="13" name="Freeform 557">
               <a:extLst>
                 <a:ext uri="{FF2B5EF4-FFF2-40B4-BE49-F238E27FC236}">
-                  <a16:creationId xmlns:a16="http://schemas.microsoft.com/office/drawing/2014/main" id="{7B4680AF-0DA9-4C5B-AB71-A42778FC1863}"/>
+                  <a16:creationId xmlns="" xmlns:a16="http://schemas.microsoft.com/office/drawing/2014/main" id="{7B4680AF-0DA9-4C5B-AB71-A42778FC1863}"/>
                 </a:ext>
               </a:extLst>
             </p:cNvPr>
@@ -9005,7 +9166,7 @@
             <p:cNvPr id="14" name="Freeform 558">
               <a:extLst>
                 <a:ext uri="{FF2B5EF4-FFF2-40B4-BE49-F238E27FC236}">
-                  <a16:creationId xmlns:a16="http://schemas.microsoft.com/office/drawing/2014/main" id="{6974A587-E447-4EC3-9B72-2BFC27A286A2}"/>
+                  <a16:creationId xmlns="" xmlns:a16="http://schemas.microsoft.com/office/drawing/2014/main" id="{6974A587-E447-4EC3-9B72-2BFC27A286A2}"/>
                 </a:ext>
               </a:extLst>
             </p:cNvPr>
@@ -9219,7 +9380,7 @@
             <p:cNvPr id="15" name="Freeform 560">
               <a:extLst>
                 <a:ext uri="{FF2B5EF4-FFF2-40B4-BE49-F238E27FC236}">
-                  <a16:creationId xmlns:a16="http://schemas.microsoft.com/office/drawing/2014/main" id="{A696F24D-3A6B-4107-B6F2-9A3F2F0D138B}"/>
+                  <a16:creationId xmlns="" xmlns:a16="http://schemas.microsoft.com/office/drawing/2014/main" id="{A696F24D-3A6B-4107-B6F2-9A3F2F0D138B}"/>
                 </a:ext>
               </a:extLst>
             </p:cNvPr>
@@ -9795,7 +9956,7 @@
           <p:cNvPr id="20" name="Picture 2" descr="Immagine correlata">
             <a:extLst>
               <a:ext uri="{FF2B5EF4-FFF2-40B4-BE49-F238E27FC236}">
-                <a16:creationId xmlns:a16="http://schemas.microsoft.com/office/drawing/2014/main" id="{4DEEC977-158D-4FF8-A634-FED5C0A1F149}"/>
+                <a16:creationId xmlns="" xmlns:a16="http://schemas.microsoft.com/office/drawing/2014/main" id="{4DEEC977-158D-4FF8-A634-FED5C0A1F149}"/>
               </a:ext>
             </a:extLst>
           </p:cNvPr>
@@ -10068,8 +10229,8 @@
         </p:nvCxnSpPr>
         <p:spPr>
           <a:xfrm>
-            <a:off x="6700000" y="4184800"/>
-            <a:ext cx="0" cy="648072"/>
+            <a:off x="6700000" y="4170635"/>
+            <a:ext cx="0" cy="662237"/>
           </a:xfrm>
           <a:prstGeom prst="straightConnector1">
             <a:avLst/>
@@ -10205,29 +10366,30 @@
           <a:p>
             <a:pPr algn="ctr"/>
             <a:r>
-              <a:rPr lang="it-IT" sz="1400" dirty="0">
-                <a:latin typeface="Calibri" pitchFamily="34" charset="0"/>
-                <a:cs typeface="Calibri" pitchFamily="34" charset="0"/>
-              </a:rPr>
-              <a:t>Creazione </a:t>
-            </a:r>
-          </a:p>
-          <a:p>
-            <a:pPr algn="ctr"/>
-            <a:r>
               <a:rPr lang="it-IT" sz="1400" dirty="0" err="1">
                 <a:latin typeface="Calibri" pitchFamily="34" charset="0"/>
                 <a:cs typeface="Calibri" pitchFamily="34" charset="0"/>
               </a:rPr>
-              <a:t>endorsement</a:t>
-            </a:r>
-            <a:r>
-              <a:rPr lang="it-IT" sz="1400" dirty="0">
+              <a:t>E</a:t>
+            </a:r>
+            <a:r>
+              <a:rPr lang="it-IT" sz="1400" dirty="0" err="1" smtClean="0">
                 <a:latin typeface="Calibri" pitchFamily="34" charset="0"/>
                 <a:cs typeface="Calibri" pitchFamily="34" charset="0"/>
               </a:rPr>
+              <a:t>ndorsement</a:t>
+            </a:r>
+            <a:r>
+              <a:rPr lang="it-IT" sz="1400" dirty="0" smtClean="0">
+                <a:latin typeface="Calibri" pitchFamily="34" charset="0"/>
+                <a:cs typeface="Calibri" pitchFamily="34" charset="0"/>
+              </a:rPr>
               <a:t> </a:t>
             </a:r>
+            <a:endParaRPr lang="it-IT" sz="1400" dirty="0">
+              <a:latin typeface="Calibri" pitchFamily="34" charset="0"/>
+              <a:cs typeface="Calibri" pitchFamily="34" charset="0"/>
+            </a:endParaRPr>
           </a:p>
           <a:p>
             <a:pPr algn="ctr"/>
@@ -10364,24 +10526,14 @@
                 <a:latin typeface="Calibri" pitchFamily="34" charset="0"/>
                 <a:cs typeface="Calibri" pitchFamily="34" charset="0"/>
               </a:rPr>
-              <a:t> algoritmi di</a:t>
-            </a:r>
-          </a:p>
-          <a:p>
-            <a:pPr algn="ctr"/>
-            <a:r>
-              <a:rPr lang="it-IT" sz="1400" dirty="0">
+              <a:t> </a:t>
+            </a:r>
+            <a:r>
+              <a:rPr lang="it-IT" sz="1400" dirty="0" smtClean="0">
                 <a:latin typeface="Calibri" pitchFamily="34" charset="0"/>
                 <a:cs typeface="Calibri" pitchFamily="34" charset="0"/>
               </a:rPr>
-              <a:t> </a:t>
-            </a:r>
-            <a:r>
-              <a:rPr lang="it-IT" sz="1400" dirty="0" err="1">
-                <a:latin typeface="Calibri" pitchFamily="34" charset="0"/>
-                <a:cs typeface="Calibri" pitchFamily="34" charset="0"/>
-              </a:rPr>
-              <a:t>recommendation</a:t>
+              <a:t>algoritmi</a:t>
             </a:r>
             <a:endParaRPr lang="it-IT" sz="1400" dirty="0">
               <a:latin typeface="Calibri" pitchFamily="34" charset="0"/>
@@ -10456,6 +10608,13 @@
   <p:clrMapOvr>
     <a:masterClrMapping/>
   </p:clrMapOvr>
+  <p:timing>
+    <p:tnLst>
+      <p:par>
+        <p:cTn id="1" dur="indefinite" restart="never" nodeType="tmRoot"/>
+      </p:par>
+    </p:tnLst>
+  </p:timing>
 </p:sld>
 </file>
 
@@ -10481,7 +10640,7 @@
           <p:cNvPr id="5" name="Title 3">
             <a:extLst>
               <a:ext uri="{FF2B5EF4-FFF2-40B4-BE49-F238E27FC236}">
-                <a16:creationId xmlns:a16="http://schemas.microsoft.com/office/drawing/2014/main" id="{AC6A7350-ED1C-43B0-B2CF-A496AF50ADAB}"/>
+                <a16:creationId xmlns="" xmlns:a16="http://schemas.microsoft.com/office/drawing/2014/main" id="{AC6A7350-ED1C-43B0-B2CF-A496AF50ADAB}"/>
               </a:ext>
             </a:extLst>
           </p:cNvPr>
@@ -10566,7 +10725,7 @@
           <p:cNvPr id="6" name="Rettangolo 5">
             <a:extLst>
               <a:ext uri="{FF2B5EF4-FFF2-40B4-BE49-F238E27FC236}">
-                <a16:creationId xmlns:a16="http://schemas.microsoft.com/office/drawing/2014/main" id="{E9D808D5-ED83-4266-B4A6-F11548B6FDF4}"/>
+                <a16:creationId xmlns="" xmlns:a16="http://schemas.microsoft.com/office/drawing/2014/main" id="{E9D808D5-ED83-4266-B4A6-F11548B6FDF4}"/>
               </a:ext>
             </a:extLst>
           </p:cNvPr>
@@ -10956,6 +11115,13 @@
   <p:clrMapOvr>
     <a:masterClrMapping/>
   </p:clrMapOvr>
+  <p:timing>
+    <p:tnLst>
+      <p:par>
+        <p:cTn id="1" dur="indefinite" restart="never" nodeType="tmRoot"/>
+      </p:par>
+    </p:tnLst>
+  </p:timing>
 </p:sld>
 </file>
 
@@ -10981,7 +11147,7 @@
           <p:cNvPr id="5" name="Title 3">
             <a:extLst>
               <a:ext uri="{FF2B5EF4-FFF2-40B4-BE49-F238E27FC236}">
-                <a16:creationId xmlns:a16="http://schemas.microsoft.com/office/drawing/2014/main" id="{3A78A980-0D2B-467E-B644-5D2D7E2C7C76}"/>
+                <a16:creationId xmlns="" xmlns:a16="http://schemas.microsoft.com/office/drawing/2014/main" id="{3A78A980-0D2B-467E-B644-5D2D7E2C7C76}"/>
               </a:ext>
             </a:extLst>
           </p:cNvPr>
@@ -11066,7 +11232,7 @@
           <p:cNvPr id="6" name="Rettangolo 5">
             <a:extLst>
               <a:ext uri="{FF2B5EF4-FFF2-40B4-BE49-F238E27FC236}">
-                <a16:creationId xmlns:a16="http://schemas.microsoft.com/office/drawing/2014/main" id="{13544446-166C-4D47-9BAD-7D0BB734E8FC}"/>
+                <a16:creationId xmlns="" xmlns:a16="http://schemas.microsoft.com/office/drawing/2014/main" id="{13544446-166C-4D47-9BAD-7D0BB734E8FC}"/>
               </a:ext>
             </a:extLst>
           </p:cNvPr>
@@ -11363,7 +11529,21 @@
                 <a:latin typeface="Calibri" panose="020F0502020204030204" pitchFamily="34" charset="0"/>
                 <a:cs typeface="Calibri" panose="020F0502020204030204" pitchFamily="34" charset="0"/>
               </a:rPr>
-              <a:t>     15 minuti, gestendo l’eccezione in un blocco </a:t>
+              <a:t>     15 minuti, </a:t>
+            </a:r>
+            <a:r>
+              <a:rPr lang="it-IT" dirty="0" smtClean="0">
+                <a:latin typeface="Calibri" panose="020F0502020204030204" pitchFamily="34" charset="0"/>
+                <a:cs typeface="Calibri" panose="020F0502020204030204" pitchFamily="34" charset="0"/>
+              </a:rPr>
+              <a:t>mediante </a:t>
+            </a:r>
+            <a:r>
+              <a:rPr lang="it-IT" dirty="0">
+                <a:latin typeface="Calibri" panose="020F0502020204030204" pitchFamily="34" charset="0"/>
+                <a:cs typeface="Calibri" panose="020F0502020204030204" pitchFamily="34" charset="0"/>
+              </a:rPr>
+              <a:t>un blocco </a:t>
             </a:r>
             <a:r>
               <a:rPr lang="it-IT" b="1" i="1" dirty="0" err="1">
@@ -11431,7 +11611,7 @@
           <p:cNvPr id="7" name="Freccia a destra 6">
             <a:extLst>
               <a:ext uri="{FF2B5EF4-FFF2-40B4-BE49-F238E27FC236}">
-                <a16:creationId xmlns:a16="http://schemas.microsoft.com/office/drawing/2014/main" id="{CD2A3987-F483-4038-AA85-8FB867750F2A}"/>
+                <a16:creationId xmlns="" xmlns:a16="http://schemas.microsoft.com/office/drawing/2014/main" id="{CD2A3987-F483-4038-AA85-8FB867750F2A}"/>
               </a:ext>
             </a:extLst>
           </p:cNvPr>
@@ -11483,6 +11663,13 @@
   <p:clrMapOvr>
     <a:masterClrMapping/>
   </p:clrMapOvr>
+  <p:timing>
+    <p:tnLst>
+      <p:par>
+        <p:cTn id="1" dur="indefinite" restart="never" nodeType="tmRoot"/>
+      </p:par>
+    </p:tnLst>
+  </p:timing>
 </p:sld>
 </file>
 
@@ -11508,7 +11695,7 @@
           <p:cNvPr id="5" name="Title 3">
             <a:extLst>
               <a:ext uri="{FF2B5EF4-FFF2-40B4-BE49-F238E27FC236}">
-                <a16:creationId xmlns:a16="http://schemas.microsoft.com/office/drawing/2014/main" id="{FA269D4B-3754-4570-94B4-840809F1DD9D}"/>
+                <a16:creationId xmlns="" xmlns:a16="http://schemas.microsoft.com/office/drawing/2014/main" id="{FA269D4B-3754-4570-94B4-840809F1DD9D}"/>
               </a:ext>
             </a:extLst>
           </p:cNvPr>
@@ -11593,7 +11780,7 @@
           <p:cNvPr id="6" name="Rettangolo 5">
             <a:extLst>
               <a:ext uri="{FF2B5EF4-FFF2-40B4-BE49-F238E27FC236}">
-                <a16:creationId xmlns:a16="http://schemas.microsoft.com/office/drawing/2014/main" id="{E905DEB8-2BFA-41BE-9967-84ECE44648DF}"/>
+                <a16:creationId xmlns="" xmlns:a16="http://schemas.microsoft.com/office/drawing/2014/main" id="{E905DEB8-2BFA-41BE-9967-84ECE44648DF}"/>
               </a:ext>
             </a:extLst>
           </p:cNvPr>
@@ -11949,6 +12136,13 @@
   <p:clrMapOvr>
     <a:masterClrMapping/>
   </p:clrMapOvr>
+  <p:timing>
+    <p:tnLst>
+      <p:par>
+        <p:cTn id="1" dur="indefinite" restart="never" nodeType="tmRoot"/>
+      </p:par>
+    </p:tnLst>
+  </p:timing>
 </p:sld>
 </file>
 
@@ -11974,7 +12168,7 @@
           <p:cNvPr id="5" name="Title 3">
             <a:extLst>
               <a:ext uri="{FF2B5EF4-FFF2-40B4-BE49-F238E27FC236}">
-                <a16:creationId xmlns:a16="http://schemas.microsoft.com/office/drawing/2014/main" id="{D5B2E943-4D76-47C0-AFF3-70EEC7B728A0}"/>
+                <a16:creationId xmlns="" xmlns:a16="http://schemas.microsoft.com/office/drawing/2014/main" id="{D5B2E943-4D76-47C0-AFF3-70EEC7B728A0}"/>
               </a:ext>
             </a:extLst>
           </p:cNvPr>
@@ -12059,7 +12253,7 @@
           <p:cNvPr id="6" name="Rettangolo 5">
             <a:extLst>
               <a:ext uri="{FF2B5EF4-FFF2-40B4-BE49-F238E27FC236}">
-                <a16:creationId xmlns:a16="http://schemas.microsoft.com/office/drawing/2014/main" id="{E8861B7B-8A8E-4E0F-AC25-74535E87BCCE}"/>
+                <a16:creationId xmlns="" xmlns:a16="http://schemas.microsoft.com/office/drawing/2014/main" id="{E8861B7B-8A8E-4E0F-AC25-74535E87BCCE}"/>
               </a:ext>
             </a:extLst>
           </p:cNvPr>
@@ -12221,7 +12415,7 @@
               <a:t>tutti i </a:t>
             </a:r>
             <a:r>
-              <a:rPr lang="it-IT" i="1" dirty="0" err="1">
+              <a:rPr lang="it-IT" b="1" i="1" dirty="0" err="1">
                 <a:latin typeface="Calibri" panose="020F0502020204030204" pitchFamily="34" charset="0"/>
                 <a:cs typeface="Calibri" panose="020F0502020204030204" pitchFamily="34" charset="0"/>
               </a:rPr>
@@ -12283,7 +12477,7 @@
               <a:t>Recuperare tutti i </a:t>
             </a:r>
             <a:r>
-              <a:rPr lang="it-IT" i="1" dirty="0" err="1">
+              <a:rPr lang="it-IT" b="1" i="1" dirty="0" err="1">
                 <a:latin typeface="Calibri" panose="020F0502020204030204" pitchFamily="34" charset="0"/>
                 <a:cs typeface="Calibri" panose="020F0502020204030204" pitchFamily="34" charset="0"/>
               </a:rPr>
@@ -12304,7 +12498,7 @@
               <a:t>che sono stati prodotti verso i </a:t>
             </a:r>
             <a:r>
-              <a:rPr lang="it-IT" i="1" dirty="0" err="1">
+              <a:rPr lang="it-IT" b="1" i="1" dirty="0" err="1">
                 <a:latin typeface="Calibri" panose="020F0502020204030204" pitchFamily="34" charset="0"/>
                 <a:cs typeface="Calibri" panose="020F0502020204030204" pitchFamily="34" charset="0"/>
               </a:rPr>
@@ -12407,7 +12601,7 @@
           <p:cNvPr id="8" name="Connettore 2 7">
             <a:extLst>
               <a:ext uri="{FF2B5EF4-FFF2-40B4-BE49-F238E27FC236}">
-                <a16:creationId xmlns:a16="http://schemas.microsoft.com/office/drawing/2014/main" id="{10DFEC75-8F1A-438D-A7A3-11E66A8AAFF2}"/>
+                <a16:creationId xmlns="" xmlns:a16="http://schemas.microsoft.com/office/drawing/2014/main" id="{10DFEC75-8F1A-438D-A7A3-11E66A8AAFF2}"/>
               </a:ext>
             </a:extLst>
           </p:cNvPr>
@@ -12446,7 +12640,7 @@
           <p:cNvPr id="9" name="Connettore 2 8">
             <a:extLst>
               <a:ext uri="{FF2B5EF4-FFF2-40B4-BE49-F238E27FC236}">
-                <a16:creationId xmlns:a16="http://schemas.microsoft.com/office/drawing/2014/main" id="{5B792FA7-2F70-4FAF-B16E-10DA5390FCCA}"/>
+                <a16:creationId xmlns="" xmlns:a16="http://schemas.microsoft.com/office/drawing/2014/main" id="{5B792FA7-2F70-4FAF-B16E-10DA5390FCCA}"/>
               </a:ext>
             </a:extLst>
           </p:cNvPr>
@@ -12485,7 +12679,7 @@
           <p:cNvPr id="10" name="Connettore 2 9">
             <a:extLst>
               <a:ext uri="{FF2B5EF4-FFF2-40B4-BE49-F238E27FC236}">
-                <a16:creationId xmlns:a16="http://schemas.microsoft.com/office/drawing/2014/main" id="{BD722D80-B984-47BA-BCEA-1550BF590A27}"/>
+                <a16:creationId xmlns="" xmlns:a16="http://schemas.microsoft.com/office/drawing/2014/main" id="{BD722D80-B984-47BA-BCEA-1550BF590A27}"/>
               </a:ext>
             </a:extLst>
           </p:cNvPr>
@@ -12524,7 +12718,7 @@
           <p:cNvPr id="11" name="Parentesi graffa aperta 10">
             <a:extLst>
               <a:ext uri="{FF2B5EF4-FFF2-40B4-BE49-F238E27FC236}">
-                <a16:creationId xmlns:a16="http://schemas.microsoft.com/office/drawing/2014/main" id="{4ED9291E-6287-4A3B-82B7-D09C06EE3A91}"/>
+                <a16:creationId xmlns="" xmlns:a16="http://schemas.microsoft.com/office/drawing/2014/main" id="{4ED9291E-6287-4A3B-82B7-D09C06EE3A91}"/>
               </a:ext>
             </a:extLst>
           </p:cNvPr>
@@ -12541,13 +12735,13 @@
           </a:prstGeom>
         </p:spPr>
         <p:style>
-          <a:lnRef idx="1">
+          <a:lnRef idx="2">
             <a:schemeClr val="accent1"/>
           </a:lnRef>
           <a:fillRef idx="0">
             <a:schemeClr val="accent1"/>
           </a:fillRef>
-          <a:effectRef idx="0">
+          <a:effectRef idx="1">
             <a:schemeClr val="accent1"/>
           </a:effectRef>
           <a:fontRef idx="minor">
@@ -12568,7 +12762,7 @@
           <p:cNvPr id="12" name="Parentesi graffa aperta 11">
             <a:extLst>
               <a:ext uri="{FF2B5EF4-FFF2-40B4-BE49-F238E27FC236}">
-                <a16:creationId xmlns:a16="http://schemas.microsoft.com/office/drawing/2014/main" id="{9A10EE08-33EC-4F79-BE5F-8C8EC7C3BC50}"/>
+                <a16:creationId xmlns="" xmlns:a16="http://schemas.microsoft.com/office/drawing/2014/main" id="{9A10EE08-33EC-4F79-BE5F-8C8EC7C3BC50}"/>
               </a:ext>
             </a:extLst>
           </p:cNvPr>
@@ -12585,13 +12779,13 @@
           </a:prstGeom>
         </p:spPr>
         <p:style>
-          <a:lnRef idx="1">
+          <a:lnRef idx="2">
             <a:schemeClr val="accent1"/>
           </a:lnRef>
           <a:fillRef idx="0">
             <a:schemeClr val="accent1"/>
           </a:fillRef>
-          <a:effectRef idx="0">
+          <a:effectRef idx="1">
             <a:schemeClr val="accent1"/>
           </a:effectRef>
           <a:fontRef idx="minor">
@@ -12612,7 +12806,7 @@
           <p:cNvPr id="13" name="CasellaDiTesto 12">
             <a:extLst>
               <a:ext uri="{FF2B5EF4-FFF2-40B4-BE49-F238E27FC236}">
-                <a16:creationId xmlns:a16="http://schemas.microsoft.com/office/drawing/2014/main" id="{3F838B8A-4711-4B54-9062-A9BE7F635107}"/>
+                <a16:creationId xmlns="" xmlns:a16="http://schemas.microsoft.com/office/drawing/2014/main" id="{3F838B8A-4711-4B54-9062-A9BE7F635107}"/>
               </a:ext>
             </a:extLst>
           </p:cNvPr>
@@ -12654,7 +12848,7 @@
           <p:cNvPr id="14" name="CasellaDiTesto 13">
             <a:extLst>
               <a:ext uri="{FF2B5EF4-FFF2-40B4-BE49-F238E27FC236}">
-                <a16:creationId xmlns:a16="http://schemas.microsoft.com/office/drawing/2014/main" id="{6075593A-FB72-4CCB-8CFA-16377A06B598}"/>
+                <a16:creationId xmlns="" xmlns:a16="http://schemas.microsoft.com/office/drawing/2014/main" id="{6075593A-FB72-4CCB-8CFA-16377A06B598}"/>
               </a:ext>
             </a:extLst>
           </p:cNvPr>
@@ -12663,8 +12857,8 @@
         </p:nvSpPr>
         <p:spPr>
           <a:xfrm>
-            <a:off x="347334" y="4725144"/>
-            <a:ext cx="1128322" cy="338554"/>
+            <a:off x="315981" y="4653136"/>
+            <a:ext cx="1218090" cy="584775"/>
           </a:xfrm>
           <a:prstGeom prst="rect">
             <a:avLst/>
@@ -12682,8 +12876,35 @@
                 <a:latin typeface="Calibri" panose="020F0502020204030204" pitchFamily="34" charset="0"/>
                 <a:cs typeface="Calibri" panose="020F0502020204030204" pitchFamily="34" charset="0"/>
               </a:rPr>
-              <a:t>API Twitter</a:t>
-            </a:r>
+              <a:t>API </a:t>
+            </a:r>
+            <a:r>
+              <a:rPr lang="it-IT" sz="1600" b="1" i="1" dirty="0" err="1" smtClean="0">
+                <a:latin typeface="Calibri" panose="020F0502020204030204" pitchFamily="34" charset="0"/>
+                <a:cs typeface="Calibri" panose="020F0502020204030204" pitchFamily="34" charset="0"/>
+              </a:rPr>
+              <a:t>Twitter</a:t>
+            </a:r>
+            <a:r>
+              <a:rPr lang="it-IT" sz="1600" b="1" i="1" dirty="0" smtClean="0">
+                <a:latin typeface="Calibri" panose="020F0502020204030204" pitchFamily="34" charset="0"/>
+                <a:cs typeface="Calibri" panose="020F0502020204030204" pitchFamily="34" charset="0"/>
+              </a:rPr>
+              <a:t>/</a:t>
+            </a:r>
+          </a:p>
+          <a:p>
+            <a:r>
+              <a:rPr lang="it-IT" sz="1600" b="1" i="1" dirty="0" err="1" smtClean="0">
+                <a:latin typeface="Calibri" panose="020F0502020204030204" pitchFamily="34" charset="0"/>
+                <a:cs typeface="Calibri" panose="020F0502020204030204" pitchFamily="34" charset="0"/>
+              </a:rPr>
+              <a:t>Tweepy</a:t>
+            </a:r>
+            <a:endParaRPr lang="it-IT" sz="1600" b="1" i="1" dirty="0">
+              <a:latin typeface="Calibri" panose="020F0502020204030204" pitchFamily="34" charset="0"/>
+              <a:cs typeface="Calibri" panose="020F0502020204030204" pitchFamily="34" charset="0"/>
+            </a:endParaRPr>
           </a:p>
         </p:txBody>
       </p:sp>
@@ -12697,6 +12918,535 @@
   <p:clrMapOvr>
     <a:masterClrMapping/>
   </p:clrMapOvr>
+  <p:timing>
+    <p:tnLst>
+      <p:par>
+        <p:cTn id="1" dur="indefinite" restart="never" nodeType="tmRoot"/>
+      </p:par>
+    </p:tnLst>
+  </p:timing>
+</p:sld>
+</file>
+
+<file path=ppt/slides/slide19.xml><?xml version="1.0" encoding="utf-8"?>
+<p:sld xmlns:a="http://schemas.openxmlformats.org/drawingml/2006/main" xmlns:r="http://schemas.openxmlformats.org/officeDocument/2006/relationships" xmlns:p="http://schemas.openxmlformats.org/presentationml/2006/main">
+  <p:cSld>
+    <p:spTree>
+      <p:nvGrpSpPr>
+        <p:cNvPr id="1" name=""/>
+        <p:cNvGrpSpPr/>
+        <p:nvPr/>
+      </p:nvGrpSpPr>
+      <p:grpSpPr>
+        <a:xfrm>
+          <a:off x="0" y="0"/>
+          <a:ext cx="0" cy="0"/>
+          <a:chOff x="0" y="0"/>
+          <a:chExt cx="0" cy="0"/>
+        </a:xfrm>
+      </p:grpSpPr>
+      <p:sp>
+        <p:nvSpPr>
+          <p:cNvPr id="5" name="Title 3">
+            <a:extLst>
+              <a:ext uri="{FF2B5EF4-FFF2-40B4-BE49-F238E27FC236}">
+                <a16:creationId xmlns="" xmlns:a16="http://schemas.microsoft.com/office/drawing/2014/main" id="{D5B2E943-4D76-47C0-AFF3-70EEC7B728A0}"/>
+              </a:ext>
+            </a:extLst>
+          </p:cNvPr>
+          <p:cNvSpPr>
+            <a:spLocks noGrp="1"/>
+          </p:cNvSpPr>
+          <p:nvPr>
+            <p:ph type="title"/>
+          </p:nvPr>
+        </p:nvSpPr>
+        <p:spPr>
+          <a:xfrm>
+            <a:off x="0" y="21787"/>
+            <a:ext cx="9144000" cy="1069514"/>
+          </a:xfrm>
+        </p:spPr>
+        <p:txBody>
+          <a:bodyPr>
+            <a:scene3d>
+              <a:camera prst="orthographicFront"/>
+              <a:lightRig rig="threePt" dir="t"/>
+            </a:scene3d>
+            <a:sp3d extrusionH="57150">
+              <a:bevelT w="82550" h="38100" prst="coolSlant"/>
+            </a:sp3d>
+          </a:bodyPr>
+          <a:lstStyle/>
+          <a:p>
+            <a:pPr algn="ctr"/>
+            <a:r>
+              <a:rPr lang="en-US" altLang="ko-KR" dirty="0">
+                <a:solidFill>
+                  <a:schemeClr val="accent5">
+                    <a:lumMod val="75000"/>
+                  </a:schemeClr>
+                </a:solidFill>
+              </a:rPr>
+              <a:t>1 - </a:t>
+            </a:r>
+            <a:r>
+              <a:rPr lang="en-US" altLang="ko-KR" dirty="0" err="1">
+                <a:solidFill>
+                  <a:schemeClr val="accent5">
+                    <a:lumMod val="75000"/>
+                  </a:schemeClr>
+                </a:solidFill>
+              </a:rPr>
+              <a:t>Raccolta</a:t>
+            </a:r>
+            <a:r>
+              <a:rPr lang="en-US" altLang="ko-KR" dirty="0">
+                <a:solidFill>
+                  <a:schemeClr val="accent5">
+                    <a:lumMod val="75000"/>
+                  </a:schemeClr>
+                </a:solidFill>
+              </a:rPr>
+              <a:t> </a:t>
+            </a:r>
+            <a:r>
+              <a:rPr lang="en-US" altLang="ko-KR" dirty="0" err="1">
+                <a:solidFill>
+                  <a:schemeClr val="accent5">
+                    <a:lumMod val="75000"/>
+                  </a:schemeClr>
+                </a:solidFill>
+              </a:rPr>
+              <a:t>dati</a:t>
+            </a:r>
+            <a:endParaRPr lang="ko-KR" altLang="en-US" dirty="0">
+              <a:solidFill>
+                <a:schemeClr val="accent5">
+                  <a:lumMod val="75000"/>
+                </a:schemeClr>
+              </a:solidFill>
+            </a:endParaRPr>
+          </a:p>
+        </p:txBody>
+      </p:sp>
+      <p:pic>
+        <p:nvPicPr>
+          <p:cNvPr id="1026" name="Picture 2" descr="C:\Users\Hp\Desktop\UNIVERSITA' E CONCORSI\TESI\PRESENTAZIONE_TESI\raccolta_dati_tesi.png"/>
+          <p:cNvPicPr>
+            <a:picLocks noChangeAspect="1" noChangeArrowheads="1"/>
+          </p:cNvPicPr>
+          <p:nvPr/>
+        </p:nvPicPr>
+        <p:blipFill>
+          <a:blip r:embed="rId2">
+            <a:extLst>
+              <a:ext uri="{28A0092B-C50C-407E-A947-70E740481C1C}">
+                <a14:useLocalDpi xmlns:a14="http://schemas.microsoft.com/office/drawing/2010/main" val="0"/>
+              </a:ext>
+            </a:extLst>
+          </a:blip>
+          <a:srcRect/>
+          <a:stretch>
+            <a:fillRect/>
+          </a:stretch>
+        </p:blipFill>
+        <p:spPr bwMode="auto">
+          <a:xfrm>
+            <a:off x="2051720" y="1414239"/>
+            <a:ext cx="3629025" cy="4391025"/>
+          </a:xfrm>
+          <a:prstGeom prst="rect">
+            <a:avLst/>
+          </a:prstGeom>
+          <a:noFill/>
+          <a:extLst>
+            <a:ext uri="{909E8E84-426E-40DD-AFC4-6F175D3DCCD1}">
+              <a14:hiddenFill xmlns:a14="http://schemas.microsoft.com/office/drawing/2010/main">
+                <a:solidFill>
+                  <a:srgbClr val="FFFFFF"/>
+                </a:solidFill>
+              </a14:hiddenFill>
+            </a:ext>
+          </a:extLst>
+        </p:spPr>
+      </p:pic>
+      <p:pic>
+        <p:nvPicPr>
+          <p:cNvPr id="1027" name="Picture 3" descr="C:\Users\Hp\Desktop\UNIVERSITA' E CONCORSI\TESI\PRESENTAZIONE_TESI\retweet_input_file.png"/>
+          <p:cNvPicPr>
+            <a:picLocks noChangeAspect="1" noChangeArrowheads="1"/>
+          </p:cNvPicPr>
+          <p:nvPr/>
+        </p:nvPicPr>
+        <p:blipFill>
+          <a:blip r:embed="rId3">
+            <a:extLst>
+              <a:ext uri="{28A0092B-C50C-407E-A947-70E740481C1C}">
+                <a14:useLocalDpi xmlns:a14="http://schemas.microsoft.com/office/drawing/2010/main" val="0"/>
+              </a:ext>
+            </a:extLst>
+          </a:blip>
+          <a:srcRect/>
+          <a:stretch>
+            <a:fillRect/>
+          </a:stretch>
+        </p:blipFill>
+        <p:spPr bwMode="auto">
+          <a:xfrm>
+            <a:off x="5796135" y="2924944"/>
+            <a:ext cx="2600325" cy="1143000"/>
+          </a:xfrm>
+          <a:prstGeom prst="rect">
+            <a:avLst/>
+          </a:prstGeom>
+          <a:noFill/>
+          <a:extLst>
+            <a:ext uri="{909E8E84-426E-40DD-AFC4-6F175D3DCCD1}">
+              <a14:hiddenFill xmlns:a14="http://schemas.microsoft.com/office/drawing/2010/main">
+                <a:solidFill>
+                  <a:srgbClr val="FFFFFF"/>
+                </a:solidFill>
+              </a14:hiddenFill>
+            </a:ext>
+          </a:extLst>
+        </p:spPr>
+      </p:pic>
+      <p:cxnSp>
+        <p:nvCxnSpPr>
+          <p:cNvPr id="7" name="Connettore 7 6"/>
+          <p:cNvCxnSpPr/>
+          <p:nvPr/>
+        </p:nvCxnSpPr>
+        <p:spPr>
+          <a:xfrm flipV="1">
+            <a:off x="3995936" y="3501009"/>
+            <a:ext cx="1800200" cy="792087"/>
+          </a:xfrm>
+          <a:prstGeom prst="curvedConnector3">
+            <a:avLst/>
+          </a:prstGeom>
+          <a:ln>
+            <a:tailEnd type="arrow"/>
+          </a:ln>
+        </p:spPr>
+        <p:style>
+          <a:lnRef idx="2">
+            <a:schemeClr val="dk1"/>
+          </a:lnRef>
+          <a:fillRef idx="0">
+            <a:schemeClr val="dk1"/>
+          </a:fillRef>
+          <a:effectRef idx="1">
+            <a:schemeClr val="dk1"/>
+          </a:effectRef>
+          <a:fontRef idx="minor">
+            <a:schemeClr val="tx1"/>
+          </a:fontRef>
+        </p:style>
+      </p:cxnSp>
+      <p:cxnSp>
+        <p:nvCxnSpPr>
+          <p:cNvPr id="10" name="Connettore 2 9"/>
+          <p:cNvCxnSpPr/>
+          <p:nvPr/>
+        </p:nvCxnSpPr>
+        <p:spPr>
+          <a:xfrm flipV="1">
+            <a:off x="6660232" y="2420888"/>
+            <a:ext cx="0" cy="432048"/>
+          </a:xfrm>
+          <a:prstGeom prst="straightConnector1">
+            <a:avLst/>
+          </a:prstGeom>
+          <a:ln>
+            <a:tailEnd type="arrow"/>
+          </a:ln>
+        </p:spPr>
+        <p:style>
+          <a:lnRef idx="2">
+            <a:schemeClr val="accent1"/>
+          </a:lnRef>
+          <a:fillRef idx="0">
+            <a:schemeClr val="accent1"/>
+          </a:fillRef>
+          <a:effectRef idx="1">
+            <a:schemeClr val="accent1"/>
+          </a:effectRef>
+          <a:fontRef idx="minor">
+            <a:schemeClr val="tx1"/>
+          </a:fontRef>
+        </p:style>
+      </p:cxnSp>
+      <p:cxnSp>
+        <p:nvCxnSpPr>
+          <p:cNvPr id="15" name="Connettore 2 14"/>
+          <p:cNvCxnSpPr/>
+          <p:nvPr/>
+        </p:nvCxnSpPr>
+        <p:spPr>
+          <a:xfrm flipV="1">
+            <a:off x="7380312" y="2420888"/>
+            <a:ext cx="0" cy="432048"/>
+          </a:xfrm>
+          <a:prstGeom prst="straightConnector1">
+            <a:avLst/>
+          </a:prstGeom>
+          <a:ln>
+            <a:tailEnd type="arrow"/>
+          </a:ln>
+        </p:spPr>
+        <p:style>
+          <a:lnRef idx="2">
+            <a:schemeClr val="accent1"/>
+          </a:lnRef>
+          <a:fillRef idx="0">
+            <a:schemeClr val="accent1"/>
+          </a:fillRef>
+          <a:effectRef idx="1">
+            <a:schemeClr val="accent1"/>
+          </a:effectRef>
+          <a:fontRef idx="minor">
+            <a:schemeClr val="tx1"/>
+          </a:fontRef>
+        </p:style>
+      </p:cxnSp>
+      <p:cxnSp>
+        <p:nvCxnSpPr>
+          <p:cNvPr id="16" name="Connettore 2 15"/>
+          <p:cNvCxnSpPr/>
+          <p:nvPr/>
+        </p:nvCxnSpPr>
+        <p:spPr>
+          <a:xfrm flipV="1">
+            <a:off x="7956376" y="2420888"/>
+            <a:ext cx="216024" cy="432048"/>
+          </a:xfrm>
+          <a:prstGeom prst="straightConnector1">
+            <a:avLst/>
+          </a:prstGeom>
+          <a:ln>
+            <a:tailEnd type="arrow"/>
+          </a:ln>
+        </p:spPr>
+        <p:style>
+          <a:lnRef idx="2">
+            <a:schemeClr val="accent1"/>
+          </a:lnRef>
+          <a:fillRef idx="0">
+            <a:schemeClr val="accent1"/>
+          </a:fillRef>
+          <a:effectRef idx="1">
+            <a:schemeClr val="accent1"/>
+          </a:effectRef>
+          <a:fontRef idx="minor">
+            <a:schemeClr val="tx1"/>
+          </a:fontRef>
+        </p:style>
+      </p:cxnSp>
+      <p:sp>
+        <p:nvSpPr>
+          <p:cNvPr id="13" name="CasellaDiTesto 12"/>
+          <p:cNvSpPr txBox="1"/>
+          <p:nvPr/>
+        </p:nvSpPr>
+        <p:spPr>
+          <a:xfrm>
+            <a:off x="6534236" y="2071881"/>
+            <a:ext cx="255198" cy="276999"/>
+          </a:xfrm>
+          <a:prstGeom prst="rect">
+            <a:avLst/>
+          </a:prstGeom>
+          <a:noFill/>
+        </p:spPr>
+        <p:txBody>
+          <a:bodyPr wrap="none" rtlCol="0">
+            <a:spAutoFit/>
+          </a:bodyPr>
+          <a:lstStyle/>
+          <a:p>
+            <a:r>
+              <a:rPr lang="it-IT" sz="1200" b="1" i="1" dirty="0">
+                <a:solidFill>
+                  <a:srgbClr val="C00000"/>
+                </a:solidFill>
+                <a:latin typeface="Calibri" pitchFamily="34" charset="0"/>
+                <a:cs typeface="Calibri" pitchFamily="34" charset="0"/>
+              </a:rPr>
+              <a:t>x</a:t>
+            </a:r>
+          </a:p>
+        </p:txBody>
+      </p:sp>
+      <p:sp>
+        <p:nvSpPr>
+          <p:cNvPr id="18" name="CasellaDiTesto 17"/>
+          <p:cNvSpPr txBox="1"/>
+          <p:nvPr/>
+        </p:nvSpPr>
+        <p:spPr>
+          <a:xfrm>
+            <a:off x="7254316" y="2060848"/>
+            <a:ext cx="256802" cy="276999"/>
+          </a:xfrm>
+          <a:prstGeom prst="rect">
+            <a:avLst/>
+          </a:prstGeom>
+          <a:noFill/>
+        </p:spPr>
+        <p:txBody>
+          <a:bodyPr wrap="none" rtlCol="0">
+            <a:spAutoFit/>
+          </a:bodyPr>
+          <a:lstStyle/>
+          <a:p>
+            <a:r>
+              <a:rPr lang="it-IT" sz="1200" b="1" i="1" dirty="0" smtClean="0">
+                <a:solidFill>
+                  <a:srgbClr val="C00000"/>
+                </a:solidFill>
+                <a:latin typeface="Calibri" pitchFamily="34" charset="0"/>
+                <a:cs typeface="Calibri" pitchFamily="34" charset="0"/>
+              </a:rPr>
+              <a:t>y</a:t>
+            </a:r>
+            <a:endParaRPr lang="it-IT" sz="1200" b="1" i="1" dirty="0">
+              <a:solidFill>
+                <a:srgbClr val="C00000"/>
+              </a:solidFill>
+              <a:latin typeface="Calibri" pitchFamily="34" charset="0"/>
+              <a:cs typeface="Calibri" pitchFamily="34" charset="0"/>
+            </a:endParaRPr>
+          </a:p>
+        </p:txBody>
+      </p:sp>
+      <p:sp>
+        <p:nvSpPr>
+          <p:cNvPr id="19" name="CasellaDiTesto 18"/>
+          <p:cNvSpPr txBox="1"/>
+          <p:nvPr/>
+        </p:nvSpPr>
+        <p:spPr>
+          <a:xfrm>
+            <a:off x="7671181" y="2060847"/>
+            <a:ext cx="1086388" cy="276999"/>
+          </a:xfrm>
+          <a:prstGeom prst="rect">
+            <a:avLst/>
+          </a:prstGeom>
+          <a:noFill/>
+        </p:spPr>
+        <p:txBody>
+          <a:bodyPr wrap="none" rtlCol="0">
+            <a:spAutoFit/>
+          </a:bodyPr>
+          <a:lstStyle/>
+          <a:p>
+            <a:pPr algn="ctr"/>
+            <a:r>
+              <a:rPr lang="it-IT" sz="1200" b="1" i="1" dirty="0" err="1">
+                <a:solidFill>
+                  <a:srgbClr val="C00000"/>
+                </a:solidFill>
+                <a:latin typeface="Calibri" pitchFamily="34" charset="0"/>
+                <a:cs typeface="Calibri" pitchFamily="34" charset="0"/>
+              </a:rPr>
+              <a:t>r</a:t>
+            </a:r>
+            <a:r>
+              <a:rPr lang="it-IT" sz="1200" b="1" i="1" dirty="0" err="1" smtClean="0">
+                <a:solidFill>
+                  <a:srgbClr val="C00000"/>
+                </a:solidFill>
+                <a:latin typeface="Calibri" pitchFamily="34" charset="0"/>
+                <a:cs typeface="Calibri" pitchFamily="34" charset="0"/>
+              </a:rPr>
+              <a:t>etweet</a:t>
+            </a:r>
+            <a:r>
+              <a:rPr lang="it-IT" sz="1200" b="1" i="1" dirty="0" smtClean="0">
+                <a:solidFill>
+                  <a:srgbClr val="C00000"/>
+                </a:solidFill>
+                <a:latin typeface="Calibri" pitchFamily="34" charset="0"/>
+                <a:cs typeface="Calibri" pitchFamily="34" charset="0"/>
+              </a:rPr>
+              <a:t> </a:t>
+            </a:r>
+            <a:r>
+              <a:rPr lang="it-IT" sz="1200" b="1" i="1" dirty="0" err="1" smtClean="0">
+                <a:solidFill>
+                  <a:srgbClr val="C00000"/>
+                </a:solidFill>
+                <a:latin typeface="Calibri" pitchFamily="34" charset="0"/>
+                <a:cs typeface="Calibri" pitchFamily="34" charset="0"/>
+              </a:rPr>
+              <a:t>count</a:t>
+            </a:r>
+            <a:endParaRPr lang="it-IT" sz="1200" b="1" i="1" dirty="0">
+              <a:solidFill>
+                <a:srgbClr val="C00000"/>
+              </a:solidFill>
+              <a:latin typeface="Calibri" pitchFamily="34" charset="0"/>
+              <a:cs typeface="Calibri" pitchFamily="34" charset="0"/>
+            </a:endParaRPr>
+          </a:p>
+        </p:txBody>
+      </p:sp>
+      <p:sp>
+        <p:nvSpPr>
+          <p:cNvPr id="17" name="CasellaDiTesto 16"/>
+          <p:cNvSpPr txBox="1"/>
+          <p:nvPr/>
+        </p:nvSpPr>
+        <p:spPr>
+          <a:xfrm>
+            <a:off x="6927020" y="3954542"/>
+            <a:ext cx="338554" cy="338554"/>
+          </a:xfrm>
+          <a:prstGeom prst="rect">
+            <a:avLst/>
+          </a:prstGeom>
+          <a:noFill/>
+        </p:spPr>
+        <p:txBody>
+          <a:bodyPr wrap="none" rtlCol="0">
+            <a:spAutoFit/>
+          </a:bodyPr>
+          <a:lstStyle/>
+          <a:p>
+            <a:r>
+              <a:rPr lang="it-IT" sz="1600" dirty="0" smtClean="0">
+                <a:latin typeface="Calibri" pitchFamily="34" charset="0"/>
+                <a:cs typeface="Calibri" pitchFamily="34" charset="0"/>
+              </a:rPr>
+              <a:t>…</a:t>
+            </a:r>
+            <a:endParaRPr lang="it-IT" sz="1600" dirty="0">
+              <a:latin typeface="Calibri" pitchFamily="34" charset="0"/>
+              <a:cs typeface="Calibri" pitchFamily="34" charset="0"/>
+            </a:endParaRPr>
+          </a:p>
+        </p:txBody>
+      </p:sp>
+    </p:spTree>
+    <p:extLst>
+      <p:ext uri="{BB962C8B-B14F-4D97-AF65-F5344CB8AC3E}">
+        <p14:creationId xmlns:p14="http://schemas.microsoft.com/office/powerpoint/2010/main" val="2762055713"/>
+      </p:ext>
+    </p:extLst>
+  </p:cSld>
+  <p:clrMapOvr>
+    <a:masterClrMapping/>
+  </p:clrMapOvr>
+  <p:timing>
+    <p:tnLst>
+      <p:par>
+        <p:cTn id="1" dur="indefinite" restart="never" nodeType="tmRoot"/>
+      </p:par>
+    </p:tnLst>
+  </p:timing>
 </p:sld>
 </file>
 
@@ -25685,6 +26435,6776 @@
   <p:clrMapOvr>
     <a:masterClrMapping/>
   </p:clrMapOvr>
+  <p:timing>
+    <p:tnLst>
+      <p:par>
+        <p:cTn id="1" dur="indefinite" restart="never" nodeType="tmRoot"/>
+      </p:par>
+    </p:tnLst>
+  </p:timing>
+</p:sld>
+</file>
+
+<file path=ppt/slides/slide20.xml><?xml version="1.0" encoding="utf-8"?>
+<p:sld xmlns:a="http://schemas.openxmlformats.org/drawingml/2006/main" xmlns:r="http://schemas.openxmlformats.org/officeDocument/2006/relationships" xmlns:p="http://schemas.openxmlformats.org/presentationml/2006/main">
+  <p:cSld>
+    <p:spTree>
+      <p:nvGrpSpPr>
+        <p:cNvPr id="1" name=""/>
+        <p:cNvGrpSpPr/>
+        <p:nvPr/>
+      </p:nvGrpSpPr>
+      <p:grpSpPr>
+        <a:xfrm>
+          <a:off x="0" y="0"/>
+          <a:ext cx="0" cy="0"/>
+          <a:chOff x="0" y="0"/>
+          <a:chExt cx="0" cy="0"/>
+        </a:xfrm>
+      </p:grpSpPr>
+      <p:sp>
+        <p:nvSpPr>
+          <p:cNvPr id="8" name="Title 3">
+            <a:extLst>
+              <a:ext uri="{FF2B5EF4-FFF2-40B4-BE49-F238E27FC236}">
+                <a16:creationId xmlns="" xmlns:a16="http://schemas.microsoft.com/office/drawing/2014/main" id="{D5B2E943-4D76-47C0-AFF3-70EEC7B728A0}"/>
+              </a:ext>
+            </a:extLst>
+          </p:cNvPr>
+          <p:cNvSpPr>
+            <a:spLocks noGrp="1"/>
+          </p:cNvSpPr>
+          <p:nvPr>
+            <p:ph type="title"/>
+          </p:nvPr>
+        </p:nvSpPr>
+        <p:spPr>
+          <a:xfrm>
+            <a:off x="0" y="21787"/>
+            <a:ext cx="9144000" cy="1069514"/>
+          </a:xfrm>
+        </p:spPr>
+        <p:txBody>
+          <a:bodyPr>
+            <a:scene3d>
+              <a:camera prst="orthographicFront"/>
+              <a:lightRig rig="threePt" dir="t"/>
+            </a:scene3d>
+            <a:sp3d extrusionH="57150">
+              <a:bevelT w="82550" h="38100" prst="coolSlant"/>
+            </a:sp3d>
+          </a:bodyPr>
+          <a:lstStyle/>
+          <a:p>
+            <a:pPr algn="ctr"/>
+            <a:r>
+              <a:rPr lang="en-US" altLang="ko-KR" dirty="0">
+                <a:solidFill>
+                  <a:schemeClr val="accent5">
+                    <a:lumMod val="75000"/>
+                  </a:schemeClr>
+                </a:solidFill>
+              </a:rPr>
+              <a:t>2</a:t>
+            </a:r>
+            <a:r>
+              <a:rPr lang="en-US" altLang="ko-KR" dirty="0" smtClean="0">
+                <a:solidFill>
+                  <a:schemeClr val="accent5">
+                    <a:lumMod val="75000"/>
+                  </a:schemeClr>
+                </a:solidFill>
+              </a:rPr>
+              <a:t> – Endorsement graph</a:t>
+            </a:r>
+            <a:endParaRPr lang="ko-KR" altLang="en-US" dirty="0">
+              <a:solidFill>
+                <a:schemeClr val="accent5">
+                  <a:lumMod val="75000"/>
+                </a:schemeClr>
+              </a:solidFill>
+            </a:endParaRPr>
+          </a:p>
+        </p:txBody>
+      </p:sp>
+      <p:pic>
+        <p:nvPicPr>
+          <p:cNvPr id="9" name="Picture 3" descr="C:\Users\Hp\Desktop\UNIVERSITA' E CONCORSI\TESI\PRESENTAZIONE_TESI\retweet_input_file.png"/>
+          <p:cNvPicPr>
+            <a:picLocks noChangeAspect="1" noChangeArrowheads="1"/>
+          </p:cNvPicPr>
+          <p:nvPr/>
+        </p:nvPicPr>
+        <p:blipFill>
+          <a:blip r:embed="rId2">
+            <a:extLst>
+              <a:ext uri="{28A0092B-C50C-407E-A947-70E740481C1C}">
+                <a14:useLocalDpi xmlns:a14="http://schemas.microsoft.com/office/drawing/2010/main" val="0"/>
+              </a:ext>
+            </a:extLst>
+          </a:blip>
+          <a:srcRect/>
+          <a:stretch>
+            <a:fillRect/>
+          </a:stretch>
+        </p:blipFill>
+        <p:spPr bwMode="auto">
+          <a:xfrm>
+            <a:off x="1619672" y="2420888"/>
+            <a:ext cx="3024336" cy="1329378"/>
+          </a:xfrm>
+          <a:prstGeom prst="rect">
+            <a:avLst/>
+          </a:prstGeom>
+          <a:noFill/>
+          <a:extLst>
+            <a:ext uri="{909E8E84-426E-40DD-AFC4-6F175D3DCCD1}">
+              <a14:hiddenFill xmlns:a14="http://schemas.microsoft.com/office/drawing/2010/main">
+                <a:solidFill>
+                  <a:srgbClr val="FFFFFF"/>
+                </a:solidFill>
+              </a14:hiddenFill>
+            </a:ext>
+          </a:extLst>
+        </p:spPr>
+      </p:pic>
+      <p:sp>
+        <p:nvSpPr>
+          <p:cNvPr id="10" name="Connettore 9"/>
+          <p:cNvSpPr/>
+          <p:nvPr/>
+        </p:nvSpPr>
+        <p:spPr>
+          <a:xfrm>
+            <a:off x="5940152" y="2582811"/>
+            <a:ext cx="216024" cy="216024"/>
+          </a:xfrm>
+          <a:prstGeom prst="flowChartConnector">
+            <a:avLst/>
+          </a:prstGeom>
+        </p:spPr>
+        <p:style>
+          <a:lnRef idx="2">
+            <a:schemeClr val="accent1">
+              <a:shade val="50000"/>
+            </a:schemeClr>
+          </a:lnRef>
+          <a:fillRef idx="1">
+            <a:schemeClr val="accent1"/>
+          </a:fillRef>
+          <a:effectRef idx="0">
+            <a:schemeClr val="accent1"/>
+          </a:effectRef>
+          <a:fontRef idx="minor">
+            <a:schemeClr val="lt1"/>
+          </a:fontRef>
+        </p:style>
+        <p:txBody>
+          <a:bodyPr rtlCol="0" anchor="ctr"/>
+          <a:lstStyle/>
+          <a:p>
+            <a:pPr algn="ctr"/>
+            <a:endParaRPr lang="it-IT"/>
+          </a:p>
+        </p:txBody>
+      </p:sp>
+      <p:sp>
+        <p:nvSpPr>
+          <p:cNvPr id="11" name="Connettore 10"/>
+          <p:cNvSpPr/>
+          <p:nvPr/>
+        </p:nvSpPr>
+        <p:spPr>
+          <a:xfrm>
+            <a:off x="8172400" y="1862731"/>
+            <a:ext cx="216024" cy="216024"/>
+          </a:xfrm>
+          <a:prstGeom prst="flowChartConnector">
+            <a:avLst/>
+          </a:prstGeom>
+        </p:spPr>
+        <p:style>
+          <a:lnRef idx="2">
+            <a:schemeClr val="accent1">
+              <a:shade val="50000"/>
+            </a:schemeClr>
+          </a:lnRef>
+          <a:fillRef idx="1">
+            <a:schemeClr val="accent1"/>
+          </a:fillRef>
+          <a:effectRef idx="0">
+            <a:schemeClr val="accent1"/>
+          </a:effectRef>
+          <a:fontRef idx="minor">
+            <a:schemeClr val="lt1"/>
+          </a:fontRef>
+        </p:style>
+        <p:txBody>
+          <a:bodyPr rtlCol="0" anchor="ctr"/>
+          <a:lstStyle/>
+          <a:p>
+            <a:pPr algn="ctr"/>
+            <a:endParaRPr lang="it-IT"/>
+          </a:p>
+        </p:txBody>
+      </p:sp>
+      <p:sp>
+        <p:nvSpPr>
+          <p:cNvPr id="12" name="Connettore 11"/>
+          <p:cNvSpPr/>
+          <p:nvPr/>
+        </p:nvSpPr>
+        <p:spPr>
+          <a:xfrm>
+            <a:off x="8216788" y="2798835"/>
+            <a:ext cx="216024" cy="216024"/>
+          </a:xfrm>
+          <a:prstGeom prst="flowChartConnector">
+            <a:avLst/>
+          </a:prstGeom>
+        </p:spPr>
+        <p:style>
+          <a:lnRef idx="2">
+            <a:schemeClr val="accent1">
+              <a:shade val="50000"/>
+            </a:schemeClr>
+          </a:lnRef>
+          <a:fillRef idx="1">
+            <a:schemeClr val="accent1"/>
+          </a:fillRef>
+          <a:effectRef idx="0">
+            <a:schemeClr val="accent1"/>
+          </a:effectRef>
+          <a:fontRef idx="minor">
+            <a:schemeClr val="lt1"/>
+          </a:fontRef>
+        </p:style>
+        <p:txBody>
+          <a:bodyPr rtlCol="0" anchor="ctr"/>
+          <a:lstStyle/>
+          <a:p>
+            <a:pPr algn="ctr"/>
+            <a:endParaRPr lang="it-IT"/>
+          </a:p>
+        </p:txBody>
+      </p:sp>
+      <p:sp>
+        <p:nvSpPr>
+          <p:cNvPr id="13" name="Connettore 12"/>
+          <p:cNvSpPr/>
+          <p:nvPr/>
+        </p:nvSpPr>
+        <p:spPr>
+          <a:xfrm>
+            <a:off x="8064388" y="3696165"/>
+            <a:ext cx="216024" cy="216024"/>
+          </a:xfrm>
+          <a:prstGeom prst="flowChartConnector">
+            <a:avLst/>
+          </a:prstGeom>
+        </p:spPr>
+        <p:style>
+          <a:lnRef idx="2">
+            <a:schemeClr val="accent1">
+              <a:shade val="50000"/>
+            </a:schemeClr>
+          </a:lnRef>
+          <a:fillRef idx="1">
+            <a:schemeClr val="accent1"/>
+          </a:fillRef>
+          <a:effectRef idx="0">
+            <a:schemeClr val="accent1"/>
+          </a:effectRef>
+          <a:fontRef idx="minor">
+            <a:schemeClr val="lt1"/>
+          </a:fontRef>
+        </p:style>
+        <p:txBody>
+          <a:bodyPr rtlCol="0" anchor="ctr"/>
+          <a:lstStyle/>
+          <a:p>
+            <a:pPr algn="ctr"/>
+            <a:endParaRPr lang="it-IT"/>
+          </a:p>
+        </p:txBody>
+      </p:sp>
+      <p:sp>
+        <p:nvSpPr>
+          <p:cNvPr id="14" name="Connettore 13"/>
+          <p:cNvSpPr/>
+          <p:nvPr/>
+        </p:nvSpPr>
+        <p:spPr>
+          <a:xfrm>
+            <a:off x="7668344" y="4527027"/>
+            <a:ext cx="216024" cy="216024"/>
+          </a:xfrm>
+          <a:prstGeom prst="flowChartConnector">
+            <a:avLst/>
+          </a:prstGeom>
+        </p:spPr>
+        <p:style>
+          <a:lnRef idx="2">
+            <a:schemeClr val="accent1">
+              <a:shade val="50000"/>
+            </a:schemeClr>
+          </a:lnRef>
+          <a:fillRef idx="1">
+            <a:schemeClr val="accent1"/>
+          </a:fillRef>
+          <a:effectRef idx="0">
+            <a:schemeClr val="accent1"/>
+          </a:effectRef>
+          <a:fontRef idx="minor">
+            <a:schemeClr val="lt1"/>
+          </a:fontRef>
+        </p:style>
+        <p:txBody>
+          <a:bodyPr rtlCol="0" anchor="ctr"/>
+          <a:lstStyle/>
+          <a:p>
+            <a:pPr algn="ctr"/>
+            <a:endParaRPr lang="it-IT"/>
+          </a:p>
+        </p:txBody>
+      </p:sp>
+      <p:cxnSp>
+        <p:nvCxnSpPr>
+          <p:cNvPr id="22" name="Connettore 7 21"/>
+          <p:cNvCxnSpPr>
+            <a:stCxn id="10" idx="6"/>
+            <a:endCxn id="11" idx="2"/>
+          </p:cNvCxnSpPr>
+          <p:nvPr/>
+        </p:nvCxnSpPr>
+        <p:spPr>
+          <a:xfrm flipV="1">
+            <a:off x="6156176" y="1970743"/>
+            <a:ext cx="2016224" cy="720080"/>
+          </a:xfrm>
+          <a:prstGeom prst="curvedConnector3">
+            <a:avLst/>
+          </a:prstGeom>
+          <a:ln>
+            <a:tailEnd type="arrow"/>
+          </a:ln>
+        </p:spPr>
+        <p:style>
+          <a:lnRef idx="2">
+            <a:schemeClr val="accent2"/>
+          </a:lnRef>
+          <a:fillRef idx="0">
+            <a:schemeClr val="accent2"/>
+          </a:fillRef>
+          <a:effectRef idx="1">
+            <a:schemeClr val="accent2"/>
+          </a:effectRef>
+          <a:fontRef idx="minor">
+            <a:schemeClr val="tx1"/>
+          </a:fontRef>
+        </p:style>
+      </p:cxnSp>
+      <p:cxnSp>
+        <p:nvCxnSpPr>
+          <p:cNvPr id="28" name="Connettore 7 27"/>
+          <p:cNvCxnSpPr>
+            <a:stCxn id="10" idx="5"/>
+            <a:endCxn id="12" idx="2"/>
+          </p:cNvCxnSpPr>
+          <p:nvPr/>
+        </p:nvCxnSpPr>
+        <p:spPr>
+          <a:xfrm rot="16200000" flipH="1">
+            <a:off x="7100840" y="1790899"/>
+            <a:ext cx="139648" cy="2092248"/>
+          </a:xfrm>
+          <a:prstGeom prst="curvedConnector2">
+            <a:avLst/>
+          </a:prstGeom>
+          <a:ln>
+            <a:tailEnd type="arrow"/>
+          </a:ln>
+        </p:spPr>
+        <p:style>
+          <a:lnRef idx="2">
+            <a:schemeClr val="accent2"/>
+          </a:lnRef>
+          <a:fillRef idx="0">
+            <a:schemeClr val="accent2"/>
+          </a:fillRef>
+          <a:effectRef idx="1">
+            <a:schemeClr val="accent2"/>
+          </a:effectRef>
+          <a:fontRef idx="minor">
+            <a:schemeClr val="tx1"/>
+          </a:fontRef>
+        </p:style>
+      </p:cxnSp>
+      <p:cxnSp>
+        <p:nvCxnSpPr>
+          <p:cNvPr id="30" name="Connettore 7 29"/>
+          <p:cNvCxnSpPr>
+            <a:stCxn id="10" idx="4"/>
+            <a:endCxn id="13" idx="2"/>
+          </p:cNvCxnSpPr>
+          <p:nvPr/>
+        </p:nvCxnSpPr>
+        <p:spPr>
+          <a:xfrm rot="16200000" flipH="1">
+            <a:off x="6553605" y="2293394"/>
+            <a:ext cx="1005342" cy="2016224"/>
+          </a:xfrm>
+          <a:prstGeom prst="curvedConnector2">
+            <a:avLst/>
+          </a:prstGeom>
+          <a:ln>
+            <a:tailEnd type="arrow"/>
+          </a:ln>
+        </p:spPr>
+        <p:style>
+          <a:lnRef idx="2">
+            <a:schemeClr val="accent2"/>
+          </a:lnRef>
+          <a:fillRef idx="0">
+            <a:schemeClr val="accent2"/>
+          </a:fillRef>
+          <a:effectRef idx="1">
+            <a:schemeClr val="accent2"/>
+          </a:effectRef>
+          <a:fontRef idx="minor">
+            <a:schemeClr val="tx1"/>
+          </a:fontRef>
+        </p:style>
+      </p:cxnSp>
+      <p:cxnSp>
+        <p:nvCxnSpPr>
+          <p:cNvPr id="32" name="Connettore 7 31"/>
+          <p:cNvCxnSpPr>
+            <a:stCxn id="10" idx="3"/>
+            <a:endCxn id="14" idx="2"/>
+          </p:cNvCxnSpPr>
+          <p:nvPr/>
+        </p:nvCxnSpPr>
+        <p:spPr>
+          <a:xfrm rot="16200000" flipH="1">
+            <a:off x="5886146" y="2852841"/>
+            <a:ext cx="1867840" cy="1696556"/>
+          </a:xfrm>
+          <a:prstGeom prst="curvedConnector2">
+            <a:avLst/>
+          </a:prstGeom>
+          <a:ln>
+            <a:tailEnd type="arrow"/>
+          </a:ln>
+        </p:spPr>
+        <p:style>
+          <a:lnRef idx="2">
+            <a:schemeClr val="accent2"/>
+          </a:lnRef>
+          <a:fillRef idx="0">
+            <a:schemeClr val="accent2"/>
+          </a:fillRef>
+          <a:effectRef idx="1">
+            <a:schemeClr val="accent2"/>
+          </a:effectRef>
+          <a:fontRef idx="minor">
+            <a:schemeClr val="tx1"/>
+          </a:fontRef>
+        </p:style>
+      </p:cxnSp>
+      <p:sp>
+        <p:nvSpPr>
+          <p:cNvPr id="33" name="Freccia a destra 32"/>
+          <p:cNvSpPr/>
+          <p:nvPr/>
+        </p:nvSpPr>
+        <p:spPr>
+          <a:xfrm>
+            <a:off x="4716016" y="2852409"/>
+            <a:ext cx="720080" cy="286646"/>
+          </a:xfrm>
+          <a:prstGeom prst="rightArrow">
+            <a:avLst/>
+          </a:prstGeom>
+          <a:gradFill flip="none" rotWithShape="1">
+            <a:gsLst>
+              <a:gs pos="0">
+                <a:schemeClr val="accent1">
+                  <a:tint val="66000"/>
+                  <a:satMod val="160000"/>
+                </a:schemeClr>
+              </a:gs>
+              <a:gs pos="50000">
+                <a:schemeClr val="accent1">
+                  <a:tint val="44500"/>
+                  <a:satMod val="160000"/>
+                </a:schemeClr>
+              </a:gs>
+              <a:gs pos="100000">
+                <a:schemeClr val="accent1">
+                  <a:tint val="23500"/>
+                  <a:satMod val="160000"/>
+                </a:schemeClr>
+              </a:gs>
+            </a:gsLst>
+            <a:lin ang="2700000" scaled="1"/>
+            <a:tileRect/>
+          </a:gradFill>
+        </p:spPr>
+        <p:style>
+          <a:lnRef idx="2">
+            <a:schemeClr val="accent1">
+              <a:shade val="50000"/>
+            </a:schemeClr>
+          </a:lnRef>
+          <a:fillRef idx="1">
+            <a:schemeClr val="accent1"/>
+          </a:fillRef>
+          <a:effectRef idx="0">
+            <a:schemeClr val="accent1"/>
+          </a:effectRef>
+          <a:fontRef idx="minor">
+            <a:schemeClr val="lt1"/>
+          </a:fontRef>
+        </p:style>
+        <p:txBody>
+          <a:bodyPr rtlCol="0" anchor="ctr"/>
+          <a:lstStyle/>
+          <a:p>
+            <a:pPr algn="ctr"/>
+            <a:endParaRPr lang="it-IT"/>
+          </a:p>
+        </p:txBody>
+      </p:sp>
+      <p:sp>
+        <p:nvSpPr>
+          <p:cNvPr id="34" name="CasellaDiTesto 33"/>
+          <p:cNvSpPr txBox="1"/>
+          <p:nvPr/>
+        </p:nvSpPr>
+        <p:spPr>
+          <a:xfrm>
+            <a:off x="5670207" y="2359913"/>
+            <a:ext cx="777008" cy="276999"/>
+          </a:xfrm>
+          <a:prstGeom prst="rect">
+            <a:avLst/>
+          </a:prstGeom>
+          <a:noFill/>
+        </p:spPr>
+        <p:txBody>
+          <a:bodyPr wrap="none" rtlCol="0">
+            <a:spAutoFit/>
+          </a:bodyPr>
+          <a:lstStyle/>
+          <a:p>
+            <a:pPr algn="ctr"/>
+            <a:r>
+              <a:rPr lang="it-IT" sz="1200" b="1" i="1" dirty="0" err="1" smtClean="0">
+                <a:solidFill>
+                  <a:schemeClr val="accent1"/>
+                </a:solidFill>
+                <a:latin typeface="Calibri" pitchFamily="34" charset="0"/>
+                <a:cs typeface="Calibri" pitchFamily="34" charset="0"/>
+              </a:rPr>
+              <a:t>karlfrisch</a:t>
+            </a:r>
+            <a:endParaRPr lang="it-IT" sz="1200" b="1" i="1" dirty="0">
+              <a:solidFill>
+                <a:schemeClr val="accent1"/>
+              </a:solidFill>
+              <a:latin typeface="Calibri" pitchFamily="34" charset="0"/>
+              <a:cs typeface="Calibri" pitchFamily="34" charset="0"/>
+            </a:endParaRPr>
+          </a:p>
+        </p:txBody>
+      </p:sp>
+      <p:sp>
+        <p:nvSpPr>
+          <p:cNvPr id="35" name="CasellaDiTesto 34"/>
+          <p:cNvSpPr txBox="1"/>
+          <p:nvPr/>
+        </p:nvSpPr>
+        <p:spPr>
+          <a:xfrm>
+            <a:off x="7850283" y="1639833"/>
+            <a:ext cx="902941" cy="276999"/>
+          </a:xfrm>
+          <a:prstGeom prst="rect">
+            <a:avLst/>
+          </a:prstGeom>
+          <a:noFill/>
+        </p:spPr>
+        <p:txBody>
+          <a:bodyPr wrap="none" rtlCol="0">
+            <a:spAutoFit/>
+          </a:bodyPr>
+          <a:lstStyle/>
+          <a:p>
+            <a:pPr algn="ctr"/>
+            <a:r>
+              <a:rPr lang="it-IT" sz="1200" b="1" i="1" dirty="0" err="1" smtClean="0">
+                <a:solidFill>
+                  <a:schemeClr val="accent1"/>
+                </a:solidFill>
+                <a:latin typeface="Calibri" pitchFamily="34" charset="0"/>
+                <a:cs typeface="Calibri" pitchFamily="34" charset="0"/>
+              </a:rPr>
+              <a:t>castonchris</a:t>
+            </a:r>
+            <a:endParaRPr lang="it-IT" sz="1200" b="1" i="1" dirty="0">
+              <a:solidFill>
+                <a:schemeClr val="accent1"/>
+              </a:solidFill>
+              <a:latin typeface="Calibri" pitchFamily="34" charset="0"/>
+              <a:cs typeface="Calibri" pitchFamily="34" charset="0"/>
+            </a:endParaRPr>
+          </a:p>
+        </p:txBody>
+      </p:sp>
+      <p:sp>
+        <p:nvSpPr>
+          <p:cNvPr id="36" name="CasellaDiTesto 35"/>
+          <p:cNvSpPr txBox="1"/>
+          <p:nvPr/>
+        </p:nvSpPr>
+        <p:spPr>
+          <a:xfrm>
+            <a:off x="7828435" y="2575937"/>
+            <a:ext cx="1002519" cy="276999"/>
+          </a:xfrm>
+          <a:prstGeom prst="rect">
+            <a:avLst/>
+          </a:prstGeom>
+          <a:noFill/>
+        </p:spPr>
+        <p:txBody>
+          <a:bodyPr wrap="none" rtlCol="0">
+            <a:spAutoFit/>
+          </a:bodyPr>
+          <a:lstStyle/>
+          <a:p>
+            <a:pPr algn="ctr"/>
+            <a:r>
+              <a:rPr lang="it-IT" sz="1200" b="1" i="1" dirty="0" err="1" smtClean="0">
+                <a:solidFill>
+                  <a:schemeClr val="accent1"/>
+                </a:solidFill>
+                <a:latin typeface="Calibri" pitchFamily="34" charset="0"/>
+                <a:cs typeface="Calibri" pitchFamily="34" charset="0"/>
+              </a:rPr>
+              <a:t>servantonice</a:t>
+            </a:r>
+            <a:endParaRPr lang="it-IT" sz="1200" b="1" i="1" dirty="0">
+              <a:solidFill>
+                <a:schemeClr val="accent1"/>
+              </a:solidFill>
+              <a:latin typeface="Calibri" pitchFamily="34" charset="0"/>
+              <a:cs typeface="Calibri" pitchFamily="34" charset="0"/>
+            </a:endParaRPr>
+          </a:p>
+        </p:txBody>
+      </p:sp>
+      <p:sp>
+        <p:nvSpPr>
+          <p:cNvPr id="37" name="CasellaDiTesto 36"/>
+          <p:cNvSpPr txBox="1"/>
+          <p:nvPr/>
+        </p:nvSpPr>
+        <p:spPr>
+          <a:xfrm>
+            <a:off x="7706332" y="3473267"/>
+            <a:ext cx="901530" cy="276999"/>
+          </a:xfrm>
+          <a:prstGeom prst="rect">
+            <a:avLst/>
+          </a:prstGeom>
+          <a:noFill/>
+        </p:spPr>
+        <p:txBody>
+          <a:bodyPr wrap="none" rtlCol="0">
+            <a:spAutoFit/>
+          </a:bodyPr>
+          <a:lstStyle/>
+          <a:p>
+            <a:pPr algn="ctr"/>
+            <a:r>
+              <a:rPr lang="it-IT" sz="1200" b="1" i="1" dirty="0" err="1">
+                <a:solidFill>
+                  <a:schemeClr val="accent1"/>
+                </a:solidFill>
+                <a:latin typeface="Calibri" pitchFamily="34" charset="0"/>
+                <a:cs typeface="Calibri" pitchFamily="34" charset="0"/>
+              </a:rPr>
+              <a:t>h</a:t>
+            </a:r>
+            <a:r>
+              <a:rPr lang="it-IT" sz="1200" b="1" i="1" dirty="0" err="1" smtClean="0">
+                <a:solidFill>
+                  <a:schemeClr val="accent1"/>
+                </a:solidFill>
+                <a:latin typeface="Calibri" pitchFamily="34" charset="0"/>
+                <a:cs typeface="Calibri" pitchFamily="34" charset="0"/>
+              </a:rPr>
+              <a:t>attieknuff</a:t>
+            </a:r>
+            <a:endParaRPr lang="it-IT" sz="1200" b="1" i="1" dirty="0">
+              <a:solidFill>
+                <a:schemeClr val="accent1"/>
+              </a:solidFill>
+              <a:latin typeface="Calibri" pitchFamily="34" charset="0"/>
+              <a:cs typeface="Calibri" pitchFamily="34" charset="0"/>
+            </a:endParaRPr>
+          </a:p>
+        </p:txBody>
+      </p:sp>
+      <p:sp>
+        <p:nvSpPr>
+          <p:cNvPr id="38" name="CasellaDiTesto 37"/>
+          <p:cNvSpPr txBox="1"/>
+          <p:nvPr/>
+        </p:nvSpPr>
+        <p:spPr>
+          <a:xfrm>
+            <a:off x="7427299" y="4304129"/>
+            <a:ext cx="691601" cy="276999"/>
+          </a:xfrm>
+          <a:prstGeom prst="rect">
+            <a:avLst/>
+          </a:prstGeom>
+          <a:noFill/>
+        </p:spPr>
+        <p:txBody>
+          <a:bodyPr wrap="none" rtlCol="0">
+            <a:spAutoFit/>
+          </a:bodyPr>
+          <a:lstStyle/>
+          <a:p>
+            <a:pPr algn="ctr"/>
+            <a:r>
+              <a:rPr lang="it-IT" sz="1200" b="1" i="1" dirty="0" err="1" smtClean="0">
+                <a:solidFill>
+                  <a:schemeClr val="accent1"/>
+                </a:solidFill>
+                <a:latin typeface="Calibri" pitchFamily="34" charset="0"/>
+                <a:cs typeface="Calibri" pitchFamily="34" charset="0"/>
+              </a:rPr>
+              <a:t>dgjewel</a:t>
+            </a:r>
+            <a:endParaRPr lang="it-IT" sz="1200" b="1" i="1" dirty="0">
+              <a:solidFill>
+                <a:schemeClr val="accent1"/>
+              </a:solidFill>
+              <a:latin typeface="Calibri" pitchFamily="34" charset="0"/>
+              <a:cs typeface="Calibri" pitchFamily="34" charset="0"/>
+            </a:endParaRPr>
+          </a:p>
+        </p:txBody>
+      </p:sp>
+      <p:sp>
+        <p:nvSpPr>
+          <p:cNvPr id="41" name="CasellaDiTesto 40"/>
+          <p:cNvSpPr txBox="1"/>
+          <p:nvPr/>
+        </p:nvSpPr>
+        <p:spPr>
+          <a:xfrm>
+            <a:off x="1691680" y="1259468"/>
+            <a:ext cx="2283317" cy="369332"/>
+          </a:xfrm>
+          <a:prstGeom prst="rect">
+            <a:avLst/>
+          </a:prstGeom>
+          <a:noFill/>
+        </p:spPr>
+        <p:txBody>
+          <a:bodyPr wrap="none" rtlCol="0">
+            <a:spAutoFit/>
+          </a:bodyPr>
+          <a:lstStyle/>
+          <a:p>
+            <a:r>
+              <a:rPr lang="it-IT" dirty="0">
+                <a:latin typeface="Calibri" pitchFamily="34" charset="0"/>
+                <a:cs typeface="Calibri" pitchFamily="34" charset="0"/>
+              </a:rPr>
+              <a:t>E</a:t>
+            </a:r>
+            <a:r>
+              <a:rPr lang="it-IT" dirty="0" smtClean="0">
+                <a:latin typeface="Calibri" pitchFamily="34" charset="0"/>
+                <a:cs typeface="Calibri" pitchFamily="34" charset="0"/>
+              </a:rPr>
+              <a:t>.g. </a:t>
+            </a:r>
+            <a:r>
+              <a:rPr lang="it-IT" i="1" dirty="0" err="1" smtClean="0">
+                <a:latin typeface="Calibri" pitchFamily="34" charset="0"/>
+                <a:cs typeface="Calibri" pitchFamily="34" charset="0"/>
+              </a:rPr>
+              <a:t>hashtag</a:t>
+            </a:r>
+            <a:r>
+              <a:rPr lang="it-IT" i="1" dirty="0" smtClean="0">
+                <a:latin typeface="Calibri" pitchFamily="34" charset="0"/>
+                <a:cs typeface="Calibri" pitchFamily="34" charset="0"/>
+              </a:rPr>
+              <a:t> </a:t>
+            </a:r>
+            <a:r>
+              <a:rPr lang="it-IT" b="1" i="1" dirty="0" smtClean="0">
+                <a:solidFill>
+                  <a:schemeClr val="accent1"/>
+                </a:solidFill>
+                <a:latin typeface="Calibri" pitchFamily="34" charset="0"/>
+                <a:cs typeface="Calibri" pitchFamily="34" charset="0"/>
+              </a:rPr>
+              <a:t>#indiana</a:t>
+            </a:r>
+            <a:r>
+              <a:rPr lang="it-IT" dirty="0" smtClean="0">
+                <a:latin typeface="Calibri" pitchFamily="34" charset="0"/>
+                <a:cs typeface="Calibri" pitchFamily="34" charset="0"/>
+              </a:rPr>
+              <a:t>:</a:t>
+            </a:r>
+            <a:endParaRPr lang="it-IT" dirty="0">
+              <a:latin typeface="Calibri" pitchFamily="34" charset="0"/>
+              <a:cs typeface="Calibri" pitchFamily="34" charset="0"/>
+            </a:endParaRPr>
+          </a:p>
+        </p:txBody>
+      </p:sp>
+      <p:sp>
+        <p:nvSpPr>
+          <p:cNvPr id="42" name="CasellaDiTesto 41"/>
+          <p:cNvSpPr txBox="1"/>
+          <p:nvPr/>
+        </p:nvSpPr>
+        <p:spPr>
+          <a:xfrm>
+            <a:off x="2937302" y="3634900"/>
+            <a:ext cx="338554" cy="338554"/>
+          </a:xfrm>
+          <a:prstGeom prst="rect">
+            <a:avLst/>
+          </a:prstGeom>
+          <a:noFill/>
+        </p:spPr>
+        <p:txBody>
+          <a:bodyPr wrap="none" rtlCol="0">
+            <a:spAutoFit/>
+          </a:bodyPr>
+          <a:lstStyle/>
+          <a:p>
+            <a:r>
+              <a:rPr lang="it-IT" sz="1600" dirty="0" smtClean="0">
+                <a:latin typeface="Calibri" pitchFamily="34" charset="0"/>
+                <a:cs typeface="Calibri" pitchFamily="34" charset="0"/>
+              </a:rPr>
+              <a:t>…</a:t>
+            </a:r>
+            <a:endParaRPr lang="it-IT" sz="1600" dirty="0">
+              <a:latin typeface="Calibri" pitchFamily="34" charset="0"/>
+              <a:cs typeface="Calibri" pitchFamily="34" charset="0"/>
+            </a:endParaRPr>
+          </a:p>
+        </p:txBody>
+      </p:sp>
+      <mc:AlternateContent xmlns:mc="http://schemas.openxmlformats.org/markup-compatibility/2006" xmlns:a14="http://schemas.microsoft.com/office/drawing/2010/main">
+        <mc:Choice Requires="a14">
+          <p:sp>
+            <p:nvSpPr>
+              <p:cNvPr id="43" name="CasellaDiTesto 42"/>
+              <p:cNvSpPr txBox="1"/>
+              <p:nvPr/>
+            </p:nvSpPr>
+            <p:spPr>
+              <a:xfrm>
+                <a:off x="6773487" y="3912189"/>
+                <a:ext cx="304891" cy="438005"/>
+              </a:xfrm>
+              <a:prstGeom prst="rect">
+                <a:avLst/>
+              </a:prstGeom>
+              <a:noFill/>
+            </p:spPr>
+            <p:txBody>
+              <a:bodyPr wrap="none" rtlCol="0">
+                <a:spAutoFit/>
+              </a:bodyPr>
+              <a:lstStyle/>
+              <a:p>
+                <a:pPr/>
+                <a14:m>
+                  <m:oMathPara xmlns:m="http://schemas.openxmlformats.org/officeDocument/2006/math">
+                    <m:oMathParaPr>
+                      <m:jc m:val="centerGroup"/>
+                    </m:oMathParaPr>
+                    <m:oMath xmlns:m="http://schemas.openxmlformats.org/officeDocument/2006/math">
+                      <m:f>
+                        <m:fPr>
+                          <m:ctrlPr>
+                            <a:rPr lang="it-IT" sz="1200" i="1" smtClean="0">
+                              <a:latin typeface="Cambria Math"/>
+                              <a:cs typeface="Calibri" pitchFamily="34" charset="0"/>
+                            </a:rPr>
+                          </m:ctrlPr>
+                        </m:fPr>
+                        <m:num>
+                          <m:r>
+                            <a:rPr lang="it-IT" sz="1200" b="0" i="1" smtClean="0">
+                              <a:latin typeface="Cambria Math"/>
+                              <a:cs typeface="Calibri" pitchFamily="34" charset="0"/>
+                            </a:rPr>
+                            <m:t>1</m:t>
+                          </m:r>
+                        </m:num>
+                        <m:den>
+                          <m:r>
+                            <a:rPr lang="it-IT" sz="1200" b="0" i="1" smtClean="0">
+                              <a:latin typeface="Cambria Math"/>
+                              <a:cs typeface="Calibri" pitchFamily="34" charset="0"/>
+                            </a:rPr>
+                            <m:t>4</m:t>
+                          </m:r>
+                        </m:den>
+                      </m:f>
+                    </m:oMath>
+                  </m:oMathPara>
+                </a14:m>
+                <a:endParaRPr lang="it-IT" sz="1200" dirty="0">
+                  <a:latin typeface="Calibri" pitchFamily="34" charset="0"/>
+                  <a:cs typeface="Calibri" pitchFamily="34" charset="0"/>
+                </a:endParaRPr>
+              </a:p>
+            </p:txBody>
+          </p:sp>
+        </mc:Choice>
+        <mc:Fallback xmlns="">
+          <p:sp>
+            <p:nvSpPr>
+              <p:cNvPr id="43" name="CasellaDiTesto 42"/>
+              <p:cNvSpPr txBox="1">
+                <a:spLocks noRot="1" noChangeAspect="1" noMove="1" noResize="1" noEditPoints="1" noAdjustHandles="1" noChangeArrowheads="1" noChangeShapeType="1" noTextEdit="1"/>
+              </p:cNvSpPr>
+              <p:nvPr/>
+            </p:nvSpPr>
+            <p:spPr>
+              <a:xfrm>
+                <a:off x="6773487" y="3912189"/>
+                <a:ext cx="304891" cy="438005"/>
+              </a:xfrm>
+              <a:prstGeom prst="rect">
+                <a:avLst/>
+              </a:prstGeom>
+              <a:blipFill rotWithShape="1">
+                <a:blip r:embed="rId3"/>
+                <a:stretch>
+                  <a:fillRect/>
+                </a:stretch>
+              </a:blipFill>
+            </p:spPr>
+            <p:txBody>
+              <a:bodyPr/>
+              <a:lstStyle/>
+              <a:p>
+                <a:r>
+                  <a:rPr lang="it-IT">
+                    <a:noFill/>
+                  </a:rPr>
+                  <a:t> </a:t>
+                </a:r>
+              </a:p>
+            </p:txBody>
+          </p:sp>
+        </mc:Fallback>
+      </mc:AlternateContent>
+      <mc:AlternateContent xmlns:mc="http://schemas.openxmlformats.org/markup-compatibility/2006" xmlns:a14="http://schemas.microsoft.com/office/drawing/2010/main">
+        <mc:Choice Requires="a14">
+          <p:sp>
+            <p:nvSpPr>
+              <p:cNvPr id="47" name="CasellaDiTesto 46"/>
+              <p:cNvSpPr txBox="1"/>
+              <p:nvPr/>
+            </p:nvSpPr>
+            <p:spPr>
+              <a:xfrm>
+                <a:off x="6972511" y="3196895"/>
+                <a:ext cx="304891" cy="438005"/>
+              </a:xfrm>
+              <a:prstGeom prst="rect">
+                <a:avLst/>
+              </a:prstGeom>
+              <a:noFill/>
+            </p:spPr>
+            <p:txBody>
+              <a:bodyPr wrap="none" rtlCol="0">
+                <a:spAutoFit/>
+              </a:bodyPr>
+              <a:lstStyle/>
+              <a:p>
+                <a:pPr/>
+                <a14:m>
+                  <m:oMathPara xmlns:m="http://schemas.openxmlformats.org/officeDocument/2006/math">
+                    <m:oMathParaPr>
+                      <m:jc m:val="centerGroup"/>
+                    </m:oMathParaPr>
+                    <m:oMath xmlns:m="http://schemas.openxmlformats.org/officeDocument/2006/math">
+                      <m:f>
+                        <m:fPr>
+                          <m:ctrlPr>
+                            <a:rPr lang="it-IT" sz="1200" i="1" smtClean="0">
+                              <a:latin typeface="Cambria Math"/>
+                              <a:cs typeface="Calibri" pitchFamily="34" charset="0"/>
+                            </a:rPr>
+                          </m:ctrlPr>
+                        </m:fPr>
+                        <m:num>
+                          <m:r>
+                            <a:rPr lang="it-IT" sz="1200" b="0" i="1" smtClean="0">
+                              <a:latin typeface="Cambria Math"/>
+                              <a:cs typeface="Calibri" pitchFamily="34" charset="0"/>
+                            </a:rPr>
+                            <m:t>1</m:t>
+                          </m:r>
+                        </m:num>
+                        <m:den>
+                          <m:r>
+                            <a:rPr lang="it-IT" sz="1200" b="0" i="1" smtClean="0">
+                              <a:latin typeface="Cambria Math"/>
+                              <a:cs typeface="Calibri" pitchFamily="34" charset="0"/>
+                            </a:rPr>
+                            <m:t>4</m:t>
+                          </m:r>
+                        </m:den>
+                      </m:f>
+                    </m:oMath>
+                  </m:oMathPara>
+                </a14:m>
+                <a:endParaRPr lang="it-IT" sz="1200" dirty="0">
+                  <a:latin typeface="Calibri" pitchFamily="34" charset="0"/>
+                  <a:cs typeface="Calibri" pitchFamily="34" charset="0"/>
+                </a:endParaRPr>
+              </a:p>
+            </p:txBody>
+          </p:sp>
+        </mc:Choice>
+        <mc:Fallback xmlns="">
+          <p:sp>
+            <p:nvSpPr>
+              <p:cNvPr id="47" name="CasellaDiTesto 46"/>
+              <p:cNvSpPr txBox="1">
+                <a:spLocks noRot="1" noChangeAspect="1" noMove="1" noResize="1" noEditPoints="1" noAdjustHandles="1" noChangeArrowheads="1" noChangeShapeType="1" noTextEdit="1"/>
+              </p:cNvSpPr>
+              <p:nvPr/>
+            </p:nvSpPr>
+            <p:spPr>
+              <a:xfrm>
+                <a:off x="6972511" y="3196895"/>
+                <a:ext cx="304891" cy="438005"/>
+              </a:xfrm>
+              <a:prstGeom prst="rect">
+                <a:avLst/>
+              </a:prstGeom>
+              <a:blipFill rotWithShape="1">
+                <a:blip r:embed="rId4"/>
+                <a:stretch>
+                  <a:fillRect/>
+                </a:stretch>
+              </a:blipFill>
+            </p:spPr>
+            <p:txBody>
+              <a:bodyPr/>
+              <a:lstStyle/>
+              <a:p>
+                <a:r>
+                  <a:rPr lang="it-IT">
+                    <a:noFill/>
+                  </a:rPr>
+                  <a:t> </a:t>
+                </a:r>
+              </a:p>
+            </p:txBody>
+          </p:sp>
+        </mc:Fallback>
+      </mc:AlternateContent>
+      <mc:AlternateContent xmlns:mc="http://schemas.openxmlformats.org/markup-compatibility/2006" xmlns:a14="http://schemas.microsoft.com/office/drawing/2010/main">
+        <mc:Choice Requires="a14">
+          <p:sp>
+            <p:nvSpPr>
+              <p:cNvPr id="48" name="CasellaDiTesto 47"/>
+              <p:cNvSpPr txBox="1"/>
+              <p:nvPr/>
+            </p:nvSpPr>
+            <p:spPr>
+              <a:xfrm>
+                <a:off x="7238519" y="2444237"/>
+                <a:ext cx="304891" cy="438005"/>
+              </a:xfrm>
+              <a:prstGeom prst="rect">
+                <a:avLst/>
+              </a:prstGeom>
+              <a:noFill/>
+            </p:spPr>
+            <p:txBody>
+              <a:bodyPr wrap="none" rtlCol="0">
+                <a:spAutoFit/>
+              </a:bodyPr>
+              <a:lstStyle/>
+              <a:p>
+                <a:pPr/>
+                <a14:m>
+                  <m:oMathPara xmlns:m="http://schemas.openxmlformats.org/officeDocument/2006/math">
+                    <m:oMathParaPr>
+                      <m:jc m:val="centerGroup"/>
+                    </m:oMathParaPr>
+                    <m:oMath xmlns:m="http://schemas.openxmlformats.org/officeDocument/2006/math">
+                      <m:f>
+                        <m:fPr>
+                          <m:ctrlPr>
+                            <a:rPr lang="it-IT" sz="1200" i="1" smtClean="0">
+                              <a:latin typeface="Cambria Math"/>
+                              <a:cs typeface="Calibri" pitchFamily="34" charset="0"/>
+                            </a:rPr>
+                          </m:ctrlPr>
+                        </m:fPr>
+                        <m:num>
+                          <m:r>
+                            <a:rPr lang="it-IT" sz="1200" b="0" i="1" smtClean="0">
+                              <a:latin typeface="Cambria Math"/>
+                              <a:cs typeface="Calibri" pitchFamily="34" charset="0"/>
+                            </a:rPr>
+                            <m:t>1</m:t>
+                          </m:r>
+                        </m:num>
+                        <m:den>
+                          <m:r>
+                            <a:rPr lang="it-IT" sz="1200" b="0" i="1" smtClean="0">
+                              <a:latin typeface="Cambria Math"/>
+                              <a:cs typeface="Calibri" pitchFamily="34" charset="0"/>
+                            </a:rPr>
+                            <m:t>4</m:t>
+                          </m:r>
+                        </m:den>
+                      </m:f>
+                    </m:oMath>
+                  </m:oMathPara>
+                </a14:m>
+                <a:endParaRPr lang="it-IT" sz="1200" dirty="0">
+                  <a:latin typeface="Calibri" pitchFamily="34" charset="0"/>
+                  <a:cs typeface="Calibri" pitchFamily="34" charset="0"/>
+                </a:endParaRPr>
+              </a:p>
+            </p:txBody>
+          </p:sp>
+        </mc:Choice>
+        <mc:Fallback xmlns="">
+          <p:sp>
+            <p:nvSpPr>
+              <p:cNvPr id="48" name="CasellaDiTesto 47"/>
+              <p:cNvSpPr txBox="1">
+                <a:spLocks noRot="1" noChangeAspect="1" noMove="1" noResize="1" noEditPoints="1" noAdjustHandles="1" noChangeArrowheads="1" noChangeShapeType="1" noTextEdit="1"/>
+              </p:cNvSpPr>
+              <p:nvPr/>
+            </p:nvSpPr>
+            <p:spPr>
+              <a:xfrm>
+                <a:off x="7238519" y="2444237"/>
+                <a:ext cx="304891" cy="438005"/>
+              </a:xfrm>
+              <a:prstGeom prst="rect">
+                <a:avLst/>
+              </a:prstGeom>
+              <a:blipFill rotWithShape="1">
+                <a:blip r:embed="rId3"/>
+                <a:stretch>
+                  <a:fillRect/>
+                </a:stretch>
+              </a:blipFill>
+            </p:spPr>
+            <p:txBody>
+              <a:bodyPr/>
+              <a:lstStyle/>
+              <a:p>
+                <a:r>
+                  <a:rPr lang="it-IT">
+                    <a:noFill/>
+                  </a:rPr>
+                  <a:t> </a:t>
+                </a:r>
+              </a:p>
+            </p:txBody>
+          </p:sp>
+        </mc:Fallback>
+      </mc:AlternateContent>
+      <mc:AlternateContent xmlns:mc="http://schemas.openxmlformats.org/markup-compatibility/2006" xmlns:a14="http://schemas.microsoft.com/office/drawing/2010/main">
+        <mc:Choice Requires="a14">
+          <p:sp>
+            <p:nvSpPr>
+              <p:cNvPr id="49" name="CasellaDiTesto 48"/>
+              <p:cNvSpPr txBox="1"/>
+              <p:nvPr/>
+            </p:nvSpPr>
+            <p:spPr>
+              <a:xfrm>
+                <a:off x="6820066" y="2020111"/>
+                <a:ext cx="304891" cy="438005"/>
+              </a:xfrm>
+              <a:prstGeom prst="rect">
+                <a:avLst/>
+              </a:prstGeom>
+              <a:noFill/>
+            </p:spPr>
+            <p:txBody>
+              <a:bodyPr wrap="none" rtlCol="0">
+                <a:spAutoFit/>
+              </a:bodyPr>
+              <a:lstStyle/>
+              <a:p>
+                <a:pPr/>
+                <a14:m>
+                  <m:oMathPara xmlns:m="http://schemas.openxmlformats.org/officeDocument/2006/math">
+                    <m:oMathParaPr>
+                      <m:jc m:val="centerGroup"/>
+                    </m:oMathParaPr>
+                    <m:oMath xmlns:m="http://schemas.openxmlformats.org/officeDocument/2006/math">
+                      <m:f>
+                        <m:fPr>
+                          <m:ctrlPr>
+                            <a:rPr lang="it-IT" sz="1200" i="1" smtClean="0">
+                              <a:latin typeface="Cambria Math"/>
+                              <a:cs typeface="Calibri" pitchFamily="34" charset="0"/>
+                            </a:rPr>
+                          </m:ctrlPr>
+                        </m:fPr>
+                        <m:num>
+                          <m:r>
+                            <a:rPr lang="it-IT" sz="1200" b="0" i="1" smtClean="0">
+                              <a:latin typeface="Cambria Math"/>
+                              <a:cs typeface="Calibri" pitchFamily="34" charset="0"/>
+                            </a:rPr>
+                            <m:t>1</m:t>
+                          </m:r>
+                        </m:num>
+                        <m:den>
+                          <m:r>
+                            <a:rPr lang="it-IT" sz="1200" b="0" i="1" smtClean="0">
+                              <a:latin typeface="Cambria Math"/>
+                              <a:cs typeface="Calibri" pitchFamily="34" charset="0"/>
+                            </a:rPr>
+                            <m:t>4</m:t>
+                          </m:r>
+                        </m:den>
+                      </m:f>
+                    </m:oMath>
+                  </m:oMathPara>
+                </a14:m>
+                <a:endParaRPr lang="it-IT" sz="1200" dirty="0">
+                  <a:latin typeface="Calibri" pitchFamily="34" charset="0"/>
+                  <a:cs typeface="Calibri" pitchFamily="34" charset="0"/>
+                </a:endParaRPr>
+              </a:p>
+            </p:txBody>
+          </p:sp>
+        </mc:Choice>
+        <mc:Fallback xmlns="">
+          <p:sp>
+            <p:nvSpPr>
+              <p:cNvPr id="49" name="CasellaDiTesto 48"/>
+              <p:cNvSpPr txBox="1">
+                <a:spLocks noRot="1" noChangeAspect="1" noMove="1" noResize="1" noEditPoints="1" noAdjustHandles="1" noChangeArrowheads="1" noChangeShapeType="1" noTextEdit="1"/>
+              </p:cNvSpPr>
+              <p:nvPr/>
+            </p:nvSpPr>
+            <p:spPr>
+              <a:xfrm>
+                <a:off x="6820066" y="2020111"/>
+                <a:ext cx="304891" cy="438005"/>
+              </a:xfrm>
+              <a:prstGeom prst="rect">
+                <a:avLst/>
+              </a:prstGeom>
+              <a:blipFill rotWithShape="1">
+                <a:blip r:embed="rId4"/>
+                <a:stretch>
+                  <a:fillRect/>
+                </a:stretch>
+              </a:blipFill>
+            </p:spPr>
+            <p:txBody>
+              <a:bodyPr/>
+              <a:lstStyle/>
+              <a:p>
+                <a:r>
+                  <a:rPr lang="it-IT">
+                    <a:noFill/>
+                  </a:rPr>
+                  <a:t> </a:t>
+                </a:r>
+              </a:p>
+            </p:txBody>
+          </p:sp>
+        </mc:Fallback>
+      </mc:AlternateContent>
+      <p:cxnSp>
+        <p:nvCxnSpPr>
+          <p:cNvPr id="51" name="Connettore 2 50"/>
+          <p:cNvCxnSpPr>
+            <a:stCxn id="43" idx="1"/>
+            <a:endCxn id="52" idx="3"/>
+          </p:cNvCxnSpPr>
+          <p:nvPr/>
+        </p:nvCxnSpPr>
+        <p:spPr>
+          <a:xfrm flipH="1">
+            <a:off x="5580112" y="4131192"/>
+            <a:ext cx="1193375" cy="1131263"/>
+          </a:xfrm>
+          <a:prstGeom prst="straightConnector1">
+            <a:avLst/>
+          </a:prstGeom>
+          <a:ln>
+            <a:tailEnd type="arrow"/>
+          </a:ln>
+        </p:spPr>
+        <p:style>
+          <a:lnRef idx="2">
+            <a:schemeClr val="accent1"/>
+          </a:lnRef>
+          <a:fillRef idx="0">
+            <a:schemeClr val="accent1"/>
+          </a:fillRef>
+          <a:effectRef idx="1">
+            <a:schemeClr val="accent1"/>
+          </a:effectRef>
+          <a:fontRef idx="minor">
+            <a:schemeClr val="tx1"/>
+          </a:fontRef>
+        </p:style>
+      </p:cxnSp>
+      <mc:AlternateContent xmlns:mc="http://schemas.openxmlformats.org/markup-compatibility/2006" xmlns:a14="http://schemas.microsoft.com/office/drawing/2010/main">
+        <mc:Choice Requires="a14">
+          <p:sp>
+            <p:nvSpPr>
+              <p:cNvPr id="52" name="Rettangolo arrotondato 51"/>
+              <p:cNvSpPr/>
+              <p:nvPr/>
+            </p:nvSpPr>
+            <p:spPr>
+              <a:xfrm>
+                <a:off x="2483768" y="4437121"/>
+                <a:ext cx="3096344" cy="1650668"/>
+              </a:xfrm>
+              <a:prstGeom prst="roundRect">
+                <a:avLst/>
+              </a:prstGeom>
+              <a:ln/>
+            </p:spPr>
+            <p:style>
+              <a:lnRef idx="2">
+                <a:schemeClr val="accent1">
+                  <a:shade val="50000"/>
+                </a:schemeClr>
+              </a:lnRef>
+              <a:fillRef idx="1">
+                <a:schemeClr val="accent1"/>
+              </a:fillRef>
+              <a:effectRef idx="0">
+                <a:schemeClr val="accent1"/>
+              </a:effectRef>
+              <a:fontRef idx="minor">
+                <a:schemeClr val="lt1"/>
+              </a:fontRef>
+            </p:style>
+            <p:txBody>
+              <a:bodyPr rtlCol="0" anchor="ctr"/>
+              <a:lstStyle/>
+              <a:p>
+                <a:pPr algn="ctr"/>
+                <a:r>
+                  <a:rPr lang="it-IT" i="1" dirty="0" smtClean="0">
+                    <a:latin typeface="Calibri" pitchFamily="34" charset="0"/>
+                    <a:cs typeface="Calibri" pitchFamily="34" charset="0"/>
+                  </a:rPr>
+                  <a:t>P(</a:t>
+                </a:r>
+                <a:r>
+                  <a:rPr lang="it-IT" i="1" dirty="0" err="1" smtClean="0">
+                    <a:latin typeface="Calibri" pitchFamily="34" charset="0"/>
+                    <a:cs typeface="Calibri" pitchFamily="34" charset="0"/>
+                  </a:rPr>
+                  <a:t>x,y</a:t>
+                </a:r>
+                <a:r>
+                  <a:rPr lang="it-IT" i="1" dirty="0" smtClean="0">
+                    <a:latin typeface="Calibri" pitchFamily="34" charset="0"/>
+                    <a:cs typeface="Calibri" pitchFamily="34" charset="0"/>
+                  </a:rPr>
+                  <a:t>) = </a:t>
+                </a:r>
+                <a14:m>
+                  <m:oMath xmlns:m="http://schemas.openxmlformats.org/officeDocument/2006/math">
+                    <m:f>
+                      <m:fPr>
+                        <m:ctrlPr>
+                          <a:rPr lang="it-IT" i="1" smtClean="0">
+                            <a:latin typeface="Cambria Math"/>
+                          </a:rPr>
+                        </m:ctrlPr>
+                      </m:fPr>
+                      <m:num>
+                        <m:r>
+                          <a:rPr lang="it-IT" b="0" i="1" smtClean="0">
+                            <a:latin typeface="Cambria Math"/>
+                          </a:rPr>
+                          <m:t>#</m:t>
+                        </m:r>
+                        <m:r>
+                          <a:rPr lang="it-IT" b="0" i="1" smtClean="0">
+                            <a:latin typeface="Cambria Math"/>
+                          </a:rPr>
+                          <m:t>𝑟𝑒𝑡𝑤𝑒𝑒𝑡</m:t>
+                        </m:r>
+                        <m:r>
+                          <a:rPr lang="it-IT" b="0" i="1" smtClean="0">
+                            <a:latin typeface="Cambria Math"/>
+                          </a:rPr>
+                          <m:t>(</m:t>
+                        </m:r>
+                        <m:r>
+                          <a:rPr lang="it-IT" b="0" i="1" smtClean="0">
+                            <a:latin typeface="Cambria Math"/>
+                          </a:rPr>
+                          <m:t>𝑥</m:t>
+                        </m:r>
+                        <m:r>
+                          <a:rPr lang="it-IT" b="0" i="1" smtClean="0">
+                            <a:latin typeface="Cambria Math"/>
+                          </a:rPr>
+                          <m:t>,</m:t>
+                        </m:r>
+                        <m:r>
+                          <a:rPr lang="it-IT" b="0" i="1" smtClean="0">
+                            <a:latin typeface="Cambria Math"/>
+                          </a:rPr>
+                          <m:t>𝑦</m:t>
+                        </m:r>
+                        <m:r>
+                          <a:rPr lang="it-IT" b="0" i="1" smtClean="0">
+                            <a:latin typeface="Cambria Math"/>
+                          </a:rPr>
+                          <m:t>)</m:t>
+                        </m:r>
+                      </m:num>
+                      <m:den>
+                        <m:r>
+                          <a:rPr lang="it-IT" b="0" i="1" smtClean="0">
+                            <a:latin typeface="Cambria Math"/>
+                          </a:rPr>
+                          <m:t>#</m:t>
+                        </m:r>
+                        <m:r>
+                          <a:rPr lang="it-IT" b="0" i="1" smtClean="0">
+                            <a:latin typeface="Cambria Math"/>
+                          </a:rPr>
+                          <m:t>𝑟𝑒𝑡𝑤𝑒𝑒𝑡</m:t>
+                        </m:r>
+                        <m:r>
+                          <a:rPr lang="it-IT" b="0" i="1" smtClean="0">
+                            <a:latin typeface="Cambria Math"/>
+                          </a:rPr>
+                          <m:t>(</m:t>
+                        </m:r>
+                        <m:r>
+                          <a:rPr lang="it-IT" b="0" i="1" smtClean="0">
+                            <a:latin typeface="Cambria Math"/>
+                          </a:rPr>
+                          <m:t>𝑥</m:t>
+                        </m:r>
+                        <m:r>
+                          <a:rPr lang="it-IT" b="0" i="1" smtClean="0">
+                            <a:latin typeface="Cambria Math"/>
+                          </a:rPr>
+                          <m:t>)</m:t>
+                        </m:r>
+                      </m:den>
+                    </m:f>
+                  </m:oMath>
+                </a14:m>
+                <a:endParaRPr lang="it-IT" i="1" dirty="0">
+                  <a:latin typeface="Calibri" pitchFamily="34" charset="0"/>
+                  <a:cs typeface="Calibri" pitchFamily="34" charset="0"/>
+                </a:endParaRPr>
+              </a:p>
+            </p:txBody>
+          </p:sp>
+        </mc:Choice>
+        <mc:Fallback xmlns="">
+          <p:sp>
+            <p:nvSpPr>
+              <p:cNvPr id="52" name="Rettangolo arrotondato 51"/>
+              <p:cNvSpPr>
+                <a:spLocks noRot="1" noChangeAspect="1" noMove="1" noResize="1" noEditPoints="1" noAdjustHandles="1" noChangeArrowheads="1" noChangeShapeType="1" noTextEdit="1"/>
+              </p:cNvSpPr>
+              <p:nvPr/>
+            </p:nvSpPr>
+            <p:spPr>
+              <a:xfrm>
+                <a:off x="2483768" y="4437121"/>
+                <a:ext cx="3096344" cy="1650668"/>
+              </a:xfrm>
+              <a:prstGeom prst="roundRect">
+                <a:avLst/>
+              </a:prstGeom>
+              <a:blipFill rotWithShape="1">
+                <a:blip r:embed="rId5"/>
+                <a:stretch>
+                  <a:fillRect/>
+                </a:stretch>
+              </a:blipFill>
+              <a:ln/>
+            </p:spPr>
+            <p:txBody>
+              <a:bodyPr/>
+              <a:lstStyle/>
+              <a:p>
+                <a:r>
+                  <a:rPr lang="it-IT">
+                    <a:noFill/>
+                  </a:rPr>
+                  <a:t> </a:t>
+                </a:r>
+              </a:p>
+            </p:txBody>
+          </p:sp>
+        </mc:Fallback>
+      </mc:AlternateContent>
+    </p:spTree>
+    <p:extLst>
+      <p:ext uri="{BB962C8B-B14F-4D97-AF65-F5344CB8AC3E}">
+        <p14:creationId xmlns:p14="http://schemas.microsoft.com/office/powerpoint/2010/main" val="1538744360"/>
+      </p:ext>
+    </p:extLst>
+  </p:cSld>
+  <p:clrMapOvr>
+    <a:masterClrMapping/>
+  </p:clrMapOvr>
+  <p:timing>
+    <p:tnLst>
+      <p:par>
+        <p:cTn id="1" dur="indefinite" restart="never" nodeType="tmRoot"/>
+      </p:par>
+    </p:tnLst>
+  </p:timing>
+</p:sld>
+</file>
+
+<file path=ppt/slides/slide21.xml><?xml version="1.0" encoding="utf-8"?>
+<p:sld xmlns:a="http://schemas.openxmlformats.org/drawingml/2006/main" xmlns:r="http://schemas.openxmlformats.org/officeDocument/2006/relationships" xmlns:p="http://schemas.openxmlformats.org/presentationml/2006/main">
+  <p:cSld>
+    <p:spTree>
+      <p:nvGrpSpPr>
+        <p:cNvPr id="1" name=""/>
+        <p:cNvGrpSpPr/>
+        <p:nvPr/>
+      </p:nvGrpSpPr>
+      <p:grpSpPr>
+        <a:xfrm>
+          <a:off x="0" y="0"/>
+          <a:ext cx="0" cy="0"/>
+          <a:chOff x="0" y="0"/>
+          <a:chExt cx="0" cy="0"/>
+        </a:xfrm>
+      </p:grpSpPr>
+      <p:sp>
+        <p:nvSpPr>
+          <p:cNvPr id="5" name="Title 3">
+            <a:extLst>
+              <a:ext uri="{FF2B5EF4-FFF2-40B4-BE49-F238E27FC236}">
+                <a16:creationId xmlns="" xmlns:a16="http://schemas.microsoft.com/office/drawing/2014/main" id="{D5B2E943-4D76-47C0-AFF3-70EEC7B728A0}"/>
+              </a:ext>
+            </a:extLst>
+          </p:cNvPr>
+          <p:cNvSpPr>
+            <a:spLocks noGrp="1"/>
+          </p:cNvSpPr>
+          <p:nvPr>
+            <p:ph type="title"/>
+          </p:nvPr>
+        </p:nvSpPr>
+        <p:spPr>
+          <a:xfrm>
+            <a:off x="0" y="271254"/>
+            <a:ext cx="9144000" cy="1069514"/>
+          </a:xfrm>
+        </p:spPr>
+        <p:txBody>
+          <a:bodyPr>
+            <a:scene3d>
+              <a:camera prst="orthographicFront"/>
+              <a:lightRig rig="threePt" dir="t"/>
+            </a:scene3d>
+            <a:sp3d extrusionH="57150">
+              <a:bevelT w="82550" h="38100" prst="coolSlant"/>
+            </a:sp3d>
+          </a:bodyPr>
+          <a:lstStyle/>
+          <a:p>
+            <a:pPr algn="ctr"/>
+            <a:r>
+              <a:rPr lang="en-US" altLang="ko-KR" dirty="0">
+                <a:solidFill>
+                  <a:schemeClr val="accent5">
+                    <a:lumMod val="75000"/>
+                  </a:schemeClr>
+                </a:solidFill>
+              </a:rPr>
+              <a:t>3</a:t>
+            </a:r>
+            <a:r>
+              <a:rPr lang="en-US" altLang="ko-KR" dirty="0" smtClean="0">
+                <a:solidFill>
+                  <a:schemeClr val="accent5">
+                    <a:lumMod val="75000"/>
+                  </a:schemeClr>
+                </a:solidFill>
+              </a:rPr>
+              <a:t> – </a:t>
+            </a:r>
+            <a:r>
+              <a:rPr lang="en-US" altLang="ko-KR" dirty="0" err="1" smtClean="0">
+                <a:solidFill>
+                  <a:schemeClr val="accent5">
+                    <a:lumMod val="75000"/>
+                  </a:schemeClr>
+                </a:solidFill>
+              </a:rPr>
+              <a:t>Individuazione</a:t>
+            </a:r>
+            <a:r>
+              <a:rPr lang="en-US" altLang="ko-KR" dirty="0">
+                <a:solidFill>
+                  <a:schemeClr val="accent5">
+                    <a:lumMod val="75000"/>
+                  </a:schemeClr>
+                </a:solidFill>
+              </a:rPr>
+              <a:t> </a:t>
+            </a:r>
+            <a:r>
+              <a:rPr lang="en-US" altLang="ko-KR" dirty="0" smtClean="0">
+                <a:solidFill>
+                  <a:schemeClr val="accent5">
+                    <a:lumMod val="75000"/>
+                  </a:schemeClr>
+                </a:solidFill>
+              </a:rPr>
+              <a:t/>
+            </a:r>
+            <a:br>
+              <a:rPr lang="en-US" altLang="ko-KR" dirty="0" smtClean="0">
+                <a:solidFill>
+                  <a:schemeClr val="accent5">
+                    <a:lumMod val="75000"/>
+                  </a:schemeClr>
+                </a:solidFill>
+              </a:rPr>
+            </a:br>
+            <a:r>
+              <a:rPr lang="en-US" altLang="ko-KR" dirty="0" smtClean="0">
+                <a:solidFill>
+                  <a:schemeClr val="accent5">
+                    <a:lumMod val="75000"/>
+                  </a:schemeClr>
+                </a:solidFill>
+              </a:rPr>
+              <a:t>echo-chambers</a:t>
+            </a:r>
+            <a:endParaRPr lang="ko-KR" altLang="en-US" dirty="0">
+              <a:solidFill>
+                <a:schemeClr val="accent5">
+                  <a:lumMod val="75000"/>
+                </a:schemeClr>
+              </a:solidFill>
+            </a:endParaRPr>
+          </a:p>
+        </p:txBody>
+      </p:sp>
+      <mc:AlternateContent xmlns:mc="http://schemas.openxmlformats.org/markup-compatibility/2006" xmlns:a14="http://schemas.microsoft.com/office/drawing/2010/main">
+        <mc:Choice Requires="a14">
+          <p:sp>
+            <p:nvSpPr>
+              <p:cNvPr id="3" name="Rettangolo 2">
+                <a:extLst>
+                  <a:ext uri="{FF2B5EF4-FFF2-40B4-BE49-F238E27FC236}">
+                    <a16:creationId xmlns="" xmlns:a16="http://schemas.microsoft.com/office/drawing/2014/main" id="{E905DEB8-2BFA-41BE-9967-84ECE44648DF}"/>
+                  </a:ext>
+                </a:extLst>
+              </p:cNvPr>
+              <p:cNvSpPr/>
+              <p:nvPr/>
+            </p:nvSpPr>
+            <p:spPr>
+              <a:xfrm>
+                <a:off x="1619672" y="1912764"/>
+                <a:ext cx="7524328" cy="4219553"/>
+              </a:xfrm>
+              <a:prstGeom prst="rect">
+                <a:avLst/>
+              </a:prstGeom>
+            </p:spPr>
+            <p:txBody>
+              <a:bodyPr wrap="square">
+                <a:spAutoFit/>
+              </a:bodyPr>
+              <a:lstStyle/>
+              <a:p>
+                <a:pPr marL="285750" indent="-285750">
+                  <a:buFont typeface="Arial" panose="020B0604020202020204" pitchFamily="34" charset="0"/>
+                  <a:buChar char="•"/>
+                </a:pPr>
+                <a:r>
+                  <a:rPr lang="it-IT" dirty="0" smtClean="0">
+                    <a:latin typeface="Calibri" panose="020F0502020204030204" pitchFamily="34" charset="0"/>
+                    <a:cs typeface="Calibri" panose="020F0502020204030204" pitchFamily="34" charset="0"/>
+                    <a:sym typeface="Wingdings" panose="05000000000000000000" pitchFamily="2" charset="2"/>
+                  </a:rPr>
+                  <a:t>Implementazione dell’algoritmo di </a:t>
+                </a:r>
+                <a:r>
+                  <a:rPr lang="it-IT" b="1" i="1" dirty="0" err="1" smtClean="0">
+                    <a:solidFill>
+                      <a:srgbClr val="C00000"/>
+                    </a:solidFill>
+                    <a:latin typeface="Calibri" panose="020F0502020204030204" pitchFamily="34" charset="0"/>
+                    <a:cs typeface="Calibri" panose="020F0502020204030204" pitchFamily="34" charset="0"/>
+                    <a:sym typeface="Wingdings" panose="05000000000000000000" pitchFamily="2" charset="2"/>
+                  </a:rPr>
+                  <a:t>Girvan</a:t>
+                </a:r>
+                <a:r>
+                  <a:rPr lang="it-IT" b="1" i="1" dirty="0" smtClean="0">
+                    <a:solidFill>
+                      <a:srgbClr val="C00000"/>
+                    </a:solidFill>
+                    <a:latin typeface="Calibri" panose="020F0502020204030204" pitchFamily="34" charset="0"/>
+                    <a:cs typeface="Calibri" panose="020F0502020204030204" pitchFamily="34" charset="0"/>
+                    <a:sym typeface="Wingdings" panose="05000000000000000000" pitchFamily="2" charset="2"/>
+                  </a:rPr>
+                  <a:t>-Newman</a:t>
+                </a:r>
+                <a:r>
+                  <a:rPr lang="it-IT" b="1" i="1" dirty="0" smtClean="0">
+                    <a:latin typeface="Calibri" panose="020F0502020204030204" pitchFamily="34" charset="0"/>
+                    <a:cs typeface="Calibri" panose="020F0502020204030204" pitchFamily="34" charset="0"/>
+                    <a:sym typeface="Wingdings" panose="05000000000000000000" pitchFamily="2" charset="2"/>
+                  </a:rPr>
+                  <a:t>.</a:t>
+                </a:r>
+              </a:p>
+              <a:p>
+                <a:endParaRPr lang="it-IT" b="1" i="1" dirty="0">
+                  <a:latin typeface="Calibri" panose="020F0502020204030204" pitchFamily="34" charset="0"/>
+                  <a:cs typeface="Calibri" panose="020F0502020204030204" pitchFamily="34" charset="0"/>
+                  <a:sym typeface="Wingdings" panose="05000000000000000000" pitchFamily="2" charset="2"/>
+                </a:endParaRPr>
+              </a:p>
+              <a:p>
+                <a:pPr marL="285750" indent="-285750">
+                  <a:buFont typeface="Arial" panose="020B0604020202020204" pitchFamily="34" charset="0"/>
+                  <a:buChar char="•"/>
+                </a:pPr>
+                <a:r>
+                  <a:rPr lang="it-IT" dirty="0" smtClean="0">
+                    <a:latin typeface="Calibri" panose="020F0502020204030204" pitchFamily="34" charset="0"/>
+                    <a:cs typeface="Calibri" panose="020F0502020204030204" pitchFamily="34" charset="0"/>
+                    <a:sym typeface="Wingdings" panose="05000000000000000000" pitchFamily="2" charset="2"/>
+                  </a:rPr>
+                  <a:t>Rimozione progressiva degli archi dal grafo originario.</a:t>
+                </a:r>
+              </a:p>
+              <a:p>
+                <a:endParaRPr lang="it-IT" dirty="0">
+                  <a:latin typeface="Calibri" panose="020F0502020204030204" pitchFamily="34" charset="0"/>
+                  <a:cs typeface="Calibri" panose="020F0502020204030204" pitchFamily="34" charset="0"/>
+                  <a:sym typeface="Wingdings" panose="05000000000000000000" pitchFamily="2" charset="2"/>
+                </a:endParaRPr>
+              </a:p>
+              <a:p>
+                <a:pPr marL="285750" indent="-285750">
+                  <a:buFont typeface="Arial" panose="020B0604020202020204" pitchFamily="34" charset="0"/>
+                  <a:buChar char="•"/>
+                </a:pPr>
+                <a:r>
+                  <a:rPr lang="it-IT" dirty="0" smtClean="0">
+                    <a:latin typeface="Calibri" panose="020F0502020204030204" pitchFamily="34" charset="0"/>
+                    <a:cs typeface="Calibri" panose="020F0502020204030204" pitchFamily="34" charset="0"/>
+                    <a:sym typeface="Wingdings" panose="05000000000000000000" pitchFamily="2" charset="2"/>
+                  </a:rPr>
+                  <a:t>Esecuzione arrestata quando vengono individuate due comunità</a:t>
+                </a:r>
+              </a:p>
+              <a:p>
+                <a:r>
+                  <a:rPr lang="it-IT" dirty="0">
+                    <a:latin typeface="Calibri" panose="020F0502020204030204" pitchFamily="34" charset="0"/>
+                    <a:cs typeface="Calibri" panose="020F0502020204030204" pitchFamily="34" charset="0"/>
+                    <a:sym typeface="Wingdings" panose="05000000000000000000" pitchFamily="2" charset="2"/>
+                  </a:rPr>
+                  <a:t> </a:t>
+                </a:r>
+                <a:r>
+                  <a:rPr lang="it-IT" dirty="0" smtClean="0">
+                    <a:latin typeface="Calibri" panose="020F0502020204030204" pitchFamily="34" charset="0"/>
+                    <a:cs typeface="Calibri" panose="020F0502020204030204" pitchFamily="34" charset="0"/>
+                    <a:sym typeface="Wingdings" panose="05000000000000000000" pitchFamily="2" charset="2"/>
+                  </a:rPr>
+                  <a:t>    distinte che non comunicano, tali che </a:t>
+                </a:r>
+                <a14:m>
+                  <m:oMath xmlns:m="http://schemas.openxmlformats.org/officeDocument/2006/math">
+                    <m:r>
+                      <a:rPr lang="it-IT" b="0" i="1" smtClean="0">
+                        <a:latin typeface="Cambria Math"/>
+                        <a:ea typeface="Cambria Math"/>
+                        <a:cs typeface="Calibri" panose="020F0502020204030204" pitchFamily="34" charset="0"/>
+                        <a:sym typeface="Wingdings" panose="05000000000000000000" pitchFamily="2" charset="2"/>
+                      </a:rPr>
+                      <m:t>𝑋</m:t>
+                    </m:r>
+                    <m:r>
+                      <a:rPr lang="it-IT" b="0" i="1" smtClean="0">
+                        <a:latin typeface="Cambria Math"/>
+                        <a:ea typeface="Cambria Math"/>
+                        <a:cs typeface="Calibri" panose="020F0502020204030204" pitchFamily="34" charset="0"/>
+                        <a:sym typeface="Wingdings" panose="05000000000000000000" pitchFamily="2" charset="2"/>
+                      </a:rPr>
+                      <m:t>⋃</m:t>
+                    </m:r>
+                    <m:r>
+                      <a:rPr lang="it-IT" b="0" i="1" smtClean="0">
+                        <a:latin typeface="Cambria Math"/>
+                        <a:ea typeface="Cambria Math"/>
+                        <a:cs typeface="Calibri" panose="020F0502020204030204" pitchFamily="34" charset="0"/>
+                        <a:sym typeface="Wingdings" panose="05000000000000000000" pitchFamily="2" charset="2"/>
+                      </a:rPr>
+                      <m:t>𝑌</m:t>
+                    </m:r>
+                    <m:r>
+                      <a:rPr lang="it-IT" b="0" i="1" smtClean="0">
+                        <a:latin typeface="Cambria Math"/>
+                        <a:ea typeface="Cambria Math"/>
+                        <a:cs typeface="Calibri" panose="020F0502020204030204" pitchFamily="34" charset="0"/>
+                        <a:sym typeface="Wingdings" panose="05000000000000000000" pitchFamily="2" charset="2"/>
+                      </a:rPr>
+                      <m:t>=</m:t>
+                    </m:r>
+                    <m:r>
+                      <a:rPr lang="it-IT" b="0" i="1" smtClean="0">
+                        <a:latin typeface="Cambria Math"/>
+                        <a:ea typeface="Cambria Math"/>
+                        <a:cs typeface="Calibri" panose="020F0502020204030204" pitchFamily="34" charset="0"/>
+                        <a:sym typeface="Wingdings" panose="05000000000000000000" pitchFamily="2" charset="2"/>
+                      </a:rPr>
+                      <m:t>𝑉</m:t>
+                    </m:r>
+                  </m:oMath>
+                </a14:m>
+                <a:r>
+                  <a:rPr lang="it-IT" i="1" dirty="0" smtClean="0">
+                    <a:latin typeface="Calibri" panose="020F0502020204030204" pitchFamily="34" charset="0"/>
+                    <a:cs typeface="Calibri" panose="020F0502020204030204" pitchFamily="34" charset="0"/>
+                    <a:sym typeface="Wingdings" panose="05000000000000000000" pitchFamily="2" charset="2"/>
+                  </a:rPr>
+                  <a:t>, </a:t>
+                </a:r>
+                <a14:m>
+                  <m:oMath xmlns:m="http://schemas.openxmlformats.org/officeDocument/2006/math">
+                    <m:r>
+                      <a:rPr lang="it-IT" b="0" i="1" smtClean="0">
+                        <a:latin typeface="Cambria Math"/>
+                        <a:ea typeface="Cambria Math"/>
+                        <a:cs typeface="Calibri" panose="020F0502020204030204" pitchFamily="34" charset="0"/>
+                        <a:sym typeface="Wingdings" panose="05000000000000000000" pitchFamily="2" charset="2"/>
+                      </a:rPr>
+                      <m:t>𝑋</m:t>
+                    </m:r>
+                    <m:r>
+                      <a:rPr lang="it-IT" b="0" i="1" smtClean="0">
+                        <a:latin typeface="Cambria Math"/>
+                        <a:ea typeface="Cambria Math"/>
+                        <a:cs typeface="Calibri" panose="020F0502020204030204" pitchFamily="34" charset="0"/>
+                        <a:sym typeface="Wingdings" panose="05000000000000000000" pitchFamily="2" charset="2"/>
+                      </a:rPr>
+                      <m:t>⋂</m:t>
+                    </m:r>
+                    <m:r>
+                      <a:rPr lang="it-IT" b="0" i="1" smtClean="0">
+                        <a:latin typeface="Cambria Math"/>
+                        <a:ea typeface="Cambria Math"/>
+                        <a:cs typeface="Calibri" panose="020F0502020204030204" pitchFamily="34" charset="0"/>
+                        <a:sym typeface="Wingdings" panose="05000000000000000000" pitchFamily="2" charset="2"/>
+                      </a:rPr>
+                      <m:t>𝑌</m:t>
+                    </m:r>
+                    <m:r>
+                      <a:rPr lang="it-IT" b="0" i="1" smtClean="0">
+                        <a:latin typeface="Cambria Math"/>
+                        <a:ea typeface="Cambria Math"/>
+                        <a:cs typeface="Calibri" panose="020F0502020204030204" pitchFamily="34" charset="0"/>
+                        <a:sym typeface="Wingdings" panose="05000000000000000000" pitchFamily="2" charset="2"/>
+                      </a:rPr>
+                      <m:t>= ∅</m:t>
+                    </m:r>
+                  </m:oMath>
+                </a14:m>
+                <a:r>
+                  <a:rPr lang="it-IT" dirty="0" smtClean="0">
+                    <a:latin typeface="Calibri" panose="020F0502020204030204" pitchFamily="34" charset="0"/>
+                    <a:cs typeface="Calibri" panose="020F0502020204030204" pitchFamily="34" charset="0"/>
+                    <a:sym typeface="Wingdings" panose="05000000000000000000" pitchFamily="2" charset="2"/>
+                  </a:rPr>
+                  <a:t>.</a:t>
+                </a:r>
+              </a:p>
+              <a:p>
+                <a:endParaRPr lang="it-IT" dirty="0" smtClean="0">
+                  <a:latin typeface="Calibri" panose="020F0502020204030204" pitchFamily="34" charset="0"/>
+                  <a:cs typeface="Calibri" panose="020F0502020204030204" pitchFamily="34" charset="0"/>
+                  <a:sym typeface="Wingdings" panose="05000000000000000000" pitchFamily="2" charset="2"/>
+                </a:endParaRPr>
+              </a:p>
+              <a:p>
+                <a:pPr marL="285750" indent="-285750">
+                  <a:buFont typeface="Arial" panose="020B0604020202020204" pitchFamily="34" charset="0"/>
+                  <a:buChar char="•"/>
+                </a:pPr>
+                <a:r>
+                  <a:rPr lang="it-IT" dirty="0" smtClean="0">
+                    <a:latin typeface="Calibri" panose="020F0502020204030204" pitchFamily="34" charset="0"/>
+                    <a:cs typeface="Calibri" panose="020F0502020204030204" pitchFamily="34" charset="0"/>
+                    <a:sym typeface="Wingdings" panose="05000000000000000000" pitchFamily="2" charset="2"/>
+                  </a:rPr>
+                  <a:t>La metrica utilizzata per identificare l’arco da rimuovere ad ogni passo</a:t>
+                </a:r>
+              </a:p>
+              <a:p>
+                <a:r>
+                  <a:rPr lang="it-IT" dirty="0">
+                    <a:latin typeface="Calibri" panose="020F0502020204030204" pitchFamily="34" charset="0"/>
+                    <a:cs typeface="Calibri" panose="020F0502020204030204" pitchFamily="34" charset="0"/>
+                    <a:sym typeface="Wingdings" panose="05000000000000000000" pitchFamily="2" charset="2"/>
+                  </a:rPr>
+                  <a:t> </a:t>
+                </a:r>
+                <a:r>
+                  <a:rPr lang="it-IT" dirty="0" smtClean="0">
+                    <a:latin typeface="Calibri" panose="020F0502020204030204" pitchFamily="34" charset="0"/>
+                    <a:cs typeface="Calibri" panose="020F0502020204030204" pitchFamily="34" charset="0"/>
+                    <a:sym typeface="Wingdings" panose="05000000000000000000" pitchFamily="2" charset="2"/>
+                  </a:rPr>
+                  <a:t>     è la </a:t>
+                </a:r>
+                <a:r>
+                  <a:rPr lang="it-IT" b="1" i="1" dirty="0" err="1" smtClean="0">
+                    <a:solidFill>
+                      <a:srgbClr val="00B050"/>
+                    </a:solidFill>
+                    <a:latin typeface="Calibri" panose="020F0502020204030204" pitchFamily="34" charset="0"/>
+                    <a:cs typeface="Calibri" panose="020F0502020204030204" pitchFamily="34" charset="0"/>
+                    <a:sym typeface="Wingdings" panose="05000000000000000000" pitchFamily="2" charset="2"/>
+                  </a:rPr>
+                  <a:t>edge-betweenness</a:t>
+                </a:r>
+                <a:r>
+                  <a:rPr lang="it-IT" b="1" i="1" dirty="0" smtClean="0">
+                    <a:solidFill>
+                      <a:srgbClr val="00B050"/>
+                    </a:solidFill>
+                    <a:latin typeface="Calibri" panose="020F0502020204030204" pitchFamily="34" charset="0"/>
+                    <a:cs typeface="Calibri" panose="020F0502020204030204" pitchFamily="34" charset="0"/>
+                    <a:sym typeface="Wingdings" panose="05000000000000000000" pitchFamily="2" charset="2"/>
+                  </a:rPr>
+                  <a:t> </a:t>
+                </a:r>
+                <a:r>
+                  <a:rPr lang="it-IT" b="1" i="1" dirty="0" err="1" smtClean="0">
+                    <a:solidFill>
+                      <a:srgbClr val="00B050"/>
+                    </a:solidFill>
+                    <a:latin typeface="Calibri" panose="020F0502020204030204" pitchFamily="34" charset="0"/>
+                    <a:cs typeface="Calibri" panose="020F0502020204030204" pitchFamily="34" charset="0"/>
+                    <a:sym typeface="Wingdings" panose="05000000000000000000" pitchFamily="2" charset="2"/>
+                  </a:rPr>
+                  <a:t>centrality</a:t>
+                </a:r>
+                <a:r>
+                  <a:rPr lang="it-IT" dirty="0" smtClean="0">
+                    <a:latin typeface="Calibri" panose="020F0502020204030204" pitchFamily="34" charset="0"/>
+                    <a:cs typeface="Calibri" panose="020F0502020204030204" pitchFamily="34" charset="0"/>
+                    <a:sym typeface="Wingdings" panose="05000000000000000000" pitchFamily="2" charset="2"/>
+                  </a:rPr>
+                  <a:t>. Dato un arco </a:t>
+                </a:r>
+                <a:r>
+                  <a:rPr lang="it-IT" b="1" i="1" dirty="0" smtClean="0">
+                    <a:latin typeface="Calibri" panose="020F0502020204030204" pitchFamily="34" charset="0"/>
+                    <a:cs typeface="Calibri" panose="020F0502020204030204" pitchFamily="34" charset="0"/>
+                    <a:sym typeface="Wingdings" panose="05000000000000000000" pitchFamily="2" charset="2"/>
+                  </a:rPr>
+                  <a:t>e:</a:t>
+                </a:r>
+              </a:p>
+              <a:p>
+                <a:endParaRPr lang="it-IT" b="1" i="1" dirty="0">
+                  <a:latin typeface="Calibri" panose="020F0502020204030204" pitchFamily="34" charset="0"/>
+                  <a:cs typeface="Calibri" panose="020F0502020204030204" pitchFamily="34" charset="0"/>
+                  <a:sym typeface="Wingdings" panose="05000000000000000000" pitchFamily="2" charset="2"/>
+                </a:endParaRPr>
+              </a:p>
+              <a:p>
+                <a:pPr algn="ctr"/>
+                <a14:m>
+                  <m:oMathPara xmlns:m="http://schemas.openxmlformats.org/officeDocument/2006/math">
+                    <m:oMathParaPr>
+                      <m:jc m:val="centerGroup"/>
+                    </m:oMathParaPr>
+                    <m:oMath xmlns:m="http://schemas.openxmlformats.org/officeDocument/2006/math">
+                      <m:r>
+                        <a:rPr lang="it-IT" b="0" i="1" smtClean="0">
+                          <a:solidFill>
+                            <a:schemeClr val="tx1"/>
+                          </a:solidFill>
+                          <a:latin typeface="Cambria Math"/>
+                          <a:cs typeface="Calibri" panose="020F0502020204030204" pitchFamily="34" charset="0"/>
+                          <a:sym typeface="Wingdings" panose="05000000000000000000" pitchFamily="2" charset="2"/>
+                        </a:rPr>
+                        <m:t>𝑏</m:t>
+                      </m:r>
+                      <m:d>
+                        <m:dPr>
+                          <m:ctrlPr>
+                            <a:rPr lang="it-IT" b="0" i="1" smtClean="0">
+                              <a:solidFill>
+                                <a:schemeClr val="tx1"/>
+                              </a:solidFill>
+                              <a:latin typeface="Cambria Math"/>
+                              <a:cs typeface="Calibri" panose="020F0502020204030204" pitchFamily="34" charset="0"/>
+                              <a:sym typeface="Wingdings" panose="05000000000000000000" pitchFamily="2" charset="2"/>
+                            </a:rPr>
+                          </m:ctrlPr>
+                        </m:dPr>
+                        <m:e>
+                          <m:r>
+                            <a:rPr lang="it-IT" b="0" i="1" smtClean="0">
+                              <a:solidFill>
+                                <a:schemeClr val="tx1"/>
+                              </a:solidFill>
+                              <a:latin typeface="Cambria Math"/>
+                              <a:cs typeface="Calibri" panose="020F0502020204030204" pitchFamily="34" charset="0"/>
+                              <a:sym typeface="Wingdings" panose="05000000000000000000" pitchFamily="2" charset="2"/>
+                            </a:rPr>
+                            <m:t>𝑒</m:t>
+                          </m:r>
+                        </m:e>
+                      </m:d>
+                      <m:r>
+                        <a:rPr lang="it-IT" b="0" i="1" smtClean="0">
+                          <a:solidFill>
+                            <a:schemeClr val="tx1"/>
+                          </a:solidFill>
+                          <a:latin typeface="Cambria Math"/>
+                          <a:cs typeface="Calibri" panose="020F0502020204030204" pitchFamily="34" charset="0"/>
+                          <a:sym typeface="Wingdings" panose="05000000000000000000" pitchFamily="2" charset="2"/>
+                        </a:rPr>
+                        <m:t>=</m:t>
+                      </m:r>
+                      <m:nary>
+                        <m:naryPr>
+                          <m:chr m:val="∑"/>
+                          <m:ctrlPr>
+                            <a:rPr lang="pt-BR" b="0" i="1" smtClean="0">
+                              <a:solidFill>
+                                <a:schemeClr val="tx1"/>
+                              </a:solidFill>
+                              <a:latin typeface="Cambria Math"/>
+                              <a:cs typeface="Calibri" panose="020F0502020204030204" pitchFamily="34" charset="0"/>
+                              <a:sym typeface="Wingdings" panose="05000000000000000000" pitchFamily="2" charset="2"/>
+                            </a:rPr>
+                          </m:ctrlPr>
+                        </m:naryPr>
+                        <m:sub>
+                          <m:r>
+                            <m:rPr>
+                              <m:brk m:alnAt="23"/>
+                            </m:rPr>
+                            <a:rPr lang="it-IT" b="0" i="1" smtClean="0">
+                              <a:solidFill>
+                                <a:schemeClr val="tx1"/>
+                              </a:solidFill>
+                              <a:latin typeface="Cambria Math"/>
+                              <a:cs typeface="Calibri" panose="020F0502020204030204" pitchFamily="34" charset="0"/>
+                              <a:sym typeface="Wingdings" panose="05000000000000000000" pitchFamily="2" charset="2"/>
+                            </a:rPr>
+                            <m:t>𝑠</m:t>
+                          </m:r>
+                          <m:r>
+                            <a:rPr lang="it-IT" b="0" i="1" smtClean="0">
+                              <a:solidFill>
+                                <a:schemeClr val="tx1"/>
+                              </a:solidFill>
+                              <a:latin typeface="Cambria Math"/>
+                              <a:ea typeface="Cambria Math"/>
+                              <a:cs typeface="Calibri" panose="020F0502020204030204" pitchFamily="34" charset="0"/>
+                              <a:sym typeface="Wingdings" panose="05000000000000000000" pitchFamily="2" charset="2"/>
+                            </a:rPr>
+                            <m:t>≠</m:t>
+                          </m:r>
+                          <m:r>
+                            <a:rPr lang="it-IT" b="0" i="1" smtClean="0">
+                              <a:solidFill>
+                                <a:schemeClr val="tx1"/>
+                              </a:solidFill>
+                              <a:latin typeface="Cambria Math"/>
+                              <a:ea typeface="Cambria Math"/>
+                              <a:cs typeface="Calibri" panose="020F0502020204030204" pitchFamily="34" charset="0"/>
+                              <a:sym typeface="Wingdings" panose="05000000000000000000" pitchFamily="2" charset="2"/>
+                            </a:rPr>
+                            <m:t>𝑡</m:t>
+                          </m:r>
+                        </m:sub>
+                        <m:sup/>
+                        <m:e>
+                          <m:d>
+                            <m:dPr>
+                              <m:ctrlPr>
+                                <a:rPr lang="pt-BR" b="0" i="1" smtClean="0">
+                                  <a:solidFill>
+                                    <a:schemeClr val="tx1"/>
+                                  </a:solidFill>
+                                  <a:latin typeface="Cambria Math"/>
+                                  <a:cs typeface="Calibri" panose="020F0502020204030204" pitchFamily="34" charset="0"/>
+                                  <a:sym typeface="Wingdings" panose="05000000000000000000" pitchFamily="2" charset="2"/>
+                                </a:rPr>
+                              </m:ctrlPr>
+                            </m:dPr>
+                            <m:e>
+                              <m:f>
+                                <m:fPr>
+                                  <m:ctrlPr>
+                                    <a:rPr lang="pt-BR" b="0" i="1" smtClean="0">
+                                      <a:solidFill>
+                                        <a:schemeClr val="tx1"/>
+                                      </a:solidFill>
+                                      <a:latin typeface="Cambria Math"/>
+                                      <a:cs typeface="Calibri" panose="020F0502020204030204" pitchFamily="34" charset="0"/>
+                                      <a:sym typeface="Wingdings" panose="05000000000000000000" pitchFamily="2" charset="2"/>
+                                    </a:rPr>
+                                  </m:ctrlPr>
+                                </m:fPr>
+                                <m:num>
+                                  <m:sSub>
+                                    <m:sSubPr>
+                                      <m:ctrlPr>
+                                        <a:rPr lang="pt-BR" b="0" i="1" smtClean="0">
+                                          <a:solidFill>
+                                            <a:schemeClr val="tx1"/>
+                                          </a:solidFill>
+                                          <a:latin typeface="Cambria Math"/>
+                                          <a:ea typeface="Cambria Math"/>
+                                          <a:cs typeface="Calibri" panose="020F0502020204030204" pitchFamily="34" charset="0"/>
+                                          <a:sym typeface="Wingdings" panose="05000000000000000000" pitchFamily="2" charset="2"/>
+                                        </a:rPr>
+                                      </m:ctrlPr>
+                                    </m:sSubPr>
+                                    <m:e>
+                                      <m:r>
+                                        <a:rPr lang="pt-BR" b="0" i="1" smtClean="0">
+                                          <a:solidFill>
+                                            <a:schemeClr val="tx1"/>
+                                          </a:solidFill>
+                                          <a:latin typeface="Cambria Math"/>
+                                          <a:ea typeface="Cambria Math"/>
+                                          <a:cs typeface="Calibri" panose="020F0502020204030204" pitchFamily="34" charset="0"/>
+                                          <a:sym typeface="Wingdings" panose="05000000000000000000" pitchFamily="2" charset="2"/>
+                                        </a:rPr>
+                                        <m:t>𝜎</m:t>
+                                      </m:r>
+                                    </m:e>
+                                    <m:sub>
+                                      <m:r>
+                                        <a:rPr lang="it-IT" b="0" i="1" smtClean="0">
+                                          <a:solidFill>
+                                            <a:schemeClr val="tx1"/>
+                                          </a:solidFill>
+                                          <a:latin typeface="Cambria Math"/>
+                                          <a:ea typeface="Cambria Math"/>
+                                          <a:cs typeface="Calibri" panose="020F0502020204030204" pitchFamily="34" charset="0"/>
+                                          <a:sym typeface="Wingdings" panose="05000000000000000000" pitchFamily="2" charset="2"/>
+                                        </a:rPr>
+                                        <m:t>𝑠𝑡</m:t>
+                                      </m:r>
+                                    </m:sub>
+                                  </m:sSub>
+                                  <m:r>
+                                    <a:rPr lang="it-IT" b="0" i="1" smtClean="0">
+                                      <a:solidFill>
+                                        <a:schemeClr val="tx1"/>
+                                      </a:solidFill>
+                                      <a:latin typeface="Cambria Math"/>
+                                      <a:ea typeface="Cambria Math"/>
+                                      <a:cs typeface="Calibri" panose="020F0502020204030204" pitchFamily="34" charset="0"/>
+                                      <a:sym typeface="Wingdings" panose="05000000000000000000" pitchFamily="2" charset="2"/>
+                                    </a:rPr>
+                                    <m:t>(</m:t>
+                                  </m:r>
+                                  <m:r>
+                                    <a:rPr lang="it-IT" b="0" i="1" smtClean="0">
+                                      <a:solidFill>
+                                        <a:schemeClr val="tx1"/>
+                                      </a:solidFill>
+                                      <a:latin typeface="Cambria Math"/>
+                                      <a:ea typeface="Cambria Math"/>
+                                      <a:cs typeface="Calibri" panose="020F0502020204030204" pitchFamily="34" charset="0"/>
+                                      <a:sym typeface="Wingdings" panose="05000000000000000000" pitchFamily="2" charset="2"/>
+                                    </a:rPr>
+                                    <m:t>𝑒</m:t>
+                                  </m:r>
+                                  <m:r>
+                                    <a:rPr lang="it-IT" b="0" i="1" smtClean="0">
+                                      <a:solidFill>
+                                        <a:schemeClr val="tx1"/>
+                                      </a:solidFill>
+                                      <a:latin typeface="Cambria Math"/>
+                                      <a:ea typeface="Cambria Math"/>
+                                      <a:cs typeface="Calibri" panose="020F0502020204030204" pitchFamily="34" charset="0"/>
+                                      <a:sym typeface="Wingdings" panose="05000000000000000000" pitchFamily="2" charset="2"/>
+                                    </a:rPr>
+                                    <m:t>)</m:t>
+                                  </m:r>
+                                </m:num>
+                                <m:den>
+                                  <m:sSub>
+                                    <m:sSubPr>
+                                      <m:ctrlPr>
+                                        <a:rPr lang="pt-BR" b="0" i="1" smtClean="0">
+                                          <a:solidFill>
+                                            <a:schemeClr val="tx1"/>
+                                          </a:solidFill>
+                                          <a:latin typeface="Cambria Math"/>
+                                          <a:cs typeface="Calibri" panose="020F0502020204030204" pitchFamily="34" charset="0"/>
+                                          <a:sym typeface="Wingdings" panose="05000000000000000000" pitchFamily="2" charset="2"/>
+                                        </a:rPr>
+                                      </m:ctrlPr>
+                                    </m:sSubPr>
+                                    <m:e>
+                                      <m:r>
+                                        <a:rPr lang="pt-BR" b="0" i="1" smtClean="0">
+                                          <a:solidFill>
+                                            <a:schemeClr val="tx1"/>
+                                          </a:solidFill>
+                                          <a:latin typeface="Cambria Math"/>
+                                          <a:ea typeface="Cambria Math"/>
+                                          <a:cs typeface="Calibri" panose="020F0502020204030204" pitchFamily="34" charset="0"/>
+                                          <a:sym typeface="Wingdings" panose="05000000000000000000" pitchFamily="2" charset="2"/>
+                                        </a:rPr>
+                                        <m:t>𝜎</m:t>
+                                      </m:r>
+                                    </m:e>
+                                    <m:sub>
+                                      <m:r>
+                                        <a:rPr lang="it-IT" b="0" i="1" smtClean="0">
+                                          <a:solidFill>
+                                            <a:schemeClr val="tx1"/>
+                                          </a:solidFill>
+                                          <a:latin typeface="Cambria Math"/>
+                                          <a:cs typeface="Calibri" panose="020F0502020204030204" pitchFamily="34" charset="0"/>
+                                          <a:sym typeface="Wingdings" panose="05000000000000000000" pitchFamily="2" charset="2"/>
+                                        </a:rPr>
+                                        <m:t>𝑠𝑡</m:t>
+                                      </m:r>
+                                    </m:sub>
+                                  </m:sSub>
+                                </m:den>
+                              </m:f>
+                            </m:e>
+                          </m:d>
+                        </m:e>
+                      </m:nary>
+                    </m:oMath>
+                  </m:oMathPara>
+                </a14:m>
+                <a:endParaRPr lang="it-IT" dirty="0" smtClean="0">
+                  <a:solidFill>
+                    <a:schemeClr val="tx1"/>
+                  </a:solidFill>
+                  <a:latin typeface="Calibri" panose="020F0502020204030204" pitchFamily="34" charset="0"/>
+                  <a:cs typeface="Calibri" panose="020F0502020204030204" pitchFamily="34" charset="0"/>
+                  <a:sym typeface="Wingdings" panose="05000000000000000000" pitchFamily="2" charset="2"/>
+                </a:endParaRPr>
+              </a:p>
+              <a:p>
+                <a:pPr algn="ctr"/>
+                <a:endParaRPr lang="it-IT" dirty="0">
+                  <a:latin typeface="Calibri" panose="020F0502020204030204" pitchFamily="34" charset="0"/>
+                  <a:cs typeface="Calibri" panose="020F0502020204030204" pitchFamily="34" charset="0"/>
+                  <a:sym typeface="Wingdings" panose="05000000000000000000" pitchFamily="2" charset="2"/>
+                </a:endParaRPr>
+              </a:p>
+              <a:p>
+                <a:pPr marL="285750" indent="-285750">
+                  <a:buFont typeface="Arial" pitchFamily="34" charset="0"/>
+                  <a:buChar char="•"/>
+                </a:pPr>
+                <a:r>
+                  <a:rPr lang="it-IT" u="sng" dirty="0" smtClean="0">
+                    <a:latin typeface="Calibri" panose="020F0502020204030204" pitchFamily="34" charset="0"/>
+                    <a:cs typeface="Calibri" panose="020F0502020204030204" pitchFamily="34" charset="0"/>
+                    <a:sym typeface="Wingdings" panose="05000000000000000000" pitchFamily="2" charset="2"/>
+                  </a:rPr>
+                  <a:t>Ad ogni passo viene rimosso l’arco con </a:t>
+                </a:r>
+                <a:r>
+                  <a:rPr lang="it-IT" b="1" i="1" u="sng" dirty="0" err="1" smtClean="0">
+                    <a:solidFill>
+                      <a:srgbClr val="00B050"/>
+                    </a:solidFill>
+                    <a:latin typeface="Calibri" panose="020F0502020204030204" pitchFamily="34" charset="0"/>
+                    <a:cs typeface="Calibri" panose="020F0502020204030204" pitchFamily="34" charset="0"/>
+                    <a:sym typeface="Wingdings" panose="05000000000000000000" pitchFamily="2" charset="2"/>
+                  </a:rPr>
+                  <a:t>edge-betweenness</a:t>
+                </a:r>
+                <a:r>
+                  <a:rPr lang="it-IT" b="1" i="1" u="sng" dirty="0" smtClean="0">
+                    <a:latin typeface="Calibri" panose="020F0502020204030204" pitchFamily="34" charset="0"/>
+                    <a:cs typeface="Calibri" panose="020F0502020204030204" pitchFamily="34" charset="0"/>
+                    <a:sym typeface="Wingdings" panose="05000000000000000000" pitchFamily="2" charset="2"/>
+                  </a:rPr>
+                  <a:t> </a:t>
+                </a:r>
+                <a:r>
+                  <a:rPr lang="it-IT" u="sng" dirty="0" smtClean="0">
+                    <a:latin typeface="Calibri" panose="020F0502020204030204" pitchFamily="34" charset="0"/>
+                    <a:cs typeface="Calibri" panose="020F0502020204030204" pitchFamily="34" charset="0"/>
+                    <a:sym typeface="Wingdings" panose="05000000000000000000" pitchFamily="2" charset="2"/>
+                  </a:rPr>
+                  <a:t>più alta</a:t>
+                </a:r>
+                <a:r>
+                  <a:rPr lang="it-IT" dirty="0" smtClean="0">
+                    <a:latin typeface="Calibri" panose="020F0502020204030204" pitchFamily="34" charset="0"/>
+                    <a:cs typeface="Calibri" panose="020F0502020204030204" pitchFamily="34" charset="0"/>
+                    <a:sym typeface="Wingdings" panose="05000000000000000000" pitchFamily="2" charset="2"/>
+                  </a:rPr>
+                  <a:t>.</a:t>
+                </a:r>
+              </a:p>
+            </p:txBody>
+          </p:sp>
+        </mc:Choice>
+        <mc:Fallback xmlns="">
+          <p:sp>
+            <p:nvSpPr>
+              <p:cNvPr id="3" name="Rettangolo 2">
+                <a:extLst>
+                  <a:ext uri="{FF2B5EF4-FFF2-40B4-BE49-F238E27FC236}">
+                    <a16:creationId xmlns:a16="http://schemas.microsoft.com/office/drawing/2014/main" xmlns="" xmlns:a14="http://schemas.microsoft.com/office/drawing/2010/main" id="{E905DEB8-2BFA-41BE-9967-84ECE44648DF}"/>
+                  </a:ext>
+                </a:extLst>
+              </p:cNvPr>
+              <p:cNvSpPr>
+                <a:spLocks noRot="1" noChangeAspect="1" noMove="1" noResize="1" noEditPoints="1" noAdjustHandles="1" noChangeArrowheads="1" noChangeShapeType="1" noTextEdit="1"/>
+              </p:cNvSpPr>
+              <p:nvPr/>
+            </p:nvSpPr>
+            <p:spPr>
+              <a:xfrm>
+                <a:off x="1619672" y="1912764"/>
+                <a:ext cx="7524328" cy="4219553"/>
+              </a:xfrm>
+              <a:prstGeom prst="rect">
+                <a:avLst/>
+              </a:prstGeom>
+              <a:blipFill rotWithShape="1">
+                <a:blip r:embed="rId2"/>
+                <a:stretch>
+                  <a:fillRect l="-567" t="-723" b="-1445"/>
+                </a:stretch>
+              </a:blipFill>
+            </p:spPr>
+            <p:txBody>
+              <a:bodyPr/>
+              <a:lstStyle/>
+              <a:p>
+                <a:r>
+                  <a:rPr lang="it-IT">
+                    <a:noFill/>
+                  </a:rPr>
+                  <a:t> </a:t>
+                </a:r>
+              </a:p>
+            </p:txBody>
+          </p:sp>
+        </mc:Fallback>
+      </mc:AlternateContent>
+    </p:spTree>
+    <p:extLst>
+      <p:ext uri="{BB962C8B-B14F-4D97-AF65-F5344CB8AC3E}">
+        <p14:creationId xmlns:p14="http://schemas.microsoft.com/office/powerpoint/2010/main" val="3718812101"/>
+      </p:ext>
+    </p:extLst>
+  </p:cSld>
+  <p:clrMapOvr>
+    <a:masterClrMapping/>
+  </p:clrMapOvr>
+  <p:timing>
+    <p:tnLst>
+      <p:par>
+        <p:cTn id="1" dur="indefinite" restart="never" nodeType="tmRoot"/>
+      </p:par>
+    </p:tnLst>
+  </p:timing>
+</p:sld>
+</file>
+
+<file path=ppt/slides/slide22.xml><?xml version="1.0" encoding="utf-8"?>
+<p:sld xmlns:a="http://schemas.openxmlformats.org/drawingml/2006/main" xmlns:r="http://schemas.openxmlformats.org/officeDocument/2006/relationships" xmlns:p="http://schemas.openxmlformats.org/presentationml/2006/main">
+  <p:cSld>
+    <p:spTree>
+      <p:nvGrpSpPr>
+        <p:cNvPr id="1" name=""/>
+        <p:cNvGrpSpPr/>
+        <p:nvPr/>
+      </p:nvGrpSpPr>
+      <p:grpSpPr>
+        <a:xfrm>
+          <a:off x="0" y="0"/>
+          <a:ext cx="0" cy="0"/>
+          <a:chOff x="0" y="0"/>
+          <a:chExt cx="0" cy="0"/>
+        </a:xfrm>
+      </p:grpSpPr>
+      <p:sp>
+        <p:nvSpPr>
+          <p:cNvPr id="5" name="Title 3">
+            <a:extLst>
+              <a:ext uri="{FF2B5EF4-FFF2-40B4-BE49-F238E27FC236}">
+                <a16:creationId xmlns="" xmlns:a16="http://schemas.microsoft.com/office/drawing/2014/main" id="{D5B2E943-4D76-47C0-AFF3-70EEC7B728A0}"/>
+              </a:ext>
+            </a:extLst>
+          </p:cNvPr>
+          <p:cNvSpPr>
+            <a:spLocks noGrp="1"/>
+          </p:cNvSpPr>
+          <p:nvPr>
+            <p:ph type="title"/>
+          </p:nvPr>
+        </p:nvSpPr>
+        <p:spPr>
+          <a:xfrm>
+            <a:off x="0" y="271254"/>
+            <a:ext cx="9144000" cy="1069514"/>
+          </a:xfrm>
+        </p:spPr>
+        <p:txBody>
+          <a:bodyPr>
+            <a:scene3d>
+              <a:camera prst="orthographicFront"/>
+              <a:lightRig rig="threePt" dir="t"/>
+            </a:scene3d>
+            <a:sp3d extrusionH="57150">
+              <a:bevelT w="82550" h="38100" prst="coolSlant"/>
+            </a:sp3d>
+          </a:bodyPr>
+          <a:lstStyle/>
+          <a:p>
+            <a:pPr algn="ctr"/>
+            <a:r>
+              <a:rPr lang="en-US" altLang="ko-KR" dirty="0">
+                <a:solidFill>
+                  <a:schemeClr val="accent5">
+                    <a:lumMod val="75000"/>
+                  </a:schemeClr>
+                </a:solidFill>
+              </a:rPr>
+              <a:t>3</a:t>
+            </a:r>
+            <a:r>
+              <a:rPr lang="en-US" altLang="ko-KR" dirty="0" smtClean="0">
+                <a:solidFill>
+                  <a:schemeClr val="accent5">
+                    <a:lumMod val="75000"/>
+                  </a:schemeClr>
+                </a:solidFill>
+              </a:rPr>
+              <a:t> – </a:t>
+            </a:r>
+            <a:r>
+              <a:rPr lang="en-US" altLang="ko-KR" dirty="0" err="1" smtClean="0">
+                <a:solidFill>
+                  <a:schemeClr val="accent5">
+                    <a:lumMod val="75000"/>
+                  </a:schemeClr>
+                </a:solidFill>
+              </a:rPr>
+              <a:t>Individuazione</a:t>
+            </a:r>
+            <a:r>
+              <a:rPr lang="en-US" altLang="ko-KR" dirty="0">
+                <a:solidFill>
+                  <a:schemeClr val="accent5">
+                    <a:lumMod val="75000"/>
+                  </a:schemeClr>
+                </a:solidFill>
+              </a:rPr>
+              <a:t> </a:t>
+            </a:r>
+            <a:r>
+              <a:rPr lang="en-US" altLang="ko-KR" dirty="0" smtClean="0">
+                <a:solidFill>
+                  <a:schemeClr val="accent5">
+                    <a:lumMod val="75000"/>
+                  </a:schemeClr>
+                </a:solidFill>
+              </a:rPr>
+              <a:t/>
+            </a:r>
+            <a:br>
+              <a:rPr lang="en-US" altLang="ko-KR" dirty="0" smtClean="0">
+                <a:solidFill>
+                  <a:schemeClr val="accent5">
+                    <a:lumMod val="75000"/>
+                  </a:schemeClr>
+                </a:solidFill>
+              </a:rPr>
+            </a:br>
+            <a:r>
+              <a:rPr lang="en-US" altLang="ko-KR" dirty="0" smtClean="0">
+                <a:solidFill>
+                  <a:schemeClr val="accent5">
+                    <a:lumMod val="75000"/>
+                  </a:schemeClr>
+                </a:solidFill>
+              </a:rPr>
+              <a:t>echo-chambers</a:t>
+            </a:r>
+            <a:endParaRPr lang="ko-KR" altLang="en-US" dirty="0">
+              <a:solidFill>
+                <a:schemeClr val="accent5">
+                  <a:lumMod val="75000"/>
+                </a:schemeClr>
+              </a:solidFill>
+            </a:endParaRPr>
+          </a:p>
+        </p:txBody>
+      </p:sp>
+      <p:sp>
+        <p:nvSpPr>
+          <p:cNvPr id="6" name="Rettangolo 5">
+            <a:extLst>
+              <a:ext uri="{FF2B5EF4-FFF2-40B4-BE49-F238E27FC236}">
+                <a16:creationId xmlns="" xmlns:a16="http://schemas.microsoft.com/office/drawing/2014/main" id="{E8861B7B-8A8E-4E0F-AC25-74535E87BCCE}"/>
+              </a:ext>
+            </a:extLst>
+          </p:cNvPr>
+          <p:cNvSpPr/>
+          <p:nvPr/>
+        </p:nvSpPr>
+        <p:spPr>
+          <a:xfrm>
+            <a:off x="1619672" y="1918573"/>
+            <a:ext cx="7524328" cy="2585323"/>
+          </a:xfrm>
+          <a:prstGeom prst="rect">
+            <a:avLst/>
+          </a:prstGeom>
+        </p:spPr>
+        <p:txBody>
+          <a:bodyPr wrap="square">
+            <a:spAutoFit/>
+          </a:bodyPr>
+          <a:lstStyle/>
+          <a:p>
+            <a:r>
+              <a:rPr lang="it-IT" dirty="0" smtClean="0">
+                <a:latin typeface="Calibri" panose="020F0502020204030204" pitchFamily="34" charset="0"/>
+                <a:cs typeface="Calibri" panose="020F0502020204030204" pitchFamily="34" charset="0"/>
+                <a:sym typeface="Wingdings" panose="05000000000000000000" pitchFamily="2" charset="2"/>
+              </a:rPr>
+              <a:t>Perché proprio l’algoritmo di </a:t>
+            </a:r>
+            <a:r>
+              <a:rPr lang="it-IT" b="1" i="1" dirty="0" err="1" smtClean="0">
+                <a:solidFill>
+                  <a:srgbClr val="C00000"/>
+                </a:solidFill>
+                <a:latin typeface="Calibri" panose="020F0502020204030204" pitchFamily="34" charset="0"/>
+                <a:cs typeface="Calibri" panose="020F0502020204030204" pitchFamily="34" charset="0"/>
+                <a:sym typeface="Wingdings" panose="05000000000000000000" pitchFamily="2" charset="2"/>
+              </a:rPr>
+              <a:t>Girvan</a:t>
+            </a:r>
+            <a:r>
+              <a:rPr lang="it-IT" b="1" i="1" dirty="0" smtClean="0">
+                <a:solidFill>
+                  <a:srgbClr val="C00000"/>
+                </a:solidFill>
+                <a:latin typeface="Calibri" panose="020F0502020204030204" pitchFamily="34" charset="0"/>
+                <a:cs typeface="Calibri" panose="020F0502020204030204" pitchFamily="34" charset="0"/>
+                <a:sym typeface="Wingdings" panose="05000000000000000000" pitchFamily="2" charset="2"/>
+              </a:rPr>
+              <a:t>-Newman</a:t>
+            </a:r>
+            <a:r>
+              <a:rPr lang="it-IT" dirty="0" smtClean="0">
+                <a:latin typeface="Calibri" panose="020F0502020204030204" pitchFamily="34" charset="0"/>
+                <a:cs typeface="Calibri" panose="020F0502020204030204" pitchFamily="34" charset="0"/>
+                <a:sym typeface="Wingdings" panose="05000000000000000000" pitchFamily="2" charset="2"/>
+              </a:rPr>
+              <a:t>?</a:t>
+            </a:r>
+          </a:p>
+          <a:p>
+            <a:endParaRPr lang="it-IT" dirty="0">
+              <a:latin typeface="Calibri" panose="020F0502020204030204" pitchFamily="34" charset="0"/>
+              <a:cs typeface="Calibri" panose="020F0502020204030204" pitchFamily="34" charset="0"/>
+              <a:sym typeface="Wingdings" panose="05000000000000000000" pitchFamily="2" charset="2"/>
+            </a:endParaRPr>
+          </a:p>
+          <a:p>
+            <a:pPr marL="285750" indent="-285750">
+              <a:buFont typeface="Arial" pitchFamily="34" charset="0"/>
+              <a:buChar char="•"/>
+            </a:pPr>
+            <a:r>
+              <a:rPr lang="it-IT" dirty="0" smtClean="0">
+                <a:latin typeface="Calibri" panose="020F0502020204030204" pitchFamily="34" charset="0"/>
+                <a:cs typeface="Calibri" panose="020F0502020204030204" pitchFamily="34" charset="0"/>
+                <a:sym typeface="Wingdings" panose="05000000000000000000" pitchFamily="2" charset="2"/>
+              </a:rPr>
+              <a:t>Se la struttura del grafo è caratterizzata da due comunità connesse tra </a:t>
+            </a:r>
+          </a:p>
+          <a:p>
+            <a:r>
+              <a:rPr lang="it-IT" dirty="0">
+                <a:latin typeface="Calibri" panose="020F0502020204030204" pitchFamily="34" charset="0"/>
+                <a:cs typeface="Calibri" panose="020F0502020204030204" pitchFamily="34" charset="0"/>
+                <a:sym typeface="Wingdings" panose="05000000000000000000" pitchFamily="2" charset="2"/>
+              </a:rPr>
+              <a:t> </a:t>
+            </a:r>
+            <a:r>
+              <a:rPr lang="it-IT" dirty="0" smtClean="0">
+                <a:latin typeface="Calibri" panose="020F0502020204030204" pitchFamily="34" charset="0"/>
+                <a:cs typeface="Calibri" panose="020F0502020204030204" pitchFamily="34" charset="0"/>
+                <a:sym typeface="Wingdings" panose="05000000000000000000" pitchFamily="2" charset="2"/>
+              </a:rPr>
+              <a:t>     loro da pochissimi archi, allora tutti i percorsi di costo minimo tra queste</a:t>
+            </a:r>
+          </a:p>
+          <a:p>
+            <a:r>
+              <a:rPr lang="it-IT" dirty="0">
+                <a:latin typeface="Calibri" panose="020F0502020204030204" pitchFamily="34" charset="0"/>
+                <a:cs typeface="Calibri" panose="020F0502020204030204" pitchFamily="34" charset="0"/>
+                <a:sym typeface="Wingdings" panose="05000000000000000000" pitchFamily="2" charset="2"/>
+              </a:rPr>
+              <a:t> </a:t>
+            </a:r>
+            <a:r>
+              <a:rPr lang="it-IT" dirty="0" smtClean="0">
+                <a:latin typeface="Calibri" panose="020F0502020204030204" pitchFamily="34" charset="0"/>
+                <a:cs typeface="Calibri" panose="020F0502020204030204" pitchFamily="34" charset="0"/>
+                <a:sym typeface="Wingdings" panose="05000000000000000000" pitchFamily="2" charset="2"/>
+              </a:rPr>
+              <a:t>     due comunità dovranno passare attraverso tali archi.</a:t>
+            </a:r>
+          </a:p>
+          <a:p>
+            <a:endParaRPr lang="it-IT" dirty="0">
+              <a:latin typeface="Calibri" panose="020F0502020204030204" pitchFamily="34" charset="0"/>
+              <a:cs typeface="Calibri" panose="020F0502020204030204" pitchFamily="34" charset="0"/>
+              <a:sym typeface="Wingdings" panose="05000000000000000000" pitchFamily="2" charset="2"/>
+            </a:endParaRPr>
+          </a:p>
+          <a:p>
+            <a:pPr marL="285750" indent="-285750">
+              <a:buFont typeface="Arial" pitchFamily="34" charset="0"/>
+              <a:buChar char="•"/>
+            </a:pPr>
+            <a:r>
+              <a:rPr lang="it-IT" dirty="0" smtClean="0">
+                <a:latin typeface="Calibri" panose="020F0502020204030204" pitchFamily="34" charset="0"/>
+                <a:cs typeface="Calibri" panose="020F0502020204030204" pitchFamily="34" charset="0"/>
+                <a:sym typeface="Wingdings" panose="05000000000000000000" pitchFamily="2" charset="2"/>
+              </a:rPr>
+              <a:t>Quindi gli archi tra le due comunità saranno caratterizzati da alta</a:t>
+            </a:r>
+          </a:p>
+          <a:p>
+            <a:r>
+              <a:rPr lang="it-IT" dirty="0">
+                <a:latin typeface="Calibri" panose="020F0502020204030204" pitchFamily="34" charset="0"/>
+                <a:cs typeface="Calibri" panose="020F0502020204030204" pitchFamily="34" charset="0"/>
+                <a:sym typeface="Wingdings" panose="05000000000000000000" pitchFamily="2" charset="2"/>
+              </a:rPr>
+              <a:t> </a:t>
+            </a:r>
+            <a:r>
+              <a:rPr lang="it-IT" dirty="0" smtClean="0">
+                <a:latin typeface="Calibri" panose="020F0502020204030204" pitchFamily="34" charset="0"/>
+                <a:cs typeface="Calibri" panose="020F0502020204030204" pitchFamily="34" charset="0"/>
+                <a:sym typeface="Wingdings" panose="05000000000000000000" pitchFamily="2" charset="2"/>
+              </a:rPr>
+              <a:t>     </a:t>
+            </a:r>
+            <a:r>
+              <a:rPr lang="it-IT" b="1" i="1" dirty="0" err="1" smtClean="0">
+                <a:solidFill>
+                  <a:srgbClr val="00B050"/>
+                </a:solidFill>
+                <a:latin typeface="Calibri" panose="020F0502020204030204" pitchFamily="34" charset="0"/>
+                <a:cs typeface="Calibri" panose="020F0502020204030204" pitchFamily="34" charset="0"/>
+                <a:sym typeface="Wingdings" panose="05000000000000000000" pitchFamily="2" charset="2"/>
+              </a:rPr>
+              <a:t>betweenness</a:t>
+            </a:r>
+            <a:r>
+              <a:rPr lang="it-IT" b="1" i="1" dirty="0" smtClean="0">
+                <a:solidFill>
+                  <a:srgbClr val="00B050"/>
+                </a:solidFill>
+                <a:latin typeface="Calibri" panose="020F0502020204030204" pitchFamily="34" charset="0"/>
+                <a:cs typeface="Calibri" panose="020F0502020204030204" pitchFamily="34" charset="0"/>
+                <a:sym typeface="Wingdings" panose="05000000000000000000" pitchFamily="2" charset="2"/>
+              </a:rPr>
+              <a:t> </a:t>
+            </a:r>
+            <a:r>
+              <a:rPr lang="it-IT" b="1" i="1" dirty="0" err="1" smtClean="0">
+                <a:solidFill>
+                  <a:srgbClr val="00B050"/>
+                </a:solidFill>
+                <a:latin typeface="Calibri" panose="020F0502020204030204" pitchFamily="34" charset="0"/>
+                <a:cs typeface="Calibri" panose="020F0502020204030204" pitchFamily="34" charset="0"/>
+                <a:sym typeface="Wingdings" panose="05000000000000000000" pitchFamily="2" charset="2"/>
+              </a:rPr>
+              <a:t>centrality</a:t>
+            </a:r>
+            <a:r>
+              <a:rPr lang="it-IT" dirty="0" smtClean="0">
+                <a:latin typeface="Calibri" panose="020F0502020204030204" pitchFamily="34" charset="0"/>
+                <a:cs typeface="Calibri" panose="020F0502020204030204" pitchFamily="34" charset="0"/>
+                <a:sym typeface="Wingdings" panose="05000000000000000000" pitchFamily="2" charset="2"/>
+              </a:rPr>
+              <a:t>.</a:t>
+            </a:r>
+            <a:endParaRPr lang="it-IT" dirty="0">
+              <a:latin typeface="Calibri" panose="020F0502020204030204" pitchFamily="34" charset="0"/>
+              <a:cs typeface="Calibri" panose="020F0502020204030204" pitchFamily="34" charset="0"/>
+              <a:sym typeface="Wingdings" panose="05000000000000000000" pitchFamily="2" charset="2"/>
+            </a:endParaRPr>
+          </a:p>
+          <a:p>
+            <a:pPr algn="ctr"/>
+            <a:endParaRPr lang="it-IT" dirty="0">
+              <a:latin typeface="Calibri" panose="020F0502020204030204" pitchFamily="34" charset="0"/>
+              <a:cs typeface="Calibri" panose="020F0502020204030204" pitchFamily="34" charset="0"/>
+              <a:sym typeface="Wingdings" panose="05000000000000000000" pitchFamily="2" charset="2"/>
+            </a:endParaRPr>
+          </a:p>
+        </p:txBody>
+      </p:sp>
+      <p:sp>
+        <p:nvSpPr>
+          <p:cNvPr id="8" name="Nuvola 7"/>
+          <p:cNvSpPr/>
+          <p:nvPr/>
+        </p:nvSpPr>
+        <p:spPr>
+          <a:xfrm>
+            <a:off x="2555776" y="4474197"/>
+            <a:ext cx="1512168" cy="1806009"/>
+          </a:xfrm>
+          <a:prstGeom prst="cloud">
+            <a:avLst/>
+          </a:prstGeom>
+          <a:gradFill flip="none" rotWithShape="1">
+            <a:gsLst>
+              <a:gs pos="0">
+                <a:schemeClr val="accent1">
+                  <a:tint val="66000"/>
+                  <a:satMod val="160000"/>
+                </a:schemeClr>
+              </a:gs>
+              <a:gs pos="50000">
+                <a:schemeClr val="accent1">
+                  <a:tint val="44500"/>
+                  <a:satMod val="160000"/>
+                </a:schemeClr>
+              </a:gs>
+              <a:gs pos="100000">
+                <a:schemeClr val="accent1">
+                  <a:tint val="23500"/>
+                  <a:satMod val="160000"/>
+                </a:schemeClr>
+              </a:gs>
+            </a:gsLst>
+            <a:lin ang="2700000" scaled="1"/>
+            <a:tileRect/>
+          </a:gradFill>
+        </p:spPr>
+        <p:style>
+          <a:lnRef idx="2">
+            <a:schemeClr val="accent1">
+              <a:shade val="50000"/>
+            </a:schemeClr>
+          </a:lnRef>
+          <a:fillRef idx="1">
+            <a:schemeClr val="accent1"/>
+          </a:fillRef>
+          <a:effectRef idx="0">
+            <a:schemeClr val="accent1"/>
+          </a:effectRef>
+          <a:fontRef idx="minor">
+            <a:schemeClr val="lt1"/>
+          </a:fontRef>
+        </p:style>
+        <p:txBody>
+          <a:bodyPr rtlCol="0" anchor="ctr"/>
+          <a:lstStyle/>
+          <a:p>
+            <a:pPr algn="ctr"/>
+            <a:endParaRPr lang="it-IT" dirty="0"/>
+          </a:p>
+        </p:txBody>
+      </p:sp>
+      <p:sp>
+        <p:nvSpPr>
+          <p:cNvPr id="9" name="Nuvola 8"/>
+          <p:cNvSpPr/>
+          <p:nvPr/>
+        </p:nvSpPr>
+        <p:spPr>
+          <a:xfrm>
+            <a:off x="6156176" y="4474196"/>
+            <a:ext cx="1512168" cy="1806009"/>
+          </a:xfrm>
+          <a:prstGeom prst="cloud">
+            <a:avLst/>
+          </a:prstGeom>
+          <a:gradFill flip="none" rotWithShape="1">
+            <a:gsLst>
+              <a:gs pos="0">
+                <a:schemeClr val="accent2">
+                  <a:tint val="66000"/>
+                  <a:satMod val="160000"/>
+                </a:schemeClr>
+              </a:gs>
+              <a:gs pos="50000">
+                <a:schemeClr val="accent2">
+                  <a:tint val="44500"/>
+                  <a:satMod val="160000"/>
+                </a:schemeClr>
+              </a:gs>
+              <a:gs pos="100000">
+                <a:schemeClr val="accent2">
+                  <a:tint val="23500"/>
+                  <a:satMod val="160000"/>
+                </a:schemeClr>
+              </a:gs>
+            </a:gsLst>
+            <a:lin ang="13500000" scaled="1"/>
+            <a:tileRect/>
+          </a:gradFill>
+          <a:ln>
+            <a:solidFill>
+              <a:srgbClr val="C00000"/>
+            </a:solidFill>
+          </a:ln>
+        </p:spPr>
+        <p:style>
+          <a:lnRef idx="2">
+            <a:schemeClr val="accent1">
+              <a:shade val="50000"/>
+            </a:schemeClr>
+          </a:lnRef>
+          <a:fillRef idx="1">
+            <a:schemeClr val="accent1"/>
+          </a:fillRef>
+          <a:effectRef idx="0">
+            <a:schemeClr val="accent1"/>
+          </a:effectRef>
+          <a:fontRef idx="minor">
+            <a:schemeClr val="lt1"/>
+          </a:fontRef>
+        </p:style>
+        <p:txBody>
+          <a:bodyPr rtlCol="0" anchor="ctr"/>
+          <a:lstStyle/>
+          <a:p>
+            <a:pPr algn="ctr"/>
+            <a:endParaRPr lang="it-IT" dirty="0"/>
+          </a:p>
+        </p:txBody>
+      </p:sp>
+      <p:cxnSp>
+        <p:nvCxnSpPr>
+          <p:cNvPr id="12" name="Connettore 1 11"/>
+          <p:cNvCxnSpPr>
+            <a:stCxn id="8" idx="0"/>
+            <a:endCxn id="9" idx="2"/>
+          </p:cNvCxnSpPr>
+          <p:nvPr/>
+        </p:nvCxnSpPr>
+        <p:spPr>
+          <a:xfrm flipV="1">
+            <a:off x="4066684" y="5377201"/>
+            <a:ext cx="2094183" cy="1"/>
+          </a:xfrm>
+          <a:prstGeom prst="line">
+            <a:avLst/>
+          </a:prstGeom>
+          <a:ln w="88900">
+            <a:solidFill>
+              <a:srgbClr val="FF0000"/>
+            </a:solidFill>
+            <a:headEnd type="none"/>
+          </a:ln>
+        </p:spPr>
+        <p:style>
+          <a:lnRef idx="1">
+            <a:schemeClr val="accent1"/>
+          </a:lnRef>
+          <a:fillRef idx="0">
+            <a:schemeClr val="accent1"/>
+          </a:fillRef>
+          <a:effectRef idx="0">
+            <a:schemeClr val="accent1"/>
+          </a:effectRef>
+          <a:fontRef idx="minor">
+            <a:schemeClr val="tx1"/>
+          </a:fontRef>
+        </p:style>
+      </p:cxnSp>
+      <p:cxnSp>
+        <p:nvCxnSpPr>
+          <p:cNvPr id="14" name="Connettore 1 13"/>
+          <p:cNvCxnSpPr>
+            <a:stCxn id="8" idx="0"/>
+          </p:cNvCxnSpPr>
+          <p:nvPr/>
+        </p:nvCxnSpPr>
+        <p:spPr>
+          <a:xfrm flipH="1" flipV="1">
+            <a:off x="3491880" y="4797152"/>
+            <a:ext cx="574804" cy="580050"/>
+          </a:xfrm>
+          <a:prstGeom prst="line">
+            <a:avLst/>
+          </a:prstGeom>
+          <a:ln>
+            <a:solidFill>
+              <a:srgbClr val="FF0000"/>
+            </a:solidFill>
+            <a:headEnd type="none"/>
+            <a:tailEnd type="triangle"/>
+          </a:ln>
+        </p:spPr>
+        <p:style>
+          <a:lnRef idx="3">
+            <a:schemeClr val="accent2"/>
+          </a:lnRef>
+          <a:fillRef idx="0">
+            <a:schemeClr val="accent2"/>
+          </a:fillRef>
+          <a:effectRef idx="2">
+            <a:schemeClr val="accent2"/>
+          </a:effectRef>
+          <a:fontRef idx="minor">
+            <a:schemeClr val="tx1"/>
+          </a:fontRef>
+        </p:style>
+      </p:cxnSp>
+      <p:cxnSp>
+        <p:nvCxnSpPr>
+          <p:cNvPr id="17" name="Connettore 1 16"/>
+          <p:cNvCxnSpPr>
+            <a:stCxn id="8" idx="0"/>
+          </p:cNvCxnSpPr>
+          <p:nvPr/>
+        </p:nvCxnSpPr>
+        <p:spPr>
+          <a:xfrm flipH="1" flipV="1">
+            <a:off x="3275856" y="5377200"/>
+            <a:ext cx="790828" cy="2"/>
+          </a:xfrm>
+          <a:prstGeom prst="line">
+            <a:avLst/>
+          </a:prstGeom>
+          <a:ln>
+            <a:solidFill>
+              <a:srgbClr val="FF0000"/>
+            </a:solidFill>
+            <a:tailEnd type="triangle"/>
+          </a:ln>
+        </p:spPr>
+        <p:style>
+          <a:lnRef idx="3">
+            <a:schemeClr val="accent2"/>
+          </a:lnRef>
+          <a:fillRef idx="0">
+            <a:schemeClr val="accent2"/>
+          </a:fillRef>
+          <a:effectRef idx="2">
+            <a:schemeClr val="accent2"/>
+          </a:effectRef>
+          <a:fontRef idx="minor">
+            <a:schemeClr val="tx1"/>
+          </a:fontRef>
+        </p:style>
+      </p:cxnSp>
+      <p:cxnSp>
+        <p:nvCxnSpPr>
+          <p:cNvPr id="19" name="Connettore 1 18"/>
+          <p:cNvCxnSpPr>
+            <a:stCxn id="8" idx="0"/>
+          </p:cNvCxnSpPr>
+          <p:nvPr/>
+        </p:nvCxnSpPr>
+        <p:spPr>
+          <a:xfrm flipH="1">
+            <a:off x="3491880" y="5377202"/>
+            <a:ext cx="574804" cy="356054"/>
+          </a:xfrm>
+          <a:prstGeom prst="line">
+            <a:avLst/>
+          </a:prstGeom>
+          <a:ln>
+            <a:solidFill>
+              <a:srgbClr val="FF0000"/>
+            </a:solidFill>
+            <a:tailEnd type="triangle"/>
+          </a:ln>
+        </p:spPr>
+        <p:style>
+          <a:lnRef idx="3">
+            <a:schemeClr val="accent2"/>
+          </a:lnRef>
+          <a:fillRef idx="0">
+            <a:schemeClr val="accent2"/>
+          </a:fillRef>
+          <a:effectRef idx="2">
+            <a:schemeClr val="accent2"/>
+          </a:effectRef>
+          <a:fontRef idx="minor">
+            <a:schemeClr val="tx1"/>
+          </a:fontRef>
+        </p:style>
+      </p:cxnSp>
+      <p:cxnSp>
+        <p:nvCxnSpPr>
+          <p:cNvPr id="21" name="Connettore 1 20"/>
+          <p:cNvCxnSpPr>
+            <a:stCxn id="9" idx="2"/>
+          </p:cNvCxnSpPr>
+          <p:nvPr/>
+        </p:nvCxnSpPr>
+        <p:spPr>
+          <a:xfrm flipV="1">
+            <a:off x="6160867" y="4797152"/>
+            <a:ext cx="643381" cy="580049"/>
+          </a:xfrm>
+          <a:prstGeom prst="line">
+            <a:avLst/>
+          </a:prstGeom>
+          <a:ln>
+            <a:solidFill>
+              <a:srgbClr val="FF0000"/>
+            </a:solidFill>
+          </a:ln>
+        </p:spPr>
+        <p:style>
+          <a:lnRef idx="2">
+            <a:schemeClr val="accent2"/>
+          </a:lnRef>
+          <a:fillRef idx="0">
+            <a:schemeClr val="accent2"/>
+          </a:fillRef>
+          <a:effectRef idx="1">
+            <a:schemeClr val="accent2"/>
+          </a:effectRef>
+          <a:fontRef idx="minor">
+            <a:schemeClr val="tx1"/>
+          </a:fontRef>
+        </p:style>
+      </p:cxnSp>
+      <p:cxnSp>
+        <p:nvCxnSpPr>
+          <p:cNvPr id="23" name="Connettore 1 22"/>
+          <p:cNvCxnSpPr>
+            <a:stCxn id="9" idx="2"/>
+          </p:cNvCxnSpPr>
+          <p:nvPr/>
+        </p:nvCxnSpPr>
+        <p:spPr>
+          <a:xfrm flipV="1">
+            <a:off x="6160867" y="5377200"/>
+            <a:ext cx="751393" cy="1"/>
+          </a:xfrm>
+          <a:prstGeom prst="line">
+            <a:avLst/>
+          </a:prstGeom>
+          <a:ln>
+            <a:solidFill>
+              <a:srgbClr val="FF0000"/>
+            </a:solidFill>
+            <a:tailEnd type="none"/>
+          </a:ln>
+        </p:spPr>
+        <p:style>
+          <a:lnRef idx="3">
+            <a:schemeClr val="accent2"/>
+          </a:lnRef>
+          <a:fillRef idx="0">
+            <a:schemeClr val="accent2"/>
+          </a:fillRef>
+          <a:effectRef idx="2">
+            <a:schemeClr val="accent2"/>
+          </a:effectRef>
+          <a:fontRef idx="minor">
+            <a:schemeClr val="tx1"/>
+          </a:fontRef>
+        </p:style>
+      </p:cxnSp>
+      <p:cxnSp>
+        <p:nvCxnSpPr>
+          <p:cNvPr id="25" name="Connettore 1 24"/>
+          <p:cNvCxnSpPr>
+            <a:stCxn id="9" idx="2"/>
+          </p:cNvCxnSpPr>
+          <p:nvPr/>
+        </p:nvCxnSpPr>
+        <p:spPr>
+          <a:xfrm>
+            <a:off x="6160867" y="5377201"/>
+            <a:ext cx="751393" cy="356055"/>
+          </a:xfrm>
+          <a:prstGeom prst="line">
+            <a:avLst/>
+          </a:prstGeom>
+          <a:ln>
+            <a:solidFill>
+              <a:srgbClr val="FF0000"/>
+            </a:solidFill>
+          </a:ln>
+        </p:spPr>
+        <p:style>
+          <a:lnRef idx="3">
+            <a:schemeClr val="accent2"/>
+          </a:lnRef>
+          <a:fillRef idx="0">
+            <a:schemeClr val="accent2"/>
+          </a:fillRef>
+          <a:effectRef idx="2">
+            <a:schemeClr val="accent2"/>
+          </a:effectRef>
+          <a:fontRef idx="minor">
+            <a:schemeClr val="tx1"/>
+          </a:fontRef>
+        </p:style>
+      </p:cxnSp>
+      <p:sp>
+        <p:nvSpPr>
+          <p:cNvPr id="28" name="CasellaDiTesto 27"/>
+          <p:cNvSpPr txBox="1"/>
+          <p:nvPr/>
+        </p:nvSpPr>
+        <p:spPr>
+          <a:xfrm>
+            <a:off x="4505403" y="5020684"/>
+            <a:ext cx="1216744" cy="276999"/>
+          </a:xfrm>
+          <a:prstGeom prst="rect">
+            <a:avLst/>
+          </a:prstGeom>
+          <a:noFill/>
+        </p:spPr>
+        <p:txBody>
+          <a:bodyPr wrap="none" rtlCol="0">
+            <a:spAutoFit/>
+          </a:bodyPr>
+          <a:lstStyle/>
+          <a:p>
+            <a:pPr algn="ctr"/>
+            <a:r>
+              <a:rPr lang="it-IT" sz="1200" b="1" i="1" dirty="0" err="1" smtClean="0">
+                <a:latin typeface="Calibri" pitchFamily="34" charset="0"/>
+                <a:cs typeface="Calibri" pitchFamily="34" charset="0"/>
+              </a:rPr>
+              <a:t>Bottleneck</a:t>
+            </a:r>
+            <a:r>
+              <a:rPr lang="it-IT" sz="1200" b="1" i="1" dirty="0" smtClean="0">
+                <a:latin typeface="Calibri" pitchFamily="34" charset="0"/>
+                <a:cs typeface="Calibri" pitchFamily="34" charset="0"/>
+              </a:rPr>
+              <a:t> </a:t>
+            </a:r>
+            <a:r>
+              <a:rPr lang="it-IT" sz="1200" b="1" i="1" dirty="0" err="1" smtClean="0">
+                <a:latin typeface="Calibri" pitchFamily="34" charset="0"/>
+                <a:cs typeface="Calibri" pitchFamily="34" charset="0"/>
+              </a:rPr>
+              <a:t>edge</a:t>
+            </a:r>
+            <a:endParaRPr lang="it-IT" sz="1200" b="1" i="1" dirty="0">
+              <a:latin typeface="Calibri" pitchFamily="34" charset="0"/>
+              <a:cs typeface="Calibri" pitchFamily="34" charset="0"/>
+            </a:endParaRPr>
+          </a:p>
+        </p:txBody>
+      </p:sp>
+      <p:sp>
+        <p:nvSpPr>
+          <p:cNvPr id="30" name="Connettore 29"/>
+          <p:cNvSpPr/>
+          <p:nvPr/>
+        </p:nvSpPr>
+        <p:spPr>
+          <a:xfrm>
+            <a:off x="3367049" y="4653136"/>
+            <a:ext cx="144016" cy="144016"/>
+          </a:xfrm>
+          <a:prstGeom prst="flowChartConnector">
+            <a:avLst/>
+          </a:prstGeom>
+          <a:solidFill>
+            <a:srgbClr val="0070C0"/>
+          </a:solidFill>
+          <a:ln>
+            <a:solidFill>
+              <a:srgbClr val="0070C0"/>
+            </a:solidFill>
+          </a:ln>
+          <a:scene3d>
+            <a:camera prst="orthographicFront"/>
+            <a:lightRig rig="threePt" dir="t"/>
+          </a:scene3d>
+          <a:sp3d>
+            <a:bevelT/>
+          </a:sp3d>
+        </p:spPr>
+        <p:style>
+          <a:lnRef idx="2">
+            <a:schemeClr val="accent1">
+              <a:shade val="50000"/>
+            </a:schemeClr>
+          </a:lnRef>
+          <a:fillRef idx="1">
+            <a:schemeClr val="accent1"/>
+          </a:fillRef>
+          <a:effectRef idx="0">
+            <a:schemeClr val="accent1"/>
+          </a:effectRef>
+          <a:fontRef idx="minor">
+            <a:schemeClr val="lt1"/>
+          </a:fontRef>
+        </p:style>
+        <p:txBody>
+          <a:bodyPr rtlCol="0" anchor="ctr"/>
+          <a:lstStyle/>
+          <a:p>
+            <a:pPr algn="ctr"/>
+            <a:endParaRPr lang="it-IT"/>
+          </a:p>
+        </p:txBody>
+      </p:sp>
+      <p:sp>
+        <p:nvSpPr>
+          <p:cNvPr id="34" name="Connettore 33"/>
+          <p:cNvSpPr/>
+          <p:nvPr/>
+        </p:nvSpPr>
+        <p:spPr>
+          <a:xfrm>
+            <a:off x="6797402" y="4672353"/>
+            <a:ext cx="144016" cy="144016"/>
+          </a:xfrm>
+          <a:prstGeom prst="flowChartConnector">
+            <a:avLst/>
+          </a:prstGeom>
+          <a:solidFill>
+            <a:srgbClr val="C00000"/>
+          </a:solidFill>
+          <a:ln>
+            <a:solidFill>
+              <a:srgbClr val="C00000"/>
+            </a:solidFill>
+          </a:ln>
+          <a:scene3d>
+            <a:camera prst="orthographicFront"/>
+            <a:lightRig rig="threePt" dir="t"/>
+          </a:scene3d>
+          <a:sp3d>
+            <a:bevelT/>
+          </a:sp3d>
+        </p:spPr>
+        <p:style>
+          <a:lnRef idx="2">
+            <a:schemeClr val="accent1">
+              <a:shade val="50000"/>
+            </a:schemeClr>
+          </a:lnRef>
+          <a:fillRef idx="1">
+            <a:schemeClr val="accent1"/>
+          </a:fillRef>
+          <a:effectRef idx="0">
+            <a:schemeClr val="accent1"/>
+          </a:effectRef>
+          <a:fontRef idx="minor">
+            <a:schemeClr val="lt1"/>
+          </a:fontRef>
+        </p:style>
+        <p:txBody>
+          <a:bodyPr rtlCol="0" anchor="ctr"/>
+          <a:lstStyle/>
+          <a:p>
+            <a:pPr algn="ctr"/>
+            <a:endParaRPr lang="it-IT"/>
+          </a:p>
+        </p:txBody>
+      </p:sp>
+      <p:sp>
+        <p:nvSpPr>
+          <p:cNvPr id="37" name="Connettore 36"/>
+          <p:cNvSpPr/>
+          <p:nvPr/>
+        </p:nvSpPr>
+        <p:spPr>
+          <a:xfrm>
+            <a:off x="3131840" y="5305194"/>
+            <a:ext cx="144016" cy="144016"/>
+          </a:xfrm>
+          <a:prstGeom prst="flowChartConnector">
+            <a:avLst/>
+          </a:prstGeom>
+          <a:solidFill>
+            <a:srgbClr val="0070C0"/>
+          </a:solidFill>
+          <a:ln>
+            <a:solidFill>
+              <a:srgbClr val="0070C0"/>
+            </a:solidFill>
+          </a:ln>
+          <a:scene3d>
+            <a:camera prst="orthographicFront"/>
+            <a:lightRig rig="threePt" dir="t"/>
+          </a:scene3d>
+          <a:sp3d>
+            <a:bevelT/>
+          </a:sp3d>
+        </p:spPr>
+        <p:style>
+          <a:lnRef idx="2">
+            <a:schemeClr val="accent1">
+              <a:shade val="50000"/>
+            </a:schemeClr>
+          </a:lnRef>
+          <a:fillRef idx="1">
+            <a:schemeClr val="accent1"/>
+          </a:fillRef>
+          <a:effectRef idx="0">
+            <a:schemeClr val="accent1"/>
+          </a:effectRef>
+          <a:fontRef idx="minor">
+            <a:schemeClr val="lt1"/>
+          </a:fontRef>
+        </p:style>
+        <p:txBody>
+          <a:bodyPr rtlCol="0" anchor="ctr"/>
+          <a:lstStyle/>
+          <a:p>
+            <a:pPr algn="ctr"/>
+            <a:endParaRPr lang="it-IT"/>
+          </a:p>
+        </p:txBody>
+      </p:sp>
+      <p:sp>
+        <p:nvSpPr>
+          <p:cNvPr id="38" name="Connettore 37"/>
+          <p:cNvSpPr/>
+          <p:nvPr/>
+        </p:nvSpPr>
+        <p:spPr>
+          <a:xfrm>
+            <a:off x="3356248" y="5703765"/>
+            <a:ext cx="144016" cy="144016"/>
+          </a:xfrm>
+          <a:prstGeom prst="flowChartConnector">
+            <a:avLst/>
+          </a:prstGeom>
+          <a:solidFill>
+            <a:srgbClr val="0070C0"/>
+          </a:solidFill>
+          <a:ln>
+            <a:solidFill>
+              <a:srgbClr val="0070C0"/>
+            </a:solidFill>
+          </a:ln>
+          <a:scene3d>
+            <a:camera prst="orthographicFront"/>
+            <a:lightRig rig="threePt" dir="t"/>
+          </a:scene3d>
+          <a:sp3d>
+            <a:bevelT/>
+          </a:sp3d>
+        </p:spPr>
+        <p:style>
+          <a:lnRef idx="2">
+            <a:schemeClr val="accent1">
+              <a:shade val="50000"/>
+            </a:schemeClr>
+          </a:lnRef>
+          <a:fillRef idx="1">
+            <a:schemeClr val="accent1"/>
+          </a:fillRef>
+          <a:effectRef idx="0">
+            <a:schemeClr val="accent1"/>
+          </a:effectRef>
+          <a:fontRef idx="minor">
+            <a:schemeClr val="lt1"/>
+          </a:fontRef>
+        </p:style>
+        <p:txBody>
+          <a:bodyPr rtlCol="0" anchor="ctr"/>
+          <a:lstStyle/>
+          <a:p>
+            <a:pPr algn="ctr"/>
+            <a:endParaRPr lang="it-IT"/>
+          </a:p>
+        </p:txBody>
+      </p:sp>
+      <p:sp>
+        <p:nvSpPr>
+          <p:cNvPr id="39" name="Connettore 38"/>
+          <p:cNvSpPr/>
+          <p:nvPr/>
+        </p:nvSpPr>
+        <p:spPr>
+          <a:xfrm>
+            <a:off x="6923073" y="5297446"/>
+            <a:ext cx="144016" cy="144016"/>
+          </a:xfrm>
+          <a:prstGeom prst="flowChartConnector">
+            <a:avLst/>
+          </a:prstGeom>
+          <a:solidFill>
+            <a:srgbClr val="C00000"/>
+          </a:solidFill>
+          <a:ln>
+            <a:solidFill>
+              <a:srgbClr val="C00000"/>
+            </a:solidFill>
+          </a:ln>
+          <a:scene3d>
+            <a:camera prst="orthographicFront"/>
+            <a:lightRig rig="threePt" dir="t"/>
+          </a:scene3d>
+          <a:sp3d>
+            <a:bevelT/>
+          </a:sp3d>
+        </p:spPr>
+        <p:style>
+          <a:lnRef idx="2">
+            <a:schemeClr val="accent1">
+              <a:shade val="50000"/>
+            </a:schemeClr>
+          </a:lnRef>
+          <a:fillRef idx="1">
+            <a:schemeClr val="accent1"/>
+          </a:fillRef>
+          <a:effectRef idx="0">
+            <a:schemeClr val="accent1"/>
+          </a:effectRef>
+          <a:fontRef idx="minor">
+            <a:schemeClr val="lt1"/>
+          </a:fontRef>
+        </p:style>
+        <p:txBody>
+          <a:bodyPr rtlCol="0" anchor="ctr"/>
+          <a:lstStyle/>
+          <a:p>
+            <a:pPr algn="ctr"/>
+            <a:endParaRPr lang="it-IT"/>
+          </a:p>
+        </p:txBody>
+      </p:sp>
+      <p:sp>
+        <p:nvSpPr>
+          <p:cNvPr id="40" name="Connettore 39"/>
+          <p:cNvSpPr/>
+          <p:nvPr/>
+        </p:nvSpPr>
+        <p:spPr>
+          <a:xfrm>
+            <a:off x="6912260" y="5703765"/>
+            <a:ext cx="144016" cy="144016"/>
+          </a:xfrm>
+          <a:prstGeom prst="flowChartConnector">
+            <a:avLst/>
+          </a:prstGeom>
+          <a:solidFill>
+            <a:srgbClr val="C00000"/>
+          </a:solidFill>
+          <a:ln>
+            <a:solidFill>
+              <a:srgbClr val="C00000"/>
+            </a:solidFill>
+          </a:ln>
+          <a:scene3d>
+            <a:camera prst="orthographicFront"/>
+            <a:lightRig rig="threePt" dir="t"/>
+          </a:scene3d>
+          <a:sp3d>
+            <a:bevelT/>
+          </a:sp3d>
+        </p:spPr>
+        <p:style>
+          <a:lnRef idx="2">
+            <a:schemeClr val="accent1">
+              <a:shade val="50000"/>
+            </a:schemeClr>
+          </a:lnRef>
+          <a:fillRef idx="1">
+            <a:schemeClr val="accent1"/>
+          </a:fillRef>
+          <a:effectRef idx="0">
+            <a:schemeClr val="accent1"/>
+          </a:effectRef>
+          <a:fontRef idx="minor">
+            <a:schemeClr val="lt1"/>
+          </a:fontRef>
+        </p:style>
+        <p:txBody>
+          <a:bodyPr rtlCol="0" anchor="ctr"/>
+          <a:lstStyle/>
+          <a:p>
+            <a:pPr algn="ctr"/>
+            <a:endParaRPr lang="it-IT"/>
+          </a:p>
+        </p:txBody>
+      </p:sp>
+    </p:spTree>
+    <p:extLst>
+      <p:ext uri="{BB962C8B-B14F-4D97-AF65-F5344CB8AC3E}">
+        <p14:creationId xmlns:p14="http://schemas.microsoft.com/office/powerpoint/2010/main" val="3313718386"/>
+      </p:ext>
+    </p:extLst>
+  </p:cSld>
+  <p:clrMapOvr>
+    <a:masterClrMapping/>
+  </p:clrMapOvr>
+  <p:timing>
+    <p:tnLst>
+      <p:par>
+        <p:cTn id="1" dur="indefinite" restart="never" nodeType="tmRoot"/>
+      </p:par>
+    </p:tnLst>
+  </p:timing>
+</p:sld>
+</file>
+
+<file path=ppt/slides/slide23.xml><?xml version="1.0" encoding="utf-8"?>
+<p:sld xmlns:a="http://schemas.openxmlformats.org/drawingml/2006/main" xmlns:r="http://schemas.openxmlformats.org/officeDocument/2006/relationships" xmlns:p="http://schemas.openxmlformats.org/presentationml/2006/main">
+  <p:cSld>
+    <p:spTree>
+      <p:nvGrpSpPr>
+        <p:cNvPr id="1" name=""/>
+        <p:cNvGrpSpPr/>
+        <p:nvPr/>
+      </p:nvGrpSpPr>
+      <p:grpSpPr>
+        <a:xfrm>
+          <a:off x="0" y="0"/>
+          <a:ext cx="0" cy="0"/>
+          <a:chOff x="0" y="0"/>
+          <a:chExt cx="0" cy="0"/>
+        </a:xfrm>
+      </p:grpSpPr>
+      <p:sp>
+        <p:nvSpPr>
+          <p:cNvPr id="5" name="Title 3">
+            <a:extLst>
+              <a:ext uri="{FF2B5EF4-FFF2-40B4-BE49-F238E27FC236}">
+                <a16:creationId xmlns="" xmlns:a16="http://schemas.microsoft.com/office/drawing/2014/main" id="{D5B2E943-4D76-47C0-AFF3-70EEC7B728A0}"/>
+              </a:ext>
+            </a:extLst>
+          </p:cNvPr>
+          <p:cNvSpPr>
+            <a:spLocks noGrp="1"/>
+          </p:cNvSpPr>
+          <p:nvPr>
+            <p:ph type="title"/>
+          </p:nvPr>
+        </p:nvSpPr>
+        <p:spPr>
+          <a:xfrm>
+            <a:off x="0" y="271254"/>
+            <a:ext cx="9144000" cy="1069514"/>
+          </a:xfrm>
+        </p:spPr>
+        <p:txBody>
+          <a:bodyPr>
+            <a:scene3d>
+              <a:camera prst="orthographicFront"/>
+              <a:lightRig rig="threePt" dir="t"/>
+            </a:scene3d>
+            <a:sp3d extrusionH="57150">
+              <a:bevelT w="82550" h="38100" prst="coolSlant"/>
+            </a:sp3d>
+          </a:bodyPr>
+          <a:lstStyle/>
+          <a:p>
+            <a:pPr algn="ctr"/>
+            <a:r>
+              <a:rPr lang="en-US" altLang="ko-KR" dirty="0">
+                <a:solidFill>
+                  <a:schemeClr val="accent5">
+                    <a:lumMod val="75000"/>
+                  </a:schemeClr>
+                </a:solidFill>
+              </a:rPr>
+              <a:t>4</a:t>
+            </a:r>
+            <a:r>
+              <a:rPr lang="en-US" altLang="ko-KR" dirty="0" smtClean="0">
+                <a:solidFill>
+                  <a:schemeClr val="accent5">
+                    <a:lumMod val="75000"/>
+                  </a:schemeClr>
+                </a:solidFill>
+              </a:rPr>
+              <a:t> – </a:t>
+            </a:r>
+            <a:r>
+              <a:rPr lang="en-US" altLang="ko-KR" dirty="0" err="1" smtClean="0">
+                <a:solidFill>
+                  <a:schemeClr val="accent5">
+                    <a:lumMod val="75000"/>
+                  </a:schemeClr>
+                </a:solidFill>
+              </a:rPr>
+              <a:t>Implementazione</a:t>
+            </a:r>
+            <a:r>
+              <a:rPr lang="en-US" altLang="ko-KR" dirty="0" smtClean="0">
+                <a:solidFill>
+                  <a:schemeClr val="accent5">
+                    <a:lumMod val="75000"/>
+                  </a:schemeClr>
+                </a:solidFill>
+              </a:rPr>
+              <a:t/>
+            </a:r>
+            <a:br>
+              <a:rPr lang="en-US" altLang="ko-KR" dirty="0" smtClean="0">
+                <a:solidFill>
+                  <a:schemeClr val="accent5">
+                    <a:lumMod val="75000"/>
+                  </a:schemeClr>
+                </a:solidFill>
+              </a:rPr>
+            </a:br>
+            <a:r>
+              <a:rPr lang="en-US" altLang="ko-KR" dirty="0" err="1" smtClean="0">
+                <a:solidFill>
+                  <a:schemeClr val="accent5">
+                    <a:lumMod val="75000"/>
+                  </a:schemeClr>
+                </a:solidFill>
+              </a:rPr>
+              <a:t>algoritmi</a:t>
+            </a:r>
+            <a:endParaRPr lang="ko-KR" altLang="en-US" dirty="0">
+              <a:solidFill>
+                <a:schemeClr val="accent5">
+                  <a:lumMod val="75000"/>
+                </a:schemeClr>
+              </a:solidFill>
+            </a:endParaRPr>
+          </a:p>
+        </p:txBody>
+      </p:sp>
+      <p:sp>
+        <p:nvSpPr>
+          <p:cNvPr id="7" name="CasellaDiTesto 6"/>
+          <p:cNvSpPr txBox="1"/>
+          <p:nvPr/>
+        </p:nvSpPr>
+        <p:spPr>
+          <a:xfrm>
+            <a:off x="1619672" y="1907540"/>
+            <a:ext cx="4950073" cy="369332"/>
+          </a:xfrm>
+          <a:prstGeom prst="rect">
+            <a:avLst/>
+          </a:prstGeom>
+          <a:noFill/>
+        </p:spPr>
+        <p:txBody>
+          <a:bodyPr wrap="none" rtlCol="0">
+            <a:spAutoFit/>
+          </a:bodyPr>
+          <a:lstStyle/>
+          <a:p>
+            <a:r>
+              <a:rPr lang="it-IT" dirty="0" smtClean="0">
+                <a:latin typeface="Calibri" pitchFamily="34" charset="0"/>
+                <a:cs typeface="Calibri" pitchFamily="34" charset="0"/>
+              </a:rPr>
+              <a:t>Algoritmo di </a:t>
+            </a:r>
+            <a:r>
+              <a:rPr lang="it-IT" b="1" i="1" dirty="0" smtClean="0">
+                <a:solidFill>
+                  <a:srgbClr val="C00000"/>
+                </a:solidFill>
+                <a:latin typeface="Calibri" pitchFamily="34" charset="0"/>
+                <a:cs typeface="Calibri" pitchFamily="34" charset="0"/>
+              </a:rPr>
+              <a:t>k-</a:t>
+            </a:r>
+            <a:r>
+              <a:rPr lang="it-IT" b="1" i="1" dirty="0" err="1" smtClean="0">
+                <a:solidFill>
+                  <a:srgbClr val="C00000"/>
+                </a:solidFill>
+                <a:latin typeface="Calibri" pitchFamily="34" charset="0"/>
+                <a:cs typeface="Calibri" pitchFamily="34" charset="0"/>
+              </a:rPr>
+              <a:t>edge</a:t>
+            </a:r>
+            <a:r>
+              <a:rPr lang="it-IT" b="1" i="1" dirty="0" smtClean="0">
+                <a:solidFill>
+                  <a:srgbClr val="C00000"/>
+                </a:solidFill>
+                <a:latin typeface="Calibri" pitchFamily="34" charset="0"/>
+                <a:cs typeface="Calibri" pitchFamily="34" charset="0"/>
+              </a:rPr>
+              <a:t> </a:t>
+            </a:r>
+            <a:r>
+              <a:rPr lang="it-IT" b="1" i="1" dirty="0" err="1" smtClean="0">
+                <a:solidFill>
+                  <a:srgbClr val="C00000"/>
+                </a:solidFill>
+                <a:latin typeface="Calibri" pitchFamily="34" charset="0"/>
+                <a:cs typeface="Calibri" pitchFamily="34" charset="0"/>
+              </a:rPr>
+              <a:t>recommendation</a:t>
+            </a:r>
+            <a:r>
+              <a:rPr lang="it-IT" b="1" i="1" dirty="0" smtClean="0">
+                <a:solidFill>
+                  <a:srgbClr val="C00000"/>
+                </a:solidFill>
+                <a:latin typeface="Calibri" pitchFamily="34" charset="0"/>
+                <a:cs typeface="Calibri" pitchFamily="34" charset="0"/>
+              </a:rPr>
+              <a:t> </a:t>
+            </a:r>
+            <a:r>
+              <a:rPr lang="it-IT" b="1" i="1" dirty="0" smtClean="0">
+                <a:solidFill>
+                  <a:srgbClr val="00B050"/>
+                </a:solidFill>
+                <a:latin typeface="Calibri" pitchFamily="34" charset="0"/>
+                <a:cs typeface="Calibri" pitchFamily="34" charset="0"/>
+              </a:rPr>
+              <a:t>non-</a:t>
+            </a:r>
+            <a:r>
+              <a:rPr lang="it-IT" b="1" i="1" dirty="0" err="1" smtClean="0">
+                <a:solidFill>
+                  <a:srgbClr val="00B050"/>
+                </a:solidFill>
+                <a:latin typeface="Calibri" pitchFamily="34" charset="0"/>
+                <a:cs typeface="Calibri" pitchFamily="34" charset="0"/>
+              </a:rPr>
+              <a:t>greedy</a:t>
+            </a:r>
+            <a:r>
+              <a:rPr lang="it-IT" i="1" dirty="0" smtClean="0">
+                <a:latin typeface="Calibri" pitchFamily="34" charset="0"/>
+                <a:cs typeface="Calibri" pitchFamily="34" charset="0"/>
+              </a:rPr>
+              <a:t>:</a:t>
+            </a:r>
+            <a:endParaRPr lang="it-IT" dirty="0">
+              <a:latin typeface="Calibri" pitchFamily="34" charset="0"/>
+              <a:cs typeface="Calibri" pitchFamily="34" charset="0"/>
+            </a:endParaRPr>
+          </a:p>
+        </p:txBody>
+      </p:sp>
+      <p:pic>
+        <p:nvPicPr>
+          <p:cNvPr id="2050" name="Picture 2" descr="C:\Users\Hp\Desktop\UNIVERSITA' E CONCORSI\TESI\PRESENTAZIONE_TESI\alg_not_greedy_pseudocode.PNG"/>
+          <p:cNvPicPr>
+            <a:picLocks noChangeAspect="1" noChangeArrowheads="1"/>
+          </p:cNvPicPr>
+          <p:nvPr/>
+        </p:nvPicPr>
+        <p:blipFill>
+          <a:blip r:embed="rId2">
+            <a:extLst>
+              <a:ext uri="{28A0092B-C50C-407E-A947-70E740481C1C}">
+                <a14:useLocalDpi xmlns:a14="http://schemas.microsoft.com/office/drawing/2010/main" val="0"/>
+              </a:ext>
+            </a:extLst>
+          </a:blip>
+          <a:srcRect/>
+          <a:stretch>
+            <a:fillRect/>
+          </a:stretch>
+        </p:blipFill>
+        <p:spPr bwMode="auto">
+          <a:xfrm>
+            <a:off x="2344120" y="2483551"/>
+            <a:ext cx="5455764" cy="3897777"/>
+          </a:xfrm>
+          <a:prstGeom prst="rect">
+            <a:avLst/>
+          </a:prstGeom>
+          <a:noFill/>
+          <a:extLst>
+            <a:ext uri="{909E8E84-426E-40DD-AFC4-6F175D3DCCD1}">
+              <a14:hiddenFill xmlns:a14="http://schemas.microsoft.com/office/drawing/2010/main">
+                <a:solidFill>
+                  <a:srgbClr val="FFFFFF"/>
+                </a:solidFill>
+              </a14:hiddenFill>
+            </a:ext>
+          </a:extLst>
+        </p:spPr>
+      </p:pic>
+    </p:spTree>
+    <p:extLst>
+      <p:ext uri="{BB962C8B-B14F-4D97-AF65-F5344CB8AC3E}">
+        <p14:creationId xmlns:p14="http://schemas.microsoft.com/office/powerpoint/2010/main" val="952645290"/>
+      </p:ext>
+    </p:extLst>
+  </p:cSld>
+  <p:clrMapOvr>
+    <a:masterClrMapping/>
+  </p:clrMapOvr>
+  <p:timing>
+    <p:tnLst>
+      <p:par>
+        <p:cTn id="1" dur="indefinite" restart="never" nodeType="tmRoot"/>
+      </p:par>
+    </p:tnLst>
+  </p:timing>
+</p:sld>
+</file>
+
+<file path=ppt/slides/slide24.xml><?xml version="1.0" encoding="utf-8"?>
+<p:sld xmlns:a="http://schemas.openxmlformats.org/drawingml/2006/main" xmlns:r="http://schemas.openxmlformats.org/officeDocument/2006/relationships" xmlns:p="http://schemas.openxmlformats.org/presentationml/2006/main">
+  <p:cSld>
+    <p:spTree>
+      <p:nvGrpSpPr>
+        <p:cNvPr id="1" name=""/>
+        <p:cNvGrpSpPr/>
+        <p:nvPr/>
+      </p:nvGrpSpPr>
+      <p:grpSpPr>
+        <a:xfrm>
+          <a:off x="0" y="0"/>
+          <a:ext cx="0" cy="0"/>
+          <a:chOff x="0" y="0"/>
+          <a:chExt cx="0" cy="0"/>
+        </a:xfrm>
+      </p:grpSpPr>
+      <p:sp>
+        <p:nvSpPr>
+          <p:cNvPr id="5" name="Title 3">
+            <a:extLst>
+              <a:ext uri="{FF2B5EF4-FFF2-40B4-BE49-F238E27FC236}">
+                <a16:creationId xmlns="" xmlns:a16="http://schemas.microsoft.com/office/drawing/2014/main" id="{D5B2E943-4D76-47C0-AFF3-70EEC7B728A0}"/>
+              </a:ext>
+            </a:extLst>
+          </p:cNvPr>
+          <p:cNvSpPr>
+            <a:spLocks noGrp="1"/>
+          </p:cNvSpPr>
+          <p:nvPr>
+            <p:ph type="title"/>
+          </p:nvPr>
+        </p:nvSpPr>
+        <p:spPr>
+          <a:xfrm>
+            <a:off x="0" y="271254"/>
+            <a:ext cx="9144000" cy="1069514"/>
+          </a:xfrm>
+        </p:spPr>
+        <p:txBody>
+          <a:bodyPr>
+            <a:scene3d>
+              <a:camera prst="orthographicFront"/>
+              <a:lightRig rig="threePt" dir="t"/>
+            </a:scene3d>
+            <a:sp3d extrusionH="57150">
+              <a:bevelT w="82550" h="38100" prst="coolSlant"/>
+            </a:sp3d>
+          </a:bodyPr>
+          <a:lstStyle/>
+          <a:p>
+            <a:pPr algn="ctr"/>
+            <a:r>
+              <a:rPr lang="en-US" altLang="ko-KR" dirty="0">
+                <a:solidFill>
+                  <a:schemeClr val="accent5">
+                    <a:lumMod val="75000"/>
+                  </a:schemeClr>
+                </a:solidFill>
+              </a:rPr>
+              <a:t>4</a:t>
+            </a:r>
+            <a:r>
+              <a:rPr lang="en-US" altLang="ko-KR" dirty="0" smtClean="0">
+                <a:solidFill>
+                  <a:schemeClr val="accent5">
+                    <a:lumMod val="75000"/>
+                  </a:schemeClr>
+                </a:solidFill>
+              </a:rPr>
+              <a:t> – </a:t>
+            </a:r>
+            <a:r>
+              <a:rPr lang="en-US" altLang="ko-KR" dirty="0" err="1" smtClean="0">
+                <a:solidFill>
+                  <a:schemeClr val="accent5">
+                    <a:lumMod val="75000"/>
+                  </a:schemeClr>
+                </a:solidFill>
+              </a:rPr>
+              <a:t>Implementazione</a:t>
+            </a:r>
+            <a:r>
+              <a:rPr lang="en-US" altLang="ko-KR" dirty="0" smtClean="0">
+                <a:solidFill>
+                  <a:schemeClr val="accent5">
+                    <a:lumMod val="75000"/>
+                  </a:schemeClr>
+                </a:solidFill>
+              </a:rPr>
+              <a:t/>
+            </a:r>
+            <a:br>
+              <a:rPr lang="en-US" altLang="ko-KR" dirty="0" smtClean="0">
+                <a:solidFill>
+                  <a:schemeClr val="accent5">
+                    <a:lumMod val="75000"/>
+                  </a:schemeClr>
+                </a:solidFill>
+              </a:rPr>
+            </a:br>
+            <a:r>
+              <a:rPr lang="en-US" altLang="ko-KR" dirty="0" err="1" smtClean="0">
+                <a:solidFill>
+                  <a:schemeClr val="accent5">
+                    <a:lumMod val="75000"/>
+                  </a:schemeClr>
+                </a:solidFill>
+              </a:rPr>
+              <a:t>algoritmi</a:t>
+            </a:r>
+            <a:endParaRPr lang="ko-KR" altLang="en-US" dirty="0">
+              <a:solidFill>
+                <a:schemeClr val="accent5">
+                  <a:lumMod val="75000"/>
+                </a:schemeClr>
+              </a:solidFill>
+            </a:endParaRPr>
+          </a:p>
+        </p:txBody>
+      </p:sp>
+      <p:sp>
+        <p:nvSpPr>
+          <p:cNvPr id="7" name="CasellaDiTesto 6"/>
+          <p:cNvSpPr txBox="1"/>
+          <p:nvPr/>
+        </p:nvSpPr>
+        <p:spPr>
+          <a:xfrm>
+            <a:off x="1619672" y="1907540"/>
+            <a:ext cx="6594882" cy="4524315"/>
+          </a:xfrm>
+          <a:prstGeom prst="rect">
+            <a:avLst/>
+          </a:prstGeom>
+          <a:noFill/>
+        </p:spPr>
+        <p:txBody>
+          <a:bodyPr wrap="none" rtlCol="0">
+            <a:spAutoFit/>
+          </a:bodyPr>
+          <a:lstStyle/>
+          <a:p>
+            <a:r>
+              <a:rPr lang="it-IT" dirty="0" smtClean="0">
+                <a:latin typeface="Calibri" pitchFamily="34" charset="0"/>
+                <a:cs typeface="Calibri" pitchFamily="34" charset="0"/>
+              </a:rPr>
+              <a:t>L’algoritmo di </a:t>
+            </a:r>
+            <a:r>
+              <a:rPr lang="it-IT" b="1" i="1" dirty="0" smtClean="0">
+                <a:solidFill>
+                  <a:srgbClr val="C00000"/>
+                </a:solidFill>
+                <a:latin typeface="Calibri" pitchFamily="34" charset="0"/>
+                <a:cs typeface="Calibri" pitchFamily="34" charset="0"/>
+              </a:rPr>
+              <a:t>k-</a:t>
+            </a:r>
+            <a:r>
+              <a:rPr lang="it-IT" b="1" i="1" dirty="0" err="1" smtClean="0">
+                <a:solidFill>
+                  <a:srgbClr val="C00000"/>
+                </a:solidFill>
+                <a:latin typeface="Calibri" pitchFamily="34" charset="0"/>
+                <a:cs typeface="Calibri" pitchFamily="34" charset="0"/>
+              </a:rPr>
+              <a:t>edge</a:t>
+            </a:r>
+            <a:r>
+              <a:rPr lang="it-IT" b="1" i="1" dirty="0" smtClean="0">
+                <a:solidFill>
+                  <a:srgbClr val="C00000"/>
+                </a:solidFill>
+                <a:latin typeface="Calibri" pitchFamily="34" charset="0"/>
+                <a:cs typeface="Calibri" pitchFamily="34" charset="0"/>
+              </a:rPr>
+              <a:t> </a:t>
+            </a:r>
+            <a:r>
+              <a:rPr lang="it-IT" b="1" i="1" dirty="0" err="1" smtClean="0">
+                <a:solidFill>
+                  <a:srgbClr val="C00000"/>
+                </a:solidFill>
+                <a:latin typeface="Calibri" pitchFamily="34" charset="0"/>
+                <a:cs typeface="Calibri" pitchFamily="34" charset="0"/>
+              </a:rPr>
+              <a:t>recommendation</a:t>
+            </a:r>
+            <a:r>
+              <a:rPr lang="it-IT" b="1" i="1" dirty="0" smtClean="0">
+                <a:solidFill>
+                  <a:srgbClr val="C00000"/>
+                </a:solidFill>
+                <a:latin typeface="Calibri" pitchFamily="34" charset="0"/>
+                <a:cs typeface="Calibri" pitchFamily="34" charset="0"/>
+              </a:rPr>
+              <a:t> </a:t>
+            </a:r>
+            <a:r>
+              <a:rPr lang="it-IT" b="1" i="1" dirty="0" err="1" smtClean="0">
+                <a:solidFill>
+                  <a:srgbClr val="00B050"/>
+                </a:solidFill>
+                <a:latin typeface="Calibri" pitchFamily="34" charset="0"/>
+                <a:cs typeface="Calibri" pitchFamily="34" charset="0"/>
+              </a:rPr>
+              <a:t>greedy</a:t>
+            </a:r>
+            <a:r>
+              <a:rPr lang="it-IT" i="1" dirty="0" smtClean="0">
+                <a:latin typeface="Calibri" pitchFamily="34" charset="0"/>
+                <a:cs typeface="Calibri" pitchFamily="34" charset="0"/>
+              </a:rPr>
+              <a:t>:</a:t>
+            </a:r>
+          </a:p>
+          <a:p>
+            <a:endParaRPr lang="it-IT" i="1" dirty="0" smtClean="0">
+              <a:latin typeface="Calibri" pitchFamily="34" charset="0"/>
+              <a:cs typeface="Calibri" pitchFamily="34" charset="0"/>
+            </a:endParaRPr>
+          </a:p>
+          <a:p>
+            <a:endParaRPr lang="it-IT" i="1" dirty="0">
+              <a:latin typeface="Calibri" pitchFamily="34" charset="0"/>
+              <a:cs typeface="Calibri" pitchFamily="34" charset="0"/>
+            </a:endParaRPr>
+          </a:p>
+          <a:p>
+            <a:pPr marL="285750" indent="-285750">
+              <a:buFont typeface="Arial" pitchFamily="34" charset="0"/>
+              <a:buChar char="•"/>
+            </a:pPr>
+            <a:r>
+              <a:rPr lang="it-IT" dirty="0">
+                <a:latin typeface="Calibri" pitchFamily="34" charset="0"/>
+                <a:cs typeface="Calibri" pitchFamily="34" charset="0"/>
+              </a:rPr>
+              <a:t>s</a:t>
+            </a:r>
+            <a:r>
+              <a:rPr lang="it-IT" dirty="0" smtClean="0">
+                <a:latin typeface="Calibri" pitchFamily="34" charset="0"/>
+                <a:cs typeface="Calibri" pitchFamily="34" charset="0"/>
+              </a:rPr>
+              <a:t>ceglie i </a:t>
+            </a:r>
+            <a:r>
+              <a:rPr lang="it-IT" b="1" i="1" dirty="0" smtClean="0">
+                <a:latin typeface="Calibri" pitchFamily="34" charset="0"/>
+                <a:cs typeface="Calibri" pitchFamily="34" charset="0"/>
+              </a:rPr>
+              <a:t>k archi </a:t>
+            </a:r>
+            <a:r>
+              <a:rPr lang="it-IT" dirty="0" smtClean="0">
+                <a:latin typeface="Calibri" pitchFamily="34" charset="0"/>
+                <a:cs typeface="Calibri" pitchFamily="34" charset="0"/>
+              </a:rPr>
+              <a:t>in </a:t>
+            </a:r>
+            <a:r>
+              <a:rPr lang="it-IT" b="1" i="1" dirty="0" smtClean="0">
+                <a:latin typeface="Calibri" pitchFamily="34" charset="0"/>
+                <a:cs typeface="Calibri" pitchFamily="34" charset="0"/>
+              </a:rPr>
+              <a:t>k </a:t>
+            </a:r>
+            <a:r>
+              <a:rPr lang="it-IT" i="1" dirty="0" err="1" smtClean="0">
+                <a:latin typeface="Calibri" pitchFamily="34" charset="0"/>
+                <a:cs typeface="Calibri" pitchFamily="34" charset="0"/>
+              </a:rPr>
+              <a:t>steps</a:t>
+            </a:r>
+            <a:r>
+              <a:rPr lang="it-IT" dirty="0" smtClean="0">
+                <a:latin typeface="Calibri" pitchFamily="34" charset="0"/>
+                <a:cs typeface="Calibri" pitchFamily="34" charset="0"/>
+              </a:rPr>
+              <a:t>;</a:t>
+            </a:r>
+          </a:p>
+          <a:p>
+            <a:pPr marL="285750" indent="-285750">
+              <a:buFont typeface="Arial" pitchFamily="34" charset="0"/>
+              <a:buChar char="•"/>
+            </a:pPr>
+            <a:endParaRPr lang="it-IT" dirty="0" smtClean="0">
+              <a:latin typeface="Calibri" pitchFamily="34" charset="0"/>
+              <a:cs typeface="Calibri" pitchFamily="34" charset="0"/>
+            </a:endParaRPr>
+          </a:p>
+          <a:p>
+            <a:pPr marL="285750" indent="-285750">
+              <a:buFont typeface="Arial" pitchFamily="34" charset="0"/>
+              <a:buChar char="•"/>
+            </a:pPr>
+            <a:endParaRPr lang="it-IT" dirty="0">
+              <a:latin typeface="Calibri" pitchFamily="34" charset="0"/>
+              <a:cs typeface="Calibri" pitchFamily="34" charset="0"/>
+            </a:endParaRPr>
+          </a:p>
+          <a:p>
+            <a:pPr marL="285750" indent="-285750">
+              <a:buFont typeface="Arial" pitchFamily="34" charset="0"/>
+              <a:buChar char="•"/>
+            </a:pPr>
+            <a:r>
+              <a:rPr lang="it-IT" dirty="0">
+                <a:latin typeface="Calibri" pitchFamily="34" charset="0"/>
+                <a:cs typeface="Calibri" pitchFamily="34" charset="0"/>
+              </a:rPr>
+              <a:t>i</a:t>
+            </a:r>
+            <a:r>
+              <a:rPr lang="it-IT" dirty="0" smtClean="0">
+                <a:latin typeface="Calibri" pitchFamily="34" charset="0"/>
+                <a:cs typeface="Calibri" pitchFamily="34" charset="0"/>
+              </a:rPr>
+              <a:t>n ogni </a:t>
+            </a:r>
+            <a:r>
+              <a:rPr lang="it-IT" i="1" dirty="0" err="1" smtClean="0">
+                <a:latin typeface="Calibri" pitchFamily="34" charset="0"/>
+                <a:cs typeface="Calibri" pitchFamily="34" charset="0"/>
+              </a:rPr>
+              <a:t>step</a:t>
+            </a:r>
+            <a:r>
+              <a:rPr lang="it-IT" i="1" dirty="0" smtClean="0">
+                <a:latin typeface="Calibri" pitchFamily="34" charset="0"/>
+                <a:cs typeface="Calibri" pitchFamily="34" charset="0"/>
+              </a:rPr>
+              <a:t> </a:t>
+            </a:r>
+            <a:r>
+              <a:rPr lang="it-IT" dirty="0" smtClean="0">
+                <a:latin typeface="Calibri" pitchFamily="34" charset="0"/>
+                <a:cs typeface="Calibri" pitchFamily="34" charset="0"/>
+              </a:rPr>
+              <a:t>esegue l’analogo dell’algoritmo </a:t>
+            </a:r>
+            <a:r>
+              <a:rPr lang="it-IT" b="1" i="1" dirty="0" smtClean="0">
+                <a:solidFill>
+                  <a:srgbClr val="00B050"/>
+                </a:solidFill>
+                <a:latin typeface="Calibri" pitchFamily="34" charset="0"/>
+                <a:cs typeface="Calibri" pitchFamily="34" charset="0"/>
+              </a:rPr>
+              <a:t>non-</a:t>
+            </a:r>
+            <a:r>
+              <a:rPr lang="it-IT" b="1" i="1" dirty="0" err="1" smtClean="0">
+                <a:solidFill>
+                  <a:srgbClr val="00B050"/>
+                </a:solidFill>
+                <a:latin typeface="Calibri" pitchFamily="34" charset="0"/>
+                <a:cs typeface="Calibri" pitchFamily="34" charset="0"/>
+              </a:rPr>
+              <a:t>greedy</a:t>
+            </a:r>
+            <a:r>
+              <a:rPr lang="it-IT" b="1" i="1" dirty="0" smtClean="0">
+                <a:solidFill>
+                  <a:srgbClr val="00B050"/>
+                </a:solidFill>
+                <a:latin typeface="Calibri" pitchFamily="34" charset="0"/>
+                <a:cs typeface="Calibri" pitchFamily="34" charset="0"/>
+              </a:rPr>
+              <a:t> </a:t>
+            </a:r>
+            <a:r>
+              <a:rPr lang="it-IT" dirty="0" smtClean="0">
+                <a:latin typeface="Calibri" pitchFamily="34" charset="0"/>
+                <a:cs typeface="Calibri" pitchFamily="34" charset="0"/>
+              </a:rPr>
+              <a:t>per </a:t>
+            </a:r>
+            <a:r>
+              <a:rPr lang="it-IT" b="1" i="1" dirty="0" smtClean="0">
+                <a:latin typeface="Calibri" pitchFamily="34" charset="0"/>
+                <a:cs typeface="Calibri" pitchFamily="34" charset="0"/>
+              </a:rPr>
+              <a:t>k = 1</a:t>
+            </a:r>
+            <a:r>
+              <a:rPr lang="it-IT" dirty="0" smtClean="0">
+                <a:latin typeface="Calibri" pitchFamily="34" charset="0"/>
+                <a:cs typeface="Calibri" pitchFamily="34" charset="0"/>
+              </a:rPr>
+              <a:t>;</a:t>
+            </a:r>
+          </a:p>
+          <a:p>
+            <a:pPr marL="285750" indent="-285750">
+              <a:buFont typeface="Arial" pitchFamily="34" charset="0"/>
+              <a:buChar char="•"/>
+            </a:pPr>
+            <a:endParaRPr lang="it-IT" dirty="0" smtClean="0">
+              <a:solidFill>
+                <a:srgbClr val="00B050"/>
+              </a:solidFill>
+              <a:latin typeface="Calibri" pitchFamily="34" charset="0"/>
+              <a:cs typeface="Calibri" pitchFamily="34" charset="0"/>
+            </a:endParaRPr>
+          </a:p>
+          <a:p>
+            <a:pPr marL="285750" indent="-285750">
+              <a:buFont typeface="Arial" pitchFamily="34" charset="0"/>
+              <a:buChar char="•"/>
+            </a:pPr>
+            <a:endParaRPr lang="it-IT" dirty="0">
+              <a:solidFill>
+                <a:srgbClr val="00B050"/>
+              </a:solidFill>
+              <a:latin typeface="Calibri" pitchFamily="34" charset="0"/>
+              <a:cs typeface="Calibri" pitchFamily="34" charset="0"/>
+            </a:endParaRPr>
+          </a:p>
+          <a:p>
+            <a:pPr marL="285750" indent="-285750">
+              <a:buFont typeface="Arial" pitchFamily="34" charset="0"/>
+              <a:buChar char="•"/>
+            </a:pPr>
+            <a:r>
+              <a:rPr lang="it-IT" dirty="0" smtClean="0">
+                <a:latin typeface="Calibri" pitchFamily="34" charset="0"/>
+                <a:cs typeface="Calibri" pitchFamily="34" charset="0"/>
+              </a:rPr>
+              <a:t>l’arco scelto ad ogni </a:t>
+            </a:r>
+            <a:r>
+              <a:rPr lang="it-IT" i="1" dirty="0" err="1" smtClean="0">
+                <a:latin typeface="Calibri" pitchFamily="34" charset="0"/>
+                <a:cs typeface="Calibri" pitchFamily="34" charset="0"/>
+              </a:rPr>
+              <a:t>step</a:t>
+            </a:r>
+            <a:r>
+              <a:rPr lang="it-IT" i="1" dirty="0" smtClean="0">
+                <a:latin typeface="Calibri" pitchFamily="34" charset="0"/>
+                <a:cs typeface="Calibri" pitchFamily="34" charset="0"/>
+              </a:rPr>
+              <a:t> </a:t>
+            </a:r>
+            <a:r>
+              <a:rPr lang="it-IT" dirty="0" smtClean="0">
+                <a:latin typeface="Calibri" pitchFamily="34" charset="0"/>
+                <a:cs typeface="Calibri" pitchFamily="34" charset="0"/>
+              </a:rPr>
+              <a:t>viene aggiunto al grafo;</a:t>
+            </a:r>
+          </a:p>
+          <a:p>
+            <a:pPr marL="285750" indent="-285750">
+              <a:buFont typeface="Arial" pitchFamily="34" charset="0"/>
+              <a:buChar char="•"/>
+            </a:pPr>
+            <a:endParaRPr lang="it-IT" dirty="0">
+              <a:solidFill>
+                <a:srgbClr val="00B050"/>
+              </a:solidFill>
+              <a:latin typeface="Calibri" pitchFamily="34" charset="0"/>
+              <a:cs typeface="Calibri" pitchFamily="34" charset="0"/>
+            </a:endParaRPr>
+          </a:p>
+          <a:p>
+            <a:pPr marL="285750" indent="-285750">
+              <a:buFont typeface="Arial" pitchFamily="34" charset="0"/>
+              <a:buChar char="•"/>
+            </a:pPr>
+            <a:endParaRPr lang="it-IT" dirty="0" smtClean="0">
+              <a:solidFill>
+                <a:srgbClr val="00B050"/>
+              </a:solidFill>
+              <a:latin typeface="Calibri" pitchFamily="34" charset="0"/>
+              <a:cs typeface="Calibri" pitchFamily="34" charset="0"/>
+            </a:endParaRPr>
+          </a:p>
+          <a:p>
+            <a:pPr marL="285750" indent="-285750">
+              <a:buFont typeface="Arial" pitchFamily="34" charset="0"/>
+              <a:buChar char="•"/>
+            </a:pPr>
+            <a:r>
+              <a:rPr lang="it-IT" dirty="0">
+                <a:latin typeface="Calibri" pitchFamily="34" charset="0"/>
+                <a:cs typeface="Calibri" pitchFamily="34" charset="0"/>
+              </a:rPr>
+              <a:t>i</a:t>
+            </a:r>
+            <a:r>
+              <a:rPr lang="it-IT" dirty="0" smtClean="0">
+                <a:latin typeface="Calibri" pitchFamily="34" charset="0"/>
+                <a:cs typeface="Calibri" pitchFamily="34" charset="0"/>
+              </a:rPr>
+              <a:t>ntuitivamente più lento rispetto alla versione </a:t>
+            </a:r>
+            <a:r>
+              <a:rPr lang="it-IT" b="1" i="1" dirty="0" smtClean="0">
+                <a:solidFill>
+                  <a:srgbClr val="00B050"/>
+                </a:solidFill>
+                <a:latin typeface="Calibri" pitchFamily="34" charset="0"/>
+                <a:cs typeface="Calibri" pitchFamily="34" charset="0"/>
+              </a:rPr>
+              <a:t>non-</a:t>
+            </a:r>
+            <a:r>
+              <a:rPr lang="it-IT" b="1" i="1" dirty="0" err="1" smtClean="0">
+                <a:solidFill>
+                  <a:srgbClr val="00B050"/>
+                </a:solidFill>
+                <a:latin typeface="Calibri" pitchFamily="34" charset="0"/>
+                <a:cs typeface="Calibri" pitchFamily="34" charset="0"/>
+              </a:rPr>
+              <a:t>greedy</a:t>
+            </a:r>
+            <a:r>
+              <a:rPr lang="it-IT" dirty="0" smtClean="0">
+                <a:latin typeface="Calibri" pitchFamily="34" charset="0"/>
+                <a:cs typeface="Calibri" pitchFamily="34" charset="0"/>
+              </a:rPr>
+              <a:t>.</a:t>
+            </a:r>
+          </a:p>
+          <a:p>
+            <a:pPr marL="285750" indent="-285750">
+              <a:buFont typeface="Arial" pitchFamily="34" charset="0"/>
+              <a:buChar char="•"/>
+            </a:pPr>
+            <a:endParaRPr lang="it-IT" dirty="0">
+              <a:solidFill>
+                <a:srgbClr val="00B050"/>
+              </a:solidFill>
+              <a:latin typeface="Calibri" pitchFamily="34" charset="0"/>
+              <a:cs typeface="Calibri" pitchFamily="34" charset="0"/>
+            </a:endParaRPr>
+          </a:p>
+          <a:p>
+            <a:pPr marL="285750" indent="-285750">
+              <a:buFont typeface="Arial" pitchFamily="34" charset="0"/>
+              <a:buChar char="•"/>
+            </a:pPr>
+            <a:endParaRPr lang="it-IT" dirty="0" smtClean="0">
+              <a:solidFill>
+                <a:srgbClr val="00B050"/>
+              </a:solidFill>
+              <a:latin typeface="Calibri" pitchFamily="34" charset="0"/>
+              <a:cs typeface="Calibri" pitchFamily="34" charset="0"/>
+            </a:endParaRPr>
+          </a:p>
+          <a:p>
+            <a:pPr marL="285750" indent="-285750">
+              <a:buFont typeface="Arial" pitchFamily="34" charset="0"/>
+              <a:buChar char="•"/>
+            </a:pPr>
+            <a:endParaRPr lang="it-IT" dirty="0">
+              <a:latin typeface="Calibri" pitchFamily="34" charset="0"/>
+              <a:cs typeface="Calibri" pitchFamily="34" charset="0"/>
+            </a:endParaRPr>
+          </a:p>
+        </p:txBody>
+      </p:sp>
+    </p:spTree>
+    <p:extLst>
+      <p:ext uri="{BB962C8B-B14F-4D97-AF65-F5344CB8AC3E}">
+        <p14:creationId xmlns:p14="http://schemas.microsoft.com/office/powerpoint/2010/main" val="4063269044"/>
+      </p:ext>
+    </p:extLst>
+  </p:cSld>
+  <p:clrMapOvr>
+    <a:masterClrMapping/>
+  </p:clrMapOvr>
+  <p:timing>
+    <p:tnLst>
+      <p:par>
+        <p:cTn id="1" dur="indefinite" restart="never" nodeType="tmRoot"/>
+      </p:par>
+    </p:tnLst>
+  </p:timing>
+</p:sld>
+</file>
+
+<file path=ppt/slides/slide25.xml><?xml version="1.0" encoding="utf-8"?>
+<p:sld xmlns:a="http://schemas.openxmlformats.org/drawingml/2006/main" xmlns:r="http://schemas.openxmlformats.org/officeDocument/2006/relationships" xmlns:p="http://schemas.openxmlformats.org/presentationml/2006/main">
+  <p:cSld>
+    <p:spTree>
+      <p:nvGrpSpPr>
+        <p:cNvPr id="1" name=""/>
+        <p:cNvGrpSpPr/>
+        <p:nvPr/>
+      </p:nvGrpSpPr>
+      <p:grpSpPr>
+        <a:xfrm>
+          <a:off x="0" y="0"/>
+          <a:ext cx="0" cy="0"/>
+          <a:chOff x="0" y="0"/>
+          <a:chExt cx="0" cy="0"/>
+        </a:xfrm>
+      </p:grpSpPr>
+      <p:sp>
+        <p:nvSpPr>
+          <p:cNvPr id="5" name="Title 3">
+            <a:extLst>
+              <a:ext uri="{FF2B5EF4-FFF2-40B4-BE49-F238E27FC236}">
+                <a16:creationId xmlns="" xmlns:a16="http://schemas.microsoft.com/office/drawing/2014/main" id="{D5B2E943-4D76-47C0-AFF3-70EEC7B728A0}"/>
+              </a:ext>
+            </a:extLst>
+          </p:cNvPr>
+          <p:cNvSpPr>
+            <a:spLocks noGrp="1"/>
+          </p:cNvSpPr>
+          <p:nvPr>
+            <p:ph type="title"/>
+          </p:nvPr>
+        </p:nvSpPr>
+        <p:spPr>
+          <a:xfrm>
+            <a:off x="0" y="271254"/>
+            <a:ext cx="9144000" cy="1069514"/>
+          </a:xfrm>
+        </p:spPr>
+        <p:txBody>
+          <a:bodyPr>
+            <a:scene3d>
+              <a:camera prst="orthographicFront"/>
+              <a:lightRig rig="threePt" dir="t"/>
+            </a:scene3d>
+            <a:sp3d extrusionH="57150">
+              <a:bevelT w="82550" h="38100" prst="coolSlant"/>
+            </a:sp3d>
+          </a:bodyPr>
+          <a:lstStyle/>
+          <a:p>
+            <a:pPr algn="ctr"/>
+            <a:r>
+              <a:rPr lang="en-US" altLang="ko-KR" dirty="0">
+                <a:solidFill>
+                  <a:schemeClr val="accent5">
+                    <a:lumMod val="75000"/>
+                  </a:schemeClr>
+                </a:solidFill>
+              </a:rPr>
+              <a:t>4</a:t>
+            </a:r>
+            <a:r>
+              <a:rPr lang="en-US" altLang="ko-KR" dirty="0" smtClean="0">
+                <a:solidFill>
+                  <a:schemeClr val="accent5">
+                    <a:lumMod val="75000"/>
+                  </a:schemeClr>
+                </a:solidFill>
+              </a:rPr>
+              <a:t> – </a:t>
+            </a:r>
+            <a:r>
+              <a:rPr lang="en-US" altLang="ko-KR" dirty="0" err="1" smtClean="0">
+                <a:solidFill>
+                  <a:schemeClr val="accent5">
+                    <a:lumMod val="75000"/>
+                  </a:schemeClr>
+                </a:solidFill>
+              </a:rPr>
+              <a:t>Implementazione</a:t>
+            </a:r>
+            <a:r>
+              <a:rPr lang="en-US" altLang="ko-KR" dirty="0" smtClean="0">
+                <a:solidFill>
+                  <a:schemeClr val="accent5">
+                    <a:lumMod val="75000"/>
+                  </a:schemeClr>
+                </a:solidFill>
+              </a:rPr>
+              <a:t/>
+            </a:r>
+            <a:br>
+              <a:rPr lang="en-US" altLang="ko-KR" dirty="0" smtClean="0">
+                <a:solidFill>
+                  <a:schemeClr val="accent5">
+                    <a:lumMod val="75000"/>
+                  </a:schemeClr>
+                </a:solidFill>
+              </a:rPr>
+            </a:br>
+            <a:r>
+              <a:rPr lang="en-US" altLang="ko-KR" dirty="0" err="1" smtClean="0">
+                <a:solidFill>
+                  <a:schemeClr val="accent5">
+                    <a:lumMod val="75000"/>
+                  </a:schemeClr>
+                </a:solidFill>
+              </a:rPr>
+              <a:t>algoritmi</a:t>
+            </a:r>
+            <a:endParaRPr lang="ko-KR" altLang="en-US" dirty="0">
+              <a:solidFill>
+                <a:schemeClr val="accent5">
+                  <a:lumMod val="75000"/>
+                </a:schemeClr>
+              </a:solidFill>
+            </a:endParaRPr>
+          </a:p>
+        </p:txBody>
+      </p:sp>
+      <mc:AlternateContent xmlns:mc="http://schemas.openxmlformats.org/markup-compatibility/2006">
+        <mc:Choice xmlns:a14="http://schemas.microsoft.com/office/drawing/2010/main" Requires="a14">
+          <p:sp>
+            <p:nvSpPr>
+              <p:cNvPr id="7" name="CasellaDiTesto 6"/>
+              <p:cNvSpPr txBox="1"/>
+              <p:nvPr/>
+            </p:nvSpPr>
+            <p:spPr>
+              <a:xfrm>
+                <a:off x="1589375" y="1916832"/>
+                <a:ext cx="7172413" cy="3693319"/>
+              </a:xfrm>
+              <a:prstGeom prst="rect">
+                <a:avLst/>
+              </a:prstGeom>
+              <a:noFill/>
+            </p:spPr>
+            <p:txBody>
+              <a:bodyPr wrap="none" rtlCol="0">
+                <a:spAutoFit/>
+              </a:bodyPr>
+              <a:lstStyle/>
+              <a:p>
+                <a:pPr algn="just"/>
+                <a:r>
+                  <a:rPr lang="it-IT" b="1" dirty="0" smtClean="0">
+                    <a:solidFill>
+                      <a:srgbClr val="C00000"/>
+                    </a:solidFill>
+                    <a:latin typeface="Calibri" pitchFamily="34" charset="0"/>
+                    <a:cs typeface="Calibri" pitchFamily="34" charset="0"/>
+                  </a:rPr>
+                  <a:t>Tempi di esecuzione</a:t>
+                </a:r>
+                <a:r>
+                  <a:rPr lang="it-IT" dirty="0" smtClean="0">
+                    <a:latin typeface="Calibri" pitchFamily="34" charset="0"/>
+                    <a:cs typeface="Calibri" pitchFamily="34" charset="0"/>
+                  </a:rPr>
+                  <a:t>, a parità di </a:t>
+                </a:r>
+                <a:r>
+                  <a:rPr lang="it-IT" b="1" i="1" dirty="0" err="1" smtClean="0">
+                    <a:solidFill>
+                      <a:schemeClr val="accent1"/>
+                    </a:solidFill>
+                    <a:latin typeface="Calibri" pitchFamily="34" charset="0"/>
+                    <a:cs typeface="Calibri" pitchFamily="34" charset="0"/>
+                  </a:rPr>
+                  <a:t>endorsement</a:t>
+                </a:r>
+                <a:r>
+                  <a:rPr lang="it-IT" b="1" i="1" dirty="0" smtClean="0">
+                    <a:solidFill>
+                      <a:schemeClr val="accent1"/>
+                    </a:solidFill>
+                    <a:latin typeface="Calibri" pitchFamily="34" charset="0"/>
+                    <a:cs typeface="Calibri" pitchFamily="34" charset="0"/>
+                  </a:rPr>
+                  <a:t> </a:t>
+                </a:r>
+                <a:r>
+                  <a:rPr lang="it-IT" b="1" i="1" dirty="0" err="1" smtClean="0">
+                    <a:solidFill>
+                      <a:schemeClr val="accent1"/>
+                    </a:solidFill>
+                    <a:latin typeface="Calibri" pitchFamily="34" charset="0"/>
+                    <a:cs typeface="Calibri" pitchFamily="34" charset="0"/>
+                  </a:rPr>
+                  <a:t>graph</a:t>
+                </a:r>
+                <a:r>
+                  <a:rPr lang="it-IT" b="1" i="1" dirty="0" smtClean="0">
+                    <a:solidFill>
+                      <a:schemeClr val="accent1"/>
+                    </a:solidFill>
+                    <a:latin typeface="Calibri" pitchFamily="34" charset="0"/>
+                    <a:cs typeface="Calibri" pitchFamily="34" charset="0"/>
+                  </a:rPr>
+                  <a:t> </a:t>
+                </a:r>
+                <a:r>
+                  <a:rPr lang="it-IT" dirty="0" smtClean="0">
+                    <a:latin typeface="Calibri" pitchFamily="34" charset="0"/>
+                    <a:cs typeface="Calibri" pitchFamily="34" charset="0"/>
+                  </a:rPr>
+                  <a:t>in input e del numero</a:t>
+                </a:r>
+              </a:p>
+              <a:p>
+                <a:pPr algn="just"/>
+                <a:r>
+                  <a:rPr lang="it-IT" dirty="0" smtClean="0">
+                    <a:latin typeface="Calibri" pitchFamily="34" charset="0"/>
+                    <a:cs typeface="Calibri" pitchFamily="34" charset="0"/>
+                  </a:rPr>
+                  <a:t>di archi da consigliare </a:t>
+                </a:r>
+                <a:r>
+                  <a:rPr lang="it-IT" b="1" dirty="0" smtClean="0">
+                    <a:latin typeface="Calibri" pitchFamily="34" charset="0"/>
+                    <a:cs typeface="Calibri" pitchFamily="34" charset="0"/>
+                  </a:rPr>
+                  <a:t>k</a:t>
+                </a:r>
+                <a:r>
+                  <a:rPr lang="it-IT" dirty="0" smtClean="0">
+                    <a:latin typeface="Calibri" pitchFamily="34" charset="0"/>
+                    <a:cs typeface="Calibri" pitchFamily="34" charset="0"/>
+                  </a:rPr>
+                  <a:t>:</a:t>
+                </a:r>
+              </a:p>
+              <a:p>
+                <a:pPr algn="just"/>
+                <a:endParaRPr lang="it-IT" dirty="0">
+                  <a:latin typeface="Calibri" pitchFamily="34" charset="0"/>
+                  <a:cs typeface="Calibri" pitchFamily="34" charset="0"/>
+                </a:endParaRPr>
+              </a:p>
+              <a:p>
+                <a:pPr algn="just"/>
+                <a:endParaRPr lang="it-IT" dirty="0" smtClean="0">
+                  <a:latin typeface="Calibri" pitchFamily="34" charset="0"/>
+                  <a:cs typeface="Calibri" pitchFamily="34" charset="0"/>
+                </a:endParaRPr>
+              </a:p>
+              <a:p>
+                <a:pPr algn="just"/>
+                <a:r>
+                  <a:rPr lang="it-IT" dirty="0" smtClean="0">
+                    <a:latin typeface="Calibri" pitchFamily="34" charset="0"/>
+                    <a:cs typeface="Calibri" pitchFamily="34" charset="0"/>
+                  </a:rPr>
+                  <a:t>Versione </a:t>
+                </a:r>
+                <a:r>
+                  <a:rPr lang="it-IT" b="1" i="1" dirty="0" smtClean="0">
+                    <a:solidFill>
+                      <a:srgbClr val="00B050"/>
+                    </a:solidFill>
+                    <a:latin typeface="Calibri" pitchFamily="34" charset="0"/>
+                    <a:cs typeface="Calibri" pitchFamily="34" charset="0"/>
+                  </a:rPr>
+                  <a:t>non-</a:t>
+                </a:r>
+                <a:r>
+                  <a:rPr lang="it-IT" b="1" i="1" dirty="0" err="1" smtClean="0">
+                    <a:solidFill>
+                      <a:srgbClr val="00B050"/>
+                    </a:solidFill>
+                    <a:latin typeface="Calibri" pitchFamily="34" charset="0"/>
+                    <a:cs typeface="Calibri" pitchFamily="34" charset="0"/>
+                  </a:rPr>
+                  <a:t>greedy</a:t>
+                </a:r>
+                <a:r>
+                  <a:rPr lang="it-IT" b="1" i="1" dirty="0" smtClean="0">
+                    <a:solidFill>
+                      <a:srgbClr val="00B050"/>
+                    </a:solidFill>
+                    <a:latin typeface="Calibri" pitchFamily="34" charset="0"/>
+                    <a:cs typeface="Calibri" pitchFamily="34" charset="0"/>
+                  </a:rPr>
+                  <a:t> </a:t>
+                </a:r>
+                <a:r>
+                  <a:rPr lang="it-IT" dirty="0" smtClean="0">
+                    <a:latin typeface="Calibri" pitchFamily="34" charset="0"/>
+                    <a:cs typeface="Calibri" pitchFamily="34" charset="0"/>
+                  </a:rPr>
+                  <a:t>                                      </a:t>
+                </a:r>
+                <a:r>
+                  <a:rPr lang="it-IT" i="1" dirty="0" smtClean="0">
+                    <a:latin typeface="Calibri" pitchFamily="34" charset="0"/>
+                    <a:cs typeface="Calibri" pitchFamily="34" charset="0"/>
+                  </a:rPr>
+                  <a:t>O</a:t>
+                </a:r>
+                <a:r>
+                  <a:rPr lang="it-IT" dirty="0" smtClean="0">
+                    <a:latin typeface="Calibri" pitchFamily="34" charset="0"/>
+                    <a:cs typeface="Calibri" pitchFamily="34" charset="0"/>
+                  </a:rPr>
+                  <a:t>(</a:t>
+                </a:r>
+                <a14:m>
+                  <m:oMath xmlns:m="http://schemas.openxmlformats.org/officeDocument/2006/math">
+                    <m:sSub>
+                      <m:sSubPr>
+                        <m:ctrlPr>
+                          <a:rPr lang="it-IT" i="1" smtClean="0">
+                            <a:latin typeface="Cambria Math"/>
+                            <a:cs typeface="Calibri" pitchFamily="34" charset="0"/>
+                          </a:rPr>
+                        </m:ctrlPr>
+                      </m:sSubPr>
+                      <m:e>
+                        <m:r>
+                          <a:rPr lang="it-IT" b="0" i="1" smtClean="0">
+                            <a:latin typeface="Cambria Math"/>
+                            <a:cs typeface="Calibri" pitchFamily="34" charset="0"/>
+                          </a:rPr>
+                          <m:t>𝑘</m:t>
+                        </m:r>
+                      </m:e>
+                      <m:sub>
+                        <m:r>
+                          <a:rPr lang="it-IT" b="0" i="1" smtClean="0">
+                            <a:latin typeface="Cambria Math"/>
+                            <a:cs typeface="Calibri" pitchFamily="34" charset="0"/>
+                          </a:rPr>
+                          <m:t>1</m:t>
+                        </m:r>
+                      </m:sub>
+                    </m:sSub>
+                    <m:r>
+                      <a:rPr lang="it-IT" i="1" smtClean="0">
+                        <a:latin typeface="Cambria Math"/>
+                        <a:ea typeface="Cambria Math"/>
+                        <a:cs typeface="Calibri" pitchFamily="34" charset="0"/>
+                      </a:rPr>
+                      <m:t>×</m:t>
+                    </m:r>
+                    <m:sSub>
+                      <m:sSubPr>
+                        <m:ctrlPr>
+                          <a:rPr lang="it-IT" i="1" smtClean="0">
+                            <a:latin typeface="Cambria Math"/>
+                            <a:ea typeface="Cambria Math"/>
+                            <a:cs typeface="Calibri" pitchFamily="34" charset="0"/>
+                          </a:rPr>
+                        </m:ctrlPr>
+                      </m:sSubPr>
+                      <m:e>
+                        <m:r>
+                          <a:rPr lang="it-IT" b="0" i="1" smtClean="0">
+                            <a:latin typeface="Cambria Math"/>
+                            <a:ea typeface="Cambria Math"/>
+                            <a:cs typeface="Calibri" pitchFamily="34" charset="0"/>
+                          </a:rPr>
+                          <m:t>𝑘</m:t>
+                        </m:r>
+                      </m:e>
+                      <m:sub>
+                        <m:r>
+                          <a:rPr lang="it-IT" b="0" i="1" smtClean="0">
+                            <a:latin typeface="Cambria Math"/>
+                            <a:ea typeface="Cambria Math"/>
+                            <a:cs typeface="Calibri" pitchFamily="34" charset="0"/>
+                          </a:rPr>
+                          <m:t>2</m:t>
+                        </m:r>
+                      </m:sub>
+                    </m:sSub>
+                  </m:oMath>
+                </a14:m>
+                <a:r>
+                  <a:rPr lang="it-IT" dirty="0" smtClean="0">
+                    <a:latin typeface="Calibri" pitchFamily="34" charset="0"/>
+                    <a:cs typeface="Calibri" pitchFamily="34" charset="0"/>
+                  </a:rPr>
+                  <a:t>)</a:t>
+                </a:r>
+              </a:p>
+              <a:p>
+                <a:pPr algn="just"/>
+                <a:endParaRPr lang="it-IT" dirty="0">
+                  <a:latin typeface="Calibri" pitchFamily="34" charset="0"/>
+                  <a:cs typeface="Calibri" pitchFamily="34" charset="0"/>
+                </a:endParaRPr>
+              </a:p>
+              <a:p>
+                <a:pPr algn="just"/>
+                <a:endParaRPr lang="it-IT" dirty="0" smtClean="0">
+                  <a:latin typeface="Calibri" pitchFamily="34" charset="0"/>
+                  <a:cs typeface="Calibri" pitchFamily="34" charset="0"/>
+                </a:endParaRPr>
+              </a:p>
+              <a:p>
+                <a:pPr algn="just"/>
+                <a:r>
+                  <a:rPr lang="it-IT" dirty="0" smtClean="0">
+                    <a:latin typeface="Calibri" pitchFamily="34" charset="0"/>
+                    <a:cs typeface="Calibri" pitchFamily="34" charset="0"/>
+                  </a:rPr>
+                  <a:t>Versione </a:t>
+                </a:r>
+                <a:r>
+                  <a:rPr lang="it-IT" b="1" i="1" dirty="0" err="1" smtClean="0">
+                    <a:solidFill>
+                      <a:srgbClr val="00B050"/>
+                    </a:solidFill>
+                    <a:latin typeface="Calibri" pitchFamily="34" charset="0"/>
+                    <a:cs typeface="Calibri" pitchFamily="34" charset="0"/>
+                  </a:rPr>
+                  <a:t>greedy</a:t>
+                </a:r>
+                <a:r>
+                  <a:rPr lang="it-IT" b="1" i="1" dirty="0" smtClean="0">
+                    <a:solidFill>
+                      <a:srgbClr val="00B050"/>
+                    </a:solidFill>
+                    <a:latin typeface="Calibri" pitchFamily="34" charset="0"/>
+                    <a:cs typeface="Calibri" pitchFamily="34" charset="0"/>
+                  </a:rPr>
+                  <a:t> </a:t>
+                </a:r>
+                <a:r>
+                  <a:rPr lang="it-IT" dirty="0" smtClean="0">
+                    <a:latin typeface="Calibri" pitchFamily="34" charset="0"/>
+                    <a:cs typeface="Calibri" pitchFamily="34" charset="0"/>
+                  </a:rPr>
+                  <a:t>                                              </a:t>
+                </a:r>
+                <a:r>
+                  <a:rPr lang="it-IT" i="1" dirty="0" smtClean="0">
+                    <a:latin typeface="Calibri" pitchFamily="34" charset="0"/>
+                    <a:cs typeface="Calibri" pitchFamily="34" charset="0"/>
+                  </a:rPr>
+                  <a:t>O</a:t>
+                </a:r>
+                <a:r>
+                  <a:rPr lang="it-IT" dirty="0" smtClean="0">
+                    <a:latin typeface="Calibri" pitchFamily="34" charset="0"/>
+                    <a:cs typeface="Calibri" pitchFamily="34" charset="0"/>
+                  </a:rPr>
+                  <a:t>(</a:t>
+                </a:r>
+                <a14:m>
+                  <m:oMath xmlns:m="http://schemas.openxmlformats.org/officeDocument/2006/math">
+                    <m:r>
+                      <a:rPr lang="it-IT" b="0" i="1" smtClean="0">
+                        <a:latin typeface="Cambria Math"/>
+                        <a:cs typeface="Calibri" pitchFamily="34" charset="0"/>
+                      </a:rPr>
+                      <m:t>𝑘</m:t>
+                    </m:r>
+                    <m:r>
+                      <a:rPr lang="it-IT" b="0" i="1" smtClean="0">
+                        <a:latin typeface="Cambria Math"/>
+                        <a:ea typeface="Cambria Math"/>
+                        <a:cs typeface="Calibri" pitchFamily="34" charset="0"/>
+                      </a:rPr>
+                      <m:t>×</m:t>
+                    </m:r>
+                    <m:sSub>
+                      <m:sSubPr>
+                        <m:ctrlPr>
+                          <a:rPr lang="it-IT" b="0" i="1" smtClean="0">
+                            <a:latin typeface="Cambria Math"/>
+                            <a:ea typeface="Cambria Math"/>
+                            <a:cs typeface="Calibri" pitchFamily="34" charset="0"/>
+                          </a:rPr>
+                        </m:ctrlPr>
+                      </m:sSubPr>
+                      <m:e>
+                        <m:r>
+                          <a:rPr lang="it-IT" b="0" i="1" smtClean="0">
+                            <a:latin typeface="Cambria Math"/>
+                            <a:ea typeface="Cambria Math"/>
+                            <a:cs typeface="Calibri" pitchFamily="34" charset="0"/>
+                          </a:rPr>
+                          <m:t>𝑘</m:t>
+                        </m:r>
+                      </m:e>
+                      <m:sub>
+                        <m:r>
+                          <a:rPr lang="it-IT" b="0" i="1" smtClean="0">
+                            <a:latin typeface="Cambria Math"/>
+                            <a:ea typeface="Cambria Math"/>
+                            <a:cs typeface="Calibri" pitchFamily="34" charset="0"/>
+                          </a:rPr>
+                          <m:t>1</m:t>
+                        </m:r>
+                      </m:sub>
+                    </m:sSub>
+                    <m:r>
+                      <a:rPr lang="it-IT" b="0" i="1" smtClean="0">
+                        <a:latin typeface="Cambria Math"/>
+                        <a:ea typeface="Cambria Math"/>
+                        <a:cs typeface="Calibri" pitchFamily="34" charset="0"/>
+                      </a:rPr>
+                      <m:t>×</m:t>
+                    </m:r>
+                    <m:sSub>
+                      <m:sSubPr>
+                        <m:ctrlPr>
+                          <a:rPr lang="it-IT" b="0" i="1" smtClean="0">
+                            <a:latin typeface="Cambria Math"/>
+                            <a:ea typeface="Cambria Math"/>
+                            <a:cs typeface="Calibri" pitchFamily="34" charset="0"/>
+                          </a:rPr>
+                        </m:ctrlPr>
+                      </m:sSubPr>
+                      <m:e>
+                        <m:r>
+                          <a:rPr lang="it-IT" b="0" i="1" smtClean="0">
+                            <a:latin typeface="Cambria Math"/>
+                            <a:ea typeface="Cambria Math"/>
+                            <a:cs typeface="Calibri" pitchFamily="34" charset="0"/>
+                          </a:rPr>
+                          <m:t>𝑘</m:t>
+                        </m:r>
+                      </m:e>
+                      <m:sub>
+                        <m:r>
+                          <a:rPr lang="it-IT" b="0" i="1" smtClean="0">
+                            <a:latin typeface="Cambria Math"/>
+                            <a:ea typeface="Cambria Math"/>
+                            <a:cs typeface="Calibri" pitchFamily="34" charset="0"/>
+                          </a:rPr>
+                          <m:t>2</m:t>
+                        </m:r>
+                      </m:sub>
+                    </m:sSub>
+                  </m:oMath>
+                </a14:m>
+                <a:r>
+                  <a:rPr lang="it-IT" dirty="0" smtClean="0">
+                    <a:latin typeface="Calibri" pitchFamily="34" charset="0"/>
+                    <a:cs typeface="Calibri" pitchFamily="34" charset="0"/>
+                  </a:rPr>
+                  <a:t>)</a:t>
+                </a:r>
+              </a:p>
+              <a:p>
+                <a:pPr algn="just"/>
+                <a:endParaRPr lang="it-IT" dirty="0">
+                  <a:latin typeface="Calibri" pitchFamily="34" charset="0"/>
+                  <a:cs typeface="Calibri" pitchFamily="34" charset="0"/>
+                </a:endParaRPr>
+              </a:p>
+              <a:p>
+                <a:pPr algn="just"/>
+                <a:endParaRPr lang="it-IT" dirty="0" smtClean="0">
+                  <a:latin typeface="Calibri" pitchFamily="34" charset="0"/>
+                  <a:cs typeface="Calibri" pitchFamily="34" charset="0"/>
+                </a:endParaRPr>
+              </a:p>
+              <a:p>
+                <a:pPr algn="just"/>
+                <a:endParaRPr lang="it-IT" dirty="0" smtClean="0">
+                  <a:latin typeface="Calibri" pitchFamily="34" charset="0"/>
+                  <a:cs typeface="Calibri" pitchFamily="34" charset="0"/>
+                </a:endParaRPr>
+              </a:p>
+              <a:p>
+                <a:pPr algn="just"/>
+                <a:r>
+                  <a:rPr lang="it-IT" dirty="0" smtClean="0">
+                    <a:latin typeface="Calibri" pitchFamily="34" charset="0"/>
+                    <a:cs typeface="Calibri" pitchFamily="34" charset="0"/>
+                  </a:rPr>
+                  <a:t>Il vantaggio dell’algoritmo </a:t>
+                </a:r>
+                <a:r>
+                  <a:rPr lang="it-IT" b="1" i="1" dirty="0" err="1" smtClean="0">
+                    <a:solidFill>
+                      <a:srgbClr val="00B050"/>
+                    </a:solidFill>
+                    <a:latin typeface="Calibri" pitchFamily="34" charset="0"/>
+                    <a:cs typeface="Calibri" pitchFamily="34" charset="0"/>
+                  </a:rPr>
+                  <a:t>greedy</a:t>
+                </a:r>
+                <a:r>
+                  <a:rPr lang="it-IT" b="1" i="1" dirty="0" smtClean="0">
+                    <a:solidFill>
+                      <a:srgbClr val="00B050"/>
+                    </a:solidFill>
+                    <a:latin typeface="Calibri" pitchFamily="34" charset="0"/>
+                    <a:cs typeface="Calibri" pitchFamily="34" charset="0"/>
+                  </a:rPr>
+                  <a:t> </a:t>
+                </a:r>
+                <a:r>
+                  <a:rPr lang="it-IT" dirty="0" smtClean="0">
+                    <a:latin typeface="Calibri" pitchFamily="34" charset="0"/>
+                    <a:cs typeface="Calibri" pitchFamily="34" charset="0"/>
+                  </a:rPr>
+                  <a:t>consiste nella </a:t>
+                </a:r>
+                <a:r>
+                  <a:rPr lang="it-IT" b="1" dirty="0" smtClean="0">
+                    <a:latin typeface="Calibri" pitchFamily="34" charset="0"/>
+                    <a:cs typeface="Calibri" pitchFamily="34" charset="0"/>
+                  </a:rPr>
+                  <a:t>maggiore </a:t>
+                </a:r>
+                <a:r>
+                  <a:rPr lang="it-IT" b="1" dirty="0" smtClean="0">
+                    <a:latin typeface="Calibri" pitchFamily="34" charset="0"/>
+                    <a:cs typeface="Calibri" pitchFamily="34" charset="0"/>
+                  </a:rPr>
+                  <a:t>efficacia </a:t>
+                </a:r>
+                <a:r>
+                  <a:rPr lang="it-IT" dirty="0" smtClean="0">
+                    <a:latin typeface="Calibri" pitchFamily="34" charset="0"/>
+                    <a:cs typeface="Calibri" pitchFamily="34" charset="0"/>
+                  </a:rPr>
+                  <a:t>degli</a:t>
+                </a:r>
+              </a:p>
+              <a:p>
+                <a:pPr algn="just"/>
+                <a:r>
+                  <a:rPr lang="it-IT" dirty="0" smtClean="0">
+                    <a:latin typeface="Calibri" pitchFamily="34" charset="0"/>
+                    <a:cs typeface="Calibri" pitchFamily="34" charset="0"/>
+                  </a:rPr>
+                  <a:t>archi che propone…</a:t>
+                </a:r>
+                <a:endParaRPr lang="it-IT" dirty="0">
+                  <a:latin typeface="Calibri" pitchFamily="34" charset="0"/>
+                  <a:cs typeface="Calibri" pitchFamily="34" charset="0"/>
+                </a:endParaRPr>
+              </a:p>
+            </p:txBody>
+          </p:sp>
+        </mc:Choice>
+        <mc:Fallback>
+          <p:sp>
+            <p:nvSpPr>
+              <p:cNvPr id="7" name="CasellaDiTesto 6"/>
+              <p:cNvSpPr txBox="1">
+                <a:spLocks noRot="1" noChangeAspect="1" noMove="1" noResize="1" noEditPoints="1" noAdjustHandles="1" noChangeArrowheads="1" noChangeShapeType="1" noTextEdit="1"/>
+              </p:cNvSpPr>
+              <p:nvPr/>
+            </p:nvSpPr>
+            <p:spPr>
+              <a:xfrm>
+                <a:off x="1589375" y="1916832"/>
+                <a:ext cx="7172413" cy="3693319"/>
+              </a:xfrm>
+              <a:prstGeom prst="rect">
+                <a:avLst/>
+              </a:prstGeom>
+              <a:blipFill rotWithShape="1">
+                <a:blip r:embed="rId2"/>
+                <a:stretch>
+                  <a:fillRect l="-765" t="-825" b="-1650"/>
+                </a:stretch>
+              </a:blipFill>
+            </p:spPr>
+            <p:txBody>
+              <a:bodyPr/>
+              <a:lstStyle/>
+              <a:p>
+                <a:r>
+                  <a:rPr lang="it-IT">
+                    <a:noFill/>
+                  </a:rPr>
+                  <a:t> </a:t>
+                </a:r>
+              </a:p>
+            </p:txBody>
+          </p:sp>
+        </mc:Fallback>
+      </mc:AlternateContent>
+      <p:sp>
+        <p:nvSpPr>
+          <p:cNvPr id="8" name="Freccia a destra 7"/>
+          <p:cNvSpPr/>
+          <p:nvPr/>
+        </p:nvSpPr>
+        <p:spPr>
+          <a:xfrm>
+            <a:off x="4390097" y="3103800"/>
+            <a:ext cx="648072" cy="253192"/>
+          </a:xfrm>
+          <a:prstGeom prst="rightArrow">
+            <a:avLst/>
+          </a:prstGeom>
+          <a:gradFill flip="none" rotWithShape="1">
+            <a:gsLst>
+              <a:gs pos="0">
+                <a:schemeClr val="accent1">
+                  <a:tint val="66000"/>
+                  <a:satMod val="160000"/>
+                </a:schemeClr>
+              </a:gs>
+              <a:gs pos="50000">
+                <a:schemeClr val="accent1">
+                  <a:tint val="44500"/>
+                  <a:satMod val="160000"/>
+                </a:schemeClr>
+              </a:gs>
+              <a:gs pos="100000">
+                <a:schemeClr val="accent1">
+                  <a:tint val="23500"/>
+                  <a:satMod val="160000"/>
+                </a:schemeClr>
+              </a:gs>
+            </a:gsLst>
+            <a:lin ang="2700000" scaled="1"/>
+            <a:tileRect/>
+          </a:gradFill>
+        </p:spPr>
+        <p:style>
+          <a:lnRef idx="2">
+            <a:schemeClr val="accent1">
+              <a:shade val="50000"/>
+            </a:schemeClr>
+          </a:lnRef>
+          <a:fillRef idx="1">
+            <a:schemeClr val="accent1"/>
+          </a:fillRef>
+          <a:effectRef idx="0">
+            <a:schemeClr val="accent1"/>
+          </a:effectRef>
+          <a:fontRef idx="minor">
+            <a:schemeClr val="lt1"/>
+          </a:fontRef>
+        </p:style>
+        <p:txBody>
+          <a:bodyPr rtlCol="0" anchor="ctr"/>
+          <a:lstStyle/>
+          <a:p>
+            <a:pPr algn="ctr"/>
+            <a:endParaRPr lang="it-IT"/>
+          </a:p>
+        </p:txBody>
+      </p:sp>
+      <p:sp>
+        <p:nvSpPr>
+          <p:cNvPr id="9" name="Freccia a destra 8"/>
+          <p:cNvSpPr/>
+          <p:nvPr/>
+        </p:nvSpPr>
+        <p:spPr>
+          <a:xfrm>
+            <a:off x="4390097" y="3933056"/>
+            <a:ext cx="648072" cy="253192"/>
+          </a:xfrm>
+          <a:prstGeom prst="rightArrow">
+            <a:avLst/>
+          </a:prstGeom>
+          <a:gradFill flip="none" rotWithShape="1">
+            <a:gsLst>
+              <a:gs pos="0">
+                <a:schemeClr val="accent1">
+                  <a:tint val="66000"/>
+                  <a:satMod val="160000"/>
+                </a:schemeClr>
+              </a:gs>
+              <a:gs pos="50000">
+                <a:schemeClr val="accent1">
+                  <a:tint val="44500"/>
+                  <a:satMod val="160000"/>
+                </a:schemeClr>
+              </a:gs>
+              <a:gs pos="100000">
+                <a:schemeClr val="accent1">
+                  <a:tint val="23500"/>
+                  <a:satMod val="160000"/>
+                </a:schemeClr>
+              </a:gs>
+            </a:gsLst>
+            <a:lin ang="2700000" scaled="1"/>
+            <a:tileRect/>
+          </a:gradFill>
+        </p:spPr>
+        <p:style>
+          <a:lnRef idx="2">
+            <a:schemeClr val="accent1">
+              <a:shade val="50000"/>
+            </a:schemeClr>
+          </a:lnRef>
+          <a:fillRef idx="1">
+            <a:schemeClr val="accent1"/>
+          </a:fillRef>
+          <a:effectRef idx="0">
+            <a:schemeClr val="accent1"/>
+          </a:effectRef>
+          <a:fontRef idx="minor">
+            <a:schemeClr val="lt1"/>
+          </a:fontRef>
+        </p:style>
+        <p:txBody>
+          <a:bodyPr rtlCol="0" anchor="ctr"/>
+          <a:lstStyle/>
+          <a:p>
+            <a:pPr algn="ctr"/>
+            <a:endParaRPr lang="it-IT"/>
+          </a:p>
+        </p:txBody>
+      </p:sp>
+    </p:spTree>
+    <p:extLst>
+      <p:ext uri="{BB962C8B-B14F-4D97-AF65-F5344CB8AC3E}">
+        <p14:creationId xmlns:p14="http://schemas.microsoft.com/office/powerpoint/2010/main" val="3773646568"/>
+      </p:ext>
+    </p:extLst>
+  </p:cSld>
+  <p:clrMapOvr>
+    <a:masterClrMapping/>
+  </p:clrMapOvr>
+  <p:timing>
+    <p:tnLst>
+      <p:par>
+        <p:cTn id="1" dur="indefinite" restart="never" nodeType="tmRoot"/>
+      </p:par>
+    </p:tnLst>
+  </p:timing>
+</p:sld>
+</file>
+
+<file path=ppt/slides/slide26.xml><?xml version="1.0" encoding="utf-8"?>
+<p:sld xmlns:a="http://schemas.openxmlformats.org/drawingml/2006/main" xmlns:r="http://schemas.openxmlformats.org/officeDocument/2006/relationships" xmlns:p="http://schemas.openxmlformats.org/presentationml/2006/main">
+  <p:cSld>
+    <p:spTree>
+      <p:nvGrpSpPr>
+        <p:cNvPr id="1" name=""/>
+        <p:cNvGrpSpPr/>
+        <p:nvPr/>
+      </p:nvGrpSpPr>
+      <p:grpSpPr>
+        <a:xfrm>
+          <a:off x="0" y="0"/>
+          <a:ext cx="0" cy="0"/>
+          <a:chOff x="0" y="0"/>
+          <a:chExt cx="0" cy="0"/>
+        </a:xfrm>
+      </p:grpSpPr>
+      <p:sp>
+        <p:nvSpPr>
+          <p:cNvPr id="5" name="Title 3">
+            <a:extLst>
+              <a:ext uri="{FF2B5EF4-FFF2-40B4-BE49-F238E27FC236}">
+                <a16:creationId xmlns="" xmlns:a16="http://schemas.microsoft.com/office/drawing/2014/main" id="{D5B2E943-4D76-47C0-AFF3-70EEC7B728A0}"/>
+              </a:ext>
+            </a:extLst>
+          </p:cNvPr>
+          <p:cNvSpPr>
+            <a:spLocks noGrp="1"/>
+          </p:cNvSpPr>
+          <p:nvPr>
+            <p:ph type="title"/>
+          </p:nvPr>
+        </p:nvSpPr>
+        <p:spPr>
+          <a:xfrm>
+            <a:off x="0" y="271254"/>
+            <a:ext cx="9144000" cy="1069514"/>
+          </a:xfrm>
+        </p:spPr>
+        <p:txBody>
+          <a:bodyPr>
+            <a:scene3d>
+              <a:camera prst="orthographicFront"/>
+              <a:lightRig rig="threePt" dir="t"/>
+            </a:scene3d>
+            <a:sp3d extrusionH="57150">
+              <a:bevelT w="82550" h="38100" prst="coolSlant"/>
+            </a:sp3d>
+          </a:bodyPr>
+          <a:lstStyle/>
+          <a:p>
+            <a:pPr algn="ctr"/>
+            <a:r>
+              <a:rPr lang="en-US" altLang="ko-KR" dirty="0">
+                <a:solidFill>
+                  <a:schemeClr val="accent5">
+                    <a:lumMod val="75000"/>
+                  </a:schemeClr>
+                </a:solidFill>
+              </a:rPr>
+              <a:t>4</a:t>
+            </a:r>
+            <a:r>
+              <a:rPr lang="en-US" altLang="ko-KR" dirty="0" smtClean="0">
+                <a:solidFill>
+                  <a:schemeClr val="accent5">
+                    <a:lumMod val="75000"/>
+                  </a:schemeClr>
+                </a:solidFill>
+              </a:rPr>
+              <a:t> – </a:t>
+            </a:r>
+            <a:r>
+              <a:rPr lang="en-US" altLang="ko-KR" dirty="0" err="1" smtClean="0">
+                <a:solidFill>
+                  <a:schemeClr val="accent5">
+                    <a:lumMod val="75000"/>
+                  </a:schemeClr>
+                </a:solidFill>
+              </a:rPr>
+              <a:t>Implementazione</a:t>
+            </a:r>
+            <a:r>
+              <a:rPr lang="en-US" altLang="ko-KR" dirty="0" smtClean="0">
+                <a:solidFill>
+                  <a:schemeClr val="accent5">
+                    <a:lumMod val="75000"/>
+                  </a:schemeClr>
+                </a:solidFill>
+              </a:rPr>
+              <a:t/>
+            </a:r>
+            <a:br>
+              <a:rPr lang="en-US" altLang="ko-KR" dirty="0" smtClean="0">
+                <a:solidFill>
+                  <a:schemeClr val="accent5">
+                    <a:lumMod val="75000"/>
+                  </a:schemeClr>
+                </a:solidFill>
+              </a:rPr>
+            </a:br>
+            <a:r>
+              <a:rPr lang="en-US" altLang="ko-KR" dirty="0" err="1" smtClean="0">
+                <a:solidFill>
+                  <a:schemeClr val="accent5">
+                    <a:lumMod val="75000"/>
+                  </a:schemeClr>
+                </a:solidFill>
+              </a:rPr>
+              <a:t>algoritmi</a:t>
+            </a:r>
+            <a:endParaRPr lang="ko-KR" altLang="en-US" dirty="0">
+              <a:solidFill>
+                <a:schemeClr val="accent5">
+                  <a:lumMod val="75000"/>
+                </a:schemeClr>
+              </a:solidFill>
+            </a:endParaRPr>
+          </a:p>
+        </p:txBody>
+      </p:sp>
+      <mc:AlternateContent xmlns:mc="http://schemas.openxmlformats.org/markup-compatibility/2006">
+        <mc:Choice xmlns:a14="http://schemas.microsoft.com/office/drawing/2010/main" Requires="a14">
+          <p:sp>
+            <p:nvSpPr>
+              <p:cNvPr id="7" name="CasellaDiTesto 6"/>
+              <p:cNvSpPr txBox="1"/>
+              <p:nvPr/>
+            </p:nvSpPr>
+            <p:spPr>
+              <a:xfrm>
+                <a:off x="1441034" y="1907540"/>
+                <a:ext cx="7802200" cy="4493538"/>
+              </a:xfrm>
+              <a:prstGeom prst="rect">
+                <a:avLst/>
+              </a:prstGeom>
+              <a:noFill/>
+            </p:spPr>
+            <p:txBody>
+              <a:bodyPr wrap="none" rtlCol="0">
+                <a:spAutoFit/>
+              </a:bodyPr>
+              <a:lstStyle/>
+              <a:p>
+                <a:pPr algn="just"/>
+                <a:r>
+                  <a:rPr lang="it-IT" dirty="0" smtClean="0">
+                    <a:latin typeface="Calibri" pitchFamily="34" charset="0"/>
+                    <a:cs typeface="Calibri" pitchFamily="34" charset="0"/>
+                  </a:rPr>
+                  <a:t>  …ed infatti, per la funzione </a:t>
+                </a:r>
+                <a:r>
+                  <a:rPr lang="it-IT" b="1" i="1" dirty="0" smtClean="0">
+                    <a:solidFill>
+                      <a:srgbClr val="00B050"/>
+                    </a:solidFill>
+                    <a:latin typeface="Calibri" pitchFamily="34" charset="0"/>
+                    <a:cs typeface="Calibri" pitchFamily="34" charset="0"/>
+                  </a:rPr>
+                  <a:t>RWC</a:t>
+                </a:r>
+                <a:r>
+                  <a:rPr lang="it-IT" dirty="0" smtClean="0">
+                    <a:latin typeface="Calibri" pitchFamily="34" charset="0"/>
+                    <a:cs typeface="Calibri" pitchFamily="34" charset="0"/>
+                  </a:rPr>
+                  <a:t>, vale la seguente disequazione:</a:t>
+                </a:r>
+              </a:p>
+              <a:p>
+                <a:endParaRPr lang="it-IT" dirty="0">
+                  <a:latin typeface="Calibri" pitchFamily="34" charset="0"/>
+                  <a:cs typeface="Calibri" pitchFamily="34" charset="0"/>
+                </a:endParaRPr>
+              </a:p>
+              <a:p>
+                <a:pPr/>
+                <a:endParaRPr lang="it-IT" dirty="0">
+                  <a:latin typeface="Calibri" pitchFamily="34" charset="0"/>
+                  <a:cs typeface="Calibri" pitchFamily="34" charset="0"/>
+                </a:endParaRPr>
+              </a:p>
+              <a:p>
+                <a:pPr/>
+                <a14:m>
+                  <m:oMathPara xmlns:m="http://schemas.openxmlformats.org/officeDocument/2006/math">
+                    <m:oMathParaPr>
+                      <m:jc m:val="center"/>
+                    </m:oMathParaPr>
+                    <m:oMath xmlns:m="http://schemas.openxmlformats.org/officeDocument/2006/math">
+                      <m:r>
+                        <a:rPr lang="it-IT" sz="1400" b="0" i="1" smtClean="0">
+                          <a:latin typeface="Cambria Math"/>
+                          <a:cs typeface="Calibri" pitchFamily="34" charset="0"/>
+                        </a:rPr>
+                        <m:t>𝑅𝑊𝐶</m:t>
+                      </m:r>
+                      <m:d>
+                        <m:dPr>
+                          <m:ctrlPr>
+                            <a:rPr lang="it-IT" sz="1400" i="1" smtClean="0">
+                              <a:latin typeface="Cambria Math"/>
+                              <a:cs typeface="Calibri" pitchFamily="34" charset="0"/>
+                            </a:rPr>
+                          </m:ctrlPr>
+                        </m:dPr>
+                        <m:e>
+                          <m:r>
+                            <a:rPr lang="it-IT" sz="1400" b="0" i="1" smtClean="0">
+                              <a:latin typeface="Cambria Math"/>
+                              <a:cs typeface="Calibri" pitchFamily="34" charset="0"/>
+                            </a:rPr>
+                            <m:t>𝐺</m:t>
+                          </m:r>
+                          <m:d>
+                            <m:dPr>
+                              <m:ctrlPr>
+                                <a:rPr lang="it-IT" sz="1400" i="1" smtClean="0">
+                                  <a:latin typeface="Cambria Math"/>
+                                  <a:cs typeface="Calibri" pitchFamily="34" charset="0"/>
+                                </a:rPr>
+                              </m:ctrlPr>
+                            </m:dPr>
+                            <m:e>
+                              <m:r>
+                                <a:rPr lang="it-IT" sz="1400" b="0" i="1" smtClean="0">
+                                  <a:latin typeface="Cambria Math"/>
+                                  <a:cs typeface="Calibri" pitchFamily="34" charset="0"/>
+                                </a:rPr>
+                                <m:t>𝑉</m:t>
+                              </m:r>
+                              <m:r>
+                                <a:rPr lang="it-IT" sz="1400" b="0" i="1" smtClean="0">
+                                  <a:latin typeface="Cambria Math"/>
+                                  <a:cs typeface="Calibri" pitchFamily="34" charset="0"/>
+                                </a:rPr>
+                                <m:t>,</m:t>
+                              </m:r>
+                              <m:r>
+                                <a:rPr lang="it-IT" sz="1400" b="0" i="1" smtClean="0">
+                                  <a:latin typeface="Cambria Math"/>
+                                  <a:cs typeface="Calibri" pitchFamily="34" charset="0"/>
+                                </a:rPr>
+                                <m:t>𝐸</m:t>
+                              </m:r>
+                            </m:e>
+                          </m:d>
+                          <m:r>
+                            <a:rPr lang="it-IT" sz="1400" b="0" i="1" smtClean="0">
+                              <a:latin typeface="Cambria Math"/>
+                              <a:cs typeface="Calibri" pitchFamily="34" charset="0"/>
+                            </a:rPr>
+                            <m:t>,</m:t>
+                          </m:r>
+                          <m:r>
+                            <a:rPr lang="it-IT" sz="1400" b="0" i="1" smtClean="0">
+                              <a:latin typeface="Cambria Math"/>
+                              <a:cs typeface="Calibri" pitchFamily="34" charset="0"/>
+                            </a:rPr>
+                            <m:t>𝑋</m:t>
+                          </m:r>
+                          <m:r>
+                            <a:rPr lang="it-IT" sz="1400" b="0" i="1" smtClean="0">
+                              <a:latin typeface="Cambria Math"/>
+                              <a:cs typeface="Calibri" pitchFamily="34" charset="0"/>
+                            </a:rPr>
+                            <m:t>,</m:t>
+                          </m:r>
+                          <m:r>
+                            <a:rPr lang="it-IT" sz="1400" b="0" i="1" smtClean="0">
+                              <a:latin typeface="Cambria Math"/>
+                              <a:cs typeface="Calibri" pitchFamily="34" charset="0"/>
+                            </a:rPr>
+                            <m:t>𝑌</m:t>
+                          </m:r>
+                        </m:e>
+                      </m:d>
+                      <m:r>
+                        <a:rPr lang="it-IT" sz="1400" b="0" i="1" smtClean="0">
+                          <a:latin typeface="Cambria Math"/>
+                          <a:cs typeface="Calibri" pitchFamily="34" charset="0"/>
+                        </a:rPr>
+                        <m:t>−</m:t>
+                      </m:r>
+                      <m:r>
+                        <a:rPr lang="it-IT" sz="1400" b="0" i="1" smtClean="0">
+                          <a:latin typeface="Cambria Math"/>
+                          <a:cs typeface="Calibri" pitchFamily="34" charset="0"/>
+                        </a:rPr>
+                        <m:t>𝑅𝑊𝐶</m:t>
+                      </m:r>
+                      <m:d>
+                        <m:dPr>
+                          <m:ctrlPr>
+                            <a:rPr lang="it-IT" sz="1400" i="1" smtClean="0">
+                              <a:latin typeface="Cambria Math"/>
+                              <a:cs typeface="Calibri" pitchFamily="34" charset="0"/>
+                            </a:rPr>
+                          </m:ctrlPr>
+                        </m:dPr>
+                        <m:e>
+                          <m:r>
+                            <a:rPr lang="it-IT" sz="1400" b="0" i="1" smtClean="0">
+                              <a:latin typeface="Cambria Math"/>
+                              <a:cs typeface="Calibri" pitchFamily="34" charset="0"/>
+                            </a:rPr>
+                            <m:t>𝐺</m:t>
+                          </m:r>
+                          <m:d>
+                            <m:dPr>
+                              <m:ctrlPr>
+                                <a:rPr lang="it-IT" sz="1400" i="1" smtClean="0">
+                                  <a:latin typeface="Cambria Math"/>
+                                  <a:cs typeface="Calibri" pitchFamily="34" charset="0"/>
+                                </a:rPr>
+                              </m:ctrlPr>
+                            </m:dPr>
+                            <m:e>
+                              <m:r>
+                                <a:rPr lang="it-IT" sz="1400" b="0" i="1" smtClean="0">
+                                  <a:latin typeface="Cambria Math"/>
+                                  <a:cs typeface="Calibri" pitchFamily="34" charset="0"/>
+                                </a:rPr>
+                                <m:t>𝑉</m:t>
+                              </m:r>
+                              <m:r>
+                                <a:rPr lang="it-IT" sz="1400" b="0" i="1" smtClean="0">
+                                  <a:latin typeface="Cambria Math"/>
+                                  <a:cs typeface="Calibri" pitchFamily="34" charset="0"/>
+                                </a:rPr>
+                                <m:t>,</m:t>
+                              </m:r>
+                              <m:r>
+                                <a:rPr lang="it-IT" sz="1400" b="0" i="1" smtClean="0">
+                                  <a:latin typeface="Cambria Math"/>
+                                  <a:cs typeface="Calibri" pitchFamily="34" charset="0"/>
+                                </a:rPr>
+                                <m:t>𝐸</m:t>
+                              </m:r>
+                              <m:r>
+                                <a:rPr lang="it-IT" sz="1400" b="0" i="1" smtClean="0">
+                                  <a:latin typeface="Cambria Math"/>
+                                  <a:ea typeface="Cambria Math"/>
+                                  <a:cs typeface="Calibri" pitchFamily="34" charset="0"/>
+                                </a:rPr>
+                                <m:t>⋃</m:t>
+                              </m:r>
+                              <m:d>
+                                <m:dPr>
+                                  <m:begChr m:val="{"/>
+                                  <m:endChr m:val="}"/>
+                                  <m:ctrlPr>
+                                    <a:rPr lang="it-IT" sz="1400" i="1" smtClean="0">
+                                      <a:latin typeface="Cambria Math"/>
+                                      <a:ea typeface="Cambria Math"/>
+                                      <a:cs typeface="Calibri" pitchFamily="34" charset="0"/>
+                                    </a:rPr>
+                                  </m:ctrlPr>
+                                </m:dPr>
+                                <m:e>
+                                  <m:r>
+                                    <a:rPr lang="it-IT" sz="1400" b="0" i="1" smtClean="0">
+                                      <a:latin typeface="Cambria Math"/>
+                                      <a:ea typeface="Cambria Math"/>
+                                      <a:cs typeface="Calibri" pitchFamily="34" charset="0"/>
+                                    </a:rPr>
+                                    <m:t>𝑒</m:t>
+                                  </m:r>
+                                </m:e>
+                              </m:d>
+                            </m:e>
+                          </m:d>
+                          <m:r>
+                            <a:rPr lang="it-IT" sz="1400" b="0" i="1" smtClean="0">
+                              <a:latin typeface="Cambria Math"/>
+                              <a:cs typeface="Calibri" pitchFamily="34" charset="0"/>
+                            </a:rPr>
+                            <m:t>,</m:t>
+                          </m:r>
+                          <m:r>
+                            <a:rPr lang="it-IT" sz="1400" b="0" i="1" smtClean="0">
+                              <a:latin typeface="Cambria Math"/>
+                              <a:cs typeface="Calibri" pitchFamily="34" charset="0"/>
+                            </a:rPr>
+                            <m:t>𝑋</m:t>
+                          </m:r>
+                          <m:r>
+                            <a:rPr lang="it-IT" sz="1400" b="0" i="1" smtClean="0">
+                              <a:latin typeface="Cambria Math"/>
+                              <a:cs typeface="Calibri" pitchFamily="34" charset="0"/>
+                            </a:rPr>
+                            <m:t>,</m:t>
+                          </m:r>
+                          <m:r>
+                            <a:rPr lang="it-IT" sz="1400" b="0" i="1" smtClean="0">
+                              <a:latin typeface="Cambria Math"/>
+                              <a:cs typeface="Calibri" pitchFamily="34" charset="0"/>
+                            </a:rPr>
+                            <m:t>𝑌</m:t>
+                          </m:r>
+                        </m:e>
+                      </m:d>
+                      <m:r>
+                        <a:rPr lang="it-IT" sz="1400" b="0" i="1" smtClean="0">
+                          <a:latin typeface="Cambria Math"/>
+                          <a:ea typeface="Cambria Math"/>
+                          <a:cs typeface="Calibri" pitchFamily="34" charset="0"/>
+                        </a:rPr>
+                        <m:t>≥</m:t>
+                      </m:r>
+                      <m:r>
+                        <a:rPr lang="it-IT" sz="1400" b="0" i="1" smtClean="0">
+                          <a:latin typeface="Cambria Math"/>
+                          <a:ea typeface="Cambria Math"/>
+                          <a:cs typeface="Calibri" pitchFamily="34" charset="0"/>
+                        </a:rPr>
+                        <m:t>𝑅𝑊𝐶</m:t>
+                      </m:r>
+                      <m:d>
+                        <m:dPr>
+                          <m:ctrlPr>
+                            <a:rPr lang="it-IT" sz="1400" i="1" smtClean="0">
+                              <a:latin typeface="Cambria Math"/>
+                              <a:ea typeface="Cambria Math"/>
+                              <a:cs typeface="Calibri" pitchFamily="34" charset="0"/>
+                            </a:rPr>
+                          </m:ctrlPr>
+                        </m:dPr>
+                        <m:e>
+                          <m:r>
+                            <a:rPr lang="it-IT" sz="1400" b="0" i="1" smtClean="0">
+                              <a:latin typeface="Cambria Math"/>
+                              <a:ea typeface="Cambria Math"/>
+                              <a:cs typeface="Calibri" pitchFamily="34" charset="0"/>
+                            </a:rPr>
+                            <m:t>𝐺</m:t>
+                          </m:r>
+                          <m:d>
+                            <m:dPr>
+                              <m:ctrlPr>
+                                <a:rPr lang="it-IT" sz="1400" i="1" smtClean="0">
+                                  <a:latin typeface="Cambria Math"/>
+                                  <a:ea typeface="Cambria Math"/>
+                                  <a:cs typeface="Calibri" pitchFamily="34" charset="0"/>
+                                </a:rPr>
+                              </m:ctrlPr>
+                            </m:dPr>
+                            <m:e>
+                              <m:r>
+                                <a:rPr lang="it-IT" sz="1400" b="0" i="1" smtClean="0">
+                                  <a:latin typeface="Cambria Math"/>
+                                  <a:ea typeface="Cambria Math"/>
+                                  <a:cs typeface="Calibri" pitchFamily="34" charset="0"/>
+                                </a:rPr>
+                                <m:t>𝑉</m:t>
+                              </m:r>
+                              <m:r>
+                                <a:rPr lang="it-IT" sz="1400" b="0" i="1" smtClean="0">
+                                  <a:latin typeface="Cambria Math"/>
+                                  <a:ea typeface="Cambria Math"/>
+                                  <a:cs typeface="Calibri" pitchFamily="34" charset="0"/>
+                                </a:rPr>
+                                <m:t>,</m:t>
+                              </m:r>
+                              <m:sSup>
+                                <m:sSupPr>
+                                  <m:ctrlPr>
+                                    <a:rPr lang="it-IT" sz="1400" i="1" smtClean="0">
+                                      <a:latin typeface="Cambria Math"/>
+                                      <a:ea typeface="Cambria Math"/>
+                                      <a:cs typeface="Calibri" pitchFamily="34" charset="0"/>
+                                    </a:rPr>
+                                  </m:ctrlPr>
+                                </m:sSupPr>
+                                <m:e>
+                                  <m:r>
+                                    <a:rPr lang="it-IT" sz="1400" b="0" i="1" smtClean="0">
+                                      <a:latin typeface="Cambria Math"/>
+                                      <a:ea typeface="Cambria Math"/>
+                                      <a:cs typeface="Calibri" pitchFamily="34" charset="0"/>
+                                    </a:rPr>
+                                    <m:t>𝐸</m:t>
+                                  </m:r>
+                                </m:e>
+                                <m:sup>
+                                  <m:r>
+                                    <a:rPr lang="it-IT" sz="1400" b="0" i="1" smtClean="0">
+                                      <a:latin typeface="Cambria Math"/>
+                                      <a:ea typeface="Cambria Math"/>
+                                      <a:cs typeface="Calibri" pitchFamily="34" charset="0"/>
+                                    </a:rPr>
+                                    <m:t>′</m:t>
+                                  </m:r>
+                                </m:sup>
+                              </m:sSup>
+                            </m:e>
+                          </m:d>
+                          <m:r>
+                            <a:rPr lang="it-IT" sz="1400" b="0" i="1" smtClean="0">
+                              <a:latin typeface="Cambria Math"/>
+                              <a:ea typeface="Cambria Math"/>
+                              <a:cs typeface="Calibri" pitchFamily="34" charset="0"/>
+                            </a:rPr>
+                            <m:t>,</m:t>
+                          </m:r>
+                          <m:r>
+                            <a:rPr lang="it-IT" sz="1400" b="0" i="1" smtClean="0">
+                              <a:latin typeface="Cambria Math"/>
+                              <a:ea typeface="Cambria Math"/>
+                              <a:cs typeface="Calibri" pitchFamily="34" charset="0"/>
+                            </a:rPr>
+                            <m:t>𝑋</m:t>
+                          </m:r>
+                          <m:r>
+                            <a:rPr lang="it-IT" sz="1400" b="0" i="1" smtClean="0">
+                              <a:latin typeface="Cambria Math"/>
+                              <a:ea typeface="Cambria Math"/>
+                              <a:cs typeface="Calibri" pitchFamily="34" charset="0"/>
+                            </a:rPr>
+                            <m:t>,</m:t>
+                          </m:r>
+                          <m:r>
+                            <a:rPr lang="it-IT" sz="1400" b="0" i="1" smtClean="0">
+                              <a:latin typeface="Cambria Math"/>
+                              <a:ea typeface="Cambria Math"/>
+                              <a:cs typeface="Calibri" pitchFamily="34" charset="0"/>
+                            </a:rPr>
+                            <m:t>𝑌</m:t>
+                          </m:r>
+                        </m:e>
+                      </m:d>
+                      <m:r>
+                        <a:rPr lang="it-IT" sz="1400" b="0" i="1" smtClean="0">
+                          <a:latin typeface="Cambria Math"/>
+                          <a:ea typeface="Cambria Math"/>
+                          <a:cs typeface="Calibri" pitchFamily="34" charset="0"/>
+                        </a:rPr>
+                        <m:t>−</m:t>
+                      </m:r>
+                      <m:r>
+                        <a:rPr lang="it-IT" sz="1400" b="0" i="1" smtClean="0">
+                          <a:latin typeface="Cambria Math"/>
+                          <a:ea typeface="Cambria Math"/>
+                          <a:cs typeface="Calibri" pitchFamily="34" charset="0"/>
+                        </a:rPr>
+                        <m:t>𝑅𝑊𝐶</m:t>
+                      </m:r>
+                      <m:r>
+                        <a:rPr lang="it-IT" sz="1400" b="0" i="1" smtClean="0">
+                          <a:latin typeface="Cambria Math"/>
+                          <a:ea typeface="Cambria Math"/>
+                          <a:cs typeface="Calibri" pitchFamily="34" charset="0"/>
+                        </a:rPr>
+                        <m:t>(</m:t>
+                      </m:r>
+                      <m:r>
+                        <a:rPr lang="it-IT" sz="1400" b="0" i="1" smtClean="0">
+                          <a:latin typeface="Cambria Math"/>
+                          <a:ea typeface="Cambria Math"/>
+                          <a:cs typeface="Calibri" pitchFamily="34" charset="0"/>
+                        </a:rPr>
+                        <m:t>𝐺</m:t>
+                      </m:r>
+                      <m:d>
+                        <m:dPr>
+                          <m:ctrlPr>
+                            <a:rPr lang="it-IT" sz="1400" i="1" smtClean="0">
+                              <a:latin typeface="Cambria Math"/>
+                              <a:ea typeface="Cambria Math"/>
+                              <a:cs typeface="Calibri" pitchFamily="34" charset="0"/>
+                            </a:rPr>
+                          </m:ctrlPr>
+                        </m:dPr>
+                        <m:e>
+                          <m:r>
+                            <a:rPr lang="it-IT" sz="1400" b="0" i="1" smtClean="0">
+                              <a:latin typeface="Cambria Math"/>
+                              <a:ea typeface="Cambria Math"/>
+                              <a:cs typeface="Calibri" pitchFamily="34" charset="0"/>
+                            </a:rPr>
+                            <m:t>𝑉</m:t>
+                          </m:r>
+                          <m:r>
+                            <a:rPr lang="it-IT" sz="1400" b="0" i="1" smtClean="0">
+                              <a:latin typeface="Cambria Math"/>
+                              <a:ea typeface="Cambria Math"/>
+                              <a:cs typeface="Calibri" pitchFamily="34" charset="0"/>
+                            </a:rPr>
+                            <m:t>,</m:t>
+                          </m:r>
+                          <m:sSup>
+                            <m:sSupPr>
+                              <m:ctrlPr>
+                                <a:rPr lang="it-IT" sz="1400" i="1" smtClean="0">
+                                  <a:latin typeface="Cambria Math"/>
+                                  <a:ea typeface="Cambria Math"/>
+                                  <a:cs typeface="Calibri" pitchFamily="34" charset="0"/>
+                                </a:rPr>
+                              </m:ctrlPr>
+                            </m:sSupPr>
+                            <m:e>
+                              <m:r>
+                                <a:rPr lang="it-IT" sz="1400" b="0" i="1" smtClean="0">
+                                  <a:latin typeface="Cambria Math"/>
+                                  <a:ea typeface="Cambria Math"/>
+                                  <a:cs typeface="Calibri" pitchFamily="34" charset="0"/>
+                                </a:rPr>
+                                <m:t>𝐸</m:t>
+                              </m:r>
+                            </m:e>
+                            <m:sup>
+                              <m:r>
+                                <a:rPr lang="it-IT" sz="1400" b="0" i="1" smtClean="0">
+                                  <a:latin typeface="Cambria Math"/>
+                                  <a:ea typeface="Cambria Math"/>
+                                  <a:cs typeface="Calibri" pitchFamily="34" charset="0"/>
+                                </a:rPr>
+                                <m:t>′</m:t>
+                              </m:r>
+                            </m:sup>
+                          </m:sSup>
+                          <m:r>
+                            <a:rPr lang="it-IT" sz="1400" b="0" i="1" smtClean="0">
+                              <a:latin typeface="Cambria Math"/>
+                              <a:ea typeface="Cambria Math"/>
+                              <a:cs typeface="Calibri" pitchFamily="34" charset="0"/>
+                            </a:rPr>
+                            <m:t>⋃</m:t>
+                          </m:r>
+                          <m:d>
+                            <m:dPr>
+                              <m:begChr m:val="{"/>
+                              <m:endChr m:val="}"/>
+                              <m:ctrlPr>
+                                <a:rPr lang="it-IT" sz="1400" i="1" smtClean="0">
+                                  <a:latin typeface="Cambria Math"/>
+                                  <a:ea typeface="Cambria Math"/>
+                                  <a:cs typeface="Calibri" pitchFamily="34" charset="0"/>
+                                </a:rPr>
+                              </m:ctrlPr>
+                            </m:dPr>
+                            <m:e>
+                              <m:r>
+                                <a:rPr lang="it-IT" sz="1400" b="0" i="1" smtClean="0">
+                                  <a:latin typeface="Cambria Math"/>
+                                  <a:ea typeface="Cambria Math"/>
+                                  <a:cs typeface="Calibri" pitchFamily="34" charset="0"/>
+                                </a:rPr>
+                                <m:t>𝑒</m:t>
+                              </m:r>
+                            </m:e>
+                          </m:d>
+                        </m:e>
+                      </m:d>
+                      <m:r>
+                        <a:rPr lang="it-IT" sz="1400" b="0" i="1" smtClean="0">
+                          <a:latin typeface="Cambria Math"/>
+                          <a:ea typeface="Cambria Math"/>
+                          <a:cs typeface="Calibri" pitchFamily="34" charset="0"/>
+                        </a:rPr>
+                        <m:t>,</m:t>
+                      </m:r>
+                      <m:r>
+                        <a:rPr lang="it-IT" sz="1400" b="0" i="1" smtClean="0">
+                          <a:latin typeface="Cambria Math"/>
+                          <a:ea typeface="Cambria Math"/>
+                          <a:cs typeface="Calibri" pitchFamily="34" charset="0"/>
+                        </a:rPr>
+                        <m:t>𝑋</m:t>
+                      </m:r>
+                      <m:r>
+                        <a:rPr lang="it-IT" sz="1400" b="0" i="1" smtClean="0">
+                          <a:latin typeface="Cambria Math"/>
+                          <a:ea typeface="Cambria Math"/>
+                          <a:cs typeface="Calibri" pitchFamily="34" charset="0"/>
+                        </a:rPr>
+                        <m:t>,</m:t>
+                      </m:r>
+                      <m:r>
+                        <a:rPr lang="it-IT" sz="1400" b="0" i="1" smtClean="0">
+                          <a:latin typeface="Cambria Math"/>
+                          <a:ea typeface="Cambria Math"/>
+                          <a:cs typeface="Calibri" pitchFamily="34" charset="0"/>
+                        </a:rPr>
+                        <m:t>𝑌</m:t>
+                      </m:r>
+                      <m:r>
+                        <a:rPr lang="it-IT" sz="1400" b="0" i="1" smtClean="0">
+                          <a:latin typeface="Cambria Math"/>
+                          <a:ea typeface="Cambria Math"/>
+                          <a:cs typeface="Calibri" pitchFamily="34" charset="0"/>
+                        </a:rPr>
+                        <m:t>)</m:t>
+                      </m:r>
+                    </m:oMath>
+                  </m:oMathPara>
+                </a14:m>
+                <a:endParaRPr lang="it-IT" sz="1400" i="1" dirty="0" smtClean="0">
+                  <a:latin typeface="Calibri" pitchFamily="34" charset="0"/>
+                  <a:cs typeface="Calibri" pitchFamily="34" charset="0"/>
+                </a:endParaRPr>
+              </a:p>
+              <a:p>
+                <a:pPr/>
+                <a:endParaRPr lang="it-IT" sz="1400" dirty="0">
+                  <a:latin typeface="Calibri" pitchFamily="34" charset="0"/>
+                  <a:cs typeface="Calibri" pitchFamily="34" charset="0"/>
+                </a:endParaRPr>
+              </a:p>
+              <a:p>
+                <a:pPr/>
+                <a14:m>
+                  <m:oMathPara xmlns:m="http://schemas.openxmlformats.org/officeDocument/2006/math">
+                    <m:oMathParaPr>
+                      <m:jc m:val="center"/>
+                    </m:oMathParaPr>
+                    <m:oMath xmlns:m="http://schemas.openxmlformats.org/officeDocument/2006/math">
+                      <m:r>
+                        <a:rPr lang="it-IT" sz="1400" i="1" smtClean="0">
+                          <a:latin typeface="Cambria Math"/>
+                          <a:ea typeface="Cambria Math"/>
+                          <a:cs typeface="Calibri" pitchFamily="34" charset="0"/>
+                        </a:rPr>
+                        <m:t>∀</m:t>
+                      </m:r>
+                      <m:sSup>
+                        <m:sSupPr>
+                          <m:ctrlPr>
+                            <a:rPr lang="it-IT" sz="1400" b="0" i="1" smtClean="0">
+                              <a:latin typeface="Cambria Math"/>
+                              <a:ea typeface="Cambria Math"/>
+                              <a:cs typeface="Calibri" pitchFamily="34" charset="0"/>
+                            </a:rPr>
+                          </m:ctrlPr>
+                        </m:sSupPr>
+                        <m:e>
+                          <m:r>
+                            <a:rPr lang="it-IT" sz="1400" b="0" i="1" smtClean="0">
+                              <a:latin typeface="Cambria Math"/>
+                              <a:ea typeface="Cambria Math"/>
+                              <a:cs typeface="Calibri" pitchFamily="34" charset="0"/>
+                            </a:rPr>
+                            <m:t>𝐸</m:t>
+                          </m:r>
+                        </m:e>
+                        <m:sup>
+                          <m:r>
+                            <a:rPr lang="it-IT" sz="1400" b="0" i="1" smtClean="0">
+                              <a:latin typeface="Cambria Math"/>
+                              <a:ea typeface="Cambria Math"/>
+                              <a:cs typeface="Calibri" pitchFamily="34" charset="0"/>
+                            </a:rPr>
+                            <m:t>′</m:t>
+                          </m:r>
+                        </m:sup>
+                      </m:sSup>
+                      <m:r>
+                        <a:rPr lang="it-IT" sz="1400" b="0" i="1" smtClean="0">
+                          <a:latin typeface="Cambria Math"/>
+                          <a:ea typeface="Cambria Math"/>
+                          <a:cs typeface="Calibri" pitchFamily="34" charset="0"/>
+                        </a:rPr>
+                        <m:t>⊇</m:t>
+                      </m:r>
+                      <m:r>
+                        <a:rPr lang="it-IT" sz="1400" b="0" i="1" smtClean="0">
+                          <a:latin typeface="Cambria Math"/>
+                          <a:ea typeface="Cambria Math"/>
+                          <a:cs typeface="Calibri" pitchFamily="34" charset="0"/>
+                        </a:rPr>
+                        <m:t>𝐸</m:t>
+                      </m:r>
+                      <m:r>
+                        <a:rPr lang="it-IT" sz="1400" b="0" i="1" smtClean="0">
+                          <a:latin typeface="Cambria Math"/>
+                          <a:ea typeface="Cambria Math"/>
+                          <a:cs typeface="Calibri" pitchFamily="34" charset="0"/>
+                        </a:rPr>
+                        <m:t>,∀</m:t>
+                      </m:r>
+                      <m:r>
+                        <a:rPr lang="it-IT" sz="1400" b="0" i="1" smtClean="0">
+                          <a:latin typeface="Cambria Math"/>
+                          <a:ea typeface="Cambria Math"/>
+                          <a:cs typeface="Calibri" pitchFamily="34" charset="0"/>
+                        </a:rPr>
+                        <m:t>𝑒</m:t>
+                      </m:r>
+                      <m:r>
+                        <a:rPr lang="it-IT" sz="1400" b="0" i="1" smtClean="0">
+                          <a:latin typeface="Cambria Math"/>
+                          <a:ea typeface="Cambria Math"/>
+                          <a:cs typeface="Calibri" pitchFamily="34" charset="0"/>
+                        </a:rPr>
+                        <m:t>∈</m:t>
+                      </m:r>
+                      <m:r>
+                        <a:rPr lang="it-IT" sz="1400" b="0" i="1" smtClean="0">
+                          <a:latin typeface="Cambria Math"/>
+                          <a:ea typeface="Cambria Math"/>
+                          <a:cs typeface="Calibri" pitchFamily="34" charset="0"/>
+                        </a:rPr>
+                        <m:t>𝑉</m:t>
+                      </m:r>
+                      <m:r>
+                        <a:rPr lang="it-IT" sz="1400" b="0" i="1" smtClean="0">
+                          <a:latin typeface="Cambria Math"/>
+                          <a:ea typeface="Cambria Math"/>
+                          <a:cs typeface="Calibri" pitchFamily="34" charset="0"/>
+                        </a:rPr>
+                        <m:t>×</m:t>
+                      </m:r>
+                      <m:r>
+                        <a:rPr lang="it-IT" sz="1400" b="0" i="1" smtClean="0">
+                          <a:latin typeface="Cambria Math"/>
+                          <a:ea typeface="Cambria Math"/>
+                          <a:cs typeface="Calibri" pitchFamily="34" charset="0"/>
+                        </a:rPr>
+                        <m:t>𝑉</m:t>
+                      </m:r>
+                      <m:r>
+                        <a:rPr lang="it-IT" sz="1400" b="0" i="1" smtClean="0">
+                          <a:latin typeface="Cambria Math"/>
+                          <a:ea typeface="Cambria Math"/>
+                          <a:cs typeface="Calibri" pitchFamily="34" charset="0"/>
+                        </a:rPr>
+                        <m:t>∖</m:t>
+                      </m:r>
+                      <m:r>
+                        <a:rPr lang="it-IT" sz="1400" b="0" i="1" smtClean="0">
+                          <a:latin typeface="Cambria Math"/>
+                          <a:ea typeface="Cambria Math"/>
+                          <a:cs typeface="Calibri" pitchFamily="34" charset="0"/>
+                        </a:rPr>
+                        <m:t>𝐸</m:t>
+                      </m:r>
+                      <m:r>
+                        <a:rPr lang="it-IT" sz="1400" b="0" i="1" smtClean="0">
+                          <a:latin typeface="Cambria Math"/>
+                          <a:ea typeface="Cambria Math"/>
+                          <a:cs typeface="Calibri" pitchFamily="34" charset="0"/>
+                        </a:rPr>
+                        <m:t>′</m:t>
+                      </m:r>
+                    </m:oMath>
+                  </m:oMathPara>
+                </a14:m>
+                <a:endParaRPr lang="it-IT" sz="1400" dirty="0" smtClean="0">
+                  <a:latin typeface="Calibri" pitchFamily="34" charset="0"/>
+                  <a:cs typeface="Calibri" pitchFamily="34" charset="0"/>
+                </a:endParaRPr>
+              </a:p>
+              <a:p>
+                <a:pPr/>
+                <a:endParaRPr lang="it-IT" sz="1400" dirty="0" smtClean="0">
+                  <a:latin typeface="Calibri" pitchFamily="34" charset="0"/>
+                  <a:cs typeface="Calibri" pitchFamily="34" charset="0"/>
+                </a:endParaRPr>
+              </a:p>
+              <a:p>
+                <a:pPr/>
+                <a:endParaRPr lang="it-IT" sz="1400" dirty="0">
+                  <a:latin typeface="Calibri" pitchFamily="34" charset="0"/>
+                  <a:cs typeface="Calibri" pitchFamily="34" charset="0"/>
+                </a:endParaRPr>
+              </a:p>
+              <a:p>
+                <a:pPr marL="285750" indent="-285750">
+                  <a:buFont typeface="Arial" pitchFamily="34" charset="0"/>
+                  <a:buChar char="•"/>
+                </a:pPr>
+                <a:r>
+                  <a:rPr lang="it-IT" dirty="0">
+                    <a:latin typeface="Calibri" pitchFamily="34" charset="0"/>
+                    <a:cs typeface="Calibri" pitchFamily="34" charset="0"/>
+                  </a:rPr>
+                  <a:t> </a:t>
+                </a:r>
+                <a:r>
+                  <a:rPr lang="it-IT" dirty="0" smtClean="0">
+                    <a:latin typeface="Calibri" pitchFamily="34" charset="0"/>
+                    <a:cs typeface="Calibri" pitchFamily="34" charset="0"/>
+                  </a:rPr>
+                  <a:t>La versione </a:t>
+                </a:r>
+                <a:r>
+                  <a:rPr lang="it-IT" b="1" i="1" dirty="0" smtClean="0">
+                    <a:solidFill>
+                      <a:srgbClr val="00B050"/>
+                    </a:solidFill>
+                    <a:latin typeface="Calibri" pitchFamily="34" charset="0"/>
+                    <a:cs typeface="Calibri" pitchFamily="34" charset="0"/>
+                  </a:rPr>
+                  <a:t>non-</a:t>
+                </a:r>
+                <a:r>
+                  <a:rPr lang="it-IT" b="1" i="1" dirty="0" err="1" smtClean="0">
+                    <a:solidFill>
+                      <a:srgbClr val="00B050"/>
+                    </a:solidFill>
+                    <a:latin typeface="Calibri" pitchFamily="34" charset="0"/>
+                    <a:cs typeface="Calibri" pitchFamily="34" charset="0"/>
+                  </a:rPr>
+                  <a:t>greedy</a:t>
+                </a:r>
+                <a:r>
+                  <a:rPr lang="it-IT" u="sng" dirty="0" smtClean="0">
+                    <a:latin typeface="Calibri" pitchFamily="34" charset="0"/>
+                    <a:cs typeface="Calibri" pitchFamily="34" charset="0"/>
+                  </a:rPr>
+                  <a:t> sceglie i </a:t>
+                </a:r>
+                <a:r>
+                  <a:rPr lang="it-IT" b="1" i="1" u="sng" dirty="0" smtClean="0">
+                    <a:latin typeface="Calibri" pitchFamily="34" charset="0"/>
+                    <a:cs typeface="Calibri" pitchFamily="34" charset="0"/>
+                  </a:rPr>
+                  <a:t>k </a:t>
+                </a:r>
+                <a:r>
+                  <a:rPr lang="it-IT" b="1" u="sng" dirty="0" smtClean="0">
+                    <a:latin typeface="Calibri" pitchFamily="34" charset="0"/>
+                    <a:cs typeface="Calibri" pitchFamily="34" charset="0"/>
+                  </a:rPr>
+                  <a:t>archi</a:t>
+                </a:r>
+                <a:r>
+                  <a:rPr lang="it-IT" u="sng" dirty="0">
+                    <a:latin typeface="Calibri" pitchFamily="34" charset="0"/>
+                    <a:cs typeface="Calibri" pitchFamily="34" charset="0"/>
+                  </a:rPr>
+                  <a:t> </a:t>
+                </a:r>
+                <a:r>
+                  <a:rPr lang="it-IT" u="sng" dirty="0" smtClean="0">
+                    <a:latin typeface="Calibri" pitchFamily="34" charset="0"/>
+                    <a:cs typeface="Calibri" pitchFamily="34" charset="0"/>
+                  </a:rPr>
+                  <a:t>non tenendo conto che il </a:t>
+                </a:r>
+                <a14:m>
+                  <m:oMath xmlns:m="http://schemas.openxmlformats.org/officeDocument/2006/math">
+                    <m:r>
+                      <a:rPr lang="it-IT" b="1" i="1" u="sng">
+                        <a:latin typeface="Cambria Math"/>
+                        <a:ea typeface="Cambria Math"/>
+                        <a:cs typeface="Calibri" pitchFamily="34" charset="0"/>
+                      </a:rPr>
+                      <m:t>𝜹</m:t>
+                    </m:r>
+                    <m:r>
+                      <a:rPr lang="it-IT" b="1" i="1" u="sng">
+                        <a:latin typeface="Cambria Math"/>
+                        <a:ea typeface="Cambria Math"/>
+                        <a:cs typeface="Calibri" pitchFamily="34" charset="0"/>
+                      </a:rPr>
+                      <m:t>𝑹𝑾𝑪</m:t>
+                    </m:r>
+                  </m:oMath>
+                </a14:m>
+                <a:r>
+                  <a:rPr lang="it-IT" u="sng" dirty="0">
+                    <a:latin typeface="Calibri" pitchFamily="34" charset="0"/>
+                    <a:cs typeface="Calibri" pitchFamily="34" charset="0"/>
+                  </a:rPr>
+                  <a:t> </a:t>
+                </a:r>
+                <a:endParaRPr lang="it-IT" u="sng" dirty="0" smtClean="0">
+                  <a:latin typeface="Calibri" pitchFamily="34" charset="0"/>
+                  <a:cs typeface="Calibri" pitchFamily="34" charset="0"/>
+                </a:endParaRPr>
+              </a:p>
+              <a:p>
+                <a:pPr/>
+                <a:r>
+                  <a:rPr lang="it-IT" u="sng" dirty="0" smtClean="0">
+                    <a:latin typeface="Calibri" pitchFamily="34" charset="0"/>
+                    <a:cs typeface="Calibri" pitchFamily="34" charset="0"/>
+                  </a:rPr>
+                  <a:t>       che ciascuno di essi </a:t>
+                </a:r>
+                <a:r>
+                  <a:rPr lang="it-IT" b="1" u="sng" dirty="0" smtClean="0">
+                    <a:latin typeface="Calibri" pitchFamily="34" charset="0"/>
+                    <a:cs typeface="Calibri" pitchFamily="34" charset="0"/>
+                  </a:rPr>
+                  <a:t>effettivamente </a:t>
+                </a:r>
+                <a:r>
+                  <a:rPr lang="it-IT" u="sng" dirty="0" smtClean="0">
+                    <a:latin typeface="Calibri" pitchFamily="34" charset="0"/>
+                    <a:cs typeface="Calibri" pitchFamily="34" charset="0"/>
+                  </a:rPr>
+                  <a:t>consente dipende dallo </a:t>
+                </a:r>
+                <a:r>
+                  <a:rPr lang="it-IT" b="1" u="sng" dirty="0" smtClean="0">
+                    <a:latin typeface="Calibri" pitchFamily="34" charset="0"/>
+                    <a:cs typeface="Calibri" pitchFamily="34" charset="0"/>
+                  </a:rPr>
+                  <a:t>stato attuale</a:t>
+                </a:r>
+              </a:p>
+              <a:p>
+                <a:pPr/>
+                <a:r>
+                  <a:rPr lang="it-IT" u="sng" dirty="0" smtClean="0">
+                    <a:latin typeface="Calibri" pitchFamily="34" charset="0"/>
+                    <a:cs typeface="Calibri" pitchFamily="34" charset="0"/>
+                  </a:rPr>
+                  <a:t>       del grafo.</a:t>
+                </a:r>
+              </a:p>
+              <a:p>
+                <a:pPr/>
+                <a:endParaRPr lang="it-IT" u="sng" dirty="0">
+                  <a:latin typeface="Calibri" pitchFamily="34" charset="0"/>
+                  <a:cs typeface="Calibri" pitchFamily="34" charset="0"/>
+                </a:endParaRPr>
+              </a:p>
+              <a:p>
+                <a:pPr marL="285750" indent="-285750">
+                  <a:buFont typeface="Arial" pitchFamily="34" charset="0"/>
+                  <a:buChar char="•"/>
+                </a:pPr>
+                <a:r>
+                  <a:rPr lang="it-IT" dirty="0" smtClean="0">
+                    <a:latin typeface="Calibri" pitchFamily="34" charset="0"/>
+                    <a:cs typeface="Calibri" pitchFamily="34" charset="0"/>
+                  </a:rPr>
+                  <a:t>Ciò fa sì che il </a:t>
+                </a:r>
+                <a14:m>
+                  <m:oMath xmlns:m="http://schemas.openxmlformats.org/officeDocument/2006/math">
+                    <m:r>
+                      <a:rPr lang="it-IT" b="1" i="1">
+                        <a:latin typeface="Cambria Math"/>
+                        <a:ea typeface="Cambria Math"/>
+                        <a:cs typeface="Calibri" pitchFamily="34" charset="0"/>
+                      </a:rPr>
+                      <m:t>𝜹</m:t>
+                    </m:r>
+                    <m:r>
+                      <a:rPr lang="it-IT" b="1" i="1">
+                        <a:latin typeface="Cambria Math"/>
+                        <a:ea typeface="Cambria Math"/>
+                        <a:cs typeface="Calibri" pitchFamily="34" charset="0"/>
+                      </a:rPr>
+                      <m:t>𝑹𝑾𝑪</m:t>
+                    </m:r>
+                  </m:oMath>
+                </a14:m>
+                <a:r>
+                  <a:rPr lang="it-IT" dirty="0" smtClean="0">
+                    <a:latin typeface="Calibri" pitchFamily="34" charset="0"/>
+                    <a:cs typeface="Calibri" pitchFamily="34" charset="0"/>
+                  </a:rPr>
+                  <a:t> </a:t>
+                </a:r>
+                <a:r>
+                  <a:rPr lang="it-IT" u="sng" dirty="0" smtClean="0">
+                    <a:latin typeface="Calibri" pitchFamily="34" charset="0"/>
+                    <a:cs typeface="Calibri" pitchFamily="34" charset="0"/>
+                  </a:rPr>
+                  <a:t>effettivamente</a:t>
+                </a:r>
+                <a:r>
+                  <a:rPr lang="it-IT" dirty="0" smtClean="0">
+                    <a:latin typeface="Calibri" pitchFamily="34" charset="0"/>
+                    <a:cs typeface="Calibri" pitchFamily="34" charset="0"/>
+                  </a:rPr>
+                  <a:t> apportato da ogni arco scelto da </a:t>
+                </a:r>
+              </a:p>
+              <a:p>
+                <a:pPr/>
+                <a:r>
+                  <a:rPr lang="it-IT" dirty="0">
+                    <a:latin typeface="Calibri" pitchFamily="34" charset="0"/>
+                    <a:cs typeface="Calibri" pitchFamily="34" charset="0"/>
+                  </a:rPr>
+                  <a:t> </a:t>
+                </a:r>
+                <a:r>
+                  <a:rPr lang="it-IT" dirty="0" smtClean="0">
+                    <a:latin typeface="Calibri" pitchFamily="34" charset="0"/>
+                    <a:cs typeface="Calibri" pitchFamily="34" charset="0"/>
+                  </a:rPr>
+                  <a:t>     </a:t>
+                </a:r>
+                <a:r>
+                  <a:rPr lang="it-IT" b="1" i="1" dirty="0" smtClean="0">
+                    <a:solidFill>
+                      <a:srgbClr val="00B050"/>
+                    </a:solidFill>
+                    <a:latin typeface="Calibri" pitchFamily="34" charset="0"/>
+                    <a:cs typeface="Calibri" pitchFamily="34" charset="0"/>
+                  </a:rPr>
+                  <a:t>non-</a:t>
+                </a:r>
+                <a:r>
+                  <a:rPr lang="it-IT" b="1" i="1" dirty="0" err="1" smtClean="0">
+                    <a:solidFill>
+                      <a:srgbClr val="00B050"/>
+                    </a:solidFill>
+                    <a:latin typeface="Calibri" pitchFamily="34" charset="0"/>
+                    <a:cs typeface="Calibri" pitchFamily="34" charset="0"/>
+                  </a:rPr>
+                  <a:t>greedy</a:t>
+                </a:r>
+                <a:r>
+                  <a:rPr lang="it-IT" dirty="0" smtClean="0">
+                    <a:latin typeface="Calibri" pitchFamily="34" charset="0"/>
+                    <a:cs typeface="Calibri" pitchFamily="34" charset="0"/>
+                  </a:rPr>
+                  <a:t> sia </a:t>
+                </a:r>
+                <a:r>
+                  <a:rPr lang="it-IT" b="1" dirty="0" smtClean="0">
+                    <a:solidFill>
+                      <a:srgbClr val="C00000"/>
+                    </a:solidFill>
+                    <a:latin typeface="Calibri" pitchFamily="34" charset="0"/>
+                    <a:cs typeface="Calibri" pitchFamily="34" charset="0"/>
+                  </a:rPr>
+                  <a:t>minore o uguale </a:t>
+                </a:r>
+                <a:r>
+                  <a:rPr lang="it-IT" dirty="0">
+                    <a:latin typeface="Calibri" pitchFamily="34" charset="0"/>
+                    <a:cs typeface="Calibri" pitchFamily="34" charset="0"/>
+                  </a:rPr>
+                  <a:t>a</a:t>
+                </a:r>
+                <a:r>
+                  <a:rPr lang="it-IT" dirty="0" smtClean="0">
+                    <a:latin typeface="Calibri" pitchFamily="34" charset="0"/>
+                    <a:cs typeface="Calibri" pitchFamily="34" charset="0"/>
+                  </a:rPr>
+                  <a:t>l </a:t>
+                </a:r>
+                <a14:m>
+                  <m:oMath xmlns:m="http://schemas.openxmlformats.org/officeDocument/2006/math">
+                    <m:r>
+                      <a:rPr lang="it-IT" b="1" i="1">
+                        <a:latin typeface="Cambria Math"/>
+                        <a:ea typeface="Cambria Math"/>
+                        <a:cs typeface="Calibri" pitchFamily="34" charset="0"/>
+                      </a:rPr>
+                      <m:t>𝜹</m:t>
+                    </m:r>
+                    <m:r>
+                      <a:rPr lang="it-IT" b="1" i="1">
+                        <a:latin typeface="Cambria Math"/>
+                        <a:ea typeface="Cambria Math"/>
+                        <a:cs typeface="Calibri" pitchFamily="34" charset="0"/>
+                      </a:rPr>
+                      <m:t>𝑹𝑾𝑪</m:t>
+                    </m:r>
+                  </m:oMath>
+                </a14:m>
+                <a:r>
+                  <a:rPr lang="it-IT" dirty="0">
+                    <a:latin typeface="Calibri" pitchFamily="34" charset="0"/>
+                    <a:cs typeface="Calibri" pitchFamily="34" charset="0"/>
+                  </a:rPr>
+                  <a:t> </a:t>
+                </a:r>
+                <a:r>
+                  <a:rPr lang="it-IT" u="sng" dirty="0" smtClean="0">
+                    <a:latin typeface="Calibri" pitchFamily="34" charset="0"/>
+                    <a:cs typeface="Calibri" pitchFamily="34" charset="0"/>
+                  </a:rPr>
+                  <a:t>atteso</a:t>
+                </a:r>
+                <a:r>
+                  <a:rPr lang="it-IT" dirty="0" smtClean="0">
+                    <a:latin typeface="Calibri" pitchFamily="34" charset="0"/>
+                    <a:cs typeface="Calibri" pitchFamily="34" charset="0"/>
+                  </a:rPr>
+                  <a:t>.</a:t>
+                </a:r>
+              </a:p>
+              <a:p>
+                <a:pPr/>
+                <a:endParaRPr lang="it-IT" dirty="0">
+                  <a:latin typeface="Calibri" pitchFamily="34" charset="0"/>
+                  <a:cs typeface="Calibri" pitchFamily="34" charset="0"/>
+                </a:endParaRPr>
+              </a:p>
+              <a:p>
+                <a:pPr marL="285750" indent="-285750">
+                  <a:buFont typeface="Arial" pitchFamily="34" charset="0"/>
+                  <a:buChar char="•"/>
+                </a:pPr>
+                <a:r>
+                  <a:rPr lang="it-IT" dirty="0" smtClean="0">
+                    <a:latin typeface="Calibri" pitchFamily="34" charset="0"/>
+                    <a:cs typeface="Calibri" pitchFamily="34" charset="0"/>
+                  </a:rPr>
+                  <a:t>Al contrario, per la versione </a:t>
+                </a:r>
+                <a:r>
+                  <a:rPr lang="it-IT" b="1" i="1" dirty="0" err="1" smtClean="0">
+                    <a:solidFill>
+                      <a:srgbClr val="00B050"/>
+                    </a:solidFill>
+                    <a:latin typeface="Calibri" pitchFamily="34" charset="0"/>
+                    <a:cs typeface="Calibri" pitchFamily="34" charset="0"/>
+                  </a:rPr>
+                  <a:t>greedy</a:t>
+                </a:r>
+                <a:r>
+                  <a:rPr lang="it-IT" dirty="0" smtClean="0">
+                    <a:solidFill>
+                      <a:srgbClr val="00B050"/>
+                    </a:solidFill>
+                    <a:latin typeface="Calibri" pitchFamily="34" charset="0"/>
+                    <a:cs typeface="Calibri" pitchFamily="34" charset="0"/>
+                  </a:rPr>
+                  <a:t> </a:t>
+                </a:r>
+                <a:r>
+                  <a:rPr lang="it-IT" dirty="0" smtClean="0">
+                    <a:latin typeface="Calibri" pitchFamily="34" charset="0"/>
+                    <a:cs typeface="Calibri" pitchFamily="34" charset="0"/>
+                  </a:rPr>
+                  <a:t>vale l’</a:t>
+                </a:r>
+                <a:r>
+                  <a:rPr lang="it-IT" b="1" dirty="0" smtClean="0">
+                    <a:solidFill>
+                      <a:srgbClr val="C00000"/>
+                    </a:solidFill>
+                    <a:latin typeface="Calibri" pitchFamily="34" charset="0"/>
+                    <a:cs typeface="Calibri" pitchFamily="34" charset="0"/>
+                  </a:rPr>
+                  <a:t>uguaglianza</a:t>
+                </a:r>
+                <a:r>
+                  <a:rPr lang="it-IT" dirty="0" smtClean="0">
+                    <a:latin typeface="Calibri" pitchFamily="34" charset="0"/>
+                    <a:cs typeface="Calibri" pitchFamily="34" charset="0"/>
+                  </a:rPr>
+                  <a:t>, cosa che </a:t>
+                </a:r>
+                <a:r>
+                  <a:rPr lang="it-IT" u="sng" dirty="0" smtClean="0">
+                    <a:latin typeface="Calibri" pitchFamily="34" charset="0"/>
+                    <a:cs typeface="Calibri" pitchFamily="34" charset="0"/>
+                  </a:rPr>
+                  <a:t>ne </a:t>
+                </a:r>
+              </a:p>
+              <a:p>
+                <a:pPr/>
+                <a:r>
+                  <a:rPr lang="it-IT" b="1" u="sng" dirty="0" smtClean="0">
+                    <a:latin typeface="Calibri" pitchFamily="34" charset="0"/>
+                    <a:cs typeface="Calibri" pitchFamily="34" charset="0"/>
+                  </a:rPr>
+                  <a:t>     </a:t>
+                </a:r>
+                <a:r>
+                  <a:rPr lang="it-IT" u="sng" dirty="0" smtClean="0">
+                    <a:latin typeface="Calibri" pitchFamily="34" charset="0"/>
+                    <a:cs typeface="Calibri" pitchFamily="34" charset="0"/>
+                  </a:rPr>
+                  <a:t>determina la </a:t>
+                </a:r>
+                <a:r>
+                  <a:rPr lang="it-IT" b="1" u="sng" dirty="0" smtClean="0">
+                    <a:latin typeface="Calibri" pitchFamily="34" charset="0"/>
+                    <a:cs typeface="Calibri" pitchFamily="34" charset="0"/>
+                  </a:rPr>
+                  <a:t>maggiore efficacia</a:t>
+                </a:r>
+                <a:r>
+                  <a:rPr lang="it-IT" dirty="0" smtClean="0">
+                    <a:latin typeface="Calibri" pitchFamily="34" charset="0"/>
+                    <a:cs typeface="Calibri" pitchFamily="34" charset="0"/>
+                  </a:rPr>
+                  <a:t>.</a:t>
+                </a:r>
+                <a:endParaRPr lang="it-IT" b="1" dirty="0">
+                  <a:latin typeface="Calibri" pitchFamily="34" charset="0"/>
+                  <a:cs typeface="Calibri" pitchFamily="34" charset="0"/>
+                </a:endParaRPr>
+              </a:p>
+            </p:txBody>
+          </p:sp>
+        </mc:Choice>
+        <mc:Fallback>
+          <p:sp>
+            <p:nvSpPr>
+              <p:cNvPr id="7" name="CasellaDiTesto 6"/>
+              <p:cNvSpPr txBox="1">
+                <a:spLocks noRot="1" noChangeAspect="1" noMove="1" noResize="1" noEditPoints="1" noAdjustHandles="1" noChangeArrowheads="1" noChangeShapeType="1" noTextEdit="1"/>
+              </p:cNvSpPr>
+              <p:nvPr/>
+            </p:nvSpPr>
+            <p:spPr>
+              <a:xfrm>
+                <a:off x="1441034" y="1907540"/>
+                <a:ext cx="7802200" cy="4493538"/>
+              </a:xfrm>
+              <a:prstGeom prst="rect">
+                <a:avLst/>
+              </a:prstGeom>
+              <a:blipFill rotWithShape="1">
+                <a:blip r:embed="rId2"/>
+                <a:stretch>
+                  <a:fillRect l="-469" t="-678" b="-1221"/>
+                </a:stretch>
+              </a:blipFill>
+            </p:spPr>
+            <p:txBody>
+              <a:bodyPr/>
+              <a:lstStyle/>
+              <a:p>
+                <a:r>
+                  <a:rPr lang="it-IT">
+                    <a:noFill/>
+                  </a:rPr>
+                  <a:t> </a:t>
+                </a:r>
+              </a:p>
+            </p:txBody>
+          </p:sp>
+        </mc:Fallback>
+      </mc:AlternateContent>
+    </p:spTree>
+    <p:extLst>
+      <p:ext uri="{BB962C8B-B14F-4D97-AF65-F5344CB8AC3E}">
+        <p14:creationId xmlns:p14="http://schemas.microsoft.com/office/powerpoint/2010/main" val="451310191"/>
+      </p:ext>
+    </p:extLst>
+  </p:cSld>
+  <p:clrMapOvr>
+    <a:masterClrMapping/>
+  </p:clrMapOvr>
+  <p:timing>
+    <p:tnLst>
+      <p:par>
+        <p:cTn id="1" dur="indefinite" restart="never" nodeType="tmRoot"/>
+      </p:par>
+    </p:tnLst>
+  </p:timing>
+</p:sld>
+</file>
+
+<file path=ppt/slides/slide27.xml><?xml version="1.0" encoding="utf-8"?>
+<p:sld xmlns:a="http://schemas.openxmlformats.org/drawingml/2006/main" xmlns:r="http://schemas.openxmlformats.org/officeDocument/2006/relationships" xmlns:p="http://schemas.openxmlformats.org/presentationml/2006/main">
+  <p:cSld>
+    <p:spTree>
+      <p:nvGrpSpPr>
+        <p:cNvPr id="1" name=""/>
+        <p:cNvGrpSpPr/>
+        <p:nvPr/>
+      </p:nvGrpSpPr>
+      <p:grpSpPr>
+        <a:xfrm>
+          <a:off x="0" y="0"/>
+          <a:ext cx="0" cy="0"/>
+          <a:chOff x="0" y="0"/>
+          <a:chExt cx="0" cy="0"/>
+        </a:xfrm>
+      </p:grpSpPr>
+      <p:sp>
+        <p:nvSpPr>
+          <p:cNvPr id="5" name="Title 3">
+            <a:extLst>
+              <a:ext uri="{FF2B5EF4-FFF2-40B4-BE49-F238E27FC236}">
+                <a16:creationId xmlns="" xmlns:a16="http://schemas.microsoft.com/office/drawing/2014/main" id="{D5B2E943-4D76-47C0-AFF3-70EEC7B728A0}"/>
+              </a:ext>
+            </a:extLst>
+          </p:cNvPr>
+          <p:cNvSpPr>
+            <a:spLocks noGrp="1"/>
+          </p:cNvSpPr>
+          <p:nvPr>
+            <p:ph type="title"/>
+          </p:nvPr>
+        </p:nvSpPr>
+        <p:spPr>
+          <a:xfrm>
+            <a:off x="0" y="21787"/>
+            <a:ext cx="9144000" cy="1069514"/>
+          </a:xfrm>
+        </p:spPr>
+        <p:txBody>
+          <a:bodyPr>
+            <a:scene3d>
+              <a:camera prst="orthographicFront"/>
+              <a:lightRig rig="threePt" dir="t"/>
+            </a:scene3d>
+            <a:sp3d extrusionH="57150">
+              <a:bevelT w="82550" h="38100" prst="coolSlant"/>
+            </a:sp3d>
+          </a:bodyPr>
+          <a:lstStyle/>
+          <a:p>
+            <a:pPr algn="ctr"/>
+            <a:r>
+              <a:rPr lang="en-US" altLang="ko-KR" dirty="0">
+                <a:solidFill>
+                  <a:schemeClr val="accent5">
+                    <a:lumMod val="75000"/>
+                  </a:schemeClr>
+                </a:solidFill>
+              </a:rPr>
+              <a:t>5</a:t>
+            </a:r>
+            <a:r>
+              <a:rPr lang="en-US" altLang="ko-KR" dirty="0" smtClean="0">
+                <a:solidFill>
+                  <a:schemeClr val="accent5">
+                    <a:lumMod val="75000"/>
+                  </a:schemeClr>
+                </a:solidFill>
+              </a:rPr>
+              <a:t> – </a:t>
+            </a:r>
+            <a:r>
+              <a:rPr lang="en-US" altLang="ko-KR" i="1" dirty="0" smtClean="0">
+                <a:solidFill>
+                  <a:schemeClr val="accent5">
+                    <a:lumMod val="75000"/>
+                  </a:schemeClr>
+                </a:solidFill>
+              </a:rPr>
+              <a:t>Tool </a:t>
+            </a:r>
+            <a:r>
+              <a:rPr lang="en-US" altLang="ko-KR" dirty="0" err="1" smtClean="0">
+                <a:solidFill>
+                  <a:schemeClr val="accent5">
+                    <a:lumMod val="75000"/>
+                  </a:schemeClr>
+                </a:solidFill>
+              </a:rPr>
+              <a:t>visualizzazione</a:t>
+            </a:r>
+            <a:endParaRPr lang="ko-KR" altLang="en-US" dirty="0">
+              <a:solidFill>
+                <a:schemeClr val="accent5">
+                  <a:lumMod val="75000"/>
+                </a:schemeClr>
+              </a:solidFill>
+            </a:endParaRPr>
+          </a:p>
+        </p:txBody>
+      </p:sp>
+    </p:spTree>
+    <p:extLst>
+      <p:ext uri="{BB962C8B-B14F-4D97-AF65-F5344CB8AC3E}">
+        <p14:creationId xmlns:p14="http://schemas.microsoft.com/office/powerpoint/2010/main" val="1951054463"/>
+      </p:ext>
+    </p:extLst>
+  </p:cSld>
+  <p:clrMapOvr>
+    <a:masterClrMapping/>
+  </p:clrMapOvr>
+  <p:timing>
+    <p:tnLst>
+      <p:par>
+        <p:cTn id="1" dur="indefinite" restart="never" nodeType="tmRoot"/>
+      </p:par>
+    </p:tnLst>
+  </p:timing>
 </p:sld>
 </file>
 
@@ -26015,6 +33535,13 @@
   <p:clrMapOvr>
     <a:masterClrMapping/>
   </p:clrMapOvr>
+  <p:timing>
+    <p:tnLst>
+      <p:par>
+        <p:cTn id="1" dur="indefinite" restart="never" nodeType="tmRoot"/>
+      </p:par>
+    </p:tnLst>
+  </p:timing>
 </p:sld>
 </file>
 
@@ -26306,7 +33833,7 @@
           <p:cNvPr id="1026" name="Picture 2" descr="Risultati immagini per twitter vector logo">
             <a:extLst>
               <a:ext uri="{FF2B5EF4-FFF2-40B4-BE49-F238E27FC236}">
-                <a16:creationId xmlns:a16="http://schemas.microsoft.com/office/drawing/2014/main" id="{D889CC7C-9C8B-4FC7-BEA6-94A9A901435D}"/>
+                <a16:creationId xmlns="" xmlns:a16="http://schemas.microsoft.com/office/drawing/2014/main" id="{D889CC7C-9C8B-4FC7-BEA6-94A9A901435D}"/>
               </a:ext>
             </a:extLst>
           </p:cNvPr>
@@ -26358,6 +33885,13 @@
   <p:clrMapOvr>
     <a:masterClrMapping/>
   </p:clrMapOvr>
+  <p:timing>
+    <p:tnLst>
+      <p:par>
+        <p:cTn id="1" dur="indefinite" restart="never" nodeType="tmRoot"/>
+      </p:par>
+    </p:tnLst>
+  </p:timing>
 </p:sld>
 </file>
 
@@ -26383,7 +33917,7 @@
           <p:cNvPr id="5" name="Title 3">
             <a:extLst>
               <a:ext uri="{FF2B5EF4-FFF2-40B4-BE49-F238E27FC236}">
-                <a16:creationId xmlns:a16="http://schemas.microsoft.com/office/drawing/2014/main" id="{4B902CC3-75DB-41C6-B4AA-1F2B71CA058B}"/>
+                <a16:creationId xmlns="" xmlns:a16="http://schemas.microsoft.com/office/drawing/2014/main" id="{4B902CC3-75DB-41C6-B4AA-1F2B71CA058B}"/>
               </a:ext>
             </a:extLst>
           </p:cNvPr>
@@ -26438,7 +33972,7 @@
           <p:cNvPr id="6" name="Rettangolo 5">
             <a:extLst>
               <a:ext uri="{FF2B5EF4-FFF2-40B4-BE49-F238E27FC236}">
-                <a16:creationId xmlns:a16="http://schemas.microsoft.com/office/drawing/2014/main" id="{34D4963A-74A1-4455-8FDA-78E85A45FA8B}"/>
+                <a16:creationId xmlns="" xmlns:a16="http://schemas.microsoft.com/office/drawing/2014/main" id="{34D4963A-74A1-4455-8FDA-78E85A45FA8B}"/>
               </a:ext>
             </a:extLst>
           </p:cNvPr>
@@ -26599,7 +34133,7 @@
           <p:cNvPr id="7" name="Immagine 6">
             <a:extLst>
               <a:ext uri="{FF2B5EF4-FFF2-40B4-BE49-F238E27FC236}">
-                <a16:creationId xmlns:a16="http://schemas.microsoft.com/office/drawing/2014/main" id="{AF3703D5-DAD7-460C-ADBE-3A301D9A2FE4}"/>
+                <a16:creationId xmlns="" xmlns:a16="http://schemas.microsoft.com/office/drawing/2014/main" id="{AF3703D5-DAD7-460C-ADBE-3A301D9A2FE4}"/>
               </a:ext>
             </a:extLst>
           </p:cNvPr>
@@ -26635,7 +34169,7 @@
           <p:cNvPr id="8" name="Immagine 7" descr="Immagine che contiene clipart&#10;&#10;Descrizione generata con affidabilità elevata">
             <a:extLst>
               <a:ext uri="{FF2B5EF4-FFF2-40B4-BE49-F238E27FC236}">
-                <a16:creationId xmlns:a16="http://schemas.microsoft.com/office/drawing/2014/main" id="{8B09EFF9-4415-439B-9132-80DBE3EA395C}"/>
+                <a16:creationId xmlns="" xmlns:a16="http://schemas.microsoft.com/office/drawing/2014/main" id="{8B09EFF9-4415-439B-9132-80DBE3EA395C}"/>
               </a:ext>
             </a:extLst>
           </p:cNvPr>
@@ -26671,7 +34205,7 @@
           <p:cNvPr id="9" name="CasellaDiTesto 8">
             <a:extLst>
               <a:ext uri="{FF2B5EF4-FFF2-40B4-BE49-F238E27FC236}">
-                <a16:creationId xmlns:a16="http://schemas.microsoft.com/office/drawing/2014/main" id="{C240CA17-907D-48B7-9B44-F721E8F121F1}"/>
+                <a16:creationId xmlns="" xmlns:a16="http://schemas.microsoft.com/office/drawing/2014/main" id="{C240CA17-907D-48B7-9B44-F721E8F121F1}"/>
               </a:ext>
             </a:extLst>
           </p:cNvPr>
@@ -26712,7 +34246,7 @@
           <p:cNvPr id="10" name="CasellaDiTesto 9">
             <a:extLst>
               <a:ext uri="{FF2B5EF4-FFF2-40B4-BE49-F238E27FC236}">
-                <a16:creationId xmlns:a16="http://schemas.microsoft.com/office/drawing/2014/main" id="{122FF84E-387F-42FF-8447-215229458BC0}"/>
+                <a16:creationId xmlns="" xmlns:a16="http://schemas.microsoft.com/office/drawing/2014/main" id="{122FF84E-387F-42FF-8447-215229458BC0}"/>
               </a:ext>
             </a:extLst>
           </p:cNvPr>
@@ -26753,7 +34287,7 @@
           <p:cNvPr id="14" name="Connettore 2 13">
             <a:extLst>
               <a:ext uri="{FF2B5EF4-FFF2-40B4-BE49-F238E27FC236}">
-                <a16:creationId xmlns:a16="http://schemas.microsoft.com/office/drawing/2014/main" id="{240377C1-CB13-43A4-8F95-EB652CADEE65}"/>
+                <a16:creationId xmlns="" xmlns:a16="http://schemas.microsoft.com/office/drawing/2014/main" id="{240377C1-CB13-43A4-8F95-EB652CADEE65}"/>
               </a:ext>
             </a:extLst>
           </p:cNvPr>
@@ -26808,7 +34342,7 @@
           <p:cNvPr id="15" name="CasellaDiTesto 14">
             <a:extLst>
               <a:ext uri="{FF2B5EF4-FFF2-40B4-BE49-F238E27FC236}">
-                <a16:creationId xmlns:a16="http://schemas.microsoft.com/office/drawing/2014/main" id="{0FA5EFC3-169A-4B11-BF0C-7BD04846D93B}"/>
+                <a16:creationId xmlns="" xmlns:a16="http://schemas.microsoft.com/office/drawing/2014/main" id="{0FA5EFC3-169A-4B11-BF0C-7BD04846D93B}"/>
               </a:ext>
             </a:extLst>
           </p:cNvPr>
@@ -26885,6 +34419,13 @@
   <p:clrMapOvr>
     <a:masterClrMapping/>
   </p:clrMapOvr>
+  <p:timing>
+    <p:tnLst>
+      <p:par>
+        <p:cTn id="1" dur="indefinite" restart="never" nodeType="tmRoot"/>
+      </p:par>
+    </p:tnLst>
+  </p:timing>
 </p:sld>
 </file>
 
@@ -26910,7 +34451,7 @@
           <p:cNvPr id="5" name="Title 3">
             <a:extLst>
               <a:ext uri="{FF2B5EF4-FFF2-40B4-BE49-F238E27FC236}">
-                <a16:creationId xmlns:a16="http://schemas.microsoft.com/office/drawing/2014/main" id="{096E5434-7A74-4C64-89EF-6B1922B7AB16}"/>
+                <a16:creationId xmlns="" xmlns:a16="http://schemas.microsoft.com/office/drawing/2014/main" id="{096E5434-7A74-4C64-89EF-6B1922B7AB16}"/>
               </a:ext>
             </a:extLst>
           </p:cNvPr>
@@ -26965,7 +34506,7 @@
           <p:cNvPr id="6" name="CasellaDiTesto 5">
             <a:extLst>
               <a:ext uri="{FF2B5EF4-FFF2-40B4-BE49-F238E27FC236}">
-                <a16:creationId xmlns:a16="http://schemas.microsoft.com/office/drawing/2014/main" id="{DECCD907-1491-4E0C-9EB6-42C0FED72813}"/>
+                <a16:creationId xmlns="" xmlns:a16="http://schemas.microsoft.com/office/drawing/2014/main" id="{DECCD907-1491-4E0C-9EB6-42C0FED72813}"/>
               </a:ext>
             </a:extLst>
           </p:cNvPr>
@@ -27060,7 +34601,7 @@
           <p:cNvPr id="1026" name="Picture 2" descr="Immagine correlata">
             <a:extLst>
               <a:ext uri="{FF2B5EF4-FFF2-40B4-BE49-F238E27FC236}">
-                <a16:creationId xmlns:a16="http://schemas.microsoft.com/office/drawing/2014/main" id="{4DEEC977-158D-4FF8-A634-FED5C0A1F149}"/>
+                <a16:creationId xmlns="" xmlns:a16="http://schemas.microsoft.com/office/drawing/2014/main" id="{4DEEC977-158D-4FF8-A634-FED5C0A1F149}"/>
               </a:ext>
             </a:extLst>
           </p:cNvPr>
@@ -27107,7 +34648,7 @@
           <p:cNvPr id="8" name="CasellaDiTesto 7">
             <a:extLst>
               <a:ext uri="{FF2B5EF4-FFF2-40B4-BE49-F238E27FC236}">
-                <a16:creationId xmlns:a16="http://schemas.microsoft.com/office/drawing/2014/main" id="{422B22D0-A925-4E81-8629-21C4219E2051}"/>
+                <a16:creationId xmlns="" xmlns:a16="http://schemas.microsoft.com/office/drawing/2014/main" id="{422B22D0-A925-4E81-8629-21C4219E2051}"/>
               </a:ext>
             </a:extLst>
           </p:cNvPr>
@@ -27183,7 +34724,7 @@
           <p:cNvPr id="9" name="Connettore 2 8">
             <a:extLst>
               <a:ext uri="{FF2B5EF4-FFF2-40B4-BE49-F238E27FC236}">
-                <a16:creationId xmlns:a16="http://schemas.microsoft.com/office/drawing/2014/main" id="{B3EBC103-C224-4D98-B09E-EF0B1BD22D62}"/>
+                <a16:creationId xmlns="" xmlns:a16="http://schemas.microsoft.com/office/drawing/2014/main" id="{B3EBC103-C224-4D98-B09E-EF0B1BD22D62}"/>
               </a:ext>
             </a:extLst>
           </p:cNvPr>
@@ -27225,7 +34766,7 @@
           <p:cNvPr id="10" name="Rettangolo 9">
             <a:extLst>
               <a:ext uri="{FF2B5EF4-FFF2-40B4-BE49-F238E27FC236}">
-                <a16:creationId xmlns:a16="http://schemas.microsoft.com/office/drawing/2014/main" id="{197F89FE-FC4A-44AD-9080-7EB17BA3B63C}"/>
+                <a16:creationId xmlns="" xmlns:a16="http://schemas.microsoft.com/office/drawing/2014/main" id="{197F89FE-FC4A-44AD-9080-7EB17BA3B63C}"/>
               </a:ext>
             </a:extLst>
           </p:cNvPr>
@@ -27316,7 +34857,7 @@
           <p:cNvPr id="15" name="Rettangolo 14">
             <a:extLst>
               <a:ext uri="{FF2B5EF4-FFF2-40B4-BE49-F238E27FC236}">
-                <a16:creationId xmlns:a16="http://schemas.microsoft.com/office/drawing/2014/main" id="{6434515A-0CE7-46E1-9E5D-42505E037869}"/>
+                <a16:creationId xmlns="" xmlns:a16="http://schemas.microsoft.com/office/drawing/2014/main" id="{6434515A-0CE7-46E1-9E5D-42505E037869}"/>
               </a:ext>
             </a:extLst>
           </p:cNvPr>
@@ -27412,7 +34953,7 @@
           <p:cNvPr id="17" name="Connettore 2 16">
             <a:extLst>
               <a:ext uri="{FF2B5EF4-FFF2-40B4-BE49-F238E27FC236}">
-                <a16:creationId xmlns:a16="http://schemas.microsoft.com/office/drawing/2014/main" id="{99BFB39E-1B50-4D9F-B143-7E9CC03FDDCB}"/>
+                <a16:creationId xmlns="" xmlns:a16="http://schemas.microsoft.com/office/drawing/2014/main" id="{99BFB39E-1B50-4D9F-B143-7E9CC03FDDCB}"/>
               </a:ext>
             </a:extLst>
           </p:cNvPr>
@@ -27461,6 +35002,13 @@
   <p:clrMapOvr>
     <a:masterClrMapping/>
   </p:clrMapOvr>
+  <p:timing>
+    <p:tnLst>
+      <p:par>
+        <p:cTn id="1" dur="indefinite" restart="never" nodeType="tmRoot"/>
+      </p:par>
+    </p:tnLst>
+  </p:timing>
 </p:sld>
 </file>
 
@@ -27486,7 +35034,7 @@
           <p:cNvPr id="5" name="Title 3">
             <a:extLst>
               <a:ext uri="{FF2B5EF4-FFF2-40B4-BE49-F238E27FC236}">
-                <a16:creationId xmlns:a16="http://schemas.microsoft.com/office/drawing/2014/main" id="{F4F459AA-9D70-4285-920E-38B993241E77}"/>
+                <a16:creationId xmlns="" xmlns:a16="http://schemas.microsoft.com/office/drawing/2014/main" id="{F4F459AA-9D70-4285-920E-38B993241E77}"/>
               </a:ext>
             </a:extLst>
           </p:cNvPr>
@@ -27561,7 +35109,7 @@
           <p:cNvPr id="6" name="Rettangolo 5">
             <a:extLst>
               <a:ext uri="{FF2B5EF4-FFF2-40B4-BE49-F238E27FC236}">
-                <a16:creationId xmlns:a16="http://schemas.microsoft.com/office/drawing/2014/main" id="{B2DAE42D-6981-4258-A997-350AEC1248D1}"/>
+                <a16:creationId xmlns="" xmlns:a16="http://schemas.microsoft.com/office/drawing/2014/main" id="{B2DAE42D-6981-4258-A997-350AEC1248D1}"/>
               </a:ext>
             </a:extLst>
           </p:cNvPr>
@@ -27917,7 +35465,7 @@
           <p:cNvPr id="8" name="CasellaDiTesto 7">
             <a:extLst>
               <a:ext uri="{FF2B5EF4-FFF2-40B4-BE49-F238E27FC236}">
-                <a16:creationId xmlns:a16="http://schemas.microsoft.com/office/drawing/2014/main" id="{8B0801A2-6519-4569-95A9-BB7590321AD9}"/>
+                <a16:creationId xmlns="" xmlns:a16="http://schemas.microsoft.com/office/drawing/2014/main" id="{8B0801A2-6519-4569-95A9-BB7590321AD9}"/>
               </a:ext>
             </a:extLst>
           </p:cNvPr>
@@ -28263,7 +35811,7 @@
           <p:cNvPr id="10" name="Connettore 2 9">
             <a:extLst>
               <a:ext uri="{FF2B5EF4-FFF2-40B4-BE49-F238E27FC236}">
-                <a16:creationId xmlns:a16="http://schemas.microsoft.com/office/drawing/2014/main" id="{3E71D179-9BB9-40A9-B4D8-958D015E4F75}"/>
+                <a16:creationId xmlns="" xmlns:a16="http://schemas.microsoft.com/office/drawing/2014/main" id="{3E71D179-9BB9-40A9-B4D8-958D015E4F75}"/>
               </a:ext>
             </a:extLst>
           </p:cNvPr>
@@ -28302,7 +35850,7 @@
           <p:cNvPr id="12" name="Connettore 2 11">
             <a:extLst>
               <a:ext uri="{FF2B5EF4-FFF2-40B4-BE49-F238E27FC236}">
-                <a16:creationId xmlns:a16="http://schemas.microsoft.com/office/drawing/2014/main" id="{1BE3D6CD-BA35-49B2-B9E9-3F62FDBF378A}"/>
+                <a16:creationId xmlns="" xmlns:a16="http://schemas.microsoft.com/office/drawing/2014/main" id="{1BE3D6CD-BA35-49B2-B9E9-3F62FDBF378A}"/>
               </a:ext>
             </a:extLst>
           </p:cNvPr>
@@ -28341,7 +35889,7 @@
           <p:cNvPr id="14" name="CasellaDiTesto 13">
             <a:extLst>
               <a:ext uri="{FF2B5EF4-FFF2-40B4-BE49-F238E27FC236}">
-                <a16:creationId xmlns:a16="http://schemas.microsoft.com/office/drawing/2014/main" id="{52C41119-C267-4F95-B13B-D175F8FAD467}"/>
+                <a16:creationId xmlns="" xmlns:a16="http://schemas.microsoft.com/office/drawing/2014/main" id="{52C41119-C267-4F95-B13B-D175F8FAD467}"/>
               </a:ext>
             </a:extLst>
           </p:cNvPr>
@@ -28399,7 +35947,7 @@
           <p:cNvPr id="15" name="CasellaDiTesto 14">
             <a:extLst>
               <a:ext uri="{FF2B5EF4-FFF2-40B4-BE49-F238E27FC236}">
-                <a16:creationId xmlns:a16="http://schemas.microsoft.com/office/drawing/2014/main" id="{7739B639-5ED7-46CE-8E1E-A9D9A3526EA0}"/>
+                <a16:creationId xmlns="" xmlns:a16="http://schemas.microsoft.com/office/drawing/2014/main" id="{7739B639-5ED7-46CE-8E1E-A9D9A3526EA0}"/>
               </a:ext>
             </a:extLst>
           </p:cNvPr>
@@ -28462,6 +36010,13 @@
   <p:clrMapOvr>
     <a:masterClrMapping/>
   </p:clrMapOvr>
+  <p:timing>
+    <p:tnLst>
+      <p:par>
+        <p:cTn id="1" dur="indefinite" restart="never" nodeType="tmRoot"/>
+      </p:par>
+    </p:tnLst>
+  </p:timing>
 </p:sld>
 </file>
 
@@ -28487,7 +36042,7 @@
           <p:cNvPr id="5" name="Title 3">
             <a:extLst>
               <a:ext uri="{FF2B5EF4-FFF2-40B4-BE49-F238E27FC236}">
-                <a16:creationId xmlns:a16="http://schemas.microsoft.com/office/drawing/2014/main" id="{189ECF77-714F-4D2C-9D4B-CC43534EF427}"/>
+                <a16:creationId xmlns="" xmlns:a16="http://schemas.microsoft.com/office/drawing/2014/main" id="{189ECF77-714F-4D2C-9D4B-CC43534EF427}"/>
               </a:ext>
             </a:extLst>
           </p:cNvPr>
@@ -28562,7 +36117,7 @@
           <p:cNvPr id="6" name="Rettangolo 5">
             <a:extLst>
               <a:ext uri="{FF2B5EF4-FFF2-40B4-BE49-F238E27FC236}">
-                <a16:creationId xmlns:a16="http://schemas.microsoft.com/office/drawing/2014/main" id="{A34D05E0-D21E-4851-84DD-833555197E5F}"/>
+                <a16:creationId xmlns="" xmlns:a16="http://schemas.microsoft.com/office/drawing/2014/main" id="{A34D05E0-D21E-4851-84DD-833555197E5F}"/>
               </a:ext>
             </a:extLst>
           </p:cNvPr>
@@ -28745,11 +36300,11 @@
               <a:t> </a:t>
             </a:r>
             <a:r>
-              <a:rPr lang="it-IT" dirty="0">
-                <a:latin typeface="Calibri" panose="020F0502020204030204" pitchFamily="34" charset="0"/>
-                <a:cs typeface="Calibri" panose="020F0502020204030204" pitchFamily="34" charset="0"/>
-              </a:rPr>
-              <a:t>ALTA </a:t>
+              <a:rPr lang="it-IT" dirty="0" smtClean="0">
+                <a:latin typeface="Calibri" panose="020F0502020204030204" pitchFamily="34" charset="0"/>
+                <a:cs typeface="Calibri" panose="020F0502020204030204" pitchFamily="34" charset="0"/>
+              </a:rPr>
+              <a:t>ALTO </a:t>
             </a:r>
             <a:r>
               <a:rPr lang="it-IT" dirty="0">
@@ -28808,12 +36363,20 @@
               <a:t> </a:t>
             </a:r>
             <a:r>
+              <a:rPr lang="it-IT" dirty="0" smtClean="0">
+                <a:latin typeface="Calibri" panose="020F0502020204030204" pitchFamily="34" charset="0"/>
+                <a:cs typeface="Calibri" panose="020F0502020204030204" pitchFamily="34" charset="0"/>
+                <a:sym typeface="Wingdings" panose="05000000000000000000" pitchFamily="2" charset="2"/>
+              </a:rPr>
+              <a:t>BASSO </a:t>
+            </a:r>
+            <a:r>
               <a:rPr lang="it-IT" dirty="0">
                 <a:latin typeface="Calibri" panose="020F0502020204030204" pitchFamily="34" charset="0"/>
                 <a:cs typeface="Calibri" panose="020F0502020204030204" pitchFamily="34" charset="0"/>
                 <a:sym typeface="Wingdings" panose="05000000000000000000" pitchFamily="2" charset="2"/>
               </a:rPr>
-              <a:t>BASSA  ARGOMENTO </a:t>
+              <a:t> ARGOMENTO </a:t>
             </a:r>
             <a:r>
               <a:rPr lang="it-IT" b="1" dirty="0">
@@ -29171,24 +36734,17 @@
             <a:r>
               <a:rPr lang="it-IT" dirty="0">
                 <a:solidFill>
-                  <a:schemeClr val="accent2"/>
+                  <a:srgbClr val="C00000"/>
                 </a:solidFill>
                 <a:latin typeface="Calibri" pitchFamily="34" charset="0"/>
                 <a:cs typeface="Calibri" pitchFamily="34" charset="0"/>
               </a:rPr>
-              <a:t>elevata</a:t>
-            </a:r>
-            <a:r>
-              <a:rPr lang="it-IT" dirty="0">
-                <a:latin typeface="Calibri" pitchFamily="34" charset="0"/>
-                <a:cs typeface="Calibri" pitchFamily="34" charset="0"/>
-              </a:rPr>
-              <a:t> </a:t>
+              <a:t>elevata </a:t>
             </a:r>
             <a:r>
               <a:rPr lang="it-IT" i="1" dirty="0">
                 <a:solidFill>
-                  <a:schemeClr val="accent2"/>
+                  <a:srgbClr val="C00000"/>
                 </a:solidFill>
                 <a:latin typeface="Calibri" pitchFamily="34" charset="0"/>
                 <a:cs typeface="Calibri" pitchFamily="34" charset="0"/>
@@ -29197,7 +36753,7 @@
             </a:r>
             <a:endParaRPr lang="it-IT" dirty="0">
               <a:solidFill>
-                <a:schemeClr val="accent2"/>
+                <a:srgbClr val="C00000"/>
               </a:solidFill>
               <a:latin typeface="Calibri" panose="020F0502020204030204" pitchFamily="34" charset="0"/>
               <a:cs typeface="Calibri" panose="020F0502020204030204" pitchFamily="34" charset="0"/>
@@ -29220,6 +36776,13 @@
   <p:clrMapOvr>
     <a:masterClrMapping/>
   </p:clrMapOvr>
+  <p:timing>
+    <p:tnLst>
+      <p:par>
+        <p:cTn id="1" dur="indefinite" restart="never" nodeType="tmRoot"/>
+      </p:par>
+    </p:tnLst>
+  </p:timing>
 </p:sld>
 </file>
 
@@ -29245,7 +36808,7 @@
           <p:cNvPr id="5" name="Title 3">
             <a:extLst>
               <a:ext uri="{FF2B5EF4-FFF2-40B4-BE49-F238E27FC236}">
-                <a16:creationId xmlns:a16="http://schemas.microsoft.com/office/drawing/2014/main" id="{189ECF77-714F-4D2C-9D4B-CC43534EF427}"/>
+                <a16:creationId xmlns="" xmlns:a16="http://schemas.microsoft.com/office/drawing/2014/main" id="{189ECF77-714F-4D2C-9D4B-CC43534EF427}"/>
               </a:ext>
             </a:extLst>
           </p:cNvPr>
@@ -29315,8 +36878,8 @@
           </a:p>
         </p:txBody>
       </p:sp>
-      <mc:AlternateContent xmlns:mc="http://schemas.openxmlformats.org/markup-compatibility/2006">
-        <mc:Choice xmlns:a14="http://schemas.microsoft.com/office/drawing/2010/main" Requires="a14">
+      <mc:AlternateContent xmlns:mc="http://schemas.openxmlformats.org/markup-compatibility/2006" xmlns:a14="http://schemas.microsoft.com/office/drawing/2010/main">
+        <mc:Choice Requires="a14">
           <p:sp>
             <p:nvSpPr>
               <p:cNvPr id="6" name="Rettangolo 5"/>
@@ -29556,7 +37119,7 @@
                 <a:r>
                   <a:rPr lang="it-IT" b="1" i="1" dirty="0" err="1">
                     <a:solidFill>
-                      <a:schemeClr val="accent2"/>
+                      <a:schemeClr val="tx2"/>
                     </a:solidFill>
                     <a:latin typeface="Calibri" panose="020F0502020204030204" pitchFamily="34" charset="0"/>
                     <a:cs typeface="Calibri" panose="020F0502020204030204" pitchFamily="34" charset="0"/>
@@ -29567,7 +37130,7 @@
                 <a:r>
                   <a:rPr lang="it-IT" b="1" i="1" dirty="0">
                     <a:solidFill>
-                      <a:schemeClr val="accent2"/>
+                      <a:schemeClr val="tx2"/>
                     </a:solidFill>
                     <a:latin typeface="Calibri" panose="020F0502020204030204" pitchFamily="34" charset="0"/>
                     <a:cs typeface="Calibri" panose="020F0502020204030204" pitchFamily="34" charset="0"/>
@@ -29578,7 +37141,7 @@
                 <a:r>
                   <a:rPr lang="it-IT" b="1" i="1" dirty="0" err="1">
                     <a:solidFill>
-                      <a:schemeClr val="accent2"/>
+                      <a:schemeClr val="tx2"/>
                     </a:solidFill>
                     <a:latin typeface="Calibri" panose="020F0502020204030204" pitchFamily="34" charset="0"/>
                     <a:cs typeface="Calibri" panose="020F0502020204030204" pitchFamily="34" charset="0"/>
@@ -29589,7 +37152,7 @@
                 <a:r>
                   <a:rPr lang="it-IT" dirty="0">
                     <a:solidFill>
-                      <a:schemeClr val="accent2"/>
+                      <a:schemeClr val="tx2"/>
                     </a:solidFill>
                     <a:latin typeface="Calibri" panose="020F0502020204030204" pitchFamily="34" charset="0"/>
                     <a:cs typeface="Calibri" panose="020F0502020204030204" pitchFamily="34" charset="0"/>
@@ -29638,7 +37201,7 @@
                       <m:dPr>
                         <m:ctrlPr>
                           <a:rPr lang="it-IT" b="1" i="1" smtClean="0">
-                            <a:latin typeface="Cambria Math" panose="02040503050406030204" pitchFamily="18" charset="0"/>
+                            <a:latin typeface="Cambria Math"/>
                             <a:cs typeface="Calibri" panose="020F0502020204030204" pitchFamily="34" charset="0"/>
                             <a:sym typeface="Wingdings" panose="05000000000000000000" pitchFamily="2" charset="2"/>
                           </a:rPr>
@@ -29650,7 +37213,7 @@
                             <m:type m:val="noBar"/>
                             <m:ctrlPr>
                               <a:rPr lang="it-IT" b="1" i="1" smtClean="0">
-                                <a:latin typeface="Cambria Math" panose="02040503050406030204" pitchFamily="18" charset="0"/>
+                                <a:latin typeface="Cambria Math"/>
                                 <a:cs typeface="Calibri" panose="020F0502020204030204" pitchFamily="34" charset="0"/>
                                 <a:sym typeface="Wingdings" panose="05000000000000000000" pitchFamily="2" charset="2"/>
                               </a:rPr>
@@ -29661,7 +37224,7 @@
                               <m:sSupPr>
                                 <m:ctrlPr>
                                   <a:rPr lang="it-IT" b="1" i="1" smtClean="0">
-                                    <a:latin typeface="Cambria Math" panose="02040503050406030204" pitchFamily="18" charset="0"/>
+                                    <a:latin typeface="Cambria Math"/>
                                     <a:cs typeface="Calibri" panose="020F0502020204030204" pitchFamily="34" charset="0"/>
                                     <a:sym typeface="Wingdings" panose="05000000000000000000" pitchFamily="2" charset="2"/>
                                   </a:rPr>
@@ -29813,7 +37376,7 @@
             </p:txBody>
           </p:sp>
         </mc:Choice>
-        <mc:Fallback>
+        <mc:Fallback xmlns="">
           <p:sp>
             <p:nvSpPr>
               <p:cNvPr id="6" name="Rettangolo 5"/>
@@ -29830,10 +37393,10 @@
               <a:prstGeom prst="rect">
                 <a:avLst/>
               </a:prstGeom>
-              <a:blipFill>
+              <a:blipFill rotWithShape="1">
                 <a:blip r:embed="rId2"/>
                 <a:stretch>
-                  <a:fillRect l="-740"/>
+                  <a:fillRect l="-740" t="-617"/>
                 </a:stretch>
               </a:blipFill>
             </p:spPr>
@@ -29903,6 +37466,13 @@
   <p:clrMapOvr>
     <a:masterClrMapping/>
   </p:clrMapOvr>
+  <p:timing>
+    <p:tnLst>
+      <p:par>
+        <p:cTn id="1" dur="indefinite" restart="never" nodeType="tmRoot"/>
+      </p:par>
+    </p:tnLst>
+  </p:timing>
 </p:sld>
 </file>
 
@@ -30765,7 +38335,7 @@
   <a:extraClrSchemeLst/>
   <a:extLst>
     <a:ext uri="{05A4C25C-085E-4340-85A3-A5531E510DB2}">
-      <thm15:themeFamily xmlns:thm15="http://schemas.microsoft.com/office/thememl/2012/main" name="Office Theme" id="{62F939B6-93AF-4DB8-9C6B-D6C7DFDC589F}" vid="{4A3C46E8-61CC-4603-A589-7422A47A8E4A}"/>
+      <thm15:themeFamily xmlns="" xmlns:thm15="http://schemas.microsoft.com/office/thememl/2012/main" name="Office Theme" id="{62F939B6-93AF-4DB8-9C6B-D6C7DFDC589F}" vid="{4A3C46E8-61CC-4603-A589-7422A47A8E4A}"/>
     </a:ext>
   </a:extLst>
 </a:theme>

--- a/PRESENTAZIONE_TESI/presentazione_agostini_stefano.pptx
+++ b/PRESENTAZIONE_TESI/presentazione_agostini_stefano.pptx
@@ -6,7 +6,7 @@
     <p:sldMasterId id="2147483661" r:id="rId2"/>
   </p:sldMasterIdLst>
   <p:notesMasterIdLst>
-    <p:notesMasterId r:id="rId30"/>
+    <p:notesMasterId r:id="rId38"/>
   </p:notesMasterIdLst>
   <p:sldIdLst>
     <p:sldId id="256" r:id="rId3"/>
@@ -36,6 +36,14 @@
     <p:sldId id="281" r:id="rId27"/>
     <p:sldId id="282" r:id="rId28"/>
     <p:sldId id="283" r:id="rId29"/>
+    <p:sldId id="284" r:id="rId30"/>
+    <p:sldId id="285" r:id="rId31"/>
+    <p:sldId id="286" r:id="rId32"/>
+    <p:sldId id="287" r:id="rId33"/>
+    <p:sldId id="288" r:id="rId34"/>
+    <p:sldId id="289" r:id="rId35"/>
+    <p:sldId id="290" r:id="rId36"/>
+    <p:sldId id="291" r:id="rId37"/>
   </p:sldIdLst>
   <p:sldSz cx="9144000" cy="6858000" type="screen4x3"/>
   <p:notesSz cx="6858000" cy="9144000"/>
@@ -166,12 +174,20 @@
             <p14:sldId id="281"/>
             <p14:sldId id="282"/>
             <p14:sldId id="283"/>
+            <p14:sldId id="284"/>
+            <p14:sldId id="285"/>
+            <p14:sldId id="286"/>
+            <p14:sldId id="287"/>
+            <p14:sldId id="288"/>
+            <p14:sldId id="289"/>
+            <p14:sldId id="290"/>
+            <p14:sldId id="291"/>
           </p14:sldIdLst>
         </p14:section>
       </p14:sectionLst>
     </p:ext>
     <p:ext uri="{EFAFB233-063F-42B5-8137-9DF3F51BA10A}">
-      <p15:sldGuideLst xmlns="" xmlns:p15="http://schemas.microsoft.com/office/powerpoint/2012/main">
+      <p15:sldGuideLst xmlns:p15="http://schemas.microsoft.com/office/powerpoint/2012/main" xmlns="">
         <p15:guide id="1" orient="horz" pos="2160">
           <p15:clr>
             <a:srgbClr val="A4A3A4"/>
@@ -270,7 +286,7 @@
           <a:p>
             <a:fld id="{D9998136-BDF3-4CD5-9A25-953B69557AFC}" type="datetimeFigureOut">
               <a:rPr lang="it-IT" smtClean="0"/>
-              <a:t>14/07/2018</a:t>
+              <a:t>15/07/2018</a:t>
             </a:fld>
             <a:endParaRPr lang="it-IT"/>
           </a:p>
@@ -723,7 +739,7 @@
           <a:p>
             <a:fld id="{18DCCD61-643D-44A5-A450-3A42A50CBC1E}" type="datetimeFigureOut">
               <a:rPr lang="en-US" smtClean="0"/>
-              <a:t>7/14/2018</a:t>
+              <a:t>7/15/2018</a:t>
             </a:fld>
             <a:endParaRPr lang="en-US" dirty="0"/>
           </a:p>
@@ -998,7 +1014,7 @@
           <a:p>
             <a:fld id="{18DCCD61-643D-44A5-A450-3A42A50CBC1E}" type="datetimeFigureOut">
               <a:rPr lang="en-US" smtClean="0"/>
-              <a:t>7/14/2018</a:t>
+              <a:t>7/15/2018</a:t>
             </a:fld>
             <a:endParaRPr lang="en-US" dirty="0"/>
           </a:p>
@@ -1250,7 +1266,7 @@
           <a:p>
             <a:fld id="{18DCCD61-643D-44A5-A450-3A42A50CBC1E}" type="datetimeFigureOut">
               <a:rPr lang="en-US" smtClean="0"/>
-              <a:t>7/14/2018</a:t>
+              <a:t>7/15/2018</a:t>
             </a:fld>
             <a:endParaRPr lang="en-US" dirty="0"/>
           </a:p>
@@ -1418,7 +1434,7 @@
           <a:p>
             <a:fld id="{18DCCD61-643D-44A5-A450-3A42A50CBC1E}" type="datetimeFigureOut">
               <a:rPr lang="en-US" smtClean="0"/>
-              <a:t>7/14/2018</a:t>
+              <a:t>7/15/2018</a:t>
             </a:fld>
             <a:endParaRPr lang="en-US" dirty="0"/>
           </a:p>
@@ -1596,7 +1612,7 @@
           <a:p>
             <a:fld id="{18DCCD61-643D-44A5-A450-3A42A50CBC1E}" type="datetimeFigureOut">
               <a:rPr lang="en-US" smtClean="0"/>
-              <a:t>7/14/2018</a:t>
+              <a:t>7/15/2018</a:t>
             </a:fld>
             <a:endParaRPr lang="en-US" dirty="0"/>
           </a:p>
@@ -2184,7 +2200,7 @@
           <a:p>
             <a:fld id="{18DCCD61-643D-44A5-A450-3A42A50CBC1E}" type="datetimeFigureOut">
               <a:rPr lang="en-US" smtClean="0"/>
-              <a:t>7/14/2018</a:t>
+              <a:t>7/15/2018</a:t>
             </a:fld>
             <a:endParaRPr lang="en-US" dirty="0"/>
           </a:p>
@@ -2352,7 +2368,7 @@
           <a:p>
             <a:fld id="{18DCCD61-643D-44A5-A450-3A42A50CBC1E}" type="datetimeFigureOut">
               <a:rPr lang="en-US" smtClean="0"/>
-              <a:t>7/14/2018</a:t>
+              <a:t>7/15/2018</a:t>
             </a:fld>
             <a:endParaRPr lang="en-US" dirty="0"/>
           </a:p>
@@ -2597,7 +2613,7 @@
           <a:p>
             <a:fld id="{18DCCD61-643D-44A5-A450-3A42A50CBC1E}" type="datetimeFigureOut">
               <a:rPr lang="en-US" smtClean="0"/>
-              <a:t>7/14/2018</a:t>
+              <a:t>7/15/2018</a:t>
             </a:fld>
             <a:endParaRPr lang="en-US" dirty="0"/>
           </a:p>
@@ -2882,7 +2898,7 @@
           <a:p>
             <a:fld id="{18DCCD61-643D-44A5-A450-3A42A50CBC1E}" type="datetimeFigureOut">
               <a:rPr lang="en-US" smtClean="0"/>
-              <a:t>7/14/2018</a:t>
+              <a:t>7/15/2018</a:t>
             </a:fld>
             <a:endParaRPr lang="en-US" dirty="0"/>
           </a:p>
@@ -3301,7 +3317,7 @@
           <a:p>
             <a:fld id="{18DCCD61-643D-44A5-A450-3A42A50CBC1E}" type="datetimeFigureOut">
               <a:rPr lang="en-US" smtClean="0"/>
-              <a:t>7/14/2018</a:t>
+              <a:t>7/15/2018</a:t>
             </a:fld>
             <a:endParaRPr lang="en-US" dirty="0"/>
           </a:p>
@@ -3418,7 +3434,7 @@
           <a:p>
             <a:fld id="{18DCCD61-643D-44A5-A450-3A42A50CBC1E}" type="datetimeFigureOut">
               <a:rPr lang="en-US" smtClean="0"/>
-              <a:t>7/14/2018</a:t>
+              <a:t>7/15/2018</a:t>
             </a:fld>
             <a:endParaRPr lang="en-US" dirty="0"/>
           </a:p>
@@ -3920,7 +3936,7 @@
           <a:p>
             <a:fld id="{18DCCD61-643D-44A5-A450-3A42A50CBC1E}" type="datetimeFigureOut">
               <a:rPr lang="en-US" smtClean="0"/>
-              <a:t>7/14/2018</a:t>
+              <a:t>7/15/2018</a:t>
             </a:fld>
             <a:endParaRPr lang="en-US" dirty="0"/>
           </a:p>
@@ -4300,7 +4316,7 @@
           <p:cNvPr id="8" name="Immagine 7">
             <a:extLst>
               <a:ext uri="{FF2B5EF4-FFF2-40B4-BE49-F238E27FC236}">
-                <a16:creationId xmlns="" xmlns:a16="http://schemas.microsoft.com/office/drawing/2014/main" id="{A1106E1C-ABC5-4AA2-A6C2-B115CAA9597B}"/>
+                <a16:creationId xmlns:a16="http://schemas.microsoft.com/office/drawing/2014/main" xmlns="" id="{A1106E1C-ABC5-4AA2-A6C2-B115CAA9597B}"/>
               </a:ext>
             </a:extLst>
           </p:cNvPr>
@@ -4636,7 +4652,7 @@
           <p:cNvPr id="5" name="Title 3">
             <a:extLst>
               <a:ext uri="{FF2B5EF4-FFF2-40B4-BE49-F238E27FC236}">
-                <a16:creationId xmlns="" xmlns:a16="http://schemas.microsoft.com/office/drawing/2014/main" id="{189ECF77-714F-4D2C-9D4B-CC43534EF427}"/>
+                <a16:creationId xmlns:a16="http://schemas.microsoft.com/office/drawing/2014/main" xmlns="" id="{189ECF77-714F-4D2C-9D4B-CC43534EF427}"/>
               </a:ext>
             </a:extLst>
           </p:cNvPr>
@@ -5433,7 +5449,7 @@
           <p:cNvPr id="5" name="Title 3">
             <a:extLst>
               <a:ext uri="{FF2B5EF4-FFF2-40B4-BE49-F238E27FC236}">
-                <a16:creationId xmlns="" xmlns:a16="http://schemas.microsoft.com/office/drawing/2014/main" id="{189ECF77-714F-4D2C-9D4B-CC43534EF427}"/>
+                <a16:creationId xmlns:a16="http://schemas.microsoft.com/office/drawing/2014/main" xmlns="" id="{189ECF77-714F-4D2C-9D4B-CC43534EF427}"/>
               </a:ext>
             </a:extLst>
           </p:cNvPr>
@@ -6357,7 +6373,7 @@
           <p:cNvPr id="5" name="Title 3">
             <a:extLst>
               <a:ext uri="{FF2B5EF4-FFF2-40B4-BE49-F238E27FC236}">
-                <a16:creationId xmlns="" xmlns:a16="http://schemas.microsoft.com/office/drawing/2014/main" id="{189ECF77-714F-4D2C-9D4B-CC43534EF427}"/>
+                <a16:creationId xmlns:a16="http://schemas.microsoft.com/office/drawing/2014/main" xmlns="" id="{189ECF77-714F-4D2C-9D4B-CC43534EF427}"/>
               </a:ext>
             </a:extLst>
           </p:cNvPr>
@@ -6771,7 +6787,7 @@
           <p:cNvPr id="5" name="Title 3">
             <a:extLst>
               <a:ext uri="{FF2B5EF4-FFF2-40B4-BE49-F238E27FC236}">
-                <a16:creationId xmlns="" xmlns:a16="http://schemas.microsoft.com/office/drawing/2014/main" id="{189ECF77-714F-4D2C-9D4B-CC43534EF427}"/>
+                <a16:creationId xmlns:a16="http://schemas.microsoft.com/office/drawing/2014/main" xmlns="" id="{189ECF77-714F-4D2C-9D4B-CC43534EF427}"/>
               </a:ext>
             </a:extLst>
           </p:cNvPr>
@@ -6986,7 +7002,7 @@
           <p:cNvPr id="4" name="Title 3">
             <a:extLst>
               <a:ext uri="{FF2B5EF4-FFF2-40B4-BE49-F238E27FC236}">
-                <a16:creationId xmlns="" xmlns:a16="http://schemas.microsoft.com/office/drawing/2014/main" id="{189ECF77-714F-4D2C-9D4B-CC43534EF427}"/>
+                <a16:creationId xmlns:a16="http://schemas.microsoft.com/office/drawing/2014/main" xmlns="" id="{189ECF77-714F-4D2C-9D4B-CC43534EF427}"/>
               </a:ext>
             </a:extLst>
           </p:cNvPr>
@@ -7041,7 +7057,7 @@
           <p:cNvPr id="6" name="Group 623">
             <a:extLst>
               <a:ext uri="{FF2B5EF4-FFF2-40B4-BE49-F238E27FC236}">
-                <a16:creationId xmlns="" xmlns:a16="http://schemas.microsoft.com/office/drawing/2014/main" id="{AA4FCC27-C7D4-4343-B033-13B6C83DC905}"/>
+                <a16:creationId xmlns:a16="http://schemas.microsoft.com/office/drawing/2014/main" xmlns="" id="{AA4FCC27-C7D4-4343-B033-13B6C83DC905}"/>
               </a:ext>
             </a:extLst>
           </p:cNvPr>
@@ -7061,7 +7077,7 @@
             <p:cNvPr id="7" name="Freeform 538">
               <a:extLst>
                 <a:ext uri="{FF2B5EF4-FFF2-40B4-BE49-F238E27FC236}">
-                  <a16:creationId xmlns="" xmlns:a16="http://schemas.microsoft.com/office/drawing/2014/main" id="{3776C4DA-4E41-4098-AEDB-2C371B14EB8B}"/>
+                  <a16:creationId xmlns:a16="http://schemas.microsoft.com/office/drawing/2014/main" xmlns="" id="{3776C4DA-4E41-4098-AEDB-2C371B14EB8B}"/>
                 </a:ext>
               </a:extLst>
             </p:cNvPr>
@@ -7275,7 +7291,7 @@
             <p:cNvPr id="8" name="Freeform 542">
               <a:extLst>
                 <a:ext uri="{FF2B5EF4-FFF2-40B4-BE49-F238E27FC236}">
-                  <a16:creationId xmlns="" xmlns:a16="http://schemas.microsoft.com/office/drawing/2014/main" id="{BBD90813-EA96-440A-94D3-CB2D6F892D34}"/>
+                  <a16:creationId xmlns:a16="http://schemas.microsoft.com/office/drawing/2014/main" xmlns="" id="{BBD90813-EA96-440A-94D3-CB2D6F892D34}"/>
                 </a:ext>
               </a:extLst>
             </p:cNvPr>
@@ -7489,7 +7505,7 @@
             <p:cNvPr id="9" name="Freeform: Shape 616">
               <a:extLst>
                 <a:ext uri="{FF2B5EF4-FFF2-40B4-BE49-F238E27FC236}">
-                  <a16:creationId xmlns="" xmlns:a16="http://schemas.microsoft.com/office/drawing/2014/main" id="{284E245F-3566-43D1-B56C-8CC7026A0D22}"/>
+                  <a16:creationId xmlns:a16="http://schemas.microsoft.com/office/drawing/2014/main" xmlns="" id="{284E245F-3566-43D1-B56C-8CC7026A0D22}"/>
                 </a:ext>
               </a:extLst>
             </p:cNvPr>
@@ -7968,7 +7984,7 @@
             <p:cNvPr id="10" name="Freeform 551">
               <a:extLst>
                 <a:ext uri="{FF2B5EF4-FFF2-40B4-BE49-F238E27FC236}">
-                  <a16:creationId xmlns="" xmlns:a16="http://schemas.microsoft.com/office/drawing/2014/main" id="{112FAF63-149F-4078-92F8-E980CF799812}"/>
+                  <a16:creationId xmlns:a16="http://schemas.microsoft.com/office/drawing/2014/main" xmlns="" id="{112FAF63-149F-4078-92F8-E980CF799812}"/>
                 </a:ext>
               </a:extLst>
             </p:cNvPr>
@@ -8182,7 +8198,7 @@
             <p:cNvPr id="11" name="Freeform 554">
               <a:extLst>
                 <a:ext uri="{FF2B5EF4-FFF2-40B4-BE49-F238E27FC236}">
-                  <a16:creationId xmlns="" xmlns:a16="http://schemas.microsoft.com/office/drawing/2014/main" id="{3A764CCA-B3FA-43EA-B2A1-38E0C402312F}"/>
+                  <a16:creationId xmlns:a16="http://schemas.microsoft.com/office/drawing/2014/main" xmlns="" id="{3A764CCA-B3FA-43EA-B2A1-38E0C402312F}"/>
                 </a:ext>
               </a:extLst>
             </p:cNvPr>
@@ -8567,7 +8583,7 @@
             <p:cNvPr id="12" name="Freeform 555">
               <a:extLst>
                 <a:ext uri="{FF2B5EF4-FFF2-40B4-BE49-F238E27FC236}">
-                  <a16:creationId xmlns="" xmlns:a16="http://schemas.microsoft.com/office/drawing/2014/main" id="{50B0CAB1-1A8A-4809-B0FA-4DD1006EC5D4}"/>
+                  <a16:creationId xmlns:a16="http://schemas.microsoft.com/office/drawing/2014/main" xmlns="" id="{50B0CAB1-1A8A-4809-B0FA-4DD1006EC5D4}"/>
                 </a:ext>
               </a:extLst>
             </p:cNvPr>
@@ -8781,7 +8797,7 @@
             <p:cNvPr id="13" name="Freeform 557">
               <a:extLst>
                 <a:ext uri="{FF2B5EF4-FFF2-40B4-BE49-F238E27FC236}">
-                  <a16:creationId xmlns="" xmlns:a16="http://schemas.microsoft.com/office/drawing/2014/main" id="{7B4680AF-0DA9-4C5B-AB71-A42778FC1863}"/>
+                  <a16:creationId xmlns:a16="http://schemas.microsoft.com/office/drawing/2014/main" xmlns="" id="{7B4680AF-0DA9-4C5B-AB71-A42778FC1863}"/>
                 </a:ext>
               </a:extLst>
             </p:cNvPr>
@@ -9166,7 +9182,7 @@
             <p:cNvPr id="14" name="Freeform 558">
               <a:extLst>
                 <a:ext uri="{FF2B5EF4-FFF2-40B4-BE49-F238E27FC236}">
-                  <a16:creationId xmlns="" xmlns:a16="http://schemas.microsoft.com/office/drawing/2014/main" id="{6974A587-E447-4EC3-9B72-2BFC27A286A2}"/>
+                  <a16:creationId xmlns:a16="http://schemas.microsoft.com/office/drawing/2014/main" xmlns="" id="{6974A587-E447-4EC3-9B72-2BFC27A286A2}"/>
                 </a:ext>
               </a:extLst>
             </p:cNvPr>
@@ -9380,7 +9396,7 @@
             <p:cNvPr id="15" name="Freeform 560">
               <a:extLst>
                 <a:ext uri="{FF2B5EF4-FFF2-40B4-BE49-F238E27FC236}">
-                  <a16:creationId xmlns="" xmlns:a16="http://schemas.microsoft.com/office/drawing/2014/main" id="{A696F24D-3A6B-4107-B6F2-9A3F2F0D138B}"/>
+                  <a16:creationId xmlns:a16="http://schemas.microsoft.com/office/drawing/2014/main" xmlns="" id="{A696F24D-3A6B-4107-B6F2-9A3F2F0D138B}"/>
                 </a:ext>
               </a:extLst>
             </p:cNvPr>
@@ -9956,7 +9972,7 @@
           <p:cNvPr id="20" name="Picture 2" descr="Immagine correlata">
             <a:extLst>
               <a:ext uri="{FF2B5EF4-FFF2-40B4-BE49-F238E27FC236}">
-                <a16:creationId xmlns="" xmlns:a16="http://schemas.microsoft.com/office/drawing/2014/main" id="{4DEEC977-158D-4FF8-A634-FED5C0A1F149}"/>
+                <a16:creationId xmlns:a16="http://schemas.microsoft.com/office/drawing/2014/main" xmlns="" id="{4DEEC977-158D-4FF8-A634-FED5C0A1F149}"/>
               </a:ext>
             </a:extLst>
           </p:cNvPr>
@@ -10640,7 +10656,7 @@
           <p:cNvPr id="5" name="Title 3">
             <a:extLst>
               <a:ext uri="{FF2B5EF4-FFF2-40B4-BE49-F238E27FC236}">
-                <a16:creationId xmlns="" xmlns:a16="http://schemas.microsoft.com/office/drawing/2014/main" id="{AC6A7350-ED1C-43B0-B2CF-A496AF50ADAB}"/>
+                <a16:creationId xmlns:a16="http://schemas.microsoft.com/office/drawing/2014/main" xmlns="" id="{AC6A7350-ED1C-43B0-B2CF-A496AF50ADAB}"/>
               </a:ext>
             </a:extLst>
           </p:cNvPr>
@@ -10725,7 +10741,7 @@
           <p:cNvPr id="6" name="Rettangolo 5">
             <a:extLst>
               <a:ext uri="{FF2B5EF4-FFF2-40B4-BE49-F238E27FC236}">
-                <a16:creationId xmlns="" xmlns:a16="http://schemas.microsoft.com/office/drawing/2014/main" id="{E9D808D5-ED83-4266-B4A6-F11548B6FDF4}"/>
+                <a16:creationId xmlns:a16="http://schemas.microsoft.com/office/drawing/2014/main" xmlns="" id="{E9D808D5-ED83-4266-B4A6-F11548B6FDF4}"/>
               </a:ext>
             </a:extLst>
           </p:cNvPr>
@@ -11147,7 +11163,7 @@
           <p:cNvPr id="5" name="Title 3">
             <a:extLst>
               <a:ext uri="{FF2B5EF4-FFF2-40B4-BE49-F238E27FC236}">
-                <a16:creationId xmlns="" xmlns:a16="http://schemas.microsoft.com/office/drawing/2014/main" id="{3A78A980-0D2B-467E-B644-5D2D7E2C7C76}"/>
+                <a16:creationId xmlns:a16="http://schemas.microsoft.com/office/drawing/2014/main" xmlns="" id="{3A78A980-0D2B-467E-B644-5D2D7E2C7C76}"/>
               </a:ext>
             </a:extLst>
           </p:cNvPr>
@@ -11232,7 +11248,7 @@
           <p:cNvPr id="6" name="Rettangolo 5">
             <a:extLst>
               <a:ext uri="{FF2B5EF4-FFF2-40B4-BE49-F238E27FC236}">
-                <a16:creationId xmlns="" xmlns:a16="http://schemas.microsoft.com/office/drawing/2014/main" id="{13544446-166C-4D47-9BAD-7D0BB734E8FC}"/>
+                <a16:creationId xmlns:a16="http://schemas.microsoft.com/office/drawing/2014/main" xmlns="" id="{13544446-166C-4D47-9BAD-7D0BB734E8FC}"/>
               </a:ext>
             </a:extLst>
           </p:cNvPr>
@@ -11611,7 +11627,7 @@
           <p:cNvPr id="7" name="Freccia a destra 6">
             <a:extLst>
               <a:ext uri="{FF2B5EF4-FFF2-40B4-BE49-F238E27FC236}">
-                <a16:creationId xmlns="" xmlns:a16="http://schemas.microsoft.com/office/drawing/2014/main" id="{CD2A3987-F483-4038-AA85-8FB867750F2A}"/>
+                <a16:creationId xmlns:a16="http://schemas.microsoft.com/office/drawing/2014/main" xmlns="" id="{CD2A3987-F483-4038-AA85-8FB867750F2A}"/>
               </a:ext>
             </a:extLst>
           </p:cNvPr>
@@ -11695,7 +11711,7 @@
           <p:cNvPr id="5" name="Title 3">
             <a:extLst>
               <a:ext uri="{FF2B5EF4-FFF2-40B4-BE49-F238E27FC236}">
-                <a16:creationId xmlns="" xmlns:a16="http://schemas.microsoft.com/office/drawing/2014/main" id="{FA269D4B-3754-4570-94B4-840809F1DD9D}"/>
+                <a16:creationId xmlns:a16="http://schemas.microsoft.com/office/drawing/2014/main" xmlns="" id="{FA269D4B-3754-4570-94B4-840809F1DD9D}"/>
               </a:ext>
             </a:extLst>
           </p:cNvPr>
@@ -11780,7 +11796,7 @@
           <p:cNvPr id="6" name="Rettangolo 5">
             <a:extLst>
               <a:ext uri="{FF2B5EF4-FFF2-40B4-BE49-F238E27FC236}">
-                <a16:creationId xmlns="" xmlns:a16="http://schemas.microsoft.com/office/drawing/2014/main" id="{E905DEB8-2BFA-41BE-9967-84ECE44648DF}"/>
+                <a16:creationId xmlns:a16="http://schemas.microsoft.com/office/drawing/2014/main" xmlns="" id="{E905DEB8-2BFA-41BE-9967-84ECE44648DF}"/>
               </a:ext>
             </a:extLst>
           </p:cNvPr>
@@ -12168,7 +12184,7 @@
           <p:cNvPr id="5" name="Title 3">
             <a:extLst>
               <a:ext uri="{FF2B5EF4-FFF2-40B4-BE49-F238E27FC236}">
-                <a16:creationId xmlns="" xmlns:a16="http://schemas.microsoft.com/office/drawing/2014/main" id="{D5B2E943-4D76-47C0-AFF3-70EEC7B728A0}"/>
+                <a16:creationId xmlns:a16="http://schemas.microsoft.com/office/drawing/2014/main" xmlns="" id="{D5B2E943-4D76-47C0-AFF3-70EEC7B728A0}"/>
               </a:ext>
             </a:extLst>
           </p:cNvPr>
@@ -12253,7 +12269,7 @@
           <p:cNvPr id="6" name="Rettangolo 5">
             <a:extLst>
               <a:ext uri="{FF2B5EF4-FFF2-40B4-BE49-F238E27FC236}">
-                <a16:creationId xmlns="" xmlns:a16="http://schemas.microsoft.com/office/drawing/2014/main" id="{E8861B7B-8A8E-4E0F-AC25-74535E87BCCE}"/>
+                <a16:creationId xmlns:a16="http://schemas.microsoft.com/office/drawing/2014/main" xmlns="" id="{E8861B7B-8A8E-4E0F-AC25-74535E87BCCE}"/>
               </a:ext>
             </a:extLst>
           </p:cNvPr>
@@ -12601,7 +12617,7 @@
           <p:cNvPr id="8" name="Connettore 2 7">
             <a:extLst>
               <a:ext uri="{FF2B5EF4-FFF2-40B4-BE49-F238E27FC236}">
-                <a16:creationId xmlns="" xmlns:a16="http://schemas.microsoft.com/office/drawing/2014/main" id="{10DFEC75-8F1A-438D-A7A3-11E66A8AAFF2}"/>
+                <a16:creationId xmlns:a16="http://schemas.microsoft.com/office/drawing/2014/main" xmlns="" id="{10DFEC75-8F1A-438D-A7A3-11E66A8AAFF2}"/>
               </a:ext>
             </a:extLst>
           </p:cNvPr>
@@ -12640,7 +12656,7 @@
           <p:cNvPr id="9" name="Connettore 2 8">
             <a:extLst>
               <a:ext uri="{FF2B5EF4-FFF2-40B4-BE49-F238E27FC236}">
-                <a16:creationId xmlns="" xmlns:a16="http://schemas.microsoft.com/office/drawing/2014/main" id="{5B792FA7-2F70-4FAF-B16E-10DA5390FCCA}"/>
+                <a16:creationId xmlns:a16="http://schemas.microsoft.com/office/drawing/2014/main" xmlns="" id="{5B792FA7-2F70-4FAF-B16E-10DA5390FCCA}"/>
               </a:ext>
             </a:extLst>
           </p:cNvPr>
@@ -12679,7 +12695,7 @@
           <p:cNvPr id="10" name="Connettore 2 9">
             <a:extLst>
               <a:ext uri="{FF2B5EF4-FFF2-40B4-BE49-F238E27FC236}">
-                <a16:creationId xmlns="" xmlns:a16="http://schemas.microsoft.com/office/drawing/2014/main" id="{BD722D80-B984-47BA-BCEA-1550BF590A27}"/>
+                <a16:creationId xmlns:a16="http://schemas.microsoft.com/office/drawing/2014/main" xmlns="" id="{BD722D80-B984-47BA-BCEA-1550BF590A27}"/>
               </a:ext>
             </a:extLst>
           </p:cNvPr>
@@ -12718,7 +12734,7 @@
           <p:cNvPr id="11" name="Parentesi graffa aperta 10">
             <a:extLst>
               <a:ext uri="{FF2B5EF4-FFF2-40B4-BE49-F238E27FC236}">
-                <a16:creationId xmlns="" xmlns:a16="http://schemas.microsoft.com/office/drawing/2014/main" id="{4ED9291E-6287-4A3B-82B7-D09C06EE3A91}"/>
+                <a16:creationId xmlns:a16="http://schemas.microsoft.com/office/drawing/2014/main" xmlns="" id="{4ED9291E-6287-4A3B-82B7-D09C06EE3A91}"/>
               </a:ext>
             </a:extLst>
           </p:cNvPr>
@@ -12762,7 +12778,7 @@
           <p:cNvPr id="12" name="Parentesi graffa aperta 11">
             <a:extLst>
               <a:ext uri="{FF2B5EF4-FFF2-40B4-BE49-F238E27FC236}">
-                <a16:creationId xmlns="" xmlns:a16="http://schemas.microsoft.com/office/drawing/2014/main" id="{9A10EE08-33EC-4F79-BE5F-8C8EC7C3BC50}"/>
+                <a16:creationId xmlns:a16="http://schemas.microsoft.com/office/drawing/2014/main" xmlns="" id="{9A10EE08-33EC-4F79-BE5F-8C8EC7C3BC50}"/>
               </a:ext>
             </a:extLst>
           </p:cNvPr>
@@ -12806,7 +12822,7 @@
           <p:cNvPr id="13" name="CasellaDiTesto 12">
             <a:extLst>
               <a:ext uri="{FF2B5EF4-FFF2-40B4-BE49-F238E27FC236}">
-                <a16:creationId xmlns="" xmlns:a16="http://schemas.microsoft.com/office/drawing/2014/main" id="{3F838B8A-4711-4B54-9062-A9BE7F635107}"/>
+                <a16:creationId xmlns:a16="http://schemas.microsoft.com/office/drawing/2014/main" xmlns="" id="{3F838B8A-4711-4B54-9062-A9BE7F635107}"/>
               </a:ext>
             </a:extLst>
           </p:cNvPr>
@@ -12848,7 +12864,7 @@
           <p:cNvPr id="14" name="CasellaDiTesto 13">
             <a:extLst>
               <a:ext uri="{FF2B5EF4-FFF2-40B4-BE49-F238E27FC236}">
-                <a16:creationId xmlns="" xmlns:a16="http://schemas.microsoft.com/office/drawing/2014/main" id="{6075593A-FB72-4CCB-8CFA-16377A06B598}"/>
+                <a16:creationId xmlns:a16="http://schemas.microsoft.com/office/drawing/2014/main" xmlns="" id="{6075593A-FB72-4CCB-8CFA-16377A06B598}"/>
               </a:ext>
             </a:extLst>
           </p:cNvPr>
@@ -12950,7 +12966,7 @@
           <p:cNvPr id="5" name="Title 3">
             <a:extLst>
               <a:ext uri="{FF2B5EF4-FFF2-40B4-BE49-F238E27FC236}">
-                <a16:creationId xmlns="" xmlns:a16="http://schemas.microsoft.com/office/drawing/2014/main" id="{D5B2E943-4D76-47C0-AFF3-70EEC7B728A0}"/>
+                <a16:creationId xmlns:a16="http://schemas.microsoft.com/office/drawing/2014/main" xmlns="" id="{D5B2E943-4D76-47C0-AFF3-70EEC7B728A0}"/>
               </a:ext>
             </a:extLst>
           </p:cNvPr>
@@ -26467,7 +26483,7 @@
           <p:cNvPr id="8" name="Title 3">
             <a:extLst>
               <a:ext uri="{FF2B5EF4-FFF2-40B4-BE49-F238E27FC236}">
-                <a16:creationId xmlns="" xmlns:a16="http://schemas.microsoft.com/office/drawing/2014/main" id="{D5B2E943-4D76-47C0-AFF3-70EEC7B728A0}"/>
+                <a16:creationId xmlns:a16="http://schemas.microsoft.com/office/drawing/2014/main" xmlns="" id="{D5B2E943-4D76-47C0-AFF3-70EEC7B728A0}"/>
               </a:ext>
             </a:extLst>
           </p:cNvPr>
@@ -28022,7 +28038,7 @@
           <p:cNvPr id="5" name="Title 3">
             <a:extLst>
               <a:ext uri="{FF2B5EF4-FFF2-40B4-BE49-F238E27FC236}">
-                <a16:creationId xmlns="" xmlns:a16="http://schemas.microsoft.com/office/drawing/2014/main" id="{D5B2E943-4D76-47C0-AFF3-70EEC7B728A0}"/>
+                <a16:creationId xmlns:a16="http://schemas.microsoft.com/office/drawing/2014/main" xmlns="" id="{D5B2E943-4D76-47C0-AFF3-70EEC7B728A0}"/>
               </a:ext>
             </a:extLst>
           </p:cNvPr>
@@ -28138,7 +28154,7 @@
               <p:cNvPr id="3" name="Rettangolo 2">
                 <a:extLst>
                   <a:ext uri="{FF2B5EF4-FFF2-40B4-BE49-F238E27FC236}">
-                    <a16:creationId xmlns="" xmlns:a16="http://schemas.microsoft.com/office/drawing/2014/main" id="{E905DEB8-2BFA-41BE-9967-84ECE44648DF}"/>
+                    <a16:creationId xmlns:a16="http://schemas.microsoft.com/office/drawing/2014/main" xmlns="" id="{E905DEB8-2BFA-41BE-9967-84ECE44648DF}"/>
                   </a:ext>
                 </a:extLst>
               </p:cNvPr>
@@ -28891,7 +28907,7 @@
           <p:cNvPr id="5" name="Title 3">
             <a:extLst>
               <a:ext uri="{FF2B5EF4-FFF2-40B4-BE49-F238E27FC236}">
-                <a16:creationId xmlns="" xmlns:a16="http://schemas.microsoft.com/office/drawing/2014/main" id="{D5B2E943-4D76-47C0-AFF3-70EEC7B728A0}"/>
+                <a16:creationId xmlns:a16="http://schemas.microsoft.com/office/drawing/2014/main" xmlns="" id="{D5B2E943-4D76-47C0-AFF3-70EEC7B728A0}"/>
               </a:ext>
             </a:extLst>
           </p:cNvPr>
@@ -29005,7 +29021,7 @@
           <p:cNvPr id="6" name="Rettangolo 5">
             <a:extLst>
               <a:ext uri="{FF2B5EF4-FFF2-40B4-BE49-F238E27FC236}">
-                <a16:creationId xmlns="" xmlns:a16="http://schemas.microsoft.com/office/drawing/2014/main" id="{E8861B7B-8A8E-4E0F-AC25-74535E87BCCE}"/>
+                <a16:creationId xmlns:a16="http://schemas.microsoft.com/office/drawing/2014/main" xmlns="" id="{E8861B7B-8A8E-4E0F-AC25-74535E87BCCE}"/>
               </a:ext>
             </a:extLst>
           </p:cNvPr>
@@ -30040,7 +30056,7 @@
           <p:cNvPr id="5" name="Title 3">
             <a:extLst>
               <a:ext uri="{FF2B5EF4-FFF2-40B4-BE49-F238E27FC236}">
-                <a16:creationId xmlns="" xmlns:a16="http://schemas.microsoft.com/office/drawing/2014/main" id="{D5B2E943-4D76-47C0-AFF3-70EEC7B728A0}"/>
+                <a16:creationId xmlns:a16="http://schemas.microsoft.com/office/drawing/2014/main" xmlns="" id="{D5B2E943-4D76-47C0-AFF3-70EEC7B728A0}"/>
               </a:ext>
             </a:extLst>
           </p:cNvPr>
@@ -30335,7 +30351,7 @@
           <p:cNvPr id="5" name="Title 3">
             <a:extLst>
               <a:ext uri="{FF2B5EF4-FFF2-40B4-BE49-F238E27FC236}">
-                <a16:creationId xmlns="" xmlns:a16="http://schemas.microsoft.com/office/drawing/2014/main" id="{D5B2E943-4D76-47C0-AFF3-70EEC7B728A0}"/>
+                <a16:creationId xmlns:a16="http://schemas.microsoft.com/office/drawing/2014/main" xmlns="" id="{D5B2E943-4D76-47C0-AFF3-70EEC7B728A0}"/>
               </a:ext>
             </a:extLst>
           </p:cNvPr>
@@ -30923,7 +30939,7 @@
           <p:cNvPr id="5" name="Title 3">
             <a:extLst>
               <a:ext uri="{FF2B5EF4-FFF2-40B4-BE49-F238E27FC236}">
-                <a16:creationId xmlns="" xmlns:a16="http://schemas.microsoft.com/office/drawing/2014/main" id="{D5B2E943-4D76-47C0-AFF3-70EEC7B728A0}"/>
+                <a16:creationId xmlns:a16="http://schemas.microsoft.com/office/drawing/2014/main" xmlns="" id="{D5B2E943-4D76-47C0-AFF3-70EEC7B728A0}"/>
               </a:ext>
             </a:extLst>
           </p:cNvPr>
@@ -31022,8 +31038,8 @@
           </a:p>
         </p:txBody>
       </p:sp>
-      <mc:AlternateContent xmlns:mc="http://schemas.openxmlformats.org/markup-compatibility/2006">
-        <mc:Choice xmlns:a14="http://schemas.microsoft.com/office/drawing/2010/main" Requires="a14">
+      <mc:AlternateContent xmlns:mc="http://schemas.openxmlformats.org/markup-compatibility/2006" xmlns:a14="http://schemas.microsoft.com/office/drawing/2010/main">
+        <mc:Choice Requires="a14">
           <p:sp>
             <p:nvSpPr>
               <p:cNvPr id="7" name="CasellaDiTesto 6"/>
@@ -31512,14 +31528,7 @@
                     <a:latin typeface="Calibri" pitchFamily="34" charset="0"/>
                     <a:cs typeface="Calibri" pitchFamily="34" charset="0"/>
                   </a:rPr>
-                  <a:t>maggiore </a:t>
-                </a:r>
-                <a:r>
-                  <a:rPr lang="it-IT" b="1" dirty="0" smtClean="0">
-                    <a:latin typeface="Calibri" pitchFamily="34" charset="0"/>
-                    <a:cs typeface="Calibri" pitchFamily="34" charset="0"/>
-                  </a:rPr>
-                  <a:t>efficacia </a:t>
+                  <a:t>maggiore efficacia </a:t>
                 </a:r>
                 <a:r>
                   <a:rPr lang="it-IT" dirty="0" smtClean="0">
@@ -31546,7 +31555,7 @@
             </p:txBody>
           </p:sp>
         </mc:Choice>
-        <mc:Fallback>
+        <mc:Fallback xmlns="">
           <p:sp>
             <p:nvSpPr>
               <p:cNvPr id="7" name="CasellaDiTesto 6"/>
@@ -31755,7 +31764,7 @@
           <p:cNvPr id="5" name="Title 3">
             <a:extLst>
               <a:ext uri="{FF2B5EF4-FFF2-40B4-BE49-F238E27FC236}">
-                <a16:creationId xmlns="" xmlns:a16="http://schemas.microsoft.com/office/drawing/2014/main" id="{D5B2E943-4D76-47C0-AFF3-70EEC7B728A0}"/>
+                <a16:creationId xmlns:a16="http://schemas.microsoft.com/office/drawing/2014/main" xmlns="" id="{D5B2E943-4D76-47C0-AFF3-70EEC7B728A0}"/>
               </a:ext>
             </a:extLst>
           </p:cNvPr>
@@ -31854,8 +31863,8 @@
           </a:p>
         </p:txBody>
       </p:sp>
-      <mc:AlternateContent xmlns:mc="http://schemas.openxmlformats.org/markup-compatibility/2006">
-        <mc:Choice xmlns:a14="http://schemas.microsoft.com/office/drawing/2010/main" Requires="a14">
+      <mc:AlternateContent xmlns:mc="http://schemas.openxmlformats.org/markup-compatibility/2006" xmlns:a14="http://schemas.microsoft.com/office/drawing/2010/main">
+        <mc:Choice Requires="a14">
           <p:sp>
             <p:nvSpPr>
               <p:cNvPr id="7" name="CasellaDiTesto 6"/>
@@ -31911,7 +31920,6 @@
                 </a:endParaRPr>
               </a:p>
               <a:p>
-                <a:pPr/>
                 <a:endParaRPr lang="it-IT" dirty="0">
                   <a:latin typeface="Calibri" pitchFamily="34" charset="0"/>
                   <a:cs typeface="Calibri" pitchFamily="34" charset="0"/>
@@ -32438,7 +32446,6 @@
                 </a:endParaRPr>
               </a:p>
               <a:p>
-                <a:pPr/>
                 <a:endParaRPr lang="it-IT" sz="1400" dirty="0">
                   <a:latin typeface="Calibri" pitchFamily="34" charset="0"/>
                   <a:cs typeface="Calibri" pitchFamily="34" charset="0"/>
@@ -32588,14 +32595,12 @@
                 </a:endParaRPr>
               </a:p>
               <a:p>
-                <a:pPr/>
                 <a:endParaRPr lang="it-IT" sz="1400" dirty="0" smtClean="0">
                   <a:latin typeface="Calibri" pitchFamily="34" charset="0"/>
                   <a:cs typeface="Calibri" pitchFamily="34" charset="0"/>
                 </a:endParaRPr>
               </a:p>
               <a:p>
-                <a:pPr/>
                 <a:endParaRPr lang="it-IT" sz="1400" dirty="0">
                   <a:latin typeface="Calibri" pitchFamily="34" charset="0"/>
                   <a:cs typeface="Calibri" pitchFamily="34" charset="0"/>
@@ -32641,35 +32646,35 @@
                   <a:t>greedy</a:t>
                 </a:r>
                 <a:r>
-                  <a:rPr lang="it-IT" u="sng" dirty="0" smtClean="0">
+                  <a:rPr lang="it-IT" dirty="0" smtClean="0">
                     <a:latin typeface="Calibri" pitchFamily="34" charset="0"/>
                     <a:cs typeface="Calibri" pitchFamily="34" charset="0"/>
                   </a:rPr>
                   <a:t> sceglie i </a:t>
                 </a:r>
                 <a:r>
-                  <a:rPr lang="it-IT" b="1" i="1" u="sng" dirty="0" smtClean="0">
+                  <a:rPr lang="it-IT" b="1" i="1" dirty="0" smtClean="0">
                     <a:latin typeface="Calibri" pitchFamily="34" charset="0"/>
                     <a:cs typeface="Calibri" pitchFamily="34" charset="0"/>
                   </a:rPr>
                   <a:t>k </a:t>
                 </a:r>
                 <a:r>
-                  <a:rPr lang="it-IT" b="1" u="sng" dirty="0" smtClean="0">
+                  <a:rPr lang="it-IT" b="1" dirty="0" smtClean="0">
                     <a:latin typeface="Calibri" pitchFamily="34" charset="0"/>
                     <a:cs typeface="Calibri" pitchFamily="34" charset="0"/>
                   </a:rPr>
                   <a:t>archi</a:t>
                 </a:r>
                 <a:r>
-                  <a:rPr lang="it-IT" u="sng" dirty="0">
+                  <a:rPr lang="it-IT" dirty="0">
                     <a:latin typeface="Calibri" pitchFamily="34" charset="0"/>
                     <a:cs typeface="Calibri" pitchFamily="34" charset="0"/>
                   </a:rPr>
                   <a:t> </a:t>
                 </a:r>
                 <a:r>
-                  <a:rPr lang="it-IT" u="sng" dirty="0" smtClean="0">
+                  <a:rPr lang="it-IT" dirty="0" smtClean="0">
                     <a:latin typeface="Calibri" pitchFamily="34" charset="0"/>
                     <a:cs typeface="Calibri" pitchFamily="34" charset="0"/>
                   </a:rPr>
@@ -32678,7 +32683,7 @@
                 <a14:m>
                   <m:oMath xmlns:m="http://schemas.openxmlformats.org/officeDocument/2006/math">
                     <m:r>
-                      <a:rPr lang="it-IT" b="1" i="1" u="sng">
+                      <a:rPr lang="it-IT" b="1" i="1">
                         <a:latin typeface="Cambria Math"/>
                         <a:ea typeface="Cambria Math"/>
                         <a:cs typeface="Calibri" pitchFamily="34" charset="0"/>
@@ -32686,7 +32691,7 @@
                       <m:t>𝜹</m:t>
                     </m:r>
                     <m:r>
-                      <a:rPr lang="it-IT" b="1" i="1" u="sng">
+                      <a:rPr lang="it-IT" b="1" i="1">
                         <a:latin typeface="Cambria Math"/>
                         <a:ea typeface="Cambria Math"/>
                         <a:cs typeface="Calibri" pitchFamily="34" charset="0"/>
@@ -32696,42 +32701,41 @@
                   </m:oMath>
                 </a14:m>
                 <a:r>
-                  <a:rPr lang="it-IT" u="sng" dirty="0">
+                  <a:rPr lang="it-IT" dirty="0">
                     <a:latin typeface="Calibri" pitchFamily="34" charset="0"/>
                     <a:cs typeface="Calibri" pitchFamily="34" charset="0"/>
                   </a:rPr>
                   <a:t> </a:t>
                 </a:r>
-                <a:endParaRPr lang="it-IT" u="sng" dirty="0" smtClean="0">
+                <a:endParaRPr lang="it-IT" dirty="0" smtClean="0">
                   <a:latin typeface="Calibri" pitchFamily="34" charset="0"/>
                   <a:cs typeface="Calibri" pitchFamily="34" charset="0"/>
                 </a:endParaRPr>
               </a:p>
               <a:p>
-                <a:pPr/>
                 <a:r>
-                  <a:rPr lang="it-IT" u="sng" dirty="0" smtClean="0">
+                  <a:rPr lang="it-IT" dirty="0" smtClean="0">
                     <a:latin typeface="Calibri" pitchFamily="34" charset="0"/>
                     <a:cs typeface="Calibri" pitchFamily="34" charset="0"/>
                   </a:rPr>
                   <a:t>       che ciascuno di essi </a:t>
                 </a:r>
                 <a:r>
-                  <a:rPr lang="it-IT" b="1" u="sng" dirty="0" smtClean="0">
+                  <a:rPr lang="it-IT" b="1" dirty="0" smtClean="0">
                     <a:latin typeface="Calibri" pitchFamily="34" charset="0"/>
                     <a:cs typeface="Calibri" pitchFamily="34" charset="0"/>
                   </a:rPr>
                   <a:t>effettivamente </a:t>
                 </a:r>
                 <a:r>
-                  <a:rPr lang="it-IT" u="sng" dirty="0" smtClean="0">
+                  <a:rPr lang="it-IT" dirty="0" smtClean="0">
                     <a:latin typeface="Calibri" pitchFamily="34" charset="0"/>
                     <a:cs typeface="Calibri" pitchFamily="34" charset="0"/>
                   </a:rPr>
                   <a:t>consente dipende dallo </a:t>
                 </a:r>
                 <a:r>
-                  <a:rPr lang="it-IT" b="1" u="sng" dirty="0" smtClean="0">
+                  <a:rPr lang="it-IT" b="1" dirty="0" smtClean="0">
                     <a:latin typeface="Calibri" pitchFamily="34" charset="0"/>
                     <a:cs typeface="Calibri" pitchFamily="34" charset="0"/>
                   </a:rPr>
@@ -32739,9 +32743,8 @@
                 </a:r>
               </a:p>
               <a:p>
-                <a:pPr/>
                 <a:r>
-                  <a:rPr lang="it-IT" u="sng" dirty="0" smtClean="0">
+                  <a:rPr lang="it-IT" dirty="0" smtClean="0">
                     <a:latin typeface="Calibri" pitchFamily="34" charset="0"/>
                     <a:cs typeface="Calibri" pitchFamily="34" charset="0"/>
                   </a:rPr>
@@ -32749,7 +32752,6 @@
                 </a:r>
               </a:p>
               <a:p>
-                <a:pPr/>
                 <a:endParaRPr lang="it-IT" u="sng" dirty="0">
                   <a:latin typeface="Calibri" pitchFamily="34" charset="0"/>
                   <a:cs typeface="Calibri" pitchFamily="34" charset="0"/>
@@ -32810,7 +32812,6 @@
                 </a:r>
               </a:p>
               <a:p>
-                <a:pPr/>
                 <a:r>
                   <a:rPr lang="it-IT" dirty="0">
                     <a:latin typeface="Calibri" pitchFamily="34" charset="0"/>
@@ -32919,7 +32920,6 @@
                 </a:r>
               </a:p>
               <a:p>
-                <a:pPr/>
                 <a:endParaRPr lang="it-IT" dirty="0">
                   <a:latin typeface="Calibri" pitchFamily="34" charset="0"/>
                   <a:cs typeface="Calibri" pitchFamily="34" charset="0"/>
@@ -32990,7 +32990,6 @@
                 </a:r>
               </a:p>
               <a:p>
-                <a:pPr/>
                 <a:r>
                   <a:rPr lang="it-IT" b="1" u="sng" dirty="0" smtClean="0">
                     <a:latin typeface="Calibri" pitchFamily="34" charset="0"/>
@@ -33027,7 +33026,7 @@
             </p:txBody>
           </p:sp>
         </mc:Choice>
-        <mc:Fallback>
+        <mc:Fallback xmlns="">
           <p:sp>
             <p:nvSpPr>
               <p:cNvPr id="7" name="CasellaDiTesto 6"/>
@@ -33108,7 +33107,7 @@
           <p:cNvPr id="5" name="Title 3">
             <a:extLst>
               <a:ext uri="{FF2B5EF4-FFF2-40B4-BE49-F238E27FC236}">
-                <a16:creationId xmlns="" xmlns:a16="http://schemas.microsoft.com/office/drawing/2014/main" id="{D5B2E943-4D76-47C0-AFF3-70EEC7B728A0}"/>
+                <a16:creationId xmlns:a16="http://schemas.microsoft.com/office/drawing/2014/main" xmlns="" id="{D5B2E943-4D76-47C0-AFF3-70EEC7B728A0}"/>
               </a:ext>
             </a:extLst>
           </p:cNvPr>
@@ -33188,10 +33187,1962 @@
           </a:p>
         </p:txBody>
       </p:sp>
+      <p:sp>
+        <p:nvSpPr>
+          <p:cNvPr id="3" name="CasellaDiTesto 2"/>
+          <p:cNvSpPr txBox="1"/>
+          <p:nvPr/>
+        </p:nvSpPr>
+        <p:spPr>
+          <a:xfrm>
+            <a:off x="1619672" y="1268760"/>
+            <a:ext cx="7275774" cy="5909310"/>
+          </a:xfrm>
+          <a:prstGeom prst="rect">
+            <a:avLst/>
+          </a:prstGeom>
+          <a:noFill/>
+        </p:spPr>
+        <p:txBody>
+          <a:bodyPr wrap="none" rtlCol="0">
+            <a:spAutoFit/>
+          </a:bodyPr>
+          <a:lstStyle/>
+          <a:p>
+            <a:endParaRPr lang="it-IT" i="1" dirty="0">
+              <a:latin typeface="Calibri" pitchFamily="34" charset="0"/>
+              <a:cs typeface="Calibri" pitchFamily="34" charset="0"/>
+            </a:endParaRPr>
+          </a:p>
+          <a:p>
+            <a:pPr algn="just"/>
+            <a:r>
+              <a:rPr lang="it-IT" b="1" i="1" dirty="0" err="1" smtClean="0">
+                <a:latin typeface="Calibri" pitchFamily="34" charset="0"/>
+                <a:cs typeface="Calibri" pitchFamily="34" charset="0"/>
+              </a:rPr>
+              <a:t>Tool</a:t>
+            </a:r>
+            <a:r>
+              <a:rPr lang="it-IT" dirty="0">
+                <a:latin typeface="Calibri" pitchFamily="34" charset="0"/>
+                <a:cs typeface="Calibri" pitchFamily="34" charset="0"/>
+              </a:rPr>
+              <a:t> </a:t>
+            </a:r>
+            <a:r>
+              <a:rPr lang="it-IT" dirty="0" smtClean="0">
+                <a:latin typeface="Calibri" pitchFamily="34" charset="0"/>
+                <a:cs typeface="Calibri" pitchFamily="34" charset="0"/>
+              </a:rPr>
+              <a:t>per la visualizzazione dei </a:t>
+            </a:r>
+            <a:r>
+              <a:rPr lang="it-IT" b="1" i="1" dirty="0" smtClean="0">
+                <a:latin typeface="Calibri" pitchFamily="34" charset="0"/>
+                <a:cs typeface="Calibri" pitchFamily="34" charset="0"/>
+              </a:rPr>
+              <a:t>k</a:t>
+            </a:r>
+            <a:r>
+              <a:rPr lang="it-IT" dirty="0" smtClean="0">
+                <a:latin typeface="Calibri" pitchFamily="34" charset="0"/>
+                <a:cs typeface="Calibri" pitchFamily="34" charset="0"/>
+              </a:rPr>
+              <a:t> archi scelti dall’algoritmo di </a:t>
+            </a:r>
+            <a:r>
+              <a:rPr lang="it-IT" b="1" i="1" dirty="0" smtClean="0">
+                <a:solidFill>
+                  <a:srgbClr val="C00000"/>
+                </a:solidFill>
+                <a:latin typeface="Calibri" pitchFamily="34" charset="0"/>
+                <a:cs typeface="Calibri" pitchFamily="34" charset="0"/>
+              </a:rPr>
+              <a:t>k-</a:t>
+            </a:r>
+            <a:r>
+              <a:rPr lang="it-IT" b="1" i="1" dirty="0" err="1" smtClean="0">
+                <a:solidFill>
+                  <a:srgbClr val="C00000"/>
+                </a:solidFill>
+                <a:latin typeface="Calibri" pitchFamily="34" charset="0"/>
+                <a:cs typeface="Calibri" pitchFamily="34" charset="0"/>
+              </a:rPr>
+              <a:t>edge</a:t>
+            </a:r>
+            <a:r>
+              <a:rPr lang="it-IT" b="1" i="1" dirty="0" smtClean="0">
+                <a:solidFill>
+                  <a:srgbClr val="C00000"/>
+                </a:solidFill>
+                <a:latin typeface="Calibri" pitchFamily="34" charset="0"/>
+                <a:cs typeface="Calibri" pitchFamily="34" charset="0"/>
+              </a:rPr>
+              <a:t> </a:t>
+            </a:r>
+          </a:p>
+          <a:p>
+            <a:pPr algn="just"/>
+            <a:r>
+              <a:rPr lang="it-IT" b="1" i="1" dirty="0" err="1" smtClean="0">
+                <a:solidFill>
+                  <a:srgbClr val="C00000"/>
+                </a:solidFill>
+                <a:latin typeface="Calibri" pitchFamily="34" charset="0"/>
+                <a:cs typeface="Calibri" pitchFamily="34" charset="0"/>
+              </a:rPr>
+              <a:t>recommendation</a:t>
+            </a:r>
+            <a:r>
+              <a:rPr lang="it-IT" dirty="0" smtClean="0">
+                <a:latin typeface="Calibri" pitchFamily="34" charset="0"/>
+                <a:cs typeface="Calibri" pitchFamily="34" charset="0"/>
+              </a:rPr>
+              <a:t> eseguito</a:t>
+            </a:r>
+            <a:r>
+              <a:rPr lang="it-IT" dirty="0">
+                <a:latin typeface="Calibri" pitchFamily="34" charset="0"/>
+                <a:cs typeface="Calibri" pitchFamily="34" charset="0"/>
+              </a:rPr>
+              <a:t>:</a:t>
+            </a:r>
+            <a:endParaRPr lang="it-IT" dirty="0" smtClean="0">
+              <a:latin typeface="Calibri" pitchFamily="34" charset="0"/>
+              <a:cs typeface="Calibri" pitchFamily="34" charset="0"/>
+            </a:endParaRPr>
+          </a:p>
+          <a:p>
+            <a:pPr algn="just"/>
+            <a:endParaRPr lang="it-IT" dirty="0">
+              <a:latin typeface="Calibri" pitchFamily="34" charset="0"/>
+              <a:cs typeface="Calibri" pitchFamily="34" charset="0"/>
+            </a:endParaRPr>
+          </a:p>
+          <a:p>
+            <a:pPr marL="285750" indent="-285750" algn="just">
+              <a:buFont typeface="Arial" pitchFamily="34" charset="0"/>
+              <a:buChar char="•"/>
+            </a:pPr>
+            <a:r>
+              <a:rPr lang="it-IT" dirty="0" smtClean="0">
+                <a:latin typeface="Calibri" pitchFamily="34" charset="0"/>
+                <a:cs typeface="Calibri" pitchFamily="34" charset="0"/>
+              </a:rPr>
+              <a:t>Nodi estremi di tali </a:t>
+            </a:r>
+            <a:r>
+              <a:rPr lang="it-IT" b="1" i="1" dirty="0" smtClean="0">
+                <a:latin typeface="Calibri" pitchFamily="34" charset="0"/>
+                <a:cs typeface="Calibri" pitchFamily="34" charset="0"/>
+              </a:rPr>
+              <a:t>k</a:t>
+            </a:r>
+            <a:r>
+              <a:rPr lang="it-IT" dirty="0" smtClean="0">
+                <a:latin typeface="Calibri" pitchFamily="34" charset="0"/>
+                <a:cs typeface="Calibri" pitchFamily="34" charset="0"/>
+              </a:rPr>
+              <a:t> archi descritti dal corrispondente </a:t>
+            </a:r>
+            <a:r>
+              <a:rPr lang="it-IT" b="1" i="1" dirty="0" smtClean="0">
+                <a:solidFill>
+                  <a:schemeClr val="accent1"/>
+                </a:solidFill>
+                <a:latin typeface="Calibri" pitchFamily="34" charset="0"/>
+                <a:cs typeface="Calibri" pitchFamily="34" charset="0"/>
+              </a:rPr>
+              <a:t>username</a:t>
+            </a:r>
+            <a:r>
+              <a:rPr lang="it-IT" dirty="0" smtClean="0">
+                <a:latin typeface="Calibri" pitchFamily="34" charset="0"/>
+                <a:cs typeface="Calibri" pitchFamily="34" charset="0"/>
+              </a:rPr>
+              <a:t>, </a:t>
+            </a:r>
+            <a:r>
+              <a:rPr lang="it-IT" b="1" i="1" dirty="0" smtClean="0">
+                <a:solidFill>
+                  <a:schemeClr val="accent1"/>
+                </a:solidFill>
+                <a:latin typeface="Calibri" pitchFamily="34" charset="0"/>
+                <a:cs typeface="Calibri" pitchFamily="34" charset="0"/>
+              </a:rPr>
+              <a:t>in</a:t>
+            </a:r>
+            <a:r>
+              <a:rPr lang="it-IT" dirty="0" smtClean="0">
+                <a:solidFill>
+                  <a:schemeClr val="accent1"/>
+                </a:solidFill>
+                <a:latin typeface="Calibri" pitchFamily="34" charset="0"/>
+                <a:cs typeface="Calibri" pitchFamily="34" charset="0"/>
+              </a:rPr>
+              <a:t> </a:t>
+            </a:r>
+            <a:r>
+              <a:rPr lang="it-IT" dirty="0" smtClean="0">
+                <a:latin typeface="Calibri" pitchFamily="34" charset="0"/>
+                <a:cs typeface="Calibri" pitchFamily="34" charset="0"/>
+              </a:rPr>
+              <a:t>e</a:t>
+            </a:r>
+          </a:p>
+          <a:p>
+            <a:pPr algn="just"/>
+            <a:r>
+              <a:rPr lang="it-IT" dirty="0">
+                <a:latin typeface="Calibri" pitchFamily="34" charset="0"/>
+                <a:cs typeface="Calibri" pitchFamily="34" charset="0"/>
+              </a:rPr>
+              <a:t> </a:t>
+            </a:r>
+            <a:r>
+              <a:rPr lang="it-IT" dirty="0" smtClean="0">
+                <a:latin typeface="Calibri" pitchFamily="34" charset="0"/>
+                <a:cs typeface="Calibri" pitchFamily="34" charset="0"/>
+              </a:rPr>
+              <a:t>    </a:t>
+            </a:r>
+            <a:r>
+              <a:rPr lang="it-IT" b="1" i="1" dirty="0" smtClean="0">
+                <a:solidFill>
+                  <a:schemeClr val="accent1"/>
+                </a:solidFill>
+                <a:latin typeface="Calibri" pitchFamily="34" charset="0"/>
+                <a:cs typeface="Calibri" pitchFamily="34" charset="0"/>
+              </a:rPr>
+              <a:t>out-</a:t>
+            </a:r>
+            <a:r>
+              <a:rPr lang="it-IT" b="1" i="1" dirty="0" err="1" smtClean="0">
+                <a:solidFill>
+                  <a:schemeClr val="accent1"/>
+                </a:solidFill>
+                <a:latin typeface="Calibri" pitchFamily="34" charset="0"/>
+                <a:cs typeface="Calibri" pitchFamily="34" charset="0"/>
+              </a:rPr>
+              <a:t>degree</a:t>
+            </a:r>
+            <a:r>
+              <a:rPr lang="it-IT" dirty="0" smtClean="0">
+                <a:latin typeface="Calibri" pitchFamily="34" charset="0"/>
+                <a:cs typeface="Calibri" pitchFamily="34" charset="0"/>
+              </a:rPr>
+              <a:t>.</a:t>
+            </a:r>
+          </a:p>
+          <a:p>
+            <a:pPr algn="just"/>
+            <a:endParaRPr lang="it-IT" dirty="0" smtClean="0">
+              <a:latin typeface="Calibri" pitchFamily="34" charset="0"/>
+              <a:cs typeface="Calibri" pitchFamily="34" charset="0"/>
+            </a:endParaRPr>
+          </a:p>
+          <a:p>
+            <a:pPr algn="just"/>
+            <a:endParaRPr lang="it-IT" dirty="0">
+              <a:latin typeface="Calibri" pitchFamily="34" charset="0"/>
+              <a:cs typeface="Calibri" pitchFamily="34" charset="0"/>
+            </a:endParaRPr>
+          </a:p>
+          <a:p>
+            <a:pPr marL="285750" indent="-285750" algn="just">
+              <a:buFont typeface="Arial" pitchFamily="34" charset="0"/>
+              <a:buChar char="•"/>
+            </a:pPr>
+            <a:r>
+              <a:rPr lang="it-IT" b="1" dirty="0" smtClean="0">
+                <a:latin typeface="Calibri" pitchFamily="34" charset="0"/>
+                <a:cs typeface="Calibri" pitchFamily="34" charset="0"/>
+              </a:rPr>
+              <a:t>Filtraggio</a:t>
+            </a:r>
+            <a:r>
+              <a:rPr lang="it-IT" dirty="0" smtClean="0">
+                <a:latin typeface="Calibri" pitchFamily="34" charset="0"/>
+                <a:cs typeface="Calibri" pitchFamily="34" charset="0"/>
+              </a:rPr>
+              <a:t> di tutti i nodi del grafo che non sono </a:t>
+            </a:r>
+            <a:r>
+              <a:rPr lang="it-IT" b="1" i="1" dirty="0" err="1" smtClean="0">
+                <a:latin typeface="Calibri" pitchFamily="34" charset="0"/>
+                <a:cs typeface="Calibri" pitchFamily="34" charset="0"/>
+              </a:rPr>
+              <a:t>endpoints</a:t>
+            </a:r>
+            <a:r>
+              <a:rPr lang="it-IT" dirty="0" smtClean="0">
+                <a:latin typeface="Calibri" pitchFamily="34" charset="0"/>
+                <a:cs typeface="Calibri" pitchFamily="34" charset="0"/>
+              </a:rPr>
+              <a:t> di nessuno di</a:t>
+            </a:r>
+          </a:p>
+          <a:p>
+            <a:pPr algn="just"/>
+            <a:r>
+              <a:rPr lang="it-IT" dirty="0">
+                <a:latin typeface="Calibri" pitchFamily="34" charset="0"/>
+                <a:cs typeface="Calibri" pitchFamily="34" charset="0"/>
+              </a:rPr>
+              <a:t> </a:t>
+            </a:r>
+            <a:r>
+              <a:rPr lang="it-IT" dirty="0" smtClean="0">
+                <a:latin typeface="Calibri" pitchFamily="34" charset="0"/>
+                <a:cs typeface="Calibri" pitchFamily="34" charset="0"/>
+              </a:rPr>
+              <a:t>    di tali archi.</a:t>
+            </a:r>
+          </a:p>
+          <a:p>
+            <a:pPr algn="just"/>
+            <a:endParaRPr lang="it-IT" dirty="0" smtClean="0">
+              <a:solidFill>
+                <a:srgbClr val="00B050"/>
+              </a:solidFill>
+              <a:latin typeface="Calibri" pitchFamily="34" charset="0"/>
+              <a:cs typeface="Calibri" pitchFamily="34" charset="0"/>
+            </a:endParaRPr>
+          </a:p>
+          <a:p>
+            <a:pPr algn="just"/>
+            <a:endParaRPr lang="it-IT" dirty="0" smtClean="0">
+              <a:solidFill>
+                <a:srgbClr val="00B050"/>
+              </a:solidFill>
+              <a:latin typeface="Calibri" pitchFamily="34" charset="0"/>
+              <a:cs typeface="Calibri" pitchFamily="34" charset="0"/>
+            </a:endParaRPr>
+          </a:p>
+          <a:p>
+            <a:pPr marL="285750" indent="-285750" algn="just">
+              <a:buFont typeface="Arial" pitchFamily="34" charset="0"/>
+              <a:buChar char="•"/>
+            </a:pPr>
+            <a:r>
+              <a:rPr lang="it-IT" dirty="0" smtClean="0">
+                <a:latin typeface="Calibri" pitchFamily="34" charset="0"/>
+                <a:cs typeface="Calibri" pitchFamily="34" charset="0"/>
+              </a:rPr>
+              <a:t>Il </a:t>
+            </a:r>
+            <a:r>
+              <a:rPr lang="it-IT" b="1" dirty="0" smtClean="0">
+                <a:latin typeface="Calibri" pitchFamily="34" charset="0"/>
+                <a:cs typeface="Calibri" pitchFamily="34" charset="0"/>
+              </a:rPr>
+              <a:t>grafo</a:t>
+            </a:r>
+            <a:r>
+              <a:rPr lang="it-IT" dirty="0" smtClean="0">
+                <a:latin typeface="Calibri" pitchFamily="34" charset="0"/>
+                <a:cs typeface="Calibri" pitchFamily="34" charset="0"/>
+              </a:rPr>
+              <a:t> costituito da </a:t>
+            </a:r>
+            <a:r>
+              <a:rPr lang="it-IT" u="sng" dirty="0" smtClean="0">
+                <a:latin typeface="Calibri" pitchFamily="34" charset="0"/>
+                <a:cs typeface="Calibri" pitchFamily="34" charset="0"/>
+              </a:rPr>
+              <a:t>tutti e soli i </a:t>
+            </a:r>
+            <a:r>
+              <a:rPr lang="it-IT" b="1" i="1" u="sng" dirty="0" smtClean="0">
+                <a:latin typeface="Calibri" pitchFamily="34" charset="0"/>
+                <a:cs typeface="Calibri" pitchFamily="34" charset="0"/>
+              </a:rPr>
+              <a:t>k</a:t>
+            </a:r>
+            <a:r>
+              <a:rPr lang="it-IT" u="sng" dirty="0" smtClean="0">
+                <a:latin typeface="Calibri" pitchFamily="34" charset="0"/>
+                <a:cs typeface="Calibri" pitchFamily="34" charset="0"/>
+              </a:rPr>
+              <a:t> archi scelti </a:t>
+            </a:r>
+            <a:r>
+              <a:rPr lang="it-IT" dirty="0" smtClean="0">
+                <a:latin typeface="Calibri" pitchFamily="34" charset="0"/>
+                <a:cs typeface="Calibri" pitchFamily="34" charset="0"/>
+              </a:rPr>
+              <a:t>e dai loro </a:t>
+            </a:r>
+            <a:r>
+              <a:rPr lang="it-IT" b="1" i="1" dirty="0" err="1" smtClean="0">
+                <a:latin typeface="Calibri" pitchFamily="34" charset="0"/>
+                <a:cs typeface="Calibri" pitchFamily="34" charset="0"/>
+              </a:rPr>
+              <a:t>endpoints</a:t>
+            </a:r>
+            <a:r>
+              <a:rPr lang="it-IT" dirty="0" smtClean="0">
+                <a:latin typeface="Calibri" pitchFamily="34" charset="0"/>
+                <a:cs typeface="Calibri" pitchFamily="34" charset="0"/>
+              </a:rPr>
+              <a:t> rientra</a:t>
+            </a:r>
+          </a:p>
+          <a:p>
+            <a:pPr algn="just"/>
+            <a:r>
+              <a:rPr lang="it-IT" dirty="0" smtClean="0">
+                <a:latin typeface="Calibri" pitchFamily="34" charset="0"/>
+                <a:cs typeface="Calibri" pitchFamily="34" charset="0"/>
+              </a:rPr>
+              <a:t>     nella classe dei </a:t>
+            </a:r>
+            <a:r>
+              <a:rPr lang="it-IT" b="1" i="1" dirty="0" smtClean="0">
+                <a:solidFill>
+                  <a:srgbClr val="00B050"/>
+                </a:solidFill>
+                <a:latin typeface="Calibri" pitchFamily="34" charset="0"/>
+                <a:cs typeface="Calibri" pitchFamily="34" charset="0"/>
+              </a:rPr>
+              <a:t>grafi bipartiti </a:t>
+            </a:r>
+            <a:r>
+              <a:rPr lang="it-IT" dirty="0" smtClean="0">
+                <a:latin typeface="Calibri" pitchFamily="34" charset="0"/>
+                <a:cs typeface="Calibri" pitchFamily="34" charset="0"/>
+              </a:rPr>
+              <a:t>e, pertanto, è </a:t>
+            </a:r>
+            <a:r>
+              <a:rPr lang="it-IT" b="1" i="1" dirty="0" smtClean="0">
+                <a:solidFill>
+                  <a:srgbClr val="00B050"/>
+                </a:solidFill>
+                <a:latin typeface="Calibri" pitchFamily="34" charset="0"/>
+                <a:cs typeface="Calibri" pitchFamily="34" charset="0"/>
+              </a:rPr>
+              <a:t>bi-colorabile</a:t>
+            </a:r>
+            <a:r>
+              <a:rPr lang="it-IT" dirty="0" smtClean="0">
+                <a:latin typeface="Calibri" pitchFamily="34" charset="0"/>
+                <a:cs typeface="Calibri" pitchFamily="34" charset="0"/>
+              </a:rPr>
+              <a:t>.</a:t>
+            </a:r>
+          </a:p>
+          <a:p>
+            <a:pPr algn="just"/>
+            <a:endParaRPr lang="it-IT" dirty="0" smtClean="0">
+              <a:latin typeface="Calibri" pitchFamily="34" charset="0"/>
+              <a:cs typeface="Calibri" pitchFamily="34" charset="0"/>
+            </a:endParaRPr>
+          </a:p>
+          <a:p>
+            <a:pPr algn="just"/>
+            <a:endParaRPr lang="it-IT" dirty="0">
+              <a:latin typeface="Calibri" pitchFamily="34" charset="0"/>
+              <a:cs typeface="Calibri" pitchFamily="34" charset="0"/>
+            </a:endParaRPr>
+          </a:p>
+          <a:p>
+            <a:pPr marL="285750" indent="-285750" algn="just">
+              <a:buFont typeface="Arial" pitchFamily="34" charset="0"/>
+              <a:buChar char="•"/>
+            </a:pPr>
+            <a:r>
+              <a:rPr lang="it-IT" dirty="0" smtClean="0">
+                <a:latin typeface="Calibri" pitchFamily="34" charset="0"/>
+                <a:cs typeface="Calibri" pitchFamily="34" charset="0"/>
+              </a:rPr>
+              <a:t>L’</a:t>
+            </a:r>
+            <a:r>
+              <a:rPr lang="it-IT" b="1" i="1" dirty="0" smtClean="0">
+                <a:solidFill>
+                  <a:srgbClr val="00B050"/>
+                </a:solidFill>
+                <a:latin typeface="Calibri" pitchFamily="34" charset="0"/>
+                <a:cs typeface="Calibri" pitchFamily="34" charset="0"/>
+              </a:rPr>
+              <a:t>algoritmo di </a:t>
+            </a:r>
+            <a:r>
+              <a:rPr lang="it-IT" b="1" i="1" dirty="0" err="1" smtClean="0">
+                <a:solidFill>
+                  <a:srgbClr val="00B050"/>
+                </a:solidFill>
+                <a:latin typeface="Calibri" pitchFamily="34" charset="0"/>
+                <a:cs typeface="Calibri" pitchFamily="34" charset="0"/>
+              </a:rPr>
+              <a:t>coloring</a:t>
+            </a:r>
+            <a:r>
+              <a:rPr lang="it-IT" b="1" i="1" dirty="0" smtClean="0">
+                <a:solidFill>
+                  <a:srgbClr val="00B050"/>
+                </a:solidFill>
+                <a:latin typeface="Calibri" pitchFamily="34" charset="0"/>
+                <a:cs typeface="Calibri" pitchFamily="34" charset="0"/>
+              </a:rPr>
+              <a:t> </a:t>
+            </a:r>
+            <a:r>
+              <a:rPr lang="it-IT" dirty="0" smtClean="0">
+                <a:latin typeface="Calibri" pitchFamily="34" charset="0"/>
+                <a:cs typeface="Calibri" pitchFamily="34" charset="0"/>
+              </a:rPr>
+              <a:t>associa </a:t>
+            </a:r>
+            <a:r>
+              <a:rPr lang="it-IT" u="sng" dirty="0" smtClean="0">
+                <a:latin typeface="Calibri" pitchFamily="34" charset="0"/>
+                <a:cs typeface="Calibri" pitchFamily="34" charset="0"/>
+              </a:rPr>
+              <a:t>ogni nodo </a:t>
+            </a:r>
+            <a:r>
+              <a:rPr lang="it-IT" b="1" i="1" u="sng" dirty="0" err="1" smtClean="0">
+                <a:latin typeface="Calibri" pitchFamily="34" charset="0"/>
+                <a:cs typeface="Calibri" pitchFamily="34" charset="0"/>
+              </a:rPr>
+              <a:t>endpoint</a:t>
+            </a:r>
+            <a:r>
+              <a:rPr lang="it-IT" u="sng" dirty="0" smtClean="0">
+                <a:latin typeface="Calibri" pitchFamily="34" charset="0"/>
+                <a:cs typeface="Calibri" pitchFamily="34" charset="0"/>
+              </a:rPr>
+              <a:t> all’</a:t>
+            </a:r>
+            <a:r>
+              <a:rPr lang="it-IT" b="1" i="1" u="sng" dirty="0" err="1" smtClean="0">
+                <a:latin typeface="Calibri" pitchFamily="34" charset="0"/>
+                <a:cs typeface="Calibri" pitchFamily="34" charset="0"/>
+              </a:rPr>
+              <a:t>echo-chamber</a:t>
+            </a:r>
+            <a:r>
+              <a:rPr lang="it-IT" u="sng" dirty="0">
+                <a:latin typeface="Calibri" pitchFamily="34" charset="0"/>
+                <a:cs typeface="Calibri" pitchFamily="34" charset="0"/>
+              </a:rPr>
+              <a:t> </a:t>
+            </a:r>
+            <a:endParaRPr lang="it-IT" u="sng" dirty="0" smtClean="0">
+              <a:latin typeface="Calibri" pitchFamily="34" charset="0"/>
+              <a:cs typeface="Calibri" pitchFamily="34" charset="0"/>
+            </a:endParaRPr>
+          </a:p>
+          <a:p>
+            <a:pPr algn="just"/>
+            <a:r>
+              <a:rPr lang="it-IT" u="sng" dirty="0" smtClean="0">
+                <a:latin typeface="Calibri" pitchFamily="34" charset="0"/>
+                <a:cs typeface="Calibri" pitchFamily="34" charset="0"/>
+              </a:rPr>
+              <a:t>     alla quale appartiene</a:t>
+            </a:r>
+            <a:r>
+              <a:rPr lang="it-IT" dirty="0" smtClean="0">
+                <a:latin typeface="Calibri" pitchFamily="34" charset="0"/>
+                <a:cs typeface="Calibri" pitchFamily="34" charset="0"/>
+              </a:rPr>
+              <a:t>.</a:t>
+            </a:r>
+            <a:endParaRPr lang="it-IT" dirty="0">
+              <a:latin typeface="Calibri" pitchFamily="34" charset="0"/>
+              <a:cs typeface="Calibri" pitchFamily="34" charset="0"/>
+            </a:endParaRPr>
+          </a:p>
+          <a:p>
+            <a:endParaRPr lang="it-IT" dirty="0">
+              <a:solidFill>
+                <a:srgbClr val="00B050"/>
+              </a:solidFill>
+              <a:latin typeface="Calibri" pitchFamily="34" charset="0"/>
+              <a:cs typeface="Calibri" pitchFamily="34" charset="0"/>
+            </a:endParaRPr>
+          </a:p>
+          <a:p>
+            <a:pPr marL="285750" indent="-285750">
+              <a:buFont typeface="Arial" pitchFamily="34" charset="0"/>
+              <a:buChar char="•"/>
+            </a:pPr>
+            <a:endParaRPr lang="it-IT" dirty="0" smtClean="0">
+              <a:solidFill>
+                <a:srgbClr val="00B050"/>
+              </a:solidFill>
+              <a:latin typeface="Calibri" pitchFamily="34" charset="0"/>
+              <a:cs typeface="Calibri" pitchFamily="34" charset="0"/>
+            </a:endParaRPr>
+          </a:p>
+          <a:p>
+            <a:pPr marL="285750" indent="-285750">
+              <a:buFont typeface="Arial" pitchFamily="34" charset="0"/>
+              <a:buChar char="•"/>
+            </a:pPr>
+            <a:endParaRPr lang="it-IT" dirty="0">
+              <a:latin typeface="Calibri" pitchFamily="34" charset="0"/>
+              <a:cs typeface="Calibri" pitchFamily="34" charset="0"/>
+            </a:endParaRPr>
+          </a:p>
+        </p:txBody>
+      </p:sp>
     </p:spTree>
     <p:extLst>
       <p:ext uri="{BB962C8B-B14F-4D97-AF65-F5344CB8AC3E}">
         <p14:creationId xmlns:p14="http://schemas.microsoft.com/office/powerpoint/2010/main" val="1951054463"/>
+      </p:ext>
+    </p:extLst>
+  </p:cSld>
+  <p:clrMapOvr>
+    <a:masterClrMapping/>
+  </p:clrMapOvr>
+  <p:timing>
+    <p:tnLst>
+      <p:par>
+        <p:cTn id="1" dur="indefinite" restart="never" nodeType="tmRoot"/>
+      </p:par>
+    </p:tnLst>
+  </p:timing>
+</p:sld>
+</file>
+
+<file path=ppt/slides/slide28.xml><?xml version="1.0" encoding="utf-8"?>
+<p:sld xmlns:a="http://schemas.openxmlformats.org/drawingml/2006/main" xmlns:r="http://schemas.openxmlformats.org/officeDocument/2006/relationships" xmlns:p="http://schemas.openxmlformats.org/presentationml/2006/main">
+  <p:cSld>
+    <p:spTree>
+      <p:nvGrpSpPr>
+        <p:cNvPr id="1" name=""/>
+        <p:cNvGrpSpPr/>
+        <p:nvPr/>
+      </p:nvGrpSpPr>
+      <p:grpSpPr>
+        <a:xfrm>
+          <a:off x="0" y="0"/>
+          <a:ext cx="0" cy="0"/>
+          <a:chOff x="0" y="0"/>
+          <a:chExt cx="0" cy="0"/>
+        </a:xfrm>
+      </p:grpSpPr>
+      <p:sp>
+        <p:nvSpPr>
+          <p:cNvPr id="5" name="Title 3">
+            <a:extLst>
+              <a:ext uri="{FF2B5EF4-FFF2-40B4-BE49-F238E27FC236}">
+                <a16:creationId xmlns:a16="http://schemas.microsoft.com/office/drawing/2014/main" xmlns="" id="{189ECF77-714F-4D2C-9D4B-CC43534EF427}"/>
+              </a:ext>
+            </a:extLst>
+          </p:cNvPr>
+          <p:cNvSpPr>
+            <a:spLocks noGrp="1"/>
+          </p:cNvSpPr>
+          <p:nvPr>
+            <p:ph type="title"/>
+          </p:nvPr>
+        </p:nvSpPr>
+        <p:spPr>
+          <a:xfrm>
+            <a:off x="0" y="21787"/>
+            <a:ext cx="9144000" cy="1069514"/>
+          </a:xfrm>
+        </p:spPr>
+        <p:txBody>
+          <a:bodyPr>
+            <a:scene3d>
+              <a:camera prst="orthographicFront"/>
+              <a:lightRig rig="threePt" dir="t"/>
+            </a:scene3d>
+            <a:sp3d extrusionH="57150">
+              <a:bevelT w="82550" h="38100" prst="coolSlant"/>
+            </a:sp3d>
+          </a:bodyPr>
+          <a:lstStyle/>
+          <a:p>
+            <a:pPr algn="ctr"/>
+            <a:r>
+              <a:rPr lang="en-US" altLang="ko-KR" dirty="0" smtClean="0">
+                <a:solidFill>
+                  <a:schemeClr val="accent5">
+                    <a:lumMod val="75000"/>
+                  </a:schemeClr>
+                </a:solidFill>
+              </a:rPr>
+              <a:t>Test</a:t>
+            </a:r>
+            <a:endParaRPr lang="ko-KR" altLang="en-US" dirty="0">
+              <a:solidFill>
+                <a:schemeClr val="accent5">
+                  <a:lumMod val="75000"/>
+                </a:schemeClr>
+              </a:solidFill>
+            </a:endParaRPr>
+          </a:p>
+        </p:txBody>
+      </p:sp>
+      <p:graphicFrame>
+        <p:nvGraphicFramePr>
+          <p:cNvPr id="6" name="Tabella 5"/>
+          <p:cNvGraphicFramePr>
+            <a:graphicFrameLocks noGrp="1"/>
+          </p:cNvGraphicFramePr>
+          <p:nvPr>
+            <p:extLst>
+              <p:ext uri="{D42A27DB-BD31-4B8C-83A1-F6EECF244321}">
+                <p14:modId xmlns:p14="http://schemas.microsoft.com/office/powerpoint/2010/main" val="220092116"/>
+              </p:ext>
+            </p:extLst>
+          </p:nvPr>
+        </p:nvGraphicFramePr>
+        <p:xfrm>
+          <a:off x="1835696" y="2492896"/>
+          <a:ext cx="6096000" cy="1483360"/>
+        </p:xfrm>
+        <a:graphic>
+          <a:graphicData uri="http://schemas.openxmlformats.org/drawingml/2006/table">
+            <a:tbl>
+              <a:tblPr firstRow="1" bandRow="1">
+                <a:tableStyleId>{6E25E649-3F16-4E02-A733-19D2CDBF48F0}</a:tableStyleId>
+              </a:tblPr>
+              <a:tblGrid>
+                <a:gridCol w="2032000"/>
+                <a:gridCol w="2032000"/>
+                <a:gridCol w="2032000"/>
+              </a:tblGrid>
+              <a:tr h="370840">
+                <a:tc>
+                  <a:txBody>
+                    <a:bodyPr/>
+                    <a:lstStyle/>
+                    <a:p>
+                      <a:pPr algn="ctr"/>
+                      <a:r>
+                        <a:rPr lang="it-IT" dirty="0" err="1" smtClean="0">
+                          <a:latin typeface="Calibri" pitchFamily="34" charset="0"/>
+                          <a:cs typeface="Calibri" pitchFamily="34" charset="0"/>
+                        </a:rPr>
+                        <a:t>Hashtag</a:t>
+                      </a:r>
+                      <a:endParaRPr lang="it-IT" i="0" dirty="0">
+                        <a:latin typeface="Calibri" pitchFamily="34" charset="0"/>
+                        <a:cs typeface="Calibri" pitchFamily="34" charset="0"/>
+                      </a:endParaRPr>
+                    </a:p>
+                  </a:txBody>
+                  <a:tcPr/>
+                </a:tc>
+                <a:tc>
+                  <a:txBody>
+                    <a:bodyPr/>
+                    <a:lstStyle/>
+                    <a:p>
+                      <a:pPr algn="ctr"/>
+                      <a:r>
+                        <a:rPr lang="it-IT" dirty="0" smtClean="0">
+                          <a:latin typeface="Calibri" pitchFamily="34" charset="0"/>
+                          <a:cs typeface="Calibri" pitchFamily="34" charset="0"/>
+                        </a:rPr>
+                        <a:t>|V|</a:t>
+                      </a:r>
+                      <a:endParaRPr lang="it-IT" dirty="0">
+                        <a:latin typeface="Calibri" pitchFamily="34" charset="0"/>
+                        <a:cs typeface="Calibri" pitchFamily="34" charset="0"/>
+                      </a:endParaRPr>
+                    </a:p>
+                  </a:txBody>
+                  <a:tcPr/>
+                </a:tc>
+                <a:tc>
+                  <a:txBody>
+                    <a:bodyPr/>
+                    <a:lstStyle/>
+                    <a:p>
+                      <a:pPr algn="ctr"/>
+                      <a:r>
+                        <a:rPr lang="it-IT" dirty="0" smtClean="0">
+                          <a:latin typeface="Calibri" pitchFamily="34" charset="0"/>
+                          <a:cs typeface="Calibri" pitchFamily="34" charset="0"/>
+                        </a:rPr>
+                        <a:t>|E|</a:t>
+                      </a:r>
+                      <a:endParaRPr lang="it-IT" dirty="0">
+                        <a:latin typeface="Calibri" pitchFamily="34" charset="0"/>
+                        <a:cs typeface="Calibri" pitchFamily="34" charset="0"/>
+                      </a:endParaRPr>
+                    </a:p>
+                  </a:txBody>
+                  <a:tcPr/>
+                </a:tc>
+              </a:tr>
+              <a:tr h="370840">
+                <a:tc>
+                  <a:txBody>
+                    <a:bodyPr/>
+                    <a:lstStyle/>
+                    <a:p>
+                      <a:pPr algn="ctr"/>
+                      <a:r>
+                        <a:rPr lang="it-IT" i="1" dirty="0" smtClean="0">
+                          <a:latin typeface="Calibri" pitchFamily="34" charset="0"/>
+                          <a:cs typeface="Calibri" pitchFamily="34" charset="0"/>
+                        </a:rPr>
+                        <a:t>#</a:t>
+                      </a:r>
+                      <a:r>
+                        <a:rPr lang="it-IT" i="1" dirty="0" err="1" smtClean="0">
+                          <a:latin typeface="Calibri" pitchFamily="34" charset="0"/>
+                          <a:cs typeface="Calibri" pitchFamily="34" charset="0"/>
+                        </a:rPr>
+                        <a:t>beefban</a:t>
+                      </a:r>
+                      <a:endParaRPr lang="it-IT" b="0" i="1" dirty="0">
+                        <a:latin typeface="Calibri" pitchFamily="34" charset="0"/>
+                        <a:cs typeface="Calibri" pitchFamily="34" charset="0"/>
+                      </a:endParaRPr>
+                    </a:p>
+                  </a:txBody>
+                  <a:tcPr/>
+                </a:tc>
+                <a:tc>
+                  <a:txBody>
+                    <a:bodyPr/>
+                    <a:lstStyle/>
+                    <a:p>
+                      <a:pPr algn="ctr"/>
+                      <a:r>
+                        <a:rPr lang="it-IT" dirty="0" smtClean="0">
+                          <a:latin typeface="Calibri" pitchFamily="34" charset="0"/>
+                          <a:cs typeface="Calibri" pitchFamily="34" charset="0"/>
+                        </a:rPr>
+                        <a:t>1610</a:t>
+                      </a:r>
+                      <a:endParaRPr lang="it-IT" dirty="0">
+                        <a:latin typeface="Calibri" pitchFamily="34" charset="0"/>
+                        <a:cs typeface="Calibri" pitchFamily="34" charset="0"/>
+                      </a:endParaRPr>
+                    </a:p>
+                  </a:txBody>
+                  <a:tcPr/>
+                </a:tc>
+                <a:tc>
+                  <a:txBody>
+                    <a:bodyPr/>
+                    <a:lstStyle/>
+                    <a:p>
+                      <a:pPr algn="ctr"/>
+                      <a:r>
+                        <a:rPr lang="it-IT" dirty="0" smtClean="0">
+                          <a:latin typeface="Calibri" pitchFamily="34" charset="0"/>
+                          <a:cs typeface="Calibri" pitchFamily="34" charset="0"/>
+                        </a:rPr>
+                        <a:t>1978</a:t>
+                      </a:r>
+                      <a:endParaRPr lang="it-IT" dirty="0">
+                        <a:latin typeface="Calibri" pitchFamily="34" charset="0"/>
+                        <a:cs typeface="Calibri" pitchFamily="34" charset="0"/>
+                      </a:endParaRPr>
+                    </a:p>
+                  </a:txBody>
+                  <a:tcPr/>
+                </a:tc>
+              </a:tr>
+              <a:tr h="370840">
+                <a:tc>
+                  <a:txBody>
+                    <a:bodyPr/>
+                    <a:lstStyle/>
+                    <a:p>
+                      <a:pPr algn="ctr"/>
+                      <a:r>
+                        <a:rPr lang="it-IT" i="1" dirty="0" smtClean="0">
+                          <a:latin typeface="Calibri" pitchFamily="34" charset="0"/>
+                          <a:cs typeface="Calibri" pitchFamily="34" charset="0"/>
+                        </a:rPr>
+                        <a:t>#indiana</a:t>
+                      </a:r>
+                      <a:endParaRPr lang="it-IT" b="0" i="1" dirty="0">
+                        <a:latin typeface="Calibri" pitchFamily="34" charset="0"/>
+                        <a:cs typeface="Calibri" pitchFamily="34" charset="0"/>
+                      </a:endParaRPr>
+                    </a:p>
+                  </a:txBody>
+                  <a:tcPr/>
+                </a:tc>
+                <a:tc>
+                  <a:txBody>
+                    <a:bodyPr/>
+                    <a:lstStyle/>
+                    <a:p>
+                      <a:pPr algn="ctr"/>
+                      <a:r>
+                        <a:rPr lang="it-IT" dirty="0" smtClean="0">
+                          <a:latin typeface="Calibri" pitchFamily="34" charset="0"/>
+                          <a:cs typeface="Calibri" pitchFamily="34" charset="0"/>
+                        </a:rPr>
+                        <a:t>2467</a:t>
+                      </a:r>
+                      <a:endParaRPr lang="it-IT" dirty="0">
+                        <a:latin typeface="Calibri" pitchFamily="34" charset="0"/>
+                        <a:cs typeface="Calibri" pitchFamily="34" charset="0"/>
+                      </a:endParaRPr>
+                    </a:p>
+                  </a:txBody>
+                  <a:tcPr/>
+                </a:tc>
+                <a:tc>
+                  <a:txBody>
+                    <a:bodyPr/>
+                    <a:lstStyle/>
+                    <a:p>
+                      <a:pPr algn="ctr"/>
+                      <a:r>
+                        <a:rPr lang="it-IT" dirty="0" smtClean="0">
+                          <a:latin typeface="Calibri" pitchFamily="34" charset="0"/>
+                          <a:cs typeface="Calibri" pitchFamily="34" charset="0"/>
+                        </a:rPr>
+                        <a:t>3143</a:t>
+                      </a:r>
+                      <a:endParaRPr lang="it-IT" dirty="0">
+                        <a:latin typeface="Calibri" pitchFamily="34" charset="0"/>
+                        <a:cs typeface="Calibri" pitchFamily="34" charset="0"/>
+                      </a:endParaRPr>
+                    </a:p>
+                  </a:txBody>
+                  <a:tcPr/>
+                </a:tc>
+              </a:tr>
+              <a:tr h="370840">
+                <a:tc>
+                  <a:txBody>
+                    <a:bodyPr/>
+                    <a:lstStyle/>
+                    <a:p>
+                      <a:pPr algn="ctr"/>
+                      <a:r>
+                        <a:rPr lang="it-IT" i="1" dirty="0" smtClean="0">
+                          <a:latin typeface="Calibri" pitchFamily="34" charset="0"/>
+                          <a:cs typeface="Calibri" pitchFamily="34" charset="0"/>
+                        </a:rPr>
+                        <a:t>#</a:t>
+                      </a:r>
+                      <a:r>
+                        <a:rPr lang="it-IT" i="1" dirty="0" err="1" smtClean="0">
+                          <a:latin typeface="Calibri" pitchFamily="34" charset="0"/>
+                          <a:cs typeface="Calibri" pitchFamily="34" charset="0"/>
+                        </a:rPr>
+                        <a:t>russia_march</a:t>
+                      </a:r>
+                      <a:endParaRPr lang="it-IT" i="1" dirty="0">
+                        <a:latin typeface="Calibri" pitchFamily="34" charset="0"/>
+                        <a:cs typeface="Calibri" pitchFamily="34" charset="0"/>
+                      </a:endParaRPr>
+                    </a:p>
+                  </a:txBody>
+                  <a:tcPr/>
+                </a:tc>
+                <a:tc>
+                  <a:txBody>
+                    <a:bodyPr/>
+                    <a:lstStyle/>
+                    <a:p>
+                      <a:pPr algn="ctr"/>
+                      <a:r>
+                        <a:rPr lang="it-IT" dirty="0" smtClean="0">
+                          <a:latin typeface="Calibri" pitchFamily="34" charset="0"/>
+                          <a:cs typeface="Calibri" pitchFamily="34" charset="0"/>
+                        </a:rPr>
+                        <a:t>2134</a:t>
+                      </a:r>
+                      <a:endParaRPr lang="it-IT" dirty="0">
+                        <a:latin typeface="Calibri" pitchFamily="34" charset="0"/>
+                        <a:cs typeface="Calibri" pitchFamily="34" charset="0"/>
+                      </a:endParaRPr>
+                    </a:p>
+                  </a:txBody>
+                  <a:tcPr/>
+                </a:tc>
+                <a:tc>
+                  <a:txBody>
+                    <a:bodyPr/>
+                    <a:lstStyle/>
+                    <a:p>
+                      <a:pPr algn="ctr"/>
+                      <a:r>
+                        <a:rPr lang="it-IT" dirty="0" smtClean="0">
+                          <a:latin typeface="Calibri" pitchFamily="34" charset="0"/>
+                          <a:cs typeface="Calibri" pitchFamily="34" charset="0"/>
+                        </a:rPr>
+                        <a:t>2951</a:t>
+                      </a:r>
+                      <a:endParaRPr lang="it-IT" dirty="0">
+                        <a:latin typeface="Calibri" pitchFamily="34" charset="0"/>
+                        <a:cs typeface="Calibri" pitchFamily="34" charset="0"/>
+                      </a:endParaRPr>
+                    </a:p>
+                  </a:txBody>
+                  <a:tcPr/>
+                </a:tc>
+              </a:tr>
+            </a:tbl>
+          </a:graphicData>
+        </a:graphic>
+      </p:graphicFrame>
+      <p:sp>
+        <p:nvSpPr>
+          <p:cNvPr id="7" name="CasellaDiTesto 6"/>
+          <p:cNvSpPr txBox="1"/>
+          <p:nvPr/>
+        </p:nvSpPr>
+        <p:spPr>
+          <a:xfrm>
+            <a:off x="1920233" y="1628800"/>
+            <a:ext cx="5820119" cy="369332"/>
+          </a:xfrm>
+          <a:prstGeom prst="rect">
+            <a:avLst/>
+          </a:prstGeom>
+          <a:noFill/>
+        </p:spPr>
+        <p:txBody>
+          <a:bodyPr wrap="none" rtlCol="0">
+            <a:spAutoFit/>
+          </a:bodyPr>
+          <a:lstStyle/>
+          <a:p>
+            <a:pPr algn="ctr"/>
+            <a:r>
+              <a:rPr lang="it-IT" dirty="0" smtClean="0">
+                <a:latin typeface="Calibri" pitchFamily="34" charset="0"/>
+                <a:cs typeface="Calibri" pitchFamily="34" charset="0"/>
+              </a:rPr>
+              <a:t>Caratteristiche degli </a:t>
+            </a:r>
+            <a:r>
+              <a:rPr lang="it-IT" b="1" i="1" dirty="0" err="1" smtClean="0">
+                <a:solidFill>
+                  <a:srgbClr val="C00000"/>
+                </a:solidFill>
+                <a:latin typeface="Calibri" pitchFamily="34" charset="0"/>
+                <a:cs typeface="Calibri" pitchFamily="34" charset="0"/>
+              </a:rPr>
+              <a:t>endorsement</a:t>
+            </a:r>
+            <a:r>
+              <a:rPr lang="it-IT" b="1" i="1" dirty="0" smtClean="0">
+                <a:solidFill>
+                  <a:srgbClr val="C00000"/>
+                </a:solidFill>
+                <a:latin typeface="Calibri" pitchFamily="34" charset="0"/>
+                <a:cs typeface="Calibri" pitchFamily="34" charset="0"/>
+              </a:rPr>
+              <a:t> </a:t>
+            </a:r>
+            <a:r>
+              <a:rPr lang="it-IT" b="1" i="1" dirty="0" err="1" smtClean="0">
+                <a:solidFill>
+                  <a:srgbClr val="C00000"/>
+                </a:solidFill>
+                <a:latin typeface="Calibri" pitchFamily="34" charset="0"/>
+                <a:cs typeface="Calibri" pitchFamily="34" charset="0"/>
+              </a:rPr>
+              <a:t>graphs</a:t>
+            </a:r>
+            <a:r>
+              <a:rPr lang="it-IT" b="1" i="1" dirty="0" smtClean="0">
+                <a:solidFill>
+                  <a:srgbClr val="C00000"/>
+                </a:solidFill>
+                <a:latin typeface="Calibri" pitchFamily="34" charset="0"/>
+                <a:cs typeface="Calibri" pitchFamily="34" charset="0"/>
+              </a:rPr>
+              <a:t> </a:t>
+            </a:r>
+            <a:r>
+              <a:rPr lang="it-IT" dirty="0" smtClean="0">
+                <a:latin typeface="Calibri" pitchFamily="34" charset="0"/>
+                <a:cs typeface="Calibri" pitchFamily="34" charset="0"/>
+              </a:rPr>
+              <a:t>sottoposti ai </a:t>
+            </a:r>
+            <a:r>
+              <a:rPr lang="it-IT" dirty="0" err="1" smtClean="0">
+                <a:latin typeface="Calibri" pitchFamily="34" charset="0"/>
+                <a:cs typeface="Calibri" pitchFamily="34" charset="0"/>
+              </a:rPr>
+              <a:t>tests</a:t>
+            </a:r>
+            <a:r>
+              <a:rPr lang="it-IT" dirty="0" smtClean="0">
+                <a:latin typeface="Calibri" pitchFamily="34" charset="0"/>
+                <a:cs typeface="Calibri" pitchFamily="34" charset="0"/>
+              </a:rPr>
+              <a:t>:</a:t>
+            </a:r>
+            <a:endParaRPr lang="it-IT" dirty="0">
+              <a:latin typeface="Calibri" pitchFamily="34" charset="0"/>
+              <a:cs typeface="Calibri" pitchFamily="34" charset="0"/>
+            </a:endParaRPr>
+          </a:p>
+        </p:txBody>
+      </p:sp>
+      <p:sp>
+        <p:nvSpPr>
+          <p:cNvPr id="8" name="CasellaDiTesto 7"/>
+          <p:cNvSpPr txBox="1"/>
+          <p:nvPr/>
+        </p:nvSpPr>
+        <p:spPr>
+          <a:xfrm>
+            <a:off x="1981715" y="4221088"/>
+            <a:ext cx="5182573" cy="2862322"/>
+          </a:xfrm>
+          <a:prstGeom prst="rect">
+            <a:avLst/>
+          </a:prstGeom>
+          <a:noFill/>
+        </p:spPr>
+        <p:txBody>
+          <a:bodyPr wrap="none" rtlCol="0">
+            <a:spAutoFit/>
+          </a:bodyPr>
+          <a:lstStyle/>
+          <a:p>
+            <a:pPr algn="ctr"/>
+            <a:r>
+              <a:rPr lang="it-IT" b="1" dirty="0" smtClean="0">
+                <a:solidFill>
+                  <a:schemeClr val="accent1"/>
+                </a:solidFill>
+                <a:latin typeface="Calibri" pitchFamily="34" charset="0"/>
+                <a:cs typeface="Calibri" pitchFamily="34" charset="0"/>
+              </a:rPr>
+              <a:t>Parametri del sistema </a:t>
+            </a:r>
+            <a:r>
+              <a:rPr lang="it-IT" dirty="0" smtClean="0">
+                <a:latin typeface="Calibri" pitchFamily="34" charset="0"/>
+                <a:cs typeface="Calibri" pitchFamily="34" charset="0"/>
+              </a:rPr>
+              <a:t>impostati con i seguenti valori:</a:t>
+            </a:r>
+          </a:p>
+          <a:p>
+            <a:pPr algn="ctr"/>
+            <a:endParaRPr lang="it-IT" dirty="0">
+              <a:latin typeface="Calibri" pitchFamily="34" charset="0"/>
+              <a:cs typeface="Calibri" pitchFamily="34" charset="0"/>
+            </a:endParaRPr>
+          </a:p>
+          <a:p>
+            <a:pPr marL="285750" indent="-285750">
+              <a:buFont typeface="Arial" pitchFamily="34" charset="0"/>
+              <a:buChar char="•"/>
+            </a:pPr>
+            <a:r>
+              <a:rPr lang="it-IT" b="1" i="1" dirty="0">
+                <a:latin typeface="Calibri" pitchFamily="34" charset="0"/>
+                <a:cs typeface="Calibri" pitchFamily="34" charset="0"/>
+              </a:rPr>
+              <a:t>k</a:t>
+            </a:r>
+            <a:r>
+              <a:rPr lang="it-IT" b="1" i="1" baseline="-25000" dirty="0" smtClean="0">
+                <a:latin typeface="Calibri" pitchFamily="34" charset="0"/>
+                <a:cs typeface="Calibri" pitchFamily="34" charset="0"/>
+              </a:rPr>
+              <a:t>1</a:t>
+            </a:r>
+            <a:r>
+              <a:rPr lang="it-IT" baseline="-25000" dirty="0" smtClean="0">
+                <a:latin typeface="Calibri" pitchFamily="34" charset="0"/>
+                <a:cs typeface="Calibri" pitchFamily="34" charset="0"/>
+              </a:rPr>
+              <a:t> </a:t>
+            </a:r>
+            <a:r>
+              <a:rPr lang="it-IT" dirty="0" smtClean="0">
+                <a:latin typeface="Calibri" pitchFamily="34" charset="0"/>
+                <a:cs typeface="Calibri" pitchFamily="34" charset="0"/>
+              </a:rPr>
+              <a:t>= 20;</a:t>
+            </a:r>
+          </a:p>
+          <a:p>
+            <a:pPr marL="285750" indent="-285750">
+              <a:buFont typeface="Arial" pitchFamily="34" charset="0"/>
+              <a:buChar char="•"/>
+            </a:pPr>
+            <a:endParaRPr lang="it-IT" dirty="0" smtClean="0">
+              <a:latin typeface="Calibri" pitchFamily="34" charset="0"/>
+              <a:cs typeface="Calibri" pitchFamily="34" charset="0"/>
+            </a:endParaRPr>
+          </a:p>
+          <a:p>
+            <a:pPr marL="285750" indent="-285750">
+              <a:buFont typeface="Arial" pitchFamily="34" charset="0"/>
+              <a:buChar char="•"/>
+            </a:pPr>
+            <a:r>
+              <a:rPr lang="it-IT" b="1" i="1" dirty="0">
+                <a:latin typeface="Calibri" pitchFamily="34" charset="0"/>
+                <a:cs typeface="Calibri" pitchFamily="34" charset="0"/>
+              </a:rPr>
+              <a:t>k</a:t>
+            </a:r>
+            <a:r>
+              <a:rPr lang="it-IT" b="1" i="1" baseline="-25000" dirty="0">
+                <a:latin typeface="Calibri" pitchFamily="34" charset="0"/>
+                <a:cs typeface="Calibri" pitchFamily="34" charset="0"/>
+              </a:rPr>
+              <a:t>1</a:t>
+            </a:r>
+            <a:r>
+              <a:rPr lang="it-IT" baseline="-25000" dirty="0">
+                <a:latin typeface="Calibri" pitchFamily="34" charset="0"/>
+                <a:cs typeface="Calibri" pitchFamily="34" charset="0"/>
+              </a:rPr>
+              <a:t> </a:t>
+            </a:r>
+            <a:r>
+              <a:rPr lang="it-IT" dirty="0">
+                <a:latin typeface="Calibri" pitchFamily="34" charset="0"/>
+                <a:cs typeface="Calibri" pitchFamily="34" charset="0"/>
+              </a:rPr>
+              <a:t>= 20;</a:t>
+            </a:r>
+          </a:p>
+          <a:p>
+            <a:pPr marL="285750" indent="-285750">
+              <a:buFont typeface="Arial" pitchFamily="34" charset="0"/>
+              <a:buChar char="•"/>
+            </a:pPr>
+            <a:endParaRPr lang="it-IT" dirty="0" smtClean="0">
+              <a:latin typeface="Calibri" pitchFamily="34" charset="0"/>
+              <a:cs typeface="Calibri" pitchFamily="34" charset="0"/>
+            </a:endParaRPr>
+          </a:p>
+          <a:p>
+            <a:pPr marL="285750" indent="-285750">
+              <a:buFont typeface="Arial" pitchFamily="34" charset="0"/>
+              <a:buChar char="•"/>
+            </a:pPr>
+            <a:r>
+              <a:rPr lang="it-IT" b="1" i="1" dirty="0" smtClean="0">
+                <a:latin typeface="Calibri" pitchFamily="34" charset="0"/>
+                <a:cs typeface="Calibri" pitchFamily="34" charset="0"/>
+              </a:rPr>
+              <a:t>k</a:t>
+            </a:r>
+            <a:r>
+              <a:rPr lang="it-IT" dirty="0" smtClean="0">
+                <a:latin typeface="Calibri" pitchFamily="34" charset="0"/>
+                <a:cs typeface="Calibri" pitchFamily="34" charset="0"/>
+              </a:rPr>
+              <a:t> = 50.</a:t>
+            </a:r>
+            <a:endParaRPr lang="it-IT" dirty="0">
+              <a:latin typeface="Calibri" pitchFamily="34" charset="0"/>
+              <a:cs typeface="Calibri" pitchFamily="34" charset="0"/>
+            </a:endParaRPr>
+          </a:p>
+          <a:p>
+            <a:pPr marL="285750" indent="-285750">
+              <a:buFont typeface="Arial" pitchFamily="34" charset="0"/>
+              <a:buChar char="•"/>
+            </a:pPr>
+            <a:endParaRPr lang="it-IT" dirty="0" smtClean="0">
+              <a:latin typeface="Calibri" pitchFamily="34" charset="0"/>
+              <a:cs typeface="Calibri" pitchFamily="34" charset="0"/>
+            </a:endParaRPr>
+          </a:p>
+          <a:p>
+            <a:pPr algn="ctr"/>
+            <a:endParaRPr lang="it-IT" dirty="0">
+              <a:latin typeface="Calibri" pitchFamily="34" charset="0"/>
+              <a:cs typeface="Calibri" pitchFamily="34" charset="0"/>
+            </a:endParaRPr>
+          </a:p>
+          <a:p>
+            <a:pPr algn="ctr"/>
+            <a:endParaRPr lang="it-IT" dirty="0">
+              <a:latin typeface="Calibri" pitchFamily="34" charset="0"/>
+              <a:cs typeface="Calibri" pitchFamily="34" charset="0"/>
+            </a:endParaRPr>
+          </a:p>
+        </p:txBody>
+      </p:sp>
+    </p:spTree>
+    <p:extLst>
+      <p:ext uri="{BB962C8B-B14F-4D97-AF65-F5344CB8AC3E}">
+        <p14:creationId xmlns:p14="http://schemas.microsoft.com/office/powerpoint/2010/main" val="2877122245"/>
+      </p:ext>
+    </p:extLst>
+  </p:cSld>
+  <p:clrMapOvr>
+    <a:masterClrMapping/>
+  </p:clrMapOvr>
+  <p:timing>
+    <p:tnLst>
+      <p:par>
+        <p:cTn id="1" dur="indefinite" restart="never" nodeType="tmRoot"/>
+      </p:par>
+    </p:tnLst>
+  </p:timing>
+</p:sld>
+</file>
+
+<file path=ppt/slides/slide29.xml><?xml version="1.0" encoding="utf-8"?>
+<p:sld xmlns:a="http://schemas.openxmlformats.org/drawingml/2006/main" xmlns:r="http://schemas.openxmlformats.org/officeDocument/2006/relationships" xmlns:p="http://schemas.openxmlformats.org/presentationml/2006/main">
+  <p:cSld>
+    <p:spTree>
+      <p:nvGrpSpPr>
+        <p:cNvPr id="1" name=""/>
+        <p:cNvGrpSpPr/>
+        <p:nvPr/>
+      </p:nvGrpSpPr>
+      <p:grpSpPr>
+        <a:xfrm>
+          <a:off x="0" y="0"/>
+          <a:ext cx="0" cy="0"/>
+          <a:chOff x="0" y="0"/>
+          <a:chExt cx="0" cy="0"/>
+        </a:xfrm>
+      </p:grpSpPr>
+      <p:sp>
+        <p:nvSpPr>
+          <p:cNvPr id="5" name="Title 3">
+            <a:extLst>
+              <a:ext uri="{FF2B5EF4-FFF2-40B4-BE49-F238E27FC236}">
+                <a16:creationId xmlns:a16="http://schemas.microsoft.com/office/drawing/2014/main" xmlns="" id="{189ECF77-714F-4D2C-9D4B-CC43534EF427}"/>
+              </a:ext>
+            </a:extLst>
+          </p:cNvPr>
+          <p:cNvSpPr>
+            <a:spLocks noGrp="1"/>
+          </p:cNvSpPr>
+          <p:nvPr>
+            <p:ph type="title"/>
+          </p:nvPr>
+        </p:nvSpPr>
+        <p:spPr>
+          <a:xfrm>
+            <a:off x="0" y="21787"/>
+            <a:ext cx="9144000" cy="1069514"/>
+          </a:xfrm>
+        </p:spPr>
+        <p:txBody>
+          <a:bodyPr>
+            <a:scene3d>
+              <a:camera prst="orthographicFront"/>
+              <a:lightRig rig="threePt" dir="t"/>
+            </a:scene3d>
+            <a:sp3d extrusionH="57150">
+              <a:bevelT w="82550" h="38100" prst="coolSlant"/>
+            </a:sp3d>
+          </a:bodyPr>
+          <a:lstStyle/>
+          <a:p>
+            <a:pPr algn="ctr"/>
+            <a:r>
+              <a:rPr lang="en-US" altLang="ko-KR" dirty="0" smtClean="0">
+                <a:solidFill>
+                  <a:schemeClr val="accent5">
+                    <a:lumMod val="75000"/>
+                  </a:schemeClr>
+                </a:solidFill>
+              </a:rPr>
+              <a:t>Test</a:t>
+            </a:r>
+            <a:endParaRPr lang="ko-KR" altLang="en-US" dirty="0">
+              <a:solidFill>
+                <a:schemeClr val="accent5">
+                  <a:lumMod val="75000"/>
+                </a:schemeClr>
+              </a:solidFill>
+            </a:endParaRPr>
+          </a:p>
+        </p:txBody>
+      </p:sp>
+      <p:sp>
+        <p:nvSpPr>
+          <p:cNvPr id="6" name="CasellaDiTesto 5"/>
+          <p:cNvSpPr txBox="1"/>
+          <p:nvPr/>
+        </p:nvSpPr>
+        <p:spPr>
+          <a:xfrm>
+            <a:off x="1557761" y="1196752"/>
+            <a:ext cx="5220532" cy="369332"/>
+          </a:xfrm>
+          <a:prstGeom prst="rect">
+            <a:avLst/>
+          </a:prstGeom>
+          <a:noFill/>
+        </p:spPr>
+        <p:txBody>
+          <a:bodyPr wrap="none" rtlCol="0">
+            <a:spAutoFit/>
+          </a:bodyPr>
+          <a:lstStyle/>
+          <a:p>
+            <a:pPr algn="just"/>
+            <a:r>
+              <a:rPr lang="it-IT" u="sng" dirty="0" smtClean="0">
+                <a:latin typeface="Calibri" pitchFamily="34" charset="0"/>
+                <a:cs typeface="Calibri" pitchFamily="34" charset="0"/>
+              </a:rPr>
+              <a:t>Discesa dell’</a:t>
+            </a:r>
+            <a:r>
+              <a:rPr lang="it-IT" b="1" i="1" u="sng" dirty="0" smtClean="0">
+                <a:latin typeface="Calibri" pitchFamily="34" charset="0"/>
+                <a:cs typeface="Calibri" pitchFamily="34" charset="0"/>
+              </a:rPr>
+              <a:t>RWC</a:t>
+            </a:r>
+            <a:r>
+              <a:rPr lang="it-IT" u="sng" dirty="0" smtClean="0">
+                <a:latin typeface="Calibri" pitchFamily="34" charset="0"/>
+                <a:cs typeface="Calibri" pitchFamily="34" charset="0"/>
+              </a:rPr>
+              <a:t> </a:t>
+            </a:r>
+            <a:r>
+              <a:rPr lang="it-IT" dirty="0" smtClean="0">
+                <a:latin typeface="Calibri" pitchFamily="34" charset="0"/>
+                <a:cs typeface="Calibri" pitchFamily="34" charset="0"/>
+              </a:rPr>
+              <a:t>per l’</a:t>
+            </a:r>
+            <a:r>
+              <a:rPr lang="it-IT" b="1" i="1" dirty="0" err="1" smtClean="0">
+                <a:solidFill>
+                  <a:srgbClr val="C00000"/>
+                </a:solidFill>
+                <a:latin typeface="Calibri" pitchFamily="34" charset="0"/>
+                <a:cs typeface="Calibri" pitchFamily="34" charset="0"/>
+              </a:rPr>
+              <a:t>endorsement</a:t>
+            </a:r>
+            <a:r>
+              <a:rPr lang="it-IT" b="1" i="1" dirty="0" smtClean="0">
+                <a:solidFill>
+                  <a:srgbClr val="C00000"/>
+                </a:solidFill>
+                <a:latin typeface="Calibri" pitchFamily="34" charset="0"/>
+                <a:cs typeface="Calibri" pitchFamily="34" charset="0"/>
+              </a:rPr>
+              <a:t> </a:t>
+            </a:r>
+            <a:r>
+              <a:rPr lang="it-IT" b="1" i="1" dirty="0" err="1" smtClean="0">
+                <a:solidFill>
+                  <a:srgbClr val="C00000"/>
+                </a:solidFill>
+                <a:latin typeface="Calibri" pitchFamily="34" charset="0"/>
+                <a:cs typeface="Calibri" pitchFamily="34" charset="0"/>
+              </a:rPr>
+              <a:t>graph</a:t>
+            </a:r>
+            <a:r>
+              <a:rPr lang="it-IT" b="1" i="1" dirty="0" smtClean="0">
+                <a:solidFill>
+                  <a:srgbClr val="C00000"/>
+                </a:solidFill>
+                <a:latin typeface="Calibri" pitchFamily="34" charset="0"/>
+                <a:cs typeface="Calibri" pitchFamily="34" charset="0"/>
+              </a:rPr>
+              <a:t> </a:t>
+            </a:r>
+            <a:r>
+              <a:rPr lang="it-IT" b="1" i="1" dirty="0" smtClean="0">
+                <a:latin typeface="Calibri" pitchFamily="34" charset="0"/>
+                <a:cs typeface="Calibri" pitchFamily="34" charset="0"/>
+              </a:rPr>
+              <a:t>#</a:t>
+            </a:r>
+            <a:r>
+              <a:rPr lang="it-IT" b="1" i="1" dirty="0" err="1" smtClean="0">
+                <a:latin typeface="Calibri" pitchFamily="34" charset="0"/>
+                <a:cs typeface="Calibri" pitchFamily="34" charset="0"/>
+              </a:rPr>
+              <a:t>beefban</a:t>
+            </a:r>
+            <a:r>
+              <a:rPr lang="it-IT" dirty="0" smtClean="0">
+                <a:latin typeface="Calibri" pitchFamily="34" charset="0"/>
+                <a:cs typeface="Calibri" pitchFamily="34" charset="0"/>
+              </a:rPr>
+              <a:t>:</a:t>
+            </a:r>
+            <a:endParaRPr lang="it-IT" dirty="0">
+              <a:latin typeface="Calibri" pitchFamily="34" charset="0"/>
+              <a:cs typeface="Calibri" pitchFamily="34" charset="0"/>
+            </a:endParaRPr>
+          </a:p>
+        </p:txBody>
+      </p:sp>
+      <p:pic>
+        <p:nvPicPr>
+          <p:cNvPr id="1026" name="Picture 2" descr="C:\Users\Hp\Desktop\UNIVERSITA' E CONCORSI\TESI\PRESENTAZIONE_TESI\beefban_descent.PNG"/>
+          <p:cNvPicPr>
+            <a:picLocks noChangeAspect="1" noChangeArrowheads="1"/>
+          </p:cNvPicPr>
+          <p:nvPr/>
+        </p:nvPicPr>
+        <p:blipFill>
+          <a:blip r:embed="rId2">
+            <a:extLst>
+              <a:ext uri="{28A0092B-C50C-407E-A947-70E740481C1C}">
+                <a14:useLocalDpi xmlns:a14="http://schemas.microsoft.com/office/drawing/2010/main" val="0"/>
+              </a:ext>
+            </a:extLst>
+          </a:blip>
+          <a:srcRect/>
+          <a:stretch>
+            <a:fillRect/>
+          </a:stretch>
+        </p:blipFill>
+        <p:spPr bwMode="auto">
+          <a:xfrm>
+            <a:off x="1619672" y="1700808"/>
+            <a:ext cx="7344816" cy="3096344"/>
+          </a:xfrm>
+          <a:prstGeom prst="rect">
+            <a:avLst/>
+          </a:prstGeom>
+          <a:noFill/>
+          <a:extLst>
+            <a:ext uri="{909E8E84-426E-40DD-AFC4-6F175D3DCCD1}">
+              <a14:hiddenFill xmlns:a14="http://schemas.microsoft.com/office/drawing/2010/main">
+                <a:solidFill>
+                  <a:srgbClr val="FFFFFF"/>
+                </a:solidFill>
+              </a14:hiddenFill>
+            </a:ext>
+          </a:extLst>
+        </p:spPr>
+      </p:pic>
+      <mc:AlternateContent xmlns:mc="http://schemas.openxmlformats.org/markup-compatibility/2006" xmlns:a14="http://schemas.microsoft.com/office/drawing/2010/main">
+        <mc:Choice Requires="a14">
+          <p:sp>
+            <p:nvSpPr>
+              <p:cNvPr id="9" name="CasellaDiTesto 8"/>
+              <p:cNvSpPr txBox="1"/>
+              <p:nvPr/>
+            </p:nvSpPr>
+            <p:spPr>
+              <a:xfrm>
+                <a:off x="1547256" y="4941168"/>
+                <a:ext cx="6841168" cy="1471237"/>
+              </a:xfrm>
+              <a:prstGeom prst="rect">
+                <a:avLst/>
+              </a:prstGeom>
+              <a:noFill/>
+            </p:spPr>
+            <p:txBody>
+              <a:bodyPr wrap="none" rtlCol="0">
+                <a:spAutoFit/>
+              </a:bodyPr>
+              <a:lstStyle/>
+              <a:p>
+                <a:pPr algn="just"/>
+                <a:r>
+                  <a:rPr lang="it-IT" dirty="0" smtClean="0">
+                    <a:latin typeface="Calibri" pitchFamily="34" charset="0"/>
+                    <a:cs typeface="Calibri" pitchFamily="34" charset="0"/>
+                  </a:rPr>
+                  <a:t>Si nota immediatamente che vale:</a:t>
+                </a:r>
+              </a:p>
+              <a:p>
+                <a:pPr algn="just"/>
+                <a:endParaRPr lang="it-IT" dirty="0" smtClean="0">
+                  <a:latin typeface="Calibri" pitchFamily="34" charset="0"/>
+                  <a:cs typeface="Calibri" pitchFamily="34" charset="0"/>
+                </a:endParaRPr>
+              </a:p>
+              <a:p>
+                <a:pPr algn="just"/>
+                <a14:m>
+                  <m:oMathPara xmlns:m="http://schemas.openxmlformats.org/officeDocument/2006/math">
+                    <m:oMathParaPr>
+                      <m:jc m:val="centerGroup"/>
+                    </m:oMathParaPr>
+                    <m:oMath xmlns:m="http://schemas.openxmlformats.org/officeDocument/2006/math">
+                      <m:sSub>
+                        <m:sSubPr>
+                          <m:ctrlPr>
+                            <a:rPr lang="it-IT" sz="1600" i="1" smtClean="0">
+                              <a:latin typeface="Cambria Math"/>
+                              <a:cs typeface="Calibri" pitchFamily="34" charset="0"/>
+                            </a:rPr>
+                          </m:ctrlPr>
+                        </m:sSubPr>
+                        <m:e>
+                          <m:r>
+                            <a:rPr lang="it-IT" sz="1600" i="1">
+                              <a:latin typeface="Cambria Math"/>
+                              <a:cs typeface="Calibri" pitchFamily="34" charset="0"/>
+                            </a:rPr>
+                            <m:t>𝑅𝑊𝐶</m:t>
+                          </m:r>
+                          <m:r>
+                            <a:rPr lang="it-IT" sz="1600" i="1">
+                              <a:latin typeface="Cambria Math"/>
+                              <a:cs typeface="Calibri" pitchFamily="34" charset="0"/>
+                            </a:rPr>
+                            <m:t>(</m:t>
+                          </m:r>
+                          <m:r>
+                            <a:rPr lang="it-IT" sz="1600" i="1">
+                              <a:latin typeface="Cambria Math"/>
+                              <a:cs typeface="Calibri" pitchFamily="34" charset="0"/>
+                            </a:rPr>
+                            <m:t>𝑔</m:t>
+                          </m:r>
+                          <m:r>
+                            <a:rPr lang="it-IT" sz="1600" i="1">
+                              <a:latin typeface="Cambria Math"/>
+                              <a:cs typeface="Calibri" pitchFamily="34" charset="0"/>
+                            </a:rPr>
+                            <m:t>,</m:t>
+                          </m:r>
+                          <m:r>
+                            <a:rPr lang="it-IT" sz="1600" i="1">
+                              <a:latin typeface="Cambria Math"/>
+                              <a:cs typeface="Calibri" pitchFamily="34" charset="0"/>
+                            </a:rPr>
+                            <m:t>𝑗</m:t>
+                          </m:r>
+                          <m:r>
+                            <a:rPr lang="it-IT" sz="1600" i="1">
+                              <a:latin typeface="Cambria Math"/>
+                              <a:cs typeface="Calibri" pitchFamily="34" charset="0"/>
+                            </a:rPr>
+                            <m:t>)</m:t>
+                          </m:r>
+                          <m:r>
+                            <m:rPr>
+                              <m:nor/>
+                            </m:rPr>
+                            <a:rPr lang="it-IT" sz="1600" dirty="0">
+                              <a:latin typeface="Calibri" pitchFamily="34" charset="0"/>
+                              <a:cs typeface="Calibri" pitchFamily="34" charset="0"/>
+                            </a:rPr>
+                            <m:t> </m:t>
+                          </m:r>
+                        </m:e>
+                        <m:sub>
+                          <m:r>
+                            <a:rPr lang="it-IT" sz="1600" b="0" i="1" smtClean="0">
+                              <a:latin typeface="Cambria Math"/>
+                              <a:cs typeface="Calibri" pitchFamily="34" charset="0"/>
+                            </a:rPr>
+                            <m:t>𝑔𝑟𝑒𝑒𝑑𝑦</m:t>
+                          </m:r>
+                        </m:sub>
+                      </m:sSub>
+                      <m:r>
+                        <a:rPr lang="it-IT" sz="1600" i="1" smtClean="0">
+                          <a:latin typeface="Cambria Math"/>
+                          <a:ea typeface="Cambria Math"/>
+                          <a:cs typeface="Calibri" pitchFamily="34" charset="0"/>
+                        </a:rPr>
+                        <m:t>≤</m:t>
+                      </m:r>
+                      <m:r>
+                        <a:rPr lang="it-IT" sz="1600" b="0" i="1" smtClean="0">
+                          <a:latin typeface="Cambria Math"/>
+                          <a:ea typeface="Cambria Math"/>
+                          <a:cs typeface="Calibri" pitchFamily="34" charset="0"/>
+                        </a:rPr>
+                        <m:t> </m:t>
+                      </m:r>
+                      <m:sSub>
+                        <m:sSubPr>
+                          <m:ctrlPr>
+                            <a:rPr lang="it-IT" sz="1600" b="0" i="1" smtClean="0">
+                              <a:latin typeface="Cambria Math"/>
+                              <a:ea typeface="Cambria Math"/>
+                              <a:cs typeface="Calibri" pitchFamily="34" charset="0"/>
+                            </a:rPr>
+                          </m:ctrlPr>
+                        </m:sSubPr>
+                        <m:e>
+                          <m:r>
+                            <a:rPr lang="it-IT" sz="1600" i="1">
+                              <a:latin typeface="Cambria Math"/>
+                              <a:cs typeface="Calibri" pitchFamily="34" charset="0"/>
+                            </a:rPr>
+                            <m:t>𝑅𝑊𝐶</m:t>
+                          </m:r>
+                          <m:d>
+                            <m:dPr>
+                              <m:ctrlPr>
+                                <a:rPr lang="it-IT" sz="1600" i="1">
+                                  <a:latin typeface="Cambria Math"/>
+                                  <a:cs typeface="Calibri" pitchFamily="34" charset="0"/>
+                                </a:rPr>
+                              </m:ctrlPr>
+                            </m:dPr>
+                            <m:e>
+                              <m:r>
+                                <a:rPr lang="it-IT" sz="1600" i="1">
+                                  <a:latin typeface="Cambria Math"/>
+                                  <a:cs typeface="Calibri" pitchFamily="34" charset="0"/>
+                                </a:rPr>
+                                <m:t>𝑔</m:t>
+                              </m:r>
+                              <m:r>
+                                <a:rPr lang="it-IT" sz="1600" i="1">
+                                  <a:latin typeface="Cambria Math"/>
+                                  <a:cs typeface="Calibri" pitchFamily="34" charset="0"/>
+                                </a:rPr>
+                                <m:t>,</m:t>
+                              </m:r>
+                              <m:r>
+                                <a:rPr lang="it-IT" sz="1600" i="1">
+                                  <a:latin typeface="Cambria Math"/>
+                                  <a:cs typeface="Calibri" pitchFamily="34" charset="0"/>
+                                </a:rPr>
+                                <m:t>𝑗</m:t>
+                              </m:r>
+                            </m:e>
+                          </m:d>
+                          <m:r>
+                            <m:rPr>
+                              <m:nor/>
+                            </m:rPr>
+                            <a:rPr lang="it-IT" sz="1600" dirty="0">
+                              <a:latin typeface="Calibri" pitchFamily="34" charset="0"/>
+                              <a:cs typeface="Calibri" pitchFamily="34" charset="0"/>
+                            </a:rPr>
+                            <m:t> </m:t>
+                          </m:r>
+                        </m:e>
+                        <m:sub>
+                          <m:r>
+                            <a:rPr lang="it-IT" sz="1600" b="0" i="1" smtClean="0">
+                              <a:latin typeface="Cambria Math"/>
+                              <a:ea typeface="Cambria Math"/>
+                              <a:cs typeface="Calibri" pitchFamily="34" charset="0"/>
+                            </a:rPr>
+                            <m:t>𝑛𝑜𝑛</m:t>
+                          </m:r>
+                          <m:r>
+                            <a:rPr lang="it-IT" sz="1600" b="0" i="1" smtClean="0">
+                              <a:latin typeface="Cambria Math"/>
+                              <a:ea typeface="Cambria Math"/>
+                              <a:cs typeface="Calibri" pitchFamily="34" charset="0"/>
+                            </a:rPr>
+                            <m:t>−</m:t>
+                          </m:r>
+                          <m:r>
+                            <a:rPr lang="it-IT" sz="1600" b="0" i="1" smtClean="0">
+                              <a:latin typeface="Cambria Math"/>
+                              <a:ea typeface="Cambria Math"/>
+                              <a:cs typeface="Calibri" pitchFamily="34" charset="0"/>
+                            </a:rPr>
+                            <m:t>𝑔𝑟𝑒𝑒𝑑𝑦</m:t>
+                          </m:r>
+                        </m:sub>
+                      </m:sSub>
+                      <m:r>
+                        <a:rPr lang="it-IT" sz="1600" b="0" i="0" smtClean="0">
+                          <a:latin typeface="Cambria Math"/>
+                          <a:ea typeface="Cambria Math"/>
+                          <a:cs typeface="Calibri" pitchFamily="34" charset="0"/>
+                        </a:rPr>
+                        <m:t> , </m:t>
+                      </m:r>
+                      <m:r>
+                        <a:rPr lang="it-IT" sz="1600" b="0" i="1" smtClean="0">
+                          <a:latin typeface="Cambria Math"/>
+                          <a:ea typeface="Cambria Math"/>
+                          <a:cs typeface="Calibri" pitchFamily="34" charset="0"/>
+                        </a:rPr>
+                        <m:t>∀</m:t>
+                      </m:r>
+                      <m:r>
+                        <a:rPr lang="it-IT" sz="1600" b="0" i="1" smtClean="0">
+                          <a:latin typeface="Cambria Math"/>
+                          <a:ea typeface="Cambria Math"/>
+                          <a:cs typeface="Calibri" pitchFamily="34" charset="0"/>
+                        </a:rPr>
+                        <m:t>𝑗</m:t>
+                      </m:r>
+                      <m:r>
+                        <a:rPr lang="it-IT" sz="1600" b="0" i="1" smtClean="0">
+                          <a:latin typeface="Cambria Math"/>
+                          <a:ea typeface="Cambria Math"/>
+                          <a:cs typeface="Calibri" pitchFamily="34" charset="0"/>
+                        </a:rPr>
+                        <m:t>=1,…,</m:t>
+                      </m:r>
+                      <m:r>
+                        <a:rPr lang="it-IT" sz="1600" b="0" i="1" smtClean="0">
+                          <a:latin typeface="Cambria Math"/>
+                          <a:ea typeface="Cambria Math"/>
+                          <a:cs typeface="Calibri" pitchFamily="34" charset="0"/>
+                        </a:rPr>
+                        <m:t>𝑘</m:t>
+                      </m:r>
+                      <m:r>
+                        <a:rPr lang="it-IT" sz="1600" b="0" i="0" smtClean="0">
+                          <a:latin typeface="Cambria Math"/>
+                          <a:ea typeface="Cambria Math"/>
+                          <a:cs typeface="Calibri" pitchFamily="34" charset="0"/>
+                        </a:rPr>
+                        <m:t> </m:t>
+                      </m:r>
+                    </m:oMath>
+                  </m:oMathPara>
+                </a14:m>
+                <a:endParaRPr lang="it-IT" sz="1600" dirty="0" smtClean="0">
+                  <a:latin typeface="Calibri" pitchFamily="34" charset="0"/>
+                  <a:cs typeface="Calibri" pitchFamily="34" charset="0"/>
+                </a:endParaRPr>
+              </a:p>
+              <a:p>
+                <a:pPr algn="just"/>
+                <a:endParaRPr lang="it-IT" sz="1600" dirty="0">
+                  <a:latin typeface="Calibri" pitchFamily="34" charset="0"/>
+                  <a:cs typeface="Calibri" pitchFamily="34" charset="0"/>
+                </a:endParaRPr>
+              </a:p>
+              <a:p>
+                <a:pPr algn="just"/>
+                <a:r>
+                  <a:rPr lang="it-IT" dirty="0" smtClean="0">
+                    <a:latin typeface="Calibri" pitchFamily="34" charset="0"/>
+                    <a:cs typeface="Calibri" pitchFamily="34" charset="0"/>
+                  </a:rPr>
+                  <a:t>Ossia l’algoritmo </a:t>
+                </a:r>
+                <a:r>
+                  <a:rPr lang="it-IT" b="1" i="1" dirty="0" err="1" smtClean="0">
+                    <a:solidFill>
+                      <a:srgbClr val="C00000"/>
+                    </a:solidFill>
+                    <a:latin typeface="Calibri" pitchFamily="34" charset="0"/>
+                    <a:cs typeface="Calibri" pitchFamily="34" charset="0"/>
+                  </a:rPr>
+                  <a:t>greedy</a:t>
+                </a:r>
+                <a:r>
+                  <a:rPr lang="it-IT" dirty="0" smtClean="0">
+                    <a:solidFill>
+                      <a:srgbClr val="C00000"/>
+                    </a:solidFill>
+                    <a:latin typeface="Calibri" pitchFamily="34" charset="0"/>
+                    <a:cs typeface="Calibri" pitchFamily="34" charset="0"/>
+                  </a:rPr>
+                  <a:t> </a:t>
+                </a:r>
+                <a:r>
+                  <a:rPr lang="it-IT" dirty="0" smtClean="0">
+                    <a:latin typeface="Calibri" pitchFamily="34" charset="0"/>
+                    <a:cs typeface="Calibri" pitchFamily="34" charset="0"/>
+                  </a:rPr>
+                  <a:t>si rivela </a:t>
+                </a:r>
+                <a:r>
+                  <a:rPr lang="it-IT" u="sng" dirty="0" smtClean="0">
+                    <a:latin typeface="Calibri" pitchFamily="34" charset="0"/>
+                    <a:cs typeface="Calibri" pitchFamily="34" charset="0"/>
+                  </a:rPr>
+                  <a:t>più efficace </a:t>
+                </a:r>
+                <a:r>
+                  <a:rPr lang="it-IT" dirty="0" smtClean="0">
+                    <a:latin typeface="Calibri" pitchFamily="34" charset="0"/>
+                    <a:cs typeface="Calibri" pitchFamily="34" charset="0"/>
+                  </a:rPr>
+                  <a:t>dell’algoritmo </a:t>
+                </a:r>
+                <a:r>
+                  <a:rPr lang="it-IT" b="1" i="1" dirty="0" smtClean="0">
+                    <a:solidFill>
+                      <a:schemeClr val="accent1"/>
+                    </a:solidFill>
+                    <a:latin typeface="Calibri" pitchFamily="34" charset="0"/>
+                    <a:cs typeface="Calibri" pitchFamily="34" charset="0"/>
+                  </a:rPr>
+                  <a:t>non-</a:t>
+                </a:r>
+                <a:r>
+                  <a:rPr lang="it-IT" b="1" i="1" dirty="0" err="1" smtClean="0">
+                    <a:solidFill>
+                      <a:schemeClr val="accent1"/>
+                    </a:solidFill>
+                    <a:latin typeface="Calibri" pitchFamily="34" charset="0"/>
+                    <a:cs typeface="Calibri" pitchFamily="34" charset="0"/>
+                  </a:rPr>
+                  <a:t>greedy</a:t>
+                </a:r>
+                <a:r>
+                  <a:rPr lang="it-IT" dirty="0" smtClean="0">
+                    <a:latin typeface="Calibri" pitchFamily="34" charset="0"/>
+                    <a:cs typeface="Calibri" pitchFamily="34" charset="0"/>
+                  </a:rPr>
+                  <a:t>.</a:t>
+                </a:r>
+                <a:endParaRPr lang="it-IT" dirty="0">
+                  <a:latin typeface="Calibri" pitchFamily="34" charset="0"/>
+                  <a:cs typeface="Calibri" pitchFamily="34" charset="0"/>
+                </a:endParaRPr>
+              </a:p>
+            </p:txBody>
+          </p:sp>
+        </mc:Choice>
+        <mc:Fallback xmlns="">
+          <p:sp>
+            <p:nvSpPr>
+              <p:cNvPr id="9" name="CasellaDiTesto 8"/>
+              <p:cNvSpPr txBox="1">
+                <a:spLocks noRot="1" noChangeAspect="1" noMove="1" noResize="1" noEditPoints="1" noAdjustHandles="1" noChangeArrowheads="1" noChangeShapeType="1" noTextEdit="1"/>
+              </p:cNvSpPr>
+              <p:nvPr/>
+            </p:nvSpPr>
+            <p:spPr>
+              <a:xfrm>
+                <a:off x="1547256" y="4941168"/>
+                <a:ext cx="6841168" cy="1471237"/>
+              </a:xfrm>
+              <a:prstGeom prst="rect">
+                <a:avLst/>
+              </a:prstGeom>
+              <a:blipFill rotWithShape="1">
+                <a:blip r:embed="rId3"/>
+                <a:stretch>
+                  <a:fillRect l="-802" t="-2075" r="-802" b="-5809"/>
+                </a:stretch>
+              </a:blipFill>
+            </p:spPr>
+            <p:txBody>
+              <a:bodyPr/>
+              <a:lstStyle/>
+              <a:p>
+                <a:r>
+                  <a:rPr lang="it-IT">
+                    <a:noFill/>
+                  </a:rPr>
+                  <a:t> </a:t>
+                </a:r>
+              </a:p>
+            </p:txBody>
+          </p:sp>
+        </mc:Fallback>
+      </mc:AlternateContent>
+    </p:spTree>
+    <p:extLst>
+      <p:ext uri="{BB962C8B-B14F-4D97-AF65-F5344CB8AC3E}">
+        <p14:creationId xmlns:p14="http://schemas.microsoft.com/office/powerpoint/2010/main" val="3112938998"/>
       </p:ext>
     </p:extLst>
   </p:cSld>
@@ -33545,6 +35496,3304 @@
 </p:sld>
 </file>
 
+<file path=ppt/slides/slide30.xml><?xml version="1.0" encoding="utf-8"?>
+<p:sld xmlns:a="http://schemas.openxmlformats.org/drawingml/2006/main" xmlns:r="http://schemas.openxmlformats.org/officeDocument/2006/relationships" xmlns:p="http://schemas.openxmlformats.org/presentationml/2006/main">
+  <p:cSld>
+    <p:spTree>
+      <p:nvGrpSpPr>
+        <p:cNvPr id="1" name=""/>
+        <p:cNvGrpSpPr/>
+        <p:nvPr/>
+      </p:nvGrpSpPr>
+      <p:grpSpPr>
+        <a:xfrm>
+          <a:off x="0" y="0"/>
+          <a:ext cx="0" cy="0"/>
+          <a:chOff x="0" y="0"/>
+          <a:chExt cx="0" cy="0"/>
+        </a:xfrm>
+      </p:grpSpPr>
+      <p:sp>
+        <p:nvSpPr>
+          <p:cNvPr id="5" name="Title 3">
+            <a:extLst>
+              <a:ext uri="{FF2B5EF4-FFF2-40B4-BE49-F238E27FC236}">
+                <a16:creationId xmlns:a16="http://schemas.microsoft.com/office/drawing/2014/main" xmlns="" id="{189ECF77-714F-4D2C-9D4B-CC43534EF427}"/>
+              </a:ext>
+            </a:extLst>
+          </p:cNvPr>
+          <p:cNvSpPr>
+            <a:spLocks noGrp="1"/>
+          </p:cNvSpPr>
+          <p:nvPr>
+            <p:ph type="title"/>
+          </p:nvPr>
+        </p:nvSpPr>
+        <p:spPr>
+          <a:xfrm>
+            <a:off x="0" y="21787"/>
+            <a:ext cx="9144000" cy="1069514"/>
+          </a:xfrm>
+        </p:spPr>
+        <p:txBody>
+          <a:bodyPr>
+            <a:scene3d>
+              <a:camera prst="orthographicFront"/>
+              <a:lightRig rig="threePt" dir="t"/>
+            </a:scene3d>
+            <a:sp3d extrusionH="57150">
+              <a:bevelT w="82550" h="38100" prst="coolSlant"/>
+            </a:sp3d>
+          </a:bodyPr>
+          <a:lstStyle/>
+          <a:p>
+            <a:pPr algn="ctr"/>
+            <a:r>
+              <a:rPr lang="en-US" altLang="ko-KR" dirty="0" smtClean="0">
+                <a:solidFill>
+                  <a:schemeClr val="accent5">
+                    <a:lumMod val="75000"/>
+                  </a:schemeClr>
+                </a:solidFill>
+              </a:rPr>
+              <a:t>Test</a:t>
+            </a:r>
+            <a:endParaRPr lang="ko-KR" altLang="en-US" dirty="0">
+              <a:solidFill>
+                <a:schemeClr val="accent5">
+                  <a:lumMod val="75000"/>
+                </a:schemeClr>
+              </a:solidFill>
+            </a:endParaRPr>
+          </a:p>
+        </p:txBody>
+      </p:sp>
+      <p:sp>
+        <p:nvSpPr>
+          <p:cNvPr id="6" name="CasellaDiTesto 5"/>
+          <p:cNvSpPr txBox="1"/>
+          <p:nvPr/>
+        </p:nvSpPr>
+        <p:spPr>
+          <a:xfrm>
+            <a:off x="1547664" y="1196752"/>
+            <a:ext cx="6102183" cy="369332"/>
+          </a:xfrm>
+          <a:prstGeom prst="rect">
+            <a:avLst/>
+          </a:prstGeom>
+          <a:noFill/>
+        </p:spPr>
+        <p:txBody>
+          <a:bodyPr wrap="none" rtlCol="0">
+            <a:spAutoFit/>
+          </a:bodyPr>
+          <a:lstStyle/>
+          <a:p>
+            <a:pPr algn="just"/>
+            <a:r>
+              <a:rPr lang="it-IT" u="sng" dirty="0" smtClean="0">
+                <a:latin typeface="Calibri" pitchFamily="34" charset="0"/>
+                <a:cs typeface="Calibri" pitchFamily="34" charset="0"/>
+              </a:rPr>
+              <a:t>Qualità degli archi proposti </a:t>
+            </a:r>
+            <a:r>
+              <a:rPr lang="it-IT" dirty="0" smtClean="0">
+                <a:latin typeface="Calibri" pitchFamily="34" charset="0"/>
+                <a:cs typeface="Calibri" pitchFamily="34" charset="0"/>
+              </a:rPr>
+              <a:t>per l’</a:t>
+            </a:r>
+            <a:r>
+              <a:rPr lang="it-IT" b="1" i="1" dirty="0" err="1" smtClean="0">
+                <a:solidFill>
+                  <a:srgbClr val="C00000"/>
+                </a:solidFill>
+                <a:latin typeface="Calibri" pitchFamily="34" charset="0"/>
+                <a:cs typeface="Calibri" pitchFamily="34" charset="0"/>
+              </a:rPr>
+              <a:t>endorsement</a:t>
+            </a:r>
+            <a:r>
+              <a:rPr lang="it-IT" b="1" i="1" dirty="0" smtClean="0">
+                <a:solidFill>
+                  <a:srgbClr val="C00000"/>
+                </a:solidFill>
+                <a:latin typeface="Calibri" pitchFamily="34" charset="0"/>
+                <a:cs typeface="Calibri" pitchFamily="34" charset="0"/>
+              </a:rPr>
+              <a:t> </a:t>
+            </a:r>
+            <a:r>
+              <a:rPr lang="it-IT" b="1" i="1" dirty="0" err="1" smtClean="0">
+                <a:solidFill>
+                  <a:srgbClr val="C00000"/>
+                </a:solidFill>
+                <a:latin typeface="Calibri" pitchFamily="34" charset="0"/>
+                <a:cs typeface="Calibri" pitchFamily="34" charset="0"/>
+              </a:rPr>
+              <a:t>graph</a:t>
+            </a:r>
+            <a:r>
+              <a:rPr lang="it-IT" b="1" i="1" dirty="0" smtClean="0">
+                <a:solidFill>
+                  <a:srgbClr val="C00000"/>
+                </a:solidFill>
+                <a:latin typeface="Calibri" pitchFamily="34" charset="0"/>
+                <a:cs typeface="Calibri" pitchFamily="34" charset="0"/>
+              </a:rPr>
+              <a:t> </a:t>
+            </a:r>
+            <a:r>
+              <a:rPr lang="it-IT" b="1" i="1" dirty="0" smtClean="0">
+                <a:latin typeface="Calibri" pitchFamily="34" charset="0"/>
+                <a:cs typeface="Calibri" pitchFamily="34" charset="0"/>
+              </a:rPr>
+              <a:t>#</a:t>
+            </a:r>
+            <a:r>
+              <a:rPr lang="it-IT" b="1" i="1" dirty="0" err="1" smtClean="0">
+                <a:latin typeface="Calibri" pitchFamily="34" charset="0"/>
+                <a:cs typeface="Calibri" pitchFamily="34" charset="0"/>
+              </a:rPr>
+              <a:t>beefban</a:t>
+            </a:r>
+            <a:r>
+              <a:rPr lang="it-IT" dirty="0" smtClean="0">
+                <a:latin typeface="Calibri" pitchFamily="34" charset="0"/>
+                <a:cs typeface="Calibri" pitchFamily="34" charset="0"/>
+              </a:rPr>
+              <a:t>:</a:t>
+            </a:r>
+            <a:endParaRPr lang="it-IT" dirty="0">
+              <a:latin typeface="Calibri" pitchFamily="34" charset="0"/>
+              <a:cs typeface="Calibri" pitchFamily="34" charset="0"/>
+            </a:endParaRPr>
+          </a:p>
+        </p:txBody>
+      </p:sp>
+      <p:pic>
+        <p:nvPicPr>
+          <p:cNvPr id="2050" name="Picture 2" descr="C:\Users\Hp\Desktop\UNIVERSITA' E CONCORSI\TESI\PRESENTAZIONE_TESI\beefban_per_edge_delta.PNG"/>
+          <p:cNvPicPr>
+            <a:picLocks noChangeAspect="1" noChangeArrowheads="1"/>
+          </p:cNvPicPr>
+          <p:nvPr/>
+        </p:nvPicPr>
+        <p:blipFill>
+          <a:blip r:embed="rId2">
+            <a:extLst>
+              <a:ext uri="{28A0092B-C50C-407E-A947-70E740481C1C}">
+                <a14:useLocalDpi xmlns:a14="http://schemas.microsoft.com/office/drawing/2010/main" val="0"/>
+              </a:ext>
+            </a:extLst>
+          </a:blip>
+          <a:srcRect/>
+          <a:stretch>
+            <a:fillRect/>
+          </a:stretch>
+        </p:blipFill>
+        <p:spPr bwMode="auto">
+          <a:xfrm>
+            <a:off x="1619672" y="1638092"/>
+            <a:ext cx="6768752" cy="3231068"/>
+          </a:xfrm>
+          <a:prstGeom prst="rect">
+            <a:avLst/>
+          </a:prstGeom>
+          <a:noFill/>
+          <a:extLst>
+            <a:ext uri="{909E8E84-426E-40DD-AFC4-6F175D3DCCD1}">
+              <a14:hiddenFill xmlns:a14="http://schemas.microsoft.com/office/drawing/2010/main">
+                <a:solidFill>
+                  <a:srgbClr val="FFFFFF"/>
+                </a:solidFill>
+              </a14:hiddenFill>
+            </a:ext>
+          </a:extLst>
+        </p:spPr>
+      </p:pic>
+      <mc:AlternateContent xmlns:mc="http://schemas.openxmlformats.org/markup-compatibility/2006" xmlns:a14="http://schemas.microsoft.com/office/drawing/2010/main">
+        <mc:Choice Requires="a14">
+          <p:sp>
+            <p:nvSpPr>
+              <p:cNvPr id="8" name="CasellaDiTesto 7"/>
+              <p:cNvSpPr txBox="1"/>
+              <p:nvPr/>
+            </p:nvSpPr>
+            <p:spPr>
+              <a:xfrm>
+                <a:off x="1547664" y="4941168"/>
+                <a:ext cx="6972165" cy="1748236"/>
+              </a:xfrm>
+              <a:prstGeom prst="rect">
+                <a:avLst/>
+              </a:prstGeom>
+              <a:noFill/>
+            </p:spPr>
+            <p:txBody>
+              <a:bodyPr wrap="none" rtlCol="0">
+                <a:spAutoFit/>
+              </a:bodyPr>
+              <a:lstStyle/>
+              <a:p>
+                <a:pPr algn="just"/>
+                <a:r>
+                  <a:rPr lang="it-IT" dirty="0" smtClean="0">
+                    <a:latin typeface="Calibri" pitchFamily="34" charset="0"/>
+                    <a:cs typeface="Calibri" pitchFamily="34" charset="0"/>
+                  </a:rPr>
+                  <a:t>In questo caso vale:</a:t>
+                </a:r>
+              </a:p>
+              <a:p>
+                <a:pPr algn="just"/>
+                <a:endParaRPr lang="it-IT" dirty="0" smtClean="0">
+                  <a:latin typeface="Calibri" pitchFamily="34" charset="0"/>
+                  <a:cs typeface="Calibri" pitchFamily="34" charset="0"/>
+                </a:endParaRPr>
+              </a:p>
+              <a:p>
+                <a:pPr algn="just"/>
+                <a14:m>
+                  <m:oMathPara xmlns:m="http://schemas.openxmlformats.org/officeDocument/2006/math">
+                    <m:oMathParaPr>
+                      <m:jc m:val="centerGroup"/>
+                    </m:oMathParaPr>
+                    <m:oMath xmlns:m="http://schemas.openxmlformats.org/officeDocument/2006/math">
+                      <m:sSub>
+                        <m:sSubPr>
+                          <m:ctrlPr>
+                            <a:rPr lang="it-IT" sz="1600" i="1" smtClean="0">
+                              <a:latin typeface="Cambria Math"/>
+                              <a:cs typeface="Calibri" pitchFamily="34" charset="0"/>
+                            </a:rPr>
+                          </m:ctrlPr>
+                        </m:sSubPr>
+                        <m:e>
+                          <m:r>
+                            <a:rPr lang="it-IT" sz="1600" i="1" smtClean="0">
+                              <a:latin typeface="Cambria Math"/>
+                              <a:ea typeface="Cambria Math"/>
+                              <a:cs typeface="Calibri" pitchFamily="34" charset="0"/>
+                            </a:rPr>
+                            <m:t>𝛿</m:t>
+                          </m:r>
+                          <m:r>
+                            <a:rPr lang="it-IT" sz="1600" i="1">
+                              <a:latin typeface="Cambria Math"/>
+                              <a:cs typeface="Calibri" pitchFamily="34" charset="0"/>
+                            </a:rPr>
+                            <m:t>𝑅𝑊𝐶</m:t>
+                          </m:r>
+                          <m:r>
+                            <a:rPr lang="it-IT" sz="1600" i="1">
+                              <a:latin typeface="Cambria Math"/>
+                              <a:cs typeface="Calibri" pitchFamily="34" charset="0"/>
+                            </a:rPr>
+                            <m:t>(</m:t>
+                          </m:r>
+                          <m:r>
+                            <a:rPr lang="it-IT" sz="1600" i="1">
+                              <a:latin typeface="Cambria Math"/>
+                              <a:cs typeface="Calibri" pitchFamily="34" charset="0"/>
+                            </a:rPr>
+                            <m:t>𝑔</m:t>
+                          </m:r>
+                          <m:r>
+                            <a:rPr lang="it-IT" sz="1600" i="1">
+                              <a:latin typeface="Cambria Math"/>
+                              <a:cs typeface="Calibri" pitchFamily="34" charset="0"/>
+                            </a:rPr>
+                            <m:t>,</m:t>
+                          </m:r>
+                          <m:r>
+                            <a:rPr lang="it-IT" sz="1600" i="1">
+                              <a:latin typeface="Cambria Math"/>
+                              <a:cs typeface="Calibri" pitchFamily="34" charset="0"/>
+                            </a:rPr>
+                            <m:t>𝑗</m:t>
+                          </m:r>
+                          <m:r>
+                            <a:rPr lang="it-IT" sz="1600" i="1">
+                              <a:latin typeface="Cambria Math"/>
+                              <a:cs typeface="Calibri" pitchFamily="34" charset="0"/>
+                            </a:rPr>
+                            <m:t>)</m:t>
+                          </m:r>
+                          <m:r>
+                            <m:rPr>
+                              <m:nor/>
+                            </m:rPr>
+                            <a:rPr lang="it-IT" sz="1600" dirty="0">
+                              <a:latin typeface="Calibri" pitchFamily="34" charset="0"/>
+                              <a:cs typeface="Calibri" pitchFamily="34" charset="0"/>
+                            </a:rPr>
+                            <m:t> </m:t>
+                          </m:r>
+                        </m:e>
+                        <m:sub>
+                          <m:r>
+                            <a:rPr lang="it-IT" sz="1600" b="0" i="1" smtClean="0">
+                              <a:latin typeface="Cambria Math"/>
+                              <a:cs typeface="Calibri" pitchFamily="34" charset="0"/>
+                            </a:rPr>
+                            <m:t>𝑔𝑟𝑒𝑒𝑑𝑦</m:t>
+                          </m:r>
+                        </m:sub>
+                      </m:sSub>
+                      <m:r>
+                        <a:rPr lang="it-IT" sz="1600" i="1" smtClean="0">
+                          <a:latin typeface="Cambria Math"/>
+                          <a:ea typeface="Cambria Math"/>
+                          <a:cs typeface="Calibri" pitchFamily="34" charset="0"/>
+                        </a:rPr>
+                        <m:t>≤</m:t>
+                      </m:r>
+                      <m:r>
+                        <a:rPr lang="it-IT" sz="1600" b="0" i="1" smtClean="0">
+                          <a:latin typeface="Cambria Math"/>
+                          <a:ea typeface="Cambria Math"/>
+                          <a:cs typeface="Calibri" pitchFamily="34" charset="0"/>
+                        </a:rPr>
+                        <m:t> </m:t>
+                      </m:r>
+                      <m:sSub>
+                        <m:sSubPr>
+                          <m:ctrlPr>
+                            <a:rPr lang="it-IT" sz="1600" b="0" i="1" smtClean="0">
+                              <a:latin typeface="Cambria Math"/>
+                              <a:ea typeface="Cambria Math"/>
+                              <a:cs typeface="Calibri" pitchFamily="34" charset="0"/>
+                            </a:rPr>
+                          </m:ctrlPr>
+                        </m:sSubPr>
+                        <m:e>
+                          <m:r>
+                            <a:rPr lang="it-IT" sz="1600" b="0" i="1" smtClean="0">
+                              <a:latin typeface="Cambria Math"/>
+                              <a:ea typeface="Cambria Math"/>
+                              <a:cs typeface="Calibri" pitchFamily="34" charset="0"/>
+                            </a:rPr>
+                            <m:t>𝛿</m:t>
+                          </m:r>
+                          <m:r>
+                            <a:rPr lang="it-IT" sz="1600" i="1">
+                              <a:latin typeface="Cambria Math"/>
+                              <a:cs typeface="Calibri" pitchFamily="34" charset="0"/>
+                            </a:rPr>
+                            <m:t>𝑅𝑊𝐶</m:t>
+                          </m:r>
+                          <m:d>
+                            <m:dPr>
+                              <m:ctrlPr>
+                                <a:rPr lang="it-IT" sz="1600" i="1">
+                                  <a:latin typeface="Cambria Math"/>
+                                  <a:cs typeface="Calibri" pitchFamily="34" charset="0"/>
+                                </a:rPr>
+                              </m:ctrlPr>
+                            </m:dPr>
+                            <m:e>
+                              <m:r>
+                                <a:rPr lang="it-IT" sz="1600" i="1">
+                                  <a:latin typeface="Cambria Math"/>
+                                  <a:cs typeface="Calibri" pitchFamily="34" charset="0"/>
+                                </a:rPr>
+                                <m:t>𝑔</m:t>
+                              </m:r>
+                              <m:r>
+                                <a:rPr lang="it-IT" sz="1600" i="1">
+                                  <a:latin typeface="Cambria Math"/>
+                                  <a:cs typeface="Calibri" pitchFamily="34" charset="0"/>
+                                </a:rPr>
+                                <m:t>,</m:t>
+                              </m:r>
+                              <m:r>
+                                <a:rPr lang="it-IT" sz="1600" i="1">
+                                  <a:latin typeface="Cambria Math"/>
+                                  <a:cs typeface="Calibri" pitchFamily="34" charset="0"/>
+                                </a:rPr>
+                                <m:t>𝑗</m:t>
+                              </m:r>
+                            </m:e>
+                          </m:d>
+                          <m:r>
+                            <m:rPr>
+                              <m:nor/>
+                            </m:rPr>
+                            <a:rPr lang="it-IT" sz="1600" dirty="0">
+                              <a:latin typeface="Calibri" pitchFamily="34" charset="0"/>
+                              <a:cs typeface="Calibri" pitchFamily="34" charset="0"/>
+                            </a:rPr>
+                            <m:t> </m:t>
+                          </m:r>
+                        </m:e>
+                        <m:sub>
+                          <m:r>
+                            <a:rPr lang="it-IT" sz="1600" b="0" i="1" smtClean="0">
+                              <a:latin typeface="Cambria Math"/>
+                              <a:ea typeface="Cambria Math"/>
+                              <a:cs typeface="Calibri" pitchFamily="34" charset="0"/>
+                            </a:rPr>
+                            <m:t>𝑛𝑜𝑛</m:t>
+                          </m:r>
+                          <m:r>
+                            <a:rPr lang="it-IT" sz="1600" b="0" i="1" smtClean="0">
+                              <a:latin typeface="Cambria Math"/>
+                              <a:ea typeface="Cambria Math"/>
+                              <a:cs typeface="Calibri" pitchFamily="34" charset="0"/>
+                            </a:rPr>
+                            <m:t>−</m:t>
+                          </m:r>
+                          <m:r>
+                            <a:rPr lang="it-IT" sz="1600" b="0" i="1" smtClean="0">
+                              <a:latin typeface="Cambria Math"/>
+                              <a:ea typeface="Cambria Math"/>
+                              <a:cs typeface="Calibri" pitchFamily="34" charset="0"/>
+                            </a:rPr>
+                            <m:t>𝑔𝑟𝑒𝑒𝑑𝑦</m:t>
+                          </m:r>
+                        </m:sub>
+                      </m:sSub>
+                      <m:r>
+                        <a:rPr lang="it-IT" sz="1600" b="0" i="0" smtClean="0">
+                          <a:latin typeface="Cambria Math"/>
+                          <a:ea typeface="Cambria Math"/>
+                          <a:cs typeface="Calibri" pitchFamily="34" charset="0"/>
+                        </a:rPr>
+                        <m:t> , </m:t>
+                      </m:r>
+                      <m:r>
+                        <a:rPr lang="it-IT" sz="1600" b="0" i="1" smtClean="0">
+                          <a:latin typeface="Cambria Math"/>
+                          <a:ea typeface="Cambria Math"/>
+                          <a:cs typeface="Calibri" pitchFamily="34" charset="0"/>
+                        </a:rPr>
+                        <m:t>∀</m:t>
+                      </m:r>
+                      <m:r>
+                        <a:rPr lang="it-IT" sz="1600" b="0" i="1" smtClean="0">
+                          <a:latin typeface="Cambria Math"/>
+                          <a:ea typeface="Cambria Math"/>
+                          <a:cs typeface="Calibri" pitchFamily="34" charset="0"/>
+                        </a:rPr>
+                        <m:t>𝑗</m:t>
+                      </m:r>
+                      <m:r>
+                        <a:rPr lang="it-IT" sz="1600" b="0" i="1" smtClean="0">
+                          <a:latin typeface="Cambria Math"/>
+                          <a:ea typeface="Cambria Math"/>
+                          <a:cs typeface="Calibri" pitchFamily="34" charset="0"/>
+                        </a:rPr>
+                        <m:t>=1,…,</m:t>
+                      </m:r>
+                      <m:r>
+                        <a:rPr lang="it-IT" sz="1600" b="0" i="1" smtClean="0">
+                          <a:latin typeface="Cambria Math"/>
+                          <a:ea typeface="Cambria Math"/>
+                          <a:cs typeface="Calibri" pitchFamily="34" charset="0"/>
+                        </a:rPr>
+                        <m:t>𝑘</m:t>
+                      </m:r>
+                      <m:r>
+                        <a:rPr lang="it-IT" sz="1600" b="0" i="0" smtClean="0">
+                          <a:latin typeface="Cambria Math"/>
+                          <a:ea typeface="Cambria Math"/>
+                          <a:cs typeface="Calibri" pitchFamily="34" charset="0"/>
+                        </a:rPr>
+                        <m:t> </m:t>
+                      </m:r>
+                    </m:oMath>
+                  </m:oMathPara>
+                </a14:m>
+                <a:endParaRPr lang="it-IT" sz="1600" dirty="0" smtClean="0">
+                  <a:latin typeface="Calibri" pitchFamily="34" charset="0"/>
+                  <a:cs typeface="Calibri" pitchFamily="34" charset="0"/>
+                </a:endParaRPr>
+              </a:p>
+              <a:p>
+                <a:pPr algn="just"/>
+                <a:endParaRPr lang="it-IT" sz="1600" dirty="0">
+                  <a:latin typeface="Calibri" pitchFamily="34" charset="0"/>
+                  <a:cs typeface="Calibri" pitchFamily="34" charset="0"/>
+                </a:endParaRPr>
+              </a:p>
+              <a:p>
+                <a:pPr algn="just"/>
+                <a:r>
+                  <a:rPr lang="it-IT" dirty="0" smtClean="0">
+                    <a:latin typeface="Calibri" pitchFamily="34" charset="0"/>
+                    <a:cs typeface="Calibri" pitchFamily="34" charset="0"/>
+                  </a:rPr>
+                  <a:t>Ossia gli archi scelti da </a:t>
+                </a:r>
+                <a:r>
+                  <a:rPr lang="it-IT" b="1" i="1" dirty="0" err="1" smtClean="0">
+                    <a:solidFill>
+                      <a:srgbClr val="C00000"/>
+                    </a:solidFill>
+                    <a:latin typeface="Calibri" pitchFamily="34" charset="0"/>
+                    <a:cs typeface="Calibri" pitchFamily="34" charset="0"/>
+                  </a:rPr>
+                  <a:t>greedy</a:t>
+                </a:r>
+                <a:r>
+                  <a:rPr lang="it-IT" dirty="0" smtClean="0">
+                    <a:solidFill>
+                      <a:srgbClr val="C00000"/>
+                    </a:solidFill>
+                    <a:latin typeface="Calibri" pitchFamily="34" charset="0"/>
+                    <a:cs typeface="Calibri" pitchFamily="34" charset="0"/>
+                  </a:rPr>
+                  <a:t> </a:t>
+                </a:r>
+                <a:r>
+                  <a:rPr lang="it-IT" dirty="0" smtClean="0">
+                    <a:latin typeface="Calibri" pitchFamily="34" charset="0"/>
+                    <a:cs typeface="Calibri" pitchFamily="34" charset="0"/>
+                  </a:rPr>
+                  <a:t>sono </a:t>
+                </a:r>
+                <a:r>
+                  <a:rPr lang="it-IT" u="sng" dirty="0" smtClean="0">
+                    <a:latin typeface="Calibri" pitchFamily="34" charset="0"/>
+                    <a:cs typeface="Calibri" pitchFamily="34" charset="0"/>
+                  </a:rPr>
+                  <a:t>migliori </a:t>
+                </a:r>
+                <a:r>
+                  <a:rPr lang="it-IT" i="1" u="sng" dirty="0" smtClean="0">
+                    <a:latin typeface="Calibri" pitchFamily="34" charset="0"/>
+                    <a:cs typeface="Calibri" pitchFamily="34" charset="0"/>
+                  </a:rPr>
+                  <a:t>qualitativamente</a:t>
+                </a:r>
+                <a:r>
+                  <a:rPr lang="it-IT" u="sng" dirty="0" smtClean="0">
+                    <a:latin typeface="Calibri" pitchFamily="34" charset="0"/>
+                    <a:cs typeface="Calibri" pitchFamily="34" charset="0"/>
+                  </a:rPr>
+                  <a:t> </a:t>
+                </a:r>
+                <a:r>
+                  <a:rPr lang="it-IT" dirty="0" smtClean="0">
+                    <a:latin typeface="Calibri" pitchFamily="34" charset="0"/>
+                    <a:cs typeface="Calibri" pitchFamily="34" charset="0"/>
+                  </a:rPr>
+                  <a:t>rispetto a</a:t>
+                </a:r>
+              </a:p>
+              <a:p>
+                <a:pPr algn="just"/>
+                <a:r>
+                  <a:rPr lang="it-IT" dirty="0" smtClean="0">
+                    <a:latin typeface="Calibri" pitchFamily="34" charset="0"/>
+                    <a:cs typeface="Calibri" pitchFamily="34" charset="0"/>
+                  </a:rPr>
+                  <a:t>quelli scelti da </a:t>
+                </a:r>
+                <a:r>
+                  <a:rPr lang="it-IT" b="1" i="1" dirty="0" smtClean="0">
+                    <a:solidFill>
+                      <a:schemeClr val="accent1"/>
+                    </a:solidFill>
+                    <a:latin typeface="Calibri" pitchFamily="34" charset="0"/>
+                    <a:cs typeface="Calibri" pitchFamily="34" charset="0"/>
+                  </a:rPr>
+                  <a:t>non-</a:t>
+                </a:r>
+                <a:r>
+                  <a:rPr lang="it-IT" b="1" i="1" dirty="0" err="1" smtClean="0">
+                    <a:solidFill>
+                      <a:schemeClr val="accent1"/>
+                    </a:solidFill>
+                    <a:latin typeface="Calibri" pitchFamily="34" charset="0"/>
+                    <a:cs typeface="Calibri" pitchFamily="34" charset="0"/>
+                  </a:rPr>
+                  <a:t>greedy</a:t>
+                </a:r>
+                <a:r>
+                  <a:rPr lang="it-IT" dirty="0">
+                    <a:latin typeface="Calibri" pitchFamily="34" charset="0"/>
+                    <a:cs typeface="Calibri" pitchFamily="34" charset="0"/>
+                  </a:rPr>
+                  <a:t>.</a:t>
+                </a:r>
+              </a:p>
+            </p:txBody>
+          </p:sp>
+        </mc:Choice>
+        <mc:Fallback xmlns="">
+          <p:sp>
+            <p:nvSpPr>
+              <p:cNvPr id="8" name="CasellaDiTesto 7"/>
+              <p:cNvSpPr txBox="1">
+                <a:spLocks noRot="1" noChangeAspect="1" noMove="1" noResize="1" noEditPoints="1" noAdjustHandles="1" noChangeArrowheads="1" noChangeShapeType="1" noTextEdit="1"/>
+              </p:cNvSpPr>
+              <p:nvPr/>
+            </p:nvSpPr>
+            <p:spPr>
+              <a:xfrm>
+                <a:off x="1547664" y="4941168"/>
+                <a:ext cx="6972165" cy="1748236"/>
+              </a:xfrm>
+              <a:prstGeom prst="rect">
+                <a:avLst/>
+              </a:prstGeom>
+              <a:blipFill rotWithShape="1">
+                <a:blip r:embed="rId3"/>
+                <a:stretch>
+                  <a:fillRect l="-787" t="-1748" b="-4895"/>
+                </a:stretch>
+              </a:blipFill>
+            </p:spPr>
+            <p:txBody>
+              <a:bodyPr/>
+              <a:lstStyle/>
+              <a:p>
+                <a:r>
+                  <a:rPr lang="it-IT">
+                    <a:noFill/>
+                  </a:rPr>
+                  <a:t> </a:t>
+                </a:r>
+              </a:p>
+            </p:txBody>
+          </p:sp>
+        </mc:Fallback>
+      </mc:AlternateContent>
+    </p:spTree>
+    <p:extLst>
+      <p:ext uri="{BB962C8B-B14F-4D97-AF65-F5344CB8AC3E}">
+        <p14:creationId xmlns:p14="http://schemas.microsoft.com/office/powerpoint/2010/main" val="4023847739"/>
+      </p:ext>
+    </p:extLst>
+  </p:cSld>
+  <p:clrMapOvr>
+    <a:masterClrMapping/>
+  </p:clrMapOvr>
+  <p:timing>
+    <p:tnLst>
+      <p:par>
+        <p:cTn id="1" dur="indefinite" restart="never" nodeType="tmRoot"/>
+      </p:par>
+    </p:tnLst>
+  </p:timing>
+</p:sld>
+</file>
+
+<file path=ppt/slides/slide31.xml><?xml version="1.0" encoding="utf-8"?>
+<p:sld xmlns:a="http://schemas.openxmlformats.org/drawingml/2006/main" xmlns:r="http://schemas.openxmlformats.org/officeDocument/2006/relationships" xmlns:p="http://schemas.openxmlformats.org/presentationml/2006/main">
+  <p:cSld>
+    <p:spTree>
+      <p:nvGrpSpPr>
+        <p:cNvPr id="1" name=""/>
+        <p:cNvGrpSpPr/>
+        <p:nvPr/>
+      </p:nvGrpSpPr>
+      <p:grpSpPr>
+        <a:xfrm>
+          <a:off x="0" y="0"/>
+          <a:ext cx="0" cy="0"/>
+          <a:chOff x="0" y="0"/>
+          <a:chExt cx="0" cy="0"/>
+        </a:xfrm>
+      </p:grpSpPr>
+      <p:sp>
+        <p:nvSpPr>
+          <p:cNvPr id="5" name="Title 3">
+            <a:extLst>
+              <a:ext uri="{FF2B5EF4-FFF2-40B4-BE49-F238E27FC236}">
+                <a16:creationId xmlns:a16="http://schemas.microsoft.com/office/drawing/2014/main" xmlns="" id="{189ECF77-714F-4D2C-9D4B-CC43534EF427}"/>
+              </a:ext>
+            </a:extLst>
+          </p:cNvPr>
+          <p:cNvSpPr>
+            <a:spLocks noGrp="1"/>
+          </p:cNvSpPr>
+          <p:nvPr>
+            <p:ph type="title"/>
+          </p:nvPr>
+        </p:nvSpPr>
+        <p:spPr>
+          <a:xfrm>
+            <a:off x="0" y="21787"/>
+            <a:ext cx="9144000" cy="1069514"/>
+          </a:xfrm>
+        </p:spPr>
+        <p:txBody>
+          <a:bodyPr>
+            <a:scene3d>
+              <a:camera prst="orthographicFront"/>
+              <a:lightRig rig="threePt" dir="t"/>
+            </a:scene3d>
+            <a:sp3d extrusionH="57150">
+              <a:bevelT w="82550" h="38100" prst="coolSlant"/>
+            </a:sp3d>
+          </a:bodyPr>
+          <a:lstStyle/>
+          <a:p>
+            <a:pPr algn="ctr"/>
+            <a:r>
+              <a:rPr lang="en-US" altLang="ko-KR" dirty="0" smtClean="0">
+                <a:solidFill>
+                  <a:schemeClr val="accent5">
+                    <a:lumMod val="75000"/>
+                  </a:schemeClr>
+                </a:solidFill>
+              </a:rPr>
+              <a:t>Test</a:t>
+            </a:r>
+            <a:endParaRPr lang="ko-KR" altLang="en-US" dirty="0">
+              <a:solidFill>
+                <a:schemeClr val="accent5">
+                  <a:lumMod val="75000"/>
+                </a:schemeClr>
+              </a:solidFill>
+            </a:endParaRPr>
+          </a:p>
+        </p:txBody>
+      </p:sp>
+      <p:pic>
+        <p:nvPicPr>
+          <p:cNvPr id="3074" name="Picture 2" descr="C:\Users\Hp\Desktop\UNIVERSITA' E CONCORSI\TESI\PRESENTAZIONE_TESI\beefban_in_degree_greedy_probability_free.png"/>
+          <p:cNvPicPr>
+            <a:picLocks noChangeAspect="1" noChangeArrowheads="1"/>
+          </p:cNvPicPr>
+          <p:nvPr/>
+        </p:nvPicPr>
+        <p:blipFill>
+          <a:blip r:embed="rId2">
+            <a:extLst>
+              <a:ext uri="{28A0092B-C50C-407E-A947-70E740481C1C}">
+                <a14:useLocalDpi xmlns:a14="http://schemas.microsoft.com/office/drawing/2010/main" val="0"/>
+              </a:ext>
+            </a:extLst>
+          </a:blip>
+          <a:srcRect/>
+          <a:stretch>
+            <a:fillRect/>
+          </a:stretch>
+        </p:blipFill>
+        <p:spPr bwMode="auto">
+          <a:xfrm>
+            <a:off x="1691681" y="1896185"/>
+            <a:ext cx="6840760" cy="4773175"/>
+          </a:xfrm>
+          <a:prstGeom prst="rect">
+            <a:avLst/>
+          </a:prstGeom>
+          <a:noFill/>
+          <a:extLst>
+            <a:ext uri="{909E8E84-426E-40DD-AFC4-6F175D3DCCD1}">
+              <a14:hiddenFill xmlns:a14="http://schemas.microsoft.com/office/drawing/2010/main">
+                <a:solidFill>
+                  <a:srgbClr val="FFFFFF"/>
+                </a:solidFill>
+              </a14:hiddenFill>
+            </a:ext>
+          </a:extLst>
+        </p:spPr>
+      </p:pic>
+      <p:sp>
+        <p:nvSpPr>
+          <p:cNvPr id="8" name="CasellaDiTesto 7"/>
+          <p:cNvSpPr txBox="1"/>
+          <p:nvPr/>
+        </p:nvSpPr>
+        <p:spPr>
+          <a:xfrm>
+            <a:off x="1522539" y="1196752"/>
+            <a:ext cx="6815392" cy="646331"/>
+          </a:xfrm>
+          <a:prstGeom prst="rect">
+            <a:avLst/>
+          </a:prstGeom>
+          <a:noFill/>
+        </p:spPr>
+        <p:txBody>
+          <a:bodyPr wrap="none" rtlCol="0">
+            <a:spAutoFit/>
+          </a:bodyPr>
+          <a:lstStyle/>
+          <a:p>
+            <a:pPr algn="just"/>
+            <a:r>
+              <a:rPr lang="it-IT" u="sng" dirty="0" smtClean="0">
+                <a:latin typeface="Calibri" pitchFamily="34" charset="0"/>
+                <a:cs typeface="Calibri" pitchFamily="34" charset="0"/>
+              </a:rPr>
+              <a:t>Porzione di output del </a:t>
+            </a:r>
+            <a:r>
+              <a:rPr lang="it-IT" i="1" u="sng" dirty="0" err="1" smtClean="0">
+                <a:latin typeface="Calibri" pitchFamily="34" charset="0"/>
+                <a:cs typeface="Calibri" pitchFamily="34" charset="0"/>
+              </a:rPr>
+              <a:t>tool</a:t>
+            </a:r>
+            <a:r>
+              <a:rPr lang="it-IT" i="1" u="sng" dirty="0" smtClean="0">
+                <a:latin typeface="Calibri" pitchFamily="34" charset="0"/>
+                <a:cs typeface="Calibri" pitchFamily="34" charset="0"/>
+              </a:rPr>
+              <a:t> di visualizzazione </a:t>
+            </a:r>
+            <a:r>
+              <a:rPr lang="it-IT" dirty="0" smtClean="0">
+                <a:latin typeface="Calibri" pitchFamily="34" charset="0"/>
+                <a:cs typeface="Calibri" pitchFamily="34" charset="0"/>
+              </a:rPr>
+              <a:t>per l’</a:t>
+            </a:r>
+            <a:r>
+              <a:rPr lang="it-IT" b="1" i="1" dirty="0" err="1" smtClean="0">
+                <a:solidFill>
+                  <a:srgbClr val="C00000"/>
+                </a:solidFill>
+                <a:latin typeface="Calibri" pitchFamily="34" charset="0"/>
+                <a:cs typeface="Calibri" pitchFamily="34" charset="0"/>
+              </a:rPr>
+              <a:t>endorsement</a:t>
+            </a:r>
+            <a:r>
+              <a:rPr lang="it-IT" b="1" i="1" dirty="0" smtClean="0">
+                <a:solidFill>
+                  <a:srgbClr val="C00000"/>
+                </a:solidFill>
+                <a:latin typeface="Calibri" pitchFamily="34" charset="0"/>
+                <a:cs typeface="Calibri" pitchFamily="34" charset="0"/>
+              </a:rPr>
+              <a:t> </a:t>
+            </a:r>
+            <a:r>
+              <a:rPr lang="it-IT" b="1" i="1" dirty="0" err="1" smtClean="0">
+                <a:solidFill>
+                  <a:srgbClr val="C00000"/>
+                </a:solidFill>
+                <a:latin typeface="Calibri" pitchFamily="34" charset="0"/>
+                <a:cs typeface="Calibri" pitchFamily="34" charset="0"/>
+              </a:rPr>
+              <a:t>graph</a:t>
+            </a:r>
+            <a:r>
+              <a:rPr lang="it-IT" b="1" i="1" dirty="0" smtClean="0">
+                <a:solidFill>
+                  <a:srgbClr val="C00000"/>
+                </a:solidFill>
+                <a:latin typeface="Calibri" pitchFamily="34" charset="0"/>
+                <a:cs typeface="Calibri" pitchFamily="34" charset="0"/>
+              </a:rPr>
+              <a:t> </a:t>
+            </a:r>
+          </a:p>
+          <a:p>
+            <a:pPr algn="just"/>
+            <a:r>
+              <a:rPr lang="it-IT" b="1" i="1" dirty="0" smtClean="0">
+                <a:latin typeface="Calibri" pitchFamily="34" charset="0"/>
+                <a:cs typeface="Calibri" pitchFamily="34" charset="0"/>
+              </a:rPr>
+              <a:t>#</a:t>
+            </a:r>
+            <a:r>
+              <a:rPr lang="it-IT" b="1" i="1" dirty="0" err="1" smtClean="0">
+                <a:latin typeface="Calibri" pitchFamily="34" charset="0"/>
+                <a:cs typeface="Calibri" pitchFamily="34" charset="0"/>
+              </a:rPr>
+              <a:t>beefban</a:t>
+            </a:r>
+            <a:r>
+              <a:rPr lang="it-IT" dirty="0" smtClean="0">
+                <a:latin typeface="Calibri" pitchFamily="34" charset="0"/>
+                <a:cs typeface="Calibri" pitchFamily="34" charset="0"/>
+              </a:rPr>
+              <a:t>, algoritmo </a:t>
+            </a:r>
+            <a:r>
+              <a:rPr lang="it-IT" b="1" i="1" dirty="0" err="1" smtClean="0">
+                <a:solidFill>
+                  <a:srgbClr val="C00000"/>
+                </a:solidFill>
+                <a:latin typeface="Calibri" pitchFamily="34" charset="0"/>
+                <a:cs typeface="Calibri" pitchFamily="34" charset="0"/>
+              </a:rPr>
+              <a:t>greedy</a:t>
+            </a:r>
+            <a:r>
+              <a:rPr lang="it-IT" dirty="0" smtClean="0">
+                <a:latin typeface="Calibri" pitchFamily="34" charset="0"/>
+                <a:cs typeface="Calibri" pitchFamily="34" charset="0"/>
+              </a:rPr>
+              <a:t>:</a:t>
+            </a:r>
+            <a:endParaRPr lang="it-IT" dirty="0">
+              <a:latin typeface="Calibri" pitchFamily="34" charset="0"/>
+              <a:cs typeface="Calibri" pitchFamily="34" charset="0"/>
+            </a:endParaRPr>
+          </a:p>
+        </p:txBody>
+      </p:sp>
+    </p:spTree>
+    <p:extLst>
+      <p:ext uri="{BB962C8B-B14F-4D97-AF65-F5344CB8AC3E}">
+        <p14:creationId xmlns:p14="http://schemas.microsoft.com/office/powerpoint/2010/main" val="4106482917"/>
+      </p:ext>
+    </p:extLst>
+  </p:cSld>
+  <p:clrMapOvr>
+    <a:masterClrMapping/>
+  </p:clrMapOvr>
+  <p:timing>
+    <p:tnLst>
+      <p:par>
+        <p:cTn id="1" dur="indefinite" restart="never" nodeType="tmRoot"/>
+      </p:par>
+    </p:tnLst>
+  </p:timing>
+</p:sld>
+</file>
+
+<file path=ppt/slides/slide32.xml><?xml version="1.0" encoding="utf-8"?>
+<p:sld xmlns:a="http://schemas.openxmlformats.org/drawingml/2006/main" xmlns:r="http://schemas.openxmlformats.org/officeDocument/2006/relationships" xmlns:p="http://schemas.openxmlformats.org/presentationml/2006/main">
+  <p:cSld>
+    <p:spTree>
+      <p:nvGrpSpPr>
+        <p:cNvPr id="1" name=""/>
+        <p:cNvGrpSpPr/>
+        <p:nvPr/>
+      </p:nvGrpSpPr>
+      <p:grpSpPr>
+        <a:xfrm>
+          <a:off x="0" y="0"/>
+          <a:ext cx="0" cy="0"/>
+          <a:chOff x="0" y="0"/>
+          <a:chExt cx="0" cy="0"/>
+        </a:xfrm>
+      </p:grpSpPr>
+      <p:sp>
+        <p:nvSpPr>
+          <p:cNvPr id="5" name="Title 3">
+            <a:extLst>
+              <a:ext uri="{FF2B5EF4-FFF2-40B4-BE49-F238E27FC236}">
+                <a16:creationId xmlns:a16="http://schemas.microsoft.com/office/drawing/2014/main" xmlns="" id="{189ECF77-714F-4D2C-9D4B-CC43534EF427}"/>
+              </a:ext>
+            </a:extLst>
+          </p:cNvPr>
+          <p:cNvSpPr>
+            <a:spLocks noGrp="1"/>
+          </p:cNvSpPr>
+          <p:nvPr>
+            <p:ph type="title"/>
+          </p:nvPr>
+        </p:nvSpPr>
+        <p:spPr>
+          <a:xfrm>
+            <a:off x="0" y="21787"/>
+            <a:ext cx="9144000" cy="1069514"/>
+          </a:xfrm>
+        </p:spPr>
+        <p:txBody>
+          <a:bodyPr>
+            <a:scene3d>
+              <a:camera prst="orthographicFront"/>
+              <a:lightRig rig="threePt" dir="t"/>
+            </a:scene3d>
+            <a:sp3d extrusionH="57150">
+              <a:bevelT w="82550" h="38100" prst="coolSlant"/>
+            </a:sp3d>
+          </a:bodyPr>
+          <a:lstStyle/>
+          <a:p>
+            <a:pPr algn="ctr"/>
+            <a:r>
+              <a:rPr lang="en-US" altLang="ko-KR" dirty="0" smtClean="0">
+                <a:solidFill>
+                  <a:schemeClr val="accent5">
+                    <a:lumMod val="75000"/>
+                  </a:schemeClr>
+                </a:solidFill>
+              </a:rPr>
+              <a:t>Test</a:t>
+            </a:r>
+            <a:endParaRPr lang="ko-KR" altLang="en-US" dirty="0">
+              <a:solidFill>
+                <a:schemeClr val="accent5">
+                  <a:lumMod val="75000"/>
+                </a:schemeClr>
+              </a:solidFill>
+            </a:endParaRPr>
+          </a:p>
+        </p:txBody>
+      </p:sp>
+      <p:sp>
+        <p:nvSpPr>
+          <p:cNvPr id="6" name="CasellaDiTesto 5"/>
+          <p:cNvSpPr txBox="1"/>
+          <p:nvPr/>
+        </p:nvSpPr>
+        <p:spPr>
+          <a:xfrm>
+            <a:off x="1522539" y="1196752"/>
+            <a:ext cx="6815392" cy="646331"/>
+          </a:xfrm>
+          <a:prstGeom prst="rect">
+            <a:avLst/>
+          </a:prstGeom>
+          <a:noFill/>
+        </p:spPr>
+        <p:txBody>
+          <a:bodyPr wrap="none" rtlCol="0">
+            <a:spAutoFit/>
+          </a:bodyPr>
+          <a:lstStyle/>
+          <a:p>
+            <a:pPr algn="just"/>
+            <a:r>
+              <a:rPr lang="it-IT" u="sng" dirty="0" smtClean="0">
+                <a:latin typeface="Calibri" pitchFamily="34" charset="0"/>
+                <a:cs typeface="Calibri" pitchFamily="34" charset="0"/>
+              </a:rPr>
+              <a:t>Porzione di output del </a:t>
+            </a:r>
+            <a:r>
+              <a:rPr lang="it-IT" i="1" u="sng" dirty="0" err="1" smtClean="0">
+                <a:latin typeface="Calibri" pitchFamily="34" charset="0"/>
+                <a:cs typeface="Calibri" pitchFamily="34" charset="0"/>
+              </a:rPr>
+              <a:t>tool</a:t>
+            </a:r>
+            <a:r>
+              <a:rPr lang="it-IT" i="1" u="sng" dirty="0" smtClean="0">
+                <a:latin typeface="Calibri" pitchFamily="34" charset="0"/>
+                <a:cs typeface="Calibri" pitchFamily="34" charset="0"/>
+              </a:rPr>
+              <a:t> di visualizzazione </a:t>
+            </a:r>
+            <a:r>
+              <a:rPr lang="it-IT" dirty="0" smtClean="0">
+                <a:latin typeface="Calibri" pitchFamily="34" charset="0"/>
+                <a:cs typeface="Calibri" pitchFamily="34" charset="0"/>
+              </a:rPr>
+              <a:t>per l’</a:t>
+            </a:r>
+            <a:r>
+              <a:rPr lang="it-IT" b="1" i="1" dirty="0" err="1" smtClean="0">
+                <a:solidFill>
+                  <a:srgbClr val="C00000"/>
+                </a:solidFill>
+                <a:latin typeface="Calibri" pitchFamily="34" charset="0"/>
+                <a:cs typeface="Calibri" pitchFamily="34" charset="0"/>
+              </a:rPr>
+              <a:t>endorsement</a:t>
+            </a:r>
+            <a:r>
+              <a:rPr lang="it-IT" b="1" i="1" dirty="0" smtClean="0">
+                <a:solidFill>
+                  <a:srgbClr val="C00000"/>
+                </a:solidFill>
+                <a:latin typeface="Calibri" pitchFamily="34" charset="0"/>
+                <a:cs typeface="Calibri" pitchFamily="34" charset="0"/>
+              </a:rPr>
+              <a:t> </a:t>
+            </a:r>
+            <a:r>
+              <a:rPr lang="it-IT" b="1" i="1" dirty="0" err="1" smtClean="0">
+                <a:solidFill>
+                  <a:srgbClr val="C00000"/>
+                </a:solidFill>
+                <a:latin typeface="Calibri" pitchFamily="34" charset="0"/>
+                <a:cs typeface="Calibri" pitchFamily="34" charset="0"/>
+              </a:rPr>
+              <a:t>graph</a:t>
+            </a:r>
+            <a:r>
+              <a:rPr lang="it-IT" b="1" i="1" dirty="0" smtClean="0">
+                <a:solidFill>
+                  <a:srgbClr val="C00000"/>
+                </a:solidFill>
+                <a:latin typeface="Calibri" pitchFamily="34" charset="0"/>
+                <a:cs typeface="Calibri" pitchFamily="34" charset="0"/>
+              </a:rPr>
+              <a:t> </a:t>
+            </a:r>
+          </a:p>
+          <a:p>
+            <a:pPr algn="just"/>
+            <a:r>
+              <a:rPr lang="it-IT" b="1" i="1" dirty="0" smtClean="0">
+                <a:latin typeface="Calibri" pitchFamily="34" charset="0"/>
+                <a:cs typeface="Calibri" pitchFamily="34" charset="0"/>
+              </a:rPr>
+              <a:t>#</a:t>
+            </a:r>
+            <a:r>
+              <a:rPr lang="it-IT" b="1" i="1" dirty="0" err="1" smtClean="0">
+                <a:latin typeface="Calibri" pitchFamily="34" charset="0"/>
+                <a:cs typeface="Calibri" pitchFamily="34" charset="0"/>
+              </a:rPr>
+              <a:t>beefban</a:t>
+            </a:r>
+            <a:r>
+              <a:rPr lang="it-IT" dirty="0" smtClean="0">
+                <a:latin typeface="Calibri" pitchFamily="34" charset="0"/>
+                <a:cs typeface="Calibri" pitchFamily="34" charset="0"/>
+              </a:rPr>
+              <a:t>, algoritmo </a:t>
+            </a:r>
+            <a:r>
+              <a:rPr lang="it-IT" b="1" i="1" dirty="0" smtClean="0">
+                <a:solidFill>
+                  <a:schemeClr val="accent1"/>
+                </a:solidFill>
+                <a:latin typeface="Calibri" pitchFamily="34" charset="0"/>
+                <a:cs typeface="Calibri" pitchFamily="34" charset="0"/>
+              </a:rPr>
+              <a:t>non-</a:t>
+            </a:r>
+            <a:r>
+              <a:rPr lang="it-IT" b="1" i="1" dirty="0" err="1" smtClean="0">
+                <a:solidFill>
+                  <a:schemeClr val="accent1"/>
+                </a:solidFill>
+                <a:latin typeface="Calibri" pitchFamily="34" charset="0"/>
+                <a:cs typeface="Calibri" pitchFamily="34" charset="0"/>
+              </a:rPr>
+              <a:t>greedy</a:t>
+            </a:r>
+            <a:r>
+              <a:rPr lang="it-IT" dirty="0" smtClean="0">
+                <a:latin typeface="Calibri" pitchFamily="34" charset="0"/>
+                <a:cs typeface="Calibri" pitchFamily="34" charset="0"/>
+              </a:rPr>
+              <a:t>:</a:t>
+            </a:r>
+            <a:endParaRPr lang="it-IT" dirty="0">
+              <a:latin typeface="Calibri" pitchFamily="34" charset="0"/>
+              <a:cs typeface="Calibri" pitchFamily="34" charset="0"/>
+            </a:endParaRPr>
+          </a:p>
+        </p:txBody>
+      </p:sp>
+      <p:pic>
+        <p:nvPicPr>
+          <p:cNvPr id="4098" name="Picture 2" descr="C:\Users\Hp\Desktop\UNIVERSITA' E CONCORSI\TESI\PRESENTAZIONE_TESI\beefban_in_degree_probability_free.png"/>
+          <p:cNvPicPr>
+            <a:picLocks noChangeAspect="1" noChangeArrowheads="1"/>
+          </p:cNvPicPr>
+          <p:nvPr/>
+        </p:nvPicPr>
+        <p:blipFill>
+          <a:blip r:embed="rId2">
+            <a:extLst>
+              <a:ext uri="{28A0092B-C50C-407E-A947-70E740481C1C}">
+                <a14:useLocalDpi xmlns:a14="http://schemas.microsoft.com/office/drawing/2010/main" val="0"/>
+              </a:ext>
+            </a:extLst>
+          </a:blip>
+          <a:srcRect/>
+          <a:stretch>
+            <a:fillRect/>
+          </a:stretch>
+        </p:blipFill>
+        <p:spPr bwMode="auto">
+          <a:xfrm>
+            <a:off x="1783985" y="1814732"/>
+            <a:ext cx="6964479" cy="4926636"/>
+          </a:xfrm>
+          <a:prstGeom prst="rect">
+            <a:avLst/>
+          </a:prstGeom>
+          <a:noFill/>
+          <a:extLst>
+            <a:ext uri="{909E8E84-426E-40DD-AFC4-6F175D3DCCD1}">
+              <a14:hiddenFill xmlns:a14="http://schemas.microsoft.com/office/drawing/2010/main">
+                <a:solidFill>
+                  <a:srgbClr val="FFFFFF"/>
+                </a:solidFill>
+              </a14:hiddenFill>
+            </a:ext>
+          </a:extLst>
+        </p:spPr>
+      </p:pic>
+    </p:spTree>
+    <p:extLst>
+      <p:ext uri="{BB962C8B-B14F-4D97-AF65-F5344CB8AC3E}">
+        <p14:creationId xmlns:p14="http://schemas.microsoft.com/office/powerpoint/2010/main" val="1270571800"/>
+      </p:ext>
+    </p:extLst>
+  </p:cSld>
+  <p:clrMapOvr>
+    <a:masterClrMapping/>
+  </p:clrMapOvr>
+  <p:timing>
+    <p:tnLst>
+      <p:par>
+        <p:cTn id="1" dur="indefinite" restart="never" nodeType="tmRoot"/>
+      </p:par>
+    </p:tnLst>
+  </p:timing>
+</p:sld>
+</file>
+
+<file path=ppt/slides/slide33.xml><?xml version="1.0" encoding="utf-8"?>
+<p:sld xmlns:a="http://schemas.openxmlformats.org/drawingml/2006/main" xmlns:r="http://schemas.openxmlformats.org/officeDocument/2006/relationships" xmlns:p="http://schemas.openxmlformats.org/presentationml/2006/main">
+  <p:cSld>
+    <p:spTree>
+      <p:nvGrpSpPr>
+        <p:cNvPr id="1" name=""/>
+        <p:cNvGrpSpPr/>
+        <p:nvPr/>
+      </p:nvGrpSpPr>
+      <p:grpSpPr>
+        <a:xfrm>
+          <a:off x="0" y="0"/>
+          <a:ext cx="0" cy="0"/>
+          <a:chOff x="0" y="0"/>
+          <a:chExt cx="0" cy="0"/>
+        </a:xfrm>
+      </p:grpSpPr>
+      <p:sp>
+        <p:nvSpPr>
+          <p:cNvPr id="5" name="Title 3">
+            <a:extLst>
+              <a:ext uri="{FF2B5EF4-FFF2-40B4-BE49-F238E27FC236}">
+                <a16:creationId xmlns:a16="http://schemas.microsoft.com/office/drawing/2014/main" xmlns="" id="{189ECF77-714F-4D2C-9D4B-CC43534EF427}"/>
+              </a:ext>
+            </a:extLst>
+          </p:cNvPr>
+          <p:cNvSpPr>
+            <a:spLocks noGrp="1"/>
+          </p:cNvSpPr>
+          <p:nvPr>
+            <p:ph type="title"/>
+          </p:nvPr>
+        </p:nvSpPr>
+        <p:spPr>
+          <a:xfrm>
+            <a:off x="0" y="21787"/>
+            <a:ext cx="9144000" cy="1069514"/>
+          </a:xfrm>
+        </p:spPr>
+        <p:txBody>
+          <a:bodyPr>
+            <a:scene3d>
+              <a:camera prst="orthographicFront"/>
+              <a:lightRig rig="threePt" dir="t"/>
+            </a:scene3d>
+            <a:sp3d extrusionH="57150">
+              <a:bevelT w="82550" h="38100" prst="coolSlant"/>
+            </a:sp3d>
+          </a:bodyPr>
+          <a:lstStyle/>
+          <a:p>
+            <a:pPr algn="ctr"/>
+            <a:r>
+              <a:rPr lang="en-US" altLang="ko-KR" dirty="0" smtClean="0">
+                <a:solidFill>
+                  <a:schemeClr val="accent5">
+                    <a:lumMod val="75000"/>
+                  </a:schemeClr>
+                </a:solidFill>
+              </a:rPr>
+              <a:t>Test</a:t>
+            </a:r>
+            <a:endParaRPr lang="ko-KR" altLang="en-US" dirty="0">
+              <a:solidFill>
+                <a:schemeClr val="accent5">
+                  <a:lumMod val="75000"/>
+                </a:schemeClr>
+              </a:solidFill>
+            </a:endParaRPr>
+          </a:p>
+        </p:txBody>
+      </p:sp>
+      <p:sp>
+        <p:nvSpPr>
+          <p:cNvPr id="6" name="CasellaDiTesto 5"/>
+          <p:cNvSpPr txBox="1"/>
+          <p:nvPr/>
+        </p:nvSpPr>
+        <p:spPr>
+          <a:xfrm>
+            <a:off x="1522174" y="1253099"/>
+            <a:ext cx="6146170" cy="369332"/>
+          </a:xfrm>
+          <a:prstGeom prst="rect">
+            <a:avLst/>
+          </a:prstGeom>
+          <a:noFill/>
+        </p:spPr>
+        <p:txBody>
+          <a:bodyPr wrap="none" rtlCol="0">
+            <a:spAutoFit/>
+          </a:bodyPr>
+          <a:lstStyle/>
+          <a:p>
+            <a:pPr algn="just"/>
+            <a:r>
+              <a:rPr lang="it-IT" b="1" dirty="0" smtClean="0">
+                <a:latin typeface="Calibri" pitchFamily="34" charset="0"/>
+                <a:cs typeface="Calibri" pitchFamily="34" charset="0"/>
+              </a:rPr>
+              <a:t>Tempi di esecuzione </a:t>
+            </a:r>
+            <a:r>
+              <a:rPr lang="it-IT" dirty="0" smtClean="0">
+                <a:latin typeface="Calibri" pitchFamily="34" charset="0"/>
+                <a:cs typeface="Calibri" pitchFamily="34" charset="0"/>
+              </a:rPr>
+              <a:t>degli algoritmi di </a:t>
+            </a:r>
+            <a:r>
+              <a:rPr lang="it-IT" b="1" i="1" dirty="0" smtClean="0">
+                <a:solidFill>
+                  <a:srgbClr val="C00000"/>
+                </a:solidFill>
+                <a:latin typeface="Calibri" pitchFamily="34" charset="0"/>
+                <a:cs typeface="Calibri" pitchFamily="34" charset="0"/>
+              </a:rPr>
+              <a:t>k-</a:t>
+            </a:r>
+            <a:r>
+              <a:rPr lang="it-IT" b="1" i="1" dirty="0" err="1" smtClean="0">
+                <a:solidFill>
+                  <a:srgbClr val="C00000"/>
+                </a:solidFill>
+                <a:latin typeface="Calibri" pitchFamily="34" charset="0"/>
+                <a:cs typeface="Calibri" pitchFamily="34" charset="0"/>
+              </a:rPr>
+              <a:t>edge</a:t>
+            </a:r>
+            <a:r>
+              <a:rPr lang="it-IT" b="1" i="1" dirty="0" smtClean="0">
+                <a:solidFill>
+                  <a:srgbClr val="C00000"/>
+                </a:solidFill>
+                <a:latin typeface="Calibri" pitchFamily="34" charset="0"/>
+                <a:cs typeface="Calibri" pitchFamily="34" charset="0"/>
+              </a:rPr>
+              <a:t> </a:t>
+            </a:r>
+            <a:r>
+              <a:rPr lang="it-IT" b="1" i="1" dirty="0" err="1" smtClean="0">
+                <a:solidFill>
+                  <a:srgbClr val="C00000"/>
+                </a:solidFill>
+                <a:latin typeface="Calibri" pitchFamily="34" charset="0"/>
+                <a:cs typeface="Calibri" pitchFamily="34" charset="0"/>
+              </a:rPr>
+              <a:t>recommendation</a:t>
+            </a:r>
+            <a:r>
+              <a:rPr lang="it-IT" dirty="0" smtClean="0">
+                <a:latin typeface="Calibri" pitchFamily="34" charset="0"/>
+                <a:cs typeface="Calibri" pitchFamily="34" charset="0"/>
+              </a:rPr>
+              <a:t>:</a:t>
+            </a:r>
+            <a:endParaRPr lang="it-IT" dirty="0">
+              <a:latin typeface="Calibri" pitchFamily="34" charset="0"/>
+              <a:cs typeface="Calibri" pitchFamily="34" charset="0"/>
+            </a:endParaRPr>
+          </a:p>
+        </p:txBody>
+      </p:sp>
+      <p:graphicFrame>
+        <p:nvGraphicFramePr>
+          <p:cNvPr id="7" name="Tabella 6"/>
+          <p:cNvGraphicFramePr>
+            <a:graphicFrameLocks noGrp="1"/>
+          </p:cNvGraphicFramePr>
+          <p:nvPr>
+            <p:extLst>
+              <p:ext uri="{D42A27DB-BD31-4B8C-83A1-F6EECF244321}">
+                <p14:modId xmlns:p14="http://schemas.microsoft.com/office/powerpoint/2010/main" val="2057736598"/>
+              </p:ext>
+            </p:extLst>
+          </p:nvPr>
+        </p:nvGraphicFramePr>
+        <p:xfrm>
+          <a:off x="1835696" y="2017648"/>
+          <a:ext cx="5616624" cy="1483360"/>
+        </p:xfrm>
+        <a:graphic>
+          <a:graphicData uri="http://schemas.openxmlformats.org/drawingml/2006/table">
+            <a:tbl>
+              <a:tblPr firstRow="1" bandRow="1">
+                <a:tableStyleId>{6E25E649-3F16-4E02-A733-19D2CDBF48F0}</a:tableStyleId>
+              </a:tblPr>
+              <a:tblGrid>
+                <a:gridCol w="1872208"/>
+                <a:gridCol w="1872208"/>
+                <a:gridCol w="1872208"/>
+              </a:tblGrid>
+              <a:tr h="370840">
+                <a:tc>
+                  <a:txBody>
+                    <a:bodyPr/>
+                    <a:lstStyle/>
+                    <a:p>
+                      <a:pPr algn="ctr"/>
+                      <a:r>
+                        <a:rPr lang="it-IT" dirty="0" err="1" smtClean="0">
+                          <a:latin typeface="Calibri" pitchFamily="34" charset="0"/>
+                          <a:cs typeface="Calibri" pitchFamily="34" charset="0"/>
+                        </a:rPr>
+                        <a:t>Hashtag</a:t>
+                      </a:r>
+                      <a:endParaRPr lang="it-IT" i="0" dirty="0">
+                        <a:latin typeface="Calibri" pitchFamily="34" charset="0"/>
+                        <a:cs typeface="Calibri" pitchFamily="34" charset="0"/>
+                      </a:endParaRPr>
+                    </a:p>
+                  </a:txBody>
+                  <a:tcPr/>
+                </a:tc>
+                <a:tc>
+                  <a:txBody>
+                    <a:bodyPr/>
+                    <a:lstStyle/>
+                    <a:p>
+                      <a:pPr algn="ctr"/>
+                      <a:r>
+                        <a:rPr lang="it-IT" i="1" dirty="0" err="1" smtClean="0">
+                          <a:latin typeface="Calibri" pitchFamily="34" charset="0"/>
+                          <a:cs typeface="Calibri" pitchFamily="34" charset="0"/>
+                        </a:rPr>
+                        <a:t>greedy</a:t>
+                      </a:r>
+                      <a:endParaRPr lang="it-IT" i="1" dirty="0">
+                        <a:latin typeface="Calibri" pitchFamily="34" charset="0"/>
+                        <a:cs typeface="Calibri" pitchFamily="34" charset="0"/>
+                      </a:endParaRPr>
+                    </a:p>
+                  </a:txBody>
+                  <a:tcPr/>
+                </a:tc>
+                <a:tc>
+                  <a:txBody>
+                    <a:bodyPr/>
+                    <a:lstStyle/>
+                    <a:p>
+                      <a:pPr algn="ctr"/>
+                      <a:r>
+                        <a:rPr lang="it-IT" i="1" dirty="0" smtClean="0">
+                          <a:latin typeface="Calibri" pitchFamily="34" charset="0"/>
+                          <a:cs typeface="Calibri" pitchFamily="34" charset="0"/>
+                        </a:rPr>
+                        <a:t>non-</a:t>
+                      </a:r>
+                      <a:r>
+                        <a:rPr lang="it-IT" i="1" dirty="0" err="1" smtClean="0">
+                          <a:latin typeface="Calibri" pitchFamily="34" charset="0"/>
+                          <a:cs typeface="Calibri" pitchFamily="34" charset="0"/>
+                        </a:rPr>
+                        <a:t>greedy</a:t>
+                      </a:r>
+                      <a:endParaRPr lang="it-IT" i="1" dirty="0">
+                        <a:latin typeface="Calibri" pitchFamily="34" charset="0"/>
+                        <a:cs typeface="Calibri" pitchFamily="34" charset="0"/>
+                      </a:endParaRPr>
+                    </a:p>
+                  </a:txBody>
+                  <a:tcPr/>
+                </a:tc>
+              </a:tr>
+              <a:tr h="370840">
+                <a:tc>
+                  <a:txBody>
+                    <a:bodyPr/>
+                    <a:lstStyle/>
+                    <a:p>
+                      <a:pPr algn="ctr"/>
+                      <a:r>
+                        <a:rPr lang="it-IT" i="1" dirty="0" smtClean="0">
+                          <a:latin typeface="Calibri" pitchFamily="34" charset="0"/>
+                          <a:cs typeface="Calibri" pitchFamily="34" charset="0"/>
+                        </a:rPr>
+                        <a:t>#</a:t>
+                      </a:r>
+                      <a:r>
+                        <a:rPr lang="it-IT" i="1" dirty="0" err="1" smtClean="0">
+                          <a:latin typeface="Calibri" pitchFamily="34" charset="0"/>
+                          <a:cs typeface="Calibri" pitchFamily="34" charset="0"/>
+                        </a:rPr>
+                        <a:t>beefban</a:t>
+                      </a:r>
+                      <a:endParaRPr lang="it-IT" b="0" i="1" dirty="0">
+                        <a:latin typeface="Calibri" pitchFamily="34" charset="0"/>
+                        <a:cs typeface="Calibri" pitchFamily="34" charset="0"/>
+                      </a:endParaRPr>
+                    </a:p>
+                  </a:txBody>
+                  <a:tcPr>
+                    <a:solidFill>
+                      <a:srgbClr val="FFFF00"/>
+                    </a:solidFill>
+                  </a:tcPr>
+                </a:tc>
+                <a:tc>
+                  <a:txBody>
+                    <a:bodyPr/>
+                    <a:lstStyle/>
+                    <a:p>
+                      <a:pPr algn="ctr"/>
+                      <a:r>
+                        <a:rPr lang="it-IT" dirty="0" smtClean="0">
+                          <a:latin typeface="Calibri" pitchFamily="34" charset="0"/>
+                          <a:cs typeface="Calibri" pitchFamily="34" charset="0"/>
+                        </a:rPr>
+                        <a:t>7252 sec</a:t>
+                      </a:r>
+                      <a:endParaRPr lang="it-IT" dirty="0">
+                        <a:latin typeface="Calibri" pitchFamily="34" charset="0"/>
+                        <a:cs typeface="Calibri" pitchFamily="34" charset="0"/>
+                      </a:endParaRPr>
+                    </a:p>
+                  </a:txBody>
+                  <a:tcPr>
+                    <a:solidFill>
+                      <a:srgbClr val="FFFF00"/>
+                    </a:solidFill>
+                  </a:tcPr>
+                </a:tc>
+                <a:tc>
+                  <a:txBody>
+                    <a:bodyPr/>
+                    <a:lstStyle/>
+                    <a:p>
+                      <a:pPr algn="ctr"/>
+                      <a:r>
+                        <a:rPr lang="it-IT" dirty="0" smtClean="0">
+                          <a:latin typeface="Calibri" pitchFamily="34" charset="0"/>
+                          <a:cs typeface="Calibri" pitchFamily="34" charset="0"/>
+                        </a:rPr>
+                        <a:t>149 sec</a:t>
+                      </a:r>
+                      <a:endParaRPr lang="it-IT" dirty="0">
+                        <a:latin typeface="Calibri" pitchFamily="34" charset="0"/>
+                        <a:cs typeface="Calibri" pitchFamily="34" charset="0"/>
+                      </a:endParaRPr>
+                    </a:p>
+                  </a:txBody>
+                  <a:tcPr>
+                    <a:solidFill>
+                      <a:srgbClr val="FFFF00"/>
+                    </a:solidFill>
+                  </a:tcPr>
+                </a:tc>
+              </a:tr>
+              <a:tr h="370840">
+                <a:tc>
+                  <a:txBody>
+                    <a:bodyPr/>
+                    <a:lstStyle/>
+                    <a:p>
+                      <a:pPr algn="ctr"/>
+                      <a:r>
+                        <a:rPr lang="it-IT" i="1" dirty="0" smtClean="0">
+                          <a:latin typeface="Calibri" pitchFamily="34" charset="0"/>
+                          <a:cs typeface="Calibri" pitchFamily="34" charset="0"/>
+                        </a:rPr>
+                        <a:t>#indiana</a:t>
+                      </a:r>
+                      <a:endParaRPr lang="it-IT" b="0" i="1" dirty="0">
+                        <a:latin typeface="Calibri" pitchFamily="34" charset="0"/>
+                        <a:cs typeface="Calibri" pitchFamily="34" charset="0"/>
+                      </a:endParaRPr>
+                    </a:p>
+                  </a:txBody>
+                  <a:tcPr/>
+                </a:tc>
+                <a:tc>
+                  <a:txBody>
+                    <a:bodyPr/>
+                    <a:lstStyle/>
+                    <a:p>
+                      <a:pPr algn="ctr"/>
+                      <a:r>
+                        <a:rPr lang="it-IT" dirty="0" smtClean="0">
+                          <a:latin typeface="Calibri" pitchFamily="34" charset="0"/>
+                          <a:cs typeface="Calibri" pitchFamily="34" charset="0"/>
+                        </a:rPr>
+                        <a:t>17580 sec</a:t>
+                      </a:r>
+                      <a:endParaRPr lang="it-IT" dirty="0">
+                        <a:latin typeface="Calibri" pitchFamily="34" charset="0"/>
+                        <a:cs typeface="Calibri" pitchFamily="34" charset="0"/>
+                      </a:endParaRPr>
+                    </a:p>
+                  </a:txBody>
+                  <a:tcPr/>
+                </a:tc>
+                <a:tc>
+                  <a:txBody>
+                    <a:bodyPr/>
+                    <a:lstStyle/>
+                    <a:p>
+                      <a:pPr algn="ctr"/>
+                      <a:r>
+                        <a:rPr lang="it-IT" dirty="0" smtClean="0">
+                          <a:latin typeface="Calibri" pitchFamily="34" charset="0"/>
+                          <a:cs typeface="Calibri" pitchFamily="34" charset="0"/>
+                        </a:rPr>
+                        <a:t>352 sec</a:t>
+                      </a:r>
+                      <a:endParaRPr lang="it-IT" dirty="0">
+                        <a:latin typeface="Calibri" pitchFamily="34" charset="0"/>
+                        <a:cs typeface="Calibri" pitchFamily="34" charset="0"/>
+                      </a:endParaRPr>
+                    </a:p>
+                  </a:txBody>
+                  <a:tcPr/>
+                </a:tc>
+              </a:tr>
+              <a:tr h="370840">
+                <a:tc>
+                  <a:txBody>
+                    <a:bodyPr/>
+                    <a:lstStyle/>
+                    <a:p>
+                      <a:pPr algn="ctr"/>
+                      <a:r>
+                        <a:rPr lang="it-IT" i="1" dirty="0" smtClean="0">
+                          <a:latin typeface="Calibri" pitchFamily="34" charset="0"/>
+                          <a:cs typeface="Calibri" pitchFamily="34" charset="0"/>
+                        </a:rPr>
+                        <a:t>#</a:t>
+                      </a:r>
+                      <a:r>
+                        <a:rPr lang="it-IT" i="1" dirty="0" err="1" smtClean="0">
+                          <a:latin typeface="Calibri" pitchFamily="34" charset="0"/>
+                          <a:cs typeface="Calibri" pitchFamily="34" charset="0"/>
+                        </a:rPr>
+                        <a:t>russia_march</a:t>
+                      </a:r>
+                      <a:endParaRPr lang="it-IT" i="1" dirty="0">
+                        <a:latin typeface="Calibri" pitchFamily="34" charset="0"/>
+                        <a:cs typeface="Calibri" pitchFamily="34" charset="0"/>
+                      </a:endParaRPr>
+                    </a:p>
+                  </a:txBody>
+                  <a:tcPr/>
+                </a:tc>
+                <a:tc>
+                  <a:txBody>
+                    <a:bodyPr/>
+                    <a:lstStyle/>
+                    <a:p>
+                      <a:pPr algn="ctr"/>
+                      <a:r>
+                        <a:rPr lang="it-IT" dirty="0" smtClean="0">
+                          <a:latin typeface="Calibri" pitchFamily="34" charset="0"/>
+                          <a:cs typeface="Calibri" pitchFamily="34" charset="0"/>
+                        </a:rPr>
+                        <a:t>12720 sec</a:t>
+                      </a:r>
+                      <a:endParaRPr lang="it-IT" dirty="0">
+                        <a:latin typeface="Calibri" pitchFamily="34" charset="0"/>
+                        <a:cs typeface="Calibri" pitchFamily="34" charset="0"/>
+                      </a:endParaRPr>
+                    </a:p>
+                  </a:txBody>
+                  <a:tcPr/>
+                </a:tc>
+                <a:tc>
+                  <a:txBody>
+                    <a:bodyPr/>
+                    <a:lstStyle/>
+                    <a:p>
+                      <a:pPr algn="ctr"/>
+                      <a:r>
+                        <a:rPr lang="it-IT" dirty="0" smtClean="0">
+                          <a:latin typeface="Calibri" pitchFamily="34" charset="0"/>
+                          <a:cs typeface="Calibri" pitchFamily="34" charset="0"/>
+                        </a:rPr>
+                        <a:t>253 sec</a:t>
+                      </a:r>
+                      <a:endParaRPr lang="it-IT" dirty="0">
+                        <a:latin typeface="Calibri" pitchFamily="34" charset="0"/>
+                        <a:cs typeface="Calibri" pitchFamily="34" charset="0"/>
+                      </a:endParaRPr>
+                    </a:p>
+                  </a:txBody>
+                  <a:tcPr/>
+                </a:tc>
+              </a:tr>
+            </a:tbl>
+          </a:graphicData>
+        </a:graphic>
+      </p:graphicFrame>
+      <p:cxnSp>
+        <p:nvCxnSpPr>
+          <p:cNvPr id="14" name="Connettore 4 13"/>
+          <p:cNvCxnSpPr/>
+          <p:nvPr/>
+        </p:nvCxnSpPr>
+        <p:spPr>
+          <a:xfrm rot="5400000">
+            <a:off x="2951820" y="3248980"/>
+            <a:ext cx="1728192" cy="360040"/>
+          </a:xfrm>
+          <a:prstGeom prst="bentConnector3">
+            <a:avLst>
+              <a:gd name="adj1" fmla="val -239"/>
+            </a:avLst>
+          </a:prstGeom>
+          <a:ln>
+            <a:tailEnd type="arrow"/>
+          </a:ln>
+        </p:spPr>
+        <p:style>
+          <a:lnRef idx="2">
+            <a:schemeClr val="accent1"/>
+          </a:lnRef>
+          <a:fillRef idx="0">
+            <a:schemeClr val="accent1"/>
+          </a:fillRef>
+          <a:effectRef idx="1">
+            <a:schemeClr val="accent1"/>
+          </a:effectRef>
+          <a:fontRef idx="minor">
+            <a:schemeClr val="tx1"/>
+          </a:fontRef>
+        </p:style>
+      </p:cxnSp>
+      <p:cxnSp>
+        <p:nvCxnSpPr>
+          <p:cNvPr id="16" name="Connettore 4 15"/>
+          <p:cNvCxnSpPr/>
+          <p:nvPr/>
+        </p:nvCxnSpPr>
+        <p:spPr>
+          <a:xfrm rot="5400000">
+            <a:off x="4824028" y="3248980"/>
+            <a:ext cx="1728192" cy="360040"/>
+          </a:xfrm>
+          <a:prstGeom prst="bentConnector3">
+            <a:avLst>
+              <a:gd name="adj1" fmla="val -239"/>
+            </a:avLst>
+          </a:prstGeom>
+          <a:ln>
+            <a:tailEnd type="arrow"/>
+          </a:ln>
+        </p:spPr>
+        <p:style>
+          <a:lnRef idx="2">
+            <a:schemeClr val="accent1"/>
+          </a:lnRef>
+          <a:fillRef idx="0">
+            <a:schemeClr val="accent1"/>
+          </a:fillRef>
+          <a:effectRef idx="1">
+            <a:schemeClr val="accent1"/>
+          </a:effectRef>
+          <a:fontRef idx="minor">
+            <a:schemeClr val="tx1"/>
+          </a:fontRef>
+        </p:style>
+      </p:cxnSp>
+      <mc:AlternateContent xmlns:mc="http://schemas.openxmlformats.org/markup-compatibility/2006" xmlns:a14="http://schemas.microsoft.com/office/drawing/2010/main">
+        <mc:Choice Requires="a14">
+          <p:sp>
+            <p:nvSpPr>
+              <p:cNvPr id="18" name="CasellaDiTesto 17"/>
+              <p:cNvSpPr txBox="1"/>
+              <p:nvPr/>
+            </p:nvSpPr>
+            <p:spPr>
+              <a:xfrm>
+                <a:off x="3347864" y="4365104"/>
+                <a:ext cx="2952328" cy="369332"/>
+              </a:xfrm>
+              <a:prstGeom prst="rect">
+                <a:avLst/>
+              </a:prstGeom>
+              <a:noFill/>
+            </p:spPr>
+            <p:txBody>
+              <a:bodyPr wrap="square" rtlCol="0">
+                <a:spAutoFit/>
+              </a:bodyPr>
+              <a:lstStyle/>
+              <a:p>
+                <a14:m>
+                  <m:oMath xmlns:m="http://schemas.openxmlformats.org/officeDocument/2006/math">
+                    <m:r>
+                      <a:rPr lang="it-IT" b="0" i="1" smtClean="0">
+                        <a:latin typeface="Cambria Math"/>
+                      </a:rPr>
+                      <m:t>7252</m:t>
+                    </m:r>
+                    <m:func>
+                      <m:funcPr>
+                        <m:ctrlPr>
+                          <a:rPr lang="it-IT" b="0" i="1" smtClean="0">
+                            <a:latin typeface="Cambria Math"/>
+                          </a:rPr>
+                        </m:ctrlPr>
+                      </m:funcPr>
+                      <m:fName>
+                        <m:r>
+                          <a:rPr lang="it-IT" b="0" i="1" smtClean="0">
+                            <a:latin typeface="Cambria Math"/>
+                          </a:rPr>
+                          <m:t>𝑠𝑒𝑐</m:t>
+                        </m:r>
+                      </m:fName>
+                      <m:e>
+                        <m:r>
+                          <a:rPr lang="it-IT" i="1">
+                            <a:latin typeface="Cambria Math"/>
+                            <a:ea typeface="Cambria Math"/>
+                          </a:rPr>
+                          <m:t>≅</m:t>
+                        </m:r>
+                      </m:e>
+                    </m:func>
+                    <m:r>
+                      <a:rPr lang="it-IT" b="0" i="1" smtClean="0">
+                        <a:latin typeface="Cambria Math"/>
+                      </a:rPr>
+                      <m:t> </m:t>
+                    </m:r>
+                    <m:r>
+                      <a:rPr lang="it-IT" b="0" i="1" smtClean="0">
+                        <a:latin typeface="Cambria Math"/>
+                      </a:rPr>
+                      <m:t>𝑘</m:t>
+                    </m:r>
+                    <m:r>
+                      <a:rPr lang="it-IT" b="0" i="1" smtClean="0">
+                        <a:latin typeface="Cambria Math"/>
+                      </a:rPr>
+                      <m:t> ×149 </m:t>
+                    </m:r>
+                    <m:r>
+                      <a:rPr lang="it-IT" b="0" i="1" smtClean="0">
+                        <a:latin typeface="Cambria Math"/>
+                        <a:ea typeface="Cambria Math"/>
+                      </a:rPr>
+                      <m:t>𝑠𝑒𝑐</m:t>
+                    </m:r>
+                  </m:oMath>
+                </a14:m>
+                <a:r>
+                  <a:rPr lang="it-IT" dirty="0" smtClean="0"/>
+                  <a:t> </a:t>
+                </a:r>
+                <a:endParaRPr lang="it-IT" dirty="0"/>
+              </a:p>
+            </p:txBody>
+          </p:sp>
+        </mc:Choice>
+        <mc:Fallback xmlns="">
+          <p:sp>
+            <p:nvSpPr>
+              <p:cNvPr id="18" name="CasellaDiTesto 17"/>
+              <p:cNvSpPr txBox="1">
+                <a:spLocks noRot="1" noChangeAspect="1" noMove="1" noResize="1" noEditPoints="1" noAdjustHandles="1" noChangeArrowheads="1" noChangeShapeType="1" noTextEdit="1"/>
+              </p:cNvSpPr>
+              <p:nvPr/>
+            </p:nvSpPr>
+            <p:spPr>
+              <a:xfrm>
+                <a:off x="3347864" y="4365104"/>
+                <a:ext cx="2952328" cy="369332"/>
+              </a:xfrm>
+              <a:prstGeom prst="rect">
+                <a:avLst/>
+              </a:prstGeom>
+              <a:blipFill rotWithShape="1">
+                <a:blip r:embed="rId2"/>
+                <a:stretch>
+                  <a:fillRect/>
+                </a:stretch>
+              </a:blipFill>
+            </p:spPr>
+            <p:txBody>
+              <a:bodyPr/>
+              <a:lstStyle/>
+              <a:p>
+                <a:r>
+                  <a:rPr lang="it-IT">
+                    <a:noFill/>
+                  </a:rPr>
+                  <a:t> </a:t>
+                </a:r>
+              </a:p>
+            </p:txBody>
+          </p:sp>
+        </mc:Fallback>
+      </mc:AlternateContent>
+      <p:sp>
+        <p:nvSpPr>
+          <p:cNvPr id="19" name="CasellaDiTesto 18"/>
+          <p:cNvSpPr txBox="1"/>
+          <p:nvPr/>
+        </p:nvSpPr>
+        <p:spPr>
+          <a:xfrm>
+            <a:off x="1522174" y="5085184"/>
+            <a:ext cx="6478440" cy="646331"/>
+          </a:xfrm>
+          <a:prstGeom prst="rect">
+            <a:avLst/>
+          </a:prstGeom>
+          <a:noFill/>
+        </p:spPr>
+        <p:txBody>
+          <a:bodyPr wrap="none" rtlCol="0">
+            <a:spAutoFit/>
+          </a:bodyPr>
+          <a:lstStyle/>
+          <a:p>
+            <a:pPr algn="just"/>
+            <a:r>
+              <a:rPr lang="it-IT" dirty="0" smtClean="0">
+                <a:latin typeface="Calibri" pitchFamily="34" charset="0"/>
+                <a:cs typeface="Calibri" pitchFamily="34" charset="0"/>
+              </a:rPr>
+              <a:t>Quindi il </a:t>
+            </a:r>
+            <a:r>
+              <a:rPr lang="it-IT" b="1" dirty="0" smtClean="0">
+                <a:latin typeface="Calibri" pitchFamily="34" charset="0"/>
+                <a:cs typeface="Calibri" pitchFamily="34" charset="0"/>
+              </a:rPr>
+              <a:t>tempo di esecuzione</a:t>
+            </a:r>
+            <a:r>
+              <a:rPr lang="it-IT" dirty="0" smtClean="0">
+                <a:latin typeface="Calibri" pitchFamily="34" charset="0"/>
+                <a:cs typeface="Calibri" pitchFamily="34" charset="0"/>
+              </a:rPr>
+              <a:t> dipende sia dal numero di archi</a:t>
+            </a:r>
+          </a:p>
+          <a:p>
+            <a:pPr algn="just"/>
+            <a:r>
+              <a:rPr lang="it-IT" dirty="0" smtClean="0">
+                <a:latin typeface="Calibri" pitchFamily="34" charset="0"/>
+                <a:cs typeface="Calibri" pitchFamily="34" charset="0"/>
+              </a:rPr>
+              <a:t>e di nodi del grafo che dall’algoritmo di </a:t>
+            </a:r>
+            <a:r>
+              <a:rPr lang="it-IT" b="1" i="1" dirty="0" err="1" smtClean="0">
+                <a:solidFill>
+                  <a:srgbClr val="C00000"/>
+                </a:solidFill>
+                <a:latin typeface="Calibri" pitchFamily="34" charset="0"/>
+                <a:cs typeface="Calibri" pitchFamily="34" charset="0"/>
+              </a:rPr>
+              <a:t>recommendation</a:t>
+            </a:r>
+            <a:r>
+              <a:rPr lang="it-IT" dirty="0" smtClean="0">
+                <a:solidFill>
+                  <a:srgbClr val="C00000"/>
+                </a:solidFill>
+                <a:latin typeface="Calibri" pitchFamily="34" charset="0"/>
+                <a:cs typeface="Calibri" pitchFamily="34" charset="0"/>
+              </a:rPr>
+              <a:t> </a:t>
+            </a:r>
+            <a:r>
+              <a:rPr lang="it-IT" dirty="0" smtClean="0">
+                <a:latin typeface="Calibri" pitchFamily="34" charset="0"/>
+                <a:cs typeface="Calibri" pitchFamily="34" charset="0"/>
+              </a:rPr>
+              <a:t>utilizzato.</a:t>
+            </a:r>
+            <a:endParaRPr lang="it-IT" dirty="0">
+              <a:latin typeface="Calibri" pitchFamily="34" charset="0"/>
+              <a:cs typeface="Calibri" pitchFamily="34" charset="0"/>
+            </a:endParaRPr>
+          </a:p>
+        </p:txBody>
+      </p:sp>
+    </p:spTree>
+    <p:extLst>
+      <p:ext uri="{BB962C8B-B14F-4D97-AF65-F5344CB8AC3E}">
+        <p14:creationId xmlns:p14="http://schemas.microsoft.com/office/powerpoint/2010/main" val="4145086806"/>
+      </p:ext>
+    </p:extLst>
+  </p:cSld>
+  <p:clrMapOvr>
+    <a:masterClrMapping/>
+  </p:clrMapOvr>
+  <p:timing>
+    <p:tnLst>
+      <p:par>
+        <p:cTn id="1" dur="indefinite" restart="never" nodeType="tmRoot"/>
+      </p:par>
+    </p:tnLst>
+  </p:timing>
+</p:sld>
+</file>
+
+<file path=ppt/slides/slide34.xml><?xml version="1.0" encoding="utf-8"?>
+<p:sld xmlns:a="http://schemas.openxmlformats.org/drawingml/2006/main" xmlns:r="http://schemas.openxmlformats.org/officeDocument/2006/relationships" xmlns:p="http://schemas.openxmlformats.org/presentationml/2006/main">
+  <p:cSld>
+    <p:spTree>
+      <p:nvGrpSpPr>
+        <p:cNvPr id="1" name=""/>
+        <p:cNvGrpSpPr/>
+        <p:nvPr/>
+      </p:nvGrpSpPr>
+      <p:grpSpPr>
+        <a:xfrm>
+          <a:off x="0" y="0"/>
+          <a:ext cx="0" cy="0"/>
+          <a:chOff x="0" y="0"/>
+          <a:chExt cx="0" cy="0"/>
+        </a:xfrm>
+      </p:grpSpPr>
+      <p:sp>
+        <p:nvSpPr>
+          <p:cNvPr id="5" name="Title 3">
+            <a:extLst>
+              <a:ext uri="{FF2B5EF4-FFF2-40B4-BE49-F238E27FC236}">
+                <a16:creationId xmlns:a16="http://schemas.microsoft.com/office/drawing/2014/main" xmlns="" id="{189ECF77-714F-4D2C-9D4B-CC43534EF427}"/>
+              </a:ext>
+            </a:extLst>
+          </p:cNvPr>
+          <p:cNvSpPr>
+            <a:spLocks noGrp="1"/>
+          </p:cNvSpPr>
+          <p:nvPr>
+            <p:ph type="title"/>
+          </p:nvPr>
+        </p:nvSpPr>
+        <p:spPr>
+          <a:xfrm>
+            <a:off x="0" y="21787"/>
+            <a:ext cx="9144000" cy="1069514"/>
+          </a:xfrm>
+        </p:spPr>
+        <p:txBody>
+          <a:bodyPr>
+            <a:scene3d>
+              <a:camera prst="orthographicFront"/>
+              <a:lightRig rig="threePt" dir="t"/>
+            </a:scene3d>
+            <a:sp3d extrusionH="57150">
+              <a:bevelT w="82550" h="38100" prst="coolSlant"/>
+            </a:sp3d>
+          </a:bodyPr>
+          <a:lstStyle/>
+          <a:p>
+            <a:pPr algn="ctr"/>
+            <a:r>
+              <a:rPr lang="en-US" altLang="ko-KR" dirty="0" err="1" smtClean="0">
+                <a:solidFill>
+                  <a:schemeClr val="accent5">
+                    <a:lumMod val="75000"/>
+                  </a:schemeClr>
+                </a:solidFill>
+              </a:rPr>
+              <a:t>Conclusioni</a:t>
+            </a:r>
+            <a:endParaRPr lang="ko-KR" altLang="en-US" dirty="0">
+              <a:solidFill>
+                <a:schemeClr val="accent5">
+                  <a:lumMod val="75000"/>
+                </a:schemeClr>
+              </a:solidFill>
+            </a:endParaRPr>
+          </a:p>
+        </p:txBody>
+      </p:sp>
+      <p:sp>
+        <p:nvSpPr>
+          <p:cNvPr id="3" name="CasellaDiTesto 2"/>
+          <p:cNvSpPr txBox="1"/>
+          <p:nvPr/>
+        </p:nvSpPr>
+        <p:spPr>
+          <a:xfrm>
+            <a:off x="1619672" y="1268760"/>
+            <a:ext cx="7508530" cy="5078313"/>
+          </a:xfrm>
+          <a:prstGeom prst="rect">
+            <a:avLst/>
+          </a:prstGeom>
+          <a:noFill/>
+        </p:spPr>
+        <p:txBody>
+          <a:bodyPr wrap="none" rtlCol="0">
+            <a:spAutoFit/>
+          </a:bodyPr>
+          <a:lstStyle/>
+          <a:p>
+            <a:endParaRPr lang="it-IT" i="1" dirty="0">
+              <a:latin typeface="Calibri" pitchFamily="34" charset="0"/>
+              <a:cs typeface="Calibri" pitchFamily="34" charset="0"/>
+            </a:endParaRPr>
+          </a:p>
+          <a:p>
+            <a:pPr algn="just"/>
+            <a:r>
+              <a:rPr lang="it-IT" dirty="0" smtClean="0">
+                <a:latin typeface="Calibri" pitchFamily="34" charset="0"/>
+                <a:cs typeface="Calibri" pitchFamily="34" charset="0"/>
+              </a:rPr>
+              <a:t>La scelta dell’algoritmo da utilizzare deve essere dettata dalla particolare</a:t>
+            </a:r>
+          </a:p>
+          <a:p>
+            <a:pPr algn="just"/>
+            <a:r>
+              <a:rPr lang="it-IT" dirty="0" smtClean="0">
+                <a:latin typeface="Calibri" pitchFamily="34" charset="0"/>
+                <a:cs typeface="Calibri" pitchFamily="34" charset="0"/>
+              </a:rPr>
+              <a:t>esigenza che si desidera soddisfare</a:t>
+            </a:r>
+            <a:r>
+              <a:rPr lang="it-IT" dirty="0" smtClean="0">
+                <a:latin typeface="Calibri" pitchFamily="34" charset="0"/>
+                <a:cs typeface="Calibri" pitchFamily="34" charset="0"/>
+              </a:rPr>
+              <a:t>:</a:t>
+            </a:r>
+            <a:endParaRPr lang="it-IT" dirty="0" smtClean="0">
+              <a:latin typeface="Calibri" pitchFamily="34" charset="0"/>
+              <a:cs typeface="Calibri" pitchFamily="34" charset="0"/>
+            </a:endParaRPr>
+          </a:p>
+          <a:p>
+            <a:pPr algn="just"/>
+            <a:endParaRPr lang="it-IT" dirty="0" smtClean="0">
+              <a:latin typeface="Calibri" pitchFamily="34" charset="0"/>
+              <a:cs typeface="Calibri" pitchFamily="34" charset="0"/>
+            </a:endParaRPr>
+          </a:p>
+          <a:p>
+            <a:pPr algn="just"/>
+            <a:endParaRPr lang="it-IT" dirty="0">
+              <a:latin typeface="Calibri" pitchFamily="34" charset="0"/>
+              <a:cs typeface="Calibri" pitchFamily="34" charset="0"/>
+            </a:endParaRPr>
+          </a:p>
+          <a:p>
+            <a:pPr marL="285750" indent="-285750" algn="just">
+              <a:buFont typeface="Arial" pitchFamily="34" charset="0"/>
+              <a:buChar char="•"/>
+            </a:pPr>
+            <a:r>
+              <a:rPr lang="it-IT" dirty="0">
+                <a:latin typeface="Calibri" pitchFamily="34" charset="0"/>
+                <a:cs typeface="Calibri" pitchFamily="34" charset="0"/>
+              </a:rPr>
+              <a:t>r</a:t>
+            </a:r>
+            <a:r>
+              <a:rPr lang="it-IT" dirty="0" smtClean="0">
+                <a:latin typeface="Calibri" pitchFamily="34" charset="0"/>
+                <a:cs typeface="Calibri" pitchFamily="34" charset="0"/>
+              </a:rPr>
+              <a:t>equisiti sui </a:t>
+            </a:r>
+            <a:r>
+              <a:rPr lang="it-IT" b="1" dirty="0" smtClean="0">
+                <a:latin typeface="Calibri" pitchFamily="34" charset="0"/>
+                <a:cs typeface="Calibri" pitchFamily="34" charset="0"/>
+              </a:rPr>
+              <a:t>tempi di esecuzione </a:t>
+            </a:r>
+            <a:r>
+              <a:rPr lang="it-IT" u="sng" dirty="0" smtClean="0">
+                <a:latin typeface="Calibri" pitchFamily="34" charset="0"/>
+                <a:cs typeface="Calibri" pitchFamily="34" charset="0"/>
+              </a:rPr>
+              <a:t>molto stringenti </a:t>
+            </a:r>
+            <a:r>
+              <a:rPr lang="it-IT" dirty="0" smtClean="0">
+                <a:latin typeface="Calibri" pitchFamily="34" charset="0"/>
+                <a:cs typeface="Calibri" pitchFamily="34" charset="0"/>
+                <a:sym typeface="Wingdings" pitchFamily="2" charset="2"/>
+              </a:rPr>
+              <a:t> algoritmo </a:t>
+            </a:r>
+            <a:r>
+              <a:rPr lang="it-IT" b="1" i="1" dirty="0" smtClean="0">
+                <a:solidFill>
+                  <a:schemeClr val="accent1"/>
+                </a:solidFill>
+                <a:latin typeface="Calibri" pitchFamily="34" charset="0"/>
+                <a:cs typeface="Calibri" pitchFamily="34" charset="0"/>
+                <a:sym typeface="Wingdings" pitchFamily="2" charset="2"/>
+              </a:rPr>
+              <a:t>non-</a:t>
+            </a:r>
+            <a:r>
+              <a:rPr lang="it-IT" b="1" i="1" dirty="0" err="1" smtClean="0">
+                <a:solidFill>
+                  <a:schemeClr val="accent1"/>
+                </a:solidFill>
+                <a:latin typeface="Calibri" pitchFamily="34" charset="0"/>
+                <a:cs typeface="Calibri" pitchFamily="34" charset="0"/>
+                <a:sym typeface="Wingdings" pitchFamily="2" charset="2"/>
+              </a:rPr>
+              <a:t>greedy</a:t>
+            </a:r>
+            <a:r>
+              <a:rPr lang="it-IT" dirty="0" smtClean="0">
+                <a:latin typeface="Calibri" pitchFamily="34" charset="0"/>
+                <a:cs typeface="Calibri" pitchFamily="34" charset="0"/>
+                <a:sym typeface="Wingdings" pitchFamily="2" charset="2"/>
+              </a:rPr>
+              <a:t>;</a:t>
+            </a:r>
+          </a:p>
+          <a:p>
+            <a:pPr marL="285750" indent="-285750" algn="just">
+              <a:buFont typeface="Arial" pitchFamily="34" charset="0"/>
+              <a:buChar char="•"/>
+            </a:pPr>
+            <a:endParaRPr lang="it-IT" dirty="0">
+              <a:latin typeface="Calibri" pitchFamily="34" charset="0"/>
+              <a:cs typeface="Calibri" pitchFamily="34" charset="0"/>
+              <a:sym typeface="Wingdings" pitchFamily="2" charset="2"/>
+            </a:endParaRPr>
+          </a:p>
+          <a:p>
+            <a:pPr marL="285750" indent="-285750" algn="just">
+              <a:buFont typeface="Arial" pitchFamily="34" charset="0"/>
+              <a:buChar char="•"/>
+            </a:pPr>
+            <a:endParaRPr lang="it-IT" dirty="0" smtClean="0">
+              <a:latin typeface="Calibri" pitchFamily="34" charset="0"/>
+              <a:cs typeface="Calibri" pitchFamily="34" charset="0"/>
+              <a:sym typeface="Wingdings" pitchFamily="2" charset="2"/>
+            </a:endParaRPr>
+          </a:p>
+          <a:p>
+            <a:pPr marL="285750" indent="-285750" algn="just">
+              <a:buFont typeface="Arial" pitchFamily="34" charset="0"/>
+              <a:buChar char="•"/>
+            </a:pPr>
+            <a:endParaRPr lang="it-IT" dirty="0" smtClean="0">
+              <a:latin typeface="Calibri" pitchFamily="34" charset="0"/>
+              <a:cs typeface="Calibri" pitchFamily="34" charset="0"/>
+              <a:sym typeface="Wingdings" pitchFamily="2" charset="2"/>
+            </a:endParaRPr>
+          </a:p>
+          <a:p>
+            <a:pPr marL="285750" indent="-285750" algn="just">
+              <a:buFont typeface="Arial" pitchFamily="34" charset="0"/>
+              <a:buChar char="•"/>
+            </a:pPr>
+            <a:r>
+              <a:rPr lang="it-IT" dirty="0" smtClean="0">
+                <a:latin typeface="Calibri" pitchFamily="34" charset="0"/>
+                <a:cs typeface="Calibri" pitchFamily="34" charset="0"/>
+                <a:sym typeface="Wingdings" pitchFamily="2" charset="2"/>
+              </a:rPr>
+              <a:t>privilegiare </a:t>
+            </a:r>
+            <a:r>
+              <a:rPr lang="it-IT" b="1" dirty="0" smtClean="0">
+                <a:latin typeface="Calibri" pitchFamily="34" charset="0"/>
+                <a:cs typeface="Calibri" pitchFamily="34" charset="0"/>
+                <a:sym typeface="Wingdings" pitchFamily="2" charset="2"/>
+              </a:rPr>
+              <a:t>il fattore efficacia </a:t>
+            </a:r>
+            <a:r>
+              <a:rPr lang="it-IT" dirty="0" smtClean="0">
+                <a:latin typeface="Calibri" pitchFamily="34" charset="0"/>
+                <a:cs typeface="Calibri" pitchFamily="34" charset="0"/>
+                <a:sym typeface="Wingdings" pitchFamily="2" charset="2"/>
+              </a:rPr>
+              <a:t>degli archi proposti  algoritmo </a:t>
+            </a:r>
+            <a:r>
+              <a:rPr lang="it-IT" b="1" i="1" dirty="0" err="1" smtClean="0">
+                <a:solidFill>
+                  <a:srgbClr val="C00000"/>
+                </a:solidFill>
+                <a:latin typeface="Calibri" pitchFamily="34" charset="0"/>
+                <a:cs typeface="Calibri" pitchFamily="34" charset="0"/>
+                <a:sym typeface="Wingdings" pitchFamily="2" charset="2"/>
+              </a:rPr>
+              <a:t>greedy</a:t>
+            </a:r>
+            <a:r>
+              <a:rPr lang="it-IT" dirty="0" smtClean="0">
+                <a:latin typeface="Calibri" pitchFamily="34" charset="0"/>
+                <a:cs typeface="Calibri" pitchFamily="34" charset="0"/>
+                <a:sym typeface="Wingdings" pitchFamily="2" charset="2"/>
+              </a:rPr>
+              <a:t>;</a:t>
+            </a:r>
+          </a:p>
+          <a:p>
+            <a:pPr marL="285750" indent="-285750" algn="just">
+              <a:buFont typeface="Arial" pitchFamily="34" charset="0"/>
+              <a:buChar char="•"/>
+            </a:pPr>
+            <a:endParaRPr lang="it-IT" dirty="0">
+              <a:solidFill>
+                <a:srgbClr val="00B050"/>
+              </a:solidFill>
+              <a:latin typeface="Calibri" pitchFamily="34" charset="0"/>
+              <a:cs typeface="Calibri" pitchFamily="34" charset="0"/>
+              <a:sym typeface="Wingdings" pitchFamily="2" charset="2"/>
+            </a:endParaRPr>
+          </a:p>
+          <a:p>
+            <a:pPr marL="285750" indent="-285750" algn="just">
+              <a:buFont typeface="Arial" pitchFamily="34" charset="0"/>
+              <a:buChar char="•"/>
+            </a:pPr>
+            <a:endParaRPr lang="it-IT" dirty="0" smtClean="0">
+              <a:solidFill>
+                <a:srgbClr val="00B050"/>
+              </a:solidFill>
+              <a:latin typeface="Calibri" pitchFamily="34" charset="0"/>
+              <a:cs typeface="Calibri" pitchFamily="34" charset="0"/>
+              <a:sym typeface="Wingdings" pitchFamily="2" charset="2"/>
+            </a:endParaRPr>
+          </a:p>
+          <a:p>
+            <a:pPr marL="285750" indent="-285750" algn="just">
+              <a:buFont typeface="Arial" pitchFamily="34" charset="0"/>
+              <a:buChar char="•"/>
+            </a:pPr>
+            <a:endParaRPr lang="it-IT" dirty="0">
+              <a:solidFill>
+                <a:srgbClr val="00B050"/>
+              </a:solidFill>
+              <a:latin typeface="Calibri" pitchFamily="34" charset="0"/>
+              <a:cs typeface="Calibri" pitchFamily="34" charset="0"/>
+              <a:sym typeface="Wingdings" pitchFamily="2" charset="2"/>
+            </a:endParaRPr>
+          </a:p>
+          <a:p>
+            <a:pPr marL="285750" indent="-285750" algn="just">
+              <a:buFont typeface="Arial" pitchFamily="34" charset="0"/>
+              <a:buChar char="•"/>
+            </a:pPr>
+            <a:r>
+              <a:rPr lang="it-IT" dirty="0">
+                <a:latin typeface="Calibri" pitchFamily="34" charset="0"/>
+                <a:cs typeface="Calibri" pitchFamily="34" charset="0"/>
+                <a:sym typeface="Wingdings" pitchFamily="2" charset="2"/>
+              </a:rPr>
+              <a:t>p</a:t>
+            </a:r>
+            <a:r>
+              <a:rPr lang="it-IT" dirty="0" smtClean="0">
+                <a:latin typeface="Calibri" pitchFamily="34" charset="0"/>
+                <a:cs typeface="Calibri" pitchFamily="34" charset="0"/>
+                <a:sym typeface="Wingdings" pitchFamily="2" charset="2"/>
+              </a:rPr>
+              <a:t>er questo il </a:t>
+            </a:r>
+            <a:r>
+              <a:rPr lang="it-IT" b="1" i="1" dirty="0" err="1" smtClean="0">
+                <a:latin typeface="Calibri" pitchFamily="34" charset="0"/>
+                <a:cs typeface="Calibri" pitchFamily="34" charset="0"/>
+                <a:sym typeface="Wingdings" pitchFamily="2" charset="2"/>
+              </a:rPr>
+              <a:t>framework</a:t>
+            </a:r>
+            <a:r>
+              <a:rPr lang="it-IT" dirty="0" smtClean="0">
+                <a:latin typeface="Calibri" pitchFamily="34" charset="0"/>
+                <a:cs typeface="Calibri" pitchFamily="34" charset="0"/>
+                <a:sym typeface="Wingdings" pitchFamily="2" charset="2"/>
+              </a:rPr>
+              <a:t> implementato permette di specificare </a:t>
+            </a:r>
+          </a:p>
+          <a:p>
+            <a:pPr algn="just"/>
+            <a:r>
+              <a:rPr lang="it-IT" dirty="0">
+                <a:latin typeface="Calibri" pitchFamily="34" charset="0"/>
+                <a:cs typeface="Calibri" pitchFamily="34" charset="0"/>
+                <a:sym typeface="Wingdings" pitchFamily="2" charset="2"/>
+              </a:rPr>
+              <a:t> </a:t>
+            </a:r>
+            <a:r>
+              <a:rPr lang="it-IT" dirty="0" smtClean="0">
+                <a:latin typeface="Calibri" pitchFamily="34" charset="0"/>
+                <a:cs typeface="Calibri" pitchFamily="34" charset="0"/>
+                <a:sym typeface="Wingdings" pitchFamily="2" charset="2"/>
+              </a:rPr>
+              <a:t>    l’algoritmo da utilizzare in fase di </a:t>
+            </a:r>
+            <a:r>
+              <a:rPr lang="it-IT" b="1" i="1" dirty="0" err="1" smtClean="0">
+                <a:solidFill>
+                  <a:srgbClr val="C00000"/>
+                </a:solidFill>
+                <a:latin typeface="Calibri" pitchFamily="34" charset="0"/>
+                <a:cs typeface="Calibri" pitchFamily="34" charset="0"/>
+                <a:sym typeface="Wingdings" pitchFamily="2" charset="2"/>
+              </a:rPr>
+              <a:t>recommendation</a:t>
+            </a:r>
+            <a:r>
+              <a:rPr lang="it-IT" dirty="0" smtClean="0">
+                <a:latin typeface="Calibri" pitchFamily="34" charset="0"/>
+                <a:cs typeface="Calibri" pitchFamily="34" charset="0"/>
+                <a:sym typeface="Wingdings" pitchFamily="2" charset="2"/>
+              </a:rPr>
+              <a:t>.</a:t>
+            </a:r>
+          </a:p>
+          <a:p>
+            <a:pPr marL="285750" indent="-285750" algn="just">
+              <a:buFont typeface="Arial" pitchFamily="34" charset="0"/>
+              <a:buChar char="•"/>
+            </a:pPr>
+            <a:endParaRPr lang="it-IT" dirty="0">
+              <a:solidFill>
+                <a:srgbClr val="00B050"/>
+              </a:solidFill>
+              <a:latin typeface="Calibri" pitchFamily="34" charset="0"/>
+              <a:cs typeface="Calibri" pitchFamily="34" charset="0"/>
+            </a:endParaRPr>
+          </a:p>
+          <a:p>
+            <a:pPr marL="285750" indent="-285750">
+              <a:buFont typeface="Arial" pitchFamily="34" charset="0"/>
+              <a:buChar char="•"/>
+            </a:pPr>
+            <a:endParaRPr lang="it-IT" dirty="0" smtClean="0">
+              <a:solidFill>
+                <a:srgbClr val="00B050"/>
+              </a:solidFill>
+              <a:latin typeface="Calibri" pitchFamily="34" charset="0"/>
+              <a:cs typeface="Calibri" pitchFamily="34" charset="0"/>
+            </a:endParaRPr>
+          </a:p>
+          <a:p>
+            <a:pPr marL="285750" indent="-285750">
+              <a:buFont typeface="Arial" pitchFamily="34" charset="0"/>
+              <a:buChar char="•"/>
+            </a:pPr>
+            <a:endParaRPr lang="it-IT" dirty="0">
+              <a:latin typeface="Calibri" pitchFamily="34" charset="0"/>
+              <a:cs typeface="Calibri" pitchFamily="34" charset="0"/>
+            </a:endParaRPr>
+          </a:p>
+        </p:txBody>
+      </p:sp>
+    </p:spTree>
+    <p:extLst>
+      <p:ext uri="{BB962C8B-B14F-4D97-AF65-F5344CB8AC3E}">
+        <p14:creationId xmlns:p14="http://schemas.microsoft.com/office/powerpoint/2010/main" val="2337223351"/>
+      </p:ext>
+    </p:extLst>
+  </p:cSld>
+  <p:clrMapOvr>
+    <a:masterClrMapping/>
+  </p:clrMapOvr>
+  <p:timing>
+    <p:tnLst>
+      <p:par>
+        <p:cTn id="1" dur="indefinite" restart="never" nodeType="tmRoot"/>
+      </p:par>
+    </p:tnLst>
+  </p:timing>
+</p:sld>
+</file>
+
+<file path=ppt/slides/slide35.xml><?xml version="1.0" encoding="utf-8"?>
+<p:sld xmlns:a="http://schemas.openxmlformats.org/drawingml/2006/main" xmlns:r="http://schemas.openxmlformats.org/officeDocument/2006/relationships" xmlns:p="http://schemas.openxmlformats.org/presentationml/2006/main">
+  <p:cSld>
+    <p:spTree>
+      <p:nvGrpSpPr>
+        <p:cNvPr id="1" name=""/>
+        <p:cNvGrpSpPr/>
+        <p:nvPr/>
+      </p:nvGrpSpPr>
+      <p:grpSpPr>
+        <a:xfrm>
+          <a:off x="0" y="0"/>
+          <a:ext cx="0" cy="0"/>
+          <a:chOff x="0" y="0"/>
+          <a:chExt cx="0" cy="0"/>
+        </a:xfrm>
+      </p:grpSpPr>
+      <p:sp>
+        <p:nvSpPr>
+          <p:cNvPr id="5" name="Title 3">
+            <a:extLst>
+              <a:ext uri="{FF2B5EF4-FFF2-40B4-BE49-F238E27FC236}">
+                <a16:creationId xmlns:a16="http://schemas.microsoft.com/office/drawing/2014/main" xmlns="" id="{189ECF77-714F-4D2C-9D4B-CC43534EF427}"/>
+              </a:ext>
+            </a:extLst>
+          </p:cNvPr>
+          <p:cNvSpPr>
+            <a:spLocks noGrp="1"/>
+          </p:cNvSpPr>
+          <p:nvPr>
+            <p:ph type="title"/>
+          </p:nvPr>
+        </p:nvSpPr>
+        <p:spPr>
+          <a:xfrm>
+            <a:off x="0" y="21787"/>
+            <a:ext cx="9144000" cy="1069514"/>
+          </a:xfrm>
+        </p:spPr>
+        <p:txBody>
+          <a:bodyPr>
+            <a:scene3d>
+              <a:camera prst="orthographicFront"/>
+              <a:lightRig rig="threePt" dir="t"/>
+            </a:scene3d>
+            <a:sp3d extrusionH="57150">
+              <a:bevelT w="82550" h="38100" prst="coolSlant"/>
+            </a:sp3d>
+          </a:bodyPr>
+          <a:lstStyle/>
+          <a:p>
+            <a:pPr algn="ctr"/>
+            <a:r>
+              <a:rPr lang="en-US" altLang="ko-KR" dirty="0" err="1" smtClean="0">
+                <a:solidFill>
+                  <a:schemeClr val="accent5">
+                    <a:lumMod val="75000"/>
+                  </a:schemeClr>
+                </a:solidFill>
+              </a:rPr>
+              <a:t>Sviluppi</a:t>
+            </a:r>
+            <a:r>
+              <a:rPr lang="en-US" altLang="ko-KR" dirty="0" smtClean="0">
+                <a:solidFill>
+                  <a:schemeClr val="accent5">
+                    <a:lumMod val="75000"/>
+                  </a:schemeClr>
+                </a:solidFill>
+              </a:rPr>
+              <a:t> </a:t>
+            </a:r>
+            <a:r>
+              <a:rPr lang="en-US" altLang="ko-KR" dirty="0" err="1" smtClean="0">
+                <a:solidFill>
+                  <a:schemeClr val="accent5">
+                    <a:lumMod val="75000"/>
+                  </a:schemeClr>
+                </a:solidFill>
+              </a:rPr>
+              <a:t>futuri</a:t>
+            </a:r>
+            <a:endParaRPr lang="ko-KR" altLang="en-US" dirty="0">
+              <a:solidFill>
+                <a:schemeClr val="accent5">
+                  <a:lumMod val="75000"/>
+                </a:schemeClr>
+              </a:solidFill>
+            </a:endParaRPr>
+          </a:p>
+        </p:txBody>
+      </p:sp>
+      <mc:AlternateContent xmlns:mc="http://schemas.openxmlformats.org/markup-compatibility/2006">
+        <mc:Choice xmlns:a14="http://schemas.microsoft.com/office/drawing/2010/main" Requires="a14">
+          <p:sp>
+            <p:nvSpPr>
+              <p:cNvPr id="3" name="Rettangolo 2">
+                <a:extLst>
+                  <a:ext uri="{FF2B5EF4-FFF2-40B4-BE49-F238E27FC236}">
+                    <a16:creationId xmlns:a16="http://schemas.microsoft.com/office/drawing/2014/main" xmlns="" id="{E905DEB8-2BFA-41BE-9967-84ECE44648DF}"/>
+                  </a:ext>
+                </a:extLst>
+              </p:cNvPr>
+              <p:cNvSpPr/>
+              <p:nvPr/>
+            </p:nvSpPr>
+            <p:spPr>
+              <a:xfrm>
+                <a:off x="1619672" y="1628800"/>
+                <a:ext cx="7524328" cy="3970318"/>
+              </a:xfrm>
+              <a:prstGeom prst="rect">
+                <a:avLst/>
+              </a:prstGeom>
+            </p:spPr>
+            <p:txBody>
+              <a:bodyPr wrap="square">
+                <a:spAutoFit/>
+              </a:bodyPr>
+              <a:lstStyle/>
+              <a:p>
+                <a:pPr marL="285750" indent="-285750" algn="just">
+                  <a:buFont typeface="Arial" panose="020B0604020202020204" pitchFamily="34" charset="0"/>
+                  <a:buChar char="•"/>
+                </a:pPr>
+                <a:r>
+                  <a:rPr lang="it-IT" dirty="0" smtClean="0">
+                    <a:latin typeface="Calibri" panose="020F0502020204030204" pitchFamily="34" charset="0"/>
+                    <a:cs typeface="Calibri" panose="020F0502020204030204" pitchFamily="34" charset="0"/>
+                    <a:sym typeface="Wingdings" panose="05000000000000000000" pitchFamily="2" charset="2"/>
+                  </a:rPr>
+                  <a:t>Introdurre la </a:t>
+                </a:r>
+                <a:r>
+                  <a:rPr lang="it-IT" b="1" i="1" u="sng" dirty="0" smtClean="0">
+                    <a:solidFill>
+                      <a:srgbClr val="C00000"/>
+                    </a:solidFill>
+                    <a:latin typeface="Calibri" panose="020F0502020204030204" pitchFamily="34" charset="0"/>
+                    <a:cs typeface="Calibri" panose="020F0502020204030204" pitchFamily="34" charset="0"/>
+                    <a:sym typeface="Wingdings" panose="05000000000000000000" pitchFamily="2" charset="2"/>
+                  </a:rPr>
+                  <a:t>probabilità di accettazione </a:t>
+                </a:r>
+                <a:r>
+                  <a:rPr lang="it-IT" dirty="0" smtClean="0">
+                    <a:latin typeface="Calibri" panose="020F0502020204030204" pitchFamily="34" charset="0"/>
+                    <a:cs typeface="Calibri" panose="020F0502020204030204" pitchFamily="34" charset="0"/>
+                    <a:sym typeface="Wingdings" panose="05000000000000000000" pitchFamily="2" charset="2"/>
+                  </a:rPr>
+                  <a:t>degli archi proposti:</a:t>
+                </a:r>
+              </a:p>
+              <a:p>
+                <a:pPr marL="285750" indent="-285750" algn="just">
+                  <a:buFont typeface="Arial" panose="020B0604020202020204" pitchFamily="34" charset="0"/>
+                  <a:buChar char="•"/>
+                </a:pPr>
+                <a:endParaRPr lang="it-IT" dirty="0" smtClean="0">
+                  <a:latin typeface="Calibri" panose="020F0502020204030204" pitchFamily="34" charset="0"/>
+                  <a:cs typeface="Calibri" panose="020F0502020204030204" pitchFamily="34" charset="0"/>
+                  <a:sym typeface="Wingdings" panose="05000000000000000000" pitchFamily="2" charset="2"/>
+                </a:endParaRPr>
+              </a:p>
+              <a:p>
+                <a:pPr marL="742950" lvl="1" indent="-285750" algn="just">
+                  <a:buFont typeface="Arial" pitchFamily="34" charset="0"/>
+                  <a:buChar char="•"/>
+                </a:pPr>
+                <a:r>
+                  <a:rPr lang="it-IT" dirty="0" smtClean="0">
+                    <a:latin typeface="Calibri" panose="020F0502020204030204" pitchFamily="34" charset="0"/>
+                    <a:cs typeface="Calibri" panose="020F0502020204030204" pitchFamily="34" charset="0"/>
+                    <a:sym typeface="Wingdings" panose="05000000000000000000" pitchFamily="2" charset="2"/>
+                  </a:rPr>
+                  <a:t>non sempre gli utenti approvano mediante </a:t>
+                </a:r>
+                <a:r>
+                  <a:rPr lang="it-IT" i="1" dirty="0" err="1" smtClean="0">
+                    <a:latin typeface="Calibri" panose="020F0502020204030204" pitchFamily="34" charset="0"/>
+                    <a:cs typeface="Calibri" panose="020F0502020204030204" pitchFamily="34" charset="0"/>
+                    <a:sym typeface="Wingdings" panose="05000000000000000000" pitchFamily="2" charset="2"/>
+                  </a:rPr>
+                  <a:t>retweet</a:t>
+                </a:r>
+                <a:r>
+                  <a:rPr lang="it-IT" dirty="0" smtClean="0">
+                    <a:latin typeface="Calibri" panose="020F0502020204030204" pitchFamily="34" charset="0"/>
+                    <a:cs typeface="Calibri" panose="020F0502020204030204" pitchFamily="34" charset="0"/>
+                    <a:sym typeface="Wingdings" panose="05000000000000000000" pitchFamily="2" charset="2"/>
+                  </a:rPr>
+                  <a:t> contenuti</a:t>
+                </a:r>
+              </a:p>
+              <a:p>
+                <a:pPr lvl="1" algn="just"/>
+                <a:r>
+                  <a:rPr lang="it-IT" dirty="0" smtClean="0">
+                    <a:latin typeface="Calibri" panose="020F0502020204030204" pitchFamily="34" charset="0"/>
+                    <a:cs typeface="Calibri" panose="020F0502020204030204" pitchFamily="34" charset="0"/>
+                    <a:sym typeface="Wingdings" panose="05000000000000000000" pitchFamily="2" charset="2"/>
+                  </a:rPr>
+                  <a:t>     che esprimono opinioni opposte alle proprie;</a:t>
+                </a:r>
+              </a:p>
+              <a:p>
+                <a:pPr marL="742950" lvl="1" indent="-285750" algn="just">
+                  <a:buFont typeface="Arial" pitchFamily="34" charset="0"/>
+                  <a:buChar char="•"/>
+                </a:pPr>
+                <a:endParaRPr lang="it-IT" dirty="0">
+                  <a:latin typeface="Calibri" panose="020F0502020204030204" pitchFamily="34" charset="0"/>
+                  <a:cs typeface="Calibri" panose="020F0502020204030204" pitchFamily="34" charset="0"/>
+                  <a:sym typeface="Wingdings" panose="05000000000000000000" pitchFamily="2" charset="2"/>
+                </a:endParaRPr>
+              </a:p>
+              <a:p>
+                <a:pPr marL="742950" lvl="1" indent="-285750" algn="just">
+                  <a:buFont typeface="Arial" pitchFamily="34" charset="0"/>
+                  <a:buChar char="•"/>
+                </a:pPr>
+                <a:r>
+                  <a:rPr lang="it-IT" dirty="0" smtClean="0">
+                    <a:latin typeface="Calibri" panose="020F0502020204030204" pitchFamily="34" charset="0"/>
+                    <a:cs typeface="Calibri" panose="020F0502020204030204" pitchFamily="34" charset="0"/>
+                    <a:sym typeface="Wingdings" panose="05000000000000000000" pitchFamily="2" charset="2"/>
+                  </a:rPr>
+                  <a:t>calcolare tale probabilità mediante un </a:t>
+                </a:r>
+                <a:r>
+                  <a:rPr lang="it-IT" b="1" dirty="0" smtClean="0">
+                    <a:latin typeface="Calibri" panose="020F0502020204030204" pitchFamily="34" charset="0"/>
+                    <a:cs typeface="Calibri" panose="020F0502020204030204" pitchFamily="34" charset="0"/>
+                    <a:sym typeface="Wingdings" panose="05000000000000000000" pitchFamily="2" charset="2"/>
+                  </a:rPr>
+                  <a:t>opportuno</a:t>
+                </a:r>
+                <a:r>
+                  <a:rPr lang="it-IT" dirty="0" smtClean="0">
+                    <a:latin typeface="Calibri" panose="020F0502020204030204" pitchFamily="34" charset="0"/>
+                    <a:cs typeface="Calibri" panose="020F0502020204030204" pitchFamily="34" charset="0"/>
+                    <a:sym typeface="Wingdings" panose="05000000000000000000" pitchFamily="2" charset="2"/>
+                  </a:rPr>
+                  <a:t> </a:t>
+                </a:r>
+                <a:r>
+                  <a:rPr lang="it-IT" b="1" i="1" u="sng" dirty="0" smtClean="0">
+                    <a:latin typeface="Calibri" panose="020F0502020204030204" pitchFamily="34" charset="0"/>
+                    <a:cs typeface="Calibri" panose="020F0502020204030204" pitchFamily="34" charset="0"/>
+                    <a:sym typeface="Wingdings" panose="05000000000000000000" pitchFamily="2" charset="2"/>
+                  </a:rPr>
+                  <a:t>link </a:t>
+                </a:r>
+                <a:r>
+                  <a:rPr lang="it-IT" b="1" i="1" u="sng" dirty="0" err="1" smtClean="0">
+                    <a:latin typeface="Calibri" panose="020F0502020204030204" pitchFamily="34" charset="0"/>
+                    <a:cs typeface="Calibri" panose="020F0502020204030204" pitchFamily="34" charset="0"/>
+                    <a:sym typeface="Wingdings" panose="05000000000000000000" pitchFamily="2" charset="2"/>
+                  </a:rPr>
+                  <a:t>predictor</a:t>
+                </a:r>
+                <a:r>
+                  <a:rPr lang="it-IT" dirty="0">
+                    <a:latin typeface="Calibri" panose="020F0502020204030204" pitchFamily="34" charset="0"/>
+                    <a:cs typeface="Calibri" panose="020F0502020204030204" pitchFamily="34" charset="0"/>
+                    <a:sym typeface="Wingdings" panose="05000000000000000000" pitchFamily="2" charset="2"/>
+                  </a:rPr>
+                  <a:t>.</a:t>
+                </a:r>
+                <a:endParaRPr lang="it-IT" dirty="0" smtClean="0">
+                  <a:latin typeface="Calibri" panose="020F0502020204030204" pitchFamily="34" charset="0"/>
+                  <a:cs typeface="Calibri" panose="020F0502020204030204" pitchFamily="34" charset="0"/>
+                  <a:sym typeface="Wingdings" panose="05000000000000000000" pitchFamily="2" charset="2"/>
+                </a:endParaRPr>
+              </a:p>
+              <a:p>
+                <a:pPr lvl="1" algn="just"/>
+                <a:endParaRPr lang="it-IT" dirty="0" smtClean="0">
+                  <a:latin typeface="Calibri" panose="020F0502020204030204" pitchFamily="34" charset="0"/>
+                  <a:cs typeface="Calibri" panose="020F0502020204030204" pitchFamily="34" charset="0"/>
+                  <a:sym typeface="Wingdings" panose="05000000000000000000" pitchFamily="2" charset="2"/>
+                </a:endParaRPr>
+              </a:p>
+              <a:p>
+                <a:pPr marL="285750" indent="-285750" algn="just">
+                  <a:buFont typeface="Arial" panose="020B0604020202020204" pitchFamily="34" charset="0"/>
+                  <a:buChar char="•"/>
+                </a:pPr>
+                <a:r>
+                  <a:rPr lang="it-IT" dirty="0" smtClean="0">
+                    <a:latin typeface="Calibri" panose="020F0502020204030204" pitchFamily="34" charset="0"/>
+                    <a:cs typeface="Calibri" panose="020F0502020204030204" pitchFamily="34" charset="0"/>
+                    <a:sym typeface="Wingdings" panose="05000000000000000000" pitchFamily="2" charset="2"/>
+                  </a:rPr>
+                  <a:t>Gli algoritmi di </a:t>
+                </a:r>
+                <a:r>
+                  <a:rPr lang="it-IT" b="1" i="1" dirty="0" err="1" smtClean="0">
+                    <a:solidFill>
+                      <a:srgbClr val="C00000"/>
+                    </a:solidFill>
+                    <a:latin typeface="Calibri" panose="020F0502020204030204" pitchFamily="34" charset="0"/>
+                    <a:cs typeface="Calibri" panose="020F0502020204030204" pitchFamily="34" charset="0"/>
+                    <a:sym typeface="Wingdings" panose="05000000000000000000" pitchFamily="2" charset="2"/>
+                  </a:rPr>
+                  <a:t>recommendation</a:t>
+                </a:r>
+                <a:r>
+                  <a:rPr lang="it-IT" dirty="0" smtClean="0">
+                    <a:solidFill>
+                      <a:srgbClr val="C00000"/>
+                    </a:solidFill>
+                    <a:latin typeface="Calibri" panose="020F0502020204030204" pitchFamily="34" charset="0"/>
+                    <a:cs typeface="Calibri" panose="020F0502020204030204" pitchFamily="34" charset="0"/>
+                    <a:sym typeface="Wingdings" panose="05000000000000000000" pitchFamily="2" charset="2"/>
+                  </a:rPr>
+                  <a:t> </a:t>
+                </a:r>
+                <a:r>
+                  <a:rPr lang="it-IT" dirty="0" smtClean="0">
+                    <a:latin typeface="Calibri" panose="020F0502020204030204" pitchFamily="34" charset="0"/>
+                    <a:cs typeface="Calibri" panose="020F0502020204030204" pitchFamily="34" charset="0"/>
+                    <a:sym typeface="Wingdings" panose="05000000000000000000" pitchFamily="2" charset="2"/>
+                  </a:rPr>
+                  <a:t>sceglierebbero i </a:t>
+                </a:r>
+                <a:r>
+                  <a:rPr lang="it-IT" b="1" i="1" dirty="0" smtClean="0">
+                    <a:latin typeface="Calibri" panose="020F0502020204030204" pitchFamily="34" charset="0"/>
+                    <a:cs typeface="Calibri" panose="020F0502020204030204" pitchFamily="34" charset="0"/>
+                    <a:sym typeface="Wingdings" panose="05000000000000000000" pitchFamily="2" charset="2"/>
+                  </a:rPr>
+                  <a:t>k</a:t>
+                </a:r>
+                <a:r>
+                  <a:rPr lang="it-IT" dirty="0" smtClean="0">
+                    <a:latin typeface="Calibri" panose="020F0502020204030204" pitchFamily="34" charset="0"/>
+                    <a:cs typeface="Calibri" panose="020F0502020204030204" pitchFamily="34" charset="0"/>
+                    <a:sym typeface="Wingdings" panose="05000000000000000000" pitchFamily="2" charset="2"/>
+                  </a:rPr>
+                  <a:t> archi in funzione</a:t>
+                </a:r>
+              </a:p>
+              <a:p>
+                <a:pPr algn="just"/>
+                <a:r>
+                  <a:rPr lang="it-IT" dirty="0">
+                    <a:latin typeface="Calibri" panose="020F0502020204030204" pitchFamily="34" charset="0"/>
+                    <a:cs typeface="Calibri" panose="020F0502020204030204" pitchFamily="34" charset="0"/>
+                    <a:sym typeface="Wingdings" panose="05000000000000000000" pitchFamily="2" charset="2"/>
+                  </a:rPr>
+                  <a:t> </a:t>
+                </a:r>
+                <a:r>
+                  <a:rPr lang="it-IT" dirty="0" smtClean="0">
+                    <a:latin typeface="Calibri" panose="020F0502020204030204" pitchFamily="34" charset="0"/>
+                    <a:cs typeface="Calibri" panose="020F0502020204030204" pitchFamily="34" charset="0"/>
+                    <a:sym typeface="Wingdings" panose="05000000000000000000" pitchFamily="2" charset="2"/>
+                  </a:rPr>
+                  <a:t>     del decremento dell’</a:t>
+                </a:r>
+                <a:r>
+                  <a:rPr lang="it-IT" b="1" i="1" dirty="0" smtClean="0">
+                    <a:solidFill>
+                      <a:srgbClr val="00B050"/>
+                    </a:solidFill>
+                    <a:latin typeface="Calibri" panose="020F0502020204030204" pitchFamily="34" charset="0"/>
+                    <a:cs typeface="Calibri" panose="020F0502020204030204" pitchFamily="34" charset="0"/>
+                    <a:sym typeface="Wingdings" panose="05000000000000000000" pitchFamily="2" charset="2"/>
+                  </a:rPr>
+                  <a:t>RWC</a:t>
+                </a:r>
+                <a:r>
+                  <a:rPr lang="it-IT" dirty="0" smtClean="0">
+                    <a:latin typeface="Calibri" panose="020F0502020204030204" pitchFamily="34" charset="0"/>
+                    <a:cs typeface="Calibri" panose="020F0502020204030204" pitchFamily="34" charset="0"/>
+                    <a:sym typeface="Wingdings" panose="05000000000000000000" pitchFamily="2" charset="2"/>
+                  </a:rPr>
+                  <a:t> </a:t>
+                </a:r>
+                <a:r>
+                  <a:rPr lang="it-IT" u="sng" dirty="0" smtClean="0">
+                    <a:latin typeface="Calibri" panose="020F0502020204030204" pitchFamily="34" charset="0"/>
+                    <a:cs typeface="Calibri" panose="020F0502020204030204" pitchFamily="34" charset="0"/>
+                    <a:sym typeface="Wingdings" panose="05000000000000000000" pitchFamily="2" charset="2"/>
+                  </a:rPr>
+                  <a:t>atteso</a:t>
+                </a:r>
+                <a:r>
+                  <a:rPr lang="it-IT" dirty="0" smtClean="0">
+                    <a:latin typeface="Calibri" panose="020F0502020204030204" pitchFamily="34" charset="0"/>
+                    <a:cs typeface="Calibri" panose="020F0502020204030204" pitchFamily="34" charset="0"/>
+                    <a:sym typeface="Wingdings" panose="05000000000000000000" pitchFamily="2" charset="2"/>
+                  </a:rPr>
+                  <a:t> associato ad ognuno di essi, ossia:</a:t>
+                </a:r>
+                <a:endParaRPr lang="it-IT" dirty="0" smtClean="0">
+                  <a:latin typeface="Calibri" panose="020F0502020204030204" pitchFamily="34" charset="0"/>
+                  <a:cs typeface="Calibri" panose="020F0502020204030204" pitchFamily="34" charset="0"/>
+                  <a:sym typeface="Wingdings" panose="05000000000000000000" pitchFamily="2" charset="2"/>
+                </a:endParaRPr>
+              </a:p>
+              <a:p>
+                <a:endParaRPr lang="it-IT" b="1" i="1" dirty="0" smtClean="0">
+                  <a:latin typeface="Calibri" panose="020F0502020204030204" pitchFamily="34" charset="0"/>
+                  <a:cs typeface="Calibri" panose="020F0502020204030204" pitchFamily="34" charset="0"/>
+                  <a:sym typeface="Wingdings" panose="05000000000000000000" pitchFamily="2" charset="2"/>
+                </a:endParaRPr>
+              </a:p>
+              <a:p>
+                <a:pPr algn="ctr"/>
+                <a14:m>
+                  <m:oMathPara xmlns:m="http://schemas.openxmlformats.org/officeDocument/2006/math">
+                    <m:oMathParaPr>
+                      <m:jc m:val="centerGroup"/>
+                    </m:oMathParaPr>
+                    <m:oMath xmlns:m="http://schemas.openxmlformats.org/officeDocument/2006/math">
+                      <m:r>
+                        <a:rPr lang="it-IT" b="0" i="1" smtClean="0">
+                          <a:latin typeface="Cambria Math"/>
+                          <a:cs typeface="Calibri" panose="020F0502020204030204" pitchFamily="34" charset="0"/>
+                          <a:sym typeface="Wingdings" panose="05000000000000000000" pitchFamily="2" charset="2"/>
+                        </a:rPr>
+                        <m:t>𝐸</m:t>
+                      </m:r>
+                      <m:d>
+                        <m:dPr>
+                          <m:ctrlPr>
+                            <a:rPr lang="it-IT" i="1" smtClean="0">
+                              <a:latin typeface="Cambria Math"/>
+                              <a:cs typeface="Calibri" panose="020F0502020204030204" pitchFamily="34" charset="0"/>
+                              <a:sym typeface="Wingdings" panose="05000000000000000000" pitchFamily="2" charset="2"/>
+                            </a:rPr>
+                          </m:ctrlPr>
+                        </m:dPr>
+                        <m:e>
+                          <m:sSub>
+                            <m:sSubPr>
+                              <m:ctrlPr>
+                                <a:rPr lang="it-IT" i="1" smtClean="0">
+                                  <a:latin typeface="Cambria Math"/>
+                                  <a:cs typeface="Calibri" panose="020F0502020204030204" pitchFamily="34" charset="0"/>
+                                  <a:sym typeface="Wingdings" panose="05000000000000000000" pitchFamily="2" charset="2"/>
+                                </a:rPr>
+                              </m:ctrlPr>
+                            </m:sSubPr>
+                            <m:e>
+                              <m:r>
+                                <a:rPr lang="it-IT" b="0" i="1">
+                                  <a:latin typeface="Cambria Math"/>
+                                  <a:ea typeface="Cambria Math"/>
+                                  <a:cs typeface="Calibri" panose="020F0502020204030204" pitchFamily="34" charset="0"/>
+                                  <a:sym typeface="Wingdings" panose="05000000000000000000" pitchFamily="2" charset="2"/>
+                                </a:rPr>
+                                <m:t>𝛿</m:t>
+                              </m:r>
+                              <m:r>
+                                <a:rPr lang="it-IT" b="0" i="1">
+                                  <a:latin typeface="Cambria Math"/>
+                                  <a:ea typeface="Cambria Math"/>
+                                  <a:cs typeface="Calibri" panose="020F0502020204030204" pitchFamily="34" charset="0"/>
+                                  <a:sym typeface="Wingdings" panose="05000000000000000000" pitchFamily="2" charset="2"/>
+                                </a:rPr>
+                                <m:t>𝑅𝑊𝐶</m:t>
+                              </m:r>
+                            </m:e>
+                            <m:sub>
+                              <m:r>
+                                <a:rPr lang="it-IT" b="0" i="1" smtClean="0">
+                                  <a:latin typeface="Cambria Math"/>
+                                  <a:cs typeface="Calibri" panose="020F0502020204030204" pitchFamily="34" charset="0"/>
+                                  <a:sym typeface="Wingdings" panose="05000000000000000000" pitchFamily="2" charset="2"/>
+                                </a:rPr>
+                                <m:t>𝑒</m:t>
+                              </m:r>
+                            </m:sub>
+                          </m:sSub>
+                        </m:e>
+                      </m:d>
+                      <m:r>
+                        <a:rPr lang="it-IT" b="0" i="1" smtClean="0">
+                          <a:latin typeface="Cambria Math"/>
+                          <a:cs typeface="Calibri" panose="020F0502020204030204" pitchFamily="34" charset="0"/>
+                          <a:sym typeface="Wingdings" panose="05000000000000000000" pitchFamily="2" charset="2"/>
+                        </a:rPr>
+                        <m:t>= </m:t>
+                      </m:r>
+                      <m:sSub>
+                        <m:sSubPr>
+                          <m:ctrlPr>
+                            <a:rPr lang="it-IT" i="1" smtClean="0">
+                              <a:latin typeface="Cambria Math"/>
+                              <a:cs typeface="Calibri" panose="020F0502020204030204" pitchFamily="34" charset="0"/>
+                              <a:sym typeface="Wingdings" panose="05000000000000000000" pitchFamily="2" charset="2"/>
+                            </a:rPr>
+                          </m:ctrlPr>
+                        </m:sSubPr>
+                        <m:e>
+                          <m:r>
+                            <a:rPr lang="it-IT" b="0" i="1" smtClean="0">
+                              <a:latin typeface="Cambria Math"/>
+                              <a:cs typeface="Calibri" panose="020F0502020204030204" pitchFamily="34" charset="0"/>
+                              <a:sym typeface="Wingdings" panose="05000000000000000000" pitchFamily="2" charset="2"/>
+                            </a:rPr>
+                            <m:t>𝑝</m:t>
+                          </m:r>
+                        </m:e>
+                        <m:sub>
+                          <m:r>
+                            <a:rPr lang="it-IT" b="0" i="1" smtClean="0">
+                              <a:latin typeface="Cambria Math"/>
+                              <a:cs typeface="Calibri" panose="020F0502020204030204" pitchFamily="34" charset="0"/>
+                              <a:sym typeface="Wingdings" panose="05000000000000000000" pitchFamily="2" charset="2"/>
+                            </a:rPr>
+                            <m:t>𝑒</m:t>
+                          </m:r>
+                        </m:sub>
+                      </m:sSub>
+                      <m:r>
+                        <a:rPr lang="it-IT" b="0" i="1">
+                          <a:latin typeface="Cambria Math"/>
+                          <a:ea typeface="Cambria Math"/>
+                          <a:cs typeface="Calibri" panose="020F0502020204030204" pitchFamily="34" charset="0"/>
+                          <a:sym typeface="Wingdings" panose="05000000000000000000" pitchFamily="2" charset="2"/>
+                        </a:rPr>
+                        <m:t>×</m:t>
+                      </m:r>
+                      <m:sSub>
+                        <m:sSubPr>
+                          <m:ctrlPr>
+                            <a:rPr lang="it-IT" i="1" smtClean="0">
+                              <a:latin typeface="Cambria Math"/>
+                              <a:ea typeface="Cambria Math"/>
+                              <a:cs typeface="Calibri" panose="020F0502020204030204" pitchFamily="34" charset="0"/>
+                              <a:sym typeface="Wingdings" panose="05000000000000000000" pitchFamily="2" charset="2"/>
+                            </a:rPr>
+                          </m:ctrlPr>
+                        </m:sSubPr>
+                        <m:e>
+                          <m:r>
+                            <a:rPr lang="it-IT" b="0" i="1">
+                              <a:latin typeface="Cambria Math"/>
+                              <a:ea typeface="Cambria Math"/>
+                              <a:cs typeface="Calibri" panose="020F0502020204030204" pitchFamily="34" charset="0"/>
+                              <a:sym typeface="Wingdings" panose="05000000000000000000" pitchFamily="2" charset="2"/>
+                            </a:rPr>
+                            <m:t>𝛿</m:t>
+                          </m:r>
+                          <m:r>
+                            <a:rPr lang="it-IT" b="0" i="1">
+                              <a:latin typeface="Cambria Math"/>
+                              <a:ea typeface="Cambria Math"/>
+                              <a:cs typeface="Calibri" panose="020F0502020204030204" pitchFamily="34" charset="0"/>
+                              <a:sym typeface="Wingdings" panose="05000000000000000000" pitchFamily="2" charset="2"/>
+                            </a:rPr>
+                            <m:t>𝑅𝑊𝐶</m:t>
+                          </m:r>
+                        </m:e>
+                        <m:sub>
+                          <m:r>
+                            <a:rPr lang="it-IT" b="0" i="1" smtClean="0">
+                              <a:latin typeface="Cambria Math"/>
+                              <a:ea typeface="Cambria Math"/>
+                              <a:cs typeface="Calibri" panose="020F0502020204030204" pitchFamily="34" charset="0"/>
+                              <a:sym typeface="Wingdings" panose="05000000000000000000" pitchFamily="2" charset="2"/>
+                            </a:rPr>
+                            <m:t>𝑒</m:t>
+                          </m:r>
+                        </m:sub>
+                      </m:sSub>
+                    </m:oMath>
+                  </m:oMathPara>
+                </a14:m>
+                <a:endParaRPr lang="it-IT" i="1" dirty="0" smtClean="0">
+                  <a:latin typeface="Calibri" panose="020F0502020204030204" pitchFamily="34" charset="0"/>
+                  <a:cs typeface="Calibri" panose="020F0502020204030204" pitchFamily="34" charset="0"/>
+                  <a:sym typeface="Wingdings" panose="05000000000000000000" pitchFamily="2" charset="2"/>
+                </a:endParaRPr>
+              </a:p>
+              <a:p>
+                <a:pPr algn="ctr"/>
+                <a:endParaRPr lang="it-IT" i="1" dirty="0">
+                  <a:latin typeface="Calibri" panose="020F0502020204030204" pitchFamily="34" charset="0"/>
+                  <a:cs typeface="Calibri" panose="020F0502020204030204" pitchFamily="34" charset="0"/>
+                  <a:sym typeface="Wingdings" panose="05000000000000000000" pitchFamily="2" charset="2"/>
+                </a:endParaRPr>
+              </a:p>
+              <a:p>
+                <a:pPr marL="285750" indent="-285750" algn="just">
+                  <a:buFont typeface="Arial" pitchFamily="34" charset="0"/>
+                  <a:buChar char="•"/>
+                </a:pPr>
+                <a:r>
+                  <a:rPr lang="it-IT" dirty="0" smtClean="0">
+                    <a:latin typeface="Calibri" panose="020F0502020204030204" pitchFamily="34" charset="0"/>
+                    <a:cs typeface="Calibri" panose="020F0502020204030204" pitchFamily="34" charset="0"/>
+                    <a:sym typeface="Wingdings" panose="05000000000000000000" pitchFamily="2" charset="2"/>
+                  </a:rPr>
+                  <a:t>Sarebbe possibile filtrare gli archi con </a:t>
+                </a:r>
+                <a:r>
+                  <a:rPr lang="it-IT" b="1" i="1" dirty="0" smtClean="0">
+                    <a:solidFill>
+                      <a:srgbClr val="00B050"/>
+                    </a:solidFill>
+                    <a:latin typeface="Calibri" panose="020F0502020204030204" pitchFamily="34" charset="0"/>
+                    <a:cs typeface="Calibri" panose="020F0502020204030204" pitchFamily="34" charset="0"/>
+                    <a:sym typeface="Symbol"/>
+                  </a:rPr>
+                  <a:t>RWC </a:t>
+                </a:r>
+                <a:r>
+                  <a:rPr lang="it-IT" b="1" dirty="0" smtClean="0">
+                    <a:latin typeface="Calibri" panose="020F0502020204030204" pitchFamily="34" charset="0"/>
+                    <a:cs typeface="Calibri" panose="020F0502020204030204" pitchFamily="34" charset="0"/>
+                    <a:sym typeface="Symbol"/>
+                  </a:rPr>
+                  <a:t>alto</a:t>
+                </a:r>
+                <a:r>
+                  <a:rPr lang="it-IT" dirty="0" smtClean="0">
+                    <a:latin typeface="Calibri" panose="020F0502020204030204" pitchFamily="34" charset="0"/>
+                    <a:cs typeface="Calibri" panose="020F0502020204030204" pitchFamily="34" charset="0"/>
+                    <a:sym typeface="Symbol"/>
+                  </a:rPr>
+                  <a:t> ma </a:t>
+                </a:r>
+                <a:r>
+                  <a:rPr lang="it-IT" b="1" dirty="0" smtClean="0">
+                    <a:latin typeface="Calibri" panose="020F0502020204030204" pitchFamily="34" charset="0"/>
+                    <a:cs typeface="Calibri" panose="020F0502020204030204" pitchFamily="34" charset="0"/>
+                    <a:sym typeface="Symbol"/>
+                  </a:rPr>
+                  <a:t>bassa</a:t>
+                </a:r>
+                <a:r>
+                  <a:rPr lang="it-IT" dirty="0" smtClean="0">
+                    <a:latin typeface="Calibri" panose="020F0502020204030204" pitchFamily="34" charset="0"/>
+                    <a:cs typeface="Calibri" panose="020F0502020204030204" pitchFamily="34" charset="0"/>
+                    <a:sym typeface="Symbol"/>
+                  </a:rPr>
+                  <a:t> </a:t>
+                </a:r>
+                <a:r>
+                  <a:rPr lang="it-IT" b="1" i="1" u="sng" dirty="0" smtClean="0">
+                    <a:solidFill>
+                      <a:srgbClr val="C00000"/>
+                    </a:solidFill>
+                    <a:latin typeface="Calibri" panose="020F0502020204030204" pitchFamily="34" charset="0"/>
+                    <a:cs typeface="Calibri" panose="020F0502020204030204" pitchFamily="34" charset="0"/>
+                    <a:sym typeface="Symbol"/>
+                  </a:rPr>
+                  <a:t>probabilità</a:t>
+                </a:r>
+              </a:p>
+              <a:p>
+                <a:pPr algn="just"/>
+                <a:r>
+                  <a:rPr lang="it-IT" b="1" i="1" u="sng" dirty="0">
+                    <a:solidFill>
+                      <a:srgbClr val="C00000"/>
+                    </a:solidFill>
+                    <a:latin typeface="Calibri" panose="020F0502020204030204" pitchFamily="34" charset="0"/>
+                    <a:cs typeface="Calibri" panose="020F0502020204030204" pitchFamily="34" charset="0"/>
+                    <a:sym typeface="Symbol"/>
+                  </a:rPr>
+                  <a:t> </a:t>
+                </a:r>
+                <a:r>
+                  <a:rPr lang="it-IT" b="1" i="1" u="sng" dirty="0" smtClean="0">
+                    <a:solidFill>
+                      <a:srgbClr val="C00000"/>
+                    </a:solidFill>
+                    <a:latin typeface="Calibri" panose="020F0502020204030204" pitchFamily="34" charset="0"/>
+                    <a:cs typeface="Calibri" panose="020F0502020204030204" pitchFamily="34" charset="0"/>
+                    <a:sym typeface="Symbol"/>
+                  </a:rPr>
+                  <a:t>    di accettazione </a:t>
+                </a:r>
+                <a:r>
+                  <a:rPr lang="it-IT" b="1" i="1" dirty="0" smtClean="0">
+                    <a:solidFill>
+                      <a:srgbClr val="C00000"/>
+                    </a:solidFill>
+                    <a:latin typeface="Calibri" panose="020F0502020204030204" pitchFamily="34" charset="0"/>
+                    <a:cs typeface="Calibri" panose="020F0502020204030204" pitchFamily="34" charset="0"/>
+                    <a:sym typeface="Symbol"/>
+                  </a:rPr>
+                  <a:t>p</a:t>
+                </a:r>
+                <a:r>
+                  <a:rPr lang="it-IT" b="1" i="1" baseline="-25000" dirty="0" smtClean="0">
+                    <a:solidFill>
+                      <a:srgbClr val="C00000"/>
+                    </a:solidFill>
+                    <a:latin typeface="Calibri" panose="020F0502020204030204" pitchFamily="34" charset="0"/>
+                    <a:cs typeface="Calibri" panose="020F0502020204030204" pitchFamily="34" charset="0"/>
+                    <a:sym typeface="Symbol"/>
+                  </a:rPr>
+                  <a:t>e</a:t>
+                </a:r>
+                <a:r>
+                  <a:rPr lang="it-IT" dirty="0" smtClean="0">
+                    <a:latin typeface="Calibri" panose="020F0502020204030204" pitchFamily="34" charset="0"/>
+                    <a:cs typeface="Calibri" panose="020F0502020204030204" pitchFamily="34" charset="0"/>
+                    <a:sym typeface="Symbol"/>
+                  </a:rPr>
+                  <a:t>.</a:t>
+                </a:r>
+                <a:endParaRPr lang="it-IT" dirty="0">
+                  <a:latin typeface="Calibri" panose="020F0502020204030204" pitchFamily="34" charset="0"/>
+                  <a:cs typeface="Calibri" panose="020F0502020204030204" pitchFamily="34" charset="0"/>
+                  <a:sym typeface="Wingdings" panose="05000000000000000000" pitchFamily="2" charset="2"/>
+                </a:endParaRPr>
+              </a:p>
+            </p:txBody>
+          </p:sp>
+        </mc:Choice>
+        <mc:Fallback>
+          <p:sp>
+            <p:nvSpPr>
+              <p:cNvPr id="3" name="Rettangolo 2">
+                <a:extLst>
+                  <a:ext uri="{FF2B5EF4-FFF2-40B4-BE49-F238E27FC236}">
+                    <a16:creationId xmlns:a16="http://schemas.microsoft.com/office/drawing/2014/main" xmlns="" xmlns:a14="http://schemas.microsoft.com/office/drawing/2010/main" id="{E905DEB8-2BFA-41BE-9967-84ECE44648DF}"/>
+                  </a:ext>
+                </a:extLst>
+              </p:cNvPr>
+              <p:cNvSpPr>
+                <a:spLocks noRot="1" noChangeAspect="1" noMove="1" noResize="1" noEditPoints="1" noAdjustHandles="1" noChangeArrowheads="1" noChangeShapeType="1" noTextEdit="1"/>
+              </p:cNvSpPr>
+              <p:nvPr/>
+            </p:nvSpPr>
+            <p:spPr>
+              <a:xfrm>
+                <a:off x="1619672" y="1628800"/>
+                <a:ext cx="7524328" cy="3970318"/>
+              </a:xfrm>
+              <a:prstGeom prst="rect">
+                <a:avLst/>
+              </a:prstGeom>
+              <a:blipFill rotWithShape="1">
+                <a:blip r:embed="rId2"/>
+                <a:stretch>
+                  <a:fillRect l="-567" t="-768" b="-1536"/>
+                </a:stretch>
+              </a:blipFill>
+            </p:spPr>
+            <p:txBody>
+              <a:bodyPr/>
+              <a:lstStyle/>
+              <a:p>
+                <a:r>
+                  <a:rPr lang="it-IT">
+                    <a:noFill/>
+                  </a:rPr>
+                  <a:t> </a:t>
+                </a:r>
+              </a:p>
+            </p:txBody>
+          </p:sp>
+        </mc:Fallback>
+      </mc:AlternateContent>
+    </p:spTree>
+    <p:extLst>
+      <p:ext uri="{BB962C8B-B14F-4D97-AF65-F5344CB8AC3E}">
+        <p14:creationId xmlns:p14="http://schemas.microsoft.com/office/powerpoint/2010/main" val="214152478"/>
+      </p:ext>
+    </p:extLst>
+  </p:cSld>
+  <p:clrMapOvr>
+    <a:masterClrMapping/>
+  </p:clrMapOvr>
+  <p:timing>
+    <p:tnLst>
+      <p:par>
+        <p:cTn id="1" dur="indefinite" restart="never" nodeType="tmRoot"/>
+      </p:par>
+    </p:tnLst>
+  </p:timing>
+</p:sld>
+</file>
+
 <file path=ppt/slides/slide4.xml><?xml version="1.0" encoding="utf-8"?>
 <p:sld xmlns:a="http://schemas.openxmlformats.org/drawingml/2006/main" xmlns:r="http://schemas.openxmlformats.org/officeDocument/2006/relationships" xmlns:p="http://schemas.openxmlformats.org/presentationml/2006/main">
   <p:cSld>
@@ -33833,7 +39082,7 @@
           <p:cNvPr id="1026" name="Picture 2" descr="Risultati immagini per twitter vector logo">
             <a:extLst>
               <a:ext uri="{FF2B5EF4-FFF2-40B4-BE49-F238E27FC236}">
-                <a16:creationId xmlns="" xmlns:a16="http://schemas.microsoft.com/office/drawing/2014/main" id="{D889CC7C-9C8B-4FC7-BEA6-94A9A901435D}"/>
+                <a16:creationId xmlns:a16="http://schemas.microsoft.com/office/drawing/2014/main" xmlns="" id="{D889CC7C-9C8B-4FC7-BEA6-94A9A901435D}"/>
               </a:ext>
             </a:extLst>
           </p:cNvPr>
@@ -33917,7 +39166,7 @@
           <p:cNvPr id="5" name="Title 3">
             <a:extLst>
               <a:ext uri="{FF2B5EF4-FFF2-40B4-BE49-F238E27FC236}">
-                <a16:creationId xmlns="" xmlns:a16="http://schemas.microsoft.com/office/drawing/2014/main" id="{4B902CC3-75DB-41C6-B4AA-1F2B71CA058B}"/>
+                <a16:creationId xmlns:a16="http://schemas.microsoft.com/office/drawing/2014/main" xmlns="" id="{4B902CC3-75DB-41C6-B4AA-1F2B71CA058B}"/>
               </a:ext>
             </a:extLst>
           </p:cNvPr>
@@ -33972,7 +39221,7 @@
           <p:cNvPr id="6" name="Rettangolo 5">
             <a:extLst>
               <a:ext uri="{FF2B5EF4-FFF2-40B4-BE49-F238E27FC236}">
-                <a16:creationId xmlns="" xmlns:a16="http://schemas.microsoft.com/office/drawing/2014/main" id="{34D4963A-74A1-4455-8FDA-78E85A45FA8B}"/>
+                <a16:creationId xmlns:a16="http://schemas.microsoft.com/office/drawing/2014/main" xmlns="" id="{34D4963A-74A1-4455-8FDA-78E85A45FA8B}"/>
               </a:ext>
             </a:extLst>
           </p:cNvPr>
@@ -34133,7 +39382,7 @@
           <p:cNvPr id="7" name="Immagine 6">
             <a:extLst>
               <a:ext uri="{FF2B5EF4-FFF2-40B4-BE49-F238E27FC236}">
-                <a16:creationId xmlns="" xmlns:a16="http://schemas.microsoft.com/office/drawing/2014/main" id="{AF3703D5-DAD7-460C-ADBE-3A301D9A2FE4}"/>
+                <a16:creationId xmlns:a16="http://schemas.microsoft.com/office/drawing/2014/main" xmlns="" id="{AF3703D5-DAD7-460C-ADBE-3A301D9A2FE4}"/>
               </a:ext>
             </a:extLst>
           </p:cNvPr>
@@ -34169,7 +39418,7 @@
           <p:cNvPr id="8" name="Immagine 7" descr="Immagine che contiene clipart&#10;&#10;Descrizione generata con affidabilità elevata">
             <a:extLst>
               <a:ext uri="{FF2B5EF4-FFF2-40B4-BE49-F238E27FC236}">
-                <a16:creationId xmlns="" xmlns:a16="http://schemas.microsoft.com/office/drawing/2014/main" id="{8B09EFF9-4415-439B-9132-80DBE3EA395C}"/>
+                <a16:creationId xmlns:a16="http://schemas.microsoft.com/office/drawing/2014/main" xmlns="" id="{8B09EFF9-4415-439B-9132-80DBE3EA395C}"/>
               </a:ext>
             </a:extLst>
           </p:cNvPr>
@@ -34205,7 +39454,7 @@
           <p:cNvPr id="9" name="CasellaDiTesto 8">
             <a:extLst>
               <a:ext uri="{FF2B5EF4-FFF2-40B4-BE49-F238E27FC236}">
-                <a16:creationId xmlns="" xmlns:a16="http://schemas.microsoft.com/office/drawing/2014/main" id="{C240CA17-907D-48B7-9B44-F721E8F121F1}"/>
+                <a16:creationId xmlns:a16="http://schemas.microsoft.com/office/drawing/2014/main" xmlns="" id="{C240CA17-907D-48B7-9B44-F721E8F121F1}"/>
               </a:ext>
             </a:extLst>
           </p:cNvPr>
@@ -34246,7 +39495,7 @@
           <p:cNvPr id="10" name="CasellaDiTesto 9">
             <a:extLst>
               <a:ext uri="{FF2B5EF4-FFF2-40B4-BE49-F238E27FC236}">
-                <a16:creationId xmlns="" xmlns:a16="http://schemas.microsoft.com/office/drawing/2014/main" id="{122FF84E-387F-42FF-8447-215229458BC0}"/>
+                <a16:creationId xmlns:a16="http://schemas.microsoft.com/office/drawing/2014/main" xmlns="" id="{122FF84E-387F-42FF-8447-215229458BC0}"/>
               </a:ext>
             </a:extLst>
           </p:cNvPr>
@@ -34287,7 +39536,7 @@
           <p:cNvPr id="14" name="Connettore 2 13">
             <a:extLst>
               <a:ext uri="{FF2B5EF4-FFF2-40B4-BE49-F238E27FC236}">
-                <a16:creationId xmlns="" xmlns:a16="http://schemas.microsoft.com/office/drawing/2014/main" id="{240377C1-CB13-43A4-8F95-EB652CADEE65}"/>
+                <a16:creationId xmlns:a16="http://schemas.microsoft.com/office/drawing/2014/main" xmlns="" id="{240377C1-CB13-43A4-8F95-EB652CADEE65}"/>
               </a:ext>
             </a:extLst>
           </p:cNvPr>
@@ -34342,7 +39591,7 @@
           <p:cNvPr id="15" name="CasellaDiTesto 14">
             <a:extLst>
               <a:ext uri="{FF2B5EF4-FFF2-40B4-BE49-F238E27FC236}">
-                <a16:creationId xmlns="" xmlns:a16="http://schemas.microsoft.com/office/drawing/2014/main" id="{0FA5EFC3-169A-4B11-BF0C-7BD04846D93B}"/>
+                <a16:creationId xmlns:a16="http://schemas.microsoft.com/office/drawing/2014/main" xmlns="" id="{0FA5EFC3-169A-4B11-BF0C-7BD04846D93B}"/>
               </a:ext>
             </a:extLst>
           </p:cNvPr>
@@ -34451,7 +39700,7 @@
           <p:cNvPr id="5" name="Title 3">
             <a:extLst>
               <a:ext uri="{FF2B5EF4-FFF2-40B4-BE49-F238E27FC236}">
-                <a16:creationId xmlns="" xmlns:a16="http://schemas.microsoft.com/office/drawing/2014/main" id="{096E5434-7A74-4C64-89EF-6B1922B7AB16}"/>
+                <a16:creationId xmlns:a16="http://schemas.microsoft.com/office/drawing/2014/main" xmlns="" id="{096E5434-7A74-4C64-89EF-6B1922B7AB16}"/>
               </a:ext>
             </a:extLst>
           </p:cNvPr>
@@ -34506,7 +39755,7 @@
           <p:cNvPr id="6" name="CasellaDiTesto 5">
             <a:extLst>
               <a:ext uri="{FF2B5EF4-FFF2-40B4-BE49-F238E27FC236}">
-                <a16:creationId xmlns="" xmlns:a16="http://schemas.microsoft.com/office/drawing/2014/main" id="{DECCD907-1491-4E0C-9EB6-42C0FED72813}"/>
+                <a16:creationId xmlns:a16="http://schemas.microsoft.com/office/drawing/2014/main" xmlns="" id="{DECCD907-1491-4E0C-9EB6-42C0FED72813}"/>
               </a:ext>
             </a:extLst>
           </p:cNvPr>
@@ -34601,7 +39850,7 @@
           <p:cNvPr id="1026" name="Picture 2" descr="Immagine correlata">
             <a:extLst>
               <a:ext uri="{FF2B5EF4-FFF2-40B4-BE49-F238E27FC236}">
-                <a16:creationId xmlns="" xmlns:a16="http://schemas.microsoft.com/office/drawing/2014/main" id="{4DEEC977-158D-4FF8-A634-FED5C0A1F149}"/>
+                <a16:creationId xmlns:a16="http://schemas.microsoft.com/office/drawing/2014/main" xmlns="" id="{4DEEC977-158D-4FF8-A634-FED5C0A1F149}"/>
               </a:ext>
             </a:extLst>
           </p:cNvPr>
@@ -34648,7 +39897,7 @@
           <p:cNvPr id="8" name="CasellaDiTesto 7">
             <a:extLst>
               <a:ext uri="{FF2B5EF4-FFF2-40B4-BE49-F238E27FC236}">
-                <a16:creationId xmlns="" xmlns:a16="http://schemas.microsoft.com/office/drawing/2014/main" id="{422B22D0-A925-4E81-8629-21C4219E2051}"/>
+                <a16:creationId xmlns:a16="http://schemas.microsoft.com/office/drawing/2014/main" xmlns="" id="{422B22D0-A925-4E81-8629-21C4219E2051}"/>
               </a:ext>
             </a:extLst>
           </p:cNvPr>
@@ -34724,7 +39973,7 @@
           <p:cNvPr id="9" name="Connettore 2 8">
             <a:extLst>
               <a:ext uri="{FF2B5EF4-FFF2-40B4-BE49-F238E27FC236}">
-                <a16:creationId xmlns="" xmlns:a16="http://schemas.microsoft.com/office/drawing/2014/main" id="{B3EBC103-C224-4D98-B09E-EF0B1BD22D62}"/>
+                <a16:creationId xmlns:a16="http://schemas.microsoft.com/office/drawing/2014/main" xmlns="" id="{B3EBC103-C224-4D98-B09E-EF0B1BD22D62}"/>
               </a:ext>
             </a:extLst>
           </p:cNvPr>
@@ -34766,7 +40015,7 @@
           <p:cNvPr id="10" name="Rettangolo 9">
             <a:extLst>
               <a:ext uri="{FF2B5EF4-FFF2-40B4-BE49-F238E27FC236}">
-                <a16:creationId xmlns="" xmlns:a16="http://schemas.microsoft.com/office/drawing/2014/main" id="{197F89FE-FC4A-44AD-9080-7EB17BA3B63C}"/>
+                <a16:creationId xmlns:a16="http://schemas.microsoft.com/office/drawing/2014/main" xmlns="" id="{197F89FE-FC4A-44AD-9080-7EB17BA3B63C}"/>
               </a:ext>
             </a:extLst>
           </p:cNvPr>
@@ -34857,7 +40106,7 @@
           <p:cNvPr id="15" name="Rettangolo 14">
             <a:extLst>
               <a:ext uri="{FF2B5EF4-FFF2-40B4-BE49-F238E27FC236}">
-                <a16:creationId xmlns="" xmlns:a16="http://schemas.microsoft.com/office/drawing/2014/main" id="{6434515A-0CE7-46E1-9E5D-42505E037869}"/>
+                <a16:creationId xmlns:a16="http://schemas.microsoft.com/office/drawing/2014/main" xmlns="" id="{6434515A-0CE7-46E1-9E5D-42505E037869}"/>
               </a:ext>
             </a:extLst>
           </p:cNvPr>
@@ -34953,7 +40202,7 @@
           <p:cNvPr id="17" name="Connettore 2 16">
             <a:extLst>
               <a:ext uri="{FF2B5EF4-FFF2-40B4-BE49-F238E27FC236}">
-                <a16:creationId xmlns="" xmlns:a16="http://schemas.microsoft.com/office/drawing/2014/main" id="{99BFB39E-1B50-4D9F-B143-7E9CC03FDDCB}"/>
+                <a16:creationId xmlns:a16="http://schemas.microsoft.com/office/drawing/2014/main" xmlns="" id="{99BFB39E-1B50-4D9F-B143-7E9CC03FDDCB}"/>
               </a:ext>
             </a:extLst>
           </p:cNvPr>
@@ -35034,7 +40283,7 @@
           <p:cNvPr id="5" name="Title 3">
             <a:extLst>
               <a:ext uri="{FF2B5EF4-FFF2-40B4-BE49-F238E27FC236}">
-                <a16:creationId xmlns="" xmlns:a16="http://schemas.microsoft.com/office/drawing/2014/main" id="{F4F459AA-9D70-4285-920E-38B993241E77}"/>
+                <a16:creationId xmlns:a16="http://schemas.microsoft.com/office/drawing/2014/main" xmlns="" id="{F4F459AA-9D70-4285-920E-38B993241E77}"/>
               </a:ext>
             </a:extLst>
           </p:cNvPr>
@@ -35109,7 +40358,7 @@
           <p:cNvPr id="6" name="Rettangolo 5">
             <a:extLst>
               <a:ext uri="{FF2B5EF4-FFF2-40B4-BE49-F238E27FC236}">
-                <a16:creationId xmlns="" xmlns:a16="http://schemas.microsoft.com/office/drawing/2014/main" id="{B2DAE42D-6981-4258-A997-350AEC1248D1}"/>
+                <a16:creationId xmlns:a16="http://schemas.microsoft.com/office/drawing/2014/main" xmlns="" id="{B2DAE42D-6981-4258-A997-350AEC1248D1}"/>
               </a:ext>
             </a:extLst>
           </p:cNvPr>
@@ -35465,7 +40714,7 @@
           <p:cNvPr id="8" name="CasellaDiTesto 7">
             <a:extLst>
               <a:ext uri="{FF2B5EF4-FFF2-40B4-BE49-F238E27FC236}">
-                <a16:creationId xmlns="" xmlns:a16="http://schemas.microsoft.com/office/drawing/2014/main" id="{8B0801A2-6519-4569-95A9-BB7590321AD9}"/>
+                <a16:creationId xmlns:a16="http://schemas.microsoft.com/office/drawing/2014/main" xmlns="" id="{8B0801A2-6519-4569-95A9-BB7590321AD9}"/>
               </a:ext>
             </a:extLst>
           </p:cNvPr>
@@ -35811,7 +41060,7 @@
           <p:cNvPr id="10" name="Connettore 2 9">
             <a:extLst>
               <a:ext uri="{FF2B5EF4-FFF2-40B4-BE49-F238E27FC236}">
-                <a16:creationId xmlns="" xmlns:a16="http://schemas.microsoft.com/office/drawing/2014/main" id="{3E71D179-9BB9-40A9-B4D8-958D015E4F75}"/>
+                <a16:creationId xmlns:a16="http://schemas.microsoft.com/office/drawing/2014/main" xmlns="" id="{3E71D179-9BB9-40A9-B4D8-958D015E4F75}"/>
               </a:ext>
             </a:extLst>
           </p:cNvPr>
@@ -35850,7 +41099,7 @@
           <p:cNvPr id="12" name="Connettore 2 11">
             <a:extLst>
               <a:ext uri="{FF2B5EF4-FFF2-40B4-BE49-F238E27FC236}">
-                <a16:creationId xmlns="" xmlns:a16="http://schemas.microsoft.com/office/drawing/2014/main" id="{1BE3D6CD-BA35-49B2-B9E9-3F62FDBF378A}"/>
+                <a16:creationId xmlns:a16="http://schemas.microsoft.com/office/drawing/2014/main" xmlns="" id="{1BE3D6CD-BA35-49B2-B9E9-3F62FDBF378A}"/>
               </a:ext>
             </a:extLst>
           </p:cNvPr>
@@ -35889,7 +41138,7 @@
           <p:cNvPr id="14" name="CasellaDiTesto 13">
             <a:extLst>
               <a:ext uri="{FF2B5EF4-FFF2-40B4-BE49-F238E27FC236}">
-                <a16:creationId xmlns="" xmlns:a16="http://schemas.microsoft.com/office/drawing/2014/main" id="{52C41119-C267-4F95-B13B-D175F8FAD467}"/>
+                <a16:creationId xmlns:a16="http://schemas.microsoft.com/office/drawing/2014/main" xmlns="" id="{52C41119-C267-4F95-B13B-D175F8FAD467}"/>
               </a:ext>
             </a:extLst>
           </p:cNvPr>
@@ -35947,7 +41196,7 @@
           <p:cNvPr id="15" name="CasellaDiTesto 14">
             <a:extLst>
               <a:ext uri="{FF2B5EF4-FFF2-40B4-BE49-F238E27FC236}">
-                <a16:creationId xmlns="" xmlns:a16="http://schemas.microsoft.com/office/drawing/2014/main" id="{7739B639-5ED7-46CE-8E1E-A9D9A3526EA0}"/>
+                <a16:creationId xmlns:a16="http://schemas.microsoft.com/office/drawing/2014/main" xmlns="" id="{7739B639-5ED7-46CE-8E1E-A9D9A3526EA0}"/>
               </a:ext>
             </a:extLst>
           </p:cNvPr>
@@ -36042,7 +41291,7 @@
           <p:cNvPr id="5" name="Title 3">
             <a:extLst>
               <a:ext uri="{FF2B5EF4-FFF2-40B4-BE49-F238E27FC236}">
-                <a16:creationId xmlns="" xmlns:a16="http://schemas.microsoft.com/office/drawing/2014/main" id="{189ECF77-714F-4D2C-9D4B-CC43534EF427}"/>
+                <a16:creationId xmlns:a16="http://schemas.microsoft.com/office/drawing/2014/main" xmlns="" id="{189ECF77-714F-4D2C-9D4B-CC43534EF427}"/>
               </a:ext>
             </a:extLst>
           </p:cNvPr>
@@ -36117,7 +41366,7 @@
           <p:cNvPr id="6" name="Rettangolo 5">
             <a:extLst>
               <a:ext uri="{FF2B5EF4-FFF2-40B4-BE49-F238E27FC236}">
-                <a16:creationId xmlns="" xmlns:a16="http://schemas.microsoft.com/office/drawing/2014/main" id="{A34D05E0-D21E-4851-84DD-833555197E5F}"/>
+                <a16:creationId xmlns:a16="http://schemas.microsoft.com/office/drawing/2014/main" xmlns="" id="{A34D05E0-D21E-4851-84DD-833555197E5F}"/>
               </a:ext>
             </a:extLst>
           </p:cNvPr>
@@ -36808,7 +42057,7 @@
           <p:cNvPr id="5" name="Title 3">
             <a:extLst>
               <a:ext uri="{FF2B5EF4-FFF2-40B4-BE49-F238E27FC236}">
-                <a16:creationId xmlns="" xmlns:a16="http://schemas.microsoft.com/office/drawing/2014/main" id="{189ECF77-714F-4D2C-9D4B-CC43534EF427}"/>
+                <a16:creationId xmlns:a16="http://schemas.microsoft.com/office/drawing/2014/main" xmlns="" id="{189ECF77-714F-4D2C-9D4B-CC43534EF427}"/>
               </a:ext>
             </a:extLst>
           </p:cNvPr>
@@ -38335,7 +43584,7 @@
   <a:extraClrSchemeLst/>
   <a:extLst>
     <a:ext uri="{05A4C25C-085E-4340-85A3-A5531E510DB2}">
-      <thm15:themeFamily xmlns="" xmlns:thm15="http://schemas.microsoft.com/office/thememl/2012/main" name="Office Theme" id="{62F939B6-93AF-4DB8-9C6B-D6C7DFDC589F}" vid="{4A3C46E8-61CC-4603-A589-7422A47A8E4A}"/>
+      <thm15:themeFamily xmlns:thm15="http://schemas.microsoft.com/office/thememl/2012/main" xmlns="" name="Office Theme" id="{62F939B6-93AF-4DB8-9C6B-D6C7DFDC589F}" vid="{4A3C46E8-61CC-4603-A589-7422A47A8E4A}"/>
     </a:ext>
   </a:extLst>
 </a:theme>

--- a/PRESENTAZIONE_TESI/presentazione_agostini_stefano.pptx
+++ b/PRESENTAZIONE_TESI/presentazione_agostini_stefano.pptx
@@ -6,7 +6,7 @@
     <p:sldMasterId id="2147483661" r:id="rId2"/>
   </p:sldMasterIdLst>
   <p:notesMasterIdLst>
-    <p:notesMasterId r:id="rId38"/>
+    <p:notesMasterId r:id="rId39"/>
   </p:notesMasterIdLst>
   <p:sldIdLst>
     <p:sldId id="256" r:id="rId3"/>
@@ -44,6 +44,7 @@
     <p:sldId id="289" r:id="rId35"/>
     <p:sldId id="290" r:id="rId36"/>
     <p:sldId id="291" r:id="rId37"/>
+    <p:sldId id="292" r:id="rId38"/>
   </p:sldIdLst>
   <p:sldSz cx="9144000" cy="6858000" type="screen4x3"/>
   <p:notesSz cx="6858000" cy="9144000"/>
@@ -182,12 +183,13 @@
             <p14:sldId id="289"/>
             <p14:sldId id="290"/>
             <p14:sldId id="291"/>
+            <p14:sldId id="292"/>
           </p14:sldIdLst>
         </p14:section>
       </p14:sectionLst>
     </p:ext>
     <p:ext uri="{EFAFB233-063F-42B5-8137-9DF3F51BA10A}">
-      <p15:sldGuideLst xmlns:p15="http://schemas.microsoft.com/office/powerpoint/2012/main" xmlns="">
+      <p15:sldGuideLst xmlns="" xmlns:p15="http://schemas.microsoft.com/office/powerpoint/2012/main">
         <p15:guide id="1" orient="horz" pos="2160">
           <p15:clr>
             <a:srgbClr val="A4A3A4"/>
@@ -286,7 +288,7 @@
           <a:p>
             <a:fld id="{D9998136-BDF3-4CD5-9A25-953B69557AFC}" type="datetimeFigureOut">
               <a:rPr lang="it-IT" smtClean="0"/>
-              <a:t>15/07/2018</a:t>
+              <a:t>16/07/2018</a:t>
             </a:fld>
             <a:endParaRPr lang="it-IT"/>
           </a:p>
@@ -739,7 +741,7 @@
           <a:p>
             <a:fld id="{18DCCD61-643D-44A5-A450-3A42A50CBC1E}" type="datetimeFigureOut">
               <a:rPr lang="en-US" smtClean="0"/>
-              <a:t>7/15/2018</a:t>
+              <a:t>7/16/2018</a:t>
             </a:fld>
             <a:endParaRPr lang="en-US" dirty="0"/>
           </a:p>
@@ -1014,7 +1016,7 @@
           <a:p>
             <a:fld id="{18DCCD61-643D-44A5-A450-3A42A50CBC1E}" type="datetimeFigureOut">
               <a:rPr lang="en-US" smtClean="0"/>
-              <a:t>7/15/2018</a:t>
+              <a:t>7/16/2018</a:t>
             </a:fld>
             <a:endParaRPr lang="en-US" dirty="0"/>
           </a:p>
@@ -1266,7 +1268,7 @@
           <a:p>
             <a:fld id="{18DCCD61-643D-44A5-A450-3A42A50CBC1E}" type="datetimeFigureOut">
               <a:rPr lang="en-US" smtClean="0"/>
-              <a:t>7/15/2018</a:t>
+              <a:t>7/16/2018</a:t>
             </a:fld>
             <a:endParaRPr lang="en-US" dirty="0"/>
           </a:p>
@@ -1434,7 +1436,7 @@
           <a:p>
             <a:fld id="{18DCCD61-643D-44A5-A450-3A42A50CBC1E}" type="datetimeFigureOut">
               <a:rPr lang="en-US" smtClean="0"/>
-              <a:t>7/15/2018</a:t>
+              <a:t>7/16/2018</a:t>
             </a:fld>
             <a:endParaRPr lang="en-US" dirty="0"/>
           </a:p>
@@ -1612,7 +1614,7 @@
           <a:p>
             <a:fld id="{18DCCD61-643D-44A5-A450-3A42A50CBC1E}" type="datetimeFigureOut">
               <a:rPr lang="en-US" smtClean="0"/>
-              <a:t>7/15/2018</a:t>
+              <a:t>7/16/2018</a:t>
             </a:fld>
             <a:endParaRPr lang="en-US" dirty="0"/>
           </a:p>
@@ -2200,7 +2202,7 @@
           <a:p>
             <a:fld id="{18DCCD61-643D-44A5-A450-3A42A50CBC1E}" type="datetimeFigureOut">
               <a:rPr lang="en-US" smtClean="0"/>
-              <a:t>7/15/2018</a:t>
+              <a:t>7/16/2018</a:t>
             </a:fld>
             <a:endParaRPr lang="en-US" dirty="0"/>
           </a:p>
@@ -2368,7 +2370,7 @@
           <a:p>
             <a:fld id="{18DCCD61-643D-44A5-A450-3A42A50CBC1E}" type="datetimeFigureOut">
               <a:rPr lang="en-US" smtClean="0"/>
-              <a:t>7/15/2018</a:t>
+              <a:t>7/16/2018</a:t>
             </a:fld>
             <a:endParaRPr lang="en-US" dirty="0"/>
           </a:p>
@@ -2613,7 +2615,7 @@
           <a:p>
             <a:fld id="{18DCCD61-643D-44A5-A450-3A42A50CBC1E}" type="datetimeFigureOut">
               <a:rPr lang="en-US" smtClean="0"/>
-              <a:t>7/15/2018</a:t>
+              <a:t>7/16/2018</a:t>
             </a:fld>
             <a:endParaRPr lang="en-US" dirty="0"/>
           </a:p>
@@ -2898,7 +2900,7 @@
           <a:p>
             <a:fld id="{18DCCD61-643D-44A5-A450-3A42A50CBC1E}" type="datetimeFigureOut">
               <a:rPr lang="en-US" smtClean="0"/>
-              <a:t>7/15/2018</a:t>
+              <a:t>7/16/2018</a:t>
             </a:fld>
             <a:endParaRPr lang="en-US" dirty="0"/>
           </a:p>
@@ -3317,7 +3319,7 @@
           <a:p>
             <a:fld id="{18DCCD61-643D-44A5-A450-3A42A50CBC1E}" type="datetimeFigureOut">
               <a:rPr lang="en-US" smtClean="0"/>
-              <a:t>7/15/2018</a:t>
+              <a:t>7/16/2018</a:t>
             </a:fld>
             <a:endParaRPr lang="en-US" dirty="0"/>
           </a:p>
@@ -3434,7 +3436,7 @@
           <a:p>
             <a:fld id="{18DCCD61-643D-44A5-A450-3A42A50CBC1E}" type="datetimeFigureOut">
               <a:rPr lang="en-US" smtClean="0"/>
-              <a:t>7/15/2018</a:t>
+              <a:t>7/16/2018</a:t>
             </a:fld>
             <a:endParaRPr lang="en-US" dirty="0"/>
           </a:p>
@@ -3936,7 +3938,7 @@
           <a:p>
             <a:fld id="{18DCCD61-643D-44A5-A450-3A42A50CBC1E}" type="datetimeFigureOut">
               <a:rPr lang="en-US" smtClean="0"/>
-              <a:t>7/15/2018</a:t>
+              <a:t>7/16/2018</a:t>
             </a:fld>
             <a:endParaRPr lang="en-US" dirty="0"/>
           </a:p>
@@ -4316,7 +4318,7 @@
           <p:cNvPr id="8" name="Immagine 7">
             <a:extLst>
               <a:ext uri="{FF2B5EF4-FFF2-40B4-BE49-F238E27FC236}">
-                <a16:creationId xmlns:a16="http://schemas.microsoft.com/office/drawing/2014/main" xmlns="" id="{A1106E1C-ABC5-4AA2-A6C2-B115CAA9597B}"/>
+                <a16:creationId xmlns="" xmlns:a16="http://schemas.microsoft.com/office/drawing/2014/main" id="{A1106E1C-ABC5-4AA2-A6C2-B115CAA9597B}"/>
               </a:ext>
             </a:extLst>
           </p:cNvPr>
@@ -4652,7 +4654,7 @@
           <p:cNvPr id="5" name="Title 3">
             <a:extLst>
               <a:ext uri="{FF2B5EF4-FFF2-40B4-BE49-F238E27FC236}">
-                <a16:creationId xmlns:a16="http://schemas.microsoft.com/office/drawing/2014/main" xmlns="" id="{189ECF77-714F-4D2C-9D4B-CC43534EF427}"/>
+                <a16:creationId xmlns="" xmlns:a16="http://schemas.microsoft.com/office/drawing/2014/main" id="{189ECF77-714F-4D2C-9D4B-CC43534EF427}"/>
               </a:ext>
             </a:extLst>
           </p:cNvPr>
@@ -5449,7 +5451,7 @@
           <p:cNvPr id="5" name="Title 3">
             <a:extLst>
               <a:ext uri="{FF2B5EF4-FFF2-40B4-BE49-F238E27FC236}">
-                <a16:creationId xmlns:a16="http://schemas.microsoft.com/office/drawing/2014/main" xmlns="" id="{189ECF77-714F-4D2C-9D4B-CC43534EF427}"/>
+                <a16:creationId xmlns="" xmlns:a16="http://schemas.microsoft.com/office/drawing/2014/main" id="{189ECF77-714F-4D2C-9D4B-CC43534EF427}"/>
               </a:ext>
             </a:extLst>
           </p:cNvPr>
@@ -6373,7 +6375,7 @@
           <p:cNvPr id="5" name="Title 3">
             <a:extLst>
               <a:ext uri="{FF2B5EF4-FFF2-40B4-BE49-F238E27FC236}">
-                <a16:creationId xmlns:a16="http://schemas.microsoft.com/office/drawing/2014/main" xmlns="" id="{189ECF77-714F-4D2C-9D4B-CC43534EF427}"/>
+                <a16:creationId xmlns="" xmlns:a16="http://schemas.microsoft.com/office/drawing/2014/main" id="{189ECF77-714F-4D2C-9D4B-CC43534EF427}"/>
               </a:ext>
             </a:extLst>
           </p:cNvPr>
@@ -6721,18 +6723,31 @@
                 <a:cs typeface="Calibri" panose="020F0502020204030204" pitchFamily="34" charset="0"/>
                 <a:sym typeface="Wingdings" panose="05000000000000000000" pitchFamily="2" charset="2"/>
               </a:rPr>
-              <a:t>archi proposti consentirebbero </a:t>
-            </a:r>
+              <a:t>archi proposti </a:t>
+            </a:r>
+            <a:endParaRPr lang="it-IT" u="sng" dirty="0" smtClean="0">
+              <a:latin typeface="Calibri" panose="020F0502020204030204" pitchFamily="34" charset="0"/>
+              <a:cs typeface="Calibri" panose="020F0502020204030204" pitchFamily="34" charset="0"/>
+              <a:sym typeface="Wingdings" panose="05000000000000000000" pitchFamily="2" charset="2"/>
+            </a:endParaRPr>
           </a:p>
           <a:p>
             <a:pPr algn="just"/>
+            <a:r>
+              <a:rPr lang="it-IT" u="sng" dirty="0" smtClean="0">
+                <a:latin typeface="Calibri" panose="020F0502020204030204" pitchFamily="34" charset="0"/>
+                <a:cs typeface="Calibri" panose="020F0502020204030204" pitchFamily="34" charset="0"/>
+                <a:sym typeface="Wingdings" panose="05000000000000000000" pitchFamily="2" charset="2"/>
+              </a:rPr>
+              <a:t>consentirebbero qualora </a:t>
+            </a:r>
             <a:r>
               <a:rPr lang="it-IT" u="sng" dirty="0">
                 <a:latin typeface="Calibri" panose="020F0502020204030204" pitchFamily="34" charset="0"/>
                 <a:cs typeface="Calibri" panose="020F0502020204030204" pitchFamily="34" charset="0"/>
                 <a:sym typeface="Wingdings" panose="05000000000000000000" pitchFamily="2" charset="2"/>
               </a:rPr>
-              <a:t>qualora si materializzassero nel grafo.</a:t>
+              <a:t>si materializzassero nel grafo.</a:t>
             </a:r>
           </a:p>
           <a:p>
@@ -6787,7 +6802,7 @@
           <p:cNvPr id="5" name="Title 3">
             <a:extLst>
               <a:ext uri="{FF2B5EF4-FFF2-40B4-BE49-F238E27FC236}">
-                <a16:creationId xmlns:a16="http://schemas.microsoft.com/office/drawing/2014/main" xmlns="" id="{189ECF77-714F-4D2C-9D4B-CC43534EF427}"/>
+                <a16:creationId xmlns="" xmlns:a16="http://schemas.microsoft.com/office/drawing/2014/main" id="{189ECF77-714F-4D2C-9D4B-CC43534EF427}"/>
               </a:ext>
             </a:extLst>
           </p:cNvPr>
@@ -7002,7 +7017,7 @@
           <p:cNvPr id="4" name="Title 3">
             <a:extLst>
               <a:ext uri="{FF2B5EF4-FFF2-40B4-BE49-F238E27FC236}">
-                <a16:creationId xmlns:a16="http://schemas.microsoft.com/office/drawing/2014/main" xmlns="" id="{189ECF77-714F-4D2C-9D4B-CC43534EF427}"/>
+                <a16:creationId xmlns="" xmlns:a16="http://schemas.microsoft.com/office/drawing/2014/main" id="{189ECF77-714F-4D2C-9D4B-CC43534EF427}"/>
               </a:ext>
             </a:extLst>
           </p:cNvPr>
@@ -7057,7 +7072,7 @@
           <p:cNvPr id="6" name="Group 623">
             <a:extLst>
               <a:ext uri="{FF2B5EF4-FFF2-40B4-BE49-F238E27FC236}">
-                <a16:creationId xmlns:a16="http://schemas.microsoft.com/office/drawing/2014/main" xmlns="" id="{AA4FCC27-C7D4-4343-B033-13B6C83DC905}"/>
+                <a16:creationId xmlns="" xmlns:a16="http://schemas.microsoft.com/office/drawing/2014/main" id="{AA4FCC27-C7D4-4343-B033-13B6C83DC905}"/>
               </a:ext>
             </a:extLst>
           </p:cNvPr>
@@ -7066,7 +7081,7 @@
         </p:nvGrpSpPr>
         <p:grpSpPr>
           <a:xfrm>
-            <a:off x="1835696" y="2763930"/>
+            <a:off x="1763688" y="2763930"/>
             <a:ext cx="6984776" cy="1407324"/>
             <a:chOff x="2408381" y="3473362"/>
             <a:chExt cx="5748793" cy="1090648"/>
@@ -7077,7 +7092,7 @@
             <p:cNvPr id="7" name="Freeform 538">
               <a:extLst>
                 <a:ext uri="{FF2B5EF4-FFF2-40B4-BE49-F238E27FC236}">
-                  <a16:creationId xmlns:a16="http://schemas.microsoft.com/office/drawing/2014/main" xmlns="" id="{3776C4DA-4E41-4098-AEDB-2C371B14EB8B}"/>
+                  <a16:creationId xmlns="" xmlns:a16="http://schemas.microsoft.com/office/drawing/2014/main" id="{3776C4DA-4E41-4098-AEDB-2C371B14EB8B}"/>
                 </a:ext>
               </a:extLst>
             </p:cNvPr>
@@ -7291,7 +7306,7 @@
             <p:cNvPr id="8" name="Freeform 542">
               <a:extLst>
                 <a:ext uri="{FF2B5EF4-FFF2-40B4-BE49-F238E27FC236}">
-                  <a16:creationId xmlns:a16="http://schemas.microsoft.com/office/drawing/2014/main" xmlns="" id="{BBD90813-EA96-440A-94D3-CB2D6F892D34}"/>
+                  <a16:creationId xmlns="" xmlns:a16="http://schemas.microsoft.com/office/drawing/2014/main" id="{BBD90813-EA96-440A-94D3-CB2D6F892D34}"/>
                 </a:ext>
               </a:extLst>
             </p:cNvPr>
@@ -7505,7 +7520,7 @@
             <p:cNvPr id="9" name="Freeform: Shape 616">
               <a:extLst>
                 <a:ext uri="{FF2B5EF4-FFF2-40B4-BE49-F238E27FC236}">
-                  <a16:creationId xmlns:a16="http://schemas.microsoft.com/office/drawing/2014/main" xmlns="" id="{284E245F-3566-43D1-B56C-8CC7026A0D22}"/>
+                  <a16:creationId xmlns="" xmlns:a16="http://schemas.microsoft.com/office/drawing/2014/main" id="{284E245F-3566-43D1-B56C-8CC7026A0D22}"/>
                 </a:ext>
               </a:extLst>
             </p:cNvPr>
@@ -7984,7 +7999,7 @@
             <p:cNvPr id="10" name="Freeform 551">
               <a:extLst>
                 <a:ext uri="{FF2B5EF4-FFF2-40B4-BE49-F238E27FC236}">
-                  <a16:creationId xmlns:a16="http://schemas.microsoft.com/office/drawing/2014/main" xmlns="" id="{112FAF63-149F-4078-92F8-E980CF799812}"/>
+                  <a16:creationId xmlns="" xmlns:a16="http://schemas.microsoft.com/office/drawing/2014/main" id="{112FAF63-149F-4078-92F8-E980CF799812}"/>
                 </a:ext>
               </a:extLst>
             </p:cNvPr>
@@ -8198,7 +8213,7 @@
             <p:cNvPr id="11" name="Freeform 554">
               <a:extLst>
                 <a:ext uri="{FF2B5EF4-FFF2-40B4-BE49-F238E27FC236}">
-                  <a16:creationId xmlns:a16="http://schemas.microsoft.com/office/drawing/2014/main" xmlns="" id="{3A764CCA-B3FA-43EA-B2A1-38E0C402312F}"/>
+                  <a16:creationId xmlns="" xmlns:a16="http://schemas.microsoft.com/office/drawing/2014/main" id="{3A764CCA-B3FA-43EA-B2A1-38E0C402312F}"/>
                 </a:ext>
               </a:extLst>
             </p:cNvPr>
@@ -8583,7 +8598,7 @@
             <p:cNvPr id="12" name="Freeform 555">
               <a:extLst>
                 <a:ext uri="{FF2B5EF4-FFF2-40B4-BE49-F238E27FC236}">
-                  <a16:creationId xmlns:a16="http://schemas.microsoft.com/office/drawing/2014/main" xmlns="" id="{50B0CAB1-1A8A-4809-B0FA-4DD1006EC5D4}"/>
+                  <a16:creationId xmlns="" xmlns:a16="http://schemas.microsoft.com/office/drawing/2014/main" id="{50B0CAB1-1A8A-4809-B0FA-4DD1006EC5D4}"/>
                 </a:ext>
               </a:extLst>
             </p:cNvPr>
@@ -8797,7 +8812,7 @@
             <p:cNvPr id="13" name="Freeform 557">
               <a:extLst>
                 <a:ext uri="{FF2B5EF4-FFF2-40B4-BE49-F238E27FC236}">
-                  <a16:creationId xmlns:a16="http://schemas.microsoft.com/office/drawing/2014/main" xmlns="" id="{7B4680AF-0DA9-4C5B-AB71-A42778FC1863}"/>
+                  <a16:creationId xmlns="" xmlns:a16="http://schemas.microsoft.com/office/drawing/2014/main" id="{7B4680AF-0DA9-4C5B-AB71-A42778FC1863}"/>
                 </a:ext>
               </a:extLst>
             </p:cNvPr>
@@ -9182,7 +9197,7 @@
             <p:cNvPr id="14" name="Freeform 558">
               <a:extLst>
                 <a:ext uri="{FF2B5EF4-FFF2-40B4-BE49-F238E27FC236}">
-                  <a16:creationId xmlns:a16="http://schemas.microsoft.com/office/drawing/2014/main" xmlns="" id="{6974A587-E447-4EC3-9B72-2BFC27A286A2}"/>
+                  <a16:creationId xmlns="" xmlns:a16="http://schemas.microsoft.com/office/drawing/2014/main" id="{6974A587-E447-4EC3-9B72-2BFC27A286A2}"/>
                 </a:ext>
               </a:extLst>
             </p:cNvPr>
@@ -9396,7 +9411,7 @@
             <p:cNvPr id="15" name="Freeform 560">
               <a:extLst>
                 <a:ext uri="{FF2B5EF4-FFF2-40B4-BE49-F238E27FC236}">
-                  <a16:creationId xmlns:a16="http://schemas.microsoft.com/office/drawing/2014/main" xmlns="" id="{A696F24D-3A6B-4107-B6F2-9A3F2F0D138B}"/>
+                  <a16:creationId xmlns="" xmlns:a16="http://schemas.microsoft.com/office/drawing/2014/main" id="{A696F24D-3A6B-4107-B6F2-9A3F2F0D138B}"/>
                 </a:ext>
               </a:extLst>
             </p:cNvPr>
@@ -9908,7 +9923,7 @@
         </p:blipFill>
         <p:spPr bwMode="auto">
           <a:xfrm>
-            <a:off x="2220372" y="3091782"/>
+            <a:off x="2148364" y="3091782"/>
             <a:ext cx="752475" cy="752475"/>
           </a:xfrm>
           <a:prstGeom prst="rect">
@@ -9949,7 +9964,7 @@
         </p:blipFill>
         <p:spPr bwMode="auto">
           <a:xfrm>
-            <a:off x="3443288" y="2988338"/>
+            <a:off x="3371280" y="2988338"/>
             <a:ext cx="942975" cy="942975"/>
           </a:xfrm>
           <a:prstGeom prst="rect">
@@ -9972,7 +9987,7 @@
           <p:cNvPr id="20" name="Picture 2" descr="Immagine correlata">
             <a:extLst>
               <a:ext uri="{FF2B5EF4-FFF2-40B4-BE49-F238E27FC236}">
-                <a16:creationId xmlns:a16="http://schemas.microsoft.com/office/drawing/2014/main" xmlns="" id="{4DEEC977-158D-4FF8-A634-FED5C0A1F149}"/>
+                <a16:creationId xmlns="" xmlns:a16="http://schemas.microsoft.com/office/drawing/2014/main" id="{4DEEC977-158D-4FF8-A634-FED5C0A1F149}"/>
               </a:ext>
             </a:extLst>
           </p:cNvPr>
@@ -9996,7 +10011,7 @@
         </p:blipFill>
         <p:spPr bwMode="auto">
           <a:xfrm>
-            <a:off x="5004048" y="3211077"/>
+            <a:off x="4932040" y="3211077"/>
             <a:ext cx="720080" cy="577963"/>
           </a:xfrm>
           <a:prstGeom prst="rect">
@@ -10037,7 +10052,7 @@
         </p:blipFill>
         <p:spPr bwMode="auto">
           <a:xfrm>
-            <a:off x="6253168" y="2973382"/>
+            <a:off x="6181160" y="2973382"/>
             <a:ext cx="870875" cy="870875"/>
           </a:xfrm>
           <a:prstGeom prst="rect">
@@ -10078,7 +10093,7 @@
         </p:blipFill>
         <p:spPr bwMode="auto">
           <a:xfrm>
-            <a:off x="7748493" y="3143446"/>
+            <a:off x="7676485" y="3143446"/>
             <a:ext cx="663451" cy="663451"/>
           </a:xfrm>
           <a:prstGeom prst="rect">
@@ -10104,7 +10119,7 @@
         </p:nvCxnSpPr>
         <p:spPr>
           <a:xfrm flipV="1">
-            <a:off x="2596609" y="2115858"/>
+            <a:off x="2524601" y="2115858"/>
             <a:ext cx="0" cy="648072"/>
           </a:xfrm>
           <a:prstGeom prst="straightConnector1">
@@ -10137,7 +10152,7 @@
         </p:nvCxnSpPr>
         <p:spPr>
           <a:xfrm>
-            <a:off x="3951601" y="4171254"/>
+            <a:off x="3879593" y="4171254"/>
             <a:ext cx="0" cy="648072"/>
           </a:xfrm>
           <a:prstGeom prst="straightConnector1">
@@ -10173,7 +10188,7 @@
         </p:nvCxnSpPr>
         <p:spPr>
           <a:xfrm flipV="1">
-            <a:off x="5309483" y="2115858"/>
+            <a:off x="5237475" y="2115858"/>
             <a:ext cx="0" cy="648072"/>
           </a:xfrm>
           <a:prstGeom prst="straightConnector1">
@@ -10209,7 +10224,7 @@
         </p:nvCxnSpPr>
         <p:spPr>
           <a:xfrm flipV="1">
-            <a:off x="8080218" y="2115858"/>
+            <a:off x="8008210" y="2115858"/>
             <a:ext cx="0" cy="648072"/>
           </a:xfrm>
           <a:prstGeom prst="straightConnector1">
@@ -10245,7 +10260,7 @@
         </p:nvCxnSpPr>
         <p:spPr>
           <a:xfrm>
-            <a:off x="6700000" y="4170635"/>
+            <a:off x="6627992" y="4170635"/>
             <a:ext cx="0" cy="662237"/>
           </a:xfrm>
           <a:prstGeom prst="straightConnector1">
@@ -10281,7 +10296,7 @@
         </p:nvSpPr>
         <p:spPr>
           <a:xfrm>
-            <a:off x="2051720" y="1484784"/>
+            <a:off x="1979712" y="1484784"/>
             <a:ext cx="1080120" cy="631074"/>
           </a:xfrm>
           <a:prstGeom prst="rect">
@@ -10345,7 +10360,7 @@
         </p:nvSpPr>
         <p:spPr>
           <a:xfrm>
-            <a:off x="3274589" y="4842978"/>
+            <a:off x="3202581" y="4842978"/>
             <a:ext cx="1357882" cy="631074"/>
           </a:xfrm>
           <a:prstGeom prst="rect">
@@ -10431,7 +10446,7 @@
         </p:nvSpPr>
         <p:spPr>
           <a:xfrm>
-            <a:off x="4636328" y="1484784"/>
+            <a:off x="4564320" y="1484784"/>
             <a:ext cx="1350167" cy="631074"/>
           </a:xfrm>
           <a:prstGeom prst="rect">
@@ -10496,7 +10511,7 @@
         </p:nvSpPr>
         <p:spPr>
           <a:xfrm>
-            <a:off x="5724128" y="4842612"/>
+            <a:off x="5652120" y="4842612"/>
             <a:ext cx="1944216" cy="631074"/>
           </a:xfrm>
           <a:prstGeom prst="rect">
@@ -10566,7 +10581,7 @@
         </p:nvSpPr>
         <p:spPr>
           <a:xfrm>
-            <a:off x="7236296" y="1484784"/>
+            <a:off x="7164288" y="1484784"/>
             <a:ext cx="1656184" cy="631074"/>
           </a:xfrm>
           <a:prstGeom prst="rect">
@@ -10656,7 +10671,7 @@
           <p:cNvPr id="5" name="Title 3">
             <a:extLst>
               <a:ext uri="{FF2B5EF4-FFF2-40B4-BE49-F238E27FC236}">
-                <a16:creationId xmlns:a16="http://schemas.microsoft.com/office/drawing/2014/main" xmlns="" id="{AC6A7350-ED1C-43B0-B2CF-A496AF50ADAB}"/>
+                <a16:creationId xmlns="" xmlns:a16="http://schemas.microsoft.com/office/drawing/2014/main" id="{AC6A7350-ED1C-43B0-B2CF-A496AF50ADAB}"/>
               </a:ext>
             </a:extLst>
           </p:cNvPr>
@@ -10741,7 +10756,7 @@
           <p:cNvPr id="6" name="Rettangolo 5">
             <a:extLst>
               <a:ext uri="{FF2B5EF4-FFF2-40B4-BE49-F238E27FC236}">
-                <a16:creationId xmlns:a16="http://schemas.microsoft.com/office/drawing/2014/main" xmlns="" id="{E9D808D5-ED83-4266-B4A6-F11548B6FDF4}"/>
+                <a16:creationId xmlns="" xmlns:a16="http://schemas.microsoft.com/office/drawing/2014/main" id="{E9D808D5-ED83-4266-B4A6-F11548B6FDF4}"/>
               </a:ext>
             </a:extLst>
           </p:cNvPr>
@@ -10751,7 +10766,7 @@
         <p:spPr>
           <a:xfrm>
             <a:off x="1619672" y="1352957"/>
-            <a:ext cx="7524328" cy="4801314"/>
+            <a:ext cx="7524328" cy="5355312"/>
           </a:xfrm>
           <a:prstGeom prst="rect">
             <a:avLst/>
@@ -10811,7 +10826,39 @@
                 <a:cs typeface="Calibri" panose="020F0502020204030204" pitchFamily="34" charset="0"/>
                 <a:sym typeface="Wingdings" panose="05000000000000000000" pitchFamily="2" charset="2"/>
               </a:rPr>
-              <a:t> per l’acquisizione dei dati pubblicati dagli utenti.</a:t>
+              <a:t> per l’acquisizione dei dati pubblicati </a:t>
+            </a:r>
+            <a:endParaRPr lang="it-IT" dirty="0" smtClean="0">
+              <a:latin typeface="Calibri" panose="020F0502020204030204" pitchFamily="34" charset="0"/>
+              <a:cs typeface="Calibri" panose="020F0502020204030204" pitchFamily="34" charset="0"/>
+              <a:sym typeface="Wingdings" panose="05000000000000000000" pitchFamily="2" charset="2"/>
+            </a:endParaRPr>
+          </a:p>
+          <a:p>
+            <a:pPr algn="just"/>
+            <a:r>
+              <a:rPr lang="it-IT" dirty="0">
+                <a:latin typeface="Calibri" panose="020F0502020204030204" pitchFamily="34" charset="0"/>
+                <a:cs typeface="Calibri" panose="020F0502020204030204" pitchFamily="34" charset="0"/>
+                <a:sym typeface="Wingdings" panose="05000000000000000000" pitchFamily="2" charset="2"/>
+              </a:rPr>
+              <a:t> </a:t>
+            </a:r>
+            <a:r>
+              <a:rPr lang="it-IT" dirty="0" smtClean="0">
+                <a:latin typeface="Calibri" panose="020F0502020204030204" pitchFamily="34" charset="0"/>
+                <a:cs typeface="Calibri" panose="020F0502020204030204" pitchFamily="34" charset="0"/>
+                <a:sym typeface="Wingdings" panose="05000000000000000000" pitchFamily="2" charset="2"/>
+              </a:rPr>
+              <a:t>    dagli </a:t>
+            </a:r>
+            <a:r>
+              <a:rPr lang="it-IT" dirty="0">
+                <a:latin typeface="Calibri" panose="020F0502020204030204" pitchFamily="34" charset="0"/>
+                <a:cs typeface="Calibri" panose="020F0502020204030204" pitchFamily="34" charset="0"/>
+                <a:sym typeface="Wingdings" panose="05000000000000000000" pitchFamily="2" charset="2"/>
+              </a:rPr>
+              <a:t>utenti.</a:t>
             </a:r>
           </a:p>
           <a:p>
@@ -10863,8 +10910,13 @@
                 <a:cs typeface="Calibri" panose="020F0502020204030204" pitchFamily="34" charset="0"/>
                 <a:sym typeface="Wingdings" panose="05000000000000000000" pitchFamily="2" charset="2"/>
               </a:rPr>
-              <a:t> dopo aver effettuato l’autenticazione con le </a:t>
-            </a:r>
+              <a:t> dopo aver effettuato l’autenticazione </a:t>
+            </a:r>
+            <a:endParaRPr lang="it-IT" dirty="0" smtClean="0">
+              <a:latin typeface="Calibri" panose="020F0502020204030204" pitchFamily="34" charset="0"/>
+              <a:cs typeface="Calibri" panose="020F0502020204030204" pitchFamily="34" charset="0"/>
+              <a:sym typeface="Wingdings" panose="05000000000000000000" pitchFamily="2" charset="2"/>
+            </a:endParaRPr>
           </a:p>
           <a:p>
             <a:pPr algn="just"/>
@@ -10874,7 +10926,39 @@
                 <a:cs typeface="Calibri" panose="020F0502020204030204" pitchFamily="34" charset="0"/>
                 <a:sym typeface="Wingdings" panose="05000000000000000000" pitchFamily="2" charset="2"/>
               </a:rPr>
-              <a:t>     credenziali da sviluppatore corrette.</a:t>
+              <a:t> </a:t>
+            </a:r>
+            <a:r>
+              <a:rPr lang="it-IT" dirty="0" smtClean="0">
+                <a:latin typeface="Calibri" panose="020F0502020204030204" pitchFamily="34" charset="0"/>
+                <a:cs typeface="Calibri" panose="020F0502020204030204" pitchFamily="34" charset="0"/>
+                <a:sym typeface="Wingdings" panose="05000000000000000000" pitchFamily="2" charset="2"/>
+              </a:rPr>
+              <a:t>    con </a:t>
+            </a:r>
+            <a:r>
+              <a:rPr lang="it-IT" dirty="0">
+                <a:latin typeface="Calibri" panose="020F0502020204030204" pitchFamily="34" charset="0"/>
+                <a:cs typeface="Calibri" panose="020F0502020204030204" pitchFamily="34" charset="0"/>
+                <a:sym typeface="Wingdings" panose="05000000000000000000" pitchFamily="2" charset="2"/>
+              </a:rPr>
+              <a:t>le </a:t>
+            </a:r>
+            <a:r>
+              <a:rPr lang="it-IT" dirty="0" smtClean="0">
+                <a:latin typeface="Calibri" panose="020F0502020204030204" pitchFamily="34" charset="0"/>
+                <a:cs typeface="Calibri" panose="020F0502020204030204" pitchFamily="34" charset="0"/>
+                <a:sym typeface="Wingdings" panose="05000000000000000000" pitchFamily="2" charset="2"/>
+              </a:rPr>
+              <a:t>credenziali </a:t>
+            </a:r>
+            <a:r>
+              <a:rPr lang="it-IT" dirty="0">
+                <a:latin typeface="Calibri" panose="020F0502020204030204" pitchFamily="34" charset="0"/>
+                <a:cs typeface="Calibri" panose="020F0502020204030204" pitchFamily="34" charset="0"/>
+                <a:sym typeface="Wingdings" panose="05000000000000000000" pitchFamily="2" charset="2"/>
+              </a:rPr>
+              <a:t>da sviluppatore corrette.</a:t>
             </a:r>
           </a:p>
           <a:p>
@@ -10917,24 +11001,53 @@
               </a:rPr>
               <a:t> limita lo streaming dei dati da parte degli sviluppatori: </a:t>
             </a:r>
-            <a:r>
-              <a:rPr lang="it-IT" u="sng" dirty="0">
+            <a:endParaRPr lang="it-IT" dirty="0" smtClean="0">
+              <a:latin typeface="Calibri" panose="020F0502020204030204" pitchFamily="34" charset="0"/>
+              <a:cs typeface="Calibri" panose="020F0502020204030204" pitchFamily="34" charset="0"/>
+              <a:sym typeface="Wingdings" panose="05000000000000000000" pitchFamily="2" charset="2"/>
+            </a:endParaRPr>
+          </a:p>
+          <a:p>
+            <a:pPr algn="just"/>
+            <a:r>
+              <a:rPr lang="it-IT" b="1" dirty="0">
                 <a:latin typeface="Calibri" panose="020F0502020204030204" pitchFamily="34" charset="0"/>
                 <a:cs typeface="Calibri" panose="020F0502020204030204" pitchFamily="34" charset="0"/>
                 <a:sym typeface="Wingdings" panose="05000000000000000000" pitchFamily="2" charset="2"/>
               </a:rPr>
-              <a:t>non più di </a:t>
-            </a:r>
-          </a:p>
-          <a:p>
-            <a:pPr algn="just"/>
-            <a:r>
-              <a:rPr lang="it-IT" u="sng" dirty="0">
+              <a:t> </a:t>
+            </a:r>
+            <a:r>
+              <a:rPr lang="it-IT" b="1" dirty="0" smtClean="0">
                 <a:latin typeface="Calibri" panose="020F0502020204030204" pitchFamily="34" charset="0"/>
                 <a:cs typeface="Calibri" panose="020F0502020204030204" pitchFamily="34" charset="0"/>
                 <a:sym typeface="Wingdings" panose="05000000000000000000" pitchFamily="2" charset="2"/>
               </a:rPr>
-              <a:t>     100 richieste ogni 15 minuti</a:t>
+              <a:t>     non </a:t>
+            </a:r>
+            <a:r>
+              <a:rPr lang="it-IT" b="1" dirty="0">
+                <a:latin typeface="Calibri" panose="020F0502020204030204" pitchFamily="34" charset="0"/>
+                <a:cs typeface="Calibri" panose="020F0502020204030204" pitchFamily="34" charset="0"/>
+                <a:sym typeface="Wingdings" panose="05000000000000000000" pitchFamily="2" charset="2"/>
+              </a:rPr>
+              <a:t>più di </a:t>
+            </a:r>
+            <a:r>
+              <a:rPr lang="it-IT" b="1" dirty="0" smtClean="0">
+                <a:latin typeface="Calibri" panose="020F0502020204030204" pitchFamily="34" charset="0"/>
+                <a:cs typeface="Calibri" panose="020F0502020204030204" pitchFamily="34" charset="0"/>
+                <a:sym typeface="Wingdings" panose="05000000000000000000" pitchFamily="2" charset="2"/>
+              </a:rPr>
+              <a:t>100 </a:t>
+            </a:r>
+            <a:r>
+              <a:rPr lang="it-IT" b="1" dirty="0">
+                <a:latin typeface="Calibri" panose="020F0502020204030204" pitchFamily="34" charset="0"/>
+                <a:cs typeface="Calibri" panose="020F0502020204030204" pitchFamily="34" charset="0"/>
+                <a:sym typeface="Wingdings" panose="05000000000000000000" pitchFamily="2" charset="2"/>
+              </a:rPr>
+              <a:t>richieste ogni 15 minuti</a:t>
             </a:r>
             <a:r>
               <a:rPr lang="it-IT" dirty="0">
@@ -10942,7 +11055,39 @@
                 <a:cs typeface="Calibri" panose="020F0502020204030204" pitchFamily="34" charset="0"/>
                 <a:sym typeface="Wingdings" panose="05000000000000000000" pitchFamily="2" charset="2"/>
               </a:rPr>
-              <a:t>, altrimenti credenziali bloccate per un’ora.</a:t>
+              <a:t>, altrimenti credenziali </a:t>
+            </a:r>
+            <a:endParaRPr lang="it-IT" dirty="0" smtClean="0">
+              <a:latin typeface="Calibri" panose="020F0502020204030204" pitchFamily="34" charset="0"/>
+              <a:cs typeface="Calibri" panose="020F0502020204030204" pitchFamily="34" charset="0"/>
+              <a:sym typeface="Wingdings" panose="05000000000000000000" pitchFamily="2" charset="2"/>
+            </a:endParaRPr>
+          </a:p>
+          <a:p>
+            <a:pPr algn="just"/>
+            <a:r>
+              <a:rPr lang="it-IT" dirty="0">
+                <a:latin typeface="Calibri" panose="020F0502020204030204" pitchFamily="34" charset="0"/>
+                <a:cs typeface="Calibri" panose="020F0502020204030204" pitchFamily="34" charset="0"/>
+                <a:sym typeface="Wingdings" panose="05000000000000000000" pitchFamily="2" charset="2"/>
+              </a:rPr>
+              <a:t> </a:t>
+            </a:r>
+            <a:r>
+              <a:rPr lang="it-IT" dirty="0" smtClean="0">
+                <a:latin typeface="Calibri" panose="020F0502020204030204" pitchFamily="34" charset="0"/>
+                <a:cs typeface="Calibri" panose="020F0502020204030204" pitchFamily="34" charset="0"/>
+                <a:sym typeface="Wingdings" panose="05000000000000000000" pitchFamily="2" charset="2"/>
+              </a:rPr>
+              <a:t>     bloccate </a:t>
+            </a:r>
+            <a:r>
+              <a:rPr lang="it-IT" dirty="0">
+                <a:latin typeface="Calibri" panose="020F0502020204030204" pitchFamily="34" charset="0"/>
+                <a:cs typeface="Calibri" panose="020F0502020204030204" pitchFamily="34" charset="0"/>
+                <a:sym typeface="Wingdings" panose="05000000000000000000" pitchFamily="2" charset="2"/>
+              </a:rPr>
+              <a:t>per un’ora.</a:t>
             </a:r>
           </a:p>
           <a:p>
@@ -11163,7 +11308,7 @@
           <p:cNvPr id="5" name="Title 3">
             <a:extLst>
               <a:ext uri="{FF2B5EF4-FFF2-40B4-BE49-F238E27FC236}">
-                <a16:creationId xmlns:a16="http://schemas.microsoft.com/office/drawing/2014/main" xmlns="" id="{3A78A980-0D2B-467E-B644-5D2D7E2C7C76}"/>
+                <a16:creationId xmlns="" xmlns:a16="http://schemas.microsoft.com/office/drawing/2014/main" id="{3A78A980-0D2B-467E-B644-5D2D7E2C7C76}"/>
               </a:ext>
             </a:extLst>
           </p:cNvPr>
@@ -11248,7 +11393,7 @@
           <p:cNvPr id="6" name="Rettangolo 5">
             <a:extLst>
               <a:ext uri="{FF2B5EF4-FFF2-40B4-BE49-F238E27FC236}">
-                <a16:creationId xmlns:a16="http://schemas.microsoft.com/office/drawing/2014/main" xmlns="" id="{13544446-166C-4D47-9BAD-7D0BB734E8FC}"/>
+                <a16:creationId xmlns="" xmlns:a16="http://schemas.microsoft.com/office/drawing/2014/main" id="{13544446-166C-4D47-9BAD-7D0BB734E8FC}"/>
               </a:ext>
             </a:extLst>
           </p:cNvPr>
@@ -11426,27 +11571,45 @@
                 <a:latin typeface="Calibri" panose="020F0502020204030204" pitchFamily="34" charset="0"/>
                 <a:cs typeface="Calibri" panose="020F0502020204030204" pitchFamily="34" charset="0"/>
               </a:rPr>
-              <a:t>Gestisce il processo di autenticazione dello sviluppatore presso il server di </a:t>
-            </a:r>
+              <a:t>Gestisce il processo di autenticazione dello sviluppatore presso il </a:t>
+            </a:r>
+            <a:endParaRPr lang="it-IT" dirty="0" smtClean="0">
+              <a:latin typeface="Calibri" panose="020F0502020204030204" pitchFamily="34" charset="0"/>
+              <a:cs typeface="Calibri" panose="020F0502020204030204" pitchFamily="34" charset="0"/>
+            </a:endParaRPr>
           </a:p>
           <a:p>
             <a:pPr algn="just"/>
             <a:r>
-              <a:rPr lang="it-IT" i="1" dirty="0">
+              <a:rPr lang="it-IT" dirty="0">
                 <a:latin typeface="Calibri" panose="020F0502020204030204" pitchFamily="34" charset="0"/>
                 <a:cs typeface="Calibri" panose="020F0502020204030204" pitchFamily="34" charset="0"/>
               </a:rPr>
-              <a:t>     </a:t>
-            </a:r>
-            <a:r>
-              <a:rPr lang="it-IT" b="1" i="1" dirty="0">
+              <a:t> </a:t>
+            </a:r>
+            <a:r>
+              <a:rPr lang="it-IT" dirty="0" smtClean="0">
                 <a:latin typeface="Calibri" panose="020F0502020204030204" pitchFamily="34" charset="0"/>
                 <a:cs typeface="Calibri" panose="020F0502020204030204" pitchFamily="34" charset="0"/>
               </a:rPr>
+              <a:t>     server </a:t>
+            </a:r>
+            <a:r>
+              <a:rPr lang="it-IT" dirty="0">
+                <a:latin typeface="Calibri" panose="020F0502020204030204" pitchFamily="34" charset="0"/>
+                <a:cs typeface="Calibri" panose="020F0502020204030204" pitchFamily="34" charset="0"/>
+              </a:rPr>
+              <a:t>di </a:t>
+            </a:r>
+            <a:r>
+              <a:rPr lang="it-IT" b="1" i="1" dirty="0" smtClean="0">
+                <a:latin typeface="Calibri" panose="020F0502020204030204" pitchFamily="34" charset="0"/>
+                <a:cs typeface="Calibri" panose="020F0502020204030204" pitchFamily="34" charset="0"/>
+              </a:rPr>
               <a:t>streaming</a:t>
             </a:r>
             <a:r>
-              <a:rPr lang="it-IT" i="1" dirty="0">
+              <a:rPr lang="it-IT" i="1" dirty="0" smtClean="0">
                 <a:latin typeface="Calibri" panose="020F0502020204030204" pitchFamily="34" charset="0"/>
                 <a:cs typeface="Calibri" panose="020F0502020204030204" pitchFamily="34" charset="0"/>
               </a:rPr>
@@ -11525,8 +11688,12 @@
                 <a:latin typeface="Calibri" panose="020F0502020204030204" pitchFamily="34" charset="0"/>
                 <a:cs typeface="Calibri" panose="020F0502020204030204" pitchFamily="34" charset="0"/>
               </a:rPr>
-              <a:t>, che </a:t>
-            </a:r>
+              <a:t>, </a:t>
+            </a:r>
+            <a:endParaRPr lang="it-IT" dirty="0" smtClean="0">
+              <a:latin typeface="Calibri" panose="020F0502020204030204" pitchFamily="34" charset="0"/>
+              <a:cs typeface="Calibri" panose="020F0502020204030204" pitchFamily="34" charset="0"/>
+            </a:endParaRPr>
           </a:p>
           <a:p>
             <a:pPr algn="just"/>
@@ -11535,17 +11702,38 @@
                 <a:latin typeface="Calibri" panose="020F0502020204030204" pitchFamily="34" charset="0"/>
                 <a:cs typeface="Calibri" panose="020F0502020204030204" pitchFamily="34" charset="0"/>
               </a:rPr>
-              <a:t>      insorge quando viene superata la soglia di traffico di 100 richieste ogni </a:t>
-            </a:r>
-          </a:p>
-          <a:p>
-            <a:pPr algn="just"/>
+              <a:t> </a:t>
+            </a:r>
+            <a:r>
+              <a:rPr lang="it-IT" dirty="0" smtClean="0">
+                <a:latin typeface="Calibri" panose="020F0502020204030204" pitchFamily="34" charset="0"/>
+                <a:cs typeface="Calibri" panose="020F0502020204030204" pitchFamily="34" charset="0"/>
+              </a:rPr>
+              <a:t>    che insorge </a:t>
+            </a:r>
             <a:r>
               <a:rPr lang="it-IT" dirty="0">
                 <a:latin typeface="Calibri" panose="020F0502020204030204" pitchFamily="34" charset="0"/>
                 <a:cs typeface="Calibri" panose="020F0502020204030204" pitchFamily="34" charset="0"/>
               </a:rPr>
-              <a:t>     15 minuti, </a:t>
+              <a:t>quando viene superata la soglia di traffico di 100 richieste </a:t>
+            </a:r>
+          </a:p>
+          <a:p>
+            <a:pPr algn="just"/>
+            <a:r>
+              <a:rPr lang="it-IT" dirty="0" smtClean="0">
+                <a:latin typeface="Calibri" panose="020F0502020204030204" pitchFamily="34" charset="0"/>
+                <a:cs typeface="Calibri" panose="020F0502020204030204" pitchFamily="34" charset="0"/>
+              </a:rPr>
+              <a:t>     ogni 15 </a:t>
+            </a:r>
+            <a:r>
+              <a:rPr lang="it-IT" dirty="0">
+                <a:latin typeface="Calibri" panose="020F0502020204030204" pitchFamily="34" charset="0"/>
+                <a:cs typeface="Calibri" panose="020F0502020204030204" pitchFamily="34" charset="0"/>
+              </a:rPr>
+              <a:t>minuti, </a:t>
             </a:r>
             <a:r>
               <a:rPr lang="it-IT" dirty="0" smtClean="0">
@@ -11627,7 +11815,7 @@
           <p:cNvPr id="7" name="Freccia a destra 6">
             <a:extLst>
               <a:ext uri="{FF2B5EF4-FFF2-40B4-BE49-F238E27FC236}">
-                <a16:creationId xmlns:a16="http://schemas.microsoft.com/office/drawing/2014/main" xmlns="" id="{CD2A3987-F483-4038-AA85-8FB867750F2A}"/>
+                <a16:creationId xmlns="" xmlns:a16="http://schemas.microsoft.com/office/drawing/2014/main" id="{CD2A3987-F483-4038-AA85-8FB867750F2A}"/>
               </a:ext>
             </a:extLst>
           </p:cNvPr>
@@ -11711,7 +11899,7 @@
           <p:cNvPr id="5" name="Title 3">
             <a:extLst>
               <a:ext uri="{FF2B5EF4-FFF2-40B4-BE49-F238E27FC236}">
-                <a16:creationId xmlns:a16="http://schemas.microsoft.com/office/drawing/2014/main" xmlns="" id="{FA269D4B-3754-4570-94B4-840809F1DD9D}"/>
+                <a16:creationId xmlns="" xmlns:a16="http://schemas.microsoft.com/office/drawing/2014/main" id="{FA269D4B-3754-4570-94B4-840809F1DD9D}"/>
               </a:ext>
             </a:extLst>
           </p:cNvPr>
@@ -11796,7 +11984,7 @@
           <p:cNvPr id="6" name="Rettangolo 5">
             <a:extLst>
               <a:ext uri="{FF2B5EF4-FFF2-40B4-BE49-F238E27FC236}">
-                <a16:creationId xmlns:a16="http://schemas.microsoft.com/office/drawing/2014/main" xmlns="" id="{E905DEB8-2BFA-41BE-9967-84ECE44648DF}"/>
+                <a16:creationId xmlns="" xmlns:a16="http://schemas.microsoft.com/office/drawing/2014/main" id="{E905DEB8-2BFA-41BE-9967-84ECE44648DF}"/>
               </a:ext>
             </a:extLst>
           </p:cNvPr>
@@ -11879,26 +12067,37 @@
                 <a:latin typeface="Calibri" panose="020F0502020204030204" pitchFamily="34" charset="0"/>
                 <a:cs typeface="Calibri" panose="020F0502020204030204" pitchFamily="34" charset="0"/>
               </a:rPr>
-              <a:t>ufficiale e di ottenere </a:t>
-            </a:r>
-          </a:p>
-          <a:p>
-            <a:r>
-              <a:rPr lang="it-IT" i="1" dirty="0">
+              <a:t>ufficiale e di </a:t>
+            </a:r>
+            <a:endParaRPr lang="it-IT" dirty="0" smtClean="0">
+              <a:latin typeface="Calibri" panose="020F0502020204030204" pitchFamily="34" charset="0"/>
+              <a:cs typeface="Calibri" panose="020F0502020204030204" pitchFamily="34" charset="0"/>
+            </a:endParaRPr>
+          </a:p>
+          <a:p>
+            <a:r>
+              <a:rPr lang="it-IT" dirty="0">
                 <a:latin typeface="Calibri" panose="020F0502020204030204" pitchFamily="34" charset="0"/>
                 <a:cs typeface="Calibri" panose="020F0502020204030204" pitchFamily="34" charset="0"/>
               </a:rPr>
-              <a:t>      </a:t>
-            </a:r>
-            <a:r>
-              <a:rPr lang="it-IT" i="1" dirty="0" err="1">
+              <a:t> </a:t>
+            </a:r>
+            <a:r>
+              <a:rPr lang="it-IT" dirty="0" smtClean="0">
                 <a:latin typeface="Calibri" panose="020F0502020204030204" pitchFamily="34" charset="0"/>
                 <a:cs typeface="Calibri" panose="020F0502020204030204" pitchFamily="34" charset="0"/>
               </a:rPr>
+              <a:t>     ottenere </a:t>
+            </a:r>
+            <a:r>
+              <a:rPr lang="it-IT" i="1" dirty="0" err="1" smtClean="0">
+                <a:latin typeface="Calibri" panose="020F0502020204030204" pitchFamily="34" charset="0"/>
+                <a:cs typeface="Calibri" panose="020F0502020204030204" pitchFamily="34" charset="0"/>
+              </a:rPr>
               <a:t>tweets</a:t>
             </a:r>
             <a:r>
-              <a:rPr lang="it-IT" i="1" dirty="0">
+              <a:rPr lang="it-IT" i="1" dirty="0" smtClean="0">
                 <a:latin typeface="Calibri" panose="020F0502020204030204" pitchFamily="34" charset="0"/>
                 <a:cs typeface="Calibri" panose="020F0502020204030204" pitchFamily="34" charset="0"/>
               </a:rPr>
@@ -12034,8 +12233,13 @@
                 <a:cs typeface="Calibri" panose="020F0502020204030204" pitchFamily="34" charset="0"/>
                 <a:sym typeface="Wingdings" panose="05000000000000000000" pitchFamily="2" charset="2"/>
               </a:rPr>
-              <a:t>, relativi </a:t>
-            </a:r>
+              <a:t>, </a:t>
+            </a:r>
+            <a:endParaRPr lang="it-IT" dirty="0" smtClean="0">
+              <a:latin typeface="Calibri" panose="020F0502020204030204" pitchFamily="34" charset="0"/>
+              <a:cs typeface="Calibri" panose="020F0502020204030204" pitchFamily="34" charset="0"/>
+              <a:sym typeface="Wingdings" panose="05000000000000000000" pitchFamily="2" charset="2"/>
+            </a:endParaRPr>
           </a:p>
           <a:p>
             <a:pPr algn="just"/>
@@ -12045,15 +12249,31 @@
                 <a:cs typeface="Calibri" panose="020F0502020204030204" pitchFamily="34" charset="0"/>
                 <a:sym typeface="Wingdings" panose="05000000000000000000" pitchFamily="2" charset="2"/>
               </a:rPr>
-              <a:t>      all’</a:t>
-            </a:r>
-            <a:r>
-              <a:rPr lang="it-IT" b="1" i="1" dirty="0">
+              <a:t> </a:t>
+            </a:r>
+            <a:r>
+              <a:rPr lang="it-IT" dirty="0" smtClean="0">
                 <a:latin typeface="Calibri" panose="020F0502020204030204" pitchFamily="34" charset="0"/>
                 <a:cs typeface="Calibri" panose="020F0502020204030204" pitchFamily="34" charset="0"/>
                 <a:sym typeface="Wingdings" panose="05000000000000000000" pitchFamily="2" charset="2"/>
               </a:rPr>
+              <a:t>     relativi all’</a:t>
+            </a:r>
+            <a:r>
+              <a:rPr lang="it-IT" b="1" i="1" dirty="0" err="1" smtClean="0">
+                <a:latin typeface="Calibri" panose="020F0502020204030204" pitchFamily="34" charset="0"/>
+                <a:cs typeface="Calibri" panose="020F0502020204030204" pitchFamily="34" charset="0"/>
+                <a:sym typeface="Wingdings" panose="05000000000000000000" pitchFamily="2" charset="2"/>
+              </a:rPr>
               <a:t>hashtag</a:t>
+            </a:r>
+            <a:r>
+              <a:rPr lang="it-IT" dirty="0" smtClean="0">
+                <a:latin typeface="Calibri" panose="020F0502020204030204" pitchFamily="34" charset="0"/>
+                <a:cs typeface="Calibri" panose="020F0502020204030204" pitchFamily="34" charset="0"/>
+                <a:sym typeface="Wingdings" panose="05000000000000000000" pitchFamily="2" charset="2"/>
+              </a:rPr>
+              <a:t> </a:t>
             </a:r>
             <a:r>
               <a:rPr lang="it-IT" dirty="0">
@@ -12061,7 +12281,7 @@
                 <a:cs typeface="Calibri" panose="020F0502020204030204" pitchFamily="34" charset="0"/>
                 <a:sym typeface="Wingdings" panose="05000000000000000000" pitchFamily="2" charset="2"/>
               </a:rPr>
-              <a:t> che si sta cercando, via via più vecchi.</a:t>
+              <a:t>che si sta cercando, via via più vecchi.</a:t>
             </a:r>
           </a:p>
           <a:p>
@@ -12184,7 +12404,7 @@
           <p:cNvPr id="5" name="Title 3">
             <a:extLst>
               <a:ext uri="{FF2B5EF4-FFF2-40B4-BE49-F238E27FC236}">
-                <a16:creationId xmlns:a16="http://schemas.microsoft.com/office/drawing/2014/main" xmlns="" id="{D5B2E943-4D76-47C0-AFF3-70EEC7B728A0}"/>
+                <a16:creationId xmlns="" xmlns:a16="http://schemas.microsoft.com/office/drawing/2014/main" id="{D5B2E943-4D76-47C0-AFF3-70EEC7B728A0}"/>
               </a:ext>
             </a:extLst>
           </p:cNvPr>
@@ -12269,7 +12489,7 @@
           <p:cNvPr id="6" name="Rettangolo 5">
             <a:extLst>
               <a:ext uri="{FF2B5EF4-FFF2-40B4-BE49-F238E27FC236}">
-                <a16:creationId xmlns:a16="http://schemas.microsoft.com/office/drawing/2014/main" xmlns="" id="{E8861B7B-8A8E-4E0F-AC25-74535E87BCCE}"/>
+                <a16:creationId xmlns="" xmlns:a16="http://schemas.microsoft.com/office/drawing/2014/main" id="{E8861B7B-8A8E-4E0F-AC25-74535E87BCCE}"/>
               </a:ext>
             </a:extLst>
           </p:cNvPr>
@@ -12278,7 +12498,7 @@
         </p:nvSpPr>
         <p:spPr>
           <a:xfrm>
-            <a:off x="1619672" y="1352957"/>
+            <a:off x="1584176" y="1352957"/>
             <a:ext cx="7524328" cy="5355312"/>
           </a:xfrm>
           <a:prstGeom prst="rect">
@@ -12486,11 +12706,18 @@
           <a:p>
             <a:pPr algn="ctr"/>
             <a:r>
+              <a:rPr lang="it-IT" dirty="0" smtClean="0">
+                <a:latin typeface="Calibri" panose="020F0502020204030204" pitchFamily="34" charset="0"/>
+                <a:cs typeface="Calibri" panose="020F0502020204030204" pitchFamily="34" charset="0"/>
+              </a:rPr>
+              <a:t>Recuperare </a:t>
+            </a:r>
+            <a:r>
               <a:rPr lang="it-IT" dirty="0">
                 <a:latin typeface="Calibri" panose="020F0502020204030204" pitchFamily="34" charset="0"/>
                 <a:cs typeface="Calibri" panose="020F0502020204030204" pitchFamily="34" charset="0"/>
               </a:rPr>
-              <a:t>Recuperare tutti i </a:t>
+              <a:t>tutti i </a:t>
             </a:r>
             <a:r>
               <a:rPr lang="it-IT" b="1" i="1" dirty="0" err="1">
@@ -12511,29 +12738,33 @@
                 <a:latin typeface="Calibri" panose="020F0502020204030204" pitchFamily="34" charset="0"/>
                 <a:cs typeface="Calibri" panose="020F0502020204030204" pitchFamily="34" charset="0"/>
               </a:rPr>
-              <a:t>che sono stati prodotti verso i </a:t>
-            </a:r>
-            <a:r>
-              <a:rPr lang="it-IT" b="1" i="1" dirty="0" err="1">
+              <a:t>che sono stati prodotti verso </a:t>
+            </a:r>
+            <a:r>
+              <a:rPr lang="it-IT" dirty="0" smtClean="0">
                 <a:latin typeface="Calibri" panose="020F0502020204030204" pitchFamily="34" charset="0"/>
                 <a:cs typeface="Calibri" panose="020F0502020204030204" pitchFamily="34" charset="0"/>
               </a:rPr>
-              <a:t>tweets</a:t>
-            </a:r>
-            <a:r>
-              <a:rPr lang="it-IT" i="1" dirty="0">
+              <a:t>tali </a:t>
+            </a:r>
+            <a:r>
+              <a:rPr lang="it-IT" b="1" i="1" dirty="0" err="1" smtClean="0">
                 <a:latin typeface="Calibri" panose="020F0502020204030204" pitchFamily="34" charset="0"/>
                 <a:cs typeface="Calibri" panose="020F0502020204030204" pitchFamily="34" charset="0"/>
               </a:rPr>
-              <a:t> </a:t>
-            </a:r>
-            <a:r>
-              <a:rPr lang="it-IT" dirty="0">
+              <a:t>tweets</a:t>
+            </a:r>
+            <a:r>
+              <a:rPr lang="it-IT" dirty="0" smtClean="0">
                 <a:latin typeface="Calibri" panose="020F0502020204030204" pitchFamily="34" charset="0"/>
                 <a:cs typeface="Calibri" panose="020F0502020204030204" pitchFamily="34" charset="0"/>
               </a:rPr>
-              <a:t>recuperati.</a:t>
-            </a:r>
+              <a:t>.</a:t>
+            </a:r>
+            <a:endParaRPr lang="it-IT" dirty="0">
+              <a:latin typeface="Calibri" panose="020F0502020204030204" pitchFamily="34" charset="0"/>
+              <a:cs typeface="Calibri" panose="020F0502020204030204" pitchFamily="34" charset="0"/>
+            </a:endParaRPr>
           </a:p>
           <a:p>
             <a:pPr algn="ctr"/>
@@ -12617,7 +12848,7 @@
           <p:cNvPr id="8" name="Connettore 2 7">
             <a:extLst>
               <a:ext uri="{FF2B5EF4-FFF2-40B4-BE49-F238E27FC236}">
-                <a16:creationId xmlns:a16="http://schemas.microsoft.com/office/drawing/2014/main" xmlns="" id="{10DFEC75-8F1A-438D-A7A3-11E66A8AAFF2}"/>
+                <a16:creationId xmlns="" xmlns:a16="http://schemas.microsoft.com/office/drawing/2014/main" id="{10DFEC75-8F1A-438D-A7A3-11E66A8AAFF2}"/>
               </a:ext>
             </a:extLst>
           </p:cNvPr>
@@ -12656,7 +12887,7 @@
           <p:cNvPr id="9" name="Connettore 2 8">
             <a:extLst>
               <a:ext uri="{FF2B5EF4-FFF2-40B4-BE49-F238E27FC236}">
-                <a16:creationId xmlns:a16="http://schemas.microsoft.com/office/drawing/2014/main" xmlns="" id="{5B792FA7-2F70-4FAF-B16E-10DA5390FCCA}"/>
+                <a16:creationId xmlns="" xmlns:a16="http://schemas.microsoft.com/office/drawing/2014/main" id="{5B792FA7-2F70-4FAF-B16E-10DA5390FCCA}"/>
               </a:ext>
             </a:extLst>
           </p:cNvPr>
@@ -12695,7 +12926,7 @@
           <p:cNvPr id="10" name="Connettore 2 9">
             <a:extLst>
               <a:ext uri="{FF2B5EF4-FFF2-40B4-BE49-F238E27FC236}">
-                <a16:creationId xmlns:a16="http://schemas.microsoft.com/office/drawing/2014/main" xmlns="" id="{BD722D80-B984-47BA-BCEA-1550BF590A27}"/>
+                <a16:creationId xmlns="" xmlns:a16="http://schemas.microsoft.com/office/drawing/2014/main" id="{BD722D80-B984-47BA-BCEA-1550BF590A27}"/>
               </a:ext>
             </a:extLst>
           </p:cNvPr>
@@ -12734,7 +12965,7 @@
           <p:cNvPr id="11" name="Parentesi graffa aperta 10">
             <a:extLst>
               <a:ext uri="{FF2B5EF4-FFF2-40B4-BE49-F238E27FC236}">
-                <a16:creationId xmlns:a16="http://schemas.microsoft.com/office/drawing/2014/main" xmlns="" id="{4ED9291E-6287-4A3B-82B7-D09C06EE3A91}"/>
+                <a16:creationId xmlns="" xmlns:a16="http://schemas.microsoft.com/office/drawing/2014/main" id="{4ED9291E-6287-4A3B-82B7-D09C06EE3A91}"/>
               </a:ext>
             </a:extLst>
           </p:cNvPr>
@@ -12778,7 +13009,7 @@
           <p:cNvPr id="12" name="Parentesi graffa aperta 11">
             <a:extLst>
               <a:ext uri="{FF2B5EF4-FFF2-40B4-BE49-F238E27FC236}">
-                <a16:creationId xmlns:a16="http://schemas.microsoft.com/office/drawing/2014/main" xmlns="" id="{9A10EE08-33EC-4F79-BE5F-8C8EC7C3BC50}"/>
+                <a16:creationId xmlns="" xmlns:a16="http://schemas.microsoft.com/office/drawing/2014/main" id="{9A10EE08-33EC-4F79-BE5F-8C8EC7C3BC50}"/>
               </a:ext>
             </a:extLst>
           </p:cNvPr>
@@ -12787,7 +13018,7 @@
         </p:nvSpPr>
         <p:spPr>
           <a:xfrm>
-            <a:off x="1547681" y="4509120"/>
+            <a:off x="1907721" y="4365104"/>
             <a:ext cx="288015" cy="864096"/>
           </a:xfrm>
           <a:prstGeom prst="leftBrace">
@@ -12822,7 +13053,7 @@
           <p:cNvPr id="13" name="CasellaDiTesto 12">
             <a:extLst>
               <a:ext uri="{FF2B5EF4-FFF2-40B4-BE49-F238E27FC236}">
-                <a16:creationId xmlns:a16="http://schemas.microsoft.com/office/drawing/2014/main" xmlns="" id="{3F838B8A-4711-4B54-9062-A9BE7F635107}"/>
+                <a16:creationId xmlns="" xmlns:a16="http://schemas.microsoft.com/office/drawing/2014/main" id="{3F838B8A-4711-4B54-9062-A9BE7F635107}"/>
               </a:ext>
             </a:extLst>
           </p:cNvPr>
@@ -12864,7 +13095,7 @@
           <p:cNvPr id="14" name="CasellaDiTesto 13">
             <a:extLst>
               <a:ext uri="{FF2B5EF4-FFF2-40B4-BE49-F238E27FC236}">
-                <a16:creationId xmlns:a16="http://schemas.microsoft.com/office/drawing/2014/main" xmlns="" id="{6075593A-FB72-4CCB-8CFA-16377A06B598}"/>
+                <a16:creationId xmlns="" xmlns:a16="http://schemas.microsoft.com/office/drawing/2014/main" id="{6075593A-FB72-4CCB-8CFA-16377A06B598}"/>
               </a:ext>
             </a:extLst>
           </p:cNvPr>
@@ -12873,7 +13104,7 @@
         </p:nvSpPr>
         <p:spPr>
           <a:xfrm>
-            <a:off x="315981" y="4653136"/>
+            <a:off x="689614" y="4509120"/>
             <a:ext cx="1218090" cy="584775"/>
           </a:xfrm>
           <a:prstGeom prst="rect">
@@ -12966,7 +13197,7 @@
           <p:cNvPr id="5" name="Title 3">
             <a:extLst>
               <a:ext uri="{FF2B5EF4-FFF2-40B4-BE49-F238E27FC236}">
-                <a16:creationId xmlns:a16="http://schemas.microsoft.com/office/drawing/2014/main" xmlns="" id="{D5B2E943-4D76-47C0-AFF3-70EEC7B728A0}"/>
+                <a16:creationId xmlns="" xmlns:a16="http://schemas.microsoft.com/office/drawing/2014/main" id="{D5B2E943-4D76-47C0-AFF3-70EEC7B728A0}"/>
               </a:ext>
             </a:extLst>
           </p:cNvPr>
@@ -26483,7 +26714,7 @@
           <p:cNvPr id="8" name="Title 3">
             <a:extLst>
               <a:ext uri="{FF2B5EF4-FFF2-40B4-BE49-F238E27FC236}">
-                <a16:creationId xmlns:a16="http://schemas.microsoft.com/office/drawing/2014/main" xmlns="" id="{D5B2E943-4D76-47C0-AFF3-70EEC7B728A0}"/>
+                <a16:creationId xmlns="" xmlns:a16="http://schemas.microsoft.com/office/drawing/2014/main" id="{D5B2E943-4D76-47C0-AFF3-70EEC7B728A0}"/>
               </a:ext>
             </a:extLst>
           </p:cNvPr>
@@ -28038,7 +28269,7 @@
           <p:cNvPr id="5" name="Title 3">
             <a:extLst>
               <a:ext uri="{FF2B5EF4-FFF2-40B4-BE49-F238E27FC236}">
-                <a16:creationId xmlns:a16="http://schemas.microsoft.com/office/drawing/2014/main" xmlns="" id="{D5B2E943-4D76-47C0-AFF3-70EEC7B728A0}"/>
+                <a16:creationId xmlns="" xmlns:a16="http://schemas.microsoft.com/office/drawing/2014/main" id="{D5B2E943-4D76-47C0-AFF3-70EEC7B728A0}"/>
               </a:ext>
             </a:extLst>
           </p:cNvPr>
@@ -28154,7 +28385,7 @@
               <p:cNvPr id="3" name="Rettangolo 2">
                 <a:extLst>
                   <a:ext uri="{FF2B5EF4-FFF2-40B4-BE49-F238E27FC236}">
-                    <a16:creationId xmlns:a16="http://schemas.microsoft.com/office/drawing/2014/main" xmlns="" id="{E905DEB8-2BFA-41BE-9967-84ECE44648DF}"/>
+                    <a16:creationId xmlns="" xmlns:a16="http://schemas.microsoft.com/office/drawing/2014/main" id="{E905DEB8-2BFA-41BE-9967-84ECE44648DF}"/>
                   </a:ext>
                 </a:extLst>
               </p:cNvPr>
@@ -28907,7 +29138,7 @@
           <p:cNvPr id="5" name="Title 3">
             <a:extLst>
               <a:ext uri="{FF2B5EF4-FFF2-40B4-BE49-F238E27FC236}">
-                <a16:creationId xmlns:a16="http://schemas.microsoft.com/office/drawing/2014/main" xmlns="" id="{D5B2E943-4D76-47C0-AFF3-70EEC7B728A0}"/>
+                <a16:creationId xmlns="" xmlns:a16="http://schemas.microsoft.com/office/drawing/2014/main" id="{D5B2E943-4D76-47C0-AFF3-70EEC7B728A0}"/>
               </a:ext>
             </a:extLst>
           </p:cNvPr>
@@ -29021,7 +29252,7 @@
           <p:cNvPr id="6" name="Rettangolo 5">
             <a:extLst>
               <a:ext uri="{FF2B5EF4-FFF2-40B4-BE49-F238E27FC236}">
-                <a16:creationId xmlns:a16="http://schemas.microsoft.com/office/drawing/2014/main" xmlns="" id="{E8861B7B-8A8E-4E0F-AC25-74535E87BCCE}"/>
+                <a16:creationId xmlns="" xmlns:a16="http://schemas.microsoft.com/office/drawing/2014/main" id="{E8861B7B-8A8E-4E0F-AC25-74535E87BCCE}"/>
               </a:ext>
             </a:extLst>
           </p:cNvPr>
@@ -29118,25 +29349,17 @@
                 <a:cs typeface="Calibri" panose="020F0502020204030204" pitchFamily="34" charset="0"/>
                 <a:sym typeface="Wingdings" panose="05000000000000000000" pitchFamily="2" charset="2"/>
               </a:rPr>
-              <a:t>     loro da pochissimi archi, allora tutti i percorsi di costo minimo tra queste</a:t>
-            </a:r>
-          </a:p>
-          <a:p>
-            <a:r>
-              <a:rPr lang="it-IT" dirty="0">
-                <a:latin typeface="Calibri" panose="020F0502020204030204" pitchFamily="34" charset="0"/>
-                <a:cs typeface="Calibri" panose="020F0502020204030204" pitchFamily="34" charset="0"/>
-                <a:sym typeface="Wingdings" panose="05000000000000000000" pitchFamily="2" charset="2"/>
-              </a:rPr>
-              <a:t> </a:t>
-            </a:r>
+              <a:t>     loro da pochissimi archi, allora tutti i percorsi di costo minimo tra </a:t>
+            </a:r>
+          </a:p>
+          <a:p>
             <a:r>
               <a:rPr lang="it-IT" dirty="0" smtClean="0">
                 <a:latin typeface="Calibri" panose="020F0502020204030204" pitchFamily="34" charset="0"/>
                 <a:cs typeface="Calibri" panose="020F0502020204030204" pitchFamily="34" charset="0"/>
                 <a:sym typeface="Wingdings" panose="05000000000000000000" pitchFamily="2" charset="2"/>
               </a:rPr>
-              <a:t>     due comunità dovranno passare attraverso tali archi.</a:t>
+              <a:t>      queste due comunità dovranno passare attraverso tali archi.</a:t>
             </a:r>
           </a:p>
           <a:p>
@@ -30056,7 +30279,7 @@
           <p:cNvPr id="5" name="Title 3">
             <a:extLst>
               <a:ext uri="{FF2B5EF4-FFF2-40B4-BE49-F238E27FC236}">
-                <a16:creationId xmlns:a16="http://schemas.microsoft.com/office/drawing/2014/main" xmlns="" id="{D5B2E943-4D76-47C0-AFF3-70EEC7B728A0}"/>
+                <a16:creationId xmlns="" xmlns:a16="http://schemas.microsoft.com/office/drawing/2014/main" id="{D5B2E943-4D76-47C0-AFF3-70EEC7B728A0}"/>
               </a:ext>
             </a:extLst>
           </p:cNvPr>
@@ -30351,7 +30574,7 @@
           <p:cNvPr id="5" name="Title 3">
             <a:extLst>
               <a:ext uri="{FF2B5EF4-FFF2-40B4-BE49-F238E27FC236}">
-                <a16:creationId xmlns:a16="http://schemas.microsoft.com/office/drawing/2014/main" xmlns="" id="{D5B2E943-4D76-47C0-AFF3-70EEC7B728A0}"/>
+                <a16:creationId xmlns="" xmlns:a16="http://schemas.microsoft.com/office/drawing/2014/main" id="{D5B2E943-4D76-47C0-AFF3-70EEC7B728A0}"/>
               </a:ext>
             </a:extLst>
           </p:cNvPr>
@@ -30939,7 +31162,7 @@
           <p:cNvPr id="5" name="Title 3">
             <a:extLst>
               <a:ext uri="{FF2B5EF4-FFF2-40B4-BE49-F238E27FC236}">
-                <a16:creationId xmlns:a16="http://schemas.microsoft.com/office/drawing/2014/main" xmlns="" id="{D5B2E943-4D76-47C0-AFF3-70EEC7B728A0}"/>
+                <a16:creationId xmlns="" xmlns:a16="http://schemas.microsoft.com/office/drawing/2014/main" id="{D5B2E943-4D76-47C0-AFF3-70EEC7B728A0}"/>
               </a:ext>
             </a:extLst>
           </p:cNvPr>
@@ -31764,7 +31987,7 @@
           <p:cNvPr id="5" name="Title 3">
             <a:extLst>
               <a:ext uri="{FF2B5EF4-FFF2-40B4-BE49-F238E27FC236}">
-                <a16:creationId xmlns:a16="http://schemas.microsoft.com/office/drawing/2014/main" xmlns="" id="{D5B2E943-4D76-47C0-AFF3-70EEC7B728A0}"/>
+                <a16:creationId xmlns="" xmlns:a16="http://schemas.microsoft.com/office/drawing/2014/main" id="{D5B2E943-4D76-47C0-AFF3-70EEC7B728A0}"/>
               </a:ext>
             </a:extLst>
           </p:cNvPr>
@@ -31920,7 +32143,7 @@
                 </a:endParaRPr>
               </a:p>
               <a:p>
-                <a:endParaRPr lang="it-IT" dirty="0">
+                <a:endParaRPr lang="it-IT" dirty="0" smtClean="0">
                   <a:latin typeface="Calibri" pitchFamily="34" charset="0"/>
                   <a:cs typeface="Calibri" pitchFamily="34" charset="0"/>
                 </a:endParaRPr>
@@ -31930,9 +32153,16 @@
                 <a14:m>
                   <m:oMathPara xmlns:m="http://schemas.openxmlformats.org/officeDocument/2006/math">
                     <m:oMathParaPr>
-                      <m:jc m:val="center"/>
+                      <m:jc m:val="left"/>
                     </m:oMathParaPr>
                     <m:oMath xmlns:m="http://schemas.openxmlformats.org/officeDocument/2006/math">
+                      <m:r>
+                        <a:rPr lang="it-IT" sz="1400" b="0" i="1" smtClean="0">
+                          <a:latin typeface="Cambria Math"/>
+                          <a:cs typeface="Calibri" pitchFamily="34" charset="0"/>
+                        </a:rPr>
+                        <m:t> </m:t>
+                      </m:r>
                       <m:r>
                         <a:rPr lang="it-IT" sz="1400" b="0" i="1" smtClean="0">
                           <a:latin typeface="Cambria Math"/>
@@ -33107,7 +33337,7 @@
           <p:cNvPr id="5" name="Title 3">
             <a:extLst>
               <a:ext uri="{FF2B5EF4-FFF2-40B4-BE49-F238E27FC236}">
-                <a16:creationId xmlns:a16="http://schemas.microsoft.com/office/drawing/2014/main" xmlns="" id="{D5B2E943-4D76-47C0-AFF3-70EEC7B728A0}"/>
+                <a16:creationId xmlns="" xmlns:a16="http://schemas.microsoft.com/office/drawing/2014/main" id="{D5B2E943-4D76-47C0-AFF3-70EEC7B728A0}"/>
               </a:ext>
             </a:extLst>
           </p:cNvPr>
@@ -33196,7 +33426,7 @@
         <p:spPr>
           <a:xfrm>
             <a:off x="1619672" y="1268760"/>
-            <a:ext cx="7275774" cy="5909310"/>
+            <a:ext cx="7104574" cy="5909310"/>
           </a:xfrm>
           <a:prstGeom prst="rect">
             <a:avLst/>
@@ -33586,17 +33816,38 @@
                 <a:latin typeface="Calibri" pitchFamily="34" charset="0"/>
                 <a:cs typeface="Calibri" pitchFamily="34" charset="0"/>
               </a:rPr>
-              <a:t> rientra</a:t>
+              <a:t> </a:t>
             </a:r>
           </a:p>
           <a:p>
             <a:pPr algn="just"/>
+            <a:r>
+              <a:rPr lang="it-IT" dirty="0">
+                <a:latin typeface="Calibri" pitchFamily="34" charset="0"/>
+                <a:cs typeface="Calibri" pitchFamily="34" charset="0"/>
+              </a:rPr>
+              <a:t> </a:t>
+            </a:r>
             <a:r>
               <a:rPr lang="it-IT" dirty="0" smtClean="0">
                 <a:latin typeface="Calibri" pitchFamily="34" charset="0"/>
                 <a:cs typeface="Calibri" pitchFamily="34" charset="0"/>
               </a:rPr>
-              <a:t>     nella classe dei </a:t>
+              <a:t>    rientra</a:t>
+            </a:r>
+            <a:r>
+              <a:rPr lang="it-IT" dirty="0">
+                <a:latin typeface="Calibri" pitchFamily="34" charset="0"/>
+                <a:cs typeface="Calibri" pitchFamily="34" charset="0"/>
+              </a:rPr>
+              <a:t> </a:t>
+            </a:r>
+            <a:r>
+              <a:rPr lang="it-IT" dirty="0" smtClean="0">
+                <a:latin typeface="Calibri" pitchFamily="34" charset="0"/>
+                <a:cs typeface="Calibri" pitchFamily="34" charset="0"/>
+              </a:rPr>
+              <a:t>nella classe dei </a:t>
             </a:r>
             <a:r>
               <a:rPr lang="it-IT" b="1" i="1" dirty="0" smtClean="0">
@@ -33833,7 +34084,7 @@
           <p:cNvPr id="5" name="Title 3">
             <a:extLst>
               <a:ext uri="{FF2B5EF4-FFF2-40B4-BE49-F238E27FC236}">
-                <a16:creationId xmlns:a16="http://schemas.microsoft.com/office/drawing/2014/main" xmlns="" id="{189ECF77-714F-4D2C-9D4B-CC43534EF427}"/>
+                <a16:creationId xmlns="" xmlns:a16="http://schemas.microsoft.com/office/drawing/2014/main" id="{189ECF77-714F-4D2C-9D4B-CC43534EF427}"/>
               </a:ext>
             </a:extLst>
           </p:cNvPr>
@@ -34516,7 +34767,7 @@
           <p:cNvPr id="5" name="Title 3">
             <a:extLst>
               <a:ext uri="{FF2B5EF4-FFF2-40B4-BE49-F238E27FC236}">
-                <a16:creationId xmlns:a16="http://schemas.microsoft.com/office/drawing/2014/main" xmlns="" id="{189ECF77-714F-4D2C-9D4B-CC43534EF427}"/>
+                <a16:creationId xmlns="" xmlns:a16="http://schemas.microsoft.com/office/drawing/2014/main" id="{189ECF77-714F-4D2C-9D4B-CC43534EF427}"/>
               </a:ext>
             </a:extLst>
           </p:cNvPr>
@@ -35233,8 +35484,8 @@
         </p:nvSpPr>
         <p:spPr>
           <a:xfrm>
-            <a:off x="1580654" y="1772816"/>
-            <a:ext cx="7519494" cy="3693319"/>
+            <a:off x="1647916" y="1772816"/>
+            <a:ext cx="7384970" cy="3693319"/>
           </a:xfrm>
           <a:prstGeom prst="rect">
             <a:avLst/>
@@ -35403,17 +35654,24 @@
                 <a:latin typeface="Calibri" pitchFamily="34" charset="0"/>
                 <a:cs typeface="Calibri" pitchFamily="34" charset="0"/>
               </a:rPr>
-              <a:t>è possibile osservare la </a:t>
+              <a:t>è possibile osservare </a:t>
             </a:r>
           </a:p>
           <a:p>
             <a:pPr algn="just"/>
+            <a:r>
+              <a:rPr lang="it-IT" dirty="0" smtClean="0">
+                <a:latin typeface="Calibri" pitchFamily="34" charset="0"/>
+                <a:cs typeface="Calibri" pitchFamily="34" charset="0"/>
+              </a:rPr>
+              <a:t>     la formazione </a:t>
+            </a:r>
             <a:r>
               <a:rPr lang="it-IT" dirty="0">
                 <a:latin typeface="Calibri" pitchFamily="34" charset="0"/>
                 <a:cs typeface="Calibri" pitchFamily="34" charset="0"/>
               </a:rPr>
-              <a:t>     formazione di </a:t>
+              <a:t>di </a:t>
             </a:r>
             <a:r>
               <a:rPr lang="it-IT" b="1" i="1" dirty="0">
@@ -35518,7 +35776,7 @@
           <p:cNvPr id="5" name="Title 3">
             <a:extLst>
               <a:ext uri="{FF2B5EF4-FFF2-40B4-BE49-F238E27FC236}">
-                <a16:creationId xmlns:a16="http://schemas.microsoft.com/office/drawing/2014/main" xmlns="" id="{189ECF77-714F-4D2C-9D4B-CC43534EF427}"/>
+                <a16:creationId xmlns="" xmlns:a16="http://schemas.microsoft.com/office/drawing/2014/main" id="{189ECF77-714F-4D2C-9D4B-CC43534EF427}"/>
               </a:ext>
             </a:extLst>
           </p:cNvPr>
@@ -36205,7 +36463,7 @@
           <p:cNvPr id="5" name="Title 3">
             <a:extLst>
               <a:ext uri="{FF2B5EF4-FFF2-40B4-BE49-F238E27FC236}">
-                <a16:creationId xmlns:a16="http://schemas.microsoft.com/office/drawing/2014/main" xmlns="" id="{189ECF77-714F-4D2C-9D4B-CC43534EF427}"/>
+                <a16:creationId xmlns="" xmlns:a16="http://schemas.microsoft.com/office/drawing/2014/main" id="{189ECF77-714F-4D2C-9D4B-CC43534EF427}"/>
               </a:ext>
             </a:extLst>
           </p:cNvPr>
@@ -36477,7 +36735,7 @@
           <p:cNvPr id="5" name="Title 3">
             <a:extLst>
               <a:ext uri="{FF2B5EF4-FFF2-40B4-BE49-F238E27FC236}">
-                <a16:creationId xmlns:a16="http://schemas.microsoft.com/office/drawing/2014/main" xmlns="" id="{189ECF77-714F-4D2C-9D4B-CC43534EF427}"/>
+                <a16:creationId xmlns="" xmlns:a16="http://schemas.microsoft.com/office/drawing/2014/main" id="{189ECF77-714F-4D2C-9D4B-CC43534EF427}"/>
               </a:ext>
             </a:extLst>
           </p:cNvPr>
@@ -36759,7 +37017,7 @@
           <p:cNvPr id="5" name="Title 3">
             <a:extLst>
               <a:ext uri="{FF2B5EF4-FFF2-40B4-BE49-F238E27FC236}">
-                <a16:creationId xmlns:a16="http://schemas.microsoft.com/office/drawing/2014/main" xmlns="" id="{189ECF77-714F-4D2C-9D4B-CC43534EF427}"/>
+                <a16:creationId xmlns="" xmlns:a16="http://schemas.microsoft.com/office/drawing/2014/main" id="{189ECF77-714F-4D2C-9D4B-CC43534EF427}"/>
               </a:ext>
             </a:extLst>
           </p:cNvPr>
@@ -37559,7 +37817,7 @@
           <p:cNvPr id="5" name="Title 3">
             <a:extLst>
               <a:ext uri="{FF2B5EF4-FFF2-40B4-BE49-F238E27FC236}">
-                <a16:creationId xmlns:a16="http://schemas.microsoft.com/office/drawing/2014/main" xmlns="" id="{189ECF77-714F-4D2C-9D4B-CC43534EF427}"/>
+                <a16:creationId xmlns="" xmlns:a16="http://schemas.microsoft.com/office/drawing/2014/main" id="{189ECF77-714F-4D2C-9D4B-CC43534EF427}"/>
               </a:ext>
             </a:extLst>
           </p:cNvPr>
@@ -37617,7 +37875,7 @@
         </p:nvSpPr>
         <p:spPr>
           <a:xfrm>
-            <a:off x="1619672" y="1268760"/>
+            <a:off x="1527966" y="1268760"/>
             <a:ext cx="7508530" cy="5078313"/>
           </a:xfrm>
           <a:prstGeom prst="rect">
@@ -37653,19 +37911,8 @@
                 <a:latin typeface="Calibri" pitchFamily="34" charset="0"/>
                 <a:cs typeface="Calibri" pitchFamily="34" charset="0"/>
               </a:rPr>
-              <a:t>esigenza che si desidera soddisfare</a:t>
-            </a:r>
-            <a:r>
-              <a:rPr lang="it-IT" dirty="0" smtClean="0">
-                <a:latin typeface="Calibri" pitchFamily="34" charset="0"/>
-                <a:cs typeface="Calibri" pitchFamily="34" charset="0"/>
-              </a:rPr>
-              <a:t>:</a:t>
-            </a:r>
-            <a:endParaRPr lang="it-IT" dirty="0" smtClean="0">
-              <a:latin typeface="Calibri" pitchFamily="34" charset="0"/>
-              <a:cs typeface="Calibri" pitchFamily="34" charset="0"/>
-            </a:endParaRPr>
+              <a:t>esigenza che si desidera soddisfare:</a:t>
+            </a:r>
           </a:p>
           <a:p>
             <a:pPr algn="just"/>
@@ -38033,7 +38280,7 @@
           <p:cNvPr id="5" name="Title 3">
             <a:extLst>
               <a:ext uri="{FF2B5EF4-FFF2-40B4-BE49-F238E27FC236}">
-                <a16:creationId xmlns:a16="http://schemas.microsoft.com/office/drawing/2014/main" xmlns="" id="{189ECF77-714F-4D2C-9D4B-CC43534EF427}"/>
+                <a16:creationId xmlns="" xmlns:a16="http://schemas.microsoft.com/office/drawing/2014/main" id="{189ECF77-714F-4D2C-9D4B-CC43534EF427}"/>
               </a:ext>
             </a:extLst>
           </p:cNvPr>
@@ -38103,14 +38350,14 @@
           </a:p>
         </p:txBody>
       </p:sp>
-      <mc:AlternateContent xmlns:mc="http://schemas.openxmlformats.org/markup-compatibility/2006">
-        <mc:Choice xmlns:a14="http://schemas.microsoft.com/office/drawing/2010/main" Requires="a14">
+      <mc:AlternateContent xmlns:mc="http://schemas.openxmlformats.org/markup-compatibility/2006" xmlns:a14="http://schemas.microsoft.com/office/drawing/2010/main">
+        <mc:Choice Requires="a14">
           <p:sp>
             <p:nvSpPr>
               <p:cNvPr id="3" name="Rettangolo 2">
                 <a:extLst>
                   <a:ext uri="{FF2B5EF4-FFF2-40B4-BE49-F238E27FC236}">
-                    <a16:creationId xmlns:a16="http://schemas.microsoft.com/office/drawing/2014/main" xmlns="" id="{E905DEB8-2BFA-41BE-9967-84ECE44648DF}"/>
+                    <a16:creationId xmlns="" xmlns:a16="http://schemas.microsoft.com/office/drawing/2014/main" id="{E905DEB8-2BFA-41BE-9967-84ECE44648DF}"/>
                   </a:ext>
                 </a:extLst>
               </p:cNvPr>
@@ -38407,11 +38654,6 @@
                   </a:rPr>
                   <a:t> associato ad ognuno di essi, ossia:</a:t>
                 </a:r>
-                <a:endParaRPr lang="it-IT" dirty="0" smtClean="0">
-                  <a:latin typeface="Calibri" panose="020F0502020204030204" pitchFamily="34" charset="0"/>
-                  <a:cs typeface="Calibri" panose="020F0502020204030204" pitchFamily="34" charset="0"/>
-                  <a:sym typeface="Wingdings" panose="05000000000000000000" pitchFamily="2" charset="2"/>
-                </a:endParaRPr>
               </a:p>
               <a:p>
                 <a:endParaRPr lang="it-IT" b="1" i="1" dirty="0" smtClean="0">
@@ -38729,7 +38971,7 @@
             </p:txBody>
           </p:sp>
         </mc:Choice>
-        <mc:Fallback>
+        <mc:Fallback xmlns="">
           <p:sp>
             <p:nvSpPr>
               <p:cNvPr id="3" name="Rettangolo 2">
@@ -38794,6 +39036,128 @@
 </p:sld>
 </file>
 
+<file path=ppt/slides/slide36.xml><?xml version="1.0" encoding="utf-8"?>
+<p:sld xmlns:a="http://schemas.openxmlformats.org/drawingml/2006/main" xmlns:r="http://schemas.openxmlformats.org/officeDocument/2006/relationships" xmlns:p="http://schemas.openxmlformats.org/presentationml/2006/main">
+  <p:cSld>
+    <p:spTree>
+      <p:nvGrpSpPr>
+        <p:cNvPr id="1" name=""/>
+        <p:cNvGrpSpPr/>
+        <p:nvPr/>
+      </p:nvGrpSpPr>
+      <p:grpSpPr>
+        <a:xfrm>
+          <a:off x="0" y="0"/>
+          <a:ext cx="0" cy="0"/>
+          <a:chOff x="0" y="0"/>
+          <a:chExt cx="0" cy="0"/>
+        </a:xfrm>
+      </p:grpSpPr>
+      <p:sp>
+        <p:nvSpPr>
+          <p:cNvPr id="5" name="CasellaDiTesto 4"/>
+          <p:cNvSpPr txBox="1"/>
+          <p:nvPr/>
+        </p:nvSpPr>
+        <p:spPr>
+          <a:xfrm>
+            <a:off x="2411760" y="1949834"/>
+            <a:ext cx="5730095" cy="2554545"/>
+          </a:xfrm>
+          <a:prstGeom prst="rect">
+            <a:avLst/>
+          </a:prstGeom>
+          <a:noFill/>
+          <a:effectLst/>
+        </p:spPr>
+        <p:txBody>
+          <a:bodyPr wrap="none" rtlCol="0">
+            <a:spAutoFit/>
+            <a:scene3d>
+              <a:camera prst="orthographicFront"/>
+              <a:lightRig rig="threePt" dir="t"/>
+            </a:scene3d>
+            <a:sp3d extrusionH="57150">
+              <a:bevelT w="38100" h="38100" prst="angle"/>
+            </a:sp3d>
+          </a:bodyPr>
+          <a:lstStyle/>
+          <a:p>
+            <a:pPr algn="ctr"/>
+            <a:r>
+              <a:rPr lang="it-IT" sz="8000" b="1" dirty="0" smtClean="0">
+                <a:solidFill>
+                  <a:srgbClr val="0070C0"/>
+                </a:solidFill>
+                <a:effectLst>
+                  <a:outerShdw blurRad="60007" dist="200025" dir="15000000" sy="30000" kx="-1800000" algn="bl" rotWithShape="0">
+                    <a:prstClr val="black">
+                      <a:alpha val="32000"/>
+                    </a:prstClr>
+                  </a:outerShdw>
+                </a:effectLst>
+                <a:latin typeface="Calibri" pitchFamily="34" charset="0"/>
+                <a:cs typeface="Calibri" pitchFamily="34" charset="0"/>
+              </a:rPr>
+              <a:t>Grazie per </a:t>
+            </a:r>
+          </a:p>
+          <a:p>
+            <a:pPr algn="ctr"/>
+            <a:r>
+              <a:rPr lang="it-IT" sz="8000" b="1" dirty="0" smtClean="0">
+                <a:solidFill>
+                  <a:srgbClr val="0070C0"/>
+                </a:solidFill>
+                <a:effectLst>
+                  <a:outerShdw blurRad="60007" dist="200025" dir="15000000" sy="30000" kx="-1800000" algn="bl" rotWithShape="0">
+                    <a:prstClr val="black">
+                      <a:alpha val="32000"/>
+                    </a:prstClr>
+                  </a:outerShdw>
+                </a:effectLst>
+                <a:latin typeface="Calibri" pitchFamily="34" charset="0"/>
+                <a:cs typeface="Calibri" pitchFamily="34" charset="0"/>
+              </a:rPr>
+              <a:t>l’attenzione! </a:t>
+            </a:r>
+            <a:endParaRPr lang="it-IT" sz="8000" b="1" dirty="0">
+              <a:solidFill>
+                <a:srgbClr val="0070C0"/>
+              </a:solidFill>
+              <a:effectLst>
+                <a:outerShdw blurRad="60007" dist="200025" dir="15000000" sy="30000" kx="-1800000" algn="bl" rotWithShape="0">
+                  <a:prstClr val="black">
+                    <a:alpha val="32000"/>
+                  </a:prstClr>
+                </a:outerShdw>
+              </a:effectLst>
+              <a:latin typeface="Calibri" pitchFamily="34" charset="0"/>
+              <a:cs typeface="Calibri" pitchFamily="34" charset="0"/>
+            </a:endParaRPr>
+          </a:p>
+        </p:txBody>
+      </p:sp>
+    </p:spTree>
+    <p:extLst>
+      <p:ext uri="{BB962C8B-B14F-4D97-AF65-F5344CB8AC3E}">
+        <p14:creationId xmlns:p14="http://schemas.microsoft.com/office/powerpoint/2010/main" val="456691745"/>
+      </p:ext>
+    </p:extLst>
+  </p:cSld>
+  <p:clrMapOvr>
+    <a:masterClrMapping/>
+  </p:clrMapOvr>
+  <p:timing>
+    <p:tnLst>
+      <p:par>
+        <p:cTn id="1" dur="indefinite" restart="never" nodeType="tmRoot"/>
+      </p:par>
+    </p:tnLst>
+  </p:timing>
+</p:sld>
+</file>
+
 <file path=ppt/slides/slide4.xml><?xml version="1.0" encoding="utf-8"?>
 <p:sld xmlns:a="http://schemas.openxmlformats.org/drawingml/2006/main" xmlns:r="http://schemas.openxmlformats.org/officeDocument/2006/relationships" xmlns:p="http://schemas.openxmlformats.org/presentationml/2006/main">
   <p:cSld>
@@ -39082,7 +39446,7 @@
           <p:cNvPr id="1026" name="Picture 2" descr="Risultati immagini per twitter vector logo">
             <a:extLst>
               <a:ext uri="{FF2B5EF4-FFF2-40B4-BE49-F238E27FC236}">
-                <a16:creationId xmlns:a16="http://schemas.microsoft.com/office/drawing/2014/main" xmlns="" id="{D889CC7C-9C8B-4FC7-BEA6-94A9A901435D}"/>
+                <a16:creationId xmlns="" xmlns:a16="http://schemas.microsoft.com/office/drawing/2014/main" id="{D889CC7C-9C8B-4FC7-BEA6-94A9A901435D}"/>
               </a:ext>
             </a:extLst>
           </p:cNvPr>
@@ -39166,7 +39530,7 @@
           <p:cNvPr id="5" name="Title 3">
             <a:extLst>
               <a:ext uri="{FF2B5EF4-FFF2-40B4-BE49-F238E27FC236}">
-                <a16:creationId xmlns:a16="http://schemas.microsoft.com/office/drawing/2014/main" xmlns="" id="{4B902CC3-75DB-41C6-B4AA-1F2B71CA058B}"/>
+                <a16:creationId xmlns="" xmlns:a16="http://schemas.microsoft.com/office/drawing/2014/main" id="{4B902CC3-75DB-41C6-B4AA-1F2B71CA058B}"/>
               </a:ext>
             </a:extLst>
           </p:cNvPr>
@@ -39221,7 +39585,7 @@
           <p:cNvPr id="6" name="Rettangolo 5">
             <a:extLst>
               <a:ext uri="{FF2B5EF4-FFF2-40B4-BE49-F238E27FC236}">
-                <a16:creationId xmlns:a16="http://schemas.microsoft.com/office/drawing/2014/main" xmlns="" id="{34D4963A-74A1-4455-8FDA-78E85A45FA8B}"/>
+                <a16:creationId xmlns="" xmlns:a16="http://schemas.microsoft.com/office/drawing/2014/main" id="{34D4963A-74A1-4455-8FDA-78E85A45FA8B}"/>
               </a:ext>
             </a:extLst>
           </p:cNvPr>
@@ -39303,11 +39667,32 @@
                 <a:latin typeface="Calibri" panose="020F0502020204030204" pitchFamily="34" charset="0"/>
                 <a:cs typeface="Calibri" panose="020F0502020204030204" pitchFamily="34" charset="0"/>
               </a:rPr>
-              <a:t>, ossia un </a:t>
-            </a:r>
+              <a:t>, ossia </a:t>
+            </a:r>
+            <a:endParaRPr lang="it-IT" dirty="0" smtClean="0">
+              <a:latin typeface="Calibri" panose="020F0502020204030204" pitchFamily="34" charset="0"/>
+              <a:cs typeface="Calibri" panose="020F0502020204030204" pitchFamily="34" charset="0"/>
+            </a:endParaRPr>
           </a:p>
           <a:p>
             <a:pPr algn="just"/>
+            <a:r>
+              <a:rPr lang="it-IT" dirty="0" smtClean="0">
+                <a:latin typeface="Calibri" panose="020F0502020204030204" pitchFamily="34" charset="0"/>
+                <a:cs typeface="Calibri" panose="020F0502020204030204" pitchFamily="34" charset="0"/>
+              </a:rPr>
+              <a:t>un </a:t>
+            </a:r>
+            <a:r>
+              <a:rPr lang="it-IT" b="1" dirty="0" smtClean="0">
+                <a:solidFill>
+                  <a:schemeClr val="accent2"/>
+                </a:solidFill>
+                <a:latin typeface="Calibri" panose="020F0502020204030204" pitchFamily="34" charset="0"/>
+                <a:cs typeface="Calibri" panose="020F0502020204030204" pitchFamily="34" charset="0"/>
+              </a:rPr>
+              <a:t>grafo </a:t>
+            </a:r>
             <a:r>
               <a:rPr lang="it-IT" b="1" dirty="0">
                 <a:solidFill>
@@ -39316,7 +39701,7 @@
                 <a:latin typeface="Calibri" panose="020F0502020204030204" pitchFamily="34" charset="0"/>
                 <a:cs typeface="Calibri" panose="020F0502020204030204" pitchFamily="34" charset="0"/>
               </a:rPr>
-              <a:t>grafo diretto </a:t>
+              <a:t>diretto </a:t>
             </a:r>
             <a:r>
               <a:rPr lang="it-IT" dirty="0">
@@ -39382,7 +39767,7 @@
           <p:cNvPr id="7" name="Immagine 6">
             <a:extLst>
               <a:ext uri="{FF2B5EF4-FFF2-40B4-BE49-F238E27FC236}">
-                <a16:creationId xmlns:a16="http://schemas.microsoft.com/office/drawing/2014/main" xmlns="" id="{AF3703D5-DAD7-460C-ADBE-3A301D9A2FE4}"/>
+                <a16:creationId xmlns="" xmlns:a16="http://schemas.microsoft.com/office/drawing/2014/main" id="{AF3703D5-DAD7-460C-ADBE-3A301D9A2FE4}"/>
               </a:ext>
             </a:extLst>
           </p:cNvPr>
@@ -39418,7 +39803,7 @@
           <p:cNvPr id="8" name="Immagine 7" descr="Immagine che contiene clipart&#10;&#10;Descrizione generata con affidabilità elevata">
             <a:extLst>
               <a:ext uri="{FF2B5EF4-FFF2-40B4-BE49-F238E27FC236}">
-                <a16:creationId xmlns:a16="http://schemas.microsoft.com/office/drawing/2014/main" xmlns="" id="{8B09EFF9-4415-439B-9132-80DBE3EA395C}"/>
+                <a16:creationId xmlns="" xmlns:a16="http://schemas.microsoft.com/office/drawing/2014/main" id="{8B09EFF9-4415-439B-9132-80DBE3EA395C}"/>
               </a:ext>
             </a:extLst>
           </p:cNvPr>
@@ -39454,7 +39839,7 @@
           <p:cNvPr id="9" name="CasellaDiTesto 8">
             <a:extLst>
               <a:ext uri="{FF2B5EF4-FFF2-40B4-BE49-F238E27FC236}">
-                <a16:creationId xmlns:a16="http://schemas.microsoft.com/office/drawing/2014/main" xmlns="" id="{C240CA17-907D-48B7-9B44-F721E8F121F1}"/>
+                <a16:creationId xmlns="" xmlns:a16="http://schemas.microsoft.com/office/drawing/2014/main" id="{C240CA17-907D-48B7-9B44-F721E8F121F1}"/>
               </a:ext>
             </a:extLst>
           </p:cNvPr>
@@ -39495,7 +39880,7 @@
           <p:cNvPr id="10" name="CasellaDiTesto 9">
             <a:extLst>
               <a:ext uri="{FF2B5EF4-FFF2-40B4-BE49-F238E27FC236}">
-                <a16:creationId xmlns:a16="http://schemas.microsoft.com/office/drawing/2014/main" xmlns="" id="{122FF84E-387F-42FF-8447-215229458BC0}"/>
+                <a16:creationId xmlns="" xmlns:a16="http://schemas.microsoft.com/office/drawing/2014/main" id="{122FF84E-387F-42FF-8447-215229458BC0}"/>
               </a:ext>
             </a:extLst>
           </p:cNvPr>
@@ -39536,7 +39921,7 @@
           <p:cNvPr id="14" name="Connettore 2 13">
             <a:extLst>
               <a:ext uri="{FF2B5EF4-FFF2-40B4-BE49-F238E27FC236}">
-                <a16:creationId xmlns:a16="http://schemas.microsoft.com/office/drawing/2014/main" xmlns="" id="{240377C1-CB13-43A4-8F95-EB652CADEE65}"/>
+                <a16:creationId xmlns="" xmlns:a16="http://schemas.microsoft.com/office/drawing/2014/main" id="{240377C1-CB13-43A4-8F95-EB652CADEE65}"/>
               </a:ext>
             </a:extLst>
           </p:cNvPr>
@@ -39591,7 +39976,7 @@
           <p:cNvPr id="15" name="CasellaDiTesto 14">
             <a:extLst>
               <a:ext uri="{FF2B5EF4-FFF2-40B4-BE49-F238E27FC236}">
-                <a16:creationId xmlns:a16="http://schemas.microsoft.com/office/drawing/2014/main" xmlns="" id="{0FA5EFC3-169A-4B11-BF0C-7BD04846D93B}"/>
+                <a16:creationId xmlns="" xmlns:a16="http://schemas.microsoft.com/office/drawing/2014/main" id="{0FA5EFC3-169A-4B11-BF0C-7BD04846D93B}"/>
               </a:ext>
             </a:extLst>
           </p:cNvPr>
@@ -39700,7 +40085,7 @@
           <p:cNvPr id="5" name="Title 3">
             <a:extLst>
               <a:ext uri="{FF2B5EF4-FFF2-40B4-BE49-F238E27FC236}">
-                <a16:creationId xmlns:a16="http://schemas.microsoft.com/office/drawing/2014/main" xmlns="" id="{096E5434-7A74-4C64-89EF-6B1922B7AB16}"/>
+                <a16:creationId xmlns="" xmlns:a16="http://schemas.microsoft.com/office/drawing/2014/main" id="{096E5434-7A74-4C64-89EF-6B1922B7AB16}"/>
               </a:ext>
             </a:extLst>
           </p:cNvPr>
@@ -39755,7 +40140,7 @@
           <p:cNvPr id="6" name="CasellaDiTesto 5">
             <a:extLst>
               <a:ext uri="{FF2B5EF4-FFF2-40B4-BE49-F238E27FC236}">
-                <a16:creationId xmlns:a16="http://schemas.microsoft.com/office/drawing/2014/main" xmlns="" id="{DECCD907-1491-4E0C-9EB6-42C0FED72813}"/>
+                <a16:creationId xmlns="" xmlns:a16="http://schemas.microsoft.com/office/drawing/2014/main" id="{DECCD907-1491-4E0C-9EB6-42C0FED72813}"/>
               </a:ext>
             </a:extLst>
           </p:cNvPr>
@@ -39850,7 +40235,7 @@
           <p:cNvPr id="1026" name="Picture 2" descr="Immagine correlata">
             <a:extLst>
               <a:ext uri="{FF2B5EF4-FFF2-40B4-BE49-F238E27FC236}">
-                <a16:creationId xmlns:a16="http://schemas.microsoft.com/office/drawing/2014/main" xmlns="" id="{4DEEC977-158D-4FF8-A634-FED5C0A1F149}"/>
+                <a16:creationId xmlns="" xmlns:a16="http://schemas.microsoft.com/office/drawing/2014/main" id="{4DEEC977-158D-4FF8-A634-FED5C0A1F149}"/>
               </a:ext>
             </a:extLst>
           </p:cNvPr>
@@ -39897,7 +40282,7 @@
           <p:cNvPr id="8" name="CasellaDiTesto 7">
             <a:extLst>
               <a:ext uri="{FF2B5EF4-FFF2-40B4-BE49-F238E27FC236}">
-                <a16:creationId xmlns:a16="http://schemas.microsoft.com/office/drawing/2014/main" xmlns="" id="{422B22D0-A925-4E81-8629-21C4219E2051}"/>
+                <a16:creationId xmlns="" xmlns:a16="http://schemas.microsoft.com/office/drawing/2014/main" id="{422B22D0-A925-4E81-8629-21C4219E2051}"/>
               </a:ext>
             </a:extLst>
           </p:cNvPr>
@@ -39973,7 +40358,7 @@
           <p:cNvPr id="9" name="Connettore 2 8">
             <a:extLst>
               <a:ext uri="{FF2B5EF4-FFF2-40B4-BE49-F238E27FC236}">
-                <a16:creationId xmlns:a16="http://schemas.microsoft.com/office/drawing/2014/main" xmlns="" id="{B3EBC103-C224-4D98-B09E-EF0B1BD22D62}"/>
+                <a16:creationId xmlns="" xmlns:a16="http://schemas.microsoft.com/office/drawing/2014/main" id="{B3EBC103-C224-4D98-B09E-EF0B1BD22D62}"/>
               </a:ext>
             </a:extLst>
           </p:cNvPr>
@@ -40015,7 +40400,7 @@
           <p:cNvPr id="10" name="Rettangolo 9">
             <a:extLst>
               <a:ext uri="{FF2B5EF4-FFF2-40B4-BE49-F238E27FC236}">
-                <a16:creationId xmlns:a16="http://schemas.microsoft.com/office/drawing/2014/main" xmlns="" id="{197F89FE-FC4A-44AD-9080-7EB17BA3B63C}"/>
+                <a16:creationId xmlns="" xmlns:a16="http://schemas.microsoft.com/office/drawing/2014/main" id="{197F89FE-FC4A-44AD-9080-7EB17BA3B63C}"/>
               </a:ext>
             </a:extLst>
           </p:cNvPr>
@@ -40106,7 +40491,7 @@
           <p:cNvPr id="15" name="Rettangolo 14">
             <a:extLst>
               <a:ext uri="{FF2B5EF4-FFF2-40B4-BE49-F238E27FC236}">
-                <a16:creationId xmlns:a16="http://schemas.microsoft.com/office/drawing/2014/main" xmlns="" id="{6434515A-0CE7-46E1-9E5D-42505E037869}"/>
+                <a16:creationId xmlns="" xmlns:a16="http://schemas.microsoft.com/office/drawing/2014/main" id="{6434515A-0CE7-46E1-9E5D-42505E037869}"/>
               </a:ext>
             </a:extLst>
           </p:cNvPr>
@@ -40202,7 +40587,7 @@
           <p:cNvPr id="17" name="Connettore 2 16">
             <a:extLst>
               <a:ext uri="{FF2B5EF4-FFF2-40B4-BE49-F238E27FC236}">
-                <a16:creationId xmlns:a16="http://schemas.microsoft.com/office/drawing/2014/main" xmlns="" id="{99BFB39E-1B50-4D9F-B143-7E9CC03FDDCB}"/>
+                <a16:creationId xmlns="" xmlns:a16="http://schemas.microsoft.com/office/drawing/2014/main" id="{99BFB39E-1B50-4D9F-B143-7E9CC03FDDCB}"/>
               </a:ext>
             </a:extLst>
           </p:cNvPr>
@@ -40283,7 +40668,7 @@
           <p:cNvPr id="5" name="Title 3">
             <a:extLst>
               <a:ext uri="{FF2B5EF4-FFF2-40B4-BE49-F238E27FC236}">
-                <a16:creationId xmlns:a16="http://schemas.microsoft.com/office/drawing/2014/main" xmlns="" id="{F4F459AA-9D70-4285-920E-38B993241E77}"/>
+                <a16:creationId xmlns="" xmlns:a16="http://schemas.microsoft.com/office/drawing/2014/main" id="{F4F459AA-9D70-4285-920E-38B993241E77}"/>
               </a:ext>
             </a:extLst>
           </p:cNvPr>
@@ -40353,368 +40738,570 @@
           </a:p>
         </p:txBody>
       </p:sp>
-      <p:sp>
-        <p:nvSpPr>
-          <p:cNvPr id="6" name="Rettangolo 5">
-            <a:extLst>
-              <a:ext uri="{FF2B5EF4-FFF2-40B4-BE49-F238E27FC236}">
-                <a16:creationId xmlns:a16="http://schemas.microsoft.com/office/drawing/2014/main" xmlns="" id="{B2DAE42D-6981-4258-A997-350AEC1248D1}"/>
-              </a:ext>
-            </a:extLst>
-          </p:cNvPr>
-          <p:cNvSpPr/>
-          <p:nvPr/>
-        </p:nvSpPr>
-        <p:spPr>
-          <a:xfrm>
-            <a:off x="1763688" y="1484784"/>
-            <a:ext cx="7416824" cy="3046988"/>
-          </a:xfrm>
-          <a:prstGeom prst="rect">
-            <a:avLst/>
-          </a:prstGeom>
-        </p:spPr>
-        <p:txBody>
-          <a:bodyPr wrap="square">
-            <a:spAutoFit/>
-          </a:bodyPr>
-          <a:lstStyle/>
-          <a:p>
-            <a:pPr algn="just"/>
-            <a:r>
-              <a:rPr lang="it-IT" dirty="0">
-                <a:latin typeface="Calibri" panose="020F0502020204030204" pitchFamily="34" charset="0"/>
-                <a:cs typeface="Calibri" panose="020F0502020204030204" pitchFamily="34" charset="0"/>
-              </a:rPr>
-              <a:t>A seconda del </a:t>
-            </a:r>
-            <a:r>
-              <a:rPr lang="it-IT" b="1" dirty="0">
-                <a:latin typeface="Calibri" panose="020F0502020204030204" pitchFamily="34" charset="0"/>
-                <a:cs typeface="Calibri" panose="020F0502020204030204" pitchFamily="34" charset="0"/>
-              </a:rPr>
-              <a:t>numero di archi </a:t>
-            </a:r>
-            <a:r>
-              <a:rPr lang="it-IT" dirty="0">
-                <a:latin typeface="Calibri" panose="020F0502020204030204" pitchFamily="34" charset="0"/>
-                <a:cs typeface="Calibri" panose="020F0502020204030204" pitchFamily="34" charset="0"/>
-              </a:rPr>
-              <a:t>che collegano le due </a:t>
-            </a:r>
-            <a:r>
-              <a:rPr lang="it-IT" b="1" i="1" dirty="0" err="1">
-                <a:solidFill>
-                  <a:schemeClr val="accent2"/>
-                </a:solidFill>
-                <a:latin typeface="Calibri" panose="020F0502020204030204" pitchFamily="34" charset="0"/>
-                <a:cs typeface="Calibri" panose="020F0502020204030204" pitchFamily="34" charset="0"/>
-              </a:rPr>
-              <a:t>echo-chambers</a:t>
-            </a:r>
-            <a:r>
-              <a:rPr lang="it-IT" dirty="0">
-                <a:latin typeface="Calibri" panose="020F0502020204030204" pitchFamily="34" charset="0"/>
-                <a:cs typeface="Calibri" panose="020F0502020204030204" pitchFamily="34" charset="0"/>
-              </a:rPr>
-              <a:t>, </a:t>
-            </a:r>
-          </a:p>
-          <a:p>
-            <a:pPr algn="just"/>
-            <a:r>
-              <a:rPr lang="it-IT" dirty="0">
-                <a:latin typeface="Calibri" panose="020F0502020204030204" pitchFamily="34" charset="0"/>
-                <a:cs typeface="Calibri" panose="020F0502020204030204" pitchFamily="34" charset="0"/>
-              </a:rPr>
-              <a:t>l’argomento della discussione, descritta dall’</a:t>
-            </a:r>
-            <a:r>
-              <a:rPr lang="it-IT" b="1" i="1" dirty="0">
-                <a:solidFill>
-                  <a:schemeClr val="accent2"/>
-                </a:solidFill>
-                <a:latin typeface="Calibri" panose="020F0502020204030204" pitchFamily="34" charset="0"/>
-                <a:cs typeface="Calibri" panose="020F0502020204030204" pitchFamily="34" charset="0"/>
-              </a:rPr>
-              <a:t>endorsement </a:t>
-            </a:r>
-            <a:r>
-              <a:rPr lang="it-IT" b="1" i="1" dirty="0" err="1">
-                <a:solidFill>
-                  <a:schemeClr val="accent2"/>
-                </a:solidFill>
-                <a:latin typeface="Calibri" panose="020F0502020204030204" pitchFamily="34" charset="0"/>
-                <a:cs typeface="Calibri" panose="020F0502020204030204" pitchFamily="34" charset="0"/>
-              </a:rPr>
-              <a:t>graph</a:t>
-            </a:r>
-            <a:r>
-              <a:rPr lang="it-IT" dirty="0">
-                <a:latin typeface="Calibri" panose="020F0502020204030204" pitchFamily="34" charset="0"/>
-                <a:cs typeface="Calibri" panose="020F0502020204030204" pitchFamily="34" charset="0"/>
-              </a:rPr>
-              <a:t>, risulta</a:t>
-            </a:r>
-          </a:p>
-          <a:p>
-            <a:pPr algn="just"/>
-            <a:r>
-              <a:rPr lang="it-IT" dirty="0">
-                <a:latin typeface="Calibri" panose="020F0502020204030204" pitchFamily="34" charset="0"/>
-                <a:cs typeface="Calibri" panose="020F0502020204030204" pitchFamily="34" charset="0"/>
-              </a:rPr>
-              <a:t>essere più o meno </a:t>
-            </a:r>
-            <a:r>
-              <a:rPr lang="it-IT" b="1" dirty="0">
-                <a:latin typeface="Calibri" panose="020F0502020204030204" pitchFamily="34" charset="0"/>
-                <a:cs typeface="Calibri" panose="020F0502020204030204" pitchFamily="34" charset="0"/>
-              </a:rPr>
-              <a:t>controverso</a:t>
-            </a:r>
-            <a:r>
-              <a:rPr lang="it-IT" i="1" dirty="0">
-                <a:latin typeface="Calibri" panose="020F0502020204030204" pitchFamily="34" charset="0"/>
-                <a:cs typeface="Calibri" panose="020F0502020204030204" pitchFamily="34" charset="0"/>
-              </a:rPr>
-              <a:t>.</a:t>
-            </a:r>
-          </a:p>
-          <a:p>
-            <a:pPr algn="just"/>
-            <a:endParaRPr lang="it-IT" i="1" dirty="0">
-              <a:latin typeface="Calibri" panose="020F0502020204030204" pitchFamily="34" charset="0"/>
-              <a:cs typeface="Calibri" panose="020F0502020204030204" pitchFamily="34" charset="0"/>
-            </a:endParaRPr>
-          </a:p>
-          <a:p>
-            <a:r>
-              <a:rPr lang="it-IT" dirty="0">
-                <a:latin typeface="Calibri" panose="020F0502020204030204" pitchFamily="34" charset="0"/>
-                <a:cs typeface="Calibri" panose="020F0502020204030204" pitchFamily="34" charset="0"/>
-              </a:rPr>
-              <a:t>Per misurare il </a:t>
-            </a:r>
-            <a:r>
-              <a:rPr lang="it-IT" b="1" dirty="0">
-                <a:latin typeface="Calibri" panose="020F0502020204030204" pitchFamily="34" charset="0"/>
-                <a:cs typeface="Calibri" panose="020F0502020204030204" pitchFamily="34" charset="0"/>
-              </a:rPr>
-              <a:t>grado di controversia</a:t>
-            </a:r>
-            <a:r>
-              <a:rPr lang="it-IT" i="1" dirty="0">
-                <a:latin typeface="Calibri" panose="020F0502020204030204" pitchFamily="34" charset="0"/>
-                <a:cs typeface="Calibri" panose="020F0502020204030204" pitchFamily="34" charset="0"/>
-              </a:rPr>
-              <a:t> </a:t>
-            </a:r>
-            <a:r>
-              <a:rPr lang="it-IT" dirty="0">
-                <a:latin typeface="Calibri" panose="020F0502020204030204" pitchFamily="34" charset="0"/>
-                <a:cs typeface="Calibri" panose="020F0502020204030204" pitchFamily="34" charset="0"/>
-              </a:rPr>
-              <a:t>della rete, viene utilizzata la funzione </a:t>
-            </a:r>
-          </a:p>
-          <a:p>
-            <a:r>
-              <a:rPr lang="it-IT" sz="2000" b="1" i="1" dirty="0">
-                <a:solidFill>
-                  <a:srgbClr val="00B050"/>
-                </a:solidFill>
-                <a:latin typeface="Calibri" panose="020F0502020204030204" pitchFamily="34" charset="0"/>
-                <a:cs typeface="Calibri" panose="020F0502020204030204" pitchFamily="34" charset="0"/>
-              </a:rPr>
-              <a:t>Random-</a:t>
-            </a:r>
-            <a:r>
-              <a:rPr lang="it-IT" sz="2000" b="1" i="1" dirty="0" err="1">
-                <a:solidFill>
-                  <a:srgbClr val="00B050"/>
-                </a:solidFill>
-                <a:latin typeface="Calibri" panose="020F0502020204030204" pitchFamily="34" charset="0"/>
-                <a:cs typeface="Calibri" panose="020F0502020204030204" pitchFamily="34" charset="0"/>
-              </a:rPr>
-              <a:t>walk</a:t>
-            </a:r>
-            <a:r>
-              <a:rPr lang="it-IT" sz="2000" b="1" i="1" dirty="0">
-                <a:solidFill>
-                  <a:srgbClr val="00B050"/>
-                </a:solidFill>
-                <a:latin typeface="Calibri" panose="020F0502020204030204" pitchFamily="34" charset="0"/>
-                <a:cs typeface="Calibri" panose="020F0502020204030204" pitchFamily="34" charset="0"/>
-              </a:rPr>
-              <a:t> </a:t>
-            </a:r>
-            <a:r>
-              <a:rPr lang="it-IT" sz="2000" b="1" i="1" dirty="0" err="1">
-                <a:solidFill>
-                  <a:srgbClr val="00B050"/>
-                </a:solidFill>
-                <a:latin typeface="Calibri" panose="020F0502020204030204" pitchFamily="34" charset="0"/>
-                <a:cs typeface="Calibri" panose="020F0502020204030204" pitchFamily="34" charset="0"/>
-              </a:rPr>
-              <a:t>controversy</a:t>
-            </a:r>
-            <a:r>
-              <a:rPr lang="it-IT" i="1" dirty="0">
-                <a:latin typeface="Calibri" panose="020F0502020204030204" pitchFamily="34" charset="0"/>
-                <a:cs typeface="Calibri" panose="020F0502020204030204" pitchFamily="34" charset="0"/>
-              </a:rPr>
-              <a:t> </a:t>
-            </a:r>
-            <a:r>
-              <a:rPr lang="it-IT" sz="2000" b="1" i="1" dirty="0">
-                <a:solidFill>
-                  <a:srgbClr val="00B050"/>
-                </a:solidFill>
-                <a:latin typeface="Calibri" panose="020F0502020204030204" pitchFamily="34" charset="0"/>
-                <a:cs typeface="Calibri" panose="020F0502020204030204" pitchFamily="34" charset="0"/>
-              </a:rPr>
-              <a:t>score</a:t>
-            </a:r>
-            <a:r>
-              <a:rPr lang="it-IT" dirty="0">
-                <a:latin typeface="Calibri" panose="020F0502020204030204" pitchFamily="34" charset="0"/>
-                <a:cs typeface="Calibri" panose="020F0502020204030204" pitchFamily="34" charset="0"/>
-              </a:rPr>
-              <a:t>:</a:t>
-            </a:r>
-          </a:p>
-          <a:p>
-            <a:endParaRPr lang="it-IT" dirty="0">
-              <a:latin typeface="Calibri" panose="020F0502020204030204" pitchFamily="34" charset="0"/>
-              <a:cs typeface="Calibri" panose="020F0502020204030204" pitchFamily="34" charset="0"/>
-            </a:endParaRPr>
-          </a:p>
-          <a:p>
-            <a:endParaRPr lang="it-IT" dirty="0">
-              <a:latin typeface="Calibri" panose="020F0502020204030204" pitchFamily="34" charset="0"/>
-              <a:cs typeface="Calibri" panose="020F0502020204030204" pitchFamily="34" charset="0"/>
-            </a:endParaRPr>
-          </a:p>
-          <a:p>
-            <a:endParaRPr lang="it-IT" dirty="0">
-              <a:latin typeface="Calibri" panose="020F0502020204030204" pitchFamily="34" charset="0"/>
-              <a:cs typeface="Calibri" panose="020F0502020204030204" pitchFamily="34" charset="0"/>
-            </a:endParaRPr>
-          </a:p>
-          <a:p>
-            <a:pPr algn="ctr"/>
-            <a:r>
-              <a:rPr lang="fr-FR" sz="2400" dirty="0">
-                <a:latin typeface="Calibri" panose="020F0502020204030204" pitchFamily="34" charset="0"/>
-                <a:cs typeface="Calibri" panose="020F0502020204030204" pitchFamily="34" charset="0"/>
-              </a:rPr>
-              <a:t>RWC(G,X,Y) = (c</a:t>
-            </a:r>
-            <a:r>
-              <a:rPr lang="fr-FR" sz="2400" baseline="-25000" dirty="0">
-                <a:latin typeface="Calibri" panose="020F0502020204030204" pitchFamily="34" charset="0"/>
-                <a:cs typeface="Calibri" panose="020F0502020204030204" pitchFamily="34" charset="0"/>
-              </a:rPr>
-              <a:t>x</a:t>
-            </a:r>
-            <a:r>
-              <a:rPr lang="fr-FR" sz="2400" dirty="0">
-                <a:latin typeface="Calibri" panose="020F0502020204030204" pitchFamily="34" charset="0"/>
-                <a:cs typeface="Calibri" panose="020F0502020204030204" pitchFamily="34" charset="0"/>
-              </a:rPr>
-              <a:t> - </a:t>
-            </a:r>
-            <a:r>
-              <a:rPr lang="fr-FR" sz="2400" dirty="0" err="1">
-                <a:latin typeface="Calibri" panose="020F0502020204030204" pitchFamily="34" charset="0"/>
-                <a:cs typeface="Calibri" panose="020F0502020204030204" pitchFamily="34" charset="0"/>
-              </a:rPr>
-              <a:t>c</a:t>
-            </a:r>
-            <a:r>
-              <a:rPr lang="fr-FR" sz="2400" baseline="-25000" dirty="0" err="1">
-                <a:latin typeface="Calibri" panose="020F0502020204030204" pitchFamily="34" charset="0"/>
-                <a:cs typeface="Calibri" panose="020F0502020204030204" pitchFamily="34" charset="0"/>
-              </a:rPr>
-              <a:t>y</a:t>
-            </a:r>
-            <a:r>
-              <a:rPr lang="fr-FR" sz="2400" dirty="0">
-                <a:latin typeface="Calibri" panose="020F0502020204030204" pitchFamily="34" charset="0"/>
-                <a:cs typeface="Calibri" panose="020F0502020204030204" pitchFamily="34" charset="0"/>
-              </a:rPr>
-              <a:t>)</a:t>
-            </a:r>
-            <a:r>
-              <a:rPr lang="fr-FR" sz="2400" baseline="30000" dirty="0">
-                <a:latin typeface="Calibri" panose="020F0502020204030204" pitchFamily="34" charset="0"/>
-                <a:cs typeface="Calibri" panose="020F0502020204030204" pitchFamily="34" charset="0"/>
-              </a:rPr>
-              <a:t>T</a:t>
-            </a:r>
-            <a:r>
-              <a:rPr lang="fr-FR" sz="2400" dirty="0">
-                <a:latin typeface="Calibri" panose="020F0502020204030204" pitchFamily="34" charset="0"/>
-                <a:cs typeface="Calibri" panose="020F0502020204030204" pitchFamily="34" charset="0"/>
-              </a:rPr>
-              <a:t>(</a:t>
-            </a:r>
-            <a:r>
-              <a:rPr lang="fr-FR" sz="2400" dirty="0" err="1">
-                <a:latin typeface="Calibri" panose="020F0502020204030204" pitchFamily="34" charset="0"/>
-                <a:cs typeface="Calibri" panose="020F0502020204030204" pitchFamily="34" charset="0"/>
-              </a:rPr>
-              <a:t>r</a:t>
-            </a:r>
-            <a:r>
-              <a:rPr lang="fr-FR" sz="2400" baseline="-25000" dirty="0" err="1">
-                <a:latin typeface="Calibri" panose="020F0502020204030204" pitchFamily="34" charset="0"/>
-                <a:cs typeface="Calibri" panose="020F0502020204030204" pitchFamily="34" charset="0"/>
-              </a:rPr>
-              <a:t>x</a:t>
-            </a:r>
-            <a:r>
-              <a:rPr lang="fr-FR" sz="2400" dirty="0">
-                <a:latin typeface="Calibri" panose="020F0502020204030204" pitchFamily="34" charset="0"/>
-                <a:cs typeface="Calibri" panose="020F0502020204030204" pitchFamily="34" charset="0"/>
-              </a:rPr>
-              <a:t> - </a:t>
-            </a:r>
-            <a:r>
-              <a:rPr lang="fr-FR" sz="2400" dirty="0" err="1">
-                <a:latin typeface="Calibri" panose="020F0502020204030204" pitchFamily="34" charset="0"/>
-                <a:cs typeface="Calibri" panose="020F0502020204030204" pitchFamily="34" charset="0"/>
-              </a:rPr>
-              <a:t>r</a:t>
-            </a:r>
-            <a:r>
-              <a:rPr lang="fr-FR" sz="2400" baseline="-25000" dirty="0" err="1">
-                <a:latin typeface="Calibri" panose="020F0502020204030204" pitchFamily="34" charset="0"/>
-                <a:cs typeface="Calibri" panose="020F0502020204030204" pitchFamily="34" charset="0"/>
-              </a:rPr>
-              <a:t>y</a:t>
-            </a:r>
-            <a:r>
-              <a:rPr lang="fr-FR" sz="2400" dirty="0">
-                <a:latin typeface="Calibri" panose="020F0502020204030204" pitchFamily="34" charset="0"/>
-                <a:cs typeface="Calibri" panose="020F0502020204030204" pitchFamily="34" charset="0"/>
-              </a:rPr>
-              <a:t>)</a:t>
-            </a:r>
-            <a:endParaRPr lang="it-IT" sz="2400" dirty="0">
-              <a:latin typeface="Calibri" panose="020F0502020204030204" pitchFamily="34" charset="0"/>
-              <a:cs typeface="Calibri" panose="020F0502020204030204" pitchFamily="34" charset="0"/>
-            </a:endParaRPr>
-          </a:p>
-        </p:txBody>
-      </p:sp>
+      <mc:AlternateContent xmlns:mc="http://schemas.openxmlformats.org/markup-compatibility/2006" xmlns:a14="http://schemas.microsoft.com/office/drawing/2010/main">
+        <mc:Choice Requires="a14">
+          <p:sp>
+            <p:nvSpPr>
+              <p:cNvPr id="6" name="Rettangolo 5">
+                <a:extLst>
+                  <a:ext uri="{FF2B5EF4-FFF2-40B4-BE49-F238E27FC236}">
+                    <a16:creationId xmlns="" xmlns:a16="http://schemas.microsoft.com/office/drawing/2014/main" id="{B2DAE42D-6981-4258-A997-350AEC1248D1}"/>
+                  </a:ext>
+                </a:extLst>
+              </p:cNvPr>
+              <p:cNvSpPr/>
+              <p:nvPr/>
+            </p:nvSpPr>
+            <p:spPr>
+              <a:xfrm>
+                <a:off x="1619672" y="1484784"/>
+                <a:ext cx="7416824" cy="3013967"/>
+              </a:xfrm>
+              <a:prstGeom prst="rect">
+                <a:avLst/>
+              </a:prstGeom>
+            </p:spPr>
+            <p:txBody>
+              <a:bodyPr wrap="square">
+                <a:spAutoFit/>
+              </a:bodyPr>
+              <a:lstStyle/>
+              <a:p>
+                <a:pPr algn="just"/>
+                <a:r>
+                  <a:rPr lang="it-IT" dirty="0" smtClean="0">
+                    <a:latin typeface="Calibri" panose="020F0502020204030204" pitchFamily="34" charset="0"/>
+                    <a:cs typeface="Calibri" panose="020F0502020204030204" pitchFamily="34" charset="0"/>
+                  </a:rPr>
+                  <a:t>A seconda del </a:t>
+                </a:r>
+                <a:r>
+                  <a:rPr lang="it-IT" b="1" dirty="0">
+                    <a:latin typeface="Calibri" panose="020F0502020204030204" pitchFamily="34" charset="0"/>
+                    <a:cs typeface="Calibri" panose="020F0502020204030204" pitchFamily="34" charset="0"/>
+                  </a:rPr>
+                  <a:t>numero di archi </a:t>
+                </a:r>
+                <a:r>
+                  <a:rPr lang="it-IT" dirty="0">
+                    <a:latin typeface="Calibri" panose="020F0502020204030204" pitchFamily="34" charset="0"/>
+                    <a:cs typeface="Calibri" panose="020F0502020204030204" pitchFamily="34" charset="0"/>
+                  </a:rPr>
+                  <a:t>che collegano le due </a:t>
+                </a:r>
+                <a:r>
+                  <a:rPr lang="it-IT" b="1" i="1" dirty="0" err="1">
+                    <a:solidFill>
+                      <a:schemeClr val="accent2"/>
+                    </a:solidFill>
+                    <a:latin typeface="Calibri" panose="020F0502020204030204" pitchFamily="34" charset="0"/>
+                    <a:cs typeface="Calibri" panose="020F0502020204030204" pitchFamily="34" charset="0"/>
+                  </a:rPr>
+                  <a:t>echo-chambers</a:t>
+                </a:r>
+                <a:r>
+                  <a:rPr lang="it-IT" dirty="0">
+                    <a:latin typeface="Calibri" panose="020F0502020204030204" pitchFamily="34" charset="0"/>
+                    <a:cs typeface="Calibri" panose="020F0502020204030204" pitchFamily="34" charset="0"/>
+                  </a:rPr>
+                  <a:t>, </a:t>
+                </a:r>
+              </a:p>
+              <a:p>
+                <a:pPr algn="just"/>
+                <a:r>
+                  <a:rPr lang="it-IT" dirty="0">
+                    <a:latin typeface="Calibri" panose="020F0502020204030204" pitchFamily="34" charset="0"/>
+                    <a:cs typeface="Calibri" panose="020F0502020204030204" pitchFamily="34" charset="0"/>
+                  </a:rPr>
+                  <a:t>l’argomento della discussione, descritta dall’</a:t>
+                </a:r>
+                <a:r>
+                  <a:rPr lang="it-IT" b="1" i="1" dirty="0">
+                    <a:solidFill>
+                      <a:schemeClr val="accent2"/>
+                    </a:solidFill>
+                    <a:latin typeface="Calibri" panose="020F0502020204030204" pitchFamily="34" charset="0"/>
+                    <a:cs typeface="Calibri" panose="020F0502020204030204" pitchFamily="34" charset="0"/>
+                  </a:rPr>
+                  <a:t>endorsement </a:t>
+                </a:r>
+                <a:r>
+                  <a:rPr lang="it-IT" b="1" i="1" dirty="0" err="1">
+                    <a:solidFill>
+                      <a:schemeClr val="accent2"/>
+                    </a:solidFill>
+                    <a:latin typeface="Calibri" panose="020F0502020204030204" pitchFamily="34" charset="0"/>
+                    <a:cs typeface="Calibri" panose="020F0502020204030204" pitchFamily="34" charset="0"/>
+                  </a:rPr>
+                  <a:t>graph</a:t>
+                </a:r>
+                <a:r>
+                  <a:rPr lang="it-IT" dirty="0">
+                    <a:latin typeface="Calibri" panose="020F0502020204030204" pitchFamily="34" charset="0"/>
+                    <a:cs typeface="Calibri" panose="020F0502020204030204" pitchFamily="34" charset="0"/>
+                  </a:rPr>
+                  <a:t>, risulta</a:t>
+                </a:r>
+              </a:p>
+              <a:p>
+                <a:pPr algn="just"/>
+                <a:r>
+                  <a:rPr lang="it-IT" dirty="0">
+                    <a:latin typeface="Calibri" panose="020F0502020204030204" pitchFamily="34" charset="0"/>
+                    <a:cs typeface="Calibri" panose="020F0502020204030204" pitchFamily="34" charset="0"/>
+                  </a:rPr>
+                  <a:t>essere più o meno </a:t>
+                </a:r>
+                <a:r>
+                  <a:rPr lang="it-IT" b="1" dirty="0">
+                    <a:latin typeface="Calibri" panose="020F0502020204030204" pitchFamily="34" charset="0"/>
+                    <a:cs typeface="Calibri" panose="020F0502020204030204" pitchFamily="34" charset="0"/>
+                  </a:rPr>
+                  <a:t>controverso</a:t>
+                </a:r>
+                <a:r>
+                  <a:rPr lang="it-IT" i="1" dirty="0">
+                    <a:latin typeface="Calibri" panose="020F0502020204030204" pitchFamily="34" charset="0"/>
+                    <a:cs typeface="Calibri" panose="020F0502020204030204" pitchFamily="34" charset="0"/>
+                  </a:rPr>
+                  <a:t>.</a:t>
+                </a:r>
+              </a:p>
+              <a:p>
+                <a:pPr algn="just"/>
+                <a:endParaRPr lang="it-IT" i="1" dirty="0">
+                  <a:latin typeface="Calibri" panose="020F0502020204030204" pitchFamily="34" charset="0"/>
+                  <a:cs typeface="Calibri" panose="020F0502020204030204" pitchFamily="34" charset="0"/>
+                </a:endParaRPr>
+              </a:p>
+              <a:p>
+                <a:r>
+                  <a:rPr lang="it-IT" dirty="0">
+                    <a:latin typeface="Calibri" panose="020F0502020204030204" pitchFamily="34" charset="0"/>
+                    <a:cs typeface="Calibri" panose="020F0502020204030204" pitchFamily="34" charset="0"/>
+                  </a:rPr>
+                  <a:t>Per misurare il </a:t>
+                </a:r>
+                <a:r>
+                  <a:rPr lang="it-IT" b="1" dirty="0">
+                    <a:latin typeface="Calibri" panose="020F0502020204030204" pitchFamily="34" charset="0"/>
+                    <a:cs typeface="Calibri" panose="020F0502020204030204" pitchFamily="34" charset="0"/>
+                  </a:rPr>
+                  <a:t>grado di controversia</a:t>
+                </a:r>
+                <a:r>
+                  <a:rPr lang="it-IT" i="1" dirty="0">
+                    <a:latin typeface="Calibri" panose="020F0502020204030204" pitchFamily="34" charset="0"/>
+                    <a:cs typeface="Calibri" panose="020F0502020204030204" pitchFamily="34" charset="0"/>
+                  </a:rPr>
+                  <a:t> </a:t>
+                </a:r>
+                <a:r>
+                  <a:rPr lang="it-IT" dirty="0">
+                    <a:latin typeface="Calibri" panose="020F0502020204030204" pitchFamily="34" charset="0"/>
+                    <a:cs typeface="Calibri" panose="020F0502020204030204" pitchFamily="34" charset="0"/>
+                  </a:rPr>
+                  <a:t>della rete, viene utilizzata la funzione </a:t>
+                </a:r>
+              </a:p>
+              <a:p>
+                <a:r>
+                  <a:rPr lang="it-IT" sz="2000" b="1" i="1" dirty="0">
+                    <a:solidFill>
+                      <a:srgbClr val="00B050"/>
+                    </a:solidFill>
+                    <a:latin typeface="Calibri" panose="020F0502020204030204" pitchFamily="34" charset="0"/>
+                    <a:cs typeface="Calibri" panose="020F0502020204030204" pitchFamily="34" charset="0"/>
+                  </a:rPr>
+                  <a:t>Random-</a:t>
+                </a:r>
+                <a:r>
+                  <a:rPr lang="it-IT" sz="2000" b="1" i="1" dirty="0" err="1">
+                    <a:solidFill>
+                      <a:srgbClr val="00B050"/>
+                    </a:solidFill>
+                    <a:latin typeface="Calibri" panose="020F0502020204030204" pitchFamily="34" charset="0"/>
+                    <a:cs typeface="Calibri" panose="020F0502020204030204" pitchFamily="34" charset="0"/>
+                  </a:rPr>
+                  <a:t>walk</a:t>
+                </a:r>
+                <a:r>
+                  <a:rPr lang="it-IT" sz="2000" b="1" i="1" dirty="0">
+                    <a:solidFill>
+                      <a:srgbClr val="00B050"/>
+                    </a:solidFill>
+                    <a:latin typeface="Calibri" panose="020F0502020204030204" pitchFamily="34" charset="0"/>
+                    <a:cs typeface="Calibri" panose="020F0502020204030204" pitchFamily="34" charset="0"/>
+                  </a:rPr>
+                  <a:t> </a:t>
+                </a:r>
+                <a:r>
+                  <a:rPr lang="it-IT" sz="2000" b="1" i="1" dirty="0" err="1">
+                    <a:solidFill>
+                      <a:srgbClr val="00B050"/>
+                    </a:solidFill>
+                    <a:latin typeface="Calibri" panose="020F0502020204030204" pitchFamily="34" charset="0"/>
+                    <a:cs typeface="Calibri" panose="020F0502020204030204" pitchFamily="34" charset="0"/>
+                  </a:rPr>
+                  <a:t>controversy</a:t>
+                </a:r>
+                <a:r>
+                  <a:rPr lang="it-IT" i="1" dirty="0">
+                    <a:latin typeface="Calibri" panose="020F0502020204030204" pitchFamily="34" charset="0"/>
+                    <a:cs typeface="Calibri" panose="020F0502020204030204" pitchFamily="34" charset="0"/>
+                  </a:rPr>
+                  <a:t> </a:t>
+                </a:r>
+                <a:r>
+                  <a:rPr lang="it-IT" sz="2000" b="1" i="1" dirty="0">
+                    <a:solidFill>
+                      <a:srgbClr val="00B050"/>
+                    </a:solidFill>
+                    <a:latin typeface="Calibri" panose="020F0502020204030204" pitchFamily="34" charset="0"/>
+                    <a:cs typeface="Calibri" panose="020F0502020204030204" pitchFamily="34" charset="0"/>
+                  </a:rPr>
+                  <a:t>score</a:t>
+                </a:r>
+                <a:r>
+                  <a:rPr lang="it-IT" dirty="0">
+                    <a:latin typeface="Calibri" panose="020F0502020204030204" pitchFamily="34" charset="0"/>
+                    <a:cs typeface="Calibri" panose="020F0502020204030204" pitchFamily="34" charset="0"/>
+                  </a:rPr>
+                  <a:t>:</a:t>
+                </a:r>
+              </a:p>
+              <a:p>
+                <a:endParaRPr lang="it-IT" dirty="0">
+                  <a:latin typeface="Calibri" panose="020F0502020204030204" pitchFamily="34" charset="0"/>
+                  <a:cs typeface="Calibri" panose="020F0502020204030204" pitchFamily="34" charset="0"/>
+                </a:endParaRPr>
+              </a:p>
+              <a:p>
+                <a:endParaRPr lang="it-IT" dirty="0">
+                  <a:latin typeface="Calibri" panose="020F0502020204030204" pitchFamily="34" charset="0"/>
+                  <a:cs typeface="Calibri" panose="020F0502020204030204" pitchFamily="34" charset="0"/>
+                </a:endParaRPr>
+              </a:p>
+              <a:p>
+                <a:endParaRPr lang="it-IT" dirty="0">
+                  <a:latin typeface="Calibri" panose="020F0502020204030204" pitchFamily="34" charset="0"/>
+                  <a:cs typeface="Calibri" panose="020F0502020204030204" pitchFamily="34" charset="0"/>
+                </a:endParaRPr>
+              </a:p>
+              <a:p>
+                <a:r>
+                  <a:rPr lang="it-IT" dirty="0">
+                    <a:latin typeface="Calibri" panose="020F0502020204030204" pitchFamily="34" charset="0"/>
+                    <a:cs typeface="Calibri" panose="020F0502020204030204" pitchFamily="34" charset="0"/>
+                  </a:rPr>
+                  <a:t> </a:t>
+                </a:r>
+                <a:r>
+                  <a:rPr lang="it-IT" dirty="0" smtClean="0">
+                    <a:latin typeface="Calibri" panose="020F0502020204030204" pitchFamily="34" charset="0"/>
+                    <a:cs typeface="Calibri" panose="020F0502020204030204" pitchFamily="34" charset="0"/>
+                  </a:rPr>
+                  <a:t>                                     </a:t>
+                </a:r>
+                <a14:m>
+                  <m:oMath xmlns:m="http://schemas.openxmlformats.org/officeDocument/2006/math">
+                    <m:r>
+                      <a:rPr lang="it-IT" b="0" i="1" smtClean="0">
+                        <a:latin typeface="Cambria Math"/>
+                        <a:cs typeface="Calibri" panose="020F0502020204030204" pitchFamily="34" charset="0"/>
+                      </a:rPr>
+                      <m:t>𝑅𝑊𝐶</m:t>
+                    </m:r>
+                    <m:d>
+                      <m:dPr>
+                        <m:ctrlPr>
+                          <a:rPr lang="it-IT" b="0" i="1" smtClean="0">
+                            <a:latin typeface="Cambria Math"/>
+                            <a:cs typeface="Calibri" panose="020F0502020204030204" pitchFamily="34" charset="0"/>
+                          </a:rPr>
+                        </m:ctrlPr>
+                      </m:dPr>
+                      <m:e>
+                        <m:r>
+                          <a:rPr lang="it-IT" b="0" i="1" smtClean="0">
+                            <a:latin typeface="Cambria Math"/>
+                            <a:cs typeface="Calibri" panose="020F0502020204030204" pitchFamily="34" charset="0"/>
+                          </a:rPr>
+                          <m:t>𝐺</m:t>
+                        </m:r>
+                        <m:r>
+                          <a:rPr lang="it-IT" b="0" i="1" smtClean="0">
+                            <a:latin typeface="Cambria Math"/>
+                            <a:cs typeface="Calibri" panose="020F0502020204030204" pitchFamily="34" charset="0"/>
+                          </a:rPr>
+                          <m:t>,</m:t>
+                        </m:r>
+                        <m:r>
+                          <a:rPr lang="it-IT" b="0" i="1" smtClean="0">
+                            <a:latin typeface="Cambria Math"/>
+                            <a:cs typeface="Calibri" panose="020F0502020204030204" pitchFamily="34" charset="0"/>
+                          </a:rPr>
+                          <m:t>𝑋</m:t>
+                        </m:r>
+                        <m:r>
+                          <a:rPr lang="it-IT" b="0" i="1" smtClean="0">
+                            <a:latin typeface="Cambria Math"/>
+                            <a:cs typeface="Calibri" panose="020F0502020204030204" pitchFamily="34" charset="0"/>
+                          </a:rPr>
+                          <m:t>,</m:t>
+                        </m:r>
+                        <m:r>
+                          <a:rPr lang="it-IT" b="0" i="1" smtClean="0">
+                            <a:latin typeface="Cambria Math"/>
+                            <a:cs typeface="Calibri" panose="020F0502020204030204" pitchFamily="34" charset="0"/>
+                          </a:rPr>
+                          <m:t>𝑌</m:t>
+                        </m:r>
+                      </m:e>
+                    </m:d>
+                    <m:r>
+                      <a:rPr lang="it-IT" b="0" i="1" smtClean="0">
+                        <a:latin typeface="Cambria Math"/>
+                        <a:cs typeface="Calibri" panose="020F0502020204030204" pitchFamily="34" charset="0"/>
+                      </a:rPr>
+                      <m:t> ≝</m:t>
+                    </m:r>
+                    <m:sSup>
+                      <m:sSupPr>
+                        <m:ctrlPr>
+                          <a:rPr lang="it-IT" b="0" i="1" smtClean="0">
+                            <a:latin typeface="Cambria Math"/>
+                            <a:cs typeface="Calibri" panose="020F0502020204030204" pitchFamily="34" charset="0"/>
+                          </a:rPr>
+                        </m:ctrlPr>
+                      </m:sSupPr>
+                      <m:e>
+                        <m:d>
+                          <m:dPr>
+                            <m:ctrlPr>
+                              <a:rPr lang="it-IT" i="1">
+                                <a:latin typeface="Cambria Math"/>
+                                <a:cs typeface="Calibri" panose="020F0502020204030204" pitchFamily="34" charset="0"/>
+                              </a:rPr>
+                            </m:ctrlPr>
+                          </m:dPr>
+                          <m:e>
+                            <m:sSub>
+                              <m:sSubPr>
+                                <m:ctrlPr>
+                                  <a:rPr lang="it-IT" i="1">
+                                    <a:latin typeface="Cambria Math"/>
+                                    <a:cs typeface="Calibri" panose="020F0502020204030204" pitchFamily="34" charset="0"/>
+                                  </a:rPr>
+                                </m:ctrlPr>
+                              </m:sSubPr>
+                              <m:e>
+                                <m:r>
+                                  <a:rPr lang="it-IT" i="1">
+                                    <a:latin typeface="Cambria Math"/>
+                                    <a:cs typeface="Calibri" panose="020F0502020204030204" pitchFamily="34" charset="0"/>
+                                  </a:rPr>
+                                  <m:t>𝑐</m:t>
+                                </m:r>
+                              </m:e>
+                              <m:sub>
+                                <m:r>
+                                  <a:rPr lang="it-IT" i="1">
+                                    <a:latin typeface="Cambria Math"/>
+                                    <a:cs typeface="Calibri" panose="020F0502020204030204" pitchFamily="34" charset="0"/>
+                                  </a:rPr>
+                                  <m:t>𝑥</m:t>
+                                </m:r>
+                              </m:sub>
+                            </m:sSub>
+                            <m:r>
+                              <a:rPr lang="it-IT" i="1">
+                                <a:latin typeface="Cambria Math"/>
+                                <a:cs typeface="Calibri" panose="020F0502020204030204" pitchFamily="34" charset="0"/>
+                              </a:rPr>
+                              <m:t>−</m:t>
+                            </m:r>
+                            <m:sSub>
+                              <m:sSubPr>
+                                <m:ctrlPr>
+                                  <a:rPr lang="it-IT" i="1">
+                                    <a:latin typeface="Cambria Math"/>
+                                    <a:cs typeface="Calibri" panose="020F0502020204030204" pitchFamily="34" charset="0"/>
+                                  </a:rPr>
+                                </m:ctrlPr>
+                              </m:sSubPr>
+                              <m:e>
+                                <m:r>
+                                  <a:rPr lang="it-IT" i="1">
+                                    <a:latin typeface="Cambria Math"/>
+                                    <a:cs typeface="Calibri" panose="020F0502020204030204" pitchFamily="34" charset="0"/>
+                                  </a:rPr>
+                                  <m:t>𝑐</m:t>
+                                </m:r>
+                              </m:e>
+                              <m:sub>
+                                <m:r>
+                                  <a:rPr lang="it-IT" i="1">
+                                    <a:latin typeface="Cambria Math"/>
+                                    <a:cs typeface="Calibri" panose="020F0502020204030204" pitchFamily="34" charset="0"/>
+                                  </a:rPr>
+                                  <m:t>𝑦</m:t>
+                                </m:r>
+                              </m:sub>
+                            </m:sSub>
+                          </m:e>
+                        </m:d>
+                      </m:e>
+                      <m:sup>
+                        <m:r>
+                          <a:rPr lang="it-IT" b="0" i="1" smtClean="0">
+                            <a:latin typeface="Cambria Math"/>
+                            <a:cs typeface="Calibri" panose="020F0502020204030204" pitchFamily="34" charset="0"/>
+                          </a:rPr>
+                          <m:t>𝑇</m:t>
+                        </m:r>
+                      </m:sup>
+                    </m:sSup>
+                    <m:d>
+                      <m:dPr>
+                        <m:ctrlPr>
+                          <a:rPr lang="it-IT" b="0" i="1" smtClean="0">
+                            <a:latin typeface="Cambria Math"/>
+                            <a:cs typeface="Calibri" panose="020F0502020204030204" pitchFamily="34" charset="0"/>
+                          </a:rPr>
+                        </m:ctrlPr>
+                      </m:dPr>
+                      <m:e>
+                        <m:sSub>
+                          <m:sSubPr>
+                            <m:ctrlPr>
+                              <a:rPr lang="it-IT" b="0" i="1" smtClean="0">
+                                <a:latin typeface="Cambria Math"/>
+                                <a:cs typeface="Calibri" panose="020F0502020204030204" pitchFamily="34" charset="0"/>
+                              </a:rPr>
+                            </m:ctrlPr>
+                          </m:sSubPr>
+                          <m:e>
+                            <m:r>
+                              <a:rPr lang="it-IT" b="0" i="1" smtClean="0">
+                                <a:latin typeface="Cambria Math"/>
+                                <a:cs typeface="Calibri" panose="020F0502020204030204" pitchFamily="34" charset="0"/>
+                              </a:rPr>
+                              <m:t>𝑟</m:t>
+                            </m:r>
+                          </m:e>
+                          <m:sub>
+                            <m:r>
+                              <a:rPr lang="it-IT" b="0" i="1" smtClean="0">
+                                <a:latin typeface="Cambria Math"/>
+                                <a:cs typeface="Calibri" panose="020F0502020204030204" pitchFamily="34" charset="0"/>
+                              </a:rPr>
+                              <m:t>𝑥</m:t>
+                            </m:r>
+                          </m:sub>
+                        </m:sSub>
+                        <m:r>
+                          <a:rPr lang="it-IT" b="0" i="1" smtClean="0">
+                            <a:latin typeface="Cambria Math"/>
+                            <a:cs typeface="Calibri" panose="020F0502020204030204" pitchFamily="34" charset="0"/>
+                          </a:rPr>
+                          <m:t>−</m:t>
+                        </m:r>
+                        <m:sSub>
+                          <m:sSubPr>
+                            <m:ctrlPr>
+                              <a:rPr lang="it-IT" b="0" i="1" smtClean="0">
+                                <a:latin typeface="Cambria Math"/>
+                                <a:cs typeface="Calibri" panose="020F0502020204030204" pitchFamily="34" charset="0"/>
+                              </a:rPr>
+                            </m:ctrlPr>
+                          </m:sSubPr>
+                          <m:e>
+                            <m:r>
+                              <a:rPr lang="it-IT" b="0" i="1" smtClean="0">
+                                <a:latin typeface="Cambria Math"/>
+                                <a:cs typeface="Calibri" panose="020F0502020204030204" pitchFamily="34" charset="0"/>
+                              </a:rPr>
+                              <m:t>𝑟</m:t>
+                            </m:r>
+                          </m:e>
+                          <m:sub>
+                            <m:r>
+                              <a:rPr lang="it-IT" b="0" i="1" smtClean="0">
+                                <a:latin typeface="Cambria Math"/>
+                                <a:cs typeface="Calibri" panose="020F0502020204030204" pitchFamily="34" charset="0"/>
+                              </a:rPr>
+                              <m:t>𝑦</m:t>
+                            </m:r>
+                          </m:sub>
+                        </m:sSub>
+                      </m:e>
+                    </m:d>
+                  </m:oMath>
+                </a14:m>
+                <a:r>
+                  <a:rPr lang="it-IT" dirty="0" smtClean="0">
+                    <a:latin typeface="Calibri" panose="020F0502020204030204" pitchFamily="34" charset="0"/>
+                    <a:cs typeface="Calibri" panose="020F0502020204030204" pitchFamily="34" charset="0"/>
+                  </a:rPr>
+                  <a:t> </a:t>
+                </a:r>
+              </a:p>
+            </p:txBody>
+          </p:sp>
+        </mc:Choice>
+        <mc:Fallback xmlns="">
+          <p:sp>
+            <p:nvSpPr>
+              <p:cNvPr id="6" name="Rettangolo 5">
+                <a:extLst>
+                  <a:ext uri="{FF2B5EF4-FFF2-40B4-BE49-F238E27FC236}">
+                    <a16:creationId xmlns="" xmlns:a16="http://schemas.microsoft.com/office/drawing/2014/main" id="{B2DAE42D-6981-4258-A997-350AEC1248D1}"/>
+                  </a:ext>
+                </a:extLst>
+              </p:cNvPr>
+              <p:cNvSpPr>
+                <a:spLocks noRot="1" noChangeAspect="1" noMove="1" noResize="1" noEditPoints="1" noAdjustHandles="1" noChangeArrowheads="1" noChangeShapeType="1" noTextEdit="1"/>
+              </p:cNvSpPr>
+              <p:nvPr/>
+            </p:nvSpPr>
+            <p:spPr>
+              <a:xfrm>
+                <a:off x="1619672" y="1484784"/>
+                <a:ext cx="7416824" cy="3013967"/>
+              </a:xfrm>
+              <a:prstGeom prst="rect">
+                <a:avLst/>
+              </a:prstGeom>
+              <a:blipFill rotWithShape="1">
+                <a:blip r:embed="rId2"/>
+                <a:stretch>
+                  <a:fillRect l="-905" t="-1012"/>
+                </a:stretch>
+              </a:blipFill>
+            </p:spPr>
+            <p:txBody>
+              <a:bodyPr/>
+              <a:lstStyle/>
+              <a:p>
+                <a:r>
+                  <a:rPr lang="it-IT">
+                    <a:noFill/>
+                  </a:rPr>
+                  <a:t> </a:t>
+                </a:r>
+              </a:p>
+            </p:txBody>
+          </p:sp>
+        </mc:Fallback>
+      </mc:AlternateContent>
       <p:sp>
         <p:nvSpPr>
           <p:cNvPr id="8" name="CasellaDiTesto 7">
             <a:extLst>
               <a:ext uri="{FF2B5EF4-FFF2-40B4-BE49-F238E27FC236}">
-                <a16:creationId xmlns:a16="http://schemas.microsoft.com/office/drawing/2014/main" xmlns="" id="{8B0801A2-6519-4569-95A9-BB7590321AD9}"/>
+                <a16:creationId xmlns="" xmlns:a16="http://schemas.microsoft.com/office/drawing/2014/main" id="{8B0801A2-6519-4569-95A9-BB7590321AD9}"/>
               </a:ext>
             </a:extLst>
           </p:cNvPr>
@@ -40723,7 +41310,7 @@
         </p:nvSpPr>
         <p:spPr>
           <a:xfrm>
-            <a:off x="1907704" y="4531772"/>
+            <a:off x="1619672" y="4531772"/>
             <a:ext cx="7264746" cy="1661993"/>
           </a:xfrm>
           <a:prstGeom prst="rect">
@@ -41060,7 +41647,7 @@
           <p:cNvPr id="10" name="Connettore 2 9">
             <a:extLst>
               <a:ext uri="{FF2B5EF4-FFF2-40B4-BE49-F238E27FC236}">
-                <a16:creationId xmlns:a16="http://schemas.microsoft.com/office/drawing/2014/main" xmlns="" id="{3E71D179-9BB9-40A9-B4D8-958D015E4F75}"/>
+                <a16:creationId xmlns="" xmlns:a16="http://schemas.microsoft.com/office/drawing/2014/main" id="{3E71D179-9BB9-40A9-B4D8-958D015E4F75}"/>
               </a:ext>
             </a:extLst>
           </p:cNvPr>
@@ -41069,7 +41656,7 @@
         </p:nvCxnSpPr>
         <p:spPr>
           <a:xfrm flipH="1" flipV="1">
-            <a:off x="4427984" y="3861048"/>
+            <a:off x="4283968" y="3861048"/>
             <a:ext cx="288032" cy="216024"/>
           </a:xfrm>
           <a:prstGeom prst="straightConnector1">
@@ -41099,7 +41686,7 @@
           <p:cNvPr id="12" name="Connettore 2 11">
             <a:extLst>
               <a:ext uri="{FF2B5EF4-FFF2-40B4-BE49-F238E27FC236}">
-                <a16:creationId xmlns:a16="http://schemas.microsoft.com/office/drawing/2014/main" xmlns="" id="{1BE3D6CD-BA35-49B2-B9E9-3F62FDBF378A}"/>
+                <a16:creationId xmlns="" xmlns:a16="http://schemas.microsoft.com/office/drawing/2014/main" id="{1BE3D6CD-BA35-49B2-B9E9-3F62FDBF378A}"/>
               </a:ext>
             </a:extLst>
           </p:cNvPr>
@@ -41108,7 +41695,7 @@
         </p:nvCxnSpPr>
         <p:spPr>
           <a:xfrm flipV="1">
-            <a:off x="5004048" y="3861048"/>
+            <a:off x="4860032" y="3861048"/>
             <a:ext cx="216024" cy="216024"/>
           </a:xfrm>
           <a:prstGeom prst="straightConnector1">
@@ -41138,7 +41725,7 @@
           <p:cNvPr id="14" name="CasellaDiTesto 13">
             <a:extLst>
               <a:ext uri="{FF2B5EF4-FFF2-40B4-BE49-F238E27FC236}">
-                <a16:creationId xmlns:a16="http://schemas.microsoft.com/office/drawing/2014/main" xmlns="" id="{52C41119-C267-4F95-B13B-D175F8FAD467}"/>
+                <a16:creationId xmlns="" xmlns:a16="http://schemas.microsoft.com/office/drawing/2014/main" id="{52C41119-C267-4F95-B13B-D175F8FAD467}"/>
               </a:ext>
             </a:extLst>
           </p:cNvPr>
@@ -41147,7 +41734,7 @@
         </p:nvSpPr>
         <p:spPr>
           <a:xfrm>
-            <a:off x="3727864" y="3584049"/>
+            <a:off x="3635896" y="3584049"/>
             <a:ext cx="1221809" cy="276999"/>
           </a:xfrm>
           <a:prstGeom prst="rect">
@@ -41196,7 +41783,7 @@
           <p:cNvPr id="15" name="CasellaDiTesto 14">
             <a:extLst>
               <a:ext uri="{FF2B5EF4-FFF2-40B4-BE49-F238E27FC236}">
-                <a16:creationId xmlns:a16="http://schemas.microsoft.com/office/drawing/2014/main" xmlns="" id="{7739B639-5ED7-46CE-8E1E-A9D9A3526EA0}"/>
+                <a16:creationId xmlns="" xmlns:a16="http://schemas.microsoft.com/office/drawing/2014/main" id="{7739B639-5ED7-46CE-8E1E-A9D9A3526EA0}"/>
               </a:ext>
             </a:extLst>
           </p:cNvPr>
@@ -41205,7 +41792,7 @@
         </p:nvSpPr>
         <p:spPr>
           <a:xfrm>
-            <a:off x="4929172" y="3584048"/>
+            <a:off x="4788024" y="3584048"/>
             <a:ext cx="1221809" cy="276999"/>
           </a:xfrm>
           <a:prstGeom prst="rect">
@@ -41291,7 +41878,7 @@
           <p:cNvPr id="5" name="Title 3">
             <a:extLst>
               <a:ext uri="{FF2B5EF4-FFF2-40B4-BE49-F238E27FC236}">
-                <a16:creationId xmlns:a16="http://schemas.microsoft.com/office/drawing/2014/main" xmlns="" id="{189ECF77-714F-4D2C-9D4B-CC43534EF427}"/>
+                <a16:creationId xmlns="" xmlns:a16="http://schemas.microsoft.com/office/drawing/2014/main" id="{189ECF77-714F-4D2C-9D4B-CC43534EF427}"/>
               </a:ext>
             </a:extLst>
           </p:cNvPr>
@@ -41361,518 +41948,643 @@
           </a:p>
         </p:txBody>
       </p:sp>
-      <p:sp>
-        <p:nvSpPr>
-          <p:cNvPr id="6" name="Rettangolo 5">
-            <a:extLst>
-              <a:ext uri="{FF2B5EF4-FFF2-40B4-BE49-F238E27FC236}">
-                <a16:creationId xmlns:a16="http://schemas.microsoft.com/office/drawing/2014/main" xmlns="" id="{A34D05E0-D21E-4851-84DD-833555197E5F}"/>
-              </a:ext>
-            </a:extLst>
-          </p:cNvPr>
-          <p:cNvSpPr/>
-          <p:nvPr/>
-        </p:nvSpPr>
-        <p:spPr>
-          <a:xfrm>
-            <a:off x="1763688" y="1484784"/>
-            <a:ext cx="7416824" cy="5016758"/>
-          </a:xfrm>
-          <a:prstGeom prst="rect">
-            <a:avLst/>
-          </a:prstGeom>
-        </p:spPr>
-        <p:txBody>
-          <a:bodyPr wrap="square">
-            <a:spAutoFit/>
-          </a:bodyPr>
-          <a:lstStyle/>
-          <a:p>
-            <a:r>
-              <a:rPr lang="it-IT" dirty="0">
-                <a:latin typeface="Calibri" panose="020F0502020204030204" pitchFamily="34" charset="0"/>
-                <a:cs typeface="Calibri" panose="020F0502020204030204" pitchFamily="34" charset="0"/>
-              </a:rPr>
-              <a:t>L’</a:t>
-            </a:r>
-            <a:r>
-              <a:rPr lang="it-IT" b="1" i="1" dirty="0">
-                <a:solidFill>
-                  <a:srgbClr val="00B050"/>
-                </a:solidFill>
-                <a:latin typeface="Calibri" panose="020F0502020204030204" pitchFamily="34" charset="0"/>
-                <a:cs typeface="Calibri" panose="020F0502020204030204" pitchFamily="34" charset="0"/>
-              </a:rPr>
-              <a:t>RWC </a:t>
-            </a:r>
-            <a:r>
-              <a:rPr lang="it-IT" dirty="0">
-                <a:latin typeface="Calibri" panose="020F0502020204030204" pitchFamily="34" charset="0"/>
-                <a:cs typeface="Calibri" panose="020F0502020204030204" pitchFamily="34" charset="0"/>
-              </a:rPr>
-              <a:t>è definito come </a:t>
-            </a:r>
-            <a:r>
-              <a:rPr lang="it-IT" i="1" dirty="0">
-                <a:latin typeface="Calibri" panose="020F0502020204030204" pitchFamily="34" charset="0"/>
-                <a:cs typeface="Calibri" panose="020F0502020204030204" pitchFamily="34" charset="0"/>
-              </a:rPr>
-              <a:t>la </a:t>
-            </a:r>
-            <a:r>
-              <a:rPr lang="it-IT" b="1" i="1" dirty="0">
-                <a:latin typeface="Calibri" panose="020F0502020204030204" pitchFamily="34" charset="0"/>
-                <a:cs typeface="Calibri" panose="020F0502020204030204" pitchFamily="34" charset="0"/>
-              </a:rPr>
-              <a:t>differenza</a:t>
-            </a:r>
-            <a:r>
-              <a:rPr lang="it-IT" i="1" dirty="0">
-                <a:latin typeface="Calibri" panose="020F0502020204030204" pitchFamily="34" charset="0"/>
-                <a:cs typeface="Calibri" panose="020F0502020204030204" pitchFamily="34" charset="0"/>
-              </a:rPr>
-              <a:t> della probabilità che un random </a:t>
-            </a:r>
-            <a:r>
-              <a:rPr lang="it-IT" i="1" dirty="0" err="1">
-                <a:latin typeface="Calibri" panose="020F0502020204030204" pitchFamily="34" charset="0"/>
-                <a:cs typeface="Calibri" panose="020F0502020204030204" pitchFamily="34" charset="0"/>
-              </a:rPr>
-              <a:t>walk</a:t>
-            </a:r>
-            <a:r>
-              <a:rPr lang="it-IT" i="1" dirty="0">
-                <a:latin typeface="Calibri" panose="020F0502020204030204" pitchFamily="34" charset="0"/>
-                <a:cs typeface="Calibri" panose="020F0502020204030204" pitchFamily="34" charset="0"/>
-              </a:rPr>
-              <a:t> </a:t>
-            </a:r>
-          </a:p>
-          <a:p>
-            <a:r>
-              <a:rPr lang="it-IT" i="1" dirty="0">
-                <a:latin typeface="Calibri" panose="020F0502020204030204" pitchFamily="34" charset="0"/>
-                <a:cs typeface="Calibri" panose="020F0502020204030204" pitchFamily="34" charset="0"/>
-              </a:rPr>
-              <a:t>che parte da una </a:t>
-            </a:r>
-            <a:r>
-              <a:rPr lang="it-IT" i="1" dirty="0" err="1">
-                <a:latin typeface="Calibri" panose="020F0502020204030204" pitchFamily="34" charset="0"/>
-                <a:cs typeface="Calibri" panose="020F0502020204030204" pitchFamily="34" charset="0"/>
-              </a:rPr>
-              <a:t>echo-chamber</a:t>
-            </a:r>
-            <a:r>
-              <a:rPr lang="it-IT" i="1" dirty="0">
-                <a:latin typeface="Calibri" panose="020F0502020204030204" pitchFamily="34" charset="0"/>
-                <a:cs typeface="Calibri" panose="020F0502020204030204" pitchFamily="34" charset="0"/>
-              </a:rPr>
-              <a:t> all’equilibrio vi permanga e la probabilità </a:t>
-            </a:r>
-          </a:p>
-          <a:p>
-            <a:r>
-              <a:rPr lang="it-IT" i="1" dirty="0">
-                <a:latin typeface="Calibri" panose="020F0502020204030204" pitchFamily="34" charset="0"/>
-                <a:cs typeface="Calibri" panose="020F0502020204030204" pitchFamily="34" charset="0"/>
-              </a:rPr>
-              <a:t>che invece tale random </a:t>
-            </a:r>
-            <a:r>
-              <a:rPr lang="it-IT" i="1" dirty="0" err="1">
-                <a:latin typeface="Calibri" panose="020F0502020204030204" pitchFamily="34" charset="0"/>
-                <a:cs typeface="Calibri" panose="020F0502020204030204" pitchFamily="34" charset="0"/>
-              </a:rPr>
-              <a:t>walk</a:t>
-            </a:r>
-            <a:r>
-              <a:rPr lang="it-IT" i="1" dirty="0">
-                <a:latin typeface="Calibri" panose="020F0502020204030204" pitchFamily="34" charset="0"/>
-                <a:cs typeface="Calibri" panose="020F0502020204030204" pitchFamily="34" charset="0"/>
-              </a:rPr>
-              <a:t> all’equilibrio finisca nell’</a:t>
-            </a:r>
-            <a:r>
-              <a:rPr lang="it-IT" i="1" dirty="0" err="1">
-                <a:latin typeface="Calibri" panose="020F0502020204030204" pitchFamily="34" charset="0"/>
-                <a:cs typeface="Calibri" panose="020F0502020204030204" pitchFamily="34" charset="0"/>
-              </a:rPr>
-              <a:t>echo-chamber</a:t>
-            </a:r>
-            <a:r>
-              <a:rPr lang="it-IT" i="1" dirty="0">
-                <a:latin typeface="Calibri" panose="020F0502020204030204" pitchFamily="34" charset="0"/>
-                <a:cs typeface="Calibri" panose="020F0502020204030204" pitchFamily="34" charset="0"/>
-              </a:rPr>
-              <a:t> opposta</a:t>
-            </a:r>
-            <a:r>
-              <a:rPr lang="it-IT" dirty="0">
-                <a:latin typeface="Calibri" panose="020F0502020204030204" pitchFamily="34" charset="0"/>
-                <a:cs typeface="Calibri" panose="020F0502020204030204" pitchFamily="34" charset="0"/>
-              </a:rPr>
-              <a:t>.</a:t>
-            </a:r>
-          </a:p>
-          <a:p>
-            <a:endParaRPr lang="it-IT" dirty="0">
-              <a:latin typeface="Calibri" panose="020F0502020204030204" pitchFamily="34" charset="0"/>
-              <a:cs typeface="Calibri" panose="020F0502020204030204" pitchFamily="34" charset="0"/>
-            </a:endParaRPr>
-          </a:p>
-          <a:p>
-            <a:endParaRPr lang="it-IT" dirty="0">
-              <a:latin typeface="Calibri" panose="020F0502020204030204" pitchFamily="34" charset="0"/>
-              <a:cs typeface="Calibri" panose="020F0502020204030204" pitchFamily="34" charset="0"/>
-            </a:endParaRPr>
-          </a:p>
-          <a:p>
-            <a:r>
-              <a:rPr lang="it-IT" b="1" dirty="0">
-                <a:solidFill>
-                  <a:srgbClr val="00B050"/>
-                </a:solidFill>
-                <a:latin typeface="Calibri" panose="020F0502020204030204" pitchFamily="34" charset="0"/>
-                <a:cs typeface="Calibri" panose="020F0502020204030204" pitchFamily="34" charset="0"/>
-              </a:rPr>
-              <a:t>RWC</a:t>
-            </a:r>
-            <a:r>
-              <a:rPr lang="it-IT" dirty="0">
-                <a:solidFill>
-                  <a:srgbClr val="00B050"/>
-                </a:solidFill>
-                <a:latin typeface="Calibri" panose="020F0502020204030204" pitchFamily="34" charset="0"/>
-                <a:cs typeface="Calibri" panose="020F0502020204030204" pitchFamily="34" charset="0"/>
-              </a:rPr>
-              <a:t> </a:t>
-            </a:r>
-            <a:r>
-              <a:rPr lang="it-IT" dirty="0" smtClean="0">
-                <a:latin typeface="Calibri" panose="020F0502020204030204" pitchFamily="34" charset="0"/>
-                <a:cs typeface="Calibri" panose="020F0502020204030204" pitchFamily="34" charset="0"/>
-              </a:rPr>
-              <a:t>ALTO </a:t>
-            </a:r>
-            <a:r>
-              <a:rPr lang="it-IT" dirty="0">
-                <a:latin typeface="Calibri" panose="020F0502020204030204" pitchFamily="34" charset="0"/>
-                <a:cs typeface="Calibri" panose="020F0502020204030204" pitchFamily="34" charset="0"/>
-                <a:sym typeface="Wingdings" panose="05000000000000000000" pitchFamily="2" charset="2"/>
-              </a:rPr>
-              <a:t> ARGOMENTO </a:t>
-            </a:r>
-            <a:r>
-              <a:rPr lang="it-IT" b="1" dirty="0">
-                <a:latin typeface="Calibri" panose="020F0502020204030204" pitchFamily="34" charset="0"/>
-                <a:cs typeface="Calibri" panose="020F0502020204030204" pitchFamily="34" charset="0"/>
-                <a:sym typeface="Wingdings" panose="05000000000000000000" pitchFamily="2" charset="2"/>
-              </a:rPr>
-              <a:t>MOLTO</a:t>
-            </a:r>
-            <a:r>
-              <a:rPr lang="it-IT" dirty="0">
-                <a:latin typeface="Calibri" panose="020F0502020204030204" pitchFamily="34" charset="0"/>
-                <a:cs typeface="Calibri" panose="020F0502020204030204" pitchFamily="34" charset="0"/>
-                <a:sym typeface="Wingdings" panose="05000000000000000000" pitchFamily="2" charset="2"/>
-              </a:rPr>
-              <a:t> </a:t>
-            </a:r>
-            <a:r>
-              <a:rPr lang="it-IT" b="1" dirty="0">
-                <a:latin typeface="Calibri" panose="020F0502020204030204" pitchFamily="34" charset="0"/>
-                <a:cs typeface="Calibri" panose="020F0502020204030204" pitchFamily="34" charset="0"/>
-                <a:sym typeface="Wingdings" panose="05000000000000000000" pitchFamily="2" charset="2"/>
-              </a:rPr>
-              <a:t>CONTROVERSO</a:t>
-            </a:r>
-          </a:p>
-          <a:p>
-            <a:r>
-              <a:rPr lang="it-IT" b="1" dirty="0">
-                <a:solidFill>
-                  <a:srgbClr val="00B050"/>
-                </a:solidFill>
-                <a:latin typeface="Calibri" panose="020F0502020204030204" pitchFamily="34" charset="0"/>
-                <a:cs typeface="Calibri" panose="020F0502020204030204" pitchFamily="34" charset="0"/>
-                <a:sym typeface="Wingdings" panose="05000000000000000000" pitchFamily="2" charset="2"/>
-              </a:rPr>
-              <a:t>RWC</a:t>
-            </a:r>
-            <a:r>
-              <a:rPr lang="it-IT" dirty="0">
-                <a:solidFill>
-                  <a:srgbClr val="00B050"/>
-                </a:solidFill>
-                <a:latin typeface="Calibri" panose="020F0502020204030204" pitchFamily="34" charset="0"/>
-                <a:cs typeface="Calibri" panose="020F0502020204030204" pitchFamily="34" charset="0"/>
-                <a:sym typeface="Wingdings" panose="05000000000000000000" pitchFamily="2" charset="2"/>
-              </a:rPr>
-              <a:t> </a:t>
-            </a:r>
-            <a:r>
-              <a:rPr lang="it-IT" dirty="0" smtClean="0">
-                <a:latin typeface="Calibri" panose="020F0502020204030204" pitchFamily="34" charset="0"/>
-                <a:cs typeface="Calibri" panose="020F0502020204030204" pitchFamily="34" charset="0"/>
-                <a:sym typeface="Wingdings" panose="05000000000000000000" pitchFamily="2" charset="2"/>
-              </a:rPr>
-              <a:t>BASSO </a:t>
-            </a:r>
-            <a:r>
-              <a:rPr lang="it-IT" dirty="0">
-                <a:latin typeface="Calibri" panose="020F0502020204030204" pitchFamily="34" charset="0"/>
-                <a:cs typeface="Calibri" panose="020F0502020204030204" pitchFamily="34" charset="0"/>
-                <a:sym typeface="Wingdings" panose="05000000000000000000" pitchFamily="2" charset="2"/>
-              </a:rPr>
-              <a:t> ARGOMENTO </a:t>
-            </a:r>
-            <a:r>
-              <a:rPr lang="it-IT" b="1" dirty="0">
-                <a:latin typeface="Calibri" panose="020F0502020204030204" pitchFamily="34" charset="0"/>
-                <a:cs typeface="Calibri" panose="020F0502020204030204" pitchFamily="34" charset="0"/>
-                <a:sym typeface="Wingdings" panose="05000000000000000000" pitchFamily="2" charset="2"/>
-              </a:rPr>
-              <a:t>POCO CONTROVERSO</a:t>
-            </a:r>
-          </a:p>
-          <a:p>
-            <a:endParaRPr lang="it-IT" dirty="0">
-              <a:latin typeface="Calibri" panose="020F0502020204030204" pitchFamily="34" charset="0"/>
-              <a:cs typeface="Calibri" panose="020F0502020204030204" pitchFamily="34" charset="0"/>
-              <a:sym typeface="Wingdings" panose="05000000000000000000" pitchFamily="2" charset="2"/>
-            </a:endParaRPr>
-          </a:p>
-          <a:p>
-            <a:r>
-              <a:rPr lang="it-IT" dirty="0">
-                <a:latin typeface="Calibri" pitchFamily="34" charset="0"/>
-                <a:cs typeface="Calibri" pitchFamily="34" charset="0"/>
-              </a:rPr>
-              <a:t>Valori alti di </a:t>
-            </a:r>
-            <a:r>
-              <a:rPr lang="it-IT" b="1" i="1" dirty="0">
-                <a:solidFill>
-                  <a:srgbClr val="00B050"/>
-                </a:solidFill>
-                <a:latin typeface="Calibri" pitchFamily="34" charset="0"/>
-                <a:cs typeface="Calibri" pitchFamily="34" charset="0"/>
-              </a:rPr>
-              <a:t>RWC</a:t>
-            </a:r>
-            <a:r>
-              <a:rPr lang="it-IT" i="1" dirty="0">
-                <a:solidFill>
-                  <a:srgbClr val="00B050"/>
-                </a:solidFill>
-                <a:latin typeface="Calibri" pitchFamily="34" charset="0"/>
-                <a:cs typeface="Calibri" pitchFamily="34" charset="0"/>
-              </a:rPr>
-              <a:t> </a:t>
-            </a:r>
-            <a:r>
-              <a:rPr lang="it-IT" dirty="0">
-                <a:latin typeface="Calibri" pitchFamily="34" charset="0"/>
-                <a:cs typeface="Calibri" pitchFamily="34" charset="0"/>
-              </a:rPr>
-              <a:t>indicano che, all’equilibrio del </a:t>
-            </a:r>
-            <a:r>
-              <a:rPr lang="it-IT" i="1" dirty="0">
-                <a:latin typeface="Calibri" pitchFamily="34" charset="0"/>
-                <a:cs typeface="Calibri" pitchFamily="34" charset="0"/>
-              </a:rPr>
-              <a:t>random </a:t>
-            </a:r>
-            <a:r>
-              <a:rPr lang="it-IT" i="1" dirty="0" err="1">
-                <a:latin typeface="Calibri" pitchFamily="34" charset="0"/>
-                <a:cs typeface="Calibri" pitchFamily="34" charset="0"/>
-              </a:rPr>
-              <a:t>walk</a:t>
-            </a:r>
-            <a:r>
-              <a:rPr lang="it-IT" dirty="0">
-                <a:latin typeface="Calibri" pitchFamily="34" charset="0"/>
-                <a:cs typeface="Calibri" pitchFamily="34" charset="0"/>
-              </a:rPr>
-              <a:t>, è bassa </a:t>
-            </a:r>
-          </a:p>
-          <a:p>
-            <a:r>
-              <a:rPr lang="it-IT" dirty="0">
-                <a:latin typeface="Calibri" pitchFamily="34" charset="0"/>
-                <a:cs typeface="Calibri" pitchFamily="34" charset="0"/>
-              </a:rPr>
-              <a:t>la probabilità di essere nell’</a:t>
-            </a:r>
-            <a:r>
-              <a:rPr lang="it-IT" i="1" dirty="0" err="1">
-                <a:latin typeface="Calibri" pitchFamily="34" charset="0"/>
-                <a:cs typeface="Calibri" pitchFamily="34" charset="0"/>
-              </a:rPr>
-              <a:t>echo-chamber</a:t>
-            </a:r>
-            <a:r>
-              <a:rPr lang="it-IT" i="1" dirty="0">
-                <a:latin typeface="Calibri" pitchFamily="34" charset="0"/>
-                <a:cs typeface="Calibri" pitchFamily="34" charset="0"/>
-              </a:rPr>
-              <a:t> </a:t>
-            </a:r>
-            <a:r>
-              <a:rPr lang="it-IT" dirty="0">
-                <a:latin typeface="Calibri" pitchFamily="34" charset="0"/>
-                <a:cs typeface="Calibri" pitchFamily="34" charset="0"/>
-              </a:rPr>
-              <a:t>opposta a quella di partenza.</a:t>
-            </a:r>
-          </a:p>
-          <a:p>
-            <a:endParaRPr lang="it-IT" dirty="0">
-              <a:latin typeface="Calibri" pitchFamily="34" charset="0"/>
-              <a:cs typeface="Calibri" pitchFamily="34" charset="0"/>
-            </a:endParaRPr>
-          </a:p>
-          <a:p>
-            <a:endParaRPr lang="it-IT" dirty="0">
-              <a:latin typeface="Calibri" pitchFamily="34" charset="0"/>
-              <a:cs typeface="Calibri" pitchFamily="34" charset="0"/>
-            </a:endParaRPr>
-          </a:p>
-          <a:p>
-            <a:endParaRPr lang="it-IT" dirty="0">
-              <a:latin typeface="Calibri" panose="020F0502020204030204" pitchFamily="34" charset="0"/>
-              <a:cs typeface="Calibri" panose="020F0502020204030204" pitchFamily="34" charset="0"/>
-              <a:sym typeface="Wingdings" panose="05000000000000000000" pitchFamily="2" charset="2"/>
-            </a:endParaRPr>
-          </a:p>
-          <a:p>
-            <a:endParaRPr lang="it-IT" dirty="0">
-              <a:latin typeface="Calibri" panose="020F0502020204030204" pitchFamily="34" charset="0"/>
-              <a:cs typeface="Calibri" panose="020F0502020204030204" pitchFamily="34" charset="0"/>
-              <a:sym typeface="Wingdings" panose="05000000000000000000" pitchFamily="2" charset="2"/>
-            </a:endParaRPr>
-          </a:p>
-          <a:p>
-            <a:endParaRPr lang="it-IT" dirty="0">
-              <a:latin typeface="Calibri" panose="020F0502020204030204" pitchFamily="34" charset="0"/>
-              <a:cs typeface="Calibri" panose="020F0502020204030204" pitchFamily="34" charset="0"/>
-              <a:sym typeface="Wingdings" panose="05000000000000000000" pitchFamily="2" charset="2"/>
-            </a:endParaRPr>
-          </a:p>
-          <a:p>
-            <a:endParaRPr lang="it-IT" dirty="0">
-              <a:latin typeface="Calibri" panose="020F0502020204030204" pitchFamily="34" charset="0"/>
-              <a:cs typeface="Calibri" panose="020F0502020204030204" pitchFamily="34" charset="0"/>
-              <a:sym typeface="Wingdings" panose="05000000000000000000" pitchFamily="2" charset="2"/>
-            </a:endParaRPr>
-          </a:p>
-          <a:p>
-            <a:endParaRPr lang="it-IT" dirty="0">
-              <a:latin typeface="Calibri" panose="020F0502020204030204" pitchFamily="34" charset="0"/>
-              <a:cs typeface="Calibri" panose="020F0502020204030204" pitchFamily="34" charset="0"/>
-              <a:sym typeface="Wingdings" panose="05000000000000000000" pitchFamily="2" charset="2"/>
-            </a:endParaRPr>
-          </a:p>
-          <a:p>
-            <a:r>
-              <a:rPr lang="it-IT" sz="1200" dirty="0">
-                <a:latin typeface="Calibri" panose="020F0502020204030204" pitchFamily="34" charset="0"/>
-                <a:cs typeface="Calibri" panose="020F0502020204030204" pitchFamily="34" charset="0"/>
-                <a:sym typeface="Wingdings" panose="05000000000000000000" pitchFamily="2" charset="2"/>
-              </a:rPr>
-              <a:t>La definizione dell’RWC è tratta dall’articolo «</a:t>
-            </a:r>
-            <a:r>
-              <a:rPr lang="it-IT" sz="1200" u="sng" dirty="0" err="1">
-                <a:latin typeface="Calibri" panose="020F0502020204030204" pitchFamily="34" charset="0"/>
-                <a:cs typeface="Calibri" panose="020F0502020204030204" pitchFamily="34" charset="0"/>
-                <a:sym typeface="Wingdings" panose="05000000000000000000" pitchFamily="2" charset="2"/>
-              </a:rPr>
-              <a:t>Reducing</a:t>
-            </a:r>
-            <a:r>
-              <a:rPr lang="it-IT" sz="1200" u="sng" dirty="0">
-                <a:latin typeface="Calibri" panose="020F0502020204030204" pitchFamily="34" charset="0"/>
-                <a:cs typeface="Calibri" panose="020F0502020204030204" pitchFamily="34" charset="0"/>
-                <a:sym typeface="Wingdings" panose="05000000000000000000" pitchFamily="2" charset="2"/>
-              </a:rPr>
-              <a:t> </a:t>
-            </a:r>
-            <a:r>
-              <a:rPr lang="it-IT" sz="1200" u="sng" dirty="0" err="1">
-                <a:latin typeface="Calibri" panose="020F0502020204030204" pitchFamily="34" charset="0"/>
-                <a:cs typeface="Calibri" panose="020F0502020204030204" pitchFamily="34" charset="0"/>
-                <a:sym typeface="Wingdings" panose="05000000000000000000" pitchFamily="2" charset="2"/>
-              </a:rPr>
-              <a:t>controversy</a:t>
-            </a:r>
-            <a:r>
-              <a:rPr lang="it-IT" sz="1200" u="sng" dirty="0">
-                <a:latin typeface="Calibri" panose="020F0502020204030204" pitchFamily="34" charset="0"/>
-                <a:cs typeface="Calibri" panose="020F0502020204030204" pitchFamily="34" charset="0"/>
-                <a:sym typeface="Wingdings" panose="05000000000000000000" pitchFamily="2" charset="2"/>
-              </a:rPr>
-              <a:t> by </a:t>
-            </a:r>
-            <a:r>
-              <a:rPr lang="it-IT" sz="1200" u="sng" dirty="0" err="1">
-                <a:latin typeface="Calibri" panose="020F0502020204030204" pitchFamily="34" charset="0"/>
-                <a:cs typeface="Calibri" panose="020F0502020204030204" pitchFamily="34" charset="0"/>
-                <a:sym typeface="Wingdings" panose="05000000000000000000" pitchFamily="2" charset="2"/>
-              </a:rPr>
-              <a:t>connecting</a:t>
-            </a:r>
-            <a:r>
-              <a:rPr lang="it-IT" sz="1200" u="sng" dirty="0">
-                <a:latin typeface="Calibri" panose="020F0502020204030204" pitchFamily="34" charset="0"/>
-                <a:cs typeface="Calibri" panose="020F0502020204030204" pitchFamily="34" charset="0"/>
-                <a:sym typeface="Wingdings" panose="05000000000000000000" pitchFamily="2" charset="2"/>
-              </a:rPr>
-              <a:t> </a:t>
-            </a:r>
-            <a:r>
-              <a:rPr lang="it-IT" sz="1200" u="sng" dirty="0" err="1">
-                <a:latin typeface="Calibri" panose="020F0502020204030204" pitchFamily="34" charset="0"/>
-                <a:cs typeface="Calibri" panose="020F0502020204030204" pitchFamily="34" charset="0"/>
-                <a:sym typeface="Wingdings" panose="05000000000000000000" pitchFamily="2" charset="2"/>
-              </a:rPr>
-              <a:t>opposing</a:t>
-            </a:r>
-            <a:r>
-              <a:rPr lang="it-IT" sz="1200" u="sng" dirty="0">
-                <a:latin typeface="Calibri" panose="020F0502020204030204" pitchFamily="34" charset="0"/>
-                <a:cs typeface="Calibri" panose="020F0502020204030204" pitchFamily="34" charset="0"/>
-                <a:sym typeface="Wingdings" panose="05000000000000000000" pitchFamily="2" charset="2"/>
-              </a:rPr>
-              <a:t> </a:t>
-            </a:r>
-            <a:r>
-              <a:rPr lang="it-IT" sz="1200" u="sng" dirty="0" err="1">
-                <a:latin typeface="Calibri" panose="020F0502020204030204" pitchFamily="34" charset="0"/>
-                <a:cs typeface="Calibri" panose="020F0502020204030204" pitchFamily="34" charset="0"/>
-                <a:sym typeface="Wingdings" panose="05000000000000000000" pitchFamily="2" charset="2"/>
-              </a:rPr>
-              <a:t>views</a:t>
-            </a:r>
-            <a:r>
-              <a:rPr lang="it-IT" sz="1200" dirty="0">
-                <a:latin typeface="Calibri" panose="020F0502020204030204" pitchFamily="34" charset="0"/>
-                <a:cs typeface="Calibri" panose="020F0502020204030204" pitchFamily="34" charset="0"/>
-                <a:sym typeface="Wingdings" panose="05000000000000000000" pitchFamily="2" charset="2"/>
-              </a:rPr>
-              <a:t>»</a:t>
-            </a:r>
-            <a:endParaRPr lang="it-IT" sz="1200" dirty="0">
-              <a:latin typeface="Calibri" panose="020F0502020204030204" pitchFamily="34" charset="0"/>
-              <a:cs typeface="Calibri" panose="020F0502020204030204" pitchFamily="34" charset="0"/>
-            </a:endParaRPr>
-          </a:p>
-        </p:txBody>
-      </p:sp>
+      <mc:AlternateContent xmlns:mc="http://schemas.openxmlformats.org/markup-compatibility/2006">
+        <mc:Choice xmlns:a14="http://schemas.microsoft.com/office/drawing/2010/main" Requires="a14">
+          <p:sp>
+            <p:nvSpPr>
+              <p:cNvPr id="6" name="Rettangolo 5">
+                <a:extLst>
+                  <a:ext uri="{FF2B5EF4-FFF2-40B4-BE49-F238E27FC236}">
+                    <a16:creationId xmlns="" xmlns:a16="http://schemas.microsoft.com/office/drawing/2014/main" id="{A34D05E0-D21E-4851-84DD-833555197E5F}"/>
+                  </a:ext>
+                </a:extLst>
+              </p:cNvPr>
+              <p:cNvSpPr/>
+              <p:nvPr/>
+            </p:nvSpPr>
+            <p:spPr>
+              <a:xfrm>
+                <a:off x="1547664" y="1484784"/>
+                <a:ext cx="7416824" cy="5016758"/>
+              </a:xfrm>
+              <a:prstGeom prst="rect">
+                <a:avLst/>
+              </a:prstGeom>
+            </p:spPr>
+            <p:txBody>
+              <a:bodyPr wrap="square">
+                <a:spAutoFit/>
+              </a:bodyPr>
+              <a:lstStyle/>
+              <a:p>
+                <a:r>
+                  <a:rPr lang="it-IT" dirty="0" smtClean="0">
+                    <a:latin typeface="Calibri" panose="020F0502020204030204" pitchFamily="34" charset="0"/>
+                    <a:cs typeface="Calibri" panose="020F0502020204030204" pitchFamily="34" charset="0"/>
+                  </a:rPr>
+                  <a:t>L’</a:t>
+                </a:r>
+                <a:r>
+                  <a:rPr lang="it-IT" b="1" i="1" dirty="0">
+                    <a:solidFill>
+                      <a:srgbClr val="00B050"/>
+                    </a:solidFill>
+                    <a:latin typeface="Calibri" panose="020F0502020204030204" pitchFamily="34" charset="0"/>
+                    <a:cs typeface="Calibri" panose="020F0502020204030204" pitchFamily="34" charset="0"/>
+                  </a:rPr>
+                  <a:t>RWC </a:t>
+                </a:r>
+                <a:r>
+                  <a:rPr lang="it-IT" dirty="0">
+                    <a:latin typeface="Calibri" panose="020F0502020204030204" pitchFamily="34" charset="0"/>
+                    <a:cs typeface="Calibri" panose="020F0502020204030204" pitchFamily="34" charset="0"/>
+                  </a:rPr>
+                  <a:t>è definito come </a:t>
+                </a:r>
+                <a:r>
+                  <a:rPr lang="it-IT" i="1" dirty="0">
+                    <a:latin typeface="Calibri" panose="020F0502020204030204" pitchFamily="34" charset="0"/>
+                    <a:cs typeface="Calibri" panose="020F0502020204030204" pitchFamily="34" charset="0"/>
+                  </a:rPr>
+                  <a:t>la </a:t>
+                </a:r>
+                <a:r>
+                  <a:rPr lang="it-IT" b="1" i="1" dirty="0">
+                    <a:latin typeface="Calibri" panose="020F0502020204030204" pitchFamily="34" charset="0"/>
+                    <a:cs typeface="Calibri" panose="020F0502020204030204" pitchFamily="34" charset="0"/>
+                  </a:rPr>
+                  <a:t>differenza</a:t>
+                </a:r>
+                <a:r>
+                  <a:rPr lang="it-IT" i="1" dirty="0">
+                    <a:latin typeface="Calibri" panose="020F0502020204030204" pitchFamily="34" charset="0"/>
+                    <a:cs typeface="Calibri" panose="020F0502020204030204" pitchFamily="34" charset="0"/>
+                  </a:rPr>
+                  <a:t> della probabilità che un random </a:t>
+                </a:r>
+                <a:r>
+                  <a:rPr lang="it-IT" i="1" dirty="0" err="1">
+                    <a:latin typeface="Calibri" panose="020F0502020204030204" pitchFamily="34" charset="0"/>
+                    <a:cs typeface="Calibri" panose="020F0502020204030204" pitchFamily="34" charset="0"/>
+                  </a:rPr>
+                  <a:t>walk</a:t>
+                </a:r>
+                <a:r>
+                  <a:rPr lang="it-IT" i="1" dirty="0">
+                    <a:latin typeface="Calibri" panose="020F0502020204030204" pitchFamily="34" charset="0"/>
+                    <a:cs typeface="Calibri" panose="020F0502020204030204" pitchFamily="34" charset="0"/>
+                  </a:rPr>
+                  <a:t> </a:t>
+                </a:r>
+              </a:p>
+              <a:p>
+                <a:r>
+                  <a:rPr lang="it-IT" i="1" dirty="0">
+                    <a:latin typeface="Calibri" panose="020F0502020204030204" pitchFamily="34" charset="0"/>
+                    <a:cs typeface="Calibri" panose="020F0502020204030204" pitchFamily="34" charset="0"/>
+                  </a:rPr>
+                  <a:t>che parte da una </a:t>
+                </a:r>
+                <a:r>
+                  <a:rPr lang="it-IT" i="1" dirty="0" err="1">
+                    <a:latin typeface="Calibri" panose="020F0502020204030204" pitchFamily="34" charset="0"/>
+                    <a:cs typeface="Calibri" panose="020F0502020204030204" pitchFamily="34" charset="0"/>
+                  </a:rPr>
+                  <a:t>echo-chamber</a:t>
+                </a:r>
+                <a:r>
+                  <a:rPr lang="it-IT" i="1" dirty="0">
+                    <a:latin typeface="Calibri" panose="020F0502020204030204" pitchFamily="34" charset="0"/>
+                    <a:cs typeface="Calibri" panose="020F0502020204030204" pitchFamily="34" charset="0"/>
+                  </a:rPr>
+                  <a:t> all’equilibrio vi permanga e la probabilità </a:t>
+                </a:r>
+              </a:p>
+              <a:p>
+                <a:r>
+                  <a:rPr lang="it-IT" i="1" dirty="0">
+                    <a:latin typeface="Calibri" panose="020F0502020204030204" pitchFamily="34" charset="0"/>
+                    <a:cs typeface="Calibri" panose="020F0502020204030204" pitchFamily="34" charset="0"/>
+                  </a:rPr>
+                  <a:t>che invece tale random </a:t>
+                </a:r>
+                <a:r>
+                  <a:rPr lang="it-IT" i="1" dirty="0" err="1">
+                    <a:latin typeface="Calibri" panose="020F0502020204030204" pitchFamily="34" charset="0"/>
+                    <a:cs typeface="Calibri" panose="020F0502020204030204" pitchFamily="34" charset="0"/>
+                  </a:rPr>
+                  <a:t>walk</a:t>
+                </a:r>
+                <a:r>
+                  <a:rPr lang="it-IT" i="1" dirty="0">
+                    <a:latin typeface="Calibri" panose="020F0502020204030204" pitchFamily="34" charset="0"/>
+                    <a:cs typeface="Calibri" panose="020F0502020204030204" pitchFamily="34" charset="0"/>
+                  </a:rPr>
+                  <a:t> all’equilibrio finisca nell’</a:t>
+                </a:r>
+                <a:r>
+                  <a:rPr lang="it-IT" i="1" dirty="0" err="1">
+                    <a:latin typeface="Calibri" panose="020F0502020204030204" pitchFamily="34" charset="0"/>
+                    <a:cs typeface="Calibri" panose="020F0502020204030204" pitchFamily="34" charset="0"/>
+                  </a:rPr>
+                  <a:t>echo-chamber</a:t>
+                </a:r>
+                <a:r>
+                  <a:rPr lang="it-IT" i="1" dirty="0">
+                    <a:latin typeface="Calibri" panose="020F0502020204030204" pitchFamily="34" charset="0"/>
+                    <a:cs typeface="Calibri" panose="020F0502020204030204" pitchFamily="34" charset="0"/>
+                  </a:rPr>
+                  <a:t> opposta</a:t>
+                </a:r>
+                <a:r>
+                  <a:rPr lang="it-IT" dirty="0">
+                    <a:latin typeface="Calibri" panose="020F0502020204030204" pitchFamily="34" charset="0"/>
+                    <a:cs typeface="Calibri" panose="020F0502020204030204" pitchFamily="34" charset="0"/>
+                  </a:rPr>
+                  <a:t>.</a:t>
+                </a:r>
+              </a:p>
+              <a:p>
+                <a:endParaRPr lang="it-IT" dirty="0">
+                  <a:latin typeface="Calibri" panose="020F0502020204030204" pitchFamily="34" charset="0"/>
+                  <a:cs typeface="Calibri" panose="020F0502020204030204" pitchFamily="34" charset="0"/>
+                </a:endParaRPr>
+              </a:p>
+              <a:p>
+                <a:endParaRPr lang="it-IT" dirty="0">
+                  <a:latin typeface="Calibri" panose="020F0502020204030204" pitchFamily="34" charset="0"/>
+                  <a:cs typeface="Calibri" panose="020F0502020204030204" pitchFamily="34" charset="0"/>
+                </a:endParaRPr>
+              </a:p>
+              <a:p>
+                <a14:m>
+                  <m:oMath xmlns:m="http://schemas.openxmlformats.org/officeDocument/2006/math">
+                    <m:r>
+                      <a:rPr lang="it-IT" b="1" i="1" smtClean="0">
+                        <a:solidFill>
+                          <a:srgbClr val="00B050"/>
+                        </a:solidFill>
+                        <a:latin typeface="Cambria Math"/>
+                        <a:cs typeface="Calibri" panose="020F0502020204030204" pitchFamily="34" charset="0"/>
+                      </a:rPr>
+                      <m:t>𝑹𝑾𝑪</m:t>
+                    </m:r>
+                    <m:r>
+                      <a:rPr lang="it-IT" b="0" i="1" smtClean="0">
+                        <a:solidFill>
+                          <a:srgbClr val="00B050"/>
+                        </a:solidFill>
+                        <a:latin typeface="Cambria Math"/>
+                        <a:cs typeface="Calibri" panose="020F0502020204030204" pitchFamily="34" charset="0"/>
+                      </a:rPr>
+                      <m:t> </m:t>
+                    </m:r>
+                    <m:r>
+                      <a:rPr lang="it-IT" b="0" i="1" smtClean="0">
+                        <a:solidFill>
+                          <a:schemeClr val="tx1"/>
+                        </a:solidFill>
+                        <a:latin typeface="Cambria Math"/>
+                        <a:ea typeface="Cambria Math"/>
+                        <a:cs typeface="Calibri" panose="020F0502020204030204" pitchFamily="34" charset="0"/>
+                      </a:rPr>
+                      <m:t>→</m:t>
+                    </m:r>
+                    <m:r>
+                      <a:rPr lang="it-IT" b="1" i="1" smtClean="0">
+                        <a:solidFill>
+                          <a:schemeClr val="tx1"/>
+                        </a:solidFill>
+                        <a:latin typeface="Cambria Math"/>
+                        <a:ea typeface="Cambria Math"/>
+                        <a:cs typeface="Calibri" panose="020F0502020204030204" pitchFamily="34" charset="0"/>
+                      </a:rPr>
+                      <m:t>𝟐</m:t>
+                    </m:r>
+                  </m:oMath>
+                </a14:m>
+                <a:r>
+                  <a:rPr lang="it-IT" dirty="0" smtClean="0">
+                    <a:solidFill>
+                      <a:schemeClr val="tx1"/>
+                    </a:solidFill>
+                    <a:latin typeface="Calibri" panose="020F0502020204030204" pitchFamily="34" charset="0"/>
+                    <a:cs typeface="Calibri" panose="020F0502020204030204" pitchFamily="34" charset="0"/>
+                    <a:sym typeface="Wingdings" panose="05000000000000000000" pitchFamily="2" charset="2"/>
+                  </a:rPr>
+                  <a:t> </a:t>
+                </a:r>
+                <a:r>
+                  <a:rPr lang="it-IT" dirty="0" smtClean="0">
+                    <a:latin typeface="Calibri" panose="020F0502020204030204" pitchFamily="34" charset="0"/>
+                    <a:cs typeface="Calibri" panose="020F0502020204030204" pitchFamily="34" charset="0"/>
+                    <a:sym typeface="Wingdings" panose="05000000000000000000" pitchFamily="2" charset="2"/>
+                  </a:rPr>
+                  <a:t>: </a:t>
+                </a:r>
+                <a:r>
+                  <a:rPr lang="it-IT" dirty="0">
+                    <a:latin typeface="Calibri" panose="020F0502020204030204" pitchFamily="34" charset="0"/>
+                    <a:cs typeface="Calibri" panose="020F0502020204030204" pitchFamily="34" charset="0"/>
+                    <a:sym typeface="Wingdings" panose="05000000000000000000" pitchFamily="2" charset="2"/>
+                  </a:rPr>
+                  <a:t>ARGOMENTO </a:t>
+                </a:r>
+                <a:r>
+                  <a:rPr lang="it-IT" b="1" dirty="0">
+                    <a:latin typeface="Calibri" panose="020F0502020204030204" pitchFamily="34" charset="0"/>
+                    <a:cs typeface="Calibri" panose="020F0502020204030204" pitchFamily="34" charset="0"/>
+                    <a:sym typeface="Wingdings" panose="05000000000000000000" pitchFamily="2" charset="2"/>
+                  </a:rPr>
+                  <a:t>MOLTO</a:t>
+                </a:r>
+                <a:r>
+                  <a:rPr lang="it-IT" dirty="0">
+                    <a:latin typeface="Calibri" panose="020F0502020204030204" pitchFamily="34" charset="0"/>
+                    <a:cs typeface="Calibri" panose="020F0502020204030204" pitchFamily="34" charset="0"/>
+                    <a:sym typeface="Wingdings" panose="05000000000000000000" pitchFamily="2" charset="2"/>
+                  </a:rPr>
+                  <a:t> </a:t>
+                </a:r>
+                <a:r>
+                  <a:rPr lang="it-IT" b="1" dirty="0">
+                    <a:latin typeface="Calibri" panose="020F0502020204030204" pitchFamily="34" charset="0"/>
+                    <a:cs typeface="Calibri" panose="020F0502020204030204" pitchFamily="34" charset="0"/>
+                    <a:sym typeface="Wingdings" panose="05000000000000000000" pitchFamily="2" charset="2"/>
+                  </a:rPr>
+                  <a:t>CONTROVERSO</a:t>
+                </a:r>
+              </a:p>
+              <a:p>
+                <a14:m>
+                  <m:oMath xmlns:m="http://schemas.openxmlformats.org/officeDocument/2006/math">
+                    <m:r>
+                      <a:rPr lang="it-IT" b="1" i="1" smtClean="0">
+                        <a:solidFill>
+                          <a:srgbClr val="00B050"/>
+                        </a:solidFill>
+                        <a:latin typeface="Cambria Math"/>
+                        <a:cs typeface="Calibri" panose="020F0502020204030204" pitchFamily="34" charset="0"/>
+                        <a:sym typeface="Wingdings" panose="05000000000000000000" pitchFamily="2" charset="2"/>
+                      </a:rPr>
+                      <m:t>𝑹𝑾𝑪</m:t>
+                    </m:r>
+                    <m:r>
+                      <a:rPr lang="it-IT" b="0" i="1" smtClean="0">
+                        <a:solidFill>
+                          <a:srgbClr val="00B050"/>
+                        </a:solidFill>
+                        <a:latin typeface="Cambria Math"/>
+                        <a:cs typeface="Calibri" panose="020F0502020204030204" pitchFamily="34" charset="0"/>
+                        <a:sym typeface="Wingdings" panose="05000000000000000000" pitchFamily="2" charset="2"/>
+                      </a:rPr>
+                      <m:t> </m:t>
+                    </m:r>
+                    <m:r>
+                      <a:rPr lang="it-IT" b="0" i="1" smtClean="0">
+                        <a:solidFill>
+                          <a:schemeClr val="tx1"/>
+                        </a:solidFill>
+                        <a:latin typeface="Cambria Math"/>
+                        <a:ea typeface="Cambria Math"/>
+                        <a:cs typeface="Calibri" panose="020F0502020204030204" pitchFamily="34" charset="0"/>
+                        <a:sym typeface="Wingdings" panose="05000000000000000000" pitchFamily="2" charset="2"/>
+                      </a:rPr>
+                      <m:t>→</m:t>
+                    </m:r>
+                    <m:r>
+                      <a:rPr lang="it-IT" b="1" i="1" smtClean="0">
+                        <a:solidFill>
+                          <a:schemeClr val="tx1"/>
+                        </a:solidFill>
+                        <a:latin typeface="Cambria Math"/>
+                        <a:ea typeface="Cambria Math"/>
+                        <a:cs typeface="Calibri" panose="020F0502020204030204" pitchFamily="34" charset="0"/>
+                        <a:sym typeface="Wingdings" panose="05000000000000000000" pitchFamily="2" charset="2"/>
+                      </a:rPr>
+                      <m:t>𝟎</m:t>
+                    </m:r>
+                  </m:oMath>
+                </a14:m>
+                <a:r>
+                  <a:rPr lang="it-IT" dirty="0" smtClean="0">
+                    <a:solidFill>
+                      <a:schemeClr val="tx1"/>
+                    </a:solidFill>
+                    <a:latin typeface="Calibri" panose="020F0502020204030204" pitchFamily="34" charset="0"/>
+                    <a:cs typeface="Calibri" panose="020F0502020204030204" pitchFamily="34" charset="0"/>
+                    <a:sym typeface="Wingdings" panose="05000000000000000000" pitchFamily="2" charset="2"/>
+                  </a:rPr>
+                  <a:t> </a:t>
+                </a:r>
+                <a:r>
+                  <a:rPr lang="it-IT" dirty="0" smtClean="0">
+                    <a:latin typeface="Calibri" panose="020F0502020204030204" pitchFamily="34" charset="0"/>
+                    <a:cs typeface="Calibri" panose="020F0502020204030204" pitchFamily="34" charset="0"/>
+                    <a:sym typeface="Wingdings" panose="05000000000000000000" pitchFamily="2" charset="2"/>
+                  </a:rPr>
+                  <a:t>: </a:t>
+                </a:r>
+                <a:r>
+                  <a:rPr lang="it-IT" dirty="0">
+                    <a:latin typeface="Calibri" panose="020F0502020204030204" pitchFamily="34" charset="0"/>
+                    <a:cs typeface="Calibri" panose="020F0502020204030204" pitchFamily="34" charset="0"/>
+                    <a:sym typeface="Wingdings" panose="05000000000000000000" pitchFamily="2" charset="2"/>
+                  </a:rPr>
+                  <a:t>ARGOMENTO </a:t>
+                </a:r>
+                <a:r>
+                  <a:rPr lang="it-IT" b="1" dirty="0">
+                    <a:latin typeface="Calibri" panose="020F0502020204030204" pitchFamily="34" charset="0"/>
+                    <a:cs typeface="Calibri" panose="020F0502020204030204" pitchFamily="34" charset="0"/>
+                    <a:sym typeface="Wingdings" panose="05000000000000000000" pitchFamily="2" charset="2"/>
+                  </a:rPr>
+                  <a:t>POCO CONTROVERSO</a:t>
+                </a:r>
+              </a:p>
+              <a:p>
+                <a:endParaRPr lang="it-IT" dirty="0">
+                  <a:latin typeface="Calibri" panose="020F0502020204030204" pitchFamily="34" charset="0"/>
+                  <a:cs typeface="Calibri" panose="020F0502020204030204" pitchFamily="34" charset="0"/>
+                  <a:sym typeface="Wingdings" panose="05000000000000000000" pitchFamily="2" charset="2"/>
+                </a:endParaRPr>
+              </a:p>
+              <a:p>
+                <a:r>
+                  <a:rPr lang="it-IT" dirty="0">
+                    <a:latin typeface="Calibri" panose="020F0502020204030204" pitchFamily="34" charset="0"/>
+                    <a:cs typeface="Calibri" panose="020F0502020204030204" pitchFamily="34" charset="0"/>
+                  </a:rPr>
+                  <a:t>Valori alti di </a:t>
+                </a:r>
+                <a:r>
+                  <a:rPr lang="it-IT" b="1" i="1" dirty="0">
+                    <a:solidFill>
+                      <a:srgbClr val="00B050"/>
+                    </a:solidFill>
+                    <a:latin typeface="Calibri" pitchFamily="34" charset="0"/>
+                    <a:cs typeface="Calibri" pitchFamily="34" charset="0"/>
+                  </a:rPr>
+                  <a:t>RWC</a:t>
+                </a:r>
+                <a:r>
+                  <a:rPr lang="it-IT" i="1" dirty="0">
+                    <a:solidFill>
+                      <a:srgbClr val="00B050"/>
+                    </a:solidFill>
+                    <a:latin typeface="Calibri" pitchFamily="34" charset="0"/>
+                    <a:cs typeface="Calibri" pitchFamily="34" charset="0"/>
+                  </a:rPr>
+                  <a:t> </a:t>
+                </a:r>
+                <a:r>
+                  <a:rPr lang="it-IT" dirty="0">
+                    <a:latin typeface="Calibri" panose="020F0502020204030204" pitchFamily="34" charset="0"/>
+                    <a:cs typeface="Calibri" panose="020F0502020204030204" pitchFamily="34" charset="0"/>
+                  </a:rPr>
+                  <a:t>indicano che, all’equilibrio del </a:t>
+                </a:r>
+                <a:r>
+                  <a:rPr lang="it-IT" i="1" dirty="0">
+                    <a:latin typeface="Calibri" pitchFamily="34" charset="0"/>
+                    <a:cs typeface="Calibri" pitchFamily="34" charset="0"/>
+                  </a:rPr>
+                  <a:t>random </a:t>
+                </a:r>
+                <a:r>
+                  <a:rPr lang="it-IT" i="1" dirty="0" err="1">
+                    <a:latin typeface="Calibri" pitchFamily="34" charset="0"/>
+                    <a:cs typeface="Calibri" pitchFamily="34" charset="0"/>
+                  </a:rPr>
+                  <a:t>walk</a:t>
+                </a:r>
+                <a:r>
+                  <a:rPr lang="it-IT" dirty="0">
+                    <a:latin typeface="Calibri" panose="020F0502020204030204" pitchFamily="34" charset="0"/>
+                    <a:cs typeface="Calibri" panose="020F0502020204030204" pitchFamily="34" charset="0"/>
+                  </a:rPr>
+                  <a:t>, è bassa </a:t>
+                </a:r>
+              </a:p>
+              <a:p>
+                <a:r>
+                  <a:rPr lang="it-IT" dirty="0">
+                    <a:latin typeface="Calibri" panose="020F0502020204030204" pitchFamily="34" charset="0"/>
+                    <a:cs typeface="Calibri" panose="020F0502020204030204" pitchFamily="34" charset="0"/>
+                  </a:rPr>
+                  <a:t>la probabilità di essere nell’</a:t>
+                </a:r>
+                <a:r>
+                  <a:rPr lang="it-IT" i="1" dirty="0" err="1">
+                    <a:latin typeface="Calibri" pitchFamily="34" charset="0"/>
+                    <a:cs typeface="Calibri" pitchFamily="34" charset="0"/>
+                  </a:rPr>
+                  <a:t>echo-chamber</a:t>
+                </a:r>
+                <a:r>
+                  <a:rPr lang="it-IT" i="1" dirty="0">
+                    <a:latin typeface="Calibri" pitchFamily="34" charset="0"/>
+                    <a:cs typeface="Calibri" pitchFamily="34" charset="0"/>
+                  </a:rPr>
+                  <a:t> </a:t>
+                </a:r>
+                <a:r>
+                  <a:rPr lang="it-IT" dirty="0">
+                    <a:latin typeface="Calibri" panose="020F0502020204030204" pitchFamily="34" charset="0"/>
+                    <a:cs typeface="Calibri" panose="020F0502020204030204" pitchFamily="34" charset="0"/>
+                  </a:rPr>
+                  <a:t>opposta a quella di partenza.</a:t>
+                </a:r>
+              </a:p>
+              <a:p>
+                <a:endParaRPr lang="it-IT" dirty="0">
+                  <a:latin typeface="Calibri" panose="020F0502020204030204" pitchFamily="34" charset="0"/>
+                  <a:cs typeface="Calibri" panose="020F0502020204030204" pitchFamily="34" charset="0"/>
+                </a:endParaRPr>
+              </a:p>
+              <a:p>
+                <a:endParaRPr lang="it-IT" dirty="0">
+                  <a:latin typeface="Calibri" panose="020F0502020204030204" pitchFamily="34" charset="0"/>
+                  <a:cs typeface="Calibri" panose="020F0502020204030204" pitchFamily="34" charset="0"/>
+                </a:endParaRPr>
+              </a:p>
+              <a:p>
+                <a:endParaRPr lang="it-IT" dirty="0">
+                  <a:latin typeface="Calibri" panose="020F0502020204030204" pitchFamily="34" charset="0"/>
+                  <a:cs typeface="Calibri" panose="020F0502020204030204" pitchFamily="34" charset="0"/>
+                  <a:sym typeface="Wingdings" panose="05000000000000000000" pitchFamily="2" charset="2"/>
+                </a:endParaRPr>
+              </a:p>
+              <a:p>
+                <a:endParaRPr lang="it-IT" dirty="0">
+                  <a:latin typeface="Calibri" panose="020F0502020204030204" pitchFamily="34" charset="0"/>
+                  <a:cs typeface="Calibri" panose="020F0502020204030204" pitchFamily="34" charset="0"/>
+                  <a:sym typeface="Wingdings" panose="05000000000000000000" pitchFamily="2" charset="2"/>
+                </a:endParaRPr>
+              </a:p>
+              <a:p>
+                <a:endParaRPr lang="it-IT" dirty="0">
+                  <a:latin typeface="Calibri" panose="020F0502020204030204" pitchFamily="34" charset="0"/>
+                  <a:cs typeface="Calibri" panose="020F0502020204030204" pitchFamily="34" charset="0"/>
+                  <a:sym typeface="Wingdings" panose="05000000000000000000" pitchFamily="2" charset="2"/>
+                </a:endParaRPr>
+              </a:p>
+              <a:p>
+                <a:endParaRPr lang="it-IT" dirty="0">
+                  <a:latin typeface="Calibri" panose="020F0502020204030204" pitchFamily="34" charset="0"/>
+                  <a:cs typeface="Calibri" panose="020F0502020204030204" pitchFamily="34" charset="0"/>
+                  <a:sym typeface="Wingdings" panose="05000000000000000000" pitchFamily="2" charset="2"/>
+                </a:endParaRPr>
+              </a:p>
+              <a:p>
+                <a:endParaRPr lang="it-IT" dirty="0">
+                  <a:latin typeface="Calibri" panose="020F0502020204030204" pitchFamily="34" charset="0"/>
+                  <a:cs typeface="Calibri" panose="020F0502020204030204" pitchFamily="34" charset="0"/>
+                  <a:sym typeface="Wingdings" panose="05000000000000000000" pitchFamily="2" charset="2"/>
+                </a:endParaRPr>
+              </a:p>
+              <a:p>
+                <a:r>
+                  <a:rPr lang="it-IT" sz="1200" dirty="0">
+                    <a:latin typeface="Calibri" panose="020F0502020204030204" pitchFamily="34" charset="0"/>
+                    <a:cs typeface="Calibri" panose="020F0502020204030204" pitchFamily="34" charset="0"/>
+                    <a:sym typeface="Wingdings" panose="05000000000000000000" pitchFamily="2" charset="2"/>
+                  </a:rPr>
+                  <a:t>La definizione dell’RWC è tratta dall’articolo «</a:t>
+                </a:r>
+                <a:r>
+                  <a:rPr lang="it-IT" sz="1200" u="sng" dirty="0" err="1">
+                    <a:latin typeface="Calibri" panose="020F0502020204030204" pitchFamily="34" charset="0"/>
+                    <a:cs typeface="Calibri" panose="020F0502020204030204" pitchFamily="34" charset="0"/>
+                    <a:sym typeface="Wingdings" panose="05000000000000000000" pitchFamily="2" charset="2"/>
+                  </a:rPr>
+                  <a:t>Reducing</a:t>
+                </a:r>
+                <a:r>
+                  <a:rPr lang="it-IT" sz="1200" u="sng" dirty="0">
+                    <a:latin typeface="Calibri" panose="020F0502020204030204" pitchFamily="34" charset="0"/>
+                    <a:cs typeface="Calibri" panose="020F0502020204030204" pitchFamily="34" charset="0"/>
+                    <a:sym typeface="Wingdings" panose="05000000000000000000" pitchFamily="2" charset="2"/>
+                  </a:rPr>
+                  <a:t> </a:t>
+                </a:r>
+                <a:r>
+                  <a:rPr lang="it-IT" sz="1200" u="sng" dirty="0" err="1">
+                    <a:latin typeface="Calibri" panose="020F0502020204030204" pitchFamily="34" charset="0"/>
+                    <a:cs typeface="Calibri" panose="020F0502020204030204" pitchFamily="34" charset="0"/>
+                    <a:sym typeface="Wingdings" panose="05000000000000000000" pitchFamily="2" charset="2"/>
+                  </a:rPr>
+                  <a:t>controversy</a:t>
+                </a:r>
+                <a:r>
+                  <a:rPr lang="it-IT" sz="1200" u="sng" dirty="0">
+                    <a:latin typeface="Calibri" panose="020F0502020204030204" pitchFamily="34" charset="0"/>
+                    <a:cs typeface="Calibri" panose="020F0502020204030204" pitchFamily="34" charset="0"/>
+                    <a:sym typeface="Wingdings" panose="05000000000000000000" pitchFamily="2" charset="2"/>
+                  </a:rPr>
+                  <a:t> by </a:t>
+                </a:r>
+                <a:r>
+                  <a:rPr lang="it-IT" sz="1200" u="sng" dirty="0" err="1">
+                    <a:latin typeface="Calibri" panose="020F0502020204030204" pitchFamily="34" charset="0"/>
+                    <a:cs typeface="Calibri" panose="020F0502020204030204" pitchFamily="34" charset="0"/>
+                    <a:sym typeface="Wingdings" panose="05000000000000000000" pitchFamily="2" charset="2"/>
+                  </a:rPr>
+                  <a:t>connecting</a:t>
+                </a:r>
+                <a:r>
+                  <a:rPr lang="it-IT" sz="1200" u="sng" dirty="0">
+                    <a:latin typeface="Calibri" panose="020F0502020204030204" pitchFamily="34" charset="0"/>
+                    <a:cs typeface="Calibri" panose="020F0502020204030204" pitchFamily="34" charset="0"/>
+                    <a:sym typeface="Wingdings" panose="05000000000000000000" pitchFamily="2" charset="2"/>
+                  </a:rPr>
+                  <a:t> </a:t>
+                </a:r>
+                <a:r>
+                  <a:rPr lang="it-IT" sz="1200" u="sng" dirty="0" err="1">
+                    <a:latin typeface="Calibri" panose="020F0502020204030204" pitchFamily="34" charset="0"/>
+                    <a:cs typeface="Calibri" panose="020F0502020204030204" pitchFamily="34" charset="0"/>
+                    <a:sym typeface="Wingdings" panose="05000000000000000000" pitchFamily="2" charset="2"/>
+                  </a:rPr>
+                  <a:t>opposing</a:t>
+                </a:r>
+                <a:r>
+                  <a:rPr lang="it-IT" sz="1200" u="sng" dirty="0">
+                    <a:latin typeface="Calibri" panose="020F0502020204030204" pitchFamily="34" charset="0"/>
+                    <a:cs typeface="Calibri" panose="020F0502020204030204" pitchFamily="34" charset="0"/>
+                    <a:sym typeface="Wingdings" panose="05000000000000000000" pitchFamily="2" charset="2"/>
+                  </a:rPr>
+                  <a:t> </a:t>
+                </a:r>
+                <a:r>
+                  <a:rPr lang="it-IT" sz="1200" u="sng" dirty="0" err="1">
+                    <a:latin typeface="Calibri" panose="020F0502020204030204" pitchFamily="34" charset="0"/>
+                    <a:cs typeface="Calibri" panose="020F0502020204030204" pitchFamily="34" charset="0"/>
+                    <a:sym typeface="Wingdings" panose="05000000000000000000" pitchFamily="2" charset="2"/>
+                  </a:rPr>
+                  <a:t>views</a:t>
+                </a:r>
+                <a:r>
+                  <a:rPr lang="it-IT" sz="1200" dirty="0">
+                    <a:latin typeface="Calibri" panose="020F0502020204030204" pitchFamily="34" charset="0"/>
+                    <a:cs typeface="Calibri" panose="020F0502020204030204" pitchFamily="34" charset="0"/>
+                    <a:sym typeface="Wingdings" panose="05000000000000000000" pitchFamily="2" charset="2"/>
+                  </a:rPr>
+                  <a:t>»</a:t>
+                </a:r>
+                <a:endParaRPr lang="it-IT" sz="1200" dirty="0">
+                  <a:latin typeface="Calibri" panose="020F0502020204030204" pitchFamily="34" charset="0"/>
+                  <a:cs typeface="Calibri" panose="020F0502020204030204" pitchFamily="34" charset="0"/>
+                </a:endParaRPr>
+              </a:p>
+            </p:txBody>
+          </p:sp>
+        </mc:Choice>
+        <mc:Fallback>
+          <p:sp>
+            <p:nvSpPr>
+              <p:cNvPr id="6" name="Rettangolo 5">
+                <a:extLst>
+                  <a:ext uri="{FF2B5EF4-FFF2-40B4-BE49-F238E27FC236}">
+                    <a16:creationId xmlns="" xmlns:a16="http://schemas.microsoft.com/office/drawing/2014/main" id="{A34D05E0-D21E-4851-84DD-833555197E5F}"/>
+                  </a:ext>
+                </a:extLst>
+              </p:cNvPr>
+              <p:cNvSpPr>
+                <a:spLocks noRot="1" noChangeAspect="1" noMove="1" noResize="1" noEditPoints="1" noAdjustHandles="1" noChangeArrowheads="1" noChangeShapeType="1" noTextEdit="1"/>
+              </p:cNvSpPr>
+              <p:nvPr/>
+            </p:nvSpPr>
+            <p:spPr>
+              <a:xfrm>
+                <a:off x="1547664" y="1484784"/>
+                <a:ext cx="7416824" cy="5016758"/>
+              </a:xfrm>
+              <a:prstGeom prst="rect">
+                <a:avLst/>
+              </a:prstGeom>
+              <a:blipFill rotWithShape="1">
+                <a:blip r:embed="rId2"/>
+                <a:stretch>
+                  <a:fillRect l="-740" t="-608"/>
+                </a:stretch>
+              </a:blipFill>
+            </p:spPr>
+            <p:txBody>
+              <a:bodyPr/>
+              <a:lstStyle/>
+              <a:p>
+                <a:r>
+                  <a:rPr lang="it-IT">
+                    <a:noFill/>
+                  </a:rPr>
+                  <a:t> </a:t>
+                </a:r>
+              </a:p>
+            </p:txBody>
+          </p:sp>
+        </mc:Fallback>
+      </mc:AlternateContent>
       <p:cxnSp>
         <p:nvCxnSpPr>
           <p:cNvPr id="3" name="Connettore 2 2"/>
@@ -41881,7 +42593,7 @@
         </p:nvCxnSpPr>
         <p:spPr>
           <a:xfrm>
-            <a:off x="5040052" y="4293096"/>
+            <a:off x="4898682" y="4293096"/>
             <a:ext cx="0" cy="576064"/>
           </a:xfrm>
           <a:prstGeom prst="straightConnector1">
@@ -41914,7 +42626,7 @@
         </p:nvSpPr>
         <p:spPr>
           <a:xfrm>
-            <a:off x="3995936" y="4869160"/>
+            <a:off x="3851920" y="4869160"/>
             <a:ext cx="2088232" cy="648072"/>
           </a:xfrm>
           <a:prstGeom prst="rect">
@@ -42057,7 +42769,7 @@
           <p:cNvPr id="5" name="Title 3">
             <a:extLst>
               <a:ext uri="{FF2B5EF4-FFF2-40B4-BE49-F238E27FC236}">
-                <a16:creationId xmlns:a16="http://schemas.microsoft.com/office/drawing/2014/main" xmlns="" id="{189ECF77-714F-4D2C-9D4B-CC43534EF427}"/>
+                <a16:creationId xmlns="" xmlns:a16="http://schemas.microsoft.com/office/drawing/2014/main" id="{189ECF77-714F-4D2C-9D4B-CC43534EF427}"/>
               </a:ext>
             </a:extLst>
           </p:cNvPr>
@@ -43584,7 +44296,7 @@
   <a:extraClrSchemeLst/>
   <a:extLst>
     <a:ext uri="{05A4C25C-085E-4340-85A3-A5531E510DB2}">
-      <thm15:themeFamily xmlns:thm15="http://schemas.microsoft.com/office/thememl/2012/main" xmlns="" name="Office Theme" id="{62F939B6-93AF-4DB8-9C6B-D6C7DFDC589F}" vid="{4A3C46E8-61CC-4603-A589-7422A47A8E4A}"/>
+      <thm15:themeFamily xmlns="" xmlns:thm15="http://schemas.microsoft.com/office/thememl/2012/main" name="Office Theme" id="{62F939B6-93AF-4DB8-9C6B-D6C7DFDC589F}" vid="{4A3C46E8-61CC-4603-A589-7422A47A8E4A}"/>
     </a:ext>
   </a:extLst>
 </a:theme>

--- a/PRESENTAZIONE_TESI/presentazione_agostini_stefano.pptx
+++ b/PRESENTAZIONE_TESI/presentazione_agostini_stefano.pptx
@@ -10766,7 +10766,7 @@
         <p:spPr>
           <a:xfrm>
             <a:off x="1619672" y="1352957"/>
-            <a:ext cx="7524328" cy="5355312"/>
+            <a:ext cx="7524328" cy="4801314"/>
           </a:xfrm>
           <a:prstGeom prst="rect">
             <a:avLst/>
@@ -11198,47 +11198,9 @@
               <a:t>più vecchi di una settimana</a:t>
             </a:r>
             <a:r>
-              <a:rPr lang="it-IT" dirty="0">
+              <a:rPr lang="it-IT" dirty="0" smtClean="0">
                 <a:latin typeface="Calibri" panose="020F0502020204030204" pitchFamily="34" charset="0"/>
                 <a:cs typeface="Calibri" panose="020F0502020204030204" pitchFamily="34" charset="0"/>
-              </a:rPr>
-              <a:t>. </a:t>
-            </a:r>
-          </a:p>
-          <a:p>
-            <a:pPr algn="just"/>
-            <a:r>
-              <a:rPr lang="it-IT" dirty="0">
-                <a:latin typeface="Calibri" panose="020F0502020204030204" pitchFamily="34" charset="0"/>
-                <a:cs typeface="Calibri" panose="020F0502020204030204" pitchFamily="34" charset="0"/>
-                <a:sym typeface="Wingdings" panose="05000000000000000000" pitchFamily="2" charset="2"/>
-              </a:rPr>
-              <a:t>      Questa limitazione è stata superata attraverso l’ausilio della libreria</a:t>
-            </a:r>
-          </a:p>
-          <a:p>
-            <a:pPr algn="just"/>
-            <a:r>
-              <a:rPr lang="it-IT" dirty="0">
-                <a:latin typeface="Calibri" panose="020F0502020204030204" pitchFamily="34" charset="0"/>
-                <a:cs typeface="Calibri" panose="020F0502020204030204" pitchFamily="34" charset="0"/>
-                <a:sym typeface="Wingdings" panose="05000000000000000000" pitchFamily="2" charset="2"/>
-              </a:rPr>
-              <a:t>      </a:t>
-            </a:r>
-            <a:r>
-              <a:rPr lang="it-IT" b="1" i="1" dirty="0" err="1">
-                <a:latin typeface="Calibri" panose="020F0502020204030204" pitchFamily="34" charset="0"/>
-                <a:cs typeface="Calibri" panose="020F0502020204030204" pitchFamily="34" charset="0"/>
-                <a:sym typeface="Wingdings" panose="05000000000000000000" pitchFamily="2" charset="2"/>
-              </a:rPr>
-              <a:t>GetOldTweets</a:t>
-            </a:r>
-            <a:r>
-              <a:rPr lang="it-IT" i="1" dirty="0">
-                <a:latin typeface="Calibri" panose="020F0502020204030204" pitchFamily="34" charset="0"/>
-                <a:cs typeface="Calibri" panose="020F0502020204030204" pitchFamily="34" charset="0"/>
-                <a:sym typeface="Wingdings" panose="05000000000000000000" pitchFamily="2" charset="2"/>
               </a:rPr>
               <a:t>.</a:t>
             </a:r>
@@ -11567,11 +11529,45 @@
               <a:buChar char="•"/>
             </a:pPr>
             <a:r>
+              <a:rPr lang="it-IT" b="1" i="1" dirty="0" err="1" smtClean="0">
+                <a:solidFill>
+                  <a:schemeClr val="accent1"/>
+                </a:solidFill>
+                <a:latin typeface="Calibri" panose="020F0502020204030204" pitchFamily="34" charset="0"/>
+                <a:cs typeface="Calibri" panose="020F0502020204030204" pitchFamily="34" charset="0"/>
+              </a:rPr>
+              <a:t>Tweepy</a:t>
+            </a:r>
+            <a:r>
+              <a:rPr lang="it-IT" b="1" i="1" dirty="0" smtClean="0">
+                <a:solidFill>
+                  <a:schemeClr val="accent1"/>
+                </a:solidFill>
+                <a:latin typeface="Calibri" panose="020F0502020204030204" pitchFamily="34" charset="0"/>
+                <a:cs typeface="Calibri" panose="020F0502020204030204" pitchFamily="34" charset="0"/>
+              </a:rPr>
+              <a:t> </a:t>
+            </a:r>
+            <a:r>
+              <a:rPr lang="it-IT" dirty="0" smtClean="0">
+                <a:latin typeface="Calibri" panose="020F0502020204030204" pitchFamily="34" charset="0"/>
+                <a:cs typeface="Calibri" panose="020F0502020204030204" pitchFamily="34" charset="0"/>
+              </a:rPr>
+              <a:t>g</a:t>
+            </a:r>
+            <a:r>
+              <a:rPr lang="it-IT" dirty="0" smtClean="0">
+                <a:latin typeface="Calibri" panose="020F0502020204030204" pitchFamily="34" charset="0"/>
+                <a:cs typeface="Calibri" panose="020F0502020204030204" pitchFamily="34" charset="0"/>
+              </a:rPr>
+              <a:t>estisce </a:t>
+            </a:r>
+            <a:r>
               <a:rPr lang="it-IT" dirty="0">
                 <a:latin typeface="Calibri" panose="020F0502020204030204" pitchFamily="34" charset="0"/>
                 <a:cs typeface="Calibri" panose="020F0502020204030204" pitchFamily="34" charset="0"/>
               </a:rPr>
-              <a:t>Gestisce il processo di autenticazione dello sviluppatore presso il </a:t>
+              <a:t>il processo di autenticazione dello sviluppatore presso </a:t>
             </a:r>
             <a:endParaRPr lang="it-IT" dirty="0" smtClean="0">
               <a:latin typeface="Calibri" panose="020F0502020204030204" pitchFamily="34" charset="0"/>
@@ -11592,7 +11588,14 @@
                 <a:latin typeface="Calibri" panose="020F0502020204030204" pitchFamily="34" charset="0"/>
                 <a:cs typeface="Calibri" panose="020F0502020204030204" pitchFamily="34" charset="0"/>
               </a:rPr>
-              <a:t>     server </a:t>
+              <a:t>    </a:t>
+            </a:r>
+            <a:r>
+              <a:rPr lang="it-IT" dirty="0" smtClean="0">
+                <a:latin typeface="Calibri" panose="020F0502020204030204" pitchFamily="34" charset="0"/>
+                <a:cs typeface="Calibri" panose="020F0502020204030204" pitchFamily="34" charset="0"/>
+              </a:rPr>
+              <a:t>il server </a:t>
             </a:r>
             <a:r>
               <a:rPr lang="it-IT" dirty="0">
@@ -11824,7 +11827,7 @@
         </p:nvSpPr>
         <p:spPr>
           <a:xfrm>
-            <a:off x="7884368" y="5805264"/>
+            <a:off x="7668344" y="5661248"/>
             <a:ext cx="864096" cy="504056"/>
           </a:xfrm>
           <a:prstGeom prst="rightArrow">
@@ -11994,7 +11997,7 @@
         <p:spPr>
           <a:xfrm>
             <a:off x="1619672" y="1352957"/>
-            <a:ext cx="7524328" cy="3416320"/>
+            <a:ext cx="7524328" cy="3693319"/>
           </a:xfrm>
           <a:prstGeom prst="rect">
             <a:avLst/>
@@ -12011,32 +12014,11 @@
               <a:buChar char="•"/>
             </a:pPr>
             <a:r>
-              <a:rPr lang="it-IT" dirty="0">
+              <a:rPr lang="it-IT" dirty="0" smtClean="0">
                 <a:latin typeface="Calibri" panose="020F0502020204030204" pitchFamily="34" charset="0"/>
                 <a:cs typeface="Calibri" panose="020F0502020204030204" pitchFamily="34" charset="0"/>
               </a:rPr>
-              <a:t>La libreria </a:t>
-            </a:r>
-            <a:r>
-              <a:rPr lang="it-IT" b="1" i="1" dirty="0" err="1">
-                <a:latin typeface="Calibri" panose="020F0502020204030204" pitchFamily="34" charset="0"/>
-                <a:cs typeface="Calibri" panose="020F0502020204030204" pitchFamily="34" charset="0"/>
-              </a:rPr>
-              <a:t>GetOldTweets</a:t>
-            </a:r>
-            <a:r>
-              <a:rPr lang="it-IT" i="1" dirty="0">
-                <a:latin typeface="Calibri" panose="020F0502020204030204" pitchFamily="34" charset="0"/>
-                <a:cs typeface="Calibri" panose="020F0502020204030204" pitchFamily="34" charset="0"/>
-              </a:rPr>
-              <a:t> </a:t>
-            </a:r>
-            <a:r>
-              <a:rPr lang="it-IT" dirty="0">
-                <a:latin typeface="Calibri" panose="020F0502020204030204" pitchFamily="34" charset="0"/>
-                <a:cs typeface="Calibri" panose="020F0502020204030204" pitchFamily="34" charset="0"/>
-              </a:rPr>
-              <a:t>permette di </a:t>
+              <a:t>Bisogna </a:t>
             </a:r>
             <a:r>
               <a:rPr lang="it-IT" i="1" dirty="0">
@@ -12067,7 +12049,42 @@
                 <a:latin typeface="Calibri" panose="020F0502020204030204" pitchFamily="34" charset="0"/>
                 <a:cs typeface="Calibri" panose="020F0502020204030204" pitchFamily="34" charset="0"/>
               </a:rPr>
-              <a:t>ufficiale e di </a:t>
+              <a:t>ufficiale </a:t>
+            </a:r>
+            <a:r>
+              <a:rPr lang="it-IT" dirty="0" smtClean="0">
+                <a:latin typeface="Calibri" panose="020F0502020204030204" pitchFamily="34" charset="0"/>
+                <a:cs typeface="Calibri" panose="020F0502020204030204" pitchFamily="34" charset="0"/>
+              </a:rPr>
+              <a:t>per</a:t>
+            </a:r>
+            <a:r>
+              <a:rPr lang="it-IT" dirty="0" smtClean="0">
+                <a:latin typeface="Calibri" panose="020F0502020204030204" pitchFamily="34" charset="0"/>
+                <a:cs typeface="Calibri" panose="020F0502020204030204" pitchFamily="34" charset="0"/>
+              </a:rPr>
+              <a:t> recuperare </a:t>
+            </a:r>
+            <a:r>
+              <a:rPr lang="it-IT" i="1" dirty="0" err="1" smtClean="0">
+                <a:latin typeface="Calibri" panose="020F0502020204030204" pitchFamily="34" charset="0"/>
+                <a:cs typeface="Calibri" panose="020F0502020204030204" pitchFamily="34" charset="0"/>
+              </a:rPr>
+              <a:t>tweets</a:t>
+            </a:r>
+            <a:r>
+              <a:rPr lang="it-IT" i="1" dirty="0" smtClean="0">
+                <a:latin typeface="Calibri" panose="020F0502020204030204" pitchFamily="34" charset="0"/>
+                <a:cs typeface="Calibri" panose="020F0502020204030204" pitchFamily="34" charset="0"/>
+              </a:rPr>
+              <a:t> </a:t>
+            </a:r>
+            <a:r>
+              <a:rPr lang="it-IT" dirty="0">
+                <a:latin typeface="Calibri" panose="020F0502020204030204" pitchFamily="34" charset="0"/>
+                <a:cs typeface="Calibri" panose="020F0502020204030204" pitchFamily="34" charset="0"/>
+              </a:rPr>
+              <a:t>più vecchi di </a:t>
             </a:r>
             <a:endParaRPr lang="it-IT" dirty="0" smtClean="0">
               <a:latin typeface="Calibri" panose="020F0502020204030204" pitchFamily="34" charset="0"/>
@@ -12087,31 +12104,62 @@
                 <a:latin typeface="Calibri" panose="020F0502020204030204" pitchFamily="34" charset="0"/>
                 <a:cs typeface="Calibri" panose="020F0502020204030204" pitchFamily="34" charset="0"/>
               </a:rPr>
-              <a:t>     ottenere </a:t>
-            </a:r>
-            <a:r>
-              <a:rPr lang="it-IT" i="1" dirty="0" err="1" smtClean="0">
+              <a:t>     </a:t>
+            </a:r>
+            <a:r>
+              <a:rPr lang="it-IT" dirty="0" smtClean="0">
                 <a:latin typeface="Calibri" panose="020F0502020204030204" pitchFamily="34" charset="0"/>
                 <a:cs typeface="Calibri" panose="020F0502020204030204" pitchFamily="34" charset="0"/>
               </a:rPr>
-              <a:t>tweets</a:t>
-            </a:r>
-            <a:r>
-              <a:rPr lang="it-IT" i="1" dirty="0" smtClean="0">
+              <a:t>una settimana, altrimenti è impossibile ottenere </a:t>
+            </a:r>
+            <a:r>
+              <a:rPr lang="it-IT" b="1" i="1" dirty="0" err="1" smtClean="0">
+                <a:solidFill>
+                  <a:srgbClr val="C00000"/>
+                </a:solidFill>
                 <a:latin typeface="Calibri" panose="020F0502020204030204" pitchFamily="34" charset="0"/>
                 <a:cs typeface="Calibri" panose="020F0502020204030204" pitchFamily="34" charset="0"/>
               </a:rPr>
-              <a:t> </a:t>
-            </a:r>
-            <a:r>
-              <a:rPr lang="it-IT" dirty="0">
+              <a:t>endorsement</a:t>
+            </a:r>
+            <a:r>
+              <a:rPr lang="it-IT" b="1" i="1" dirty="0" smtClean="0">
+                <a:solidFill>
+                  <a:srgbClr val="C00000"/>
+                </a:solidFill>
                 <a:latin typeface="Calibri" panose="020F0502020204030204" pitchFamily="34" charset="0"/>
                 <a:cs typeface="Calibri" panose="020F0502020204030204" pitchFamily="34" charset="0"/>
               </a:rPr>
-              <a:t>più vecchi di una settimana.</a:t>
-            </a:r>
-          </a:p>
-          <a:p>
+              <a:t> </a:t>
+            </a:r>
+            <a:r>
+              <a:rPr lang="it-IT" b="1" i="1" dirty="0" err="1" smtClean="0">
+                <a:solidFill>
+                  <a:srgbClr val="C00000"/>
+                </a:solidFill>
+                <a:latin typeface="Calibri" panose="020F0502020204030204" pitchFamily="34" charset="0"/>
+                <a:cs typeface="Calibri" panose="020F0502020204030204" pitchFamily="34" charset="0"/>
+              </a:rPr>
+              <a:t>graphs</a:t>
+            </a:r>
+            <a:endParaRPr lang="it-IT" dirty="0">
+              <a:solidFill>
+                <a:srgbClr val="C00000"/>
+              </a:solidFill>
+              <a:latin typeface="Calibri" panose="020F0502020204030204" pitchFamily="34" charset="0"/>
+              <a:cs typeface="Calibri" panose="020F0502020204030204" pitchFamily="34" charset="0"/>
+            </a:endParaRPr>
+          </a:p>
+          <a:p>
+            <a:r>
+              <a:rPr lang="it-IT" dirty="0" smtClean="0">
+                <a:latin typeface="Calibri" panose="020F0502020204030204" pitchFamily="34" charset="0"/>
+                <a:cs typeface="Calibri" panose="020F0502020204030204" pitchFamily="34" charset="0"/>
+                <a:sym typeface="Wingdings" panose="05000000000000000000" pitchFamily="2" charset="2"/>
+              </a:rPr>
+              <a:t>      di dimensioni sufficienti per un’analisi attendibile.  </a:t>
+            </a:r>
             <a:endParaRPr lang="it-IT" dirty="0">
               <a:latin typeface="Calibri" panose="020F0502020204030204" pitchFamily="34" charset="0"/>
               <a:cs typeface="Calibri" panose="020F0502020204030204" pitchFamily="34" charset="0"/>
@@ -12119,6 +12167,13 @@
             </a:endParaRPr>
           </a:p>
           <a:p>
+            <a:endParaRPr lang="it-IT" dirty="0" smtClean="0">
+              <a:latin typeface="Calibri" panose="020F0502020204030204" pitchFamily="34" charset="0"/>
+              <a:cs typeface="Calibri" panose="020F0502020204030204" pitchFamily="34" charset="0"/>
+              <a:sym typeface="Wingdings" panose="05000000000000000000" pitchFamily="2" charset="2"/>
+            </a:endParaRPr>
+          </a:p>
+          <a:p>
             <a:endParaRPr lang="it-IT" dirty="0">
               <a:latin typeface="Calibri" panose="020F0502020204030204" pitchFamily="34" charset="0"/>
               <a:cs typeface="Calibri" panose="020F0502020204030204" pitchFamily="34" charset="0"/>
@@ -12135,7 +12190,28 @@
                 <a:latin typeface="Calibri" panose="020F0502020204030204" pitchFamily="34" charset="0"/>
                 <a:cs typeface="Calibri" panose="020F0502020204030204" pitchFamily="34" charset="0"/>
               </a:rPr>
-              <a:t>Sfrutta la funzione </a:t>
+              <a:t>I</a:t>
+            </a:r>
+            <a:r>
+              <a:rPr lang="it-IT" dirty="0" smtClean="0">
+                <a:latin typeface="Calibri" panose="020F0502020204030204" pitchFamily="34" charset="0"/>
+                <a:cs typeface="Calibri" panose="020F0502020204030204" pitchFamily="34" charset="0"/>
+              </a:rPr>
+              <a:t>mitare</a:t>
+            </a:r>
+            <a:r>
+              <a:rPr lang="it-IT" dirty="0" smtClean="0">
+                <a:latin typeface="Calibri" panose="020F0502020204030204" pitchFamily="34" charset="0"/>
+                <a:cs typeface="Calibri" panose="020F0502020204030204" pitchFamily="34" charset="0"/>
+              </a:rPr>
+              <a:t> </a:t>
+            </a:r>
+            <a:r>
+              <a:rPr lang="it-IT" dirty="0">
+                <a:latin typeface="Calibri" panose="020F0502020204030204" pitchFamily="34" charset="0"/>
+                <a:cs typeface="Calibri" panose="020F0502020204030204" pitchFamily="34" charset="0"/>
+              </a:rPr>
+              <a:t>la funzione </a:t>
             </a:r>
             <a:r>
               <a:rPr lang="it-IT" i="1" dirty="0">
@@ -12201,7 +12277,23 @@
                 <a:cs typeface="Calibri" panose="020F0502020204030204" pitchFamily="34" charset="0"/>
                 <a:sym typeface="Wingdings" panose="05000000000000000000" pitchFamily="2" charset="2"/>
               </a:rPr>
-              <a:t>Tramite chiamate successive ad un provider </a:t>
+              <a:t>Tramite chiamate successive ad un </a:t>
+            </a:r>
+            <a:r>
+              <a:rPr lang="it-IT" i="1" dirty="0">
+                <a:latin typeface="Calibri" panose="020F0502020204030204" pitchFamily="34" charset="0"/>
+                <a:cs typeface="Calibri" panose="020F0502020204030204" pitchFamily="34" charset="0"/>
+                <a:sym typeface="Wingdings" panose="05000000000000000000" pitchFamily="2" charset="2"/>
+              </a:rPr>
+              <a:t>provider</a:t>
+            </a:r>
+            <a:r>
+              <a:rPr lang="it-IT" dirty="0">
+                <a:latin typeface="Calibri" panose="020F0502020204030204" pitchFamily="34" charset="0"/>
+                <a:cs typeface="Calibri" panose="020F0502020204030204" pitchFamily="34" charset="0"/>
+                <a:sym typeface="Wingdings" panose="05000000000000000000" pitchFamily="2" charset="2"/>
+              </a:rPr>
+              <a:t> </a:t>
             </a:r>
             <a:r>
               <a:rPr lang="it-IT" b="1" i="1" dirty="0">
@@ -12217,7 +12309,23 @@
                 <a:cs typeface="Calibri" panose="020F0502020204030204" pitchFamily="34" charset="0"/>
                 <a:sym typeface="Wingdings" panose="05000000000000000000" pitchFamily="2" charset="2"/>
               </a:rPr>
-              <a:t> ottiene </a:t>
+              <a:t> </a:t>
+            </a:r>
+            <a:r>
+              <a:rPr lang="it-IT" dirty="0" smtClean="0">
+                <a:latin typeface="Calibri" panose="020F0502020204030204" pitchFamily="34" charset="0"/>
+                <a:cs typeface="Calibri" panose="020F0502020204030204" pitchFamily="34" charset="0"/>
+                <a:sym typeface="Wingdings" panose="05000000000000000000" pitchFamily="2" charset="2"/>
+              </a:rPr>
+              <a:t>si ottengono</a:t>
+            </a:r>
+            <a:r>
+              <a:rPr lang="it-IT" dirty="0" smtClean="0">
+                <a:latin typeface="Calibri" panose="020F0502020204030204" pitchFamily="34" charset="0"/>
+                <a:cs typeface="Calibri" panose="020F0502020204030204" pitchFamily="34" charset="0"/>
+                <a:sym typeface="Wingdings" panose="05000000000000000000" pitchFamily="2" charset="2"/>
+              </a:rPr>
+              <a:t> </a:t>
             </a:r>
             <a:r>
               <a:rPr lang="it-IT" dirty="0" err="1">
@@ -12306,12 +12414,28 @@
               <a:buChar char="•"/>
             </a:pPr>
             <a:r>
+              <a:rPr lang="it-IT" dirty="0" smtClean="0">
+                <a:latin typeface="Calibri" panose="020F0502020204030204" pitchFamily="34" charset="0"/>
+                <a:cs typeface="Calibri" panose="020F0502020204030204" pitchFamily="34" charset="0"/>
+                <a:sym typeface="Wingdings" panose="05000000000000000000" pitchFamily="2" charset="2"/>
+              </a:rPr>
+              <a:t>Si r</a:t>
+            </a:r>
+            <a:r>
+              <a:rPr lang="it-IT" dirty="0" smtClean="0">
+                <a:latin typeface="Calibri" panose="020F0502020204030204" pitchFamily="34" charset="0"/>
+                <a:cs typeface="Calibri" panose="020F0502020204030204" pitchFamily="34" charset="0"/>
+                <a:sym typeface="Wingdings" panose="05000000000000000000" pitchFamily="2" charset="2"/>
+              </a:rPr>
+              <a:t>iesce </a:t>
+            </a:r>
+            <a:r>
               <a:rPr lang="it-IT" dirty="0">
                 <a:latin typeface="Calibri" panose="020F0502020204030204" pitchFamily="34" charset="0"/>
                 <a:cs typeface="Calibri" panose="020F0502020204030204" pitchFamily="34" charset="0"/>
                 <a:sym typeface="Wingdings" panose="05000000000000000000" pitchFamily="2" charset="2"/>
               </a:rPr>
-              <a:t>Riesce quindi ad evitare le limitazioni temporali delle </a:t>
+              <a:t>quindi ad evitare le limitazioni temporali delle </a:t>
             </a:r>
             <a:r>
               <a:rPr lang="it-IT" b="1" i="1" dirty="0">
@@ -39061,7 +39185,7 @@
         </p:nvSpPr>
         <p:spPr>
           <a:xfrm>
-            <a:off x="2411760" y="1949834"/>
+            <a:off x="2411760" y="1772816"/>
             <a:ext cx="5730095" cy="2554545"/>
           </a:xfrm>
           <a:prstGeom prst="rect">
@@ -41734,7 +41858,7 @@
         </p:nvSpPr>
         <p:spPr>
           <a:xfrm>
-            <a:off x="3635896" y="3584049"/>
+            <a:off x="3419872" y="3584049"/>
             <a:ext cx="1221809" cy="276999"/>
           </a:xfrm>
           <a:prstGeom prst="rect">
@@ -41792,7 +41916,7 @@
         </p:nvSpPr>
         <p:spPr>
           <a:xfrm>
-            <a:off x="4788024" y="3584048"/>
+            <a:off x="4860032" y="3584048"/>
             <a:ext cx="1221809" cy="276999"/>
           </a:xfrm>
           <a:prstGeom prst="rect">
@@ -41948,8 +42072,8 @@
           </a:p>
         </p:txBody>
       </p:sp>
-      <mc:AlternateContent xmlns:mc="http://schemas.openxmlformats.org/markup-compatibility/2006">
-        <mc:Choice xmlns:a14="http://schemas.microsoft.com/office/drawing/2010/main" Requires="a14">
+      <mc:AlternateContent xmlns:mc="http://schemas.openxmlformats.org/markup-compatibility/2006" xmlns:a14="http://schemas.microsoft.com/office/drawing/2010/main">
+        <mc:Choice Requires="a14">
           <p:sp>
             <p:nvSpPr>
               <p:cNvPr id="6" name="Rettangolo 5">
@@ -42540,7 +42664,7 @@
             </p:txBody>
           </p:sp>
         </mc:Choice>
-        <mc:Fallback>
+        <mc:Fallback xmlns="">
           <p:sp>
             <p:nvSpPr>
               <p:cNvPr id="6" name="Rettangolo 5">

--- a/PRESENTAZIONE_TESI/presentazione_agostini_stefano.pptx
+++ b/PRESENTAZIONE_TESI/presentazione_agostini_stefano.pptx
@@ -189,7 +189,7 @@
       </p14:sectionLst>
     </p:ext>
     <p:ext uri="{EFAFB233-063F-42B5-8137-9DF3F51BA10A}">
-      <p15:sldGuideLst xmlns="" xmlns:p15="http://schemas.microsoft.com/office/powerpoint/2012/main">
+      <p15:sldGuideLst xmlns:p15="http://schemas.microsoft.com/office/powerpoint/2012/main" xmlns="">
         <p15:guide id="1" orient="horz" pos="2160">
           <p15:clr>
             <a:srgbClr val="A4A3A4"/>
@@ -288,7 +288,7 @@
           <a:p>
             <a:fld id="{D9998136-BDF3-4CD5-9A25-953B69557AFC}" type="datetimeFigureOut">
               <a:rPr lang="it-IT" smtClean="0"/>
-              <a:t>16/07/2018</a:t>
+              <a:t>17/07/2018</a:t>
             </a:fld>
             <a:endParaRPr lang="it-IT"/>
           </a:p>
@@ -741,7 +741,7 @@
           <a:p>
             <a:fld id="{18DCCD61-643D-44A5-A450-3A42A50CBC1E}" type="datetimeFigureOut">
               <a:rPr lang="en-US" smtClean="0"/>
-              <a:t>7/16/2018</a:t>
+              <a:t>7/17/2018</a:t>
             </a:fld>
             <a:endParaRPr lang="en-US" dirty="0"/>
           </a:p>
@@ -1016,7 +1016,7 @@
           <a:p>
             <a:fld id="{18DCCD61-643D-44A5-A450-3A42A50CBC1E}" type="datetimeFigureOut">
               <a:rPr lang="en-US" smtClean="0"/>
-              <a:t>7/16/2018</a:t>
+              <a:t>7/17/2018</a:t>
             </a:fld>
             <a:endParaRPr lang="en-US" dirty="0"/>
           </a:p>
@@ -1268,7 +1268,7 @@
           <a:p>
             <a:fld id="{18DCCD61-643D-44A5-A450-3A42A50CBC1E}" type="datetimeFigureOut">
               <a:rPr lang="en-US" smtClean="0"/>
-              <a:t>7/16/2018</a:t>
+              <a:t>7/17/2018</a:t>
             </a:fld>
             <a:endParaRPr lang="en-US" dirty="0"/>
           </a:p>
@@ -1436,7 +1436,7 @@
           <a:p>
             <a:fld id="{18DCCD61-643D-44A5-A450-3A42A50CBC1E}" type="datetimeFigureOut">
               <a:rPr lang="en-US" smtClean="0"/>
-              <a:t>7/16/2018</a:t>
+              <a:t>7/17/2018</a:t>
             </a:fld>
             <a:endParaRPr lang="en-US" dirty="0"/>
           </a:p>
@@ -1614,7 +1614,7 @@
           <a:p>
             <a:fld id="{18DCCD61-643D-44A5-A450-3A42A50CBC1E}" type="datetimeFigureOut">
               <a:rPr lang="en-US" smtClean="0"/>
-              <a:t>7/16/2018</a:t>
+              <a:t>7/17/2018</a:t>
             </a:fld>
             <a:endParaRPr lang="en-US" dirty="0"/>
           </a:p>
@@ -2202,7 +2202,7 @@
           <a:p>
             <a:fld id="{18DCCD61-643D-44A5-A450-3A42A50CBC1E}" type="datetimeFigureOut">
               <a:rPr lang="en-US" smtClean="0"/>
-              <a:t>7/16/2018</a:t>
+              <a:t>7/17/2018</a:t>
             </a:fld>
             <a:endParaRPr lang="en-US" dirty="0"/>
           </a:p>
@@ -2370,7 +2370,7 @@
           <a:p>
             <a:fld id="{18DCCD61-643D-44A5-A450-3A42A50CBC1E}" type="datetimeFigureOut">
               <a:rPr lang="en-US" smtClean="0"/>
-              <a:t>7/16/2018</a:t>
+              <a:t>7/17/2018</a:t>
             </a:fld>
             <a:endParaRPr lang="en-US" dirty="0"/>
           </a:p>
@@ -2615,7 +2615,7 @@
           <a:p>
             <a:fld id="{18DCCD61-643D-44A5-A450-3A42A50CBC1E}" type="datetimeFigureOut">
               <a:rPr lang="en-US" smtClean="0"/>
-              <a:t>7/16/2018</a:t>
+              <a:t>7/17/2018</a:t>
             </a:fld>
             <a:endParaRPr lang="en-US" dirty="0"/>
           </a:p>
@@ -2900,7 +2900,7 @@
           <a:p>
             <a:fld id="{18DCCD61-643D-44A5-A450-3A42A50CBC1E}" type="datetimeFigureOut">
               <a:rPr lang="en-US" smtClean="0"/>
-              <a:t>7/16/2018</a:t>
+              <a:t>7/17/2018</a:t>
             </a:fld>
             <a:endParaRPr lang="en-US" dirty="0"/>
           </a:p>
@@ -3319,7 +3319,7 @@
           <a:p>
             <a:fld id="{18DCCD61-643D-44A5-A450-3A42A50CBC1E}" type="datetimeFigureOut">
               <a:rPr lang="en-US" smtClean="0"/>
-              <a:t>7/16/2018</a:t>
+              <a:t>7/17/2018</a:t>
             </a:fld>
             <a:endParaRPr lang="en-US" dirty="0"/>
           </a:p>
@@ -3436,7 +3436,7 @@
           <a:p>
             <a:fld id="{18DCCD61-643D-44A5-A450-3A42A50CBC1E}" type="datetimeFigureOut">
               <a:rPr lang="en-US" smtClean="0"/>
-              <a:t>7/16/2018</a:t>
+              <a:t>7/17/2018</a:t>
             </a:fld>
             <a:endParaRPr lang="en-US" dirty="0"/>
           </a:p>
@@ -3938,7 +3938,7 @@
           <a:p>
             <a:fld id="{18DCCD61-643D-44A5-A450-3A42A50CBC1E}" type="datetimeFigureOut">
               <a:rPr lang="en-US" smtClean="0"/>
-              <a:t>7/16/2018</a:t>
+              <a:t>7/17/2018</a:t>
             </a:fld>
             <a:endParaRPr lang="en-US" dirty="0"/>
           </a:p>
@@ -4318,7 +4318,7 @@
           <p:cNvPr id="8" name="Immagine 7">
             <a:extLst>
               <a:ext uri="{FF2B5EF4-FFF2-40B4-BE49-F238E27FC236}">
-                <a16:creationId xmlns="" xmlns:a16="http://schemas.microsoft.com/office/drawing/2014/main" id="{A1106E1C-ABC5-4AA2-A6C2-B115CAA9597B}"/>
+                <a16:creationId xmlns:a16="http://schemas.microsoft.com/office/drawing/2014/main" xmlns="" id="{A1106E1C-ABC5-4AA2-A6C2-B115CAA9597B}"/>
               </a:ext>
             </a:extLst>
           </p:cNvPr>
@@ -4654,7 +4654,7 @@
           <p:cNvPr id="5" name="Title 3">
             <a:extLst>
               <a:ext uri="{FF2B5EF4-FFF2-40B4-BE49-F238E27FC236}">
-                <a16:creationId xmlns="" xmlns:a16="http://schemas.microsoft.com/office/drawing/2014/main" id="{189ECF77-714F-4D2C-9D4B-CC43534EF427}"/>
+                <a16:creationId xmlns:a16="http://schemas.microsoft.com/office/drawing/2014/main" xmlns="" id="{189ECF77-714F-4D2C-9D4B-CC43534EF427}"/>
               </a:ext>
             </a:extLst>
           </p:cNvPr>
@@ -5124,21 +5124,35 @@
           <a:p>
             <a:pPr algn="just"/>
             <a:r>
+              <a:rPr lang="it-IT" i="1" dirty="0">
+                <a:latin typeface="Calibri" pitchFamily="34" charset="0"/>
+                <a:cs typeface="Calibri" pitchFamily="34" charset="0"/>
+              </a:rPr>
+              <a:t>       </a:t>
+            </a:r>
+            <a:r>
               <a:rPr lang="it-IT" i="1" u="sng" dirty="0">
                 <a:latin typeface="Calibri" pitchFamily="34" charset="0"/>
                 <a:cs typeface="Calibri" pitchFamily="34" charset="0"/>
               </a:rPr>
-              <a:t>       possibili archi diretti, non presenti ancora nel grafo, che abbiano come   </a:t>
+              <a:t>possibili archi diretti, non presenti ancora nel grafo, che abbiano come   </a:t>
             </a:r>
           </a:p>
           <a:p>
             <a:pPr algn="just"/>
+            <a:r>
+              <a:rPr lang="it-IT" i="1" dirty="0">
+                <a:latin typeface="Calibri" pitchFamily="34" charset="0"/>
+                <a:cs typeface="Calibri" pitchFamily="34" charset="0"/>
+              </a:rPr>
+              <a:t>       </a:t>
+            </a:r>
             <a:r>
               <a:rPr lang="it-IT" i="1" u="sng" dirty="0">
                 <a:latin typeface="Calibri" pitchFamily="34" charset="0"/>
                 <a:cs typeface="Calibri" pitchFamily="34" charset="0"/>
               </a:rPr>
-              <a:t>       estremi un vertice dell’insieme </a:t>
+              <a:t>estremi un vertice dell’insieme </a:t>
             </a:r>
             <a:r>
               <a:rPr lang="it-IT" b="1" i="1" u="sng" dirty="0">
@@ -5451,7 +5465,7 @@
           <p:cNvPr id="5" name="Title 3">
             <a:extLst>
               <a:ext uri="{FF2B5EF4-FFF2-40B4-BE49-F238E27FC236}">
-                <a16:creationId xmlns="" xmlns:a16="http://schemas.microsoft.com/office/drawing/2014/main" id="{189ECF77-714F-4D2C-9D4B-CC43534EF427}"/>
+                <a16:creationId xmlns:a16="http://schemas.microsoft.com/office/drawing/2014/main" xmlns="" id="{189ECF77-714F-4D2C-9D4B-CC43534EF427}"/>
               </a:ext>
             </a:extLst>
           </p:cNvPr>
@@ -5530,7 +5544,7 @@
         <p:spPr>
           <a:xfrm>
             <a:off x="1619672" y="1352957"/>
-            <a:ext cx="7524328" cy="4801314"/>
+            <a:ext cx="7524328" cy="4247317"/>
           </a:xfrm>
           <a:prstGeom prst="rect">
             <a:avLst/>
@@ -5543,164 +5557,6 @@
           <a:lstStyle/>
           <a:p>
             <a:pPr algn="just"/>
-            <a:r>
-              <a:rPr lang="it-IT" dirty="0">
-                <a:latin typeface="Calibri" panose="020F0502020204030204" pitchFamily="34" charset="0"/>
-                <a:cs typeface="Calibri" panose="020F0502020204030204" pitchFamily="34" charset="0"/>
-                <a:sym typeface="Wingdings" panose="05000000000000000000" pitchFamily="2" charset="2"/>
-              </a:rPr>
-              <a:t>Ad ogni </a:t>
-            </a:r>
-            <a:r>
-              <a:rPr lang="it-IT" b="1" dirty="0">
-                <a:solidFill>
-                  <a:srgbClr val="00B050"/>
-                </a:solidFill>
-                <a:latin typeface="Calibri" panose="020F0502020204030204" pitchFamily="34" charset="0"/>
-                <a:cs typeface="Calibri" panose="020F0502020204030204" pitchFamily="34" charset="0"/>
-                <a:sym typeface="Wingdings" panose="05000000000000000000" pitchFamily="2" charset="2"/>
-              </a:rPr>
-              <a:t>arco </a:t>
-            </a:r>
-            <a:r>
-              <a:rPr lang="it-IT" b="1" i="1" dirty="0">
-                <a:solidFill>
-                  <a:srgbClr val="00B050"/>
-                </a:solidFill>
-                <a:latin typeface="Calibri" panose="020F0502020204030204" pitchFamily="34" charset="0"/>
-                <a:cs typeface="Calibri" panose="020F0502020204030204" pitchFamily="34" charset="0"/>
-                <a:sym typeface="Wingdings" panose="05000000000000000000" pitchFamily="2" charset="2"/>
-              </a:rPr>
-              <a:t>e</a:t>
-            </a:r>
-            <a:r>
-              <a:rPr lang="it-IT" b="1" i="1" dirty="0">
-                <a:solidFill>
-                  <a:srgbClr val="92D050"/>
-                </a:solidFill>
-                <a:latin typeface="Calibri" panose="020F0502020204030204" pitchFamily="34" charset="0"/>
-                <a:cs typeface="Calibri" panose="020F0502020204030204" pitchFamily="34" charset="0"/>
-                <a:sym typeface="Wingdings" panose="05000000000000000000" pitchFamily="2" charset="2"/>
-              </a:rPr>
-              <a:t> </a:t>
-            </a:r>
-            <a:r>
-              <a:rPr lang="it-IT" dirty="0">
-                <a:latin typeface="Calibri" panose="020F0502020204030204" pitchFamily="34" charset="0"/>
-                <a:cs typeface="Calibri" panose="020F0502020204030204" pitchFamily="34" charset="0"/>
-                <a:sym typeface="Wingdings" panose="05000000000000000000" pitchFamily="2" charset="2"/>
-              </a:rPr>
-              <a:t>del dominio è associato il corrispondente </a:t>
-            </a:r>
-            <a:r>
-              <a:rPr lang="it-IT" b="1" i="1" dirty="0">
-                <a:solidFill>
-                  <a:srgbClr val="00B050"/>
-                </a:solidFill>
-                <a:latin typeface="Calibri" panose="020F0502020204030204" pitchFamily="34" charset="0"/>
-                <a:cs typeface="Calibri" panose="020F0502020204030204" pitchFamily="34" charset="0"/>
-                <a:sym typeface="Symbol"/>
-              </a:rPr>
-              <a:t></a:t>
-            </a:r>
-            <a:r>
-              <a:rPr lang="it-IT" b="1" i="1" dirty="0" err="1">
-                <a:solidFill>
-                  <a:srgbClr val="00B050"/>
-                </a:solidFill>
-                <a:latin typeface="Calibri" panose="020F0502020204030204" pitchFamily="34" charset="0"/>
-                <a:cs typeface="Calibri" panose="020F0502020204030204" pitchFamily="34" charset="0"/>
-                <a:sym typeface="Symbol"/>
-              </a:rPr>
-              <a:t>RWC</a:t>
-            </a:r>
-            <a:r>
-              <a:rPr lang="it-IT" b="1" i="1" baseline="-25000" dirty="0" err="1">
-                <a:solidFill>
-                  <a:srgbClr val="00B050"/>
-                </a:solidFill>
-                <a:latin typeface="Calibri" panose="020F0502020204030204" pitchFamily="34" charset="0"/>
-                <a:cs typeface="Calibri" panose="020F0502020204030204" pitchFamily="34" charset="0"/>
-                <a:sym typeface="Symbol"/>
-              </a:rPr>
-              <a:t>e</a:t>
-            </a:r>
-            <a:r>
-              <a:rPr lang="it-IT" dirty="0">
-                <a:latin typeface="Calibri" panose="020F0502020204030204" pitchFamily="34" charset="0"/>
-                <a:cs typeface="Calibri" panose="020F0502020204030204" pitchFamily="34" charset="0"/>
-                <a:sym typeface="Symbol"/>
-              </a:rPr>
-              <a:t>, ossia il </a:t>
-            </a:r>
-          </a:p>
-          <a:p>
-            <a:pPr algn="just"/>
-            <a:r>
-              <a:rPr lang="it-IT" dirty="0">
-                <a:latin typeface="Calibri" panose="020F0502020204030204" pitchFamily="34" charset="0"/>
-                <a:cs typeface="Calibri" panose="020F0502020204030204" pitchFamily="34" charset="0"/>
-                <a:sym typeface="Symbol"/>
-              </a:rPr>
-              <a:t>decremento dell’</a:t>
-            </a:r>
-            <a:r>
-              <a:rPr lang="it-IT" b="1" i="1" dirty="0">
-                <a:solidFill>
-                  <a:srgbClr val="00B050"/>
-                </a:solidFill>
-                <a:latin typeface="Calibri" panose="020F0502020204030204" pitchFamily="34" charset="0"/>
-                <a:cs typeface="Calibri" panose="020F0502020204030204" pitchFamily="34" charset="0"/>
-                <a:sym typeface="Symbol"/>
-              </a:rPr>
-              <a:t>RWC</a:t>
-            </a:r>
-            <a:r>
-              <a:rPr lang="it-IT" dirty="0">
-                <a:solidFill>
-                  <a:srgbClr val="00B050"/>
-                </a:solidFill>
-                <a:latin typeface="Calibri" panose="020F0502020204030204" pitchFamily="34" charset="0"/>
-                <a:cs typeface="Calibri" panose="020F0502020204030204" pitchFamily="34" charset="0"/>
-                <a:sym typeface="Symbol"/>
-              </a:rPr>
-              <a:t> </a:t>
-            </a:r>
-            <a:r>
-              <a:rPr lang="it-IT" dirty="0">
-                <a:latin typeface="Calibri" panose="020F0502020204030204" pitchFamily="34" charset="0"/>
-                <a:cs typeface="Calibri" panose="020F0502020204030204" pitchFamily="34" charset="0"/>
-                <a:sym typeface="Symbol"/>
-              </a:rPr>
-              <a:t>che si otterrebbe se </a:t>
-            </a:r>
-            <a:r>
-              <a:rPr lang="it-IT" b="1" i="1" dirty="0">
-                <a:solidFill>
-                  <a:srgbClr val="00B050"/>
-                </a:solidFill>
-                <a:latin typeface="Calibri" panose="020F0502020204030204" pitchFamily="34" charset="0"/>
-                <a:cs typeface="Calibri" panose="020F0502020204030204" pitchFamily="34" charset="0"/>
-                <a:sym typeface="Symbol"/>
-              </a:rPr>
-              <a:t>e </a:t>
-            </a:r>
-            <a:r>
-              <a:rPr lang="it-IT" dirty="0">
-                <a:latin typeface="Calibri" panose="020F0502020204030204" pitchFamily="34" charset="0"/>
-                <a:cs typeface="Calibri" panose="020F0502020204030204" pitchFamily="34" charset="0"/>
-                <a:sym typeface="Symbol"/>
-              </a:rPr>
-              <a:t>fosse aggiunto al grafo.</a:t>
-            </a:r>
-            <a:endParaRPr lang="it-IT" dirty="0">
-              <a:latin typeface="Calibri" panose="020F0502020204030204" pitchFamily="34" charset="0"/>
-              <a:cs typeface="Calibri" panose="020F0502020204030204" pitchFamily="34" charset="0"/>
-              <a:sym typeface="Wingdings" panose="05000000000000000000" pitchFamily="2" charset="2"/>
-            </a:endParaRPr>
-          </a:p>
-          <a:p>
-            <a:pPr algn="just"/>
             <a:endParaRPr lang="it-IT" dirty="0">
               <a:latin typeface="Calibri" panose="020F0502020204030204" pitchFamily="34" charset="0"/>
               <a:cs typeface="Calibri" panose="020F0502020204030204" pitchFamily="34" charset="0"/>
@@ -6143,7 +5999,7 @@
         </p:nvCxnSpPr>
         <p:spPr>
           <a:xfrm>
-            <a:off x="4211960" y="2348880"/>
+            <a:off x="1979712" y="1352957"/>
             <a:ext cx="1584176" cy="504056"/>
           </a:xfrm>
           <a:prstGeom prst="curvedConnector3">
@@ -6179,7 +6035,7 @@
         </p:nvSpPr>
         <p:spPr>
           <a:xfrm>
-            <a:off x="4788024" y="2179603"/>
+            <a:off x="2555776" y="1183680"/>
             <a:ext cx="756041" cy="338554"/>
           </a:xfrm>
           <a:prstGeom prst="rect">
@@ -6241,7 +6097,7 @@
         </p:nvSpPr>
         <p:spPr>
           <a:xfrm>
-            <a:off x="3923928" y="2222866"/>
+            <a:off x="1691680" y="1226943"/>
             <a:ext cx="288032" cy="252028"/>
           </a:xfrm>
           <a:prstGeom prst="flowChartConnector">
@@ -6287,7 +6143,7 @@
         </p:nvSpPr>
         <p:spPr>
           <a:xfrm>
-            <a:off x="5790709" y="2726922"/>
+            <a:off x="3558461" y="1730999"/>
             <a:ext cx="288032" cy="252028"/>
           </a:xfrm>
           <a:prstGeom prst="flowChartConnector">
@@ -6330,6 +6186,207 @@
               </a:rPr>
               <a:t>y</a:t>
             </a:r>
+          </a:p>
+        </p:txBody>
+      </p:sp>
+      <p:sp>
+        <p:nvSpPr>
+          <p:cNvPr id="9" name="Freccia a destra 8"/>
+          <p:cNvSpPr/>
+          <p:nvPr/>
+        </p:nvSpPr>
+        <p:spPr>
+          <a:xfrm>
+            <a:off x="4211961" y="1519338"/>
+            <a:ext cx="504056" cy="213128"/>
+          </a:xfrm>
+          <a:prstGeom prst="rightArrow">
+            <a:avLst/>
+          </a:prstGeom>
+          <a:gradFill flip="none" rotWithShape="1">
+            <a:gsLst>
+              <a:gs pos="0">
+                <a:schemeClr val="accent1">
+                  <a:tint val="66000"/>
+                  <a:satMod val="160000"/>
+                </a:schemeClr>
+              </a:gs>
+              <a:gs pos="50000">
+                <a:schemeClr val="accent1">
+                  <a:tint val="44500"/>
+                  <a:satMod val="160000"/>
+                </a:schemeClr>
+              </a:gs>
+              <a:gs pos="100000">
+                <a:schemeClr val="accent1">
+                  <a:tint val="23500"/>
+                  <a:satMod val="160000"/>
+                </a:schemeClr>
+              </a:gs>
+            </a:gsLst>
+            <a:lin ang="2700000" scaled="1"/>
+            <a:tileRect/>
+          </a:gradFill>
+        </p:spPr>
+        <p:style>
+          <a:lnRef idx="2">
+            <a:schemeClr val="accent1">
+              <a:shade val="50000"/>
+            </a:schemeClr>
+          </a:lnRef>
+          <a:fillRef idx="1">
+            <a:schemeClr val="accent1"/>
+          </a:fillRef>
+          <a:effectRef idx="0">
+            <a:schemeClr val="accent1"/>
+          </a:effectRef>
+          <a:fontRef idx="minor">
+            <a:schemeClr val="lt1"/>
+          </a:fontRef>
+        </p:style>
+        <p:txBody>
+          <a:bodyPr rtlCol="0" anchor="ctr"/>
+          <a:lstStyle/>
+          <a:p>
+            <a:pPr algn="ctr"/>
+            <a:endParaRPr lang="it-IT"/>
+          </a:p>
+        </p:txBody>
+      </p:sp>
+      <p:sp>
+        <p:nvSpPr>
+          <p:cNvPr id="10" name="CasellaDiTesto 9"/>
+          <p:cNvSpPr txBox="1"/>
+          <p:nvPr/>
+        </p:nvSpPr>
+        <p:spPr>
+          <a:xfrm>
+            <a:off x="4932040" y="1294603"/>
+            <a:ext cx="3797771" cy="584775"/>
+          </a:xfrm>
+          <a:prstGeom prst="rect">
+            <a:avLst/>
+          </a:prstGeom>
+          <a:noFill/>
+        </p:spPr>
+        <p:txBody>
+          <a:bodyPr wrap="none" rtlCol="0">
+            <a:spAutoFit/>
+          </a:bodyPr>
+          <a:lstStyle/>
+          <a:p>
+            <a:r>
+              <a:rPr lang="it-IT" sz="1600" dirty="0" smtClean="0">
+                <a:latin typeface="Calibri" pitchFamily="34" charset="0"/>
+                <a:cs typeface="Calibri" pitchFamily="34" charset="0"/>
+              </a:rPr>
+              <a:t>Ad ogni arco </a:t>
+            </a:r>
+            <a:r>
+              <a:rPr lang="it-IT" sz="1600" b="1" i="1" dirty="0" smtClean="0">
+                <a:solidFill>
+                  <a:srgbClr val="00B050"/>
+                </a:solidFill>
+                <a:latin typeface="Calibri" pitchFamily="34" charset="0"/>
+                <a:cs typeface="Calibri" pitchFamily="34" charset="0"/>
+              </a:rPr>
+              <a:t>e</a:t>
+            </a:r>
+            <a:r>
+              <a:rPr lang="it-IT" sz="1600" dirty="0" smtClean="0">
+                <a:latin typeface="Calibri" pitchFamily="34" charset="0"/>
+                <a:cs typeface="Calibri" pitchFamily="34" charset="0"/>
+              </a:rPr>
+              <a:t> è associato il corrispondente</a:t>
+            </a:r>
+          </a:p>
+          <a:p>
+            <a:r>
+              <a:rPr lang="it-IT" sz="1600" b="1" i="1" dirty="0">
+                <a:solidFill>
+                  <a:srgbClr val="00B050"/>
+                </a:solidFill>
+                <a:latin typeface="Calibri" panose="020F0502020204030204" pitchFamily="34" charset="0"/>
+                <a:cs typeface="Calibri" panose="020F0502020204030204" pitchFamily="34" charset="0"/>
+                <a:sym typeface="Symbol"/>
+              </a:rPr>
+              <a:t></a:t>
+            </a:r>
+            <a:r>
+              <a:rPr lang="it-IT" sz="1600" b="1" i="1" dirty="0" err="1" smtClean="0">
+                <a:solidFill>
+                  <a:srgbClr val="00B050"/>
+                </a:solidFill>
+                <a:latin typeface="Calibri" panose="020F0502020204030204" pitchFamily="34" charset="0"/>
+                <a:cs typeface="Calibri" panose="020F0502020204030204" pitchFamily="34" charset="0"/>
+                <a:sym typeface="Symbol"/>
+              </a:rPr>
+              <a:t>RWC</a:t>
+            </a:r>
+            <a:r>
+              <a:rPr lang="it-IT" sz="1600" b="1" i="1" baseline="-25000" dirty="0" err="1" smtClean="0">
+                <a:solidFill>
+                  <a:srgbClr val="00B050"/>
+                </a:solidFill>
+                <a:latin typeface="Calibri" panose="020F0502020204030204" pitchFamily="34" charset="0"/>
+                <a:cs typeface="Calibri" panose="020F0502020204030204" pitchFamily="34" charset="0"/>
+                <a:sym typeface="Symbol"/>
+              </a:rPr>
+              <a:t>e</a:t>
+            </a:r>
+            <a:r>
+              <a:rPr lang="it-IT" sz="1600" dirty="0" smtClean="0">
+                <a:latin typeface="Calibri" pitchFamily="34" charset="0"/>
+                <a:cs typeface="Calibri" pitchFamily="34" charset="0"/>
+                <a:sym typeface="Symbol"/>
+              </a:rPr>
+              <a:t>.</a:t>
+            </a:r>
+            <a:endParaRPr lang="it-IT" sz="1600" dirty="0">
+              <a:latin typeface="Calibri" pitchFamily="34" charset="0"/>
+              <a:cs typeface="Calibri" pitchFamily="34" charset="0"/>
+            </a:endParaRPr>
+          </a:p>
+        </p:txBody>
+      </p:sp>
+      <p:sp>
+        <p:nvSpPr>
+          <p:cNvPr id="11" name="Rettangolo 10"/>
+          <p:cNvSpPr/>
+          <p:nvPr/>
+        </p:nvSpPr>
+        <p:spPr>
+          <a:xfrm>
+            <a:off x="4932040" y="1231306"/>
+            <a:ext cx="3744417" cy="792088"/>
+          </a:xfrm>
+          <a:prstGeom prst="rect">
+            <a:avLst/>
+          </a:prstGeom>
+          <a:noFill/>
+        </p:spPr>
+        <p:style>
+          <a:lnRef idx="2">
+            <a:schemeClr val="accent1">
+              <a:shade val="50000"/>
+            </a:schemeClr>
+          </a:lnRef>
+          <a:fillRef idx="1">
+            <a:schemeClr val="accent1"/>
+          </a:fillRef>
+          <a:effectRef idx="0">
+            <a:schemeClr val="accent1"/>
+          </a:effectRef>
+          <a:fontRef idx="minor">
+            <a:schemeClr val="lt1"/>
+          </a:fontRef>
+        </p:style>
+        <p:txBody>
+          <a:bodyPr rtlCol="0" anchor="ctr"/>
+          <a:lstStyle/>
+          <a:p>
+            <a:pPr algn="ctr"/>
+            <a:endParaRPr lang="it-IT"/>
           </a:p>
         </p:txBody>
       </p:sp>
@@ -6375,7 +6432,7 @@
           <p:cNvPr id="5" name="Title 3">
             <a:extLst>
               <a:ext uri="{FF2B5EF4-FFF2-40B4-BE49-F238E27FC236}">
-                <a16:creationId xmlns="" xmlns:a16="http://schemas.microsoft.com/office/drawing/2014/main" id="{189ECF77-714F-4D2C-9D4B-CC43534EF427}"/>
+                <a16:creationId xmlns:a16="http://schemas.microsoft.com/office/drawing/2014/main" xmlns="" id="{189ECF77-714F-4D2C-9D4B-CC43534EF427}"/>
               </a:ext>
             </a:extLst>
           </p:cNvPr>
@@ -6802,7 +6859,7 @@
           <p:cNvPr id="5" name="Title 3">
             <a:extLst>
               <a:ext uri="{FF2B5EF4-FFF2-40B4-BE49-F238E27FC236}">
-                <a16:creationId xmlns="" xmlns:a16="http://schemas.microsoft.com/office/drawing/2014/main" id="{189ECF77-714F-4D2C-9D4B-CC43534EF427}"/>
+                <a16:creationId xmlns:a16="http://schemas.microsoft.com/office/drawing/2014/main" xmlns="" id="{189ECF77-714F-4D2C-9D4B-CC43534EF427}"/>
               </a:ext>
             </a:extLst>
           </p:cNvPr>
@@ -7017,7 +7074,7 @@
           <p:cNvPr id="4" name="Title 3">
             <a:extLst>
               <a:ext uri="{FF2B5EF4-FFF2-40B4-BE49-F238E27FC236}">
-                <a16:creationId xmlns="" xmlns:a16="http://schemas.microsoft.com/office/drawing/2014/main" id="{189ECF77-714F-4D2C-9D4B-CC43534EF427}"/>
+                <a16:creationId xmlns:a16="http://schemas.microsoft.com/office/drawing/2014/main" xmlns="" id="{189ECF77-714F-4D2C-9D4B-CC43534EF427}"/>
               </a:ext>
             </a:extLst>
           </p:cNvPr>
@@ -7072,7 +7129,7 @@
           <p:cNvPr id="6" name="Group 623">
             <a:extLst>
               <a:ext uri="{FF2B5EF4-FFF2-40B4-BE49-F238E27FC236}">
-                <a16:creationId xmlns="" xmlns:a16="http://schemas.microsoft.com/office/drawing/2014/main" id="{AA4FCC27-C7D4-4343-B033-13B6C83DC905}"/>
+                <a16:creationId xmlns:a16="http://schemas.microsoft.com/office/drawing/2014/main" xmlns="" id="{AA4FCC27-C7D4-4343-B033-13B6C83DC905}"/>
               </a:ext>
             </a:extLst>
           </p:cNvPr>
@@ -7092,7 +7149,7 @@
             <p:cNvPr id="7" name="Freeform 538">
               <a:extLst>
                 <a:ext uri="{FF2B5EF4-FFF2-40B4-BE49-F238E27FC236}">
-                  <a16:creationId xmlns="" xmlns:a16="http://schemas.microsoft.com/office/drawing/2014/main" id="{3776C4DA-4E41-4098-AEDB-2C371B14EB8B}"/>
+                  <a16:creationId xmlns:a16="http://schemas.microsoft.com/office/drawing/2014/main" xmlns="" id="{3776C4DA-4E41-4098-AEDB-2C371B14EB8B}"/>
                 </a:ext>
               </a:extLst>
             </p:cNvPr>
@@ -7306,7 +7363,7 @@
             <p:cNvPr id="8" name="Freeform 542">
               <a:extLst>
                 <a:ext uri="{FF2B5EF4-FFF2-40B4-BE49-F238E27FC236}">
-                  <a16:creationId xmlns="" xmlns:a16="http://schemas.microsoft.com/office/drawing/2014/main" id="{BBD90813-EA96-440A-94D3-CB2D6F892D34}"/>
+                  <a16:creationId xmlns:a16="http://schemas.microsoft.com/office/drawing/2014/main" xmlns="" id="{BBD90813-EA96-440A-94D3-CB2D6F892D34}"/>
                 </a:ext>
               </a:extLst>
             </p:cNvPr>
@@ -7520,7 +7577,7 @@
             <p:cNvPr id="9" name="Freeform: Shape 616">
               <a:extLst>
                 <a:ext uri="{FF2B5EF4-FFF2-40B4-BE49-F238E27FC236}">
-                  <a16:creationId xmlns="" xmlns:a16="http://schemas.microsoft.com/office/drawing/2014/main" id="{284E245F-3566-43D1-B56C-8CC7026A0D22}"/>
+                  <a16:creationId xmlns:a16="http://schemas.microsoft.com/office/drawing/2014/main" xmlns="" id="{284E245F-3566-43D1-B56C-8CC7026A0D22}"/>
                 </a:ext>
               </a:extLst>
             </p:cNvPr>
@@ -7999,7 +8056,7 @@
             <p:cNvPr id="10" name="Freeform 551">
               <a:extLst>
                 <a:ext uri="{FF2B5EF4-FFF2-40B4-BE49-F238E27FC236}">
-                  <a16:creationId xmlns="" xmlns:a16="http://schemas.microsoft.com/office/drawing/2014/main" id="{112FAF63-149F-4078-92F8-E980CF799812}"/>
+                  <a16:creationId xmlns:a16="http://schemas.microsoft.com/office/drawing/2014/main" xmlns="" id="{112FAF63-149F-4078-92F8-E980CF799812}"/>
                 </a:ext>
               </a:extLst>
             </p:cNvPr>
@@ -8213,7 +8270,7 @@
             <p:cNvPr id="11" name="Freeform 554">
               <a:extLst>
                 <a:ext uri="{FF2B5EF4-FFF2-40B4-BE49-F238E27FC236}">
-                  <a16:creationId xmlns="" xmlns:a16="http://schemas.microsoft.com/office/drawing/2014/main" id="{3A764CCA-B3FA-43EA-B2A1-38E0C402312F}"/>
+                  <a16:creationId xmlns:a16="http://schemas.microsoft.com/office/drawing/2014/main" xmlns="" id="{3A764CCA-B3FA-43EA-B2A1-38E0C402312F}"/>
                 </a:ext>
               </a:extLst>
             </p:cNvPr>
@@ -8598,7 +8655,7 @@
             <p:cNvPr id="12" name="Freeform 555">
               <a:extLst>
                 <a:ext uri="{FF2B5EF4-FFF2-40B4-BE49-F238E27FC236}">
-                  <a16:creationId xmlns="" xmlns:a16="http://schemas.microsoft.com/office/drawing/2014/main" id="{50B0CAB1-1A8A-4809-B0FA-4DD1006EC5D4}"/>
+                  <a16:creationId xmlns:a16="http://schemas.microsoft.com/office/drawing/2014/main" xmlns="" id="{50B0CAB1-1A8A-4809-B0FA-4DD1006EC5D4}"/>
                 </a:ext>
               </a:extLst>
             </p:cNvPr>
@@ -8812,7 +8869,7 @@
             <p:cNvPr id="13" name="Freeform 557">
               <a:extLst>
                 <a:ext uri="{FF2B5EF4-FFF2-40B4-BE49-F238E27FC236}">
-                  <a16:creationId xmlns="" xmlns:a16="http://schemas.microsoft.com/office/drawing/2014/main" id="{7B4680AF-0DA9-4C5B-AB71-A42778FC1863}"/>
+                  <a16:creationId xmlns:a16="http://schemas.microsoft.com/office/drawing/2014/main" xmlns="" id="{7B4680AF-0DA9-4C5B-AB71-A42778FC1863}"/>
                 </a:ext>
               </a:extLst>
             </p:cNvPr>
@@ -9197,7 +9254,7 @@
             <p:cNvPr id="14" name="Freeform 558">
               <a:extLst>
                 <a:ext uri="{FF2B5EF4-FFF2-40B4-BE49-F238E27FC236}">
-                  <a16:creationId xmlns="" xmlns:a16="http://schemas.microsoft.com/office/drawing/2014/main" id="{6974A587-E447-4EC3-9B72-2BFC27A286A2}"/>
+                  <a16:creationId xmlns:a16="http://schemas.microsoft.com/office/drawing/2014/main" xmlns="" id="{6974A587-E447-4EC3-9B72-2BFC27A286A2}"/>
                 </a:ext>
               </a:extLst>
             </p:cNvPr>
@@ -9411,7 +9468,7 @@
             <p:cNvPr id="15" name="Freeform 560">
               <a:extLst>
                 <a:ext uri="{FF2B5EF4-FFF2-40B4-BE49-F238E27FC236}">
-                  <a16:creationId xmlns="" xmlns:a16="http://schemas.microsoft.com/office/drawing/2014/main" id="{A696F24D-3A6B-4107-B6F2-9A3F2F0D138B}"/>
+                  <a16:creationId xmlns:a16="http://schemas.microsoft.com/office/drawing/2014/main" xmlns="" id="{A696F24D-3A6B-4107-B6F2-9A3F2F0D138B}"/>
                 </a:ext>
               </a:extLst>
             </p:cNvPr>
@@ -9987,7 +10044,7 @@
           <p:cNvPr id="20" name="Picture 2" descr="Immagine correlata">
             <a:extLst>
               <a:ext uri="{FF2B5EF4-FFF2-40B4-BE49-F238E27FC236}">
-                <a16:creationId xmlns="" xmlns:a16="http://schemas.microsoft.com/office/drawing/2014/main" id="{4DEEC977-158D-4FF8-A634-FED5C0A1F149}"/>
+                <a16:creationId xmlns:a16="http://schemas.microsoft.com/office/drawing/2014/main" xmlns="" id="{4DEEC977-158D-4FF8-A634-FED5C0A1F149}"/>
               </a:ext>
             </a:extLst>
           </p:cNvPr>
@@ -10671,7 +10728,7 @@
           <p:cNvPr id="5" name="Title 3">
             <a:extLst>
               <a:ext uri="{FF2B5EF4-FFF2-40B4-BE49-F238E27FC236}">
-                <a16:creationId xmlns="" xmlns:a16="http://schemas.microsoft.com/office/drawing/2014/main" id="{AC6A7350-ED1C-43B0-B2CF-A496AF50ADAB}"/>
+                <a16:creationId xmlns:a16="http://schemas.microsoft.com/office/drawing/2014/main" xmlns="" id="{AC6A7350-ED1C-43B0-B2CF-A496AF50ADAB}"/>
               </a:ext>
             </a:extLst>
           </p:cNvPr>
@@ -10756,7 +10813,7 @@
           <p:cNvPr id="6" name="Rettangolo 5">
             <a:extLst>
               <a:ext uri="{FF2B5EF4-FFF2-40B4-BE49-F238E27FC236}">
-                <a16:creationId xmlns="" xmlns:a16="http://schemas.microsoft.com/office/drawing/2014/main" id="{E9D808D5-ED83-4266-B4A6-F11548B6FDF4}"/>
+                <a16:creationId xmlns:a16="http://schemas.microsoft.com/office/drawing/2014/main" xmlns="" id="{E9D808D5-ED83-4266-B4A6-F11548B6FDF4}"/>
               </a:ext>
             </a:extLst>
           </p:cNvPr>
@@ -11270,7 +11327,7 @@
           <p:cNvPr id="5" name="Title 3">
             <a:extLst>
               <a:ext uri="{FF2B5EF4-FFF2-40B4-BE49-F238E27FC236}">
-                <a16:creationId xmlns="" xmlns:a16="http://schemas.microsoft.com/office/drawing/2014/main" id="{3A78A980-0D2B-467E-B644-5D2D7E2C7C76}"/>
+                <a16:creationId xmlns:a16="http://schemas.microsoft.com/office/drawing/2014/main" xmlns="" id="{3A78A980-0D2B-467E-B644-5D2D7E2C7C76}"/>
               </a:ext>
             </a:extLst>
           </p:cNvPr>
@@ -11355,7 +11412,7 @@
           <p:cNvPr id="6" name="Rettangolo 5">
             <a:extLst>
               <a:ext uri="{FF2B5EF4-FFF2-40B4-BE49-F238E27FC236}">
-                <a16:creationId xmlns="" xmlns:a16="http://schemas.microsoft.com/office/drawing/2014/main" id="{13544446-166C-4D47-9BAD-7D0BB734E8FC}"/>
+                <a16:creationId xmlns:a16="http://schemas.microsoft.com/office/drawing/2014/main" xmlns="" id="{13544446-166C-4D47-9BAD-7D0BB734E8FC}"/>
               </a:ext>
             </a:extLst>
           </p:cNvPr>
@@ -11553,14 +11610,7 @@
                 <a:latin typeface="Calibri" panose="020F0502020204030204" pitchFamily="34" charset="0"/>
                 <a:cs typeface="Calibri" panose="020F0502020204030204" pitchFamily="34" charset="0"/>
               </a:rPr>
-              <a:t>g</a:t>
-            </a:r>
-            <a:r>
-              <a:rPr lang="it-IT" dirty="0" smtClean="0">
-                <a:latin typeface="Calibri" panose="020F0502020204030204" pitchFamily="34" charset="0"/>
-                <a:cs typeface="Calibri" panose="020F0502020204030204" pitchFamily="34" charset="0"/>
-              </a:rPr>
-              <a:t>estisce </a:t>
+              <a:t>gestisce </a:t>
             </a:r>
             <a:r>
               <a:rPr lang="it-IT" dirty="0">
@@ -11588,14 +11638,7 @@
                 <a:latin typeface="Calibri" panose="020F0502020204030204" pitchFamily="34" charset="0"/>
                 <a:cs typeface="Calibri" panose="020F0502020204030204" pitchFamily="34" charset="0"/>
               </a:rPr>
-              <a:t>    </a:t>
-            </a:r>
-            <a:r>
-              <a:rPr lang="it-IT" dirty="0" smtClean="0">
-                <a:latin typeface="Calibri" panose="020F0502020204030204" pitchFamily="34" charset="0"/>
-                <a:cs typeface="Calibri" panose="020F0502020204030204" pitchFamily="34" charset="0"/>
-              </a:rPr>
-              <a:t>il server </a:t>
+              <a:t>    il server </a:t>
             </a:r>
             <a:r>
               <a:rPr lang="it-IT" dirty="0">
@@ -11818,7 +11861,7 @@
           <p:cNvPr id="7" name="Freccia a destra 6">
             <a:extLst>
               <a:ext uri="{FF2B5EF4-FFF2-40B4-BE49-F238E27FC236}">
-                <a16:creationId xmlns="" xmlns:a16="http://schemas.microsoft.com/office/drawing/2014/main" id="{CD2A3987-F483-4038-AA85-8FB867750F2A}"/>
+                <a16:creationId xmlns:a16="http://schemas.microsoft.com/office/drawing/2014/main" xmlns="" id="{CD2A3987-F483-4038-AA85-8FB867750F2A}"/>
               </a:ext>
             </a:extLst>
           </p:cNvPr>
@@ -11902,7 +11945,7 @@
           <p:cNvPr id="5" name="Title 3">
             <a:extLst>
               <a:ext uri="{FF2B5EF4-FFF2-40B4-BE49-F238E27FC236}">
-                <a16:creationId xmlns="" xmlns:a16="http://schemas.microsoft.com/office/drawing/2014/main" id="{FA269D4B-3754-4570-94B4-840809F1DD9D}"/>
+                <a16:creationId xmlns:a16="http://schemas.microsoft.com/office/drawing/2014/main" xmlns="" id="{FA269D4B-3754-4570-94B4-840809F1DD9D}"/>
               </a:ext>
             </a:extLst>
           </p:cNvPr>
@@ -11987,7 +12030,7 @@
           <p:cNvPr id="6" name="Rettangolo 5">
             <a:extLst>
               <a:ext uri="{FF2B5EF4-FFF2-40B4-BE49-F238E27FC236}">
-                <a16:creationId xmlns="" xmlns:a16="http://schemas.microsoft.com/office/drawing/2014/main" id="{E905DEB8-2BFA-41BE-9967-84ECE44648DF}"/>
+                <a16:creationId xmlns:a16="http://schemas.microsoft.com/office/drawing/2014/main" xmlns="" id="{E905DEB8-2BFA-41BE-9967-84ECE44648DF}"/>
               </a:ext>
             </a:extLst>
           </p:cNvPr>
@@ -12056,14 +12099,7 @@
                 <a:latin typeface="Calibri" panose="020F0502020204030204" pitchFamily="34" charset="0"/>
                 <a:cs typeface="Calibri" panose="020F0502020204030204" pitchFamily="34" charset="0"/>
               </a:rPr>
-              <a:t>per</a:t>
-            </a:r>
-            <a:r>
-              <a:rPr lang="it-IT" dirty="0" smtClean="0">
-                <a:latin typeface="Calibri" panose="020F0502020204030204" pitchFamily="34" charset="0"/>
-                <a:cs typeface="Calibri" panose="020F0502020204030204" pitchFamily="34" charset="0"/>
-              </a:rPr>
-              <a:t> recuperare </a:t>
+              <a:t>per recuperare </a:t>
             </a:r>
             <a:r>
               <a:rPr lang="it-IT" i="1" dirty="0" err="1" smtClean="0">
@@ -12104,14 +12140,7 @@
                 <a:latin typeface="Calibri" panose="020F0502020204030204" pitchFamily="34" charset="0"/>
                 <a:cs typeface="Calibri" panose="020F0502020204030204" pitchFamily="34" charset="0"/>
               </a:rPr>
-              <a:t>     </a:t>
-            </a:r>
-            <a:r>
-              <a:rPr lang="it-IT" dirty="0" smtClean="0">
-                <a:latin typeface="Calibri" panose="020F0502020204030204" pitchFamily="34" charset="0"/>
-                <a:cs typeface="Calibri" panose="020F0502020204030204" pitchFamily="34" charset="0"/>
-              </a:rPr>
-              <a:t>una settimana, altrimenti è impossibile ottenere </a:t>
+              <a:t>     una settimana, altrimenti è impossibile ottenere </a:t>
             </a:r>
             <a:r>
               <a:rPr lang="it-IT" b="1" i="1" dirty="0" err="1" smtClean="0">
@@ -12197,14 +12226,7 @@
                 <a:latin typeface="Calibri" panose="020F0502020204030204" pitchFamily="34" charset="0"/>
                 <a:cs typeface="Calibri" panose="020F0502020204030204" pitchFamily="34" charset="0"/>
               </a:rPr>
-              <a:t>mitare</a:t>
-            </a:r>
-            <a:r>
-              <a:rPr lang="it-IT" dirty="0" smtClean="0">
-                <a:latin typeface="Calibri" panose="020F0502020204030204" pitchFamily="34" charset="0"/>
-                <a:cs typeface="Calibri" panose="020F0502020204030204" pitchFamily="34" charset="0"/>
-              </a:rPr>
-              <a:t> </a:t>
+              <a:t>mitare </a:t>
             </a:r>
             <a:r>
               <a:rPr lang="it-IT" dirty="0">
@@ -12317,15 +12339,7 @@
                 <a:cs typeface="Calibri" panose="020F0502020204030204" pitchFamily="34" charset="0"/>
                 <a:sym typeface="Wingdings" panose="05000000000000000000" pitchFamily="2" charset="2"/>
               </a:rPr>
-              <a:t>si ottengono</a:t>
-            </a:r>
-            <a:r>
-              <a:rPr lang="it-IT" dirty="0" smtClean="0">
-                <a:latin typeface="Calibri" panose="020F0502020204030204" pitchFamily="34" charset="0"/>
-                <a:cs typeface="Calibri" panose="020F0502020204030204" pitchFamily="34" charset="0"/>
-                <a:sym typeface="Wingdings" panose="05000000000000000000" pitchFamily="2" charset="2"/>
-              </a:rPr>
-              <a:t> </a:t>
+              <a:t>si ottengono </a:t>
             </a:r>
             <a:r>
               <a:rPr lang="it-IT" dirty="0" err="1">
@@ -12419,15 +12433,7 @@
                 <a:cs typeface="Calibri" panose="020F0502020204030204" pitchFamily="34" charset="0"/>
                 <a:sym typeface="Wingdings" panose="05000000000000000000" pitchFamily="2" charset="2"/>
               </a:rPr>
-              <a:t>Si r</a:t>
-            </a:r>
-            <a:r>
-              <a:rPr lang="it-IT" dirty="0" smtClean="0">
-                <a:latin typeface="Calibri" panose="020F0502020204030204" pitchFamily="34" charset="0"/>
-                <a:cs typeface="Calibri" panose="020F0502020204030204" pitchFamily="34" charset="0"/>
-                <a:sym typeface="Wingdings" panose="05000000000000000000" pitchFamily="2" charset="2"/>
-              </a:rPr>
-              <a:t>iesce </a:t>
+              <a:t>Si riesce </a:t>
             </a:r>
             <a:r>
               <a:rPr lang="it-IT" dirty="0">
@@ -12528,7 +12534,7 @@
           <p:cNvPr id="5" name="Title 3">
             <a:extLst>
               <a:ext uri="{FF2B5EF4-FFF2-40B4-BE49-F238E27FC236}">
-                <a16:creationId xmlns="" xmlns:a16="http://schemas.microsoft.com/office/drawing/2014/main" id="{D5B2E943-4D76-47C0-AFF3-70EEC7B728A0}"/>
+                <a16:creationId xmlns:a16="http://schemas.microsoft.com/office/drawing/2014/main" xmlns="" id="{D5B2E943-4D76-47C0-AFF3-70EEC7B728A0}"/>
               </a:ext>
             </a:extLst>
           </p:cNvPr>
@@ -12613,7 +12619,7 @@
           <p:cNvPr id="6" name="Rettangolo 5">
             <a:extLst>
               <a:ext uri="{FF2B5EF4-FFF2-40B4-BE49-F238E27FC236}">
-                <a16:creationId xmlns="" xmlns:a16="http://schemas.microsoft.com/office/drawing/2014/main" id="{E8861B7B-8A8E-4E0F-AC25-74535E87BCCE}"/>
+                <a16:creationId xmlns:a16="http://schemas.microsoft.com/office/drawing/2014/main" xmlns="" id="{E8861B7B-8A8E-4E0F-AC25-74535E87BCCE}"/>
               </a:ext>
             </a:extLst>
           </p:cNvPr>
@@ -12972,7 +12978,7 @@
           <p:cNvPr id="8" name="Connettore 2 7">
             <a:extLst>
               <a:ext uri="{FF2B5EF4-FFF2-40B4-BE49-F238E27FC236}">
-                <a16:creationId xmlns="" xmlns:a16="http://schemas.microsoft.com/office/drawing/2014/main" id="{10DFEC75-8F1A-438D-A7A3-11E66A8AAFF2}"/>
+                <a16:creationId xmlns:a16="http://schemas.microsoft.com/office/drawing/2014/main" xmlns="" id="{10DFEC75-8F1A-438D-A7A3-11E66A8AAFF2}"/>
               </a:ext>
             </a:extLst>
           </p:cNvPr>
@@ -13011,7 +13017,7 @@
           <p:cNvPr id="9" name="Connettore 2 8">
             <a:extLst>
               <a:ext uri="{FF2B5EF4-FFF2-40B4-BE49-F238E27FC236}">
-                <a16:creationId xmlns="" xmlns:a16="http://schemas.microsoft.com/office/drawing/2014/main" id="{5B792FA7-2F70-4FAF-B16E-10DA5390FCCA}"/>
+                <a16:creationId xmlns:a16="http://schemas.microsoft.com/office/drawing/2014/main" xmlns="" id="{5B792FA7-2F70-4FAF-B16E-10DA5390FCCA}"/>
               </a:ext>
             </a:extLst>
           </p:cNvPr>
@@ -13050,7 +13056,7 @@
           <p:cNvPr id="10" name="Connettore 2 9">
             <a:extLst>
               <a:ext uri="{FF2B5EF4-FFF2-40B4-BE49-F238E27FC236}">
-                <a16:creationId xmlns="" xmlns:a16="http://schemas.microsoft.com/office/drawing/2014/main" id="{BD722D80-B984-47BA-BCEA-1550BF590A27}"/>
+                <a16:creationId xmlns:a16="http://schemas.microsoft.com/office/drawing/2014/main" xmlns="" id="{BD722D80-B984-47BA-BCEA-1550BF590A27}"/>
               </a:ext>
             </a:extLst>
           </p:cNvPr>
@@ -13084,201 +13090,6 @@
           </a:fontRef>
         </p:style>
       </p:cxnSp>
-      <p:sp>
-        <p:nvSpPr>
-          <p:cNvPr id="11" name="Parentesi graffa aperta 10">
-            <a:extLst>
-              <a:ext uri="{FF2B5EF4-FFF2-40B4-BE49-F238E27FC236}">
-                <a16:creationId xmlns="" xmlns:a16="http://schemas.microsoft.com/office/drawing/2014/main" id="{4ED9291E-6287-4A3B-82B7-D09C06EE3A91}"/>
-              </a:ext>
-            </a:extLst>
-          </p:cNvPr>
-          <p:cNvSpPr/>
-          <p:nvPr/>
-        </p:nvSpPr>
-        <p:spPr>
-          <a:xfrm>
-            <a:off x="1619672" y="3140968"/>
-            <a:ext cx="504053" cy="1008112"/>
-          </a:xfrm>
-          <a:prstGeom prst="leftBrace">
-            <a:avLst/>
-          </a:prstGeom>
-        </p:spPr>
-        <p:style>
-          <a:lnRef idx="2">
-            <a:schemeClr val="accent1"/>
-          </a:lnRef>
-          <a:fillRef idx="0">
-            <a:schemeClr val="accent1"/>
-          </a:fillRef>
-          <a:effectRef idx="1">
-            <a:schemeClr val="accent1"/>
-          </a:effectRef>
-          <a:fontRef idx="minor">
-            <a:schemeClr val="tx1"/>
-          </a:fontRef>
-        </p:style>
-        <p:txBody>
-          <a:bodyPr rtlCol="0" anchor="ctr"/>
-          <a:lstStyle/>
-          <a:p>
-            <a:pPr algn="ctr"/>
-            <a:endParaRPr lang="it-IT"/>
-          </a:p>
-        </p:txBody>
-      </p:sp>
-      <p:sp>
-        <p:nvSpPr>
-          <p:cNvPr id="12" name="Parentesi graffa aperta 11">
-            <a:extLst>
-              <a:ext uri="{FF2B5EF4-FFF2-40B4-BE49-F238E27FC236}">
-                <a16:creationId xmlns="" xmlns:a16="http://schemas.microsoft.com/office/drawing/2014/main" id="{9A10EE08-33EC-4F79-BE5F-8C8EC7C3BC50}"/>
-              </a:ext>
-            </a:extLst>
-          </p:cNvPr>
-          <p:cNvSpPr/>
-          <p:nvPr/>
-        </p:nvSpPr>
-        <p:spPr>
-          <a:xfrm>
-            <a:off x="1907721" y="4365104"/>
-            <a:ext cx="288015" cy="864096"/>
-          </a:xfrm>
-          <a:prstGeom prst="leftBrace">
-            <a:avLst/>
-          </a:prstGeom>
-        </p:spPr>
-        <p:style>
-          <a:lnRef idx="2">
-            <a:schemeClr val="accent1"/>
-          </a:lnRef>
-          <a:fillRef idx="0">
-            <a:schemeClr val="accent1"/>
-          </a:fillRef>
-          <a:effectRef idx="1">
-            <a:schemeClr val="accent1"/>
-          </a:effectRef>
-          <a:fontRef idx="minor">
-            <a:schemeClr val="tx1"/>
-          </a:fontRef>
-        </p:style>
-        <p:txBody>
-          <a:bodyPr rtlCol="0" anchor="ctr"/>
-          <a:lstStyle/>
-          <a:p>
-            <a:pPr algn="ctr"/>
-            <a:endParaRPr lang="it-IT"/>
-          </a:p>
-        </p:txBody>
-      </p:sp>
-      <p:sp>
-        <p:nvSpPr>
-          <p:cNvPr id="13" name="CasellaDiTesto 12">
-            <a:extLst>
-              <a:ext uri="{FF2B5EF4-FFF2-40B4-BE49-F238E27FC236}">
-                <a16:creationId xmlns="" xmlns:a16="http://schemas.microsoft.com/office/drawing/2014/main" id="{3F838B8A-4711-4B54-9062-A9BE7F635107}"/>
-              </a:ext>
-            </a:extLst>
-          </p:cNvPr>
-          <p:cNvSpPr txBox="1"/>
-          <p:nvPr/>
-        </p:nvSpPr>
-        <p:spPr>
-          <a:xfrm>
-            <a:off x="230381" y="3429000"/>
-            <a:ext cx="1389291" cy="338554"/>
-          </a:xfrm>
-          <a:prstGeom prst="rect">
-            <a:avLst/>
-          </a:prstGeom>
-          <a:noFill/>
-        </p:spPr>
-        <p:txBody>
-          <a:bodyPr wrap="none" rtlCol="0">
-            <a:spAutoFit/>
-          </a:bodyPr>
-          <a:lstStyle/>
-          <a:p>
-            <a:r>
-              <a:rPr lang="it-IT" sz="1600" b="1" i="1" dirty="0" err="1">
-                <a:latin typeface="Calibri" panose="020F0502020204030204" pitchFamily="34" charset="0"/>
-                <a:cs typeface="Calibri" panose="020F0502020204030204" pitchFamily="34" charset="0"/>
-              </a:rPr>
-              <a:t>GetOldTweets</a:t>
-            </a:r>
-            <a:endParaRPr lang="it-IT" sz="1600" b="1" i="1" dirty="0">
-              <a:latin typeface="Calibri" panose="020F0502020204030204" pitchFamily="34" charset="0"/>
-              <a:cs typeface="Calibri" panose="020F0502020204030204" pitchFamily="34" charset="0"/>
-            </a:endParaRPr>
-          </a:p>
-        </p:txBody>
-      </p:sp>
-      <p:sp>
-        <p:nvSpPr>
-          <p:cNvPr id="14" name="CasellaDiTesto 13">
-            <a:extLst>
-              <a:ext uri="{FF2B5EF4-FFF2-40B4-BE49-F238E27FC236}">
-                <a16:creationId xmlns="" xmlns:a16="http://schemas.microsoft.com/office/drawing/2014/main" id="{6075593A-FB72-4CCB-8CFA-16377A06B598}"/>
-              </a:ext>
-            </a:extLst>
-          </p:cNvPr>
-          <p:cNvSpPr txBox="1"/>
-          <p:nvPr/>
-        </p:nvSpPr>
-        <p:spPr>
-          <a:xfrm>
-            <a:off x="689614" y="4509120"/>
-            <a:ext cx="1218090" cy="584775"/>
-          </a:xfrm>
-          <a:prstGeom prst="rect">
-            <a:avLst/>
-          </a:prstGeom>
-          <a:noFill/>
-        </p:spPr>
-        <p:txBody>
-          <a:bodyPr wrap="none" rtlCol="0">
-            <a:spAutoFit/>
-          </a:bodyPr>
-          <a:lstStyle/>
-          <a:p>
-            <a:r>
-              <a:rPr lang="it-IT" sz="1600" b="1" i="1" dirty="0">
-                <a:latin typeface="Calibri" panose="020F0502020204030204" pitchFamily="34" charset="0"/>
-                <a:cs typeface="Calibri" panose="020F0502020204030204" pitchFamily="34" charset="0"/>
-              </a:rPr>
-              <a:t>API </a:t>
-            </a:r>
-            <a:r>
-              <a:rPr lang="it-IT" sz="1600" b="1" i="1" dirty="0" err="1" smtClean="0">
-                <a:latin typeface="Calibri" panose="020F0502020204030204" pitchFamily="34" charset="0"/>
-                <a:cs typeface="Calibri" panose="020F0502020204030204" pitchFamily="34" charset="0"/>
-              </a:rPr>
-              <a:t>Twitter</a:t>
-            </a:r>
-            <a:r>
-              <a:rPr lang="it-IT" sz="1600" b="1" i="1" dirty="0" smtClean="0">
-                <a:latin typeface="Calibri" panose="020F0502020204030204" pitchFamily="34" charset="0"/>
-                <a:cs typeface="Calibri" panose="020F0502020204030204" pitchFamily="34" charset="0"/>
-              </a:rPr>
-              <a:t>/</a:t>
-            </a:r>
-          </a:p>
-          <a:p>
-            <a:r>
-              <a:rPr lang="it-IT" sz="1600" b="1" i="1" dirty="0" err="1" smtClean="0">
-                <a:latin typeface="Calibri" panose="020F0502020204030204" pitchFamily="34" charset="0"/>
-                <a:cs typeface="Calibri" panose="020F0502020204030204" pitchFamily="34" charset="0"/>
-              </a:rPr>
-              <a:t>Tweepy</a:t>
-            </a:r>
-            <a:endParaRPr lang="it-IT" sz="1600" b="1" i="1" dirty="0">
-              <a:latin typeface="Calibri" panose="020F0502020204030204" pitchFamily="34" charset="0"/>
-              <a:cs typeface="Calibri" panose="020F0502020204030204" pitchFamily="34" charset="0"/>
-            </a:endParaRPr>
-          </a:p>
-        </p:txBody>
-      </p:sp>
     </p:spTree>
     <p:extLst>
       <p:ext uri="{BB962C8B-B14F-4D97-AF65-F5344CB8AC3E}">
@@ -13321,7 +13132,7 @@
           <p:cNvPr id="5" name="Title 3">
             <a:extLst>
               <a:ext uri="{FF2B5EF4-FFF2-40B4-BE49-F238E27FC236}">
-                <a16:creationId xmlns="" xmlns:a16="http://schemas.microsoft.com/office/drawing/2014/main" id="{D5B2E943-4D76-47C0-AFF3-70EEC7B728A0}"/>
+                <a16:creationId xmlns:a16="http://schemas.microsoft.com/office/drawing/2014/main" xmlns="" id="{D5B2E943-4D76-47C0-AFF3-70EEC7B728A0}"/>
               </a:ext>
             </a:extLst>
           </p:cNvPr>
@@ -26838,7 +26649,7 @@
           <p:cNvPr id="8" name="Title 3">
             <a:extLst>
               <a:ext uri="{FF2B5EF4-FFF2-40B4-BE49-F238E27FC236}">
-                <a16:creationId xmlns="" xmlns:a16="http://schemas.microsoft.com/office/drawing/2014/main" id="{D5B2E943-4D76-47C0-AFF3-70EEC7B728A0}"/>
+                <a16:creationId xmlns:a16="http://schemas.microsoft.com/office/drawing/2014/main" xmlns="" id="{D5B2E943-4D76-47C0-AFF3-70EEC7B728A0}"/>
               </a:ext>
             </a:extLst>
           </p:cNvPr>
@@ -28393,7 +28204,7 @@
           <p:cNvPr id="5" name="Title 3">
             <a:extLst>
               <a:ext uri="{FF2B5EF4-FFF2-40B4-BE49-F238E27FC236}">
-                <a16:creationId xmlns="" xmlns:a16="http://schemas.microsoft.com/office/drawing/2014/main" id="{D5B2E943-4D76-47C0-AFF3-70EEC7B728A0}"/>
+                <a16:creationId xmlns:a16="http://schemas.microsoft.com/office/drawing/2014/main" xmlns="" id="{D5B2E943-4D76-47C0-AFF3-70EEC7B728A0}"/>
               </a:ext>
             </a:extLst>
           </p:cNvPr>
@@ -28509,7 +28320,7 @@
               <p:cNvPr id="3" name="Rettangolo 2">
                 <a:extLst>
                   <a:ext uri="{FF2B5EF4-FFF2-40B4-BE49-F238E27FC236}">
-                    <a16:creationId xmlns="" xmlns:a16="http://schemas.microsoft.com/office/drawing/2014/main" id="{E905DEB8-2BFA-41BE-9967-84ECE44648DF}"/>
+                    <a16:creationId xmlns:a16="http://schemas.microsoft.com/office/drawing/2014/main" xmlns="" id="{E905DEB8-2BFA-41BE-9967-84ECE44648DF}"/>
                   </a:ext>
                 </a:extLst>
               </p:cNvPr>
@@ -29262,7 +29073,7 @@
           <p:cNvPr id="5" name="Title 3">
             <a:extLst>
               <a:ext uri="{FF2B5EF4-FFF2-40B4-BE49-F238E27FC236}">
-                <a16:creationId xmlns="" xmlns:a16="http://schemas.microsoft.com/office/drawing/2014/main" id="{D5B2E943-4D76-47C0-AFF3-70EEC7B728A0}"/>
+                <a16:creationId xmlns:a16="http://schemas.microsoft.com/office/drawing/2014/main" xmlns="" id="{D5B2E943-4D76-47C0-AFF3-70EEC7B728A0}"/>
               </a:ext>
             </a:extLst>
           </p:cNvPr>
@@ -29376,7 +29187,7 @@
           <p:cNvPr id="6" name="Rettangolo 5">
             <a:extLst>
               <a:ext uri="{FF2B5EF4-FFF2-40B4-BE49-F238E27FC236}">
-                <a16:creationId xmlns="" xmlns:a16="http://schemas.microsoft.com/office/drawing/2014/main" id="{E8861B7B-8A8E-4E0F-AC25-74535E87BCCE}"/>
+                <a16:creationId xmlns:a16="http://schemas.microsoft.com/office/drawing/2014/main" xmlns="" id="{E8861B7B-8A8E-4E0F-AC25-74535E87BCCE}"/>
               </a:ext>
             </a:extLst>
           </p:cNvPr>
@@ -30403,7 +30214,7 @@
           <p:cNvPr id="5" name="Title 3">
             <a:extLst>
               <a:ext uri="{FF2B5EF4-FFF2-40B4-BE49-F238E27FC236}">
-                <a16:creationId xmlns="" xmlns:a16="http://schemas.microsoft.com/office/drawing/2014/main" id="{D5B2E943-4D76-47C0-AFF3-70EEC7B728A0}"/>
+                <a16:creationId xmlns:a16="http://schemas.microsoft.com/office/drawing/2014/main" xmlns="" id="{D5B2E943-4D76-47C0-AFF3-70EEC7B728A0}"/>
               </a:ext>
             </a:extLst>
           </p:cNvPr>
@@ -30698,7 +30509,7 @@
           <p:cNvPr id="5" name="Title 3">
             <a:extLst>
               <a:ext uri="{FF2B5EF4-FFF2-40B4-BE49-F238E27FC236}">
-                <a16:creationId xmlns="" xmlns:a16="http://schemas.microsoft.com/office/drawing/2014/main" id="{D5B2E943-4D76-47C0-AFF3-70EEC7B728A0}"/>
+                <a16:creationId xmlns:a16="http://schemas.microsoft.com/office/drawing/2014/main" xmlns="" id="{D5B2E943-4D76-47C0-AFF3-70EEC7B728A0}"/>
               </a:ext>
             </a:extLst>
           </p:cNvPr>
@@ -31286,7 +31097,7 @@
           <p:cNvPr id="5" name="Title 3">
             <a:extLst>
               <a:ext uri="{FF2B5EF4-FFF2-40B4-BE49-F238E27FC236}">
-                <a16:creationId xmlns="" xmlns:a16="http://schemas.microsoft.com/office/drawing/2014/main" id="{D5B2E943-4D76-47C0-AFF3-70EEC7B728A0}"/>
+                <a16:creationId xmlns:a16="http://schemas.microsoft.com/office/drawing/2014/main" xmlns="" id="{D5B2E943-4D76-47C0-AFF3-70EEC7B728A0}"/>
               </a:ext>
             </a:extLst>
           </p:cNvPr>
@@ -32111,7 +31922,7 @@
           <p:cNvPr id="5" name="Title 3">
             <a:extLst>
               <a:ext uri="{FF2B5EF4-FFF2-40B4-BE49-F238E27FC236}">
-                <a16:creationId xmlns="" xmlns:a16="http://schemas.microsoft.com/office/drawing/2014/main" id="{D5B2E943-4D76-47C0-AFF3-70EEC7B728A0}"/>
+                <a16:creationId xmlns:a16="http://schemas.microsoft.com/office/drawing/2014/main" xmlns="" id="{D5B2E943-4D76-47C0-AFF3-70EEC7B728A0}"/>
               </a:ext>
             </a:extLst>
           </p:cNvPr>
@@ -32210,8 +32021,8 @@
           </a:p>
         </p:txBody>
       </p:sp>
-      <mc:AlternateContent xmlns:mc="http://schemas.openxmlformats.org/markup-compatibility/2006" xmlns:a14="http://schemas.microsoft.com/office/drawing/2010/main">
-        <mc:Choice Requires="a14">
+      <mc:AlternateContent xmlns:mc="http://schemas.openxmlformats.org/markup-compatibility/2006">
+        <mc:Choice xmlns:a14="http://schemas.microsoft.com/office/drawing/2010/main" Requires="a14">
           <p:sp>
             <p:nvSpPr>
               <p:cNvPr id="7" name="CasellaDiTesto 6"/>
@@ -33345,7 +33156,7 @@
               </a:p>
               <a:p>
                 <a:r>
-                  <a:rPr lang="it-IT" b="1" u="sng" dirty="0" smtClean="0">
+                  <a:rPr lang="it-IT" b="1" dirty="0" smtClean="0">
                     <a:latin typeface="Calibri" pitchFamily="34" charset="0"/>
                     <a:cs typeface="Calibri" pitchFamily="34" charset="0"/>
                   </a:rPr>
@@ -33380,7 +33191,7 @@
             </p:txBody>
           </p:sp>
         </mc:Choice>
-        <mc:Fallback xmlns="">
+        <mc:Fallback>
           <p:sp>
             <p:nvSpPr>
               <p:cNvPr id="7" name="CasellaDiTesto 6"/>
@@ -33461,7 +33272,7 @@
           <p:cNvPr id="5" name="Title 3">
             <a:extLst>
               <a:ext uri="{FF2B5EF4-FFF2-40B4-BE49-F238E27FC236}">
-                <a16:creationId xmlns="" xmlns:a16="http://schemas.microsoft.com/office/drawing/2014/main" id="{D5B2E943-4D76-47C0-AFF3-70EEC7B728A0}"/>
+                <a16:creationId xmlns:a16="http://schemas.microsoft.com/office/drawing/2014/main" xmlns="" id="{D5B2E943-4D76-47C0-AFF3-70EEC7B728A0}"/>
               </a:ext>
             </a:extLst>
           </p:cNvPr>
@@ -34114,11 +33925,18 @@
           <a:p>
             <a:pPr algn="just"/>
             <a:r>
+              <a:rPr lang="it-IT" dirty="0" smtClean="0">
+                <a:latin typeface="Calibri" pitchFamily="34" charset="0"/>
+                <a:cs typeface="Calibri" pitchFamily="34" charset="0"/>
+              </a:rPr>
+              <a:t>     </a:t>
+            </a:r>
+            <a:r>
               <a:rPr lang="it-IT" u="sng" dirty="0" smtClean="0">
                 <a:latin typeface="Calibri" pitchFamily="34" charset="0"/>
                 <a:cs typeface="Calibri" pitchFamily="34" charset="0"/>
               </a:rPr>
-              <a:t>     alla quale appartiene</a:t>
+              <a:t>alla quale appartiene</a:t>
             </a:r>
             <a:r>
               <a:rPr lang="it-IT" dirty="0" smtClean="0">
@@ -34208,7 +34026,7 @@
           <p:cNvPr id="5" name="Title 3">
             <a:extLst>
               <a:ext uri="{FF2B5EF4-FFF2-40B4-BE49-F238E27FC236}">
-                <a16:creationId xmlns="" xmlns:a16="http://schemas.microsoft.com/office/drawing/2014/main" id="{189ECF77-714F-4D2C-9D4B-CC43534EF427}"/>
+                <a16:creationId xmlns:a16="http://schemas.microsoft.com/office/drawing/2014/main" xmlns="" id="{189ECF77-714F-4D2C-9D4B-CC43534EF427}"/>
               </a:ext>
             </a:extLst>
           </p:cNvPr>
@@ -34891,7 +34709,7 @@
           <p:cNvPr id="5" name="Title 3">
             <a:extLst>
               <a:ext uri="{FF2B5EF4-FFF2-40B4-BE49-F238E27FC236}">
-                <a16:creationId xmlns="" xmlns:a16="http://schemas.microsoft.com/office/drawing/2014/main" id="{189ECF77-714F-4D2C-9D4B-CC43534EF427}"/>
+                <a16:creationId xmlns:a16="http://schemas.microsoft.com/office/drawing/2014/main" xmlns="" id="{189ECF77-714F-4D2C-9D4B-CC43534EF427}"/>
               </a:ext>
             </a:extLst>
           </p:cNvPr>
@@ -35822,21 +35640,35 @@
           <a:p>
             <a:pPr algn="just"/>
             <a:r>
+              <a:rPr lang="it-IT" i="1" dirty="0">
+                <a:latin typeface="Calibri" pitchFamily="34" charset="0"/>
+                <a:cs typeface="Calibri" pitchFamily="34" charset="0"/>
+              </a:rPr>
+              <a:t>     </a:t>
+            </a:r>
+            <a:r>
               <a:rPr lang="it-IT" i="1" u="sng" dirty="0">
                 <a:latin typeface="Calibri" pitchFamily="34" charset="0"/>
                 <a:cs typeface="Calibri" pitchFamily="34" charset="0"/>
               </a:rPr>
-              <a:t>     lo stesso parere e che rafforzano la propria opinione in modo reciproco, </a:t>
+              <a:t>lo stesso parere e che rafforzano la propria opinione in modo reciproco, </a:t>
             </a:r>
           </a:p>
           <a:p>
             <a:pPr algn="just"/>
+            <a:r>
+              <a:rPr lang="it-IT" i="1" dirty="0">
+                <a:latin typeface="Calibri" pitchFamily="34" charset="0"/>
+                <a:cs typeface="Calibri" pitchFamily="34" charset="0"/>
+              </a:rPr>
+              <a:t>     </a:t>
+            </a:r>
             <a:r>
               <a:rPr lang="it-IT" i="1" u="sng" dirty="0">
                 <a:latin typeface="Calibri" pitchFamily="34" charset="0"/>
                 <a:cs typeface="Calibri" pitchFamily="34" charset="0"/>
               </a:rPr>
-              <a:t>     non essendo però esposti a punti di vista diversi dal proprio</a:t>
+              <a:t>non essendo però esposti a punti di vista diversi dal proprio</a:t>
             </a:r>
             <a:r>
               <a:rPr lang="it-IT" dirty="0">
@@ -35900,7 +35732,7 @@
           <p:cNvPr id="5" name="Title 3">
             <a:extLst>
               <a:ext uri="{FF2B5EF4-FFF2-40B4-BE49-F238E27FC236}">
-                <a16:creationId xmlns="" xmlns:a16="http://schemas.microsoft.com/office/drawing/2014/main" id="{189ECF77-714F-4D2C-9D4B-CC43534EF427}"/>
+                <a16:creationId xmlns:a16="http://schemas.microsoft.com/office/drawing/2014/main" xmlns="" id="{189ECF77-714F-4D2C-9D4B-CC43534EF427}"/>
               </a:ext>
             </a:extLst>
           </p:cNvPr>
@@ -36587,7 +36419,7 @@
           <p:cNvPr id="5" name="Title 3">
             <a:extLst>
               <a:ext uri="{FF2B5EF4-FFF2-40B4-BE49-F238E27FC236}">
-                <a16:creationId xmlns="" xmlns:a16="http://schemas.microsoft.com/office/drawing/2014/main" id="{189ECF77-714F-4D2C-9D4B-CC43534EF427}"/>
+                <a16:creationId xmlns:a16="http://schemas.microsoft.com/office/drawing/2014/main" xmlns="" id="{189ECF77-714F-4D2C-9D4B-CC43534EF427}"/>
               </a:ext>
             </a:extLst>
           </p:cNvPr>
@@ -36859,7 +36691,7 @@
           <p:cNvPr id="5" name="Title 3">
             <a:extLst>
               <a:ext uri="{FF2B5EF4-FFF2-40B4-BE49-F238E27FC236}">
-                <a16:creationId xmlns="" xmlns:a16="http://schemas.microsoft.com/office/drawing/2014/main" id="{189ECF77-714F-4D2C-9D4B-CC43534EF427}"/>
+                <a16:creationId xmlns:a16="http://schemas.microsoft.com/office/drawing/2014/main" xmlns="" id="{189ECF77-714F-4D2C-9D4B-CC43534EF427}"/>
               </a:ext>
             </a:extLst>
           </p:cNvPr>
@@ -37141,7 +36973,7 @@
           <p:cNvPr id="5" name="Title 3">
             <a:extLst>
               <a:ext uri="{FF2B5EF4-FFF2-40B4-BE49-F238E27FC236}">
-                <a16:creationId xmlns="" xmlns:a16="http://schemas.microsoft.com/office/drawing/2014/main" id="{189ECF77-714F-4D2C-9D4B-CC43534EF427}"/>
+                <a16:creationId xmlns:a16="http://schemas.microsoft.com/office/drawing/2014/main" xmlns="" id="{189ECF77-714F-4D2C-9D4B-CC43534EF427}"/>
               </a:ext>
             </a:extLst>
           </p:cNvPr>
@@ -37941,7 +37773,7 @@
           <p:cNvPr id="5" name="Title 3">
             <a:extLst>
               <a:ext uri="{FF2B5EF4-FFF2-40B4-BE49-F238E27FC236}">
-                <a16:creationId xmlns="" xmlns:a16="http://schemas.microsoft.com/office/drawing/2014/main" id="{189ECF77-714F-4D2C-9D4B-CC43534EF427}"/>
+                <a16:creationId xmlns:a16="http://schemas.microsoft.com/office/drawing/2014/main" xmlns="" id="{189ECF77-714F-4D2C-9D4B-CC43534EF427}"/>
               </a:ext>
             </a:extLst>
           </p:cNvPr>
@@ -38404,7 +38236,7 @@
           <p:cNvPr id="5" name="Title 3">
             <a:extLst>
               <a:ext uri="{FF2B5EF4-FFF2-40B4-BE49-F238E27FC236}">
-                <a16:creationId xmlns="" xmlns:a16="http://schemas.microsoft.com/office/drawing/2014/main" id="{189ECF77-714F-4D2C-9D4B-CC43534EF427}"/>
+                <a16:creationId xmlns:a16="http://schemas.microsoft.com/office/drawing/2014/main" xmlns="" id="{189ECF77-714F-4D2C-9D4B-CC43534EF427}"/>
               </a:ext>
             </a:extLst>
           </p:cNvPr>
@@ -38474,14 +38306,14 @@
           </a:p>
         </p:txBody>
       </p:sp>
-      <mc:AlternateContent xmlns:mc="http://schemas.openxmlformats.org/markup-compatibility/2006" xmlns:a14="http://schemas.microsoft.com/office/drawing/2010/main">
-        <mc:Choice Requires="a14">
+      <mc:AlternateContent xmlns:mc="http://schemas.openxmlformats.org/markup-compatibility/2006">
+        <mc:Choice xmlns:a14="http://schemas.microsoft.com/office/drawing/2010/main" Requires="a14">
           <p:sp>
             <p:nvSpPr>
               <p:cNvPr id="3" name="Rettangolo 2">
                 <a:extLst>
                   <a:ext uri="{FF2B5EF4-FFF2-40B4-BE49-F238E27FC236}">
-                    <a16:creationId xmlns="" xmlns:a16="http://schemas.microsoft.com/office/drawing/2014/main" id="{E905DEB8-2BFA-41BE-9967-84ECE44648DF}"/>
+                    <a16:creationId xmlns:a16="http://schemas.microsoft.com/office/drawing/2014/main" xmlns="" id="{E905DEB8-2BFA-41BE-9967-84ECE44648DF}"/>
                   </a:ext>
                 </a:extLst>
               </p:cNvPr>
@@ -39035,7 +38867,7 @@
               <a:p>
                 <a:pPr algn="just"/>
                 <a:r>
-                  <a:rPr lang="it-IT" b="1" i="1" u="sng" dirty="0">
+                  <a:rPr lang="it-IT" b="1" i="1" dirty="0">
                     <a:solidFill>
                       <a:srgbClr val="C00000"/>
                     </a:solidFill>
@@ -39046,6 +38878,17 @@
                   <a:t> </a:t>
                 </a:r>
                 <a:r>
+                  <a:rPr lang="it-IT" b="1" i="1" dirty="0" smtClean="0">
+                    <a:solidFill>
+                      <a:srgbClr val="C00000"/>
+                    </a:solidFill>
+                    <a:latin typeface="Calibri" panose="020F0502020204030204" pitchFamily="34" charset="0"/>
+                    <a:cs typeface="Calibri" panose="020F0502020204030204" pitchFamily="34" charset="0"/>
+                    <a:sym typeface="Symbol"/>
+                  </a:rPr>
+                  <a:t>    </a:t>
+                </a:r>
+                <a:r>
                   <a:rPr lang="it-IT" b="1" i="1" u="sng" dirty="0" smtClean="0">
                     <a:solidFill>
                       <a:srgbClr val="C00000"/>
@@ -39054,7 +38897,7 @@
                     <a:cs typeface="Calibri" panose="020F0502020204030204" pitchFamily="34" charset="0"/>
                     <a:sym typeface="Symbol"/>
                   </a:rPr>
-                  <a:t>    di accettazione </a:t>
+                  <a:t>di accettazione </a:t>
                 </a:r>
                 <a:r>
                   <a:rPr lang="it-IT" b="1" i="1" dirty="0" smtClean="0">
@@ -39095,7 +38938,7 @@
             </p:txBody>
           </p:sp>
         </mc:Choice>
-        <mc:Fallback xmlns="">
+        <mc:Fallback>
           <p:sp>
             <p:nvSpPr>
               <p:cNvPr id="3" name="Rettangolo 2">
@@ -39570,7 +39413,7 @@
           <p:cNvPr id="1026" name="Picture 2" descr="Risultati immagini per twitter vector logo">
             <a:extLst>
               <a:ext uri="{FF2B5EF4-FFF2-40B4-BE49-F238E27FC236}">
-                <a16:creationId xmlns="" xmlns:a16="http://schemas.microsoft.com/office/drawing/2014/main" id="{D889CC7C-9C8B-4FC7-BEA6-94A9A901435D}"/>
+                <a16:creationId xmlns:a16="http://schemas.microsoft.com/office/drawing/2014/main" xmlns="" id="{D889CC7C-9C8B-4FC7-BEA6-94A9A901435D}"/>
               </a:ext>
             </a:extLst>
           </p:cNvPr>
@@ -39654,7 +39497,7 @@
           <p:cNvPr id="5" name="Title 3">
             <a:extLst>
               <a:ext uri="{FF2B5EF4-FFF2-40B4-BE49-F238E27FC236}">
-                <a16:creationId xmlns="" xmlns:a16="http://schemas.microsoft.com/office/drawing/2014/main" id="{4B902CC3-75DB-41C6-B4AA-1F2B71CA058B}"/>
+                <a16:creationId xmlns:a16="http://schemas.microsoft.com/office/drawing/2014/main" xmlns="" id="{4B902CC3-75DB-41C6-B4AA-1F2B71CA058B}"/>
               </a:ext>
             </a:extLst>
           </p:cNvPr>
@@ -39709,7 +39552,7 @@
           <p:cNvPr id="6" name="Rettangolo 5">
             <a:extLst>
               <a:ext uri="{FF2B5EF4-FFF2-40B4-BE49-F238E27FC236}">
-                <a16:creationId xmlns="" xmlns:a16="http://schemas.microsoft.com/office/drawing/2014/main" id="{34D4963A-74A1-4455-8FDA-78E85A45FA8B}"/>
+                <a16:creationId xmlns:a16="http://schemas.microsoft.com/office/drawing/2014/main" xmlns="" id="{34D4963A-74A1-4455-8FDA-78E85A45FA8B}"/>
               </a:ext>
             </a:extLst>
           </p:cNvPr>
@@ -39891,7 +39734,7 @@
           <p:cNvPr id="7" name="Immagine 6">
             <a:extLst>
               <a:ext uri="{FF2B5EF4-FFF2-40B4-BE49-F238E27FC236}">
-                <a16:creationId xmlns="" xmlns:a16="http://schemas.microsoft.com/office/drawing/2014/main" id="{AF3703D5-DAD7-460C-ADBE-3A301D9A2FE4}"/>
+                <a16:creationId xmlns:a16="http://schemas.microsoft.com/office/drawing/2014/main" xmlns="" id="{AF3703D5-DAD7-460C-ADBE-3A301D9A2FE4}"/>
               </a:ext>
             </a:extLst>
           </p:cNvPr>
@@ -39927,7 +39770,7 @@
           <p:cNvPr id="8" name="Immagine 7" descr="Immagine che contiene clipart&#10;&#10;Descrizione generata con affidabilità elevata">
             <a:extLst>
               <a:ext uri="{FF2B5EF4-FFF2-40B4-BE49-F238E27FC236}">
-                <a16:creationId xmlns="" xmlns:a16="http://schemas.microsoft.com/office/drawing/2014/main" id="{8B09EFF9-4415-439B-9132-80DBE3EA395C}"/>
+                <a16:creationId xmlns:a16="http://schemas.microsoft.com/office/drawing/2014/main" xmlns="" id="{8B09EFF9-4415-439B-9132-80DBE3EA395C}"/>
               </a:ext>
             </a:extLst>
           </p:cNvPr>
@@ -39963,7 +39806,7 @@
           <p:cNvPr id="9" name="CasellaDiTesto 8">
             <a:extLst>
               <a:ext uri="{FF2B5EF4-FFF2-40B4-BE49-F238E27FC236}">
-                <a16:creationId xmlns="" xmlns:a16="http://schemas.microsoft.com/office/drawing/2014/main" id="{C240CA17-907D-48B7-9B44-F721E8F121F1}"/>
+                <a16:creationId xmlns:a16="http://schemas.microsoft.com/office/drawing/2014/main" xmlns="" id="{C240CA17-907D-48B7-9B44-F721E8F121F1}"/>
               </a:ext>
             </a:extLst>
           </p:cNvPr>
@@ -40004,7 +39847,7 @@
           <p:cNvPr id="10" name="CasellaDiTesto 9">
             <a:extLst>
               <a:ext uri="{FF2B5EF4-FFF2-40B4-BE49-F238E27FC236}">
-                <a16:creationId xmlns="" xmlns:a16="http://schemas.microsoft.com/office/drawing/2014/main" id="{122FF84E-387F-42FF-8447-215229458BC0}"/>
+                <a16:creationId xmlns:a16="http://schemas.microsoft.com/office/drawing/2014/main" xmlns="" id="{122FF84E-387F-42FF-8447-215229458BC0}"/>
               </a:ext>
             </a:extLst>
           </p:cNvPr>
@@ -40045,7 +39888,7 @@
           <p:cNvPr id="14" name="Connettore 2 13">
             <a:extLst>
               <a:ext uri="{FF2B5EF4-FFF2-40B4-BE49-F238E27FC236}">
-                <a16:creationId xmlns="" xmlns:a16="http://schemas.microsoft.com/office/drawing/2014/main" id="{240377C1-CB13-43A4-8F95-EB652CADEE65}"/>
+                <a16:creationId xmlns:a16="http://schemas.microsoft.com/office/drawing/2014/main" xmlns="" id="{240377C1-CB13-43A4-8F95-EB652CADEE65}"/>
               </a:ext>
             </a:extLst>
           </p:cNvPr>
@@ -40100,7 +39943,7 @@
           <p:cNvPr id="15" name="CasellaDiTesto 14">
             <a:extLst>
               <a:ext uri="{FF2B5EF4-FFF2-40B4-BE49-F238E27FC236}">
-                <a16:creationId xmlns="" xmlns:a16="http://schemas.microsoft.com/office/drawing/2014/main" id="{0FA5EFC3-169A-4B11-BF0C-7BD04846D93B}"/>
+                <a16:creationId xmlns:a16="http://schemas.microsoft.com/office/drawing/2014/main" xmlns="" id="{0FA5EFC3-169A-4B11-BF0C-7BD04846D93B}"/>
               </a:ext>
             </a:extLst>
           </p:cNvPr>
@@ -40209,7 +40052,7 @@
           <p:cNvPr id="5" name="Title 3">
             <a:extLst>
               <a:ext uri="{FF2B5EF4-FFF2-40B4-BE49-F238E27FC236}">
-                <a16:creationId xmlns="" xmlns:a16="http://schemas.microsoft.com/office/drawing/2014/main" id="{096E5434-7A74-4C64-89EF-6B1922B7AB16}"/>
+                <a16:creationId xmlns:a16="http://schemas.microsoft.com/office/drawing/2014/main" xmlns="" id="{096E5434-7A74-4C64-89EF-6B1922B7AB16}"/>
               </a:ext>
             </a:extLst>
           </p:cNvPr>
@@ -40264,7 +40107,7 @@
           <p:cNvPr id="6" name="CasellaDiTesto 5">
             <a:extLst>
               <a:ext uri="{FF2B5EF4-FFF2-40B4-BE49-F238E27FC236}">
-                <a16:creationId xmlns="" xmlns:a16="http://schemas.microsoft.com/office/drawing/2014/main" id="{DECCD907-1491-4E0C-9EB6-42C0FED72813}"/>
+                <a16:creationId xmlns:a16="http://schemas.microsoft.com/office/drawing/2014/main" xmlns="" id="{DECCD907-1491-4E0C-9EB6-42C0FED72813}"/>
               </a:ext>
             </a:extLst>
           </p:cNvPr>
@@ -40359,7 +40202,7 @@
           <p:cNvPr id="1026" name="Picture 2" descr="Immagine correlata">
             <a:extLst>
               <a:ext uri="{FF2B5EF4-FFF2-40B4-BE49-F238E27FC236}">
-                <a16:creationId xmlns="" xmlns:a16="http://schemas.microsoft.com/office/drawing/2014/main" id="{4DEEC977-158D-4FF8-A634-FED5C0A1F149}"/>
+                <a16:creationId xmlns:a16="http://schemas.microsoft.com/office/drawing/2014/main" xmlns="" id="{4DEEC977-158D-4FF8-A634-FED5C0A1F149}"/>
               </a:ext>
             </a:extLst>
           </p:cNvPr>
@@ -40406,7 +40249,7 @@
           <p:cNvPr id="8" name="CasellaDiTesto 7">
             <a:extLst>
               <a:ext uri="{FF2B5EF4-FFF2-40B4-BE49-F238E27FC236}">
-                <a16:creationId xmlns="" xmlns:a16="http://schemas.microsoft.com/office/drawing/2014/main" id="{422B22D0-A925-4E81-8629-21C4219E2051}"/>
+                <a16:creationId xmlns:a16="http://schemas.microsoft.com/office/drawing/2014/main" xmlns="" id="{422B22D0-A925-4E81-8629-21C4219E2051}"/>
               </a:ext>
             </a:extLst>
           </p:cNvPr>
@@ -40482,7 +40325,7 @@
           <p:cNvPr id="9" name="Connettore 2 8">
             <a:extLst>
               <a:ext uri="{FF2B5EF4-FFF2-40B4-BE49-F238E27FC236}">
-                <a16:creationId xmlns="" xmlns:a16="http://schemas.microsoft.com/office/drawing/2014/main" id="{B3EBC103-C224-4D98-B09E-EF0B1BD22D62}"/>
+                <a16:creationId xmlns:a16="http://schemas.microsoft.com/office/drawing/2014/main" xmlns="" id="{B3EBC103-C224-4D98-B09E-EF0B1BD22D62}"/>
               </a:ext>
             </a:extLst>
           </p:cNvPr>
@@ -40494,7 +40337,7 @@
         </p:nvCxnSpPr>
         <p:spPr>
           <a:xfrm flipH="1">
-            <a:off x="2051720" y="3933056"/>
+            <a:off x="2483768" y="4077073"/>
             <a:ext cx="1080120" cy="432047"/>
           </a:xfrm>
           <a:prstGeom prst="straightConnector1">
@@ -40524,7 +40367,7 @@
           <p:cNvPr id="10" name="Rettangolo 9">
             <a:extLst>
               <a:ext uri="{FF2B5EF4-FFF2-40B4-BE49-F238E27FC236}">
-                <a16:creationId xmlns="" xmlns:a16="http://schemas.microsoft.com/office/drawing/2014/main" id="{197F89FE-FC4A-44AD-9080-7EB17BA3B63C}"/>
+                <a16:creationId xmlns:a16="http://schemas.microsoft.com/office/drawing/2014/main" xmlns="" id="{197F89FE-FC4A-44AD-9080-7EB17BA3B63C}"/>
               </a:ext>
             </a:extLst>
           </p:cNvPr>
@@ -40533,7 +40376,7 @@
         </p:nvSpPr>
         <p:spPr>
           <a:xfrm>
-            <a:off x="1187624" y="4365103"/>
+            <a:off x="1619672" y="4509120"/>
             <a:ext cx="1728192" cy="680011"/>
           </a:xfrm>
           <a:prstGeom prst="rect">
@@ -40615,7 +40458,7 @@
           <p:cNvPr id="15" name="Rettangolo 14">
             <a:extLst>
               <a:ext uri="{FF2B5EF4-FFF2-40B4-BE49-F238E27FC236}">
-                <a16:creationId xmlns="" xmlns:a16="http://schemas.microsoft.com/office/drawing/2014/main" id="{6434515A-0CE7-46E1-9E5D-42505E037869}"/>
+                <a16:creationId xmlns:a16="http://schemas.microsoft.com/office/drawing/2014/main" xmlns="" id="{6434515A-0CE7-46E1-9E5D-42505E037869}"/>
               </a:ext>
             </a:extLst>
           </p:cNvPr>
@@ -40624,7 +40467,7 @@
         </p:nvSpPr>
         <p:spPr>
           <a:xfrm>
-            <a:off x="7236296" y="4365103"/>
+            <a:off x="6948263" y="4509120"/>
             <a:ext cx="1728192" cy="680011"/>
           </a:xfrm>
           <a:prstGeom prst="rect">
@@ -40711,7 +40554,7 @@
           <p:cNvPr id="17" name="Connettore 2 16">
             <a:extLst>
               <a:ext uri="{FF2B5EF4-FFF2-40B4-BE49-F238E27FC236}">
-                <a16:creationId xmlns="" xmlns:a16="http://schemas.microsoft.com/office/drawing/2014/main" id="{99BFB39E-1B50-4D9F-B143-7E9CC03FDDCB}"/>
+                <a16:creationId xmlns:a16="http://schemas.microsoft.com/office/drawing/2014/main" xmlns="" id="{99BFB39E-1B50-4D9F-B143-7E9CC03FDDCB}"/>
               </a:ext>
             </a:extLst>
           </p:cNvPr>
@@ -40722,7 +40565,7 @@
         </p:nvCxnSpPr>
         <p:spPr>
           <a:xfrm>
-            <a:off x="7236296" y="3933056"/>
+            <a:off x="6948263" y="4077073"/>
             <a:ext cx="864096" cy="432047"/>
           </a:xfrm>
           <a:prstGeom prst="straightConnector1">
@@ -40792,7 +40635,7 @@
           <p:cNvPr id="5" name="Title 3">
             <a:extLst>
               <a:ext uri="{FF2B5EF4-FFF2-40B4-BE49-F238E27FC236}">
-                <a16:creationId xmlns="" xmlns:a16="http://schemas.microsoft.com/office/drawing/2014/main" id="{F4F459AA-9D70-4285-920E-38B993241E77}"/>
+                <a16:creationId xmlns:a16="http://schemas.microsoft.com/office/drawing/2014/main" xmlns="" id="{F4F459AA-9D70-4285-920E-38B993241E77}"/>
               </a:ext>
             </a:extLst>
           </p:cNvPr>
@@ -40869,7 +40712,7 @@
               <p:cNvPr id="6" name="Rettangolo 5">
                 <a:extLst>
                   <a:ext uri="{FF2B5EF4-FFF2-40B4-BE49-F238E27FC236}">
-                    <a16:creationId xmlns="" xmlns:a16="http://schemas.microsoft.com/office/drawing/2014/main" id="{B2DAE42D-6981-4258-A997-350AEC1248D1}"/>
+                    <a16:creationId xmlns:a16="http://schemas.microsoft.com/office/drawing/2014/main" xmlns="" id="{B2DAE42D-6981-4258-A997-350AEC1248D1}"/>
                   </a:ext>
                 </a:extLst>
               </p:cNvPr>
@@ -41425,7 +41268,7 @@
           <p:cNvPr id="8" name="CasellaDiTesto 7">
             <a:extLst>
               <a:ext uri="{FF2B5EF4-FFF2-40B4-BE49-F238E27FC236}">
-                <a16:creationId xmlns="" xmlns:a16="http://schemas.microsoft.com/office/drawing/2014/main" id="{8B0801A2-6519-4569-95A9-BB7590321AD9}"/>
+                <a16:creationId xmlns:a16="http://schemas.microsoft.com/office/drawing/2014/main" xmlns="" id="{8B0801A2-6519-4569-95A9-BB7590321AD9}"/>
               </a:ext>
             </a:extLst>
           </p:cNvPr>
@@ -41771,7 +41614,7 @@
           <p:cNvPr id="10" name="Connettore 2 9">
             <a:extLst>
               <a:ext uri="{FF2B5EF4-FFF2-40B4-BE49-F238E27FC236}">
-                <a16:creationId xmlns="" xmlns:a16="http://schemas.microsoft.com/office/drawing/2014/main" id="{3E71D179-9BB9-40A9-B4D8-958D015E4F75}"/>
+                <a16:creationId xmlns:a16="http://schemas.microsoft.com/office/drawing/2014/main" xmlns="" id="{3E71D179-9BB9-40A9-B4D8-958D015E4F75}"/>
               </a:ext>
             </a:extLst>
           </p:cNvPr>
@@ -41810,7 +41653,7 @@
           <p:cNvPr id="12" name="Connettore 2 11">
             <a:extLst>
               <a:ext uri="{FF2B5EF4-FFF2-40B4-BE49-F238E27FC236}">
-                <a16:creationId xmlns="" xmlns:a16="http://schemas.microsoft.com/office/drawing/2014/main" id="{1BE3D6CD-BA35-49B2-B9E9-3F62FDBF378A}"/>
+                <a16:creationId xmlns:a16="http://schemas.microsoft.com/office/drawing/2014/main" xmlns="" id="{1BE3D6CD-BA35-49B2-B9E9-3F62FDBF378A}"/>
               </a:ext>
             </a:extLst>
           </p:cNvPr>
@@ -41849,7 +41692,7 @@
           <p:cNvPr id="14" name="CasellaDiTesto 13">
             <a:extLst>
               <a:ext uri="{FF2B5EF4-FFF2-40B4-BE49-F238E27FC236}">
-                <a16:creationId xmlns="" xmlns:a16="http://schemas.microsoft.com/office/drawing/2014/main" id="{52C41119-C267-4F95-B13B-D175F8FAD467}"/>
+                <a16:creationId xmlns:a16="http://schemas.microsoft.com/office/drawing/2014/main" xmlns="" id="{52C41119-C267-4F95-B13B-D175F8FAD467}"/>
               </a:ext>
             </a:extLst>
           </p:cNvPr>
@@ -41907,7 +41750,7 @@
           <p:cNvPr id="15" name="CasellaDiTesto 14">
             <a:extLst>
               <a:ext uri="{FF2B5EF4-FFF2-40B4-BE49-F238E27FC236}">
-                <a16:creationId xmlns="" xmlns:a16="http://schemas.microsoft.com/office/drawing/2014/main" id="{7739B639-5ED7-46CE-8E1E-A9D9A3526EA0}"/>
+                <a16:creationId xmlns:a16="http://schemas.microsoft.com/office/drawing/2014/main" xmlns="" id="{7739B639-5ED7-46CE-8E1E-A9D9A3526EA0}"/>
               </a:ext>
             </a:extLst>
           </p:cNvPr>
@@ -42002,7 +41845,7 @@
           <p:cNvPr id="5" name="Title 3">
             <a:extLst>
               <a:ext uri="{FF2B5EF4-FFF2-40B4-BE49-F238E27FC236}">
-                <a16:creationId xmlns="" xmlns:a16="http://schemas.microsoft.com/office/drawing/2014/main" id="{189ECF77-714F-4D2C-9D4B-CC43534EF427}"/>
+                <a16:creationId xmlns:a16="http://schemas.microsoft.com/office/drawing/2014/main" xmlns="" id="{189ECF77-714F-4D2C-9D4B-CC43534EF427}"/>
               </a:ext>
             </a:extLst>
           </p:cNvPr>
@@ -42079,7 +41922,7 @@
               <p:cNvPr id="6" name="Rettangolo 5">
                 <a:extLst>
                   <a:ext uri="{FF2B5EF4-FFF2-40B4-BE49-F238E27FC236}">
-                    <a16:creationId xmlns="" xmlns:a16="http://schemas.microsoft.com/office/drawing/2014/main" id="{A34D05E0-D21E-4851-84DD-833555197E5F}"/>
+                    <a16:creationId xmlns:a16="http://schemas.microsoft.com/office/drawing/2014/main" xmlns="" id="{A34D05E0-D21E-4851-84DD-833555197E5F}"/>
                   </a:ext>
                 </a:extLst>
               </p:cNvPr>
@@ -42893,7 +42736,7 @@
           <p:cNvPr id="5" name="Title 3">
             <a:extLst>
               <a:ext uri="{FF2B5EF4-FFF2-40B4-BE49-F238E27FC236}">
-                <a16:creationId xmlns="" xmlns:a16="http://schemas.microsoft.com/office/drawing/2014/main" id="{189ECF77-714F-4D2C-9D4B-CC43534EF427}"/>
+                <a16:creationId xmlns:a16="http://schemas.microsoft.com/office/drawing/2014/main" xmlns="" id="{189ECF77-714F-4D2C-9D4B-CC43534EF427}"/>
               </a:ext>
             </a:extLst>
           </p:cNvPr>
@@ -44420,7 +44263,7 @@
   <a:extraClrSchemeLst/>
   <a:extLst>
     <a:ext uri="{05A4C25C-085E-4340-85A3-A5531E510DB2}">
-      <thm15:themeFamily xmlns="" xmlns:thm15="http://schemas.microsoft.com/office/thememl/2012/main" name="Office Theme" id="{62F939B6-93AF-4DB8-9C6B-D6C7DFDC589F}" vid="{4A3C46E8-61CC-4603-A589-7422A47A8E4A}"/>
+      <thm15:themeFamily xmlns:thm15="http://schemas.microsoft.com/office/thememl/2012/main" xmlns="" name="Office Theme" id="{62F939B6-93AF-4DB8-9C6B-D6C7DFDC589F}" vid="{4A3C46E8-61CC-4603-A589-7422A47A8E4A}"/>
     </a:ext>
   </a:extLst>
 </a:theme>

--- a/PRESENTAZIONE_TESI/presentazione_agostini_stefano.pptx
+++ b/PRESENTAZIONE_TESI/presentazione_agostini_stefano.pptx
@@ -189,7 +189,7 @@
       </p14:sectionLst>
     </p:ext>
     <p:ext uri="{EFAFB233-063F-42B5-8137-9DF3F51BA10A}">
-      <p15:sldGuideLst xmlns:p15="http://schemas.microsoft.com/office/powerpoint/2012/main" xmlns="">
+      <p15:sldGuideLst xmlns="" xmlns:p15="http://schemas.microsoft.com/office/powerpoint/2012/main">
         <p15:guide id="1" orient="horz" pos="2160">
           <p15:clr>
             <a:srgbClr val="A4A3A4"/>
@@ -288,7 +288,7 @@
           <a:p>
             <a:fld id="{D9998136-BDF3-4CD5-9A25-953B69557AFC}" type="datetimeFigureOut">
               <a:rPr lang="it-IT" smtClean="0"/>
-              <a:t>17/07/2018</a:t>
+              <a:t>18/07/2018</a:t>
             </a:fld>
             <a:endParaRPr lang="it-IT"/>
           </a:p>
@@ -741,7 +741,7 @@
           <a:p>
             <a:fld id="{18DCCD61-643D-44A5-A450-3A42A50CBC1E}" type="datetimeFigureOut">
               <a:rPr lang="en-US" smtClean="0"/>
-              <a:t>7/17/2018</a:t>
+              <a:t>7/18/2018</a:t>
             </a:fld>
             <a:endParaRPr lang="en-US" dirty="0"/>
           </a:p>
@@ -1016,7 +1016,7 @@
           <a:p>
             <a:fld id="{18DCCD61-643D-44A5-A450-3A42A50CBC1E}" type="datetimeFigureOut">
               <a:rPr lang="en-US" smtClean="0"/>
-              <a:t>7/17/2018</a:t>
+              <a:t>7/18/2018</a:t>
             </a:fld>
             <a:endParaRPr lang="en-US" dirty="0"/>
           </a:p>
@@ -1268,7 +1268,7 @@
           <a:p>
             <a:fld id="{18DCCD61-643D-44A5-A450-3A42A50CBC1E}" type="datetimeFigureOut">
               <a:rPr lang="en-US" smtClean="0"/>
-              <a:t>7/17/2018</a:t>
+              <a:t>7/18/2018</a:t>
             </a:fld>
             <a:endParaRPr lang="en-US" dirty="0"/>
           </a:p>
@@ -1436,7 +1436,7 @@
           <a:p>
             <a:fld id="{18DCCD61-643D-44A5-A450-3A42A50CBC1E}" type="datetimeFigureOut">
               <a:rPr lang="en-US" smtClean="0"/>
-              <a:t>7/17/2018</a:t>
+              <a:t>7/18/2018</a:t>
             </a:fld>
             <a:endParaRPr lang="en-US" dirty="0"/>
           </a:p>
@@ -1614,7 +1614,7 @@
           <a:p>
             <a:fld id="{18DCCD61-643D-44A5-A450-3A42A50CBC1E}" type="datetimeFigureOut">
               <a:rPr lang="en-US" smtClean="0"/>
-              <a:t>7/17/2018</a:t>
+              <a:t>7/18/2018</a:t>
             </a:fld>
             <a:endParaRPr lang="en-US" dirty="0"/>
           </a:p>
@@ -2202,7 +2202,7 @@
           <a:p>
             <a:fld id="{18DCCD61-643D-44A5-A450-3A42A50CBC1E}" type="datetimeFigureOut">
               <a:rPr lang="en-US" smtClean="0"/>
-              <a:t>7/17/2018</a:t>
+              <a:t>7/18/2018</a:t>
             </a:fld>
             <a:endParaRPr lang="en-US" dirty="0"/>
           </a:p>
@@ -2370,7 +2370,7 @@
           <a:p>
             <a:fld id="{18DCCD61-643D-44A5-A450-3A42A50CBC1E}" type="datetimeFigureOut">
               <a:rPr lang="en-US" smtClean="0"/>
-              <a:t>7/17/2018</a:t>
+              <a:t>7/18/2018</a:t>
             </a:fld>
             <a:endParaRPr lang="en-US" dirty="0"/>
           </a:p>
@@ -2615,7 +2615,7 @@
           <a:p>
             <a:fld id="{18DCCD61-643D-44A5-A450-3A42A50CBC1E}" type="datetimeFigureOut">
               <a:rPr lang="en-US" smtClean="0"/>
-              <a:t>7/17/2018</a:t>
+              <a:t>7/18/2018</a:t>
             </a:fld>
             <a:endParaRPr lang="en-US" dirty="0"/>
           </a:p>
@@ -2900,7 +2900,7 @@
           <a:p>
             <a:fld id="{18DCCD61-643D-44A5-A450-3A42A50CBC1E}" type="datetimeFigureOut">
               <a:rPr lang="en-US" smtClean="0"/>
-              <a:t>7/17/2018</a:t>
+              <a:t>7/18/2018</a:t>
             </a:fld>
             <a:endParaRPr lang="en-US" dirty="0"/>
           </a:p>
@@ -3319,7 +3319,7 @@
           <a:p>
             <a:fld id="{18DCCD61-643D-44A5-A450-3A42A50CBC1E}" type="datetimeFigureOut">
               <a:rPr lang="en-US" smtClean="0"/>
-              <a:t>7/17/2018</a:t>
+              <a:t>7/18/2018</a:t>
             </a:fld>
             <a:endParaRPr lang="en-US" dirty="0"/>
           </a:p>
@@ -3436,7 +3436,7 @@
           <a:p>
             <a:fld id="{18DCCD61-643D-44A5-A450-3A42A50CBC1E}" type="datetimeFigureOut">
               <a:rPr lang="en-US" smtClean="0"/>
-              <a:t>7/17/2018</a:t>
+              <a:t>7/18/2018</a:t>
             </a:fld>
             <a:endParaRPr lang="en-US" dirty="0"/>
           </a:p>
@@ -3938,7 +3938,7 @@
           <a:p>
             <a:fld id="{18DCCD61-643D-44A5-A450-3A42A50CBC1E}" type="datetimeFigureOut">
               <a:rPr lang="en-US" smtClean="0"/>
-              <a:t>7/17/2018</a:t>
+              <a:t>7/18/2018</a:t>
             </a:fld>
             <a:endParaRPr lang="en-US" dirty="0"/>
           </a:p>
@@ -4318,7 +4318,7 @@
           <p:cNvPr id="8" name="Immagine 7">
             <a:extLst>
               <a:ext uri="{FF2B5EF4-FFF2-40B4-BE49-F238E27FC236}">
-                <a16:creationId xmlns:a16="http://schemas.microsoft.com/office/drawing/2014/main" xmlns="" id="{A1106E1C-ABC5-4AA2-A6C2-B115CAA9597B}"/>
+                <a16:creationId xmlns="" xmlns:a16="http://schemas.microsoft.com/office/drawing/2014/main" id="{A1106E1C-ABC5-4AA2-A6C2-B115CAA9597B}"/>
               </a:ext>
             </a:extLst>
           </p:cNvPr>
@@ -4654,7 +4654,7 @@
           <p:cNvPr id="5" name="Title 3">
             <a:extLst>
               <a:ext uri="{FF2B5EF4-FFF2-40B4-BE49-F238E27FC236}">
-                <a16:creationId xmlns:a16="http://schemas.microsoft.com/office/drawing/2014/main" xmlns="" id="{189ECF77-714F-4D2C-9D4B-CC43534EF427}"/>
+                <a16:creationId xmlns="" xmlns:a16="http://schemas.microsoft.com/office/drawing/2014/main" id="{189ECF77-714F-4D2C-9D4B-CC43534EF427}"/>
               </a:ext>
             </a:extLst>
           </p:cNvPr>
@@ -5465,7 +5465,7 @@
           <p:cNvPr id="5" name="Title 3">
             <a:extLst>
               <a:ext uri="{FF2B5EF4-FFF2-40B4-BE49-F238E27FC236}">
-                <a16:creationId xmlns:a16="http://schemas.microsoft.com/office/drawing/2014/main" xmlns="" id="{189ECF77-714F-4D2C-9D4B-CC43534EF427}"/>
+                <a16:creationId xmlns="" xmlns:a16="http://schemas.microsoft.com/office/drawing/2014/main" id="{189ECF77-714F-4D2C-9D4B-CC43534EF427}"/>
               </a:ext>
             </a:extLst>
           </p:cNvPr>
@@ -6432,7 +6432,7 @@
           <p:cNvPr id="5" name="Title 3">
             <a:extLst>
               <a:ext uri="{FF2B5EF4-FFF2-40B4-BE49-F238E27FC236}">
-                <a16:creationId xmlns:a16="http://schemas.microsoft.com/office/drawing/2014/main" xmlns="" id="{189ECF77-714F-4D2C-9D4B-CC43534EF427}"/>
+                <a16:creationId xmlns="" xmlns:a16="http://schemas.microsoft.com/office/drawing/2014/main" id="{189ECF77-714F-4D2C-9D4B-CC43534EF427}"/>
               </a:ext>
             </a:extLst>
           </p:cNvPr>
@@ -6859,7 +6859,7 @@
           <p:cNvPr id="5" name="Title 3">
             <a:extLst>
               <a:ext uri="{FF2B5EF4-FFF2-40B4-BE49-F238E27FC236}">
-                <a16:creationId xmlns:a16="http://schemas.microsoft.com/office/drawing/2014/main" xmlns="" id="{189ECF77-714F-4D2C-9D4B-CC43534EF427}"/>
+                <a16:creationId xmlns="" xmlns:a16="http://schemas.microsoft.com/office/drawing/2014/main" id="{189ECF77-714F-4D2C-9D4B-CC43534EF427}"/>
               </a:ext>
             </a:extLst>
           </p:cNvPr>
@@ -7074,7 +7074,7 @@
           <p:cNvPr id="4" name="Title 3">
             <a:extLst>
               <a:ext uri="{FF2B5EF4-FFF2-40B4-BE49-F238E27FC236}">
-                <a16:creationId xmlns:a16="http://schemas.microsoft.com/office/drawing/2014/main" xmlns="" id="{189ECF77-714F-4D2C-9D4B-CC43534EF427}"/>
+                <a16:creationId xmlns="" xmlns:a16="http://schemas.microsoft.com/office/drawing/2014/main" id="{189ECF77-714F-4D2C-9D4B-CC43534EF427}"/>
               </a:ext>
             </a:extLst>
           </p:cNvPr>
@@ -7129,7 +7129,7 @@
           <p:cNvPr id="6" name="Group 623">
             <a:extLst>
               <a:ext uri="{FF2B5EF4-FFF2-40B4-BE49-F238E27FC236}">
-                <a16:creationId xmlns:a16="http://schemas.microsoft.com/office/drawing/2014/main" xmlns="" id="{AA4FCC27-C7D4-4343-B033-13B6C83DC905}"/>
+                <a16:creationId xmlns="" xmlns:a16="http://schemas.microsoft.com/office/drawing/2014/main" id="{AA4FCC27-C7D4-4343-B033-13B6C83DC905}"/>
               </a:ext>
             </a:extLst>
           </p:cNvPr>
@@ -7149,7 +7149,7 @@
             <p:cNvPr id="7" name="Freeform 538">
               <a:extLst>
                 <a:ext uri="{FF2B5EF4-FFF2-40B4-BE49-F238E27FC236}">
-                  <a16:creationId xmlns:a16="http://schemas.microsoft.com/office/drawing/2014/main" xmlns="" id="{3776C4DA-4E41-4098-AEDB-2C371B14EB8B}"/>
+                  <a16:creationId xmlns="" xmlns:a16="http://schemas.microsoft.com/office/drawing/2014/main" id="{3776C4DA-4E41-4098-AEDB-2C371B14EB8B}"/>
                 </a:ext>
               </a:extLst>
             </p:cNvPr>
@@ -7363,7 +7363,7 @@
             <p:cNvPr id="8" name="Freeform 542">
               <a:extLst>
                 <a:ext uri="{FF2B5EF4-FFF2-40B4-BE49-F238E27FC236}">
-                  <a16:creationId xmlns:a16="http://schemas.microsoft.com/office/drawing/2014/main" xmlns="" id="{BBD90813-EA96-440A-94D3-CB2D6F892D34}"/>
+                  <a16:creationId xmlns="" xmlns:a16="http://schemas.microsoft.com/office/drawing/2014/main" id="{BBD90813-EA96-440A-94D3-CB2D6F892D34}"/>
                 </a:ext>
               </a:extLst>
             </p:cNvPr>
@@ -7577,7 +7577,7 @@
             <p:cNvPr id="9" name="Freeform: Shape 616">
               <a:extLst>
                 <a:ext uri="{FF2B5EF4-FFF2-40B4-BE49-F238E27FC236}">
-                  <a16:creationId xmlns:a16="http://schemas.microsoft.com/office/drawing/2014/main" xmlns="" id="{284E245F-3566-43D1-B56C-8CC7026A0D22}"/>
+                  <a16:creationId xmlns="" xmlns:a16="http://schemas.microsoft.com/office/drawing/2014/main" id="{284E245F-3566-43D1-B56C-8CC7026A0D22}"/>
                 </a:ext>
               </a:extLst>
             </p:cNvPr>
@@ -8056,7 +8056,7 @@
             <p:cNvPr id="10" name="Freeform 551">
               <a:extLst>
                 <a:ext uri="{FF2B5EF4-FFF2-40B4-BE49-F238E27FC236}">
-                  <a16:creationId xmlns:a16="http://schemas.microsoft.com/office/drawing/2014/main" xmlns="" id="{112FAF63-149F-4078-92F8-E980CF799812}"/>
+                  <a16:creationId xmlns="" xmlns:a16="http://schemas.microsoft.com/office/drawing/2014/main" id="{112FAF63-149F-4078-92F8-E980CF799812}"/>
                 </a:ext>
               </a:extLst>
             </p:cNvPr>
@@ -8270,7 +8270,7 @@
             <p:cNvPr id="11" name="Freeform 554">
               <a:extLst>
                 <a:ext uri="{FF2B5EF4-FFF2-40B4-BE49-F238E27FC236}">
-                  <a16:creationId xmlns:a16="http://schemas.microsoft.com/office/drawing/2014/main" xmlns="" id="{3A764CCA-B3FA-43EA-B2A1-38E0C402312F}"/>
+                  <a16:creationId xmlns="" xmlns:a16="http://schemas.microsoft.com/office/drawing/2014/main" id="{3A764CCA-B3FA-43EA-B2A1-38E0C402312F}"/>
                 </a:ext>
               </a:extLst>
             </p:cNvPr>
@@ -8655,7 +8655,7 @@
             <p:cNvPr id="12" name="Freeform 555">
               <a:extLst>
                 <a:ext uri="{FF2B5EF4-FFF2-40B4-BE49-F238E27FC236}">
-                  <a16:creationId xmlns:a16="http://schemas.microsoft.com/office/drawing/2014/main" xmlns="" id="{50B0CAB1-1A8A-4809-B0FA-4DD1006EC5D4}"/>
+                  <a16:creationId xmlns="" xmlns:a16="http://schemas.microsoft.com/office/drawing/2014/main" id="{50B0CAB1-1A8A-4809-B0FA-4DD1006EC5D4}"/>
                 </a:ext>
               </a:extLst>
             </p:cNvPr>
@@ -8869,7 +8869,7 @@
             <p:cNvPr id="13" name="Freeform 557">
               <a:extLst>
                 <a:ext uri="{FF2B5EF4-FFF2-40B4-BE49-F238E27FC236}">
-                  <a16:creationId xmlns:a16="http://schemas.microsoft.com/office/drawing/2014/main" xmlns="" id="{7B4680AF-0DA9-4C5B-AB71-A42778FC1863}"/>
+                  <a16:creationId xmlns="" xmlns:a16="http://schemas.microsoft.com/office/drawing/2014/main" id="{7B4680AF-0DA9-4C5B-AB71-A42778FC1863}"/>
                 </a:ext>
               </a:extLst>
             </p:cNvPr>
@@ -9254,7 +9254,7 @@
             <p:cNvPr id="14" name="Freeform 558">
               <a:extLst>
                 <a:ext uri="{FF2B5EF4-FFF2-40B4-BE49-F238E27FC236}">
-                  <a16:creationId xmlns:a16="http://schemas.microsoft.com/office/drawing/2014/main" xmlns="" id="{6974A587-E447-4EC3-9B72-2BFC27A286A2}"/>
+                  <a16:creationId xmlns="" xmlns:a16="http://schemas.microsoft.com/office/drawing/2014/main" id="{6974A587-E447-4EC3-9B72-2BFC27A286A2}"/>
                 </a:ext>
               </a:extLst>
             </p:cNvPr>
@@ -9468,7 +9468,7 @@
             <p:cNvPr id="15" name="Freeform 560">
               <a:extLst>
                 <a:ext uri="{FF2B5EF4-FFF2-40B4-BE49-F238E27FC236}">
-                  <a16:creationId xmlns:a16="http://schemas.microsoft.com/office/drawing/2014/main" xmlns="" id="{A696F24D-3A6B-4107-B6F2-9A3F2F0D138B}"/>
+                  <a16:creationId xmlns="" xmlns:a16="http://schemas.microsoft.com/office/drawing/2014/main" id="{A696F24D-3A6B-4107-B6F2-9A3F2F0D138B}"/>
                 </a:ext>
               </a:extLst>
             </p:cNvPr>
@@ -10044,7 +10044,7 @@
           <p:cNvPr id="20" name="Picture 2" descr="Immagine correlata">
             <a:extLst>
               <a:ext uri="{FF2B5EF4-FFF2-40B4-BE49-F238E27FC236}">
-                <a16:creationId xmlns:a16="http://schemas.microsoft.com/office/drawing/2014/main" xmlns="" id="{4DEEC977-158D-4FF8-A634-FED5C0A1F149}"/>
+                <a16:creationId xmlns="" xmlns:a16="http://schemas.microsoft.com/office/drawing/2014/main" id="{4DEEC977-158D-4FF8-A634-FED5C0A1F149}"/>
               </a:ext>
             </a:extLst>
           </p:cNvPr>
@@ -10728,7 +10728,7 @@
           <p:cNvPr id="5" name="Title 3">
             <a:extLst>
               <a:ext uri="{FF2B5EF4-FFF2-40B4-BE49-F238E27FC236}">
-                <a16:creationId xmlns:a16="http://schemas.microsoft.com/office/drawing/2014/main" xmlns="" id="{AC6A7350-ED1C-43B0-B2CF-A496AF50ADAB}"/>
+                <a16:creationId xmlns="" xmlns:a16="http://schemas.microsoft.com/office/drawing/2014/main" id="{AC6A7350-ED1C-43B0-B2CF-A496AF50ADAB}"/>
               </a:ext>
             </a:extLst>
           </p:cNvPr>
@@ -10813,7 +10813,7 @@
           <p:cNvPr id="6" name="Rettangolo 5">
             <a:extLst>
               <a:ext uri="{FF2B5EF4-FFF2-40B4-BE49-F238E27FC236}">
-                <a16:creationId xmlns:a16="http://schemas.microsoft.com/office/drawing/2014/main" xmlns="" id="{E9D808D5-ED83-4266-B4A6-F11548B6FDF4}"/>
+                <a16:creationId xmlns="" xmlns:a16="http://schemas.microsoft.com/office/drawing/2014/main" id="{E9D808D5-ED83-4266-B4A6-F11548B6FDF4}"/>
               </a:ext>
             </a:extLst>
           </p:cNvPr>
@@ -11327,7 +11327,7 @@
           <p:cNvPr id="5" name="Title 3">
             <a:extLst>
               <a:ext uri="{FF2B5EF4-FFF2-40B4-BE49-F238E27FC236}">
-                <a16:creationId xmlns:a16="http://schemas.microsoft.com/office/drawing/2014/main" xmlns="" id="{3A78A980-0D2B-467E-B644-5D2D7E2C7C76}"/>
+                <a16:creationId xmlns="" xmlns:a16="http://schemas.microsoft.com/office/drawing/2014/main" id="{3A78A980-0D2B-467E-B644-5D2D7E2C7C76}"/>
               </a:ext>
             </a:extLst>
           </p:cNvPr>
@@ -11412,7 +11412,7 @@
           <p:cNvPr id="6" name="Rettangolo 5">
             <a:extLst>
               <a:ext uri="{FF2B5EF4-FFF2-40B4-BE49-F238E27FC236}">
-                <a16:creationId xmlns:a16="http://schemas.microsoft.com/office/drawing/2014/main" xmlns="" id="{13544446-166C-4D47-9BAD-7D0BB734E8FC}"/>
+                <a16:creationId xmlns="" xmlns:a16="http://schemas.microsoft.com/office/drawing/2014/main" id="{13544446-166C-4D47-9BAD-7D0BB734E8FC}"/>
               </a:ext>
             </a:extLst>
           </p:cNvPr>
@@ -11861,7 +11861,7 @@
           <p:cNvPr id="7" name="Freccia a destra 6">
             <a:extLst>
               <a:ext uri="{FF2B5EF4-FFF2-40B4-BE49-F238E27FC236}">
-                <a16:creationId xmlns:a16="http://schemas.microsoft.com/office/drawing/2014/main" xmlns="" id="{CD2A3987-F483-4038-AA85-8FB867750F2A}"/>
+                <a16:creationId xmlns="" xmlns:a16="http://schemas.microsoft.com/office/drawing/2014/main" id="{CD2A3987-F483-4038-AA85-8FB867750F2A}"/>
               </a:ext>
             </a:extLst>
           </p:cNvPr>
@@ -11945,7 +11945,7 @@
           <p:cNvPr id="5" name="Title 3">
             <a:extLst>
               <a:ext uri="{FF2B5EF4-FFF2-40B4-BE49-F238E27FC236}">
-                <a16:creationId xmlns:a16="http://schemas.microsoft.com/office/drawing/2014/main" xmlns="" id="{FA269D4B-3754-4570-94B4-840809F1DD9D}"/>
+                <a16:creationId xmlns="" xmlns:a16="http://schemas.microsoft.com/office/drawing/2014/main" id="{FA269D4B-3754-4570-94B4-840809F1DD9D}"/>
               </a:ext>
             </a:extLst>
           </p:cNvPr>
@@ -12030,7 +12030,7 @@
           <p:cNvPr id="6" name="Rettangolo 5">
             <a:extLst>
               <a:ext uri="{FF2B5EF4-FFF2-40B4-BE49-F238E27FC236}">
-                <a16:creationId xmlns:a16="http://schemas.microsoft.com/office/drawing/2014/main" xmlns="" id="{E905DEB8-2BFA-41BE-9967-84ECE44648DF}"/>
+                <a16:creationId xmlns="" xmlns:a16="http://schemas.microsoft.com/office/drawing/2014/main" id="{E905DEB8-2BFA-41BE-9967-84ECE44648DF}"/>
               </a:ext>
             </a:extLst>
           </p:cNvPr>
@@ -12534,7 +12534,7 @@
           <p:cNvPr id="5" name="Title 3">
             <a:extLst>
               <a:ext uri="{FF2B5EF4-FFF2-40B4-BE49-F238E27FC236}">
-                <a16:creationId xmlns:a16="http://schemas.microsoft.com/office/drawing/2014/main" xmlns="" id="{D5B2E943-4D76-47C0-AFF3-70EEC7B728A0}"/>
+                <a16:creationId xmlns="" xmlns:a16="http://schemas.microsoft.com/office/drawing/2014/main" id="{D5B2E943-4D76-47C0-AFF3-70EEC7B728A0}"/>
               </a:ext>
             </a:extLst>
           </p:cNvPr>
@@ -12619,7 +12619,7 @@
           <p:cNvPr id="6" name="Rettangolo 5">
             <a:extLst>
               <a:ext uri="{FF2B5EF4-FFF2-40B4-BE49-F238E27FC236}">
-                <a16:creationId xmlns:a16="http://schemas.microsoft.com/office/drawing/2014/main" xmlns="" id="{E8861B7B-8A8E-4E0F-AC25-74535E87BCCE}"/>
+                <a16:creationId xmlns="" xmlns:a16="http://schemas.microsoft.com/office/drawing/2014/main" id="{E8861B7B-8A8E-4E0F-AC25-74535E87BCCE}"/>
               </a:ext>
             </a:extLst>
           </p:cNvPr>
@@ -12978,7 +12978,7 @@
           <p:cNvPr id="8" name="Connettore 2 7">
             <a:extLst>
               <a:ext uri="{FF2B5EF4-FFF2-40B4-BE49-F238E27FC236}">
-                <a16:creationId xmlns:a16="http://schemas.microsoft.com/office/drawing/2014/main" xmlns="" id="{10DFEC75-8F1A-438D-A7A3-11E66A8AAFF2}"/>
+                <a16:creationId xmlns="" xmlns:a16="http://schemas.microsoft.com/office/drawing/2014/main" id="{10DFEC75-8F1A-438D-A7A3-11E66A8AAFF2}"/>
               </a:ext>
             </a:extLst>
           </p:cNvPr>
@@ -13017,7 +13017,7 @@
           <p:cNvPr id="9" name="Connettore 2 8">
             <a:extLst>
               <a:ext uri="{FF2B5EF4-FFF2-40B4-BE49-F238E27FC236}">
-                <a16:creationId xmlns:a16="http://schemas.microsoft.com/office/drawing/2014/main" xmlns="" id="{5B792FA7-2F70-4FAF-B16E-10DA5390FCCA}"/>
+                <a16:creationId xmlns="" xmlns:a16="http://schemas.microsoft.com/office/drawing/2014/main" id="{5B792FA7-2F70-4FAF-B16E-10DA5390FCCA}"/>
               </a:ext>
             </a:extLst>
           </p:cNvPr>
@@ -13056,7 +13056,7 @@
           <p:cNvPr id="10" name="Connettore 2 9">
             <a:extLst>
               <a:ext uri="{FF2B5EF4-FFF2-40B4-BE49-F238E27FC236}">
-                <a16:creationId xmlns:a16="http://schemas.microsoft.com/office/drawing/2014/main" xmlns="" id="{BD722D80-B984-47BA-BCEA-1550BF590A27}"/>
+                <a16:creationId xmlns="" xmlns:a16="http://schemas.microsoft.com/office/drawing/2014/main" id="{BD722D80-B984-47BA-BCEA-1550BF590A27}"/>
               </a:ext>
             </a:extLst>
           </p:cNvPr>
@@ -13132,7 +13132,7 @@
           <p:cNvPr id="5" name="Title 3">
             <a:extLst>
               <a:ext uri="{FF2B5EF4-FFF2-40B4-BE49-F238E27FC236}">
-                <a16:creationId xmlns:a16="http://schemas.microsoft.com/office/drawing/2014/main" xmlns="" id="{D5B2E943-4D76-47C0-AFF3-70EEC7B728A0}"/>
+                <a16:creationId xmlns="" xmlns:a16="http://schemas.microsoft.com/office/drawing/2014/main" id="{D5B2E943-4D76-47C0-AFF3-70EEC7B728A0}"/>
               </a:ext>
             </a:extLst>
           </p:cNvPr>
@@ -26649,7 +26649,7 @@
           <p:cNvPr id="8" name="Title 3">
             <a:extLst>
               <a:ext uri="{FF2B5EF4-FFF2-40B4-BE49-F238E27FC236}">
-                <a16:creationId xmlns:a16="http://schemas.microsoft.com/office/drawing/2014/main" xmlns="" id="{D5B2E943-4D76-47C0-AFF3-70EEC7B728A0}"/>
+                <a16:creationId xmlns="" xmlns:a16="http://schemas.microsoft.com/office/drawing/2014/main" id="{D5B2E943-4D76-47C0-AFF3-70EEC7B728A0}"/>
               </a:ext>
             </a:extLst>
           </p:cNvPr>
@@ -28204,7 +28204,7 @@
           <p:cNvPr id="5" name="Title 3">
             <a:extLst>
               <a:ext uri="{FF2B5EF4-FFF2-40B4-BE49-F238E27FC236}">
-                <a16:creationId xmlns:a16="http://schemas.microsoft.com/office/drawing/2014/main" xmlns="" id="{D5B2E943-4D76-47C0-AFF3-70EEC7B728A0}"/>
+                <a16:creationId xmlns="" xmlns:a16="http://schemas.microsoft.com/office/drawing/2014/main" id="{D5B2E943-4D76-47C0-AFF3-70EEC7B728A0}"/>
               </a:ext>
             </a:extLst>
           </p:cNvPr>
@@ -28320,7 +28320,7 @@
               <p:cNvPr id="3" name="Rettangolo 2">
                 <a:extLst>
                   <a:ext uri="{FF2B5EF4-FFF2-40B4-BE49-F238E27FC236}">
-                    <a16:creationId xmlns:a16="http://schemas.microsoft.com/office/drawing/2014/main" xmlns="" id="{E905DEB8-2BFA-41BE-9967-84ECE44648DF}"/>
+                    <a16:creationId xmlns="" xmlns:a16="http://schemas.microsoft.com/office/drawing/2014/main" id="{E905DEB8-2BFA-41BE-9967-84ECE44648DF}"/>
                   </a:ext>
                 </a:extLst>
               </p:cNvPr>
@@ -29073,7 +29073,7 @@
           <p:cNvPr id="5" name="Title 3">
             <a:extLst>
               <a:ext uri="{FF2B5EF4-FFF2-40B4-BE49-F238E27FC236}">
-                <a16:creationId xmlns:a16="http://schemas.microsoft.com/office/drawing/2014/main" xmlns="" id="{D5B2E943-4D76-47C0-AFF3-70EEC7B728A0}"/>
+                <a16:creationId xmlns="" xmlns:a16="http://schemas.microsoft.com/office/drawing/2014/main" id="{D5B2E943-4D76-47C0-AFF3-70EEC7B728A0}"/>
               </a:ext>
             </a:extLst>
           </p:cNvPr>
@@ -29187,7 +29187,7 @@
           <p:cNvPr id="6" name="Rettangolo 5">
             <a:extLst>
               <a:ext uri="{FF2B5EF4-FFF2-40B4-BE49-F238E27FC236}">
-                <a16:creationId xmlns:a16="http://schemas.microsoft.com/office/drawing/2014/main" xmlns="" id="{E8861B7B-8A8E-4E0F-AC25-74535E87BCCE}"/>
+                <a16:creationId xmlns="" xmlns:a16="http://schemas.microsoft.com/office/drawing/2014/main" id="{E8861B7B-8A8E-4E0F-AC25-74535E87BCCE}"/>
               </a:ext>
             </a:extLst>
           </p:cNvPr>
@@ -30214,7 +30214,7 @@
           <p:cNvPr id="5" name="Title 3">
             <a:extLst>
               <a:ext uri="{FF2B5EF4-FFF2-40B4-BE49-F238E27FC236}">
-                <a16:creationId xmlns:a16="http://schemas.microsoft.com/office/drawing/2014/main" xmlns="" id="{D5B2E943-4D76-47C0-AFF3-70EEC7B728A0}"/>
+                <a16:creationId xmlns="" xmlns:a16="http://schemas.microsoft.com/office/drawing/2014/main" id="{D5B2E943-4D76-47C0-AFF3-70EEC7B728A0}"/>
               </a:ext>
             </a:extLst>
           </p:cNvPr>
@@ -30509,7 +30509,7 @@
           <p:cNvPr id="5" name="Title 3">
             <a:extLst>
               <a:ext uri="{FF2B5EF4-FFF2-40B4-BE49-F238E27FC236}">
-                <a16:creationId xmlns:a16="http://schemas.microsoft.com/office/drawing/2014/main" xmlns="" id="{D5B2E943-4D76-47C0-AFF3-70EEC7B728A0}"/>
+                <a16:creationId xmlns="" xmlns:a16="http://schemas.microsoft.com/office/drawing/2014/main" id="{D5B2E943-4D76-47C0-AFF3-70EEC7B728A0}"/>
               </a:ext>
             </a:extLst>
           </p:cNvPr>
@@ -31097,7 +31097,7 @@
           <p:cNvPr id="5" name="Title 3">
             <a:extLst>
               <a:ext uri="{FF2B5EF4-FFF2-40B4-BE49-F238E27FC236}">
-                <a16:creationId xmlns:a16="http://schemas.microsoft.com/office/drawing/2014/main" xmlns="" id="{D5B2E943-4D76-47C0-AFF3-70EEC7B728A0}"/>
+                <a16:creationId xmlns="" xmlns:a16="http://schemas.microsoft.com/office/drawing/2014/main" id="{D5B2E943-4D76-47C0-AFF3-70EEC7B728A0}"/>
               </a:ext>
             </a:extLst>
           </p:cNvPr>
@@ -31922,7 +31922,7 @@
           <p:cNvPr id="5" name="Title 3">
             <a:extLst>
               <a:ext uri="{FF2B5EF4-FFF2-40B4-BE49-F238E27FC236}">
-                <a16:creationId xmlns:a16="http://schemas.microsoft.com/office/drawing/2014/main" xmlns="" id="{D5B2E943-4D76-47C0-AFF3-70EEC7B728A0}"/>
+                <a16:creationId xmlns="" xmlns:a16="http://schemas.microsoft.com/office/drawing/2014/main" id="{D5B2E943-4D76-47C0-AFF3-70EEC7B728A0}"/>
               </a:ext>
             </a:extLst>
           </p:cNvPr>
@@ -32021,8 +32021,8 @@
           </a:p>
         </p:txBody>
       </p:sp>
-      <mc:AlternateContent xmlns:mc="http://schemas.openxmlformats.org/markup-compatibility/2006">
-        <mc:Choice xmlns:a14="http://schemas.microsoft.com/office/drawing/2010/main" Requires="a14">
+      <mc:AlternateContent xmlns:mc="http://schemas.openxmlformats.org/markup-compatibility/2006" xmlns:a14="http://schemas.microsoft.com/office/drawing/2010/main">
+        <mc:Choice Requires="a14">
           <p:sp>
             <p:nvSpPr>
               <p:cNvPr id="7" name="CasellaDiTesto 6"/>
@@ -33191,7 +33191,7 @@
             </p:txBody>
           </p:sp>
         </mc:Choice>
-        <mc:Fallback>
+        <mc:Fallback xmlns="">
           <p:sp>
             <p:nvSpPr>
               <p:cNvPr id="7" name="CasellaDiTesto 6"/>
@@ -33272,7 +33272,7 @@
           <p:cNvPr id="5" name="Title 3">
             <a:extLst>
               <a:ext uri="{FF2B5EF4-FFF2-40B4-BE49-F238E27FC236}">
-                <a16:creationId xmlns:a16="http://schemas.microsoft.com/office/drawing/2014/main" xmlns="" id="{D5B2E943-4D76-47C0-AFF3-70EEC7B728A0}"/>
+                <a16:creationId xmlns="" xmlns:a16="http://schemas.microsoft.com/office/drawing/2014/main" id="{D5B2E943-4D76-47C0-AFF3-70EEC7B728A0}"/>
               </a:ext>
             </a:extLst>
           </p:cNvPr>
@@ -34026,7 +34026,7 @@
           <p:cNvPr id="5" name="Title 3">
             <a:extLst>
               <a:ext uri="{FF2B5EF4-FFF2-40B4-BE49-F238E27FC236}">
-                <a16:creationId xmlns:a16="http://schemas.microsoft.com/office/drawing/2014/main" xmlns="" id="{189ECF77-714F-4D2C-9D4B-CC43534EF427}"/>
+                <a16:creationId xmlns="" xmlns:a16="http://schemas.microsoft.com/office/drawing/2014/main" id="{189ECF77-714F-4D2C-9D4B-CC43534EF427}"/>
               </a:ext>
             </a:extLst>
           </p:cNvPr>
@@ -34579,7 +34579,7 @@
               <a:buChar char="•"/>
             </a:pPr>
             <a:r>
-              <a:rPr lang="it-IT" b="1" i="1" dirty="0">
+              <a:rPr lang="it-IT" b="1" i="1" dirty="0" smtClean="0">
                 <a:latin typeface="Calibri" pitchFamily="34" charset="0"/>
                 <a:cs typeface="Calibri" pitchFamily="34" charset="0"/>
               </a:rPr>
@@ -34590,10 +34590,10 @@
                 <a:latin typeface="Calibri" pitchFamily="34" charset="0"/>
                 <a:cs typeface="Calibri" pitchFamily="34" charset="0"/>
               </a:rPr>
-              <a:t>1</a:t>
-            </a:r>
-            <a:r>
-              <a:rPr lang="it-IT" baseline="-25000" dirty="0">
+              <a:t>2</a:t>
+            </a:r>
+            <a:r>
+              <a:rPr lang="it-IT" baseline="-25000" dirty="0" smtClean="0">
                 <a:latin typeface="Calibri" pitchFamily="34" charset="0"/>
                 <a:cs typeface="Calibri" pitchFamily="34" charset="0"/>
               </a:rPr>
@@ -34709,7 +34709,7 @@
           <p:cNvPr id="5" name="Title 3">
             <a:extLst>
               <a:ext uri="{FF2B5EF4-FFF2-40B4-BE49-F238E27FC236}">
-                <a16:creationId xmlns:a16="http://schemas.microsoft.com/office/drawing/2014/main" xmlns="" id="{189ECF77-714F-4D2C-9D4B-CC43534EF427}"/>
+                <a16:creationId xmlns="" xmlns:a16="http://schemas.microsoft.com/office/drawing/2014/main" id="{189ECF77-714F-4D2C-9D4B-CC43534EF427}"/>
               </a:ext>
             </a:extLst>
           </p:cNvPr>
@@ -35732,7 +35732,7 @@
           <p:cNvPr id="5" name="Title 3">
             <a:extLst>
               <a:ext uri="{FF2B5EF4-FFF2-40B4-BE49-F238E27FC236}">
-                <a16:creationId xmlns:a16="http://schemas.microsoft.com/office/drawing/2014/main" xmlns="" id="{189ECF77-714F-4D2C-9D4B-CC43534EF427}"/>
+                <a16:creationId xmlns="" xmlns:a16="http://schemas.microsoft.com/office/drawing/2014/main" id="{189ECF77-714F-4D2C-9D4B-CC43534EF427}"/>
               </a:ext>
             </a:extLst>
           </p:cNvPr>
@@ -36419,7 +36419,7 @@
           <p:cNvPr id="5" name="Title 3">
             <a:extLst>
               <a:ext uri="{FF2B5EF4-FFF2-40B4-BE49-F238E27FC236}">
-                <a16:creationId xmlns:a16="http://schemas.microsoft.com/office/drawing/2014/main" xmlns="" id="{189ECF77-714F-4D2C-9D4B-CC43534EF427}"/>
+                <a16:creationId xmlns="" xmlns:a16="http://schemas.microsoft.com/office/drawing/2014/main" id="{189ECF77-714F-4D2C-9D4B-CC43534EF427}"/>
               </a:ext>
             </a:extLst>
           </p:cNvPr>
@@ -36691,7 +36691,7 @@
           <p:cNvPr id="5" name="Title 3">
             <a:extLst>
               <a:ext uri="{FF2B5EF4-FFF2-40B4-BE49-F238E27FC236}">
-                <a16:creationId xmlns:a16="http://schemas.microsoft.com/office/drawing/2014/main" xmlns="" id="{189ECF77-714F-4D2C-9D4B-CC43534EF427}"/>
+                <a16:creationId xmlns="" xmlns:a16="http://schemas.microsoft.com/office/drawing/2014/main" id="{189ECF77-714F-4D2C-9D4B-CC43534EF427}"/>
               </a:ext>
             </a:extLst>
           </p:cNvPr>
@@ -36973,7 +36973,7 @@
           <p:cNvPr id="5" name="Title 3">
             <a:extLst>
               <a:ext uri="{FF2B5EF4-FFF2-40B4-BE49-F238E27FC236}">
-                <a16:creationId xmlns:a16="http://schemas.microsoft.com/office/drawing/2014/main" xmlns="" id="{189ECF77-714F-4D2C-9D4B-CC43534EF427}"/>
+                <a16:creationId xmlns="" xmlns:a16="http://schemas.microsoft.com/office/drawing/2014/main" id="{189ECF77-714F-4D2C-9D4B-CC43534EF427}"/>
               </a:ext>
             </a:extLst>
           </p:cNvPr>
@@ -37773,7 +37773,7 @@
           <p:cNvPr id="5" name="Title 3">
             <a:extLst>
               <a:ext uri="{FF2B5EF4-FFF2-40B4-BE49-F238E27FC236}">
-                <a16:creationId xmlns:a16="http://schemas.microsoft.com/office/drawing/2014/main" xmlns="" id="{189ECF77-714F-4D2C-9D4B-CC43534EF427}"/>
+                <a16:creationId xmlns="" xmlns:a16="http://schemas.microsoft.com/office/drawing/2014/main" id="{189ECF77-714F-4D2C-9D4B-CC43534EF427}"/>
               </a:ext>
             </a:extLst>
           </p:cNvPr>
@@ -38236,7 +38236,7 @@
           <p:cNvPr id="5" name="Title 3">
             <a:extLst>
               <a:ext uri="{FF2B5EF4-FFF2-40B4-BE49-F238E27FC236}">
-                <a16:creationId xmlns:a16="http://schemas.microsoft.com/office/drawing/2014/main" xmlns="" id="{189ECF77-714F-4D2C-9D4B-CC43534EF427}"/>
+                <a16:creationId xmlns="" xmlns:a16="http://schemas.microsoft.com/office/drawing/2014/main" id="{189ECF77-714F-4D2C-9D4B-CC43534EF427}"/>
               </a:ext>
             </a:extLst>
           </p:cNvPr>
@@ -38306,14 +38306,14 @@
           </a:p>
         </p:txBody>
       </p:sp>
-      <mc:AlternateContent xmlns:mc="http://schemas.openxmlformats.org/markup-compatibility/2006">
-        <mc:Choice xmlns:a14="http://schemas.microsoft.com/office/drawing/2010/main" Requires="a14">
+      <mc:AlternateContent xmlns:mc="http://schemas.openxmlformats.org/markup-compatibility/2006" xmlns:a14="http://schemas.microsoft.com/office/drawing/2010/main">
+        <mc:Choice Requires="a14">
           <p:sp>
             <p:nvSpPr>
               <p:cNvPr id="3" name="Rettangolo 2">
                 <a:extLst>
                   <a:ext uri="{FF2B5EF4-FFF2-40B4-BE49-F238E27FC236}">
-                    <a16:creationId xmlns:a16="http://schemas.microsoft.com/office/drawing/2014/main" xmlns="" id="{E905DEB8-2BFA-41BE-9967-84ECE44648DF}"/>
+                    <a16:creationId xmlns="" xmlns:a16="http://schemas.microsoft.com/office/drawing/2014/main" id="{E905DEB8-2BFA-41BE-9967-84ECE44648DF}"/>
                   </a:ext>
                 </a:extLst>
               </p:cNvPr>
@@ -38938,7 +38938,7 @@
             </p:txBody>
           </p:sp>
         </mc:Choice>
-        <mc:Fallback>
+        <mc:Fallback xmlns="">
           <p:sp>
             <p:nvSpPr>
               <p:cNvPr id="3" name="Rettangolo 2">
@@ -39413,7 +39413,7 @@
           <p:cNvPr id="1026" name="Picture 2" descr="Risultati immagini per twitter vector logo">
             <a:extLst>
               <a:ext uri="{FF2B5EF4-FFF2-40B4-BE49-F238E27FC236}">
-                <a16:creationId xmlns:a16="http://schemas.microsoft.com/office/drawing/2014/main" xmlns="" id="{D889CC7C-9C8B-4FC7-BEA6-94A9A901435D}"/>
+                <a16:creationId xmlns="" xmlns:a16="http://schemas.microsoft.com/office/drawing/2014/main" id="{D889CC7C-9C8B-4FC7-BEA6-94A9A901435D}"/>
               </a:ext>
             </a:extLst>
           </p:cNvPr>
@@ -39497,7 +39497,7 @@
           <p:cNvPr id="5" name="Title 3">
             <a:extLst>
               <a:ext uri="{FF2B5EF4-FFF2-40B4-BE49-F238E27FC236}">
-                <a16:creationId xmlns:a16="http://schemas.microsoft.com/office/drawing/2014/main" xmlns="" id="{4B902CC3-75DB-41C6-B4AA-1F2B71CA058B}"/>
+                <a16:creationId xmlns="" xmlns:a16="http://schemas.microsoft.com/office/drawing/2014/main" id="{4B902CC3-75DB-41C6-B4AA-1F2B71CA058B}"/>
               </a:ext>
             </a:extLst>
           </p:cNvPr>
@@ -39552,7 +39552,7 @@
           <p:cNvPr id="6" name="Rettangolo 5">
             <a:extLst>
               <a:ext uri="{FF2B5EF4-FFF2-40B4-BE49-F238E27FC236}">
-                <a16:creationId xmlns:a16="http://schemas.microsoft.com/office/drawing/2014/main" xmlns="" id="{34D4963A-74A1-4455-8FDA-78E85A45FA8B}"/>
+                <a16:creationId xmlns="" xmlns:a16="http://schemas.microsoft.com/office/drawing/2014/main" id="{34D4963A-74A1-4455-8FDA-78E85A45FA8B}"/>
               </a:ext>
             </a:extLst>
           </p:cNvPr>
@@ -39734,7 +39734,7 @@
           <p:cNvPr id="7" name="Immagine 6">
             <a:extLst>
               <a:ext uri="{FF2B5EF4-FFF2-40B4-BE49-F238E27FC236}">
-                <a16:creationId xmlns:a16="http://schemas.microsoft.com/office/drawing/2014/main" xmlns="" id="{AF3703D5-DAD7-460C-ADBE-3A301D9A2FE4}"/>
+                <a16:creationId xmlns="" xmlns:a16="http://schemas.microsoft.com/office/drawing/2014/main" id="{AF3703D5-DAD7-460C-ADBE-3A301D9A2FE4}"/>
               </a:ext>
             </a:extLst>
           </p:cNvPr>
@@ -39770,7 +39770,7 @@
           <p:cNvPr id="8" name="Immagine 7" descr="Immagine che contiene clipart&#10;&#10;Descrizione generata con affidabilità elevata">
             <a:extLst>
               <a:ext uri="{FF2B5EF4-FFF2-40B4-BE49-F238E27FC236}">
-                <a16:creationId xmlns:a16="http://schemas.microsoft.com/office/drawing/2014/main" xmlns="" id="{8B09EFF9-4415-439B-9132-80DBE3EA395C}"/>
+                <a16:creationId xmlns="" xmlns:a16="http://schemas.microsoft.com/office/drawing/2014/main" id="{8B09EFF9-4415-439B-9132-80DBE3EA395C}"/>
               </a:ext>
             </a:extLst>
           </p:cNvPr>
@@ -39806,7 +39806,7 @@
           <p:cNvPr id="9" name="CasellaDiTesto 8">
             <a:extLst>
               <a:ext uri="{FF2B5EF4-FFF2-40B4-BE49-F238E27FC236}">
-                <a16:creationId xmlns:a16="http://schemas.microsoft.com/office/drawing/2014/main" xmlns="" id="{C240CA17-907D-48B7-9B44-F721E8F121F1}"/>
+                <a16:creationId xmlns="" xmlns:a16="http://schemas.microsoft.com/office/drawing/2014/main" id="{C240CA17-907D-48B7-9B44-F721E8F121F1}"/>
               </a:ext>
             </a:extLst>
           </p:cNvPr>
@@ -39847,7 +39847,7 @@
           <p:cNvPr id="10" name="CasellaDiTesto 9">
             <a:extLst>
               <a:ext uri="{FF2B5EF4-FFF2-40B4-BE49-F238E27FC236}">
-                <a16:creationId xmlns:a16="http://schemas.microsoft.com/office/drawing/2014/main" xmlns="" id="{122FF84E-387F-42FF-8447-215229458BC0}"/>
+                <a16:creationId xmlns="" xmlns:a16="http://schemas.microsoft.com/office/drawing/2014/main" id="{122FF84E-387F-42FF-8447-215229458BC0}"/>
               </a:ext>
             </a:extLst>
           </p:cNvPr>
@@ -39888,7 +39888,7 @@
           <p:cNvPr id="14" name="Connettore 2 13">
             <a:extLst>
               <a:ext uri="{FF2B5EF4-FFF2-40B4-BE49-F238E27FC236}">
-                <a16:creationId xmlns:a16="http://schemas.microsoft.com/office/drawing/2014/main" xmlns="" id="{240377C1-CB13-43A4-8F95-EB652CADEE65}"/>
+                <a16:creationId xmlns="" xmlns:a16="http://schemas.microsoft.com/office/drawing/2014/main" id="{240377C1-CB13-43A4-8F95-EB652CADEE65}"/>
               </a:ext>
             </a:extLst>
           </p:cNvPr>
@@ -39943,7 +39943,7 @@
           <p:cNvPr id="15" name="CasellaDiTesto 14">
             <a:extLst>
               <a:ext uri="{FF2B5EF4-FFF2-40B4-BE49-F238E27FC236}">
-                <a16:creationId xmlns:a16="http://schemas.microsoft.com/office/drawing/2014/main" xmlns="" id="{0FA5EFC3-169A-4B11-BF0C-7BD04846D93B}"/>
+                <a16:creationId xmlns="" xmlns:a16="http://schemas.microsoft.com/office/drawing/2014/main" id="{0FA5EFC3-169A-4B11-BF0C-7BD04846D93B}"/>
               </a:ext>
             </a:extLst>
           </p:cNvPr>
@@ -40052,7 +40052,7 @@
           <p:cNvPr id="5" name="Title 3">
             <a:extLst>
               <a:ext uri="{FF2B5EF4-FFF2-40B4-BE49-F238E27FC236}">
-                <a16:creationId xmlns:a16="http://schemas.microsoft.com/office/drawing/2014/main" xmlns="" id="{096E5434-7A74-4C64-89EF-6B1922B7AB16}"/>
+                <a16:creationId xmlns="" xmlns:a16="http://schemas.microsoft.com/office/drawing/2014/main" id="{096E5434-7A74-4C64-89EF-6B1922B7AB16}"/>
               </a:ext>
             </a:extLst>
           </p:cNvPr>
@@ -40107,7 +40107,7 @@
           <p:cNvPr id="6" name="CasellaDiTesto 5">
             <a:extLst>
               <a:ext uri="{FF2B5EF4-FFF2-40B4-BE49-F238E27FC236}">
-                <a16:creationId xmlns:a16="http://schemas.microsoft.com/office/drawing/2014/main" xmlns="" id="{DECCD907-1491-4E0C-9EB6-42C0FED72813}"/>
+                <a16:creationId xmlns="" xmlns:a16="http://schemas.microsoft.com/office/drawing/2014/main" id="{DECCD907-1491-4E0C-9EB6-42C0FED72813}"/>
               </a:ext>
             </a:extLst>
           </p:cNvPr>
@@ -40202,7 +40202,7 @@
           <p:cNvPr id="1026" name="Picture 2" descr="Immagine correlata">
             <a:extLst>
               <a:ext uri="{FF2B5EF4-FFF2-40B4-BE49-F238E27FC236}">
-                <a16:creationId xmlns:a16="http://schemas.microsoft.com/office/drawing/2014/main" xmlns="" id="{4DEEC977-158D-4FF8-A634-FED5C0A1F149}"/>
+                <a16:creationId xmlns="" xmlns:a16="http://schemas.microsoft.com/office/drawing/2014/main" id="{4DEEC977-158D-4FF8-A634-FED5C0A1F149}"/>
               </a:ext>
             </a:extLst>
           </p:cNvPr>
@@ -40249,7 +40249,7 @@
           <p:cNvPr id="8" name="CasellaDiTesto 7">
             <a:extLst>
               <a:ext uri="{FF2B5EF4-FFF2-40B4-BE49-F238E27FC236}">
-                <a16:creationId xmlns:a16="http://schemas.microsoft.com/office/drawing/2014/main" xmlns="" id="{422B22D0-A925-4E81-8629-21C4219E2051}"/>
+                <a16:creationId xmlns="" xmlns:a16="http://schemas.microsoft.com/office/drawing/2014/main" id="{422B22D0-A925-4E81-8629-21C4219E2051}"/>
               </a:ext>
             </a:extLst>
           </p:cNvPr>
@@ -40325,7 +40325,7 @@
           <p:cNvPr id="9" name="Connettore 2 8">
             <a:extLst>
               <a:ext uri="{FF2B5EF4-FFF2-40B4-BE49-F238E27FC236}">
-                <a16:creationId xmlns:a16="http://schemas.microsoft.com/office/drawing/2014/main" xmlns="" id="{B3EBC103-C224-4D98-B09E-EF0B1BD22D62}"/>
+                <a16:creationId xmlns="" xmlns:a16="http://schemas.microsoft.com/office/drawing/2014/main" id="{B3EBC103-C224-4D98-B09E-EF0B1BD22D62}"/>
               </a:ext>
             </a:extLst>
           </p:cNvPr>
@@ -40367,7 +40367,7 @@
           <p:cNvPr id="10" name="Rettangolo 9">
             <a:extLst>
               <a:ext uri="{FF2B5EF4-FFF2-40B4-BE49-F238E27FC236}">
-                <a16:creationId xmlns:a16="http://schemas.microsoft.com/office/drawing/2014/main" xmlns="" id="{197F89FE-FC4A-44AD-9080-7EB17BA3B63C}"/>
+                <a16:creationId xmlns="" xmlns:a16="http://schemas.microsoft.com/office/drawing/2014/main" id="{197F89FE-FC4A-44AD-9080-7EB17BA3B63C}"/>
               </a:ext>
             </a:extLst>
           </p:cNvPr>
@@ -40458,7 +40458,7 @@
           <p:cNvPr id="15" name="Rettangolo 14">
             <a:extLst>
               <a:ext uri="{FF2B5EF4-FFF2-40B4-BE49-F238E27FC236}">
-                <a16:creationId xmlns:a16="http://schemas.microsoft.com/office/drawing/2014/main" xmlns="" id="{6434515A-0CE7-46E1-9E5D-42505E037869}"/>
+                <a16:creationId xmlns="" xmlns:a16="http://schemas.microsoft.com/office/drawing/2014/main" id="{6434515A-0CE7-46E1-9E5D-42505E037869}"/>
               </a:ext>
             </a:extLst>
           </p:cNvPr>
@@ -40554,7 +40554,7 @@
           <p:cNvPr id="17" name="Connettore 2 16">
             <a:extLst>
               <a:ext uri="{FF2B5EF4-FFF2-40B4-BE49-F238E27FC236}">
-                <a16:creationId xmlns:a16="http://schemas.microsoft.com/office/drawing/2014/main" xmlns="" id="{99BFB39E-1B50-4D9F-B143-7E9CC03FDDCB}"/>
+                <a16:creationId xmlns="" xmlns:a16="http://schemas.microsoft.com/office/drawing/2014/main" id="{99BFB39E-1B50-4D9F-B143-7E9CC03FDDCB}"/>
               </a:ext>
             </a:extLst>
           </p:cNvPr>
@@ -40635,7 +40635,7 @@
           <p:cNvPr id="5" name="Title 3">
             <a:extLst>
               <a:ext uri="{FF2B5EF4-FFF2-40B4-BE49-F238E27FC236}">
-                <a16:creationId xmlns:a16="http://schemas.microsoft.com/office/drawing/2014/main" xmlns="" id="{F4F459AA-9D70-4285-920E-38B993241E77}"/>
+                <a16:creationId xmlns="" xmlns:a16="http://schemas.microsoft.com/office/drawing/2014/main" id="{F4F459AA-9D70-4285-920E-38B993241E77}"/>
               </a:ext>
             </a:extLst>
           </p:cNvPr>
@@ -40712,7 +40712,7 @@
               <p:cNvPr id="6" name="Rettangolo 5">
                 <a:extLst>
                   <a:ext uri="{FF2B5EF4-FFF2-40B4-BE49-F238E27FC236}">
-                    <a16:creationId xmlns:a16="http://schemas.microsoft.com/office/drawing/2014/main" xmlns="" id="{B2DAE42D-6981-4258-A997-350AEC1248D1}"/>
+                    <a16:creationId xmlns="" xmlns:a16="http://schemas.microsoft.com/office/drawing/2014/main" id="{B2DAE42D-6981-4258-A997-350AEC1248D1}"/>
                   </a:ext>
                 </a:extLst>
               </p:cNvPr>
@@ -41268,7 +41268,7 @@
           <p:cNvPr id="8" name="CasellaDiTesto 7">
             <a:extLst>
               <a:ext uri="{FF2B5EF4-FFF2-40B4-BE49-F238E27FC236}">
-                <a16:creationId xmlns:a16="http://schemas.microsoft.com/office/drawing/2014/main" xmlns="" id="{8B0801A2-6519-4569-95A9-BB7590321AD9}"/>
+                <a16:creationId xmlns="" xmlns:a16="http://schemas.microsoft.com/office/drawing/2014/main" id="{8B0801A2-6519-4569-95A9-BB7590321AD9}"/>
               </a:ext>
             </a:extLst>
           </p:cNvPr>
@@ -41614,7 +41614,7 @@
           <p:cNvPr id="10" name="Connettore 2 9">
             <a:extLst>
               <a:ext uri="{FF2B5EF4-FFF2-40B4-BE49-F238E27FC236}">
-                <a16:creationId xmlns:a16="http://schemas.microsoft.com/office/drawing/2014/main" xmlns="" id="{3E71D179-9BB9-40A9-B4D8-958D015E4F75}"/>
+                <a16:creationId xmlns="" xmlns:a16="http://schemas.microsoft.com/office/drawing/2014/main" id="{3E71D179-9BB9-40A9-B4D8-958D015E4F75}"/>
               </a:ext>
             </a:extLst>
           </p:cNvPr>
@@ -41653,7 +41653,7 @@
           <p:cNvPr id="12" name="Connettore 2 11">
             <a:extLst>
               <a:ext uri="{FF2B5EF4-FFF2-40B4-BE49-F238E27FC236}">
-                <a16:creationId xmlns:a16="http://schemas.microsoft.com/office/drawing/2014/main" xmlns="" id="{1BE3D6CD-BA35-49B2-B9E9-3F62FDBF378A}"/>
+                <a16:creationId xmlns="" xmlns:a16="http://schemas.microsoft.com/office/drawing/2014/main" id="{1BE3D6CD-BA35-49B2-B9E9-3F62FDBF378A}"/>
               </a:ext>
             </a:extLst>
           </p:cNvPr>
@@ -41692,7 +41692,7 @@
           <p:cNvPr id="14" name="CasellaDiTesto 13">
             <a:extLst>
               <a:ext uri="{FF2B5EF4-FFF2-40B4-BE49-F238E27FC236}">
-                <a16:creationId xmlns:a16="http://schemas.microsoft.com/office/drawing/2014/main" xmlns="" id="{52C41119-C267-4F95-B13B-D175F8FAD467}"/>
+                <a16:creationId xmlns="" xmlns:a16="http://schemas.microsoft.com/office/drawing/2014/main" id="{52C41119-C267-4F95-B13B-D175F8FAD467}"/>
               </a:ext>
             </a:extLst>
           </p:cNvPr>
@@ -41750,7 +41750,7 @@
           <p:cNvPr id="15" name="CasellaDiTesto 14">
             <a:extLst>
               <a:ext uri="{FF2B5EF4-FFF2-40B4-BE49-F238E27FC236}">
-                <a16:creationId xmlns:a16="http://schemas.microsoft.com/office/drawing/2014/main" xmlns="" id="{7739B639-5ED7-46CE-8E1E-A9D9A3526EA0}"/>
+                <a16:creationId xmlns="" xmlns:a16="http://schemas.microsoft.com/office/drawing/2014/main" id="{7739B639-5ED7-46CE-8E1E-A9D9A3526EA0}"/>
               </a:ext>
             </a:extLst>
           </p:cNvPr>
@@ -41845,7 +41845,7 @@
           <p:cNvPr id="5" name="Title 3">
             <a:extLst>
               <a:ext uri="{FF2B5EF4-FFF2-40B4-BE49-F238E27FC236}">
-                <a16:creationId xmlns:a16="http://schemas.microsoft.com/office/drawing/2014/main" xmlns="" id="{189ECF77-714F-4D2C-9D4B-CC43534EF427}"/>
+                <a16:creationId xmlns="" xmlns:a16="http://schemas.microsoft.com/office/drawing/2014/main" id="{189ECF77-714F-4D2C-9D4B-CC43534EF427}"/>
               </a:ext>
             </a:extLst>
           </p:cNvPr>
@@ -41922,7 +41922,7 @@
               <p:cNvPr id="6" name="Rettangolo 5">
                 <a:extLst>
                   <a:ext uri="{FF2B5EF4-FFF2-40B4-BE49-F238E27FC236}">
-                    <a16:creationId xmlns:a16="http://schemas.microsoft.com/office/drawing/2014/main" xmlns="" id="{A34D05E0-D21E-4851-84DD-833555197E5F}"/>
+                    <a16:creationId xmlns="" xmlns:a16="http://schemas.microsoft.com/office/drawing/2014/main" id="{A34D05E0-D21E-4851-84DD-833555197E5F}"/>
                   </a:ext>
                 </a:extLst>
               </p:cNvPr>
@@ -42736,7 +42736,7 @@
           <p:cNvPr id="5" name="Title 3">
             <a:extLst>
               <a:ext uri="{FF2B5EF4-FFF2-40B4-BE49-F238E27FC236}">
-                <a16:creationId xmlns:a16="http://schemas.microsoft.com/office/drawing/2014/main" xmlns="" id="{189ECF77-714F-4D2C-9D4B-CC43534EF427}"/>
+                <a16:creationId xmlns="" xmlns:a16="http://schemas.microsoft.com/office/drawing/2014/main" id="{189ECF77-714F-4D2C-9D4B-CC43534EF427}"/>
               </a:ext>
             </a:extLst>
           </p:cNvPr>
@@ -44263,7 +44263,7 @@
   <a:extraClrSchemeLst/>
   <a:extLst>
     <a:ext uri="{05A4C25C-085E-4340-85A3-A5531E510DB2}">
-      <thm15:themeFamily xmlns:thm15="http://schemas.microsoft.com/office/thememl/2012/main" xmlns="" name="Office Theme" id="{62F939B6-93AF-4DB8-9C6B-D6C7DFDC589F}" vid="{4A3C46E8-61CC-4603-A589-7422A47A8E4A}"/>
+      <thm15:themeFamily xmlns="" xmlns:thm15="http://schemas.microsoft.com/office/thememl/2012/main" name="Office Theme" id="{62F939B6-93AF-4DB8-9C6B-D6C7DFDC589F}" vid="{4A3C46E8-61CC-4603-A589-7422A47A8E4A}"/>
     </a:ext>
   </a:extLst>
 </a:theme>
